--- a/Courses/Software-Sciences/Module-4-Information-Systems-New/08-Navigation-between-Tables/08-Navigation-between-Tables.pptx
+++ b/Courses/Software-Sciences/Module-4-Information-Systems-New/08-Navigation-between-Tables/08-Navigation-between-Tables.pptx
@@ -17629,8 +17629,8 @@
         </p:nvSpPr>
         <p:spPr bwMode="auto">
           <a:xfrm>
-            <a:off x="627830" y="2635736"/>
-            <a:ext cx="11125200" cy="3080431"/>
+            <a:off x="619841" y="2304000"/>
+            <a:ext cx="11125200" cy="4126872"/>
           </a:xfrm>
           <a:prstGeom prst="rect">
             <a:avLst/>
@@ -17672,16 +17672,12 @@
               <a:buNone/>
             </a:pPr>
             <a:r>
-              <a:rPr lang="en-US" b="1" noProof="1">
+              <a:rPr lang="en-US" sz="1400" b="1" noProof="1">
                 <a:latin typeface="Consolas" pitchFamily="49" charset="0"/>
                 <a:cs typeface="Consolas" pitchFamily="49" charset="0"/>
               </a:rPr>
               <a:t>private void dataGridViewCountries_SelectionChanged(object sender, EventArgs e)</a:t>
             </a:r>
-            <a:endParaRPr lang="bg-BG" b="1" noProof="1">
-              <a:latin typeface="Consolas" pitchFamily="49" charset="0"/>
-              <a:cs typeface="Consolas" pitchFamily="49" charset="0"/>
-            </a:endParaRPr>
           </a:p>
           <a:p>
             <a:pPr>
@@ -17699,16 +17695,12 @@
               <a:buNone/>
             </a:pPr>
             <a:r>
-              <a:rPr lang="en-US" b="1" noProof="1">
+              <a:rPr lang="en-US" sz="1400" b="1" noProof="1">
                 <a:latin typeface="Consolas" pitchFamily="49" charset="0"/>
                 <a:cs typeface="Consolas" pitchFamily="49" charset="0"/>
               </a:rPr>
               <a:t>{</a:t>
             </a:r>
-            <a:endParaRPr lang="bg-BG" b="1" noProof="1">
-              <a:latin typeface="Consolas" pitchFamily="49" charset="0"/>
-              <a:cs typeface="Consolas" pitchFamily="49" charset="0"/>
-            </a:endParaRPr>
           </a:p>
           <a:p>
             <a:pPr>
@@ -17726,18 +17718,11 @@
               <a:buNone/>
             </a:pPr>
             <a:r>
-              <a:rPr lang="bg-BG" b="1" noProof="1">
+              <a:rPr lang="en-US" sz="1400" b="1" noProof="1">
                 <a:latin typeface="Consolas" pitchFamily="49" charset="0"/>
                 <a:cs typeface="Consolas" pitchFamily="49" charset="0"/>
               </a:rPr>
-              <a:t>    </a:t>
-            </a:r>
-            <a:r>
-              <a:rPr lang="en-US" b="1" noProof="1">
-                <a:latin typeface="Consolas" pitchFamily="49" charset="0"/>
-                <a:cs typeface="Consolas" pitchFamily="49" charset="0"/>
-              </a:rPr>
-              <a:t>var countryId = (int)this.dataGridViewCountries.</a:t>
+              <a:t>    using (var dbContext = new CountriesDbContext())</a:t>
             </a:r>
           </a:p>
           <a:p>
@@ -17756,16 +17741,12 @@
               <a:buNone/>
             </a:pPr>
             <a:r>
-              <a:rPr lang="en-US" b="1" noProof="1">
+              <a:rPr lang="en-US" sz="1400" b="1" noProof="1">
                 <a:latin typeface="Consolas" pitchFamily="49" charset="0"/>
                 <a:cs typeface="Consolas" pitchFamily="49" charset="0"/>
               </a:rPr>
-              <a:t>		                CurrentRow.Cells["CountryId"].Value; </a:t>
-            </a:r>
-            <a:endParaRPr lang="bg-BG" b="1" noProof="1">
-              <a:latin typeface="Consolas" pitchFamily="49" charset="0"/>
-              <a:cs typeface="Consolas" pitchFamily="49" charset="0"/>
-            </a:endParaRPr>
+              <a:t>    {</a:t>
+            </a:r>
           </a:p>
           <a:p>
             <a:pPr>
@@ -17783,16 +17764,46 @@
               <a:buNone/>
             </a:pPr>
             <a:r>
-              <a:rPr lang="en-US" b="1" noProof="1">
+              <a:rPr lang="en-US" sz="1400" b="1" noProof="1">
                 <a:latin typeface="Consolas" pitchFamily="49" charset="0"/>
                 <a:cs typeface="Consolas" pitchFamily="49" charset="0"/>
               </a:rPr>
-              <a:t>    var towns = this.dbContext.Towns.Where(t =&gt; t.CountryId == countryId).ToList();</a:t>
-            </a:r>
-            <a:endParaRPr lang="bg-BG" b="1" noProof="1">
-              <a:latin typeface="Consolas" pitchFamily="49" charset="0"/>
-              <a:cs typeface="Consolas" pitchFamily="49" charset="0"/>
-            </a:endParaRPr>
+              <a:t>        var selectedCountry = (Country)</a:t>
+            </a:r>
+            <a:r>
+              <a:rPr lang="en-US" sz="1400" b="1" noProof="1">
+                <a:solidFill>
+                  <a:schemeClr val="bg1"/>
+                </a:solidFill>
+                <a:latin typeface="Consolas" pitchFamily="49" charset="0"/>
+                <a:cs typeface="Consolas" pitchFamily="49" charset="0"/>
+              </a:rPr>
+              <a:t>countryBindingSource</a:t>
+            </a:r>
+            <a:r>
+              <a:rPr lang="en-US" sz="1400" b="1" noProof="1">
+                <a:latin typeface="Consolas" pitchFamily="49" charset="0"/>
+                <a:cs typeface="Consolas" pitchFamily="49" charset="0"/>
+              </a:rPr>
+              <a:t>.</a:t>
+            </a:r>
+            <a:r>
+              <a:rPr lang="en-US" sz="1400" b="1" noProof="1">
+                <a:solidFill>
+                  <a:schemeClr val="bg1"/>
+                </a:solidFill>
+                <a:latin typeface="Consolas" pitchFamily="49" charset="0"/>
+                <a:cs typeface="Consolas" pitchFamily="49" charset="0"/>
+              </a:rPr>
+              <a:t>Current</a:t>
+            </a:r>
+            <a:r>
+              <a:rPr lang="en-US" sz="1400" b="1" noProof="1">
+                <a:latin typeface="Consolas" pitchFamily="49" charset="0"/>
+                <a:cs typeface="Consolas" pitchFamily="49" charset="0"/>
+              </a:rPr>
+              <a:t>;</a:t>
+            </a:r>
           </a:p>
           <a:p>
             <a:pPr>
@@ -17810,23 +17821,12 @@
               <a:buNone/>
             </a:pPr>
             <a:r>
-              <a:rPr lang="bg-BG" b="1" noProof="1">
+              <a:rPr lang="en-US" sz="1400" b="1" noProof="1">
                 <a:latin typeface="Consolas" pitchFamily="49" charset="0"/>
                 <a:cs typeface="Consolas" pitchFamily="49" charset="0"/>
               </a:rPr>
-              <a:t>    </a:t>
-            </a:r>
-            <a:r>
-              <a:rPr lang="en-US" b="1" noProof="1">
-                <a:latin typeface="Consolas" pitchFamily="49" charset="0"/>
-                <a:cs typeface="Consolas" pitchFamily="49" charset="0"/>
-              </a:rPr>
-              <a:t>this.dataGridViewTowns.DataSource = towns;</a:t>
-            </a:r>
-            <a:endParaRPr lang="bg-BG" b="1" noProof="1">
-              <a:latin typeface="Consolas" pitchFamily="49" charset="0"/>
-              <a:cs typeface="Consolas" pitchFamily="49" charset="0"/>
-            </a:endParaRPr>
+              <a:t>        if (selectedCountry == null) return;</a:t>
+            </a:r>
           </a:p>
           <a:p>
             <a:pPr>
@@ -17844,16 +17844,189 @@
               <a:buNone/>
             </a:pPr>
             <a:r>
-              <a:rPr lang="en-US" b="1" noProof="1">
+              <a:rPr lang="en-US" sz="1400" b="1" noProof="1">
                 <a:latin typeface="Consolas" pitchFamily="49" charset="0"/>
                 <a:cs typeface="Consolas" pitchFamily="49" charset="0"/>
               </a:rPr>
+              <a:t>        var countryId = selectedCountry.</a:t>
+            </a:r>
+            <a:r>
+              <a:rPr lang="en-US" sz="1400" b="1" noProof="1">
+                <a:solidFill>
+                  <a:schemeClr val="bg1"/>
+                </a:solidFill>
+                <a:latin typeface="Consolas" pitchFamily="49" charset="0"/>
+                <a:cs typeface="Consolas" pitchFamily="49" charset="0"/>
+              </a:rPr>
+              <a:t>CountryId</a:t>
+            </a:r>
+            <a:r>
+              <a:rPr lang="en-US" sz="1400" b="1" noProof="1">
+                <a:latin typeface="Consolas" pitchFamily="49" charset="0"/>
+                <a:cs typeface="Consolas" pitchFamily="49" charset="0"/>
+              </a:rPr>
+              <a:t>;</a:t>
+            </a:r>
+          </a:p>
+          <a:p>
+            <a:pPr>
+              <a:spcBef>
+                <a:spcPts val="600"/>
+              </a:spcBef>
+              <a:spcAft>
+                <a:spcPts val="600"/>
+              </a:spcAft>
+              <a:buClr>
+                <a:srgbClr val="F2B254"/>
+              </a:buClr>
+              <a:buSzPct val="100000"/>
+              <a:buFont typeface="Wingdings" panose="05000000000000000000" pitchFamily="2" charset="2"/>
+              <a:buNone/>
+            </a:pPr>
+            <a:r>
+              <a:rPr lang="en-US" sz="1400" b="1" noProof="1">
+                <a:latin typeface="Consolas" pitchFamily="49" charset="0"/>
+                <a:cs typeface="Consolas" pitchFamily="49" charset="0"/>
+              </a:rPr>
+              <a:t>        var towns = dbContext.Towns.</a:t>
+            </a:r>
+            <a:r>
+              <a:rPr lang="en-US" sz="1400" b="1" noProof="1">
+                <a:solidFill>
+                  <a:schemeClr val="bg1"/>
+                </a:solidFill>
+                <a:latin typeface="Consolas" pitchFamily="49" charset="0"/>
+                <a:cs typeface="Consolas" pitchFamily="49" charset="0"/>
+              </a:rPr>
+              <a:t>Where</a:t>
+            </a:r>
+            <a:r>
+              <a:rPr lang="en-US" sz="1400" b="1" noProof="1">
+                <a:latin typeface="Consolas" pitchFamily="49" charset="0"/>
+                <a:cs typeface="Consolas" pitchFamily="49" charset="0"/>
+              </a:rPr>
+              <a:t>(t =&gt; t.CountryId == countryId).ToList();</a:t>
+            </a:r>
+          </a:p>
+          <a:p>
+            <a:pPr>
+              <a:spcBef>
+                <a:spcPts val="600"/>
+              </a:spcBef>
+              <a:spcAft>
+                <a:spcPts val="600"/>
+              </a:spcAft>
+              <a:buClr>
+                <a:srgbClr val="F2B254"/>
+              </a:buClr>
+              <a:buSzPct val="100000"/>
+              <a:buFont typeface="Wingdings" panose="05000000000000000000" pitchFamily="2" charset="2"/>
+              <a:buNone/>
+            </a:pPr>
+            <a:r>
+              <a:rPr lang="en-US" sz="1400" b="1" noProof="1">
+                <a:latin typeface="Consolas" pitchFamily="49" charset="0"/>
+                <a:cs typeface="Consolas" pitchFamily="49" charset="0"/>
+              </a:rPr>
+              <a:t>        if (towns.Count &gt; 0) this.</a:t>
+            </a:r>
+            <a:r>
+              <a:rPr lang="en-US" sz="1400" b="1" noProof="1">
+                <a:solidFill>
+                  <a:schemeClr val="bg1"/>
+                </a:solidFill>
+                <a:latin typeface="Consolas" pitchFamily="49" charset="0"/>
+                <a:cs typeface="Consolas" pitchFamily="49" charset="0"/>
+              </a:rPr>
+              <a:t>dataGridViewTowns</a:t>
+            </a:r>
+            <a:r>
+              <a:rPr lang="en-US" sz="1400" b="1" noProof="1">
+                <a:latin typeface="Consolas" pitchFamily="49" charset="0"/>
+                <a:cs typeface="Consolas" pitchFamily="49" charset="0"/>
+              </a:rPr>
+              <a:t>.</a:t>
+            </a:r>
+            <a:r>
+              <a:rPr lang="en-US" sz="1400" b="1" noProof="1">
+                <a:solidFill>
+                  <a:schemeClr val="bg1"/>
+                </a:solidFill>
+                <a:latin typeface="Consolas" pitchFamily="49" charset="0"/>
+                <a:cs typeface="Consolas" pitchFamily="49" charset="0"/>
+              </a:rPr>
+              <a:t>DataSource</a:t>
+            </a:r>
+            <a:r>
+              <a:rPr lang="en-US" sz="1400" b="1" noProof="1">
+                <a:latin typeface="Consolas" pitchFamily="49" charset="0"/>
+                <a:cs typeface="Consolas" pitchFamily="49" charset="0"/>
+              </a:rPr>
+              <a:t> = </a:t>
+            </a:r>
+            <a:r>
+              <a:rPr lang="en-US" sz="1400" b="1" noProof="1">
+                <a:solidFill>
+                  <a:schemeClr val="bg1"/>
+                </a:solidFill>
+                <a:latin typeface="Consolas" pitchFamily="49" charset="0"/>
+                <a:cs typeface="Consolas" pitchFamily="49" charset="0"/>
+              </a:rPr>
+              <a:t>towns</a:t>
+            </a:r>
+            <a:r>
+              <a:rPr lang="en-US" sz="1400" b="1" noProof="1">
+                <a:latin typeface="Consolas" pitchFamily="49" charset="0"/>
+                <a:cs typeface="Consolas" pitchFamily="49" charset="0"/>
+              </a:rPr>
+              <a:t>;</a:t>
+            </a:r>
+          </a:p>
+          <a:p>
+            <a:pPr>
+              <a:spcBef>
+                <a:spcPts val="600"/>
+              </a:spcBef>
+              <a:spcAft>
+                <a:spcPts val="600"/>
+              </a:spcAft>
+              <a:buClr>
+                <a:srgbClr val="F2B254"/>
+              </a:buClr>
+              <a:buSzPct val="100000"/>
+              <a:buFont typeface="Wingdings" panose="05000000000000000000" pitchFamily="2" charset="2"/>
+              <a:buNone/>
+            </a:pPr>
+            <a:r>
+              <a:rPr lang="en-US" sz="1400" b="1" noProof="1">
+                <a:latin typeface="Consolas" pitchFamily="49" charset="0"/>
+                <a:cs typeface="Consolas" pitchFamily="49" charset="0"/>
+              </a:rPr>
+              <a:t>    }</a:t>
+            </a:r>
+          </a:p>
+          <a:p>
+            <a:pPr>
+              <a:spcBef>
+                <a:spcPts val="600"/>
+              </a:spcBef>
+              <a:spcAft>
+                <a:spcPts val="600"/>
+              </a:spcAft>
+              <a:buClr>
+                <a:srgbClr val="F2B254"/>
+              </a:buClr>
+              <a:buSzPct val="100000"/>
+              <a:buFont typeface="Wingdings" panose="05000000000000000000" pitchFamily="2" charset="2"/>
+              <a:buNone/>
+            </a:pPr>
+            <a:r>
+              <a:rPr lang="en-US" sz="1400" b="1" noProof="1">
+                <a:latin typeface="Consolas" pitchFamily="49" charset="0"/>
+                <a:cs typeface="Consolas" pitchFamily="49" charset="0"/>
+              </a:rPr>
               <a:t>}</a:t>
             </a:r>
-            <a:endParaRPr lang="en-US" sz="4000" b="1" noProof="1">
-              <a:latin typeface="Consolas" pitchFamily="49" charset="0"/>
-              <a:cs typeface="Consolas" pitchFamily="49" charset="0"/>
-            </a:endParaRPr>
           </a:p>
         </p:txBody>
       </p:sp>
@@ -18110,19 +18283,19 @@
           <a:lstStyle/>
           <a:p>
             <a:r>
-              <a:rPr lang="bg-BG" sz="2600" dirty="0"/>
+              <a:rPr lang="bg-BG" sz="2400" dirty="0"/>
               <a:t>Добавяме </a:t>
             </a:r>
             <a:r>
-              <a:rPr lang="bg-BG" sz="2600" b="1" dirty="0"/>
+              <a:rPr lang="bg-BG" sz="2400" b="1" dirty="0"/>
               <a:t>метод-обработчик</a:t>
             </a:r>
             <a:r>
-              <a:rPr lang="bg-BG" sz="2600" dirty="0"/>
+              <a:rPr lang="bg-BG" sz="2400" dirty="0"/>
               <a:t> при </a:t>
             </a:r>
             <a:r>
-              <a:rPr lang="en-US" sz="2600" b="1" dirty="0">
+              <a:rPr lang="en-US" sz="2400" b="1" dirty="0">
                 <a:solidFill>
                   <a:schemeClr val="bg1"/>
                 </a:solidFill>
@@ -18132,7 +18305,7 @@
               <a:t>TextChanged</a:t>
             </a:r>
             <a:r>
-              <a:rPr lang="en-US" sz="2600" b="1" dirty="0">
+              <a:rPr lang="en-US" sz="2400" b="1" dirty="0">
                 <a:solidFill>
                   <a:schemeClr val="bg1"/>
                 </a:solidFill>
@@ -18142,14 +18315,14 @@
               <a:t> </a:t>
             </a:r>
             <a:r>
-              <a:rPr lang="bg-BG" sz="2600" dirty="0"/>
+              <a:rPr lang="bg-BG" sz="2400" dirty="0"/>
               <a:t>на </a:t>
             </a:r>
             <a:r>
-              <a:rPr lang="en-US" sz="2600" b="1" dirty="0"/>
+              <a:rPr lang="en-US" sz="2400" b="1" dirty="0"/>
               <a:t>textBoxFilter</a:t>
             </a:r>
-            <a:endParaRPr lang="bg-BG" sz="2600" b="1" dirty="0"/>
+            <a:endParaRPr lang="bg-BG" sz="2400" b="1" dirty="0"/>
           </a:p>
           <a:p>
             <a:endParaRPr lang="bg-BG" sz="2800" b="1" dirty="0">
@@ -18161,18 +18334,24 @@
             </a:endParaRPr>
           </a:p>
           <a:p>
-            <a:endParaRPr lang="bg-BG" sz="2600" dirty="0"/>
-          </a:p>
-          <a:p>
-            <a:endParaRPr lang="bg-BG" sz="2600" dirty="0"/>
-          </a:p>
-          <a:p>
-            <a:r>
-              <a:rPr lang="bg-BG" sz="2600" dirty="0"/>
+            <a:pPr marL="0" indent="0">
+              <a:buNone/>
+            </a:pPr>
+            <a:endParaRPr lang="en-US" sz="2600" dirty="0"/>
+          </a:p>
+          <a:p>
+            <a:pPr marL="0" indent="0">
+              <a:buNone/>
+            </a:pPr>
+            <a:endParaRPr lang="bg-BG" sz="900" dirty="0"/>
+          </a:p>
+          <a:p>
+            <a:r>
+              <a:rPr lang="bg-BG" sz="2400" dirty="0"/>
               <a:t>Имплементираме </a:t>
             </a:r>
             <a:r>
-              <a:rPr lang="bg-BG" sz="2600" b="1" dirty="0">
+              <a:rPr lang="bg-BG" sz="2400" b="1" dirty="0">
                 <a:solidFill>
                   <a:schemeClr val="bg1"/>
                 </a:solidFill>
@@ -18180,14 +18359,14 @@
               <a:t>живо търсене </a:t>
             </a:r>
             <a:r>
-              <a:rPr lang="bg-BG" sz="2600" dirty="0"/>
+              <a:rPr lang="bg-BG" sz="2400" dirty="0"/>
               <a:t>по </a:t>
             </a:r>
             <a:r>
-              <a:rPr lang="bg-BG" sz="2600" b="1" dirty="0"/>
+              <a:rPr lang="bg-BG" sz="2400" b="1" dirty="0"/>
               <a:t>име</a:t>
             </a:r>
-            <a:endParaRPr lang="en-BG" sz="2600" b="1" dirty="0"/>
+            <a:endParaRPr lang="en-BG" sz="2400" b="1" dirty="0"/>
           </a:p>
         </p:txBody>
       </p:sp>
@@ -18236,8 +18415,8 @@
         </p:nvSpPr>
         <p:spPr bwMode="auto">
           <a:xfrm>
-            <a:off x="614003" y="3935190"/>
-            <a:ext cx="11125200" cy="2711100"/>
+            <a:off x="614003" y="3606809"/>
+            <a:ext cx="11125200" cy="2926543"/>
           </a:xfrm>
           <a:prstGeom prst="rect">
             <a:avLst/>
@@ -18279,11 +18458,11 @@
               <a:buNone/>
             </a:pPr>
             <a:r>
-              <a:rPr lang="en-US" sz="1600" b="1" noProof="1">
+              <a:rPr lang="en-US" b="1" noProof="1">
                 <a:latin typeface="Consolas" pitchFamily="49" charset="0"/>
                 <a:cs typeface="Consolas" pitchFamily="49" charset="0"/>
               </a:rPr>
-              <a:t>private void textBoxFilter_TextChanged(object sender, EventArgs e)</a:t>
+              <a:t>using (var dbContext = new CountriesDbContext())</a:t>
             </a:r>
           </a:p>
           <a:p>
@@ -18302,7 +18481,7 @@
               <a:buNone/>
             </a:pPr>
             <a:r>
-              <a:rPr lang="en-US" sz="1600" b="1" noProof="1">
+              <a:rPr lang="en-US" b="1" noProof="1">
                 <a:latin typeface="Consolas" pitchFamily="49" charset="0"/>
                 <a:cs typeface="Consolas" pitchFamily="49" charset="0"/>
               </a:rPr>
@@ -18325,11 +18504,11 @@
               <a:buNone/>
             </a:pPr>
             <a:r>
-              <a:rPr lang="en-US" sz="1600" b="1" noProof="1">
+              <a:rPr lang="en-US" b="1" noProof="1">
                 <a:latin typeface="Consolas" pitchFamily="49" charset="0"/>
                 <a:cs typeface="Consolas" pitchFamily="49" charset="0"/>
               </a:rPr>
-              <a:t>    var filterText = this.textBoxFilter.Text.ToLower();</a:t>
+              <a:t>    var filterText = this.textBoxFilter.Text.ToLower();</a:t>
             </a:r>
           </a:p>
           <a:p>
@@ -18348,25 +18527,28 @@
               <a:buNone/>
             </a:pPr>
             <a:r>
-              <a:rPr lang="en-US" sz="1600" b="1" noProof="1">
+              <a:rPr lang="en-US" b="1" noProof="1">
                 <a:latin typeface="Consolas" pitchFamily="49" charset="0"/>
                 <a:cs typeface="Consolas" pitchFamily="49" charset="0"/>
               </a:rPr>
-              <a:t>    var filteredCountries = this.dbContext.Countries.Where(c =&gt; </a:t>
-            </a:r>
-            <a:r>
-              <a:rPr lang="bg-BG" sz="1600" b="1" noProof="1">
+              <a:t>    var filteredCountries = dbContext.Countries.</a:t>
+            </a:r>
+            <a:r>
+              <a:rPr lang="en-US" b="1" noProof="1">
+                <a:solidFill>
+                  <a:schemeClr val="bg1"/>
+                </a:solidFill>
                 <a:latin typeface="Consolas" pitchFamily="49" charset="0"/>
                 <a:cs typeface="Consolas" pitchFamily="49" charset="0"/>
               </a:rPr>
-              <a:t>				</a:t>
-            </a:r>
-            <a:r>
-              <a:rPr lang="en-US" sz="1600" b="1" noProof="1">
+              <a:t>Where</a:t>
+            </a:r>
+            <a:r>
+              <a:rPr lang="en-US" b="1" noProof="1">
                 <a:latin typeface="Consolas" pitchFamily="49" charset="0"/>
                 <a:cs typeface="Consolas" pitchFamily="49" charset="0"/>
               </a:rPr>
-              <a:t>c.CountryName.ToLower().Contains(filterText)).ToList();</a:t>
+              <a:t>(c =&gt;         	c.CountryName.ToLower().Contains(filterText)).ToList();</a:t>
             </a:r>
           </a:p>
           <a:p>
@@ -18385,11 +18567,62 @@
               <a:buNone/>
             </a:pPr>
             <a:r>
-              <a:rPr lang="en-US" sz="1600" b="1" noProof="1">
+              <a:rPr lang="en-US" b="1" noProof="1">
                 <a:latin typeface="Consolas" pitchFamily="49" charset="0"/>
                 <a:cs typeface="Consolas" pitchFamily="49" charset="0"/>
               </a:rPr>
-              <a:t>    this.dataGridViewCountries.DataSource = filteredCountries;</a:t>
+              <a:t>    this.</a:t>
+            </a:r>
+            <a:r>
+              <a:rPr lang="en-US" b="1" noProof="1">
+                <a:solidFill>
+                  <a:schemeClr val="bg1"/>
+                </a:solidFill>
+                <a:latin typeface="Consolas" pitchFamily="49" charset="0"/>
+                <a:cs typeface="Consolas" pitchFamily="49" charset="0"/>
+              </a:rPr>
+              <a:t>dataGridViewCountries</a:t>
+            </a:r>
+            <a:r>
+              <a:rPr lang="en-US" b="1" noProof="1">
+                <a:latin typeface="Consolas" pitchFamily="49" charset="0"/>
+                <a:cs typeface="Consolas" pitchFamily="49" charset="0"/>
+              </a:rPr>
+              <a:t>.</a:t>
+            </a:r>
+            <a:r>
+              <a:rPr lang="en-US" b="1" noProof="1">
+                <a:solidFill>
+                  <a:schemeClr val="bg1"/>
+                </a:solidFill>
+                <a:latin typeface="Consolas" pitchFamily="49" charset="0"/>
+                <a:cs typeface="Consolas" pitchFamily="49" charset="0"/>
+              </a:rPr>
+              <a:t>DataSource</a:t>
+            </a:r>
+            <a:r>
+              <a:rPr lang="en-US" b="1" noProof="1">
+                <a:latin typeface="Consolas" pitchFamily="49" charset="0"/>
+                <a:cs typeface="Consolas" pitchFamily="49" charset="0"/>
+              </a:rPr>
+              <a:t> = </a:t>
+            </a:r>
+            <a:r>
+              <a:rPr lang="en-US" b="1" noProof="1">
+                <a:solidFill>
+                  <a:schemeClr val="bg1"/>
+                </a:solidFill>
+                <a:latin typeface="Consolas" pitchFamily="49" charset="0"/>
+                <a:cs typeface="Consolas" pitchFamily="49" charset="0"/>
+              </a:rPr>
+              <a:t>filteredCountries</a:t>
+            </a:r>
+            <a:r>
+              <a:rPr lang="en-US" b="1" noProof="1">
+                <a:latin typeface="Consolas" pitchFamily="49" charset="0"/>
+                <a:cs typeface="Consolas" pitchFamily="49" charset="0"/>
+              </a:rPr>
+              <a:t>;</a:t>
             </a:r>
           </a:p>
           <a:p>
@@ -18408,7 +18641,7 @@
               <a:buNone/>
             </a:pPr>
             <a:r>
-              <a:rPr lang="en-US" sz="1600" b="1" noProof="1">
+              <a:rPr lang="en-US" b="1" noProof="1">
                 <a:latin typeface="Consolas" pitchFamily="49" charset="0"/>
                 <a:cs typeface="Consolas" pitchFamily="49" charset="0"/>
               </a:rPr>
@@ -18445,8 +18678,8 @@
         </p:blipFill>
         <p:spPr>
           <a:xfrm>
-            <a:off x="614003" y="1748649"/>
-            <a:ext cx="4068592" cy="1634017"/>
+            <a:off x="614003" y="1697075"/>
+            <a:ext cx="3608666" cy="1449303"/>
           </a:xfrm>
           <a:prstGeom prst="rect">
             <a:avLst/>
@@ -19499,7 +19732,7 @@
         <p:spPr bwMode="auto">
           <a:xfrm>
             <a:off x="533400" y="1216735"/>
-            <a:ext cx="11125200" cy="5296423"/>
+            <a:ext cx="11125200" cy="5173312"/>
           </a:xfrm>
           <a:prstGeom prst="rect">
             <a:avLst/>
@@ -19527,8 +19760,7 @@
           <a:lstStyle/>
           <a:p>
             <a:r>
-              <a:rPr lang="en-GB" sz="1600" b="1" dirty="0">
-                <a:effectLst/>
+              <a:rPr lang="en-GB" sz="1400" b="1" dirty="0">
                 <a:latin typeface="Consolas" panose="020B0609020204030204" pitchFamily="49" charset="0"/>
                 <a:cs typeface="Consolas" panose="020B0609020204030204" pitchFamily="49" charset="0"/>
               </a:rPr>
@@ -19537,8 +19769,7 @@
           </a:p>
           <a:p>
             <a:r>
-              <a:rPr lang="en-GB" sz="1600" b="1" dirty="0">
-                <a:effectLst/>
+              <a:rPr lang="en-GB" sz="1400" b="1" dirty="0">
                 <a:latin typeface="Consolas" panose="020B0609020204030204" pitchFamily="49" charset="0"/>
                 <a:cs typeface="Consolas" panose="020B0609020204030204" pitchFamily="49" charset="0"/>
               </a:rPr>
@@ -19547,285 +19778,362 @@
           </a:p>
           <a:p>
             <a:r>
-              <a:rPr lang="en-GB" sz="1600" b="1" dirty="0">
+              <a:rPr lang="en-GB" sz="1400" b="1" dirty="0">
                 <a:latin typeface="Consolas" panose="020B0609020204030204" pitchFamily="49" charset="0"/>
                 <a:cs typeface="Consolas" panose="020B0609020204030204" pitchFamily="49" charset="0"/>
               </a:rPr>
-              <a:t>    </a:t>
-            </a:r>
-            <a:r>
-              <a:rPr lang="en-GB" sz="1600" b="1" dirty="0">
-                <a:effectLst/>
+              <a:t>    using (var dbContext = new CountriesDbContext())</a:t>
+            </a:r>
+          </a:p>
+          <a:p>
+            <a:r>
+              <a:rPr lang="en-GB" sz="1400" b="1" dirty="0">
                 <a:latin typeface="Consolas" panose="020B0609020204030204" pitchFamily="49" charset="0"/>
                 <a:cs typeface="Consolas" panose="020B0609020204030204" pitchFamily="49" charset="0"/>
               </a:rPr>
-              <a:t>var countries = this.dbContext.Countries.AsQueryable();</a:t>
-            </a:r>
-            <a:endParaRPr lang="en-GB" sz="1600" b="1" dirty="0">
-              <a:latin typeface="Consolas" panose="020B0609020204030204" pitchFamily="49" charset="0"/>
-              <a:cs typeface="Consolas" panose="020B0609020204030204" pitchFamily="49" charset="0"/>
-            </a:endParaRPr>
-          </a:p>
-          <a:p>
-            <a:r>
-              <a:rPr lang="en-GB" sz="1600" b="1" dirty="0">
-                <a:effectLst/>
+              <a:t>    {</a:t>
+            </a:r>
+          </a:p>
+          <a:p>
+            <a:r>
+              <a:rPr lang="en-GB" sz="1400" b="1" dirty="0">
                 <a:latin typeface="Consolas" panose="020B0609020204030204" pitchFamily="49" charset="0"/>
                 <a:cs typeface="Consolas" panose="020B0609020204030204" pitchFamily="49" charset="0"/>
               </a:rPr>
-              <a:t>    switch (columnName)</a:t>
-            </a:r>
-          </a:p>
-          <a:p>
-            <a:r>
-              <a:rPr lang="en-GB" sz="1600" b="1" dirty="0">
-                <a:effectLst/>
+              <a:t>        var countries = dbContext.Countries.AsQueryable();</a:t>
+            </a:r>
+          </a:p>
+          <a:p>
+            <a:r>
+              <a:rPr lang="en-GB" sz="1400" b="1" dirty="0">
                 <a:latin typeface="Consolas" panose="020B0609020204030204" pitchFamily="49" charset="0"/>
                 <a:cs typeface="Consolas" panose="020B0609020204030204" pitchFamily="49" charset="0"/>
               </a:rPr>
-              <a:t>    {</a:t>
-            </a:r>
-          </a:p>
-          <a:p>
-            <a:r>
-              <a:rPr lang="en-GB" sz="1600" b="1" dirty="0">
-                <a:effectLst/>
+              <a:t>        switch (columnName)</a:t>
+            </a:r>
+          </a:p>
+          <a:p>
+            <a:r>
+              <a:rPr lang="en-GB" sz="1400" b="1" dirty="0">
                 <a:latin typeface="Consolas" panose="020B0609020204030204" pitchFamily="49" charset="0"/>
                 <a:cs typeface="Consolas" panose="020B0609020204030204" pitchFamily="49" charset="0"/>
               </a:rPr>
-              <a:t>        case "</a:t>
-            </a:r>
-            <a:r>
-              <a:rPr lang="bg-BG" sz="1600" b="1" dirty="0">
-                <a:effectLst/>
+              <a:t>        {</a:t>
+            </a:r>
+          </a:p>
+          <a:p>
+            <a:r>
+              <a:rPr lang="en-GB" sz="1400" b="1" dirty="0">
                 <a:latin typeface="Consolas" panose="020B0609020204030204" pitchFamily="49" charset="0"/>
                 <a:cs typeface="Consolas" panose="020B0609020204030204" pitchFamily="49" charset="0"/>
               </a:rPr>
-              <a:t>Име (възходящо)":</a:t>
-            </a:r>
-          </a:p>
-          <a:p>
-            <a:r>
-              <a:rPr lang="bg-BG" sz="1600" b="1" dirty="0">
-                <a:effectLst/>
+              <a:t>            case "</a:t>
+            </a:r>
+            <a:r>
+              <a:rPr lang="bg-BG" sz="1400" b="1" dirty="0">
                 <a:latin typeface="Consolas" panose="020B0609020204030204" pitchFamily="49" charset="0"/>
                 <a:cs typeface="Consolas" panose="020B0609020204030204" pitchFamily="49" charset="0"/>
               </a:rPr>
-              <a:t>    </a:t>
-            </a:r>
-            <a:r>
-              <a:rPr lang="en-US" sz="1600" b="1" dirty="0">
-                <a:effectLst/>
+              <a:t>Име (възходящо)":</a:t>
+            </a:r>
+          </a:p>
+          <a:p>
+            <a:r>
+              <a:rPr lang="bg-BG" sz="1400" b="1" dirty="0">
                 <a:latin typeface="Consolas" panose="020B0609020204030204" pitchFamily="49" charset="0"/>
                 <a:cs typeface="Consolas" panose="020B0609020204030204" pitchFamily="49" charset="0"/>
               </a:rPr>
-              <a:t>        </a:t>
-            </a:r>
-            <a:r>
-              <a:rPr lang="en-GB" sz="1600" b="1" dirty="0">
-                <a:effectLst/>
+              <a:t>                </a:t>
+            </a:r>
+            <a:r>
+              <a:rPr lang="en-GB" sz="1400" b="1" dirty="0">
                 <a:latin typeface="Consolas" panose="020B0609020204030204" pitchFamily="49" charset="0"/>
                 <a:cs typeface="Consolas" panose="020B0609020204030204" pitchFamily="49" charset="0"/>
               </a:rPr>
-              <a:t>countries = countries.OrderBy(c =&gt; c.CountryName);</a:t>
-            </a:r>
-          </a:p>
-          <a:p>
-            <a:r>
-              <a:rPr lang="en-GB" sz="1600" b="1" dirty="0">
-                <a:effectLst/>
+              <a:t>countries = countries.</a:t>
+            </a:r>
+            <a:r>
+              <a:rPr lang="en-GB" sz="1400" b="1" dirty="0">
+                <a:solidFill>
+                  <a:schemeClr val="bg1"/>
+                </a:solidFill>
                 <a:latin typeface="Consolas" panose="020B0609020204030204" pitchFamily="49" charset="0"/>
                 <a:cs typeface="Consolas" panose="020B0609020204030204" pitchFamily="49" charset="0"/>
               </a:rPr>
-              <a:t>            break;</a:t>
-            </a:r>
-          </a:p>
-          <a:p>
-            <a:r>
-              <a:rPr lang="en-GB" sz="1600" b="1" dirty="0">
-                <a:effectLst/>
+              <a:t>OrderBy</a:t>
+            </a:r>
+            <a:r>
+              <a:rPr lang="en-GB" sz="1400" b="1" dirty="0">
                 <a:latin typeface="Consolas" panose="020B0609020204030204" pitchFamily="49" charset="0"/>
                 <a:cs typeface="Consolas" panose="020B0609020204030204" pitchFamily="49" charset="0"/>
               </a:rPr>
-              <a:t>        case "</a:t>
-            </a:r>
-            <a:r>
-              <a:rPr lang="bg-BG" sz="1600" b="1" dirty="0">
-                <a:effectLst/>
+              <a:t>(c =&gt; c.CountryName);</a:t>
+            </a:r>
+          </a:p>
+          <a:p>
+            <a:r>
+              <a:rPr lang="en-GB" sz="1400" b="1" dirty="0">
                 <a:latin typeface="Consolas" panose="020B0609020204030204" pitchFamily="49" charset="0"/>
                 <a:cs typeface="Consolas" panose="020B0609020204030204" pitchFamily="49" charset="0"/>
               </a:rPr>
-              <a:t>Име (низходящо)":</a:t>
-            </a:r>
-          </a:p>
-          <a:p>
-            <a:r>
-              <a:rPr lang="bg-BG" sz="1600" b="1" dirty="0">
-                <a:effectLst/>
+              <a:t>                break;</a:t>
+            </a:r>
+          </a:p>
+          <a:p>
+            <a:r>
+              <a:rPr lang="en-GB" sz="1400" b="1" dirty="0">
                 <a:latin typeface="Consolas" panose="020B0609020204030204" pitchFamily="49" charset="0"/>
                 <a:cs typeface="Consolas" panose="020B0609020204030204" pitchFamily="49" charset="0"/>
               </a:rPr>
-              <a:t>    </a:t>
-            </a:r>
-            <a:r>
-              <a:rPr lang="en-US" sz="1600" b="1" dirty="0">
-                <a:effectLst/>
+              <a:t>            case "</a:t>
+            </a:r>
+            <a:r>
+              <a:rPr lang="bg-BG" sz="1400" b="1" dirty="0">
                 <a:latin typeface="Consolas" panose="020B0609020204030204" pitchFamily="49" charset="0"/>
                 <a:cs typeface="Consolas" panose="020B0609020204030204" pitchFamily="49" charset="0"/>
               </a:rPr>
-              <a:t>        </a:t>
-            </a:r>
-            <a:r>
-              <a:rPr lang="en-GB" sz="1600" b="1" dirty="0">
-                <a:effectLst/>
+              <a:t>Име (низходящо)":</a:t>
+            </a:r>
+          </a:p>
+          <a:p>
+            <a:r>
+              <a:rPr lang="bg-BG" sz="1400" b="1" dirty="0">
                 <a:latin typeface="Consolas" panose="020B0609020204030204" pitchFamily="49" charset="0"/>
                 <a:cs typeface="Consolas" panose="020B0609020204030204" pitchFamily="49" charset="0"/>
               </a:rPr>
-              <a:t>countries = countries.OrderByDescending(c =&gt; c.CountryName);</a:t>
-            </a:r>
-          </a:p>
-          <a:p>
-            <a:r>
-              <a:rPr lang="en-GB" sz="1600" b="1" dirty="0">
-                <a:effectLst/>
+              <a:t>                </a:t>
+            </a:r>
+            <a:r>
+              <a:rPr lang="en-GB" sz="1400" b="1" dirty="0">
                 <a:latin typeface="Consolas" panose="020B0609020204030204" pitchFamily="49" charset="0"/>
                 <a:cs typeface="Consolas" panose="020B0609020204030204" pitchFamily="49" charset="0"/>
               </a:rPr>
-              <a:t>            break;</a:t>
-            </a:r>
-          </a:p>
-          <a:p>
-            <a:r>
-              <a:rPr lang="en-GB" sz="1600" b="1" dirty="0">
-                <a:effectLst/>
+              <a:t>countries = countries.</a:t>
+            </a:r>
+            <a:r>
+              <a:rPr lang="en-GB" sz="1400" b="1" dirty="0">
+                <a:solidFill>
+                  <a:schemeClr val="bg1"/>
+                </a:solidFill>
                 <a:latin typeface="Consolas" panose="020B0609020204030204" pitchFamily="49" charset="0"/>
                 <a:cs typeface="Consolas" panose="020B0609020204030204" pitchFamily="49" charset="0"/>
               </a:rPr>
-              <a:t>        case "Id (</a:t>
-            </a:r>
-            <a:r>
-              <a:rPr lang="bg-BG" sz="1600" b="1" dirty="0">
-                <a:effectLst/>
+              <a:t>OrderByDescending</a:t>
+            </a:r>
+            <a:r>
+              <a:rPr lang="en-GB" sz="1400" b="1" dirty="0">
                 <a:latin typeface="Consolas" panose="020B0609020204030204" pitchFamily="49" charset="0"/>
                 <a:cs typeface="Consolas" panose="020B0609020204030204" pitchFamily="49" charset="0"/>
               </a:rPr>
-              <a:t>възходящо)":</a:t>
-            </a:r>
-          </a:p>
-          <a:p>
-            <a:r>
-              <a:rPr lang="bg-BG" sz="1600" b="1" dirty="0">
-                <a:effectLst/>
+              <a:t>(c =&gt; c.CountryName);</a:t>
+            </a:r>
+          </a:p>
+          <a:p>
+            <a:r>
+              <a:rPr lang="en-GB" sz="1400" b="1" dirty="0">
                 <a:latin typeface="Consolas" panose="020B0609020204030204" pitchFamily="49" charset="0"/>
                 <a:cs typeface="Consolas" panose="020B0609020204030204" pitchFamily="49" charset="0"/>
               </a:rPr>
-              <a:t>    </a:t>
-            </a:r>
-            <a:r>
-              <a:rPr lang="en-US" sz="1600" b="1" dirty="0">
-                <a:effectLst/>
+              <a:t>                break;</a:t>
+            </a:r>
+          </a:p>
+          <a:p>
+            <a:r>
+              <a:rPr lang="en-GB" sz="1400" b="1" dirty="0">
                 <a:latin typeface="Consolas" panose="020B0609020204030204" pitchFamily="49" charset="0"/>
                 <a:cs typeface="Consolas" panose="020B0609020204030204" pitchFamily="49" charset="0"/>
               </a:rPr>
-              <a:t>        </a:t>
-            </a:r>
-            <a:r>
-              <a:rPr lang="en-GB" sz="1600" b="1" dirty="0">
-                <a:effectLst/>
+              <a:t>            case "Id (</a:t>
+            </a:r>
+            <a:r>
+              <a:rPr lang="bg-BG" sz="1400" b="1" dirty="0">
                 <a:latin typeface="Consolas" panose="020B0609020204030204" pitchFamily="49" charset="0"/>
                 <a:cs typeface="Consolas" panose="020B0609020204030204" pitchFamily="49" charset="0"/>
               </a:rPr>
-              <a:t>countries = countries.OrderBy(c =&gt; c.CountryId);</a:t>
-            </a:r>
-          </a:p>
-          <a:p>
-            <a:r>
-              <a:rPr lang="en-GB" sz="1600" b="1" dirty="0">
-                <a:effectLst/>
+              <a:t>възходящо)":</a:t>
+            </a:r>
+          </a:p>
+          <a:p>
+            <a:r>
+              <a:rPr lang="bg-BG" sz="1400" b="1" dirty="0">
                 <a:latin typeface="Consolas" panose="020B0609020204030204" pitchFamily="49" charset="0"/>
                 <a:cs typeface="Consolas" panose="020B0609020204030204" pitchFamily="49" charset="0"/>
               </a:rPr>
-              <a:t>            break;</a:t>
-            </a:r>
-          </a:p>
-          <a:p>
-            <a:r>
-              <a:rPr lang="en-GB" sz="1600" b="1" dirty="0">
-                <a:effectLst/>
+              <a:t>                </a:t>
+            </a:r>
+            <a:r>
+              <a:rPr lang="en-GB" sz="1400" b="1" dirty="0">
                 <a:latin typeface="Consolas" panose="020B0609020204030204" pitchFamily="49" charset="0"/>
                 <a:cs typeface="Consolas" panose="020B0609020204030204" pitchFamily="49" charset="0"/>
               </a:rPr>
-              <a:t>         case "Id (</a:t>
-            </a:r>
-            <a:r>
-              <a:rPr lang="bg-BG" sz="1600" b="1" dirty="0">
-                <a:effectLst/>
+              <a:t>countries = countries.</a:t>
+            </a:r>
+            <a:r>
+              <a:rPr lang="en-GB" sz="1400" b="1" dirty="0">
+                <a:solidFill>
+                  <a:schemeClr val="bg1"/>
+                </a:solidFill>
                 <a:latin typeface="Consolas" panose="020B0609020204030204" pitchFamily="49" charset="0"/>
                 <a:cs typeface="Consolas" panose="020B0609020204030204" pitchFamily="49" charset="0"/>
               </a:rPr>
-              <a:t>низходящо)":</a:t>
-            </a:r>
-          </a:p>
-          <a:p>
-            <a:r>
-              <a:rPr lang="bg-BG" sz="1600" b="1" dirty="0">
-                <a:effectLst/>
+              <a:t>OrderBy</a:t>
+            </a:r>
+            <a:r>
+              <a:rPr lang="en-GB" sz="1400" b="1" dirty="0">
                 <a:latin typeface="Consolas" panose="020B0609020204030204" pitchFamily="49" charset="0"/>
                 <a:cs typeface="Consolas" panose="020B0609020204030204" pitchFamily="49" charset="0"/>
               </a:rPr>
-              <a:t>    </a:t>
-            </a:r>
-            <a:r>
-              <a:rPr lang="en-US" sz="1600" b="1" dirty="0">
-                <a:effectLst/>
+              <a:t>(c =&gt; c.CountryId);</a:t>
+            </a:r>
+          </a:p>
+          <a:p>
+            <a:r>
+              <a:rPr lang="en-GB" sz="1400" b="1" dirty="0">
                 <a:latin typeface="Consolas" panose="020B0609020204030204" pitchFamily="49" charset="0"/>
                 <a:cs typeface="Consolas" panose="020B0609020204030204" pitchFamily="49" charset="0"/>
               </a:rPr>
-              <a:t>        </a:t>
-            </a:r>
-            <a:r>
-              <a:rPr lang="en-GB" sz="1600" b="1" dirty="0">
-                <a:effectLst/>
+              <a:t>                break;</a:t>
+            </a:r>
+          </a:p>
+          <a:p>
+            <a:r>
+              <a:rPr lang="en-GB" sz="1400" b="1" dirty="0">
                 <a:latin typeface="Consolas" panose="020B0609020204030204" pitchFamily="49" charset="0"/>
                 <a:cs typeface="Consolas" panose="020B0609020204030204" pitchFamily="49" charset="0"/>
               </a:rPr>
-              <a:t>countries = countries.OrderByDescending(c =&gt; c.CountryId);</a:t>
-            </a:r>
-          </a:p>
-          <a:p>
-            <a:r>
-              <a:rPr lang="en-GB" sz="1600" b="1" dirty="0">
-                <a:effectLst/>
+              <a:t>            case "Id (</a:t>
+            </a:r>
+            <a:r>
+              <a:rPr lang="bg-BG" sz="1400" b="1" dirty="0">
                 <a:latin typeface="Consolas" panose="020B0609020204030204" pitchFamily="49" charset="0"/>
                 <a:cs typeface="Consolas" panose="020B0609020204030204" pitchFamily="49" charset="0"/>
               </a:rPr>
-              <a:t>            break;</a:t>
-            </a:r>
-          </a:p>
-          <a:p>
-            <a:r>
-              <a:rPr lang="en-GB" sz="1600" b="1" dirty="0">
-                <a:effectLst/>
+              <a:t>низходящо)":</a:t>
+            </a:r>
+          </a:p>
+          <a:p>
+            <a:r>
+              <a:rPr lang="bg-BG" sz="1400" b="1" dirty="0">
                 <a:latin typeface="Consolas" panose="020B0609020204030204" pitchFamily="49" charset="0"/>
                 <a:cs typeface="Consolas" panose="020B0609020204030204" pitchFamily="49" charset="0"/>
               </a:rPr>
-              <a:t>    }</a:t>
-            </a:r>
-          </a:p>
-          <a:p>
-            <a:r>
-              <a:rPr lang="en-GB" sz="1600" b="1" dirty="0">
-                <a:effectLst/>
+              <a:t>                </a:t>
+            </a:r>
+            <a:r>
+              <a:rPr lang="en-GB" sz="1400" b="1" dirty="0">
                 <a:latin typeface="Consolas" panose="020B0609020204030204" pitchFamily="49" charset="0"/>
                 <a:cs typeface="Consolas" panose="020B0609020204030204" pitchFamily="49" charset="0"/>
               </a:rPr>
-              <a:t>    this.dataGridViewCountries.DataSource = countries.ToList();</a:t>
-            </a:r>
-          </a:p>
-          <a:p>
-            <a:r>
-              <a:rPr lang="en-GB" sz="1600" b="1" dirty="0">
-                <a:effectLst/>
+              <a:t>countries = countries.</a:t>
+            </a:r>
+            <a:r>
+              <a:rPr lang="en-GB" sz="1400" b="1" dirty="0">
+                <a:solidFill>
+                  <a:schemeClr val="bg1"/>
+                </a:solidFill>
+                <a:latin typeface="Consolas" panose="020B0609020204030204" pitchFamily="49" charset="0"/>
+                <a:cs typeface="Consolas" panose="020B0609020204030204" pitchFamily="49" charset="0"/>
+              </a:rPr>
+              <a:t>OrderByDescending</a:t>
+            </a:r>
+            <a:r>
+              <a:rPr lang="en-GB" sz="1400" b="1" dirty="0">
+                <a:latin typeface="Consolas" panose="020B0609020204030204" pitchFamily="49" charset="0"/>
+                <a:cs typeface="Consolas" panose="020B0609020204030204" pitchFamily="49" charset="0"/>
+              </a:rPr>
+              <a:t>(c =&gt; c.CountryId);</a:t>
+            </a:r>
+          </a:p>
+          <a:p>
+            <a:r>
+              <a:rPr lang="en-GB" sz="1400" b="1" dirty="0">
+                <a:latin typeface="Consolas" panose="020B0609020204030204" pitchFamily="49" charset="0"/>
+                <a:cs typeface="Consolas" panose="020B0609020204030204" pitchFamily="49" charset="0"/>
+              </a:rPr>
+              <a:t>                break;</a:t>
+            </a:r>
+          </a:p>
+          <a:p>
+            <a:r>
+              <a:rPr lang="en-GB" sz="1400" b="1" dirty="0">
+                <a:latin typeface="Consolas" panose="020B0609020204030204" pitchFamily="49" charset="0"/>
+                <a:cs typeface="Consolas" panose="020B0609020204030204" pitchFamily="49" charset="0"/>
+              </a:rPr>
+              <a:t>        }</a:t>
+            </a:r>
+          </a:p>
+          <a:p>
+            <a:r>
+              <a:rPr lang="en-GB" sz="1400" b="1" dirty="0">
+                <a:latin typeface="Consolas" panose="020B0609020204030204" pitchFamily="49" charset="0"/>
+                <a:cs typeface="Consolas" panose="020B0609020204030204" pitchFamily="49" charset="0"/>
+              </a:rPr>
+              <a:t>        this.</a:t>
+            </a:r>
+            <a:r>
+              <a:rPr lang="en-GB" sz="1400" b="1" dirty="0">
+                <a:solidFill>
+                  <a:schemeClr val="bg1"/>
+                </a:solidFill>
+                <a:latin typeface="Consolas" panose="020B0609020204030204" pitchFamily="49" charset="0"/>
+                <a:cs typeface="Consolas" panose="020B0609020204030204" pitchFamily="49" charset="0"/>
+              </a:rPr>
+              <a:t>dataGridViewCountries</a:t>
+            </a:r>
+            <a:r>
+              <a:rPr lang="en-GB" sz="1400" b="1" dirty="0">
+                <a:latin typeface="Consolas" panose="020B0609020204030204" pitchFamily="49" charset="0"/>
+                <a:cs typeface="Consolas" panose="020B0609020204030204" pitchFamily="49" charset="0"/>
+              </a:rPr>
+              <a:t>.</a:t>
+            </a:r>
+            <a:r>
+              <a:rPr lang="en-GB" sz="1400" b="1" dirty="0">
+                <a:solidFill>
+                  <a:schemeClr val="bg1"/>
+                </a:solidFill>
+                <a:latin typeface="Consolas" panose="020B0609020204030204" pitchFamily="49" charset="0"/>
+                <a:cs typeface="Consolas" panose="020B0609020204030204" pitchFamily="49" charset="0"/>
+              </a:rPr>
+              <a:t>DataSource</a:t>
+            </a:r>
+            <a:r>
+              <a:rPr lang="en-GB" sz="1400" b="1" dirty="0">
+                <a:latin typeface="Consolas" panose="020B0609020204030204" pitchFamily="49" charset="0"/>
+                <a:cs typeface="Consolas" panose="020B0609020204030204" pitchFamily="49" charset="0"/>
+              </a:rPr>
+              <a:t> = </a:t>
+            </a:r>
+            <a:r>
+              <a:rPr lang="en-GB" sz="1400" b="1" dirty="0">
+                <a:solidFill>
+                  <a:schemeClr val="bg1"/>
+                </a:solidFill>
+                <a:latin typeface="Consolas" panose="020B0609020204030204" pitchFamily="49" charset="0"/>
+                <a:cs typeface="Consolas" panose="020B0609020204030204" pitchFamily="49" charset="0"/>
+              </a:rPr>
+              <a:t>countries</a:t>
+            </a:r>
+            <a:r>
+              <a:rPr lang="en-GB" sz="1400" b="1" dirty="0">
+                <a:latin typeface="Consolas" panose="020B0609020204030204" pitchFamily="49" charset="0"/>
+                <a:cs typeface="Consolas" panose="020B0609020204030204" pitchFamily="49" charset="0"/>
+              </a:rPr>
+              <a:t>.ToList();</a:t>
+            </a:r>
+          </a:p>
+          <a:p>
+            <a:r>
+              <a:rPr lang="en-GB" sz="1400" b="1" dirty="0">
+                <a:latin typeface="Consolas" panose="020B0609020204030204" pitchFamily="49" charset="0"/>
+                <a:cs typeface="Consolas" panose="020B0609020204030204" pitchFamily="49" charset="0"/>
+              </a:rPr>
+              <a:t>    }</a:t>
+            </a:r>
+          </a:p>
+          <a:p>
+            <a:r>
+              <a:rPr lang="en-GB" sz="1400" b="1" dirty="0">
                 <a:latin typeface="Consolas" panose="020B0609020204030204" pitchFamily="49" charset="0"/>
                 <a:cs typeface="Consolas" panose="020B0609020204030204" pitchFamily="49" charset="0"/>
               </a:rPr>

--- a/Courses/Software-Sciences/Module-4-Information-Systems-New/08-Navigation-between-Tables/08-Navigation-between-Tables.pptx
+++ b/Courses/Software-Sciences/Module-4-Information-Systems-New/08-Navigation-between-Tables/08-Navigation-between-Tables.pptx
@@ -15201,15 +15201,13 @@
                 <a:srgbClr val="F2B254"/>
               </a:buClr>
               <a:buSzPct val="100000"/>
-              <a:buFont typeface="Wingdings" panose="05000000000000000000" pitchFamily="2" charset="2"/>
-              <a:buNone/>
             </a:pPr>
             <a:r>
               <a:rPr lang="en-US" sz="2600" b="1" noProof="1">
                 <a:latin typeface="Consolas" pitchFamily="49" charset="0"/>
                 <a:cs typeface="Consolas" pitchFamily="49" charset="0"/>
               </a:rPr>
-              <a:t>    dataGridViewTowns.DataSource = towns;</a:t>
+              <a:t>    townBindingSource.DataSource = towns;</a:t>
             </a:r>
           </a:p>
           <a:p>
@@ -15700,7 +15698,7 @@
                 <a:latin typeface="Consolas" pitchFamily="49" charset="0"/>
                 <a:cs typeface="Consolas" pitchFamily="49" charset="0"/>
               </a:rPr>
-              <a:t>    dataGridViewTowns.DataSource = towns;</a:t>
+              <a:t>   townBindingSource.DataSource = towns;</a:t>
             </a:r>
           </a:p>
           <a:p>
@@ -17920,8 +17918,6 @@
                 <a:srgbClr val="F2B254"/>
               </a:buClr>
               <a:buSzPct val="100000"/>
-              <a:buFont typeface="Wingdings" panose="05000000000000000000" pitchFamily="2" charset="2"/>
-              <a:buNone/>
             </a:pPr>
             <a:r>
               <a:rPr lang="en-US" sz="1400" b="1" noProof="1">
@@ -17938,7 +17934,7 @@
                 <a:latin typeface="Consolas" pitchFamily="49" charset="0"/>
                 <a:cs typeface="Consolas" pitchFamily="49" charset="0"/>
               </a:rPr>
-              <a:t>dataGridViewTowns</a:t>
+              <a:t>townBindingSource</a:t>
             </a:r>
             <a:r>
               <a:rPr lang="en-US" sz="1400" b="1" noProof="1">
@@ -18563,8 +18559,6 @@
                 <a:srgbClr val="F2B254"/>
               </a:buClr>
               <a:buSzPct val="100000"/>
-              <a:buFont typeface="Wingdings" panose="05000000000000000000" pitchFamily="2" charset="2"/>
-              <a:buNone/>
             </a:pPr>
             <a:r>
               <a:rPr lang="en-US" b="1" noProof="1">
@@ -18581,7 +18575,7 @@
                 <a:latin typeface="Consolas" pitchFamily="49" charset="0"/>
                 <a:cs typeface="Consolas" pitchFamily="49" charset="0"/>
               </a:rPr>
-              <a:t>dataGridViewCountries</a:t>
+              <a:t>countryBindingSource</a:t>
             </a:r>
             <a:r>
               <a:rPr lang="en-US" b="1" noProof="1">
@@ -20078,17 +20072,27 @@
                 <a:latin typeface="Consolas" panose="020B0609020204030204" pitchFamily="49" charset="0"/>
                 <a:cs typeface="Consolas" panose="020B0609020204030204" pitchFamily="49" charset="0"/>
               </a:rPr>
-              <a:t>dataGridViewCountries</a:t>
-            </a:r>
-            <a:r>
-              <a:rPr lang="en-GB" sz="1400" b="1" dirty="0">
+              <a:t> </a:t>
+            </a:r>
+            <a:r>
+              <a:rPr lang="en-GB" sz="1400" b="1" dirty="0" err="1">
+                <a:solidFill>
+                  <a:schemeClr val="bg1"/>
+                </a:solidFill>
                 <a:latin typeface="Consolas" panose="020B0609020204030204" pitchFamily="49" charset="0"/>
                 <a:cs typeface="Consolas" panose="020B0609020204030204" pitchFamily="49" charset="0"/>
               </a:rPr>
+              <a:t>countryBindingSource</a:t>
+            </a:r>
+            <a:r>
+              <a:rPr lang="en-GB" sz="1400" b="1" dirty="0" err="1">
+                <a:latin typeface="Consolas" panose="020B0609020204030204" pitchFamily="49" charset="0"/>
+                <a:cs typeface="Consolas" panose="020B0609020204030204" pitchFamily="49" charset="0"/>
+              </a:rPr>
               <a:t>.</a:t>
             </a:r>
             <a:r>
-              <a:rPr lang="en-GB" sz="1400" b="1" dirty="0">
+              <a:rPr lang="en-GB" sz="1400" b="1" dirty="0" err="1">
                 <a:solidFill>
                   <a:schemeClr val="bg1"/>
                 </a:solidFill>

--- a/Courses/Software-Sciences/Module-4-Information-Systems-New/08-Navigation-between-Tables/08-Navigation-between-Tables.pptx
+++ b/Courses/Software-Sciences/Module-4-Information-Systems-New/08-Navigation-between-Tables/08-Navigation-between-Tables.pptx
@@ -327,7 +327,7 @@
           <a:p>
             <a:fld id="{4E087215-0C8F-4762-A664-737A353EC9A4}" type="datetimeFigureOut">
               <a:rPr lang="bg-BG" smtClean="0"/>
-              <a:t>3.07.24 г.</a:t>
+              <a:t>12.07.24 г.</a:t>
             </a:fld>
             <a:endParaRPr lang="bg-BG"/>
           </a:p>
@@ -523,7 +523,7 @@
           <a:p>
             <a:fld id="{72D84649-876A-46C9-8472-14CB09C070D8}" type="datetimeFigureOut">
               <a:rPr lang="en-US" smtClean="0"/>
-              <a:t>7/3/24</a:t>
+              <a:t>7/12/24</a:t>
             </a:fld>
             <a:endParaRPr lang="en-US"/>
           </a:p>
@@ -15207,7 +15207,7 @@
                 <a:latin typeface="Consolas" pitchFamily="49" charset="0"/>
                 <a:cs typeface="Consolas" pitchFamily="49" charset="0"/>
               </a:rPr>
-              <a:t>    townBindingSource.DataSource = towns;</a:t>
+              <a:t>    this.townBindingSource.DataSource = towns;</a:t>
             </a:r>
           </a:p>
           <a:p>
@@ -15698,7 +15698,7 @@
                 <a:latin typeface="Consolas" pitchFamily="49" charset="0"/>
                 <a:cs typeface="Consolas" pitchFamily="49" charset="0"/>
               </a:rPr>
-              <a:t>   townBindingSource.DataSource = towns;</a:t>
+              <a:t>   this.townBindingSource.DataSource = towns;</a:t>
             </a:r>
           </a:p>
           <a:p>
@@ -17766,7 +17766,7 @@
                 <a:latin typeface="Consolas" pitchFamily="49" charset="0"/>
                 <a:cs typeface="Consolas" pitchFamily="49" charset="0"/>
               </a:rPr>
-              <a:t>        var selectedCountry = (Country)</a:t>
+              <a:t>        var selectedCountry = (Country)this.</a:t>
             </a:r>
             <a:r>
               <a:rPr lang="en-US" sz="1400" b="1" noProof="1">
@@ -20072,27 +20072,17 @@
                 <a:latin typeface="Consolas" panose="020B0609020204030204" pitchFamily="49" charset="0"/>
                 <a:cs typeface="Consolas" panose="020B0609020204030204" pitchFamily="49" charset="0"/>
               </a:rPr>
-              <a:t> </a:t>
-            </a:r>
-            <a:r>
-              <a:rPr lang="en-GB" sz="1400" b="1" dirty="0" err="1">
-                <a:solidFill>
-                  <a:schemeClr val="bg1"/>
-                </a:solidFill>
+              <a:t>countryBindingSource</a:t>
+            </a:r>
+            <a:r>
+              <a:rPr lang="en-GB" sz="1400" b="1" dirty="0">
                 <a:latin typeface="Consolas" panose="020B0609020204030204" pitchFamily="49" charset="0"/>
                 <a:cs typeface="Consolas" panose="020B0609020204030204" pitchFamily="49" charset="0"/>
               </a:rPr>
-              <a:t>countryBindingSource</a:t>
-            </a:r>
-            <a:r>
-              <a:rPr lang="en-GB" sz="1400" b="1" dirty="0" err="1">
-                <a:latin typeface="Consolas" panose="020B0609020204030204" pitchFamily="49" charset="0"/>
-                <a:cs typeface="Consolas" panose="020B0609020204030204" pitchFamily="49" charset="0"/>
-              </a:rPr>
               <a:t>.</a:t>
             </a:r>
             <a:r>
-              <a:rPr lang="en-GB" sz="1400" b="1" dirty="0" err="1">
+              <a:rPr lang="en-GB" sz="1400" b="1" dirty="0">
                 <a:solidFill>
                   <a:schemeClr val="bg1"/>
                 </a:solidFill>

--- a/Courses/Software-Sciences/Module-4-Information-Systems-New/08-Navigation-between-Tables/08-Navigation-between-Tables.pptx
+++ b/Courses/Software-Sciences/Module-4-Information-Systems-New/08-Navigation-between-Tables/08-Navigation-between-Tables.pptx
@@ -5,45 +5,52 @@
     <p:sldMasterId id="2147483675" r:id="rId1"/>
   </p:sldMasterIdLst>
   <p:notesMasterIdLst>
-    <p:notesMasterId r:id="rId35"/>
+    <p:notesMasterId r:id="rId42"/>
   </p:notesMasterIdLst>
   <p:handoutMasterIdLst>
-    <p:handoutMasterId r:id="rId36"/>
+    <p:handoutMasterId r:id="rId43"/>
   </p:handoutMasterIdLst>
   <p:sldIdLst>
     <p:sldId id="503" r:id="rId2"/>
     <p:sldId id="276" r:id="rId3"/>
     <p:sldId id="353" r:id="rId4"/>
     <p:sldId id="741" r:id="rId5"/>
-    <p:sldId id="742" r:id="rId6"/>
-    <p:sldId id="745" r:id="rId7"/>
-    <p:sldId id="570" r:id="rId8"/>
-    <p:sldId id="571" r:id="rId9"/>
-    <p:sldId id="743" r:id="rId10"/>
-    <p:sldId id="746" r:id="rId11"/>
-    <p:sldId id="748" r:id="rId12"/>
-    <p:sldId id="747" r:id="rId13"/>
-    <p:sldId id="750" r:id="rId14"/>
-    <p:sldId id="557" r:id="rId15"/>
-    <p:sldId id="599" r:id="rId16"/>
-    <p:sldId id="558" r:id="rId17"/>
-    <p:sldId id="559" r:id="rId18"/>
-    <p:sldId id="560" r:id="rId19"/>
-    <p:sldId id="610" r:id="rId20"/>
-    <p:sldId id="751" r:id="rId21"/>
-    <p:sldId id="752" r:id="rId22"/>
-    <p:sldId id="649" r:id="rId23"/>
-    <p:sldId id="753" r:id="rId24"/>
-    <p:sldId id="758" r:id="rId25"/>
-    <p:sldId id="757" r:id="rId26"/>
-    <p:sldId id="754" r:id="rId27"/>
-    <p:sldId id="755" r:id="rId28"/>
-    <p:sldId id="759" r:id="rId29"/>
-    <p:sldId id="756" r:id="rId30"/>
-    <p:sldId id="760" r:id="rId31"/>
-    <p:sldId id="633" r:id="rId32"/>
-    <p:sldId id="504" r:id="rId33"/>
-    <p:sldId id="505" r:id="rId34"/>
+    <p:sldId id="761" r:id="rId6"/>
+    <p:sldId id="742" r:id="rId7"/>
+    <p:sldId id="745" r:id="rId8"/>
+    <p:sldId id="570" r:id="rId9"/>
+    <p:sldId id="571" r:id="rId10"/>
+    <p:sldId id="743" r:id="rId11"/>
+    <p:sldId id="746" r:id="rId12"/>
+    <p:sldId id="748" r:id="rId13"/>
+    <p:sldId id="747" r:id="rId14"/>
+    <p:sldId id="750" r:id="rId15"/>
+    <p:sldId id="557" r:id="rId16"/>
+    <p:sldId id="599" r:id="rId17"/>
+    <p:sldId id="558" r:id="rId18"/>
+    <p:sldId id="559" r:id="rId19"/>
+    <p:sldId id="762" r:id="rId20"/>
+    <p:sldId id="560" r:id="rId21"/>
+    <p:sldId id="763" r:id="rId22"/>
+    <p:sldId id="765" r:id="rId23"/>
+    <p:sldId id="766" r:id="rId24"/>
+    <p:sldId id="610" r:id="rId25"/>
+    <p:sldId id="751" r:id="rId26"/>
+    <p:sldId id="752" r:id="rId27"/>
+    <p:sldId id="649" r:id="rId28"/>
+    <p:sldId id="753" r:id="rId29"/>
+    <p:sldId id="758" r:id="rId30"/>
+    <p:sldId id="757" r:id="rId31"/>
+    <p:sldId id="754" r:id="rId32"/>
+    <p:sldId id="768" r:id="rId33"/>
+    <p:sldId id="755" r:id="rId34"/>
+    <p:sldId id="759" r:id="rId35"/>
+    <p:sldId id="767" r:id="rId36"/>
+    <p:sldId id="756" r:id="rId37"/>
+    <p:sldId id="760" r:id="rId38"/>
+    <p:sldId id="633" r:id="rId39"/>
+    <p:sldId id="504" r:id="rId40"/>
+    <p:sldId id="505" r:id="rId41"/>
   </p:sldIdLst>
   <p:sldSz cx="12192000" cy="6858000"/>
   <p:notesSz cx="6858000" cy="9144000"/>
@@ -155,6 +162,7 @@
           <p14:sldIdLst>
             <p14:sldId id="353"/>
             <p14:sldId id="741"/>
+            <p14:sldId id="761"/>
           </p14:sldIdLst>
         </p14:section>
         <p14:section name="Fluent API и Model Builder" id="{2D5756AF-8390-6F4F-9933-47BC1B44579B}">
@@ -180,7 +188,11 @@
             <p14:sldId id="599"/>
             <p14:sldId id="558"/>
             <p14:sldId id="559"/>
+            <p14:sldId id="762"/>
             <p14:sldId id="560"/>
+            <p14:sldId id="763"/>
+            <p14:sldId id="765"/>
+            <p14:sldId id="766"/>
           </p14:sldIdLst>
         </p14:section>
         <p14:section name="Филтриране и сортиране на таблица" id="{EB44CA50-B176-0C4C-B0D0-5459023C7783}">
@@ -197,8 +209,10 @@
             <p14:sldId id="758"/>
             <p14:sldId id="757"/>
             <p14:sldId id="754"/>
+            <p14:sldId id="768"/>
             <p14:sldId id="755"/>
             <p14:sldId id="759"/>
+            <p14:sldId id="767"/>
             <p14:sldId id="756"/>
             <p14:sldId id="760"/>
           </p14:sldIdLst>
@@ -327,7 +341,7 @@
           <a:p>
             <a:fld id="{4E087215-0C8F-4762-A664-737A353EC9A4}" type="datetimeFigureOut">
               <a:rPr lang="bg-BG" smtClean="0"/>
-              <a:t>12.07.24 г.</a:t>
+              <a:t>9.8.2024 г.</a:t>
             </a:fld>
             <a:endParaRPr lang="bg-BG"/>
           </a:p>
@@ -523,7 +537,7 @@
           <a:p>
             <a:fld id="{72D84649-876A-46C9-8472-14CB09C070D8}" type="datetimeFigureOut">
               <a:rPr lang="en-US" smtClean="0"/>
-              <a:t>7/12/24</a:t>
+              <a:t>9-Aug-24</a:t>
             </a:fld>
             <a:endParaRPr lang="en-US"/>
           </a:p>
@@ -1004,7 +1018,7 @@
           <p:cNvPr id="7" name="Slide Number Placeholder 5">
             <a:extLst>
               <a:ext uri="{FF2B5EF4-FFF2-40B4-BE49-F238E27FC236}">
-                <a16:creationId xmlns:a16="http://schemas.microsoft.com/office/drawing/2014/main" id="{5049B984-F964-47FF-8179-0A3007CE21CD}"/>
+                <a16:creationId xmlns:a16="http://schemas.microsoft.com/office/drawing/2014/main" id="{E65F1CA9-65DC-416B-8882-B3A5E415CE67}"/>
               </a:ext>
             </a:extLst>
           </p:cNvPr>
@@ -1123,7 +1137,7 @@
             <a:fld id="{3EBA5BD7-F043-4D1B-AA17-CD412FC534DE}" type="slidenum">
               <a:rPr lang="en-US" smtClean="0"/>
               <a:pPr/>
-              <a:t>32</a:t>
+              <a:t>38</a:t>
             </a:fld>
             <a:endParaRPr lang="en-US" dirty="0"/>
           </a:p>
@@ -1131,10 +1145,10 @@
       </p:sp>
       <p:sp>
         <p:nvSpPr>
-          <p:cNvPr id="4" name="Footer Placeholder 3">
+          <p:cNvPr id="5" name="Footer Placeholder 7">
             <a:extLst>
               <a:ext uri="{FF2B5EF4-FFF2-40B4-BE49-F238E27FC236}">
-                <a16:creationId xmlns:a16="http://schemas.microsoft.com/office/drawing/2014/main" id="{8E059BE0-D868-413B-AAA1-1CC88D1F52C5}"/>
+                <a16:creationId xmlns:a16="http://schemas.microsoft.com/office/drawing/2014/main" id="{43FAF785-0C8D-730E-8E59-68198DC82CE0}"/>
               </a:ext>
             </a:extLst>
           </p:cNvPr>
@@ -1145,33 +1159,49 @@
             <p:ph type="ftr" sz="quarter" idx="4"/>
           </p:nvPr>
         </p:nvSpPr>
-        <p:spPr/>
+        <p:spPr>
+          <a:xfrm>
+            <a:off x="-1" y="8892000"/>
+            <a:ext cx="6488999" cy="252000"/>
+          </a:xfrm>
+          <a:prstGeom prst="rect">
+            <a:avLst/>
+          </a:prstGeom>
+        </p:spPr>
         <p:txBody>
-          <a:bodyPr/>
-          <a:lstStyle/>
-          <a:p>
-            <a:r>
-              <a:rPr lang="en-US"/>
-              <a:t>© SoftUni – </a:t>
-            </a:r>
-            <a:r>
-              <a:rPr lang="en-US" u="sng">
+          <a:bodyPr vert="horz" lIns="91440" tIns="45720" rIns="91440" bIns="45720" rtlCol="0" anchor="b"/>
+          <a:lstStyle>
+            <a:lvl1pPr algn="l">
+              <a:defRPr sz="1100"/>
+            </a:lvl1pPr>
+          </a:lstStyle>
+          <a:p>
+            <a:r>
+              <a:rPr lang="bg-BG" sz="1100" dirty="0"/>
+              <a:t>Работна група </a:t>
+            </a:r>
+            <a:r>
+              <a:rPr lang="bg-BG" dirty="0"/>
+              <a:t>"Образование по програмиране и ИТ"</a:t>
+            </a:r>
+            <a:r>
+              <a:rPr lang="bg-BG" sz="1100" dirty="0"/>
+              <a:t>, с подкрепата на </a:t>
+            </a:r>
+            <a:r>
+              <a:rPr lang="en-US" sz="1100" dirty="0">
                 <a:hlinkClick r:id="rId3"/>
               </a:rPr>
-              <a:t>https://softuni.org</a:t>
-            </a:r>
-            <a:r>
-              <a:rPr lang="en-US"/>
-              <a:t>. Copyrighted document. Unauthorized copy or reproduction is not permitted.</a:t>
-            </a:r>
-            <a:endParaRPr lang="en-US" dirty="0"/>
+              <a:t>SoftUni</a:t>
+            </a:r>
+            <a:endParaRPr lang="en-US" sz="1100" dirty="0"/>
           </a:p>
         </p:txBody>
       </p:sp>
     </p:spTree>
     <p:extLst>
       <p:ext uri="{BB962C8B-B14F-4D97-AF65-F5344CB8AC3E}">
-        <p14:creationId xmlns:p14="http://schemas.microsoft.com/office/powerpoint/2010/main" val="3466590374"/>
+        <p14:creationId xmlns:p14="http://schemas.microsoft.com/office/powerpoint/2010/main" val="2689344733"/>
       </p:ext>
     </p:extLst>
   </p:cSld>
@@ -1225,6 +1255,236 @@
           <a:bodyPr/>
           <a:lstStyle/>
           <a:p>
+            <a:endParaRPr lang="en-US" dirty="0"/>
+          </a:p>
+        </p:txBody>
+      </p:sp>
+      <p:sp>
+        <p:nvSpPr>
+          <p:cNvPr id="7" name="Slide Number Placeholder 5">
+            <a:extLst>
+              <a:ext uri="{FF2B5EF4-FFF2-40B4-BE49-F238E27FC236}">
+                <a16:creationId xmlns:a16="http://schemas.microsoft.com/office/drawing/2014/main" id="{5049B984-F964-47FF-8179-0A3007CE21CD}"/>
+              </a:ext>
+            </a:extLst>
+          </p:cNvPr>
+          <p:cNvSpPr txBox="1">
+            <a:spLocks/>
+          </p:cNvSpPr>
+          <p:nvPr/>
+        </p:nvSpPr>
+        <p:spPr>
+          <a:xfrm>
+            <a:off x="6488999" y="8847000"/>
+            <a:ext cx="367414" cy="297000"/>
+          </a:xfrm>
+          <a:prstGeom prst="rect">
+            <a:avLst/>
+          </a:prstGeom>
+        </p:spPr>
+        <p:txBody>
+          <a:bodyPr vert="horz" lIns="91440" tIns="45720" rIns="91440" bIns="45720" rtlCol="0" anchor="b"/>
+          <a:lstStyle>
+            <a:defPPr>
+              <a:defRPr lang="en-US"/>
+            </a:defPPr>
+            <a:lvl1pPr marL="0" algn="r" defTabSz="914400" rtl="0" eaLnBrk="1" latinLnBrk="0" hangingPunct="1">
+              <a:defRPr sz="1200" kern="1200">
+                <a:solidFill>
+                  <a:schemeClr val="tx1"/>
+                </a:solidFill>
+                <a:latin typeface="+mn-lt"/>
+                <a:ea typeface="+mn-ea"/>
+                <a:cs typeface="+mn-cs"/>
+              </a:defRPr>
+            </a:lvl1pPr>
+            <a:lvl2pPr marL="457200" algn="l" defTabSz="914400" rtl="0" eaLnBrk="1" latinLnBrk="0" hangingPunct="1">
+              <a:defRPr sz="1800" kern="1200">
+                <a:solidFill>
+                  <a:schemeClr val="tx1"/>
+                </a:solidFill>
+                <a:latin typeface="+mn-lt"/>
+                <a:ea typeface="+mn-ea"/>
+                <a:cs typeface="+mn-cs"/>
+              </a:defRPr>
+            </a:lvl2pPr>
+            <a:lvl3pPr marL="914400" algn="l" defTabSz="914400" rtl="0" eaLnBrk="1" latinLnBrk="0" hangingPunct="1">
+              <a:defRPr sz="1800" kern="1200">
+                <a:solidFill>
+                  <a:schemeClr val="tx1"/>
+                </a:solidFill>
+                <a:latin typeface="+mn-lt"/>
+                <a:ea typeface="+mn-ea"/>
+                <a:cs typeface="+mn-cs"/>
+              </a:defRPr>
+            </a:lvl3pPr>
+            <a:lvl4pPr marL="1371600" algn="l" defTabSz="914400" rtl="0" eaLnBrk="1" latinLnBrk="0" hangingPunct="1">
+              <a:defRPr sz="1800" kern="1200">
+                <a:solidFill>
+                  <a:schemeClr val="tx1"/>
+                </a:solidFill>
+                <a:latin typeface="+mn-lt"/>
+                <a:ea typeface="+mn-ea"/>
+                <a:cs typeface="+mn-cs"/>
+              </a:defRPr>
+            </a:lvl4pPr>
+            <a:lvl5pPr marL="1828800" algn="l" defTabSz="914400" rtl="0" eaLnBrk="1" latinLnBrk="0" hangingPunct="1">
+              <a:defRPr sz="1800" kern="1200">
+                <a:solidFill>
+                  <a:schemeClr val="tx1"/>
+                </a:solidFill>
+                <a:latin typeface="+mn-lt"/>
+                <a:ea typeface="+mn-ea"/>
+                <a:cs typeface="+mn-cs"/>
+              </a:defRPr>
+            </a:lvl5pPr>
+            <a:lvl6pPr marL="2286000" algn="l" defTabSz="914400" rtl="0" eaLnBrk="1" latinLnBrk="0" hangingPunct="1">
+              <a:defRPr sz="1800" kern="1200">
+                <a:solidFill>
+                  <a:schemeClr val="tx1"/>
+                </a:solidFill>
+                <a:latin typeface="+mn-lt"/>
+                <a:ea typeface="+mn-ea"/>
+                <a:cs typeface="+mn-cs"/>
+              </a:defRPr>
+            </a:lvl6pPr>
+            <a:lvl7pPr marL="2743200" algn="l" defTabSz="914400" rtl="0" eaLnBrk="1" latinLnBrk="0" hangingPunct="1">
+              <a:defRPr sz="1800" kern="1200">
+                <a:solidFill>
+                  <a:schemeClr val="tx1"/>
+                </a:solidFill>
+                <a:latin typeface="+mn-lt"/>
+                <a:ea typeface="+mn-ea"/>
+                <a:cs typeface="+mn-cs"/>
+              </a:defRPr>
+            </a:lvl7pPr>
+            <a:lvl8pPr marL="3200400" algn="l" defTabSz="914400" rtl="0" eaLnBrk="1" latinLnBrk="0" hangingPunct="1">
+              <a:defRPr sz="1800" kern="1200">
+                <a:solidFill>
+                  <a:schemeClr val="tx1"/>
+                </a:solidFill>
+                <a:latin typeface="+mn-lt"/>
+                <a:ea typeface="+mn-ea"/>
+                <a:cs typeface="+mn-cs"/>
+              </a:defRPr>
+            </a:lvl8pPr>
+            <a:lvl9pPr marL="3657600" algn="l" defTabSz="914400" rtl="0" eaLnBrk="1" latinLnBrk="0" hangingPunct="1">
+              <a:defRPr sz="1800" kern="1200">
+                <a:solidFill>
+                  <a:schemeClr val="tx1"/>
+                </a:solidFill>
+                <a:latin typeface="+mn-lt"/>
+                <a:ea typeface="+mn-ea"/>
+                <a:cs typeface="+mn-cs"/>
+              </a:defRPr>
+            </a:lvl9pPr>
+          </a:lstStyle>
+          <a:p>
+            <a:fld id="{3EBA5BD7-F043-4D1B-AA17-CD412FC534DE}" type="slidenum">
+              <a:rPr lang="en-US" smtClean="0"/>
+              <a:pPr/>
+              <a:t>39</a:t>
+            </a:fld>
+            <a:endParaRPr lang="en-US" dirty="0"/>
+          </a:p>
+        </p:txBody>
+      </p:sp>
+      <p:sp>
+        <p:nvSpPr>
+          <p:cNvPr id="4" name="Footer Placeholder 3">
+            <a:extLst>
+              <a:ext uri="{FF2B5EF4-FFF2-40B4-BE49-F238E27FC236}">
+                <a16:creationId xmlns:a16="http://schemas.microsoft.com/office/drawing/2014/main" id="{8E059BE0-D868-413B-AAA1-1CC88D1F52C5}"/>
+              </a:ext>
+            </a:extLst>
+          </p:cNvPr>
+          <p:cNvSpPr>
+            <a:spLocks noGrp="1"/>
+          </p:cNvSpPr>
+          <p:nvPr>
+            <p:ph type="ftr" sz="quarter" idx="4"/>
+          </p:nvPr>
+        </p:nvSpPr>
+        <p:spPr/>
+        <p:txBody>
+          <a:bodyPr/>
+          <a:lstStyle/>
+          <a:p>
+            <a:r>
+              <a:rPr lang="en-US"/>
+              <a:t>© SoftUni – </a:t>
+            </a:r>
+            <a:r>
+              <a:rPr lang="en-US" u="sng">
+                <a:hlinkClick r:id="rId3"/>
+              </a:rPr>
+              <a:t>https://softuni.org</a:t>
+            </a:r>
+            <a:r>
+              <a:rPr lang="en-US"/>
+              <a:t>. Copyrighted document. Unauthorized copy or reproduction is not permitted.</a:t>
+            </a:r>
+            <a:endParaRPr lang="en-US" dirty="0"/>
+          </a:p>
+        </p:txBody>
+      </p:sp>
+    </p:spTree>
+    <p:extLst>
+      <p:ext uri="{BB962C8B-B14F-4D97-AF65-F5344CB8AC3E}">
+        <p14:creationId xmlns:p14="http://schemas.microsoft.com/office/powerpoint/2010/main" val="3466590374"/>
+      </p:ext>
+    </p:extLst>
+  </p:cSld>
+  <p:clrMapOvr>
+    <a:masterClrMapping/>
+  </p:clrMapOvr>
+</p:notes>
+</file>
+
+<file path=ppt/notesSlides/notesSlide12.xml><?xml version="1.0" encoding="utf-8"?>
+<p:notes xmlns:a="http://schemas.openxmlformats.org/drawingml/2006/main" xmlns:r="http://schemas.openxmlformats.org/officeDocument/2006/relationships" xmlns:p="http://schemas.openxmlformats.org/presentationml/2006/main">
+  <p:cSld>
+    <p:spTree>
+      <p:nvGrpSpPr>
+        <p:cNvPr id="1" name=""/>
+        <p:cNvGrpSpPr/>
+        <p:nvPr/>
+      </p:nvGrpSpPr>
+      <p:grpSpPr>
+        <a:xfrm>
+          <a:off x="0" y="0"/>
+          <a:ext cx="0" cy="0"/>
+          <a:chOff x="0" y="0"/>
+          <a:chExt cx="0" cy="0"/>
+        </a:xfrm>
+      </p:grpSpPr>
+      <p:sp>
+        <p:nvSpPr>
+          <p:cNvPr id="2" name="Slide Image Placeholder 1"/>
+          <p:cNvSpPr>
+            <a:spLocks noGrp="1" noRot="1" noChangeAspect="1"/>
+          </p:cNvSpPr>
+          <p:nvPr>
+            <p:ph type="sldImg"/>
+          </p:nvPr>
+        </p:nvSpPr>
+        <p:spPr/>
+      </p:sp>
+      <p:sp>
+        <p:nvSpPr>
+          <p:cNvPr id="3" name="Notes Placeholder 2"/>
+          <p:cNvSpPr>
+            <a:spLocks noGrp="1"/>
+          </p:cNvSpPr>
+          <p:nvPr>
+            <p:ph type="body" idx="1"/>
+          </p:nvPr>
+        </p:nvSpPr>
+        <p:spPr/>
+        <p:txBody>
+          <a:bodyPr/>
+          <a:lstStyle/>
+          <a:p>
             <a:endParaRPr lang="en-US"/>
           </a:p>
         </p:txBody>
@@ -1353,7 +1613,7 @@
             <a:fld id="{3EBA5BD7-F043-4D1B-AA17-CD412FC534DE}" type="slidenum">
               <a:rPr lang="en-US" smtClean="0"/>
               <a:pPr/>
-              <a:t>33</a:t>
+              <a:t>40</a:t>
             </a:fld>
             <a:endParaRPr lang="en-US" dirty="0"/>
           </a:p>
@@ -2055,7 +2315,7 @@
             <a:fld id="{3EBA5BD7-F043-4D1B-AA17-CD412FC534DE}" type="slidenum">
               <a:rPr lang="en-US" smtClean="0"/>
               <a:pPr/>
-              <a:t>5</a:t>
+              <a:t>6</a:t>
             </a:fld>
             <a:endParaRPr lang="en-US" dirty="0"/>
           </a:p>
@@ -2285,7 +2545,7 @@
             <a:fld id="{3EBA5BD7-F043-4D1B-AA17-CD412FC534DE}" type="slidenum">
               <a:rPr lang="en-US" smtClean="0"/>
               <a:pPr/>
-              <a:t>9</a:t>
+              <a:t>10</a:t>
             </a:fld>
             <a:endParaRPr lang="en-US" dirty="0"/>
           </a:p>
@@ -2515,7 +2775,7 @@
             <a:fld id="{3EBA5BD7-F043-4D1B-AA17-CD412FC534DE}" type="slidenum">
               <a:rPr lang="en-US" smtClean="0"/>
               <a:pPr/>
-              <a:t>13</a:t>
+              <a:t>14</a:t>
             </a:fld>
             <a:endParaRPr lang="en-US" dirty="0"/>
           </a:p>
@@ -2745,7 +3005,7 @@
             <a:fld id="{3EBA5BD7-F043-4D1B-AA17-CD412FC534DE}" type="slidenum">
               <a:rPr lang="en-US" smtClean="0"/>
               <a:pPr/>
-              <a:t>19</a:t>
+              <a:t>21</a:t>
             </a:fld>
             <a:endParaRPr lang="en-US" dirty="0"/>
           </a:p>
@@ -2793,7 +3053,7 @@
     </p:spTree>
     <p:extLst>
       <p:ext uri="{BB962C8B-B14F-4D97-AF65-F5344CB8AC3E}">
-        <p14:creationId xmlns:p14="http://schemas.microsoft.com/office/powerpoint/2010/main" val="382771432"/>
+        <p14:creationId xmlns:p14="http://schemas.microsoft.com/office/powerpoint/2010/main" val="1220671363"/>
       </p:ext>
     </p:extLst>
   </p:cSld>
@@ -2975,7 +3235,7 @@
             <a:fld id="{3EBA5BD7-F043-4D1B-AA17-CD412FC534DE}" type="slidenum">
               <a:rPr lang="en-US" smtClean="0"/>
               <a:pPr/>
-              <a:t>22</a:t>
+              <a:t>24</a:t>
             </a:fld>
             <a:endParaRPr lang="en-US" dirty="0"/>
           </a:p>
@@ -3023,7 +3283,7 @@
     </p:spTree>
     <p:extLst>
       <p:ext uri="{BB962C8B-B14F-4D97-AF65-F5344CB8AC3E}">
-        <p14:creationId xmlns:p14="http://schemas.microsoft.com/office/powerpoint/2010/main" val="2800762101"/>
+        <p14:creationId xmlns:p14="http://schemas.microsoft.com/office/powerpoint/2010/main" val="382771432"/>
       </p:ext>
     </p:extLst>
   </p:cSld>
@@ -3077,7 +3337,7 @@
           <a:bodyPr/>
           <a:lstStyle/>
           <a:p>
-            <a:endParaRPr lang="en-US" dirty="0"/>
+            <a:endParaRPr lang="en-US"/>
           </a:p>
         </p:txBody>
       </p:sp>
@@ -3086,7 +3346,7 @@
           <p:cNvPr id="7" name="Slide Number Placeholder 5">
             <a:extLst>
               <a:ext uri="{FF2B5EF4-FFF2-40B4-BE49-F238E27FC236}">
-                <a16:creationId xmlns:a16="http://schemas.microsoft.com/office/drawing/2014/main" id="{E65F1CA9-65DC-416B-8882-B3A5E415CE67}"/>
+                <a16:creationId xmlns:a16="http://schemas.microsoft.com/office/drawing/2014/main" id="{BD88B0D8-949C-482D-990A-2DAB14AD4AD1}"/>
               </a:ext>
             </a:extLst>
           </p:cNvPr>
@@ -3205,7 +3465,7 @@
             <a:fld id="{3EBA5BD7-F043-4D1B-AA17-CD412FC534DE}" type="slidenum">
               <a:rPr lang="en-US" smtClean="0"/>
               <a:pPr/>
-              <a:t>31</a:t>
+              <a:t>27</a:t>
             </a:fld>
             <a:endParaRPr lang="en-US" dirty="0"/>
           </a:p>
@@ -3213,10 +3473,10 @@
       </p:sp>
       <p:sp>
         <p:nvSpPr>
-          <p:cNvPr id="5" name="Footer Placeholder 7">
+          <p:cNvPr id="4" name="Footer Placeholder 3">
             <a:extLst>
               <a:ext uri="{FF2B5EF4-FFF2-40B4-BE49-F238E27FC236}">
-                <a16:creationId xmlns:a16="http://schemas.microsoft.com/office/drawing/2014/main" id="{43FAF785-0C8D-730E-8E59-68198DC82CE0}"/>
+                <a16:creationId xmlns:a16="http://schemas.microsoft.com/office/drawing/2014/main" id="{58474633-D38D-4432-867B-70F325FA7016}"/>
               </a:ext>
             </a:extLst>
           </p:cNvPr>
@@ -3227,49 +3487,33 @@
             <p:ph type="ftr" sz="quarter" idx="4"/>
           </p:nvPr>
         </p:nvSpPr>
-        <p:spPr>
-          <a:xfrm>
-            <a:off x="-1" y="8892000"/>
-            <a:ext cx="6488999" cy="252000"/>
-          </a:xfrm>
-          <a:prstGeom prst="rect">
-            <a:avLst/>
-          </a:prstGeom>
-        </p:spPr>
+        <p:spPr/>
         <p:txBody>
-          <a:bodyPr vert="horz" lIns="91440" tIns="45720" rIns="91440" bIns="45720" rtlCol="0" anchor="b"/>
-          <a:lstStyle>
-            <a:lvl1pPr algn="l">
-              <a:defRPr sz="1100"/>
-            </a:lvl1pPr>
-          </a:lstStyle>
-          <a:p>
-            <a:r>
-              <a:rPr lang="bg-BG" sz="1100" dirty="0"/>
-              <a:t>Работна група </a:t>
-            </a:r>
-            <a:r>
-              <a:rPr lang="bg-BG" dirty="0"/>
-              <a:t>"Образование по програмиране и ИТ"</a:t>
-            </a:r>
-            <a:r>
-              <a:rPr lang="bg-BG" sz="1100" dirty="0"/>
-              <a:t>, с подкрепата на </a:t>
-            </a:r>
-            <a:r>
-              <a:rPr lang="en-US" sz="1100" dirty="0">
+          <a:bodyPr/>
+          <a:lstStyle/>
+          <a:p>
+            <a:r>
+              <a:rPr lang="en-US"/>
+              <a:t>© SoftUni – </a:t>
+            </a:r>
+            <a:r>
+              <a:rPr lang="en-US" u="sng">
                 <a:hlinkClick r:id="rId3"/>
               </a:rPr>
-              <a:t>SoftUni</a:t>
-            </a:r>
-            <a:endParaRPr lang="en-US" sz="1100" dirty="0"/>
+              <a:t>https://softuni.org</a:t>
+            </a:r>
+            <a:r>
+              <a:rPr lang="en-US"/>
+              <a:t>. Copyrighted document. Unauthorized copy or reproduction is not permitted.</a:t>
+            </a:r>
+            <a:endParaRPr lang="en-US" dirty="0"/>
           </a:p>
         </p:txBody>
       </p:sp>
     </p:spTree>
     <p:extLst>
       <p:ext uri="{BB962C8B-B14F-4D97-AF65-F5344CB8AC3E}">
-        <p14:creationId xmlns:p14="http://schemas.microsoft.com/office/powerpoint/2010/main" val="2689344733"/>
+        <p14:creationId xmlns:p14="http://schemas.microsoft.com/office/powerpoint/2010/main" val="2800762101"/>
       </p:ext>
     </p:extLst>
   </p:cSld>
@@ -8665,6 +8909,283 @@
       </p:grpSpPr>
       <p:sp>
         <p:nvSpPr>
+          <p:cNvPr id="4" name="Slide Subtitle">
+            <a:extLst>
+              <a:ext uri="{FF2B5EF4-FFF2-40B4-BE49-F238E27FC236}">
+                <a16:creationId xmlns:a16="http://schemas.microsoft.com/office/drawing/2014/main" id="{BEB5BB41-09D4-4E9F-8C80-EE8709171CB3}"/>
+              </a:ext>
+            </a:extLst>
+          </p:cNvPr>
+          <p:cNvSpPr>
+            <a:spLocks noGrp="1"/>
+          </p:cNvSpPr>
+          <p:nvPr>
+            <p:ph type="subTitle" sz="quarter" idx="11"/>
+          </p:nvPr>
+        </p:nvSpPr>
+        <p:spPr/>
+        <p:txBody>
+          <a:bodyPr/>
+          <a:lstStyle/>
+          <a:p>
+            <a:r>
+              <a:rPr lang="bg-BG" dirty="0"/>
+              <a:t>Анотации за данни</a:t>
+            </a:r>
+          </a:p>
+        </p:txBody>
+      </p:sp>
+      <p:sp>
+        <p:nvSpPr>
+          <p:cNvPr id="6" name="Slide Title">
+            <a:extLst>
+              <a:ext uri="{FF2B5EF4-FFF2-40B4-BE49-F238E27FC236}">
+                <a16:creationId xmlns:a16="http://schemas.microsoft.com/office/drawing/2014/main" id="{028D9EA3-B5E0-4F17-9467-4BE3C280DA68}"/>
+              </a:ext>
+            </a:extLst>
+          </p:cNvPr>
+          <p:cNvSpPr>
+            <a:spLocks noGrp="1"/>
+          </p:cNvSpPr>
+          <p:nvPr>
+            <p:ph type="title" sz="quarter" idx="10"/>
+          </p:nvPr>
+        </p:nvSpPr>
+        <p:spPr/>
+        <p:txBody>
+          <a:bodyPr/>
+          <a:lstStyle/>
+          <a:p>
+            <a:r>
+              <a:rPr lang="bg-BG" sz="4400" dirty="0"/>
+              <a:t>Атрибути в </a:t>
+            </a:r>
+            <a:r>
+              <a:rPr lang="en-US" sz="4400" dirty="0"/>
+              <a:t>Entity Framework Core</a:t>
+            </a:r>
+          </a:p>
+        </p:txBody>
+      </p:sp>
+      <p:pic>
+        <p:nvPicPr>
+          <p:cNvPr id="2" name="Picture 1">
+            <a:extLst>
+              <a:ext uri="{FF2B5EF4-FFF2-40B4-BE49-F238E27FC236}">
+                <a16:creationId xmlns:a16="http://schemas.microsoft.com/office/drawing/2014/main" id="{1C5970DC-D0E1-2341-2957-D0503320D5DE}"/>
+              </a:ext>
+            </a:extLst>
+          </p:cNvPr>
+          <p:cNvPicPr>
+            <a:picLocks noChangeAspect="1"/>
+          </p:cNvPicPr>
+          <p:nvPr/>
+        </p:nvPicPr>
+        <p:blipFill>
+          <a:blip r:embed="rId3">
+            <a:duotone>
+              <a:schemeClr val="accent6">
+                <a:shade val="45000"/>
+                <a:satMod val="135000"/>
+              </a:schemeClr>
+              <a:prstClr val="white"/>
+            </a:duotone>
+            <a:extLst>
+              <a:ext uri="{28A0092B-C50C-407E-A947-70E740481C1C}">
+                <a14:useLocalDpi xmlns:a14="http://schemas.microsoft.com/office/drawing/2010/main" val="0"/>
+              </a:ext>
+            </a:extLst>
+          </a:blip>
+          <a:stretch>
+            <a:fillRect/>
+          </a:stretch>
+        </p:blipFill>
+        <p:spPr>
+          <a:xfrm>
+            <a:off x="4618210" y="1237473"/>
+            <a:ext cx="2888254" cy="2714959"/>
+          </a:xfrm>
+          <a:prstGeom prst="rect">
+            <a:avLst/>
+          </a:prstGeom>
+        </p:spPr>
+      </p:pic>
+      <p:sp>
+        <p:nvSpPr>
+          <p:cNvPr id="3" name="Rectangle: Rounded Corners 2">
+            <a:extLst>
+              <a:ext uri="{FF2B5EF4-FFF2-40B4-BE49-F238E27FC236}">
+                <a16:creationId xmlns:a16="http://schemas.microsoft.com/office/drawing/2014/main" id="{98D21C8B-0B3C-B0C0-58CE-823032571BA0}"/>
+              </a:ext>
+            </a:extLst>
+          </p:cNvPr>
+          <p:cNvSpPr/>
+          <p:nvPr/>
+        </p:nvSpPr>
+        <p:spPr bwMode="auto">
+          <a:xfrm>
+            <a:off x="5016000" y="153627"/>
+            <a:ext cx="6930000" cy="1704796"/>
+          </a:xfrm>
+          <a:prstGeom prst="roundRect">
+            <a:avLst/>
+          </a:prstGeom>
+          <a:ln/>
+        </p:spPr>
+        <p:style>
+          <a:lnRef idx="0">
+            <a:schemeClr val="accent2"/>
+          </a:lnRef>
+          <a:fillRef idx="3">
+            <a:schemeClr val="accent2"/>
+          </a:fillRef>
+          <a:effectRef idx="3">
+            <a:schemeClr val="accent2"/>
+          </a:effectRef>
+          <a:fontRef idx="minor">
+            <a:schemeClr val="lt1"/>
+          </a:fontRef>
+        </p:style>
+        <p:txBody>
+          <a:bodyPr rot="0" spcFirstLastPara="0" vertOverflow="overflow" horzOverflow="overflow" vert="horz" wrap="square" lIns="91440" tIns="45720" rIns="91440" bIns="45720" numCol="1" spcCol="0" rtlCol="0" fromWordArt="0" anchor="ctr" anchorCtr="0" forceAA="0" compatLnSpc="1">
+            <a:prstTxWarp prst="textNoShape">
+              <a:avLst/>
+            </a:prstTxWarp>
+            <a:noAutofit/>
+          </a:bodyPr>
+          <a:lstStyle/>
+          <a:p>
+            <a:pPr algn="ctr"/>
+            <a:r>
+              <a:rPr lang="bg-BG" sz="2800" b="1" dirty="0">
+                <a:solidFill>
+                  <a:srgbClr val="FFFFFF"/>
+                </a:solidFill>
+                <a:effectLst>
+                  <a:outerShdw blurRad="38100" dist="38100" dir="2700000" algn="tl">
+                    <a:srgbClr val="000000">
+                      <a:alpha val="43137"/>
+                    </a:srgbClr>
+                  </a:outerShdw>
+                </a:effectLst>
+              </a:rPr>
+              <a:t>Защо им е на учениците </a:t>
+            </a:r>
+            <a:r>
+              <a:rPr lang="en-US" sz="2800" b="1" dirty="0">
+                <a:solidFill>
+                  <a:srgbClr val="FFFFFF"/>
+                </a:solidFill>
+                <a:effectLst>
+                  <a:outerShdw blurRad="38100" dist="38100" dir="2700000" algn="tl">
+                    <a:srgbClr val="000000">
+                      <a:alpha val="43137"/>
+                    </a:srgbClr>
+                  </a:outerShdw>
+                </a:effectLst>
+              </a:rPr>
+              <a:t>Fluent API</a:t>
+            </a:r>
+            <a:r>
+              <a:rPr lang="bg-BG" sz="2800" b="1" dirty="0">
+                <a:solidFill>
+                  <a:srgbClr val="FFFFFF"/>
+                </a:solidFill>
+                <a:effectLst>
+                  <a:outerShdw blurRad="38100" dist="38100" dir="2700000" algn="tl">
+                    <a:srgbClr val="000000">
+                      <a:alpha val="43137"/>
+                    </a:srgbClr>
+                  </a:outerShdw>
+                </a:effectLst>
+              </a:rPr>
+              <a:t> и атрибути? Целият курс е изграден върху </a:t>
+            </a:r>
+            <a:r>
+              <a:rPr lang="en-US" sz="2800" b="1" dirty="0">
+                <a:solidFill>
+                  <a:srgbClr val="FFFFFF"/>
+                </a:solidFill>
+                <a:effectLst>
+                  <a:outerShdw blurRad="38100" dist="38100" dir="2700000" algn="tl">
+                    <a:srgbClr val="000000">
+                      <a:alpha val="43137"/>
+                    </a:srgbClr>
+                  </a:outerShdw>
+                </a:effectLst>
+              </a:rPr>
+              <a:t>database first</a:t>
+            </a:r>
+            <a:r>
+              <a:rPr lang="bg-BG" sz="2800" b="1" dirty="0">
+                <a:solidFill>
+                  <a:srgbClr val="FFFFFF"/>
+                </a:solidFill>
+                <a:effectLst>
+                  <a:outerShdw blurRad="38100" dist="38100" dir="2700000" algn="tl">
+                    <a:srgbClr val="000000">
+                      <a:alpha val="43137"/>
+                    </a:srgbClr>
+                  </a:outerShdw>
+                </a:effectLst>
+              </a:rPr>
+              <a:t> подхода.</a:t>
+            </a:r>
+            <a:endParaRPr lang="en-US" sz="2800" b="1" dirty="0">
+              <a:solidFill>
+                <a:srgbClr val="FFFFFF"/>
+              </a:solidFill>
+              <a:effectLst>
+                <a:outerShdw blurRad="38100" dist="38100" dir="2700000" algn="tl">
+                  <a:srgbClr val="000000">
+                    <a:alpha val="43137"/>
+                  </a:srgbClr>
+                </a:outerShdw>
+              </a:effectLst>
+            </a:endParaRPr>
+          </a:p>
+        </p:txBody>
+      </p:sp>
+    </p:spTree>
+    <p:extLst>
+      <p:ext uri="{BB962C8B-B14F-4D97-AF65-F5344CB8AC3E}">
+        <p14:creationId xmlns:p14="http://schemas.microsoft.com/office/powerpoint/2010/main" val="2641278986"/>
+      </p:ext>
+    </p:extLst>
+  </p:cSld>
+  <p:clrMapOvr>
+    <a:masterClrMapping/>
+  </p:clrMapOvr>
+  <mc:AlternateContent xmlns:mc="http://schemas.openxmlformats.org/markup-compatibility/2006" xmlns:p14="http://schemas.microsoft.com/office/powerpoint/2010/main">
+    <mc:Choice Requires="p14">
+      <p:transition spd="slow" p14:dur="2000" advClick="0" advTm="5000"/>
+    </mc:Choice>
+    <mc:Fallback xmlns="">
+      <p:transition spd="slow" advClick="0" advTm="5000"/>
+    </mc:Fallback>
+  </mc:AlternateContent>
+</p:sld>
+</file>
+
+<file path=ppt/slides/slide11.xml><?xml version="1.0" encoding="utf-8"?>
+<p:sld xmlns:a="http://schemas.openxmlformats.org/drawingml/2006/main" xmlns:r="http://schemas.openxmlformats.org/officeDocument/2006/relationships" xmlns:p="http://schemas.openxmlformats.org/presentationml/2006/main">
+  <p:cSld>
+    <p:spTree>
+      <p:nvGrpSpPr>
+        <p:cNvPr id="1" name=""/>
+        <p:cNvGrpSpPr/>
+        <p:nvPr/>
+      </p:nvGrpSpPr>
+      <p:grpSpPr>
+        <a:xfrm>
+          <a:off x="0" y="0"/>
+          <a:ext cx="0" cy="0"/>
+          <a:chOff x="0" y="0"/>
+          <a:chExt cx="0" cy="0"/>
+        </a:xfrm>
+      </p:grpSpPr>
+      <p:sp>
+        <p:nvSpPr>
           <p:cNvPr id="2" name="Slide Number Placeholder 1">
             <a:extLst>
               <a:ext uri="{FF2B5EF4-FFF2-40B4-BE49-F238E27FC236}">
@@ -8687,7 +9208,7 @@
             <a:fld id="{2BF067CD-8E6B-4360-9AA8-C5DF2A48A6D1}" type="slidenum">
               <a:rPr lang="en-US" noProof="0" smtClean="0"/>
               <a:pPr/>
-              <a:t>10</a:t>
+              <a:t>11</a:t>
             </a:fld>
             <a:endParaRPr lang="en-US" noProof="0" dirty="0"/>
           </a:p>
@@ -9450,7 +9971,7 @@
 </p:sld>
 </file>
 
-<file path=ppt/slides/slide11.xml><?xml version="1.0" encoding="utf-8"?>
+<file path=ppt/slides/slide12.xml><?xml version="1.0" encoding="utf-8"?>
 <p:sld xmlns:a="http://schemas.openxmlformats.org/drawingml/2006/main" xmlns:r="http://schemas.openxmlformats.org/officeDocument/2006/relationships" xmlns:p="http://schemas.openxmlformats.org/presentationml/2006/main">
   <p:cSld>
     <p:spTree>
@@ -9491,7 +10012,7 @@
             <a:fld id="{2BF067CD-8E6B-4360-9AA8-C5DF2A48A6D1}" type="slidenum">
               <a:rPr lang="en-US" noProof="0" smtClean="0"/>
               <a:pPr/>
-              <a:t>11</a:t>
+              <a:t>12</a:t>
             </a:fld>
             <a:endParaRPr lang="en-US" noProof="0" dirty="0"/>
           </a:p>
@@ -10180,7 +10701,7 @@
 </p:sld>
 </file>
 
-<file path=ppt/slides/slide12.xml><?xml version="1.0" encoding="utf-8"?>
+<file path=ppt/slides/slide13.xml><?xml version="1.0" encoding="utf-8"?>
 <p:sld xmlns:a="http://schemas.openxmlformats.org/drawingml/2006/main" xmlns:r="http://schemas.openxmlformats.org/officeDocument/2006/relationships" xmlns:p="http://schemas.openxmlformats.org/presentationml/2006/main">
   <p:cSld>
     <p:spTree>
@@ -10221,7 +10742,7 @@
             <a:fld id="{2BF067CD-8E6B-4360-9AA8-C5DF2A48A6D1}" type="slidenum">
               <a:rPr lang="en-US" noProof="0" smtClean="0"/>
               <a:pPr/>
-              <a:t>12</a:t>
+              <a:t>13</a:t>
             </a:fld>
             <a:endParaRPr lang="en-US" noProof="0" dirty="0"/>
           </a:p>
@@ -10839,7 +11360,7 @@
 </p:sld>
 </file>
 
-<file path=ppt/slides/slide13.xml><?xml version="1.0" encoding="utf-8"?>
+<file path=ppt/slides/slide14.xml><?xml version="1.0" encoding="utf-8"?>
 <p:sld xmlns:a="http://schemas.openxmlformats.org/drawingml/2006/main" xmlns:r="http://schemas.openxmlformats.org/officeDocument/2006/relationships" xmlns:p="http://schemas.openxmlformats.org/presentationml/2006/main">
   <p:cSld>
     <p:spTree>
@@ -10981,7 +11502,7 @@
 </p:sld>
 </file>
 
-<file path=ppt/slides/slide14.xml><?xml version="1.0" encoding="utf-8"?>
+<file path=ppt/slides/slide15.xml><?xml version="1.0" encoding="utf-8"?>
 <p:sld xmlns:a="http://schemas.openxmlformats.org/drawingml/2006/main" xmlns:r="http://schemas.openxmlformats.org/officeDocument/2006/relationships" xmlns:p="http://schemas.openxmlformats.org/presentationml/2006/main">
   <p:cSld>
     <p:spTree>
@@ -11596,7 +12117,7 @@
             <a:fld id="{2BF067CD-8E6B-4360-9AA8-C5DF2A48A6D1}" type="slidenum">
               <a:rPr lang="en-US" noProof="0" smtClean="0"/>
               <a:pPr/>
-              <a:t>14</a:t>
+              <a:t>15</a:t>
             </a:fld>
             <a:endParaRPr lang="en-US" noProof="0" dirty="0"/>
           </a:p>
@@ -11980,7 +12501,7 @@
 </p:sld>
 </file>
 
-<file path=ppt/slides/slide15.xml><?xml version="1.0" encoding="utf-8"?>
+<file path=ppt/slides/slide16.xml><?xml version="1.0" encoding="utf-8"?>
 <p:sld xmlns:a="http://schemas.openxmlformats.org/drawingml/2006/main" xmlns:r="http://schemas.openxmlformats.org/officeDocument/2006/relationships" xmlns:p="http://schemas.openxmlformats.org/presentationml/2006/main">
   <p:cSld>
     <p:spTree>
@@ -12092,6 +12613,105 @@
               </a:solidFill>
             </a:endParaRPr>
           </a:p>
+          <a:p>
+            <a:endParaRPr lang="en-US" b="1" dirty="0">
+              <a:solidFill>
+                <a:schemeClr val="bg1"/>
+              </a:solidFill>
+            </a:endParaRPr>
+          </a:p>
+          <a:p>
+            <a:endParaRPr lang="en-US" b="1" dirty="0">
+              <a:solidFill>
+                <a:schemeClr val="bg1"/>
+              </a:solidFill>
+            </a:endParaRPr>
+          </a:p>
+          <a:p>
+            <a:endParaRPr lang="en-US" b="1" dirty="0">
+              <a:solidFill>
+                <a:schemeClr val="bg1"/>
+              </a:solidFill>
+            </a:endParaRPr>
+          </a:p>
+          <a:p>
+            <a:endParaRPr lang="en-US" b="1" dirty="0">
+              <a:solidFill>
+                <a:schemeClr val="bg1"/>
+              </a:solidFill>
+            </a:endParaRPr>
+          </a:p>
+          <a:p>
+            <a:r>
+              <a:rPr lang="bg-BG" b="1" dirty="0">
+                <a:solidFill>
+                  <a:schemeClr val="bg1"/>
+                </a:solidFill>
+                <a:highlight>
+                  <a:srgbClr val="FFFF00"/>
+                </a:highlight>
+              </a:rPr>
+              <a:t>Да се смени примера: </a:t>
+            </a:r>
+            <a:r>
+              <a:rPr lang="en-US" b="1" dirty="0">
+                <a:solidFill>
+                  <a:schemeClr val="bg1"/>
+                </a:solidFill>
+                <a:highlight>
+                  <a:srgbClr val="FFFF00"/>
+                </a:highlight>
+              </a:rPr>
+              <a:t>Department(ID, Name) </a:t>
+            </a:r>
+            <a:r>
+              <a:rPr lang="en-US" b="1" dirty="0">
+                <a:solidFill>
+                  <a:schemeClr val="bg1"/>
+                </a:solidFill>
+                <a:highlight>
+                  <a:srgbClr val="FFFF00"/>
+                </a:highlight>
+                <a:sym typeface="Wingdings" panose="05000000000000000000" pitchFamily="2" charset="2"/>
+              </a:rPr>
+              <a:t> Employee(ID, Name, </a:t>
+            </a:r>
+            <a:r>
+              <a:rPr lang="en-US" b="1" dirty="0" err="1">
+                <a:solidFill>
+                  <a:schemeClr val="bg1"/>
+                </a:solidFill>
+                <a:highlight>
+                  <a:srgbClr val="FFFF00"/>
+                </a:highlight>
+                <a:sym typeface="Wingdings" panose="05000000000000000000" pitchFamily="2" charset="2"/>
+              </a:rPr>
+              <a:t>DepartmentID</a:t>
+            </a:r>
+            <a:r>
+              <a:rPr lang="en-US" b="1" dirty="0">
+                <a:solidFill>
+                  <a:schemeClr val="bg1"/>
+                </a:solidFill>
+                <a:highlight>
+                  <a:srgbClr val="FFFF00"/>
+                </a:highlight>
+                <a:sym typeface="Wingdings" panose="05000000000000000000" pitchFamily="2" charset="2"/>
+              </a:rPr>
+              <a:t>)</a:t>
+            </a:r>
+            <a:r>
+              <a:rPr lang="en-US" b="1" dirty="0">
+                <a:solidFill>
+                  <a:schemeClr val="bg1"/>
+                </a:solidFill>
+                <a:highlight>
+                  <a:srgbClr val="FFFF00"/>
+                </a:highlight>
+              </a:rPr>
+              <a:t> </a:t>
+            </a:r>
+          </a:p>
         </p:txBody>
       </p:sp>
       <p:sp>
@@ -12137,7 +12757,7 @@
         </p:blipFill>
         <p:spPr>
           <a:xfrm>
-            <a:off x="1828023" y="3294000"/>
+            <a:off x="1828023" y="2844000"/>
             <a:ext cx="8086725" cy="1981200"/>
           </a:xfrm>
           <a:prstGeom prst="rect">
@@ -12181,7 +12801,7 @@
             <a:fld id="{2BF067CD-8E6B-4360-9AA8-C5DF2A48A6D1}" type="slidenum">
               <a:rPr lang="en-US" noProof="0" smtClean="0"/>
               <a:pPr/>
-              <a:t>15</a:t>
+              <a:t>16</a:t>
             </a:fld>
             <a:endParaRPr lang="en-US" noProof="0" dirty="0"/>
           </a:p>
@@ -12341,6 +12961,55 @@
                       </p:childTnLst>
                     </p:cTn>
                   </p:par>
+                  <p:par>
+                    <p:cTn id="13" fill="hold">
+                      <p:stCondLst>
+                        <p:cond delay="indefinite"/>
+                      </p:stCondLst>
+                      <p:childTnLst>
+                        <p:par>
+                          <p:cTn id="14" fill="hold">
+                            <p:stCondLst>
+                              <p:cond delay="0"/>
+                            </p:stCondLst>
+                            <p:childTnLst>
+                              <p:par>
+                                <p:cTn id="15" presetID="1" presetClass="entr" presetSubtype="0" fill="hold" nodeType="clickEffect">
+                                  <p:stCondLst>
+                                    <p:cond delay="0"/>
+                                  </p:stCondLst>
+                                  <p:childTnLst>
+                                    <p:set>
+                                      <p:cBhvr>
+                                        <p:cTn id="16" dur="1" fill="hold">
+                                          <p:stCondLst>
+                                            <p:cond delay="0"/>
+                                          </p:stCondLst>
+                                        </p:cTn>
+                                        <p:tgtEl>
+                                          <p:spTgt spid="3">
+                                            <p:txEl>
+                                              <p:pRg st="6" end="6"/>
+                                            </p:txEl>
+                                          </p:spTgt>
+                                        </p:tgtEl>
+                                        <p:attrNameLst>
+                                          <p:attrName>style.visibility</p:attrName>
+                                        </p:attrNameLst>
+                                      </p:cBhvr>
+                                      <p:to>
+                                        <p:strVal val="visible"/>
+                                      </p:to>
+                                    </p:set>
+                                  </p:childTnLst>
+                                </p:cTn>
+                              </p:par>
+                            </p:childTnLst>
+                          </p:cTn>
+                        </p:par>
+                      </p:childTnLst>
+                    </p:cTn>
+                  </p:par>
                 </p:childTnLst>
               </p:cTn>
               <p:prevCondLst>
@@ -12366,7 +13035,7 @@
 </p:sld>
 </file>
 
-<file path=ppt/slides/slide16.xml><?xml version="1.0" encoding="utf-8"?>
+<file path=ppt/slides/slide17.xml><?xml version="1.0" encoding="utf-8"?>
 <p:sld xmlns:a="http://schemas.openxmlformats.org/drawingml/2006/main" xmlns:r="http://schemas.openxmlformats.org/officeDocument/2006/relationships" xmlns:p="http://schemas.openxmlformats.org/presentationml/2006/main">
   <p:cSld>
     <p:spTree>
@@ -12411,7 +13080,7 @@
             </a:pPr>
             <a:r>
               <a:rPr lang="bg-BG" b="1" dirty="0"/>
-              <a:t>Една оценка </a:t>
+              <a:t>Един отдел </a:t>
             </a:r>
             <a:r>
               <a:rPr lang="en-US" dirty="0"/>
@@ -12423,7 +13092,7 @@
                   <a:schemeClr val="bg1"/>
                 </a:solidFill>
               </a:rPr>
-              <a:t>Grade</a:t>
+              <a:t>Department</a:t>
             </a:r>
             <a:r>
               <a:rPr lang="en-US" dirty="0"/>
@@ -12443,11 +13112,7 @@
             </a:r>
             <a:r>
               <a:rPr lang="bg-BG" b="1" dirty="0"/>
-              <a:t>ученици</a:t>
-            </a:r>
-            <a:r>
-              <a:rPr lang="bg-BG" dirty="0"/>
-              <a:t> </a:t>
+              <a:t>служители </a:t>
             </a:r>
             <a:r>
               <a:rPr lang="en-US" dirty="0"/>
@@ -12459,7 +13124,7 @@
                   <a:schemeClr val="bg1"/>
                 </a:solidFill>
               </a:rPr>
-              <a:t>Students</a:t>
+              <a:t>Employees</a:t>
             </a:r>
             <a:r>
               <a:rPr lang="en-US" dirty="0"/>
@@ -12508,8 +13173,8 @@
         </p:nvSpPr>
         <p:spPr bwMode="auto">
           <a:xfrm>
-            <a:off x="533400" y="1899000"/>
-            <a:ext cx="11125200" cy="4742425"/>
+            <a:off x="533400" y="2061351"/>
+            <a:ext cx="11125200" cy="4157649"/>
           </a:xfrm>
           <a:prstGeom prst="rect">
             <a:avLst/>
@@ -12565,7 +13230,7 @@
                 <a:latin typeface="Consolas" pitchFamily="49" charset="0"/>
                 <a:cs typeface="Consolas" pitchFamily="49" charset="0"/>
               </a:rPr>
-              <a:t>Grade</a:t>
+              <a:t>Department</a:t>
             </a:r>
           </a:p>
           <a:p>
@@ -12611,7 +13276,7 @@
                 <a:latin typeface="Consolas" pitchFamily="49" charset="0"/>
                 <a:cs typeface="Consolas" pitchFamily="49" charset="0"/>
               </a:rPr>
-              <a:t>  public int GradeId { get; set; }</a:t>
+              <a:t>  public int Id { get; set; }</a:t>
             </a:r>
           </a:p>
           <a:p>
@@ -12634,7 +13299,7 @@
                 <a:latin typeface="Consolas" pitchFamily="49" charset="0"/>
                 <a:cs typeface="Consolas" pitchFamily="49" charset="0"/>
               </a:rPr>
-              <a:t>  public string GradeName { get; set; }</a:t>
+              <a:t>  public string Name { get; set; }</a:t>
             </a:r>
           </a:p>
           <a:p>
@@ -12652,13 +13317,10 @@
               <a:buFont typeface="Wingdings" panose="05000000000000000000" pitchFamily="2" charset="2"/>
               <a:buNone/>
             </a:pPr>
-            <a:r>
-              <a:rPr lang="en-US" sz="2800" b="1" noProof="1">
-                <a:latin typeface="Consolas" pitchFamily="49" charset="0"/>
-                <a:cs typeface="Consolas" pitchFamily="49" charset="0"/>
-              </a:rPr>
-              <a:t>  public string Section { get; set; }</a:t>
-            </a:r>
+            <a:endParaRPr lang="en-US" b="1" noProof="1">
+              <a:latin typeface="Consolas" pitchFamily="49" charset="0"/>
+              <a:cs typeface="Consolas" pitchFamily="49" charset="0"/>
+            </a:endParaRPr>
           </a:p>
           <a:p>
             <a:pPr>
@@ -12675,26 +13337,6 @@
               <a:buFont typeface="Wingdings" panose="05000000000000000000" pitchFamily="2" charset="2"/>
               <a:buNone/>
             </a:pPr>
-            <a:endParaRPr lang="en-US" sz="2800" b="1" noProof="1">
-              <a:latin typeface="Consolas" pitchFamily="49" charset="0"/>
-              <a:cs typeface="Consolas" pitchFamily="49" charset="0"/>
-            </a:endParaRPr>
-          </a:p>
-          <a:p>
-            <a:pPr>
-              <a:spcBef>
-                <a:spcPts val="600"/>
-              </a:spcBef>
-              <a:spcAft>
-                <a:spcPts val="600"/>
-              </a:spcAft>
-              <a:buClr>
-                <a:srgbClr val="F2B254"/>
-              </a:buClr>
-              <a:buSzPct val="100000"/>
-              <a:buFont typeface="Wingdings" panose="05000000000000000000" pitchFamily="2" charset="2"/>
-              <a:buNone/>
-            </a:pPr>
             <a:r>
               <a:rPr lang="en-US" sz="2800" b="1" noProof="1">
                 <a:latin typeface="Consolas" pitchFamily="49" charset="0"/>
@@ -12710,7 +13352,7 @@
                 <a:latin typeface="Consolas" pitchFamily="49" charset="0"/>
                 <a:cs typeface="Consolas" pitchFamily="49" charset="0"/>
               </a:rPr>
-              <a:t>ICollection&lt;Student&gt; Students </a:t>
+              <a:t>ICollection&lt;Employee&gt; Employees </a:t>
             </a:r>
             <a:r>
               <a:rPr lang="en-US" sz="2800" b="1" noProof="1">
@@ -12781,7 +13423,7 @@
             <a:fld id="{2BF067CD-8E6B-4360-9AA8-C5DF2A48A6D1}" type="slidenum">
               <a:rPr lang="en-US" noProof="0" smtClean="0"/>
               <a:pPr/>
-              <a:t>16</a:t>
+              <a:t>17</a:t>
             </a:fld>
             <a:endParaRPr lang="en-US" noProof="0" dirty="0"/>
           </a:p>
@@ -12922,7 +13564,7 @@
                                         <p:tgtEl>
                                           <p:spTgt spid="8">
                                             <p:txEl>
-                                              <p:pRg st="6" end="6"/>
+                                              <p:pRg st="5" end="5"/>
                                             </p:txEl>
                                           </p:spTgt>
                                         </p:tgtEl>
@@ -12971,7 +13613,7 @@
 </p:sld>
 </file>
 
-<file path=ppt/slides/slide17.xml><?xml version="1.0" encoding="utf-8"?>
+<file path=ppt/slides/slide18.xml><?xml version="1.0" encoding="utf-8"?>
 <p:sld xmlns:a="http://schemas.openxmlformats.org/drawingml/2006/main" xmlns:r="http://schemas.openxmlformats.org/officeDocument/2006/relationships" xmlns:p="http://schemas.openxmlformats.org/presentationml/2006/main">
   <p:cSld>
     <p:spTree>
@@ -13015,8 +13657,12 @@
               </a:buClr>
             </a:pPr>
             <a:r>
+              <a:rPr lang="bg-BG" dirty="0"/>
+              <a:t>Всеки </a:t>
+            </a:r>
+            <a:r>
               <a:rPr lang="bg-BG" b="1" dirty="0"/>
-              <a:t>Ученикът</a:t>
+              <a:t>служител</a:t>
             </a:r>
             <a:r>
               <a:rPr lang="bg-BG" b="1" dirty="0">
@@ -13036,7 +13682,7 @@
                   <a:schemeClr val="bg1"/>
                 </a:solidFill>
               </a:rPr>
-              <a:t>Student</a:t>
+              <a:t>Employee</a:t>
             </a:r>
             <a:r>
               <a:rPr lang="en-US" dirty="0"/>
@@ -13044,7 +13690,7 @@
             </a:r>
             <a:r>
               <a:rPr lang="bg-BG" dirty="0"/>
-              <a:t>има една</a:t>
+              <a:t>си има един</a:t>
             </a:r>
             <a:r>
               <a:rPr lang="en-US" dirty="0"/>
@@ -13052,11 +13698,15 @@
             </a:r>
             <a:r>
               <a:rPr lang="bg-BG" b="1" dirty="0"/>
-              <a:t>оценка</a:t>
+              <a:t>отдел</a:t>
+            </a:r>
+            <a:r>
+              <a:rPr lang="en-US" b="1" dirty="0"/>
+              <a:t> </a:t>
             </a:r>
             <a:r>
               <a:rPr lang="bg-BG" dirty="0"/>
-              <a:t> (</a:t>
+              <a:t>(</a:t>
             </a:r>
             <a:r>
               <a:rPr lang="en-US" b="1" dirty="0">
@@ -13064,7 +13714,7 @@
                   <a:schemeClr val="bg1"/>
                 </a:solidFill>
               </a:rPr>
-              <a:t>Grade</a:t>
+              <a:t>Department</a:t>
             </a:r>
             <a:r>
               <a:rPr lang="en-US" dirty="0"/>
@@ -13119,8 +13769,8 @@
         </p:nvSpPr>
         <p:spPr bwMode="auto">
           <a:xfrm>
-            <a:off x="533400" y="1981200"/>
-            <a:ext cx="11125200" cy="4157649"/>
+            <a:off x="533400" y="1899000"/>
+            <a:ext cx="11125200" cy="4742425"/>
           </a:xfrm>
           <a:prstGeom prst="rect">
             <a:avLst/>
@@ -13176,7 +13826,7 @@
                 <a:latin typeface="Consolas" pitchFamily="49" charset="0"/>
                 <a:cs typeface="Consolas" pitchFamily="49" charset="0"/>
               </a:rPr>
-              <a:t>Student</a:t>
+              <a:t>Employee</a:t>
             </a:r>
           </a:p>
           <a:p>
@@ -13245,7 +13895,7 @@
                 <a:latin typeface="Consolas" pitchFamily="49" charset="0"/>
                 <a:cs typeface="Consolas" pitchFamily="49" charset="0"/>
               </a:rPr>
-              <a:t>  public string Name { get; set; }</a:t>
+              <a:t>  public string FirstName { get; set; }</a:t>
             </a:r>
           </a:p>
           <a:p>
@@ -13268,24 +13918,7 @@
                 <a:latin typeface="Consolas" pitchFamily="49" charset="0"/>
                 <a:cs typeface="Consolas" pitchFamily="49" charset="0"/>
               </a:rPr>
-              <a:t>  public int </a:t>
-            </a:r>
-            <a:r>
-              <a:rPr lang="en-US" sz="2800" b="1" noProof="1">
-                <a:solidFill>
-                  <a:schemeClr val="bg1"/>
-                </a:solidFill>
-                <a:latin typeface="Consolas" pitchFamily="49" charset="0"/>
-                <a:cs typeface="Consolas" pitchFamily="49" charset="0"/>
-              </a:rPr>
-              <a:t>GradeId</a:t>
-            </a:r>
-            <a:r>
-              <a:rPr lang="en-US" sz="2800" b="1" noProof="1">
-                <a:latin typeface="Consolas" pitchFamily="49" charset="0"/>
-                <a:cs typeface="Consolas" pitchFamily="49" charset="0"/>
-              </a:rPr>
-              <a:t> { get; set; }</a:t>
+              <a:t>  public string LastName { get; set; }</a:t>
             </a:r>
           </a:p>
           <a:p>
@@ -13308,7 +13941,7 @@
                 <a:latin typeface="Consolas" pitchFamily="49" charset="0"/>
                 <a:cs typeface="Consolas" pitchFamily="49" charset="0"/>
               </a:rPr>
-              <a:t>  public </a:t>
+              <a:t>  public int </a:t>
             </a:r>
             <a:r>
               <a:rPr lang="en-US" sz="2800" b="1" noProof="1">
@@ -13318,24 +13951,64 @@
                 <a:latin typeface="Consolas" pitchFamily="49" charset="0"/>
                 <a:cs typeface="Consolas" pitchFamily="49" charset="0"/>
               </a:rPr>
-              <a:t>Grade</a:t>
+              <a:t>DepartmentId</a:t>
             </a:r>
             <a:r>
               <a:rPr lang="en-US" sz="2800" b="1" noProof="1">
                 <a:latin typeface="Consolas" pitchFamily="49" charset="0"/>
                 <a:cs typeface="Consolas" pitchFamily="49" charset="0"/>
               </a:rPr>
-              <a:t> </a:t>
-            </a:r>
+              <a:t> { get; set; }</a:t>
+            </a:r>
+          </a:p>
+          <a:p>
+            <a:pPr>
+              <a:spcBef>
+                <a:spcPts val="600"/>
+              </a:spcBef>
+              <a:spcAft>
+                <a:spcPts val="600"/>
+              </a:spcAft>
+              <a:buClr>
+                <a:srgbClr val="F2B254"/>
+              </a:buClr>
+              <a:buSzPct val="100000"/>
+              <a:buFont typeface="Wingdings" panose="05000000000000000000" pitchFamily="2" charset="2"/>
+              <a:buNone/>
+            </a:pPr>
             <a:r>
               <a:rPr lang="en-US" sz="2800" b="1" noProof="1">
-                <a:solidFill>
-                  <a:schemeClr val="bg1"/>
-                </a:solidFill>
                 <a:latin typeface="Consolas" pitchFamily="49" charset="0"/>
                 <a:cs typeface="Consolas" pitchFamily="49" charset="0"/>
               </a:rPr>
-              <a:t>Grade</a:t>
+              <a:t>  public </a:t>
+            </a:r>
+            <a:r>
+              <a:rPr lang="en-US" sz="2800" b="1" noProof="1">
+                <a:solidFill>
+                  <a:schemeClr val="bg1"/>
+                </a:solidFill>
+                <a:latin typeface="Consolas" pitchFamily="49" charset="0"/>
+                <a:cs typeface="Consolas" pitchFamily="49" charset="0"/>
+              </a:rPr>
+              <a:t>Department</a:t>
+            </a:r>
+            <a:r>
+              <a:rPr lang="en-US" sz="2800" b="1" noProof="1">
+                <a:latin typeface="Consolas" pitchFamily="49" charset="0"/>
+                <a:cs typeface="Consolas" pitchFamily="49" charset="0"/>
+              </a:rPr>
+              <a:t> </a:t>
+            </a:r>
+            <a:r>
+              <a:rPr lang="en-US" sz="2800" b="1" noProof="1">
+                <a:solidFill>
+                  <a:schemeClr val="bg1"/>
+                </a:solidFill>
+                <a:latin typeface="Consolas" pitchFamily="49" charset="0"/>
+                <a:cs typeface="Consolas" pitchFamily="49" charset="0"/>
+              </a:rPr>
+              <a:t>Department</a:t>
             </a:r>
             <a:r>
               <a:rPr lang="en-US" sz="2800" b="1" noProof="1">
@@ -13406,7 +14079,7 @@
             <a:fld id="{2BF067CD-8E6B-4360-9AA8-C5DF2A48A6D1}" type="slidenum">
               <a:rPr lang="en-US" noProof="0" smtClean="0"/>
               <a:pPr/>
-              <a:t>17</a:t>
+              <a:t>18</a:t>
             </a:fld>
             <a:endParaRPr lang="en-US" noProof="0" dirty="0"/>
           </a:p>
@@ -13562,15 +14235,33 @@
                                   </p:childTnLst>
                                 </p:cTn>
                               </p:par>
+                            </p:childTnLst>
+                          </p:cTn>
+                        </p:par>
+                      </p:childTnLst>
+                    </p:cTn>
+                  </p:par>
+                  <p:par>
+                    <p:cTn id="13" fill="hold">
+                      <p:stCondLst>
+                        <p:cond delay="indefinite"/>
+                      </p:stCondLst>
+                      <p:childTnLst>
+                        <p:par>
+                          <p:cTn id="14" fill="hold">
+                            <p:stCondLst>
+                              <p:cond delay="0"/>
+                            </p:stCondLst>
+                            <p:childTnLst>
                               <p:par>
-                                <p:cTn id="13" presetID="1" presetClass="entr" presetSubtype="0" fill="hold" nodeType="withEffect">
+                                <p:cTn id="15" presetID="1" presetClass="entr" presetSubtype="0" fill="hold" nodeType="clickEffect">
                                   <p:stCondLst>
                                     <p:cond delay="0"/>
                                   </p:stCondLst>
                                   <p:childTnLst>
                                     <p:set>
                                       <p:cBhvr>
-                                        <p:cTn id="14" dur="1" fill="hold">
+                                        <p:cTn id="16" dur="1" fill="hold">
                                           <p:stCondLst>
                                             <p:cond delay="0"/>
                                           </p:stCondLst>
@@ -13579,6 +14270,37 @@
                                           <p:spTgt spid="8">
                                             <p:txEl>
                                               <p:pRg st="5" end="5"/>
+                                            </p:txEl>
+                                          </p:spTgt>
+                                        </p:tgtEl>
+                                        <p:attrNameLst>
+                                          <p:attrName>style.visibility</p:attrName>
+                                        </p:attrNameLst>
+                                      </p:cBhvr>
+                                      <p:to>
+                                        <p:strVal val="visible"/>
+                                      </p:to>
+                                    </p:set>
+                                  </p:childTnLst>
+                                </p:cTn>
+                              </p:par>
+                              <p:par>
+                                <p:cTn id="17" presetID="1" presetClass="entr" presetSubtype="0" fill="hold" nodeType="withEffect">
+                                  <p:stCondLst>
+                                    <p:cond delay="0"/>
+                                  </p:stCondLst>
+                                  <p:childTnLst>
+                                    <p:set>
+                                      <p:cBhvr>
+                                        <p:cTn id="18" dur="1" fill="hold">
+                                          <p:stCondLst>
+                                            <p:cond delay="0"/>
+                                          </p:stCondLst>
+                                        </p:cTn>
+                                        <p:tgtEl>
+                                          <p:spTgt spid="8">
+                                            <p:txEl>
+                                              <p:pRg st="6" end="6"/>
                                             </p:txEl>
                                           </p:spTgt>
                                         </p:tgtEl>
@@ -13627,7 +14349,7 @@
 </p:sld>
 </file>
 
-<file path=ppt/slides/slide18.xml><?xml version="1.0" encoding="utf-8"?>
+<file path=ppt/slides/slide19.xml><?xml version="1.0" encoding="utf-8"?>
 <p:sld xmlns:a="http://schemas.openxmlformats.org/drawingml/2006/main" xmlns:r="http://schemas.openxmlformats.org/officeDocument/2006/relationships" xmlns:p="http://schemas.openxmlformats.org/presentationml/2006/main">
   <p:cSld>
     <p:spTree>
@@ -13646,7 +14368,13 @@
       </p:grpSpPr>
       <p:sp>
         <p:nvSpPr>
-          <p:cNvPr id="3" name="Content Placeholder 2"/>
+          <p:cNvPr id="3" name="Content Placeholder 2">
+            <a:extLst>
+              <a:ext uri="{FF2B5EF4-FFF2-40B4-BE49-F238E27FC236}">
+                <a16:creationId xmlns:a16="http://schemas.microsoft.com/office/drawing/2014/main" id="{D83B5126-AB05-4C68-BA11-9F0BB021FD3A}"/>
+              </a:ext>
+            </a:extLst>
+          </p:cNvPr>
           <p:cNvSpPr>
             <a:spLocks noGrp="1"/>
           </p:cNvSpPr>
@@ -13665,41 +14393,38 @@
               </a:buClr>
             </a:pPr>
             <a:r>
-              <a:rPr lang="en-US" b="1" noProof="1">
-                <a:solidFill>
-                  <a:schemeClr val="bg1"/>
-                </a:solidFill>
-              </a:rPr>
-              <a:t>HasMany</a:t>
-            </a:r>
-            <a:r>
-              <a:rPr lang="en-US" dirty="0"/>
-              <a:t> </a:t>
-            </a:r>
-            <a:r>
-              <a:rPr lang="en-US" dirty="0">
-                <a:sym typeface="Wingdings" panose="05000000000000000000" pitchFamily="2" charset="2"/>
-              </a:rPr>
-              <a:t></a:t>
-            </a:r>
-            <a:r>
-              <a:rPr lang="en-US" dirty="0"/>
-              <a:t> </a:t>
-            </a:r>
-            <a:r>
-              <a:rPr lang="en-US" b="1" noProof="1">
-                <a:solidFill>
-                  <a:schemeClr val="bg1"/>
-                </a:solidFill>
-              </a:rPr>
-              <a:t>WithOne</a:t>
-            </a:r>
+              <a:rPr lang="bg-BG" dirty="0"/>
+              <a:t>Отпечатваме всички </a:t>
+            </a:r>
+            <a:r>
+              <a:rPr lang="bg-BG" b="1" dirty="0"/>
+              <a:t>отдели</a:t>
+            </a:r>
+            <a:r>
+              <a:rPr lang="bg-BG" dirty="0"/>
+              <a:t> и </a:t>
+            </a:r>
+            <a:r>
+              <a:rPr lang="bg-BG" b="1" dirty="0"/>
+              <a:t>служителите</a:t>
+            </a:r>
+            <a:r>
+              <a:rPr lang="bg-BG" dirty="0"/>
+              <a:t> за всеки отдел</a:t>
+            </a:r>
+            <a:endParaRPr lang="en-US" dirty="0"/>
           </a:p>
         </p:txBody>
       </p:sp>
       <p:sp>
         <p:nvSpPr>
-          <p:cNvPr id="4" name="Title 3"/>
+          <p:cNvPr id="4" name="Title 3">
+            <a:extLst>
+              <a:ext uri="{FF2B5EF4-FFF2-40B4-BE49-F238E27FC236}">
+                <a16:creationId xmlns:a16="http://schemas.microsoft.com/office/drawing/2014/main" id="{2D1CBE51-031E-4142-854A-B764640E2211}"/>
+              </a:ext>
+            </a:extLst>
+          </p:cNvPr>
           <p:cNvSpPr>
             <a:spLocks noGrp="1"/>
           </p:cNvSpPr>
@@ -13714,18 +14439,23 @@
           <a:p>
             <a:r>
               <a:rPr lang="bg-BG" dirty="0"/>
-              <a:t>Конфигурация с </a:t>
+              <a:t>Четене на </a:t>
             </a:r>
             <a:r>
               <a:rPr lang="en-US" dirty="0"/>
-              <a:t>Fluent API</a:t>
-            </a:r>
+              <a:t>master-detail </a:t>
+            </a:r>
+            <a:r>
+              <a:rPr lang="bg-BG" dirty="0"/>
+              <a:t>таблици</a:t>
+            </a:r>
+            <a:endParaRPr lang="en-US" dirty="0"/>
           </a:p>
         </p:txBody>
       </p:sp>
       <p:sp>
         <p:nvSpPr>
-          <p:cNvPr id="9" name="Rectangle 8"/>
+          <p:cNvPr id="8" name="Rectangle 7"/>
           <p:cNvSpPr>
             <a:spLocks noChangeArrowheads="1"/>
           </p:cNvSpPr>
@@ -13733,8 +14463,8 @@
         </p:nvSpPr>
         <p:spPr bwMode="auto">
           <a:xfrm>
-            <a:off x="637078" y="1899000"/>
-            <a:ext cx="7621588" cy="1941658"/>
+            <a:off x="533400" y="2015648"/>
+            <a:ext cx="11125200" cy="4383352"/>
           </a:xfrm>
           <a:prstGeom prst="rect">
             <a:avLst/>
@@ -13762,6 +14492,12 @@
           <a:lstStyle/>
           <a:p>
             <a:pPr>
+              <a:spcBef>
+                <a:spcPts val="400"/>
+              </a:spcBef>
+              <a:spcAft>
+                <a:spcPts val="400"/>
+              </a:spcAft>
               <a:buClr>
                 <a:srgbClr val="F2B254"/>
               </a:buClr>
@@ -13774,11 +14510,17 @@
                 <a:latin typeface="Consolas" pitchFamily="49" charset="0"/>
                 <a:cs typeface="Consolas" pitchFamily="49" charset="0"/>
               </a:rPr>
-              <a:t>modelBuilder.Entity&lt;Student&gt;()</a:t>
+              <a:t>foreach (Department dep in dbContext.Departments) </a:t>
             </a:r>
           </a:p>
           <a:p>
             <a:pPr>
+              <a:spcBef>
+                <a:spcPts val="400"/>
+              </a:spcBef>
+              <a:spcAft>
+                <a:spcPts val="400"/>
+              </a:spcAft>
               <a:buClr>
                 <a:srgbClr val="F2B254"/>
               </a:buClr>
@@ -13791,28 +14533,17 @@
                 <a:latin typeface="Consolas" pitchFamily="49" charset="0"/>
                 <a:cs typeface="Consolas" pitchFamily="49" charset="0"/>
               </a:rPr>
-              <a:t>  .</a:t>
-            </a:r>
-            <a:r>
-              <a:rPr lang="en-US" sz="2800" b="1" noProof="1">
-                <a:solidFill>
-                  <a:schemeClr val="bg1"/>
-                </a:solidFill>
-                <a:latin typeface="Consolas" pitchFamily="49" charset="0"/>
-                <a:cs typeface="Consolas" pitchFamily="49" charset="0"/>
-              </a:rPr>
-              <a:t>HasOne</a:t>
-            </a:r>
-            <a:r>
-              <a:rPr lang="en-US" sz="2800" b="1" noProof="1">
-                <a:latin typeface="Consolas" pitchFamily="49" charset="0"/>
-                <a:cs typeface="Consolas" pitchFamily="49" charset="0"/>
-              </a:rPr>
-              <a:t>&lt;Grade&gt;(s =&gt; s.Grade)</a:t>
+              <a:t>{</a:t>
             </a:r>
           </a:p>
           <a:p>
             <a:pPr>
+              <a:spcBef>
+                <a:spcPts val="400"/>
+              </a:spcBef>
+              <a:spcAft>
+                <a:spcPts val="400"/>
+              </a:spcAft>
               <a:buClr>
                 <a:srgbClr val="F2B254"/>
               </a:buClr>
@@ -13825,28 +14556,17 @@
                 <a:latin typeface="Consolas" pitchFamily="49" charset="0"/>
                 <a:cs typeface="Consolas" pitchFamily="49" charset="0"/>
               </a:rPr>
-              <a:t>  .</a:t>
-            </a:r>
-            <a:r>
-              <a:rPr lang="en-US" sz="2800" b="1" noProof="1">
-                <a:solidFill>
-                  <a:schemeClr val="bg1"/>
-                </a:solidFill>
-                <a:latin typeface="Consolas" pitchFamily="49" charset="0"/>
-                <a:cs typeface="Consolas" pitchFamily="49" charset="0"/>
-              </a:rPr>
-              <a:t>WithMany</a:t>
-            </a:r>
-            <a:r>
-              <a:rPr lang="en-US" sz="2800" b="1" noProof="1">
-                <a:latin typeface="Consolas" pitchFamily="49" charset="0"/>
-                <a:cs typeface="Consolas" pitchFamily="49" charset="0"/>
-              </a:rPr>
-              <a:t>(g =&gt; g.Students)</a:t>
+              <a:t>    Console.WriteLine($"Department `{dep.Name}`");</a:t>
             </a:r>
           </a:p>
           <a:p>
             <a:pPr>
+              <a:spcBef>
+                <a:spcPts val="400"/>
+              </a:spcBef>
+              <a:spcAft>
+                <a:spcPts val="400"/>
+              </a:spcAft>
               <a:buClr>
                 <a:srgbClr val="F2B254"/>
               </a:buClr>
@@ -13859,24 +14579,99 @@
                 <a:latin typeface="Consolas" pitchFamily="49" charset="0"/>
                 <a:cs typeface="Consolas" pitchFamily="49" charset="0"/>
               </a:rPr>
-              <a:t>  .</a:t>
-            </a:r>
-            <a:r>
-              <a:rPr lang="en-US" sz="2800" b="1" noProof="1">
-                <a:solidFill>
-                  <a:schemeClr val="bg1"/>
-                </a:solidFill>
-                <a:latin typeface="Consolas" pitchFamily="49" charset="0"/>
-                <a:cs typeface="Consolas" pitchFamily="49" charset="0"/>
-              </a:rPr>
-              <a:t>HasForeignKey</a:t>
-            </a:r>
+              <a:t>    var emps = dep.Employees;</a:t>
+            </a:r>
+          </a:p>
+          <a:p>
+            <a:pPr>
+              <a:spcBef>
+                <a:spcPts val="400"/>
+              </a:spcBef>
+              <a:spcAft>
+                <a:spcPts val="400"/>
+              </a:spcAft>
+              <a:buClr>
+                <a:srgbClr val="F2B254"/>
+              </a:buClr>
+              <a:buSzPct val="100000"/>
+              <a:buFont typeface="Wingdings" panose="05000000000000000000" pitchFamily="2" charset="2"/>
+              <a:buNone/>
+            </a:pPr>
             <a:r>
               <a:rPr lang="en-US" sz="2800" b="1" noProof="1">
                 <a:latin typeface="Consolas" pitchFamily="49" charset="0"/>
                 <a:cs typeface="Consolas" pitchFamily="49" charset="0"/>
               </a:rPr>
-              <a:t>(s =&gt; s.GradeId);</a:t>
+              <a:t>    foreach (Employee emp in emps) </a:t>
+            </a:r>
+          </a:p>
+          <a:p>
+            <a:pPr>
+              <a:spcBef>
+                <a:spcPts val="400"/>
+              </a:spcBef>
+              <a:spcAft>
+                <a:spcPts val="400"/>
+              </a:spcAft>
+              <a:buClr>
+                <a:srgbClr val="F2B254"/>
+              </a:buClr>
+              <a:buSzPct val="100000"/>
+              <a:buFont typeface="Wingdings" panose="05000000000000000000" pitchFamily="2" charset="2"/>
+              <a:buNone/>
+            </a:pPr>
+            <a:r>
+              <a:rPr lang="en-US" sz="2800" b="1" noProof="1">
+                <a:latin typeface="Consolas" pitchFamily="49" charset="0"/>
+                <a:cs typeface="Consolas" pitchFamily="49" charset="0"/>
+              </a:rPr>
+              <a:t>      Console.WriteLine(</a:t>
+            </a:r>
+          </a:p>
+          <a:p>
+            <a:pPr>
+              <a:spcBef>
+                <a:spcPts val="400"/>
+              </a:spcBef>
+              <a:spcAft>
+                <a:spcPts val="400"/>
+              </a:spcAft>
+              <a:buClr>
+                <a:srgbClr val="F2B254"/>
+              </a:buClr>
+              <a:buSzPct val="100000"/>
+              <a:buFont typeface="Wingdings" panose="05000000000000000000" pitchFamily="2" charset="2"/>
+              <a:buNone/>
+            </a:pPr>
+            <a:r>
+              <a:rPr lang="en-US" sz="2800" b="1" noProof="1">
+                <a:latin typeface="Consolas" pitchFamily="49" charset="0"/>
+                <a:cs typeface="Consolas" pitchFamily="49" charset="0"/>
+              </a:rPr>
+              <a:t>        $" -&gt; {emp.FirstName} {emp.LastName}");</a:t>
+            </a:r>
+          </a:p>
+          <a:p>
+            <a:pPr>
+              <a:spcBef>
+                <a:spcPts val="400"/>
+              </a:spcBef>
+              <a:spcAft>
+                <a:spcPts val="400"/>
+              </a:spcAft>
+              <a:buClr>
+                <a:srgbClr val="F2B254"/>
+              </a:buClr>
+              <a:buSzPct val="100000"/>
+              <a:buFont typeface="Wingdings" panose="05000000000000000000" pitchFamily="2" charset="2"/>
+              <a:buNone/>
+            </a:pPr>
+            <a:r>
+              <a:rPr lang="en-US" sz="2800" b="1" noProof="1">
+                <a:latin typeface="Consolas" pitchFamily="49" charset="0"/>
+                <a:cs typeface="Consolas" pitchFamily="49" charset="0"/>
+              </a:rPr>
+              <a:t>}</a:t>
             </a:r>
           </a:p>
         </p:txBody>
@@ -13886,7 +14681,7 @@
           <p:cNvPr id="6" name="Slide Number">
             <a:extLst>
               <a:ext uri="{FF2B5EF4-FFF2-40B4-BE49-F238E27FC236}">
-                <a16:creationId xmlns:a16="http://schemas.microsoft.com/office/drawing/2014/main" id="{AF44D096-8705-47C0-9032-0891A45037D5}"/>
+                <a16:creationId xmlns:a16="http://schemas.microsoft.com/office/drawing/2014/main" id="{75929133-27CC-4F9D-8A78-D6DF0ED1E2CD}"/>
               </a:ext>
             </a:extLst>
           </p:cNvPr>
@@ -13917,7 +14712,7 @@
             <a:fld id="{2BF067CD-8E6B-4360-9AA8-C5DF2A48A6D1}" type="slidenum">
               <a:rPr lang="en-US" noProof="0" smtClean="0"/>
               <a:pPr/>
-              <a:t>18</a:t>
+              <a:t>19</a:t>
             </a:fld>
             <a:endParaRPr lang="en-US" noProof="0" dirty="0"/>
           </a:p>
@@ -13926,7 +14721,7 @@
     </p:spTree>
     <p:extLst>
       <p:ext uri="{BB962C8B-B14F-4D97-AF65-F5344CB8AC3E}">
-        <p14:creationId xmlns:p14="http://schemas.microsoft.com/office/powerpoint/2010/main" val="2502626864"/>
+        <p14:creationId xmlns:p14="http://schemas.microsoft.com/office/powerpoint/2010/main" val="1950826661"/>
       </p:ext>
     </p:extLst>
   </p:cSld>
@@ -14009,7 +14804,9 @@
                                           </p:stCondLst>
                                         </p:cTn>
                                         <p:tgtEl>
-                                          <p:spTgt spid="9"/>
+                                          <p:spTgt spid="8">
+                                            <p:bg/>
+                                          </p:spTgt>
                                         </p:tgtEl>
                                         <p:attrNameLst>
                                           <p:attrName>style.visibility</p:attrName>
@@ -14050,143 +14847,9 @@
       </p:par>
     </p:tnLst>
     <p:bldLst>
-      <p:bldP spid="9" grpId="0" animBg="1"/>
+      <p:bldP spid="8" grpId="0" uiExpand="1" build="allAtOnce" animBg="1"/>
     </p:bldLst>
   </p:timing>
-</p:sld>
-</file>
-
-<file path=ppt/slides/slide19.xml><?xml version="1.0" encoding="utf-8"?>
-<p:sld xmlns:a="http://schemas.openxmlformats.org/drawingml/2006/main" xmlns:r="http://schemas.openxmlformats.org/officeDocument/2006/relationships" xmlns:p="http://schemas.openxmlformats.org/presentationml/2006/main">
-  <p:cSld>
-    <p:spTree>
-      <p:nvGrpSpPr>
-        <p:cNvPr id="1" name=""/>
-        <p:cNvGrpSpPr/>
-        <p:nvPr/>
-      </p:nvGrpSpPr>
-      <p:grpSpPr>
-        <a:xfrm>
-          <a:off x="0" y="0"/>
-          <a:ext cx="0" cy="0"/>
-          <a:chOff x="0" y="0"/>
-          <a:chExt cx="0" cy="0"/>
-        </a:xfrm>
-      </p:grpSpPr>
-      <p:sp>
-        <p:nvSpPr>
-          <p:cNvPr id="4" name="Slide Subtitle">
-            <a:extLst>
-              <a:ext uri="{FF2B5EF4-FFF2-40B4-BE49-F238E27FC236}">
-                <a16:creationId xmlns:a16="http://schemas.microsoft.com/office/drawing/2014/main" id="{BEB5BB41-09D4-4E9F-8C80-EE8709171CB3}"/>
-              </a:ext>
-            </a:extLst>
-          </p:cNvPr>
-          <p:cNvSpPr>
-            <a:spLocks noGrp="1"/>
-          </p:cNvSpPr>
-          <p:nvPr>
-            <p:ph type="subTitle" sz="quarter" idx="11"/>
-          </p:nvPr>
-        </p:nvSpPr>
-        <p:spPr/>
-        <p:txBody>
-          <a:bodyPr/>
-          <a:lstStyle/>
-          <a:p>
-            <a:r>
-              <a:rPr lang="en-US" dirty="0"/>
-              <a:t>LINQ</a:t>
-            </a:r>
-            <a:r>
-              <a:rPr lang="bg-BG" dirty="0"/>
-              <a:t> заявки</a:t>
-            </a:r>
-          </a:p>
-        </p:txBody>
-      </p:sp>
-      <p:sp>
-        <p:nvSpPr>
-          <p:cNvPr id="6" name="Slide Title">
-            <a:extLst>
-              <a:ext uri="{FF2B5EF4-FFF2-40B4-BE49-F238E27FC236}">
-                <a16:creationId xmlns:a16="http://schemas.microsoft.com/office/drawing/2014/main" id="{028D9EA3-B5E0-4F17-9467-4BE3C280DA68}"/>
-              </a:ext>
-            </a:extLst>
-          </p:cNvPr>
-          <p:cNvSpPr>
-            <a:spLocks noGrp="1"/>
-          </p:cNvSpPr>
-          <p:nvPr>
-            <p:ph type="title" sz="quarter" idx="10"/>
-          </p:nvPr>
-        </p:nvSpPr>
-        <p:spPr/>
-        <p:txBody>
-          <a:bodyPr/>
-          <a:lstStyle/>
-          <a:p>
-            <a:r>
-              <a:rPr lang="bg-BG" sz="4800" dirty="0"/>
-              <a:t>Филтриране и сортиране на таблица</a:t>
-            </a:r>
-            <a:endParaRPr lang="en-US" sz="4800" dirty="0"/>
-          </a:p>
-        </p:txBody>
-      </p:sp>
-      <p:pic>
-        <p:nvPicPr>
-          <p:cNvPr id="3" name="Picture 2">
-            <a:extLst>
-              <a:ext uri="{FF2B5EF4-FFF2-40B4-BE49-F238E27FC236}">
-                <a16:creationId xmlns:a16="http://schemas.microsoft.com/office/drawing/2014/main" id="{3C4B79B1-1C60-F214-C7F3-D0616810E28A}"/>
-              </a:ext>
-            </a:extLst>
-          </p:cNvPr>
-          <p:cNvPicPr>
-            <a:picLocks noChangeAspect="1"/>
-          </p:cNvPicPr>
-          <p:nvPr/>
-        </p:nvPicPr>
-        <p:blipFill>
-          <a:blip r:embed="rId3">
-            <a:extLst>
-              <a:ext uri="{28A0092B-C50C-407E-A947-70E740481C1C}">
-                <a14:useLocalDpi xmlns:a14="http://schemas.microsoft.com/office/drawing/2010/main" val="0"/>
-              </a:ext>
-            </a:extLst>
-          </a:blip>
-          <a:srcRect/>
-          <a:stretch/>
-        </p:blipFill>
-        <p:spPr>
-          <a:xfrm>
-            <a:off x="4776380" y="1224000"/>
-            <a:ext cx="2639240" cy="2639240"/>
-          </a:xfrm>
-          <a:prstGeom prst="rect">
-            <a:avLst/>
-          </a:prstGeom>
-        </p:spPr>
-      </p:pic>
-    </p:spTree>
-    <p:extLst>
-      <p:ext uri="{BB962C8B-B14F-4D97-AF65-F5344CB8AC3E}">
-        <p14:creationId xmlns:p14="http://schemas.microsoft.com/office/powerpoint/2010/main" val="1625221437"/>
-      </p:ext>
-    </p:extLst>
-  </p:cSld>
-  <p:clrMapOvr>
-    <a:masterClrMapping/>
-  </p:clrMapOvr>
-  <mc:AlternateContent xmlns:mc="http://schemas.openxmlformats.org/markup-compatibility/2006" xmlns:p14="http://schemas.microsoft.com/office/powerpoint/2010/main">
-    <mc:Choice Requires="p14">
-      <p:transition spd="slow" p14:dur="2000" advClick="0" advTm="5000"/>
-    </mc:Choice>
-    <mc:Fallback xmlns="">
-      <p:transition spd="slow" advClick="0" advTm="5000"/>
-    </mc:Fallback>
-  </mc:AlternateContent>
 </p:sld>
 </file>
 
@@ -14549,6 +15212,82 @@
               <a:rPr lang="bg-BG" dirty="0"/>
               <a:t>Съдържание</a:t>
             </a:r>
+          </a:p>
+        </p:txBody>
+      </p:sp>
+      <p:sp>
+        <p:nvSpPr>
+          <p:cNvPr id="3" name="Rectangle: Rounded Corners 2">
+            <a:extLst>
+              <a:ext uri="{FF2B5EF4-FFF2-40B4-BE49-F238E27FC236}">
+                <a16:creationId xmlns:a16="http://schemas.microsoft.com/office/drawing/2014/main" id="{046A7405-FDB0-156F-16A4-8A59213C557A}"/>
+              </a:ext>
+            </a:extLst>
+          </p:cNvPr>
+          <p:cNvSpPr/>
+          <p:nvPr/>
+        </p:nvSpPr>
+        <p:spPr bwMode="auto">
+          <a:xfrm>
+            <a:off x="7716000" y="2304000"/>
+            <a:ext cx="3960000" cy="990000"/>
+          </a:xfrm>
+          <a:prstGeom prst="roundRect">
+            <a:avLst/>
+          </a:prstGeom>
+          <a:ln/>
+        </p:spPr>
+        <p:style>
+          <a:lnRef idx="0">
+            <a:schemeClr val="accent2"/>
+          </a:lnRef>
+          <a:fillRef idx="3">
+            <a:schemeClr val="accent2"/>
+          </a:fillRef>
+          <a:effectRef idx="3">
+            <a:schemeClr val="accent2"/>
+          </a:effectRef>
+          <a:fontRef idx="minor">
+            <a:schemeClr val="lt1"/>
+          </a:fontRef>
+        </p:style>
+        <p:txBody>
+          <a:bodyPr rot="0" spcFirstLastPara="0" vertOverflow="overflow" horzOverflow="overflow" vert="horz" wrap="square" lIns="91440" tIns="45720" rIns="91440" bIns="45720" numCol="1" spcCol="0" rtlCol="0" fromWordArt="0" anchor="ctr" anchorCtr="0" forceAA="0" compatLnSpc="1">
+            <a:prstTxWarp prst="textNoShape">
+              <a:avLst/>
+            </a:prstTxWarp>
+            <a:noAutofit/>
+          </a:bodyPr>
+          <a:lstStyle/>
+          <a:p>
+            <a:pPr algn="ctr"/>
+            <a:r>
+              <a:rPr lang="bg-BG" sz="2800" b="1" dirty="0">
+                <a:solidFill>
+                  <a:srgbClr val="FFFFFF"/>
+                </a:solidFill>
+                <a:effectLst>
+                  <a:outerShdw blurRad="38100" dist="38100" dir="2700000" algn="tl">
+                    <a:srgbClr val="000000">
+                      <a:alpha val="43137"/>
+                    </a:srgbClr>
+                  </a:outerShdw>
+                </a:effectLst>
+              </a:rPr>
+              <a:t>Тези двете са излишни</a:t>
+            </a:r>
+            <a:endParaRPr lang="en-US" sz="2800" b="1" dirty="0">
+              <a:solidFill>
+                <a:srgbClr val="FFFFFF"/>
+              </a:solidFill>
+              <a:effectLst>
+                <a:outerShdw blurRad="38100" dist="38100" dir="2700000" algn="tl">
+                  <a:srgbClr val="000000">
+                    <a:alpha val="43137"/>
+                  </a:srgbClr>
+                </a:outerShdw>
+              </a:effectLst>
+            </a:endParaRPr>
           </a:p>
         </p:txBody>
       </p:sp>
@@ -14919,6 +15658,1877 @@
       </p:grpSpPr>
       <p:sp>
         <p:nvSpPr>
+          <p:cNvPr id="3" name="Content Placeholder 2"/>
+          <p:cNvSpPr>
+            <a:spLocks noGrp="1"/>
+          </p:cNvSpPr>
+          <p:nvPr>
+            <p:ph idx="10"/>
+          </p:nvPr>
+        </p:nvSpPr>
+        <p:spPr/>
+        <p:txBody>
+          <a:bodyPr/>
+          <a:lstStyle/>
+          <a:p>
+            <a:pPr>
+              <a:buClr>
+                <a:schemeClr val="tx1"/>
+              </a:buClr>
+            </a:pPr>
+            <a:r>
+              <a:rPr lang="en-US" b="1" noProof="1">
+                <a:solidFill>
+                  <a:schemeClr val="bg1"/>
+                </a:solidFill>
+              </a:rPr>
+              <a:t>HasMany</a:t>
+            </a:r>
+            <a:r>
+              <a:rPr lang="en-US" dirty="0"/>
+              <a:t> </a:t>
+            </a:r>
+            <a:r>
+              <a:rPr lang="en-US" dirty="0">
+                <a:sym typeface="Wingdings" panose="05000000000000000000" pitchFamily="2" charset="2"/>
+              </a:rPr>
+              <a:t></a:t>
+            </a:r>
+            <a:r>
+              <a:rPr lang="en-US" dirty="0"/>
+              <a:t> </a:t>
+            </a:r>
+            <a:r>
+              <a:rPr lang="en-US" b="1" noProof="1">
+                <a:solidFill>
+                  <a:schemeClr val="bg1"/>
+                </a:solidFill>
+              </a:rPr>
+              <a:t>WithOne</a:t>
+            </a:r>
+          </a:p>
+        </p:txBody>
+      </p:sp>
+      <p:sp>
+        <p:nvSpPr>
+          <p:cNvPr id="4" name="Title 3"/>
+          <p:cNvSpPr>
+            <a:spLocks noGrp="1"/>
+          </p:cNvSpPr>
+          <p:nvPr>
+            <p:ph type="title"/>
+          </p:nvPr>
+        </p:nvSpPr>
+        <p:spPr/>
+        <p:txBody>
+          <a:bodyPr/>
+          <a:lstStyle/>
+          <a:p>
+            <a:r>
+              <a:rPr lang="bg-BG" dirty="0"/>
+              <a:t>Конфигурация с </a:t>
+            </a:r>
+            <a:r>
+              <a:rPr lang="en-US" dirty="0"/>
+              <a:t>Fluent API</a:t>
+            </a:r>
+          </a:p>
+        </p:txBody>
+      </p:sp>
+      <p:sp>
+        <p:nvSpPr>
+          <p:cNvPr id="9" name="Rectangle 8"/>
+          <p:cNvSpPr>
+            <a:spLocks noChangeArrowheads="1"/>
+          </p:cNvSpPr>
+          <p:nvPr/>
+        </p:nvSpPr>
+        <p:spPr bwMode="auto">
+          <a:xfrm>
+            <a:off x="637078" y="1899000"/>
+            <a:ext cx="7621588" cy="1941658"/>
+          </a:xfrm>
+          <a:prstGeom prst="rect">
+            <a:avLst/>
+          </a:prstGeom>
+          <a:solidFill>
+            <a:schemeClr val="accent5">
+              <a:lumMod val="40000"/>
+              <a:lumOff val="60000"/>
+              <a:alpha val="20000"/>
+            </a:schemeClr>
+          </a:solidFill>
+          <a:ln w="12700">
+            <a:solidFill>
+              <a:schemeClr val="accent5">
+                <a:lumMod val="60000"/>
+                <a:lumOff val="40000"/>
+              </a:schemeClr>
+            </a:solidFill>
+          </a:ln>
+        </p:spPr>
+        <p:txBody>
+          <a:bodyPr vert="horz" wrap="square" lIns="144000" tIns="108000" rIns="144000" bIns="108000" rtlCol="0">
+            <a:spAutoFit/>
+          </a:bodyPr>
+          <a:lstStyle/>
+          <a:p>
+            <a:pPr>
+              <a:buClr>
+                <a:srgbClr val="F2B254"/>
+              </a:buClr>
+              <a:buSzPct val="100000"/>
+              <a:buFont typeface="Wingdings" panose="05000000000000000000" pitchFamily="2" charset="2"/>
+              <a:buNone/>
+            </a:pPr>
+            <a:r>
+              <a:rPr lang="en-US" sz="2800" b="1" noProof="1">
+                <a:latin typeface="Consolas" pitchFamily="49" charset="0"/>
+                <a:cs typeface="Consolas" pitchFamily="49" charset="0"/>
+              </a:rPr>
+              <a:t>modelBuilder.Entity&lt;Student&gt;()</a:t>
+            </a:r>
+          </a:p>
+          <a:p>
+            <a:pPr>
+              <a:buClr>
+                <a:srgbClr val="F2B254"/>
+              </a:buClr>
+              <a:buSzPct val="100000"/>
+              <a:buFont typeface="Wingdings" panose="05000000000000000000" pitchFamily="2" charset="2"/>
+              <a:buNone/>
+            </a:pPr>
+            <a:r>
+              <a:rPr lang="en-US" sz="2800" b="1" noProof="1">
+                <a:latin typeface="Consolas" pitchFamily="49" charset="0"/>
+                <a:cs typeface="Consolas" pitchFamily="49" charset="0"/>
+              </a:rPr>
+              <a:t>  .</a:t>
+            </a:r>
+            <a:r>
+              <a:rPr lang="en-US" sz="2800" b="1" noProof="1">
+                <a:solidFill>
+                  <a:schemeClr val="bg1"/>
+                </a:solidFill>
+                <a:latin typeface="Consolas" pitchFamily="49" charset="0"/>
+                <a:cs typeface="Consolas" pitchFamily="49" charset="0"/>
+              </a:rPr>
+              <a:t>HasOne</a:t>
+            </a:r>
+            <a:r>
+              <a:rPr lang="en-US" sz="2800" b="1" noProof="1">
+                <a:latin typeface="Consolas" pitchFamily="49" charset="0"/>
+                <a:cs typeface="Consolas" pitchFamily="49" charset="0"/>
+              </a:rPr>
+              <a:t>&lt;Grade&gt;(s =&gt; s.Grade)</a:t>
+            </a:r>
+          </a:p>
+          <a:p>
+            <a:pPr>
+              <a:buClr>
+                <a:srgbClr val="F2B254"/>
+              </a:buClr>
+              <a:buSzPct val="100000"/>
+              <a:buFont typeface="Wingdings" panose="05000000000000000000" pitchFamily="2" charset="2"/>
+              <a:buNone/>
+            </a:pPr>
+            <a:r>
+              <a:rPr lang="en-US" sz="2800" b="1" noProof="1">
+                <a:latin typeface="Consolas" pitchFamily="49" charset="0"/>
+                <a:cs typeface="Consolas" pitchFamily="49" charset="0"/>
+              </a:rPr>
+              <a:t>  .</a:t>
+            </a:r>
+            <a:r>
+              <a:rPr lang="en-US" sz="2800" b="1" noProof="1">
+                <a:solidFill>
+                  <a:schemeClr val="bg1"/>
+                </a:solidFill>
+                <a:latin typeface="Consolas" pitchFamily="49" charset="0"/>
+                <a:cs typeface="Consolas" pitchFamily="49" charset="0"/>
+              </a:rPr>
+              <a:t>WithMany</a:t>
+            </a:r>
+            <a:r>
+              <a:rPr lang="en-US" sz="2800" b="1" noProof="1">
+                <a:latin typeface="Consolas" pitchFamily="49" charset="0"/>
+                <a:cs typeface="Consolas" pitchFamily="49" charset="0"/>
+              </a:rPr>
+              <a:t>(g =&gt; g.Students)</a:t>
+            </a:r>
+          </a:p>
+          <a:p>
+            <a:pPr>
+              <a:buClr>
+                <a:srgbClr val="F2B254"/>
+              </a:buClr>
+              <a:buSzPct val="100000"/>
+              <a:buFont typeface="Wingdings" panose="05000000000000000000" pitchFamily="2" charset="2"/>
+              <a:buNone/>
+            </a:pPr>
+            <a:r>
+              <a:rPr lang="en-US" sz="2800" b="1" noProof="1">
+                <a:latin typeface="Consolas" pitchFamily="49" charset="0"/>
+                <a:cs typeface="Consolas" pitchFamily="49" charset="0"/>
+              </a:rPr>
+              <a:t>  .</a:t>
+            </a:r>
+            <a:r>
+              <a:rPr lang="en-US" sz="2800" b="1" noProof="1">
+                <a:solidFill>
+                  <a:schemeClr val="bg1"/>
+                </a:solidFill>
+                <a:latin typeface="Consolas" pitchFamily="49" charset="0"/>
+                <a:cs typeface="Consolas" pitchFamily="49" charset="0"/>
+              </a:rPr>
+              <a:t>HasForeignKey</a:t>
+            </a:r>
+            <a:r>
+              <a:rPr lang="en-US" sz="2800" b="1" noProof="1">
+                <a:latin typeface="Consolas" pitchFamily="49" charset="0"/>
+                <a:cs typeface="Consolas" pitchFamily="49" charset="0"/>
+              </a:rPr>
+              <a:t>(s =&gt; s.GradeId);</a:t>
+            </a:r>
+          </a:p>
+        </p:txBody>
+      </p:sp>
+      <p:sp>
+        <p:nvSpPr>
+          <p:cNvPr id="6" name="Slide Number">
+            <a:extLst>
+              <a:ext uri="{FF2B5EF4-FFF2-40B4-BE49-F238E27FC236}">
+                <a16:creationId xmlns:a16="http://schemas.microsoft.com/office/drawing/2014/main" id="{AF44D096-8705-47C0-9032-0891A45037D5}"/>
+              </a:ext>
+            </a:extLst>
+          </p:cNvPr>
+          <p:cNvSpPr>
+            <a:spLocks noGrp="1"/>
+          </p:cNvSpPr>
+          <p:nvPr>
+            <p:ph type="sldNum" sz="quarter" idx="5"/>
+          </p:nvPr>
+        </p:nvSpPr>
+        <p:spPr>
+          <a:xfrm>
+            <a:off x="11753030" y="6507000"/>
+            <a:ext cx="367414" cy="297000"/>
+          </a:xfrm>
+          <a:prstGeom prst="rect">
+            <a:avLst/>
+          </a:prstGeom>
+        </p:spPr>
+        <p:txBody>
+          <a:bodyPr vert="horz" lIns="91440" tIns="45720" rIns="91440" bIns="45720" rtlCol="0" anchor="b"/>
+          <a:lstStyle>
+            <a:lvl1pPr algn="r">
+              <a:defRPr sz="1000"/>
+            </a:lvl1pPr>
+          </a:lstStyle>
+          <a:p>
+            <a:fld id="{2BF067CD-8E6B-4360-9AA8-C5DF2A48A6D1}" type="slidenum">
+              <a:rPr lang="en-US" noProof="0" smtClean="0"/>
+              <a:pPr/>
+              <a:t>20</a:t>
+            </a:fld>
+            <a:endParaRPr lang="en-US" noProof="0" dirty="0"/>
+          </a:p>
+        </p:txBody>
+      </p:sp>
+      <p:sp>
+        <p:nvSpPr>
+          <p:cNvPr id="2" name="Rectangle: Rounded Corners 1">
+            <a:extLst>
+              <a:ext uri="{FF2B5EF4-FFF2-40B4-BE49-F238E27FC236}">
+                <a16:creationId xmlns:a16="http://schemas.microsoft.com/office/drawing/2014/main" id="{580E1401-2F58-D247-60DB-755FF4FC55F0}"/>
+              </a:ext>
+            </a:extLst>
+          </p:cNvPr>
+          <p:cNvSpPr/>
+          <p:nvPr/>
+        </p:nvSpPr>
+        <p:spPr bwMode="auto">
+          <a:xfrm>
+            <a:off x="637078" y="4053379"/>
+            <a:ext cx="6930000" cy="1250373"/>
+          </a:xfrm>
+          <a:prstGeom prst="roundRect">
+            <a:avLst/>
+          </a:prstGeom>
+          <a:ln/>
+        </p:spPr>
+        <p:style>
+          <a:lnRef idx="0">
+            <a:schemeClr val="accent2"/>
+          </a:lnRef>
+          <a:fillRef idx="3">
+            <a:schemeClr val="accent2"/>
+          </a:fillRef>
+          <a:effectRef idx="3">
+            <a:schemeClr val="accent2"/>
+          </a:effectRef>
+          <a:fontRef idx="minor">
+            <a:schemeClr val="lt1"/>
+          </a:fontRef>
+        </p:style>
+        <p:txBody>
+          <a:bodyPr rot="0" spcFirstLastPara="0" vertOverflow="overflow" horzOverflow="overflow" vert="horz" wrap="square" lIns="91440" tIns="45720" rIns="91440" bIns="45720" numCol="1" spcCol="0" rtlCol="0" fromWordArt="0" anchor="ctr" anchorCtr="0" forceAA="0" compatLnSpc="1">
+            <a:prstTxWarp prst="textNoShape">
+              <a:avLst/>
+            </a:prstTxWarp>
+            <a:noAutofit/>
+          </a:bodyPr>
+          <a:lstStyle/>
+          <a:p>
+            <a:pPr algn="ctr"/>
+            <a:r>
+              <a:rPr lang="bg-BG" sz="2800" b="1" dirty="0">
+                <a:solidFill>
+                  <a:srgbClr val="FFFFFF"/>
+                </a:solidFill>
+                <a:effectLst>
+                  <a:outerShdw blurRad="38100" dist="38100" dir="2700000" algn="tl">
+                    <a:srgbClr val="000000">
+                      <a:alpha val="43137"/>
+                    </a:srgbClr>
+                  </a:outerShdw>
+                </a:effectLst>
+              </a:rPr>
+              <a:t>Учениците няма да пишат </a:t>
+            </a:r>
+            <a:r>
+              <a:rPr lang="en-US" sz="2800" b="1" dirty="0">
+                <a:solidFill>
+                  <a:srgbClr val="FFFFFF"/>
+                </a:solidFill>
+                <a:effectLst>
+                  <a:outerShdw blurRad="38100" dist="38100" dir="2700000" algn="tl">
+                    <a:srgbClr val="000000">
+                      <a:alpha val="43137"/>
+                    </a:srgbClr>
+                  </a:outerShdw>
+                </a:effectLst>
+              </a:rPr>
+              <a:t>Fluent API, </a:t>
+            </a:r>
+            <a:r>
+              <a:rPr lang="bg-BG" sz="2800" b="1" dirty="0">
+                <a:solidFill>
+                  <a:srgbClr val="FFFFFF"/>
+                </a:solidFill>
+                <a:effectLst>
+                  <a:outerShdw blurRad="38100" dist="38100" dir="2700000" algn="tl">
+                    <a:srgbClr val="000000">
+                      <a:alpha val="43137"/>
+                    </a:srgbClr>
+                  </a:outerShdw>
+                </a:effectLst>
+              </a:rPr>
+              <a:t>защото ползват </a:t>
+            </a:r>
+            <a:r>
+              <a:rPr lang="en-US" sz="2800" b="1" dirty="0">
+                <a:solidFill>
+                  <a:srgbClr val="FFFFFF"/>
+                </a:solidFill>
+                <a:effectLst>
+                  <a:outerShdw blurRad="38100" dist="38100" dir="2700000" algn="tl">
+                    <a:srgbClr val="000000">
+                      <a:alpha val="43137"/>
+                    </a:srgbClr>
+                  </a:outerShdw>
+                </a:effectLst>
+              </a:rPr>
+              <a:t>database first </a:t>
+            </a:r>
+            <a:r>
+              <a:rPr lang="bg-BG" sz="2800" b="1" dirty="0">
+                <a:solidFill>
+                  <a:srgbClr val="FFFFFF"/>
+                </a:solidFill>
+                <a:effectLst>
+                  <a:outerShdw blurRad="38100" dist="38100" dir="2700000" algn="tl">
+                    <a:srgbClr val="000000">
+                      <a:alpha val="43137"/>
+                    </a:srgbClr>
+                  </a:outerShdw>
+                </a:effectLst>
+              </a:rPr>
+              <a:t>подхода.</a:t>
+            </a:r>
+            <a:endParaRPr lang="en-US" sz="2800" b="1" dirty="0">
+              <a:solidFill>
+                <a:srgbClr val="FFFFFF"/>
+              </a:solidFill>
+              <a:effectLst>
+                <a:outerShdw blurRad="38100" dist="38100" dir="2700000" algn="tl">
+                  <a:srgbClr val="000000">
+                    <a:alpha val="43137"/>
+                  </a:srgbClr>
+                </a:outerShdw>
+              </a:effectLst>
+            </a:endParaRPr>
+          </a:p>
+        </p:txBody>
+      </p:sp>
+      <p:sp>
+        <p:nvSpPr>
+          <p:cNvPr id="5" name="Rectangle: Rounded Corners 4">
+            <a:extLst>
+              <a:ext uri="{FF2B5EF4-FFF2-40B4-BE49-F238E27FC236}">
+                <a16:creationId xmlns:a16="http://schemas.microsoft.com/office/drawing/2014/main" id="{B934EC07-05DE-A31F-1121-5869365C2753}"/>
+              </a:ext>
+            </a:extLst>
+          </p:cNvPr>
+          <p:cNvSpPr/>
+          <p:nvPr/>
+        </p:nvSpPr>
+        <p:spPr bwMode="auto">
+          <a:xfrm>
+            <a:off x="4179394" y="5036688"/>
+            <a:ext cx="6930000" cy="1250373"/>
+          </a:xfrm>
+          <a:prstGeom prst="roundRect">
+            <a:avLst/>
+          </a:prstGeom>
+          <a:ln/>
+        </p:spPr>
+        <p:style>
+          <a:lnRef idx="0">
+            <a:schemeClr val="accent2"/>
+          </a:lnRef>
+          <a:fillRef idx="3">
+            <a:schemeClr val="accent2"/>
+          </a:fillRef>
+          <a:effectRef idx="3">
+            <a:schemeClr val="accent2"/>
+          </a:effectRef>
+          <a:fontRef idx="minor">
+            <a:schemeClr val="lt1"/>
+          </a:fontRef>
+        </p:style>
+        <p:txBody>
+          <a:bodyPr rot="0" spcFirstLastPara="0" vertOverflow="overflow" horzOverflow="overflow" vert="horz" wrap="square" lIns="91440" tIns="45720" rIns="91440" bIns="45720" numCol="1" spcCol="0" rtlCol="0" fromWordArt="0" anchor="ctr" anchorCtr="0" forceAA="0" compatLnSpc="1">
+            <a:prstTxWarp prst="textNoShape">
+              <a:avLst/>
+            </a:prstTxWarp>
+            <a:noAutofit/>
+          </a:bodyPr>
+          <a:lstStyle/>
+          <a:p>
+            <a:pPr algn="ctr"/>
+            <a:r>
+              <a:rPr lang="bg-BG" sz="2800" b="1" dirty="0">
+                <a:solidFill>
+                  <a:srgbClr val="FFFFFF"/>
+                </a:solidFill>
+                <a:effectLst>
+                  <a:outerShdw blurRad="38100" dist="38100" dir="2700000" algn="tl">
+                    <a:srgbClr val="000000">
+                      <a:alpha val="43137"/>
+                    </a:srgbClr>
+                  </a:outerShdw>
+                </a:effectLst>
+              </a:rPr>
+              <a:t>Вместо това, даваме пример как да навигират между свързани </a:t>
+            </a:r>
+            <a:r>
+              <a:rPr lang="en-US" sz="2800" b="1" dirty="0">
+                <a:solidFill>
+                  <a:srgbClr val="FFFFFF"/>
+                </a:solidFill>
+                <a:effectLst>
+                  <a:outerShdw blurRad="38100" dist="38100" dir="2700000" algn="tl">
+                    <a:srgbClr val="000000">
+                      <a:alpha val="43137"/>
+                    </a:srgbClr>
+                  </a:outerShdw>
+                </a:effectLst>
+              </a:rPr>
+              <a:t>entities.</a:t>
+            </a:r>
+          </a:p>
+        </p:txBody>
+      </p:sp>
+    </p:spTree>
+    <p:extLst>
+      <p:ext uri="{BB962C8B-B14F-4D97-AF65-F5344CB8AC3E}">
+        <p14:creationId xmlns:p14="http://schemas.microsoft.com/office/powerpoint/2010/main" val="2502626864"/>
+      </p:ext>
+    </p:extLst>
+  </p:cSld>
+  <p:clrMapOvr>
+    <a:masterClrMapping/>
+  </p:clrMapOvr>
+  <mc:AlternateContent xmlns:mc="http://schemas.openxmlformats.org/markup-compatibility/2006" xmlns:p14="http://schemas.microsoft.com/office/powerpoint/2010/main">
+    <mc:Choice Requires="p14">
+      <p:transition spd="slow" p14:dur="2000" advClick="0" advTm="5000"/>
+    </mc:Choice>
+    <mc:Fallback xmlns="">
+      <p:transition spd="slow" advClick="0" advTm="5000"/>
+    </mc:Fallback>
+  </mc:AlternateContent>
+  <p:timing>
+    <p:tnLst>
+      <p:par>
+        <p:cTn id="1" dur="indefinite" restart="never" nodeType="tmRoot">
+          <p:childTnLst>
+            <p:seq concurrent="1" nextAc="seek">
+              <p:cTn id="2" dur="indefinite" nodeType="mainSeq">
+                <p:childTnLst>
+                  <p:par>
+                    <p:cTn id="3" fill="hold">
+                      <p:stCondLst>
+                        <p:cond delay="indefinite"/>
+                        <p:cond evt="onBegin" delay="0">
+                          <p:tn val="2"/>
+                        </p:cond>
+                      </p:stCondLst>
+                      <p:childTnLst>
+                        <p:par>
+                          <p:cTn id="4" fill="hold">
+                            <p:stCondLst>
+                              <p:cond delay="0"/>
+                            </p:stCondLst>
+                            <p:childTnLst>
+                              <p:par>
+                                <p:cTn id="5" presetID="1" presetClass="entr" presetSubtype="0" fill="hold" nodeType="withEffect">
+                                  <p:stCondLst>
+                                    <p:cond delay="0"/>
+                                  </p:stCondLst>
+                                  <p:childTnLst>
+                                    <p:set>
+                                      <p:cBhvr>
+                                        <p:cTn id="6" dur="1" fill="hold">
+                                          <p:stCondLst>
+                                            <p:cond delay="0"/>
+                                          </p:stCondLst>
+                                        </p:cTn>
+                                        <p:tgtEl>
+                                          <p:spTgt spid="3">
+                                            <p:txEl>
+                                              <p:pRg st="0" end="0"/>
+                                            </p:txEl>
+                                          </p:spTgt>
+                                        </p:tgtEl>
+                                        <p:attrNameLst>
+                                          <p:attrName>style.visibility</p:attrName>
+                                        </p:attrNameLst>
+                                      </p:cBhvr>
+                                      <p:to>
+                                        <p:strVal val="visible"/>
+                                      </p:to>
+                                    </p:set>
+                                  </p:childTnLst>
+                                </p:cTn>
+                              </p:par>
+                              <p:par>
+                                <p:cTn id="7" presetID="1" presetClass="entr" presetSubtype="0" fill="hold" grpId="0" nodeType="withEffect">
+                                  <p:stCondLst>
+                                    <p:cond delay="0"/>
+                                  </p:stCondLst>
+                                  <p:childTnLst>
+                                    <p:set>
+                                      <p:cBhvr>
+                                        <p:cTn id="8" dur="1" fill="hold">
+                                          <p:stCondLst>
+                                            <p:cond delay="0"/>
+                                          </p:stCondLst>
+                                        </p:cTn>
+                                        <p:tgtEl>
+                                          <p:spTgt spid="9"/>
+                                        </p:tgtEl>
+                                        <p:attrNameLst>
+                                          <p:attrName>style.visibility</p:attrName>
+                                        </p:attrNameLst>
+                                      </p:cBhvr>
+                                      <p:to>
+                                        <p:strVal val="visible"/>
+                                      </p:to>
+                                    </p:set>
+                                  </p:childTnLst>
+                                </p:cTn>
+                              </p:par>
+                            </p:childTnLst>
+                          </p:cTn>
+                        </p:par>
+                      </p:childTnLst>
+                    </p:cTn>
+                  </p:par>
+                </p:childTnLst>
+              </p:cTn>
+              <p:prevCondLst>
+                <p:cond evt="onPrev" delay="0">
+                  <p:tgtEl>
+                    <p:sldTgt/>
+                  </p:tgtEl>
+                </p:cond>
+              </p:prevCondLst>
+              <p:nextCondLst>
+                <p:cond evt="onNext" delay="0">
+                  <p:tgtEl>
+                    <p:sldTgt/>
+                  </p:tgtEl>
+                </p:cond>
+              </p:nextCondLst>
+            </p:seq>
+          </p:childTnLst>
+        </p:cTn>
+      </p:par>
+    </p:tnLst>
+    <p:bldLst>
+      <p:bldP spid="9" grpId="0" animBg="1"/>
+    </p:bldLst>
+  </p:timing>
+</p:sld>
+</file>
+
+<file path=ppt/slides/slide21.xml><?xml version="1.0" encoding="utf-8"?>
+<p:sld xmlns:a="http://schemas.openxmlformats.org/drawingml/2006/main" xmlns:r="http://schemas.openxmlformats.org/officeDocument/2006/relationships" xmlns:p="http://schemas.openxmlformats.org/presentationml/2006/main">
+  <p:cSld>
+    <p:spTree>
+      <p:nvGrpSpPr>
+        <p:cNvPr id="1" name=""/>
+        <p:cNvGrpSpPr/>
+        <p:nvPr/>
+      </p:nvGrpSpPr>
+      <p:grpSpPr>
+        <a:xfrm>
+          <a:off x="0" y="0"/>
+          <a:ext cx="0" cy="0"/>
+          <a:chOff x="0" y="0"/>
+          <a:chExt cx="0" cy="0"/>
+        </a:xfrm>
+      </p:grpSpPr>
+      <p:sp>
+        <p:nvSpPr>
+          <p:cNvPr id="4" name="Slide Subtitle">
+            <a:extLst>
+              <a:ext uri="{FF2B5EF4-FFF2-40B4-BE49-F238E27FC236}">
+                <a16:creationId xmlns:a16="http://schemas.microsoft.com/office/drawing/2014/main" id="{BEB5BB41-09D4-4E9F-8C80-EE8709171CB3}"/>
+              </a:ext>
+            </a:extLst>
+          </p:cNvPr>
+          <p:cNvSpPr>
+            <a:spLocks noGrp="1"/>
+          </p:cNvSpPr>
+          <p:nvPr>
+            <p:ph type="subTitle" sz="quarter" idx="11"/>
+          </p:nvPr>
+        </p:nvSpPr>
+        <p:spPr/>
+        <p:txBody>
+          <a:bodyPr/>
+          <a:lstStyle/>
+          <a:p>
+            <a:r>
+              <a:rPr lang="bg-BG" dirty="0"/>
+              <a:t>Навигация между свързани таблици</a:t>
+            </a:r>
+          </a:p>
+        </p:txBody>
+      </p:sp>
+      <p:sp>
+        <p:nvSpPr>
+          <p:cNvPr id="6" name="Slide Title">
+            <a:extLst>
+              <a:ext uri="{FF2B5EF4-FFF2-40B4-BE49-F238E27FC236}">
+                <a16:creationId xmlns:a16="http://schemas.microsoft.com/office/drawing/2014/main" id="{028D9EA3-B5E0-4F17-9467-4BE3C280DA68}"/>
+              </a:ext>
+            </a:extLst>
+          </p:cNvPr>
+          <p:cNvSpPr>
+            <a:spLocks noGrp="1"/>
+          </p:cNvSpPr>
+          <p:nvPr>
+            <p:ph type="title" sz="quarter" idx="10"/>
+          </p:nvPr>
+        </p:nvSpPr>
+        <p:spPr/>
+        <p:txBody>
+          <a:bodyPr/>
+          <a:lstStyle/>
+          <a:p>
+            <a:r>
+              <a:rPr lang="en-US" sz="4800" dirty="0"/>
+              <a:t>Master-Detail</a:t>
+            </a:r>
+            <a:r>
+              <a:rPr lang="bg-BG" sz="4800" dirty="0"/>
+              <a:t> таблици в </a:t>
+            </a:r>
+            <a:r>
+              <a:rPr lang="en-US" sz="4800" dirty="0"/>
+              <a:t>Windows Forms</a:t>
+            </a:r>
+          </a:p>
+        </p:txBody>
+      </p:sp>
+    </p:spTree>
+    <p:extLst>
+      <p:ext uri="{BB962C8B-B14F-4D97-AF65-F5344CB8AC3E}">
+        <p14:creationId xmlns:p14="http://schemas.microsoft.com/office/powerpoint/2010/main" val="2343312683"/>
+      </p:ext>
+    </p:extLst>
+  </p:cSld>
+  <p:clrMapOvr>
+    <a:masterClrMapping/>
+  </p:clrMapOvr>
+  <mc:AlternateContent xmlns:mc="http://schemas.openxmlformats.org/markup-compatibility/2006" xmlns:p14="http://schemas.microsoft.com/office/powerpoint/2010/main">
+    <mc:Choice Requires="p14">
+      <p:transition spd="slow" p14:dur="2000" advClick="0" advTm="5000"/>
+    </mc:Choice>
+    <mc:Fallback xmlns="">
+      <p:transition spd="slow" advClick="0" advTm="5000"/>
+    </mc:Fallback>
+  </mc:AlternateContent>
+</p:sld>
+</file>
+
+<file path=ppt/slides/slide22.xml><?xml version="1.0" encoding="utf-8"?>
+<p:sld xmlns:a="http://schemas.openxmlformats.org/drawingml/2006/main" xmlns:r="http://schemas.openxmlformats.org/officeDocument/2006/relationships" xmlns:p="http://schemas.openxmlformats.org/presentationml/2006/main">
+  <p:cSld>
+    <p:spTree>
+      <p:nvGrpSpPr>
+        <p:cNvPr id="1" name=""/>
+        <p:cNvGrpSpPr/>
+        <p:nvPr/>
+      </p:nvGrpSpPr>
+      <p:grpSpPr>
+        <a:xfrm>
+          <a:off x="0" y="0"/>
+          <a:ext cx="0" cy="0"/>
+          <a:chOff x="0" y="0"/>
+          <a:chExt cx="0" cy="0"/>
+        </a:xfrm>
+      </p:grpSpPr>
+      <p:sp>
+        <p:nvSpPr>
+          <p:cNvPr id="2" name="Slide Number Placeholder 1">
+            <a:extLst>
+              <a:ext uri="{FF2B5EF4-FFF2-40B4-BE49-F238E27FC236}">
+                <a16:creationId xmlns:a16="http://schemas.microsoft.com/office/drawing/2014/main" id="{9A078F77-60DC-3C95-03B7-A872970BC6E6}"/>
+              </a:ext>
+            </a:extLst>
+          </p:cNvPr>
+          <p:cNvSpPr>
+            <a:spLocks noGrp="1"/>
+          </p:cNvSpPr>
+          <p:nvPr>
+            <p:ph type="sldNum" sz="quarter" idx="5"/>
+          </p:nvPr>
+        </p:nvSpPr>
+        <p:spPr/>
+        <p:txBody>
+          <a:bodyPr/>
+          <a:lstStyle/>
+          <a:p>
+            <a:fld id="{2BF067CD-8E6B-4360-9AA8-C5DF2A48A6D1}" type="slidenum">
+              <a:rPr lang="en-US" noProof="0" smtClean="0"/>
+              <a:pPr/>
+              <a:t>22</a:t>
+            </a:fld>
+            <a:endParaRPr lang="en-US" noProof="0" dirty="0"/>
+          </a:p>
+        </p:txBody>
+      </p:sp>
+      <p:sp>
+        <p:nvSpPr>
+          <p:cNvPr id="3" name="Text Placeholder 2">
+            <a:extLst>
+              <a:ext uri="{FF2B5EF4-FFF2-40B4-BE49-F238E27FC236}">
+                <a16:creationId xmlns:a16="http://schemas.microsoft.com/office/drawing/2014/main" id="{7890D40F-E9C3-791C-12BC-BCE3B6E1FF41}"/>
+              </a:ext>
+            </a:extLst>
+          </p:cNvPr>
+          <p:cNvSpPr>
+            <a:spLocks noGrp="1"/>
+          </p:cNvSpPr>
+          <p:nvPr>
+            <p:ph type="body" sz="quarter" idx="10"/>
+          </p:nvPr>
+        </p:nvSpPr>
+        <p:spPr/>
+        <p:txBody>
+          <a:bodyPr/>
+          <a:lstStyle/>
+          <a:p>
+            <a:endParaRPr lang="en-US"/>
+          </a:p>
+        </p:txBody>
+      </p:sp>
+      <p:sp>
+        <p:nvSpPr>
+          <p:cNvPr id="4" name="Title 3">
+            <a:extLst>
+              <a:ext uri="{FF2B5EF4-FFF2-40B4-BE49-F238E27FC236}">
+                <a16:creationId xmlns:a16="http://schemas.microsoft.com/office/drawing/2014/main" id="{B6D27351-261F-C64D-6D8A-0AEFB51B05DF}"/>
+              </a:ext>
+            </a:extLst>
+          </p:cNvPr>
+          <p:cNvSpPr>
+            <a:spLocks noGrp="1"/>
+          </p:cNvSpPr>
+          <p:nvPr>
+            <p:ph type="title"/>
+          </p:nvPr>
+        </p:nvSpPr>
+        <p:spPr/>
+        <p:txBody>
+          <a:bodyPr/>
+          <a:lstStyle/>
+          <a:p>
+            <a:endParaRPr lang="en-US"/>
+          </a:p>
+        </p:txBody>
+      </p:sp>
+      <p:sp>
+        <p:nvSpPr>
+          <p:cNvPr id="5" name="Rectangle: Rounded Corners 4">
+            <a:extLst>
+              <a:ext uri="{FF2B5EF4-FFF2-40B4-BE49-F238E27FC236}">
+                <a16:creationId xmlns:a16="http://schemas.microsoft.com/office/drawing/2014/main" id="{64578FB6-F21D-9381-5D68-4079E3F7EA0C}"/>
+              </a:ext>
+            </a:extLst>
+          </p:cNvPr>
+          <p:cNvSpPr/>
+          <p:nvPr/>
+        </p:nvSpPr>
+        <p:spPr bwMode="auto">
+          <a:xfrm>
+            <a:off x="1146000" y="2453008"/>
+            <a:ext cx="4545000" cy="3015000"/>
+          </a:xfrm>
+          <a:prstGeom prst="roundRect">
+            <a:avLst/>
+          </a:prstGeom>
+          <a:ln/>
+        </p:spPr>
+        <p:style>
+          <a:lnRef idx="0">
+            <a:schemeClr val="accent2"/>
+          </a:lnRef>
+          <a:fillRef idx="3">
+            <a:schemeClr val="accent2"/>
+          </a:fillRef>
+          <a:effectRef idx="3">
+            <a:schemeClr val="accent2"/>
+          </a:effectRef>
+          <a:fontRef idx="minor">
+            <a:schemeClr val="lt1"/>
+          </a:fontRef>
+        </p:style>
+        <p:txBody>
+          <a:bodyPr rot="0" spcFirstLastPara="0" vertOverflow="overflow" horzOverflow="overflow" vert="horz" wrap="square" lIns="91440" tIns="45720" rIns="91440" bIns="45720" numCol="1" spcCol="0" rtlCol="0" fromWordArt="0" anchor="ctr" anchorCtr="0" forceAA="0" compatLnSpc="1">
+            <a:prstTxWarp prst="textNoShape">
+              <a:avLst/>
+            </a:prstTxWarp>
+            <a:noAutofit/>
+          </a:bodyPr>
+          <a:lstStyle/>
+          <a:p>
+            <a:pPr algn="ctr"/>
+            <a:r>
+              <a:rPr lang="bg-BG" sz="2800" b="1" dirty="0">
+                <a:solidFill>
+                  <a:srgbClr val="FFFFFF"/>
+                </a:solidFill>
+                <a:effectLst>
+                  <a:outerShdw blurRad="38100" dist="38100" dir="2700000" algn="tl">
+                    <a:srgbClr val="000000">
+                      <a:alpha val="43137"/>
+                    </a:srgbClr>
+                  </a:outerShdw>
+                </a:effectLst>
+              </a:rPr>
+              <a:t>Да се покаже с код как при смяна на избрания ред в едната таблица, сменяме </a:t>
+            </a:r>
+            <a:r>
+              <a:rPr lang="en-US" sz="2800" b="1" dirty="0" err="1">
+                <a:solidFill>
+                  <a:srgbClr val="FFFFFF"/>
+                </a:solidFill>
+                <a:effectLst>
+                  <a:outerShdw blurRad="38100" dist="38100" dir="2700000" algn="tl">
+                    <a:srgbClr val="000000">
+                      <a:alpha val="43137"/>
+                    </a:srgbClr>
+                  </a:outerShdw>
+                </a:effectLst>
+              </a:rPr>
+              <a:t>datasource</a:t>
+            </a:r>
+            <a:r>
+              <a:rPr lang="en-US" sz="2800" b="1" dirty="0">
+                <a:solidFill>
+                  <a:srgbClr val="FFFFFF"/>
+                </a:solidFill>
+                <a:effectLst>
+                  <a:outerShdw blurRad="38100" dist="38100" dir="2700000" algn="tl">
+                    <a:srgbClr val="000000">
+                      <a:alpha val="43137"/>
+                    </a:srgbClr>
+                  </a:outerShdw>
+                </a:effectLst>
+              </a:rPr>
+              <a:t> </a:t>
+            </a:r>
+            <a:r>
+              <a:rPr lang="bg-BG" sz="2800" b="1" dirty="0">
+                <a:solidFill>
+                  <a:srgbClr val="FFFFFF"/>
+                </a:solidFill>
+                <a:effectLst>
+                  <a:outerShdw blurRad="38100" dist="38100" dir="2700000" algn="tl">
+                    <a:srgbClr val="000000">
+                      <a:alpha val="43137"/>
+                    </a:srgbClr>
+                  </a:outerShdw>
+                </a:effectLst>
+              </a:rPr>
+              <a:t>в другата таблица</a:t>
+            </a:r>
+            <a:endParaRPr lang="en-US" sz="2800" b="1" dirty="0">
+              <a:solidFill>
+                <a:srgbClr val="FFFFFF"/>
+              </a:solidFill>
+              <a:effectLst>
+                <a:outerShdw blurRad="38100" dist="38100" dir="2700000" algn="tl">
+                  <a:srgbClr val="000000">
+                    <a:alpha val="43137"/>
+                  </a:srgbClr>
+                </a:outerShdw>
+              </a:effectLst>
+            </a:endParaRPr>
+          </a:p>
+        </p:txBody>
+      </p:sp>
+    </p:spTree>
+    <p:extLst>
+      <p:ext uri="{BB962C8B-B14F-4D97-AF65-F5344CB8AC3E}">
+        <p14:creationId xmlns:p14="http://schemas.microsoft.com/office/powerpoint/2010/main" val="1990083457"/>
+      </p:ext>
+    </p:extLst>
+  </p:cSld>
+  <p:clrMapOvr>
+    <a:masterClrMapping/>
+  </p:clrMapOvr>
+  <mc:AlternateContent xmlns:mc="http://schemas.openxmlformats.org/markup-compatibility/2006" xmlns:p14="http://schemas.microsoft.com/office/powerpoint/2010/main">
+    <mc:Choice Requires="p14">
+      <p:transition spd="slow" p14:dur="2000" advClick="0" advTm="5000"/>
+    </mc:Choice>
+    <mc:Fallback xmlns="">
+      <p:transition spd="slow" advClick="0" advTm="5000"/>
+    </mc:Fallback>
+  </mc:AlternateContent>
+</p:sld>
+</file>
+
+<file path=ppt/slides/slide23.xml><?xml version="1.0" encoding="utf-8"?>
+<p:sld xmlns:a="http://schemas.openxmlformats.org/drawingml/2006/main" xmlns:r="http://schemas.openxmlformats.org/officeDocument/2006/relationships" xmlns:p="http://schemas.openxmlformats.org/presentationml/2006/main">
+  <p:cSld>
+    <p:spTree>
+      <p:nvGrpSpPr>
+        <p:cNvPr id="1" name=""/>
+        <p:cNvGrpSpPr/>
+        <p:nvPr/>
+      </p:nvGrpSpPr>
+      <p:grpSpPr>
+        <a:xfrm>
+          <a:off x="0" y="0"/>
+          <a:ext cx="0" cy="0"/>
+          <a:chOff x="0" y="0"/>
+          <a:chExt cx="0" cy="0"/>
+        </a:xfrm>
+      </p:grpSpPr>
+      <p:sp>
+        <p:nvSpPr>
+          <p:cNvPr id="2" name="Slide Number Placeholder 1">
+            <a:extLst>
+              <a:ext uri="{FF2B5EF4-FFF2-40B4-BE49-F238E27FC236}">
+                <a16:creationId xmlns:a16="http://schemas.microsoft.com/office/drawing/2014/main" id="{9A078F77-60DC-3C95-03B7-A872970BC6E6}"/>
+              </a:ext>
+            </a:extLst>
+          </p:cNvPr>
+          <p:cNvSpPr>
+            <a:spLocks noGrp="1"/>
+          </p:cNvSpPr>
+          <p:nvPr>
+            <p:ph type="sldNum" sz="quarter" idx="5"/>
+          </p:nvPr>
+        </p:nvSpPr>
+        <p:spPr/>
+        <p:txBody>
+          <a:bodyPr/>
+          <a:lstStyle/>
+          <a:p>
+            <a:fld id="{2BF067CD-8E6B-4360-9AA8-C5DF2A48A6D1}" type="slidenum">
+              <a:rPr lang="en-US" noProof="0" smtClean="0"/>
+              <a:pPr/>
+              <a:t>23</a:t>
+            </a:fld>
+            <a:endParaRPr lang="en-US" noProof="0" dirty="0"/>
+          </a:p>
+        </p:txBody>
+      </p:sp>
+      <p:sp>
+        <p:nvSpPr>
+          <p:cNvPr id="4" name="Title 3">
+            <a:extLst>
+              <a:ext uri="{FF2B5EF4-FFF2-40B4-BE49-F238E27FC236}">
+                <a16:creationId xmlns:a16="http://schemas.microsoft.com/office/drawing/2014/main" id="{B6D27351-261F-C64D-6D8A-0AEFB51B05DF}"/>
+              </a:ext>
+            </a:extLst>
+          </p:cNvPr>
+          <p:cNvSpPr>
+            <a:spLocks noGrp="1"/>
+          </p:cNvSpPr>
+          <p:nvPr>
+            <p:ph type="title"/>
+          </p:nvPr>
+        </p:nvSpPr>
+        <p:spPr/>
+        <p:txBody>
+          <a:bodyPr>
+            <a:normAutofit/>
+          </a:bodyPr>
+          <a:lstStyle/>
+          <a:p>
+            <a:r>
+              <a:rPr lang="bg-BG" sz="3800" dirty="0"/>
+              <a:t>Навигация между свързани таблици – пример</a:t>
+            </a:r>
+            <a:endParaRPr lang="en-US" sz="3800" dirty="0"/>
+          </a:p>
+        </p:txBody>
+      </p:sp>
+      <p:sp>
+        <p:nvSpPr>
+          <p:cNvPr id="5" name="Rectangle 4">
+            <a:extLst>
+              <a:ext uri="{FF2B5EF4-FFF2-40B4-BE49-F238E27FC236}">
+                <a16:creationId xmlns:a16="http://schemas.microsoft.com/office/drawing/2014/main" id="{6D24BA32-353B-F5E8-383E-DFE41629242E}"/>
+              </a:ext>
+            </a:extLst>
+          </p:cNvPr>
+          <p:cNvSpPr>
+            <a:spLocks noChangeArrowheads="1"/>
+          </p:cNvSpPr>
+          <p:nvPr/>
+        </p:nvSpPr>
+        <p:spPr bwMode="auto">
+          <a:xfrm>
+            <a:off x="619841" y="1359000"/>
+            <a:ext cx="11125200" cy="5234867"/>
+          </a:xfrm>
+          <a:prstGeom prst="rect">
+            <a:avLst/>
+          </a:prstGeom>
+          <a:solidFill>
+            <a:schemeClr val="accent5">
+              <a:lumMod val="40000"/>
+              <a:lumOff val="60000"/>
+              <a:alpha val="20000"/>
+            </a:schemeClr>
+          </a:solidFill>
+          <a:ln w="12700">
+            <a:solidFill>
+              <a:schemeClr val="accent5">
+                <a:lumMod val="60000"/>
+                <a:lumOff val="40000"/>
+              </a:schemeClr>
+            </a:solidFill>
+          </a:ln>
+        </p:spPr>
+        <p:txBody>
+          <a:bodyPr vert="horz" wrap="square" lIns="144000" tIns="108000" rIns="144000" bIns="108000" rtlCol="0">
+            <a:spAutoFit/>
+          </a:bodyPr>
+          <a:lstStyle/>
+          <a:p>
+            <a:pPr>
+              <a:spcBef>
+                <a:spcPts val="600"/>
+              </a:spcBef>
+              <a:spcAft>
+                <a:spcPts val="600"/>
+              </a:spcAft>
+              <a:buClr>
+                <a:srgbClr val="F2B254"/>
+              </a:buClr>
+              <a:buSzPct val="100000"/>
+              <a:buFont typeface="Wingdings" panose="05000000000000000000" pitchFamily="2" charset="2"/>
+              <a:buNone/>
+            </a:pPr>
+            <a:r>
+              <a:rPr lang="en-US" b="1" dirty="0">
+                <a:latin typeface="Consolas" panose="020B0609020204030204" pitchFamily="49" charset="0"/>
+              </a:rPr>
+              <a:t>private void </a:t>
+            </a:r>
+            <a:r>
+              <a:rPr lang="en-US" b="1" dirty="0" err="1">
+                <a:latin typeface="Consolas" panose="020B0609020204030204" pitchFamily="49" charset="0"/>
+              </a:rPr>
+              <a:t>dataGridViewCountries_SelectionChanged</a:t>
+            </a:r>
+            <a:r>
+              <a:rPr lang="en-US" b="1" dirty="0">
+                <a:latin typeface="Consolas" panose="020B0609020204030204" pitchFamily="49" charset="0"/>
+              </a:rPr>
+              <a:t>(object sender, </a:t>
+            </a:r>
+            <a:r>
+              <a:rPr lang="en-US" b="1" dirty="0" err="1">
+                <a:latin typeface="Consolas" panose="020B0609020204030204" pitchFamily="49" charset="0"/>
+              </a:rPr>
+              <a:t>EventArgs</a:t>
+            </a:r>
+            <a:r>
+              <a:rPr lang="en-US" b="1" dirty="0">
+                <a:latin typeface="Consolas" panose="020B0609020204030204" pitchFamily="49" charset="0"/>
+              </a:rPr>
+              <a:t> e)</a:t>
+            </a:r>
+          </a:p>
+          <a:p>
+            <a:pPr>
+              <a:spcBef>
+                <a:spcPts val="600"/>
+              </a:spcBef>
+              <a:spcAft>
+                <a:spcPts val="600"/>
+              </a:spcAft>
+              <a:buClr>
+                <a:srgbClr val="F2B254"/>
+              </a:buClr>
+              <a:buSzPct val="100000"/>
+              <a:buFont typeface="Wingdings" panose="05000000000000000000" pitchFamily="2" charset="2"/>
+              <a:buNone/>
+            </a:pPr>
+            <a:r>
+              <a:rPr lang="en-US" b="1" dirty="0">
+                <a:latin typeface="Consolas" panose="020B0609020204030204" pitchFamily="49" charset="0"/>
+              </a:rPr>
+              <a:t>{</a:t>
+            </a:r>
+          </a:p>
+          <a:p>
+            <a:pPr>
+              <a:spcBef>
+                <a:spcPts val="600"/>
+              </a:spcBef>
+              <a:spcAft>
+                <a:spcPts val="600"/>
+              </a:spcAft>
+              <a:buClr>
+                <a:srgbClr val="F2B254"/>
+              </a:buClr>
+              <a:buSzPct val="100000"/>
+              <a:buFont typeface="Wingdings" panose="05000000000000000000" pitchFamily="2" charset="2"/>
+              <a:buNone/>
+            </a:pPr>
+            <a:r>
+              <a:rPr lang="bg-BG" b="1" dirty="0">
+                <a:latin typeface="Consolas" panose="020B0609020204030204" pitchFamily="49" charset="0"/>
+              </a:rPr>
+              <a:t>  </a:t>
+            </a:r>
+            <a:r>
+              <a:rPr lang="en-US" b="1" dirty="0">
+                <a:latin typeface="Consolas" panose="020B0609020204030204" pitchFamily="49" charset="0"/>
+              </a:rPr>
+              <a:t>if (</a:t>
+            </a:r>
+            <a:r>
+              <a:rPr lang="en-US" b="1" dirty="0" err="1">
+                <a:latin typeface="Consolas" panose="020B0609020204030204" pitchFamily="49" charset="0"/>
+              </a:rPr>
+              <a:t>dataGridViewCountries.SelectedRows.Count</a:t>
+            </a:r>
+            <a:r>
+              <a:rPr lang="en-US" b="1" dirty="0">
+                <a:latin typeface="Consolas" panose="020B0609020204030204" pitchFamily="49" charset="0"/>
+              </a:rPr>
+              <a:t> == 0) return; // </a:t>
+            </a:r>
+            <a:r>
+              <a:rPr lang="bg-BG" b="1" dirty="0">
+                <a:latin typeface="Consolas" panose="020B0609020204030204" pitchFamily="49" charset="0"/>
+              </a:rPr>
+              <a:t>няма избрана държава</a:t>
+            </a:r>
+            <a:endParaRPr lang="en-US" b="1" dirty="0">
+              <a:latin typeface="Consolas" panose="020B0609020204030204" pitchFamily="49" charset="0"/>
+            </a:endParaRPr>
+          </a:p>
+          <a:p>
+            <a:pPr>
+              <a:spcBef>
+                <a:spcPts val="600"/>
+              </a:spcBef>
+              <a:spcAft>
+                <a:spcPts val="600"/>
+              </a:spcAft>
+              <a:buClr>
+                <a:srgbClr val="F2B254"/>
+              </a:buClr>
+              <a:buSzPct val="100000"/>
+              <a:buFont typeface="Wingdings" panose="05000000000000000000" pitchFamily="2" charset="2"/>
+              <a:buNone/>
+            </a:pPr>
+            <a:r>
+              <a:rPr lang="en-US" b="1" dirty="0">
+                <a:latin typeface="Consolas" panose="020B0609020204030204" pitchFamily="49" charset="0"/>
+              </a:rPr>
+              <a:t>  var </a:t>
+            </a:r>
+            <a:r>
+              <a:rPr lang="en-US" b="1" dirty="0" err="1">
+                <a:latin typeface="Consolas" panose="020B0609020204030204" pitchFamily="49" charset="0"/>
+              </a:rPr>
+              <a:t>selCountry</a:t>
+            </a:r>
+            <a:r>
+              <a:rPr lang="en-US" b="1" dirty="0">
+                <a:latin typeface="Consolas" panose="020B0609020204030204" pitchFamily="49" charset="0"/>
+              </a:rPr>
+              <a:t> = (Country)</a:t>
+            </a:r>
+            <a:r>
+              <a:rPr lang="en-US" b="1" dirty="0" err="1">
+                <a:latin typeface="Consolas" panose="020B0609020204030204" pitchFamily="49" charset="0"/>
+              </a:rPr>
+              <a:t>dataGridViewCountries.SelectedItem</a:t>
+            </a:r>
+            <a:r>
+              <a:rPr lang="en-US" b="1" dirty="0">
+                <a:latin typeface="Consolas" panose="020B0609020204030204" pitchFamily="49" charset="0"/>
+              </a:rPr>
+              <a:t>;</a:t>
+            </a:r>
+          </a:p>
+          <a:p>
+            <a:pPr>
+              <a:spcBef>
+                <a:spcPts val="600"/>
+              </a:spcBef>
+              <a:spcAft>
+                <a:spcPts val="600"/>
+              </a:spcAft>
+              <a:buClr>
+                <a:srgbClr val="F2B254"/>
+              </a:buClr>
+              <a:buSzPct val="100000"/>
+              <a:buFont typeface="Wingdings" panose="05000000000000000000" pitchFamily="2" charset="2"/>
+              <a:buNone/>
+            </a:pPr>
+            <a:r>
+              <a:rPr lang="en-US" b="1" dirty="0">
+                <a:latin typeface="Consolas" panose="020B0609020204030204" pitchFamily="49" charset="0"/>
+              </a:rPr>
+              <a:t>  using (var </a:t>
+            </a:r>
+            <a:r>
+              <a:rPr lang="en-US" b="1" dirty="0" err="1">
+                <a:latin typeface="Consolas" panose="020B0609020204030204" pitchFamily="49" charset="0"/>
+              </a:rPr>
+              <a:t>dbContext</a:t>
+            </a:r>
+            <a:r>
+              <a:rPr lang="en-US" b="1" dirty="0">
+                <a:latin typeface="Consolas" panose="020B0609020204030204" pitchFamily="49" charset="0"/>
+              </a:rPr>
+              <a:t> = new </a:t>
+            </a:r>
+            <a:r>
+              <a:rPr lang="en-US" b="1" dirty="0" err="1">
+                <a:latin typeface="Consolas" panose="020B0609020204030204" pitchFamily="49" charset="0"/>
+              </a:rPr>
+              <a:t>CountriesDbContext</a:t>
+            </a:r>
+            <a:r>
+              <a:rPr lang="en-US" b="1" dirty="0">
+                <a:latin typeface="Consolas" panose="020B0609020204030204" pitchFamily="49" charset="0"/>
+              </a:rPr>
+              <a:t>())</a:t>
+            </a:r>
+          </a:p>
+          <a:p>
+            <a:pPr>
+              <a:spcBef>
+                <a:spcPts val="600"/>
+              </a:spcBef>
+              <a:spcAft>
+                <a:spcPts val="600"/>
+              </a:spcAft>
+              <a:buClr>
+                <a:srgbClr val="F2B254"/>
+              </a:buClr>
+              <a:buSzPct val="100000"/>
+              <a:buFont typeface="Wingdings" panose="05000000000000000000" pitchFamily="2" charset="2"/>
+              <a:buNone/>
+            </a:pPr>
+            <a:r>
+              <a:rPr lang="en-US" b="1" dirty="0">
+                <a:latin typeface="Consolas" panose="020B0609020204030204" pitchFamily="49" charset="0"/>
+              </a:rPr>
+              <a:t>  {</a:t>
+            </a:r>
+          </a:p>
+          <a:p>
+            <a:pPr>
+              <a:spcBef>
+                <a:spcPts val="600"/>
+              </a:spcBef>
+              <a:spcAft>
+                <a:spcPts val="600"/>
+              </a:spcAft>
+              <a:buClr>
+                <a:srgbClr val="F2B254"/>
+              </a:buClr>
+              <a:buSzPct val="100000"/>
+              <a:buFont typeface="Wingdings" panose="05000000000000000000" pitchFamily="2" charset="2"/>
+              <a:buNone/>
+            </a:pPr>
+            <a:r>
+              <a:rPr lang="en-US" b="1" dirty="0">
+                <a:latin typeface="Consolas" panose="020B0609020204030204" pitchFamily="49" charset="0"/>
+              </a:rPr>
+              <a:t>        // </a:t>
+            </a:r>
+            <a:r>
+              <a:rPr lang="bg-BG" b="1" dirty="0">
+                <a:latin typeface="Consolas" panose="020B0609020204030204" pitchFamily="49" charset="0"/>
+              </a:rPr>
+              <a:t>Извличане на градовете, които принадлежат на избраната държава</a:t>
+            </a:r>
+          </a:p>
+          <a:p>
+            <a:pPr>
+              <a:spcBef>
+                <a:spcPts val="600"/>
+              </a:spcBef>
+              <a:spcAft>
+                <a:spcPts val="600"/>
+              </a:spcAft>
+              <a:buClr>
+                <a:srgbClr val="F2B254"/>
+              </a:buClr>
+              <a:buSzPct val="100000"/>
+              <a:buFont typeface="Wingdings" panose="05000000000000000000" pitchFamily="2" charset="2"/>
+              <a:buNone/>
+            </a:pPr>
+            <a:r>
+              <a:rPr lang="bg-BG" b="1" dirty="0">
+                <a:latin typeface="Consolas" panose="020B0609020204030204" pitchFamily="49" charset="0"/>
+              </a:rPr>
+              <a:t>        </a:t>
+            </a:r>
+            <a:r>
+              <a:rPr lang="en-US" b="1" dirty="0">
+                <a:latin typeface="Consolas" panose="020B0609020204030204" pitchFamily="49" charset="0"/>
+              </a:rPr>
+              <a:t>var towns = </a:t>
+            </a:r>
+            <a:r>
+              <a:rPr lang="en-US" b="1" dirty="0" err="1">
+                <a:latin typeface="Consolas" panose="020B0609020204030204" pitchFamily="49" charset="0"/>
+              </a:rPr>
+              <a:t>dbContext.Towns.Where</a:t>
+            </a:r>
+            <a:r>
+              <a:rPr lang="en-US" b="1" dirty="0">
+                <a:latin typeface="Consolas" panose="020B0609020204030204" pitchFamily="49" charset="0"/>
+              </a:rPr>
+              <a:t>(t =&gt; </a:t>
+            </a:r>
+            <a:r>
+              <a:rPr lang="en-US" b="1" dirty="0" err="1">
+                <a:latin typeface="Consolas" panose="020B0609020204030204" pitchFamily="49" charset="0"/>
+              </a:rPr>
+              <a:t>t.CountryId</a:t>
+            </a:r>
+            <a:r>
+              <a:rPr lang="en-US" b="1" dirty="0">
+                <a:latin typeface="Consolas" panose="020B0609020204030204" pitchFamily="49" charset="0"/>
+              </a:rPr>
+              <a:t> == </a:t>
+            </a:r>
+            <a:r>
+              <a:rPr lang="en-US" b="1" dirty="0" err="1">
+                <a:latin typeface="Consolas" panose="020B0609020204030204" pitchFamily="49" charset="0"/>
+              </a:rPr>
+              <a:t>selCountry.Id</a:t>
+            </a:r>
+            <a:r>
+              <a:rPr lang="en-US" b="1" dirty="0">
+                <a:latin typeface="Consolas" panose="020B0609020204030204" pitchFamily="49" charset="0"/>
+              </a:rPr>
+              <a:t>);</a:t>
+            </a:r>
+          </a:p>
+          <a:p>
+            <a:pPr>
+              <a:spcBef>
+                <a:spcPts val="600"/>
+              </a:spcBef>
+              <a:spcAft>
+                <a:spcPts val="600"/>
+              </a:spcAft>
+              <a:buClr>
+                <a:srgbClr val="F2B254"/>
+              </a:buClr>
+              <a:buSzPct val="100000"/>
+              <a:buFont typeface="Wingdings" panose="05000000000000000000" pitchFamily="2" charset="2"/>
+              <a:buNone/>
+            </a:pPr>
+            <a:r>
+              <a:rPr lang="en-US" b="1" dirty="0">
+                <a:latin typeface="Consolas" panose="020B0609020204030204" pitchFamily="49" charset="0"/>
+              </a:rPr>
+              <a:t>        // </a:t>
+            </a:r>
+            <a:r>
+              <a:rPr lang="bg-BG" b="1" dirty="0">
+                <a:latin typeface="Consolas" panose="020B0609020204030204" pitchFamily="49" charset="0"/>
+              </a:rPr>
+              <a:t>Обновяване на </a:t>
+            </a:r>
+            <a:r>
+              <a:rPr lang="en-US" b="1" dirty="0" err="1">
+                <a:latin typeface="Consolas" panose="020B0609020204030204" pitchFamily="49" charset="0"/>
+              </a:rPr>
+              <a:t>DataGridView</a:t>
+            </a:r>
+            <a:r>
+              <a:rPr lang="en-US" b="1" dirty="0">
+                <a:latin typeface="Consolas" panose="020B0609020204030204" pitchFamily="49" charset="0"/>
+              </a:rPr>
+              <a:t> </a:t>
+            </a:r>
+            <a:r>
+              <a:rPr lang="bg-BG" b="1" dirty="0">
+                <a:latin typeface="Consolas" panose="020B0609020204030204" pitchFamily="49" charset="0"/>
+              </a:rPr>
+              <a:t>за градовете</a:t>
+            </a:r>
+          </a:p>
+          <a:p>
+            <a:pPr>
+              <a:spcBef>
+                <a:spcPts val="600"/>
+              </a:spcBef>
+              <a:spcAft>
+                <a:spcPts val="600"/>
+              </a:spcAft>
+              <a:buClr>
+                <a:srgbClr val="F2B254"/>
+              </a:buClr>
+              <a:buSzPct val="100000"/>
+              <a:buFont typeface="Wingdings" panose="05000000000000000000" pitchFamily="2" charset="2"/>
+              <a:buNone/>
+            </a:pPr>
+            <a:r>
+              <a:rPr lang="bg-BG" b="1" dirty="0">
+                <a:latin typeface="Consolas" panose="020B0609020204030204" pitchFamily="49" charset="0"/>
+              </a:rPr>
+              <a:t>        </a:t>
+            </a:r>
+            <a:r>
+              <a:rPr lang="en-US" b="1" dirty="0" err="1">
+                <a:latin typeface="Consolas" panose="020B0609020204030204" pitchFamily="49" charset="0"/>
+              </a:rPr>
+              <a:t>dataGridViewTowns.DataSource</a:t>
+            </a:r>
+            <a:r>
+              <a:rPr lang="en-US" b="1" dirty="0">
+                <a:latin typeface="Consolas" panose="020B0609020204030204" pitchFamily="49" charset="0"/>
+              </a:rPr>
+              <a:t> = towns;</a:t>
+            </a:r>
+          </a:p>
+          <a:p>
+            <a:pPr>
+              <a:spcBef>
+                <a:spcPts val="600"/>
+              </a:spcBef>
+              <a:spcAft>
+                <a:spcPts val="600"/>
+              </a:spcAft>
+              <a:buClr>
+                <a:srgbClr val="F2B254"/>
+              </a:buClr>
+              <a:buSzPct val="100000"/>
+              <a:buFont typeface="Wingdings" panose="05000000000000000000" pitchFamily="2" charset="2"/>
+              <a:buNone/>
+            </a:pPr>
+            <a:r>
+              <a:rPr lang="en-US" b="1" dirty="0">
+                <a:latin typeface="Consolas" panose="020B0609020204030204" pitchFamily="49" charset="0"/>
+              </a:rPr>
+              <a:t>    }</a:t>
+            </a:r>
+          </a:p>
+          <a:p>
+            <a:pPr>
+              <a:spcBef>
+                <a:spcPts val="600"/>
+              </a:spcBef>
+              <a:spcAft>
+                <a:spcPts val="600"/>
+              </a:spcAft>
+              <a:buClr>
+                <a:srgbClr val="F2B254"/>
+              </a:buClr>
+              <a:buSzPct val="100000"/>
+              <a:buFont typeface="Wingdings" panose="05000000000000000000" pitchFamily="2" charset="2"/>
+              <a:buNone/>
+            </a:pPr>
+            <a:r>
+              <a:rPr lang="en-US" b="1" dirty="0">
+                <a:latin typeface="Consolas" panose="020B0609020204030204" pitchFamily="49" charset="0"/>
+              </a:rPr>
+              <a:t>}</a:t>
+            </a:r>
+            <a:endParaRPr lang="en-US" b="1" noProof="1">
+              <a:latin typeface="Consolas" panose="020B0609020204030204" pitchFamily="49" charset="0"/>
+              <a:cs typeface="Consolas" pitchFamily="49" charset="0"/>
+            </a:endParaRPr>
+          </a:p>
+        </p:txBody>
+      </p:sp>
+      <p:sp>
+        <p:nvSpPr>
+          <p:cNvPr id="6" name="Rectangle: Rounded Corners 5">
+            <a:extLst>
+              <a:ext uri="{FF2B5EF4-FFF2-40B4-BE49-F238E27FC236}">
+                <a16:creationId xmlns:a16="http://schemas.microsoft.com/office/drawing/2014/main" id="{21397F17-6A59-5254-E962-8D4E7B1DA2DC}"/>
+              </a:ext>
+            </a:extLst>
+          </p:cNvPr>
+          <p:cNvSpPr/>
+          <p:nvPr/>
+        </p:nvSpPr>
+        <p:spPr bwMode="auto">
+          <a:xfrm>
+            <a:off x="8031000" y="5061258"/>
+            <a:ext cx="3375000" cy="1695992"/>
+          </a:xfrm>
+          <a:prstGeom prst="roundRect">
+            <a:avLst/>
+          </a:prstGeom>
+          <a:ln/>
+        </p:spPr>
+        <p:style>
+          <a:lnRef idx="0">
+            <a:schemeClr val="accent2"/>
+          </a:lnRef>
+          <a:fillRef idx="3">
+            <a:schemeClr val="accent2"/>
+          </a:fillRef>
+          <a:effectRef idx="3">
+            <a:schemeClr val="accent2"/>
+          </a:effectRef>
+          <a:fontRef idx="minor">
+            <a:schemeClr val="lt1"/>
+          </a:fontRef>
+        </p:style>
+        <p:txBody>
+          <a:bodyPr rot="0" spcFirstLastPara="0" vertOverflow="overflow" horzOverflow="overflow" vert="horz" wrap="square" lIns="91440" tIns="45720" rIns="91440" bIns="45720" numCol="1" spcCol="0" rtlCol="0" fromWordArt="0" anchor="ctr" anchorCtr="0" forceAA="0" compatLnSpc="1">
+            <a:prstTxWarp prst="textNoShape">
+              <a:avLst/>
+            </a:prstTxWarp>
+            <a:noAutofit/>
+          </a:bodyPr>
+          <a:lstStyle/>
+          <a:p>
+            <a:pPr algn="ctr"/>
+            <a:r>
+              <a:rPr lang="bg-BG" sz="2800" b="1" dirty="0">
+                <a:solidFill>
+                  <a:srgbClr val="FFFFFF"/>
+                </a:solidFill>
+                <a:effectLst>
+                  <a:outerShdw blurRad="38100" dist="38100" dir="2700000" algn="tl">
+                    <a:srgbClr val="000000">
+                      <a:alpha val="43137"/>
+                    </a:srgbClr>
+                  </a:outerShdw>
+                </a:effectLst>
+              </a:rPr>
+              <a:t>Кодът е примерен и не е тестван</a:t>
+            </a:r>
+            <a:endParaRPr lang="en-US" sz="2800" b="1" dirty="0">
+              <a:solidFill>
+                <a:srgbClr val="FFFFFF"/>
+              </a:solidFill>
+              <a:effectLst>
+                <a:outerShdw blurRad="38100" dist="38100" dir="2700000" algn="tl">
+                  <a:srgbClr val="000000">
+                    <a:alpha val="43137"/>
+                  </a:srgbClr>
+                </a:outerShdw>
+              </a:effectLst>
+            </a:endParaRPr>
+          </a:p>
+        </p:txBody>
+      </p:sp>
+    </p:spTree>
+    <p:extLst>
+      <p:ext uri="{BB962C8B-B14F-4D97-AF65-F5344CB8AC3E}">
+        <p14:creationId xmlns:p14="http://schemas.microsoft.com/office/powerpoint/2010/main" val="3858039198"/>
+      </p:ext>
+    </p:extLst>
+  </p:cSld>
+  <p:clrMapOvr>
+    <a:masterClrMapping/>
+  </p:clrMapOvr>
+  <mc:AlternateContent xmlns:mc="http://schemas.openxmlformats.org/markup-compatibility/2006" xmlns:p14="http://schemas.microsoft.com/office/powerpoint/2010/main">
+    <mc:Choice Requires="p14">
+      <p:transition spd="slow" p14:dur="2000" advClick="0" advTm="5000"/>
+    </mc:Choice>
+    <mc:Fallback xmlns="">
+      <p:transition spd="slow" advClick="0" advTm="5000"/>
+    </mc:Fallback>
+  </mc:AlternateContent>
+  <p:timing>
+    <p:tnLst>
+      <p:par>
+        <p:cTn id="1" dur="indefinite" restart="never" nodeType="tmRoot">
+          <p:childTnLst>
+            <p:seq concurrent="1" nextAc="seek">
+              <p:cTn id="2" dur="indefinite" nodeType="mainSeq">
+                <p:childTnLst>
+                  <p:par>
+                    <p:cTn id="3" fill="hold">
+                      <p:stCondLst>
+                        <p:cond delay="indefinite"/>
+                        <p:cond evt="onBegin" delay="0">
+                          <p:tn val="2"/>
+                        </p:cond>
+                      </p:stCondLst>
+                      <p:childTnLst>
+                        <p:par>
+                          <p:cTn id="4" fill="hold">
+                            <p:stCondLst>
+                              <p:cond delay="0"/>
+                            </p:stCondLst>
+                            <p:childTnLst>
+                              <p:par>
+                                <p:cTn id="5" presetID="1" presetClass="entr" presetSubtype="0" fill="hold" grpId="0" nodeType="withEffect">
+                                  <p:stCondLst>
+                                    <p:cond delay="0"/>
+                                  </p:stCondLst>
+                                  <p:childTnLst>
+                                    <p:set>
+                                      <p:cBhvr>
+                                        <p:cTn id="6" dur="1" fill="hold">
+                                          <p:stCondLst>
+                                            <p:cond delay="0"/>
+                                          </p:stCondLst>
+                                        </p:cTn>
+                                        <p:tgtEl>
+                                          <p:spTgt spid="5"/>
+                                        </p:tgtEl>
+                                        <p:attrNameLst>
+                                          <p:attrName>style.visibility</p:attrName>
+                                        </p:attrNameLst>
+                                      </p:cBhvr>
+                                      <p:to>
+                                        <p:strVal val="visible"/>
+                                      </p:to>
+                                    </p:set>
+                                  </p:childTnLst>
+                                </p:cTn>
+                              </p:par>
+                            </p:childTnLst>
+                          </p:cTn>
+                        </p:par>
+                      </p:childTnLst>
+                    </p:cTn>
+                  </p:par>
+                </p:childTnLst>
+              </p:cTn>
+              <p:prevCondLst>
+                <p:cond evt="onPrev" delay="0">
+                  <p:tgtEl>
+                    <p:sldTgt/>
+                  </p:tgtEl>
+                </p:cond>
+              </p:prevCondLst>
+              <p:nextCondLst>
+                <p:cond evt="onNext" delay="0">
+                  <p:tgtEl>
+                    <p:sldTgt/>
+                  </p:tgtEl>
+                </p:cond>
+              </p:nextCondLst>
+            </p:seq>
+          </p:childTnLst>
+        </p:cTn>
+      </p:par>
+    </p:tnLst>
+    <p:bldLst>
+      <p:bldP spid="5" grpId="0" animBg="1"/>
+    </p:bldLst>
+  </p:timing>
+</p:sld>
+</file>
+
+<file path=ppt/slides/slide24.xml><?xml version="1.0" encoding="utf-8"?>
+<p:sld xmlns:a="http://schemas.openxmlformats.org/drawingml/2006/main" xmlns:r="http://schemas.openxmlformats.org/officeDocument/2006/relationships" xmlns:p="http://schemas.openxmlformats.org/presentationml/2006/main">
+  <p:cSld>
+    <p:spTree>
+      <p:nvGrpSpPr>
+        <p:cNvPr id="1" name=""/>
+        <p:cNvGrpSpPr/>
+        <p:nvPr/>
+      </p:nvGrpSpPr>
+      <p:grpSpPr>
+        <a:xfrm>
+          <a:off x="0" y="0"/>
+          <a:ext cx="0" cy="0"/>
+          <a:chOff x="0" y="0"/>
+          <a:chExt cx="0" cy="0"/>
+        </a:xfrm>
+      </p:grpSpPr>
+      <p:sp>
+        <p:nvSpPr>
+          <p:cNvPr id="4" name="Slide Subtitle">
+            <a:extLst>
+              <a:ext uri="{FF2B5EF4-FFF2-40B4-BE49-F238E27FC236}">
+                <a16:creationId xmlns:a16="http://schemas.microsoft.com/office/drawing/2014/main" id="{BEB5BB41-09D4-4E9F-8C80-EE8709171CB3}"/>
+              </a:ext>
+            </a:extLst>
+          </p:cNvPr>
+          <p:cNvSpPr>
+            <a:spLocks noGrp="1"/>
+          </p:cNvSpPr>
+          <p:nvPr>
+            <p:ph type="subTitle" sz="quarter" idx="11"/>
+          </p:nvPr>
+        </p:nvSpPr>
+        <p:spPr/>
+        <p:txBody>
+          <a:bodyPr/>
+          <a:lstStyle/>
+          <a:p>
+            <a:r>
+              <a:rPr lang="en-US" dirty="0"/>
+              <a:t>LINQ</a:t>
+            </a:r>
+            <a:r>
+              <a:rPr lang="bg-BG" dirty="0"/>
+              <a:t> заявки</a:t>
+            </a:r>
+          </a:p>
+        </p:txBody>
+      </p:sp>
+      <p:sp>
+        <p:nvSpPr>
+          <p:cNvPr id="6" name="Slide Title">
+            <a:extLst>
+              <a:ext uri="{FF2B5EF4-FFF2-40B4-BE49-F238E27FC236}">
+                <a16:creationId xmlns:a16="http://schemas.microsoft.com/office/drawing/2014/main" id="{028D9EA3-B5E0-4F17-9467-4BE3C280DA68}"/>
+              </a:ext>
+            </a:extLst>
+          </p:cNvPr>
+          <p:cNvSpPr>
+            <a:spLocks noGrp="1"/>
+          </p:cNvSpPr>
+          <p:nvPr>
+            <p:ph type="title" sz="quarter" idx="10"/>
+          </p:nvPr>
+        </p:nvSpPr>
+        <p:spPr/>
+        <p:txBody>
+          <a:bodyPr/>
+          <a:lstStyle/>
+          <a:p>
+            <a:r>
+              <a:rPr lang="bg-BG" sz="4800" dirty="0"/>
+              <a:t>Филтриране и сортиране на таблица</a:t>
+            </a:r>
+            <a:endParaRPr lang="en-US" sz="4800" dirty="0"/>
+          </a:p>
+        </p:txBody>
+      </p:sp>
+      <p:pic>
+        <p:nvPicPr>
+          <p:cNvPr id="3" name="Picture 2">
+            <a:extLst>
+              <a:ext uri="{FF2B5EF4-FFF2-40B4-BE49-F238E27FC236}">
+                <a16:creationId xmlns:a16="http://schemas.microsoft.com/office/drawing/2014/main" id="{3C4B79B1-1C60-F214-C7F3-D0616810E28A}"/>
+              </a:ext>
+            </a:extLst>
+          </p:cNvPr>
+          <p:cNvPicPr>
+            <a:picLocks noChangeAspect="1"/>
+          </p:cNvPicPr>
+          <p:nvPr/>
+        </p:nvPicPr>
+        <p:blipFill>
+          <a:blip r:embed="rId3">
+            <a:extLst>
+              <a:ext uri="{28A0092B-C50C-407E-A947-70E740481C1C}">
+                <a14:useLocalDpi xmlns:a14="http://schemas.microsoft.com/office/drawing/2010/main" val="0"/>
+              </a:ext>
+            </a:extLst>
+          </a:blip>
+          <a:srcRect/>
+          <a:stretch/>
+        </p:blipFill>
+        <p:spPr>
+          <a:xfrm>
+            <a:off x="4776380" y="1224000"/>
+            <a:ext cx="2639240" cy="2639240"/>
+          </a:xfrm>
+          <a:prstGeom prst="rect">
+            <a:avLst/>
+          </a:prstGeom>
+        </p:spPr>
+      </p:pic>
+    </p:spTree>
+    <p:extLst>
+      <p:ext uri="{BB962C8B-B14F-4D97-AF65-F5344CB8AC3E}">
+        <p14:creationId xmlns:p14="http://schemas.microsoft.com/office/powerpoint/2010/main" val="1625221437"/>
+      </p:ext>
+    </p:extLst>
+  </p:cSld>
+  <p:clrMapOvr>
+    <a:masterClrMapping/>
+  </p:clrMapOvr>
+  <mc:AlternateContent xmlns:mc="http://schemas.openxmlformats.org/markup-compatibility/2006" xmlns:p14="http://schemas.microsoft.com/office/powerpoint/2010/main">
+    <mc:Choice Requires="p14">
+      <p:transition spd="slow" p14:dur="2000" advClick="0" advTm="5000"/>
+    </mc:Choice>
+    <mc:Fallback xmlns="">
+      <p:transition spd="slow" advClick="0" advTm="5000"/>
+    </mc:Fallback>
+  </mc:AlternateContent>
+</p:sld>
+</file>
+
+<file path=ppt/slides/slide25.xml><?xml version="1.0" encoding="utf-8"?>
+<p:sld xmlns:a="http://schemas.openxmlformats.org/drawingml/2006/main" xmlns:r="http://schemas.openxmlformats.org/officeDocument/2006/relationships" xmlns:p="http://schemas.openxmlformats.org/presentationml/2006/main">
+  <p:cSld>
+    <p:spTree>
+      <p:nvGrpSpPr>
+        <p:cNvPr id="1" name=""/>
+        <p:cNvGrpSpPr/>
+        <p:nvPr/>
+      </p:nvGrpSpPr>
+      <p:grpSpPr>
+        <a:xfrm>
+          <a:off x="0" y="0"/>
+          <a:ext cx="0" cy="0"/>
+          <a:chOff x="0" y="0"/>
+          <a:chExt cx="0" cy="0"/>
+        </a:xfrm>
+      </p:grpSpPr>
+      <p:sp>
+        <p:nvSpPr>
           <p:cNvPr id="2" name="Slide Number Placeholder 1">
             <a:extLst>
               <a:ext uri="{FF2B5EF4-FFF2-40B4-BE49-F238E27FC236}">
@@ -14941,7 +17551,7 @@
             <a:fld id="{2BF067CD-8E6B-4360-9AA8-C5DF2A48A6D1}" type="slidenum">
               <a:rPr lang="en-US" noProof="0" smtClean="0"/>
               <a:pPr/>
-              <a:t>20</a:t>
+              <a:t>25</a:t>
             </a:fld>
             <a:endParaRPr lang="en-US" noProof="0" dirty="0"/>
           </a:p>
@@ -15232,6 +17842,130 @@
               </a:rPr>
               <a:t>}</a:t>
             </a:r>
+          </a:p>
+        </p:txBody>
+      </p:sp>
+      <p:sp>
+        <p:nvSpPr>
+          <p:cNvPr id="6" name="Rectangle: Rounded Corners 5">
+            <a:extLst>
+              <a:ext uri="{FF2B5EF4-FFF2-40B4-BE49-F238E27FC236}">
+                <a16:creationId xmlns:a16="http://schemas.microsoft.com/office/drawing/2014/main" id="{E589AC24-BC2F-2D09-0F6A-3C55ABD558C5}"/>
+              </a:ext>
+            </a:extLst>
+          </p:cNvPr>
+          <p:cNvSpPr/>
+          <p:nvPr/>
+        </p:nvSpPr>
+        <p:spPr bwMode="auto">
+          <a:xfrm>
+            <a:off x="4507337" y="5139000"/>
+            <a:ext cx="5966606" cy="1250373"/>
+          </a:xfrm>
+          <a:prstGeom prst="roundRect">
+            <a:avLst/>
+          </a:prstGeom>
+          <a:ln/>
+        </p:spPr>
+        <p:style>
+          <a:lnRef idx="0">
+            <a:schemeClr val="accent2"/>
+          </a:lnRef>
+          <a:fillRef idx="3">
+            <a:schemeClr val="accent2"/>
+          </a:fillRef>
+          <a:effectRef idx="3">
+            <a:schemeClr val="accent2"/>
+          </a:effectRef>
+          <a:fontRef idx="minor">
+            <a:schemeClr val="lt1"/>
+          </a:fontRef>
+        </p:style>
+        <p:txBody>
+          <a:bodyPr rot="0" spcFirstLastPara="0" vertOverflow="overflow" horzOverflow="overflow" vert="horz" wrap="square" lIns="91440" tIns="45720" rIns="91440" bIns="45720" numCol="1" spcCol="0" rtlCol="0" fromWordArt="0" anchor="ctr" anchorCtr="0" forceAA="0" compatLnSpc="1">
+            <a:prstTxWarp prst="textNoShape">
+              <a:avLst/>
+            </a:prstTxWarp>
+            <a:noAutofit/>
+          </a:bodyPr>
+          <a:lstStyle/>
+          <a:p>
+            <a:pPr algn="ctr"/>
+            <a:r>
+              <a:rPr lang="bg-BG" sz="2800" b="1" dirty="0">
+                <a:solidFill>
+                  <a:srgbClr val="FFFFFF"/>
+                </a:solidFill>
+                <a:effectLst>
+                  <a:outerShdw blurRad="38100" dist="38100" dir="2700000" algn="tl">
+                    <a:srgbClr val="000000">
+                      <a:alpha val="43137"/>
+                    </a:srgbClr>
+                  </a:outerShdw>
+                </a:effectLst>
+              </a:rPr>
+              <a:t>От къде идва този </a:t>
+            </a:r>
+            <a:r>
+              <a:rPr lang="en-US" sz="2800" b="1" dirty="0" err="1">
+                <a:solidFill>
+                  <a:srgbClr val="FFFFFF"/>
+                </a:solidFill>
+                <a:effectLst>
+                  <a:outerShdw blurRad="38100" dist="38100" dir="2700000" algn="tl">
+                    <a:srgbClr val="000000">
+                      <a:alpha val="43137"/>
+                    </a:srgbClr>
+                  </a:outerShdw>
+                </a:effectLst>
+              </a:rPr>
+              <a:t>bindingSource</a:t>
+            </a:r>
+            <a:r>
+              <a:rPr lang="en-US" sz="2800" b="1" dirty="0">
+                <a:solidFill>
+                  <a:srgbClr val="FFFFFF"/>
+                </a:solidFill>
+                <a:effectLst>
+                  <a:outerShdw blurRad="38100" dist="38100" dir="2700000" algn="tl">
+                    <a:srgbClr val="000000">
+                      <a:alpha val="43137"/>
+                    </a:srgbClr>
+                  </a:outerShdw>
+                </a:effectLst>
+              </a:rPr>
+              <a:t>?</a:t>
+            </a:r>
+          </a:p>
+          <a:p>
+            <a:pPr algn="ctr"/>
+            <a:r>
+              <a:rPr lang="bg-BG" sz="2800" b="1" dirty="0">
+                <a:solidFill>
+                  <a:srgbClr val="FFFFFF"/>
+                </a:solidFill>
+                <a:effectLst>
+                  <a:outerShdw blurRad="38100" dist="38100" dir="2700000" algn="tl">
+                    <a:srgbClr val="000000">
+                      <a:alpha val="43137"/>
+                    </a:srgbClr>
+                  </a:outerShdw>
+                </a:effectLst>
+              </a:rPr>
+              <a:t>Не сме го учили до момента!</a:t>
+            </a:r>
+            <a:endParaRPr lang="en-US" sz="2800" b="1" dirty="0">
+              <a:solidFill>
+                <a:srgbClr val="FFFFFF"/>
+              </a:solidFill>
+              <a:effectLst>
+                <a:outerShdw blurRad="38100" dist="38100" dir="2700000" algn="tl">
+                  <a:srgbClr val="000000">
+                    <a:alpha val="43137"/>
+                  </a:srgbClr>
+                </a:outerShdw>
+              </a:effectLst>
+            </a:endParaRPr>
           </a:p>
         </p:txBody>
       </p:sp>
@@ -15368,7 +18102,7 @@
 </p:sld>
 </file>
 
-<file path=ppt/slides/slide21.xml><?xml version="1.0" encoding="utf-8"?>
+<file path=ppt/slides/slide26.xml><?xml version="1.0" encoding="utf-8"?>
 <p:sld xmlns:a="http://schemas.openxmlformats.org/drawingml/2006/main" xmlns:r="http://schemas.openxmlformats.org/officeDocument/2006/relationships" xmlns:p="http://schemas.openxmlformats.org/presentationml/2006/main">
   <p:cSld>
     <p:spTree>
@@ -15409,7 +18143,7 @@
             <a:fld id="{2BF067CD-8E6B-4360-9AA8-C5DF2A48A6D1}" type="slidenum">
               <a:rPr lang="en-US" noProof="0" smtClean="0"/>
               <a:pPr/>
-              <a:t>21</a:t>
+              <a:t>26</a:t>
             </a:fld>
             <a:endParaRPr lang="en-US" noProof="0" dirty="0"/>
           </a:p>
@@ -15566,7 +18300,7 @@
                 <a:latin typeface="Consolas" pitchFamily="49" charset="0"/>
                 <a:cs typeface="Consolas" pitchFamily="49" charset="0"/>
               </a:rPr>
-              <a:t>private void SortTowns(string sortBy)</a:t>
+              <a:t>private void SortTownsByName()</a:t>
             </a:r>
           </a:p>
           <a:p>
@@ -15652,7 +18386,7 @@
                 <a:latin typeface="Consolas" pitchFamily="49" charset="0"/>
                 <a:cs typeface="Consolas" pitchFamily="49" charset="0"/>
               </a:rPr>
-              <a:t>(t =&gt; EF.Property&lt;object&gt;(t sortBy))</a:t>
+              <a:t>(t =&gt; t.Name)</a:t>
             </a:r>
           </a:p>
           <a:p>
@@ -15723,6 +18457,175 @@
               </a:rPr>
               <a:t>}</a:t>
             </a:r>
+          </a:p>
+        </p:txBody>
+      </p:sp>
+      <p:sp>
+        <p:nvSpPr>
+          <p:cNvPr id="6" name="Rectangle: Rounded Corners 5">
+            <a:extLst>
+              <a:ext uri="{FF2B5EF4-FFF2-40B4-BE49-F238E27FC236}">
+                <a16:creationId xmlns:a16="http://schemas.microsoft.com/office/drawing/2014/main" id="{2262BD4D-8251-ED21-C019-10198BBB7CE5}"/>
+              </a:ext>
+            </a:extLst>
+          </p:cNvPr>
+          <p:cNvSpPr/>
+          <p:nvPr/>
+        </p:nvSpPr>
+        <p:spPr bwMode="auto">
+          <a:xfrm>
+            <a:off x="5196000" y="4811688"/>
+            <a:ext cx="5966606" cy="1700373"/>
+          </a:xfrm>
+          <a:prstGeom prst="roundRect">
+            <a:avLst/>
+          </a:prstGeom>
+          <a:ln/>
+        </p:spPr>
+        <p:style>
+          <a:lnRef idx="0">
+            <a:schemeClr val="accent2"/>
+          </a:lnRef>
+          <a:fillRef idx="3">
+            <a:schemeClr val="accent2"/>
+          </a:fillRef>
+          <a:effectRef idx="3">
+            <a:schemeClr val="accent2"/>
+          </a:effectRef>
+          <a:fontRef idx="minor">
+            <a:schemeClr val="lt1"/>
+          </a:fontRef>
+        </p:style>
+        <p:txBody>
+          <a:bodyPr rot="0" spcFirstLastPara="0" vertOverflow="overflow" horzOverflow="overflow" vert="horz" wrap="square" lIns="91440" tIns="45720" rIns="91440" bIns="45720" numCol="1" spcCol="0" rtlCol="0" fromWordArt="0" anchor="ctr" anchorCtr="0" forceAA="0" compatLnSpc="1">
+            <a:prstTxWarp prst="textNoShape">
+              <a:avLst/>
+            </a:prstTxWarp>
+            <a:noAutofit/>
+          </a:bodyPr>
+          <a:lstStyle/>
+          <a:p>
+            <a:pPr algn="ctr"/>
+            <a:r>
+              <a:rPr lang="bg-BG" sz="2800" b="1" dirty="0">
+                <a:solidFill>
+                  <a:srgbClr val="FFFFFF"/>
+                </a:solidFill>
+                <a:effectLst>
+                  <a:outerShdw blurRad="38100" dist="38100" dir="2700000" algn="tl">
+                    <a:srgbClr val="000000">
+                      <a:alpha val="43137"/>
+                    </a:srgbClr>
+                  </a:outerShdw>
+                </a:effectLst>
+              </a:rPr>
+              <a:t>От къде идва този </a:t>
+            </a:r>
+            <a:r>
+              <a:rPr lang="en-US" sz="2800" b="1" dirty="0" err="1">
+                <a:solidFill>
+                  <a:srgbClr val="FFFFFF"/>
+                </a:solidFill>
+                <a:effectLst>
+                  <a:outerShdw blurRad="38100" dist="38100" dir="2700000" algn="tl">
+                    <a:srgbClr val="000000">
+                      <a:alpha val="43137"/>
+                    </a:srgbClr>
+                  </a:outerShdw>
+                </a:effectLst>
+              </a:rPr>
+              <a:t>bindingSource</a:t>
+            </a:r>
+            <a:r>
+              <a:rPr lang="en-US" sz="2800" b="1" dirty="0">
+                <a:solidFill>
+                  <a:srgbClr val="FFFFFF"/>
+                </a:solidFill>
+                <a:effectLst>
+                  <a:outerShdw blurRad="38100" dist="38100" dir="2700000" algn="tl">
+                    <a:srgbClr val="000000">
+                      <a:alpha val="43137"/>
+                    </a:srgbClr>
+                  </a:outerShdw>
+                </a:effectLst>
+              </a:rPr>
+              <a:t>?</a:t>
+            </a:r>
+          </a:p>
+          <a:p>
+            <a:pPr algn="ctr"/>
+            <a:r>
+              <a:rPr lang="bg-BG" sz="2800" b="1" dirty="0">
+                <a:solidFill>
+                  <a:srgbClr val="FFFFFF"/>
+                </a:solidFill>
+                <a:effectLst>
+                  <a:outerShdw blurRad="38100" dist="38100" dir="2700000" algn="tl">
+                    <a:srgbClr val="000000">
+                      <a:alpha val="43137"/>
+                    </a:srgbClr>
+                  </a:outerShdw>
+                </a:effectLst>
+              </a:rPr>
+              <a:t>Не сме го учили до момента!</a:t>
+            </a:r>
+            <a:endParaRPr lang="en-US" sz="2800" b="1" dirty="0">
+              <a:solidFill>
+                <a:srgbClr val="FFFFFF"/>
+              </a:solidFill>
+              <a:effectLst>
+                <a:outerShdw blurRad="38100" dist="38100" dir="2700000" algn="tl">
+                  <a:srgbClr val="000000">
+                    <a:alpha val="43137"/>
+                  </a:srgbClr>
+                </a:outerShdw>
+              </a:effectLst>
+            </a:endParaRPr>
+          </a:p>
+          <a:p>
+            <a:pPr algn="ctr"/>
+            <a:r>
+              <a:rPr lang="bg-BG" sz="2800" b="1" dirty="0">
+                <a:solidFill>
+                  <a:srgbClr val="FFFFFF"/>
+                </a:solidFill>
+                <a:effectLst>
+                  <a:outerShdw blurRad="38100" dist="38100" dir="2700000" algn="tl">
+                    <a:srgbClr val="000000">
+                      <a:alpha val="43137"/>
+                    </a:srgbClr>
+                  </a:outerShdw>
+                </a:effectLst>
+              </a:rPr>
+              <a:t>Да се ползва </a:t>
+            </a:r>
+            <a:r>
+              <a:rPr lang="en-US" sz="2800" b="1" dirty="0" err="1">
+                <a:solidFill>
+                  <a:srgbClr val="FFFFFF"/>
+                </a:solidFill>
+                <a:effectLst>
+                  <a:outerShdw blurRad="38100" dist="38100" dir="2700000" algn="tl">
+                    <a:srgbClr val="000000">
+                      <a:alpha val="43137"/>
+                    </a:srgbClr>
+                  </a:outerShdw>
+                </a:effectLst>
+              </a:rPr>
+              <a:t>DataSource</a:t>
+            </a:r>
+            <a:endParaRPr lang="en-US" sz="2800" b="1" dirty="0">
+              <a:solidFill>
+                <a:srgbClr val="FFFFFF"/>
+              </a:solidFill>
+              <a:effectLst>
+                <a:outerShdw blurRad="38100" dist="38100" dir="2700000" algn="tl">
+                  <a:srgbClr val="000000">
+                    <a:alpha val="43137"/>
+                  </a:srgbClr>
+                </a:outerShdw>
+              </a:effectLst>
+            </a:endParaRPr>
           </a:p>
         </p:txBody>
       </p:sp>
@@ -15859,7 +18762,7 @@
 </p:sld>
 </file>
 
-<file path=ppt/slides/slide22.xml><?xml version="1.0" encoding="utf-8"?>
+<file path=ppt/slides/slide27.xml><?xml version="1.0" encoding="utf-8"?>
 <p:sld xmlns:a="http://schemas.openxmlformats.org/drawingml/2006/main" xmlns:r="http://schemas.openxmlformats.org/officeDocument/2006/relationships" xmlns:p="http://schemas.openxmlformats.org/presentationml/2006/main">
   <p:cSld>
     <p:spTree>
@@ -15892,7 +18795,12 @@
             <p:ph type="subTitle" sz="quarter" idx="11"/>
           </p:nvPr>
         </p:nvSpPr>
-        <p:spPr/>
+        <p:spPr>
+          <a:xfrm>
+            <a:off x="615109" y="5675916"/>
+            <a:ext cx="10961783" cy="768084"/>
+          </a:xfrm>
+        </p:spPr>
         <p:txBody>
           <a:bodyPr/>
           <a:lstStyle/>
@@ -15920,7 +18828,12 @@
             <p:ph type="title" sz="quarter" idx="10"/>
           </p:nvPr>
         </p:nvSpPr>
-        <p:spPr/>
+        <p:spPr>
+          <a:xfrm>
+            <a:off x="615109" y="4794825"/>
+            <a:ext cx="10961783" cy="768084"/>
+          </a:xfrm>
+        </p:spPr>
         <p:txBody>
           <a:bodyPr/>
           <a:lstStyle/>
@@ -15960,7 +18873,7 @@
         </p:blipFill>
         <p:spPr>
           <a:xfrm>
-            <a:off x="2161747" y="839754"/>
+            <a:off x="2161747" y="729000"/>
             <a:ext cx="7868505" cy="3773372"/>
           </a:xfrm>
           <a:prstGeom prst="rect">
@@ -15978,6 +18891,142 @@
           </a:effectLst>
         </p:spPr>
       </p:pic>
+      <p:sp>
+        <p:nvSpPr>
+          <p:cNvPr id="2" name="Rectangle: Rounded Corners 1">
+            <a:extLst>
+              <a:ext uri="{FF2B5EF4-FFF2-40B4-BE49-F238E27FC236}">
+                <a16:creationId xmlns:a16="http://schemas.microsoft.com/office/drawing/2014/main" id="{5CEB0DEA-0861-1434-2578-24D96DEBF134}"/>
+              </a:ext>
+            </a:extLst>
+          </p:cNvPr>
+          <p:cNvSpPr/>
+          <p:nvPr/>
+        </p:nvSpPr>
+        <p:spPr bwMode="auto">
+          <a:xfrm>
+            <a:off x="5961000" y="3609000"/>
+            <a:ext cx="5966606" cy="2960373"/>
+          </a:xfrm>
+          <a:prstGeom prst="roundRect">
+            <a:avLst/>
+          </a:prstGeom>
+          <a:ln/>
+        </p:spPr>
+        <p:style>
+          <a:lnRef idx="0">
+            <a:schemeClr val="accent2"/>
+          </a:lnRef>
+          <a:fillRef idx="3">
+            <a:schemeClr val="accent2"/>
+          </a:fillRef>
+          <a:effectRef idx="3">
+            <a:schemeClr val="accent2"/>
+          </a:effectRef>
+          <a:fontRef idx="minor">
+            <a:schemeClr val="lt1"/>
+          </a:fontRef>
+        </p:style>
+        <p:txBody>
+          <a:bodyPr rot="0" spcFirstLastPara="0" vertOverflow="overflow" horzOverflow="overflow" vert="horz" wrap="square" lIns="91440" tIns="45720" rIns="91440" bIns="45720" numCol="1" spcCol="0" rtlCol="0" fromWordArt="0" anchor="ctr" anchorCtr="0" forceAA="0" compatLnSpc="1">
+            <a:prstTxWarp prst="textNoShape">
+              <a:avLst/>
+            </a:prstTxWarp>
+            <a:noAutofit/>
+          </a:bodyPr>
+          <a:lstStyle/>
+          <a:p>
+            <a:pPr algn="ctr"/>
+            <a:r>
+              <a:rPr lang="bg-BG" sz="2800" b="1" dirty="0">
+                <a:solidFill>
+                  <a:srgbClr val="FFFFFF"/>
+                </a:solidFill>
+                <a:effectLst>
+                  <a:outerShdw blurRad="38100" dist="38100" dir="2700000" algn="tl">
+                    <a:srgbClr val="000000">
+                      <a:alpha val="43137"/>
+                    </a:srgbClr>
+                  </a:outerShdw>
+                </a:effectLst>
+              </a:rPr>
+              <a:t>По тази картинка изглежда, че сортирането се отнася за градовете, а в кода се </a:t>
+            </a:r>
+            <a:r>
+              <a:rPr lang="bg-BG" sz="2800" b="1" dirty="0" err="1">
+                <a:solidFill>
+                  <a:srgbClr val="FFFFFF"/>
+                </a:solidFill>
+                <a:effectLst>
+                  <a:outerShdw blurRad="38100" dist="38100" dir="2700000" algn="tl">
+                    <a:srgbClr val="000000">
+                      <a:alpha val="43137"/>
+                    </a:srgbClr>
+                  </a:outerShdw>
+                </a:effectLst>
+              </a:rPr>
+              <a:t>сортурат</a:t>
+            </a:r>
+            <a:r>
+              <a:rPr lang="bg-BG" sz="2800" b="1" dirty="0">
+                <a:solidFill>
+                  <a:srgbClr val="FFFFFF"/>
+                </a:solidFill>
+                <a:effectLst>
+                  <a:outerShdw blurRad="38100" dist="38100" dir="2700000" algn="tl">
+                    <a:srgbClr val="000000">
+                      <a:alpha val="43137"/>
+                    </a:srgbClr>
+                  </a:outerShdw>
+                </a:effectLst>
+              </a:rPr>
+              <a:t> държави. Нека да останат държавите и да се премести вляво </a:t>
+            </a:r>
+            <a:r>
+              <a:rPr lang="bg-BG" sz="2800" b="1" dirty="0" err="1">
+                <a:solidFill>
+                  <a:srgbClr val="FFFFFF"/>
+                </a:solidFill>
+                <a:effectLst>
+                  <a:outerShdw blurRad="38100" dist="38100" dir="2700000" algn="tl">
+                    <a:srgbClr val="000000">
+                      <a:alpha val="43137"/>
+                    </a:srgbClr>
+                  </a:outerShdw>
+                </a:effectLst>
+              </a:rPr>
+              <a:t>сортинг</a:t>
+            </a:r>
+            <a:r>
+              <a:rPr lang="bg-BG" sz="2800" b="1" dirty="0">
+                <a:solidFill>
+                  <a:srgbClr val="FFFFFF"/>
+                </a:solidFill>
+                <a:effectLst>
+                  <a:outerShdw blurRad="38100" dist="38100" dir="2700000" algn="tl">
+                    <a:srgbClr val="000000">
+                      <a:alpha val="43137"/>
+                    </a:srgbClr>
+                  </a:outerShdw>
+                </a:effectLst>
+              </a:rPr>
+              <a:t> менюто!</a:t>
+            </a:r>
+            <a:endParaRPr lang="en-US" sz="2800" b="1" dirty="0">
+              <a:solidFill>
+                <a:srgbClr val="FFFFFF"/>
+              </a:solidFill>
+              <a:effectLst>
+                <a:outerShdw blurRad="38100" dist="38100" dir="2700000" algn="tl">
+                  <a:srgbClr val="000000">
+                    <a:alpha val="43137"/>
+                  </a:srgbClr>
+                </a:outerShdw>
+              </a:effectLst>
+            </a:endParaRPr>
+          </a:p>
+        </p:txBody>
+      </p:sp>
     </p:spTree>
     <p:extLst>
       <p:ext uri="{BB962C8B-B14F-4D97-AF65-F5344CB8AC3E}">
@@ -15999,7 +19048,7 @@
 </p:sld>
 </file>
 
-<file path=ppt/slides/slide23.xml><?xml version="1.0" encoding="utf-8"?>
+<file path=ppt/slides/slide28.xml><?xml version="1.0" encoding="utf-8"?>
 <p:sld xmlns:a="http://schemas.openxmlformats.org/drawingml/2006/main" xmlns:r="http://schemas.openxmlformats.org/officeDocument/2006/relationships" xmlns:p="http://schemas.openxmlformats.org/presentationml/2006/main">
   <p:cSld>
     <p:spTree>
@@ -16040,7 +19089,7 @@
             <a:fld id="{2BF067CD-8E6B-4360-9AA8-C5DF2A48A6D1}" type="slidenum">
               <a:rPr lang="en-US" noProof="0" smtClean="0"/>
               <a:pPr/>
-              <a:t>23</a:t>
+              <a:t>28</a:t>
             </a:fld>
             <a:endParaRPr lang="en-US" noProof="0" dirty="0"/>
           </a:p>
@@ -16749,7 +19798,7 @@
 </p:sld>
 </file>
 
-<file path=ppt/slides/slide24.xml><?xml version="1.0" encoding="utf-8"?>
+<file path=ppt/slides/slide29.xml><?xml version="1.0" encoding="utf-8"?>
 <p:sld xmlns:a="http://schemas.openxmlformats.org/drawingml/2006/main" xmlns:r="http://schemas.openxmlformats.org/officeDocument/2006/relationships" xmlns:p="http://schemas.openxmlformats.org/presentationml/2006/main">
   <p:cSld>
     <p:spTree>
@@ -16790,7 +19839,7 @@
             <a:fld id="{2BF067CD-8E6B-4360-9AA8-C5DF2A48A6D1}" type="slidenum">
               <a:rPr lang="en-US" noProof="0" smtClean="0"/>
               <a:pPr/>
-              <a:t>24</a:t>
+              <a:t>29</a:t>
             </a:fld>
             <a:endParaRPr lang="en-US" noProof="0" dirty="0"/>
           </a:p>
@@ -17436,7 +20485,150 @@
 </p:sld>
 </file>
 
-<file path=ppt/slides/slide25.xml><?xml version="1.0" encoding="utf-8"?>
+<file path=ppt/slides/slide3.xml><?xml version="1.0" encoding="utf-8"?>
+<p:sld xmlns:a="http://schemas.openxmlformats.org/drawingml/2006/main" xmlns:r="http://schemas.openxmlformats.org/officeDocument/2006/relationships" xmlns:p="http://schemas.openxmlformats.org/presentationml/2006/main">
+  <p:cSld>
+    <p:spTree>
+      <p:nvGrpSpPr>
+        <p:cNvPr id="1" name=""/>
+        <p:cNvGrpSpPr/>
+        <p:nvPr/>
+      </p:nvGrpSpPr>
+      <p:grpSpPr>
+        <a:xfrm>
+          <a:off x="0" y="0"/>
+          <a:ext cx="0" cy="0"/>
+          <a:chOff x="0" y="0"/>
+          <a:chExt cx="0" cy="0"/>
+        </a:xfrm>
+      </p:grpSpPr>
+      <p:sp>
+        <p:nvSpPr>
+          <p:cNvPr id="4" name="Slide Subtitle">
+            <a:extLst>
+              <a:ext uri="{FF2B5EF4-FFF2-40B4-BE49-F238E27FC236}">
+                <a16:creationId xmlns:a16="http://schemas.microsoft.com/office/drawing/2014/main" id="{BEB5BB41-09D4-4E9F-8C80-EE8709171CB3}"/>
+              </a:ext>
+            </a:extLst>
+          </p:cNvPr>
+          <p:cNvSpPr>
+            <a:spLocks noGrp="1"/>
+          </p:cNvSpPr>
+          <p:nvPr>
+            <p:ph type="subTitle" sz="quarter" idx="11"/>
+          </p:nvPr>
+        </p:nvSpPr>
+        <p:spPr/>
+        <p:txBody>
+          <a:bodyPr/>
+          <a:lstStyle/>
+          <a:p>
+            <a:r>
+              <a:rPr lang="bg-BG" dirty="0"/>
+              <a:t>Навигация едно към много (</a:t>
+            </a:r>
+            <a:r>
+              <a:rPr lang="en-US" dirty="0"/>
+              <a:t>one-to-many</a:t>
+            </a:r>
+            <a:r>
+              <a:rPr lang="bg-BG" dirty="0"/>
+              <a:t>)</a:t>
+            </a:r>
+          </a:p>
+        </p:txBody>
+      </p:sp>
+      <p:sp>
+        <p:nvSpPr>
+          <p:cNvPr id="6" name="Slide Title">
+            <a:extLst>
+              <a:ext uri="{FF2B5EF4-FFF2-40B4-BE49-F238E27FC236}">
+                <a16:creationId xmlns:a16="http://schemas.microsoft.com/office/drawing/2014/main" id="{028D9EA3-B5E0-4F17-9467-4BE3C280DA68}"/>
+              </a:ext>
+            </a:extLst>
+          </p:cNvPr>
+          <p:cNvSpPr>
+            <a:spLocks noGrp="1"/>
+          </p:cNvSpPr>
+          <p:nvPr>
+            <p:ph type="title" sz="quarter" idx="10"/>
+          </p:nvPr>
+        </p:nvSpPr>
+        <p:spPr/>
+        <p:txBody>
+          <a:bodyPr/>
+          <a:lstStyle/>
+          <a:p>
+            <a:r>
+              <a:rPr lang="en-US" sz="4400" dirty="0"/>
+              <a:t>Master-Detail </a:t>
+            </a:r>
+            <a:r>
+              <a:rPr lang="bg-BG" sz="4400" dirty="0"/>
+              <a:t>навигация</a:t>
+            </a:r>
+            <a:endParaRPr lang="en-US" sz="4400" dirty="0"/>
+          </a:p>
+        </p:txBody>
+      </p:sp>
+      <p:pic>
+        <p:nvPicPr>
+          <p:cNvPr id="3" name="Picture 2">
+            <a:extLst>
+              <a:ext uri="{FF2B5EF4-FFF2-40B4-BE49-F238E27FC236}">
+                <a16:creationId xmlns:a16="http://schemas.microsoft.com/office/drawing/2014/main" id="{3140AC4E-61A8-4E3D-EA31-230A1A7440DC}"/>
+              </a:ext>
+            </a:extLst>
+          </p:cNvPr>
+          <p:cNvPicPr>
+            <a:picLocks noChangeAspect="1"/>
+          </p:cNvPicPr>
+          <p:nvPr/>
+        </p:nvPicPr>
+        <p:blipFill>
+          <a:blip r:embed="rId3">
+            <a:extLst>
+              <a:ext uri="{28A0092B-C50C-407E-A947-70E740481C1C}">
+                <a14:useLocalDpi xmlns:a14="http://schemas.microsoft.com/office/drawing/2010/main" val="0"/>
+              </a:ext>
+            </a:extLst>
+          </a:blip>
+          <a:stretch>
+            <a:fillRect/>
+          </a:stretch>
+        </p:blipFill>
+        <p:spPr>
+          <a:xfrm>
+            <a:off x="4719685" y="1686661"/>
+            <a:ext cx="2752629" cy="1823616"/>
+          </a:xfrm>
+          <a:prstGeom prst="rect">
+            <a:avLst/>
+          </a:prstGeom>
+        </p:spPr>
+      </p:pic>
+    </p:spTree>
+    <p:extLst>
+      <p:ext uri="{BB962C8B-B14F-4D97-AF65-F5344CB8AC3E}">
+        <p14:creationId xmlns:p14="http://schemas.microsoft.com/office/powerpoint/2010/main" val="882194472"/>
+      </p:ext>
+    </p:extLst>
+  </p:cSld>
+  <p:clrMapOvr>
+    <a:masterClrMapping/>
+  </p:clrMapOvr>
+  <mc:AlternateContent xmlns:mc="http://schemas.openxmlformats.org/markup-compatibility/2006" xmlns:p14="http://schemas.microsoft.com/office/powerpoint/2010/main">
+    <mc:Choice Requires="p14">
+      <p:transition spd="slow" p14:dur="2000" advClick="0" advTm="5000"/>
+    </mc:Choice>
+    <mc:Fallback xmlns="">
+      <p:transition spd="slow" advClick="0" advTm="5000"/>
+    </mc:Fallback>
+  </mc:AlternateContent>
+</p:sld>
+</file>
+
+<file path=ppt/slides/slide30.xml><?xml version="1.0" encoding="utf-8"?>
 <p:sld xmlns:a="http://schemas.openxmlformats.org/drawingml/2006/main" xmlns:r="http://schemas.openxmlformats.org/officeDocument/2006/relationships" xmlns:p="http://schemas.openxmlformats.org/presentationml/2006/main">
   <p:cSld>
     <p:spTree>
@@ -17477,7 +20669,7 @@
             <a:fld id="{2BF067CD-8E6B-4360-9AA8-C5DF2A48A6D1}" type="slidenum">
               <a:rPr lang="en-US" noProof="0" smtClean="0"/>
               <a:pPr/>
-              <a:t>25</a:t>
+              <a:t>30</a:t>
             </a:fld>
             <a:endParaRPr lang="en-US" noProof="0" dirty="0"/>
           </a:p>
@@ -17608,6 +20800,15 @@
               <a:rPr lang="en-BG" dirty="0"/>
               <a:t>Master-Detail</a:t>
             </a:r>
+            <a:r>
+              <a:rPr lang="en-US" dirty="0"/>
+              <a:t> </a:t>
+            </a:r>
+            <a:r>
+              <a:rPr lang="bg-BG" dirty="0"/>
+              <a:t>навигация</a:t>
+            </a:r>
+            <a:endParaRPr lang="en-BG" dirty="0"/>
           </a:p>
         </p:txBody>
       </p:sp>
@@ -18022,6 +21223,148 @@
                 <a:cs typeface="Consolas" pitchFamily="49" charset="0"/>
               </a:rPr>
               <a:t>}</a:t>
+            </a:r>
+          </a:p>
+        </p:txBody>
+      </p:sp>
+      <p:sp>
+        <p:nvSpPr>
+          <p:cNvPr id="6" name="Rectangle: Rounded Corners 5">
+            <a:extLst>
+              <a:ext uri="{FF2B5EF4-FFF2-40B4-BE49-F238E27FC236}">
+                <a16:creationId xmlns:a16="http://schemas.microsoft.com/office/drawing/2014/main" id="{3E71505B-99AB-A64A-72A3-D9EB6474E5B8}"/>
+              </a:ext>
+            </a:extLst>
+          </p:cNvPr>
+          <p:cNvSpPr/>
+          <p:nvPr/>
+        </p:nvSpPr>
+        <p:spPr bwMode="auto">
+          <a:xfrm>
+            <a:off x="3936000" y="5661875"/>
+            <a:ext cx="5966606" cy="1457125"/>
+          </a:xfrm>
+          <a:prstGeom prst="roundRect">
+            <a:avLst/>
+          </a:prstGeom>
+          <a:ln/>
+        </p:spPr>
+        <p:style>
+          <a:lnRef idx="0">
+            <a:schemeClr val="accent2"/>
+          </a:lnRef>
+          <a:fillRef idx="3">
+            <a:schemeClr val="accent2"/>
+          </a:fillRef>
+          <a:effectRef idx="3">
+            <a:schemeClr val="accent2"/>
+          </a:effectRef>
+          <a:fontRef idx="minor">
+            <a:schemeClr val="lt1"/>
+          </a:fontRef>
+        </p:style>
+        <p:txBody>
+          <a:bodyPr rot="0" spcFirstLastPara="0" vertOverflow="overflow" horzOverflow="overflow" vert="horz" wrap="square" lIns="91440" tIns="45720" rIns="91440" bIns="45720" numCol="1" spcCol="0" rtlCol="0" fromWordArt="0" anchor="ctr" anchorCtr="0" forceAA="0" compatLnSpc="1">
+            <a:prstTxWarp prst="textNoShape">
+              <a:avLst/>
+            </a:prstTxWarp>
+            <a:noAutofit/>
+          </a:bodyPr>
+          <a:lstStyle/>
+          <a:p>
+            <a:pPr algn="ctr"/>
+            <a:r>
+              <a:rPr lang="bg-BG" sz="2800" b="1" dirty="0">
+                <a:solidFill>
+                  <a:srgbClr val="FFFFFF"/>
+                </a:solidFill>
+                <a:effectLst>
+                  <a:outerShdw blurRad="38100" dist="38100" dir="2700000" algn="tl">
+                    <a:srgbClr val="000000">
+                      <a:alpha val="43137"/>
+                    </a:srgbClr>
+                  </a:outerShdw>
+                </a:effectLst>
+              </a:rPr>
+              <a:t>От къде идва този </a:t>
+            </a:r>
+            <a:r>
+              <a:rPr lang="en-US" sz="2800" b="1" dirty="0" err="1">
+                <a:solidFill>
+                  <a:srgbClr val="FFFFFF"/>
+                </a:solidFill>
+                <a:effectLst>
+                  <a:outerShdw blurRad="38100" dist="38100" dir="2700000" algn="tl">
+                    <a:srgbClr val="000000">
+                      <a:alpha val="43137"/>
+                    </a:srgbClr>
+                  </a:outerShdw>
+                </a:effectLst>
+              </a:rPr>
+              <a:t>bindingSource</a:t>
+            </a:r>
+            <a:r>
+              <a:rPr lang="en-US" sz="2800" b="1" dirty="0">
+                <a:solidFill>
+                  <a:srgbClr val="FFFFFF"/>
+                </a:solidFill>
+                <a:effectLst>
+                  <a:outerShdw blurRad="38100" dist="38100" dir="2700000" algn="tl">
+                    <a:srgbClr val="000000">
+                      <a:alpha val="43137"/>
+                    </a:srgbClr>
+                  </a:outerShdw>
+                </a:effectLst>
+              </a:rPr>
+              <a:t>?</a:t>
+            </a:r>
+          </a:p>
+          <a:p>
+            <a:pPr algn="ctr"/>
+            <a:r>
+              <a:rPr lang="bg-BG" sz="2800" b="1" dirty="0">
+                <a:solidFill>
+                  <a:srgbClr val="FFFFFF"/>
+                </a:solidFill>
+                <a:effectLst>
+                  <a:outerShdw blurRad="38100" dist="38100" dir="2700000" algn="tl">
+                    <a:srgbClr val="000000">
+                      <a:alpha val="43137"/>
+                    </a:srgbClr>
+                  </a:outerShdw>
+                </a:effectLst>
+              </a:rPr>
+              <a:t>Тук имаме ръчно свързване и не ползваме </a:t>
+            </a:r>
+            <a:r>
+              <a:rPr lang="en-US" sz="2800" b="1" dirty="0" err="1">
+                <a:solidFill>
+                  <a:srgbClr val="FFFFFF"/>
+                </a:solidFill>
+                <a:effectLst>
+                  <a:outerShdw blurRad="38100" dist="38100" dir="2700000" algn="tl">
+                    <a:srgbClr val="000000">
+                      <a:alpha val="43137"/>
+                    </a:srgbClr>
+                  </a:outerShdw>
+                </a:effectLst>
+              </a:rPr>
+              <a:t>bindingsource</a:t>
+            </a:r>
+            <a:r>
+              <a:rPr lang="en-US" sz="2800" b="1" dirty="0">
+                <a:solidFill>
+                  <a:srgbClr val="FFFFFF"/>
+                </a:solidFill>
+                <a:effectLst>
+                  <a:outerShdw blurRad="38100" dist="38100" dir="2700000" algn="tl">
+                    <a:srgbClr val="000000">
+                      <a:alpha val="43137"/>
+                    </a:srgbClr>
+                  </a:outerShdw>
+                </a:effectLst>
+              </a:rPr>
+              <a:t>.</a:t>
             </a:r>
           </a:p>
         </p:txBody>
@@ -18208,7 +21551,7 @@
 </p:sld>
 </file>
 
-<file path=ppt/slides/slide26.xml><?xml version="1.0" encoding="utf-8"?>
+<file path=ppt/slides/slide31.xml><?xml version="1.0" encoding="utf-8"?>
 <p:sld xmlns:a="http://schemas.openxmlformats.org/drawingml/2006/main" xmlns:r="http://schemas.openxmlformats.org/officeDocument/2006/relationships" xmlns:p="http://schemas.openxmlformats.org/presentationml/2006/main">
   <p:cSld>
     <p:spTree>
@@ -18249,7 +21592,7 @@
             <a:fld id="{2BF067CD-8E6B-4360-9AA8-C5DF2A48A6D1}" type="slidenum">
               <a:rPr lang="en-US" noProof="0" smtClean="0"/>
               <a:pPr/>
-              <a:t>26</a:t>
+              <a:t>31</a:t>
             </a:fld>
             <a:endParaRPr lang="en-US" noProof="0" dirty="0"/>
           </a:p>
@@ -18411,8 +21754,8 @@
         </p:nvSpPr>
         <p:spPr bwMode="auto">
           <a:xfrm>
-            <a:off x="614003" y="3606809"/>
-            <a:ext cx="11125200" cy="2926543"/>
+            <a:off x="614003" y="3794456"/>
+            <a:ext cx="11125200" cy="2649544"/>
           </a:xfrm>
           <a:prstGeom prst="rect">
             <a:avLst/>
@@ -18506,6 +21849,10 @@
               </a:rPr>
               <a:t>    var filterText = this.textBoxFilter.Text.ToLower();</a:t>
             </a:r>
+            <a:endParaRPr lang="bg-BG" b="1" noProof="1">
+              <a:latin typeface="Consolas" pitchFamily="49" charset="0"/>
+              <a:cs typeface="Consolas" pitchFamily="49" charset="0"/>
+            </a:endParaRPr>
           </a:p>
           <a:p>
             <a:pPr>
@@ -18523,28 +21870,18 @@
               <a:buNone/>
             </a:pPr>
             <a:r>
+              <a:rPr lang="bg-BG" b="1" noProof="1">
+                <a:latin typeface="Consolas" pitchFamily="49" charset="0"/>
+                <a:cs typeface="Consolas" pitchFamily="49" charset="0"/>
+              </a:rPr>
+              <a:t>    </a:t>
+            </a:r>
+            <a:r>
               <a:rPr lang="en-US" b="1" noProof="1">
                 <a:latin typeface="Consolas" pitchFamily="49" charset="0"/>
                 <a:cs typeface="Consolas" pitchFamily="49" charset="0"/>
               </a:rPr>
-              <a:t>    var filteredCountries = dbContext.Countries.</a:t>
-            </a:r>
-            <a:r>
-              <a:rPr lang="en-US" b="1" noProof="1">
-                <a:solidFill>
-                  <a:schemeClr val="bg1"/>
-                </a:solidFill>
-                <a:latin typeface="Consolas" pitchFamily="49" charset="0"/>
-                <a:cs typeface="Consolas" pitchFamily="49" charset="0"/>
-              </a:rPr>
-              <a:t>Where</a:t>
-            </a:r>
-            <a:r>
-              <a:rPr lang="en-US" b="1" noProof="1">
-                <a:latin typeface="Consolas" pitchFamily="49" charset="0"/>
-                <a:cs typeface="Consolas" pitchFamily="49" charset="0"/>
-              </a:rPr>
-              <a:t>(c =&gt;         	c.CountryName.ToLower().Contains(filterText)).ToList();</a:t>
+              <a:t>var filteredCountries = FilterCountries(countries, filterText);</a:t>
             </a:r>
           </a:p>
           <a:p>
@@ -18896,7 +22233,445 @@
 </p:sld>
 </file>
 
-<file path=ppt/slides/slide27.xml><?xml version="1.0" encoding="utf-8"?>
+<file path=ppt/slides/slide32.xml><?xml version="1.0" encoding="utf-8"?>
+<p:sld xmlns:a="http://schemas.openxmlformats.org/drawingml/2006/main" xmlns:r="http://schemas.openxmlformats.org/officeDocument/2006/relationships" xmlns:p="http://schemas.openxmlformats.org/presentationml/2006/main">
+  <p:cSld>
+    <p:spTree>
+      <p:nvGrpSpPr>
+        <p:cNvPr id="1" name=""/>
+        <p:cNvGrpSpPr/>
+        <p:nvPr/>
+      </p:nvGrpSpPr>
+      <p:grpSpPr>
+        <a:xfrm>
+          <a:off x="0" y="0"/>
+          <a:ext cx="0" cy="0"/>
+          <a:chOff x="0" y="0"/>
+          <a:chExt cx="0" cy="0"/>
+        </a:xfrm>
+      </p:grpSpPr>
+      <p:sp>
+        <p:nvSpPr>
+          <p:cNvPr id="2" name="Slide Number Placeholder 1">
+            <a:extLst>
+              <a:ext uri="{FF2B5EF4-FFF2-40B4-BE49-F238E27FC236}">
+                <a16:creationId xmlns:a16="http://schemas.microsoft.com/office/drawing/2014/main" id="{F68664D2-E912-EA8B-0B9D-016A304AA799}"/>
+              </a:ext>
+            </a:extLst>
+          </p:cNvPr>
+          <p:cNvSpPr>
+            <a:spLocks noGrp="1"/>
+          </p:cNvSpPr>
+          <p:nvPr>
+            <p:ph type="sldNum" sz="quarter" idx="5"/>
+          </p:nvPr>
+        </p:nvSpPr>
+        <p:spPr/>
+        <p:txBody>
+          <a:bodyPr/>
+          <a:lstStyle/>
+          <a:p>
+            <a:fld id="{2BF067CD-8E6B-4360-9AA8-C5DF2A48A6D1}" type="slidenum">
+              <a:rPr lang="en-US" noProof="0" smtClean="0"/>
+              <a:pPr/>
+              <a:t>32</a:t>
+            </a:fld>
+            <a:endParaRPr lang="en-US" noProof="0" dirty="0"/>
+          </a:p>
+        </p:txBody>
+      </p:sp>
+      <p:sp>
+        <p:nvSpPr>
+          <p:cNvPr id="4" name="Title 3">
+            <a:extLst>
+              <a:ext uri="{FF2B5EF4-FFF2-40B4-BE49-F238E27FC236}">
+                <a16:creationId xmlns:a16="http://schemas.microsoft.com/office/drawing/2014/main" id="{ABA92246-45E7-0841-6A30-FD37FF160E27}"/>
+              </a:ext>
+            </a:extLst>
+          </p:cNvPr>
+          <p:cNvSpPr>
+            <a:spLocks noGrp="1"/>
+          </p:cNvSpPr>
+          <p:nvPr>
+            <p:ph type="title"/>
+          </p:nvPr>
+        </p:nvSpPr>
+        <p:spPr/>
+        <p:txBody>
+          <a:bodyPr/>
+          <a:lstStyle/>
+          <a:p>
+            <a:r>
+              <a:rPr lang="bg-BG" dirty="0"/>
+              <a:t>Филтриране на държавите по </a:t>
+            </a:r>
+            <a:r>
+              <a:rPr lang="en-US" dirty="0"/>
+              <a:t>substring</a:t>
+            </a:r>
+          </a:p>
+        </p:txBody>
+      </p:sp>
+      <p:sp>
+        <p:nvSpPr>
+          <p:cNvPr id="5" name="Rectangle 4">
+            <a:extLst>
+              <a:ext uri="{FF2B5EF4-FFF2-40B4-BE49-F238E27FC236}">
+                <a16:creationId xmlns:a16="http://schemas.microsoft.com/office/drawing/2014/main" id="{858F72E4-3349-EC27-4FBF-E5A2E7FFFB25}"/>
+              </a:ext>
+            </a:extLst>
+          </p:cNvPr>
+          <p:cNvSpPr>
+            <a:spLocks noChangeArrowheads="1"/>
+          </p:cNvSpPr>
+          <p:nvPr/>
+        </p:nvSpPr>
+        <p:spPr bwMode="auto">
+          <a:xfrm>
+            <a:off x="614003" y="1539000"/>
+            <a:ext cx="11125200" cy="4003761"/>
+          </a:xfrm>
+          <a:prstGeom prst="rect">
+            <a:avLst/>
+          </a:prstGeom>
+          <a:solidFill>
+            <a:schemeClr val="accent5">
+              <a:lumMod val="40000"/>
+              <a:lumOff val="60000"/>
+              <a:alpha val="20000"/>
+            </a:schemeClr>
+          </a:solidFill>
+          <a:ln w="12700">
+            <a:solidFill>
+              <a:schemeClr val="accent5">
+                <a:lumMod val="60000"/>
+                <a:lumOff val="40000"/>
+              </a:schemeClr>
+            </a:solidFill>
+          </a:ln>
+        </p:spPr>
+        <p:txBody>
+          <a:bodyPr vert="horz" wrap="square" lIns="144000" tIns="108000" rIns="144000" bIns="108000" rtlCol="0">
+            <a:spAutoFit/>
+          </a:bodyPr>
+          <a:lstStyle/>
+          <a:p>
+            <a:pPr>
+              <a:spcBef>
+                <a:spcPts val="600"/>
+              </a:spcBef>
+              <a:spcAft>
+                <a:spcPts val="600"/>
+              </a:spcAft>
+              <a:buClr>
+                <a:srgbClr val="F2B254"/>
+              </a:buClr>
+              <a:buSzPct val="100000"/>
+              <a:buFont typeface="Wingdings" panose="05000000000000000000" pitchFamily="2" charset="2"/>
+              <a:buNone/>
+            </a:pPr>
+            <a:r>
+              <a:rPr lang="en-US" sz="2800" b="1" noProof="1">
+                <a:latin typeface="Consolas" panose="020B0609020204030204" pitchFamily="49" charset="0"/>
+                <a:cs typeface="Courier New" panose="02070309020205020404" pitchFamily="49" charset="0"/>
+              </a:rPr>
+              <a:t>void FilterCountries(</a:t>
+            </a:r>
+          </a:p>
+          <a:p>
+            <a:pPr>
+              <a:spcBef>
+                <a:spcPts val="600"/>
+              </a:spcBef>
+              <a:spcAft>
+                <a:spcPts val="600"/>
+              </a:spcAft>
+              <a:buClr>
+                <a:srgbClr val="F2B254"/>
+              </a:buClr>
+              <a:buSzPct val="100000"/>
+              <a:buFont typeface="Wingdings" panose="05000000000000000000" pitchFamily="2" charset="2"/>
+              <a:buNone/>
+            </a:pPr>
+            <a:r>
+              <a:rPr lang="en-US" sz="2800" b="1" noProof="1">
+                <a:latin typeface="Consolas" panose="020B0609020204030204" pitchFamily="49" charset="0"/>
+                <a:cs typeface="Courier New" panose="02070309020205020404" pitchFamily="49" charset="0"/>
+              </a:rPr>
+              <a:t>  IQueryable&lt;Country&gt; countries, string filterText)</a:t>
+            </a:r>
+          </a:p>
+          <a:p>
+            <a:pPr>
+              <a:spcBef>
+                <a:spcPts val="600"/>
+              </a:spcBef>
+              <a:spcAft>
+                <a:spcPts val="600"/>
+              </a:spcAft>
+              <a:buClr>
+                <a:srgbClr val="F2B254"/>
+              </a:buClr>
+              <a:buSzPct val="100000"/>
+              <a:buFont typeface="Wingdings" panose="05000000000000000000" pitchFamily="2" charset="2"/>
+              <a:buNone/>
+            </a:pPr>
+            <a:r>
+              <a:rPr lang="en-US" sz="2800" b="1" noProof="1">
+                <a:latin typeface="Consolas" panose="020B0609020204030204" pitchFamily="49" charset="0"/>
+                <a:cs typeface="Courier New" panose="02070309020205020404" pitchFamily="49" charset="0"/>
+              </a:rPr>
+              <a:t>{</a:t>
+            </a:r>
+          </a:p>
+          <a:p>
+            <a:pPr>
+              <a:spcBef>
+                <a:spcPts val="600"/>
+              </a:spcBef>
+              <a:spcAft>
+                <a:spcPts val="600"/>
+              </a:spcAft>
+              <a:buClr>
+                <a:srgbClr val="F2B254"/>
+              </a:buClr>
+              <a:buSzPct val="100000"/>
+              <a:buFont typeface="Wingdings" panose="05000000000000000000" pitchFamily="2" charset="2"/>
+              <a:buNone/>
+            </a:pPr>
+            <a:r>
+              <a:rPr lang="en-US" sz="2800" b="1" noProof="1">
+                <a:latin typeface="Consolas" panose="020B0609020204030204" pitchFamily="49" charset="0"/>
+                <a:cs typeface="Courier New" panose="02070309020205020404" pitchFamily="49" charset="0"/>
+              </a:rPr>
+              <a:t>   </a:t>
+            </a:r>
+            <a:r>
+              <a:rPr lang="en-US" sz="2800" b="1" dirty="0">
+                <a:latin typeface="Consolas" panose="020B0609020204030204" pitchFamily="49" charset="0"/>
+                <a:cs typeface="Courier New" panose="02070309020205020404" pitchFamily="49" charset="0"/>
+              </a:rPr>
+              <a:t>var </a:t>
+            </a:r>
+            <a:r>
+              <a:rPr lang="en-US" sz="2800" b="1" dirty="0" err="1">
+                <a:latin typeface="Consolas" panose="020B0609020204030204" pitchFamily="49" charset="0"/>
+                <a:cs typeface="Courier New" panose="02070309020205020404" pitchFamily="49" charset="0"/>
+              </a:rPr>
+              <a:t>filteredCountries</a:t>
+            </a:r>
+            <a:r>
+              <a:rPr lang="en-US" sz="2800" b="1" dirty="0">
+                <a:latin typeface="Consolas" panose="020B0609020204030204" pitchFamily="49" charset="0"/>
+                <a:cs typeface="Courier New" panose="02070309020205020404" pitchFamily="49" charset="0"/>
+              </a:rPr>
+              <a:t> = </a:t>
+            </a:r>
+            <a:r>
+              <a:rPr lang="en-US" sz="2800" b="1" noProof="1">
+                <a:latin typeface="Consolas" panose="020B0609020204030204" pitchFamily="49" charset="0"/>
+                <a:cs typeface="Courier New" panose="02070309020205020404" pitchFamily="49" charset="0"/>
+              </a:rPr>
+              <a:t>countries</a:t>
+            </a:r>
+            <a:r>
+              <a:rPr lang="en-US" sz="2800" b="1" dirty="0">
+                <a:latin typeface="Consolas" panose="020B0609020204030204" pitchFamily="49" charset="0"/>
+                <a:cs typeface="Courier New" panose="02070309020205020404" pitchFamily="49" charset="0"/>
+              </a:rPr>
+              <a:t>.Where(c =&gt;         	  </a:t>
+            </a:r>
+            <a:r>
+              <a:rPr lang="en-US" sz="2800" b="1" dirty="0" err="1">
+                <a:latin typeface="Consolas" panose="020B0609020204030204" pitchFamily="49" charset="0"/>
+                <a:cs typeface="Courier New" panose="02070309020205020404" pitchFamily="49" charset="0"/>
+              </a:rPr>
+              <a:t>c.CountryName.ToLower</a:t>
+            </a:r>
+            <a:r>
+              <a:rPr lang="en-US" sz="2800" b="1" dirty="0">
+                <a:latin typeface="Consolas" panose="020B0609020204030204" pitchFamily="49" charset="0"/>
+                <a:cs typeface="Courier New" panose="02070309020205020404" pitchFamily="49" charset="0"/>
+              </a:rPr>
+              <a:t>().Contains(</a:t>
+            </a:r>
+            <a:r>
+              <a:rPr lang="en-US" sz="2800" b="1" dirty="0" err="1">
+                <a:latin typeface="Consolas" panose="020B0609020204030204" pitchFamily="49" charset="0"/>
+                <a:cs typeface="Courier New" panose="02070309020205020404" pitchFamily="49" charset="0"/>
+              </a:rPr>
+              <a:t>filterText</a:t>
+            </a:r>
+            <a:r>
+              <a:rPr lang="en-US" sz="2800" b="1" dirty="0">
+                <a:latin typeface="Consolas" panose="020B0609020204030204" pitchFamily="49" charset="0"/>
+                <a:cs typeface="Courier New" panose="02070309020205020404" pitchFamily="49" charset="0"/>
+              </a:rPr>
+              <a:t>));</a:t>
+            </a:r>
+          </a:p>
+          <a:p>
+            <a:pPr>
+              <a:spcBef>
+                <a:spcPts val="600"/>
+              </a:spcBef>
+              <a:spcAft>
+                <a:spcPts val="600"/>
+              </a:spcAft>
+              <a:buClr>
+                <a:srgbClr val="F2B254"/>
+              </a:buClr>
+              <a:buSzPct val="100000"/>
+              <a:buFont typeface="Wingdings" panose="05000000000000000000" pitchFamily="2" charset="2"/>
+              <a:buNone/>
+            </a:pPr>
+            <a:r>
+              <a:rPr lang="en-US" sz="2800" b="1" noProof="1">
+                <a:latin typeface="Consolas" panose="020B0609020204030204" pitchFamily="49" charset="0"/>
+                <a:cs typeface="Courier New" panose="02070309020205020404" pitchFamily="49" charset="0"/>
+              </a:rPr>
+              <a:t>    return </a:t>
+            </a:r>
+            <a:r>
+              <a:rPr lang="en-US" sz="2800" b="1" dirty="0" err="1">
+                <a:latin typeface="Consolas" panose="020B0609020204030204" pitchFamily="49" charset="0"/>
+                <a:cs typeface="Courier New" panose="02070309020205020404" pitchFamily="49" charset="0"/>
+              </a:rPr>
+              <a:t>filteredCountries</a:t>
+            </a:r>
+            <a:endParaRPr lang="en-US" sz="2800" b="1" noProof="1">
+              <a:latin typeface="Consolas" panose="020B0609020204030204" pitchFamily="49" charset="0"/>
+              <a:cs typeface="Courier New" panose="02070309020205020404" pitchFamily="49" charset="0"/>
+            </a:endParaRPr>
+          </a:p>
+          <a:p>
+            <a:pPr>
+              <a:spcBef>
+                <a:spcPts val="600"/>
+              </a:spcBef>
+              <a:spcAft>
+                <a:spcPts val="600"/>
+              </a:spcAft>
+              <a:buClr>
+                <a:srgbClr val="F2B254"/>
+              </a:buClr>
+              <a:buSzPct val="100000"/>
+              <a:buFont typeface="Wingdings" panose="05000000000000000000" pitchFamily="2" charset="2"/>
+              <a:buNone/>
+            </a:pPr>
+            <a:r>
+              <a:rPr lang="en-US" sz="2800" b="1" noProof="1">
+                <a:latin typeface="Consolas" panose="020B0609020204030204" pitchFamily="49" charset="0"/>
+                <a:cs typeface="Courier New" panose="02070309020205020404" pitchFamily="49" charset="0"/>
+              </a:rPr>
+              <a:t>}</a:t>
+            </a:r>
+          </a:p>
+        </p:txBody>
+      </p:sp>
+    </p:spTree>
+    <p:extLst>
+      <p:ext uri="{BB962C8B-B14F-4D97-AF65-F5344CB8AC3E}">
+        <p14:creationId xmlns:p14="http://schemas.microsoft.com/office/powerpoint/2010/main" val="1195580214"/>
+      </p:ext>
+    </p:extLst>
+  </p:cSld>
+  <p:clrMapOvr>
+    <a:masterClrMapping/>
+  </p:clrMapOvr>
+  <mc:AlternateContent xmlns:mc="http://schemas.openxmlformats.org/markup-compatibility/2006" xmlns:p14="http://schemas.microsoft.com/office/powerpoint/2010/main">
+    <mc:Choice Requires="p14">
+      <p:transition spd="slow" p14:dur="2000" advClick="0" advTm="5000"/>
+    </mc:Choice>
+    <mc:Fallback xmlns="">
+      <p:transition spd="slow" advClick="0" advTm="5000"/>
+    </mc:Fallback>
+  </mc:AlternateContent>
+  <p:timing>
+    <p:tnLst>
+      <p:par>
+        <p:cTn id="1" dur="indefinite" restart="never" nodeType="tmRoot">
+          <p:childTnLst>
+            <p:seq concurrent="1" nextAc="seek">
+              <p:cTn id="2" dur="indefinite" nodeType="mainSeq">
+                <p:childTnLst>
+                  <p:par>
+                    <p:cTn id="3" fill="hold">
+                      <p:stCondLst>
+                        <p:cond delay="indefinite"/>
+                        <p:cond evt="onBegin" delay="0">
+                          <p:tn val="2"/>
+                        </p:cond>
+                      </p:stCondLst>
+                      <p:childTnLst>
+                        <p:par>
+                          <p:cTn id="4" fill="hold">
+                            <p:stCondLst>
+                              <p:cond delay="0"/>
+                            </p:stCondLst>
+                            <p:childTnLst>
+                              <p:par>
+                                <p:cTn id="5" presetID="1" presetClass="entr" presetSubtype="0" fill="hold" grpId="0" nodeType="withEffect">
+                                  <p:stCondLst>
+                                    <p:cond delay="0"/>
+                                  </p:stCondLst>
+                                  <p:childTnLst>
+                                    <p:set>
+                                      <p:cBhvr>
+                                        <p:cTn id="6" dur="1" fill="hold">
+                                          <p:stCondLst>
+                                            <p:cond delay="0"/>
+                                          </p:stCondLst>
+                                        </p:cTn>
+                                        <p:tgtEl>
+                                          <p:spTgt spid="5"/>
+                                        </p:tgtEl>
+                                        <p:attrNameLst>
+                                          <p:attrName>style.visibility</p:attrName>
+                                        </p:attrNameLst>
+                                      </p:cBhvr>
+                                      <p:to>
+                                        <p:strVal val="visible"/>
+                                      </p:to>
+                                    </p:set>
+                                  </p:childTnLst>
+                                </p:cTn>
+                              </p:par>
+                            </p:childTnLst>
+                          </p:cTn>
+                        </p:par>
+                      </p:childTnLst>
+                    </p:cTn>
+                  </p:par>
+                </p:childTnLst>
+              </p:cTn>
+              <p:prevCondLst>
+                <p:cond evt="onPrev" delay="0">
+                  <p:tgtEl>
+                    <p:sldTgt/>
+                  </p:tgtEl>
+                </p:cond>
+              </p:prevCondLst>
+              <p:nextCondLst>
+                <p:cond evt="onNext" delay="0">
+                  <p:tgtEl>
+                    <p:sldTgt/>
+                  </p:tgtEl>
+                </p:cond>
+              </p:nextCondLst>
+            </p:seq>
+          </p:childTnLst>
+        </p:cTn>
+      </p:par>
+    </p:tnLst>
+    <p:bldLst>
+      <p:bldP spid="5" grpId="0" animBg="1"/>
+    </p:bldLst>
+  </p:timing>
+</p:sld>
+</file>
+
+<file path=ppt/slides/slide33.xml><?xml version="1.0" encoding="utf-8"?>
 <p:sld xmlns:a="http://schemas.openxmlformats.org/drawingml/2006/main" xmlns:r="http://schemas.openxmlformats.org/officeDocument/2006/relationships" xmlns:p="http://schemas.openxmlformats.org/presentationml/2006/main">
   <p:cSld>
     <p:spTree>
@@ -18937,7 +22712,7 @@
             <a:fld id="{2BF067CD-8E6B-4360-9AA8-C5DF2A48A6D1}" type="slidenum">
               <a:rPr lang="en-US" noProof="0" smtClean="0"/>
               <a:pPr/>
-              <a:t>27</a:t>
+              <a:t>33</a:t>
             </a:fld>
             <a:endParaRPr lang="en-US" noProof="0" dirty="0"/>
           </a:p>
@@ -19344,6 +23119,124 @@
           <a:p>
             <a:pPr algn="ctr"/>
             <a:endParaRPr lang="en-US" sz="2799"/>
+          </a:p>
+        </p:txBody>
+      </p:sp>
+      <p:sp>
+        <p:nvSpPr>
+          <p:cNvPr id="6" name="Rectangle: Rounded Corners 5">
+            <a:extLst>
+              <a:ext uri="{FF2B5EF4-FFF2-40B4-BE49-F238E27FC236}">
+                <a16:creationId xmlns:a16="http://schemas.microsoft.com/office/drawing/2014/main" id="{235C3B99-A88F-8401-2759-2942ECBF9D7A}"/>
+              </a:ext>
+            </a:extLst>
+          </p:cNvPr>
+          <p:cNvSpPr/>
+          <p:nvPr/>
+        </p:nvSpPr>
+        <p:spPr bwMode="auto">
+          <a:xfrm>
+            <a:off x="5769367" y="3429001"/>
+            <a:ext cx="5966606" cy="1918052"/>
+          </a:xfrm>
+          <a:prstGeom prst="roundRect">
+            <a:avLst/>
+          </a:prstGeom>
+          <a:ln/>
+        </p:spPr>
+        <p:style>
+          <a:lnRef idx="0">
+            <a:schemeClr val="accent2"/>
+          </a:lnRef>
+          <a:fillRef idx="3">
+            <a:schemeClr val="accent2"/>
+          </a:fillRef>
+          <a:effectRef idx="3">
+            <a:schemeClr val="accent2"/>
+          </a:effectRef>
+          <a:fontRef idx="minor">
+            <a:schemeClr val="lt1"/>
+          </a:fontRef>
+        </p:style>
+        <p:txBody>
+          <a:bodyPr rot="0" spcFirstLastPara="0" vertOverflow="overflow" horzOverflow="overflow" vert="horz" wrap="square" lIns="91440" tIns="45720" rIns="91440" bIns="45720" numCol="1" spcCol="0" rtlCol="0" fromWordArt="0" anchor="ctr" anchorCtr="0" forceAA="0" compatLnSpc="1">
+            <a:prstTxWarp prst="textNoShape">
+              <a:avLst/>
+            </a:prstTxWarp>
+            <a:noAutofit/>
+          </a:bodyPr>
+          <a:lstStyle/>
+          <a:p>
+            <a:pPr marL="514350" indent="-514350" algn="ctr">
+              <a:buAutoNum type="arabicPeriod"/>
+            </a:pPr>
+            <a:r>
+              <a:rPr lang="bg-BG" sz="2800" b="1" dirty="0">
+                <a:solidFill>
+                  <a:srgbClr val="FFFFFF"/>
+                </a:solidFill>
+                <a:effectLst>
+                  <a:outerShdw blurRad="38100" dist="38100" dir="2700000" algn="tl">
+                    <a:srgbClr val="000000">
+                      <a:alpha val="43137"/>
+                    </a:srgbClr>
+                  </a:outerShdw>
+                </a:effectLst>
+              </a:rPr>
+              <a:t>зареждаме държавите от базата</a:t>
+            </a:r>
+          </a:p>
+          <a:p>
+            <a:pPr marL="514350" indent="-514350" algn="ctr">
+              <a:buAutoNum type="arabicPeriod"/>
+            </a:pPr>
+            <a:r>
+              <a:rPr lang="bg-BG" sz="2800" b="1" dirty="0">
+                <a:solidFill>
+                  <a:srgbClr val="FFFFFF"/>
+                </a:solidFill>
+                <a:effectLst>
+                  <a:outerShdw blurRad="38100" dist="38100" dir="2700000" algn="tl">
+                    <a:srgbClr val="000000">
+                      <a:alpha val="43137"/>
+                    </a:srgbClr>
+                  </a:outerShdw>
+                </a:effectLst>
+              </a:rPr>
+              <a:t>сортираме ги</a:t>
+            </a:r>
+          </a:p>
+          <a:p>
+            <a:pPr marL="514350" indent="-514350" algn="ctr">
+              <a:buAutoNum type="arabicPeriod"/>
+            </a:pPr>
+            <a:r>
+              <a:rPr lang="bg-BG" sz="2800" b="1" dirty="0">
+                <a:solidFill>
+                  <a:srgbClr val="FFFFFF"/>
+                </a:solidFill>
+                <a:effectLst>
+                  <a:outerShdw blurRad="38100" dist="38100" dir="2700000" algn="tl">
+                    <a:srgbClr val="000000">
+                      <a:alpha val="43137"/>
+                    </a:srgbClr>
+                  </a:outerShdw>
+                </a:effectLst>
+              </a:rPr>
+              <a:t>показваме ги в таблицата</a:t>
+            </a:r>
+            <a:endParaRPr lang="en-US" sz="2800" b="1" dirty="0">
+              <a:solidFill>
+                <a:srgbClr val="FFFFFF"/>
+              </a:solidFill>
+              <a:effectLst>
+                <a:outerShdw blurRad="38100" dist="38100" dir="2700000" algn="tl">
+                  <a:srgbClr val="000000">
+                    <a:alpha val="43137"/>
+                  </a:srgbClr>
+                </a:outerShdw>
+              </a:effectLst>
+            </a:endParaRPr>
           </a:p>
         </p:txBody>
       </p:sp>
@@ -19629,7 +23522,7 @@
 </p:sld>
 </file>
 
-<file path=ppt/slides/slide28.xml><?xml version="1.0" encoding="utf-8"?>
+<file path=ppt/slides/slide34.xml><?xml version="1.0" encoding="utf-8"?>
 <p:sld xmlns:a="http://schemas.openxmlformats.org/drawingml/2006/main" xmlns:r="http://schemas.openxmlformats.org/officeDocument/2006/relationships" xmlns:p="http://schemas.openxmlformats.org/presentationml/2006/main">
   <p:cSld>
     <p:spTree>
@@ -19670,7 +23563,7 @@
             <a:fld id="{2BF067CD-8E6B-4360-9AA8-C5DF2A48A6D1}" type="slidenum">
               <a:rPr lang="en-US" noProof="0" smtClean="0"/>
               <a:pPr/>
-              <a:t>28</a:t>
+              <a:t>34</a:t>
             </a:fld>
             <a:endParaRPr lang="en-US" noProof="0" dirty="0"/>
           </a:p>
@@ -20133,6 +24026,82 @@
               </a:rPr>
               <a:t>}</a:t>
             </a:r>
+          </a:p>
+        </p:txBody>
+      </p:sp>
+      <p:sp>
+        <p:nvSpPr>
+          <p:cNvPr id="3" name="Rectangle: Rounded Corners 2">
+            <a:extLst>
+              <a:ext uri="{FF2B5EF4-FFF2-40B4-BE49-F238E27FC236}">
+                <a16:creationId xmlns:a16="http://schemas.microsoft.com/office/drawing/2014/main" id="{4C9FC108-5A90-9B1A-4664-E70DA36E5FE4}"/>
+              </a:ext>
+            </a:extLst>
+          </p:cNvPr>
+          <p:cNvSpPr/>
+          <p:nvPr/>
+        </p:nvSpPr>
+        <p:spPr bwMode="auto">
+          <a:xfrm>
+            <a:off x="5801338" y="1449000"/>
+            <a:ext cx="5966606" cy="1457125"/>
+          </a:xfrm>
+          <a:prstGeom prst="roundRect">
+            <a:avLst/>
+          </a:prstGeom>
+          <a:ln/>
+        </p:spPr>
+        <p:style>
+          <a:lnRef idx="0">
+            <a:schemeClr val="accent2"/>
+          </a:lnRef>
+          <a:fillRef idx="3">
+            <a:schemeClr val="accent2"/>
+          </a:fillRef>
+          <a:effectRef idx="3">
+            <a:schemeClr val="accent2"/>
+          </a:effectRef>
+          <a:fontRef idx="minor">
+            <a:schemeClr val="lt1"/>
+          </a:fontRef>
+        </p:style>
+        <p:txBody>
+          <a:bodyPr rot="0" spcFirstLastPara="0" vertOverflow="overflow" horzOverflow="overflow" vert="horz" wrap="square" lIns="91440" tIns="45720" rIns="91440" bIns="45720" numCol="1" spcCol="0" rtlCol="0" fromWordArt="0" anchor="ctr" anchorCtr="0" forceAA="0" compatLnSpc="1">
+            <a:prstTxWarp prst="textNoShape">
+              <a:avLst/>
+            </a:prstTxWarp>
+            <a:noAutofit/>
+          </a:bodyPr>
+          <a:lstStyle/>
+          <a:p>
+            <a:pPr algn="ctr"/>
+            <a:r>
+              <a:rPr lang="bg-BG" sz="2800" b="1" dirty="0">
+                <a:solidFill>
+                  <a:srgbClr val="FFFFFF"/>
+                </a:solidFill>
+                <a:effectLst>
+                  <a:outerShdw blurRad="38100" dist="38100" dir="2700000" algn="tl">
+                    <a:srgbClr val="000000">
+                      <a:alpha val="43137"/>
+                    </a:srgbClr>
+                  </a:outerShdw>
+                </a:effectLst>
+              </a:rPr>
+              <a:t>Да се направи да прима като вход държавите и като изход да връща същите държави, но сортирани.</a:t>
+            </a:r>
+            <a:endParaRPr lang="en-US" sz="2800" b="1" dirty="0">
+              <a:solidFill>
+                <a:srgbClr val="FFFFFF"/>
+              </a:solidFill>
+              <a:effectLst>
+                <a:outerShdw blurRad="38100" dist="38100" dir="2700000" algn="tl">
+                  <a:srgbClr val="000000">
+                    <a:alpha val="43137"/>
+                  </a:srgbClr>
+                </a:outerShdw>
+              </a:effectLst>
+            </a:endParaRPr>
           </a:p>
         </p:txBody>
       </p:sp>
@@ -20238,7 +24207,365 @@
 </p:sld>
 </file>
 
-<file path=ppt/slides/slide29.xml><?xml version="1.0" encoding="utf-8"?>
+<file path=ppt/slides/slide35.xml><?xml version="1.0" encoding="utf-8"?>
+<p:sld xmlns:a="http://schemas.openxmlformats.org/drawingml/2006/main" xmlns:r="http://schemas.openxmlformats.org/officeDocument/2006/relationships" xmlns:p="http://schemas.openxmlformats.org/presentationml/2006/main">
+  <p:cSld>
+    <p:spTree>
+      <p:nvGrpSpPr>
+        <p:cNvPr id="1" name=""/>
+        <p:cNvGrpSpPr/>
+        <p:nvPr/>
+      </p:nvGrpSpPr>
+      <p:grpSpPr>
+        <a:xfrm>
+          <a:off x="0" y="0"/>
+          <a:ext cx="0" cy="0"/>
+          <a:chOff x="0" y="0"/>
+          <a:chExt cx="0" cy="0"/>
+        </a:xfrm>
+      </p:grpSpPr>
+      <p:sp>
+        <p:nvSpPr>
+          <p:cNvPr id="2" name="Slide Number Placeholder 1">
+            <a:extLst>
+              <a:ext uri="{FF2B5EF4-FFF2-40B4-BE49-F238E27FC236}">
+                <a16:creationId xmlns:a16="http://schemas.microsoft.com/office/drawing/2014/main" id="{19F4C4F9-F53D-7EEC-5982-91B898AF1E6C}"/>
+              </a:ext>
+            </a:extLst>
+          </p:cNvPr>
+          <p:cNvSpPr>
+            <a:spLocks noGrp="1"/>
+          </p:cNvSpPr>
+          <p:nvPr>
+            <p:ph type="sldNum" sz="quarter" idx="5"/>
+          </p:nvPr>
+        </p:nvSpPr>
+        <p:spPr/>
+        <p:txBody>
+          <a:bodyPr/>
+          <a:lstStyle/>
+          <a:p>
+            <a:fld id="{2BF067CD-8E6B-4360-9AA8-C5DF2A48A6D1}" type="slidenum">
+              <a:rPr lang="en-US" noProof="0" smtClean="0"/>
+              <a:pPr/>
+              <a:t>35</a:t>
+            </a:fld>
+            <a:endParaRPr lang="en-US" noProof="0" dirty="0"/>
+          </a:p>
+        </p:txBody>
+      </p:sp>
+      <p:sp>
+        <p:nvSpPr>
+          <p:cNvPr id="3" name="Text Placeholder 2">
+            <a:extLst>
+              <a:ext uri="{FF2B5EF4-FFF2-40B4-BE49-F238E27FC236}">
+                <a16:creationId xmlns:a16="http://schemas.microsoft.com/office/drawing/2014/main" id="{FED6ED38-FD85-4591-4D7F-4004114D8CA1}"/>
+              </a:ext>
+            </a:extLst>
+          </p:cNvPr>
+          <p:cNvSpPr>
+            <a:spLocks noGrp="1"/>
+          </p:cNvSpPr>
+          <p:nvPr>
+            <p:ph type="body" sz="quarter" idx="10"/>
+          </p:nvPr>
+        </p:nvSpPr>
+        <p:spPr/>
+        <p:txBody>
+          <a:bodyPr>
+            <a:normAutofit lnSpcReduction="10000"/>
+          </a:bodyPr>
+          <a:lstStyle/>
+          <a:p>
+            <a:r>
+              <a:rPr lang="en-US" sz="3600" b="1" dirty="0" err="1"/>
+              <a:t>textBoxFilter</a:t>
+            </a:r>
+            <a:r>
+              <a:rPr lang="bg-BG" sz="3600" b="1" dirty="0"/>
+              <a:t>_</a:t>
+            </a:r>
+            <a:r>
+              <a:rPr lang="en-US" sz="3600" b="1" dirty="0" err="1">
+                <a:solidFill>
+                  <a:schemeClr val="bg1"/>
+                </a:solidFill>
+                <a:latin typeface="Consolas" panose="020B0609020204030204" pitchFamily="49" charset="0"/>
+                <a:cs typeface="Consolas" panose="020B0609020204030204" pitchFamily="49" charset="0"/>
+              </a:rPr>
+              <a:t>TextChanged</a:t>
+            </a:r>
+            <a:r>
+              <a:rPr lang="en-US" sz="3600" b="1" dirty="0">
+                <a:solidFill>
+                  <a:schemeClr val="bg1"/>
+                </a:solidFill>
+                <a:latin typeface="Calibri" panose="020F0502020204030204" pitchFamily="34" charset="0"/>
+                <a:cs typeface="Calibri" panose="020F0502020204030204" pitchFamily="34" charset="0"/>
+              </a:rPr>
+              <a:t> </a:t>
+            </a:r>
+            <a:r>
+              <a:rPr lang="bg-BG" sz="3600" b="1" dirty="0">
+                <a:solidFill>
+                  <a:schemeClr val="bg1"/>
+                </a:solidFill>
+                <a:latin typeface="Calibri" panose="020F0502020204030204" pitchFamily="34" charset="0"/>
+                <a:cs typeface="Calibri" panose="020F0502020204030204" pitchFamily="34" charset="0"/>
+                <a:sym typeface="Wingdings" panose="05000000000000000000" pitchFamily="2" charset="2"/>
+              </a:rPr>
+              <a:t> </a:t>
+            </a:r>
+            <a:r>
+              <a:rPr lang="en-US" sz="3600" b="1" dirty="0" err="1">
+                <a:solidFill>
+                  <a:schemeClr val="bg1"/>
+                </a:solidFill>
+                <a:latin typeface="Calibri" panose="020F0502020204030204" pitchFamily="34" charset="0"/>
+                <a:cs typeface="Calibri" panose="020F0502020204030204" pitchFamily="34" charset="0"/>
+                <a:sym typeface="Wingdings" panose="05000000000000000000" pitchFamily="2" charset="2"/>
+              </a:rPr>
+              <a:t>filterAndSortCountries</a:t>
+            </a:r>
+            <a:r>
+              <a:rPr lang="en-US" sz="3600" b="1" dirty="0">
+                <a:solidFill>
+                  <a:schemeClr val="bg1"/>
+                </a:solidFill>
+                <a:latin typeface="Calibri" panose="020F0502020204030204" pitchFamily="34" charset="0"/>
+                <a:cs typeface="Calibri" panose="020F0502020204030204" pitchFamily="34" charset="0"/>
+                <a:sym typeface="Wingdings" panose="05000000000000000000" pitchFamily="2" charset="2"/>
+              </a:rPr>
+              <a:t>()</a:t>
+            </a:r>
+          </a:p>
+          <a:p>
+            <a:r>
+              <a:rPr lang="en-GB" sz="3600" b="1" dirty="0" err="1">
+                <a:effectLst/>
+                <a:latin typeface="Consolas" panose="020B0609020204030204" pitchFamily="49" charset="0"/>
+                <a:cs typeface="Consolas" panose="020B0609020204030204" pitchFamily="49" charset="0"/>
+              </a:rPr>
+              <a:t>comboBoxSort_SelectedIndexChanged</a:t>
+            </a:r>
+            <a:r>
+              <a:rPr lang="bg-BG" sz="3600" b="1" dirty="0">
+                <a:solidFill>
+                  <a:schemeClr val="bg1"/>
+                </a:solidFill>
+                <a:latin typeface="Calibri" panose="020F0502020204030204" pitchFamily="34" charset="0"/>
+                <a:cs typeface="Calibri" panose="020F0502020204030204" pitchFamily="34" charset="0"/>
+                <a:sym typeface="Wingdings" panose="05000000000000000000" pitchFamily="2" charset="2"/>
+              </a:rPr>
+              <a:t>  </a:t>
+            </a:r>
+            <a:r>
+              <a:rPr lang="en-US" sz="3600" b="1" dirty="0" err="1">
+                <a:solidFill>
+                  <a:schemeClr val="bg1"/>
+                </a:solidFill>
+                <a:latin typeface="Calibri" panose="020F0502020204030204" pitchFamily="34" charset="0"/>
+                <a:cs typeface="Calibri" panose="020F0502020204030204" pitchFamily="34" charset="0"/>
+                <a:sym typeface="Wingdings" panose="05000000000000000000" pitchFamily="2" charset="2"/>
+              </a:rPr>
+              <a:t>filterAndSortCountries</a:t>
+            </a:r>
+            <a:r>
+              <a:rPr lang="en-US" sz="3600" b="1" dirty="0">
+                <a:solidFill>
+                  <a:schemeClr val="bg1"/>
+                </a:solidFill>
+                <a:latin typeface="Calibri" panose="020F0502020204030204" pitchFamily="34" charset="0"/>
+                <a:cs typeface="Calibri" panose="020F0502020204030204" pitchFamily="34" charset="0"/>
+                <a:sym typeface="Wingdings" panose="05000000000000000000" pitchFamily="2" charset="2"/>
+              </a:rPr>
+              <a:t>()</a:t>
+            </a:r>
+          </a:p>
+          <a:p>
+            <a:r>
+              <a:rPr lang="en-US" sz="3600" b="1" dirty="0" err="1">
+                <a:solidFill>
+                  <a:schemeClr val="bg1"/>
+                </a:solidFill>
+                <a:latin typeface="Calibri" panose="020F0502020204030204" pitchFamily="34" charset="0"/>
+                <a:cs typeface="Calibri" panose="020F0502020204030204" pitchFamily="34" charset="0"/>
+                <a:sym typeface="Wingdings" panose="05000000000000000000" pitchFamily="2" charset="2"/>
+              </a:rPr>
+              <a:t>filterAndSortCountries</a:t>
+            </a:r>
+            <a:r>
+              <a:rPr lang="en-US" sz="3600" b="1" dirty="0">
+                <a:solidFill>
+                  <a:schemeClr val="bg1"/>
+                </a:solidFill>
+                <a:latin typeface="Calibri" panose="020F0502020204030204" pitchFamily="34" charset="0"/>
+                <a:cs typeface="Calibri" panose="020F0502020204030204" pitchFamily="34" charset="0"/>
+                <a:sym typeface="Wingdings" panose="05000000000000000000" pitchFamily="2" charset="2"/>
+              </a:rPr>
+              <a:t>() </a:t>
+            </a:r>
+          </a:p>
+          <a:p>
+            <a:pPr marL="957262" lvl="1" indent="-514350">
+              <a:buFont typeface="+mj-lt"/>
+              <a:buAutoNum type="arabicPeriod"/>
+            </a:pPr>
+            <a:r>
+              <a:rPr lang="bg-BG" sz="3400" b="1" dirty="0">
+                <a:solidFill>
+                  <a:schemeClr val="bg1"/>
+                </a:solidFill>
+                <a:latin typeface="Calibri" panose="020F0502020204030204" pitchFamily="34" charset="0"/>
+                <a:cs typeface="Calibri" panose="020F0502020204030204" pitchFamily="34" charset="0"/>
+                <a:sym typeface="Wingdings" panose="05000000000000000000" pitchFamily="2" charset="2"/>
+              </a:rPr>
+              <a:t>взимаме всички държави</a:t>
+            </a:r>
+            <a:endParaRPr lang="en-US" sz="3400" b="1" dirty="0">
+              <a:solidFill>
+                <a:schemeClr val="bg1"/>
+              </a:solidFill>
+              <a:latin typeface="Calibri" panose="020F0502020204030204" pitchFamily="34" charset="0"/>
+              <a:cs typeface="Calibri" panose="020F0502020204030204" pitchFamily="34" charset="0"/>
+              <a:sym typeface="Wingdings" panose="05000000000000000000" pitchFamily="2" charset="2"/>
+            </a:endParaRPr>
+          </a:p>
+          <a:p>
+            <a:pPr marL="957262" lvl="1" indent="-514350">
+              <a:buFont typeface="+mj-lt"/>
+              <a:buAutoNum type="arabicPeriod"/>
+            </a:pPr>
+            <a:r>
+              <a:rPr lang="bg-BG" sz="3400" b="1" dirty="0">
+                <a:solidFill>
+                  <a:schemeClr val="bg1"/>
+                </a:solidFill>
+                <a:latin typeface="Calibri" panose="020F0502020204030204" pitchFamily="34" charset="0"/>
+                <a:cs typeface="Calibri" panose="020F0502020204030204" pitchFamily="34" charset="0"/>
+                <a:sym typeface="Wingdings" panose="05000000000000000000" pitchFamily="2" charset="2"/>
+              </a:rPr>
+              <a:t>прилагаме филтъра за име на държава</a:t>
+            </a:r>
+          </a:p>
+          <a:p>
+            <a:pPr marL="957262" lvl="1" indent="-514350">
+              <a:buFont typeface="+mj-lt"/>
+              <a:buAutoNum type="arabicPeriod"/>
+            </a:pPr>
+            <a:r>
+              <a:rPr lang="bg-BG" sz="3400" b="1" dirty="0">
+                <a:solidFill>
+                  <a:schemeClr val="bg1"/>
+                </a:solidFill>
+                <a:latin typeface="Calibri" panose="020F0502020204030204" pitchFamily="34" charset="0"/>
+                <a:cs typeface="Calibri" panose="020F0502020204030204" pitchFamily="34" charset="0"/>
+                <a:sym typeface="Wingdings" panose="05000000000000000000" pitchFamily="2" charset="2"/>
+              </a:rPr>
+              <a:t>прилагаме критерия за сортиране</a:t>
+            </a:r>
+          </a:p>
+          <a:p>
+            <a:pPr marL="957262" lvl="1" indent="-514350">
+              <a:buFont typeface="+mj-lt"/>
+              <a:buAutoNum type="arabicPeriod"/>
+            </a:pPr>
+            <a:r>
+              <a:rPr lang="bg-BG" sz="3400" b="1" dirty="0">
+                <a:solidFill>
+                  <a:schemeClr val="bg1"/>
+                </a:solidFill>
+                <a:latin typeface="Calibri" panose="020F0502020204030204" pitchFamily="34" charset="0"/>
+                <a:cs typeface="Calibri" panose="020F0502020204030204" pitchFamily="34" charset="0"/>
+                <a:sym typeface="Wingdings" panose="05000000000000000000" pitchFamily="2" charset="2"/>
+              </a:rPr>
+              <a:t>обновяване таблицата (</a:t>
+            </a:r>
+            <a:r>
+              <a:rPr lang="en-US" sz="3400" b="1" dirty="0" err="1">
+                <a:solidFill>
+                  <a:schemeClr val="bg1"/>
+                </a:solidFill>
+                <a:latin typeface="Calibri" panose="020F0502020204030204" pitchFamily="34" charset="0"/>
+                <a:cs typeface="Calibri" panose="020F0502020204030204" pitchFamily="34" charset="0"/>
+                <a:sym typeface="Wingdings" panose="05000000000000000000" pitchFamily="2" charset="2"/>
+              </a:rPr>
+              <a:t>datasource</a:t>
+            </a:r>
+            <a:r>
+              <a:rPr lang="bg-BG" sz="3400" b="1" dirty="0">
+                <a:solidFill>
+                  <a:schemeClr val="bg1"/>
+                </a:solidFill>
+                <a:latin typeface="Calibri" panose="020F0502020204030204" pitchFamily="34" charset="0"/>
+                <a:cs typeface="Calibri" panose="020F0502020204030204" pitchFamily="34" charset="0"/>
+                <a:sym typeface="Wingdings" panose="05000000000000000000" pitchFamily="2" charset="2"/>
+              </a:rPr>
+              <a:t>)</a:t>
+            </a:r>
+          </a:p>
+          <a:p>
+            <a:pPr marL="0" indent="0">
+              <a:buNone/>
+            </a:pPr>
+            <a:endParaRPr lang="bg-BG" sz="3600" b="1" dirty="0"/>
+          </a:p>
+          <a:p>
+            <a:endParaRPr lang="en-US" dirty="0"/>
+          </a:p>
+        </p:txBody>
+      </p:sp>
+      <p:sp>
+        <p:nvSpPr>
+          <p:cNvPr id="4" name="Title 3">
+            <a:extLst>
+              <a:ext uri="{FF2B5EF4-FFF2-40B4-BE49-F238E27FC236}">
+                <a16:creationId xmlns:a16="http://schemas.microsoft.com/office/drawing/2014/main" id="{B6A97C9D-5CE3-A2C8-5F4B-D652EEE4A21A}"/>
+              </a:ext>
+            </a:extLst>
+          </p:cNvPr>
+          <p:cNvSpPr>
+            <a:spLocks noGrp="1"/>
+          </p:cNvSpPr>
+          <p:nvPr>
+            <p:ph type="title"/>
+          </p:nvPr>
+        </p:nvSpPr>
+        <p:spPr/>
+        <p:txBody>
+          <a:bodyPr/>
+          <a:lstStyle/>
+          <a:p>
+            <a:r>
+              <a:rPr lang="bg-BG" dirty="0"/>
+              <a:t>Обединяване на сортиране и филтриране</a:t>
+            </a:r>
+            <a:endParaRPr lang="en-US" dirty="0"/>
+          </a:p>
+        </p:txBody>
+      </p:sp>
+    </p:spTree>
+    <p:extLst>
+      <p:ext uri="{BB962C8B-B14F-4D97-AF65-F5344CB8AC3E}">
+        <p14:creationId xmlns:p14="http://schemas.microsoft.com/office/powerpoint/2010/main" val="391277340"/>
+      </p:ext>
+    </p:extLst>
+  </p:cSld>
+  <p:clrMapOvr>
+    <a:masterClrMapping/>
+  </p:clrMapOvr>
+  <mc:AlternateContent xmlns:mc="http://schemas.openxmlformats.org/markup-compatibility/2006" xmlns:p14="http://schemas.microsoft.com/office/powerpoint/2010/main">
+    <mc:Choice Requires="p14">
+      <p:transition spd="slow" p14:dur="2000" advClick="0" advTm="5000"/>
+    </mc:Choice>
+    <mc:Fallback xmlns="">
+      <p:transition spd="slow" advClick="0" advTm="5000"/>
+    </mc:Fallback>
+  </mc:AlternateContent>
+</p:sld>
+</file>
+
+<file path=ppt/slides/slide36.xml><?xml version="1.0" encoding="utf-8"?>
 <p:sld xmlns:a="http://schemas.openxmlformats.org/drawingml/2006/main" xmlns:r="http://schemas.openxmlformats.org/officeDocument/2006/relationships" xmlns:p="http://schemas.openxmlformats.org/presentationml/2006/main">
   <p:cSld>
     <p:spTree>
@@ -20279,7 +24606,7 @@
             <a:fld id="{2BF067CD-8E6B-4360-9AA8-C5DF2A48A6D1}" type="slidenum">
               <a:rPr lang="en-US" noProof="0" smtClean="0"/>
               <a:pPr/>
-              <a:t>29</a:t>
+              <a:t>36</a:t>
             </a:fld>
             <a:endParaRPr lang="en-US" noProof="0" dirty="0"/>
           </a:p>
@@ -20632,143 +24959,7 @@
 </p:sld>
 </file>
 
-<file path=ppt/slides/slide3.xml><?xml version="1.0" encoding="utf-8"?>
-<p:sld xmlns:a="http://schemas.openxmlformats.org/drawingml/2006/main" xmlns:r="http://schemas.openxmlformats.org/officeDocument/2006/relationships" xmlns:p="http://schemas.openxmlformats.org/presentationml/2006/main">
-  <p:cSld>
-    <p:spTree>
-      <p:nvGrpSpPr>
-        <p:cNvPr id="1" name=""/>
-        <p:cNvGrpSpPr/>
-        <p:nvPr/>
-      </p:nvGrpSpPr>
-      <p:grpSpPr>
-        <a:xfrm>
-          <a:off x="0" y="0"/>
-          <a:ext cx="0" cy="0"/>
-          <a:chOff x="0" y="0"/>
-          <a:chExt cx="0" cy="0"/>
-        </a:xfrm>
-      </p:grpSpPr>
-      <p:sp>
-        <p:nvSpPr>
-          <p:cNvPr id="4" name="Slide Subtitle">
-            <a:extLst>
-              <a:ext uri="{FF2B5EF4-FFF2-40B4-BE49-F238E27FC236}">
-                <a16:creationId xmlns:a16="http://schemas.microsoft.com/office/drawing/2014/main" id="{BEB5BB41-09D4-4E9F-8C80-EE8709171CB3}"/>
-              </a:ext>
-            </a:extLst>
-          </p:cNvPr>
-          <p:cNvSpPr>
-            <a:spLocks noGrp="1"/>
-          </p:cNvSpPr>
-          <p:nvPr>
-            <p:ph type="subTitle" sz="quarter" idx="11"/>
-          </p:nvPr>
-        </p:nvSpPr>
-        <p:spPr/>
-        <p:txBody>
-          <a:bodyPr/>
-          <a:lstStyle/>
-          <a:p>
-            <a:r>
-              <a:rPr lang="en-US" dirty="0"/>
-              <a:t>One-to-Many</a:t>
-            </a:r>
-            <a:endParaRPr lang="bg-BG" dirty="0"/>
-          </a:p>
-        </p:txBody>
-      </p:sp>
-      <p:sp>
-        <p:nvSpPr>
-          <p:cNvPr id="6" name="Slide Title">
-            <a:extLst>
-              <a:ext uri="{FF2B5EF4-FFF2-40B4-BE49-F238E27FC236}">
-                <a16:creationId xmlns:a16="http://schemas.microsoft.com/office/drawing/2014/main" id="{028D9EA3-B5E0-4F17-9467-4BE3C280DA68}"/>
-              </a:ext>
-            </a:extLst>
-          </p:cNvPr>
-          <p:cNvSpPr>
-            <a:spLocks noGrp="1"/>
-          </p:cNvSpPr>
-          <p:nvPr>
-            <p:ph type="title" sz="quarter" idx="10"/>
-          </p:nvPr>
-        </p:nvSpPr>
-        <p:spPr/>
-        <p:txBody>
-          <a:bodyPr/>
-          <a:lstStyle/>
-          <a:p>
-            <a:r>
-              <a:rPr lang="en-US" sz="4400" dirty="0"/>
-              <a:t>Master-Detail </a:t>
-            </a:r>
-            <a:r>
-              <a:rPr lang="bg-BG" sz="4400" dirty="0"/>
-              <a:t>навигация</a:t>
-            </a:r>
-            <a:endParaRPr lang="en-US" sz="4400" dirty="0"/>
-          </a:p>
-        </p:txBody>
-      </p:sp>
-      <p:pic>
-        <p:nvPicPr>
-          <p:cNvPr id="3" name="Picture 2">
-            <a:extLst>
-              <a:ext uri="{FF2B5EF4-FFF2-40B4-BE49-F238E27FC236}">
-                <a16:creationId xmlns:a16="http://schemas.microsoft.com/office/drawing/2014/main" id="{3140AC4E-61A8-4E3D-EA31-230A1A7440DC}"/>
-              </a:ext>
-            </a:extLst>
-          </p:cNvPr>
-          <p:cNvPicPr>
-            <a:picLocks noChangeAspect="1"/>
-          </p:cNvPicPr>
-          <p:nvPr/>
-        </p:nvPicPr>
-        <p:blipFill>
-          <a:blip r:embed="rId3">
-            <a:extLst>
-              <a:ext uri="{28A0092B-C50C-407E-A947-70E740481C1C}">
-                <a14:useLocalDpi xmlns:a14="http://schemas.microsoft.com/office/drawing/2010/main" val="0"/>
-              </a:ext>
-            </a:extLst>
-          </a:blip>
-          <a:stretch>
-            <a:fillRect/>
-          </a:stretch>
-        </p:blipFill>
-        <p:spPr>
-          <a:xfrm>
-            <a:off x="4719685" y="1686661"/>
-            <a:ext cx="2752629" cy="1823616"/>
-          </a:xfrm>
-          <a:prstGeom prst="rect">
-            <a:avLst/>
-          </a:prstGeom>
-        </p:spPr>
-      </p:pic>
-    </p:spTree>
-    <p:extLst>
-      <p:ext uri="{BB962C8B-B14F-4D97-AF65-F5344CB8AC3E}">
-        <p14:creationId xmlns:p14="http://schemas.microsoft.com/office/powerpoint/2010/main" val="882194472"/>
-      </p:ext>
-    </p:extLst>
-  </p:cSld>
-  <p:clrMapOvr>
-    <a:masterClrMapping/>
-  </p:clrMapOvr>
-  <mc:AlternateContent xmlns:mc="http://schemas.openxmlformats.org/markup-compatibility/2006" xmlns:p14="http://schemas.microsoft.com/office/powerpoint/2010/main">
-    <mc:Choice Requires="p14">
-      <p:transition spd="slow" p14:dur="2000" advClick="0" advTm="5000"/>
-    </mc:Choice>
-    <mc:Fallback xmlns="">
-      <p:transition spd="slow" advClick="0" advTm="5000"/>
-    </mc:Fallback>
-  </mc:AlternateContent>
-</p:sld>
-</file>
-
-<file path=ppt/slides/slide30.xml><?xml version="1.0" encoding="utf-8"?>
+<file path=ppt/slides/slide37.xml><?xml version="1.0" encoding="utf-8"?>
 <p:sld xmlns:a="http://schemas.openxmlformats.org/drawingml/2006/main" xmlns:r="http://schemas.openxmlformats.org/officeDocument/2006/relationships" xmlns:p="http://schemas.openxmlformats.org/presentationml/2006/main">
   <p:cSld>
     <p:spTree>
@@ -20809,7 +25000,7 @@
             <a:fld id="{2BF067CD-8E6B-4360-9AA8-C5DF2A48A6D1}" type="slidenum">
               <a:rPr lang="en-US" noProof="0" smtClean="0"/>
               <a:pPr/>
-              <a:t>30</a:t>
+              <a:t>37</a:t>
             </a:fld>
             <a:endParaRPr lang="en-US" noProof="0" dirty="0"/>
           </a:p>
@@ -21062,7 +25253,7 @@
 </p:sld>
 </file>
 
-<file path=ppt/slides/slide31.xml><?xml version="1.0" encoding="utf-8"?>
+<file path=ppt/slides/slide38.xml><?xml version="1.0" encoding="utf-8"?>
 <p:sld xmlns:a="http://schemas.openxmlformats.org/drawingml/2006/main" xmlns:r="http://schemas.openxmlformats.org/officeDocument/2006/relationships" xmlns:p="http://schemas.openxmlformats.org/presentationml/2006/main">
   <p:cSld>
     <p:spTree>
@@ -21658,7 +25849,7 @@
             <a:fld id="{2BF067CD-8E6B-4360-9AA8-C5DF2A48A6D1}" type="slidenum">
               <a:rPr lang="en-US" noProof="0" smtClean="0"/>
               <a:pPr/>
-              <a:t>31</a:t>
+              <a:t>38</a:t>
             </a:fld>
             <a:endParaRPr lang="en-US" noProof="0" dirty="0"/>
           </a:p>
@@ -22022,7 +26213,7 @@
 </p:sld>
 </file>
 
-<file path=ppt/slides/slide32.xml><?xml version="1.0" encoding="utf-8"?>
+<file path=ppt/slides/slide39.xml><?xml version="1.0" encoding="utf-8"?>
 <p:sld xmlns:a="http://schemas.openxmlformats.org/drawingml/2006/main" xmlns:r="http://schemas.openxmlformats.org/officeDocument/2006/relationships" xmlns:p="http://schemas.openxmlformats.org/presentationml/2006/main">
   <p:cSld>
     <p:spTree>
@@ -22195,389 +26386,6 @@
     <p:extLst>
       <p:ext uri="{BB962C8B-B14F-4D97-AF65-F5344CB8AC3E}">
         <p14:creationId xmlns:p14="http://schemas.microsoft.com/office/powerpoint/2010/main" val="1472534970"/>
-      </p:ext>
-    </p:extLst>
-  </p:cSld>
-  <p:clrMapOvr>
-    <a:masterClrMapping/>
-  </p:clrMapOvr>
-  <mc:AlternateContent xmlns:mc="http://schemas.openxmlformats.org/markup-compatibility/2006" xmlns:p14="http://schemas.microsoft.com/office/powerpoint/2010/main">
-    <mc:Choice Requires="p14">
-      <p:transition spd="slow" p14:dur="2000" advClick="0" advTm="5000"/>
-    </mc:Choice>
-    <mc:Fallback xmlns="">
-      <p:transition spd="slow" advClick="0" advTm="5000"/>
-    </mc:Fallback>
-  </mc:AlternateContent>
-</p:sld>
-</file>
-
-<file path=ppt/slides/slide33.xml><?xml version="1.0" encoding="utf-8"?>
-<p:sld xmlns:a="http://schemas.openxmlformats.org/drawingml/2006/main" xmlns:r="http://schemas.openxmlformats.org/officeDocument/2006/relationships" xmlns:p="http://schemas.openxmlformats.org/presentationml/2006/main">
-  <p:cSld>
-    <p:spTree>
-      <p:nvGrpSpPr>
-        <p:cNvPr id="1" name=""/>
-        <p:cNvGrpSpPr/>
-        <p:nvPr/>
-      </p:nvGrpSpPr>
-      <p:grpSpPr>
-        <a:xfrm>
-          <a:off x="0" y="0"/>
-          <a:ext cx="0" cy="0"/>
-          <a:chOff x="0" y="0"/>
-          <a:chExt cx="0" cy="0"/>
-        </a:xfrm>
-      </p:grpSpPr>
-      <p:sp>
-        <p:nvSpPr>
-          <p:cNvPr id="5" name="Slide Number">
-            <a:extLst>
-              <a:ext uri="{FF2B5EF4-FFF2-40B4-BE49-F238E27FC236}">
-                <a16:creationId xmlns:a16="http://schemas.microsoft.com/office/drawing/2014/main" id="{F48C3C93-90A1-4D31-BEA6-B54D1106CE31}"/>
-              </a:ext>
-            </a:extLst>
-          </p:cNvPr>
-          <p:cNvSpPr>
-            <a:spLocks noGrp="1"/>
-          </p:cNvSpPr>
-          <p:nvPr>
-            <p:ph type="sldNum" sz="quarter" idx="5"/>
-          </p:nvPr>
-        </p:nvSpPr>
-        <p:spPr>
-          <a:xfrm>
-            <a:off x="11753030" y="6507000"/>
-            <a:ext cx="367414" cy="297000"/>
-          </a:xfrm>
-          <a:prstGeom prst="rect">
-            <a:avLst/>
-          </a:prstGeom>
-        </p:spPr>
-        <p:txBody>
-          <a:bodyPr vert="horz" lIns="91440" tIns="45720" rIns="91440" bIns="45720" rtlCol="0" anchor="b"/>
-          <a:lstStyle>
-            <a:lvl1pPr algn="r">
-              <a:defRPr sz="1000"/>
-            </a:lvl1pPr>
-          </a:lstStyle>
-          <a:p>
-            <a:fld id="{2BF067CD-8E6B-4360-9AA8-C5DF2A48A6D1}" type="slidenum">
-              <a:rPr lang="en-US" smtClean="0"/>
-              <a:pPr/>
-              <a:t>33</a:t>
-            </a:fld>
-            <a:endParaRPr lang="en-US" dirty="0"/>
-          </a:p>
-        </p:txBody>
-      </p:sp>
-      <p:sp>
-        <p:nvSpPr>
-          <p:cNvPr id="2" name="Slide Body">
-            <a:extLst>
-              <a:ext uri="{FF2B5EF4-FFF2-40B4-BE49-F238E27FC236}">
-                <a16:creationId xmlns:a16="http://schemas.microsoft.com/office/drawing/2014/main" id="{980F49B1-E4BE-4389-A747-7AB9B71AD920}"/>
-              </a:ext>
-            </a:extLst>
-          </p:cNvPr>
-          <p:cNvSpPr>
-            <a:spLocks noGrp="1"/>
-          </p:cNvSpPr>
-          <p:nvPr>
-            <p:ph type="body" sz="quarter" idx="10"/>
-          </p:nvPr>
-        </p:nvSpPr>
-        <p:spPr>
-          <a:xfrm>
-            <a:off x="190402" y="1269001"/>
-            <a:ext cx="9865598" cy="2474999"/>
-          </a:xfrm>
-        </p:spPr>
-        <p:txBody>
-          <a:bodyPr>
-            <a:normAutofit/>
-          </a:bodyPr>
-          <a:lstStyle/>
-          <a:p>
-            <a:pPr>
-              <a:lnSpc>
-                <a:spcPct val="120000"/>
-              </a:lnSpc>
-            </a:pPr>
-            <a:r>
-              <a:rPr lang="bg-BG" sz="3200" dirty="0"/>
-              <a:t>Този курс</a:t>
-            </a:r>
-            <a:r>
-              <a:rPr lang="en-US" sz="3200" dirty="0"/>
-              <a:t> (</a:t>
-            </a:r>
-            <a:r>
-              <a:rPr lang="bg-BG" sz="3200" dirty="0"/>
-              <a:t>презентации, примери, демонстрационен код, упражнения, домашни, видео и други активи</a:t>
-            </a:r>
-            <a:r>
-              <a:rPr lang="en-US" sz="3200" dirty="0"/>
-              <a:t>) </a:t>
-            </a:r>
-            <a:r>
-              <a:rPr lang="bg-BG" sz="3200" dirty="0"/>
-              <a:t>представлява</a:t>
-            </a:r>
-            <a:r>
-              <a:rPr lang="en-US" sz="3200" dirty="0"/>
-              <a:t> </a:t>
-            </a:r>
-            <a:r>
-              <a:rPr lang="bg-BG" sz="3200" b="1" dirty="0"/>
-              <a:t>свободно учебно съдържание </a:t>
-            </a:r>
-            <a:r>
-              <a:rPr lang="bg-BG" sz="3200" dirty="0"/>
-              <a:t>и се разпространява под свободен лиценз </a:t>
-            </a:r>
-            <a:r>
-              <a:rPr lang="en-US" sz="3200" b="1" dirty="0"/>
-              <a:t>CC-BY-NC-SA</a:t>
-            </a:r>
-            <a:endParaRPr lang="bg-BG" sz="3200" dirty="0"/>
-          </a:p>
-        </p:txBody>
-      </p:sp>
-      <p:pic>
-        <p:nvPicPr>
-          <p:cNvPr id="6" name="Picture License" descr="License">
-            <a:extLst>
-              <a:ext uri="{FF2B5EF4-FFF2-40B4-BE49-F238E27FC236}">
-                <a16:creationId xmlns:a16="http://schemas.microsoft.com/office/drawing/2014/main" id="{82BA520F-A037-4E01-AA18-27D9F1E930A6}"/>
-              </a:ext>
-            </a:extLst>
-          </p:cNvPr>
-          <p:cNvPicPr>
-            <a:picLocks noChangeAspect="1"/>
-          </p:cNvPicPr>
-          <p:nvPr/>
-        </p:nvPicPr>
-        <p:blipFill>
-          <a:blip r:embed="rId3">
-            <a:clrChange>
-              <a:clrFrom>
-                <a:srgbClr val="FFFFFF"/>
-              </a:clrFrom>
-              <a:clrTo>
-                <a:srgbClr val="FFFFFF">
-                  <a:alpha val="0"/>
-                </a:srgbClr>
-              </a:clrTo>
-            </a:clrChange>
-          </a:blip>
-          <a:stretch>
-            <a:fillRect/>
-          </a:stretch>
-        </p:blipFill>
-        <p:spPr>
-          <a:xfrm>
-            <a:off x="10226175" y="1440120"/>
-            <a:ext cx="1198986" cy="1268880"/>
-          </a:xfrm>
-          <a:prstGeom prst="rect">
-            <a:avLst/>
-          </a:prstGeom>
-        </p:spPr>
-      </p:pic>
-      <p:sp>
-        <p:nvSpPr>
-          <p:cNvPr id="3" name="Slide Title">
-            <a:extLst>
-              <a:ext uri="{FF2B5EF4-FFF2-40B4-BE49-F238E27FC236}">
-                <a16:creationId xmlns:a16="http://schemas.microsoft.com/office/drawing/2014/main" id="{E5F1FB41-80C3-4816-BC47-CCC50632E6E8}"/>
-              </a:ext>
-            </a:extLst>
-          </p:cNvPr>
-          <p:cNvSpPr>
-            <a:spLocks noGrp="1"/>
-          </p:cNvSpPr>
-          <p:nvPr>
-            <p:ph type="title"/>
-          </p:nvPr>
-        </p:nvSpPr>
-        <p:spPr/>
-        <p:txBody>
-          <a:bodyPr/>
-          <a:lstStyle/>
-          <a:p>
-            <a:r>
-              <a:rPr lang="bg-BG" dirty="0"/>
-              <a:t>Лиценз</a:t>
-            </a:r>
-          </a:p>
-        </p:txBody>
-      </p:sp>
-      <p:sp>
-        <p:nvSpPr>
-          <p:cNvPr id="11" name="TextBox 10">
-            <a:extLst>
-              <a:ext uri="{FF2B5EF4-FFF2-40B4-BE49-F238E27FC236}">
-                <a16:creationId xmlns:a16="http://schemas.microsoft.com/office/drawing/2014/main" id="{0C18DF19-B750-4C88-975B-661A6BF61F5E}"/>
-              </a:ext>
-            </a:extLst>
-          </p:cNvPr>
-          <p:cNvSpPr txBox="1"/>
-          <p:nvPr/>
-        </p:nvSpPr>
-        <p:spPr>
-          <a:xfrm>
-            <a:off x="190401" y="3927519"/>
-            <a:ext cx="11710599" cy="1979644"/>
-          </a:xfrm>
-          <a:prstGeom prst="rect">
-            <a:avLst/>
-          </a:prstGeom>
-          <a:noFill/>
-          <a:ln w="12700">
-            <a:noFill/>
-          </a:ln>
-        </p:spPr>
-        <p:txBody>
-          <a:bodyPr wrap="square">
-            <a:spAutoFit/>
-          </a:bodyPr>
-          <a:lstStyle/>
-          <a:p>
-            <a:pPr marL="360363" indent="-360363" defTabSz="1218438">
-              <a:lnSpc>
-                <a:spcPct val="120000"/>
-              </a:lnSpc>
-              <a:spcBef>
-                <a:spcPts val="600"/>
-              </a:spcBef>
-              <a:spcAft>
-                <a:spcPts val="600"/>
-              </a:spcAft>
-              <a:buFont typeface="Wingdings" panose="05000000000000000000" pitchFamily="2" charset="2"/>
-              <a:buChar char="§"/>
-              <a:defRPr/>
-            </a:pPr>
-            <a:r>
-              <a:rPr lang="bg-BG" sz="3200" dirty="0"/>
-              <a:t>Проект "</a:t>
-            </a:r>
-            <a:r>
-              <a:rPr lang="bg-BG" sz="3200" b="1" dirty="0"/>
-              <a:t>Отворено учебно съдържание по програмиране и ИТ</a:t>
-            </a:r>
-            <a:r>
-              <a:rPr lang="bg-BG" sz="3200" dirty="0"/>
-              <a:t>" към Фондация "Софтуерен университет"</a:t>
-            </a:r>
-            <a:r>
-              <a:rPr lang="en-US" sz="3200" dirty="0"/>
-              <a:t>:</a:t>
-            </a:r>
-            <a:endParaRPr lang="bg-BG" sz="3200" dirty="0"/>
-          </a:p>
-          <a:p>
-            <a:pPr marL="817563" lvl="1" indent="-360363" defTabSz="1218438">
-              <a:lnSpc>
-                <a:spcPct val="120000"/>
-              </a:lnSpc>
-              <a:spcBef>
-                <a:spcPts val="600"/>
-              </a:spcBef>
-              <a:spcAft>
-                <a:spcPts val="600"/>
-              </a:spcAft>
-              <a:buFont typeface="Wingdings" panose="05000000000000000000" pitchFamily="2" charset="2"/>
-              <a:buChar char="§"/>
-              <a:defRPr/>
-            </a:pPr>
-            <a:r>
-              <a:rPr kumimoji="0" lang="en-US" sz="3200" b="0" i="0" u="none" strike="noStrike" kern="1200" cap="none" spc="0" normalizeH="0" baseline="0" noProof="0" dirty="0">
-                <a:ln>
-                  <a:noFill/>
-                </a:ln>
-                <a:solidFill>
-                  <a:srgbClr val="234465"/>
-                </a:solidFill>
-                <a:effectLst/>
-                <a:uLnTx/>
-                <a:uFillTx/>
-                <a:latin typeface="Calibri"/>
-                <a:ea typeface="+mn-ea"/>
-                <a:cs typeface="+mn-cs"/>
-                <a:hlinkClick r:id="rId4"/>
-              </a:rPr>
-              <a:t>https://github.com/BG-IT-Edu</a:t>
-            </a:r>
-            <a:endParaRPr kumimoji="0" lang="bg-BG" sz="3200" b="0" i="0" u="none" strike="noStrike" kern="1200" cap="none" spc="0" normalizeH="0" baseline="0" noProof="0" dirty="0">
-              <a:ln>
-                <a:noFill/>
-              </a:ln>
-              <a:solidFill>
-                <a:srgbClr val="234465"/>
-              </a:solidFill>
-              <a:effectLst/>
-              <a:uLnTx/>
-              <a:uFillTx/>
-              <a:latin typeface="Calibri"/>
-              <a:ea typeface="+mn-ea"/>
-              <a:cs typeface="+mn-cs"/>
-            </a:endParaRPr>
-          </a:p>
-        </p:txBody>
-      </p:sp>
-      <p:pic>
-        <p:nvPicPr>
-          <p:cNvPr id="7" name="Picture 6" title="CC-BY-NC-SA License">
-            <a:hlinkClick r:id="rId5" tooltip="This work is licensed under the &quot;Creative Commons Attribution-NonCommercial-ShareAlike 4.0 International&quot; license"/>
-            <a:extLst>
-              <a:ext uri="{FF2B5EF4-FFF2-40B4-BE49-F238E27FC236}">
-                <a16:creationId xmlns:a16="http://schemas.microsoft.com/office/drawing/2014/main" id="{F6C77C47-F7D8-A176-5C69-7FDE5C7E8003}"/>
-              </a:ext>
-            </a:extLst>
-          </p:cNvPr>
-          <p:cNvPicPr>
-            <a:picLocks noChangeAspect="1" noChangeArrowheads="1"/>
-          </p:cNvPicPr>
-          <p:nvPr/>
-        </p:nvPicPr>
-        <p:blipFill>
-          <a:blip r:embed="rId6">
-            <a:extLst>
-              <a:ext uri="{28A0092B-C50C-407E-A947-70E740481C1C}">
-                <a14:useLocalDpi xmlns:a14="http://schemas.microsoft.com/office/drawing/2010/main"/>
-              </a:ext>
-            </a:extLst>
-          </a:blip>
-          <a:srcRect/>
-          <a:stretch>
-            <a:fillRect/>
-          </a:stretch>
-        </p:blipFill>
-        <p:spPr bwMode="auto">
-          <a:xfrm>
-            <a:off x="9831000" y="2908593"/>
-            <a:ext cx="1989336" cy="696022"/>
-          </a:xfrm>
-          <a:prstGeom prst="roundRect">
-            <a:avLst>
-              <a:gd name="adj" fmla="val 3940"/>
-            </a:avLst>
-          </a:prstGeom>
-          <a:solidFill>
-            <a:srgbClr val="231F20">
-              <a:alpha val="50000"/>
-            </a:srgbClr>
-          </a:solidFill>
-          <a:ln>
-            <a:noFill/>
-          </a:ln>
-        </p:spPr>
-      </p:pic>
-    </p:spTree>
-    <p:extLst>
-      <p:ext uri="{BB962C8B-B14F-4D97-AF65-F5344CB8AC3E}">
-        <p14:creationId xmlns:p14="http://schemas.microsoft.com/office/powerpoint/2010/main" val="3879276042"/>
       </p:ext>
     </p:extLst>
   </p:cSld>
@@ -22661,7 +26469,7 @@
         <p:spPr>
           <a:xfrm>
             <a:off x="190402" y="1196125"/>
-            <a:ext cx="5320599" cy="5528766"/>
+            <a:ext cx="6085598" cy="5528766"/>
           </a:xfrm>
         </p:spPr>
         <p:txBody>
@@ -23097,7 +26905,624 @@
 </p:sld>
 </file>
 
+<file path=ppt/slides/slide40.xml><?xml version="1.0" encoding="utf-8"?>
+<p:sld xmlns:a="http://schemas.openxmlformats.org/drawingml/2006/main" xmlns:r="http://schemas.openxmlformats.org/officeDocument/2006/relationships" xmlns:p="http://schemas.openxmlformats.org/presentationml/2006/main">
+  <p:cSld>
+    <p:spTree>
+      <p:nvGrpSpPr>
+        <p:cNvPr id="1" name=""/>
+        <p:cNvGrpSpPr/>
+        <p:nvPr/>
+      </p:nvGrpSpPr>
+      <p:grpSpPr>
+        <a:xfrm>
+          <a:off x="0" y="0"/>
+          <a:ext cx="0" cy="0"/>
+          <a:chOff x="0" y="0"/>
+          <a:chExt cx="0" cy="0"/>
+        </a:xfrm>
+      </p:grpSpPr>
+      <p:sp>
+        <p:nvSpPr>
+          <p:cNvPr id="5" name="Slide Number">
+            <a:extLst>
+              <a:ext uri="{FF2B5EF4-FFF2-40B4-BE49-F238E27FC236}">
+                <a16:creationId xmlns:a16="http://schemas.microsoft.com/office/drawing/2014/main" id="{F48C3C93-90A1-4D31-BEA6-B54D1106CE31}"/>
+              </a:ext>
+            </a:extLst>
+          </p:cNvPr>
+          <p:cNvSpPr>
+            <a:spLocks noGrp="1"/>
+          </p:cNvSpPr>
+          <p:nvPr>
+            <p:ph type="sldNum" sz="quarter" idx="5"/>
+          </p:nvPr>
+        </p:nvSpPr>
+        <p:spPr>
+          <a:xfrm>
+            <a:off x="11753030" y="6507000"/>
+            <a:ext cx="367414" cy="297000"/>
+          </a:xfrm>
+          <a:prstGeom prst="rect">
+            <a:avLst/>
+          </a:prstGeom>
+        </p:spPr>
+        <p:txBody>
+          <a:bodyPr vert="horz" lIns="91440" tIns="45720" rIns="91440" bIns="45720" rtlCol="0" anchor="b"/>
+          <a:lstStyle>
+            <a:lvl1pPr algn="r">
+              <a:defRPr sz="1000"/>
+            </a:lvl1pPr>
+          </a:lstStyle>
+          <a:p>
+            <a:fld id="{2BF067CD-8E6B-4360-9AA8-C5DF2A48A6D1}" type="slidenum">
+              <a:rPr lang="en-US" smtClean="0"/>
+              <a:pPr/>
+              <a:t>40</a:t>
+            </a:fld>
+            <a:endParaRPr lang="en-US" dirty="0"/>
+          </a:p>
+        </p:txBody>
+      </p:sp>
+      <p:sp>
+        <p:nvSpPr>
+          <p:cNvPr id="2" name="Slide Body">
+            <a:extLst>
+              <a:ext uri="{FF2B5EF4-FFF2-40B4-BE49-F238E27FC236}">
+                <a16:creationId xmlns:a16="http://schemas.microsoft.com/office/drawing/2014/main" id="{980F49B1-E4BE-4389-A747-7AB9B71AD920}"/>
+              </a:ext>
+            </a:extLst>
+          </p:cNvPr>
+          <p:cNvSpPr>
+            <a:spLocks noGrp="1"/>
+          </p:cNvSpPr>
+          <p:nvPr>
+            <p:ph type="body" sz="quarter" idx="10"/>
+          </p:nvPr>
+        </p:nvSpPr>
+        <p:spPr>
+          <a:xfrm>
+            <a:off x="190402" y="1269001"/>
+            <a:ext cx="9865598" cy="2474999"/>
+          </a:xfrm>
+        </p:spPr>
+        <p:txBody>
+          <a:bodyPr>
+            <a:normAutofit/>
+          </a:bodyPr>
+          <a:lstStyle/>
+          <a:p>
+            <a:pPr>
+              <a:lnSpc>
+                <a:spcPct val="120000"/>
+              </a:lnSpc>
+            </a:pPr>
+            <a:r>
+              <a:rPr lang="bg-BG" sz="3200" dirty="0"/>
+              <a:t>Този курс</a:t>
+            </a:r>
+            <a:r>
+              <a:rPr lang="en-US" sz="3200" dirty="0"/>
+              <a:t> (</a:t>
+            </a:r>
+            <a:r>
+              <a:rPr lang="bg-BG" sz="3200" dirty="0"/>
+              <a:t>презентации, примери, демонстрационен код, упражнения, домашни, видео и други активи</a:t>
+            </a:r>
+            <a:r>
+              <a:rPr lang="en-US" sz="3200" dirty="0"/>
+              <a:t>) </a:t>
+            </a:r>
+            <a:r>
+              <a:rPr lang="bg-BG" sz="3200" dirty="0"/>
+              <a:t>представлява</a:t>
+            </a:r>
+            <a:r>
+              <a:rPr lang="en-US" sz="3200" dirty="0"/>
+              <a:t> </a:t>
+            </a:r>
+            <a:r>
+              <a:rPr lang="bg-BG" sz="3200" b="1" dirty="0"/>
+              <a:t>свободно учебно съдържание </a:t>
+            </a:r>
+            <a:r>
+              <a:rPr lang="bg-BG" sz="3200" dirty="0"/>
+              <a:t>и се разпространява под свободен лиценз </a:t>
+            </a:r>
+            <a:r>
+              <a:rPr lang="en-US" sz="3200" b="1" dirty="0"/>
+              <a:t>CC-BY-NC-SA</a:t>
+            </a:r>
+            <a:endParaRPr lang="bg-BG" sz="3200" dirty="0"/>
+          </a:p>
+        </p:txBody>
+      </p:sp>
+      <p:pic>
+        <p:nvPicPr>
+          <p:cNvPr id="6" name="Picture License" descr="License">
+            <a:extLst>
+              <a:ext uri="{FF2B5EF4-FFF2-40B4-BE49-F238E27FC236}">
+                <a16:creationId xmlns:a16="http://schemas.microsoft.com/office/drawing/2014/main" id="{82BA520F-A037-4E01-AA18-27D9F1E930A6}"/>
+              </a:ext>
+            </a:extLst>
+          </p:cNvPr>
+          <p:cNvPicPr>
+            <a:picLocks noChangeAspect="1"/>
+          </p:cNvPicPr>
+          <p:nvPr/>
+        </p:nvPicPr>
+        <p:blipFill>
+          <a:blip r:embed="rId3">
+            <a:clrChange>
+              <a:clrFrom>
+                <a:srgbClr val="FFFFFF"/>
+              </a:clrFrom>
+              <a:clrTo>
+                <a:srgbClr val="FFFFFF">
+                  <a:alpha val="0"/>
+                </a:srgbClr>
+              </a:clrTo>
+            </a:clrChange>
+          </a:blip>
+          <a:stretch>
+            <a:fillRect/>
+          </a:stretch>
+        </p:blipFill>
+        <p:spPr>
+          <a:xfrm>
+            <a:off x="10226175" y="1440120"/>
+            <a:ext cx="1198986" cy="1268880"/>
+          </a:xfrm>
+          <a:prstGeom prst="rect">
+            <a:avLst/>
+          </a:prstGeom>
+        </p:spPr>
+      </p:pic>
+      <p:sp>
+        <p:nvSpPr>
+          <p:cNvPr id="3" name="Slide Title">
+            <a:extLst>
+              <a:ext uri="{FF2B5EF4-FFF2-40B4-BE49-F238E27FC236}">
+                <a16:creationId xmlns:a16="http://schemas.microsoft.com/office/drawing/2014/main" id="{E5F1FB41-80C3-4816-BC47-CCC50632E6E8}"/>
+              </a:ext>
+            </a:extLst>
+          </p:cNvPr>
+          <p:cNvSpPr>
+            <a:spLocks noGrp="1"/>
+          </p:cNvSpPr>
+          <p:nvPr>
+            <p:ph type="title"/>
+          </p:nvPr>
+        </p:nvSpPr>
+        <p:spPr/>
+        <p:txBody>
+          <a:bodyPr/>
+          <a:lstStyle/>
+          <a:p>
+            <a:r>
+              <a:rPr lang="bg-BG" dirty="0"/>
+              <a:t>Лиценз</a:t>
+            </a:r>
+          </a:p>
+        </p:txBody>
+      </p:sp>
+      <p:sp>
+        <p:nvSpPr>
+          <p:cNvPr id="11" name="TextBox 10">
+            <a:extLst>
+              <a:ext uri="{FF2B5EF4-FFF2-40B4-BE49-F238E27FC236}">
+                <a16:creationId xmlns:a16="http://schemas.microsoft.com/office/drawing/2014/main" id="{0C18DF19-B750-4C88-975B-661A6BF61F5E}"/>
+              </a:ext>
+            </a:extLst>
+          </p:cNvPr>
+          <p:cNvSpPr txBox="1"/>
+          <p:nvPr/>
+        </p:nvSpPr>
+        <p:spPr>
+          <a:xfrm>
+            <a:off x="190401" y="3927519"/>
+            <a:ext cx="11710599" cy="1979644"/>
+          </a:xfrm>
+          <a:prstGeom prst="rect">
+            <a:avLst/>
+          </a:prstGeom>
+          <a:noFill/>
+          <a:ln w="12700">
+            <a:noFill/>
+          </a:ln>
+        </p:spPr>
+        <p:txBody>
+          <a:bodyPr wrap="square">
+            <a:spAutoFit/>
+          </a:bodyPr>
+          <a:lstStyle/>
+          <a:p>
+            <a:pPr marL="360363" indent="-360363" defTabSz="1218438">
+              <a:lnSpc>
+                <a:spcPct val="120000"/>
+              </a:lnSpc>
+              <a:spcBef>
+                <a:spcPts val="600"/>
+              </a:spcBef>
+              <a:spcAft>
+                <a:spcPts val="600"/>
+              </a:spcAft>
+              <a:buFont typeface="Wingdings" panose="05000000000000000000" pitchFamily="2" charset="2"/>
+              <a:buChar char="§"/>
+              <a:defRPr/>
+            </a:pPr>
+            <a:r>
+              <a:rPr lang="bg-BG" sz="3200" dirty="0"/>
+              <a:t>Проект "</a:t>
+            </a:r>
+            <a:r>
+              <a:rPr lang="bg-BG" sz="3200" b="1" dirty="0"/>
+              <a:t>Отворено учебно съдържание по програмиране и ИТ</a:t>
+            </a:r>
+            <a:r>
+              <a:rPr lang="bg-BG" sz="3200" dirty="0"/>
+              <a:t>" към Фондация "Софтуерен университет"</a:t>
+            </a:r>
+            <a:r>
+              <a:rPr lang="en-US" sz="3200" dirty="0"/>
+              <a:t>:</a:t>
+            </a:r>
+            <a:endParaRPr lang="bg-BG" sz="3200" dirty="0"/>
+          </a:p>
+          <a:p>
+            <a:pPr marL="817563" lvl="1" indent="-360363" defTabSz="1218438">
+              <a:lnSpc>
+                <a:spcPct val="120000"/>
+              </a:lnSpc>
+              <a:spcBef>
+                <a:spcPts val="600"/>
+              </a:spcBef>
+              <a:spcAft>
+                <a:spcPts val="600"/>
+              </a:spcAft>
+              <a:buFont typeface="Wingdings" panose="05000000000000000000" pitchFamily="2" charset="2"/>
+              <a:buChar char="§"/>
+              <a:defRPr/>
+            </a:pPr>
+            <a:r>
+              <a:rPr kumimoji="0" lang="en-US" sz="3200" b="0" i="0" u="none" strike="noStrike" kern="1200" cap="none" spc="0" normalizeH="0" baseline="0" noProof="0" dirty="0">
+                <a:ln>
+                  <a:noFill/>
+                </a:ln>
+                <a:solidFill>
+                  <a:srgbClr val="234465"/>
+                </a:solidFill>
+                <a:effectLst/>
+                <a:uLnTx/>
+                <a:uFillTx/>
+                <a:latin typeface="Calibri"/>
+                <a:ea typeface="+mn-ea"/>
+                <a:cs typeface="+mn-cs"/>
+                <a:hlinkClick r:id="rId4"/>
+              </a:rPr>
+              <a:t>https://github.com/BG-IT-Edu</a:t>
+            </a:r>
+            <a:endParaRPr kumimoji="0" lang="bg-BG" sz="3200" b="0" i="0" u="none" strike="noStrike" kern="1200" cap="none" spc="0" normalizeH="0" baseline="0" noProof="0" dirty="0">
+              <a:ln>
+                <a:noFill/>
+              </a:ln>
+              <a:solidFill>
+                <a:srgbClr val="234465"/>
+              </a:solidFill>
+              <a:effectLst/>
+              <a:uLnTx/>
+              <a:uFillTx/>
+              <a:latin typeface="Calibri"/>
+              <a:ea typeface="+mn-ea"/>
+              <a:cs typeface="+mn-cs"/>
+            </a:endParaRPr>
+          </a:p>
+        </p:txBody>
+      </p:sp>
+      <p:pic>
+        <p:nvPicPr>
+          <p:cNvPr id="7" name="Picture 6" title="CC-BY-NC-SA License">
+            <a:hlinkClick r:id="rId5" tooltip="This work is licensed under the &quot;Creative Commons Attribution-NonCommercial-ShareAlike 4.0 International&quot; license"/>
+            <a:extLst>
+              <a:ext uri="{FF2B5EF4-FFF2-40B4-BE49-F238E27FC236}">
+                <a16:creationId xmlns:a16="http://schemas.microsoft.com/office/drawing/2014/main" id="{F6C77C47-F7D8-A176-5C69-7FDE5C7E8003}"/>
+              </a:ext>
+            </a:extLst>
+          </p:cNvPr>
+          <p:cNvPicPr>
+            <a:picLocks noChangeAspect="1" noChangeArrowheads="1"/>
+          </p:cNvPicPr>
+          <p:nvPr/>
+        </p:nvPicPr>
+        <p:blipFill>
+          <a:blip r:embed="rId6">
+            <a:extLst>
+              <a:ext uri="{28A0092B-C50C-407E-A947-70E740481C1C}">
+                <a14:useLocalDpi xmlns:a14="http://schemas.microsoft.com/office/drawing/2010/main"/>
+              </a:ext>
+            </a:extLst>
+          </a:blip>
+          <a:srcRect/>
+          <a:stretch>
+            <a:fillRect/>
+          </a:stretch>
+        </p:blipFill>
+        <p:spPr bwMode="auto">
+          <a:xfrm>
+            <a:off x="9831000" y="2908593"/>
+            <a:ext cx="1989336" cy="696022"/>
+          </a:xfrm>
+          <a:prstGeom prst="roundRect">
+            <a:avLst>
+              <a:gd name="adj" fmla="val 3940"/>
+            </a:avLst>
+          </a:prstGeom>
+          <a:solidFill>
+            <a:srgbClr val="231F20">
+              <a:alpha val="50000"/>
+            </a:srgbClr>
+          </a:solidFill>
+          <a:ln>
+            <a:noFill/>
+          </a:ln>
+        </p:spPr>
+      </p:pic>
+    </p:spTree>
+    <p:extLst>
+      <p:ext uri="{BB962C8B-B14F-4D97-AF65-F5344CB8AC3E}">
+        <p14:creationId xmlns:p14="http://schemas.microsoft.com/office/powerpoint/2010/main" val="3879276042"/>
+      </p:ext>
+    </p:extLst>
+  </p:cSld>
+  <p:clrMapOvr>
+    <a:masterClrMapping/>
+  </p:clrMapOvr>
+  <mc:AlternateContent xmlns:mc="http://schemas.openxmlformats.org/markup-compatibility/2006" xmlns:p14="http://schemas.microsoft.com/office/powerpoint/2010/main">
+    <mc:Choice Requires="p14">
+      <p:transition spd="slow" p14:dur="2000" advClick="0" advTm="5000"/>
+    </mc:Choice>
+    <mc:Fallback xmlns="">
+      <p:transition spd="slow" advClick="0" advTm="5000"/>
+    </mc:Fallback>
+  </mc:AlternateContent>
+</p:sld>
+</file>
+
 <file path=ppt/slides/slide5.xml><?xml version="1.0" encoding="utf-8"?>
+<p:sld xmlns:a="http://schemas.openxmlformats.org/drawingml/2006/main" xmlns:r="http://schemas.openxmlformats.org/officeDocument/2006/relationships" xmlns:p="http://schemas.openxmlformats.org/presentationml/2006/main">
+  <p:cSld>
+    <p:spTree>
+      <p:nvGrpSpPr>
+        <p:cNvPr id="1" name=""/>
+        <p:cNvGrpSpPr/>
+        <p:nvPr/>
+      </p:nvGrpSpPr>
+      <p:grpSpPr>
+        <a:xfrm>
+          <a:off x="0" y="0"/>
+          <a:ext cx="0" cy="0"/>
+          <a:chOff x="0" y="0"/>
+          <a:chExt cx="0" cy="0"/>
+        </a:xfrm>
+      </p:grpSpPr>
+      <p:sp>
+        <p:nvSpPr>
+          <p:cNvPr id="2" name="Slide Number Placeholder 1">
+            <a:extLst>
+              <a:ext uri="{FF2B5EF4-FFF2-40B4-BE49-F238E27FC236}">
+                <a16:creationId xmlns:a16="http://schemas.microsoft.com/office/drawing/2014/main" id="{B34B90F7-766C-F2DB-E487-C25796FD1E5E}"/>
+              </a:ext>
+            </a:extLst>
+          </p:cNvPr>
+          <p:cNvSpPr>
+            <a:spLocks noGrp="1"/>
+          </p:cNvSpPr>
+          <p:nvPr>
+            <p:ph type="sldNum" sz="quarter" idx="5"/>
+          </p:nvPr>
+        </p:nvSpPr>
+        <p:spPr/>
+        <p:txBody>
+          <a:bodyPr/>
+          <a:lstStyle/>
+          <a:p>
+            <a:fld id="{2BF067CD-8E6B-4360-9AA8-C5DF2A48A6D1}" type="slidenum">
+              <a:rPr lang="en-US" noProof="0" smtClean="0"/>
+              <a:pPr/>
+              <a:t>5</a:t>
+            </a:fld>
+            <a:endParaRPr lang="en-US" noProof="0" dirty="0"/>
+          </a:p>
+        </p:txBody>
+      </p:sp>
+      <p:sp>
+        <p:nvSpPr>
+          <p:cNvPr id="3" name="Text Placeholder 2">
+            <a:extLst>
+              <a:ext uri="{FF2B5EF4-FFF2-40B4-BE49-F238E27FC236}">
+                <a16:creationId xmlns:a16="http://schemas.microsoft.com/office/drawing/2014/main" id="{BCDF97D3-1924-7744-5353-5E6272E4284B}"/>
+              </a:ext>
+            </a:extLst>
+          </p:cNvPr>
+          <p:cNvSpPr>
+            <a:spLocks noGrp="1"/>
+          </p:cNvSpPr>
+          <p:nvPr>
+            <p:ph type="body" sz="quarter" idx="10"/>
+          </p:nvPr>
+        </p:nvSpPr>
+        <p:spPr/>
+        <p:txBody>
+          <a:bodyPr/>
+          <a:lstStyle/>
+          <a:p>
+            <a:r>
+              <a:rPr lang="bg-BG" dirty="0">
+                <a:highlight>
+                  <a:srgbClr val="FFFF00"/>
+                </a:highlight>
+              </a:rPr>
+              <a:t>Примерен </a:t>
+            </a:r>
+            <a:r>
+              <a:rPr lang="en-US" dirty="0">
+                <a:highlight>
+                  <a:srgbClr val="FFFF00"/>
+                </a:highlight>
+              </a:rPr>
+              <a:t>screenshot </a:t>
+            </a:r>
+            <a:r>
+              <a:rPr lang="bg-BG" dirty="0">
+                <a:highlight>
+                  <a:srgbClr val="FFFF00"/>
+                </a:highlight>
+              </a:rPr>
+              <a:t>с 2 таблици:</a:t>
+            </a:r>
+          </a:p>
+          <a:p>
+            <a:pPr lvl="1"/>
+            <a:r>
+              <a:rPr lang="en-US" dirty="0">
+                <a:highlight>
+                  <a:srgbClr val="FFFF00"/>
+                </a:highlight>
+              </a:rPr>
+              <a:t>customers </a:t>
+            </a:r>
+            <a:r>
+              <a:rPr lang="en-US" dirty="0">
+                <a:highlight>
+                  <a:srgbClr val="FFFF00"/>
+                </a:highlight>
+                <a:sym typeface="Wingdings" panose="05000000000000000000" pitchFamily="2" charset="2"/>
+              </a:rPr>
+              <a:t> orders</a:t>
+            </a:r>
+          </a:p>
+          <a:p>
+            <a:pPr lvl="1"/>
+            <a:r>
+              <a:rPr lang="bg-BG" dirty="0">
+                <a:highlight>
+                  <a:srgbClr val="FFFF00"/>
+                </a:highlight>
+                <a:sym typeface="Wingdings" panose="05000000000000000000" pitchFamily="2" charset="2"/>
+              </a:rPr>
+              <a:t>нещо подобно на долната картинка:</a:t>
+            </a:r>
+            <a:endParaRPr lang="bg-BG" dirty="0">
+              <a:highlight>
+                <a:srgbClr val="FFFF00"/>
+              </a:highlight>
+            </a:endParaRPr>
+          </a:p>
+          <a:p>
+            <a:endParaRPr lang="en-US" dirty="0"/>
+          </a:p>
+        </p:txBody>
+      </p:sp>
+      <p:sp>
+        <p:nvSpPr>
+          <p:cNvPr id="4" name="Title 3">
+            <a:extLst>
+              <a:ext uri="{FF2B5EF4-FFF2-40B4-BE49-F238E27FC236}">
+                <a16:creationId xmlns:a16="http://schemas.microsoft.com/office/drawing/2014/main" id="{1E8F40FE-7F6B-16B7-CDCB-B72B956FB353}"/>
+              </a:ext>
+            </a:extLst>
+          </p:cNvPr>
+          <p:cNvSpPr>
+            <a:spLocks noGrp="1"/>
+          </p:cNvSpPr>
+          <p:nvPr>
+            <p:ph type="title"/>
+          </p:nvPr>
+        </p:nvSpPr>
+        <p:spPr/>
+        <p:txBody>
+          <a:bodyPr/>
+          <a:lstStyle/>
+          <a:p>
+            <a:r>
+              <a:rPr lang="en-US" dirty="0"/>
+              <a:t>Master-Detail </a:t>
+            </a:r>
+            <a:r>
+              <a:rPr lang="bg-BG" dirty="0"/>
+              <a:t>навигация в действие</a:t>
+            </a:r>
+            <a:endParaRPr lang="en-US" dirty="0"/>
+          </a:p>
+        </p:txBody>
+      </p:sp>
+      <p:pic>
+        <p:nvPicPr>
+          <p:cNvPr id="5" name="Picture 4">
+            <a:extLst>
+              <a:ext uri="{FF2B5EF4-FFF2-40B4-BE49-F238E27FC236}">
+                <a16:creationId xmlns:a16="http://schemas.microsoft.com/office/drawing/2014/main" id="{82D18304-CB9E-D2E3-1F28-F4A56FB0FD11}"/>
+              </a:ext>
+            </a:extLst>
+          </p:cNvPr>
+          <p:cNvPicPr>
+            <a:picLocks noChangeAspect="1"/>
+          </p:cNvPicPr>
+          <p:nvPr/>
+        </p:nvPicPr>
+        <p:blipFill>
+          <a:blip r:embed="rId2">
+            <a:extLst>
+              <a:ext uri="{28A0092B-C50C-407E-A947-70E740481C1C}">
+                <a14:useLocalDpi xmlns:a14="http://schemas.microsoft.com/office/drawing/2010/main" val="0"/>
+              </a:ext>
+            </a:extLst>
+          </a:blip>
+          <a:srcRect t="49" b="49"/>
+          <a:stretch/>
+        </p:blipFill>
+        <p:spPr>
+          <a:xfrm>
+            <a:off x="1146000" y="3609000"/>
+            <a:ext cx="5573931" cy="2673000"/>
+          </a:xfrm>
+          <a:prstGeom prst="rect">
+            <a:avLst/>
+          </a:prstGeom>
+          <a:ln>
+            <a:noFill/>
+          </a:ln>
+          <a:effectLst>
+            <a:outerShdw blurRad="190500" algn="tl" rotWithShape="0">
+              <a:srgbClr val="000000">
+                <a:alpha val="70000"/>
+              </a:srgbClr>
+            </a:outerShdw>
+          </a:effectLst>
+        </p:spPr>
+      </p:pic>
+    </p:spTree>
+    <p:extLst>
+      <p:ext uri="{BB962C8B-B14F-4D97-AF65-F5344CB8AC3E}">
+        <p14:creationId xmlns:p14="http://schemas.microsoft.com/office/powerpoint/2010/main" val="2396296026"/>
+      </p:ext>
+    </p:extLst>
+  </p:cSld>
+  <p:clrMapOvr>
+    <a:masterClrMapping/>
+  </p:clrMapOvr>
+  <mc:AlternateContent xmlns:mc="http://schemas.openxmlformats.org/markup-compatibility/2006" xmlns:p14="http://schemas.microsoft.com/office/powerpoint/2010/main">
+    <mc:Choice Requires="p14">
+      <p:transition spd="slow" p14:dur="2000" advClick="0" advTm="5000"/>
+    </mc:Choice>
+    <mc:Fallback xmlns="">
+      <p:transition spd="slow" advClick="0" advTm="5000"/>
+    </mc:Fallback>
+  </mc:AlternateContent>
+</p:sld>
+</file>
+
+<file path=ppt/slides/slide6.xml><?xml version="1.0" encoding="utf-8"?>
 <p:sld xmlns:a="http://schemas.openxmlformats.org/drawingml/2006/main" xmlns:r="http://schemas.openxmlformats.org/officeDocument/2006/relationships" xmlns:p="http://schemas.openxmlformats.org/presentationml/2006/main">
   <p:cSld>
     <p:spTree>
@@ -23229,6 +27654,142 @@
           </a:p>
         </p:txBody>
       </p:sp>
+      <p:sp>
+        <p:nvSpPr>
+          <p:cNvPr id="3" name="Rectangle: Rounded Corners 2">
+            <a:extLst>
+              <a:ext uri="{FF2B5EF4-FFF2-40B4-BE49-F238E27FC236}">
+                <a16:creationId xmlns:a16="http://schemas.microsoft.com/office/drawing/2014/main" id="{7CF07000-9324-7A30-F67D-BF7563544B17}"/>
+              </a:ext>
+            </a:extLst>
+          </p:cNvPr>
+          <p:cNvSpPr/>
+          <p:nvPr/>
+        </p:nvSpPr>
+        <p:spPr bwMode="auto">
+          <a:xfrm>
+            <a:off x="5016000" y="153627"/>
+            <a:ext cx="6930000" cy="1704796"/>
+          </a:xfrm>
+          <a:prstGeom prst="roundRect">
+            <a:avLst/>
+          </a:prstGeom>
+          <a:ln/>
+        </p:spPr>
+        <p:style>
+          <a:lnRef idx="0">
+            <a:schemeClr val="accent2"/>
+          </a:lnRef>
+          <a:fillRef idx="3">
+            <a:schemeClr val="accent2"/>
+          </a:fillRef>
+          <a:effectRef idx="3">
+            <a:schemeClr val="accent2"/>
+          </a:effectRef>
+          <a:fontRef idx="minor">
+            <a:schemeClr val="lt1"/>
+          </a:fontRef>
+        </p:style>
+        <p:txBody>
+          <a:bodyPr rot="0" spcFirstLastPara="0" vertOverflow="overflow" horzOverflow="overflow" vert="horz" wrap="square" lIns="91440" tIns="45720" rIns="91440" bIns="45720" numCol="1" spcCol="0" rtlCol="0" fromWordArt="0" anchor="ctr" anchorCtr="0" forceAA="0" compatLnSpc="1">
+            <a:prstTxWarp prst="textNoShape">
+              <a:avLst/>
+            </a:prstTxWarp>
+            <a:noAutofit/>
+          </a:bodyPr>
+          <a:lstStyle/>
+          <a:p>
+            <a:pPr algn="ctr"/>
+            <a:r>
+              <a:rPr lang="bg-BG" sz="2800" b="1" dirty="0">
+                <a:solidFill>
+                  <a:srgbClr val="FFFFFF"/>
+                </a:solidFill>
+                <a:effectLst>
+                  <a:outerShdw blurRad="38100" dist="38100" dir="2700000" algn="tl">
+                    <a:srgbClr val="000000">
+                      <a:alpha val="43137"/>
+                    </a:srgbClr>
+                  </a:outerShdw>
+                </a:effectLst>
+              </a:rPr>
+              <a:t>Защо им е на учениците </a:t>
+            </a:r>
+            <a:r>
+              <a:rPr lang="en-US" sz="2800" b="1" dirty="0">
+                <a:solidFill>
+                  <a:srgbClr val="FFFFFF"/>
+                </a:solidFill>
+                <a:effectLst>
+                  <a:outerShdw blurRad="38100" dist="38100" dir="2700000" algn="tl">
+                    <a:srgbClr val="000000">
+                      <a:alpha val="43137"/>
+                    </a:srgbClr>
+                  </a:outerShdw>
+                </a:effectLst>
+              </a:rPr>
+              <a:t>Fluent API</a:t>
+            </a:r>
+            <a:r>
+              <a:rPr lang="bg-BG" sz="2800" b="1" dirty="0">
+                <a:solidFill>
+                  <a:srgbClr val="FFFFFF"/>
+                </a:solidFill>
+                <a:effectLst>
+                  <a:outerShdw blurRad="38100" dist="38100" dir="2700000" algn="tl">
+                    <a:srgbClr val="000000">
+                      <a:alpha val="43137"/>
+                    </a:srgbClr>
+                  </a:outerShdw>
+                </a:effectLst>
+              </a:rPr>
+              <a:t>? Целият курс е изграден върху </a:t>
+            </a:r>
+            <a:r>
+              <a:rPr lang="en-US" sz="2800" b="1" dirty="0">
+                <a:solidFill>
+                  <a:srgbClr val="FFFFFF"/>
+                </a:solidFill>
+                <a:effectLst>
+                  <a:outerShdw blurRad="38100" dist="38100" dir="2700000" algn="tl">
+                    <a:srgbClr val="000000">
+                      <a:alpha val="43137"/>
+                    </a:srgbClr>
+                  </a:outerShdw>
+                </a:effectLst>
+              </a:rPr>
+              <a:t>database first</a:t>
+            </a:r>
+            <a:r>
+              <a:rPr lang="bg-BG" sz="2800" b="1" dirty="0">
+                <a:solidFill>
+                  <a:srgbClr val="FFFFFF"/>
+                </a:solidFill>
+                <a:effectLst>
+                  <a:outerShdw blurRad="38100" dist="38100" dir="2700000" algn="tl">
+                    <a:srgbClr val="000000">
+                      <a:alpha val="43137"/>
+                    </a:srgbClr>
+                  </a:outerShdw>
+                </a:effectLst>
+              </a:rPr>
+              <a:t> подхода.</a:t>
+            </a:r>
+            <a:endParaRPr lang="en-US" sz="2800" b="1" dirty="0">
+              <a:solidFill>
+                <a:srgbClr val="FFFFFF"/>
+              </a:solidFill>
+              <a:effectLst>
+                <a:outerShdw blurRad="38100" dist="38100" dir="2700000" algn="tl">
+                  <a:srgbClr val="000000">
+                    <a:alpha val="43137"/>
+                  </a:srgbClr>
+                </a:outerShdw>
+              </a:effectLst>
+            </a:endParaRPr>
+          </a:p>
+        </p:txBody>
+      </p:sp>
     </p:spTree>
     <p:extLst>
       <p:ext uri="{BB962C8B-B14F-4D97-AF65-F5344CB8AC3E}">
@@ -23250,7 +27811,7 @@
 </p:sld>
 </file>
 
-<file path=ppt/slides/slide6.xml><?xml version="1.0" encoding="utf-8"?>
+<file path=ppt/slides/slide7.xml><?xml version="1.0" encoding="utf-8"?>
 <p:sld xmlns:a="http://schemas.openxmlformats.org/drawingml/2006/main" xmlns:r="http://schemas.openxmlformats.org/officeDocument/2006/relationships" xmlns:p="http://schemas.openxmlformats.org/presentationml/2006/main">
   <p:cSld>
     <p:spTree>
@@ -23291,7 +27852,7 @@
             <a:fld id="{2BF067CD-8E6B-4360-9AA8-C5DF2A48A6D1}" type="slidenum">
               <a:rPr lang="en-US" noProof="0" smtClean="0"/>
               <a:pPr/>
-              <a:t>6</a:t>
+              <a:t>7</a:t>
             </a:fld>
             <a:endParaRPr lang="en-US" noProof="0" dirty="0"/>
           </a:p>
@@ -24113,7 +28674,7 @@
 </p:sld>
 </file>
 
-<file path=ppt/slides/slide7.xml><?xml version="1.0" encoding="utf-8"?>
+<file path=ppt/slides/slide8.xml><?xml version="1.0" encoding="utf-8"?>
 <p:sld xmlns:a="http://schemas.openxmlformats.org/drawingml/2006/main" xmlns:r="http://schemas.openxmlformats.org/officeDocument/2006/relationships" xmlns:p="http://schemas.openxmlformats.org/presentationml/2006/main">
   <p:cSld>
     <p:spTree>
@@ -24376,7 +28937,7 @@
             <a:fld id="{2BF067CD-8E6B-4360-9AA8-C5DF2A48A6D1}" type="slidenum">
               <a:rPr lang="en-US" noProof="0" smtClean="0"/>
               <a:pPr/>
-              <a:t>7</a:t>
+              <a:t>8</a:t>
             </a:fld>
             <a:endParaRPr lang="en-US" noProof="0" dirty="0"/>
           </a:p>
@@ -24708,7 +29269,7 @@
 </p:sld>
 </file>
 
-<file path=ppt/slides/slide8.xml><?xml version="1.0" encoding="utf-8"?>
+<file path=ppt/slides/slide9.xml><?xml version="1.0" encoding="utf-8"?>
 <p:sld xmlns:a="http://schemas.openxmlformats.org/drawingml/2006/main" xmlns:r="http://schemas.openxmlformats.org/officeDocument/2006/relationships" xmlns:p="http://schemas.openxmlformats.org/presentationml/2006/main">
   <p:cSld>
     <p:spTree>
@@ -25094,7 +29655,7 @@
             <a:fld id="{2BF067CD-8E6B-4360-9AA8-C5DF2A48A6D1}" type="slidenum">
               <a:rPr lang="en-US" noProof="0" smtClean="0"/>
               <a:pPr/>
-              <a:t>8</a:t>
+              <a:t>9</a:t>
             </a:fld>
             <a:endParaRPr lang="en-US" noProof="0" dirty="0"/>
           </a:p>
@@ -25276,147 +29837,6 @@
       <p:bldP spid="20" grpId="0" animBg="1"/>
     </p:bldLst>
   </p:timing>
-</p:sld>
-</file>
-
-<file path=ppt/slides/slide9.xml><?xml version="1.0" encoding="utf-8"?>
-<p:sld xmlns:a="http://schemas.openxmlformats.org/drawingml/2006/main" xmlns:r="http://schemas.openxmlformats.org/officeDocument/2006/relationships" xmlns:p="http://schemas.openxmlformats.org/presentationml/2006/main">
-  <p:cSld>
-    <p:spTree>
-      <p:nvGrpSpPr>
-        <p:cNvPr id="1" name=""/>
-        <p:cNvGrpSpPr/>
-        <p:nvPr/>
-      </p:nvGrpSpPr>
-      <p:grpSpPr>
-        <a:xfrm>
-          <a:off x="0" y="0"/>
-          <a:ext cx="0" cy="0"/>
-          <a:chOff x="0" y="0"/>
-          <a:chExt cx="0" cy="0"/>
-        </a:xfrm>
-      </p:grpSpPr>
-      <p:sp>
-        <p:nvSpPr>
-          <p:cNvPr id="4" name="Slide Subtitle">
-            <a:extLst>
-              <a:ext uri="{FF2B5EF4-FFF2-40B4-BE49-F238E27FC236}">
-                <a16:creationId xmlns:a16="http://schemas.microsoft.com/office/drawing/2014/main" id="{BEB5BB41-09D4-4E9F-8C80-EE8709171CB3}"/>
-              </a:ext>
-            </a:extLst>
-          </p:cNvPr>
-          <p:cNvSpPr>
-            <a:spLocks noGrp="1"/>
-          </p:cNvSpPr>
-          <p:nvPr>
-            <p:ph type="subTitle" sz="quarter" idx="11"/>
-          </p:nvPr>
-        </p:nvSpPr>
-        <p:spPr/>
-        <p:txBody>
-          <a:bodyPr/>
-          <a:lstStyle/>
-          <a:p>
-            <a:r>
-              <a:rPr lang="bg-BG" dirty="0"/>
-              <a:t>Анотации за данни</a:t>
-            </a:r>
-          </a:p>
-        </p:txBody>
-      </p:sp>
-      <p:sp>
-        <p:nvSpPr>
-          <p:cNvPr id="6" name="Slide Title">
-            <a:extLst>
-              <a:ext uri="{FF2B5EF4-FFF2-40B4-BE49-F238E27FC236}">
-                <a16:creationId xmlns:a16="http://schemas.microsoft.com/office/drawing/2014/main" id="{028D9EA3-B5E0-4F17-9467-4BE3C280DA68}"/>
-              </a:ext>
-            </a:extLst>
-          </p:cNvPr>
-          <p:cNvSpPr>
-            <a:spLocks noGrp="1"/>
-          </p:cNvSpPr>
-          <p:nvPr>
-            <p:ph type="title" sz="quarter" idx="10"/>
-          </p:nvPr>
-        </p:nvSpPr>
-        <p:spPr/>
-        <p:txBody>
-          <a:bodyPr/>
-          <a:lstStyle/>
-          <a:p>
-            <a:r>
-              <a:rPr lang="bg-BG" sz="4400" dirty="0"/>
-              <a:t>Атрибути в </a:t>
-            </a:r>
-            <a:r>
-              <a:rPr lang="en-US" sz="4400" dirty="0"/>
-              <a:t>Entity Framework Core</a:t>
-            </a:r>
-          </a:p>
-        </p:txBody>
-      </p:sp>
-      <p:pic>
-        <p:nvPicPr>
-          <p:cNvPr id="2" name="Picture 1">
-            <a:extLst>
-              <a:ext uri="{FF2B5EF4-FFF2-40B4-BE49-F238E27FC236}">
-                <a16:creationId xmlns:a16="http://schemas.microsoft.com/office/drawing/2014/main" id="{1C5970DC-D0E1-2341-2957-D0503320D5DE}"/>
-              </a:ext>
-            </a:extLst>
-          </p:cNvPr>
-          <p:cNvPicPr>
-            <a:picLocks noChangeAspect="1"/>
-          </p:cNvPicPr>
-          <p:nvPr/>
-        </p:nvPicPr>
-        <p:blipFill>
-          <a:blip r:embed="rId3">
-            <a:duotone>
-              <a:schemeClr val="accent6">
-                <a:shade val="45000"/>
-                <a:satMod val="135000"/>
-              </a:schemeClr>
-              <a:prstClr val="white"/>
-            </a:duotone>
-            <a:extLst>
-              <a:ext uri="{28A0092B-C50C-407E-A947-70E740481C1C}">
-                <a14:useLocalDpi xmlns:a14="http://schemas.microsoft.com/office/drawing/2010/main" val="0"/>
-              </a:ext>
-            </a:extLst>
-          </a:blip>
-          <a:stretch>
-            <a:fillRect/>
-          </a:stretch>
-        </p:blipFill>
-        <p:spPr>
-          <a:xfrm>
-            <a:off x="4618210" y="1237473"/>
-            <a:ext cx="2888254" cy="2714959"/>
-          </a:xfrm>
-          <a:prstGeom prst="rect">
-            <a:avLst/>
-          </a:prstGeom>
-        </p:spPr>
-      </p:pic>
-    </p:spTree>
-    <p:extLst>
-      <p:ext uri="{BB962C8B-B14F-4D97-AF65-F5344CB8AC3E}">
-        <p14:creationId xmlns:p14="http://schemas.microsoft.com/office/powerpoint/2010/main" val="2641278986"/>
-      </p:ext>
-    </p:extLst>
-  </p:cSld>
-  <p:clrMapOvr>
-    <a:masterClrMapping/>
-  </p:clrMapOvr>
-  <mc:AlternateContent xmlns:mc="http://schemas.openxmlformats.org/markup-compatibility/2006" xmlns:p14="http://schemas.microsoft.com/office/powerpoint/2010/main">
-    <mc:Choice Requires="p14">
-      <p:transition spd="slow" p14:dur="2000" advClick="0" advTm="5000"/>
-    </mc:Choice>
-    <mc:Fallback xmlns="">
-      <p:transition spd="slow" advClick="0" advTm="5000"/>
-    </mc:Fallback>
-  </mc:AlternateContent>
 </p:sld>
 </file>
 

--- a/Courses/Software-Sciences/Module-4-Information-Systems-New/08-Navigation-between-Tables/08-Navigation-between-Tables.pptx
+++ b/Courses/Software-Sciences/Module-4-Information-Systems-New/08-Navigation-between-Tables/08-Navigation-between-Tables.pptx
@@ -5,10 +5,10 @@
     <p:sldMasterId id="2147483675" r:id="rId1"/>
   </p:sldMasterIdLst>
   <p:notesMasterIdLst>
-    <p:notesMasterId r:id="rId33"/>
+    <p:notesMasterId r:id="rId32"/>
   </p:notesMasterIdLst>
   <p:handoutMasterIdLst>
-    <p:handoutMasterId r:id="rId34"/>
+    <p:handoutMasterId r:id="rId33"/>
   </p:handoutMasterIdLst>
   <p:sldIdLst>
     <p:sldId id="503" r:id="rId2"/>
@@ -24,24 +24,23 @@
     <p:sldId id="762" r:id="rId12"/>
     <p:sldId id="763" r:id="rId13"/>
     <p:sldId id="765" r:id="rId14"/>
-    <p:sldId id="766" r:id="rId15"/>
-    <p:sldId id="610" r:id="rId16"/>
-    <p:sldId id="751" r:id="rId17"/>
-    <p:sldId id="752" r:id="rId18"/>
-    <p:sldId id="649" r:id="rId19"/>
-    <p:sldId id="753" r:id="rId20"/>
-    <p:sldId id="758" r:id="rId21"/>
-    <p:sldId id="757" r:id="rId22"/>
-    <p:sldId id="754" r:id="rId23"/>
-    <p:sldId id="768" r:id="rId24"/>
-    <p:sldId id="755" r:id="rId25"/>
-    <p:sldId id="759" r:id="rId26"/>
-    <p:sldId id="767" r:id="rId27"/>
-    <p:sldId id="756" r:id="rId28"/>
-    <p:sldId id="760" r:id="rId29"/>
-    <p:sldId id="633" r:id="rId30"/>
-    <p:sldId id="504" r:id="rId31"/>
-    <p:sldId id="505" r:id="rId32"/>
+    <p:sldId id="610" r:id="rId15"/>
+    <p:sldId id="751" r:id="rId16"/>
+    <p:sldId id="752" r:id="rId17"/>
+    <p:sldId id="649" r:id="rId18"/>
+    <p:sldId id="753" r:id="rId19"/>
+    <p:sldId id="758" r:id="rId20"/>
+    <p:sldId id="757" r:id="rId21"/>
+    <p:sldId id="754" r:id="rId22"/>
+    <p:sldId id="768" r:id="rId23"/>
+    <p:sldId id="755" r:id="rId24"/>
+    <p:sldId id="759" r:id="rId25"/>
+    <p:sldId id="767" r:id="rId26"/>
+    <p:sldId id="756" r:id="rId27"/>
+    <p:sldId id="760" r:id="rId28"/>
+    <p:sldId id="633" r:id="rId29"/>
+    <p:sldId id="504" r:id="rId30"/>
+    <p:sldId id="505" r:id="rId31"/>
   </p:sldIdLst>
   <p:sldSz cx="12192000" cy="6858000"/>
   <p:notesSz cx="6858000" cy="9144000"/>
@@ -170,7 +169,6 @@
           <p14:sldIdLst>
             <p14:sldId id="763"/>
             <p14:sldId id="765"/>
-            <p14:sldId id="766"/>
           </p14:sldIdLst>
         </p14:section>
         <p14:section name="Филтриране и сортиране на таблица" id="{EB44CA50-B176-0C4C-B0D0-5459023C7783}">
@@ -223,6 +221,32 @@
     </p:ext>
   </p:extLst>
 </p:presentation>
+</file>
+
+<file path=ppt/commentAuthors.xml><?xml version="1.0" encoding="utf-8"?>
+<p:cmAuthorLst xmlns:a="http://schemas.openxmlformats.org/drawingml/2006/main" xmlns:r="http://schemas.openxmlformats.org/officeDocument/2006/relationships" xmlns:p="http://schemas.openxmlformats.org/presentationml/2006/main">
+  <p:cmAuthor id="1" name="Mirela Damyanova" initials="MD" lastIdx="1" clrIdx="0">
+    <p:extLst>
+      <p:ext uri="{19B8F6BF-5375-455C-9EA6-DF929625EA0E}">
+        <p15:presenceInfo xmlns:p15="http://schemas.microsoft.com/office/powerpoint/2012/main" userId="Mirela Damyanova" providerId="None"/>
+      </p:ext>
+    </p:extLst>
+  </p:cmAuthor>
+</p:cmAuthorLst>
+</file>
+
+<file path=ppt/comments/comment1.xml><?xml version="1.0" encoding="utf-8"?>
+<p:cmLst xmlns:a="http://schemas.openxmlformats.org/drawingml/2006/main" xmlns:r="http://schemas.openxmlformats.org/officeDocument/2006/relationships" xmlns:p="http://schemas.openxmlformats.org/presentationml/2006/main">
+  <p:cm authorId="1" dt="2024-08-27T13:38:40.704" idx="1">
+    <p:pos x="10" y="10"/>
+    <p:text>Ще се оправи след редактирането на 5 урок</p:text>
+    <p:extLst>
+      <p:ext uri="{C676402C-5697-4E1C-873F-D02D1690AC5C}">
+        <p15:threadingInfo xmlns:p15="http://schemas.microsoft.com/office/powerpoint/2012/main" timeZoneBias="-180"/>
+      </p:ext>
+    </p:extLst>
+  </p:cm>
+</p:cmLst>
 </file>
 
 <file path=ppt/handoutMasters/handoutMaster1.xml><?xml version="1.0" encoding="utf-8"?>
@@ -319,7 +343,7 @@
           <a:p>
             <a:fld id="{4E087215-0C8F-4762-A664-737A353EC9A4}" type="datetimeFigureOut">
               <a:rPr lang="bg-BG" smtClean="0"/>
-              <a:t>16.08.24 г.</a:t>
+              <a:t>22.08.24 г.</a:t>
             </a:fld>
             <a:endParaRPr lang="bg-BG"/>
           </a:p>
@@ -515,7 +539,7 @@
           <a:p>
             <a:fld id="{72D84649-876A-46C9-8472-14CB09C070D8}" type="datetimeFigureOut">
               <a:rPr lang="en-US" smtClean="0"/>
-              <a:t>8/16/24</a:t>
+              <a:t>8/21/24</a:t>
             </a:fld>
             <a:endParaRPr lang="en-US"/>
           </a:p>
@@ -887,7 +911,7 @@
           <a:bodyPr/>
           <a:lstStyle/>
           <a:p>
-            <a:endParaRPr lang="en-US"/>
+            <a:endParaRPr lang="en-US" dirty="0"/>
           </a:p>
         </p:txBody>
       </p:sp>
@@ -987,6 +1011,603 @@
           <a:bodyPr/>
           <a:lstStyle/>
           <a:p>
+            <a:endParaRPr lang="en-BG" dirty="0"/>
+          </a:p>
+        </p:txBody>
+      </p:sp>
+      <p:sp>
+        <p:nvSpPr>
+          <p:cNvPr id="4" name="Slide Number Placeholder 3"/>
+          <p:cNvSpPr>
+            <a:spLocks noGrp="1"/>
+          </p:cNvSpPr>
+          <p:nvPr>
+            <p:ph type="sldNum" sz="quarter" idx="5"/>
+          </p:nvPr>
+        </p:nvSpPr>
+        <p:spPr/>
+        <p:txBody>
+          <a:bodyPr/>
+          <a:lstStyle/>
+          <a:p>
+            <a:fld id="{2BF067CD-8E6B-4360-9AA8-C5DF2A48A6D1}" type="slidenum">
+              <a:rPr lang="en-US" smtClean="0"/>
+              <a:t>27</a:t>
+            </a:fld>
+            <a:endParaRPr lang="en-US" dirty="0"/>
+          </a:p>
+        </p:txBody>
+      </p:sp>
+      <p:sp>
+        <p:nvSpPr>
+          <p:cNvPr id="5" name="Footer Placeholder 4"/>
+          <p:cNvSpPr>
+            <a:spLocks noGrp="1"/>
+          </p:cNvSpPr>
+          <p:nvPr>
+            <p:ph type="ftr" sz="quarter" idx="4"/>
+          </p:nvPr>
+        </p:nvSpPr>
+        <p:spPr/>
+        <p:txBody>
+          <a:bodyPr/>
+          <a:lstStyle/>
+          <a:p>
+            <a:r>
+              <a:rPr lang="bg-BG" sz="1100"/>
+              <a:t>Работна група </a:t>
+            </a:r>
+            <a:r>
+              <a:rPr lang="bg-BG"/>
+              <a:t>"Образование по програмиране и ИТ"</a:t>
+            </a:r>
+            <a:r>
+              <a:rPr lang="bg-BG" sz="1100"/>
+              <a:t>, с подкрепата на </a:t>
+            </a:r>
+            <a:r>
+              <a:rPr lang="en-US" sz="1100">
+                <a:hlinkClick r:id="rId3"/>
+              </a:rPr>
+              <a:t>SoftUni</a:t>
+            </a:r>
+            <a:endParaRPr lang="en-US" sz="1100" dirty="0"/>
+          </a:p>
+        </p:txBody>
+      </p:sp>
+    </p:spTree>
+    <p:extLst>
+      <p:ext uri="{BB962C8B-B14F-4D97-AF65-F5344CB8AC3E}">
+        <p14:creationId xmlns:p14="http://schemas.microsoft.com/office/powerpoint/2010/main" val="296680282"/>
+      </p:ext>
+    </p:extLst>
+  </p:cSld>
+  <p:clrMapOvr>
+    <a:masterClrMapping/>
+  </p:clrMapOvr>
+</p:notes>
+</file>
+
+<file path=ppt/notesSlides/notesSlide11.xml><?xml version="1.0" encoding="utf-8"?>
+<p:notes xmlns:a="http://schemas.openxmlformats.org/drawingml/2006/main" xmlns:r="http://schemas.openxmlformats.org/officeDocument/2006/relationships" xmlns:p="http://schemas.openxmlformats.org/presentationml/2006/main">
+  <p:cSld>
+    <p:spTree>
+      <p:nvGrpSpPr>
+        <p:cNvPr id="1" name=""/>
+        <p:cNvGrpSpPr/>
+        <p:nvPr/>
+      </p:nvGrpSpPr>
+      <p:grpSpPr>
+        <a:xfrm>
+          <a:off x="0" y="0"/>
+          <a:ext cx="0" cy="0"/>
+          <a:chOff x="0" y="0"/>
+          <a:chExt cx="0" cy="0"/>
+        </a:xfrm>
+      </p:grpSpPr>
+      <p:sp>
+        <p:nvSpPr>
+          <p:cNvPr id="2" name="Slide Image Placeholder 1"/>
+          <p:cNvSpPr>
+            <a:spLocks noGrp="1" noRot="1" noChangeAspect="1"/>
+          </p:cNvSpPr>
+          <p:nvPr>
+            <p:ph type="sldImg"/>
+          </p:nvPr>
+        </p:nvSpPr>
+        <p:spPr/>
+      </p:sp>
+      <p:sp>
+        <p:nvSpPr>
+          <p:cNvPr id="3" name="Notes Placeholder 2"/>
+          <p:cNvSpPr>
+            <a:spLocks noGrp="1"/>
+          </p:cNvSpPr>
+          <p:nvPr>
+            <p:ph type="body" idx="1"/>
+          </p:nvPr>
+        </p:nvSpPr>
+        <p:spPr/>
+        <p:txBody>
+          <a:bodyPr/>
+          <a:lstStyle/>
+          <a:p>
+            <a:endParaRPr lang="en-US" dirty="0"/>
+          </a:p>
+        </p:txBody>
+      </p:sp>
+      <p:sp>
+        <p:nvSpPr>
+          <p:cNvPr id="7" name="Slide Number Placeholder 5">
+            <a:extLst>
+              <a:ext uri="{FF2B5EF4-FFF2-40B4-BE49-F238E27FC236}">
+                <a16:creationId xmlns:a16="http://schemas.microsoft.com/office/drawing/2014/main" id="{E65F1CA9-65DC-416B-8882-B3A5E415CE67}"/>
+              </a:ext>
+            </a:extLst>
+          </p:cNvPr>
+          <p:cNvSpPr txBox="1">
+            <a:spLocks/>
+          </p:cNvSpPr>
+          <p:nvPr/>
+        </p:nvSpPr>
+        <p:spPr>
+          <a:xfrm>
+            <a:off x="6488999" y="8847000"/>
+            <a:ext cx="367414" cy="297000"/>
+          </a:xfrm>
+          <a:prstGeom prst="rect">
+            <a:avLst/>
+          </a:prstGeom>
+        </p:spPr>
+        <p:txBody>
+          <a:bodyPr vert="horz" lIns="91440" tIns="45720" rIns="91440" bIns="45720" rtlCol="0" anchor="b"/>
+          <a:lstStyle>
+            <a:defPPr>
+              <a:defRPr lang="en-US"/>
+            </a:defPPr>
+            <a:lvl1pPr marL="0" algn="r" defTabSz="914400" rtl="0" eaLnBrk="1" latinLnBrk="0" hangingPunct="1">
+              <a:defRPr sz="1200" kern="1200">
+                <a:solidFill>
+                  <a:schemeClr val="tx1"/>
+                </a:solidFill>
+                <a:latin typeface="+mn-lt"/>
+                <a:ea typeface="+mn-ea"/>
+                <a:cs typeface="+mn-cs"/>
+              </a:defRPr>
+            </a:lvl1pPr>
+            <a:lvl2pPr marL="457200" algn="l" defTabSz="914400" rtl="0" eaLnBrk="1" latinLnBrk="0" hangingPunct="1">
+              <a:defRPr sz="1800" kern="1200">
+                <a:solidFill>
+                  <a:schemeClr val="tx1"/>
+                </a:solidFill>
+                <a:latin typeface="+mn-lt"/>
+                <a:ea typeface="+mn-ea"/>
+                <a:cs typeface="+mn-cs"/>
+              </a:defRPr>
+            </a:lvl2pPr>
+            <a:lvl3pPr marL="914400" algn="l" defTabSz="914400" rtl="0" eaLnBrk="1" latinLnBrk="0" hangingPunct="1">
+              <a:defRPr sz="1800" kern="1200">
+                <a:solidFill>
+                  <a:schemeClr val="tx1"/>
+                </a:solidFill>
+                <a:latin typeface="+mn-lt"/>
+                <a:ea typeface="+mn-ea"/>
+                <a:cs typeface="+mn-cs"/>
+              </a:defRPr>
+            </a:lvl3pPr>
+            <a:lvl4pPr marL="1371600" algn="l" defTabSz="914400" rtl="0" eaLnBrk="1" latinLnBrk="0" hangingPunct="1">
+              <a:defRPr sz="1800" kern="1200">
+                <a:solidFill>
+                  <a:schemeClr val="tx1"/>
+                </a:solidFill>
+                <a:latin typeface="+mn-lt"/>
+                <a:ea typeface="+mn-ea"/>
+                <a:cs typeface="+mn-cs"/>
+              </a:defRPr>
+            </a:lvl4pPr>
+            <a:lvl5pPr marL="1828800" algn="l" defTabSz="914400" rtl="0" eaLnBrk="1" latinLnBrk="0" hangingPunct="1">
+              <a:defRPr sz="1800" kern="1200">
+                <a:solidFill>
+                  <a:schemeClr val="tx1"/>
+                </a:solidFill>
+                <a:latin typeface="+mn-lt"/>
+                <a:ea typeface="+mn-ea"/>
+                <a:cs typeface="+mn-cs"/>
+              </a:defRPr>
+            </a:lvl5pPr>
+            <a:lvl6pPr marL="2286000" algn="l" defTabSz="914400" rtl="0" eaLnBrk="1" latinLnBrk="0" hangingPunct="1">
+              <a:defRPr sz="1800" kern="1200">
+                <a:solidFill>
+                  <a:schemeClr val="tx1"/>
+                </a:solidFill>
+                <a:latin typeface="+mn-lt"/>
+                <a:ea typeface="+mn-ea"/>
+                <a:cs typeface="+mn-cs"/>
+              </a:defRPr>
+            </a:lvl6pPr>
+            <a:lvl7pPr marL="2743200" algn="l" defTabSz="914400" rtl="0" eaLnBrk="1" latinLnBrk="0" hangingPunct="1">
+              <a:defRPr sz="1800" kern="1200">
+                <a:solidFill>
+                  <a:schemeClr val="tx1"/>
+                </a:solidFill>
+                <a:latin typeface="+mn-lt"/>
+                <a:ea typeface="+mn-ea"/>
+                <a:cs typeface="+mn-cs"/>
+              </a:defRPr>
+            </a:lvl7pPr>
+            <a:lvl8pPr marL="3200400" algn="l" defTabSz="914400" rtl="0" eaLnBrk="1" latinLnBrk="0" hangingPunct="1">
+              <a:defRPr sz="1800" kern="1200">
+                <a:solidFill>
+                  <a:schemeClr val="tx1"/>
+                </a:solidFill>
+                <a:latin typeface="+mn-lt"/>
+                <a:ea typeface="+mn-ea"/>
+                <a:cs typeface="+mn-cs"/>
+              </a:defRPr>
+            </a:lvl8pPr>
+            <a:lvl9pPr marL="3657600" algn="l" defTabSz="914400" rtl="0" eaLnBrk="1" latinLnBrk="0" hangingPunct="1">
+              <a:defRPr sz="1800" kern="1200">
+                <a:solidFill>
+                  <a:schemeClr val="tx1"/>
+                </a:solidFill>
+                <a:latin typeface="+mn-lt"/>
+                <a:ea typeface="+mn-ea"/>
+                <a:cs typeface="+mn-cs"/>
+              </a:defRPr>
+            </a:lvl9pPr>
+          </a:lstStyle>
+          <a:p>
+            <a:fld id="{3EBA5BD7-F043-4D1B-AA17-CD412FC534DE}" type="slidenum">
+              <a:rPr lang="en-US" smtClean="0"/>
+              <a:pPr/>
+              <a:t>28</a:t>
+            </a:fld>
+            <a:endParaRPr lang="en-US" dirty="0"/>
+          </a:p>
+        </p:txBody>
+      </p:sp>
+      <p:sp>
+        <p:nvSpPr>
+          <p:cNvPr id="5" name="Footer Placeholder 7">
+            <a:extLst>
+              <a:ext uri="{FF2B5EF4-FFF2-40B4-BE49-F238E27FC236}">
+                <a16:creationId xmlns:a16="http://schemas.microsoft.com/office/drawing/2014/main" id="{43FAF785-0C8D-730E-8E59-68198DC82CE0}"/>
+              </a:ext>
+            </a:extLst>
+          </p:cNvPr>
+          <p:cNvSpPr>
+            <a:spLocks noGrp="1"/>
+          </p:cNvSpPr>
+          <p:nvPr>
+            <p:ph type="ftr" sz="quarter" idx="4"/>
+          </p:nvPr>
+        </p:nvSpPr>
+        <p:spPr>
+          <a:xfrm>
+            <a:off x="-1" y="8892000"/>
+            <a:ext cx="6488999" cy="252000"/>
+          </a:xfrm>
+          <a:prstGeom prst="rect">
+            <a:avLst/>
+          </a:prstGeom>
+        </p:spPr>
+        <p:txBody>
+          <a:bodyPr vert="horz" lIns="91440" tIns="45720" rIns="91440" bIns="45720" rtlCol="0" anchor="b"/>
+          <a:lstStyle>
+            <a:lvl1pPr algn="l">
+              <a:defRPr sz="1100"/>
+            </a:lvl1pPr>
+          </a:lstStyle>
+          <a:p>
+            <a:r>
+              <a:rPr lang="bg-BG" sz="1100" dirty="0"/>
+              <a:t>Работна група </a:t>
+            </a:r>
+            <a:r>
+              <a:rPr lang="bg-BG" dirty="0"/>
+              <a:t>"Образование по програмиране и ИТ"</a:t>
+            </a:r>
+            <a:r>
+              <a:rPr lang="bg-BG" sz="1100" dirty="0"/>
+              <a:t>, с подкрепата на </a:t>
+            </a:r>
+            <a:r>
+              <a:rPr lang="en-US" sz="1100" dirty="0">
+                <a:hlinkClick r:id="rId3"/>
+              </a:rPr>
+              <a:t>SoftUni</a:t>
+            </a:r>
+            <a:endParaRPr lang="en-US" sz="1100" dirty="0"/>
+          </a:p>
+        </p:txBody>
+      </p:sp>
+    </p:spTree>
+    <p:extLst>
+      <p:ext uri="{BB962C8B-B14F-4D97-AF65-F5344CB8AC3E}">
+        <p14:creationId xmlns:p14="http://schemas.microsoft.com/office/powerpoint/2010/main" val="2689344733"/>
+      </p:ext>
+    </p:extLst>
+  </p:cSld>
+  <p:clrMapOvr>
+    <a:masterClrMapping/>
+  </p:clrMapOvr>
+</p:notes>
+</file>
+
+<file path=ppt/notesSlides/notesSlide12.xml><?xml version="1.0" encoding="utf-8"?>
+<p:notes xmlns:a="http://schemas.openxmlformats.org/drawingml/2006/main" xmlns:r="http://schemas.openxmlformats.org/officeDocument/2006/relationships" xmlns:p="http://schemas.openxmlformats.org/presentationml/2006/main">
+  <p:cSld>
+    <p:spTree>
+      <p:nvGrpSpPr>
+        <p:cNvPr id="1" name=""/>
+        <p:cNvGrpSpPr/>
+        <p:nvPr/>
+      </p:nvGrpSpPr>
+      <p:grpSpPr>
+        <a:xfrm>
+          <a:off x="0" y="0"/>
+          <a:ext cx="0" cy="0"/>
+          <a:chOff x="0" y="0"/>
+          <a:chExt cx="0" cy="0"/>
+        </a:xfrm>
+      </p:grpSpPr>
+      <p:sp>
+        <p:nvSpPr>
+          <p:cNvPr id="2" name="Slide Image Placeholder 1"/>
+          <p:cNvSpPr>
+            <a:spLocks noGrp="1" noRot="1" noChangeAspect="1"/>
+          </p:cNvSpPr>
+          <p:nvPr>
+            <p:ph type="sldImg"/>
+          </p:nvPr>
+        </p:nvSpPr>
+        <p:spPr/>
+      </p:sp>
+      <p:sp>
+        <p:nvSpPr>
+          <p:cNvPr id="3" name="Notes Placeholder 2"/>
+          <p:cNvSpPr>
+            <a:spLocks noGrp="1"/>
+          </p:cNvSpPr>
+          <p:nvPr>
+            <p:ph type="body" idx="1"/>
+          </p:nvPr>
+        </p:nvSpPr>
+        <p:spPr/>
+        <p:txBody>
+          <a:bodyPr/>
+          <a:lstStyle/>
+          <a:p>
+            <a:endParaRPr lang="en-US" dirty="0"/>
+          </a:p>
+        </p:txBody>
+      </p:sp>
+      <p:sp>
+        <p:nvSpPr>
+          <p:cNvPr id="7" name="Slide Number Placeholder 5">
+            <a:extLst>
+              <a:ext uri="{FF2B5EF4-FFF2-40B4-BE49-F238E27FC236}">
+                <a16:creationId xmlns:a16="http://schemas.microsoft.com/office/drawing/2014/main" id="{5049B984-F964-47FF-8179-0A3007CE21CD}"/>
+              </a:ext>
+            </a:extLst>
+          </p:cNvPr>
+          <p:cNvSpPr txBox="1">
+            <a:spLocks/>
+          </p:cNvSpPr>
+          <p:nvPr/>
+        </p:nvSpPr>
+        <p:spPr>
+          <a:xfrm>
+            <a:off x="6488999" y="8847000"/>
+            <a:ext cx="367414" cy="297000"/>
+          </a:xfrm>
+          <a:prstGeom prst="rect">
+            <a:avLst/>
+          </a:prstGeom>
+        </p:spPr>
+        <p:txBody>
+          <a:bodyPr vert="horz" lIns="91440" tIns="45720" rIns="91440" bIns="45720" rtlCol="0" anchor="b"/>
+          <a:lstStyle>
+            <a:defPPr>
+              <a:defRPr lang="en-US"/>
+            </a:defPPr>
+            <a:lvl1pPr marL="0" algn="r" defTabSz="914400" rtl="0" eaLnBrk="1" latinLnBrk="0" hangingPunct="1">
+              <a:defRPr sz="1200" kern="1200">
+                <a:solidFill>
+                  <a:schemeClr val="tx1"/>
+                </a:solidFill>
+                <a:latin typeface="+mn-lt"/>
+                <a:ea typeface="+mn-ea"/>
+                <a:cs typeface="+mn-cs"/>
+              </a:defRPr>
+            </a:lvl1pPr>
+            <a:lvl2pPr marL="457200" algn="l" defTabSz="914400" rtl="0" eaLnBrk="1" latinLnBrk="0" hangingPunct="1">
+              <a:defRPr sz="1800" kern="1200">
+                <a:solidFill>
+                  <a:schemeClr val="tx1"/>
+                </a:solidFill>
+                <a:latin typeface="+mn-lt"/>
+                <a:ea typeface="+mn-ea"/>
+                <a:cs typeface="+mn-cs"/>
+              </a:defRPr>
+            </a:lvl2pPr>
+            <a:lvl3pPr marL="914400" algn="l" defTabSz="914400" rtl="0" eaLnBrk="1" latinLnBrk="0" hangingPunct="1">
+              <a:defRPr sz="1800" kern="1200">
+                <a:solidFill>
+                  <a:schemeClr val="tx1"/>
+                </a:solidFill>
+                <a:latin typeface="+mn-lt"/>
+                <a:ea typeface="+mn-ea"/>
+                <a:cs typeface="+mn-cs"/>
+              </a:defRPr>
+            </a:lvl3pPr>
+            <a:lvl4pPr marL="1371600" algn="l" defTabSz="914400" rtl="0" eaLnBrk="1" latinLnBrk="0" hangingPunct="1">
+              <a:defRPr sz="1800" kern="1200">
+                <a:solidFill>
+                  <a:schemeClr val="tx1"/>
+                </a:solidFill>
+                <a:latin typeface="+mn-lt"/>
+                <a:ea typeface="+mn-ea"/>
+                <a:cs typeface="+mn-cs"/>
+              </a:defRPr>
+            </a:lvl4pPr>
+            <a:lvl5pPr marL="1828800" algn="l" defTabSz="914400" rtl="0" eaLnBrk="1" latinLnBrk="0" hangingPunct="1">
+              <a:defRPr sz="1800" kern="1200">
+                <a:solidFill>
+                  <a:schemeClr val="tx1"/>
+                </a:solidFill>
+                <a:latin typeface="+mn-lt"/>
+                <a:ea typeface="+mn-ea"/>
+                <a:cs typeface="+mn-cs"/>
+              </a:defRPr>
+            </a:lvl5pPr>
+            <a:lvl6pPr marL="2286000" algn="l" defTabSz="914400" rtl="0" eaLnBrk="1" latinLnBrk="0" hangingPunct="1">
+              <a:defRPr sz="1800" kern="1200">
+                <a:solidFill>
+                  <a:schemeClr val="tx1"/>
+                </a:solidFill>
+                <a:latin typeface="+mn-lt"/>
+                <a:ea typeface="+mn-ea"/>
+                <a:cs typeface="+mn-cs"/>
+              </a:defRPr>
+            </a:lvl6pPr>
+            <a:lvl7pPr marL="2743200" algn="l" defTabSz="914400" rtl="0" eaLnBrk="1" latinLnBrk="0" hangingPunct="1">
+              <a:defRPr sz="1800" kern="1200">
+                <a:solidFill>
+                  <a:schemeClr val="tx1"/>
+                </a:solidFill>
+                <a:latin typeface="+mn-lt"/>
+                <a:ea typeface="+mn-ea"/>
+                <a:cs typeface="+mn-cs"/>
+              </a:defRPr>
+            </a:lvl7pPr>
+            <a:lvl8pPr marL="3200400" algn="l" defTabSz="914400" rtl="0" eaLnBrk="1" latinLnBrk="0" hangingPunct="1">
+              <a:defRPr sz="1800" kern="1200">
+                <a:solidFill>
+                  <a:schemeClr val="tx1"/>
+                </a:solidFill>
+                <a:latin typeface="+mn-lt"/>
+                <a:ea typeface="+mn-ea"/>
+                <a:cs typeface="+mn-cs"/>
+              </a:defRPr>
+            </a:lvl8pPr>
+            <a:lvl9pPr marL="3657600" algn="l" defTabSz="914400" rtl="0" eaLnBrk="1" latinLnBrk="0" hangingPunct="1">
+              <a:defRPr sz="1800" kern="1200">
+                <a:solidFill>
+                  <a:schemeClr val="tx1"/>
+                </a:solidFill>
+                <a:latin typeface="+mn-lt"/>
+                <a:ea typeface="+mn-ea"/>
+                <a:cs typeface="+mn-cs"/>
+              </a:defRPr>
+            </a:lvl9pPr>
+          </a:lstStyle>
+          <a:p>
+            <a:fld id="{3EBA5BD7-F043-4D1B-AA17-CD412FC534DE}" type="slidenum">
+              <a:rPr lang="en-US" smtClean="0"/>
+              <a:pPr/>
+              <a:t>29</a:t>
+            </a:fld>
+            <a:endParaRPr lang="en-US" dirty="0"/>
+          </a:p>
+        </p:txBody>
+      </p:sp>
+      <p:sp>
+        <p:nvSpPr>
+          <p:cNvPr id="4" name="Footer Placeholder 3">
+            <a:extLst>
+              <a:ext uri="{FF2B5EF4-FFF2-40B4-BE49-F238E27FC236}">
+                <a16:creationId xmlns:a16="http://schemas.microsoft.com/office/drawing/2014/main" id="{8E059BE0-D868-413B-AAA1-1CC88D1F52C5}"/>
+              </a:ext>
+            </a:extLst>
+          </p:cNvPr>
+          <p:cNvSpPr>
+            <a:spLocks noGrp="1"/>
+          </p:cNvSpPr>
+          <p:nvPr>
+            <p:ph type="ftr" sz="quarter" idx="4"/>
+          </p:nvPr>
+        </p:nvSpPr>
+        <p:spPr/>
+        <p:txBody>
+          <a:bodyPr/>
+          <a:lstStyle/>
+          <a:p>
+            <a:r>
+              <a:rPr lang="en-US"/>
+              <a:t>© SoftUni – </a:t>
+            </a:r>
+            <a:r>
+              <a:rPr lang="en-US" u="sng">
+                <a:hlinkClick r:id="rId3"/>
+              </a:rPr>
+              <a:t>https://softuni.org</a:t>
+            </a:r>
+            <a:r>
+              <a:rPr lang="en-US"/>
+              <a:t>. Copyrighted document. Unauthorized copy or reproduction is not permitted.</a:t>
+            </a:r>
+            <a:endParaRPr lang="en-US" dirty="0"/>
+          </a:p>
+        </p:txBody>
+      </p:sp>
+    </p:spTree>
+    <p:extLst>
+      <p:ext uri="{BB962C8B-B14F-4D97-AF65-F5344CB8AC3E}">
+        <p14:creationId xmlns:p14="http://schemas.microsoft.com/office/powerpoint/2010/main" val="3466590374"/>
+      </p:ext>
+    </p:extLst>
+  </p:cSld>
+  <p:clrMapOvr>
+    <a:masterClrMapping/>
+  </p:clrMapOvr>
+</p:notes>
+</file>
+
+<file path=ppt/notesSlides/notesSlide13.xml><?xml version="1.0" encoding="utf-8"?>
+<p:notes xmlns:a="http://schemas.openxmlformats.org/drawingml/2006/main" xmlns:r="http://schemas.openxmlformats.org/officeDocument/2006/relationships" xmlns:p="http://schemas.openxmlformats.org/presentationml/2006/main">
+  <p:cSld>
+    <p:spTree>
+      <p:nvGrpSpPr>
+        <p:cNvPr id="1" name=""/>
+        <p:cNvGrpSpPr/>
+        <p:nvPr/>
+      </p:nvGrpSpPr>
+      <p:grpSpPr>
+        <a:xfrm>
+          <a:off x="0" y="0"/>
+          <a:ext cx="0" cy="0"/>
+          <a:chOff x="0" y="0"/>
+          <a:chExt cx="0" cy="0"/>
+        </a:xfrm>
+      </p:grpSpPr>
+      <p:sp>
+        <p:nvSpPr>
+          <p:cNvPr id="2" name="Slide Image Placeholder 1"/>
+          <p:cNvSpPr>
+            <a:spLocks noGrp="1" noRot="1" noChangeAspect="1"/>
+          </p:cNvSpPr>
+          <p:nvPr>
+            <p:ph type="sldImg"/>
+          </p:nvPr>
+        </p:nvSpPr>
+        <p:spPr/>
+      </p:sp>
+      <p:sp>
+        <p:nvSpPr>
+          <p:cNvPr id="3" name="Notes Placeholder 2"/>
+          <p:cNvSpPr>
+            <a:spLocks noGrp="1"/>
+          </p:cNvSpPr>
+          <p:nvPr>
+            <p:ph type="body" idx="1"/>
+          </p:nvPr>
+        </p:nvSpPr>
+        <p:spPr/>
+        <p:txBody>
+          <a:bodyPr/>
+          <a:lstStyle/>
+          <a:p>
             <a:endParaRPr lang="en-US"/>
           </a:p>
         </p:txBody>
@@ -1115,7 +1736,7 @@
             <a:fld id="{3EBA5BD7-F043-4D1B-AA17-CD412FC534DE}" type="slidenum">
               <a:rPr lang="en-US" smtClean="0"/>
               <a:pPr/>
-              <a:t>31</a:t>
+              <a:t>30</a:t>
             </a:fld>
             <a:endParaRPr lang="en-US" dirty="0"/>
           </a:p>
@@ -2149,135 +2770,28 @@
           <a:bodyPr/>
           <a:lstStyle/>
           <a:p>
-            <a:endParaRPr lang="en-US"/>
+            <a:endParaRPr lang="en-BG" dirty="0"/>
           </a:p>
         </p:txBody>
       </p:sp>
       <p:sp>
         <p:nvSpPr>
-          <p:cNvPr id="7" name="Slide Number Placeholder 5">
-            <a:extLst>
-              <a:ext uri="{FF2B5EF4-FFF2-40B4-BE49-F238E27FC236}">
-                <a16:creationId xmlns:a16="http://schemas.microsoft.com/office/drawing/2014/main" id="{BD88B0D8-949C-482D-990A-2DAB14AD4AD1}"/>
-              </a:ext>
-            </a:extLst>
-          </p:cNvPr>
-          <p:cNvSpPr txBox="1">
-            <a:spLocks/>
+          <p:cNvPr id="4" name="Slide Number Placeholder 3"/>
+          <p:cNvSpPr>
+            <a:spLocks noGrp="1"/>
           </p:cNvSpPr>
-          <p:nvPr/>
+          <p:nvPr>
+            <p:ph type="sldNum" sz="quarter" idx="5"/>
+          </p:nvPr>
         </p:nvSpPr>
-        <p:spPr>
-          <a:xfrm>
-            <a:off x="6488999" y="8847000"/>
-            <a:ext cx="367414" cy="297000"/>
-          </a:xfrm>
-          <a:prstGeom prst="rect">
-            <a:avLst/>
-          </a:prstGeom>
-        </p:spPr>
+        <p:spPr/>
         <p:txBody>
-          <a:bodyPr vert="horz" lIns="91440" tIns="45720" rIns="91440" bIns="45720" rtlCol="0" anchor="b"/>
-          <a:lstStyle>
-            <a:defPPr>
-              <a:defRPr lang="en-US"/>
-            </a:defPPr>
-            <a:lvl1pPr marL="0" algn="r" defTabSz="914400" rtl="0" eaLnBrk="1" latinLnBrk="0" hangingPunct="1">
-              <a:defRPr sz="1200" kern="1200">
-                <a:solidFill>
-                  <a:schemeClr val="tx1"/>
-                </a:solidFill>
-                <a:latin typeface="+mn-lt"/>
-                <a:ea typeface="+mn-ea"/>
-                <a:cs typeface="+mn-cs"/>
-              </a:defRPr>
-            </a:lvl1pPr>
-            <a:lvl2pPr marL="457200" algn="l" defTabSz="914400" rtl="0" eaLnBrk="1" latinLnBrk="0" hangingPunct="1">
-              <a:defRPr sz="1800" kern="1200">
-                <a:solidFill>
-                  <a:schemeClr val="tx1"/>
-                </a:solidFill>
-                <a:latin typeface="+mn-lt"/>
-                <a:ea typeface="+mn-ea"/>
-                <a:cs typeface="+mn-cs"/>
-              </a:defRPr>
-            </a:lvl2pPr>
-            <a:lvl3pPr marL="914400" algn="l" defTabSz="914400" rtl="0" eaLnBrk="1" latinLnBrk="0" hangingPunct="1">
-              <a:defRPr sz="1800" kern="1200">
-                <a:solidFill>
-                  <a:schemeClr val="tx1"/>
-                </a:solidFill>
-                <a:latin typeface="+mn-lt"/>
-                <a:ea typeface="+mn-ea"/>
-                <a:cs typeface="+mn-cs"/>
-              </a:defRPr>
-            </a:lvl3pPr>
-            <a:lvl4pPr marL="1371600" algn="l" defTabSz="914400" rtl="0" eaLnBrk="1" latinLnBrk="0" hangingPunct="1">
-              <a:defRPr sz="1800" kern="1200">
-                <a:solidFill>
-                  <a:schemeClr val="tx1"/>
-                </a:solidFill>
-                <a:latin typeface="+mn-lt"/>
-                <a:ea typeface="+mn-ea"/>
-                <a:cs typeface="+mn-cs"/>
-              </a:defRPr>
-            </a:lvl4pPr>
-            <a:lvl5pPr marL="1828800" algn="l" defTabSz="914400" rtl="0" eaLnBrk="1" latinLnBrk="0" hangingPunct="1">
-              <a:defRPr sz="1800" kern="1200">
-                <a:solidFill>
-                  <a:schemeClr val="tx1"/>
-                </a:solidFill>
-                <a:latin typeface="+mn-lt"/>
-                <a:ea typeface="+mn-ea"/>
-                <a:cs typeface="+mn-cs"/>
-              </a:defRPr>
-            </a:lvl5pPr>
-            <a:lvl6pPr marL="2286000" algn="l" defTabSz="914400" rtl="0" eaLnBrk="1" latinLnBrk="0" hangingPunct="1">
-              <a:defRPr sz="1800" kern="1200">
-                <a:solidFill>
-                  <a:schemeClr val="tx1"/>
-                </a:solidFill>
-                <a:latin typeface="+mn-lt"/>
-                <a:ea typeface="+mn-ea"/>
-                <a:cs typeface="+mn-cs"/>
-              </a:defRPr>
-            </a:lvl6pPr>
-            <a:lvl7pPr marL="2743200" algn="l" defTabSz="914400" rtl="0" eaLnBrk="1" latinLnBrk="0" hangingPunct="1">
-              <a:defRPr sz="1800" kern="1200">
-                <a:solidFill>
-                  <a:schemeClr val="tx1"/>
-                </a:solidFill>
-                <a:latin typeface="+mn-lt"/>
-                <a:ea typeface="+mn-ea"/>
-                <a:cs typeface="+mn-cs"/>
-              </a:defRPr>
-            </a:lvl7pPr>
-            <a:lvl8pPr marL="3200400" algn="l" defTabSz="914400" rtl="0" eaLnBrk="1" latinLnBrk="0" hangingPunct="1">
-              <a:defRPr sz="1800" kern="1200">
-                <a:solidFill>
-                  <a:schemeClr val="tx1"/>
-                </a:solidFill>
-                <a:latin typeface="+mn-lt"/>
-                <a:ea typeface="+mn-ea"/>
-                <a:cs typeface="+mn-cs"/>
-              </a:defRPr>
-            </a:lvl8pPr>
-            <a:lvl9pPr marL="3657600" algn="l" defTabSz="914400" rtl="0" eaLnBrk="1" latinLnBrk="0" hangingPunct="1">
-              <a:defRPr sz="1800" kern="1200">
-                <a:solidFill>
-                  <a:schemeClr val="tx1"/>
-                </a:solidFill>
-                <a:latin typeface="+mn-lt"/>
-                <a:ea typeface="+mn-ea"/>
-                <a:cs typeface="+mn-cs"/>
-              </a:defRPr>
-            </a:lvl9pPr>
-          </a:lstStyle>
-          <a:p>
-            <a:fld id="{3EBA5BD7-F043-4D1B-AA17-CD412FC534DE}" type="slidenum">
+          <a:bodyPr/>
+          <a:lstStyle/>
+          <a:p>
+            <a:fld id="{2BF067CD-8E6B-4360-9AA8-C5DF2A48A6D1}" type="slidenum">
               <a:rPr lang="en-US" smtClean="0"/>
-              <a:pPr/>
-              <a:t>15</a:t>
+              <a:t>13</a:t>
             </a:fld>
             <a:endParaRPr lang="en-US" dirty="0"/>
           </a:p>
@@ -2285,13 +2799,7 @@
       </p:sp>
       <p:sp>
         <p:nvSpPr>
-          <p:cNvPr id="4" name="Footer Placeholder 3">
-            <a:extLst>
-              <a:ext uri="{FF2B5EF4-FFF2-40B4-BE49-F238E27FC236}">
-                <a16:creationId xmlns:a16="http://schemas.microsoft.com/office/drawing/2014/main" id="{58474633-D38D-4432-867B-70F325FA7016}"/>
-              </a:ext>
-            </a:extLst>
-          </p:cNvPr>
+          <p:cNvPr id="5" name="Footer Placeholder 4"/>
           <p:cNvSpPr>
             <a:spLocks noGrp="1"/>
           </p:cNvSpPr>
@@ -2305,27 +2813,31 @@
           <a:lstStyle/>
           <a:p>
             <a:r>
-              <a:rPr lang="en-US"/>
-              <a:t>© SoftUni – </a:t>
-            </a:r>
-            <a:r>
-              <a:rPr lang="en-US" u="sng">
+              <a:rPr lang="bg-BG" sz="1100"/>
+              <a:t>Работна група </a:t>
+            </a:r>
+            <a:r>
+              <a:rPr lang="bg-BG"/>
+              <a:t>"Образование по програмиране и ИТ"</a:t>
+            </a:r>
+            <a:r>
+              <a:rPr lang="bg-BG" sz="1100"/>
+              <a:t>, с подкрепата на </a:t>
+            </a:r>
+            <a:r>
+              <a:rPr lang="en-US" sz="1100">
                 <a:hlinkClick r:id="rId3"/>
               </a:rPr>
-              <a:t>https://softuni.org</a:t>
-            </a:r>
-            <a:r>
-              <a:rPr lang="en-US"/>
-              <a:t>. Copyrighted document. Unauthorized copy or reproduction is not permitted.</a:t>
-            </a:r>
-            <a:endParaRPr lang="en-US" dirty="0"/>
+              <a:t>SoftUni</a:t>
+            </a:r>
+            <a:endParaRPr lang="en-US" sz="1100" dirty="0"/>
           </a:p>
         </p:txBody>
       </p:sp>
     </p:spTree>
     <p:extLst>
       <p:ext uri="{BB962C8B-B14F-4D97-AF65-F5344CB8AC3E}">
-        <p14:creationId xmlns:p14="http://schemas.microsoft.com/office/powerpoint/2010/main" val="382771432"/>
+        <p14:creationId xmlns:p14="http://schemas.microsoft.com/office/powerpoint/2010/main" val="3890673294"/>
       </p:ext>
     </p:extLst>
   </p:cSld>
@@ -2507,7 +3019,7 @@
             <a:fld id="{3EBA5BD7-F043-4D1B-AA17-CD412FC534DE}" type="slidenum">
               <a:rPr lang="en-US" smtClean="0"/>
               <a:pPr/>
-              <a:t>18</a:t>
+              <a:t>14</a:t>
             </a:fld>
             <a:endParaRPr lang="en-US" dirty="0"/>
           </a:p>
@@ -2555,7 +3067,7 @@
     </p:spTree>
     <p:extLst>
       <p:ext uri="{BB962C8B-B14F-4D97-AF65-F5344CB8AC3E}">
-        <p14:creationId xmlns:p14="http://schemas.microsoft.com/office/powerpoint/2010/main" val="2800762101"/>
+        <p14:creationId xmlns:p14="http://schemas.microsoft.com/office/powerpoint/2010/main" val="382771432"/>
       </p:ext>
     </p:extLst>
   </p:cSld>
@@ -2609,7 +3121,7 @@
           <a:bodyPr/>
           <a:lstStyle/>
           <a:p>
-            <a:endParaRPr lang="en-US" dirty="0"/>
+            <a:endParaRPr lang="en-US"/>
           </a:p>
         </p:txBody>
       </p:sp>
@@ -2618,7 +3130,7 @@
           <p:cNvPr id="7" name="Slide Number Placeholder 5">
             <a:extLst>
               <a:ext uri="{FF2B5EF4-FFF2-40B4-BE49-F238E27FC236}">
-                <a16:creationId xmlns:a16="http://schemas.microsoft.com/office/drawing/2014/main" id="{E65F1CA9-65DC-416B-8882-B3A5E415CE67}"/>
+                <a16:creationId xmlns:a16="http://schemas.microsoft.com/office/drawing/2014/main" id="{BD88B0D8-949C-482D-990A-2DAB14AD4AD1}"/>
               </a:ext>
             </a:extLst>
           </p:cNvPr>
@@ -2737,7 +3249,7 @@
             <a:fld id="{3EBA5BD7-F043-4D1B-AA17-CD412FC534DE}" type="slidenum">
               <a:rPr lang="en-US" smtClean="0"/>
               <a:pPr/>
-              <a:t>29</a:t>
+              <a:t>17</a:t>
             </a:fld>
             <a:endParaRPr lang="en-US" dirty="0"/>
           </a:p>
@@ -2745,10 +3257,10 @@
       </p:sp>
       <p:sp>
         <p:nvSpPr>
-          <p:cNvPr id="5" name="Footer Placeholder 7">
+          <p:cNvPr id="4" name="Footer Placeholder 3">
             <a:extLst>
               <a:ext uri="{FF2B5EF4-FFF2-40B4-BE49-F238E27FC236}">
-                <a16:creationId xmlns:a16="http://schemas.microsoft.com/office/drawing/2014/main" id="{43FAF785-0C8D-730E-8E59-68198DC82CE0}"/>
+                <a16:creationId xmlns:a16="http://schemas.microsoft.com/office/drawing/2014/main" id="{58474633-D38D-4432-867B-70F325FA7016}"/>
               </a:ext>
             </a:extLst>
           </p:cNvPr>
@@ -2759,49 +3271,33 @@
             <p:ph type="ftr" sz="quarter" idx="4"/>
           </p:nvPr>
         </p:nvSpPr>
-        <p:spPr>
-          <a:xfrm>
-            <a:off x="-1" y="8892000"/>
-            <a:ext cx="6488999" cy="252000"/>
-          </a:xfrm>
-          <a:prstGeom prst="rect">
-            <a:avLst/>
-          </a:prstGeom>
-        </p:spPr>
+        <p:spPr/>
         <p:txBody>
-          <a:bodyPr vert="horz" lIns="91440" tIns="45720" rIns="91440" bIns="45720" rtlCol="0" anchor="b"/>
-          <a:lstStyle>
-            <a:lvl1pPr algn="l">
-              <a:defRPr sz="1100"/>
-            </a:lvl1pPr>
-          </a:lstStyle>
-          <a:p>
-            <a:r>
-              <a:rPr lang="bg-BG" sz="1100" dirty="0"/>
-              <a:t>Работна група </a:t>
-            </a:r>
-            <a:r>
-              <a:rPr lang="bg-BG" dirty="0"/>
-              <a:t>"Образование по програмиране и ИТ"</a:t>
-            </a:r>
-            <a:r>
-              <a:rPr lang="bg-BG" sz="1100" dirty="0"/>
-              <a:t>, с подкрепата на </a:t>
-            </a:r>
-            <a:r>
-              <a:rPr lang="en-US" sz="1100" dirty="0">
+          <a:bodyPr/>
+          <a:lstStyle/>
+          <a:p>
+            <a:r>
+              <a:rPr lang="en-US"/>
+              <a:t>© SoftUni – </a:t>
+            </a:r>
+            <a:r>
+              <a:rPr lang="en-US" u="sng">
                 <a:hlinkClick r:id="rId3"/>
               </a:rPr>
-              <a:t>SoftUni</a:t>
-            </a:r>
-            <a:endParaRPr lang="en-US" sz="1100" dirty="0"/>
+              <a:t>https://softuni.org</a:t>
+            </a:r>
+            <a:r>
+              <a:rPr lang="en-US"/>
+              <a:t>. Copyrighted document. Unauthorized copy or reproduction is not permitted.</a:t>
+            </a:r>
+            <a:endParaRPr lang="en-US" dirty="0"/>
           </a:p>
         </p:txBody>
       </p:sp>
     </p:spTree>
     <p:extLst>
       <p:ext uri="{BB962C8B-B14F-4D97-AF65-F5344CB8AC3E}">
-        <p14:creationId xmlns:p14="http://schemas.microsoft.com/office/powerpoint/2010/main" val="2689344733"/>
+        <p14:creationId xmlns:p14="http://schemas.microsoft.com/office/powerpoint/2010/main" val="2800762101"/>
       </p:ext>
     </p:extLst>
   </p:cSld>
@@ -2855,135 +3351,28 @@
           <a:bodyPr/>
           <a:lstStyle/>
           <a:p>
-            <a:endParaRPr lang="en-US" dirty="0"/>
+            <a:endParaRPr lang="en-BG" dirty="0"/>
           </a:p>
         </p:txBody>
       </p:sp>
       <p:sp>
         <p:nvSpPr>
-          <p:cNvPr id="7" name="Slide Number Placeholder 5">
-            <a:extLst>
-              <a:ext uri="{FF2B5EF4-FFF2-40B4-BE49-F238E27FC236}">
-                <a16:creationId xmlns:a16="http://schemas.microsoft.com/office/drawing/2014/main" id="{5049B984-F964-47FF-8179-0A3007CE21CD}"/>
-              </a:ext>
-            </a:extLst>
-          </p:cNvPr>
-          <p:cNvSpPr txBox="1">
-            <a:spLocks/>
+          <p:cNvPr id="4" name="Slide Number Placeholder 3"/>
+          <p:cNvSpPr>
+            <a:spLocks noGrp="1"/>
           </p:cNvSpPr>
-          <p:nvPr/>
+          <p:nvPr>
+            <p:ph type="sldNum" sz="quarter" idx="5"/>
+          </p:nvPr>
         </p:nvSpPr>
-        <p:spPr>
-          <a:xfrm>
-            <a:off x="6488999" y="8847000"/>
-            <a:ext cx="367414" cy="297000"/>
-          </a:xfrm>
-          <a:prstGeom prst="rect">
-            <a:avLst/>
-          </a:prstGeom>
-        </p:spPr>
+        <p:spPr/>
         <p:txBody>
-          <a:bodyPr vert="horz" lIns="91440" tIns="45720" rIns="91440" bIns="45720" rtlCol="0" anchor="b"/>
-          <a:lstStyle>
-            <a:defPPr>
-              <a:defRPr lang="en-US"/>
-            </a:defPPr>
-            <a:lvl1pPr marL="0" algn="r" defTabSz="914400" rtl="0" eaLnBrk="1" latinLnBrk="0" hangingPunct="1">
-              <a:defRPr sz="1200" kern="1200">
-                <a:solidFill>
-                  <a:schemeClr val="tx1"/>
-                </a:solidFill>
-                <a:latin typeface="+mn-lt"/>
-                <a:ea typeface="+mn-ea"/>
-                <a:cs typeface="+mn-cs"/>
-              </a:defRPr>
-            </a:lvl1pPr>
-            <a:lvl2pPr marL="457200" algn="l" defTabSz="914400" rtl="0" eaLnBrk="1" latinLnBrk="0" hangingPunct="1">
-              <a:defRPr sz="1800" kern="1200">
-                <a:solidFill>
-                  <a:schemeClr val="tx1"/>
-                </a:solidFill>
-                <a:latin typeface="+mn-lt"/>
-                <a:ea typeface="+mn-ea"/>
-                <a:cs typeface="+mn-cs"/>
-              </a:defRPr>
-            </a:lvl2pPr>
-            <a:lvl3pPr marL="914400" algn="l" defTabSz="914400" rtl="0" eaLnBrk="1" latinLnBrk="0" hangingPunct="1">
-              <a:defRPr sz="1800" kern="1200">
-                <a:solidFill>
-                  <a:schemeClr val="tx1"/>
-                </a:solidFill>
-                <a:latin typeface="+mn-lt"/>
-                <a:ea typeface="+mn-ea"/>
-                <a:cs typeface="+mn-cs"/>
-              </a:defRPr>
-            </a:lvl3pPr>
-            <a:lvl4pPr marL="1371600" algn="l" defTabSz="914400" rtl="0" eaLnBrk="1" latinLnBrk="0" hangingPunct="1">
-              <a:defRPr sz="1800" kern="1200">
-                <a:solidFill>
-                  <a:schemeClr val="tx1"/>
-                </a:solidFill>
-                <a:latin typeface="+mn-lt"/>
-                <a:ea typeface="+mn-ea"/>
-                <a:cs typeface="+mn-cs"/>
-              </a:defRPr>
-            </a:lvl4pPr>
-            <a:lvl5pPr marL="1828800" algn="l" defTabSz="914400" rtl="0" eaLnBrk="1" latinLnBrk="0" hangingPunct="1">
-              <a:defRPr sz="1800" kern="1200">
-                <a:solidFill>
-                  <a:schemeClr val="tx1"/>
-                </a:solidFill>
-                <a:latin typeface="+mn-lt"/>
-                <a:ea typeface="+mn-ea"/>
-                <a:cs typeface="+mn-cs"/>
-              </a:defRPr>
-            </a:lvl5pPr>
-            <a:lvl6pPr marL="2286000" algn="l" defTabSz="914400" rtl="0" eaLnBrk="1" latinLnBrk="0" hangingPunct="1">
-              <a:defRPr sz="1800" kern="1200">
-                <a:solidFill>
-                  <a:schemeClr val="tx1"/>
-                </a:solidFill>
-                <a:latin typeface="+mn-lt"/>
-                <a:ea typeface="+mn-ea"/>
-                <a:cs typeface="+mn-cs"/>
-              </a:defRPr>
-            </a:lvl6pPr>
-            <a:lvl7pPr marL="2743200" algn="l" defTabSz="914400" rtl="0" eaLnBrk="1" latinLnBrk="0" hangingPunct="1">
-              <a:defRPr sz="1800" kern="1200">
-                <a:solidFill>
-                  <a:schemeClr val="tx1"/>
-                </a:solidFill>
-                <a:latin typeface="+mn-lt"/>
-                <a:ea typeface="+mn-ea"/>
-                <a:cs typeface="+mn-cs"/>
-              </a:defRPr>
-            </a:lvl7pPr>
-            <a:lvl8pPr marL="3200400" algn="l" defTabSz="914400" rtl="0" eaLnBrk="1" latinLnBrk="0" hangingPunct="1">
-              <a:defRPr sz="1800" kern="1200">
-                <a:solidFill>
-                  <a:schemeClr val="tx1"/>
-                </a:solidFill>
-                <a:latin typeface="+mn-lt"/>
-                <a:ea typeface="+mn-ea"/>
-                <a:cs typeface="+mn-cs"/>
-              </a:defRPr>
-            </a:lvl8pPr>
-            <a:lvl9pPr marL="3657600" algn="l" defTabSz="914400" rtl="0" eaLnBrk="1" latinLnBrk="0" hangingPunct="1">
-              <a:defRPr sz="1800" kern="1200">
-                <a:solidFill>
-                  <a:schemeClr val="tx1"/>
-                </a:solidFill>
-                <a:latin typeface="+mn-lt"/>
-                <a:ea typeface="+mn-ea"/>
-                <a:cs typeface="+mn-cs"/>
-              </a:defRPr>
-            </a:lvl9pPr>
-          </a:lstStyle>
-          <a:p>
-            <a:fld id="{3EBA5BD7-F043-4D1B-AA17-CD412FC534DE}" type="slidenum">
+          <a:bodyPr/>
+          <a:lstStyle/>
+          <a:p>
+            <a:fld id="{2BF067CD-8E6B-4360-9AA8-C5DF2A48A6D1}" type="slidenum">
               <a:rPr lang="en-US" smtClean="0"/>
-              <a:pPr/>
-              <a:t>30</a:t>
+              <a:t>19</a:t>
             </a:fld>
             <a:endParaRPr lang="en-US" dirty="0"/>
           </a:p>
@@ -2991,13 +3380,7 @@
       </p:sp>
       <p:sp>
         <p:nvSpPr>
-          <p:cNvPr id="4" name="Footer Placeholder 3">
-            <a:extLst>
-              <a:ext uri="{FF2B5EF4-FFF2-40B4-BE49-F238E27FC236}">
-                <a16:creationId xmlns:a16="http://schemas.microsoft.com/office/drawing/2014/main" id="{8E059BE0-D868-413B-AAA1-1CC88D1F52C5}"/>
-              </a:ext>
-            </a:extLst>
-          </p:cNvPr>
+          <p:cNvPr id="5" name="Footer Placeholder 4"/>
           <p:cNvSpPr>
             <a:spLocks noGrp="1"/>
           </p:cNvSpPr>
@@ -3011,27 +3394,31 @@
           <a:lstStyle/>
           <a:p>
             <a:r>
-              <a:rPr lang="en-US"/>
-              <a:t>© SoftUni – </a:t>
-            </a:r>
-            <a:r>
-              <a:rPr lang="en-US" u="sng">
+              <a:rPr lang="bg-BG" sz="1100"/>
+              <a:t>Работна група </a:t>
+            </a:r>
+            <a:r>
+              <a:rPr lang="bg-BG"/>
+              <a:t>"Образование по програмиране и ИТ"</a:t>
+            </a:r>
+            <a:r>
+              <a:rPr lang="bg-BG" sz="1100"/>
+              <a:t>, с подкрепата на </a:t>
+            </a:r>
+            <a:r>
+              <a:rPr lang="en-US" sz="1100">
                 <a:hlinkClick r:id="rId3"/>
               </a:rPr>
-              <a:t>https://softuni.org</a:t>
-            </a:r>
-            <a:r>
-              <a:rPr lang="en-US"/>
-              <a:t>. Copyrighted document. Unauthorized copy or reproduction is not permitted.</a:t>
-            </a:r>
-            <a:endParaRPr lang="en-US" dirty="0"/>
+              <a:t>SoftUni</a:t>
+            </a:r>
+            <a:endParaRPr lang="en-US" sz="1100" dirty="0"/>
           </a:p>
         </p:txBody>
       </p:sp>
     </p:spTree>
     <p:extLst>
       <p:ext uri="{BB962C8B-B14F-4D97-AF65-F5344CB8AC3E}">
-        <p14:creationId xmlns:p14="http://schemas.microsoft.com/office/powerpoint/2010/main" val="3466590374"/>
+        <p14:creationId xmlns:p14="http://schemas.microsoft.com/office/powerpoint/2010/main" val="3010897597"/>
       </p:ext>
     </p:extLst>
   </p:cSld>
@@ -8340,10 +8727,10 @@
       </p:pic>
       <p:pic>
         <p:nvPicPr>
-          <p:cNvPr id="14" name="Picture 13">
+          <p:cNvPr id="5" name="Picture 4">
             <a:extLst>
               <a:ext uri="{FF2B5EF4-FFF2-40B4-BE49-F238E27FC236}">
-                <a16:creationId xmlns:a16="http://schemas.microsoft.com/office/drawing/2014/main" id="{9A6C893F-B1FD-6B4A-369A-4E179B2193CA}"/>
+                <a16:creationId xmlns:a16="http://schemas.microsoft.com/office/drawing/2014/main" id="{C9BDDD93-D21D-DB91-6204-0EA2BF109992}"/>
               </a:ext>
             </a:extLst>
           </p:cNvPr>
@@ -8360,23 +8747,20 @@
               </a:ext>
             </a:extLst>
           </a:blip>
-          <a:srcRect t="684" b="684"/>
-          <a:stretch/>
+          <a:stretch>
+            <a:fillRect/>
+          </a:stretch>
         </p:blipFill>
         <p:spPr>
           <a:xfrm>
-            <a:off x="5621536" y="2583415"/>
-            <a:ext cx="5844291" cy="2802652"/>
+            <a:off x="6388995" y="2300692"/>
+            <a:ext cx="5248259" cy="3340700"/>
           </a:xfrm>
           <a:prstGeom prst="rect">
             <a:avLst/>
           </a:prstGeom>
           <a:ln>
-            <a:solidFill>
-              <a:schemeClr val="bg2">
-                <a:lumMod val="75000"/>
-              </a:schemeClr>
-            </a:solidFill>
+            <a:noFill/>
           </a:ln>
           <a:effectLst>
             <a:outerShdw blurRad="190500" algn="tl" rotWithShape="0">
@@ -10155,7 +10539,7 @@
         <p:spPr bwMode="auto">
           <a:xfrm>
             <a:off x="188669" y="1138245"/>
-            <a:ext cx="11125200" cy="5419533"/>
+            <a:ext cx="11125200" cy="4496204"/>
           </a:xfrm>
           <a:prstGeom prst="rect">
             <a:avLst/>
@@ -10197,13 +10581,13 @@
               <a:buNone/>
             </a:pPr>
             <a:r>
-              <a:rPr lang="en-US" sz="1600" b="1" dirty="0">
+              <a:rPr lang="en-US" sz="1400" b="1" dirty="0">
                 <a:latin typeface="Consolas" panose="020B0609020204030204" pitchFamily="49" charset="0"/>
               </a:rPr>
-              <a:t>private void </a:t>
-            </a:r>
-            <a:r>
-              <a:rPr lang="en-US" sz="1600" b="1" dirty="0">
+              <a:t> private void </a:t>
+            </a:r>
+            <a:r>
+              <a:rPr lang="en-US" sz="1400" b="1" dirty="0">
                 <a:solidFill>
                   <a:schemeClr val="bg1"/>
                 </a:solidFill>
@@ -10212,7 +10596,7 @@
               <a:t>dataGridViewCountries_SelectionChanged</a:t>
             </a:r>
             <a:r>
-              <a:rPr lang="en-US" sz="1600" b="1" dirty="0">
+              <a:rPr lang="en-US" sz="1400" b="1" dirty="0">
                 <a:latin typeface="Consolas" panose="020B0609020204030204" pitchFamily="49" charset="0"/>
               </a:rPr>
               <a:t>(object sender, EventArgs e)</a:t>
@@ -10234,10 +10618,10 @@
               <a:buNone/>
             </a:pPr>
             <a:r>
-              <a:rPr lang="en-US" sz="1600" b="1" dirty="0">
+              <a:rPr lang="en-US" sz="1400" b="1" dirty="0">
                 <a:latin typeface="Consolas" panose="020B0609020204030204" pitchFamily="49" charset="0"/>
               </a:rPr>
-              <a:t>{</a:t>
+              <a:t> {</a:t>
             </a:r>
           </a:p>
           <a:p>
@@ -10256,10 +10640,76 @@
               <a:buNone/>
             </a:pPr>
             <a:r>
-              <a:rPr lang="en-US" sz="1600" b="1" dirty="0">
+              <a:rPr lang="en-US" sz="1400" b="1" dirty="0">
                 <a:latin typeface="Consolas" panose="020B0609020204030204" pitchFamily="49" charset="0"/>
               </a:rPr>
-              <a:t>    using (var dbContext = new CountriesDbContext())</a:t>
+              <a:t>     if (this.</a:t>
+            </a:r>
+            <a:r>
+              <a:rPr lang="en-US" sz="1400" b="1" dirty="0">
+                <a:solidFill>
+                  <a:schemeClr val="bg1"/>
+                </a:solidFill>
+                <a:latin typeface="Consolas" panose="020B0609020204030204" pitchFamily="49" charset="0"/>
+              </a:rPr>
+              <a:t>dataGridViewCountries</a:t>
+            </a:r>
+            <a:r>
+              <a:rPr lang="en-US" sz="1400" b="1" dirty="0">
+                <a:latin typeface="Consolas" panose="020B0609020204030204" pitchFamily="49" charset="0"/>
+              </a:rPr>
+              <a:t>.</a:t>
+            </a:r>
+            <a:r>
+              <a:rPr lang="en-US" sz="1400" b="1" dirty="0">
+                <a:solidFill>
+                  <a:schemeClr val="bg1"/>
+                </a:solidFill>
+                <a:latin typeface="Consolas" panose="020B0609020204030204" pitchFamily="49" charset="0"/>
+              </a:rPr>
+              <a:t>CurrentRow</a:t>
+            </a:r>
+            <a:r>
+              <a:rPr lang="en-US" sz="1400" b="1" dirty="0">
+                <a:latin typeface="Consolas" panose="020B0609020204030204" pitchFamily="49" charset="0"/>
+              </a:rPr>
+              <a:t> == null)</a:t>
+            </a:r>
+            <a:r>
+              <a:rPr lang="bg-BG" sz="1400" b="1" dirty="0">
+                <a:latin typeface="Consolas" panose="020B0609020204030204" pitchFamily="49" charset="0"/>
+              </a:rPr>
+              <a:t> </a:t>
+            </a:r>
+            <a:r>
+              <a:rPr lang="en-US" sz="1400" b="1" dirty="0">
+                <a:latin typeface="Consolas" panose="020B0609020204030204" pitchFamily="49" charset="0"/>
+              </a:rPr>
+              <a:t>return;</a:t>
+            </a:r>
+            <a:r>
+              <a:rPr lang="bg-BG" sz="1400" b="1" dirty="0">
+                <a:latin typeface="Consolas" panose="020B0609020204030204" pitchFamily="49" charset="0"/>
+              </a:rPr>
+              <a:t> </a:t>
+            </a:r>
+            <a:r>
+              <a:rPr lang="en-US" sz="1400" b="1" dirty="0">
+                <a:solidFill>
+                  <a:schemeClr val="accent2"/>
+                </a:solidFill>
+                <a:latin typeface="Consolas" panose="020B0609020204030204" pitchFamily="49" charset="0"/>
+              </a:rPr>
+              <a:t>// </a:t>
+            </a:r>
+            <a:r>
+              <a:rPr lang="bg-BG" sz="1400" b="1" dirty="0">
+                <a:solidFill>
+                  <a:schemeClr val="accent2"/>
+                </a:solidFill>
+                <a:latin typeface="Consolas" panose="020B0609020204030204" pitchFamily="49" charset="0"/>
+              </a:rPr>
+              <a:t>Няма избрана държава</a:t>
             </a:r>
           </a:p>
           <a:p>
@@ -10278,10 +10728,55 @@
               <a:buNone/>
             </a:pPr>
             <a:r>
-              <a:rPr lang="en-US" sz="1600" b="1" dirty="0">
+              <a:rPr lang="en-US" sz="1400" b="1" dirty="0">
                 <a:latin typeface="Consolas" panose="020B0609020204030204" pitchFamily="49" charset="0"/>
               </a:rPr>
-              <a:t>    {</a:t>
+              <a:t>     var selectedCountry = (Country)this.</a:t>
+            </a:r>
+            <a:r>
+              <a:rPr lang="en-US" sz="1400" b="1" dirty="0">
+                <a:solidFill>
+                  <a:schemeClr val="bg1"/>
+                </a:solidFill>
+                <a:latin typeface="Consolas" panose="020B0609020204030204" pitchFamily="49" charset="0"/>
+              </a:rPr>
+              <a:t>dataGridViewCountries</a:t>
+            </a:r>
+            <a:r>
+              <a:rPr lang="en-US" sz="1400" b="1" dirty="0">
+                <a:latin typeface="Consolas" panose="020B0609020204030204" pitchFamily="49" charset="0"/>
+              </a:rPr>
+              <a:t>.</a:t>
+            </a:r>
+            <a:r>
+              <a:rPr lang="en-US" sz="1400" b="1" dirty="0">
+                <a:solidFill>
+                  <a:schemeClr val="bg1"/>
+                </a:solidFill>
+                <a:latin typeface="Consolas" panose="020B0609020204030204" pitchFamily="49" charset="0"/>
+              </a:rPr>
+              <a:t>CurrentRow</a:t>
+            </a:r>
+            <a:r>
+              <a:rPr lang="en-US" sz="1400" b="1" dirty="0">
+                <a:latin typeface="Consolas" panose="020B0609020204030204" pitchFamily="49" charset="0"/>
+              </a:rPr>
+              <a:t>.</a:t>
+            </a:r>
+            <a:r>
+              <a:rPr lang="en-US" sz="1400" b="1" dirty="0">
+                <a:solidFill>
+                  <a:schemeClr val="bg1"/>
+                </a:solidFill>
+                <a:latin typeface="Consolas" panose="020B0609020204030204" pitchFamily="49" charset="0"/>
+              </a:rPr>
+              <a:t>DataBoundItem</a:t>
+            </a:r>
+            <a:r>
+              <a:rPr lang="en-US" sz="1400" b="1" dirty="0">
+                <a:latin typeface="Consolas" panose="020B0609020204030204" pitchFamily="49" charset="0"/>
+              </a:rPr>
+              <a:t>;</a:t>
             </a:r>
           </a:p>
           <a:p>
@@ -10300,25 +10795,10 @@
               <a:buNone/>
             </a:pPr>
             <a:r>
-              <a:rPr lang="en-US" sz="1600" b="1" dirty="0">
+              <a:rPr lang="en-US" sz="1400" b="1" dirty="0">
                 <a:latin typeface="Consolas" panose="020B0609020204030204" pitchFamily="49" charset="0"/>
               </a:rPr>
-              <a:t>        var </a:t>
-            </a:r>
-            <a:r>
-              <a:rPr lang="en-US" sz="1600" b="1" dirty="0">
-                <a:solidFill>
-                  <a:schemeClr val="bg1"/>
-                </a:solidFill>
-                <a:latin typeface="Consolas" panose="020B0609020204030204" pitchFamily="49" charset="0"/>
-              </a:rPr>
-              <a:t>selectedCountry</a:t>
-            </a:r>
-            <a:r>
-              <a:rPr lang="en-US" sz="1600" b="1" dirty="0">
-                <a:latin typeface="Consolas" panose="020B0609020204030204" pitchFamily="49" charset="0"/>
-              </a:rPr>
-              <a:t> = (Country)countryBindingSource.Current;</a:t>
+              <a:t>     using (var dbContext = new CountriesDbContext())</a:t>
             </a:r>
           </a:p>
           <a:p>
@@ -10337,53 +10817,11 @@
               <a:buNone/>
             </a:pPr>
             <a:r>
-              <a:rPr lang="en-US" sz="1600" b="1" dirty="0">
+              <a:rPr lang="en-US" sz="1400" b="1" dirty="0">
                 <a:latin typeface="Consolas" panose="020B0609020204030204" pitchFamily="49" charset="0"/>
               </a:rPr>
-              <a:t>        if (selectedCountry == null)</a:t>
-            </a:r>
-            <a:r>
-              <a:rPr lang="bg-BG" sz="1600" b="1" dirty="0">
-                <a:latin typeface="Consolas" panose="020B0609020204030204" pitchFamily="49" charset="0"/>
-              </a:rPr>
-              <a:t> </a:t>
-            </a:r>
-            <a:r>
-              <a:rPr lang="en-US" sz="1600" b="1" dirty="0">
-                <a:latin typeface="Consolas" panose="020B0609020204030204" pitchFamily="49" charset="0"/>
-              </a:rPr>
-              <a:t>return;</a:t>
-            </a:r>
-            <a:r>
-              <a:rPr lang="bg-BG" sz="1600" b="1" dirty="0">
-                <a:latin typeface="Consolas" panose="020B0609020204030204" pitchFamily="49" charset="0"/>
-              </a:rPr>
-              <a:t> </a:t>
-            </a:r>
-            <a:r>
-              <a:rPr lang="en-US" sz="1600" b="1" dirty="0">
-                <a:solidFill>
-                  <a:schemeClr val="accent2"/>
-                </a:solidFill>
-                <a:latin typeface="Consolas" panose="020B0609020204030204" pitchFamily="49" charset="0"/>
-              </a:rPr>
-              <a:t>// </a:t>
-            </a:r>
-            <a:r>
-              <a:rPr lang="bg-BG" sz="1600" b="1" dirty="0">
-                <a:solidFill>
-                  <a:schemeClr val="accent2"/>
-                </a:solidFill>
-                <a:latin typeface="Consolas" panose="020B0609020204030204" pitchFamily="49" charset="0"/>
-              </a:rPr>
-              <a:t>Няма избрана държава</a:t>
-            </a:r>
-            <a:endParaRPr lang="en-US" sz="1600" b="1" dirty="0">
-              <a:solidFill>
-                <a:schemeClr val="accent2"/>
-              </a:solidFill>
-              <a:latin typeface="Consolas" panose="020B0609020204030204" pitchFamily="49" charset="0"/>
-            </a:endParaRPr>
+              <a:t>     {</a:t>
+            </a:r>
           </a:p>
           <a:p>
             <a:pPr>
@@ -10401,14 +10839,29 @@
               <a:buNone/>
             </a:pPr>
             <a:r>
-              <a:rPr lang="en-US" sz="1600" b="1" dirty="0">
+              <a:rPr lang="en-US" sz="1400" b="1" dirty="0">
                 <a:latin typeface="Consolas" panose="020B0609020204030204" pitchFamily="49" charset="0"/>
               </a:rPr>
-              <a:t>        var countryId = selectedCountry.CountryId;</a:t>
-            </a:r>
-            <a:endParaRPr lang="bg-BG" sz="1600" b="1" dirty="0">
-              <a:latin typeface="Consolas" panose="020B0609020204030204" pitchFamily="49" charset="0"/>
-            </a:endParaRPr>
+              <a:t>         </a:t>
+            </a:r>
+            <a:r>
+              <a:rPr lang="en-US" sz="1400" b="1" dirty="0">
+                <a:solidFill>
+                  <a:schemeClr val="accent2"/>
+                </a:solidFill>
+                <a:latin typeface="Consolas" panose="020B0609020204030204" pitchFamily="49" charset="0"/>
+              </a:rPr>
+              <a:t>// </a:t>
+            </a:r>
+            <a:r>
+              <a:rPr lang="bg-BG" sz="1400" b="1" dirty="0">
+                <a:solidFill>
+                  <a:schemeClr val="accent2"/>
+                </a:solidFill>
+                <a:latin typeface="Consolas" panose="020B0609020204030204" pitchFamily="49" charset="0"/>
+              </a:rPr>
+              <a:t>Извличане на градовете, които принадлежат на избраната държава</a:t>
+            </a:r>
           </a:p>
           <a:p>
             <a:pPr>
@@ -10426,35 +10879,77 @@
               <a:buNone/>
             </a:pPr>
             <a:r>
-              <a:rPr lang="bg-BG" sz="1600" b="1" dirty="0">
+              <a:rPr lang="bg-BG" sz="1400" b="1" dirty="0">
                 <a:latin typeface="Consolas" panose="020B0609020204030204" pitchFamily="49" charset="0"/>
               </a:rPr>
-              <a:t>        </a:t>
-            </a:r>
-            <a:r>
-              <a:rPr lang="en-US" sz="1600" b="1" dirty="0">
-                <a:solidFill>
-                  <a:schemeClr val="accent2"/>
-                </a:solidFill>
+              <a:t>         </a:t>
+            </a:r>
+            <a:r>
+              <a:rPr lang="en-US" sz="1400" b="1" dirty="0">
                 <a:latin typeface="Consolas" panose="020B0609020204030204" pitchFamily="49" charset="0"/>
               </a:rPr>
-              <a:t>// </a:t>
-            </a:r>
-            <a:r>
-              <a:rPr lang="bg-BG" sz="1600" b="1" dirty="0">
-                <a:solidFill>
-                  <a:schemeClr val="accent2"/>
+              <a:t>var towns = dbContext.Towns.</a:t>
+            </a:r>
+            <a:r>
+              <a:rPr lang="en-US" sz="1400" b="1" dirty="0">
+                <a:solidFill>
+                  <a:schemeClr val="bg1"/>
                 </a:solidFill>
                 <a:latin typeface="Consolas" panose="020B0609020204030204" pitchFamily="49" charset="0"/>
               </a:rPr>
-              <a:t>Извличане на градовете, които принадлежат на избраната държава</a:t>
-            </a:r>
-            <a:endParaRPr lang="en-US" sz="1600" b="1" dirty="0">
-              <a:solidFill>
-                <a:schemeClr val="accent2"/>
-              </a:solidFill>
-              <a:latin typeface="Consolas" panose="020B0609020204030204" pitchFamily="49" charset="0"/>
-            </a:endParaRPr>
+              <a:t>Where</a:t>
+            </a:r>
+            <a:r>
+              <a:rPr lang="en-US" sz="1400" b="1" dirty="0">
+                <a:latin typeface="Consolas" panose="020B0609020204030204" pitchFamily="49" charset="0"/>
+              </a:rPr>
+              <a:t>(t =&gt; t.</a:t>
+            </a:r>
+            <a:r>
+              <a:rPr lang="en-US" sz="1400" b="1" dirty="0">
+                <a:solidFill>
+                  <a:schemeClr val="bg1"/>
+                </a:solidFill>
+                <a:latin typeface="Consolas" panose="020B0609020204030204" pitchFamily="49" charset="0"/>
+              </a:rPr>
+              <a:t>CountryId</a:t>
+            </a:r>
+            <a:r>
+              <a:rPr lang="en-US" sz="1400" b="1" dirty="0">
+                <a:latin typeface="Consolas" panose="020B0609020204030204" pitchFamily="49" charset="0"/>
+              </a:rPr>
+              <a:t> == </a:t>
+            </a:r>
+            <a:r>
+              <a:rPr lang="en-US" sz="1400" b="1" dirty="0">
+                <a:solidFill>
+                  <a:schemeClr val="bg1"/>
+                </a:solidFill>
+                <a:latin typeface="Consolas" panose="020B0609020204030204" pitchFamily="49" charset="0"/>
+              </a:rPr>
+              <a:t>selectedCountry</a:t>
+            </a:r>
+            <a:r>
+              <a:rPr lang="en-US" sz="1400" b="1" dirty="0">
+                <a:latin typeface="Consolas" panose="020B0609020204030204" pitchFamily="49" charset="0"/>
+              </a:rPr>
+              <a:t>.</a:t>
+            </a:r>
+            <a:r>
+              <a:rPr lang="en-US" sz="1400" b="1" dirty="0">
+                <a:solidFill>
+                  <a:schemeClr val="bg1"/>
+                </a:solidFill>
+                <a:latin typeface="Consolas" panose="020B0609020204030204" pitchFamily="49" charset="0"/>
+              </a:rPr>
+              <a:t>CountryId</a:t>
+            </a:r>
+            <a:r>
+              <a:rPr lang="en-US" sz="1400" b="1" dirty="0">
+                <a:latin typeface="Consolas" panose="020B0609020204030204" pitchFamily="49" charset="0"/>
+              </a:rPr>
+              <a:t>).ToArray();</a:t>
+            </a:r>
           </a:p>
           <a:p>
             <a:pPr>
@@ -10472,40 +10967,46 @@
               <a:buNone/>
             </a:pPr>
             <a:r>
-              <a:rPr lang="en-US" sz="1600" b="1" dirty="0">
+              <a:rPr lang="en-US" sz="1400" b="1" dirty="0">
                 <a:latin typeface="Consolas" panose="020B0609020204030204" pitchFamily="49" charset="0"/>
               </a:rPr>
-              <a:t>        var </a:t>
-            </a:r>
-            <a:r>
-              <a:rPr lang="en-US" sz="1600" b="1" dirty="0">
-                <a:solidFill>
-                  <a:schemeClr val="bg1"/>
+              <a:t>         </a:t>
+            </a:r>
+            <a:r>
+              <a:rPr lang="en-US" sz="1400" b="1" dirty="0">
+                <a:solidFill>
+                  <a:schemeClr val="accent2"/>
                 </a:solidFill>
                 <a:latin typeface="Consolas" panose="020B0609020204030204" pitchFamily="49" charset="0"/>
               </a:rPr>
-              <a:t>towns</a:t>
-            </a:r>
-            <a:r>
-              <a:rPr lang="en-US" sz="1600" b="1" dirty="0">
+              <a:t>// </a:t>
+            </a:r>
+            <a:r>
+              <a:rPr lang="bg-BG" sz="1400" b="1" dirty="0">
+                <a:solidFill>
+                  <a:schemeClr val="accent2"/>
+                </a:solidFill>
                 <a:latin typeface="Consolas" panose="020B0609020204030204" pitchFamily="49" charset="0"/>
               </a:rPr>
-              <a:t> = dbContext.Towns.</a:t>
-            </a:r>
-            <a:r>
-              <a:rPr lang="en-US" sz="1600" b="1" dirty="0">
-                <a:solidFill>
-                  <a:schemeClr val="bg1"/>
+              <a:t>Обновяване на </a:t>
+            </a:r>
+            <a:r>
+              <a:rPr lang="en-US" sz="1400" b="1" dirty="0">
+                <a:solidFill>
+                  <a:schemeClr val="accent2"/>
                 </a:solidFill>
                 <a:latin typeface="Consolas" panose="020B0609020204030204" pitchFamily="49" charset="0"/>
               </a:rPr>
-              <a:t>Where</a:t>
-            </a:r>
-            <a:r>
-              <a:rPr lang="en-US" sz="1600" b="1" dirty="0">
+              <a:t>DataGridView </a:t>
+            </a:r>
+            <a:r>
+              <a:rPr lang="bg-BG" sz="1400" b="1" dirty="0">
+                <a:solidFill>
+                  <a:schemeClr val="accent2"/>
+                </a:solidFill>
                 <a:latin typeface="Consolas" panose="020B0609020204030204" pitchFamily="49" charset="0"/>
               </a:rPr>
-              <a:t>(t =&gt; t.CountryId == countryId).ToList();</a:t>
+              <a:t>за градовете</a:t>
             </a:r>
           </a:p>
           <a:p>
@@ -10524,22 +11025,46 @@
               <a:buNone/>
             </a:pPr>
             <a:r>
-              <a:rPr lang="en-US" sz="1600" b="1" dirty="0">
-                <a:solidFill>
-                  <a:schemeClr val="accent2"/>
-                </a:solidFill>
+              <a:rPr lang="bg-BG" sz="1400" b="1" dirty="0">
                 <a:latin typeface="Consolas" panose="020B0609020204030204" pitchFamily="49" charset="0"/>
               </a:rPr>
-              <a:t>        // </a:t>
-            </a:r>
-            <a:r>
-              <a:rPr lang="bg-BG" sz="1600" b="1" dirty="0">
-                <a:solidFill>
-                  <a:schemeClr val="accent2"/>
-                </a:solidFill>
+              <a:t>         </a:t>
+            </a:r>
+            <a:r>
+              <a:rPr lang="en-US" sz="1400" b="1" dirty="0">
                 <a:latin typeface="Consolas" panose="020B0609020204030204" pitchFamily="49" charset="0"/>
               </a:rPr>
-              <a:t>Обновяване на градовете</a:t>
+              <a:t>this.</a:t>
+            </a:r>
+            <a:r>
+              <a:rPr lang="en-US" sz="1400" b="1" dirty="0">
+                <a:solidFill>
+                  <a:schemeClr val="bg1"/>
+                </a:solidFill>
+                <a:latin typeface="Consolas" panose="020B0609020204030204" pitchFamily="49" charset="0"/>
+              </a:rPr>
+              <a:t>dataGridViewTowns</a:t>
+            </a:r>
+            <a:r>
+              <a:rPr lang="en-US" sz="1400" b="1" dirty="0">
+                <a:latin typeface="Consolas" panose="020B0609020204030204" pitchFamily="49" charset="0"/>
+              </a:rPr>
+              <a:t>.</a:t>
+            </a:r>
+            <a:r>
+              <a:rPr lang="en-US" sz="1400" b="1" dirty="0">
+                <a:solidFill>
+                  <a:schemeClr val="bg1"/>
+                </a:solidFill>
+                <a:latin typeface="Consolas" panose="020B0609020204030204" pitchFamily="49" charset="0"/>
+              </a:rPr>
+              <a:t>DataSource</a:t>
+            </a:r>
+            <a:r>
+              <a:rPr lang="en-US" sz="1400" b="1" dirty="0">
+                <a:latin typeface="Consolas" panose="020B0609020204030204" pitchFamily="49" charset="0"/>
+              </a:rPr>
+              <a:t> = towns;</a:t>
             </a:r>
           </a:p>
           <a:p>
@@ -10558,40 +11083,10 @@
               <a:buNone/>
             </a:pPr>
             <a:r>
-              <a:rPr lang="en-US" sz="1600" b="1" dirty="0">
+              <a:rPr lang="en-US" sz="1400" b="1" dirty="0">
                 <a:latin typeface="Consolas" panose="020B0609020204030204" pitchFamily="49" charset="0"/>
               </a:rPr>
-              <a:t>        this.townBindingSource.</a:t>
-            </a:r>
-            <a:r>
-              <a:rPr lang="en-US" sz="1600" b="1" dirty="0">
-                <a:solidFill>
-                  <a:schemeClr val="bg1"/>
-                </a:solidFill>
-                <a:latin typeface="Consolas" panose="020B0609020204030204" pitchFamily="49" charset="0"/>
-              </a:rPr>
-              <a:t>DataSource</a:t>
-            </a:r>
-            <a:r>
-              <a:rPr lang="en-US" sz="1600" b="1" dirty="0">
-                <a:latin typeface="Consolas" panose="020B0609020204030204" pitchFamily="49" charset="0"/>
-              </a:rPr>
-              <a:t> = </a:t>
-            </a:r>
-            <a:r>
-              <a:rPr lang="en-US" sz="1600" b="1" dirty="0">
-                <a:solidFill>
-                  <a:schemeClr val="bg1"/>
-                </a:solidFill>
-                <a:latin typeface="Consolas" panose="020B0609020204030204" pitchFamily="49" charset="0"/>
-              </a:rPr>
-              <a:t>towns</a:t>
-            </a:r>
-            <a:r>
-              <a:rPr lang="en-US" sz="1600" b="1" dirty="0">
-                <a:latin typeface="Consolas" panose="020B0609020204030204" pitchFamily="49" charset="0"/>
-              </a:rPr>
-              <a:t>;</a:t>
+              <a:t>     }</a:t>
             </a:r>
           </a:p>
           <a:p>
@@ -10610,38 +11105,10 @@
               <a:buNone/>
             </a:pPr>
             <a:r>
-              <a:rPr lang="bg-BG" sz="1600" b="1" dirty="0">
+              <a:rPr lang="en-US" sz="1400" b="1" dirty="0">
                 <a:latin typeface="Consolas" panose="020B0609020204030204" pitchFamily="49" charset="0"/>
               </a:rPr>
-              <a:t>    </a:t>
-            </a:r>
-            <a:r>
-              <a:rPr lang="en-US" sz="1600" b="1" dirty="0">
-                <a:latin typeface="Consolas" panose="020B0609020204030204" pitchFamily="49" charset="0"/>
-              </a:rPr>
-              <a:t>}</a:t>
-            </a:r>
-          </a:p>
-          <a:p>
-            <a:pPr>
-              <a:spcBef>
-                <a:spcPts val="600"/>
-              </a:spcBef>
-              <a:spcAft>
-                <a:spcPts val="600"/>
-              </a:spcAft>
-              <a:buClr>
-                <a:srgbClr val="F2B254"/>
-              </a:buClr>
-              <a:buSzPct val="100000"/>
-              <a:buFont typeface="Wingdings" panose="05000000000000000000" pitchFamily="2" charset="2"/>
-              <a:buNone/>
-            </a:pPr>
-            <a:r>
-              <a:rPr lang="en-US" sz="1600" b="1" dirty="0">
-                <a:latin typeface="Consolas" panose="020B0609020204030204" pitchFamily="49" charset="0"/>
-              </a:rPr>
-              <a:t>}</a:t>
+              <a:t> }</a:t>
             </a:r>
           </a:p>
         </p:txBody>
@@ -10661,21 +11128,20 @@
           <p:nvPr/>
         </p:nvPicPr>
         <p:blipFill>
-          <a:blip r:embed="rId2">
+          <a:blip r:embed="rId3">
             <a:extLst>
               <a:ext uri="{28A0092B-C50C-407E-A947-70E740481C1C}">
                 <a14:useLocalDpi xmlns:a14="http://schemas.microsoft.com/office/drawing/2010/main" val="0"/>
               </a:ext>
             </a:extLst>
           </a:blip>
-          <a:stretch>
-            <a:fillRect/>
-          </a:stretch>
+          <a:srcRect/>
+          <a:stretch/>
         </p:blipFill>
         <p:spPr>
           <a:xfrm>
-            <a:off x="8274569" y="1584001"/>
-            <a:ext cx="3728762" cy="2385000"/>
+            <a:off x="7536000" y="4185573"/>
+            <a:ext cx="4040121" cy="2571677"/>
           </a:xfrm>
           <a:prstGeom prst="rect">
             <a:avLst/>
@@ -10840,758 +11306,6 @@
       </p:grpSpPr>
       <p:sp>
         <p:nvSpPr>
-          <p:cNvPr id="2" name="Slide Number Placeholder 1">
-            <a:extLst>
-              <a:ext uri="{FF2B5EF4-FFF2-40B4-BE49-F238E27FC236}">
-                <a16:creationId xmlns:a16="http://schemas.microsoft.com/office/drawing/2014/main" id="{9A078F77-60DC-3C95-03B7-A872970BC6E6}"/>
-              </a:ext>
-            </a:extLst>
-          </p:cNvPr>
-          <p:cNvSpPr>
-            <a:spLocks noGrp="1"/>
-          </p:cNvSpPr>
-          <p:nvPr>
-            <p:ph type="sldNum" sz="quarter" idx="5"/>
-          </p:nvPr>
-        </p:nvSpPr>
-        <p:spPr/>
-        <p:txBody>
-          <a:bodyPr/>
-          <a:lstStyle/>
-          <a:p>
-            <a:fld id="{2BF067CD-8E6B-4360-9AA8-C5DF2A48A6D1}" type="slidenum">
-              <a:rPr lang="en-US" noProof="0" smtClean="0"/>
-              <a:pPr/>
-              <a:t>14</a:t>
-            </a:fld>
-            <a:endParaRPr lang="en-US" noProof="0" dirty="0"/>
-          </a:p>
-        </p:txBody>
-      </p:sp>
-      <p:sp>
-        <p:nvSpPr>
-          <p:cNvPr id="4" name="Title 3">
-            <a:extLst>
-              <a:ext uri="{FF2B5EF4-FFF2-40B4-BE49-F238E27FC236}">
-                <a16:creationId xmlns:a16="http://schemas.microsoft.com/office/drawing/2014/main" id="{B6D27351-261F-C64D-6D8A-0AEFB51B05DF}"/>
-              </a:ext>
-            </a:extLst>
-          </p:cNvPr>
-          <p:cNvSpPr>
-            <a:spLocks noGrp="1"/>
-          </p:cNvSpPr>
-          <p:nvPr>
-            <p:ph type="title"/>
-          </p:nvPr>
-        </p:nvSpPr>
-        <p:spPr/>
-        <p:txBody>
-          <a:bodyPr>
-            <a:normAutofit/>
-          </a:bodyPr>
-          <a:lstStyle/>
-          <a:p>
-            <a:r>
-              <a:rPr lang="bg-BG" sz="3800" dirty="0"/>
-              <a:t>Навигация между свързани таблици – пример</a:t>
-            </a:r>
-            <a:endParaRPr lang="en-US" sz="3800" dirty="0"/>
-          </a:p>
-        </p:txBody>
-      </p:sp>
-      <p:sp>
-        <p:nvSpPr>
-          <p:cNvPr id="5" name="Rectangle 4">
-            <a:extLst>
-              <a:ext uri="{FF2B5EF4-FFF2-40B4-BE49-F238E27FC236}">
-                <a16:creationId xmlns:a16="http://schemas.microsoft.com/office/drawing/2014/main" id="{6D24BA32-353B-F5E8-383E-DFE41629242E}"/>
-              </a:ext>
-            </a:extLst>
-          </p:cNvPr>
-          <p:cNvSpPr>
-            <a:spLocks noChangeArrowheads="1"/>
-          </p:cNvSpPr>
-          <p:nvPr/>
-        </p:nvSpPr>
-        <p:spPr bwMode="auto">
-          <a:xfrm>
-            <a:off x="619841" y="1359000"/>
-            <a:ext cx="11125200" cy="5234867"/>
-          </a:xfrm>
-          <a:prstGeom prst="rect">
-            <a:avLst/>
-          </a:prstGeom>
-          <a:solidFill>
-            <a:schemeClr val="accent5">
-              <a:lumMod val="40000"/>
-              <a:lumOff val="60000"/>
-              <a:alpha val="20000"/>
-            </a:schemeClr>
-          </a:solidFill>
-          <a:ln w="12700">
-            <a:solidFill>
-              <a:schemeClr val="accent5">
-                <a:lumMod val="60000"/>
-                <a:lumOff val="40000"/>
-              </a:schemeClr>
-            </a:solidFill>
-          </a:ln>
-        </p:spPr>
-        <p:txBody>
-          <a:bodyPr vert="horz" wrap="square" lIns="144000" tIns="108000" rIns="144000" bIns="108000" rtlCol="0">
-            <a:spAutoFit/>
-          </a:bodyPr>
-          <a:lstStyle/>
-          <a:p>
-            <a:pPr>
-              <a:spcBef>
-                <a:spcPts val="600"/>
-              </a:spcBef>
-              <a:spcAft>
-                <a:spcPts val="600"/>
-              </a:spcAft>
-              <a:buClr>
-                <a:srgbClr val="F2B254"/>
-              </a:buClr>
-              <a:buSzPct val="100000"/>
-              <a:buFont typeface="Wingdings" panose="05000000000000000000" pitchFamily="2" charset="2"/>
-              <a:buNone/>
-            </a:pPr>
-            <a:r>
-              <a:rPr lang="en-US" b="1" dirty="0">
-                <a:latin typeface="Consolas" panose="020B0609020204030204" pitchFamily="49" charset="0"/>
-              </a:rPr>
-              <a:t>private void </a:t>
-            </a:r>
-            <a:r>
-              <a:rPr lang="en-US" b="1" dirty="0" err="1">
-                <a:latin typeface="Consolas" panose="020B0609020204030204" pitchFamily="49" charset="0"/>
-              </a:rPr>
-              <a:t>dataGridViewCountries_SelectionChanged</a:t>
-            </a:r>
-            <a:r>
-              <a:rPr lang="en-US" b="1" dirty="0">
-                <a:latin typeface="Consolas" panose="020B0609020204030204" pitchFamily="49" charset="0"/>
-              </a:rPr>
-              <a:t>(object sender, </a:t>
-            </a:r>
-            <a:r>
-              <a:rPr lang="en-US" b="1" dirty="0" err="1">
-                <a:latin typeface="Consolas" panose="020B0609020204030204" pitchFamily="49" charset="0"/>
-              </a:rPr>
-              <a:t>EventArgs</a:t>
-            </a:r>
-            <a:r>
-              <a:rPr lang="en-US" b="1" dirty="0">
-                <a:latin typeface="Consolas" panose="020B0609020204030204" pitchFamily="49" charset="0"/>
-              </a:rPr>
-              <a:t> e)</a:t>
-            </a:r>
-          </a:p>
-          <a:p>
-            <a:pPr>
-              <a:spcBef>
-                <a:spcPts val="600"/>
-              </a:spcBef>
-              <a:spcAft>
-                <a:spcPts val="600"/>
-              </a:spcAft>
-              <a:buClr>
-                <a:srgbClr val="F2B254"/>
-              </a:buClr>
-              <a:buSzPct val="100000"/>
-              <a:buFont typeface="Wingdings" panose="05000000000000000000" pitchFamily="2" charset="2"/>
-              <a:buNone/>
-            </a:pPr>
-            <a:r>
-              <a:rPr lang="en-US" b="1" dirty="0">
-                <a:latin typeface="Consolas" panose="020B0609020204030204" pitchFamily="49" charset="0"/>
-              </a:rPr>
-              <a:t>{</a:t>
-            </a:r>
-          </a:p>
-          <a:p>
-            <a:pPr>
-              <a:spcBef>
-                <a:spcPts val="600"/>
-              </a:spcBef>
-              <a:spcAft>
-                <a:spcPts val="600"/>
-              </a:spcAft>
-              <a:buClr>
-                <a:srgbClr val="F2B254"/>
-              </a:buClr>
-              <a:buSzPct val="100000"/>
-              <a:buFont typeface="Wingdings" panose="05000000000000000000" pitchFamily="2" charset="2"/>
-              <a:buNone/>
-            </a:pPr>
-            <a:r>
-              <a:rPr lang="bg-BG" b="1" dirty="0">
-                <a:latin typeface="Consolas" panose="020B0609020204030204" pitchFamily="49" charset="0"/>
-              </a:rPr>
-              <a:t>  </a:t>
-            </a:r>
-            <a:r>
-              <a:rPr lang="en-US" b="1" dirty="0">
-                <a:latin typeface="Consolas" panose="020B0609020204030204" pitchFamily="49" charset="0"/>
-              </a:rPr>
-              <a:t>if (</a:t>
-            </a:r>
-            <a:r>
-              <a:rPr lang="en-US" b="1" dirty="0" err="1">
-                <a:latin typeface="Consolas" panose="020B0609020204030204" pitchFamily="49" charset="0"/>
-              </a:rPr>
-              <a:t>dataGridViewCountries.SelectedRows.Count</a:t>
-            </a:r>
-            <a:r>
-              <a:rPr lang="en-US" b="1" dirty="0">
-                <a:latin typeface="Consolas" panose="020B0609020204030204" pitchFamily="49" charset="0"/>
-              </a:rPr>
-              <a:t> == 0) return; // </a:t>
-            </a:r>
-            <a:r>
-              <a:rPr lang="bg-BG" b="1" dirty="0">
-                <a:latin typeface="Consolas" panose="020B0609020204030204" pitchFamily="49" charset="0"/>
-              </a:rPr>
-              <a:t>няма избрана държава</a:t>
-            </a:r>
-            <a:endParaRPr lang="en-US" b="1" dirty="0">
-              <a:latin typeface="Consolas" panose="020B0609020204030204" pitchFamily="49" charset="0"/>
-            </a:endParaRPr>
-          </a:p>
-          <a:p>
-            <a:pPr>
-              <a:spcBef>
-                <a:spcPts val="600"/>
-              </a:spcBef>
-              <a:spcAft>
-                <a:spcPts val="600"/>
-              </a:spcAft>
-              <a:buClr>
-                <a:srgbClr val="F2B254"/>
-              </a:buClr>
-              <a:buSzPct val="100000"/>
-              <a:buFont typeface="Wingdings" panose="05000000000000000000" pitchFamily="2" charset="2"/>
-              <a:buNone/>
-            </a:pPr>
-            <a:r>
-              <a:rPr lang="en-US" b="1" dirty="0">
-                <a:latin typeface="Consolas" panose="020B0609020204030204" pitchFamily="49" charset="0"/>
-              </a:rPr>
-              <a:t>  var </a:t>
-            </a:r>
-            <a:r>
-              <a:rPr lang="en-US" b="1" dirty="0" err="1">
-                <a:latin typeface="Consolas" panose="020B0609020204030204" pitchFamily="49" charset="0"/>
-              </a:rPr>
-              <a:t>selCountry</a:t>
-            </a:r>
-            <a:r>
-              <a:rPr lang="en-US" b="1" dirty="0">
-                <a:latin typeface="Consolas" panose="020B0609020204030204" pitchFamily="49" charset="0"/>
-              </a:rPr>
-              <a:t> = (Country)</a:t>
-            </a:r>
-            <a:r>
-              <a:rPr lang="en-US" b="1" dirty="0" err="1">
-                <a:latin typeface="Consolas" panose="020B0609020204030204" pitchFamily="49" charset="0"/>
-              </a:rPr>
-              <a:t>dataGridViewCountries.SelectedItem</a:t>
-            </a:r>
-            <a:r>
-              <a:rPr lang="en-US" b="1" dirty="0">
-                <a:latin typeface="Consolas" panose="020B0609020204030204" pitchFamily="49" charset="0"/>
-              </a:rPr>
-              <a:t>;</a:t>
-            </a:r>
-          </a:p>
-          <a:p>
-            <a:pPr>
-              <a:spcBef>
-                <a:spcPts val="600"/>
-              </a:spcBef>
-              <a:spcAft>
-                <a:spcPts val="600"/>
-              </a:spcAft>
-              <a:buClr>
-                <a:srgbClr val="F2B254"/>
-              </a:buClr>
-              <a:buSzPct val="100000"/>
-              <a:buFont typeface="Wingdings" panose="05000000000000000000" pitchFamily="2" charset="2"/>
-              <a:buNone/>
-            </a:pPr>
-            <a:r>
-              <a:rPr lang="en-US" b="1" dirty="0">
-                <a:latin typeface="Consolas" panose="020B0609020204030204" pitchFamily="49" charset="0"/>
-              </a:rPr>
-              <a:t>  using (var </a:t>
-            </a:r>
-            <a:r>
-              <a:rPr lang="en-US" b="1" dirty="0" err="1">
-                <a:latin typeface="Consolas" panose="020B0609020204030204" pitchFamily="49" charset="0"/>
-              </a:rPr>
-              <a:t>dbContext</a:t>
-            </a:r>
-            <a:r>
-              <a:rPr lang="en-US" b="1" dirty="0">
-                <a:latin typeface="Consolas" panose="020B0609020204030204" pitchFamily="49" charset="0"/>
-              </a:rPr>
-              <a:t> = new </a:t>
-            </a:r>
-            <a:r>
-              <a:rPr lang="en-US" b="1" dirty="0" err="1">
-                <a:latin typeface="Consolas" panose="020B0609020204030204" pitchFamily="49" charset="0"/>
-              </a:rPr>
-              <a:t>CountriesDbContext</a:t>
-            </a:r>
-            <a:r>
-              <a:rPr lang="en-US" b="1" dirty="0">
-                <a:latin typeface="Consolas" panose="020B0609020204030204" pitchFamily="49" charset="0"/>
-              </a:rPr>
-              <a:t>())</a:t>
-            </a:r>
-          </a:p>
-          <a:p>
-            <a:pPr>
-              <a:spcBef>
-                <a:spcPts val="600"/>
-              </a:spcBef>
-              <a:spcAft>
-                <a:spcPts val="600"/>
-              </a:spcAft>
-              <a:buClr>
-                <a:srgbClr val="F2B254"/>
-              </a:buClr>
-              <a:buSzPct val="100000"/>
-              <a:buFont typeface="Wingdings" panose="05000000000000000000" pitchFamily="2" charset="2"/>
-              <a:buNone/>
-            </a:pPr>
-            <a:r>
-              <a:rPr lang="en-US" b="1" dirty="0">
-                <a:latin typeface="Consolas" panose="020B0609020204030204" pitchFamily="49" charset="0"/>
-              </a:rPr>
-              <a:t>  {</a:t>
-            </a:r>
-          </a:p>
-          <a:p>
-            <a:pPr>
-              <a:spcBef>
-                <a:spcPts val="600"/>
-              </a:spcBef>
-              <a:spcAft>
-                <a:spcPts val="600"/>
-              </a:spcAft>
-              <a:buClr>
-                <a:srgbClr val="F2B254"/>
-              </a:buClr>
-              <a:buSzPct val="100000"/>
-              <a:buFont typeface="Wingdings" panose="05000000000000000000" pitchFamily="2" charset="2"/>
-              <a:buNone/>
-            </a:pPr>
-            <a:r>
-              <a:rPr lang="en-US" b="1" dirty="0">
-                <a:latin typeface="Consolas" panose="020B0609020204030204" pitchFamily="49" charset="0"/>
-              </a:rPr>
-              <a:t>        // </a:t>
-            </a:r>
-            <a:r>
-              <a:rPr lang="bg-BG" b="1" dirty="0">
-                <a:latin typeface="Consolas" panose="020B0609020204030204" pitchFamily="49" charset="0"/>
-              </a:rPr>
-              <a:t>Извличане на градовете, които принадлежат на избраната държава</a:t>
-            </a:r>
-          </a:p>
-          <a:p>
-            <a:pPr>
-              <a:spcBef>
-                <a:spcPts val="600"/>
-              </a:spcBef>
-              <a:spcAft>
-                <a:spcPts val="600"/>
-              </a:spcAft>
-              <a:buClr>
-                <a:srgbClr val="F2B254"/>
-              </a:buClr>
-              <a:buSzPct val="100000"/>
-              <a:buFont typeface="Wingdings" panose="05000000000000000000" pitchFamily="2" charset="2"/>
-              <a:buNone/>
-            </a:pPr>
-            <a:r>
-              <a:rPr lang="bg-BG" b="1" dirty="0">
-                <a:latin typeface="Consolas" panose="020B0609020204030204" pitchFamily="49" charset="0"/>
-              </a:rPr>
-              <a:t>        </a:t>
-            </a:r>
-            <a:r>
-              <a:rPr lang="en-US" b="1" dirty="0">
-                <a:latin typeface="Consolas" panose="020B0609020204030204" pitchFamily="49" charset="0"/>
-              </a:rPr>
-              <a:t>var towns = </a:t>
-            </a:r>
-            <a:r>
-              <a:rPr lang="en-US" b="1" dirty="0" err="1">
-                <a:latin typeface="Consolas" panose="020B0609020204030204" pitchFamily="49" charset="0"/>
-              </a:rPr>
-              <a:t>dbContext.Towns.Where</a:t>
-            </a:r>
-            <a:r>
-              <a:rPr lang="en-US" b="1" dirty="0">
-                <a:latin typeface="Consolas" panose="020B0609020204030204" pitchFamily="49" charset="0"/>
-              </a:rPr>
-              <a:t>(t =&gt; </a:t>
-            </a:r>
-            <a:r>
-              <a:rPr lang="en-US" b="1" dirty="0" err="1">
-                <a:latin typeface="Consolas" panose="020B0609020204030204" pitchFamily="49" charset="0"/>
-              </a:rPr>
-              <a:t>t.CountryId</a:t>
-            </a:r>
-            <a:r>
-              <a:rPr lang="en-US" b="1" dirty="0">
-                <a:latin typeface="Consolas" panose="020B0609020204030204" pitchFamily="49" charset="0"/>
-              </a:rPr>
-              <a:t> == </a:t>
-            </a:r>
-            <a:r>
-              <a:rPr lang="en-US" b="1" dirty="0" err="1">
-                <a:latin typeface="Consolas" panose="020B0609020204030204" pitchFamily="49" charset="0"/>
-              </a:rPr>
-              <a:t>selCountry.Id</a:t>
-            </a:r>
-            <a:r>
-              <a:rPr lang="en-US" b="1" dirty="0">
-                <a:latin typeface="Consolas" panose="020B0609020204030204" pitchFamily="49" charset="0"/>
-              </a:rPr>
-              <a:t>);</a:t>
-            </a:r>
-          </a:p>
-          <a:p>
-            <a:pPr>
-              <a:spcBef>
-                <a:spcPts val="600"/>
-              </a:spcBef>
-              <a:spcAft>
-                <a:spcPts val="600"/>
-              </a:spcAft>
-              <a:buClr>
-                <a:srgbClr val="F2B254"/>
-              </a:buClr>
-              <a:buSzPct val="100000"/>
-              <a:buFont typeface="Wingdings" panose="05000000000000000000" pitchFamily="2" charset="2"/>
-              <a:buNone/>
-            </a:pPr>
-            <a:r>
-              <a:rPr lang="en-US" b="1" dirty="0">
-                <a:latin typeface="Consolas" panose="020B0609020204030204" pitchFamily="49" charset="0"/>
-              </a:rPr>
-              <a:t>        // </a:t>
-            </a:r>
-            <a:r>
-              <a:rPr lang="bg-BG" b="1" dirty="0">
-                <a:latin typeface="Consolas" panose="020B0609020204030204" pitchFamily="49" charset="0"/>
-              </a:rPr>
-              <a:t>Обновяване на </a:t>
-            </a:r>
-            <a:r>
-              <a:rPr lang="en-US" b="1" dirty="0" err="1">
-                <a:latin typeface="Consolas" panose="020B0609020204030204" pitchFamily="49" charset="0"/>
-              </a:rPr>
-              <a:t>DataGridView</a:t>
-            </a:r>
-            <a:r>
-              <a:rPr lang="en-US" b="1" dirty="0">
-                <a:latin typeface="Consolas" panose="020B0609020204030204" pitchFamily="49" charset="0"/>
-              </a:rPr>
-              <a:t> </a:t>
-            </a:r>
-            <a:r>
-              <a:rPr lang="bg-BG" b="1" dirty="0">
-                <a:latin typeface="Consolas" panose="020B0609020204030204" pitchFamily="49" charset="0"/>
-              </a:rPr>
-              <a:t>за градовете</a:t>
-            </a:r>
-          </a:p>
-          <a:p>
-            <a:pPr>
-              <a:spcBef>
-                <a:spcPts val="600"/>
-              </a:spcBef>
-              <a:spcAft>
-                <a:spcPts val="600"/>
-              </a:spcAft>
-              <a:buClr>
-                <a:srgbClr val="F2B254"/>
-              </a:buClr>
-              <a:buSzPct val="100000"/>
-              <a:buFont typeface="Wingdings" panose="05000000000000000000" pitchFamily="2" charset="2"/>
-              <a:buNone/>
-            </a:pPr>
-            <a:r>
-              <a:rPr lang="bg-BG" b="1" dirty="0">
-                <a:latin typeface="Consolas" panose="020B0609020204030204" pitchFamily="49" charset="0"/>
-              </a:rPr>
-              <a:t>        </a:t>
-            </a:r>
-            <a:r>
-              <a:rPr lang="en-US" b="1" dirty="0" err="1">
-                <a:latin typeface="Consolas" panose="020B0609020204030204" pitchFamily="49" charset="0"/>
-              </a:rPr>
-              <a:t>dataGridViewTowns.DataSource</a:t>
-            </a:r>
-            <a:r>
-              <a:rPr lang="en-US" b="1" dirty="0">
-                <a:latin typeface="Consolas" panose="020B0609020204030204" pitchFamily="49" charset="0"/>
-              </a:rPr>
-              <a:t> = towns;</a:t>
-            </a:r>
-          </a:p>
-          <a:p>
-            <a:pPr>
-              <a:spcBef>
-                <a:spcPts val="600"/>
-              </a:spcBef>
-              <a:spcAft>
-                <a:spcPts val="600"/>
-              </a:spcAft>
-              <a:buClr>
-                <a:srgbClr val="F2B254"/>
-              </a:buClr>
-              <a:buSzPct val="100000"/>
-              <a:buFont typeface="Wingdings" panose="05000000000000000000" pitchFamily="2" charset="2"/>
-              <a:buNone/>
-            </a:pPr>
-            <a:r>
-              <a:rPr lang="en-US" b="1" dirty="0">
-                <a:latin typeface="Consolas" panose="020B0609020204030204" pitchFamily="49" charset="0"/>
-              </a:rPr>
-              <a:t>    }</a:t>
-            </a:r>
-          </a:p>
-          <a:p>
-            <a:pPr>
-              <a:spcBef>
-                <a:spcPts val="600"/>
-              </a:spcBef>
-              <a:spcAft>
-                <a:spcPts val="600"/>
-              </a:spcAft>
-              <a:buClr>
-                <a:srgbClr val="F2B254"/>
-              </a:buClr>
-              <a:buSzPct val="100000"/>
-              <a:buFont typeface="Wingdings" panose="05000000000000000000" pitchFamily="2" charset="2"/>
-              <a:buNone/>
-            </a:pPr>
-            <a:r>
-              <a:rPr lang="en-US" b="1" dirty="0">
-                <a:latin typeface="Consolas" panose="020B0609020204030204" pitchFamily="49" charset="0"/>
-              </a:rPr>
-              <a:t>}</a:t>
-            </a:r>
-            <a:endParaRPr lang="en-US" b="1" noProof="1">
-              <a:latin typeface="Consolas" panose="020B0609020204030204" pitchFamily="49" charset="0"/>
-              <a:cs typeface="Consolas" pitchFamily="49" charset="0"/>
-            </a:endParaRPr>
-          </a:p>
-        </p:txBody>
-      </p:sp>
-      <p:sp>
-        <p:nvSpPr>
-          <p:cNvPr id="6" name="Rectangle: Rounded Corners 5">
-            <a:extLst>
-              <a:ext uri="{FF2B5EF4-FFF2-40B4-BE49-F238E27FC236}">
-                <a16:creationId xmlns:a16="http://schemas.microsoft.com/office/drawing/2014/main" id="{21397F17-6A59-5254-E962-8D4E7B1DA2DC}"/>
-              </a:ext>
-            </a:extLst>
-          </p:cNvPr>
-          <p:cNvSpPr/>
-          <p:nvPr/>
-        </p:nvSpPr>
-        <p:spPr bwMode="auto">
-          <a:xfrm>
-            <a:off x="8031000" y="5061258"/>
-            <a:ext cx="3375000" cy="1695992"/>
-          </a:xfrm>
-          <a:prstGeom prst="roundRect">
-            <a:avLst/>
-          </a:prstGeom>
-          <a:ln/>
-        </p:spPr>
-        <p:style>
-          <a:lnRef idx="0">
-            <a:schemeClr val="accent2"/>
-          </a:lnRef>
-          <a:fillRef idx="3">
-            <a:schemeClr val="accent2"/>
-          </a:fillRef>
-          <a:effectRef idx="3">
-            <a:schemeClr val="accent2"/>
-          </a:effectRef>
-          <a:fontRef idx="minor">
-            <a:schemeClr val="lt1"/>
-          </a:fontRef>
-        </p:style>
-        <p:txBody>
-          <a:bodyPr rot="0" spcFirstLastPara="0" vertOverflow="overflow" horzOverflow="overflow" vert="horz" wrap="square" lIns="91440" tIns="45720" rIns="91440" bIns="45720" numCol="1" spcCol="0" rtlCol="0" fromWordArt="0" anchor="ctr" anchorCtr="0" forceAA="0" compatLnSpc="1">
-            <a:prstTxWarp prst="textNoShape">
-              <a:avLst/>
-            </a:prstTxWarp>
-            <a:noAutofit/>
-          </a:bodyPr>
-          <a:lstStyle/>
-          <a:p>
-            <a:pPr algn="ctr"/>
-            <a:r>
-              <a:rPr lang="bg-BG" sz="2800" b="1" dirty="0">
-                <a:solidFill>
-                  <a:srgbClr val="FFFFFF"/>
-                </a:solidFill>
-                <a:effectLst>
-                  <a:outerShdw blurRad="38100" dist="38100" dir="2700000" algn="tl">
-                    <a:srgbClr val="000000">
-                      <a:alpha val="43137"/>
-                    </a:srgbClr>
-                  </a:outerShdw>
-                </a:effectLst>
-              </a:rPr>
-              <a:t>Кодът е примерен и не е тестван</a:t>
-            </a:r>
-            <a:endParaRPr lang="en-US" sz="2800" b="1" dirty="0">
-              <a:solidFill>
-                <a:srgbClr val="FFFFFF"/>
-              </a:solidFill>
-              <a:effectLst>
-                <a:outerShdw blurRad="38100" dist="38100" dir="2700000" algn="tl">
-                  <a:srgbClr val="000000">
-                    <a:alpha val="43137"/>
-                  </a:srgbClr>
-                </a:outerShdw>
-              </a:effectLst>
-            </a:endParaRPr>
-          </a:p>
-        </p:txBody>
-      </p:sp>
-    </p:spTree>
-    <p:extLst>
-      <p:ext uri="{BB962C8B-B14F-4D97-AF65-F5344CB8AC3E}">
-        <p14:creationId xmlns:p14="http://schemas.microsoft.com/office/powerpoint/2010/main" val="3858039198"/>
-      </p:ext>
-    </p:extLst>
-  </p:cSld>
-  <p:clrMapOvr>
-    <a:masterClrMapping/>
-  </p:clrMapOvr>
-  <mc:AlternateContent xmlns:mc="http://schemas.openxmlformats.org/markup-compatibility/2006" xmlns:p14="http://schemas.microsoft.com/office/powerpoint/2010/main">
-    <mc:Choice Requires="p14">
-      <p:transition spd="slow" p14:dur="2000" advClick="0" advTm="5000"/>
-    </mc:Choice>
-    <mc:Fallback xmlns="">
-      <p:transition spd="slow" advClick="0" advTm="5000"/>
-    </mc:Fallback>
-  </mc:AlternateContent>
-  <p:timing>
-    <p:tnLst>
-      <p:par>
-        <p:cTn id="1" dur="indefinite" restart="never" nodeType="tmRoot">
-          <p:childTnLst>
-            <p:seq concurrent="1" nextAc="seek">
-              <p:cTn id="2" dur="indefinite" nodeType="mainSeq">
-                <p:childTnLst>
-                  <p:par>
-                    <p:cTn id="3" fill="hold">
-                      <p:stCondLst>
-                        <p:cond delay="indefinite"/>
-                        <p:cond evt="onBegin" delay="0">
-                          <p:tn val="2"/>
-                        </p:cond>
-                      </p:stCondLst>
-                      <p:childTnLst>
-                        <p:par>
-                          <p:cTn id="4" fill="hold">
-                            <p:stCondLst>
-                              <p:cond delay="0"/>
-                            </p:stCondLst>
-                            <p:childTnLst>
-                              <p:par>
-                                <p:cTn id="5" presetID="1" presetClass="entr" presetSubtype="0" fill="hold" grpId="0" nodeType="withEffect">
-                                  <p:stCondLst>
-                                    <p:cond delay="0"/>
-                                  </p:stCondLst>
-                                  <p:childTnLst>
-                                    <p:set>
-                                      <p:cBhvr>
-                                        <p:cTn id="6" dur="1" fill="hold">
-                                          <p:stCondLst>
-                                            <p:cond delay="0"/>
-                                          </p:stCondLst>
-                                        </p:cTn>
-                                        <p:tgtEl>
-                                          <p:spTgt spid="5"/>
-                                        </p:tgtEl>
-                                        <p:attrNameLst>
-                                          <p:attrName>style.visibility</p:attrName>
-                                        </p:attrNameLst>
-                                      </p:cBhvr>
-                                      <p:to>
-                                        <p:strVal val="visible"/>
-                                      </p:to>
-                                    </p:set>
-                                  </p:childTnLst>
-                                </p:cTn>
-                              </p:par>
-                            </p:childTnLst>
-                          </p:cTn>
-                        </p:par>
-                      </p:childTnLst>
-                    </p:cTn>
-                  </p:par>
-                </p:childTnLst>
-              </p:cTn>
-              <p:prevCondLst>
-                <p:cond evt="onPrev" delay="0">
-                  <p:tgtEl>
-                    <p:sldTgt/>
-                  </p:tgtEl>
-                </p:cond>
-              </p:prevCondLst>
-              <p:nextCondLst>
-                <p:cond evt="onNext" delay="0">
-                  <p:tgtEl>
-                    <p:sldTgt/>
-                  </p:tgtEl>
-                </p:cond>
-              </p:nextCondLst>
-            </p:seq>
-          </p:childTnLst>
-        </p:cTn>
-      </p:par>
-    </p:tnLst>
-    <p:bldLst>
-      <p:bldP spid="5" grpId="0" animBg="1"/>
-    </p:bldLst>
-  </p:timing>
-</p:sld>
-</file>
-
-<file path=ppt/slides/slide15.xml><?xml version="1.0" encoding="utf-8"?>
-<p:sld xmlns:a="http://schemas.openxmlformats.org/drawingml/2006/main" xmlns:r="http://schemas.openxmlformats.org/officeDocument/2006/relationships" xmlns:p="http://schemas.openxmlformats.org/presentationml/2006/main">
-  <p:cSld>
-    <p:spTree>
-      <p:nvGrpSpPr>
-        <p:cNvPr id="1" name=""/>
-        <p:cNvGrpSpPr/>
-        <p:nvPr/>
-      </p:nvGrpSpPr>
-      <p:grpSpPr>
-        <a:xfrm>
-          <a:off x="0" y="0"/>
-          <a:ext cx="0" cy="0"/>
-          <a:chOff x="0" y="0"/>
-          <a:chExt cx="0" cy="0"/>
-        </a:xfrm>
-      </p:grpSpPr>
-      <p:sp>
-        <p:nvSpPr>
           <p:cNvPr id="4" name="Slide Subtitle">
             <a:extLst>
               <a:ext uri="{FF2B5EF4-FFF2-40B4-BE49-F238E27FC236}">
@@ -11707,7 +11421,7 @@
 </p:sld>
 </file>
 
-<file path=ppt/slides/slide16.xml><?xml version="1.0" encoding="utf-8"?>
+<file path=ppt/slides/slide15.xml><?xml version="1.0" encoding="utf-8"?>
 <p:sld xmlns:a="http://schemas.openxmlformats.org/drawingml/2006/main" xmlns:r="http://schemas.openxmlformats.org/officeDocument/2006/relationships" xmlns:p="http://schemas.openxmlformats.org/presentationml/2006/main">
   <p:cSld>
     <p:spTree>
@@ -11748,7 +11462,7 @@
             <a:fld id="{2BF067CD-8E6B-4360-9AA8-C5DF2A48A6D1}" type="slidenum">
               <a:rPr lang="en-US" noProof="0" smtClean="0"/>
               <a:pPr/>
-              <a:t>16</a:t>
+              <a:t>15</a:t>
             </a:fld>
             <a:endParaRPr lang="en-US" noProof="0" dirty="0"/>
           </a:p>
@@ -12014,7 +11728,7 @@
                 <a:latin typeface="Consolas" pitchFamily="49" charset="0"/>
                 <a:cs typeface="Consolas" pitchFamily="49" charset="0"/>
               </a:rPr>
-              <a:t>    this.townBindingSource.DataSource = towns;</a:t>
+              <a:t>    this.dataGridViewTowns.DataSource = towns;</a:t>
             </a:r>
           </a:p>
           <a:p>
@@ -12042,134 +11756,499 @@
           </a:p>
         </p:txBody>
       </p:sp>
+    </p:spTree>
+    <p:extLst>
+      <p:ext uri="{BB962C8B-B14F-4D97-AF65-F5344CB8AC3E}">
+        <p14:creationId xmlns:p14="http://schemas.microsoft.com/office/powerpoint/2010/main" val="448227312"/>
+      </p:ext>
+    </p:extLst>
+  </p:cSld>
+  <p:clrMapOvr>
+    <a:masterClrMapping/>
+  </p:clrMapOvr>
+  <mc:AlternateContent xmlns:mc="http://schemas.openxmlformats.org/markup-compatibility/2006" xmlns:p14="http://schemas.microsoft.com/office/powerpoint/2010/main">
+    <mc:Choice Requires="p14">
+      <p:transition spd="slow" p14:dur="2000" advClick="0" advTm="5000"/>
+    </mc:Choice>
+    <mc:Fallback xmlns="">
+      <p:transition spd="slow" advClick="0" advTm="5000"/>
+    </mc:Fallback>
+  </mc:AlternateContent>
+  <p:timing>
+    <p:tnLst>
+      <p:par>
+        <p:cTn id="1" dur="indefinite" restart="never" nodeType="tmRoot">
+          <p:childTnLst>
+            <p:seq concurrent="1" nextAc="seek">
+              <p:cTn id="2" dur="indefinite" nodeType="mainSeq">
+                <p:childTnLst>
+                  <p:par>
+                    <p:cTn id="3" fill="hold">
+                      <p:stCondLst>
+                        <p:cond delay="indefinite"/>
+                        <p:cond evt="onBegin" delay="0">
+                          <p:tn val="2"/>
+                        </p:cond>
+                      </p:stCondLst>
+                      <p:childTnLst>
+                        <p:par>
+                          <p:cTn id="4" fill="hold">
+                            <p:stCondLst>
+                              <p:cond delay="0"/>
+                            </p:stCondLst>
+                            <p:childTnLst>
+                              <p:par>
+                                <p:cTn id="5" presetID="1" presetClass="entr" presetSubtype="0" fill="hold" nodeType="withEffect">
+                                  <p:stCondLst>
+                                    <p:cond delay="0"/>
+                                  </p:stCondLst>
+                                  <p:childTnLst>
+                                    <p:set>
+                                      <p:cBhvr>
+                                        <p:cTn id="6" dur="1" fill="hold">
+                                          <p:stCondLst>
+                                            <p:cond delay="0"/>
+                                          </p:stCondLst>
+                                        </p:cTn>
+                                        <p:tgtEl>
+                                          <p:spTgt spid="3">
+                                            <p:txEl>
+                                              <p:pRg st="0" end="0"/>
+                                            </p:txEl>
+                                          </p:spTgt>
+                                        </p:tgtEl>
+                                        <p:attrNameLst>
+                                          <p:attrName>style.visibility</p:attrName>
+                                        </p:attrNameLst>
+                                      </p:cBhvr>
+                                      <p:to>
+                                        <p:strVal val="visible"/>
+                                      </p:to>
+                                    </p:set>
+                                  </p:childTnLst>
+                                </p:cTn>
+                              </p:par>
+                              <p:par>
+                                <p:cTn id="7" presetID="1" presetClass="entr" presetSubtype="0" fill="hold" grpId="0" nodeType="withEffect">
+                                  <p:stCondLst>
+                                    <p:cond delay="0"/>
+                                  </p:stCondLst>
+                                  <p:childTnLst>
+                                    <p:set>
+                                      <p:cBhvr>
+                                        <p:cTn id="8" dur="1" fill="hold">
+                                          <p:stCondLst>
+                                            <p:cond delay="0"/>
+                                          </p:stCondLst>
+                                        </p:cTn>
+                                        <p:tgtEl>
+                                          <p:spTgt spid="5"/>
+                                        </p:tgtEl>
+                                        <p:attrNameLst>
+                                          <p:attrName>style.visibility</p:attrName>
+                                        </p:attrNameLst>
+                                      </p:cBhvr>
+                                      <p:to>
+                                        <p:strVal val="visible"/>
+                                      </p:to>
+                                    </p:set>
+                                  </p:childTnLst>
+                                </p:cTn>
+                              </p:par>
+                            </p:childTnLst>
+                          </p:cTn>
+                        </p:par>
+                      </p:childTnLst>
+                    </p:cTn>
+                  </p:par>
+                </p:childTnLst>
+              </p:cTn>
+              <p:prevCondLst>
+                <p:cond evt="onPrev" delay="0">
+                  <p:tgtEl>
+                    <p:sldTgt/>
+                  </p:tgtEl>
+                </p:cond>
+              </p:prevCondLst>
+              <p:nextCondLst>
+                <p:cond evt="onNext" delay="0">
+                  <p:tgtEl>
+                    <p:sldTgt/>
+                  </p:tgtEl>
+                </p:cond>
+              </p:nextCondLst>
+            </p:seq>
+          </p:childTnLst>
+        </p:cTn>
+      </p:par>
+    </p:tnLst>
+    <p:bldLst>
+      <p:bldP spid="5" grpId="0" animBg="1"/>
+    </p:bldLst>
+  </p:timing>
+</p:sld>
+</file>
+
+<file path=ppt/slides/slide16.xml><?xml version="1.0" encoding="utf-8"?>
+<p:sld xmlns:a="http://schemas.openxmlformats.org/drawingml/2006/main" xmlns:r="http://schemas.openxmlformats.org/officeDocument/2006/relationships" xmlns:p="http://schemas.openxmlformats.org/presentationml/2006/main">
+  <p:cSld>
+    <p:spTree>
+      <p:nvGrpSpPr>
+        <p:cNvPr id="1" name=""/>
+        <p:cNvGrpSpPr/>
+        <p:nvPr/>
+      </p:nvGrpSpPr>
+      <p:grpSpPr>
+        <a:xfrm>
+          <a:off x="0" y="0"/>
+          <a:ext cx="0" cy="0"/>
+          <a:chOff x="0" y="0"/>
+          <a:chExt cx="0" cy="0"/>
+        </a:xfrm>
+      </p:grpSpPr>
       <p:sp>
         <p:nvSpPr>
-          <p:cNvPr id="6" name="Rectangle: Rounded Corners 5">
+          <p:cNvPr id="2" name="Slide Number Placeholder 1">
             <a:extLst>
               <a:ext uri="{FF2B5EF4-FFF2-40B4-BE49-F238E27FC236}">
-                <a16:creationId xmlns:a16="http://schemas.microsoft.com/office/drawing/2014/main" id="{E589AC24-BC2F-2D09-0F6A-3C55ABD558C5}"/>
+                <a16:creationId xmlns:a16="http://schemas.microsoft.com/office/drawing/2014/main" id="{80008286-103E-029E-561D-8D41A49D6C4A}"/>
               </a:ext>
             </a:extLst>
           </p:cNvPr>
-          <p:cNvSpPr/>
+          <p:cNvSpPr>
+            <a:spLocks noGrp="1"/>
+          </p:cNvSpPr>
+          <p:nvPr>
+            <p:ph type="sldNum" sz="quarter" idx="5"/>
+          </p:nvPr>
+        </p:nvSpPr>
+        <p:spPr/>
+        <p:txBody>
+          <a:bodyPr/>
+          <a:lstStyle/>
+          <a:p>
+            <a:fld id="{2BF067CD-8E6B-4360-9AA8-C5DF2A48A6D1}" type="slidenum">
+              <a:rPr lang="en-US" noProof="0" smtClean="0"/>
+              <a:pPr/>
+              <a:t>16</a:t>
+            </a:fld>
+            <a:endParaRPr lang="en-US" noProof="0" dirty="0"/>
+          </a:p>
+        </p:txBody>
+      </p:sp>
+      <p:sp>
+        <p:nvSpPr>
+          <p:cNvPr id="3" name="Text Placeholder 2">
+            <a:extLst>
+              <a:ext uri="{FF2B5EF4-FFF2-40B4-BE49-F238E27FC236}">
+                <a16:creationId xmlns:a16="http://schemas.microsoft.com/office/drawing/2014/main" id="{10A8C3E8-5362-CBA8-B95B-83B588887E07}"/>
+              </a:ext>
+            </a:extLst>
+          </p:cNvPr>
+          <p:cNvSpPr>
+            <a:spLocks noGrp="1"/>
+          </p:cNvSpPr>
+          <p:nvPr>
+            <p:ph type="body" sz="quarter" idx="10"/>
+          </p:nvPr>
+        </p:nvSpPr>
+        <p:spPr/>
+        <p:txBody>
+          <a:bodyPr/>
+          <a:lstStyle/>
+          <a:p>
+            <a:r>
+              <a:rPr lang="bg-BG" dirty="0"/>
+              <a:t>Използваме </a:t>
+            </a:r>
+            <a:r>
+              <a:rPr lang="en-GB" b="1" dirty="0">
+                <a:solidFill>
+                  <a:schemeClr val="bg1"/>
+                </a:solidFill>
+                <a:latin typeface="Consolas" panose="020B0609020204030204" pitchFamily="49" charset="0"/>
+                <a:cs typeface="Consolas" panose="020B0609020204030204" pitchFamily="49" charset="0"/>
+              </a:rPr>
+              <a:t>OrderBy()</a:t>
+            </a:r>
+            <a:r>
+              <a:rPr lang="en-GB" dirty="0"/>
+              <a:t> </a:t>
+            </a:r>
+            <a:r>
+              <a:rPr lang="bg-BG" dirty="0"/>
+              <a:t>метод за </a:t>
+            </a:r>
+            <a:r>
+              <a:rPr lang="bg-BG" b="1" dirty="0"/>
+              <a:t>сортиране</a:t>
+            </a:r>
+            <a:r>
+              <a:rPr lang="bg-BG" dirty="0"/>
+              <a:t> на </a:t>
+            </a:r>
+            <a:r>
+              <a:rPr lang="bg-BG" b="1" dirty="0"/>
+              <a:t>данните</a:t>
+            </a:r>
+            <a:endParaRPr lang="en-BG" b="1" dirty="0"/>
+          </a:p>
+        </p:txBody>
+      </p:sp>
+      <p:sp>
+        <p:nvSpPr>
+          <p:cNvPr id="4" name="Title 3">
+            <a:extLst>
+              <a:ext uri="{FF2B5EF4-FFF2-40B4-BE49-F238E27FC236}">
+                <a16:creationId xmlns:a16="http://schemas.microsoft.com/office/drawing/2014/main" id="{C550F237-1593-BAF3-0C66-B08089F39194}"/>
+              </a:ext>
+            </a:extLst>
+          </p:cNvPr>
+          <p:cNvSpPr>
+            <a:spLocks noGrp="1"/>
+          </p:cNvSpPr>
+          <p:nvPr>
+            <p:ph type="title"/>
+          </p:nvPr>
+        </p:nvSpPr>
+        <p:spPr/>
+        <p:txBody>
+          <a:bodyPr/>
+          <a:lstStyle/>
+          <a:p>
+            <a:r>
+              <a:rPr lang="bg-BG" dirty="0"/>
+              <a:t>Сортиране на таблица</a:t>
+            </a:r>
+            <a:endParaRPr lang="en-BG" dirty="0"/>
+          </a:p>
+        </p:txBody>
+      </p:sp>
+      <p:sp>
+        <p:nvSpPr>
+          <p:cNvPr id="5" name="Rectangle 4">
+            <a:extLst>
+              <a:ext uri="{FF2B5EF4-FFF2-40B4-BE49-F238E27FC236}">
+                <a16:creationId xmlns:a16="http://schemas.microsoft.com/office/drawing/2014/main" id="{60BAAD8A-0B40-D482-311E-DE2986AC4088}"/>
+              </a:ext>
+            </a:extLst>
+          </p:cNvPr>
+          <p:cNvSpPr>
+            <a:spLocks noChangeArrowheads="1"/>
+          </p:cNvSpPr>
           <p:nvPr/>
         </p:nvSpPr>
         <p:spPr bwMode="auto">
           <a:xfrm>
-            <a:off x="4507337" y="5139000"/>
-            <a:ext cx="5966606" cy="1250373"/>
+            <a:off x="627830" y="2124000"/>
+            <a:ext cx="11125200" cy="3942206"/>
           </a:xfrm>
-          <a:prstGeom prst="roundRect">
+          <a:prstGeom prst="rect">
             <a:avLst/>
           </a:prstGeom>
-          <a:ln/>
+          <a:solidFill>
+            <a:schemeClr val="accent5">
+              <a:lumMod val="40000"/>
+              <a:lumOff val="60000"/>
+              <a:alpha val="20000"/>
+            </a:schemeClr>
+          </a:solidFill>
+          <a:ln w="12700">
+            <a:solidFill>
+              <a:schemeClr val="accent5">
+                <a:lumMod val="60000"/>
+                <a:lumOff val="40000"/>
+              </a:schemeClr>
+            </a:solidFill>
+          </a:ln>
         </p:spPr>
-        <p:style>
-          <a:lnRef idx="0">
-            <a:schemeClr val="accent2"/>
-          </a:lnRef>
-          <a:fillRef idx="3">
-            <a:schemeClr val="accent2"/>
-          </a:fillRef>
-          <a:effectRef idx="3">
-            <a:schemeClr val="accent2"/>
-          </a:effectRef>
-          <a:fontRef idx="minor">
-            <a:schemeClr val="lt1"/>
-          </a:fontRef>
-        </p:style>
         <p:txBody>
-          <a:bodyPr rot="0" spcFirstLastPara="0" vertOverflow="overflow" horzOverflow="overflow" vert="horz" wrap="square" lIns="91440" tIns="45720" rIns="91440" bIns="45720" numCol="1" spcCol="0" rtlCol="0" fromWordArt="0" anchor="ctr" anchorCtr="0" forceAA="0" compatLnSpc="1">
-            <a:prstTxWarp prst="textNoShape">
-              <a:avLst/>
-            </a:prstTxWarp>
-            <a:noAutofit/>
+          <a:bodyPr vert="horz" wrap="square" lIns="144000" tIns="108000" rIns="144000" bIns="108000" rtlCol="0">
+            <a:spAutoFit/>
           </a:bodyPr>
           <a:lstStyle/>
           <a:p>
-            <a:pPr algn="ctr"/>
-            <a:r>
-              <a:rPr lang="bg-BG" sz="2800" b="1" dirty="0">
-                <a:solidFill>
-                  <a:srgbClr val="FFFFFF"/>
-                </a:solidFill>
-                <a:effectLst>
-                  <a:outerShdw blurRad="38100" dist="38100" dir="2700000" algn="tl">
-                    <a:srgbClr val="000000">
-                      <a:alpha val="43137"/>
-                    </a:srgbClr>
-                  </a:outerShdw>
-                </a:effectLst>
-              </a:rPr>
-              <a:t>От къде идва този </a:t>
-            </a:r>
-            <a:r>
-              <a:rPr lang="en-US" sz="2800" b="1" dirty="0" err="1">
-                <a:solidFill>
-                  <a:srgbClr val="FFFFFF"/>
-                </a:solidFill>
-                <a:effectLst>
-                  <a:outerShdw blurRad="38100" dist="38100" dir="2700000" algn="tl">
-                    <a:srgbClr val="000000">
-                      <a:alpha val="43137"/>
-                    </a:srgbClr>
-                  </a:outerShdw>
-                </a:effectLst>
-              </a:rPr>
-              <a:t>bindingSource</a:t>
-            </a:r>
-            <a:r>
-              <a:rPr lang="en-US" sz="2800" b="1" dirty="0">
-                <a:solidFill>
-                  <a:srgbClr val="FFFFFF"/>
-                </a:solidFill>
-                <a:effectLst>
-                  <a:outerShdw blurRad="38100" dist="38100" dir="2700000" algn="tl">
-                    <a:srgbClr val="000000">
-                      <a:alpha val="43137"/>
-                    </a:srgbClr>
-                  </a:outerShdw>
-                </a:effectLst>
-              </a:rPr>
-              <a:t>?</a:t>
-            </a:r>
-          </a:p>
-          <a:p>
-            <a:pPr algn="ctr"/>
-            <a:r>
-              <a:rPr lang="bg-BG" sz="2800" b="1" dirty="0">
-                <a:solidFill>
-                  <a:srgbClr val="FFFFFF"/>
-                </a:solidFill>
-                <a:effectLst>
-                  <a:outerShdw blurRad="38100" dist="38100" dir="2700000" algn="tl">
-                    <a:srgbClr val="000000">
-                      <a:alpha val="43137"/>
-                    </a:srgbClr>
-                  </a:outerShdw>
-                </a:effectLst>
-              </a:rPr>
-              <a:t>Не сме го учили до момента!</a:t>
-            </a:r>
-            <a:endParaRPr lang="en-US" sz="2800" b="1" dirty="0">
-              <a:solidFill>
-                <a:srgbClr val="FFFFFF"/>
-              </a:solidFill>
-              <a:effectLst>
-                <a:outerShdw blurRad="38100" dist="38100" dir="2700000" algn="tl">
-                  <a:srgbClr val="000000">
-                    <a:alpha val="43137"/>
-                  </a:srgbClr>
-                </a:outerShdw>
-              </a:effectLst>
-            </a:endParaRPr>
+            <a:pPr>
+              <a:spcBef>
+                <a:spcPts val="600"/>
+              </a:spcBef>
+              <a:spcAft>
+                <a:spcPts val="600"/>
+              </a:spcAft>
+              <a:buClr>
+                <a:srgbClr val="F2B254"/>
+              </a:buClr>
+              <a:buSzPct val="100000"/>
+              <a:buFont typeface="Wingdings" panose="05000000000000000000" pitchFamily="2" charset="2"/>
+              <a:buNone/>
+            </a:pPr>
+            <a:r>
+              <a:rPr lang="en-US" sz="2600" b="1" noProof="1">
+                <a:latin typeface="Consolas" pitchFamily="49" charset="0"/>
+                <a:cs typeface="Consolas" pitchFamily="49" charset="0"/>
+              </a:rPr>
+              <a:t>private void SortTownsByName()</a:t>
+            </a:r>
+          </a:p>
+          <a:p>
+            <a:pPr>
+              <a:spcBef>
+                <a:spcPts val="600"/>
+              </a:spcBef>
+              <a:spcAft>
+                <a:spcPts val="600"/>
+              </a:spcAft>
+              <a:buClr>
+                <a:srgbClr val="F2B254"/>
+              </a:buClr>
+              <a:buSzPct val="100000"/>
+              <a:buFont typeface="Wingdings" panose="05000000000000000000" pitchFamily="2" charset="2"/>
+              <a:buNone/>
+            </a:pPr>
+            <a:r>
+              <a:rPr lang="en-US" sz="2600" b="1" noProof="1">
+                <a:latin typeface="Consolas" pitchFamily="49" charset="0"/>
+                <a:cs typeface="Consolas" pitchFamily="49" charset="0"/>
+              </a:rPr>
+              <a:t>{</a:t>
+            </a:r>
+          </a:p>
+          <a:p>
+            <a:pPr>
+              <a:spcBef>
+                <a:spcPts val="600"/>
+              </a:spcBef>
+              <a:spcAft>
+                <a:spcPts val="600"/>
+              </a:spcAft>
+              <a:buClr>
+                <a:srgbClr val="F2B254"/>
+              </a:buClr>
+              <a:buSzPct val="100000"/>
+              <a:buFont typeface="Wingdings" panose="05000000000000000000" pitchFamily="2" charset="2"/>
+              <a:buNone/>
+            </a:pPr>
+            <a:r>
+              <a:rPr lang="en-US" sz="2600" b="1" noProof="1">
+                <a:latin typeface="Consolas" pitchFamily="49" charset="0"/>
+                <a:cs typeface="Consolas" pitchFamily="49" charset="0"/>
+              </a:rPr>
+              <a:t>    var towns = this.dbContext.Towns</a:t>
+            </a:r>
+          </a:p>
+          <a:p>
+            <a:pPr>
+              <a:spcBef>
+                <a:spcPts val="600"/>
+              </a:spcBef>
+              <a:spcAft>
+                <a:spcPts val="600"/>
+              </a:spcAft>
+              <a:buClr>
+                <a:srgbClr val="F2B254"/>
+              </a:buClr>
+              <a:buSzPct val="100000"/>
+              <a:buFont typeface="Wingdings" panose="05000000000000000000" pitchFamily="2" charset="2"/>
+              <a:buNone/>
+            </a:pPr>
+            <a:r>
+              <a:rPr lang="en-US" sz="2600" b="1" noProof="1">
+                <a:latin typeface="Consolas" pitchFamily="49" charset="0"/>
+                <a:cs typeface="Consolas" pitchFamily="49" charset="0"/>
+              </a:rPr>
+              <a:t>          .</a:t>
+            </a:r>
+            <a:r>
+              <a:rPr lang="en-US" sz="2600" b="1" noProof="1">
+                <a:solidFill>
+                  <a:schemeClr val="bg1"/>
+                </a:solidFill>
+                <a:latin typeface="Consolas" pitchFamily="49" charset="0"/>
+                <a:cs typeface="Consolas" pitchFamily="49" charset="0"/>
+              </a:rPr>
+              <a:t>OrderBy</a:t>
+            </a:r>
+            <a:r>
+              <a:rPr lang="en-US" sz="2600" b="1" noProof="1">
+                <a:latin typeface="Consolas" pitchFamily="49" charset="0"/>
+                <a:cs typeface="Consolas" pitchFamily="49" charset="0"/>
+              </a:rPr>
+              <a:t>(t =&gt; t.Name)</a:t>
+            </a:r>
+          </a:p>
+          <a:p>
+            <a:pPr>
+              <a:spcBef>
+                <a:spcPts val="600"/>
+              </a:spcBef>
+              <a:spcAft>
+                <a:spcPts val="600"/>
+              </a:spcAft>
+              <a:buClr>
+                <a:srgbClr val="F2B254"/>
+              </a:buClr>
+              <a:buSzPct val="100000"/>
+              <a:buFont typeface="Wingdings" panose="05000000000000000000" pitchFamily="2" charset="2"/>
+              <a:buNone/>
+            </a:pPr>
+            <a:r>
+              <a:rPr lang="en-US" sz="2600" b="1" noProof="1">
+                <a:latin typeface="Consolas" pitchFamily="49" charset="0"/>
+                <a:cs typeface="Consolas" pitchFamily="49" charset="0"/>
+              </a:rPr>
+              <a:t>          .ToList();</a:t>
+            </a:r>
+          </a:p>
+          <a:p>
+            <a:pPr>
+              <a:spcBef>
+                <a:spcPts val="600"/>
+              </a:spcBef>
+              <a:spcAft>
+                <a:spcPts val="600"/>
+              </a:spcAft>
+              <a:buClr>
+                <a:srgbClr val="F2B254"/>
+              </a:buClr>
+              <a:buSzPct val="100000"/>
+            </a:pPr>
+            <a:r>
+              <a:rPr lang="en-US" sz="2600" b="1" noProof="1">
+                <a:latin typeface="Consolas" pitchFamily="49" charset="0"/>
+                <a:cs typeface="Consolas" pitchFamily="49" charset="0"/>
+              </a:rPr>
+              <a:t>   this.dataGridViewTowns.DataSource = towns;</a:t>
+            </a:r>
+          </a:p>
+          <a:p>
+            <a:pPr>
+              <a:spcBef>
+                <a:spcPts val="600"/>
+              </a:spcBef>
+              <a:spcAft>
+                <a:spcPts val="600"/>
+              </a:spcAft>
+              <a:buClr>
+                <a:srgbClr val="F2B254"/>
+              </a:buClr>
+              <a:buSzPct val="100000"/>
+              <a:buFont typeface="Wingdings" panose="05000000000000000000" pitchFamily="2" charset="2"/>
+              <a:buNone/>
+            </a:pPr>
+            <a:r>
+              <a:rPr lang="en-US" sz="2600" b="1" noProof="1">
+                <a:latin typeface="Consolas" pitchFamily="49" charset="0"/>
+                <a:cs typeface="Consolas" pitchFamily="49" charset="0"/>
+              </a:rPr>
+              <a:t>}</a:t>
+            </a:r>
           </a:p>
         </p:txBody>
       </p:sp>
     </p:spTree>
     <p:extLst>
       <p:ext uri="{BB962C8B-B14F-4D97-AF65-F5344CB8AC3E}">
-        <p14:creationId xmlns:p14="http://schemas.microsoft.com/office/powerpoint/2010/main" val="448227312"/>
+        <p14:creationId xmlns:p14="http://schemas.microsoft.com/office/powerpoint/2010/main" val="1930737302"/>
       </p:ext>
     </p:extLst>
   </p:cSld>
@@ -12318,666 +12397,6 @@
       </p:grpSpPr>
       <p:sp>
         <p:nvSpPr>
-          <p:cNvPr id="2" name="Slide Number Placeholder 1">
-            <a:extLst>
-              <a:ext uri="{FF2B5EF4-FFF2-40B4-BE49-F238E27FC236}">
-                <a16:creationId xmlns:a16="http://schemas.microsoft.com/office/drawing/2014/main" id="{80008286-103E-029E-561D-8D41A49D6C4A}"/>
-              </a:ext>
-            </a:extLst>
-          </p:cNvPr>
-          <p:cNvSpPr>
-            <a:spLocks noGrp="1"/>
-          </p:cNvSpPr>
-          <p:nvPr>
-            <p:ph type="sldNum" sz="quarter" idx="5"/>
-          </p:nvPr>
-        </p:nvSpPr>
-        <p:spPr/>
-        <p:txBody>
-          <a:bodyPr/>
-          <a:lstStyle/>
-          <a:p>
-            <a:fld id="{2BF067CD-8E6B-4360-9AA8-C5DF2A48A6D1}" type="slidenum">
-              <a:rPr lang="en-US" noProof="0" smtClean="0"/>
-              <a:pPr/>
-              <a:t>17</a:t>
-            </a:fld>
-            <a:endParaRPr lang="en-US" noProof="0" dirty="0"/>
-          </a:p>
-        </p:txBody>
-      </p:sp>
-      <p:sp>
-        <p:nvSpPr>
-          <p:cNvPr id="3" name="Text Placeholder 2">
-            <a:extLst>
-              <a:ext uri="{FF2B5EF4-FFF2-40B4-BE49-F238E27FC236}">
-                <a16:creationId xmlns:a16="http://schemas.microsoft.com/office/drawing/2014/main" id="{10A8C3E8-5362-CBA8-B95B-83B588887E07}"/>
-              </a:ext>
-            </a:extLst>
-          </p:cNvPr>
-          <p:cNvSpPr>
-            <a:spLocks noGrp="1"/>
-          </p:cNvSpPr>
-          <p:nvPr>
-            <p:ph type="body" sz="quarter" idx="10"/>
-          </p:nvPr>
-        </p:nvSpPr>
-        <p:spPr/>
-        <p:txBody>
-          <a:bodyPr/>
-          <a:lstStyle/>
-          <a:p>
-            <a:r>
-              <a:rPr lang="bg-BG" dirty="0"/>
-              <a:t>Използваме </a:t>
-            </a:r>
-            <a:r>
-              <a:rPr lang="en-GB" b="1" dirty="0">
-                <a:solidFill>
-                  <a:schemeClr val="bg1"/>
-                </a:solidFill>
-                <a:latin typeface="Consolas" panose="020B0609020204030204" pitchFamily="49" charset="0"/>
-                <a:cs typeface="Consolas" panose="020B0609020204030204" pitchFamily="49" charset="0"/>
-              </a:rPr>
-              <a:t>OrderBy()</a:t>
-            </a:r>
-            <a:r>
-              <a:rPr lang="en-GB" dirty="0"/>
-              <a:t> </a:t>
-            </a:r>
-            <a:r>
-              <a:rPr lang="bg-BG" dirty="0"/>
-              <a:t>метод за </a:t>
-            </a:r>
-            <a:r>
-              <a:rPr lang="bg-BG" b="1" dirty="0"/>
-              <a:t>сортиране</a:t>
-            </a:r>
-            <a:r>
-              <a:rPr lang="bg-BG" dirty="0"/>
-              <a:t> на </a:t>
-            </a:r>
-            <a:r>
-              <a:rPr lang="bg-BG" b="1" dirty="0"/>
-              <a:t>данните</a:t>
-            </a:r>
-            <a:endParaRPr lang="en-BG" b="1" dirty="0"/>
-          </a:p>
-        </p:txBody>
-      </p:sp>
-      <p:sp>
-        <p:nvSpPr>
-          <p:cNvPr id="4" name="Title 3">
-            <a:extLst>
-              <a:ext uri="{FF2B5EF4-FFF2-40B4-BE49-F238E27FC236}">
-                <a16:creationId xmlns:a16="http://schemas.microsoft.com/office/drawing/2014/main" id="{C550F237-1593-BAF3-0C66-B08089F39194}"/>
-              </a:ext>
-            </a:extLst>
-          </p:cNvPr>
-          <p:cNvSpPr>
-            <a:spLocks noGrp="1"/>
-          </p:cNvSpPr>
-          <p:nvPr>
-            <p:ph type="title"/>
-          </p:nvPr>
-        </p:nvSpPr>
-        <p:spPr/>
-        <p:txBody>
-          <a:bodyPr/>
-          <a:lstStyle/>
-          <a:p>
-            <a:r>
-              <a:rPr lang="bg-BG" dirty="0"/>
-              <a:t>Сортиране на таблица</a:t>
-            </a:r>
-            <a:endParaRPr lang="en-BG" dirty="0"/>
-          </a:p>
-        </p:txBody>
-      </p:sp>
-      <p:sp>
-        <p:nvSpPr>
-          <p:cNvPr id="5" name="Rectangle 4">
-            <a:extLst>
-              <a:ext uri="{FF2B5EF4-FFF2-40B4-BE49-F238E27FC236}">
-                <a16:creationId xmlns:a16="http://schemas.microsoft.com/office/drawing/2014/main" id="{60BAAD8A-0B40-D482-311E-DE2986AC4088}"/>
-              </a:ext>
-            </a:extLst>
-          </p:cNvPr>
-          <p:cNvSpPr>
-            <a:spLocks noChangeArrowheads="1"/>
-          </p:cNvSpPr>
-          <p:nvPr/>
-        </p:nvSpPr>
-        <p:spPr bwMode="auto">
-          <a:xfrm>
-            <a:off x="627830" y="2124000"/>
-            <a:ext cx="11125200" cy="3942206"/>
-          </a:xfrm>
-          <a:prstGeom prst="rect">
-            <a:avLst/>
-          </a:prstGeom>
-          <a:solidFill>
-            <a:schemeClr val="accent5">
-              <a:lumMod val="40000"/>
-              <a:lumOff val="60000"/>
-              <a:alpha val="20000"/>
-            </a:schemeClr>
-          </a:solidFill>
-          <a:ln w="12700">
-            <a:solidFill>
-              <a:schemeClr val="accent5">
-                <a:lumMod val="60000"/>
-                <a:lumOff val="40000"/>
-              </a:schemeClr>
-            </a:solidFill>
-          </a:ln>
-        </p:spPr>
-        <p:txBody>
-          <a:bodyPr vert="horz" wrap="square" lIns="144000" tIns="108000" rIns="144000" bIns="108000" rtlCol="0">
-            <a:spAutoFit/>
-          </a:bodyPr>
-          <a:lstStyle/>
-          <a:p>
-            <a:pPr>
-              <a:spcBef>
-                <a:spcPts val="600"/>
-              </a:spcBef>
-              <a:spcAft>
-                <a:spcPts val="600"/>
-              </a:spcAft>
-              <a:buClr>
-                <a:srgbClr val="F2B254"/>
-              </a:buClr>
-              <a:buSzPct val="100000"/>
-              <a:buFont typeface="Wingdings" panose="05000000000000000000" pitchFamily="2" charset="2"/>
-              <a:buNone/>
-            </a:pPr>
-            <a:r>
-              <a:rPr lang="en-US" sz="2600" b="1" noProof="1">
-                <a:latin typeface="Consolas" pitchFamily="49" charset="0"/>
-                <a:cs typeface="Consolas" pitchFamily="49" charset="0"/>
-              </a:rPr>
-              <a:t>private void SortTownsByName()</a:t>
-            </a:r>
-          </a:p>
-          <a:p>
-            <a:pPr>
-              <a:spcBef>
-                <a:spcPts val="600"/>
-              </a:spcBef>
-              <a:spcAft>
-                <a:spcPts val="600"/>
-              </a:spcAft>
-              <a:buClr>
-                <a:srgbClr val="F2B254"/>
-              </a:buClr>
-              <a:buSzPct val="100000"/>
-              <a:buFont typeface="Wingdings" panose="05000000000000000000" pitchFamily="2" charset="2"/>
-              <a:buNone/>
-            </a:pPr>
-            <a:r>
-              <a:rPr lang="en-US" sz="2600" b="1" noProof="1">
-                <a:latin typeface="Consolas" pitchFamily="49" charset="0"/>
-                <a:cs typeface="Consolas" pitchFamily="49" charset="0"/>
-              </a:rPr>
-              <a:t>{</a:t>
-            </a:r>
-          </a:p>
-          <a:p>
-            <a:pPr>
-              <a:spcBef>
-                <a:spcPts val="600"/>
-              </a:spcBef>
-              <a:spcAft>
-                <a:spcPts val="600"/>
-              </a:spcAft>
-              <a:buClr>
-                <a:srgbClr val="F2B254"/>
-              </a:buClr>
-              <a:buSzPct val="100000"/>
-              <a:buFont typeface="Wingdings" panose="05000000000000000000" pitchFamily="2" charset="2"/>
-              <a:buNone/>
-            </a:pPr>
-            <a:r>
-              <a:rPr lang="en-US" sz="2600" b="1" noProof="1">
-                <a:latin typeface="Consolas" pitchFamily="49" charset="0"/>
-                <a:cs typeface="Consolas" pitchFamily="49" charset="0"/>
-              </a:rPr>
-              <a:t>    var towns = this.dbContext.Towns</a:t>
-            </a:r>
-          </a:p>
-          <a:p>
-            <a:pPr>
-              <a:spcBef>
-                <a:spcPts val="600"/>
-              </a:spcBef>
-              <a:spcAft>
-                <a:spcPts val="600"/>
-              </a:spcAft>
-              <a:buClr>
-                <a:srgbClr val="F2B254"/>
-              </a:buClr>
-              <a:buSzPct val="100000"/>
-              <a:buFont typeface="Wingdings" panose="05000000000000000000" pitchFamily="2" charset="2"/>
-              <a:buNone/>
-            </a:pPr>
-            <a:r>
-              <a:rPr lang="en-US" sz="2600" b="1" noProof="1">
-                <a:latin typeface="Consolas" pitchFamily="49" charset="0"/>
-                <a:cs typeface="Consolas" pitchFamily="49" charset="0"/>
-              </a:rPr>
-              <a:t>          .</a:t>
-            </a:r>
-            <a:r>
-              <a:rPr lang="en-US" sz="2600" b="1" noProof="1">
-                <a:solidFill>
-                  <a:schemeClr val="bg1"/>
-                </a:solidFill>
-                <a:latin typeface="Consolas" pitchFamily="49" charset="0"/>
-                <a:cs typeface="Consolas" pitchFamily="49" charset="0"/>
-              </a:rPr>
-              <a:t>OrderBy</a:t>
-            </a:r>
-            <a:r>
-              <a:rPr lang="en-US" sz="2600" b="1" noProof="1">
-                <a:latin typeface="Consolas" pitchFamily="49" charset="0"/>
-                <a:cs typeface="Consolas" pitchFamily="49" charset="0"/>
-              </a:rPr>
-              <a:t>(t =&gt; t.Name)</a:t>
-            </a:r>
-          </a:p>
-          <a:p>
-            <a:pPr>
-              <a:spcBef>
-                <a:spcPts val="600"/>
-              </a:spcBef>
-              <a:spcAft>
-                <a:spcPts val="600"/>
-              </a:spcAft>
-              <a:buClr>
-                <a:srgbClr val="F2B254"/>
-              </a:buClr>
-              <a:buSzPct val="100000"/>
-              <a:buFont typeface="Wingdings" panose="05000000000000000000" pitchFamily="2" charset="2"/>
-              <a:buNone/>
-            </a:pPr>
-            <a:r>
-              <a:rPr lang="en-US" sz="2600" b="1" noProof="1">
-                <a:latin typeface="Consolas" pitchFamily="49" charset="0"/>
-                <a:cs typeface="Consolas" pitchFamily="49" charset="0"/>
-              </a:rPr>
-              <a:t>          .ToList();</a:t>
-            </a:r>
-          </a:p>
-          <a:p>
-            <a:pPr>
-              <a:spcBef>
-                <a:spcPts val="600"/>
-              </a:spcBef>
-              <a:spcAft>
-                <a:spcPts val="600"/>
-              </a:spcAft>
-              <a:buClr>
-                <a:srgbClr val="F2B254"/>
-              </a:buClr>
-              <a:buSzPct val="100000"/>
-              <a:buFont typeface="Wingdings" panose="05000000000000000000" pitchFamily="2" charset="2"/>
-              <a:buNone/>
-            </a:pPr>
-            <a:r>
-              <a:rPr lang="en-US" sz="2600" b="1" noProof="1">
-                <a:latin typeface="Consolas" pitchFamily="49" charset="0"/>
-                <a:cs typeface="Consolas" pitchFamily="49" charset="0"/>
-              </a:rPr>
-              <a:t>   this.townBindingSource.DataSource = towns;</a:t>
-            </a:r>
-          </a:p>
-          <a:p>
-            <a:pPr>
-              <a:spcBef>
-                <a:spcPts val="600"/>
-              </a:spcBef>
-              <a:spcAft>
-                <a:spcPts val="600"/>
-              </a:spcAft>
-              <a:buClr>
-                <a:srgbClr val="F2B254"/>
-              </a:buClr>
-              <a:buSzPct val="100000"/>
-              <a:buFont typeface="Wingdings" panose="05000000000000000000" pitchFamily="2" charset="2"/>
-              <a:buNone/>
-            </a:pPr>
-            <a:r>
-              <a:rPr lang="en-US" sz="2600" b="1" noProof="1">
-                <a:latin typeface="Consolas" pitchFamily="49" charset="0"/>
-                <a:cs typeface="Consolas" pitchFamily="49" charset="0"/>
-              </a:rPr>
-              <a:t>}</a:t>
-            </a:r>
-          </a:p>
-        </p:txBody>
-      </p:sp>
-      <p:sp>
-        <p:nvSpPr>
-          <p:cNvPr id="6" name="Rectangle: Rounded Corners 5">
-            <a:extLst>
-              <a:ext uri="{FF2B5EF4-FFF2-40B4-BE49-F238E27FC236}">
-                <a16:creationId xmlns:a16="http://schemas.microsoft.com/office/drawing/2014/main" id="{2262BD4D-8251-ED21-C019-10198BBB7CE5}"/>
-              </a:ext>
-            </a:extLst>
-          </p:cNvPr>
-          <p:cNvSpPr/>
-          <p:nvPr/>
-        </p:nvSpPr>
-        <p:spPr bwMode="auto">
-          <a:xfrm>
-            <a:off x="5597564" y="2844000"/>
-            <a:ext cx="5966606" cy="1700373"/>
-          </a:xfrm>
-          <a:prstGeom prst="roundRect">
-            <a:avLst/>
-          </a:prstGeom>
-          <a:ln/>
-        </p:spPr>
-        <p:style>
-          <a:lnRef idx="0">
-            <a:schemeClr val="accent2"/>
-          </a:lnRef>
-          <a:fillRef idx="3">
-            <a:schemeClr val="accent2"/>
-          </a:fillRef>
-          <a:effectRef idx="3">
-            <a:schemeClr val="accent2"/>
-          </a:effectRef>
-          <a:fontRef idx="minor">
-            <a:schemeClr val="lt1"/>
-          </a:fontRef>
-        </p:style>
-        <p:txBody>
-          <a:bodyPr rot="0" spcFirstLastPara="0" vertOverflow="overflow" horzOverflow="overflow" vert="horz" wrap="square" lIns="91440" tIns="45720" rIns="91440" bIns="45720" numCol="1" spcCol="0" rtlCol="0" fromWordArt="0" anchor="ctr" anchorCtr="0" forceAA="0" compatLnSpc="1">
-            <a:prstTxWarp prst="textNoShape">
-              <a:avLst/>
-            </a:prstTxWarp>
-            <a:noAutofit/>
-          </a:bodyPr>
-          <a:lstStyle/>
-          <a:p>
-            <a:pPr algn="ctr"/>
-            <a:r>
-              <a:rPr lang="bg-BG" sz="2800" b="1" dirty="0">
-                <a:solidFill>
-                  <a:srgbClr val="FFFFFF"/>
-                </a:solidFill>
-                <a:effectLst>
-                  <a:outerShdw blurRad="38100" dist="38100" dir="2700000" algn="tl">
-                    <a:srgbClr val="000000">
-                      <a:alpha val="43137"/>
-                    </a:srgbClr>
-                  </a:outerShdw>
-                </a:effectLst>
-              </a:rPr>
-              <a:t>От къде идва този </a:t>
-            </a:r>
-            <a:r>
-              <a:rPr lang="en-US" sz="2800" b="1" dirty="0" err="1">
-                <a:solidFill>
-                  <a:srgbClr val="FFFFFF"/>
-                </a:solidFill>
-                <a:effectLst>
-                  <a:outerShdw blurRad="38100" dist="38100" dir="2700000" algn="tl">
-                    <a:srgbClr val="000000">
-                      <a:alpha val="43137"/>
-                    </a:srgbClr>
-                  </a:outerShdw>
-                </a:effectLst>
-              </a:rPr>
-              <a:t>bindingSource</a:t>
-            </a:r>
-            <a:r>
-              <a:rPr lang="en-US" sz="2800" b="1" dirty="0">
-                <a:solidFill>
-                  <a:srgbClr val="FFFFFF"/>
-                </a:solidFill>
-                <a:effectLst>
-                  <a:outerShdw blurRad="38100" dist="38100" dir="2700000" algn="tl">
-                    <a:srgbClr val="000000">
-                      <a:alpha val="43137"/>
-                    </a:srgbClr>
-                  </a:outerShdw>
-                </a:effectLst>
-              </a:rPr>
-              <a:t>?</a:t>
-            </a:r>
-          </a:p>
-          <a:p>
-            <a:pPr algn="ctr"/>
-            <a:r>
-              <a:rPr lang="bg-BG" sz="2800" b="1" dirty="0">
-                <a:solidFill>
-                  <a:srgbClr val="FFFFFF"/>
-                </a:solidFill>
-                <a:effectLst>
-                  <a:outerShdw blurRad="38100" dist="38100" dir="2700000" algn="tl">
-                    <a:srgbClr val="000000">
-                      <a:alpha val="43137"/>
-                    </a:srgbClr>
-                  </a:outerShdw>
-                </a:effectLst>
-              </a:rPr>
-              <a:t>Не сме го учили до момента!</a:t>
-            </a:r>
-            <a:endParaRPr lang="en-US" sz="2800" b="1" dirty="0">
-              <a:solidFill>
-                <a:srgbClr val="FFFFFF"/>
-              </a:solidFill>
-              <a:effectLst>
-                <a:outerShdw blurRad="38100" dist="38100" dir="2700000" algn="tl">
-                  <a:srgbClr val="000000">
-                    <a:alpha val="43137"/>
-                  </a:srgbClr>
-                </a:outerShdw>
-              </a:effectLst>
-            </a:endParaRPr>
-          </a:p>
-          <a:p>
-            <a:pPr algn="ctr"/>
-            <a:r>
-              <a:rPr lang="bg-BG" sz="2800" b="1" dirty="0">
-                <a:solidFill>
-                  <a:srgbClr val="FFFFFF"/>
-                </a:solidFill>
-                <a:effectLst>
-                  <a:outerShdw blurRad="38100" dist="38100" dir="2700000" algn="tl">
-                    <a:srgbClr val="000000">
-                      <a:alpha val="43137"/>
-                    </a:srgbClr>
-                  </a:outerShdw>
-                </a:effectLst>
-              </a:rPr>
-              <a:t>Да се ползва </a:t>
-            </a:r>
-            <a:r>
-              <a:rPr lang="en-US" sz="2800" b="1" dirty="0" err="1">
-                <a:solidFill>
-                  <a:srgbClr val="FFFFFF"/>
-                </a:solidFill>
-                <a:effectLst>
-                  <a:outerShdw blurRad="38100" dist="38100" dir="2700000" algn="tl">
-                    <a:srgbClr val="000000">
-                      <a:alpha val="43137"/>
-                    </a:srgbClr>
-                  </a:outerShdw>
-                </a:effectLst>
-              </a:rPr>
-              <a:t>DataSource</a:t>
-            </a:r>
-            <a:endParaRPr lang="en-US" sz="2800" b="1" dirty="0">
-              <a:solidFill>
-                <a:srgbClr val="FFFFFF"/>
-              </a:solidFill>
-              <a:effectLst>
-                <a:outerShdw blurRad="38100" dist="38100" dir="2700000" algn="tl">
-                  <a:srgbClr val="000000">
-                    <a:alpha val="43137"/>
-                  </a:srgbClr>
-                </a:outerShdw>
-              </a:effectLst>
-            </a:endParaRPr>
-          </a:p>
-        </p:txBody>
-      </p:sp>
-    </p:spTree>
-    <p:extLst>
-      <p:ext uri="{BB962C8B-B14F-4D97-AF65-F5344CB8AC3E}">
-        <p14:creationId xmlns:p14="http://schemas.microsoft.com/office/powerpoint/2010/main" val="1930737302"/>
-      </p:ext>
-    </p:extLst>
-  </p:cSld>
-  <p:clrMapOvr>
-    <a:masterClrMapping/>
-  </p:clrMapOvr>
-  <mc:AlternateContent xmlns:mc="http://schemas.openxmlformats.org/markup-compatibility/2006" xmlns:p14="http://schemas.microsoft.com/office/powerpoint/2010/main">
-    <mc:Choice Requires="p14">
-      <p:transition spd="slow" p14:dur="2000" advClick="0" advTm="5000"/>
-    </mc:Choice>
-    <mc:Fallback xmlns="">
-      <p:transition spd="slow" advClick="0" advTm="5000"/>
-    </mc:Fallback>
-  </mc:AlternateContent>
-  <p:timing>
-    <p:tnLst>
-      <p:par>
-        <p:cTn id="1" dur="indefinite" restart="never" nodeType="tmRoot">
-          <p:childTnLst>
-            <p:seq concurrent="1" nextAc="seek">
-              <p:cTn id="2" dur="indefinite" nodeType="mainSeq">
-                <p:childTnLst>
-                  <p:par>
-                    <p:cTn id="3" fill="hold">
-                      <p:stCondLst>
-                        <p:cond delay="indefinite"/>
-                        <p:cond evt="onBegin" delay="0">
-                          <p:tn val="2"/>
-                        </p:cond>
-                      </p:stCondLst>
-                      <p:childTnLst>
-                        <p:par>
-                          <p:cTn id="4" fill="hold">
-                            <p:stCondLst>
-                              <p:cond delay="0"/>
-                            </p:stCondLst>
-                            <p:childTnLst>
-                              <p:par>
-                                <p:cTn id="5" presetID="1" presetClass="entr" presetSubtype="0" fill="hold" nodeType="withEffect">
-                                  <p:stCondLst>
-                                    <p:cond delay="0"/>
-                                  </p:stCondLst>
-                                  <p:childTnLst>
-                                    <p:set>
-                                      <p:cBhvr>
-                                        <p:cTn id="6" dur="1" fill="hold">
-                                          <p:stCondLst>
-                                            <p:cond delay="0"/>
-                                          </p:stCondLst>
-                                        </p:cTn>
-                                        <p:tgtEl>
-                                          <p:spTgt spid="3">
-                                            <p:txEl>
-                                              <p:pRg st="0" end="0"/>
-                                            </p:txEl>
-                                          </p:spTgt>
-                                        </p:tgtEl>
-                                        <p:attrNameLst>
-                                          <p:attrName>style.visibility</p:attrName>
-                                        </p:attrNameLst>
-                                      </p:cBhvr>
-                                      <p:to>
-                                        <p:strVal val="visible"/>
-                                      </p:to>
-                                    </p:set>
-                                  </p:childTnLst>
-                                </p:cTn>
-                              </p:par>
-                              <p:par>
-                                <p:cTn id="7" presetID="1" presetClass="entr" presetSubtype="0" fill="hold" grpId="0" nodeType="withEffect">
-                                  <p:stCondLst>
-                                    <p:cond delay="0"/>
-                                  </p:stCondLst>
-                                  <p:childTnLst>
-                                    <p:set>
-                                      <p:cBhvr>
-                                        <p:cTn id="8" dur="1" fill="hold">
-                                          <p:stCondLst>
-                                            <p:cond delay="0"/>
-                                          </p:stCondLst>
-                                        </p:cTn>
-                                        <p:tgtEl>
-                                          <p:spTgt spid="5"/>
-                                        </p:tgtEl>
-                                        <p:attrNameLst>
-                                          <p:attrName>style.visibility</p:attrName>
-                                        </p:attrNameLst>
-                                      </p:cBhvr>
-                                      <p:to>
-                                        <p:strVal val="visible"/>
-                                      </p:to>
-                                    </p:set>
-                                  </p:childTnLst>
-                                </p:cTn>
-                              </p:par>
-                            </p:childTnLst>
-                          </p:cTn>
-                        </p:par>
-                      </p:childTnLst>
-                    </p:cTn>
-                  </p:par>
-                </p:childTnLst>
-              </p:cTn>
-              <p:prevCondLst>
-                <p:cond evt="onPrev" delay="0">
-                  <p:tgtEl>
-                    <p:sldTgt/>
-                  </p:tgtEl>
-                </p:cond>
-              </p:prevCondLst>
-              <p:nextCondLst>
-                <p:cond evt="onNext" delay="0">
-                  <p:tgtEl>
-                    <p:sldTgt/>
-                  </p:tgtEl>
-                </p:cond>
-              </p:nextCondLst>
-            </p:seq>
-          </p:childTnLst>
-        </p:cTn>
-      </p:par>
-    </p:tnLst>
-    <p:bldLst>
-      <p:bldP spid="5" grpId="0" animBg="1"/>
-    </p:bldLst>
-  </p:timing>
-</p:sld>
-</file>
-
-<file path=ppt/slides/slide18.xml><?xml version="1.0" encoding="utf-8"?>
-<p:sld xmlns:a="http://schemas.openxmlformats.org/drawingml/2006/main" xmlns:r="http://schemas.openxmlformats.org/officeDocument/2006/relationships" xmlns:p="http://schemas.openxmlformats.org/presentationml/2006/main">
-  <p:cSld>
-    <p:spTree>
-      <p:nvGrpSpPr>
-        <p:cNvPr id="1" name=""/>
-        <p:cNvGrpSpPr/>
-        <p:nvPr/>
-      </p:nvGrpSpPr>
-      <p:grpSpPr>
-        <a:xfrm>
-          <a:off x="0" y="0"/>
-          <a:ext cx="0" cy="0"/>
-          <a:chOff x="0" y="0"/>
-          <a:chExt cx="0" cy="0"/>
-        </a:xfrm>
-      </p:grpSpPr>
-      <p:sp>
-        <p:nvSpPr>
           <p:cNvPr id="4" name="Slide Subtitle">
             <a:extLst>
               <a:ext uri="{FF2B5EF4-FFF2-40B4-BE49-F238E27FC236}">
@@ -13065,14 +12484,13 @@
               </a:ext>
             </a:extLst>
           </a:blip>
-          <a:stretch>
-            <a:fillRect/>
-          </a:stretch>
+          <a:srcRect/>
+          <a:stretch/>
         </p:blipFill>
         <p:spPr>
           <a:xfrm>
-            <a:off x="2541000" y="227371"/>
-            <a:ext cx="6840000" cy="4628571"/>
+            <a:off x="2676000" y="327920"/>
+            <a:ext cx="6840000" cy="4353898"/>
           </a:xfrm>
           <a:prstGeom prst="rect">
             <a:avLst/>
@@ -13110,7 +12528,7 @@
 </p:sld>
 </file>
 
-<file path=ppt/slides/slide19.xml><?xml version="1.0" encoding="utf-8"?>
+<file path=ppt/slides/slide18.xml><?xml version="1.0" encoding="utf-8"?>
 <p:sld xmlns:a="http://schemas.openxmlformats.org/drawingml/2006/main" xmlns:r="http://schemas.openxmlformats.org/officeDocument/2006/relationships" xmlns:p="http://schemas.openxmlformats.org/presentationml/2006/main">
   <p:cSld>
     <p:spTree>
@@ -13151,7 +12569,7 @@
             <a:fld id="{2BF067CD-8E6B-4360-9AA8-C5DF2A48A6D1}" type="slidenum">
               <a:rPr lang="en-US" noProof="0" smtClean="0"/>
               <a:pPr/>
-              <a:t>19</a:t>
+              <a:t>18</a:t>
             </a:fld>
             <a:endParaRPr lang="en-US" noProof="0" dirty="0"/>
           </a:p>
@@ -13176,7 +12594,7 @@
         <p:spPr/>
         <p:txBody>
           <a:bodyPr>
-            <a:normAutofit fontScale="77500" lnSpcReduction="20000"/>
+            <a:normAutofit fontScale="70000" lnSpcReduction="20000"/>
           </a:bodyPr>
           <a:lstStyle/>
           <a:p>
@@ -13267,6 +12685,19 @@
                 <a:cs typeface="Consolas" panose="020B0609020204030204" pitchFamily="49" charset="0"/>
               </a:rPr>
               <a:t>labelFilter</a:t>
+            </a:r>
+          </a:p>
+          <a:p>
+            <a:pPr lvl="2"/>
+            <a:r>
+              <a:rPr lang="en-US" b="1" dirty="0">
+                <a:solidFill>
+                  <a:schemeClr val="bg1"/>
+                </a:solidFill>
+                <a:latin typeface="Consolas" panose="020B0609020204030204" pitchFamily="49" charset="0"/>
+                <a:cs typeface="Consolas" panose="020B0609020204030204" pitchFamily="49" charset="0"/>
+              </a:rPr>
+              <a:t>labelSort</a:t>
             </a:r>
             <a:endParaRPr lang="bg-BG" b="1" dirty="0">
               <a:solidFill>
@@ -13415,8 +12846,8 @@
         </p:blipFill>
         <p:spPr>
           <a:xfrm>
-            <a:off x="5727028" y="2229577"/>
-            <a:ext cx="6026002" cy="4057877"/>
+            <a:off x="5727028" y="2307292"/>
+            <a:ext cx="6026002" cy="3902447"/>
           </a:xfrm>
           <a:prstGeom prst="rect">
             <a:avLst/>
@@ -13764,33 +13195,15 @@
                                   </p:childTnLst>
                                 </p:cTn>
                               </p:par>
-                            </p:childTnLst>
-                          </p:cTn>
-                        </p:par>
-                      </p:childTnLst>
-                    </p:cTn>
-                  </p:par>
-                  <p:par>
-                    <p:cTn id="25" fill="hold">
-                      <p:stCondLst>
-                        <p:cond delay="indefinite"/>
-                      </p:stCondLst>
-                      <p:childTnLst>
-                        <p:par>
-                          <p:cTn id="26" fill="hold">
-                            <p:stCondLst>
-                              <p:cond delay="0"/>
-                            </p:stCondLst>
-                            <p:childTnLst>
                               <p:par>
-                                <p:cTn id="27" presetID="1" presetClass="entr" presetSubtype="0" fill="hold" nodeType="clickEffect">
+                                <p:cTn id="25" presetID="1" presetClass="entr" presetSubtype="0" fill="hold" nodeType="withEffect">
                                   <p:stCondLst>
                                     <p:cond delay="0"/>
                                   </p:stCondLst>
                                   <p:childTnLst>
                                     <p:set>
                                       <p:cBhvr>
-                                        <p:cTn id="28" dur="1" fill="hold">
+                                        <p:cTn id="26" dur="1" fill="hold">
                                           <p:stCondLst>
                                             <p:cond delay="0"/>
                                           </p:stCondLst>
@@ -13813,8 +13226,26 @@
                                   </p:childTnLst>
                                 </p:cTn>
                               </p:par>
+                            </p:childTnLst>
+                          </p:cTn>
+                        </p:par>
+                      </p:childTnLst>
+                    </p:cTn>
+                  </p:par>
+                  <p:par>
+                    <p:cTn id="27" fill="hold">
+                      <p:stCondLst>
+                        <p:cond delay="indefinite"/>
+                      </p:stCondLst>
+                      <p:childTnLst>
+                        <p:par>
+                          <p:cTn id="28" fill="hold">
+                            <p:stCondLst>
+                              <p:cond delay="0"/>
+                            </p:stCondLst>
+                            <p:childTnLst>
                               <p:par>
-                                <p:cTn id="29" presetID="1" presetClass="entr" presetSubtype="0" fill="hold" nodeType="withEffect">
+                                <p:cTn id="29" presetID="1" presetClass="entr" presetSubtype="0" fill="hold" nodeType="clickEffect">
                                   <p:stCondLst>
                                     <p:cond delay="0"/>
                                   </p:stCondLst>
@@ -13844,33 +13275,15 @@
                                   </p:childTnLst>
                                 </p:cTn>
                               </p:par>
-                            </p:childTnLst>
-                          </p:cTn>
-                        </p:par>
-                      </p:childTnLst>
-                    </p:cTn>
-                  </p:par>
-                  <p:par>
-                    <p:cTn id="31" fill="hold">
-                      <p:stCondLst>
-                        <p:cond delay="indefinite"/>
-                      </p:stCondLst>
-                      <p:childTnLst>
-                        <p:par>
-                          <p:cTn id="32" fill="hold">
-                            <p:stCondLst>
-                              <p:cond delay="0"/>
-                            </p:stCondLst>
-                            <p:childTnLst>
                               <p:par>
-                                <p:cTn id="33" presetID="1" presetClass="entr" presetSubtype="0" fill="hold" nodeType="clickEffect">
+                                <p:cTn id="31" presetID="1" presetClass="entr" presetSubtype="0" fill="hold" nodeType="withEffect">
                                   <p:stCondLst>
                                     <p:cond delay="0"/>
                                   </p:stCondLst>
                                   <p:childTnLst>
                                     <p:set>
                                       <p:cBhvr>
-                                        <p:cTn id="34" dur="1" fill="hold">
+                                        <p:cTn id="32" dur="1" fill="hold">
                                           <p:stCondLst>
                                             <p:cond delay="0"/>
                                           </p:stCondLst>
@@ -13893,8 +13306,26 @@
                                   </p:childTnLst>
                                 </p:cTn>
                               </p:par>
+                            </p:childTnLst>
+                          </p:cTn>
+                        </p:par>
+                      </p:childTnLst>
+                    </p:cTn>
+                  </p:par>
+                  <p:par>
+                    <p:cTn id="33" fill="hold">
+                      <p:stCondLst>
+                        <p:cond delay="indefinite"/>
+                      </p:stCondLst>
+                      <p:childTnLst>
+                        <p:par>
+                          <p:cTn id="34" fill="hold">
+                            <p:stCondLst>
+                              <p:cond delay="0"/>
+                            </p:stCondLst>
+                            <p:childTnLst>
                               <p:par>
-                                <p:cTn id="35" presetID="1" presetClass="entr" presetSubtype="0" fill="hold" nodeType="withEffect">
+                                <p:cTn id="35" presetID="1" presetClass="entr" presetSubtype="0" fill="hold" nodeType="clickEffect">
                                   <p:stCondLst>
                                     <p:cond delay="0"/>
                                   </p:stCondLst>
@@ -13910,6 +13341,37 @@
                                           <p:spTgt spid="3">
                                             <p:txEl>
                                               <p:pRg st="11" end="11"/>
+                                            </p:txEl>
+                                          </p:spTgt>
+                                        </p:tgtEl>
+                                        <p:attrNameLst>
+                                          <p:attrName>style.visibility</p:attrName>
+                                        </p:attrNameLst>
+                                      </p:cBhvr>
+                                      <p:to>
+                                        <p:strVal val="visible"/>
+                                      </p:to>
+                                    </p:set>
+                                  </p:childTnLst>
+                                </p:cTn>
+                              </p:par>
+                              <p:par>
+                                <p:cTn id="37" presetID="1" presetClass="entr" presetSubtype="0" fill="hold" nodeType="withEffect">
+                                  <p:stCondLst>
+                                    <p:cond delay="0"/>
+                                  </p:stCondLst>
+                                  <p:childTnLst>
+                                    <p:set>
+                                      <p:cBhvr>
+                                        <p:cTn id="38" dur="1" fill="hold">
+                                          <p:stCondLst>
+                                            <p:cond delay="0"/>
+                                          </p:stCondLst>
+                                        </p:cTn>
+                                        <p:tgtEl>
+                                          <p:spTgt spid="3">
+                                            <p:txEl>
+                                              <p:pRg st="12" end="12"/>
                                             </p:txEl>
                                           </p:spTgt>
                                         </p:tgtEl>
@@ -13955,633 +13417,7 @@
 </p:sld>
 </file>
 
-<file path=ppt/slides/slide2.xml><?xml version="1.0" encoding="utf-8"?>
-<p:sld xmlns:a="http://schemas.openxmlformats.org/drawingml/2006/main" xmlns:r="http://schemas.openxmlformats.org/officeDocument/2006/relationships" xmlns:p="http://schemas.openxmlformats.org/presentationml/2006/main">
-  <p:cSld>
-    <p:spTree>
-      <p:nvGrpSpPr>
-        <p:cNvPr id="1" name=""/>
-        <p:cNvGrpSpPr/>
-        <p:nvPr/>
-      </p:nvGrpSpPr>
-      <p:grpSpPr>
-        <a:xfrm>
-          <a:off x="0" y="0"/>
-          <a:ext cx="0" cy="0"/>
-          <a:chOff x="0" y="0"/>
-          <a:chExt cx="0" cy="0"/>
-        </a:xfrm>
-      </p:grpSpPr>
-      <p:sp>
-        <p:nvSpPr>
-          <p:cNvPr id="5" name="Slide Number">
-            <a:extLst>
-              <a:ext uri="{FF2B5EF4-FFF2-40B4-BE49-F238E27FC236}">
-                <a16:creationId xmlns:a16="http://schemas.microsoft.com/office/drawing/2014/main" id="{6A760D59-0056-4F39-B077-DBDBE3D2927E}"/>
-              </a:ext>
-            </a:extLst>
-          </p:cNvPr>
-          <p:cNvSpPr txBox="1">
-            <a:spLocks/>
-          </p:cNvSpPr>
-          <p:nvPr/>
-        </p:nvSpPr>
-        <p:spPr>
-          <a:xfrm>
-            <a:off x="11753030" y="6507000"/>
-            <a:ext cx="367414" cy="297000"/>
-          </a:xfrm>
-          <a:prstGeom prst="rect">
-            <a:avLst/>
-          </a:prstGeom>
-        </p:spPr>
-        <p:txBody>
-          <a:bodyPr vert="horz" lIns="91440" tIns="45720" rIns="91440" bIns="45720" rtlCol="0" anchor="b"/>
-          <a:lstStyle>
-            <a:defPPr>
-              <a:defRPr lang="en-US"/>
-            </a:defPPr>
-            <a:lvl1pPr marL="0" algn="r" defTabSz="914400" rtl="0" eaLnBrk="1" latinLnBrk="0" hangingPunct="1">
-              <a:defRPr sz="1000" kern="1200">
-                <a:solidFill>
-                  <a:schemeClr val="tx1"/>
-                </a:solidFill>
-                <a:latin typeface="+mn-lt"/>
-                <a:ea typeface="+mn-ea"/>
-                <a:cs typeface="+mn-cs"/>
-              </a:defRPr>
-            </a:lvl1pPr>
-            <a:lvl2pPr marL="457200" algn="l" defTabSz="914400" rtl="0" eaLnBrk="1" latinLnBrk="0" hangingPunct="1">
-              <a:defRPr sz="1800" kern="1200">
-                <a:solidFill>
-                  <a:schemeClr val="tx1"/>
-                </a:solidFill>
-                <a:latin typeface="+mn-lt"/>
-                <a:ea typeface="+mn-ea"/>
-                <a:cs typeface="+mn-cs"/>
-              </a:defRPr>
-            </a:lvl2pPr>
-            <a:lvl3pPr marL="914400" algn="l" defTabSz="914400" rtl="0" eaLnBrk="1" latinLnBrk="0" hangingPunct="1">
-              <a:defRPr sz="1800" kern="1200">
-                <a:solidFill>
-                  <a:schemeClr val="tx1"/>
-                </a:solidFill>
-                <a:latin typeface="+mn-lt"/>
-                <a:ea typeface="+mn-ea"/>
-                <a:cs typeface="+mn-cs"/>
-              </a:defRPr>
-            </a:lvl3pPr>
-            <a:lvl4pPr marL="1371600" algn="l" defTabSz="914400" rtl="0" eaLnBrk="1" latinLnBrk="0" hangingPunct="1">
-              <a:defRPr sz="1800" kern="1200">
-                <a:solidFill>
-                  <a:schemeClr val="tx1"/>
-                </a:solidFill>
-                <a:latin typeface="+mn-lt"/>
-                <a:ea typeface="+mn-ea"/>
-                <a:cs typeface="+mn-cs"/>
-              </a:defRPr>
-            </a:lvl4pPr>
-            <a:lvl5pPr marL="1828800" algn="l" defTabSz="914400" rtl="0" eaLnBrk="1" latinLnBrk="0" hangingPunct="1">
-              <a:defRPr sz="1800" kern="1200">
-                <a:solidFill>
-                  <a:schemeClr val="tx1"/>
-                </a:solidFill>
-                <a:latin typeface="+mn-lt"/>
-                <a:ea typeface="+mn-ea"/>
-                <a:cs typeface="+mn-cs"/>
-              </a:defRPr>
-            </a:lvl5pPr>
-            <a:lvl6pPr marL="2286000" algn="l" defTabSz="914400" rtl="0" eaLnBrk="1" latinLnBrk="0" hangingPunct="1">
-              <a:defRPr sz="1800" kern="1200">
-                <a:solidFill>
-                  <a:schemeClr val="tx1"/>
-                </a:solidFill>
-                <a:latin typeface="+mn-lt"/>
-                <a:ea typeface="+mn-ea"/>
-                <a:cs typeface="+mn-cs"/>
-              </a:defRPr>
-            </a:lvl6pPr>
-            <a:lvl7pPr marL="2743200" algn="l" defTabSz="914400" rtl="0" eaLnBrk="1" latinLnBrk="0" hangingPunct="1">
-              <a:defRPr sz="1800" kern="1200">
-                <a:solidFill>
-                  <a:schemeClr val="tx1"/>
-                </a:solidFill>
-                <a:latin typeface="+mn-lt"/>
-                <a:ea typeface="+mn-ea"/>
-                <a:cs typeface="+mn-cs"/>
-              </a:defRPr>
-            </a:lvl7pPr>
-            <a:lvl8pPr marL="3200400" algn="l" defTabSz="914400" rtl="0" eaLnBrk="1" latinLnBrk="0" hangingPunct="1">
-              <a:defRPr sz="1800" kern="1200">
-                <a:solidFill>
-                  <a:schemeClr val="tx1"/>
-                </a:solidFill>
-                <a:latin typeface="+mn-lt"/>
-                <a:ea typeface="+mn-ea"/>
-                <a:cs typeface="+mn-cs"/>
-              </a:defRPr>
-            </a:lvl8pPr>
-            <a:lvl9pPr marL="3657600" algn="l" defTabSz="914400" rtl="0" eaLnBrk="1" latinLnBrk="0" hangingPunct="1">
-              <a:defRPr sz="1800" kern="1200">
-                <a:solidFill>
-                  <a:schemeClr val="tx1"/>
-                </a:solidFill>
-                <a:latin typeface="+mn-lt"/>
-                <a:ea typeface="+mn-ea"/>
-                <a:cs typeface="+mn-cs"/>
-              </a:defRPr>
-            </a:lvl9pPr>
-          </a:lstStyle>
-          <a:p>
-            <a:fld id="{2BF067CD-8E6B-4360-9AA8-C5DF2A48A6D1}" type="slidenum">
-              <a:rPr lang="en-US" smtClean="0"/>
-              <a:pPr/>
-              <a:t>2</a:t>
-            </a:fld>
-            <a:endParaRPr lang="en-US" dirty="0"/>
-          </a:p>
-        </p:txBody>
-      </p:sp>
-      <p:sp>
-        <p:nvSpPr>
-          <p:cNvPr id="444419" name="Slide Body"/>
-          <p:cNvSpPr>
-            <a:spLocks noGrp="1" noChangeArrowheads="1"/>
-          </p:cNvSpPr>
-          <p:nvPr>
-            <p:ph type="body" sz="quarter" idx="13"/>
-          </p:nvPr>
-        </p:nvSpPr>
-        <p:spPr>
-          <a:xfrm>
-            <a:off x="196766" y="1371604"/>
-            <a:ext cx="11781606" cy="5207396"/>
-          </a:xfrm>
-        </p:spPr>
-        <p:txBody>
-          <a:bodyPr>
-            <a:normAutofit/>
-          </a:bodyPr>
-          <a:lstStyle/>
-          <a:p>
-            <a:r>
-              <a:rPr lang="bg-BG" dirty="0"/>
-              <a:t>Какво е </a:t>
-            </a:r>
-            <a:r>
-              <a:rPr lang="en-US" b="1" dirty="0">
-                <a:solidFill>
-                  <a:schemeClr val="bg1"/>
-                </a:solidFill>
-              </a:rPr>
-              <a:t>Master-Detail </a:t>
-            </a:r>
-            <a:r>
-              <a:rPr lang="bg-BG" b="1" dirty="0"/>
-              <a:t>навигация</a:t>
-            </a:r>
-            <a:r>
-              <a:rPr lang="bg-BG" dirty="0"/>
-              <a:t>?</a:t>
-            </a:r>
-            <a:endParaRPr lang="bg-BG" b="1" dirty="0"/>
-          </a:p>
-          <a:p>
-            <a:r>
-              <a:rPr lang="bg-BG" dirty="0"/>
-              <a:t>Имплементиране на </a:t>
-            </a:r>
-            <a:r>
-              <a:rPr lang="en-US" b="1" dirty="0"/>
-              <a:t>Master-Detail</a:t>
-            </a:r>
-            <a:r>
-              <a:rPr lang="en-US" dirty="0"/>
-              <a:t> </a:t>
-            </a:r>
-            <a:r>
-              <a:rPr lang="bg-BG" dirty="0"/>
-              <a:t>с </a:t>
-            </a:r>
-            <a:r>
-              <a:rPr lang="bg-BG" b="1" dirty="0">
-                <a:solidFill>
-                  <a:schemeClr val="bg1"/>
-                </a:solidFill>
-              </a:rPr>
-              <a:t>Е</a:t>
-            </a:r>
-            <a:r>
-              <a:rPr lang="en-US" b="1" dirty="0">
-                <a:solidFill>
-                  <a:schemeClr val="bg1"/>
-                </a:solidFill>
-              </a:rPr>
-              <a:t>F Core</a:t>
-            </a:r>
-          </a:p>
-          <a:p>
-            <a:r>
-              <a:rPr lang="bg-BG" dirty="0"/>
-              <a:t>​</a:t>
-            </a:r>
-            <a:r>
-              <a:rPr lang="en-US" b="1" dirty="0"/>
-              <a:t>Master-Detail</a:t>
-            </a:r>
-            <a:r>
-              <a:rPr lang="bg-BG" dirty="0"/>
-              <a:t> таблици в </a:t>
-            </a:r>
-            <a:r>
-              <a:rPr lang="en-US" b="1" dirty="0">
-                <a:solidFill>
-                  <a:schemeClr val="bg1"/>
-                </a:solidFill>
-              </a:rPr>
-              <a:t>Windows Forms</a:t>
-            </a:r>
-          </a:p>
-          <a:p>
-            <a:r>
-              <a:rPr lang="bg-BG" dirty="0"/>
-              <a:t>​</a:t>
-            </a:r>
-            <a:r>
-              <a:rPr lang="bg-BG" b="1" dirty="0">
-                <a:solidFill>
-                  <a:schemeClr val="bg1"/>
-                </a:solidFill>
-              </a:rPr>
-              <a:t>Филтриране</a:t>
-            </a:r>
-            <a:r>
-              <a:rPr lang="bg-BG" dirty="0"/>
-              <a:t> и </a:t>
-            </a:r>
-            <a:r>
-              <a:rPr lang="bg-BG" b="1" dirty="0">
-                <a:solidFill>
-                  <a:schemeClr val="bg1"/>
-                </a:solidFill>
-              </a:rPr>
-              <a:t>сортиране</a:t>
-            </a:r>
-            <a:r>
-              <a:rPr lang="bg-BG" dirty="0"/>
-              <a:t> на </a:t>
-            </a:r>
-            <a:r>
-              <a:rPr lang="bg-BG" b="1" dirty="0"/>
-              <a:t>таблица</a:t>
-            </a:r>
-            <a:endParaRPr lang="en-GB" b="1" dirty="0"/>
-          </a:p>
-          <a:p>
-            <a:pPr>
-              <a:buClr>
-                <a:schemeClr val="tx1"/>
-              </a:buClr>
-            </a:pPr>
-            <a:r>
-              <a:rPr lang="en-GB" dirty="0"/>
-              <a:t>​</a:t>
-            </a:r>
-            <a:r>
-              <a:rPr lang="bg-BG" dirty="0"/>
-              <a:t>Примерно приложение: Държави и градове</a:t>
-            </a:r>
-            <a:endParaRPr lang="bg-BG" sz="3200" dirty="0"/>
-          </a:p>
-        </p:txBody>
-      </p:sp>
-      <p:sp>
-        <p:nvSpPr>
-          <p:cNvPr id="444418" name="Slide Title"/>
-          <p:cNvSpPr>
-            <a:spLocks noGrp="1" noChangeArrowheads="1"/>
-          </p:cNvSpPr>
-          <p:nvPr>
-            <p:ph type="title"/>
-          </p:nvPr>
-        </p:nvSpPr>
-        <p:spPr>
-          <a:xfrm>
-            <a:off x="190406" y="100750"/>
-            <a:ext cx="10270594" cy="882654"/>
-          </a:xfrm>
-        </p:spPr>
-        <p:txBody>
-          <a:bodyPr/>
-          <a:lstStyle/>
-          <a:p>
-            <a:r>
-              <a:rPr lang="bg-BG" dirty="0"/>
-              <a:t>Съдържание</a:t>
-            </a:r>
-          </a:p>
-        </p:txBody>
-      </p:sp>
-    </p:spTree>
-    <p:extLst>
-      <p:ext uri="{BB962C8B-B14F-4D97-AF65-F5344CB8AC3E}">
-        <p14:creationId xmlns:p14="http://schemas.microsoft.com/office/powerpoint/2010/main" val="1646986932"/>
-      </p:ext>
-    </p:extLst>
-  </p:cSld>
-  <p:clrMapOvr>
-    <a:masterClrMapping/>
-  </p:clrMapOvr>
-  <mc:AlternateContent xmlns:mc="http://schemas.openxmlformats.org/markup-compatibility/2006" xmlns:p14="http://schemas.microsoft.com/office/powerpoint/2010/main">
-    <mc:Choice Requires="p14">
-      <p:transition spd="slow" p14:dur="2000" advClick="0" advTm="5000"/>
-    </mc:Choice>
-    <mc:Fallback xmlns="">
-      <p:transition spd="slow" advClick="0" advTm="5000"/>
-    </mc:Fallback>
-  </mc:AlternateContent>
-  <p:timing>
-    <p:tnLst>
-      <p:par>
-        <p:cTn id="1" dur="indefinite" restart="never" nodeType="tmRoot">
-          <p:childTnLst>
-            <p:seq concurrent="1" nextAc="seek">
-              <p:cTn id="2" dur="indefinite" nodeType="mainSeq">
-                <p:childTnLst>
-                  <p:par>
-                    <p:cTn id="3" fill="hold">
-                      <p:stCondLst>
-                        <p:cond delay="indefinite"/>
-                        <p:cond evt="onBegin" delay="0">
-                          <p:tn val="2"/>
-                        </p:cond>
-                      </p:stCondLst>
-                      <p:childTnLst>
-                        <p:par>
-                          <p:cTn id="4" fill="hold">
-                            <p:stCondLst>
-                              <p:cond delay="0"/>
-                            </p:stCondLst>
-                            <p:childTnLst>
-                              <p:par>
-                                <p:cTn id="5" presetID="1" presetClass="entr" presetSubtype="0" fill="hold" nodeType="withEffect">
-                                  <p:stCondLst>
-                                    <p:cond delay="0"/>
-                                  </p:stCondLst>
-                                  <p:childTnLst>
-                                    <p:set>
-                                      <p:cBhvr>
-                                        <p:cTn id="6" dur="1" fill="hold">
-                                          <p:stCondLst>
-                                            <p:cond delay="0"/>
-                                          </p:stCondLst>
-                                        </p:cTn>
-                                        <p:tgtEl>
-                                          <p:spTgt spid="444419">
-                                            <p:txEl>
-                                              <p:pRg st="0" end="0"/>
-                                            </p:txEl>
-                                          </p:spTgt>
-                                        </p:tgtEl>
-                                        <p:attrNameLst>
-                                          <p:attrName>style.visibility</p:attrName>
-                                        </p:attrNameLst>
-                                      </p:cBhvr>
-                                      <p:to>
-                                        <p:strVal val="visible"/>
-                                      </p:to>
-                                    </p:set>
-                                  </p:childTnLst>
-                                </p:cTn>
-                              </p:par>
-                            </p:childTnLst>
-                          </p:cTn>
-                        </p:par>
-                      </p:childTnLst>
-                    </p:cTn>
-                  </p:par>
-                  <p:par>
-                    <p:cTn id="7" fill="hold">
-                      <p:stCondLst>
-                        <p:cond delay="indefinite"/>
-                      </p:stCondLst>
-                      <p:childTnLst>
-                        <p:par>
-                          <p:cTn id="8" fill="hold">
-                            <p:stCondLst>
-                              <p:cond delay="0"/>
-                            </p:stCondLst>
-                            <p:childTnLst>
-                              <p:par>
-                                <p:cTn id="9" presetID="1" presetClass="entr" presetSubtype="0" fill="hold" nodeType="clickEffect">
-                                  <p:stCondLst>
-                                    <p:cond delay="0"/>
-                                  </p:stCondLst>
-                                  <p:childTnLst>
-                                    <p:set>
-                                      <p:cBhvr>
-                                        <p:cTn id="10" dur="1" fill="hold">
-                                          <p:stCondLst>
-                                            <p:cond delay="0"/>
-                                          </p:stCondLst>
-                                        </p:cTn>
-                                        <p:tgtEl>
-                                          <p:spTgt spid="444419">
-                                            <p:txEl>
-                                              <p:pRg st="1" end="1"/>
-                                            </p:txEl>
-                                          </p:spTgt>
-                                        </p:tgtEl>
-                                        <p:attrNameLst>
-                                          <p:attrName>style.visibility</p:attrName>
-                                        </p:attrNameLst>
-                                      </p:cBhvr>
-                                      <p:to>
-                                        <p:strVal val="visible"/>
-                                      </p:to>
-                                    </p:set>
-                                  </p:childTnLst>
-                                </p:cTn>
-                              </p:par>
-                            </p:childTnLst>
-                          </p:cTn>
-                        </p:par>
-                      </p:childTnLst>
-                    </p:cTn>
-                  </p:par>
-                  <p:par>
-                    <p:cTn id="11" fill="hold">
-                      <p:stCondLst>
-                        <p:cond delay="indefinite"/>
-                      </p:stCondLst>
-                      <p:childTnLst>
-                        <p:par>
-                          <p:cTn id="12" fill="hold">
-                            <p:stCondLst>
-                              <p:cond delay="0"/>
-                            </p:stCondLst>
-                            <p:childTnLst>
-                              <p:par>
-                                <p:cTn id="13" presetID="1" presetClass="entr" presetSubtype="0" fill="hold" nodeType="clickEffect">
-                                  <p:stCondLst>
-                                    <p:cond delay="0"/>
-                                  </p:stCondLst>
-                                  <p:childTnLst>
-                                    <p:set>
-                                      <p:cBhvr>
-                                        <p:cTn id="14" dur="1" fill="hold">
-                                          <p:stCondLst>
-                                            <p:cond delay="0"/>
-                                          </p:stCondLst>
-                                        </p:cTn>
-                                        <p:tgtEl>
-                                          <p:spTgt spid="444419">
-                                            <p:txEl>
-                                              <p:pRg st="2" end="2"/>
-                                            </p:txEl>
-                                          </p:spTgt>
-                                        </p:tgtEl>
-                                        <p:attrNameLst>
-                                          <p:attrName>style.visibility</p:attrName>
-                                        </p:attrNameLst>
-                                      </p:cBhvr>
-                                      <p:to>
-                                        <p:strVal val="visible"/>
-                                      </p:to>
-                                    </p:set>
-                                  </p:childTnLst>
-                                </p:cTn>
-                              </p:par>
-                            </p:childTnLst>
-                          </p:cTn>
-                        </p:par>
-                      </p:childTnLst>
-                    </p:cTn>
-                  </p:par>
-                  <p:par>
-                    <p:cTn id="15" fill="hold">
-                      <p:stCondLst>
-                        <p:cond delay="indefinite"/>
-                      </p:stCondLst>
-                      <p:childTnLst>
-                        <p:par>
-                          <p:cTn id="16" fill="hold">
-                            <p:stCondLst>
-                              <p:cond delay="0"/>
-                            </p:stCondLst>
-                            <p:childTnLst>
-                              <p:par>
-                                <p:cTn id="17" presetID="1" presetClass="entr" presetSubtype="0" fill="hold" nodeType="clickEffect">
-                                  <p:stCondLst>
-                                    <p:cond delay="0"/>
-                                  </p:stCondLst>
-                                  <p:childTnLst>
-                                    <p:set>
-                                      <p:cBhvr>
-                                        <p:cTn id="18" dur="1" fill="hold">
-                                          <p:stCondLst>
-                                            <p:cond delay="0"/>
-                                          </p:stCondLst>
-                                        </p:cTn>
-                                        <p:tgtEl>
-                                          <p:spTgt spid="444419">
-                                            <p:txEl>
-                                              <p:pRg st="3" end="3"/>
-                                            </p:txEl>
-                                          </p:spTgt>
-                                        </p:tgtEl>
-                                        <p:attrNameLst>
-                                          <p:attrName>style.visibility</p:attrName>
-                                        </p:attrNameLst>
-                                      </p:cBhvr>
-                                      <p:to>
-                                        <p:strVal val="visible"/>
-                                      </p:to>
-                                    </p:set>
-                                  </p:childTnLst>
-                                </p:cTn>
-                              </p:par>
-                            </p:childTnLst>
-                          </p:cTn>
-                        </p:par>
-                      </p:childTnLst>
-                    </p:cTn>
-                  </p:par>
-                  <p:par>
-                    <p:cTn id="19" fill="hold">
-                      <p:stCondLst>
-                        <p:cond delay="indefinite"/>
-                      </p:stCondLst>
-                      <p:childTnLst>
-                        <p:par>
-                          <p:cTn id="20" fill="hold">
-                            <p:stCondLst>
-                              <p:cond delay="0"/>
-                            </p:stCondLst>
-                            <p:childTnLst>
-                              <p:par>
-                                <p:cTn id="21" presetID="1" presetClass="entr" presetSubtype="0" fill="hold" nodeType="clickEffect">
-                                  <p:stCondLst>
-                                    <p:cond delay="0"/>
-                                  </p:stCondLst>
-                                  <p:childTnLst>
-                                    <p:set>
-                                      <p:cBhvr>
-                                        <p:cTn id="22" dur="1" fill="hold">
-                                          <p:stCondLst>
-                                            <p:cond delay="0"/>
-                                          </p:stCondLst>
-                                        </p:cTn>
-                                        <p:tgtEl>
-                                          <p:spTgt spid="444419">
-                                            <p:txEl>
-                                              <p:pRg st="4" end="4"/>
-                                            </p:txEl>
-                                          </p:spTgt>
-                                        </p:tgtEl>
-                                        <p:attrNameLst>
-                                          <p:attrName>style.visibility</p:attrName>
-                                        </p:attrNameLst>
-                                      </p:cBhvr>
-                                      <p:to>
-                                        <p:strVal val="visible"/>
-                                      </p:to>
-                                    </p:set>
-                                  </p:childTnLst>
-                                </p:cTn>
-                              </p:par>
-                            </p:childTnLst>
-                          </p:cTn>
-                        </p:par>
-                      </p:childTnLst>
-                    </p:cTn>
-                  </p:par>
-                </p:childTnLst>
-              </p:cTn>
-              <p:prevCondLst>
-                <p:cond evt="onPrev" delay="0">
-                  <p:tgtEl>
-                    <p:sldTgt/>
-                  </p:tgtEl>
-                </p:cond>
-              </p:prevCondLst>
-              <p:nextCondLst>
-                <p:cond evt="onNext" delay="0">
-                  <p:tgtEl>
-                    <p:sldTgt/>
-                  </p:tgtEl>
-                </p:cond>
-              </p:nextCondLst>
-            </p:seq>
-          </p:childTnLst>
-        </p:cTn>
-      </p:par>
-    </p:tnLst>
-  </p:timing>
-</p:sld>
-</file>
-
-<file path=ppt/slides/slide20.xml><?xml version="1.0" encoding="utf-8"?>
+<file path=ppt/slides/slide19.xml><?xml version="1.0" encoding="utf-8"?>
 <p:sld xmlns:a="http://schemas.openxmlformats.org/drawingml/2006/main" xmlns:r="http://schemas.openxmlformats.org/officeDocument/2006/relationships" xmlns:p="http://schemas.openxmlformats.org/presentationml/2006/main">
   <p:cSld>
     <p:spTree>
@@ -14622,7 +13458,7 @@
             <a:fld id="{2BF067CD-8E6B-4360-9AA8-C5DF2A48A6D1}" type="slidenum">
               <a:rPr lang="en-US" noProof="0" smtClean="0"/>
               <a:pPr/>
-              <a:t>20</a:t>
+              <a:t>19</a:t>
             </a:fld>
             <a:endParaRPr lang="en-US" noProof="0" dirty="0"/>
           </a:p>
@@ -14801,6 +13637,9 @@
           <a:p>
             <a:r>
               <a:rPr lang="bg-BG" sz="3000" dirty="0">
+                <a:highlight>
+                  <a:srgbClr val="FFFF00"/>
+                </a:highlight>
                 <a:latin typeface="Calibri" panose="020F0502020204030204" pitchFamily="34" charset="0"/>
                 <a:cs typeface="Calibri" panose="020F0502020204030204" pitchFamily="34" charset="0"/>
               </a:rPr>
@@ -14808,6 +13647,9 @@
             </a:r>
             <a:r>
               <a:rPr lang="bg-BG" sz="3000" b="1" dirty="0">
+                <a:highlight>
+                  <a:srgbClr val="FFFF00"/>
+                </a:highlight>
                 <a:latin typeface="Calibri" panose="020F0502020204030204" pitchFamily="34" charset="0"/>
                 <a:cs typeface="Calibri" panose="020F0502020204030204" pitchFamily="34" charset="0"/>
               </a:rPr>
@@ -14815,12 +13657,18 @@
             </a:r>
             <a:r>
               <a:rPr lang="bg-BG" sz="3000" dirty="0">
+                <a:highlight>
+                  <a:srgbClr val="FFFF00"/>
+                </a:highlight>
                 <a:latin typeface="Calibri" panose="020F0502020204030204" pitchFamily="34" charset="0"/>
                 <a:cs typeface="Calibri" panose="020F0502020204030204" pitchFamily="34" charset="0"/>
               </a:rPr>
               <a:t> на колоните</a:t>
             </a:r>
             <a:endParaRPr lang="en-BG" sz="3000" dirty="0">
+              <a:highlight>
+                <a:srgbClr val="FFFF00"/>
+              </a:highlight>
               <a:latin typeface="Calibri" panose="020F0502020204030204" pitchFamily="34" charset="0"/>
               <a:cs typeface="Calibri" panose="020F0502020204030204" pitchFamily="34" charset="0"/>
             </a:endParaRPr>
@@ -14883,7 +13731,7 @@
           <p:nvPr/>
         </p:nvPicPr>
         <p:blipFill>
-          <a:blip r:embed="rId2">
+          <a:blip r:embed="rId3">
             <a:extLst>
               <a:ext uri="{28A0092B-C50C-407E-A947-70E740481C1C}">
                 <a14:useLocalDpi xmlns:a14="http://schemas.microsoft.com/office/drawing/2010/main" val="0"/>
@@ -15268,7 +14116,633 @@
 </p:sld>
 </file>
 
-<file path=ppt/slides/slide21.xml><?xml version="1.0" encoding="utf-8"?>
+<file path=ppt/slides/slide2.xml><?xml version="1.0" encoding="utf-8"?>
+<p:sld xmlns:a="http://schemas.openxmlformats.org/drawingml/2006/main" xmlns:r="http://schemas.openxmlformats.org/officeDocument/2006/relationships" xmlns:p="http://schemas.openxmlformats.org/presentationml/2006/main">
+  <p:cSld>
+    <p:spTree>
+      <p:nvGrpSpPr>
+        <p:cNvPr id="1" name=""/>
+        <p:cNvGrpSpPr/>
+        <p:nvPr/>
+      </p:nvGrpSpPr>
+      <p:grpSpPr>
+        <a:xfrm>
+          <a:off x="0" y="0"/>
+          <a:ext cx="0" cy="0"/>
+          <a:chOff x="0" y="0"/>
+          <a:chExt cx="0" cy="0"/>
+        </a:xfrm>
+      </p:grpSpPr>
+      <p:sp>
+        <p:nvSpPr>
+          <p:cNvPr id="5" name="Slide Number">
+            <a:extLst>
+              <a:ext uri="{FF2B5EF4-FFF2-40B4-BE49-F238E27FC236}">
+                <a16:creationId xmlns:a16="http://schemas.microsoft.com/office/drawing/2014/main" id="{6A760D59-0056-4F39-B077-DBDBE3D2927E}"/>
+              </a:ext>
+            </a:extLst>
+          </p:cNvPr>
+          <p:cNvSpPr txBox="1">
+            <a:spLocks/>
+          </p:cNvSpPr>
+          <p:nvPr/>
+        </p:nvSpPr>
+        <p:spPr>
+          <a:xfrm>
+            <a:off x="11753030" y="6507000"/>
+            <a:ext cx="367414" cy="297000"/>
+          </a:xfrm>
+          <a:prstGeom prst="rect">
+            <a:avLst/>
+          </a:prstGeom>
+        </p:spPr>
+        <p:txBody>
+          <a:bodyPr vert="horz" lIns="91440" tIns="45720" rIns="91440" bIns="45720" rtlCol="0" anchor="b"/>
+          <a:lstStyle>
+            <a:defPPr>
+              <a:defRPr lang="en-US"/>
+            </a:defPPr>
+            <a:lvl1pPr marL="0" algn="r" defTabSz="914400" rtl="0" eaLnBrk="1" latinLnBrk="0" hangingPunct="1">
+              <a:defRPr sz="1000" kern="1200">
+                <a:solidFill>
+                  <a:schemeClr val="tx1"/>
+                </a:solidFill>
+                <a:latin typeface="+mn-lt"/>
+                <a:ea typeface="+mn-ea"/>
+                <a:cs typeface="+mn-cs"/>
+              </a:defRPr>
+            </a:lvl1pPr>
+            <a:lvl2pPr marL="457200" algn="l" defTabSz="914400" rtl="0" eaLnBrk="1" latinLnBrk="0" hangingPunct="1">
+              <a:defRPr sz="1800" kern="1200">
+                <a:solidFill>
+                  <a:schemeClr val="tx1"/>
+                </a:solidFill>
+                <a:latin typeface="+mn-lt"/>
+                <a:ea typeface="+mn-ea"/>
+                <a:cs typeface="+mn-cs"/>
+              </a:defRPr>
+            </a:lvl2pPr>
+            <a:lvl3pPr marL="914400" algn="l" defTabSz="914400" rtl="0" eaLnBrk="1" latinLnBrk="0" hangingPunct="1">
+              <a:defRPr sz="1800" kern="1200">
+                <a:solidFill>
+                  <a:schemeClr val="tx1"/>
+                </a:solidFill>
+                <a:latin typeface="+mn-lt"/>
+                <a:ea typeface="+mn-ea"/>
+                <a:cs typeface="+mn-cs"/>
+              </a:defRPr>
+            </a:lvl3pPr>
+            <a:lvl4pPr marL="1371600" algn="l" defTabSz="914400" rtl="0" eaLnBrk="1" latinLnBrk="0" hangingPunct="1">
+              <a:defRPr sz="1800" kern="1200">
+                <a:solidFill>
+                  <a:schemeClr val="tx1"/>
+                </a:solidFill>
+                <a:latin typeface="+mn-lt"/>
+                <a:ea typeface="+mn-ea"/>
+                <a:cs typeface="+mn-cs"/>
+              </a:defRPr>
+            </a:lvl4pPr>
+            <a:lvl5pPr marL="1828800" algn="l" defTabSz="914400" rtl="0" eaLnBrk="1" latinLnBrk="0" hangingPunct="1">
+              <a:defRPr sz="1800" kern="1200">
+                <a:solidFill>
+                  <a:schemeClr val="tx1"/>
+                </a:solidFill>
+                <a:latin typeface="+mn-lt"/>
+                <a:ea typeface="+mn-ea"/>
+                <a:cs typeface="+mn-cs"/>
+              </a:defRPr>
+            </a:lvl5pPr>
+            <a:lvl6pPr marL="2286000" algn="l" defTabSz="914400" rtl="0" eaLnBrk="1" latinLnBrk="0" hangingPunct="1">
+              <a:defRPr sz="1800" kern="1200">
+                <a:solidFill>
+                  <a:schemeClr val="tx1"/>
+                </a:solidFill>
+                <a:latin typeface="+mn-lt"/>
+                <a:ea typeface="+mn-ea"/>
+                <a:cs typeface="+mn-cs"/>
+              </a:defRPr>
+            </a:lvl6pPr>
+            <a:lvl7pPr marL="2743200" algn="l" defTabSz="914400" rtl="0" eaLnBrk="1" latinLnBrk="0" hangingPunct="1">
+              <a:defRPr sz="1800" kern="1200">
+                <a:solidFill>
+                  <a:schemeClr val="tx1"/>
+                </a:solidFill>
+                <a:latin typeface="+mn-lt"/>
+                <a:ea typeface="+mn-ea"/>
+                <a:cs typeface="+mn-cs"/>
+              </a:defRPr>
+            </a:lvl7pPr>
+            <a:lvl8pPr marL="3200400" algn="l" defTabSz="914400" rtl="0" eaLnBrk="1" latinLnBrk="0" hangingPunct="1">
+              <a:defRPr sz="1800" kern="1200">
+                <a:solidFill>
+                  <a:schemeClr val="tx1"/>
+                </a:solidFill>
+                <a:latin typeface="+mn-lt"/>
+                <a:ea typeface="+mn-ea"/>
+                <a:cs typeface="+mn-cs"/>
+              </a:defRPr>
+            </a:lvl8pPr>
+            <a:lvl9pPr marL="3657600" algn="l" defTabSz="914400" rtl="0" eaLnBrk="1" latinLnBrk="0" hangingPunct="1">
+              <a:defRPr sz="1800" kern="1200">
+                <a:solidFill>
+                  <a:schemeClr val="tx1"/>
+                </a:solidFill>
+                <a:latin typeface="+mn-lt"/>
+                <a:ea typeface="+mn-ea"/>
+                <a:cs typeface="+mn-cs"/>
+              </a:defRPr>
+            </a:lvl9pPr>
+          </a:lstStyle>
+          <a:p>
+            <a:fld id="{2BF067CD-8E6B-4360-9AA8-C5DF2A48A6D1}" type="slidenum">
+              <a:rPr lang="en-US" smtClean="0"/>
+              <a:pPr/>
+              <a:t>2</a:t>
+            </a:fld>
+            <a:endParaRPr lang="en-US" dirty="0"/>
+          </a:p>
+        </p:txBody>
+      </p:sp>
+      <p:sp>
+        <p:nvSpPr>
+          <p:cNvPr id="444419" name="Slide Body"/>
+          <p:cNvSpPr>
+            <a:spLocks noGrp="1" noChangeArrowheads="1"/>
+          </p:cNvSpPr>
+          <p:nvPr>
+            <p:ph type="body" sz="quarter" idx="13"/>
+          </p:nvPr>
+        </p:nvSpPr>
+        <p:spPr>
+          <a:xfrm>
+            <a:off x="196766" y="1371604"/>
+            <a:ext cx="11781606" cy="5207396"/>
+          </a:xfrm>
+        </p:spPr>
+        <p:txBody>
+          <a:bodyPr>
+            <a:normAutofit/>
+          </a:bodyPr>
+          <a:lstStyle/>
+          <a:p>
+            <a:r>
+              <a:rPr lang="bg-BG" dirty="0"/>
+              <a:t>Какво е </a:t>
+            </a:r>
+            <a:r>
+              <a:rPr lang="en-US" b="1" dirty="0">
+                <a:solidFill>
+                  <a:schemeClr val="bg1"/>
+                </a:solidFill>
+              </a:rPr>
+              <a:t>Master-Detail </a:t>
+            </a:r>
+            <a:r>
+              <a:rPr lang="bg-BG" b="1" dirty="0"/>
+              <a:t>навигация</a:t>
+            </a:r>
+            <a:r>
+              <a:rPr lang="bg-BG" dirty="0"/>
+              <a:t>?</a:t>
+            </a:r>
+            <a:endParaRPr lang="bg-BG" b="1" dirty="0"/>
+          </a:p>
+          <a:p>
+            <a:r>
+              <a:rPr lang="bg-BG" dirty="0"/>
+              <a:t>Имплементиране на </a:t>
+            </a:r>
+            <a:r>
+              <a:rPr lang="en-US" b="1" dirty="0"/>
+              <a:t>Master-Detail</a:t>
+            </a:r>
+            <a:r>
+              <a:rPr lang="en-US" dirty="0"/>
+              <a:t> </a:t>
+            </a:r>
+            <a:r>
+              <a:rPr lang="bg-BG" dirty="0"/>
+              <a:t>с </a:t>
+            </a:r>
+            <a:r>
+              <a:rPr lang="bg-BG" b="1" dirty="0">
+                <a:solidFill>
+                  <a:schemeClr val="bg1"/>
+                </a:solidFill>
+              </a:rPr>
+              <a:t>Е</a:t>
+            </a:r>
+            <a:r>
+              <a:rPr lang="en-US" b="1" dirty="0">
+                <a:solidFill>
+                  <a:schemeClr val="bg1"/>
+                </a:solidFill>
+              </a:rPr>
+              <a:t>F Core</a:t>
+            </a:r>
+          </a:p>
+          <a:p>
+            <a:r>
+              <a:rPr lang="bg-BG" dirty="0"/>
+              <a:t>​</a:t>
+            </a:r>
+            <a:r>
+              <a:rPr lang="en-US" b="1" dirty="0"/>
+              <a:t>Master-Detail</a:t>
+            </a:r>
+            <a:r>
+              <a:rPr lang="bg-BG" dirty="0"/>
+              <a:t> таблици в </a:t>
+            </a:r>
+            <a:r>
+              <a:rPr lang="en-US" b="1" dirty="0">
+                <a:solidFill>
+                  <a:schemeClr val="bg1"/>
+                </a:solidFill>
+              </a:rPr>
+              <a:t>Windows Forms</a:t>
+            </a:r>
+          </a:p>
+          <a:p>
+            <a:r>
+              <a:rPr lang="bg-BG" dirty="0"/>
+              <a:t>​</a:t>
+            </a:r>
+            <a:r>
+              <a:rPr lang="bg-BG" b="1" dirty="0">
+                <a:solidFill>
+                  <a:schemeClr val="bg1"/>
+                </a:solidFill>
+              </a:rPr>
+              <a:t>Филтриране</a:t>
+            </a:r>
+            <a:r>
+              <a:rPr lang="bg-BG" dirty="0"/>
+              <a:t> и </a:t>
+            </a:r>
+            <a:r>
+              <a:rPr lang="bg-BG" b="1" dirty="0">
+                <a:solidFill>
+                  <a:schemeClr val="bg1"/>
+                </a:solidFill>
+              </a:rPr>
+              <a:t>сортиране</a:t>
+            </a:r>
+            <a:r>
+              <a:rPr lang="bg-BG" dirty="0"/>
+              <a:t> на </a:t>
+            </a:r>
+            <a:r>
+              <a:rPr lang="bg-BG" b="1" dirty="0"/>
+              <a:t>таблица</a:t>
+            </a:r>
+            <a:endParaRPr lang="en-GB" b="1" dirty="0"/>
+          </a:p>
+          <a:p>
+            <a:pPr>
+              <a:buClr>
+                <a:schemeClr val="tx1"/>
+              </a:buClr>
+            </a:pPr>
+            <a:r>
+              <a:rPr lang="en-GB" dirty="0"/>
+              <a:t>​</a:t>
+            </a:r>
+            <a:r>
+              <a:rPr lang="bg-BG" dirty="0"/>
+              <a:t>Примерно приложение: Държави и градове</a:t>
+            </a:r>
+            <a:endParaRPr lang="bg-BG" sz="3200" dirty="0"/>
+          </a:p>
+        </p:txBody>
+      </p:sp>
+      <p:sp>
+        <p:nvSpPr>
+          <p:cNvPr id="444418" name="Slide Title"/>
+          <p:cNvSpPr>
+            <a:spLocks noGrp="1" noChangeArrowheads="1"/>
+          </p:cNvSpPr>
+          <p:nvPr>
+            <p:ph type="title"/>
+          </p:nvPr>
+        </p:nvSpPr>
+        <p:spPr>
+          <a:xfrm>
+            <a:off x="190406" y="100750"/>
+            <a:ext cx="10270594" cy="882654"/>
+          </a:xfrm>
+        </p:spPr>
+        <p:txBody>
+          <a:bodyPr/>
+          <a:lstStyle/>
+          <a:p>
+            <a:r>
+              <a:rPr lang="bg-BG" dirty="0"/>
+              <a:t>Съдържание</a:t>
+            </a:r>
+          </a:p>
+        </p:txBody>
+      </p:sp>
+    </p:spTree>
+    <p:extLst>
+      <p:ext uri="{BB962C8B-B14F-4D97-AF65-F5344CB8AC3E}">
+        <p14:creationId xmlns:p14="http://schemas.microsoft.com/office/powerpoint/2010/main" val="1646986932"/>
+      </p:ext>
+    </p:extLst>
+  </p:cSld>
+  <p:clrMapOvr>
+    <a:masterClrMapping/>
+  </p:clrMapOvr>
+  <mc:AlternateContent xmlns:mc="http://schemas.openxmlformats.org/markup-compatibility/2006" xmlns:p14="http://schemas.microsoft.com/office/powerpoint/2010/main">
+    <mc:Choice Requires="p14">
+      <p:transition spd="slow" p14:dur="2000" advClick="0" advTm="5000"/>
+    </mc:Choice>
+    <mc:Fallback xmlns="">
+      <p:transition spd="slow" advClick="0" advTm="5000"/>
+    </mc:Fallback>
+  </mc:AlternateContent>
+  <p:timing>
+    <p:tnLst>
+      <p:par>
+        <p:cTn id="1" dur="indefinite" restart="never" nodeType="tmRoot">
+          <p:childTnLst>
+            <p:seq concurrent="1" nextAc="seek">
+              <p:cTn id="2" dur="indefinite" nodeType="mainSeq">
+                <p:childTnLst>
+                  <p:par>
+                    <p:cTn id="3" fill="hold">
+                      <p:stCondLst>
+                        <p:cond delay="indefinite"/>
+                        <p:cond evt="onBegin" delay="0">
+                          <p:tn val="2"/>
+                        </p:cond>
+                      </p:stCondLst>
+                      <p:childTnLst>
+                        <p:par>
+                          <p:cTn id="4" fill="hold">
+                            <p:stCondLst>
+                              <p:cond delay="0"/>
+                            </p:stCondLst>
+                            <p:childTnLst>
+                              <p:par>
+                                <p:cTn id="5" presetID="1" presetClass="entr" presetSubtype="0" fill="hold" nodeType="withEffect">
+                                  <p:stCondLst>
+                                    <p:cond delay="0"/>
+                                  </p:stCondLst>
+                                  <p:childTnLst>
+                                    <p:set>
+                                      <p:cBhvr>
+                                        <p:cTn id="6" dur="1" fill="hold">
+                                          <p:stCondLst>
+                                            <p:cond delay="0"/>
+                                          </p:stCondLst>
+                                        </p:cTn>
+                                        <p:tgtEl>
+                                          <p:spTgt spid="444419">
+                                            <p:txEl>
+                                              <p:pRg st="0" end="0"/>
+                                            </p:txEl>
+                                          </p:spTgt>
+                                        </p:tgtEl>
+                                        <p:attrNameLst>
+                                          <p:attrName>style.visibility</p:attrName>
+                                        </p:attrNameLst>
+                                      </p:cBhvr>
+                                      <p:to>
+                                        <p:strVal val="visible"/>
+                                      </p:to>
+                                    </p:set>
+                                  </p:childTnLst>
+                                </p:cTn>
+                              </p:par>
+                            </p:childTnLst>
+                          </p:cTn>
+                        </p:par>
+                      </p:childTnLst>
+                    </p:cTn>
+                  </p:par>
+                  <p:par>
+                    <p:cTn id="7" fill="hold">
+                      <p:stCondLst>
+                        <p:cond delay="indefinite"/>
+                      </p:stCondLst>
+                      <p:childTnLst>
+                        <p:par>
+                          <p:cTn id="8" fill="hold">
+                            <p:stCondLst>
+                              <p:cond delay="0"/>
+                            </p:stCondLst>
+                            <p:childTnLst>
+                              <p:par>
+                                <p:cTn id="9" presetID="1" presetClass="entr" presetSubtype="0" fill="hold" nodeType="clickEffect">
+                                  <p:stCondLst>
+                                    <p:cond delay="0"/>
+                                  </p:stCondLst>
+                                  <p:childTnLst>
+                                    <p:set>
+                                      <p:cBhvr>
+                                        <p:cTn id="10" dur="1" fill="hold">
+                                          <p:stCondLst>
+                                            <p:cond delay="0"/>
+                                          </p:stCondLst>
+                                        </p:cTn>
+                                        <p:tgtEl>
+                                          <p:spTgt spid="444419">
+                                            <p:txEl>
+                                              <p:pRg st="1" end="1"/>
+                                            </p:txEl>
+                                          </p:spTgt>
+                                        </p:tgtEl>
+                                        <p:attrNameLst>
+                                          <p:attrName>style.visibility</p:attrName>
+                                        </p:attrNameLst>
+                                      </p:cBhvr>
+                                      <p:to>
+                                        <p:strVal val="visible"/>
+                                      </p:to>
+                                    </p:set>
+                                  </p:childTnLst>
+                                </p:cTn>
+                              </p:par>
+                            </p:childTnLst>
+                          </p:cTn>
+                        </p:par>
+                      </p:childTnLst>
+                    </p:cTn>
+                  </p:par>
+                  <p:par>
+                    <p:cTn id="11" fill="hold">
+                      <p:stCondLst>
+                        <p:cond delay="indefinite"/>
+                      </p:stCondLst>
+                      <p:childTnLst>
+                        <p:par>
+                          <p:cTn id="12" fill="hold">
+                            <p:stCondLst>
+                              <p:cond delay="0"/>
+                            </p:stCondLst>
+                            <p:childTnLst>
+                              <p:par>
+                                <p:cTn id="13" presetID="1" presetClass="entr" presetSubtype="0" fill="hold" nodeType="clickEffect">
+                                  <p:stCondLst>
+                                    <p:cond delay="0"/>
+                                  </p:stCondLst>
+                                  <p:childTnLst>
+                                    <p:set>
+                                      <p:cBhvr>
+                                        <p:cTn id="14" dur="1" fill="hold">
+                                          <p:stCondLst>
+                                            <p:cond delay="0"/>
+                                          </p:stCondLst>
+                                        </p:cTn>
+                                        <p:tgtEl>
+                                          <p:spTgt spid="444419">
+                                            <p:txEl>
+                                              <p:pRg st="2" end="2"/>
+                                            </p:txEl>
+                                          </p:spTgt>
+                                        </p:tgtEl>
+                                        <p:attrNameLst>
+                                          <p:attrName>style.visibility</p:attrName>
+                                        </p:attrNameLst>
+                                      </p:cBhvr>
+                                      <p:to>
+                                        <p:strVal val="visible"/>
+                                      </p:to>
+                                    </p:set>
+                                  </p:childTnLst>
+                                </p:cTn>
+                              </p:par>
+                            </p:childTnLst>
+                          </p:cTn>
+                        </p:par>
+                      </p:childTnLst>
+                    </p:cTn>
+                  </p:par>
+                  <p:par>
+                    <p:cTn id="15" fill="hold">
+                      <p:stCondLst>
+                        <p:cond delay="indefinite"/>
+                      </p:stCondLst>
+                      <p:childTnLst>
+                        <p:par>
+                          <p:cTn id="16" fill="hold">
+                            <p:stCondLst>
+                              <p:cond delay="0"/>
+                            </p:stCondLst>
+                            <p:childTnLst>
+                              <p:par>
+                                <p:cTn id="17" presetID="1" presetClass="entr" presetSubtype="0" fill="hold" nodeType="clickEffect">
+                                  <p:stCondLst>
+                                    <p:cond delay="0"/>
+                                  </p:stCondLst>
+                                  <p:childTnLst>
+                                    <p:set>
+                                      <p:cBhvr>
+                                        <p:cTn id="18" dur="1" fill="hold">
+                                          <p:stCondLst>
+                                            <p:cond delay="0"/>
+                                          </p:stCondLst>
+                                        </p:cTn>
+                                        <p:tgtEl>
+                                          <p:spTgt spid="444419">
+                                            <p:txEl>
+                                              <p:pRg st="3" end="3"/>
+                                            </p:txEl>
+                                          </p:spTgt>
+                                        </p:tgtEl>
+                                        <p:attrNameLst>
+                                          <p:attrName>style.visibility</p:attrName>
+                                        </p:attrNameLst>
+                                      </p:cBhvr>
+                                      <p:to>
+                                        <p:strVal val="visible"/>
+                                      </p:to>
+                                    </p:set>
+                                  </p:childTnLst>
+                                </p:cTn>
+                              </p:par>
+                            </p:childTnLst>
+                          </p:cTn>
+                        </p:par>
+                      </p:childTnLst>
+                    </p:cTn>
+                  </p:par>
+                  <p:par>
+                    <p:cTn id="19" fill="hold">
+                      <p:stCondLst>
+                        <p:cond delay="indefinite"/>
+                      </p:stCondLst>
+                      <p:childTnLst>
+                        <p:par>
+                          <p:cTn id="20" fill="hold">
+                            <p:stCondLst>
+                              <p:cond delay="0"/>
+                            </p:stCondLst>
+                            <p:childTnLst>
+                              <p:par>
+                                <p:cTn id="21" presetID="1" presetClass="entr" presetSubtype="0" fill="hold" nodeType="clickEffect">
+                                  <p:stCondLst>
+                                    <p:cond delay="0"/>
+                                  </p:stCondLst>
+                                  <p:childTnLst>
+                                    <p:set>
+                                      <p:cBhvr>
+                                        <p:cTn id="22" dur="1" fill="hold">
+                                          <p:stCondLst>
+                                            <p:cond delay="0"/>
+                                          </p:stCondLst>
+                                        </p:cTn>
+                                        <p:tgtEl>
+                                          <p:spTgt spid="444419">
+                                            <p:txEl>
+                                              <p:pRg st="4" end="4"/>
+                                            </p:txEl>
+                                          </p:spTgt>
+                                        </p:tgtEl>
+                                        <p:attrNameLst>
+                                          <p:attrName>style.visibility</p:attrName>
+                                        </p:attrNameLst>
+                                      </p:cBhvr>
+                                      <p:to>
+                                        <p:strVal val="visible"/>
+                                      </p:to>
+                                    </p:set>
+                                  </p:childTnLst>
+                                </p:cTn>
+                              </p:par>
+                            </p:childTnLst>
+                          </p:cTn>
+                        </p:par>
+                      </p:childTnLst>
+                    </p:cTn>
+                  </p:par>
+                </p:childTnLst>
+              </p:cTn>
+              <p:prevCondLst>
+                <p:cond evt="onPrev" delay="0">
+                  <p:tgtEl>
+                    <p:sldTgt/>
+                  </p:tgtEl>
+                </p:cond>
+              </p:prevCondLst>
+              <p:nextCondLst>
+                <p:cond evt="onNext" delay="0">
+                  <p:tgtEl>
+                    <p:sldTgt/>
+                  </p:tgtEl>
+                </p:cond>
+              </p:nextCondLst>
+            </p:seq>
+          </p:childTnLst>
+        </p:cTn>
+      </p:par>
+    </p:tnLst>
+  </p:timing>
+</p:sld>
+</file>
+
+<file path=ppt/slides/slide20.xml><?xml version="1.0" encoding="utf-8"?>
 <p:sld xmlns:a="http://schemas.openxmlformats.org/drawingml/2006/main" xmlns:r="http://schemas.openxmlformats.org/officeDocument/2006/relationships" xmlns:p="http://schemas.openxmlformats.org/presentationml/2006/main">
   <p:cSld>
     <p:spTree>
@@ -15309,7 +14783,7 @@
             <a:fld id="{2BF067CD-8E6B-4360-9AA8-C5DF2A48A6D1}" type="slidenum">
               <a:rPr lang="en-US" noProof="0" smtClean="0"/>
               <a:pPr/>
-              <a:t>21</a:t>
+              <a:t>20</a:t>
             </a:fld>
             <a:endParaRPr lang="en-US" noProof="0" dirty="0"/>
           </a:p>
@@ -15469,7 +14943,7 @@
         <p:spPr bwMode="auto">
           <a:xfrm>
             <a:off x="619841" y="2304000"/>
-            <a:ext cx="11125200" cy="4126872"/>
+            <a:ext cx="11125200" cy="4311538"/>
           </a:xfrm>
           <a:prstGeom prst="rect">
             <a:avLst/>
@@ -15511,11 +14985,25 @@
               <a:buNone/>
             </a:pPr>
             <a:r>
-              <a:rPr lang="en-US" sz="1400" b="1" noProof="1">
-                <a:latin typeface="Consolas" pitchFamily="49" charset="0"/>
-                <a:cs typeface="Consolas" pitchFamily="49" charset="0"/>
-              </a:rPr>
-              <a:t>private void dataGridViewCountries_SelectionChanged(object sender, EventArgs e)</a:t>
+              <a:rPr lang="en-US" sz="1600" b="1" dirty="0">
+                <a:latin typeface="Consolas" panose="020B0609020204030204" pitchFamily="49" charset="0"/>
+              </a:rPr>
+              <a:t> private void </a:t>
+            </a:r>
+            <a:r>
+              <a:rPr lang="en-US" sz="1600" b="1" dirty="0">
+                <a:solidFill>
+                  <a:schemeClr val="bg1"/>
+                </a:solidFill>
+                <a:latin typeface="Consolas" panose="020B0609020204030204" pitchFamily="49" charset="0"/>
+              </a:rPr>
+              <a:t>dataGridViewCountries_SelectionChanged</a:t>
+            </a:r>
+            <a:r>
+              <a:rPr lang="en-US" sz="1600" b="1" dirty="0">
+                <a:latin typeface="Consolas" panose="020B0609020204030204" pitchFamily="49" charset="0"/>
+              </a:rPr>
+              <a:t>(object sender, EventArgs e)</a:t>
             </a:r>
           </a:p>
           <a:p>
@@ -15534,11 +15022,10 @@
               <a:buNone/>
             </a:pPr>
             <a:r>
-              <a:rPr lang="en-US" sz="1400" b="1" noProof="1">
-                <a:latin typeface="Consolas" pitchFamily="49" charset="0"/>
-                <a:cs typeface="Consolas" pitchFamily="49" charset="0"/>
-              </a:rPr>
-              <a:t>{</a:t>
+              <a:rPr lang="en-US" sz="1600" b="1" dirty="0">
+                <a:latin typeface="Consolas" panose="020B0609020204030204" pitchFamily="49" charset="0"/>
+              </a:rPr>
+              <a:t> {</a:t>
             </a:r>
           </a:p>
           <a:p>
@@ -15557,12 +15044,59 @@
               <a:buNone/>
             </a:pPr>
             <a:r>
-              <a:rPr lang="en-US" sz="1400" b="1" noProof="1">
-                <a:latin typeface="Consolas" pitchFamily="49" charset="0"/>
-                <a:cs typeface="Consolas" pitchFamily="49" charset="0"/>
-              </a:rPr>
-              <a:t>    using (var dbContext = new CountriesDbContext())</a:t>
-            </a:r>
+              <a:rPr lang="en-US" sz="1600" b="1" dirty="0">
+                <a:latin typeface="Consolas" panose="020B0609020204030204" pitchFamily="49" charset="0"/>
+              </a:rPr>
+              <a:t>     if (this.</a:t>
+            </a:r>
+            <a:r>
+              <a:rPr lang="en-US" sz="1600" b="1" dirty="0">
+                <a:solidFill>
+                  <a:schemeClr val="bg1"/>
+                </a:solidFill>
+                <a:latin typeface="Consolas" panose="020B0609020204030204" pitchFamily="49" charset="0"/>
+              </a:rPr>
+              <a:t>dataGridViewCountries</a:t>
+            </a:r>
+            <a:r>
+              <a:rPr lang="en-US" sz="1600" b="1" dirty="0">
+                <a:latin typeface="Consolas" panose="020B0609020204030204" pitchFamily="49" charset="0"/>
+              </a:rPr>
+              <a:t>.</a:t>
+            </a:r>
+            <a:r>
+              <a:rPr lang="en-US" sz="1600" b="1" dirty="0">
+                <a:solidFill>
+                  <a:schemeClr val="bg1"/>
+                </a:solidFill>
+                <a:latin typeface="Consolas" panose="020B0609020204030204" pitchFamily="49" charset="0"/>
+              </a:rPr>
+              <a:t>CurrentRow</a:t>
+            </a:r>
+            <a:r>
+              <a:rPr lang="en-US" sz="1600" b="1" dirty="0">
+                <a:latin typeface="Consolas" panose="020B0609020204030204" pitchFamily="49" charset="0"/>
+              </a:rPr>
+              <a:t> == null)</a:t>
+            </a:r>
+            <a:r>
+              <a:rPr lang="bg-BG" sz="1600" b="1" dirty="0">
+                <a:latin typeface="Consolas" panose="020B0609020204030204" pitchFamily="49" charset="0"/>
+              </a:rPr>
+              <a:t> </a:t>
+            </a:r>
+            <a:r>
+              <a:rPr lang="en-US" sz="1600" b="1" dirty="0">
+                <a:latin typeface="Consolas" panose="020B0609020204030204" pitchFamily="49" charset="0"/>
+              </a:rPr>
+              <a:t>return;</a:t>
+            </a:r>
+            <a:endParaRPr lang="bg-BG" sz="1600" b="1" dirty="0">
+              <a:solidFill>
+                <a:schemeClr val="accent2"/>
+              </a:solidFill>
+              <a:latin typeface="Consolas" panose="020B0609020204030204" pitchFamily="49" charset="0"/>
+            </a:endParaRPr>
           </a:p>
           <a:p>
             <a:pPr>
@@ -15580,11 +15114,55 @@
               <a:buNone/>
             </a:pPr>
             <a:r>
-              <a:rPr lang="en-US" sz="1400" b="1" noProof="1">
-                <a:latin typeface="Consolas" pitchFamily="49" charset="0"/>
-                <a:cs typeface="Consolas" pitchFamily="49" charset="0"/>
-              </a:rPr>
-              <a:t>    {</a:t>
+              <a:rPr lang="en-US" sz="1600" b="1" dirty="0">
+                <a:latin typeface="Consolas" panose="020B0609020204030204" pitchFamily="49" charset="0"/>
+              </a:rPr>
+              <a:t>     var selectedCountry = (Country)this.</a:t>
+            </a:r>
+            <a:r>
+              <a:rPr lang="en-US" sz="1600" b="1" dirty="0">
+                <a:solidFill>
+                  <a:schemeClr val="bg1"/>
+                </a:solidFill>
+                <a:latin typeface="Consolas" panose="020B0609020204030204" pitchFamily="49" charset="0"/>
+              </a:rPr>
+              <a:t>dataGridViewCountries</a:t>
+            </a:r>
+            <a:r>
+              <a:rPr lang="en-US" sz="1600" b="1" dirty="0">
+                <a:latin typeface="Consolas" panose="020B0609020204030204" pitchFamily="49" charset="0"/>
+              </a:rPr>
+              <a:t>.</a:t>
+            </a:r>
+            <a:r>
+              <a:rPr lang="en-US" sz="1600" b="1" dirty="0">
+                <a:solidFill>
+                  <a:schemeClr val="bg1"/>
+                </a:solidFill>
+                <a:latin typeface="Consolas" panose="020B0609020204030204" pitchFamily="49" charset="0"/>
+              </a:rPr>
+              <a:t>CurrentRow</a:t>
+            </a:r>
+            <a:r>
+              <a:rPr lang="en-US" sz="1600" b="1" dirty="0">
+                <a:latin typeface="Consolas" panose="020B0609020204030204" pitchFamily="49" charset="0"/>
+              </a:rPr>
+              <a:t>.</a:t>
+            </a:r>
+            <a:r>
+              <a:rPr lang="en-US" sz="1600" b="1" dirty="0">
+                <a:solidFill>
+                  <a:schemeClr val="bg1"/>
+                </a:solidFill>
+                <a:latin typeface="Consolas" panose="020B0609020204030204" pitchFamily="49" charset="0"/>
+              </a:rPr>
+              <a:t>DataBoundItem</a:t>
+            </a:r>
+            <a:r>
+              <a:rPr lang="en-US" sz="1600" b="1" dirty="0">
+                <a:latin typeface="Consolas" panose="020B0609020204030204" pitchFamily="49" charset="0"/>
+              </a:rPr>
+              <a:t>;</a:t>
             </a:r>
           </a:p>
           <a:p>
@@ -15603,45 +15181,10 @@
               <a:buNone/>
             </a:pPr>
             <a:r>
-              <a:rPr lang="en-US" sz="1400" b="1" noProof="1">
-                <a:latin typeface="Consolas" pitchFamily="49" charset="0"/>
-                <a:cs typeface="Consolas" pitchFamily="49" charset="0"/>
-              </a:rPr>
-              <a:t>        var selectedCountry = (Country)this.</a:t>
-            </a:r>
-            <a:r>
-              <a:rPr lang="en-US" sz="1400" b="1" noProof="1">
-                <a:solidFill>
-                  <a:schemeClr val="bg1"/>
-                </a:solidFill>
-                <a:latin typeface="Consolas" pitchFamily="49" charset="0"/>
-                <a:cs typeface="Consolas" pitchFamily="49" charset="0"/>
-              </a:rPr>
-              <a:t>countryBindingSource</a:t>
-            </a:r>
-            <a:r>
-              <a:rPr lang="en-US" sz="1400" b="1" noProof="1">
-                <a:latin typeface="Consolas" pitchFamily="49" charset="0"/>
-                <a:cs typeface="Consolas" pitchFamily="49" charset="0"/>
-              </a:rPr>
-              <a:t>.</a:t>
-            </a:r>
-            <a:r>
-              <a:rPr lang="en-US" sz="1400" b="1" noProof="1">
-                <a:solidFill>
-                  <a:schemeClr val="bg1"/>
-                </a:solidFill>
-                <a:latin typeface="Consolas" pitchFamily="49" charset="0"/>
-                <a:cs typeface="Consolas" pitchFamily="49" charset="0"/>
-              </a:rPr>
-              <a:t>Current</a:t>
-            </a:r>
-            <a:r>
-              <a:rPr lang="en-US" sz="1400" b="1" noProof="1">
-                <a:latin typeface="Consolas" pitchFamily="49" charset="0"/>
-                <a:cs typeface="Consolas" pitchFamily="49" charset="0"/>
-              </a:rPr>
-              <a:t>;</a:t>
+              <a:rPr lang="en-US" sz="1600" b="1" dirty="0">
+                <a:latin typeface="Consolas" panose="020B0609020204030204" pitchFamily="49" charset="0"/>
+              </a:rPr>
+              <a:t>     using (var dbContext = new CountriesDbContext())</a:t>
             </a:r>
           </a:p>
           <a:p>
@@ -15660,11 +15203,10 @@
               <a:buNone/>
             </a:pPr>
             <a:r>
-              <a:rPr lang="en-US" sz="1400" b="1" noProof="1">
-                <a:latin typeface="Consolas" pitchFamily="49" charset="0"/>
-                <a:cs typeface="Consolas" pitchFamily="49" charset="0"/>
-              </a:rPr>
-              <a:t>        if (selectedCountry == null) return;</a:t>
+              <a:rPr lang="en-US" sz="1600" b="1" dirty="0">
+                <a:latin typeface="Consolas" panose="020B0609020204030204" pitchFamily="49" charset="0"/>
+              </a:rPr>
+              <a:t>     {</a:t>
             </a:r>
           </a:p>
           <a:p>
@@ -15683,28 +15225,76 @@
               <a:buNone/>
             </a:pPr>
             <a:r>
-              <a:rPr lang="en-US" sz="1400" b="1" noProof="1">
-                <a:latin typeface="Consolas" pitchFamily="49" charset="0"/>
-                <a:cs typeface="Consolas" pitchFamily="49" charset="0"/>
-              </a:rPr>
-              <a:t>        var countryId = selectedCountry.</a:t>
-            </a:r>
-            <a:r>
-              <a:rPr lang="en-US" sz="1400" b="1" noProof="1">
+              <a:rPr lang="bg-BG" sz="1600" b="1" dirty="0">
+                <a:latin typeface="Consolas" panose="020B0609020204030204" pitchFamily="49" charset="0"/>
+              </a:rPr>
+              <a:t>         </a:t>
+            </a:r>
+            <a:r>
+              <a:rPr lang="en-US" sz="1600" b="1" dirty="0">
+                <a:latin typeface="Consolas" panose="020B0609020204030204" pitchFamily="49" charset="0"/>
+              </a:rPr>
+              <a:t>var towns = dbContext.Towns.</a:t>
+            </a:r>
+            <a:r>
+              <a:rPr lang="en-US" sz="1600" b="1" dirty="0">
                 <a:solidFill>
                   <a:schemeClr val="bg1"/>
                 </a:solidFill>
-                <a:latin typeface="Consolas" pitchFamily="49" charset="0"/>
-                <a:cs typeface="Consolas" pitchFamily="49" charset="0"/>
+                <a:latin typeface="Consolas" panose="020B0609020204030204" pitchFamily="49" charset="0"/>
+              </a:rPr>
+              <a:t>Where</a:t>
+            </a:r>
+            <a:r>
+              <a:rPr lang="en-US" sz="1600" b="1" dirty="0">
+                <a:latin typeface="Consolas" panose="020B0609020204030204" pitchFamily="49" charset="0"/>
+              </a:rPr>
+              <a:t>(t =&gt; t.</a:t>
+            </a:r>
+            <a:r>
+              <a:rPr lang="en-US" sz="1600" b="1" dirty="0">
+                <a:solidFill>
+                  <a:schemeClr val="bg1"/>
+                </a:solidFill>
+                <a:latin typeface="Consolas" panose="020B0609020204030204" pitchFamily="49" charset="0"/>
               </a:rPr>
               <a:t>CountryId</a:t>
             </a:r>
             <a:r>
-              <a:rPr lang="en-US" sz="1400" b="1" noProof="1">
-                <a:latin typeface="Consolas" pitchFamily="49" charset="0"/>
-                <a:cs typeface="Consolas" pitchFamily="49" charset="0"/>
-              </a:rPr>
-              <a:t>;</a:t>
+              <a:rPr lang="en-US" sz="1600" b="1" dirty="0">
+                <a:latin typeface="Consolas" panose="020B0609020204030204" pitchFamily="49" charset="0"/>
+              </a:rPr>
+              <a:t> == </a:t>
+            </a:r>
+            <a:r>
+              <a:rPr lang="en-US" sz="1600" b="1" dirty="0">
+                <a:solidFill>
+                  <a:schemeClr val="bg1"/>
+                </a:solidFill>
+                <a:latin typeface="Consolas" panose="020B0609020204030204" pitchFamily="49" charset="0"/>
+              </a:rPr>
+              <a:t>selectedCountry</a:t>
+            </a:r>
+            <a:r>
+              <a:rPr lang="en-US" sz="1600" b="1" dirty="0">
+                <a:latin typeface="Consolas" panose="020B0609020204030204" pitchFamily="49" charset="0"/>
+              </a:rPr>
+              <a:t>.</a:t>
+            </a:r>
+            <a:r>
+              <a:rPr lang="en-US" sz="1600" b="1" dirty="0">
+                <a:solidFill>
+                  <a:schemeClr val="bg1"/>
+                </a:solidFill>
+                <a:latin typeface="Consolas" panose="020B0609020204030204" pitchFamily="49" charset="0"/>
+              </a:rPr>
+              <a:t>CountryId</a:t>
+            </a:r>
+            <a:r>
+              <a:rPr lang="en-US" sz="1600" b="1" dirty="0">
+                <a:latin typeface="Consolas" panose="020B0609020204030204" pitchFamily="49" charset="0"/>
+              </a:rPr>
+              <a:t>).ToArray();</a:t>
             </a:r>
           </a:p>
           <a:p>
@@ -15723,100 +15313,46 @@
               <a:buNone/>
             </a:pPr>
             <a:r>
-              <a:rPr lang="en-US" sz="1400" b="1" noProof="1">
-                <a:latin typeface="Consolas" pitchFamily="49" charset="0"/>
-                <a:cs typeface="Consolas" pitchFamily="49" charset="0"/>
-              </a:rPr>
-              <a:t>        var towns = dbContext.Towns.</a:t>
-            </a:r>
-            <a:r>
-              <a:rPr lang="en-US" sz="1400" b="1" noProof="1">
+              <a:rPr lang="bg-BG" sz="1600" b="1" dirty="0">
+                <a:latin typeface="Consolas" panose="020B0609020204030204" pitchFamily="49" charset="0"/>
+              </a:rPr>
+              <a:t>         </a:t>
+            </a:r>
+            <a:r>
+              <a:rPr lang="en-US" sz="1600" b="1" dirty="0">
+                <a:latin typeface="Consolas" panose="020B0609020204030204" pitchFamily="49" charset="0"/>
+              </a:rPr>
+              <a:t>this.</a:t>
+            </a:r>
+            <a:r>
+              <a:rPr lang="en-US" sz="1600" b="1" dirty="0">
                 <a:solidFill>
                   <a:schemeClr val="bg1"/>
                 </a:solidFill>
-                <a:latin typeface="Consolas" pitchFamily="49" charset="0"/>
-                <a:cs typeface="Consolas" pitchFamily="49" charset="0"/>
-              </a:rPr>
-              <a:t>Where</a:t>
-            </a:r>
-            <a:r>
-              <a:rPr lang="en-US" sz="1400" b="1" noProof="1">
-                <a:latin typeface="Consolas" pitchFamily="49" charset="0"/>
-                <a:cs typeface="Consolas" pitchFamily="49" charset="0"/>
-              </a:rPr>
-              <a:t>(t =&gt; t.CountryId == countryId).ToList();</a:t>
-            </a:r>
-          </a:p>
-          <a:p>
-            <a:pPr>
-              <a:spcBef>
-                <a:spcPts val="600"/>
-              </a:spcBef>
-              <a:spcAft>
-                <a:spcPts val="600"/>
-              </a:spcAft>
-              <a:buClr>
-                <a:srgbClr val="F2B254"/>
-              </a:buClr>
-              <a:buSzPct val="100000"/>
-            </a:pPr>
-            <a:r>
-              <a:rPr lang="en-US" sz="1400" b="1" noProof="1">
-                <a:latin typeface="Consolas" pitchFamily="49" charset="0"/>
-                <a:cs typeface="Consolas" pitchFamily="49" charset="0"/>
-              </a:rPr>
-              <a:t>        if (towns.Count &gt; 0) this.</a:t>
-            </a:r>
-            <a:r>
-              <a:rPr lang="en-US" sz="1400" b="1" noProof="1">
+                <a:latin typeface="Consolas" panose="020B0609020204030204" pitchFamily="49" charset="0"/>
+              </a:rPr>
+              <a:t>dataGridViewTowns</a:t>
+            </a:r>
+            <a:r>
+              <a:rPr lang="en-US" sz="1600" b="1" dirty="0">
+                <a:latin typeface="Consolas" panose="020B0609020204030204" pitchFamily="49" charset="0"/>
+              </a:rPr>
+              <a:t>.</a:t>
+            </a:r>
+            <a:r>
+              <a:rPr lang="en-US" sz="1600" b="1" dirty="0">
                 <a:solidFill>
                   <a:schemeClr val="bg1"/>
                 </a:solidFill>
-                <a:latin typeface="Consolas" pitchFamily="49" charset="0"/>
-                <a:cs typeface="Consolas" pitchFamily="49" charset="0"/>
-              </a:rPr>
-              <a:t>townBindingSource</a:t>
-            </a:r>
-            <a:r>
-              <a:rPr lang="en-US" sz="1400" b="1" noProof="1">
-                <a:latin typeface="Consolas" pitchFamily="49" charset="0"/>
-                <a:cs typeface="Consolas" pitchFamily="49" charset="0"/>
-              </a:rPr>
-              <a:t>.</a:t>
-            </a:r>
-            <a:r>
-              <a:rPr lang="en-US" sz="1400" b="1" noProof="1">
-                <a:solidFill>
-                  <a:schemeClr val="bg1"/>
-                </a:solidFill>
-                <a:latin typeface="Consolas" pitchFamily="49" charset="0"/>
-                <a:cs typeface="Consolas" pitchFamily="49" charset="0"/>
+                <a:latin typeface="Consolas" panose="020B0609020204030204" pitchFamily="49" charset="0"/>
               </a:rPr>
               <a:t>DataSource</a:t>
             </a:r>
             <a:r>
-              <a:rPr lang="en-US" sz="1400" b="1" noProof="1">
-                <a:latin typeface="Consolas" pitchFamily="49" charset="0"/>
-                <a:cs typeface="Consolas" pitchFamily="49" charset="0"/>
-              </a:rPr>
-              <a:t> = </a:t>
-            </a:r>
-            <a:r>
-              <a:rPr lang="en-US" sz="1400" b="1" noProof="1">
-                <a:solidFill>
-                  <a:schemeClr val="bg1"/>
-                </a:solidFill>
-                <a:latin typeface="Consolas" pitchFamily="49" charset="0"/>
-                <a:cs typeface="Consolas" pitchFamily="49" charset="0"/>
-              </a:rPr>
-              <a:t>towns</a:t>
-            </a:r>
-            <a:r>
-              <a:rPr lang="en-US" sz="1400" b="1" noProof="1">
-                <a:latin typeface="Consolas" pitchFamily="49" charset="0"/>
-                <a:cs typeface="Consolas" pitchFamily="49" charset="0"/>
-              </a:rPr>
-              <a:t>;</a:t>
+              <a:rPr lang="en-US" sz="1600" b="1" dirty="0">
+                <a:latin typeface="Consolas" panose="020B0609020204030204" pitchFamily="49" charset="0"/>
+              </a:rPr>
+              <a:t> = towns;</a:t>
             </a:r>
           </a:p>
           <a:p>
@@ -15835,11 +15371,10 @@
               <a:buNone/>
             </a:pPr>
             <a:r>
-              <a:rPr lang="en-US" sz="1400" b="1" noProof="1">
-                <a:latin typeface="Consolas" pitchFamily="49" charset="0"/>
-                <a:cs typeface="Consolas" pitchFamily="49" charset="0"/>
-              </a:rPr>
-              <a:t>    }</a:t>
+              <a:rPr lang="en-US" sz="1600" b="1" dirty="0">
+                <a:latin typeface="Consolas" panose="020B0609020204030204" pitchFamily="49" charset="0"/>
+              </a:rPr>
+              <a:t>     }</a:t>
             </a:r>
           </a:p>
           <a:p>
@@ -15858,153 +15393,10 @@
               <a:buNone/>
             </a:pPr>
             <a:r>
-              <a:rPr lang="en-US" sz="1400" b="1" noProof="1">
-                <a:latin typeface="Consolas" pitchFamily="49" charset="0"/>
-                <a:cs typeface="Consolas" pitchFamily="49" charset="0"/>
-              </a:rPr>
-              <a:t>}</a:t>
-            </a:r>
-          </a:p>
-        </p:txBody>
-      </p:sp>
-      <p:sp>
-        <p:nvSpPr>
-          <p:cNvPr id="6" name="Rectangle: Rounded Corners 5">
-            <a:extLst>
-              <a:ext uri="{FF2B5EF4-FFF2-40B4-BE49-F238E27FC236}">
-                <a16:creationId xmlns:a16="http://schemas.microsoft.com/office/drawing/2014/main" id="{3E71505B-99AB-A64A-72A3-D9EB6474E5B8}"/>
-              </a:ext>
-            </a:extLst>
-          </p:cNvPr>
-          <p:cNvSpPr/>
-          <p:nvPr/>
-        </p:nvSpPr>
-        <p:spPr bwMode="auto">
-          <a:xfrm>
-            <a:off x="5834408" y="2910311"/>
-            <a:ext cx="5966606" cy="1457125"/>
-          </a:xfrm>
-          <a:prstGeom prst="roundRect">
-            <a:avLst/>
-          </a:prstGeom>
-          <a:ln/>
-        </p:spPr>
-        <p:style>
-          <a:lnRef idx="0">
-            <a:schemeClr val="accent2"/>
-          </a:lnRef>
-          <a:fillRef idx="3">
-            <a:schemeClr val="accent2"/>
-          </a:fillRef>
-          <a:effectRef idx="3">
-            <a:schemeClr val="accent2"/>
-          </a:effectRef>
-          <a:fontRef idx="minor">
-            <a:schemeClr val="lt1"/>
-          </a:fontRef>
-        </p:style>
-        <p:txBody>
-          <a:bodyPr rot="0" spcFirstLastPara="0" vertOverflow="overflow" horzOverflow="overflow" vert="horz" wrap="square" lIns="91440" tIns="45720" rIns="91440" bIns="45720" numCol="1" spcCol="0" rtlCol="0" fromWordArt="0" anchor="ctr" anchorCtr="0" forceAA="0" compatLnSpc="1">
-            <a:prstTxWarp prst="textNoShape">
-              <a:avLst/>
-            </a:prstTxWarp>
-            <a:noAutofit/>
-          </a:bodyPr>
-          <a:lstStyle/>
-          <a:p>
-            <a:pPr algn="ctr"/>
-            <a:r>
-              <a:rPr lang="bg-BG" sz="2800" b="1" dirty="0">
-                <a:solidFill>
-                  <a:srgbClr val="FFFFFF"/>
-                </a:solidFill>
-                <a:effectLst>
-                  <a:outerShdw blurRad="38100" dist="38100" dir="2700000" algn="tl">
-                    <a:srgbClr val="000000">
-                      <a:alpha val="43137"/>
-                    </a:srgbClr>
-                  </a:outerShdw>
-                </a:effectLst>
-              </a:rPr>
-              <a:t>От къде идва този </a:t>
-            </a:r>
-            <a:r>
-              <a:rPr lang="en-US" sz="2800" b="1" dirty="0" err="1">
-                <a:solidFill>
-                  <a:srgbClr val="FFFFFF"/>
-                </a:solidFill>
-                <a:effectLst>
-                  <a:outerShdw blurRad="38100" dist="38100" dir="2700000" algn="tl">
-                    <a:srgbClr val="000000">
-                      <a:alpha val="43137"/>
-                    </a:srgbClr>
-                  </a:outerShdw>
-                </a:effectLst>
-              </a:rPr>
-              <a:t>bindingSource</a:t>
-            </a:r>
-            <a:r>
-              <a:rPr lang="en-US" sz="2800" b="1" dirty="0">
-                <a:solidFill>
-                  <a:srgbClr val="FFFFFF"/>
-                </a:solidFill>
-                <a:effectLst>
-                  <a:outerShdw blurRad="38100" dist="38100" dir="2700000" algn="tl">
-                    <a:srgbClr val="000000">
-                      <a:alpha val="43137"/>
-                    </a:srgbClr>
-                  </a:outerShdw>
-                </a:effectLst>
-              </a:rPr>
-              <a:t>?</a:t>
-            </a:r>
-          </a:p>
-          <a:p>
-            <a:pPr algn="ctr"/>
-            <a:r>
-              <a:rPr lang="bg-BG" sz="2800" b="1" dirty="0">
-                <a:solidFill>
-                  <a:srgbClr val="FFFFFF"/>
-                </a:solidFill>
-                <a:effectLst>
-                  <a:outerShdw blurRad="38100" dist="38100" dir="2700000" algn="tl">
-                    <a:srgbClr val="000000">
-                      <a:alpha val="43137"/>
-                    </a:srgbClr>
-                  </a:outerShdw>
-                </a:effectLst>
-              </a:rPr>
-              <a:t>Тук имаме ръчно свързване и не ползваме </a:t>
-            </a:r>
-            <a:r>
-              <a:rPr lang="en-US" sz="2800" b="1" dirty="0" err="1">
-                <a:solidFill>
-                  <a:srgbClr val="FFFFFF"/>
-                </a:solidFill>
-                <a:effectLst>
-                  <a:outerShdw blurRad="38100" dist="38100" dir="2700000" algn="tl">
-                    <a:srgbClr val="000000">
-                      <a:alpha val="43137"/>
-                    </a:srgbClr>
-                  </a:outerShdw>
-                </a:effectLst>
-              </a:rPr>
-              <a:t>bindingsource</a:t>
-            </a:r>
-            <a:r>
-              <a:rPr lang="en-US" sz="2800" b="1" dirty="0">
-                <a:solidFill>
-                  <a:srgbClr val="FFFFFF"/>
-                </a:solidFill>
-                <a:effectLst>
-                  <a:outerShdw blurRad="38100" dist="38100" dir="2700000" algn="tl">
-                    <a:srgbClr val="000000">
-                      <a:alpha val="43137"/>
-                    </a:srgbClr>
-                  </a:outerShdw>
-                </a:effectLst>
-              </a:rPr>
-              <a:t>.</a:t>
+              <a:rPr lang="en-US" sz="1600" b="1" dirty="0">
+                <a:latin typeface="Consolas" panose="020B0609020204030204" pitchFamily="49" charset="0"/>
+              </a:rPr>
+              <a:t> }</a:t>
             </a:r>
           </a:p>
         </p:txBody>
@@ -16191,7 +15583,7 @@
 </p:sld>
 </file>
 
-<file path=ppt/slides/slide22.xml><?xml version="1.0" encoding="utf-8"?>
+<file path=ppt/slides/slide21.xml><?xml version="1.0" encoding="utf-8"?>
 <p:sld xmlns:a="http://schemas.openxmlformats.org/drawingml/2006/main" xmlns:r="http://schemas.openxmlformats.org/officeDocument/2006/relationships" xmlns:p="http://schemas.openxmlformats.org/presentationml/2006/main">
   <p:cSld>
     <p:spTree>
@@ -16232,7 +15624,7 @@
             <a:fld id="{2BF067CD-8E6B-4360-9AA8-C5DF2A48A6D1}" type="slidenum">
               <a:rPr lang="en-US" noProof="0" smtClean="0"/>
               <a:pPr/>
-              <a:t>22</a:t>
+              <a:t>21</a:t>
             </a:fld>
             <a:endParaRPr lang="en-US" noProof="0" dirty="0"/>
           </a:p>
@@ -16395,7 +15787,7 @@
         <p:spPr bwMode="auto">
           <a:xfrm>
             <a:off x="614003" y="3672745"/>
-            <a:ext cx="11125200" cy="3080431"/>
+            <a:ext cx="11125200" cy="2972710"/>
           </a:xfrm>
           <a:prstGeom prst="rect">
             <a:avLst/>
@@ -16575,7 +15967,7 @@
                 <a:latin typeface="Consolas" pitchFamily="49" charset="0"/>
                 <a:cs typeface="Consolas" pitchFamily="49" charset="0"/>
               </a:rPr>
-              <a:t>countryBindingSource</a:t>
+              <a:t>dataGridViewCountries</a:t>
             </a:r>
             <a:r>
               <a:rPr lang="en-US" sz="1700" b="1" noProof="1">
@@ -16896,7 +16288,7 @@
 </p:sld>
 </file>
 
-<file path=ppt/slides/slide23.xml><?xml version="1.0" encoding="utf-8"?>
+<file path=ppt/slides/slide22.xml><?xml version="1.0" encoding="utf-8"?>
 <p:sld xmlns:a="http://schemas.openxmlformats.org/drawingml/2006/main" xmlns:r="http://schemas.openxmlformats.org/officeDocument/2006/relationships" xmlns:p="http://schemas.openxmlformats.org/presentationml/2006/main">
   <p:cSld>
     <p:spTree>
@@ -16937,7 +16329,7 @@
             <a:fld id="{2BF067CD-8E6B-4360-9AA8-C5DF2A48A6D1}" type="slidenum">
               <a:rPr lang="en-US" noProof="0" smtClean="0"/>
               <a:pPr/>
-              <a:t>23</a:t>
+              <a:t>22</a:t>
             </a:fld>
             <a:endParaRPr lang="en-US" noProof="0" dirty="0"/>
           </a:p>
@@ -17304,7 +16696,7 @@
 </p:sld>
 </file>
 
-<file path=ppt/slides/slide24.xml><?xml version="1.0" encoding="utf-8"?>
+<file path=ppt/slides/slide23.xml><?xml version="1.0" encoding="utf-8"?>
 <p:sld xmlns:a="http://schemas.openxmlformats.org/drawingml/2006/main" xmlns:r="http://schemas.openxmlformats.org/officeDocument/2006/relationships" xmlns:p="http://schemas.openxmlformats.org/presentationml/2006/main">
   <p:cSld>
     <p:spTree>
@@ -17345,7 +16737,7 @@
             <a:fld id="{2BF067CD-8E6B-4360-9AA8-C5DF2A48A6D1}" type="slidenum">
               <a:rPr lang="en-US" noProof="0" smtClean="0"/>
               <a:pPr/>
-              <a:t>24</a:t>
+              <a:t>23</a:t>
             </a:fld>
             <a:endParaRPr lang="en-US" noProof="0" dirty="0"/>
           </a:p>
@@ -17537,7 +16929,7 @@
         <p:spPr bwMode="auto">
           <a:xfrm>
             <a:off x="565263" y="4046302"/>
-            <a:ext cx="11125200" cy="2741877"/>
+            <a:ext cx="11125200" cy="2680322"/>
           </a:xfrm>
           <a:prstGeom prst="rect">
             <a:avLst/>
@@ -17642,7 +17034,7 @@
                 <a:latin typeface="Consolas" panose="020B0609020204030204" pitchFamily="49" charset="0"/>
                 <a:cs typeface="Consolas" panose="020B0609020204030204" pitchFamily="49" charset="0"/>
               </a:rPr>
-              <a:t>countryBindingSource</a:t>
+              <a:t>dataGridViewCountries</a:t>
             </a:r>
             <a:r>
               <a:rPr lang="en-GB" sz="1600" b="1" dirty="0">
@@ -18128,7 +17520,7 @@
 </p:sld>
 </file>
 
-<file path=ppt/slides/slide25.xml><?xml version="1.0" encoding="utf-8"?>
+<file path=ppt/slides/slide24.xml><?xml version="1.0" encoding="utf-8"?>
 <p:sld xmlns:a="http://schemas.openxmlformats.org/drawingml/2006/main" xmlns:r="http://schemas.openxmlformats.org/officeDocument/2006/relationships" xmlns:p="http://schemas.openxmlformats.org/presentationml/2006/main">
   <p:cSld>
     <p:spTree>
@@ -18169,7 +17561,7 @@
             <a:fld id="{2BF067CD-8E6B-4360-9AA8-C5DF2A48A6D1}" type="slidenum">
               <a:rPr lang="en-US" noProof="0" smtClean="0"/>
               <a:pPr/>
-              <a:t>25</a:t>
+              <a:t>24</a:t>
             </a:fld>
             <a:endParaRPr lang="en-US" noProof="0" dirty="0"/>
           </a:p>
@@ -18257,7 +17649,24 @@
                 <a:latin typeface="Consolas" panose="020B0609020204030204" pitchFamily="49" charset="0"/>
                 <a:cs typeface="Consolas" panose="020B0609020204030204" pitchFamily="49" charset="0"/>
               </a:rPr>
-              <a:t>private Country[] SortCountries(</a:t>
+              <a:t>private Country[] </a:t>
+            </a:r>
+            <a:r>
+              <a:rPr lang="en-GB" sz="1400" b="1" dirty="0">
+                <a:solidFill>
+                  <a:schemeClr val="bg1"/>
+                </a:solidFill>
+                <a:latin typeface="Consolas" panose="020B0609020204030204" pitchFamily="49" charset="0"/>
+                <a:cs typeface="Consolas" panose="020B0609020204030204" pitchFamily="49" charset="0"/>
+              </a:rPr>
+              <a:t>SortCountries</a:t>
+            </a:r>
+            <a:r>
+              <a:rPr lang="en-GB" sz="1400" b="1" dirty="0">
+                <a:latin typeface="Consolas" panose="020B0609020204030204" pitchFamily="49" charset="0"/>
+                <a:cs typeface="Consolas" panose="020B0609020204030204" pitchFamily="49" charset="0"/>
+              </a:rPr>
+              <a:t>(</a:t>
             </a:r>
             <a:r>
               <a:rPr lang="en-US" sz="1400" b="1" dirty="0">
@@ -18637,7 +18046,7 @@
 </p:sld>
 </file>
 
-<file path=ppt/slides/slide26.xml><?xml version="1.0" encoding="utf-8"?>
+<file path=ppt/slides/slide25.xml><?xml version="1.0" encoding="utf-8"?>
 <p:sld xmlns:a="http://schemas.openxmlformats.org/drawingml/2006/main" xmlns:r="http://schemas.openxmlformats.org/officeDocument/2006/relationships" xmlns:p="http://schemas.openxmlformats.org/presentationml/2006/main">
   <p:cSld>
     <p:spTree>
@@ -18678,7 +18087,7 @@
             <a:fld id="{2BF067CD-8E6B-4360-9AA8-C5DF2A48A6D1}" type="slidenum">
               <a:rPr lang="en-US" noProof="0" smtClean="0"/>
               <a:pPr/>
-              <a:t>26</a:t>
+              <a:t>25</a:t>
             </a:fld>
             <a:endParaRPr lang="en-US" noProof="0" dirty="0"/>
           </a:p>
@@ -18825,7 +18234,7 @@
         <p:spPr bwMode="auto">
           <a:xfrm>
             <a:off x="190402" y="1635529"/>
-            <a:ext cx="11125200" cy="5234867"/>
+            <a:ext cx="11125200" cy="5173312"/>
           </a:xfrm>
           <a:prstGeom prst="rect">
             <a:avLst/>
@@ -19264,7 +18673,7 @@
                 <a:latin typeface="Consolas" panose="020B0609020204030204" pitchFamily="49" charset="0"/>
                 <a:cs typeface="Consolas" panose="020B0609020204030204" pitchFamily="49" charset="0"/>
               </a:rPr>
-              <a:t>this.countryBindingSource.</a:t>
+              <a:t>this.dataGridViewCountries.</a:t>
             </a:r>
             <a:r>
               <a:rPr lang="en-GB" sz="1400" b="1" dirty="0">
@@ -19454,7 +18863,7 @@
 </p:sld>
 </file>
 
-<file path=ppt/slides/slide27.xml><?xml version="1.0" encoding="utf-8"?>
+<file path=ppt/slides/slide26.xml><?xml version="1.0" encoding="utf-8"?>
 <p:sld xmlns:a="http://schemas.openxmlformats.org/drawingml/2006/main" xmlns:r="http://schemas.openxmlformats.org/officeDocument/2006/relationships" xmlns:p="http://schemas.openxmlformats.org/presentationml/2006/main">
   <p:cSld>
     <p:spTree>
@@ -19495,7 +18904,7 @@
             <a:fld id="{2BF067CD-8E6B-4360-9AA8-C5DF2A48A6D1}" type="slidenum">
               <a:rPr lang="en-US" noProof="0" smtClean="0"/>
               <a:pPr/>
-              <a:t>27</a:t>
+              <a:t>26</a:t>
             </a:fld>
             <a:endParaRPr lang="en-US" noProof="0" dirty="0"/>
           </a:p>
@@ -19563,8 +18972,8 @@
         </p:blipFill>
         <p:spPr>
           <a:xfrm>
-            <a:off x="212827" y="2125215"/>
-            <a:ext cx="5253173" cy="3360049"/>
+            <a:off x="212827" y="2133326"/>
+            <a:ext cx="5253173" cy="3343827"/>
           </a:xfrm>
           <a:prstGeom prst="rect">
             <a:avLst/>
@@ -19605,8 +19014,8 @@
         </p:blipFill>
         <p:spPr>
           <a:xfrm>
-            <a:off x="6514223" y="2125215"/>
-            <a:ext cx="5238807" cy="3350860"/>
+            <a:off x="6514223" y="2133303"/>
+            <a:ext cx="5238807" cy="3334683"/>
           </a:xfrm>
           <a:prstGeom prst="rect">
             <a:avLst/>
@@ -19848,7 +19257,7 @@
 </p:sld>
 </file>
 
-<file path=ppt/slides/slide28.xml><?xml version="1.0" encoding="utf-8"?>
+<file path=ppt/slides/slide27.xml><?xml version="1.0" encoding="utf-8"?>
 <p:sld xmlns:a="http://schemas.openxmlformats.org/drawingml/2006/main" xmlns:r="http://schemas.openxmlformats.org/officeDocument/2006/relationships" xmlns:p="http://schemas.openxmlformats.org/presentationml/2006/main">
   <p:cSld>
     <p:spTree>
@@ -19889,7 +19298,7 @@
             <a:fld id="{2BF067CD-8E6B-4360-9AA8-C5DF2A48A6D1}" type="slidenum">
               <a:rPr lang="en-US" noProof="0" smtClean="0"/>
               <a:pPr/>
-              <a:t>28</a:t>
+              <a:t>27</a:t>
             </a:fld>
             <a:endParaRPr lang="en-US" noProof="0" dirty="0"/>
           </a:p>
@@ -19947,7 +19356,7 @@
           <p:nvPr/>
         </p:nvPicPr>
         <p:blipFill>
-          <a:blip r:embed="rId2">
+          <a:blip r:embed="rId3">
             <a:extLst>
               <a:ext uri="{28A0092B-C50C-407E-A947-70E740481C1C}">
                 <a14:useLocalDpi xmlns:a14="http://schemas.microsoft.com/office/drawing/2010/main" val="0"/>
@@ -19959,8 +19368,8 @@
         </p:blipFill>
         <p:spPr>
           <a:xfrm>
-            <a:off x="418636" y="2001032"/>
-            <a:ext cx="5490000" cy="3511529"/>
+            <a:off x="418636" y="2009508"/>
+            <a:ext cx="5490000" cy="3494576"/>
           </a:xfrm>
           <a:prstGeom prst="rect">
             <a:avLst/>
@@ -19989,7 +19398,7 @@
           <p:nvPr/>
         </p:nvPicPr>
         <p:blipFill>
-          <a:blip r:embed="rId3">
+          <a:blip r:embed="rId4">
             <a:extLst>
               <a:ext uri="{28A0092B-C50C-407E-A947-70E740481C1C}">
                 <a14:useLocalDpi xmlns:a14="http://schemas.microsoft.com/office/drawing/2010/main" val="0"/>
@@ -20001,8 +19410,8 @@
         </p:blipFill>
         <p:spPr>
           <a:xfrm>
-            <a:off x="6283365" y="1989000"/>
-            <a:ext cx="5490002" cy="3511529"/>
+            <a:off x="6283365" y="1997476"/>
+            <a:ext cx="5490002" cy="3494577"/>
           </a:xfrm>
           <a:prstGeom prst="rect">
             <a:avLst/>
@@ -20142,7 +19551,7 @@
 </p:sld>
 </file>
 
-<file path=ppt/slides/slide29.xml><?xml version="1.0" encoding="utf-8"?>
+<file path=ppt/slides/slide28.xml><?xml version="1.0" encoding="utf-8"?>
 <p:sld xmlns:a="http://schemas.openxmlformats.org/drawingml/2006/main" xmlns:r="http://schemas.openxmlformats.org/officeDocument/2006/relationships" xmlns:p="http://schemas.openxmlformats.org/presentationml/2006/main">
   <p:cSld>
     <p:spTree>
@@ -20627,7 +20036,7 @@
             <a:fld id="{2BF067CD-8E6B-4360-9AA8-C5DF2A48A6D1}" type="slidenum">
               <a:rPr lang="en-US" noProof="0" smtClean="0"/>
               <a:pPr/>
-              <a:t>29</a:t>
+              <a:t>28</a:t>
             </a:fld>
             <a:endParaRPr lang="en-US" noProof="0" dirty="0"/>
           </a:p>
@@ -20914,6 +20323,196 @@
 </p:sld>
 </file>
 
+<file path=ppt/slides/slide29.xml><?xml version="1.0" encoding="utf-8"?>
+<p:sld xmlns:a="http://schemas.openxmlformats.org/drawingml/2006/main" xmlns:r="http://schemas.openxmlformats.org/officeDocument/2006/relationships" xmlns:p="http://schemas.openxmlformats.org/presentationml/2006/main">
+  <p:cSld>
+    <p:spTree>
+      <p:nvGrpSpPr>
+        <p:cNvPr id="1" name=""/>
+        <p:cNvGrpSpPr/>
+        <p:nvPr/>
+      </p:nvGrpSpPr>
+      <p:grpSpPr>
+        <a:xfrm>
+          <a:off x="0" y="0"/>
+          <a:ext cx="0" cy="0"/>
+          <a:chOff x="0" y="0"/>
+          <a:chExt cx="0" cy="0"/>
+        </a:xfrm>
+      </p:grpSpPr>
+      <p:sp>
+        <p:nvSpPr>
+          <p:cNvPr id="5" name="Slide Title">
+            <a:extLst>
+              <a:ext uri="{FF2B5EF4-FFF2-40B4-BE49-F238E27FC236}">
+                <a16:creationId xmlns:a16="http://schemas.microsoft.com/office/drawing/2014/main" id="{FA0703FC-0F8F-4C80-A615-E4B381EC0E0C}"/>
+              </a:ext>
+            </a:extLst>
+          </p:cNvPr>
+          <p:cNvSpPr>
+            <a:spLocks noGrp="1"/>
+          </p:cNvSpPr>
+          <p:nvPr>
+            <p:ph type="title"/>
+          </p:nvPr>
+        </p:nvSpPr>
+        <p:spPr/>
+        <p:txBody>
+          <a:bodyPr/>
+          <a:lstStyle/>
+          <a:p>
+            <a:r>
+              <a:rPr lang="bg-BG" dirty="0"/>
+              <a:t>Въпроси</a:t>
+            </a:r>
+            <a:r>
+              <a:rPr lang="en-US" dirty="0"/>
+              <a:t>?</a:t>
+            </a:r>
+          </a:p>
+        </p:txBody>
+      </p:sp>
+      <p:sp>
+        <p:nvSpPr>
+          <p:cNvPr id="2" name="Rectangle Bottom Copyright">
+            <a:extLst>
+              <a:ext uri="{FF2B5EF4-FFF2-40B4-BE49-F238E27FC236}">
+                <a16:creationId xmlns:a16="http://schemas.microsoft.com/office/drawing/2014/main" id="{664812A4-2991-44D1-BFE9-32E55AADF8A5}"/>
+              </a:ext>
+            </a:extLst>
+          </p:cNvPr>
+          <p:cNvSpPr/>
+          <p:nvPr/>
+        </p:nvSpPr>
+        <p:spPr>
+          <a:xfrm>
+            <a:off x="111000" y="6454758"/>
+            <a:ext cx="11970000" cy="304242"/>
+          </a:xfrm>
+          <a:prstGeom prst="rect">
+            <a:avLst/>
+          </a:prstGeom>
+        </p:spPr>
+        <p:txBody>
+          <a:bodyPr wrap="square">
+            <a:noAutofit/>
+          </a:bodyPr>
+          <a:lstStyle/>
+          <a:p>
+            <a:pPr algn="ctr">
+              <a:lnSpc>
+                <a:spcPct val="100000"/>
+              </a:lnSpc>
+              <a:spcBef>
+                <a:spcPts val="0"/>
+              </a:spcBef>
+              <a:spcAft>
+                <a:spcPts val="0"/>
+              </a:spcAft>
+            </a:pPr>
+            <a:r>
+              <a:rPr lang="bg-BG" sz="1600" dirty="0">
+                <a:solidFill>
+                  <a:schemeClr val="bg2"/>
+                </a:solidFill>
+                <a:effectLst/>
+                <a:latin typeface="Calibri" panose="020F0502020204030204" pitchFamily="34" charset="0"/>
+                <a:ea typeface="Calibri" panose="020F0502020204030204" pitchFamily="34" charset="0"/>
+                <a:cs typeface="Arial" panose="020B0604020202020204" pitchFamily="34" charset="0"/>
+              </a:rPr>
+              <a:t>Проект "</a:t>
+            </a:r>
+            <a:r>
+              <a:rPr lang="bg-BG" sz="1600" dirty="0">
+                <a:solidFill>
+                  <a:schemeClr val="bg1">
+                    <a:lumMod val="20000"/>
+                    <a:lumOff val="80000"/>
+                  </a:schemeClr>
+                </a:solidFill>
+                <a:effectLst/>
+                <a:latin typeface="Calibri" panose="020F0502020204030204" pitchFamily="34" charset="0"/>
+                <a:ea typeface="Calibri" panose="020F0502020204030204" pitchFamily="34" charset="0"/>
+                <a:cs typeface="Arial" panose="020B0604020202020204" pitchFamily="34" charset="0"/>
+                <a:hlinkClick r:id="rId3">
+                  <a:extLst>
+                    <a:ext uri="{A12FA001-AC4F-418D-AE19-62706E023703}">
+                      <ahyp:hlinkClr xmlns:ahyp="http://schemas.microsoft.com/office/drawing/2018/hyperlinkcolor" val="tx"/>
+                    </a:ext>
+                  </a:extLst>
+                </a:hlinkClick>
+              </a:rPr>
+              <a:t>Отворено учебно съдържание по програмиране и ИТ</a:t>
+            </a:r>
+            <a:r>
+              <a:rPr lang="bg-BG" sz="1600" dirty="0">
+                <a:solidFill>
+                  <a:schemeClr val="bg2"/>
+                </a:solidFill>
+                <a:effectLst/>
+                <a:latin typeface="Calibri" panose="020F0502020204030204" pitchFamily="34" charset="0"/>
+                <a:ea typeface="Calibri" panose="020F0502020204030204" pitchFamily="34" charset="0"/>
+                <a:cs typeface="Arial" panose="020B0604020202020204" pitchFamily="34" charset="0"/>
+              </a:rPr>
+              <a:t>", СофтУни Фондация (лиценз </a:t>
+            </a:r>
+            <a:r>
+              <a:rPr lang="en-US" sz="1600" dirty="0">
+                <a:solidFill>
+                  <a:schemeClr val="bg2"/>
+                </a:solidFill>
+                <a:effectLst/>
+                <a:latin typeface="Calibri" panose="020F0502020204030204" pitchFamily="34" charset="0"/>
+                <a:ea typeface="Calibri" panose="020F0502020204030204" pitchFamily="34" charset="0"/>
+                <a:cs typeface="Arial" panose="020B0604020202020204" pitchFamily="34" charset="0"/>
+              </a:rPr>
+              <a:t>CC-BY-NC-SA</a:t>
+            </a:r>
+            <a:r>
+              <a:rPr lang="bg-BG" sz="1600" dirty="0">
+                <a:solidFill>
+                  <a:schemeClr val="bg2"/>
+                </a:solidFill>
+                <a:effectLst/>
+                <a:latin typeface="Calibri" panose="020F0502020204030204" pitchFamily="34" charset="0"/>
+                <a:ea typeface="Calibri" panose="020F0502020204030204" pitchFamily="34" charset="0"/>
+                <a:cs typeface="Arial" panose="020B0604020202020204" pitchFamily="34" charset="0"/>
+              </a:rPr>
+              <a:t>)</a:t>
+            </a:r>
+            <a:endParaRPr lang="bg-BG" sz="2400" dirty="0">
+              <a:solidFill>
+                <a:schemeClr val="bg2"/>
+              </a:solidFill>
+              <a:effectLst/>
+              <a:latin typeface="Calibri" panose="020F0502020204030204" pitchFamily="34" charset="0"/>
+              <a:ea typeface="Calibri" panose="020F0502020204030204" pitchFamily="34" charset="0"/>
+              <a:cs typeface="Arial" panose="020B0604020202020204" pitchFamily="34" charset="0"/>
+            </a:endParaRPr>
+          </a:p>
+        </p:txBody>
+      </p:sp>
+    </p:spTree>
+    <p:extLst>
+      <p:ext uri="{BB962C8B-B14F-4D97-AF65-F5344CB8AC3E}">
+        <p14:creationId xmlns:p14="http://schemas.microsoft.com/office/powerpoint/2010/main" val="1472534970"/>
+      </p:ext>
+    </p:extLst>
+  </p:cSld>
+  <p:clrMapOvr>
+    <a:masterClrMapping/>
+  </p:clrMapOvr>
+  <mc:AlternateContent xmlns:mc="http://schemas.openxmlformats.org/markup-compatibility/2006" xmlns:p14="http://schemas.microsoft.com/office/powerpoint/2010/main">
+    <mc:Choice Requires="p14">
+      <p:transition spd="slow" p14:dur="2000" advClick="0" advTm="5000"/>
+    </mc:Choice>
+    <mc:Fallback xmlns="">
+      <p:transition spd="slow" advClick="0" advTm="5000"/>
+    </mc:Fallback>
+  </mc:AlternateContent>
+</p:sld>
+</file>
+
 <file path=ppt/slides/slide3.xml><?xml version="1.0" encoding="utf-8"?>
 <p:sld xmlns:a="http://schemas.openxmlformats.org/drawingml/2006/main" xmlns:r="http://schemas.openxmlformats.org/officeDocument/2006/relationships" xmlns:p="http://schemas.openxmlformats.org/presentationml/2006/main">
   <p:cSld>
@@ -21076,196 +20675,6 @@
       </p:grpSpPr>
       <p:sp>
         <p:nvSpPr>
-          <p:cNvPr id="5" name="Slide Title">
-            <a:extLst>
-              <a:ext uri="{FF2B5EF4-FFF2-40B4-BE49-F238E27FC236}">
-                <a16:creationId xmlns:a16="http://schemas.microsoft.com/office/drawing/2014/main" id="{FA0703FC-0F8F-4C80-A615-E4B381EC0E0C}"/>
-              </a:ext>
-            </a:extLst>
-          </p:cNvPr>
-          <p:cNvSpPr>
-            <a:spLocks noGrp="1"/>
-          </p:cNvSpPr>
-          <p:nvPr>
-            <p:ph type="title"/>
-          </p:nvPr>
-        </p:nvSpPr>
-        <p:spPr/>
-        <p:txBody>
-          <a:bodyPr/>
-          <a:lstStyle/>
-          <a:p>
-            <a:r>
-              <a:rPr lang="bg-BG" dirty="0"/>
-              <a:t>Въпроси</a:t>
-            </a:r>
-            <a:r>
-              <a:rPr lang="en-US" dirty="0"/>
-              <a:t>?</a:t>
-            </a:r>
-          </a:p>
-        </p:txBody>
-      </p:sp>
-      <p:sp>
-        <p:nvSpPr>
-          <p:cNvPr id="2" name="Rectangle Bottom Copyright">
-            <a:extLst>
-              <a:ext uri="{FF2B5EF4-FFF2-40B4-BE49-F238E27FC236}">
-                <a16:creationId xmlns:a16="http://schemas.microsoft.com/office/drawing/2014/main" id="{664812A4-2991-44D1-BFE9-32E55AADF8A5}"/>
-              </a:ext>
-            </a:extLst>
-          </p:cNvPr>
-          <p:cNvSpPr/>
-          <p:nvPr/>
-        </p:nvSpPr>
-        <p:spPr>
-          <a:xfrm>
-            <a:off x="111000" y="6454758"/>
-            <a:ext cx="11970000" cy="304242"/>
-          </a:xfrm>
-          <a:prstGeom prst="rect">
-            <a:avLst/>
-          </a:prstGeom>
-        </p:spPr>
-        <p:txBody>
-          <a:bodyPr wrap="square">
-            <a:noAutofit/>
-          </a:bodyPr>
-          <a:lstStyle/>
-          <a:p>
-            <a:pPr algn="ctr">
-              <a:lnSpc>
-                <a:spcPct val="100000"/>
-              </a:lnSpc>
-              <a:spcBef>
-                <a:spcPts val="0"/>
-              </a:spcBef>
-              <a:spcAft>
-                <a:spcPts val="0"/>
-              </a:spcAft>
-            </a:pPr>
-            <a:r>
-              <a:rPr lang="bg-BG" sz="1600" dirty="0">
-                <a:solidFill>
-                  <a:schemeClr val="bg2"/>
-                </a:solidFill>
-                <a:effectLst/>
-                <a:latin typeface="Calibri" panose="020F0502020204030204" pitchFamily="34" charset="0"/>
-                <a:ea typeface="Calibri" panose="020F0502020204030204" pitchFamily="34" charset="0"/>
-                <a:cs typeface="Arial" panose="020B0604020202020204" pitchFamily="34" charset="0"/>
-              </a:rPr>
-              <a:t>Проект "</a:t>
-            </a:r>
-            <a:r>
-              <a:rPr lang="bg-BG" sz="1600" dirty="0">
-                <a:solidFill>
-                  <a:schemeClr val="bg1">
-                    <a:lumMod val="20000"/>
-                    <a:lumOff val="80000"/>
-                  </a:schemeClr>
-                </a:solidFill>
-                <a:effectLst/>
-                <a:latin typeface="Calibri" panose="020F0502020204030204" pitchFamily="34" charset="0"/>
-                <a:ea typeface="Calibri" panose="020F0502020204030204" pitchFamily="34" charset="0"/>
-                <a:cs typeface="Arial" panose="020B0604020202020204" pitchFamily="34" charset="0"/>
-                <a:hlinkClick r:id="rId3">
-                  <a:extLst>
-                    <a:ext uri="{A12FA001-AC4F-418D-AE19-62706E023703}">
-                      <ahyp:hlinkClr xmlns:ahyp="http://schemas.microsoft.com/office/drawing/2018/hyperlinkcolor" val="tx"/>
-                    </a:ext>
-                  </a:extLst>
-                </a:hlinkClick>
-              </a:rPr>
-              <a:t>Отворено учебно съдържание по програмиране и ИТ</a:t>
-            </a:r>
-            <a:r>
-              <a:rPr lang="bg-BG" sz="1600" dirty="0">
-                <a:solidFill>
-                  <a:schemeClr val="bg2"/>
-                </a:solidFill>
-                <a:effectLst/>
-                <a:latin typeface="Calibri" panose="020F0502020204030204" pitchFamily="34" charset="0"/>
-                <a:ea typeface="Calibri" panose="020F0502020204030204" pitchFamily="34" charset="0"/>
-                <a:cs typeface="Arial" panose="020B0604020202020204" pitchFamily="34" charset="0"/>
-              </a:rPr>
-              <a:t>", СофтУни Фондация (лиценз </a:t>
-            </a:r>
-            <a:r>
-              <a:rPr lang="en-US" sz="1600" dirty="0">
-                <a:solidFill>
-                  <a:schemeClr val="bg2"/>
-                </a:solidFill>
-                <a:effectLst/>
-                <a:latin typeface="Calibri" panose="020F0502020204030204" pitchFamily="34" charset="0"/>
-                <a:ea typeface="Calibri" panose="020F0502020204030204" pitchFamily="34" charset="0"/>
-                <a:cs typeface="Arial" panose="020B0604020202020204" pitchFamily="34" charset="0"/>
-              </a:rPr>
-              <a:t>CC-BY-NC-SA</a:t>
-            </a:r>
-            <a:r>
-              <a:rPr lang="bg-BG" sz="1600" dirty="0">
-                <a:solidFill>
-                  <a:schemeClr val="bg2"/>
-                </a:solidFill>
-                <a:effectLst/>
-                <a:latin typeface="Calibri" panose="020F0502020204030204" pitchFamily="34" charset="0"/>
-                <a:ea typeface="Calibri" panose="020F0502020204030204" pitchFamily="34" charset="0"/>
-                <a:cs typeface="Arial" panose="020B0604020202020204" pitchFamily="34" charset="0"/>
-              </a:rPr>
-              <a:t>)</a:t>
-            </a:r>
-            <a:endParaRPr lang="bg-BG" sz="2400" dirty="0">
-              <a:solidFill>
-                <a:schemeClr val="bg2"/>
-              </a:solidFill>
-              <a:effectLst/>
-              <a:latin typeface="Calibri" panose="020F0502020204030204" pitchFamily="34" charset="0"/>
-              <a:ea typeface="Calibri" panose="020F0502020204030204" pitchFamily="34" charset="0"/>
-              <a:cs typeface="Arial" panose="020B0604020202020204" pitchFamily="34" charset="0"/>
-            </a:endParaRPr>
-          </a:p>
-        </p:txBody>
-      </p:sp>
-    </p:spTree>
-    <p:extLst>
-      <p:ext uri="{BB962C8B-B14F-4D97-AF65-F5344CB8AC3E}">
-        <p14:creationId xmlns:p14="http://schemas.microsoft.com/office/powerpoint/2010/main" val="1472534970"/>
-      </p:ext>
-    </p:extLst>
-  </p:cSld>
-  <p:clrMapOvr>
-    <a:masterClrMapping/>
-  </p:clrMapOvr>
-  <mc:AlternateContent xmlns:mc="http://schemas.openxmlformats.org/markup-compatibility/2006" xmlns:p14="http://schemas.microsoft.com/office/powerpoint/2010/main">
-    <mc:Choice Requires="p14">
-      <p:transition spd="slow" p14:dur="2000" advClick="0" advTm="5000"/>
-    </mc:Choice>
-    <mc:Fallback xmlns="">
-      <p:transition spd="slow" advClick="0" advTm="5000"/>
-    </mc:Fallback>
-  </mc:AlternateContent>
-</p:sld>
-</file>
-
-<file path=ppt/slides/slide31.xml><?xml version="1.0" encoding="utf-8"?>
-<p:sld xmlns:a="http://schemas.openxmlformats.org/drawingml/2006/main" xmlns:r="http://schemas.openxmlformats.org/officeDocument/2006/relationships" xmlns:p="http://schemas.openxmlformats.org/presentationml/2006/main">
-  <p:cSld>
-    <p:spTree>
-      <p:nvGrpSpPr>
-        <p:cNvPr id="1" name=""/>
-        <p:cNvGrpSpPr/>
-        <p:nvPr/>
-      </p:nvGrpSpPr>
-      <p:grpSpPr>
-        <a:xfrm>
-          <a:off x="0" y="0"/>
-          <a:ext cx="0" cy="0"/>
-          <a:chOff x="0" y="0"/>
-          <a:chExt cx="0" cy="0"/>
-        </a:xfrm>
-      </p:grpSpPr>
-      <p:sp>
-        <p:nvSpPr>
           <p:cNvPr id="5" name="Slide Number">
             <a:extLst>
               <a:ext uri="{FF2B5EF4-FFF2-40B4-BE49-F238E27FC236}">
@@ -21300,7 +20709,7 @@
             <a:fld id="{2BF067CD-8E6B-4360-9AA8-C5DF2A48A6D1}" type="slidenum">
               <a:rPr lang="en-US" smtClean="0"/>
               <a:pPr/>
-              <a:t>31</a:t>
+              <a:t>30</a:t>
             </a:fld>
             <a:endParaRPr lang="en-US" dirty="0"/>
           </a:p>

--- a/Courses/Software-Sciences/Module-4-Information-Systems-New/08-Navigation-between-Tables/08-Navigation-between-Tables.pptx
+++ b/Courses/Software-Sciences/Module-4-Information-Systems-New/08-Navigation-between-Tables/08-Navigation-between-Tables.pptx
@@ -343,7 +343,7 @@
           <a:p>
             <a:fld id="{4E087215-0C8F-4762-A664-737A353EC9A4}" type="datetimeFigureOut">
               <a:rPr lang="bg-BG" smtClean="0"/>
-              <a:t>22.08.24 г.</a:t>
+              <a:t>6.09.24 г.</a:t>
             </a:fld>
             <a:endParaRPr lang="bg-BG"/>
           </a:p>
@@ -539,7 +539,7 @@
           <a:p>
             <a:fld id="{72D84649-876A-46C9-8472-14CB09C070D8}" type="datetimeFigureOut">
               <a:rPr lang="en-US" smtClean="0"/>
-              <a:t>8/21/24</a:t>
+              <a:t>9/6/24</a:t>
             </a:fld>
             <a:endParaRPr lang="en-US"/>
           </a:p>
@@ -9282,249 +9282,6 @@
       <p:transition spd="slow" advClick="0" advTm="5000"/>
     </mc:Fallback>
   </mc:AlternateContent>
-  <p:timing>
-    <p:tnLst>
-      <p:par>
-        <p:cTn id="1" dur="indefinite" restart="never" nodeType="tmRoot">
-          <p:childTnLst>
-            <p:seq concurrent="1" nextAc="seek">
-              <p:cTn id="2" dur="indefinite" nodeType="mainSeq">
-                <p:childTnLst>
-                  <p:par>
-                    <p:cTn id="3" fill="hold">
-                      <p:stCondLst>
-                        <p:cond delay="indefinite"/>
-                        <p:cond evt="onBegin" delay="0">
-                          <p:tn val="2"/>
-                        </p:cond>
-                      </p:stCondLst>
-                      <p:childTnLst>
-                        <p:par>
-                          <p:cTn id="4" fill="hold">
-                            <p:stCondLst>
-                              <p:cond delay="0"/>
-                            </p:stCondLst>
-                            <p:childTnLst>
-                              <p:par>
-                                <p:cTn id="5" presetID="1" presetClass="entr" presetSubtype="0" fill="hold" nodeType="withEffect">
-                                  <p:stCondLst>
-                                    <p:cond delay="0"/>
-                                  </p:stCondLst>
-                                  <p:childTnLst>
-                                    <p:set>
-                                      <p:cBhvr>
-                                        <p:cTn id="6" dur="1" fill="hold">
-                                          <p:stCondLst>
-                                            <p:cond delay="0"/>
-                                          </p:stCondLst>
-                                        </p:cTn>
-                                        <p:tgtEl>
-                                          <p:spTgt spid="3">
-                                            <p:txEl>
-                                              <p:pRg st="0" end="0"/>
-                                            </p:txEl>
-                                          </p:spTgt>
-                                        </p:tgtEl>
-                                        <p:attrNameLst>
-                                          <p:attrName>style.visibility</p:attrName>
-                                        </p:attrNameLst>
-                                      </p:cBhvr>
-                                      <p:to>
-                                        <p:strVal val="visible"/>
-                                      </p:to>
-                                    </p:set>
-                                  </p:childTnLst>
-                                </p:cTn>
-                              </p:par>
-                              <p:par>
-                                <p:cTn id="7" presetID="1" presetClass="entr" presetSubtype="0" fill="hold" grpId="0" nodeType="withEffect">
-                                  <p:stCondLst>
-                                    <p:cond delay="0"/>
-                                  </p:stCondLst>
-                                  <p:childTnLst>
-                                    <p:set>
-                                      <p:cBhvr>
-                                        <p:cTn id="8" dur="1" fill="hold">
-                                          <p:stCondLst>
-                                            <p:cond delay="0"/>
-                                          </p:stCondLst>
-                                        </p:cTn>
-                                        <p:tgtEl>
-                                          <p:spTgt spid="8">
-                                            <p:bg/>
-                                          </p:spTgt>
-                                        </p:tgtEl>
-                                        <p:attrNameLst>
-                                          <p:attrName>style.visibility</p:attrName>
-                                        </p:attrNameLst>
-                                      </p:cBhvr>
-                                      <p:to>
-                                        <p:strVal val="visible"/>
-                                      </p:to>
-                                    </p:set>
-                                  </p:childTnLst>
-                                </p:cTn>
-                              </p:par>
-                            </p:childTnLst>
-                          </p:cTn>
-                        </p:par>
-                      </p:childTnLst>
-                    </p:cTn>
-                  </p:par>
-                  <p:par>
-                    <p:cTn id="9" fill="hold">
-                      <p:stCondLst>
-                        <p:cond delay="indefinite"/>
-                      </p:stCondLst>
-                      <p:childTnLst>
-                        <p:par>
-                          <p:cTn id="10" fill="hold">
-                            <p:stCondLst>
-                              <p:cond delay="0"/>
-                            </p:stCondLst>
-                            <p:childTnLst>
-                              <p:par>
-                                <p:cTn id="11" presetID="1" presetClass="entr" presetSubtype="0" fill="hold" nodeType="clickEffect">
-                                  <p:stCondLst>
-                                    <p:cond delay="0"/>
-                                  </p:stCondLst>
-                                  <p:childTnLst>
-                                    <p:set>
-                                      <p:cBhvr>
-                                        <p:cTn id="12" dur="1" fill="hold">
-                                          <p:stCondLst>
-                                            <p:cond delay="0"/>
-                                          </p:stCondLst>
-                                        </p:cTn>
-                                        <p:tgtEl>
-                                          <p:spTgt spid="8">
-                                            <p:txEl>
-                                              <p:pRg st="4" end="4"/>
-                                            </p:txEl>
-                                          </p:spTgt>
-                                        </p:tgtEl>
-                                        <p:attrNameLst>
-                                          <p:attrName>style.visibility</p:attrName>
-                                        </p:attrNameLst>
-                                      </p:cBhvr>
-                                      <p:to>
-                                        <p:strVal val="visible"/>
-                                      </p:to>
-                                    </p:set>
-                                  </p:childTnLst>
-                                </p:cTn>
-                              </p:par>
-                            </p:childTnLst>
-                          </p:cTn>
-                        </p:par>
-                      </p:childTnLst>
-                    </p:cTn>
-                  </p:par>
-                  <p:par>
-                    <p:cTn id="13" fill="hold">
-                      <p:stCondLst>
-                        <p:cond delay="indefinite"/>
-                      </p:stCondLst>
-                      <p:childTnLst>
-                        <p:par>
-                          <p:cTn id="14" fill="hold">
-                            <p:stCondLst>
-                              <p:cond delay="0"/>
-                            </p:stCondLst>
-                            <p:childTnLst>
-                              <p:par>
-                                <p:cTn id="15" presetID="1" presetClass="entr" presetSubtype="0" fill="hold" nodeType="clickEffect">
-                                  <p:stCondLst>
-                                    <p:cond delay="0"/>
-                                  </p:stCondLst>
-                                  <p:childTnLst>
-                                    <p:set>
-                                      <p:cBhvr>
-                                        <p:cTn id="16" dur="1" fill="hold">
-                                          <p:stCondLst>
-                                            <p:cond delay="0"/>
-                                          </p:stCondLst>
-                                        </p:cTn>
-                                        <p:tgtEl>
-                                          <p:spTgt spid="8">
-                                            <p:txEl>
-                                              <p:pRg st="5" end="5"/>
-                                            </p:txEl>
-                                          </p:spTgt>
-                                        </p:tgtEl>
-                                        <p:attrNameLst>
-                                          <p:attrName>style.visibility</p:attrName>
-                                        </p:attrNameLst>
-                                      </p:cBhvr>
-                                      <p:to>
-                                        <p:strVal val="visible"/>
-                                      </p:to>
-                                    </p:set>
-                                  </p:childTnLst>
-                                </p:cTn>
-                              </p:par>
-                              <p:par>
-                                <p:cTn id="17" presetID="1" presetClass="entr" presetSubtype="0" fill="hold" nodeType="withEffect">
-                                  <p:stCondLst>
-                                    <p:cond delay="0"/>
-                                  </p:stCondLst>
-                                  <p:childTnLst>
-                                    <p:set>
-                                      <p:cBhvr>
-                                        <p:cTn id="18" dur="1" fill="hold">
-                                          <p:stCondLst>
-                                            <p:cond delay="0"/>
-                                          </p:stCondLst>
-                                        </p:cTn>
-                                        <p:tgtEl>
-                                          <p:spTgt spid="8">
-                                            <p:txEl>
-                                              <p:pRg st="6" end="6"/>
-                                            </p:txEl>
-                                          </p:spTgt>
-                                        </p:tgtEl>
-                                        <p:attrNameLst>
-                                          <p:attrName>style.visibility</p:attrName>
-                                        </p:attrNameLst>
-                                      </p:cBhvr>
-                                      <p:to>
-                                        <p:strVal val="visible"/>
-                                      </p:to>
-                                    </p:set>
-                                  </p:childTnLst>
-                                </p:cTn>
-                              </p:par>
-                            </p:childTnLst>
-                          </p:cTn>
-                        </p:par>
-                      </p:childTnLst>
-                    </p:cTn>
-                  </p:par>
-                </p:childTnLst>
-              </p:cTn>
-              <p:prevCondLst>
-                <p:cond evt="onPrev" delay="0">
-                  <p:tgtEl>
-                    <p:sldTgt/>
-                  </p:tgtEl>
-                </p:cond>
-              </p:prevCondLst>
-              <p:nextCondLst>
-                <p:cond evt="onNext" delay="0">
-                  <p:tgtEl>
-                    <p:sldTgt/>
-                  </p:tgtEl>
-                </p:cond>
-              </p:nextCondLst>
-            </p:seq>
-          </p:childTnLst>
-        </p:cTn>
-      </p:par>
-    </p:tnLst>
-    <p:bldLst>
-      <p:bldP spid="8" grpId="0" uiExpand="1" build="allAtOnce" animBg="1"/>
-    </p:bldLst>
-  </p:timing>
 </p:sld>
 </file>
 
@@ -10132,120 +9889,6 @@
       <p:transition spd="slow" advClick="0" advTm="5000"/>
     </mc:Fallback>
   </mc:AlternateContent>
-  <p:timing>
-    <p:tnLst>
-      <p:par>
-        <p:cTn id="1" dur="indefinite" restart="never" nodeType="tmRoot">
-          <p:childTnLst>
-            <p:seq concurrent="1" nextAc="seek">
-              <p:cTn id="2" dur="indefinite" nodeType="mainSeq">
-                <p:childTnLst>
-                  <p:par>
-                    <p:cTn id="3" fill="hold">
-                      <p:stCondLst>
-                        <p:cond delay="indefinite"/>
-                        <p:cond evt="onBegin" delay="0">
-                          <p:tn val="2"/>
-                        </p:cond>
-                      </p:stCondLst>
-                      <p:childTnLst>
-                        <p:par>
-                          <p:cTn id="4" fill="hold">
-                            <p:stCondLst>
-                              <p:cond delay="0"/>
-                            </p:stCondLst>
-                            <p:childTnLst>
-                              <p:par>
-                                <p:cTn id="5" presetID="1" presetClass="entr" presetSubtype="0" fill="hold" nodeType="withEffect">
-                                  <p:stCondLst>
-                                    <p:cond delay="0"/>
-                                  </p:stCondLst>
-                                  <p:childTnLst>
-                                    <p:set>
-                                      <p:cBhvr>
-                                        <p:cTn id="6" dur="1" fill="hold">
-                                          <p:stCondLst>
-                                            <p:cond delay="0"/>
-                                          </p:stCondLst>
-                                        </p:cTn>
-                                        <p:tgtEl>
-                                          <p:spTgt spid="3">
-                                            <p:txEl>
-                                              <p:pRg st="0" end="0"/>
-                                            </p:txEl>
-                                          </p:spTgt>
-                                        </p:tgtEl>
-                                        <p:attrNameLst>
-                                          <p:attrName>style.visibility</p:attrName>
-                                        </p:attrNameLst>
-                                      </p:cBhvr>
-                                      <p:to>
-                                        <p:strVal val="visible"/>
-                                      </p:to>
-                                    </p:set>
-                                  </p:childTnLst>
-                                </p:cTn>
-                              </p:par>
-                              <p:par>
-                                <p:cTn id="7" presetID="1" presetClass="entr" presetSubtype="0" fill="hold" grpId="0" nodeType="withEffect">
-                                  <p:stCondLst>
-                                    <p:cond delay="0"/>
-                                  </p:stCondLst>
-                                  <p:childTnLst>
-                                    <p:set>
-                                      <p:cBhvr>
-                                        <p:cTn id="8" dur="1" fill="hold">
-                                          <p:stCondLst>
-                                            <p:cond delay="0"/>
-                                          </p:stCondLst>
-                                        </p:cTn>
-                                        <p:tgtEl>
-                                          <p:spTgt spid="8">
-                                            <p:bg/>
-                                          </p:spTgt>
-                                        </p:tgtEl>
-                                        <p:attrNameLst>
-                                          <p:attrName>style.visibility</p:attrName>
-                                        </p:attrNameLst>
-                                      </p:cBhvr>
-                                      <p:to>
-                                        <p:strVal val="visible"/>
-                                      </p:to>
-                                    </p:set>
-                                  </p:childTnLst>
-                                </p:cTn>
-                              </p:par>
-                            </p:childTnLst>
-                          </p:cTn>
-                        </p:par>
-                      </p:childTnLst>
-                    </p:cTn>
-                  </p:par>
-                </p:childTnLst>
-              </p:cTn>
-              <p:prevCondLst>
-                <p:cond evt="onPrev" delay="0">
-                  <p:tgtEl>
-                    <p:sldTgt/>
-                  </p:tgtEl>
-                </p:cond>
-              </p:prevCondLst>
-              <p:nextCondLst>
-                <p:cond evt="onNext" delay="0">
-                  <p:tgtEl>
-                    <p:sldTgt/>
-                  </p:tgtEl>
-                </p:cond>
-              </p:nextCondLst>
-            </p:seq>
-          </p:childTnLst>
-        </p:cTn>
-      </p:par>
-    </p:tnLst>
-    <p:bldLst>
-      <p:bldP spid="8" grpId="0" uiExpand="1" build="allAtOnce" animBg="1"/>
-    </p:bldLst>
-  </p:timing>
 </p:sld>
 </file>
 
@@ -11176,114 +10819,6 @@
       <p:transition spd="slow" advClick="0" advTm="5000"/>
     </mc:Fallback>
   </mc:AlternateContent>
-  <p:timing>
-    <p:tnLst>
-      <p:par>
-        <p:cTn id="1" dur="indefinite" restart="never" nodeType="tmRoot">
-          <p:childTnLst>
-            <p:seq concurrent="1" nextAc="seek">
-              <p:cTn id="2" dur="indefinite" nodeType="mainSeq">
-                <p:childTnLst>
-                  <p:par>
-                    <p:cTn id="3" fill="hold">
-                      <p:stCondLst>
-                        <p:cond delay="indefinite"/>
-                        <p:cond evt="onBegin" delay="0">
-                          <p:tn val="2"/>
-                        </p:cond>
-                      </p:stCondLst>
-                      <p:childTnLst>
-                        <p:par>
-                          <p:cTn id="4" fill="hold">
-                            <p:stCondLst>
-                              <p:cond delay="0"/>
-                            </p:stCondLst>
-                            <p:childTnLst>
-                              <p:par>
-                                <p:cTn id="5" presetID="1" presetClass="entr" presetSubtype="0" fill="hold" grpId="0" nodeType="withEffect">
-                                  <p:stCondLst>
-                                    <p:cond delay="0"/>
-                                  </p:stCondLst>
-                                  <p:childTnLst>
-                                    <p:set>
-                                      <p:cBhvr>
-                                        <p:cTn id="6" dur="1" fill="hold">
-                                          <p:stCondLst>
-                                            <p:cond delay="0"/>
-                                          </p:stCondLst>
-                                        </p:cTn>
-                                        <p:tgtEl>
-                                          <p:spTgt spid="6"/>
-                                        </p:tgtEl>
-                                        <p:attrNameLst>
-                                          <p:attrName>style.visibility</p:attrName>
-                                        </p:attrNameLst>
-                                      </p:cBhvr>
-                                      <p:to>
-                                        <p:strVal val="visible"/>
-                                      </p:to>
-                                    </p:set>
-                                  </p:childTnLst>
-                                </p:cTn>
-                              </p:par>
-                              <p:par>
-                                <p:cTn id="7" presetID="1" presetClass="entr" presetSubtype="0" fill="hold" nodeType="withEffect">
-                                  <p:stCondLst>
-                                    <p:cond delay="0"/>
-                                  </p:stCondLst>
-                                  <p:childTnLst>
-                                    <p:set>
-                                      <p:cBhvr>
-                                        <p:cTn id="8" dur="1" fill="hold">
-                                          <p:stCondLst>
-                                            <p:cond delay="0"/>
-                                          </p:stCondLst>
-                                        </p:cTn>
-                                        <p:tgtEl>
-                                          <p:spTgt spid="10"/>
-                                        </p:tgtEl>
-                                        <p:attrNameLst>
-                                          <p:attrName>style.visibility</p:attrName>
-                                        </p:attrNameLst>
-                                      </p:cBhvr>
-                                      <p:to>
-                                        <p:strVal val="visible"/>
-                                      </p:to>
-                                    </p:set>
-                                  </p:childTnLst>
-                                </p:cTn>
-                              </p:par>
-                            </p:childTnLst>
-                          </p:cTn>
-                        </p:par>
-                      </p:childTnLst>
-                    </p:cTn>
-                  </p:par>
-                </p:childTnLst>
-              </p:cTn>
-              <p:prevCondLst>
-                <p:cond evt="onPrev" delay="0">
-                  <p:tgtEl>
-                    <p:sldTgt/>
-                  </p:tgtEl>
-                </p:cond>
-              </p:prevCondLst>
-              <p:nextCondLst>
-                <p:cond evt="onNext" delay="0">
-                  <p:tgtEl>
-                    <p:sldTgt/>
-                  </p:tgtEl>
-                </p:cond>
-              </p:nextCondLst>
-            </p:seq>
-          </p:childTnLst>
-        </p:cTn>
-      </p:par>
-    </p:tnLst>
-    <p:bldLst>
-      <p:bldP spid="6" grpId="0" animBg="1"/>
-    </p:bldLst>
-  </p:timing>
 </p:sld>
 </file>
 
@@ -11774,118 +11309,6 @@
       <p:transition spd="slow" advClick="0" advTm="5000"/>
     </mc:Fallback>
   </mc:AlternateContent>
-  <p:timing>
-    <p:tnLst>
-      <p:par>
-        <p:cTn id="1" dur="indefinite" restart="never" nodeType="tmRoot">
-          <p:childTnLst>
-            <p:seq concurrent="1" nextAc="seek">
-              <p:cTn id="2" dur="indefinite" nodeType="mainSeq">
-                <p:childTnLst>
-                  <p:par>
-                    <p:cTn id="3" fill="hold">
-                      <p:stCondLst>
-                        <p:cond delay="indefinite"/>
-                        <p:cond evt="onBegin" delay="0">
-                          <p:tn val="2"/>
-                        </p:cond>
-                      </p:stCondLst>
-                      <p:childTnLst>
-                        <p:par>
-                          <p:cTn id="4" fill="hold">
-                            <p:stCondLst>
-                              <p:cond delay="0"/>
-                            </p:stCondLst>
-                            <p:childTnLst>
-                              <p:par>
-                                <p:cTn id="5" presetID="1" presetClass="entr" presetSubtype="0" fill="hold" nodeType="withEffect">
-                                  <p:stCondLst>
-                                    <p:cond delay="0"/>
-                                  </p:stCondLst>
-                                  <p:childTnLst>
-                                    <p:set>
-                                      <p:cBhvr>
-                                        <p:cTn id="6" dur="1" fill="hold">
-                                          <p:stCondLst>
-                                            <p:cond delay="0"/>
-                                          </p:stCondLst>
-                                        </p:cTn>
-                                        <p:tgtEl>
-                                          <p:spTgt spid="3">
-                                            <p:txEl>
-                                              <p:pRg st="0" end="0"/>
-                                            </p:txEl>
-                                          </p:spTgt>
-                                        </p:tgtEl>
-                                        <p:attrNameLst>
-                                          <p:attrName>style.visibility</p:attrName>
-                                        </p:attrNameLst>
-                                      </p:cBhvr>
-                                      <p:to>
-                                        <p:strVal val="visible"/>
-                                      </p:to>
-                                    </p:set>
-                                  </p:childTnLst>
-                                </p:cTn>
-                              </p:par>
-                              <p:par>
-                                <p:cTn id="7" presetID="1" presetClass="entr" presetSubtype="0" fill="hold" grpId="0" nodeType="withEffect">
-                                  <p:stCondLst>
-                                    <p:cond delay="0"/>
-                                  </p:stCondLst>
-                                  <p:childTnLst>
-                                    <p:set>
-                                      <p:cBhvr>
-                                        <p:cTn id="8" dur="1" fill="hold">
-                                          <p:stCondLst>
-                                            <p:cond delay="0"/>
-                                          </p:stCondLst>
-                                        </p:cTn>
-                                        <p:tgtEl>
-                                          <p:spTgt spid="5"/>
-                                        </p:tgtEl>
-                                        <p:attrNameLst>
-                                          <p:attrName>style.visibility</p:attrName>
-                                        </p:attrNameLst>
-                                      </p:cBhvr>
-                                      <p:to>
-                                        <p:strVal val="visible"/>
-                                      </p:to>
-                                    </p:set>
-                                  </p:childTnLst>
-                                </p:cTn>
-                              </p:par>
-                            </p:childTnLst>
-                          </p:cTn>
-                        </p:par>
-                      </p:childTnLst>
-                    </p:cTn>
-                  </p:par>
-                </p:childTnLst>
-              </p:cTn>
-              <p:prevCondLst>
-                <p:cond evt="onPrev" delay="0">
-                  <p:tgtEl>
-                    <p:sldTgt/>
-                  </p:tgtEl>
-                </p:cond>
-              </p:prevCondLst>
-              <p:nextCondLst>
-                <p:cond evt="onNext" delay="0">
-                  <p:tgtEl>
-                    <p:sldTgt/>
-                  </p:tgtEl>
-                </p:cond>
-              </p:nextCondLst>
-            </p:seq>
-          </p:childTnLst>
-        </p:cTn>
-      </p:par>
-    </p:tnLst>
-    <p:bldLst>
-      <p:bldP spid="5" grpId="0" animBg="1"/>
-    </p:bldLst>
-  </p:timing>
 </p:sld>
 </file>
 
@@ -12263,118 +11686,6 @@
       <p:transition spd="slow" advClick="0" advTm="5000"/>
     </mc:Fallback>
   </mc:AlternateContent>
-  <p:timing>
-    <p:tnLst>
-      <p:par>
-        <p:cTn id="1" dur="indefinite" restart="never" nodeType="tmRoot">
-          <p:childTnLst>
-            <p:seq concurrent="1" nextAc="seek">
-              <p:cTn id="2" dur="indefinite" nodeType="mainSeq">
-                <p:childTnLst>
-                  <p:par>
-                    <p:cTn id="3" fill="hold">
-                      <p:stCondLst>
-                        <p:cond delay="indefinite"/>
-                        <p:cond evt="onBegin" delay="0">
-                          <p:tn val="2"/>
-                        </p:cond>
-                      </p:stCondLst>
-                      <p:childTnLst>
-                        <p:par>
-                          <p:cTn id="4" fill="hold">
-                            <p:stCondLst>
-                              <p:cond delay="0"/>
-                            </p:stCondLst>
-                            <p:childTnLst>
-                              <p:par>
-                                <p:cTn id="5" presetID="1" presetClass="entr" presetSubtype="0" fill="hold" nodeType="withEffect">
-                                  <p:stCondLst>
-                                    <p:cond delay="0"/>
-                                  </p:stCondLst>
-                                  <p:childTnLst>
-                                    <p:set>
-                                      <p:cBhvr>
-                                        <p:cTn id="6" dur="1" fill="hold">
-                                          <p:stCondLst>
-                                            <p:cond delay="0"/>
-                                          </p:stCondLst>
-                                        </p:cTn>
-                                        <p:tgtEl>
-                                          <p:spTgt spid="3">
-                                            <p:txEl>
-                                              <p:pRg st="0" end="0"/>
-                                            </p:txEl>
-                                          </p:spTgt>
-                                        </p:tgtEl>
-                                        <p:attrNameLst>
-                                          <p:attrName>style.visibility</p:attrName>
-                                        </p:attrNameLst>
-                                      </p:cBhvr>
-                                      <p:to>
-                                        <p:strVal val="visible"/>
-                                      </p:to>
-                                    </p:set>
-                                  </p:childTnLst>
-                                </p:cTn>
-                              </p:par>
-                              <p:par>
-                                <p:cTn id="7" presetID="1" presetClass="entr" presetSubtype="0" fill="hold" grpId="0" nodeType="withEffect">
-                                  <p:stCondLst>
-                                    <p:cond delay="0"/>
-                                  </p:stCondLst>
-                                  <p:childTnLst>
-                                    <p:set>
-                                      <p:cBhvr>
-                                        <p:cTn id="8" dur="1" fill="hold">
-                                          <p:stCondLst>
-                                            <p:cond delay="0"/>
-                                          </p:stCondLst>
-                                        </p:cTn>
-                                        <p:tgtEl>
-                                          <p:spTgt spid="5"/>
-                                        </p:tgtEl>
-                                        <p:attrNameLst>
-                                          <p:attrName>style.visibility</p:attrName>
-                                        </p:attrNameLst>
-                                      </p:cBhvr>
-                                      <p:to>
-                                        <p:strVal val="visible"/>
-                                      </p:to>
-                                    </p:set>
-                                  </p:childTnLst>
-                                </p:cTn>
-                              </p:par>
-                            </p:childTnLst>
-                          </p:cTn>
-                        </p:par>
-                      </p:childTnLst>
-                    </p:cTn>
-                  </p:par>
-                </p:childTnLst>
-              </p:cTn>
-              <p:prevCondLst>
-                <p:cond evt="onPrev" delay="0">
-                  <p:tgtEl>
-                    <p:sldTgt/>
-                  </p:tgtEl>
-                </p:cond>
-              </p:prevCondLst>
-              <p:nextCondLst>
-                <p:cond evt="onNext" delay="0">
-                  <p:tgtEl>
-                    <p:sldTgt/>
-                  </p:tgtEl>
-                </p:cond>
-              </p:nextCondLst>
-            </p:seq>
-          </p:childTnLst>
-        </p:cTn>
-      </p:par>
-    </p:tnLst>
-    <p:bldLst>
-      <p:bldP spid="5" grpId="0" animBg="1"/>
-    </p:bldLst>
-  </p:timing>
 </p:sld>
 </file>
 
@@ -12625,11 +11936,7 @@
               <a:t>и добавяме нужните </a:t>
             </a:r>
             <a:r>
-              <a:rPr lang="bg-BG" sz="3200" b="1" dirty="0">
-                <a:solidFill>
-                  <a:schemeClr val="bg1"/>
-                </a:solidFill>
-              </a:rPr>
+              <a:rPr lang="bg-BG" sz="3200" b="1" dirty="0"/>
               <a:t>компоненти</a:t>
             </a:r>
           </a:p>
@@ -12891,9 +12198,6 @@
                     <p:cTn id="3" fill="hold">
                       <p:stCondLst>
                         <p:cond delay="indefinite"/>
-                        <p:cond evt="onBegin" delay="0">
-                          <p:tn val="2"/>
-                        </p:cond>
                       </p:stCondLst>
                       <p:childTnLst>
                         <p:par>
@@ -12903,7 +12207,7 @@
                             </p:stCondLst>
                             <p:childTnLst>
                               <p:par>
-                                <p:cTn id="5" presetID="1" presetClass="entr" presetSubtype="0" fill="hold" nodeType="withEffect">
+                                <p:cTn id="5" presetID="1" presetClass="entr" presetSubtype="0" fill="hold" nodeType="clickEffect">
                                   <p:stCondLst>
                                     <p:cond delay="0"/>
                                   </p:stCondLst>
@@ -12911,64 +12215,6 @@
                                     <p:set>
                                       <p:cBhvr>
                                         <p:cTn id="6" dur="1" fill="hold">
-                                          <p:stCondLst>
-                                            <p:cond delay="0"/>
-                                          </p:stCondLst>
-                                        </p:cTn>
-                                        <p:tgtEl>
-                                          <p:spTgt spid="7"/>
-                                        </p:tgtEl>
-                                        <p:attrNameLst>
-                                          <p:attrName>style.visibility</p:attrName>
-                                        </p:attrNameLst>
-                                      </p:cBhvr>
-                                      <p:to>
-                                        <p:strVal val="visible"/>
-                                      </p:to>
-                                    </p:set>
-                                  </p:childTnLst>
-                                </p:cTn>
-                              </p:par>
-                              <p:par>
-                                <p:cTn id="7" presetID="1" presetClass="entr" presetSubtype="0" fill="hold" nodeType="withEffect">
-                                  <p:stCondLst>
-                                    <p:cond delay="0"/>
-                                  </p:stCondLst>
-                                  <p:childTnLst>
-                                    <p:set>
-                                      <p:cBhvr>
-                                        <p:cTn id="8" dur="1" fill="hold">
-                                          <p:stCondLst>
-                                            <p:cond delay="0"/>
-                                          </p:stCondLst>
-                                        </p:cTn>
-                                        <p:tgtEl>
-                                          <p:spTgt spid="3">
-                                            <p:txEl>
-                                              <p:pRg st="0" end="0"/>
-                                            </p:txEl>
-                                          </p:spTgt>
-                                        </p:tgtEl>
-                                        <p:attrNameLst>
-                                          <p:attrName>style.visibility</p:attrName>
-                                        </p:attrNameLst>
-                                      </p:cBhvr>
-                                      <p:to>
-                                        <p:strVal val="visible"/>
-                                      </p:to>
-                                    </p:set>
-                                  </p:childTnLst>
-                                </p:cTn>
-                              </p:par>
-                              <p:par>
-                                <p:cTn id="9" presetID="1" presetClass="entr" presetSubtype="0" fill="hold" nodeType="withEffect">
-                                  <p:stCondLst>
-                                    <p:cond delay="0"/>
-                                  </p:stCondLst>
-                                  <p:childTnLst>
-                                    <p:set>
-                                      <p:cBhvr>
-                                        <p:cTn id="10" dur="1" fill="hold">
                                           <p:stCondLst>
                                             <p:cond delay="0"/>
                                           </p:stCondLst>
@@ -12991,15 +12237,33 @@
                                   </p:childTnLst>
                                 </p:cTn>
                               </p:par>
+                            </p:childTnLst>
+                          </p:cTn>
+                        </p:par>
+                      </p:childTnLst>
+                    </p:cTn>
+                  </p:par>
+                  <p:par>
+                    <p:cTn id="7" fill="hold">
+                      <p:stCondLst>
+                        <p:cond delay="indefinite"/>
+                      </p:stCondLst>
+                      <p:childTnLst>
+                        <p:par>
+                          <p:cTn id="8" fill="hold">
+                            <p:stCondLst>
+                              <p:cond delay="0"/>
+                            </p:stCondLst>
+                            <p:childTnLst>
                               <p:par>
-                                <p:cTn id="11" presetID="1" presetClass="entr" presetSubtype="0" fill="hold" nodeType="withEffect">
+                                <p:cTn id="9" presetID="1" presetClass="entr" presetSubtype="0" fill="hold" nodeType="clickEffect">
                                   <p:stCondLst>
                                     <p:cond delay="0"/>
                                   </p:stCondLst>
                                   <p:childTnLst>
                                     <p:set>
                                       <p:cBhvr>
-                                        <p:cTn id="12" dur="1" fill="hold">
+                                        <p:cTn id="10" dur="1" fill="hold">
                                           <p:stCondLst>
                                             <p:cond delay="0"/>
                                           </p:stCondLst>
@@ -13022,8 +12286,26 @@
                                   </p:childTnLst>
                                 </p:cTn>
                               </p:par>
+                            </p:childTnLst>
+                          </p:cTn>
+                        </p:par>
+                      </p:childTnLst>
+                    </p:cTn>
+                  </p:par>
+                  <p:par>
+                    <p:cTn id="11" fill="hold">
+                      <p:stCondLst>
+                        <p:cond delay="indefinite"/>
+                      </p:stCondLst>
+                      <p:childTnLst>
+                        <p:par>
+                          <p:cTn id="12" fill="hold">
+                            <p:stCondLst>
+                              <p:cond delay="0"/>
+                            </p:stCondLst>
+                            <p:childTnLst>
                               <p:par>
-                                <p:cTn id="13" presetID="1" presetClass="entr" presetSubtype="0" fill="hold" nodeType="withEffect">
+                                <p:cTn id="13" presetID="1" presetClass="entr" presetSubtype="0" fill="hold" nodeType="clickEffect">
                                   <p:stCondLst>
                                     <p:cond delay="0"/>
                                   </p:stCondLst>
@@ -13102,15 +12384,33 @@
                                   </p:childTnLst>
                                 </p:cTn>
                               </p:par>
+                            </p:childTnLst>
+                          </p:cTn>
+                        </p:par>
+                      </p:childTnLst>
+                    </p:cTn>
+                  </p:par>
+                  <p:par>
+                    <p:cTn id="19" fill="hold">
+                      <p:stCondLst>
+                        <p:cond delay="indefinite"/>
+                      </p:stCondLst>
+                      <p:childTnLst>
+                        <p:par>
+                          <p:cTn id="20" fill="hold">
+                            <p:stCondLst>
+                              <p:cond delay="0"/>
+                            </p:stCondLst>
+                            <p:childTnLst>
                               <p:par>
-                                <p:cTn id="19" presetID="1" presetClass="entr" presetSubtype="0" fill="hold" nodeType="withEffect">
+                                <p:cTn id="21" presetID="1" presetClass="entr" presetSubtype="0" fill="hold" nodeType="clickEffect">
                                   <p:stCondLst>
                                     <p:cond delay="0"/>
                                   </p:stCondLst>
                                   <p:childTnLst>
                                     <p:set>
                                       <p:cBhvr>
-                                        <p:cTn id="20" dur="1" fill="hold">
+                                        <p:cTn id="22" dur="1" fill="hold">
                                           <p:stCondLst>
                                             <p:cond delay="0"/>
                                           </p:stCondLst>
@@ -13133,70 +12433,26 @@
                                   </p:childTnLst>
                                 </p:cTn>
                               </p:par>
+                            </p:childTnLst>
+                          </p:cTn>
+                        </p:par>
+                      </p:childTnLst>
+                    </p:cTn>
+                  </p:par>
+                  <p:par>
+                    <p:cTn id="23" fill="hold">
+                      <p:stCondLst>
+                        <p:cond delay="indefinite"/>
+                      </p:stCondLst>
+                      <p:childTnLst>
+                        <p:par>
+                          <p:cTn id="24" fill="hold">
+                            <p:stCondLst>
+                              <p:cond delay="0"/>
+                            </p:stCondLst>
+                            <p:childTnLst>
                               <p:par>
-                                <p:cTn id="21" presetID="1" presetClass="entr" presetSubtype="0" fill="hold" nodeType="withEffect">
-                                  <p:stCondLst>
-                                    <p:cond delay="0"/>
-                                  </p:stCondLst>
-                                  <p:childTnLst>
-                                    <p:set>
-                                      <p:cBhvr>
-                                        <p:cTn id="22" dur="1" fill="hold">
-                                          <p:stCondLst>
-                                            <p:cond delay="0"/>
-                                          </p:stCondLst>
-                                        </p:cTn>
-                                        <p:tgtEl>
-                                          <p:spTgt spid="3">
-                                            <p:txEl>
-                                              <p:pRg st="6" end="6"/>
-                                            </p:txEl>
-                                          </p:spTgt>
-                                        </p:tgtEl>
-                                        <p:attrNameLst>
-                                          <p:attrName>style.visibility</p:attrName>
-                                        </p:attrNameLst>
-                                      </p:cBhvr>
-                                      <p:to>
-                                        <p:strVal val="visible"/>
-                                      </p:to>
-                                    </p:set>
-                                  </p:childTnLst>
-                                </p:cTn>
-                              </p:par>
-                              <p:par>
-                                <p:cTn id="23" presetID="1" presetClass="entr" presetSubtype="0" fill="hold" nodeType="withEffect">
-                                  <p:stCondLst>
-                                    <p:cond delay="0"/>
-                                  </p:stCondLst>
-                                  <p:childTnLst>
-                                    <p:set>
-                                      <p:cBhvr>
-                                        <p:cTn id="24" dur="1" fill="hold">
-                                          <p:stCondLst>
-                                            <p:cond delay="0"/>
-                                          </p:stCondLst>
-                                        </p:cTn>
-                                        <p:tgtEl>
-                                          <p:spTgt spid="3">
-                                            <p:txEl>
-                                              <p:pRg st="7" end="7"/>
-                                            </p:txEl>
-                                          </p:spTgt>
-                                        </p:tgtEl>
-                                        <p:attrNameLst>
-                                          <p:attrName>style.visibility</p:attrName>
-                                        </p:attrNameLst>
-                                      </p:cBhvr>
-                                      <p:to>
-                                        <p:strVal val="visible"/>
-                                      </p:to>
-                                    </p:set>
-                                  </p:childTnLst>
-                                </p:cTn>
-                              </p:par>
-                              <p:par>
-                                <p:cTn id="25" presetID="1" presetClass="entr" presetSubtype="0" fill="hold" nodeType="withEffect">
+                                <p:cTn id="25" presetID="1" presetClass="entr" presetSubtype="0" fill="hold" nodeType="clickEffect">
                                   <p:stCondLst>
                                     <p:cond delay="0"/>
                                   </p:stCondLst>
@@ -13211,7 +12467,7 @@
                                         <p:tgtEl>
                                           <p:spTgt spid="3">
                                             <p:txEl>
-                                              <p:pRg st="8" end="8"/>
+                                              <p:pRg st="6" end="6"/>
                                             </p:txEl>
                                           </p:spTgt>
                                         </p:tgtEl>
@@ -13260,6 +12516,104 @@
                                         <p:tgtEl>
                                           <p:spTgt spid="3">
                                             <p:txEl>
+                                              <p:pRg st="7" end="7"/>
+                                            </p:txEl>
+                                          </p:spTgt>
+                                        </p:tgtEl>
+                                        <p:attrNameLst>
+                                          <p:attrName>style.visibility</p:attrName>
+                                        </p:attrNameLst>
+                                      </p:cBhvr>
+                                      <p:to>
+                                        <p:strVal val="visible"/>
+                                      </p:to>
+                                    </p:set>
+                                  </p:childTnLst>
+                                </p:cTn>
+                              </p:par>
+                            </p:childTnLst>
+                          </p:cTn>
+                        </p:par>
+                      </p:childTnLst>
+                    </p:cTn>
+                  </p:par>
+                  <p:par>
+                    <p:cTn id="31" fill="hold">
+                      <p:stCondLst>
+                        <p:cond delay="indefinite"/>
+                      </p:stCondLst>
+                      <p:childTnLst>
+                        <p:par>
+                          <p:cTn id="32" fill="hold">
+                            <p:stCondLst>
+                              <p:cond delay="0"/>
+                            </p:stCondLst>
+                            <p:childTnLst>
+                              <p:par>
+                                <p:cTn id="33" presetID="1" presetClass="entr" presetSubtype="0" fill="hold" nodeType="clickEffect">
+                                  <p:stCondLst>
+                                    <p:cond delay="0"/>
+                                  </p:stCondLst>
+                                  <p:childTnLst>
+                                    <p:set>
+                                      <p:cBhvr>
+                                        <p:cTn id="34" dur="1" fill="hold">
+                                          <p:stCondLst>
+                                            <p:cond delay="0"/>
+                                          </p:stCondLst>
+                                        </p:cTn>
+                                        <p:tgtEl>
+                                          <p:spTgt spid="3">
+                                            <p:txEl>
+                                              <p:pRg st="8" end="8"/>
+                                            </p:txEl>
+                                          </p:spTgt>
+                                        </p:tgtEl>
+                                        <p:attrNameLst>
+                                          <p:attrName>style.visibility</p:attrName>
+                                        </p:attrNameLst>
+                                      </p:cBhvr>
+                                      <p:to>
+                                        <p:strVal val="visible"/>
+                                      </p:to>
+                                    </p:set>
+                                  </p:childTnLst>
+                                </p:cTn>
+                              </p:par>
+                            </p:childTnLst>
+                          </p:cTn>
+                        </p:par>
+                      </p:childTnLst>
+                    </p:cTn>
+                  </p:par>
+                  <p:par>
+                    <p:cTn id="35" fill="hold">
+                      <p:stCondLst>
+                        <p:cond delay="indefinite"/>
+                      </p:stCondLst>
+                      <p:childTnLst>
+                        <p:par>
+                          <p:cTn id="36" fill="hold">
+                            <p:stCondLst>
+                              <p:cond delay="0"/>
+                            </p:stCondLst>
+                            <p:childTnLst>
+                              <p:par>
+                                <p:cTn id="37" presetID="1" presetClass="entr" presetSubtype="0" fill="hold" nodeType="clickEffect">
+                                  <p:stCondLst>
+                                    <p:cond delay="0"/>
+                                  </p:stCondLst>
+                                  <p:childTnLst>
+                                    <p:set>
+                                      <p:cBhvr>
+                                        <p:cTn id="38" dur="1" fill="hold">
+                                          <p:stCondLst>
+                                            <p:cond delay="0"/>
+                                          </p:stCondLst>
+                                        </p:cTn>
+                                        <p:tgtEl>
+                                          <p:spTgt spid="3">
+                                            <p:txEl>
                                               <p:pRg st="9" end="9"/>
                                             </p:txEl>
                                           </p:spTgt>
@@ -13275,15 +12629,33 @@
                                   </p:childTnLst>
                                 </p:cTn>
                               </p:par>
+                            </p:childTnLst>
+                          </p:cTn>
+                        </p:par>
+                      </p:childTnLst>
+                    </p:cTn>
+                  </p:par>
+                  <p:par>
+                    <p:cTn id="39" fill="hold">
+                      <p:stCondLst>
+                        <p:cond delay="indefinite"/>
+                      </p:stCondLst>
+                      <p:childTnLst>
+                        <p:par>
+                          <p:cTn id="40" fill="hold">
+                            <p:stCondLst>
+                              <p:cond delay="0"/>
+                            </p:stCondLst>
+                            <p:childTnLst>
                               <p:par>
-                                <p:cTn id="31" presetID="1" presetClass="entr" presetSubtype="0" fill="hold" nodeType="withEffect">
+                                <p:cTn id="41" presetID="1" presetClass="entr" presetSubtype="0" fill="hold" nodeType="clickEffect">
                                   <p:stCondLst>
                                     <p:cond delay="0"/>
                                   </p:stCondLst>
                                   <p:childTnLst>
                                     <p:set>
                                       <p:cBhvr>
-                                        <p:cTn id="32" dur="1" fill="hold">
+                                        <p:cTn id="42" dur="1" fill="hold">
                                           <p:stCondLst>
                                             <p:cond delay="0"/>
                                           </p:stCondLst>
@@ -13313,26 +12685,26 @@
                     </p:cTn>
                   </p:par>
                   <p:par>
-                    <p:cTn id="33" fill="hold">
+                    <p:cTn id="43" fill="hold">
                       <p:stCondLst>
                         <p:cond delay="indefinite"/>
                       </p:stCondLst>
                       <p:childTnLst>
                         <p:par>
-                          <p:cTn id="34" fill="hold">
+                          <p:cTn id="44" fill="hold">
                             <p:stCondLst>
                               <p:cond delay="0"/>
                             </p:stCondLst>
                             <p:childTnLst>
                               <p:par>
-                                <p:cTn id="35" presetID="1" presetClass="entr" presetSubtype="0" fill="hold" nodeType="clickEffect">
+                                <p:cTn id="45" presetID="1" presetClass="entr" presetSubtype="0" fill="hold" nodeType="clickEffect">
                                   <p:stCondLst>
                                     <p:cond delay="0"/>
                                   </p:stCondLst>
                                   <p:childTnLst>
                                     <p:set>
                                       <p:cBhvr>
-                                        <p:cTn id="36" dur="1" fill="hold">
+                                        <p:cTn id="46" dur="1" fill="hold">
                                           <p:stCondLst>
                                             <p:cond delay="0"/>
                                           </p:stCondLst>
@@ -13355,15 +12727,33 @@
                                   </p:childTnLst>
                                 </p:cTn>
                               </p:par>
+                            </p:childTnLst>
+                          </p:cTn>
+                        </p:par>
+                      </p:childTnLst>
+                    </p:cTn>
+                  </p:par>
+                  <p:par>
+                    <p:cTn id="47" fill="hold">
+                      <p:stCondLst>
+                        <p:cond delay="indefinite"/>
+                      </p:stCondLst>
+                      <p:childTnLst>
+                        <p:par>
+                          <p:cTn id="48" fill="hold">
+                            <p:stCondLst>
+                              <p:cond delay="0"/>
+                            </p:stCondLst>
+                            <p:childTnLst>
                               <p:par>
-                                <p:cTn id="37" presetID="1" presetClass="entr" presetSubtype="0" fill="hold" nodeType="withEffect">
+                                <p:cTn id="49" presetID="1" presetClass="entr" presetSubtype="0" fill="hold" nodeType="clickEffect">
                                   <p:stCondLst>
                                     <p:cond delay="0"/>
                                   </p:stCondLst>
                                   <p:childTnLst>
                                     <p:set>
                                       <p:cBhvr>
-                                        <p:cTn id="38" dur="1" fill="hold">
+                                        <p:cTn id="50" dur="1" fill="hold">
                                           <p:stCondLst>
                                             <p:cond delay="0"/>
                                           </p:stCondLst>
@@ -14473,9 +13863,6 @@
                     <p:cTn id="3" fill="hold">
                       <p:stCondLst>
                         <p:cond delay="indefinite"/>
-                        <p:cond evt="onBegin" delay="0">
-                          <p:tn val="2"/>
-                        </p:cond>
                       </p:stCondLst>
                       <p:childTnLst>
                         <p:par>
@@ -14485,7 +13872,7 @@
                             </p:stCondLst>
                             <p:childTnLst>
                               <p:par>
-                                <p:cTn id="5" presetID="1" presetClass="entr" presetSubtype="0" fill="hold" nodeType="withEffect">
+                                <p:cTn id="5" presetID="1" presetClass="entr" presetSubtype="0" fill="hold" nodeType="clickEffect">
                                   <p:stCondLst>
                                     <p:cond delay="0"/>
                                   </p:stCondLst>
@@ -14500,7 +13887,7 @@
                                         <p:tgtEl>
                                           <p:spTgt spid="444419">
                                             <p:txEl>
-                                              <p:pRg st="0" end="0"/>
+                                              <p:pRg st="1" end="1"/>
                                             </p:txEl>
                                           </p:spTgt>
                                         </p:tgtEl>
@@ -14549,7 +13936,7 @@
                                         <p:tgtEl>
                                           <p:spTgt spid="444419">
                                             <p:txEl>
-                                              <p:pRg st="1" end="1"/>
+                                              <p:pRg st="2" end="2"/>
                                             </p:txEl>
                                           </p:spTgt>
                                         </p:tgtEl>
@@ -14598,7 +13985,7 @@
                                         <p:tgtEl>
                                           <p:spTgt spid="444419">
                                             <p:txEl>
-                                              <p:pRg st="2" end="2"/>
+                                              <p:pRg st="3" end="3"/>
                                             </p:txEl>
                                           </p:spTgt>
                                         </p:tgtEl>
@@ -14640,55 +14027,6 @@
                                     <p:set>
                                       <p:cBhvr>
                                         <p:cTn id="18" dur="1" fill="hold">
-                                          <p:stCondLst>
-                                            <p:cond delay="0"/>
-                                          </p:stCondLst>
-                                        </p:cTn>
-                                        <p:tgtEl>
-                                          <p:spTgt spid="444419">
-                                            <p:txEl>
-                                              <p:pRg st="3" end="3"/>
-                                            </p:txEl>
-                                          </p:spTgt>
-                                        </p:tgtEl>
-                                        <p:attrNameLst>
-                                          <p:attrName>style.visibility</p:attrName>
-                                        </p:attrNameLst>
-                                      </p:cBhvr>
-                                      <p:to>
-                                        <p:strVal val="visible"/>
-                                      </p:to>
-                                    </p:set>
-                                  </p:childTnLst>
-                                </p:cTn>
-                              </p:par>
-                            </p:childTnLst>
-                          </p:cTn>
-                        </p:par>
-                      </p:childTnLst>
-                    </p:cTn>
-                  </p:par>
-                  <p:par>
-                    <p:cTn id="19" fill="hold">
-                      <p:stCondLst>
-                        <p:cond delay="indefinite"/>
-                      </p:stCondLst>
-                      <p:childTnLst>
-                        <p:par>
-                          <p:cTn id="20" fill="hold">
-                            <p:stCondLst>
-                              <p:cond delay="0"/>
-                            </p:stCondLst>
-                            <p:childTnLst>
-                              <p:par>
-                                <p:cTn id="21" presetID="1" presetClass="entr" presetSubtype="0" fill="hold" nodeType="clickEffect">
-                                  <p:stCondLst>
-                                    <p:cond delay="0"/>
-                                  </p:stCondLst>
-                                  <p:childTnLst>
-                                    <p:set>
-                                      <p:cBhvr>
-                                        <p:cTn id="22" dur="1" fill="hold">
                                           <p:stCondLst>
                                             <p:cond delay="0"/>
                                           </p:stCondLst>
@@ -16109,9 +15447,6 @@
                     <p:cTn id="3" fill="hold">
                       <p:stCondLst>
                         <p:cond delay="indefinite"/>
-                        <p:cond evt="onBegin" delay="0">
-                          <p:tn val="2"/>
-                        </p:cond>
                       </p:stCondLst>
                       <p:childTnLst>
                         <p:par>
@@ -16121,7 +15456,7 @@
                             </p:stCondLst>
                             <p:childTnLst>
                               <p:par>
-                                <p:cTn id="5" presetID="1" presetClass="entr" presetSubtype="0" fill="hold" nodeType="withEffect">
+                                <p:cTn id="5" presetID="1" presetClass="entr" presetSubtype="0" fill="hold" nodeType="clickEffect">
                                   <p:stCondLst>
                                     <p:cond delay="0"/>
                                   </p:stCondLst>
@@ -16129,82 +15464,6 @@
                                     <p:set>
                                       <p:cBhvr>
                                         <p:cTn id="6" dur="1" fill="hold">
-                                          <p:stCondLst>
-                                            <p:cond delay="0"/>
-                                          </p:stCondLst>
-                                        </p:cTn>
-                                        <p:tgtEl>
-                                          <p:spTgt spid="3">
-                                            <p:txEl>
-                                              <p:pRg st="0" end="0"/>
-                                            </p:txEl>
-                                          </p:spTgt>
-                                        </p:tgtEl>
-                                        <p:attrNameLst>
-                                          <p:attrName>style.visibility</p:attrName>
-                                        </p:attrNameLst>
-                                      </p:cBhvr>
-                                      <p:to>
-                                        <p:strVal val="visible"/>
-                                      </p:to>
-                                    </p:set>
-                                  </p:childTnLst>
-                                </p:cTn>
-                              </p:par>
-                              <p:par>
-                                <p:cTn id="7" presetID="1" presetClass="entr" presetSubtype="0" fill="hold" nodeType="withEffect">
-                                  <p:stCondLst>
-                                    <p:cond delay="0"/>
-                                  </p:stCondLst>
-                                  <p:childTnLst>
-                                    <p:set>
-                                      <p:cBhvr>
-                                        <p:cTn id="8" dur="1" fill="hold">
-                                          <p:stCondLst>
-                                            <p:cond delay="0"/>
-                                          </p:stCondLst>
-                                        </p:cTn>
-                                        <p:tgtEl>
-                                          <p:spTgt spid="7"/>
-                                        </p:tgtEl>
-                                        <p:attrNameLst>
-                                          <p:attrName>style.visibility</p:attrName>
-                                        </p:attrNameLst>
-                                      </p:cBhvr>
-                                      <p:to>
-                                        <p:strVal val="visible"/>
-                                      </p:to>
-                                    </p:set>
-                                  </p:childTnLst>
-                                </p:cTn>
-                              </p:par>
-                            </p:childTnLst>
-                          </p:cTn>
-                        </p:par>
-                      </p:childTnLst>
-                    </p:cTn>
-                  </p:par>
-                  <p:par>
-                    <p:cTn id="9" fill="hold">
-                      <p:stCondLst>
-                        <p:cond delay="indefinite"/>
-                      </p:stCondLst>
-                      <p:childTnLst>
-                        <p:par>
-                          <p:cTn id="10" fill="hold">
-                            <p:stCondLst>
-                              <p:cond delay="0"/>
-                            </p:stCondLst>
-                            <p:childTnLst>
-                              <p:par>
-                                <p:cTn id="11" presetID="1" presetClass="entr" presetSubtype="0" fill="hold" nodeType="clickEffect">
-                                  <p:stCondLst>
-                                    <p:cond delay="0"/>
-                                  </p:stCondLst>
-                                  <p:childTnLst>
-                                    <p:set>
-                                      <p:cBhvr>
-                                        <p:cTn id="12" dur="1" fill="hold">
                                           <p:stCondLst>
                                             <p:cond delay="0"/>
                                           </p:stCondLst>
@@ -16227,15 +15486,33 @@
                                   </p:childTnLst>
                                 </p:cTn>
                               </p:par>
+                            </p:childTnLst>
+                          </p:cTn>
+                        </p:par>
+                      </p:childTnLst>
+                    </p:cTn>
+                  </p:par>
+                  <p:par>
+                    <p:cTn id="7" fill="hold">
+                      <p:stCondLst>
+                        <p:cond delay="indefinite"/>
+                      </p:stCondLst>
+                      <p:childTnLst>
+                        <p:par>
+                          <p:cTn id="8" fill="hold">
+                            <p:stCondLst>
+                              <p:cond delay="0"/>
+                            </p:stCondLst>
+                            <p:childTnLst>
                               <p:par>
-                                <p:cTn id="13" presetID="1" presetClass="entr" presetSubtype="0" fill="hold" grpId="0" nodeType="withEffect">
+                                <p:cTn id="9" presetID="1" presetClass="entr" presetSubtype="0" fill="hold" grpId="0" nodeType="clickEffect">
                                   <p:stCondLst>
                                     <p:cond delay="0"/>
                                   </p:stCondLst>
                                   <p:childTnLst>
                                     <p:set>
                                       <p:cBhvr>
-                                        <p:cTn id="14" dur="1" fill="hold">
+                                        <p:cTn id="10" dur="1" fill="hold">
                                           <p:stCondLst>
                                             <p:cond delay="0"/>
                                           </p:stCondLst>
@@ -16612,87 +15889,6 @@
       <p:transition spd="slow" advClick="0" advTm="5000"/>
     </mc:Fallback>
   </mc:AlternateContent>
-  <p:timing>
-    <p:tnLst>
-      <p:par>
-        <p:cTn id="1" dur="indefinite" restart="never" nodeType="tmRoot">
-          <p:childTnLst>
-            <p:seq concurrent="1" nextAc="seek">
-              <p:cTn id="2" dur="indefinite" nodeType="mainSeq">
-                <p:childTnLst>
-                  <p:par>
-                    <p:cTn id="3" fill="hold">
-                      <p:stCondLst>
-                        <p:cond delay="indefinite"/>
-                        <p:cond evt="onBegin" delay="0">
-                          <p:tn val="2"/>
-                        </p:cond>
-                      </p:stCondLst>
-                      <p:childTnLst>
-                        <p:par>
-                          <p:cTn id="4" fill="hold">
-                            <p:stCondLst>
-                              <p:cond delay="0"/>
-                            </p:stCondLst>
-                            <p:childTnLst>
-                              <p:par>
-                                <p:cTn id="5" presetID="1" presetClass="entr" presetSubtype="0" fill="hold" grpId="0" nodeType="withEffect">
-                                  <p:stCondLst>
-                                    <p:cond delay="0"/>
-                                  </p:stCondLst>
-                                  <p:childTnLst>
-                                    <p:set>
-                                      <p:cBhvr>
-                                        <p:cTn id="6" dur="1" fill="hold">
-                                          <p:stCondLst>
-                                            <p:cond delay="0"/>
-                                          </p:stCondLst>
-                                        </p:cTn>
-                                        <p:tgtEl>
-                                          <p:spTgt spid="5"/>
-                                        </p:tgtEl>
-                                        <p:attrNameLst>
-                                          <p:attrName>style.visibility</p:attrName>
-                                        </p:attrNameLst>
-                                      </p:cBhvr>
-                                      <p:to>
-                                        <p:strVal val="visible"/>
-                                      </p:to>
-                                    </p:set>
-                                  </p:childTnLst>
-                                </p:cTn>
-                              </p:par>
-                            </p:childTnLst>
-                          </p:cTn>
-                        </p:par>
-                      </p:childTnLst>
-                    </p:cTn>
-                  </p:par>
-                </p:childTnLst>
-              </p:cTn>
-              <p:prevCondLst>
-                <p:cond evt="onPrev" delay="0">
-                  <p:tgtEl>
-                    <p:sldTgt/>
-                  </p:tgtEl>
-                </p:cond>
-              </p:prevCondLst>
-              <p:nextCondLst>
-                <p:cond evt="onNext" delay="0">
-                  <p:tgtEl>
-                    <p:sldTgt/>
-                  </p:tgtEl>
-                </p:cond>
-              </p:nextCondLst>
-            </p:seq>
-          </p:childTnLst>
-        </p:cTn>
-      </p:par>
-    </p:tnLst>
-    <p:bldLst>
-      <p:bldP spid="5" grpId="0" animBg="1"/>
-    </p:bldLst>
-  </p:timing>
 </p:sld>
 </file>
 
@@ -17268,9 +16464,6 @@
                     <p:cTn id="3" fill="hold">
                       <p:stCondLst>
                         <p:cond delay="indefinite"/>
-                        <p:cond evt="onBegin" delay="0">
-                          <p:tn val="2"/>
-                        </p:cond>
                       </p:stCondLst>
                       <p:childTnLst>
                         <p:par>
@@ -17280,7 +16473,7 @@
                             </p:stCondLst>
                             <p:childTnLst>
                               <p:par>
-                                <p:cTn id="5" presetID="1" presetClass="entr" presetSubtype="0" fill="hold" nodeType="withEffect">
+                                <p:cTn id="5" presetID="1" presetClass="entr" presetSubtype="0" fill="hold" grpId="0" nodeType="clickEffect">
                                   <p:stCondLst>
                                     <p:cond delay="0"/>
                                   </p:stCondLst>
@@ -17293,38 +16486,7 @@
                                           </p:stCondLst>
                                         </p:cTn>
                                         <p:tgtEl>
-                                          <p:spTgt spid="3">
-                                            <p:txEl>
-                                              <p:pRg st="0" end="0"/>
-                                            </p:txEl>
-                                          </p:spTgt>
-                                        </p:tgtEl>
-                                        <p:attrNameLst>
-                                          <p:attrName>style.visibility</p:attrName>
-                                        </p:attrNameLst>
-                                      </p:cBhvr>
-                                      <p:to>
-                                        <p:strVal val="visible"/>
-                                      </p:to>
-                                    </p:set>
-                                  </p:childTnLst>
-                                </p:cTn>
-                              </p:par>
-                              <p:par>
-                                <p:cTn id="7" presetID="1" presetClass="entr" presetSubtype="0" fill="hold" nodeType="withEffect">
-                                  <p:stCondLst>
-                                    <p:cond delay="0"/>
-                                  </p:stCondLst>
-                                  <p:childTnLst>
-                                    <p:set>
-                                      <p:cBhvr>
-                                        <p:cTn id="8" dur="1" fill="hold">
-                                          <p:stCondLst>
-                                            <p:cond delay="0"/>
-                                          </p:stCondLst>
-                                        </p:cTn>
-                                        <p:tgtEl>
-                                          <p:spTgt spid="7"/>
+                                          <p:spTgt spid="10"/>
                                         </p:tgtEl>
                                         <p:attrNameLst>
                                           <p:attrName>style.visibility</p:attrName>
@@ -17344,53 +16506,26 @@
                     </p:cTn>
                   </p:par>
                   <p:par>
-                    <p:cTn id="9" fill="hold">
+                    <p:cTn id="7" fill="hold">
                       <p:stCondLst>
                         <p:cond delay="indefinite"/>
                       </p:stCondLst>
                       <p:childTnLst>
                         <p:par>
-                          <p:cTn id="10" fill="hold">
+                          <p:cTn id="8" fill="hold">
                             <p:stCondLst>
                               <p:cond delay="0"/>
                             </p:stCondLst>
                             <p:childTnLst>
                               <p:par>
-                                <p:cTn id="11" presetID="1" presetClass="entr" presetSubtype="0" fill="hold" grpId="0" nodeType="clickEffect">
+                                <p:cTn id="9" presetID="1" presetClass="entr" presetSubtype="0" fill="hold" nodeType="clickEffect">
                                   <p:stCondLst>
                                     <p:cond delay="0"/>
                                   </p:stCondLst>
                                   <p:childTnLst>
                                     <p:set>
                                       <p:cBhvr>
-                                        <p:cTn id="12" dur="1" fill="hold">
-                                          <p:stCondLst>
-                                            <p:cond delay="0"/>
-                                          </p:stCondLst>
-                                        </p:cTn>
-                                        <p:tgtEl>
-                                          <p:spTgt spid="10"/>
-                                        </p:tgtEl>
-                                        <p:attrNameLst>
-                                          <p:attrName>style.visibility</p:attrName>
-                                        </p:attrNameLst>
-                                      </p:cBhvr>
-                                      <p:to>
-                                        <p:strVal val="visible"/>
-                                      </p:to>
-                                    </p:set>
-                                  </p:childTnLst>
-                                </p:cTn>
-                              </p:par>
-                              <p:par>
-                                <p:cTn id="13" presetID="1" presetClass="entr" presetSubtype="0" fill="hold" nodeType="withEffect">
-                                  <p:stCondLst>
-                                    <p:cond delay="0"/>
-                                  </p:stCondLst>
-                                  <p:childTnLst>
-                                    <p:set>
-                                      <p:cBhvr>
-                                        <p:cTn id="14" dur="1" fill="hold">
+                                        <p:cTn id="10" dur="1" fill="hold">
                                           <p:stCondLst>
                                             <p:cond delay="0"/>
                                           </p:stCondLst>
@@ -17416,26 +16551,26 @@
                     </p:cTn>
                   </p:par>
                   <p:par>
-                    <p:cTn id="15" fill="hold">
+                    <p:cTn id="11" fill="hold">
                       <p:stCondLst>
                         <p:cond delay="indefinite"/>
                       </p:stCondLst>
                       <p:childTnLst>
                         <p:par>
-                          <p:cTn id="16" fill="hold">
+                          <p:cTn id="12" fill="hold">
                             <p:stCondLst>
                               <p:cond delay="0"/>
                             </p:stCondLst>
                             <p:childTnLst>
                               <p:par>
-                                <p:cTn id="17" presetID="1" presetClass="entr" presetSubtype="0" fill="hold" nodeType="clickEffect">
+                                <p:cTn id="13" presetID="1" presetClass="entr" presetSubtype="0" fill="hold" nodeType="clickEffect">
                                   <p:stCondLst>
                                     <p:cond delay="0"/>
                                   </p:stCondLst>
                                   <p:childTnLst>
                                     <p:set>
                                       <p:cBhvr>
-                                        <p:cTn id="18" dur="1" fill="hold">
+                                        <p:cTn id="14" dur="1" fill="hold">
                                           <p:stCondLst>
                                             <p:cond delay="0"/>
                                           </p:stCondLst>
@@ -17459,14 +16594,14 @@
                                 </p:cTn>
                               </p:par>
                               <p:par>
-                                <p:cTn id="19" presetID="1" presetClass="entr" presetSubtype="0" fill="hold" grpId="0" nodeType="withEffect">
+                                <p:cTn id="15" presetID="1" presetClass="entr" presetSubtype="0" fill="hold" grpId="0" nodeType="withEffect">
                                   <p:stCondLst>
                                     <p:cond delay="0"/>
                                   </p:stCondLst>
                                   <p:childTnLst>
                                     <p:set>
                                       <p:cBhvr>
-                                        <p:cTn id="20" dur="1" fill="hold">
+                                        <p:cTn id="16" dur="1" fill="hold">
                                           <p:stCondLst>
                                             <p:cond delay="0"/>
                                           </p:stCondLst>
@@ -17962,87 +17097,6 @@
       <p:transition spd="slow" advClick="0" advTm="5000"/>
     </mc:Fallback>
   </mc:AlternateContent>
-  <p:timing>
-    <p:tnLst>
-      <p:par>
-        <p:cTn id="1" dur="indefinite" restart="never" nodeType="tmRoot">
-          <p:childTnLst>
-            <p:seq concurrent="1" nextAc="seek">
-              <p:cTn id="2" dur="indefinite" nodeType="mainSeq">
-                <p:childTnLst>
-                  <p:par>
-                    <p:cTn id="3" fill="hold">
-                      <p:stCondLst>
-                        <p:cond delay="indefinite"/>
-                        <p:cond evt="onBegin" delay="0">
-                          <p:tn val="2"/>
-                        </p:cond>
-                      </p:stCondLst>
-                      <p:childTnLst>
-                        <p:par>
-                          <p:cTn id="4" fill="hold">
-                            <p:stCondLst>
-                              <p:cond delay="0"/>
-                            </p:stCondLst>
-                            <p:childTnLst>
-                              <p:par>
-                                <p:cTn id="5" presetID="1" presetClass="entr" presetSubtype="0" fill="hold" grpId="0" nodeType="withEffect">
-                                  <p:stCondLst>
-                                    <p:cond delay="0"/>
-                                  </p:stCondLst>
-                                  <p:childTnLst>
-                                    <p:set>
-                                      <p:cBhvr>
-                                        <p:cTn id="6" dur="1" fill="hold">
-                                          <p:stCondLst>
-                                            <p:cond delay="0"/>
-                                          </p:stCondLst>
-                                        </p:cTn>
-                                        <p:tgtEl>
-                                          <p:spTgt spid="5"/>
-                                        </p:tgtEl>
-                                        <p:attrNameLst>
-                                          <p:attrName>style.visibility</p:attrName>
-                                        </p:attrNameLst>
-                                      </p:cBhvr>
-                                      <p:to>
-                                        <p:strVal val="visible"/>
-                                      </p:to>
-                                    </p:set>
-                                  </p:childTnLst>
-                                </p:cTn>
-                              </p:par>
-                            </p:childTnLst>
-                          </p:cTn>
-                        </p:par>
-                      </p:childTnLst>
-                    </p:cTn>
-                  </p:par>
-                </p:childTnLst>
-              </p:cTn>
-              <p:prevCondLst>
-                <p:cond evt="onPrev" delay="0">
-                  <p:tgtEl>
-                    <p:sldTgt/>
-                  </p:tgtEl>
-                </p:cond>
-              </p:prevCondLst>
-              <p:nextCondLst>
-                <p:cond evt="onNext" delay="0">
-                  <p:tgtEl>
-                    <p:sldTgt/>
-                  </p:tgtEl>
-                </p:cond>
-              </p:nextCondLst>
-            </p:seq>
-          </p:childTnLst>
-        </p:cTn>
-      </p:par>
-    </p:tnLst>
-    <p:bldLst>
-      <p:bldP spid="5" grpId="0" animBg="1"/>
-    </p:bldLst>
-  </p:timing>
 </p:sld>
 </file>
 
@@ -18748,118 +17802,6 @@
       <p:transition spd="slow" advClick="0" advTm="5000"/>
     </mc:Fallback>
   </mc:AlternateContent>
-  <p:timing>
-    <p:tnLst>
-      <p:par>
-        <p:cTn id="1" dur="indefinite" restart="never" nodeType="tmRoot">
-          <p:childTnLst>
-            <p:seq concurrent="1" nextAc="seek">
-              <p:cTn id="2" dur="indefinite" nodeType="mainSeq">
-                <p:childTnLst>
-                  <p:par>
-                    <p:cTn id="3" fill="hold">
-                      <p:stCondLst>
-                        <p:cond delay="indefinite"/>
-                        <p:cond evt="onBegin" delay="0">
-                          <p:tn val="2"/>
-                        </p:cond>
-                      </p:stCondLst>
-                      <p:childTnLst>
-                        <p:par>
-                          <p:cTn id="4" fill="hold">
-                            <p:stCondLst>
-                              <p:cond delay="0"/>
-                            </p:stCondLst>
-                            <p:childTnLst>
-                              <p:par>
-                                <p:cTn id="5" presetID="1" presetClass="entr" presetSubtype="0" fill="hold" grpId="0" nodeType="withEffect">
-                                  <p:stCondLst>
-                                    <p:cond delay="0"/>
-                                  </p:stCondLst>
-                                  <p:childTnLst>
-                                    <p:set>
-                                      <p:cBhvr>
-                                        <p:cTn id="6" dur="1" fill="hold">
-                                          <p:stCondLst>
-                                            <p:cond delay="0"/>
-                                          </p:stCondLst>
-                                        </p:cTn>
-                                        <p:tgtEl>
-                                          <p:spTgt spid="5"/>
-                                        </p:tgtEl>
-                                        <p:attrNameLst>
-                                          <p:attrName>style.visibility</p:attrName>
-                                        </p:attrNameLst>
-                                      </p:cBhvr>
-                                      <p:to>
-                                        <p:strVal val="visible"/>
-                                      </p:to>
-                                    </p:set>
-                                  </p:childTnLst>
-                                </p:cTn>
-                              </p:par>
-                              <p:par>
-                                <p:cTn id="7" presetID="1" presetClass="entr" presetSubtype="0" fill="hold" nodeType="withEffect">
-                                  <p:stCondLst>
-                                    <p:cond delay="0"/>
-                                  </p:stCondLst>
-                                  <p:childTnLst>
-                                    <p:set>
-                                      <p:cBhvr>
-                                        <p:cTn id="8" dur="1" fill="hold">
-                                          <p:stCondLst>
-                                            <p:cond delay="0"/>
-                                          </p:stCondLst>
-                                        </p:cTn>
-                                        <p:tgtEl>
-                                          <p:spTgt spid="3">
-                                            <p:txEl>
-                                              <p:pRg st="0" end="0"/>
-                                            </p:txEl>
-                                          </p:spTgt>
-                                        </p:tgtEl>
-                                        <p:attrNameLst>
-                                          <p:attrName>style.visibility</p:attrName>
-                                        </p:attrNameLst>
-                                      </p:cBhvr>
-                                      <p:to>
-                                        <p:strVal val="visible"/>
-                                      </p:to>
-                                    </p:set>
-                                  </p:childTnLst>
-                                </p:cTn>
-                              </p:par>
-                            </p:childTnLst>
-                          </p:cTn>
-                        </p:par>
-                      </p:childTnLst>
-                    </p:cTn>
-                  </p:par>
-                </p:childTnLst>
-              </p:cTn>
-              <p:prevCondLst>
-                <p:cond evt="onPrev" delay="0">
-                  <p:tgtEl>
-                    <p:sldTgt/>
-                  </p:tgtEl>
-                </p:cond>
-              </p:prevCondLst>
-              <p:nextCondLst>
-                <p:cond evt="onNext" delay="0">
-                  <p:tgtEl>
-                    <p:sldTgt/>
-                  </p:tgtEl>
-                </p:cond>
-              </p:nextCondLst>
-            </p:seq>
-          </p:childTnLst>
-        </p:cTn>
-      </p:par>
-    </p:tnLst>
-    <p:bldLst>
-      <p:bldP spid="5" grpId="0" animBg="1"/>
-    </p:bldLst>
-  </p:timing>
 </p:sld>
 </file>
 
@@ -19113,9 +18055,6 @@
                     <p:cTn id="3" fill="hold">
                       <p:stCondLst>
                         <p:cond delay="indefinite"/>
-                        <p:cond evt="onBegin" delay="0">
-                          <p:tn val="2"/>
-                        </p:cond>
                       </p:stCondLst>
                       <p:childTnLst>
                         <p:par>
@@ -19125,7 +18064,7 @@
                             </p:stCondLst>
                             <p:childTnLst>
                               <p:par>
-                                <p:cTn id="5" presetID="1" presetClass="entr" presetSubtype="0" fill="hold" nodeType="withEffect">
+                                <p:cTn id="5" presetID="1" presetClass="entr" presetSubtype="0" fill="hold" grpId="0" nodeType="clickEffect">
                                   <p:stCondLst>
                                     <p:cond delay="0"/>
                                   </p:stCondLst>
@@ -19138,7 +18077,7 @@
                                           </p:stCondLst>
                                         </p:cTn>
                                         <p:tgtEl>
-                                          <p:spTgt spid="8"/>
+                                          <p:spTgt spid="5"/>
                                         </p:tgtEl>
                                         <p:attrNameLst>
                                           <p:attrName>style.visibility</p:attrName>
@@ -19170,7 +18109,7 @@
                             </p:stCondLst>
                             <p:childTnLst>
                               <p:par>
-                                <p:cTn id="9" presetID="1" presetClass="entr" presetSubtype="0" fill="hold" grpId="0" nodeType="clickEffect">
+                                <p:cTn id="9" presetID="1" presetClass="entr" presetSubtype="0" fill="hold" nodeType="clickEffect">
                                   <p:stCondLst>
                                     <p:cond delay="0"/>
                                   </p:stCondLst>
@@ -19178,33 +18117,6 @@
                                     <p:set>
                                       <p:cBhvr>
                                         <p:cTn id="10" dur="1" fill="hold">
-                                          <p:stCondLst>
-                                            <p:cond delay="0"/>
-                                          </p:stCondLst>
-                                        </p:cTn>
-                                        <p:tgtEl>
-                                          <p:spTgt spid="5"/>
-                                        </p:tgtEl>
-                                        <p:attrNameLst>
-                                          <p:attrName>style.visibility</p:attrName>
-                                        </p:attrNameLst>
-                                      </p:cBhvr>
-                                      <p:to>
-                                        <p:strVal val="visible"/>
-                                      </p:to>
-                                    </p:set>
-                                  </p:childTnLst>
-                                </p:cTn>
-                              </p:par>
-                              <p:par>
-                                <p:cTn id="11" presetID="1" presetClass="entr" presetSubtype="0" fill="hold" nodeType="withEffect">
-                                  <p:stCondLst>
-                                    <p:cond delay="0"/>
-                                  </p:stCondLst>
-                                  <p:childTnLst>
-                                    <p:set>
-                                      <p:cBhvr>
-                                        <p:cTn id="12" dur="1" fill="hold">
                                           <p:stCondLst>
                                             <p:cond delay="0"/>
                                           </p:stCondLst>
@@ -19455,9 +18367,6 @@
                     <p:cTn id="3" fill="hold">
                       <p:stCondLst>
                         <p:cond delay="indefinite"/>
-                        <p:cond evt="onBegin" delay="0">
-                          <p:tn val="2"/>
-                        </p:cond>
                       </p:stCondLst>
                       <p:childTnLst>
                         <p:par>
@@ -19467,7 +18376,7 @@
                             </p:stCondLst>
                             <p:childTnLst>
                               <p:par>
-                                <p:cTn id="5" presetID="1" presetClass="entr" presetSubtype="0" fill="hold" nodeType="withEffect">
+                                <p:cTn id="5" presetID="1" presetClass="entr" presetSubtype="0" fill="hold" nodeType="clickEffect">
                                   <p:stCondLst>
                                     <p:cond delay="0"/>
                                   </p:stCondLst>
@@ -19475,33 +18384,6 @@
                                     <p:set>
                                       <p:cBhvr>
                                         <p:cTn id="6" dur="1" fill="hold">
-                                          <p:stCondLst>
-                                            <p:cond delay="0"/>
-                                          </p:stCondLst>
-                                        </p:cTn>
-                                        <p:tgtEl>
-                                          <p:spTgt spid="8"/>
-                                        </p:tgtEl>
-                                        <p:attrNameLst>
-                                          <p:attrName>style.visibility</p:attrName>
-                                        </p:attrNameLst>
-                                      </p:cBhvr>
-                                      <p:to>
-                                        <p:strVal val="visible"/>
-                                      </p:to>
-                                    </p:set>
-                                  </p:childTnLst>
-                                </p:cTn>
-                              </p:par>
-                              <p:par>
-                                <p:cTn id="7" presetID="1" presetClass="entr" presetSubtype="0" fill="hold" nodeType="withEffect">
-                                  <p:stCondLst>
-                                    <p:cond delay="0"/>
-                                  </p:stCondLst>
-                                  <p:childTnLst>
-                                    <p:set>
-                                      <p:cBhvr>
-                                        <p:cTn id="8" dur="1" fill="hold">
                                           <p:stCondLst>
                                             <p:cond delay="0"/>
                                           </p:stCondLst>
@@ -20072,9 +18954,6 @@
                     <p:cTn id="3" fill="hold">
                       <p:stCondLst>
                         <p:cond delay="indefinite"/>
-                        <p:cond evt="onBegin" delay="0">
-                          <p:tn val="2"/>
-                        </p:cond>
                       </p:stCondLst>
                       <p:childTnLst>
                         <p:par>
@@ -20084,7 +18963,7 @@
                             </p:stCondLst>
                             <p:childTnLst>
                               <p:par>
-                                <p:cTn id="5" presetID="1" presetClass="entr" presetSubtype="0" fill="hold" nodeType="withEffect">
+                                <p:cTn id="5" presetID="1" presetClass="entr" presetSubtype="0" fill="hold" nodeType="clickEffect">
                                   <p:stCondLst>
                                     <p:cond delay="0"/>
                                   </p:stCondLst>
@@ -20099,7 +18978,7 @@
                                         <p:tgtEl>
                                           <p:spTgt spid="14">
                                             <p:txEl>
-                                              <p:pRg st="0" end="0"/>
+                                              <p:pRg st="1" end="1"/>
                                             </p:txEl>
                                           </p:spTgt>
                                         </p:tgtEl>
@@ -20148,37 +19027,6 @@
                                         <p:tgtEl>
                                           <p:spTgt spid="14">
                                             <p:txEl>
-                                              <p:pRg st="1" end="1"/>
-                                            </p:txEl>
-                                          </p:spTgt>
-                                        </p:tgtEl>
-                                        <p:attrNameLst>
-                                          <p:attrName>style.visibility</p:attrName>
-                                        </p:attrNameLst>
-                                      </p:cBhvr>
-                                      <p:to>
-                                        <p:strVal val="visible"/>
-                                      </p:to>
-                                    </p:set>
-                                  </p:childTnLst>
-                                </p:cTn>
-                              </p:par>
-                              <p:par>
-                                <p:cTn id="11" presetID="1" presetClass="entr" presetSubtype="0" fill="hold" nodeType="withEffect">
-                                  <p:stCondLst>
-                                    <p:cond delay="0"/>
-                                  </p:stCondLst>
-                                  <p:childTnLst>
-                                    <p:set>
-                                      <p:cBhvr>
-                                        <p:cTn id="12" dur="1" fill="hold">
-                                          <p:stCondLst>
-                                            <p:cond delay="0"/>
-                                          </p:stCondLst>
-                                        </p:cTn>
-                                        <p:tgtEl>
-                                          <p:spTgt spid="14">
-                                            <p:txEl>
                                               <p:pRg st="2" end="2"/>
                                             </p:txEl>
                                           </p:spTgt>
@@ -20201,26 +19049,26 @@
                     </p:cTn>
                   </p:par>
                   <p:par>
-                    <p:cTn id="13" fill="hold">
+                    <p:cTn id="11" fill="hold">
                       <p:stCondLst>
                         <p:cond delay="indefinite"/>
                       </p:stCondLst>
                       <p:childTnLst>
                         <p:par>
-                          <p:cTn id="14" fill="hold">
+                          <p:cTn id="12" fill="hold">
                             <p:stCondLst>
                               <p:cond delay="0"/>
                             </p:stCondLst>
                             <p:childTnLst>
                               <p:par>
-                                <p:cTn id="15" presetID="1" presetClass="entr" presetSubtype="0" fill="hold" nodeType="clickEffect">
+                                <p:cTn id="13" presetID="1" presetClass="entr" presetSubtype="0" fill="hold" nodeType="clickEffect">
                                   <p:stCondLst>
                                     <p:cond delay="0"/>
                                   </p:stCondLst>
                                   <p:childTnLst>
                                     <p:set>
                                       <p:cBhvr>
-                                        <p:cTn id="16" dur="1" fill="hold">
+                                        <p:cTn id="14" dur="1" fill="hold">
                                           <p:stCondLst>
                                             <p:cond delay="0"/>
                                           </p:stCondLst>
@@ -20250,26 +19098,26 @@
                     </p:cTn>
                   </p:par>
                   <p:par>
-                    <p:cTn id="17" fill="hold">
+                    <p:cTn id="15" fill="hold">
                       <p:stCondLst>
                         <p:cond delay="indefinite"/>
                       </p:stCondLst>
                       <p:childTnLst>
                         <p:par>
-                          <p:cTn id="18" fill="hold">
+                          <p:cTn id="16" fill="hold">
                             <p:stCondLst>
                               <p:cond delay="0"/>
                             </p:stCondLst>
                             <p:childTnLst>
                               <p:par>
-                                <p:cTn id="19" presetID="1" presetClass="entr" presetSubtype="0" fill="hold" nodeType="clickEffect">
+                                <p:cTn id="17" presetID="1" presetClass="entr" presetSubtype="0" fill="hold" nodeType="clickEffect">
                                   <p:stCondLst>
                                     <p:cond delay="0"/>
                                   </p:stCondLst>
                                   <p:childTnLst>
                                     <p:set>
                                       <p:cBhvr>
-                                        <p:cTn id="20" dur="1" fill="hold">
+                                        <p:cTn id="18" dur="1" fill="hold">
                                           <p:stCondLst>
                                             <p:cond delay="0"/>
                                           </p:stCondLst>
@@ -20657,7 +19505,7 @@
 </file>
 
 <file path=ppt/slides/slide30.xml><?xml version="1.0" encoding="utf-8"?>
-<p:sld xmlns:a="http://schemas.openxmlformats.org/drawingml/2006/main" xmlns:r="http://schemas.openxmlformats.org/officeDocument/2006/relationships" xmlns:p="http://schemas.openxmlformats.org/presentationml/2006/main">
+<p:sld xmlns:a="http://schemas.openxmlformats.org/drawingml/2006/main" xmlns:r="http://schemas.openxmlformats.org/officeDocument/2006/relationships" xmlns:p="http://schemas.openxmlformats.org/presentationml/2006/main" show="0">
   <p:cSld>
     <p:spTree>
       <p:nvGrpSpPr>
@@ -21028,11 +19876,11 @@
   <p:clrMapOvr>
     <a:masterClrMapping/>
   </p:clrMapOvr>
-  <mc:AlternateContent xmlns:mc="http://schemas.openxmlformats.org/markup-compatibility/2006" xmlns:p14="http://schemas.microsoft.com/office/powerpoint/2010/main">
-    <mc:Choice Requires="p14">
+  <mc:AlternateContent xmlns:mc="http://schemas.openxmlformats.org/markup-compatibility/2006">
+    <mc:Choice xmlns:p14="http://schemas.microsoft.com/office/powerpoint/2010/main" Requires="p14">
       <p:transition spd="slow" p14:dur="2000" advClick="0" advTm="5000"/>
     </mc:Choice>
-    <mc:Fallback xmlns="">
+    <mc:Fallback>
       <p:transition spd="slow" advClick="0" advTm="5000"/>
     </mc:Fallback>
   </mc:AlternateContent>
@@ -21343,9 +20191,6 @@
                     <p:cTn id="3" fill="hold">
                       <p:stCondLst>
                         <p:cond delay="indefinite"/>
-                        <p:cond evt="onBegin" delay="0">
-                          <p:tn val="2"/>
-                        </p:cond>
                       </p:stCondLst>
                       <p:childTnLst>
                         <p:par>
@@ -21355,7 +20200,7 @@
                             </p:stCondLst>
                             <p:childTnLst>
                               <p:par>
-                                <p:cTn id="5" presetID="1" presetClass="entr" presetSubtype="0" fill="hold" nodeType="withEffect">
+                                <p:cTn id="5" presetID="1" presetClass="entr" presetSubtype="0" fill="hold" nodeType="clickEffect">
                                   <p:stCondLst>
                                     <p:cond delay="0"/>
                                   </p:stCondLst>
@@ -21363,82 +20208,6 @@
                                     <p:set>
                                       <p:cBhvr>
                                         <p:cTn id="6" dur="1" fill="hold">
-                                          <p:stCondLst>
-                                            <p:cond delay="0"/>
-                                          </p:stCondLst>
-                                        </p:cTn>
-                                        <p:tgtEl>
-                                          <p:spTgt spid="5"/>
-                                        </p:tgtEl>
-                                        <p:attrNameLst>
-                                          <p:attrName>style.visibility</p:attrName>
-                                        </p:attrNameLst>
-                                      </p:cBhvr>
-                                      <p:to>
-                                        <p:strVal val="visible"/>
-                                      </p:to>
-                                    </p:set>
-                                  </p:childTnLst>
-                                </p:cTn>
-                              </p:par>
-                              <p:par>
-                                <p:cTn id="7" presetID="1" presetClass="entr" presetSubtype="0" fill="hold" nodeType="withEffect">
-                                  <p:stCondLst>
-                                    <p:cond delay="0"/>
-                                  </p:stCondLst>
-                                  <p:childTnLst>
-                                    <p:set>
-                                      <p:cBhvr>
-                                        <p:cTn id="8" dur="1" fill="hold">
-                                          <p:stCondLst>
-                                            <p:cond delay="0"/>
-                                          </p:stCondLst>
-                                        </p:cTn>
-                                        <p:tgtEl>
-                                          <p:spTgt spid="3">
-                                            <p:txEl>
-                                              <p:pRg st="0" end="0"/>
-                                            </p:txEl>
-                                          </p:spTgt>
-                                        </p:tgtEl>
-                                        <p:attrNameLst>
-                                          <p:attrName>style.visibility</p:attrName>
-                                        </p:attrNameLst>
-                                      </p:cBhvr>
-                                      <p:to>
-                                        <p:strVal val="visible"/>
-                                      </p:to>
-                                    </p:set>
-                                  </p:childTnLst>
-                                </p:cTn>
-                              </p:par>
-                            </p:childTnLst>
-                          </p:cTn>
-                        </p:par>
-                      </p:childTnLst>
-                    </p:cTn>
-                  </p:par>
-                  <p:par>
-                    <p:cTn id="9" fill="hold">
-                      <p:stCondLst>
-                        <p:cond delay="indefinite"/>
-                      </p:stCondLst>
-                      <p:childTnLst>
-                        <p:par>
-                          <p:cTn id="10" fill="hold">
-                            <p:stCondLst>
-                              <p:cond delay="0"/>
-                            </p:stCondLst>
-                            <p:childTnLst>
-                              <p:par>
-                                <p:cTn id="11" presetID="1" presetClass="entr" presetSubtype="0" fill="hold" nodeType="clickEffect">
-                                  <p:stCondLst>
-                                    <p:cond delay="0"/>
-                                  </p:stCondLst>
-                                  <p:childTnLst>
-                                    <p:set>
-                                      <p:cBhvr>
-                                        <p:cTn id="12" dur="1" fill="hold">
                                           <p:stCondLst>
                                             <p:cond delay="0"/>
                                           </p:stCondLst>
@@ -21468,26 +20237,26 @@
                     </p:cTn>
                   </p:par>
                   <p:par>
-                    <p:cTn id="13" fill="hold">
+                    <p:cTn id="7" fill="hold">
                       <p:stCondLst>
                         <p:cond delay="indefinite"/>
                       </p:stCondLst>
                       <p:childTnLst>
                         <p:par>
-                          <p:cTn id="14" fill="hold">
+                          <p:cTn id="8" fill="hold">
                             <p:stCondLst>
                               <p:cond delay="0"/>
                             </p:stCondLst>
                             <p:childTnLst>
                               <p:par>
-                                <p:cTn id="15" presetID="1" presetClass="entr" presetSubtype="0" fill="hold" nodeType="clickEffect">
+                                <p:cTn id="9" presetID="1" presetClass="entr" presetSubtype="0" fill="hold" nodeType="clickEffect">
                                   <p:stCondLst>
                                     <p:cond delay="0"/>
                                   </p:stCondLst>
                                   <p:childTnLst>
                                     <p:set>
                                       <p:cBhvr>
-                                        <p:cTn id="16" dur="1" fill="hold">
+                                        <p:cTn id="10" dur="1" fill="hold">
                                           <p:stCondLst>
                                             <p:cond delay="0"/>
                                           </p:stCondLst>
@@ -21747,115 +20516,6 @@
       <p:transition spd="slow" advClick="0" advTm="5000"/>
     </mc:Fallback>
   </mc:AlternateContent>
-  <p:timing>
-    <p:tnLst>
-      <p:par>
-        <p:cTn id="1" dur="indefinite" restart="never" nodeType="tmRoot">
-          <p:childTnLst>
-            <p:seq concurrent="1" nextAc="seek">
-              <p:cTn id="2" dur="indefinite" nodeType="mainSeq">
-                <p:childTnLst>
-                  <p:par>
-                    <p:cTn id="3" fill="hold">
-                      <p:stCondLst>
-                        <p:cond delay="indefinite"/>
-                        <p:cond evt="onBegin" delay="0">
-                          <p:tn val="2"/>
-                        </p:cond>
-                      </p:stCondLst>
-                      <p:childTnLst>
-                        <p:par>
-                          <p:cTn id="4" fill="hold">
-                            <p:stCondLst>
-                              <p:cond delay="0"/>
-                            </p:stCondLst>
-                            <p:childTnLst>
-                              <p:par>
-                                <p:cTn id="5" presetID="1" presetClass="entr" presetSubtype="0" fill="hold" nodeType="withEffect">
-                                  <p:stCondLst>
-                                    <p:cond delay="0"/>
-                                  </p:stCondLst>
-                                  <p:childTnLst>
-                                    <p:set>
-                                      <p:cBhvr>
-                                        <p:cTn id="6" dur="1" fill="hold">
-                                          <p:stCondLst>
-                                            <p:cond delay="0"/>
-                                          </p:stCondLst>
-                                        </p:cTn>
-                                        <p:tgtEl>
-                                          <p:spTgt spid="3">
-                                            <p:txEl>
-                                              <p:pRg st="0" end="0"/>
-                                            </p:txEl>
-                                          </p:spTgt>
-                                        </p:tgtEl>
-                                        <p:attrNameLst>
-                                          <p:attrName>style.visibility</p:attrName>
-                                        </p:attrNameLst>
-                                      </p:cBhvr>
-                                      <p:to>
-                                        <p:strVal val="visible"/>
-                                      </p:to>
-                                    </p:set>
-                                  </p:childTnLst>
-                                </p:cTn>
-                              </p:par>
-                              <p:par>
-                                <p:cTn id="7" presetID="1" presetClass="entr" presetSubtype="0" fill="hold" nodeType="withEffect">
-                                  <p:stCondLst>
-                                    <p:cond delay="0"/>
-                                  </p:stCondLst>
-                                  <p:childTnLst>
-                                    <p:set>
-                                      <p:cBhvr>
-                                        <p:cTn id="8" dur="1" fill="hold">
-                                          <p:stCondLst>
-                                            <p:cond delay="0"/>
-                                          </p:stCondLst>
-                                        </p:cTn>
-                                        <p:tgtEl>
-                                          <p:spTgt spid="7"/>
-                                        </p:tgtEl>
-                                        <p:attrNameLst>
-                                          <p:attrName>style.visibility</p:attrName>
-                                        </p:attrNameLst>
-                                      </p:cBhvr>
-                                      <p:to>
-                                        <p:strVal val="visible"/>
-                                      </p:to>
-                                    </p:set>
-                                  </p:childTnLst>
-                                </p:cTn>
-                              </p:par>
-                            </p:childTnLst>
-                          </p:cTn>
-                        </p:par>
-                      </p:childTnLst>
-                    </p:cTn>
-                  </p:par>
-                </p:childTnLst>
-              </p:cTn>
-              <p:prevCondLst>
-                <p:cond evt="onPrev" delay="0">
-                  <p:tgtEl>
-                    <p:sldTgt/>
-                  </p:tgtEl>
-                </p:cond>
-              </p:prevCondLst>
-              <p:nextCondLst>
-                <p:cond evt="onNext" delay="0">
-                  <p:tgtEl>
-                    <p:sldTgt/>
-                  </p:tgtEl>
-                </p:cond>
-              </p:nextCondLst>
-            </p:seq>
-          </p:childTnLst>
-        </p:cTn>
-      </p:par>
-    </p:tnLst>
-  </p:timing>
 </p:sld>
 </file>
 
@@ -22652,9 +21312,6 @@
                     <p:cTn id="3" fill="hold">
                       <p:stCondLst>
                         <p:cond delay="indefinite"/>
-                        <p:cond evt="onBegin" delay="0">
-                          <p:tn val="2"/>
-                        </p:cond>
                       </p:stCondLst>
                       <p:childTnLst>
                         <p:par>
@@ -22664,7 +21321,7 @@
                             </p:stCondLst>
                             <p:childTnLst>
                               <p:par>
-                                <p:cTn id="5" presetID="1" presetClass="entr" presetSubtype="0" fill="hold" nodeType="withEffect">
+                                <p:cTn id="5" presetID="1" presetClass="entr" presetSubtype="0" fill="hold" nodeType="clickEffect">
                                   <p:stCondLst>
                                     <p:cond delay="0"/>
                                   </p:stCondLst>
@@ -22672,244 +21329,6 @@
                                     <p:set>
                                       <p:cBhvr>
                                         <p:cTn id="6" dur="1" fill="hold">
-                                          <p:stCondLst>
-                                            <p:cond delay="0"/>
-                                          </p:stCondLst>
-                                        </p:cTn>
-                                        <p:tgtEl>
-                                          <p:spTgt spid="3">
-                                            <p:txEl>
-                                              <p:pRg st="0" end="0"/>
-                                            </p:txEl>
-                                          </p:spTgt>
-                                        </p:tgtEl>
-                                        <p:attrNameLst>
-                                          <p:attrName>style.visibility</p:attrName>
-                                        </p:attrNameLst>
-                                      </p:cBhvr>
-                                      <p:to>
-                                        <p:strVal val="visible"/>
-                                      </p:to>
-                                    </p:set>
-                                  </p:childTnLst>
-                                </p:cTn>
-                              </p:par>
-                              <p:par>
-                                <p:cTn id="7" presetID="1" presetClass="entr" presetSubtype="0" fill="hold" grpId="0" nodeType="withEffect">
-                                  <p:stCondLst>
-                                    <p:cond delay="0"/>
-                                  </p:stCondLst>
-                                  <p:childTnLst>
-                                    <p:set>
-                                      <p:cBhvr>
-                                        <p:cTn id="8" dur="1" fill="hold">
-                                          <p:stCondLst>
-                                            <p:cond delay="0"/>
-                                          </p:stCondLst>
-                                        </p:cTn>
-                                        <p:tgtEl>
-                                          <p:spTgt spid="6"/>
-                                        </p:tgtEl>
-                                        <p:attrNameLst>
-                                          <p:attrName>style.visibility</p:attrName>
-                                        </p:attrNameLst>
-                                      </p:cBhvr>
-                                      <p:to>
-                                        <p:strVal val="visible"/>
-                                      </p:to>
-                                    </p:set>
-                                  </p:childTnLst>
-                                </p:cTn>
-                              </p:par>
-                              <p:par>
-                                <p:cTn id="9" presetID="1" presetClass="entr" presetSubtype="0" fill="hold" nodeType="withEffect">
-                                  <p:stCondLst>
-                                    <p:cond delay="0"/>
-                                  </p:stCondLst>
-                                  <p:childTnLst>
-                                    <p:set>
-                                      <p:cBhvr>
-                                        <p:cTn id="10" dur="1" fill="hold">
-                                          <p:stCondLst>
-                                            <p:cond delay="0"/>
-                                          </p:stCondLst>
-                                        </p:cTn>
-                                        <p:tgtEl>
-                                          <p:spTgt spid="19"/>
-                                        </p:tgtEl>
-                                        <p:attrNameLst>
-                                          <p:attrName>style.visibility</p:attrName>
-                                        </p:attrNameLst>
-                                      </p:cBhvr>
-                                      <p:to>
-                                        <p:strVal val="visible"/>
-                                      </p:to>
-                                    </p:set>
-                                  </p:childTnLst>
-                                </p:cTn>
-                              </p:par>
-                              <p:par>
-                                <p:cTn id="11" presetID="1" presetClass="entr" presetSubtype="0" fill="hold" nodeType="withEffect">
-                                  <p:stCondLst>
-                                    <p:cond delay="0"/>
-                                  </p:stCondLst>
-                                  <p:childTnLst>
-                                    <p:set>
-                                      <p:cBhvr>
-                                        <p:cTn id="12" dur="1" fill="hold">
-                                          <p:stCondLst>
-                                            <p:cond delay="0"/>
-                                          </p:stCondLst>
-                                        </p:cTn>
-                                        <p:tgtEl>
-                                          <p:spTgt spid="21"/>
-                                        </p:tgtEl>
-                                        <p:attrNameLst>
-                                          <p:attrName>style.visibility</p:attrName>
-                                        </p:attrNameLst>
-                                      </p:cBhvr>
-                                      <p:to>
-                                        <p:strVal val="visible"/>
-                                      </p:to>
-                                    </p:set>
-                                  </p:childTnLst>
-                                </p:cTn>
-                              </p:par>
-                              <p:par>
-                                <p:cTn id="13" presetID="1" presetClass="entr" presetSubtype="0" fill="hold" nodeType="withEffect">
-                                  <p:stCondLst>
-                                    <p:cond delay="0"/>
-                                  </p:stCondLst>
-                                  <p:childTnLst>
-                                    <p:set>
-                                      <p:cBhvr>
-                                        <p:cTn id="14" dur="1" fill="hold">
-                                          <p:stCondLst>
-                                            <p:cond delay="0"/>
-                                          </p:stCondLst>
-                                        </p:cTn>
-                                        <p:tgtEl>
-                                          <p:spTgt spid="23"/>
-                                        </p:tgtEl>
-                                        <p:attrNameLst>
-                                          <p:attrName>style.visibility</p:attrName>
-                                        </p:attrNameLst>
-                                      </p:cBhvr>
-                                      <p:to>
-                                        <p:strVal val="visible"/>
-                                      </p:to>
-                                    </p:set>
-                                  </p:childTnLst>
-                                </p:cTn>
-                              </p:par>
-                              <p:par>
-                                <p:cTn id="15" presetID="1" presetClass="entr" presetSubtype="0" fill="hold" grpId="0" nodeType="withEffect">
-                                  <p:stCondLst>
-                                    <p:cond delay="0"/>
-                                  </p:stCondLst>
-                                  <p:childTnLst>
-                                    <p:set>
-                                      <p:cBhvr>
-                                        <p:cTn id="16" dur="1" fill="hold">
-                                          <p:stCondLst>
-                                            <p:cond delay="0"/>
-                                          </p:stCondLst>
-                                        </p:cTn>
-                                        <p:tgtEl>
-                                          <p:spTgt spid="12"/>
-                                        </p:tgtEl>
-                                        <p:attrNameLst>
-                                          <p:attrName>style.visibility</p:attrName>
-                                        </p:attrNameLst>
-                                      </p:cBhvr>
-                                      <p:to>
-                                        <p:strVal val="visible"/>
-                                      </p:to>
-                                    </p:set>
-                                  </p:childTnLst>
-                                </p:cTn>
-                              </p:par>
-                              <p:par>
-                                <p:cTn id="17" presetID="1" presetClass="entr" presetSubtype="0" fill="hold" grpId="0" nodeType="withEffect">
-                                  <p:stCondLst>
-                                    <p:cond delay="0"/>
-                                  </p:stCondLst>
-                                  <p:childTnLst>
-                                    <p:set>
-                                      <p:cBhvr>
-                                        <p:cTn id="18" dur="1" fill="hold">
-                                          <p:stCondLst>
-                                            <p:cond delay="0"/>
-                                          </p:stCondLst>
-                                        </p:cTn>
-                                        <p:tgtEl>
-                                          <p:spTgt spid="7"/>
-                                        </p:tgtEl>
-                                        <p:attrNameLst>
-                                          <p:attrName>style.visibility</p:attrName>
-                                        </p:attrNameLst>
-                                      </p:cBhvr>
-                                      <p:to>
-                                        <p:strVal val="visible"/>
-                                      </p:to>
-                                    </p:set>
-                                  </p:childTnLst>
-                                </p:cTn>
-                              </p:par>
-                              <p:par>
-                                <p:cTn id="19" presetID="1" presetClass="entr" presetSubtype="0" fill="hold" grpId="0" nodeType="withEffect">
-                                  <p:stCondLst>
-                                    <p:cond delay="0"/>
-                                  </p:stCondLst>
-                                  <p:childTnLst>
-                                    <p:set>
-                                      <p:cBhvr>
-                                        <p:cTn id="20" dur="1" fill="hold">
-                                          <p:stCondLst>
-                                            <p:cond delay="0"/>
-                                          </p:stCondLst>
-                                        </p:cTn>
-                                        <p:tgtEl>
-                                          <p:spTgt spid="11"/>
-                                        </p:tgtEl>
-                                        <p:attrNameLst>
-                                          <p:attrName>style.visibility</p:attrName>
-                                        </p:attrNameLst>
-                                      </p:cBhvr>
-                                      <p:to>
-                                        <p:strVal val="visible"/>
-                                      </p:to>
-                                    </p:set>
-                                  </p:childTnLst>
-                                </p:cTn>
-                              </p:par>
-                            </p:childTnLst>
-                          </p:cTn>
-                        </p:par>
-                      </p:childTnLst>
-                    </p:cTn>
-                  </p:par>
-                  <p:par>
-                    <p:cTn id="21" fill="hold">
-                      <p:stCondLst>
-                        <p:cond delay="indefinite"/>
-                      </p:stCondLst>
-                      <p:childTnLst>
-                        <p:par>
-                          <p:cTn id="22" fill="hold">
-                            <p:stCondLst>
-                              <p:cond delay="0"/>
-                            </p:stCondLst>
-                            <p:childTnLst>
-                              <p:par>
-                                <p:cTn id="23" presetID="1" presetClass="entr" presetSubtype="0" fill="hold" nodeType="clickEffect">
-                                  <p:stCondLst>
-                                    <p:cond delay="0"/>
-                                  </p:stCondLst>
-                                  <p:childTnLst>
-                                    <p:set>
-                                      <p:cBhvr>
-                                        <p:cTn id="24" dur="1" fill="hold">
                                           <p:stCondLst>
                                             <p:cond delay="0"/>
                                           </p:stCondLst>
@@ -22932,15 +21351,33 @@
                                   </p:childTnLst>
                                 </p:cTn>
                               </p:par>
+                            </p:childTnLst>
+                          </p:cTn>
+                        </p:par>
+                      </p:childTnLst>
+                    </p:cTn>
+                  </p:par>
+                  <p:par>
+                    <p:cTn id="7" fill="hold">
+                      <p:stCondLst>
+                        <p:cond delay="indefinite"/>
+                      </p:stCondLst>
+                      <p:childTnLst>
+                        <p:par>
+                          <p:cTn id="8" fill="hold">
+                            <p:stCondLst>
+                              <p:cond delay="0"/>
+                            </p:stCondLst>
+                            <p:childTnLst>
                               <p:par>
-                                <p:cTn id="25" presetID="1" presetClass="entr" presetSubtype="0" fill="hold" nodeType="withEffect">
+                                <p:cTn id="9" presetID="1" presetClass="entr" presetSubtype="0" fill="hold" nodeType="clickEffect">
                                   <p:stCondLst>
                                     <p:cond delay="0"/>
                                   </p:stCondLst>
                                   <p:childTnLst>
                                     <p:set>
                                       <p:cBhvr>
-                                        <p:cTn id="26" dur="1" fill="hold">
+                                        <p:cTn id="10" dur="1" fill="hold">
                                           <p:stCondLst>
                                             <p:cond delay="0"/>
                                           </p:stCondLst>
@@ -22990,12 +21427,6 @@
         </p:cTn>
       </p:par>
     </p:tnLst>
-    <p:bldLst>
-      <p:bldP spid="6" grpId="0" animBg="1"/>
-      <p:bldP spid="7" grpId="0" animBg="1"/>
-      <p:bldP spid="11" grpId="0" animBg="1"/>
-      <p:bldP spid="12" grpId="0" animBg="1"/>
-    </p:bldLst>
   </p:timing>
 </p:sld>
 </file>
@@ -23062,7 +21493,23 @@
             </a:r>
             <a:r>
               <a:rPr lang="en-US" dirty="0"/>
-              <a:t>(Id, Name)</a:t>
+              <a:t>(</a:t>
+            </a:r>
+            <a:r>
+              <a:rPr lang="en-US" b="1" dirty="0"/>
+              <a:t>Id,</a:t>
+            </a:r>
+            <a:r>
+              <a:rPr lang="en-US" dirty="0"/>
+              <a:t> </a:t>
+            </a:r>
+            <a:r>
+              <a:rPr lang="en-US" b="1" dirty="0"/>
+              <a:t>Name</a:t>
+            </a:r>
+            <a:r>
+              <a:rPr lang="en-US" dirty="0"/>
+              <a:t>)</a:t>
             </a:r>
           </a:p>
           <a:p>
@@ -23077,7 +21524,39 @@
             </a:r>
             <a:r>
               <a:rPr lang="en-US" dirty="0"/>
-              <a:t>(Id, FirstName, LastName, DepartmentId)</a:t>
+              <a:t>(</a:t>
+            </a:r>
+            <a:r>
+              <a:rPr lang="en-US" b="1" dirty="0"/>
+              <a:t>Id</a:t>
+            </a:r>
+            <a:r>
+              <a:rPr lang="en-US" dirty="0"/>
+              <a:t>, </a:t>
+            </a:r>
+            <a:r>
+              <a:rPr lang="en-US" b="1" dirty="0"/>
+              <a:t>FirstName</a:t>
+            </a:r>
+            <a:r>
+              <a:rPr lang="en-US" dirty="0"/>
+              <a:t>, </a:t>
+            </a:r>
+            <a:r>
+              <a:rPr lang="en-US" b="1" dirty="0"/>
+              <a:t>LastName</a:t>
+            </a:r>
+            <a:r>
+              <a:rPr lang="en-US" dirty="0"/>
+              <a:t>, </a:t>
+            </a:r>
+            <a:r>
+              <a:rPr lang="en-US" b="1" dirty="0"/>
+              <a:t>DepartmentId</a:t>
+            </a:r>
+            <a:r>
+              <a:rPr lang="en-US" dirty="0"/>
+              <a:t>)</a:t>
             </a:r>
           </a:p>
           <a:p>
@@ -23241,9 +21720,6 @@
                     <p:cTn id="3" fill="hold">
                       <p:stCondLst>
                         <p:cond delay="indefinite"/>
-                        <p:cond evt="onBegin" delay="0">
-                          <p:tn val="2"/>
-                        </p:cond>
                       </p:stCondLst>
                       <p:childTnLst>
                         <p:par>
@@ -23253,7 +21729,7 @@
                             </p:stCondLst>
                             <p:childTnLst>
                               <p:par>
-                                <p:cTn id="5" presetID="1" presetClass="entr" presetSubtype="0" fill="hold" nodeType="withEffect">
+                                <p:cTn id="5" presetID="1" presetClass="entr" presetSubtype="0" fill="hold" nodeType="clickEffect">
                                   <p:stCondLst>
                                     <p:cond delay="0"/>
                                   </p:stCondLst>
@@ -23261,37 +21737,6 @@
                                     <p:set>
                                       <p:cBhvr>
                                         <p:cTn id="6" dur="1" fill="hold">
-                                          <p:stCondLst>
-                                            <p:cond delay="0"/>
-                                          </p:stCondLst>
-                                        </p:cTn>
-                                        <p:tgtEl>
-                                          <p:spTgt spid="3">
-                                            <p:txEl>
-                                              <p:pRg st="0" end="0"/>
-                                            </p:txEl>
-                                          </p:spTgt>
-                                        </p:tgtEl>
-                                        <p:attrNameLst>
-                                          <p:attrName>style.visibility</p:attrName>
-                                        </p:attrNameLst>
-                                      </p:cBhvr>
-                                      <p:to>
-                                        <p:strVal val="visible"/>
-                                      </p:to>
-                                    </p:set>
-                                  </p:childTnLst>
-                                </p:cTn>
-                              </p:par>
-                              <p:par>
-                                <p:cTn id="7" presetID="1" presetClass="entr" presetSubtype="0" fill="hold" nodeType="withEffect">
-                                  <p:stCondLst>
-                                    <p:cond delay="0"/>
-                                  </p:stCondLst>
-                                  <p:childTnLst>
-                                    <p:set>
-                                      <p:cBhvr>
-                                        <p:cTn id="8" dur="1" fill="hold">
                                           <p:stCondLst>
                                             <p:cond delay="0"/>
                                           </p:stCondLst>
@@ -23314,8 +21759,26 @@
                                   </p:childTnLst>
                                 </p:cTn>
                               </p:par>
+                            </p:childTnLst>
+                          </p:cTn>
+                        </p:par>
+                      </p:childTnLst>
+                    </p:cTn>
+                  </p:par>
+                  <p:par>
+                    <p:cTn id="7" fill="hold">
+                      <p:stCondLst>
+                        <p:cond delay="indefinite"/>
+                      </p:stCondLst>
+                      <p:childTnLst>
+                        <p:par>
+                          <p:cTn id="8" fill="hold">
+                            <p:stCondLst>
+                              <p:cond delay="0"/>
+                            </p:stCondLst>
+                            <p:childTnLst>
                               <p:par>
-                                <p:cTn id="9" presetID="1" presetClass="entr" presetSubtype="0" fill="hold" nodeType="withEffect">
+                                <p:cTn id="9" presetID="1" presetClass="entr" presetSubtype="0" fill="hold" nodeType="clickEffect">
                                   <p:stCondLst>
                                     <p:cond delay="0"/>
                                   </p:stCondLst>
@@ -23345,33 +21808,6 @@
                                   </p:childTnLst>
                                 </p:cTn>
                               </p:par>
-                              <p:par>
-                                <p:cTn id="11" presetID="1" presetClass="entr" presetSubtype="0" fill="hold" nodeType="withEffect">
-                                  <p:stCondLst>
-                                    <p:cond delay="0"/>
-                                  </p:stCondLst>
-                                  <p:childTnLst>
-                                    <p:set>
-                                      <p:cBhvr>
-                                        <p:cTn id="12" dur="1" fill="hold">
-                                          <p:stCondLst>
-                                            <p:cond delay="0"/>
-                                          </p:stCondLst>
-                                        </p:cTn>
-                                        <p:tgtEl>
-                                          <p:spTgt spid="6"/>
-                                        </p:tgtEl>
-                                        <p:attrNameLst>
-                                          <p:attrName>style.visibility</p:attrName>
-                                        </p:attrNameLst>
-                                      </p:cBhvr>
-                                      <p:to>
-                                        <p:strVal val="visible"/>
-                                      </p:to>
-                                    </p:set>
-                                  </p:childTnLst>
-                                </p:cTn>
-                              </p:par>
                             </p:childTnLst>
                           </p:cTn>
                         </p:par>
@@ -23379,26 +21815,26 @@
                     </p:cTn>
                   </p:par>
                   <p:par>
-                    <p:cTn id="13" fill="hold">
+                    <p:cTn id="11" fill="hold">
                       <p:stCondLst>
                         <p:cond delay="indefinite"/>
                       </p:stCondLst>
                       <p:childTnLst>
                         <p:par>
-                          <p:cTn id="14" fill="hold">
+                          <p:cTn id="12" fill="hold">
                             <p:stCondLst>
                               <p:cond delay="0"/>
                             </p:stCondLst>
                             <p:childTnLst>
                               <p:par>
-                                <p:cTn id="15" presetID="1" presetClass="entr" presetSubtype="0" fill="hold" nodeType="clickEffect">
+                                <p:cTn id="13" presetID="1" presetClass="entr" presetSubtype="0" fill="hold" nodeType="clickEffect">
                                   <p:stCondLst>
                                     <p:cond delay="0"/>
                                   </p:stCondLst>
                                   <p:childTnLst>
                                     <p:set>
                                       <p:cBhvr>
-                                        <p:cTn id="16" dur="1" fill="hold">
+                                        <p:cTn id="14" dur="1" fill="hold">
                                           <p:stCondLst>
                                             <p:cond delay="0"/>
                                           </p:stCondLst>
@@ -23864,169 +22300,6 @@
       <p:transition spd="slow" advClick="0" advTm="5000"/>
     </mc:Fallback>
   </mc:AlternateContent>
-  <p:timing>
-    <p:tnLst>
-      <p:par>
-        <p:cTn id="1" dur="indefinite" restart="never" nodeType="tmRoot">
-          <p:childTnLst>
-            <p:seq concurrent="1" nextAc="seek">
-              <p:cTn id="2" dur="indefinite" nodeType="mainSeq">
-                <p:childTnLst>
-                  <p:par>
-                    <p:cTn id="3" fill="hold">
-                      <p:stCondLst>
-                        <p:cond delay="indefinite"/>
-                        <p:cond evt="onBegin" delay="0">
-                          <p:tn val="2"/>
-                        </p:cond>
-                      </p:stCondLst>
-                      <p:childTnLst>
-                        <p:par>
-                          <p:cTn id="4" fill="hold">
-                            <p:stCondLst>
-                              <p:cond delay="0"/>
-                            </p:stCondLst>
-                            <p:childTnLst>
-                              <p:par>
-                                <p:cTn id="5" presetID="1" presetClass="entr" presetSubtype="0" fill="hold" nodeType="withEffect">
-                                  <p:stCondLst>
-                                    <p:cond delay="0"/>
-                                  </p:stCondLst>
-                                  <p:childTnLst>
-                                    <p:set>
-                                      <p:cBhvr>
-                                        <p:cTn id="6" dur="1" fill="hold">
-                                          <p:stCondLst>
-                                            <p:cond delay="0"/>
-                                          </p:stCondLst>
-                                        </p:cTn>
-                                        <p:tgtEl>
-                                          <p:spTgt spid="7">
-                                            <p:txEl>
-                                              <p:pRg st="0" end="0"/>
-                                            </p:txEl>
-                                          </p:spTgt>
-                                        </p:tgtEl>
-                                        <p:attrNameLst>
-                                          <p:attrName>style.visibility</p:attrName>
-                                        </p:attrNameLst>
-                                      </p:cBhvr>
-                                      <p:to>
-                                        <p:strVal val="visible"/>
-                                      </p:to>
-                                    </p:set>
-                                  </p:childTnLst>
-                                </p:cTn>
-                              </p:par>
-                              <p:par>
-                                <p:cTn id="7" presetID="1" presetClass="entr" presetSubtype="0" fill="hold" grpId="0" nodeType="withEffect">
-                                  <p:stCondLst>
-                                    <p:cond delay="0"/>
-                                  </p:stCondLst>
-                                  <p:childTnLst>
-                                    <p:set>
-                                      <p:cBhvr>
-                                        <p:cTn id="8" dur="1" fill="hold">
-                                          <p:stCondLst>
-                                            <p:cond delay="0"/>
-                                          </p:stCondLst>
-                                        </p:cTn>
-                                        <p:tgtEl>
-                                          <p:spTgt spid="8">
-                                            <p:bg/>
-                                          </p:spTgt>
-                                        </p:tgtEl>
-                                        <p:attrNameLst>
-                                          <p:attrName>style.visibility</p:attrName>
-                                        </p:attrNameLst>
-                                      </p:cBhvr>
-                                      <p:to>
-                                        <p:strVal val="visible"/>
-                                      </p:to>
-                                    </p:set>
-                                  </p:childTnLst>
-                                </p:cTn>
-                              </p:par>
-                            </p:childTnLst>
-                          </p:cTn>
-                        </p:par>
-                      </p:childTnLst>
-                    </p:cTn>
-                  </p:par>
-                  <p:par>
-                    <p:cTn id="9" fill="hold">
-                      <p:stCondLst>
-                        <p:cond delay="indefinite"/>
-                      </p:stCondLst>
-                      <p:childTnLst>
-                        <p:par>
-                          <p:cTn id="10" fill="hold">
-                            <p:stCondLst>
-                              <p:cond delay="0"/>
-                            </p:stCondLst>
-                            <p:childTnLst>
-                              <p:par>
-                                <p:cTn id="11" presetID="1" presetClass="entr" presetSubtype="0" fill="hold" nodeType="clickEffect">
-                                  <p:stCondLst>
-                                    <p:cond delay="0"/>
-                                  </p:stCondLst>
-                                  <p:childTnLst>
-                                    <p:set>
-                                      <p:cBhvr>
-                                        <p:cTn id="12" dur="1" fill="hold">
-                                          <p:stCondLst>
-                                            <p:cond delay="0"/>
-                                          </p:stCondLst>
-                                        </p:cTn>
-                                        <p:tgtEl>
-                                          <p:spTgt spid="8">
-                                            <p:txEl>
-                                              <p:pRg st="5" end="5"/>
-                                            </p:txEl>
-                                          </p:spTgt>
-                                        </p:tgtEl>
-                                        <p:attrNameLst>
-                                          <p:attrName>style.visibility</p:attrName>
-                                        </p:attrNameLst>
-                                      </p:cBhvr>
-                                      <p:to>
-                                        <p:strVal val="visible"/>
-                                      </p:to>
-                                    </p:set>
-                                  </p:childTnLst>
-                                </p:cTn>
-                              </p:par>
-                            </p:childTnLst>
-                          </p:cTn>
-                        </p:par>
-                      </p:childTnLst>
-                    </p:cTn>
-                  </p:par>
-                </p:childTnLst>
-              </p:cTn>
-              <p:prevCondLst>
-                <p:cond evt="onPrev" delay="0">
-                  <p:tgtEl>
-                    <p:sldTgt/>
-                  </p:tgtEl>
-                </p:cond>
-              </p:prevCondLst>
-              <p:nextCondLst>
-                <p:cond evt="onNext" delay="0">
-                  <p:tgtEl>
-                    <p:sldTgt/>
-                  </p:tgtEl>
-                </p:cond>
-              </p:nextCondLst>
-            </p:seq>
-          </p:childTnLst>
-        </p:cTn>
-      </p:par>
-    </p:tnLst>
-    <p:bldLst>
-      <p:bldP spid="8" grpId="0" uiExpand="1" build="allAtOnce" animBg="1"/>
-    </p:bldLst>
-  </p:timing>
 </p:sld>
 </file>
 

--- a/Courses/Software-Sciences/Module-4-Information-Systems-New/08-Navigation-between-Tables/08-Navigation-between-Tables.pptx
+++ b/Courses/Software-Sciences/Module-4-Information-Systems-New/08-Navigation-between-Tables/08-Navigation-between-Tables.pptx
@@ -235,20 +235,6 @@
 </p:cmAuthorLst>
 </file>
 
-<file path=ppt/comments/comment1.xml><?xml version="1.0" encoding="utf-8"?>
-<p:cmLst xmlns:a="http://schemas.openxmlformats.org/drawingml/2006/main" xmlns:r="http://schemas.openxmlformats.org/officeDocument/2006/relationships" xmlns:p="http://schemas.openxmlformats.org/presentationml/2006/main">
-  <p:cm authorId="1" dt="2024-08-27T13:38:40.704" idx="1">
-    <p:pos x="10" y="10"/>
-    <p:text>Ще се оправи след редактирането на 5 урок</p:text>
-    <p:extLst>
-      <p:ext uri="{C676402C-5697-4E1C-873F-D02D1690AC5C}">
-        <p15:threadingInfo xmlns:p15="http://schemas.microsoft.com/office/powerpoint/2012/main" timeZoneBias="-180"/>
-      </p:ext>
-    </p:extLst>
-  </p:cm>
-</p:cmLst>
-</file>
-
 <file path=ppt/handoutMasters/handoutMaster1.xml><?xml version="1.0" encoding="utf-8"?>
 <p:handoutMaster xmlns:a="http://schemas.openxmlformats.org/drawingml/2006/main" xmlns:r="http://schemas.openxmlformats.org/officeDocument/2006/relationships" xmlns:p="http://schemas.openxmlformats.org/presentationml/2006/main">
   <p:cSld>
@@ -343,7 +329,7 @@
           <a:p>
             <a:fld id="{4E087215-0C8F-4762-A664-737A353EC9A4}" type="datetimeFigureOut">
               <a:rPr lang="bg-BG" smtClean="0"/>
-              <a:t>6.09.24 г.</a:t>
+              <a:t>10.09.24 г.</a:t>
             </a:fld>
             <a:endParaRPr lang="bg-BG"/>
           </a:p>
@@ -539,7 +525,7 @@
           <a:p>
             <a:fld id="{72D84649-876A-46C9-8472-14CB09C070D8}" type="datetimeFigureOut">
               <a:rPr lang="en-US" smtClean="0"/>
-              <a:t>9/6/24</a:t>
+              <a:t>9/10/24</a:t>
             </a:fld>
             <a:endParaRPr lang="en-US"/>
           </a:p>
@@ -10182,7 +10168,7 @@
         <p:spPr bwMode="auto">
           <a:xfrm>
             <a:off x="188669" y="1138245"/>
-            <a:ext cx="11125200" cy="4496204"/>
+            <a:ext cx="11125200" cy="4865535"/>
           </a:xfrm>
           <a:prstGeom prst="rect">
             <a:avLst/>
@@ -10227,7 +10213,7 @@
               <a:rPr lang="en-US" sz="1400" b="1" dirty="0">
                 <a:latin typeface="Consolas" panose="020B0609020204030204" pitchFamily="49" charset="0"/>
               </a:rPr>
-              <a:t> private void </a:t>
+              <a:t>private void </a:t>
             </a:r>
             <a:r>
               <a:rPr lang="en-US" sz="1400" b="1" dirty="0">
@@ -10264,7 +10250,7 @@
               <a:rPr lang="en-US" sz="1400" b="1" dirty="0">
                 <a:latin typeface="Consolas" panose="020B0609020204030204" pitchFamily="49" charset="0"/>
               </a:rPr>
-              <a:t> {</a:t>
+              <a:t>{</a:t>
             </a:r>
           </a:p>
           <a:p>
@@ -10286,37 +10272,80 @@
               <a:rPr lang="en-US" sz="1400" b="1" dirty="0">
                 <a:latin typeface="Consolas" panose="020B0609020204030204" pitchFamily="49" charset="0"/>
               </a:rPr>
-              <a:t>     if (this.</a:t>
-            </a:r>
-            <a:r>
-              <a:rPr lang="en-US" sz="1400" b="1" dirty="0">
+              <a:t>    var selectedCountry = </a:t>
+            </a:r>
+            <a:r>
+              <a:rPr lang="en-US" sz="1400" b="1" noProof="1">
+                <a:latin typeface="Consolas" pitchFamily="49" charset="0"/>
+                <a:cs typeface="Consolas" pitchFamily="49" charset="0"/>
+              </a:rPr>
+              <a:t>(Country)this.</a:t>
+            </a:r>
+            <a:r>
+              <a:rPr lang="en-US" sz="1400" b="1" noProof="1">
                 <a:solidFill>
                   <a:schemeClr val="bg1"/>
                 </a:solidFill>
-                <a:latin typeface="Consolas" panose="020B0609020204030204" pitchFamily="49" charset="0"/>
-              </a:rPr>
-              <a:t>dataGridViewCountries</a:t>
-            </a:r>
+                <a:latin typeface="Consolas" pitchFamily="49" charset="0"/>
+                <a:cs typeface="Consolas" pitchFamily="49" charset="0"/>
+              </a:rPr>
+              <a:t>countryBindingSource</a:t>
+            </a:r>
+            <a:r>
+              <a:rPr lang="en-US" sz="1400" b="1" noProof="1">
+                <a:latin typeface="Consolas" pitchFamily="49" charset="0"/>
+                <a:cs typeface="Consolas" pitchFamily="49" charset="0"/>
+              </a:rPr>
+              <a:t>.</a:t>
+            </a:r>
+            <a:r>
+              <a:rPr lang="en-US" sz="1400" b="1" noProof="1">
+                <a:solidFill>
+                  <a:schemeClr val="bg1"/>
+                </a:solidFill>
+                <a:latin typeface="Consolas" pitchFamily="49" charset="0"/>
+                <a:cs typeface="Consolas" pitchFamily="49" charset="0"/>
+              </a:rPr>
+              <a:t>Current</a:t>
+            </a:r>
+            <a:r>
+              <a:rPr lang="en-US" sz="1400" b="1" noProof="1">
+                <a:latin typeface="Consolas" pitchFamily="49" charset="0"/>
+                <a:cs typeface="Consolas" pitchFamily="49" charset="0"/>
+              </a:rPr>
+              <a:t>;</a:t>
+            </a:r>
+          </a:p>
+          <a:p>
+            <a:pPr>
+              <a:spcBef>
+                <a:spcPts val="600"/>
+              </a:spcBef>
+              <a:spcAft>
+                <a:spcPts val="600"/>
+              </a:spcAft>
+              <a:buClr>
+                <a:srgbClr val="F2B254"/>
+              </a:buClr>
+              <a:buSzPct val="100000"/>
+            </a:pPr>
             <a:r>
               <a:rPr lang="en-US" sz="1400" b="1" dirty="0">
                 <a:latin typeface="Consolas" panose="020B0609020204030204" pitchFamily="49" charset="0"/>
               </a:rPr>
-              <a:t>.</a:t>
-            </a:r>
-            <a:r>
-              <a:rPr lang="en-US" sz="1400" b="1" dirty="0">
-                <a:solidFill>
-                  <a:schemeClr val="bg1"/>
-                </a:solidFill>
+              <a:t>    if (selectedCountry == null)</a:t>
+            </a:r>
+            <a:r>
+              <a:rPr lang="bg-BG" sz="1400" b="1" dirty="0">
                 <a:latin typeface="Consolas" panose="020B0609020204030204" pitchFamily="49" charset="0"/>
               </a:rPr>
-              <a:t>CurrentRow</a:t>
+              <a:t> </a:t>
             </a:r>
             <a:r>
               <a:rPr lang="en-US" sz="1400" b="1" dirty="0">
                 <a:latin typeface="Consolas" panose="020B0609020204030204" pitchFamily="49" charset="0"/>
               </a:rPr>
-              <a:t> == null)</a:t>
+              <a:t>return;</a:t>
             </a:r>
             <a:r>
               <a:rPr lang="bg-BG" sz="1400" b="1" dirty="0">
@@ -10326,34 +10355,69 @@
             </a:r>
             <a:r>
               <a:rPr lang="en-US" sz="1400" b="1" dirty="0">
+                <a:solidFill>
+                  <a:schemeClr val="accent2"/>
+                </a:solidFill>
                 <a:latin typeface="Consolas" panose="020B0609020204030204" pitchFamily="49" charset="0"/>
               </a:rPr>
-              <a:t>return;</a:t>
+              <a:t>// </a:t>
             </a:r>
             <a:r>
               <a:rPr lang="bg-BG" sz="1400" b="1" dirty="0">
+                <a:solidFill>
+                  <a:schemeClr val="accent2"/>
+                </a:solidFill>
                 <a:latin typeface="Consolas" panose="020B0609020204030204" pitchFamily="49" charset="0"/>
               </a:rPr>
-              <a:t> </a:t>
-            </a:r>
-            <a:r>
-              <a:rPr lang="en-US" sz="1400" b="1" dirty="0">
-                <a:solidFill>
-                  <a:schemeClr val="accent2"/>
-                </a:solidFill>
-                <a:latin typeface="Consolas" panose="020B0609020204030204" pitchFamily="49" charset="0"/>
-              </a:rPr>
-              <a:t>// </a:t>
-            </a:r>
-            <a:r>
-              <a:rPr lang="bg-BG" sz="1400" b="1" dirty="0">
-                <a:solidFill>
-                  <a:schemeClr val="accent2"/>
-                </a:solidFill>
-                <a:latin typeface="Consolas" panose="020B0609020204030204" pitchFamily="49" charset="0"/>
-              </a:rPr>
               <a:t>Няма избрана държава</a:t>
             </a:r>
+            <a:endParaRPr lang="en-US" sz="1400" b="1" dirty="0">
+              <a:solidFill>
+                <a:schemeClr val="accent2"/>
+              </a:solidFill>
+              <a:latin typeface="Consolas" panose="020B0609020204030204" pitchFamily="49" charset="0"/>
+            </a:endParaRPr>
+          </a:p>
+          <a:p>
+            <a:pPr>
+              <a:spcBef>
+                <a:spcPts val="600"/>
+              </a:spcBef>
+              <a:spcAft>
+                <a:spcPts val="600"/>
+              </a:spcAft>
+              <a:buClr>
+                <a:srgbClr val="F2B254"/>
+              </a:buClr>
+              <a:buSzPct val="100000"/>
+            </a:pPr>
+            <a:r>
+              <a:rPr lang="en-US" sz="1400" b="1" noProof="1">
+                <a:latin typeface="Consolas" pitchFamily="49" charset="0"/>
+                <a:cs typeface="Consolas" pitchFamily="49" charset="0"/>
+              </a:rPr>
+              <a:t>    var countryId = selectedCountry.</a:t>
+            </a:r>
+            <a:r>
+              <a:rPr lang="en-US" sz="1400" b="1" noProof="1">
+                <a:solidFill>
+                  <a:schemeClr val="bg1"/>
+                </a:solidFill>
+                <a:latin typeface="Consolas" pitchFamily="49" charset="0"/>
+                <a:cs typeface="Consolas" pitchFamily="49" charset="0"/>
+              </a:rPr>
+              <a:t>CountryId</a:t>
+            </a:r>
+            <a:r>
+              <a:rPr lang="en-US" sz="1400" b="1" noProof="1">
+                <a:latin typeface="Consolas" pitchFamily="49" charset="0"/>
+                <a:cs typeface="Consolas" pitchFamily="49" charset="0"/>
+              </a:rPr>
+              <a:t>;</a:t>
+            </a:r>
+            <a:endParaRPr lang="en-US" sz="1400" b="1" dirty="0">
+              <a:latin typeface="Consolas" panose="020B0609020204030204" pitchFamily="49" charset="0"/>
+            </a:endParaRPr>
           </a:p>
           <a:p>
             <a:pPr>
@@ -10374,52 +10438,7 @@
               <a:rPr lang="en-US" sz="1400" b="1" dirty="0">
                 <a:latin typeface="Consolas" panose="020B0609020204030204" pitchFamily="49" charset="0"/>
               </a:rPr>
-              <a:t>     var selectedCountry = (Country)this.</a:t>
-            </a:r>
-            <a:r>
-              <a:rPr lang="en-US" sz="1400" b="1" dirty="0">
-                <a:solidFill>
-                  <a:schemeClr val="bg1"/>
-                </a:solidFill>
-                <a:latin typeface="Consolas" panose="020B0609020204030204" pitchFamily="49" charset="0"/>
-              </a:rPr>
-              <a:t>dataGridViewCountries</a:t>
-            </a:r>
-            <a:r>
-              <a:rPr lang="en-US" sz="1400" b="1" dirty="0">
-                <a:latin typeface="Consolas" panose="020B0609020204030204" pitchFamily="49" charset="0"/>
-              </a:rPr>
-              <a:t>.</a:t>
-            </a:r>
-            <a:r>
-              <a:rPr lang="en-US" sz="1400" b="1" dirty="0">
-                <a:solidFill>
-                  <a:schemeClr val="bg1"/>
-                </a:solidFill>
-                <a:latin typeface="Consolas" panose="020B0609020204030204" pitchFamily="49" charset="0"/>
-              </a:rPr>
-              <a:t>CurrentRow</a:t>
-            </a:r>
-            <a:r>
-              <a:rPr lang="en-US" sz="1400" b="1" dirty="0">
-                <a:latin typeface="Consolas" panose="020B0609020204030204" pitchFamily="49" charset="0"/>
-              </a:rPr>
-              <a:t>.</a:t>
-            </a:r>
-            <a:r>
-              <a:rPr lang="en-US" sz="1400" b="1" dirty="0">
-                <a:solidFill>
-                  <a:schemeClr val="bg1"/>
-                </a:solidFill>
-                <a:latin typeface="Consolas" panose="020B0609020204030204" pitchFamily="49" charset="0"/>
-              </a:rPr>
-              <a:t>DataBoundItem</a:t>
-            </a:r>
-            <a:r>
-              <a:rPr lang="en-US" sz="1400" b="1" dirty="0">
-                <a:latin typeface="Consolas" panose="020B0609020204030204" pitchFamily="49" charset="0"/>
-              </a:rPr>
-              <a:t>;</a:t>
+              <a:t>    using (var dbContext = new CountriesDbContext())</a:t>
             </a:r>
           </a:p>
           <a:p>
@@ -10441,7 +10460,7 @@
               <a:rPr lang="en-US" sz="1400" b="1" dirty="0">
                 <a:latin typeface="Consolas" panose="020B0609020204030204" pitchFamily="49" charset="0"/>
               </a:rPr>
-              <a:t>     using (var dbContext = new CountriesDbContext())</a:t>
+              <a:t>    {</a:t>
             </a:r>
           </a:p>
           <a:p>
@@ -10463,7 +10482,25 @@
               <a:rPr lang="en-US" sz="1400" b="1" dirty="0">
                 <a:latin typeface="Consolas" panose="020B0609020204030204" pitchFamily="49" charset="0"/>
               </a:rPr>
-              <a:t>     {</a:t>
+              <a:t>        </a:t>
+            </a:r>
+            <a:r>
+              <a:rPr lang="en-US" sz="1400" b="1" dirty="0">
+                <a:solidFill>
+                  <a:schemeClr val="accent2"/>
+                </a:solidFill>
+                <a:latin typeface="Consolas" panose="020B0609020204030204" pitchFamily="49" charset="0"/>
+              </a:rPr>
+              <a:t>// </a:t>
+            </a:r>
+            <a:r>
+              <a:rPr lang="bg-BG" sz="1400" b="1" dirty="0">
+                <a:solidFill>
+                  <a:schemeClr val="accent2"/>
+                </a:solidFill>
+                <a:latin typeface="Consolas" panose="020B0609020204030204" pitchFamily="49" charset="0"/>
+              </a:rPr>
+              <a:t>Извличане на градовете, които принадлежат на избраната държава</a:t>
             </a:r>
           </a:p>
           <a:p>
@@ -10485,25 +10522,52 @@
               <a:rPr lang="en-US" sz="1400" b="1" dirty="0">
                 <a:latin typeface="Consolas" panose="020B0609020204030204" pitchFamily="49" charset="0"/>
               </a:rPr>
-              <a:t>         </a:t>
+              <a:t>        var towns = dbContext.Towns.</a:t>
             </a:r>
             <a:r>
               <a:rPr lang="en-US" sz="1400" b="1" dirty="0">
                 <a:solidFill>
-                  <a:schemeClr val="accent2"/>
+                  <a:schemeClr val="bg1"/>
                 </a:solidFill>
                 <a:latin typeface="Consolas" panose="020B0609020204030204" pitchFamily="49" charset="0"/>
               </a:rPr>
-              <a:t>// </a:t>
-            </a:r>
-            <a:r>
-              <a:rPr lang="bg-BG" sz="1400" b="1" dirty="0">
-                <a:solidFill>
-                  <a:schemeClr val="accent2"/>
-                </a:solidFill>
+              <a:t>Where</a:t>
+            </a:r>
+            <a:r>
+              <a:rPr lang="en-US" sz="1400" b="1" dirty="0">
                 <a:latin typeface="Consolas" panose="020B0609020204030204" pitchFamily="49" charset="0"/>
               </a:rPr>
-              <a:t>Извличане на градовете, които принадлежат на избраната държава</a:t>
+              <a:t>(t =&gt; t.</a:t>
+            </a:r>
+            <a:r>
+              <a:rPr lang="en-US" sz="1400" b="1" dirty="0">
+                <a:solidFill>
+                  <a:schemeClr val="bg1"/>
+                </a:solidFill>
+                <a:latin typeface="Consolas" panose="020B0609020204030204" pitchFamily="49" charset="0"/>
+              </a:rPr>
+              <a:t>CountryId</a:t>
+            </a:r>
+            <a:r>
+              <a:rPr lang="en-US" sz="1400" b="1" dirty="0">
+                <a:latin typeface="Consolas" panose="020B0609020204030204" pitchFamily="49" charset="0"/>
+              </a:rPr>
+              <a:t> == </a:t>
+            </a:r>
+            <a:r>
+              <a:rPr lang="en-US" sz="1400" b="1" dirty="0">
+                <a:solidFill>
+                  <a:schemeClr val="bg1"/>
+                </a:solidFill>
+                <a:latin typeface="Consolas" panose="020B0609020204030204" pitchFamily="49" charset="0"/>
+              </a:rPr>
+              <a:t>countryId</a:t>
+            </a:r>
+            <a:r>
+              <a:rPr lang="en-US" sz="1400" b="1" dirty="0">
+                <a:latin typeface="Consolas" panose="020B0609020204030204" pitchFamily="49" charset="0"/>
+              </a:rPr>
+              <a:t>).ToList();</a:t>
             </a:r>
           </a:p>
           <a:p>
@@ -10522,76 +10586,123 @@
               <a:buNone/>
             </a:pPr>
             <a:r>
-              <a:rPr lang="bg-BG" sz="1400" b="1" dirty="0">
-                <a:latin typeface="Consolas" panose="020B0609020204030204" pitchFamily="49" charset="0"/>
-              </a:rPr>
-              <a:t>         </a:t>
-            </a:r>
-            <a:r>
               <a:rPr lang="en-US" sz="1400" b="1" dirty="0">
                 <a:latin typeface="Consolas" panose="020B0609020204030204" pitchFamily="49" charset="0"/>
               </a:rPr>
-              <a:t>var towns = dbContext.Towns.</a:t>
+              <a:t>        </a:t>
             </a:r>
             <a:r>
               <a:rPr lang="en-US" sz="1400" b="1" dirty="0">
                 <a:solidFill>
-                  <a:schemeClr val="bg1"/>
+                  <a:schemeClr val="accent2"/>
                 </a:solidFill>
                 <a:latin typeface="Consolas" panose="020B0609020204030204" pitchFamily="49" charset="0"/>
               </a:rPr>
-              <a:t>Where</a:t>
-            </a:r>
+              <a:t>// </a:t>
+            </a:r>
+            <a:r>
+              <a:rPr lang="bg-BG" sz="1400" b="1" dirty="0">
+                <a:solidFill>
+                  <a:schemeClr val="accent2"/>
+                </a:solidFill>
+                <a:latin typeface="Consolas" panose="020B0609020204030204" pitchFamily="49" charset="0"/>
+              </a:rPr>
+              <a:t>Обновяване на </a:t>
+            </a:r>
+            <a:r>
+              <a:rPr lang="en-US" sz="1400" b="1" dirty="0">
+                <a:solidFill>
+                  <a:schemeClr val="accent2"/>
+                </a:solidFill>
+                <a:latin typeface="Consolas" panose="020B0609020204030204" pitchFamily="49" charset="0"/>
+              </a:rPr>
+              <a:t>DataGridView </a:t>
+            </a:r>
+            <a:r>
+              <a:rPr lang="bg-BG" sz="1400" b="1" dirty="0">
+                <a:solidFill>
+                  <a:schemeClr val="accent2"/>
+                </a:solidFill>
+                <a:latin typeface="Consolas" panose="020B0609020204030204" pitchFamily="49" charset="0"/>
+              </a:rPr>
+              <a:t>за градовете</a:t>
+            </a:r>
+          </a:p>
+          <a:p>
+            <a:pPr>
+              <a:spcBef>
+                <a:spcPts val="600"/>
+              </a:spcBef>
+              <a:spcAft>
+                <a:spcPts val="600"/>
+              </a:spcAft>
+              <a:buClr>
+                <a:srgbClr val="F2B254"/>
+              </a:buClr>
+              <a:buSzPct val="100000"/>
+            </a:pPr>
             <a:r>
               <a:rPr lang="en-US" sz="1400" b="1" dirty="0">
                 <a:latin typeface="Consolas" panose="020B0609020204030204" pitchFamily="49" charset="0"/>
               </a:rPr>
-              <a:t>(t =&gt; t.</a:t>
-            </a:r>
-            <a:r>
-              <a:rPr lang="en-US" sz="1400" b="1" dirty="0">
+              <a:t>        </a:t>
+            </a:r>
+            <a:r>
+              <a:rPr lang="en-US" sz="1400" b="1" noProof="1">
+                <a:latin typeface="Consolas" pitchFamily="49" charset="0"/>
+                <a:cs typeface="Consolas" pitchFamily="49" charset="0"/>
+              </a:rPr>
+              <a:t>if (towns.Count &gt; 0) this.</a:t>
+            </a:r>
+            <a:r>
+              <a:rPr lang="en-US" sz="1400" b="1" noProof="1">
                 <a:solidFill>
                   <a:schemeClr val="bg1"/>
                 </a:solidFill>
-                <a:latin typeface="Consolas" panose="020B0609020204030204" pitchFamily="49" charset="0"/>
-              </a:rPr>
-              <a:t>CountryId</a:t>
+                <a:latin typeface="Consolas" pitchFamily="49" charset="0"/>
+                <a:cs typeface="Consolas" pitchFamily="49" charset="0"/>
+              </a:rPr>
+              <a:t>townBindingSource</a:t>
+            </a:r>
+            <a:r>
+              <a:rPr lang="en-US" sz="1400" b="1" noProof="1">
+                <a:latin typeface="Consolas" pitchFamily="49" charset="0"/>
+                <a:cs typeface="Consolas" pitchFamily="49" charset="0"/>
+              </a:rPr>
+              <a:t>.</a:t>
+            </a:r>
+            <a:r>
+              <a:rPr lang="en-US" sz="1400" b="1" noProof="1">
+                <a:solidFill>
+                  <a:schemeClr val="bg1"/>
+                </a:solidFill>
+                <a:latin typeface="Consolas" pitchFamily="49" charset="0"/>
+                <a:cs typeface="Consolas" pitchFamily="49" charset="0"/>
+              </a:rPr>
+              <a:t>DataSource</a:t>
+            </a:r>
+            <a:r>
+              <a:rPr lang="en-US" sz="1400" b="1" noProof="1">
+                <a:latin typeface="Consolas" pitchFamily="49" charset="0"/>
+                <a:cs typeface="Consolas" pitchFamily="49" charset="0"/>
+              </a:rPr>
+              <a:t> = </a:t>
+            </a:r>
+            <a:r>
+              <a:rPr lang="en-US" sz="1400" b="1" noProof="1">
+                <a:solidFill>
+                  <a:schemeClr val="bg1"/>
+                </a:solidFill>
+                <a:latin typeface="Consolas" pitchFamily="49" charset="0"/>
+                <a:cs typeface="Consolas" pitchFamily="49" charset="0"/>
+              </a:rPr>
+              <a:t>towns</a:t>
             </a:r>
             <a:r>
               <a:rPr lang="en-US" sz="1400" b="1" dirty="0">
                 <a:latin typeface="Consolas" panose="020B0609020204030204" pitchFamily="49" charset="0"/>
               </a:rPr>
-              <a:t> == </a:t>
-            </a:r>
-            <a:r>
-              <a:rPr lang="en-US" sz="1400" b="1" dirty="0">
-                <a:solidFill>
-                  <a:schemeClr val="bg1"/>
-                </a:solidFill>
-                <a:latin typeface="Consolas" panose="020B0609020204030204" pitchFamily="49" charset="0"/>
-              </a:rPr>
-              <a:t>selectedCountry</a:t>
-            </a:r>
-            <a:r>
-              <a:rPr lang="en-US" sz="1400" b="1" dirty="0">
-                <a:latin typeface="Consolas" panose="020B0609020204030204" pitchFamily="49" charset="0"/>
-              </a:rPr>
-              <a:t>.</a:t>
-            </a:r>
-            <a:r>
-              <a:rPr lang="en-US" sz="1400" b="1" dirty="0">
-                <a:solidFill>
-                  <a:schemeClr val="bg1"/>
-                </a:solidFill>
-                <a:latin typeface="Consolas" panose="020B0609020204030204" pitchFamily="49" charset="0"/>
-              </a:rPr>
-              <a:t>CountryId</a:t>
-            </a:r>
-            <a:r>
-              <a:rPr lang="en-US" sz="1400" b="1" dirty="0">
-                <a:latin typeface="Consolas" panose="020B0609020204030204" pitchFamily="49" charset="0"/>
-              </a:rPr>
-              <a:t>).ToArray();</a:t>
+              <a:t>;</a:t>
             </a:r>
           </a:p>
           <a:p>
@@ -10613,43 +10724,7 @@
               <a:rPr lang="en-US" sz="1400" b="1" dirty="0">
                 <a:latin typeface="Consolas" panose="020B0609020204030204" pitchFamily="49" charset="0"/>
               </a:rPr>
-              <a:t>         </a:t>
-            </a:r>
-            <a:r>
-              <a:rPr lang="en-US" sz="1400" b="1" dirty="0">
-                <a:solidFill>
-                  <a:schemeClr val="accent2"/>
-                </a:solidFill>
-                <a:latin typeface="Consolas" panose="020B0609020204030204" pitchFamily="49" charset="0"/>
-              </a:rPr>
-              <a:t>// </a:t>
-            </a:r>
-            <a:r>
-              <a:rPr lang="bg-BG" sz="1400" b="1" dirty="0">
-                <a:solidFill>
-                  <a:schemeClr val="accent2"/>
-                </a:solidFill>
-                <a:latin typeface="Consolas" panose="020B0609020204030204" pitchFamily="49" charset="0"/>
-              </a:rPr>
-              <a:t>Обновяване на </a:t>
-            </a:r>
-            <a:r>
-              <a:rPr lang="en-US" sz="1400" b="1" dirty="0">
-                <a:solidFill>
-                  <a:schemeClr val="accent2"/>
-                </a:solidFill>
-                <a:latin typeface="Consolas" panose="020B0609020204030204" pitchFamily="49" charset="0"/>
-              </a:rPr>
-              <a:t>DataGridView </a:t>
-            </a:r>
-            <a:r>
-              <a:rPr lang="bg-BG" sz="1400" b="1" dirty="0">
-                <a:solidFill>
-                  <a:schemeClr val="accent2"/>
-                </a:solidFill>
-                <a:latin typeface="Consolas" panose="020B0609020204030204" pitchFamily="49" charset="0"/>
-              </a:rPr>
-              <a:t>за градовете</a:t>
+              <a:t>    }</a:t>
             </a:r>
           </a:p>
           <a:p>
@@ -10668,90 +10743,10 @@
               <a:buNone/>
             </a:pPr>
             <a:r>
-              <a:rPr lang="bg-BG" sz="1400" b="1" dirty="0">
-                <a:latin typeface="Consolas" panose="020B0609020204030204" pitchFamily="49" charset="0"/>
-              </a:rPr>
-              <a:t>         </a:t>
-            </a:r>
-            <a:r>
               <a:rPr lang="en-US" sz="1400" b="1" dirty="0">
                 <a:latin typeface="Consolas" panose="020B0609020204030204" pitchFamily="49" charset="0"/>
               </a:rPr>
-              <a:t>this.</a:t>
-            </a:r>
-            <a:r>
-              <a:rPr lang="en-US" sz="1400" b="1" dirty="0">
-                <a:solidFill>
-                  <a:schemeClr val="bg1"/>
-                </a:solidFill>
-                <a:latin typeface="Consolas" panose="020B0609020204030204" pitchFamily="49" charset="0"/>
-              </a:rPr>
-              <a:t>dataGridViewTowns</a:t>
-            </a:r>
-            <a:r>
-              <a:rPr lang="en-US" sz="1400" b="1" dirty="0">
-                <a:latin typeface="Consolas" panose="020B0609020204030204" pitchFamily="49" charset="0"/>
-              </a:rPr>
-              <a:t>.</a:t>
-            </a:r>
-            <a:r>
-              <a:rPr lang="en-US" sz="1400" b="1" dirty="0">
-                <a:solidFill>
-                  <a:schemeClr val="bg1"/>
-                </a:solidFill>
-                <a:latin typeface="Consolas" panose="020B0609020204030204" pitchFamily="49" charset="0"/>
-              </a:rPr>
-              <a:t>DataSource</a:t>
-            </a:r>
-            <a:r>
-              <a:rPr lang="en-US" sz="1400" b="1" dirty="0">
-                <a:latin typeface="Consolas" panose="020B0609020204030204" pitchFamily="49" charset="0"/>
-              </a:rPr>
-              <a:t> = towns;</a:t>
-            </a:r>
-          </a:p>
-          <a:p>
-            <a:pPr>
-              <a:spcBef>
-                <a:spcPts val="600"/>
-              </a:spcBef>
-              <a:spcAft>
-                <a:spcPts val="600"/>
-              </a:spcAft>
-              <a:buClr>
-                <a:srgbClr val="F2B254"/>
-              </a:buClr>
-              <a:buSzPct val="100000"/>
-              <a:buFont typeface="Wingdings" panose="05000000000000000000" pitchFamily="2" charset="2"/>
-              <a:buNone/>
-            </a:pPr>
-            <a:r>
-              <a:rPr lang="en-US" sz="1400" b="1" dirty="0">
-                <a:latin typeface="Consolas" panose="020B0609020204030204" pitchFamily="49" charset="0"/>
-              </a:rPr>
-              <a:t>     }</a:t>
-            </a:r>
-          </a:p>
-          <a:p>
-            <a:pPr>
-              <a:spcBef>
-                <a:spcPts val="600"/>
-              </a:spcBef>
-              <a:spcAft>
-                <a:spcPts val="600"/>
-              </a:spcAft>
-              <a:buClr>
-                <a:srgbClr val="F2B254"/>
-              </a:buClr>
-              <a:buSzPct val="100000"/>
-              <a:buFont typeface="Wingdings" panose="05000000000000000000" pitchFamily="2" charset="2"/>
-              <a:buNone/>
-            </a:pPr>
-            <a:r>
-              <a:rPr lang="en-US" sz="1400" b="1" dirty="0">
-                <a:latin typeface="Consolas" panose="020B0609020204030204" pitchFamily="49" charset="0"/>
-              </a:rPr>
-              <a:t> }</a:t>
+              <a:t>}</a:t>
             </a:r>
           </a:p>
         </p:txBody>
@@ -10783,8 +10778,8 @@
         </p:blipFill>
         <p:spPr>
           <a:xfrm>
-            <a:off x="7536000" y="4185573"/>
-            <a:ext cx="4040121" cy="2571677"/>
+            <a:off x="7761000" y="1629000"/>
+            <a:ext cx="3864444" cy="2459853"/>
           </a:xfrm>
           <a:prstGeom prst="rect">
             <a:avLst/>
@@ -11263,7 +11258,7 @@
                 <a:latin typeface="Consolas" pitchFamily="49" charset="0"/>
                 <a:cs typeface="Consolas" pitchFamily="49" charset="0"/>
               </a:rPr>
-              <a:t>    this.dataGridViewTowns.DataSource = towns;</a:t>
+              <a:t>    this.townBindingSource.DataSource = towns;</a:t>
             </a:r>
           </a:p>
           <a:p>
@@ -11640,7 +11635,7 @@
                 <a:latin typeface="Consolas" pitchFamily="49" charset="0"/>
                 <a:cs typeface="Consolas" pitchFamily="49" charset="0"/>
               </a:rPr>
-              <a:t>   this.dataGridViewTowns.DataSource = towns;</a:t>
+              <a:t>   this.townBindingSource.DataSource = towns;</a:t>
             </a:r>
           </a:p>
           <a:p>
@@ -12153,8 +12148,8 @@
         </p:blipFill>
         <p:spPr>
           <a:xfrm>
-            <a:off x="5727028" y="2307292"/>
-            <a:ext cx="6026002" cy="3902447"/>
+            <a:off x="5028340" y="2016719"/>
+            <a:ext cx="6737030" cy="4289447"/>
           </a:xfrm>
           <a:prstGeom prst="rect">
             <a:avLst/>
@@ -13027,9 +13022,6 @@
           <a:p>
             <a:r>
               <a:rPr lang="bg-BG" sz="3000" dirty="0">
-                <a:highlight>
-                  <a:srgbClr val="FFFF00"/>
-                </a:highlight>
                 <a:latin typeface="Calibri" panose="020F0502020204030204" pitchFamily="34" charset="0"/>
                 <a:cs typeface="Calibri" panose="020F0502020204030204" pitchFamily="34" charset="0"/>
               </a:rPr>
@@ -13037,9 +13029,6 @@
             </a:r>
             <a:r>
               <a:rPr lang="bg-BG" sz="3000" b="1" dirty="0">
-                <a:highlight>
-                  <a:srgbClr val="FFFF00"/>
-                </a:highlight>
                 <a:latin typeface="Calibri" panose="020F0502020204030204" pitchFamily="34" charset="0"/>
                 <a:cs typeface="Calibri" panose="020F0502020204030204" pitchFamily="34" charset="0"/>
               </a:rPr>
@@ -13047,18 +13036,12 @@
             </a:r>
             <a:r>
               <a:rPr lang="bg-BG" sz="3000" dirty="0">
-                <a:highlight>
-                  <a:srgbClr val="FFFF00"/>
-                </a:highlight>
                 <a:latin typeface="Calibri" panose="020F0502020204030204" pitchFamily="34" charset="0"/>
                 <a:cs typeface="Calibri" panose="020F0502020204030204" pitchFamily="34" charset="0"/>
               </a:rPr>
               <a:t> на колоните</a:t>
             </a:r>
             <a:endParaRPr lang="en-BG" sz="3000" dirty="0">
-              <a:highlight>
-                <a:srgbClr val="FFFF00"/>
-              </a:highlight>
               <a:latin typeface="Calibri" panose="020F0502020204030204" pitchFamily="34" charset="0"/>
               <a:cs typeface="Calibri" panose="020F0502020204030204" pitchFamily="34" charset="0"/>
             </a:endParaRPr>
@@ -13179,9 +13162,6 @@
                     <p:cTn id="3" fill="hold">
                       <p:stCondLst>
                         <p:cond delay="indefinite"/>
-                        <p:cond evt="onBegin" delay="0">
-                          <p:tn val="2"/>
-                        </p:cond>
                       </p:stCondLst>
                       <p:childTnLst>
                         <p:par>
@@ -13191,7 +13171,7 @@
                             </p:stCondLst>
                             <p:childTnLst>
                               <p:par>
-                                <p:cTn id="5" presetID="1" presetClass="entr" presetSubtype="0" fill="hold" nodeType="withEffect">
+                                <p:cTn id="5" presetID="1" presetClass="entr" presetSubtype="0" fill="hold" nodeType="clickEffect">
                                   <p:stCondLst>
                                     <p:cond delay="0"/>
                                   </p:stCondLst>
@@ -13199,82 +13179,6 @@
                                     <p:set>
                                       <p:cBhvr>
                                         <p:cTn id="6" dur="1" fill="hold">
-                                          <p:stCondLst>
-                                            <p:cond delay="0"/>
-                                          </p:stCondLst>
-                                        </p:cTn>
-                                        <p:tgtEl>
-                                          <p:spTgt spid="8"/>
-                                        </p:tgtEl>
-                                        <p:attrNameLst>
-                                          <p:attrName>style.visibility</p:attrName>
-                                        </p:attrNameLst>
-                                      </p:cBhvr>
-                                      <p:to>
-                                        <p:strVal val="visible"/>
-                                      </p:to>
-                                    </p:set>
-                                  </p:childTnLst>
-                                </p:cTn>
-                              </p:par>
-                              <p:par>
-                                <p:cTn id="7" presetID="1" presetClass="entr" presetSubtype="0" fill="hold" nodeType="withEffect">
-                                  <p:stCondLst>
-                                    <p:cond delay="0"/>
-                                  </p:stCondLst>
-                                  <p:childTnLst>
-                                    <p:set>
-                                      <p:cBhvr>
-                                        <p:cTn id="8" dur="1" fill="hold">
-                                          <p:stCondLst>
-                                            <p:cond delay="0"/>
-                                          </p:stCondLst>
-                                        </p:cTn>
-                                        <p:tgtEl>
-                                          <p:spTgt spid="3">
-                                            <p:txEl>
-                                              <p:pRg st="0" end="0"/>
-                                            </p:txEl>
-                                          </p:spTgt>
-                                        </p:tgtEl>
-                                        <p:attrNameLst>
-                                          <p:attrName>style.visibility</p:attrName>
-                                        </p:attrNameLst>
-                                      </p:cBhvr>
-                                      <p:to>
-                                        <p:strVal val="visible"/>
-                                      </p:to>
-                                    </p:set>
-                                  </p:childTnLst>
-                                </p:cTn>
-                              </p:par>
-                            </p:childTnLst>
-                          </p:cTn>
-                        </p:par>
-                      </p:childTnLst>
-                    </p:cTn>
-                  </p:par>
-                  <p:par>
-                    <p:cTn id="9" fill="hold">
-                      <p:stCondLst>
-                        <p:cond delay="indefinite"/>
-                      </p:stCondLst>
-                      <p:childTnLst>
-                        <p:par>
-                          <p:cTn id="10" fill="hold">
-                            <p:stCondLst>
-                              <p:cond delay="0"/>
-                            </p:stCondLst>
-                            <p:childTnLst>
-                              <p:par>
-                                <p:cTn id="11" presetID="1" presetClass="entr" presetSubtype="0" fill="hold" nodeType="clickEffect">
-                                  <p:stCondLst>
-                                    <p:cond delay="0"/>
-                                  </p:stCondLst>
-                                  <p:childTnLst>
-                                    <p:set>
-                                      <p:cBhvr>
-                                        <p:cTn id="12" dur="1" fill="hold">
                                           <p:stCondLst>
                                             <p:cond delay="0"/>
                                           </p:stCondLst>
@@ -13304,26 +13208,26 @@
                     </p:cTn>
                   </p:par>
                   <p:par>
-                    <p:cTn id="13" fill="hold">
+                    <p:cTn id="7" fill="hold">
                       <p:stCondLst>
                         <p:cond delay="indefinite"/>
                       </p:stCondLst>
                       <p:childTnLst>
                         <p:par>
-                          <p:cTn id="14" fill="hold">
+                          <p:cTn id="8" fill="hold">
                             <p:stCondLst>
                               <p:cond delay="0"/>
                             </p:stCondLst>
                             <p:childTnLst>
                               <p:par>
-                                <p:cTn id="15" presetID="1" presetClass="entr" presetSubtype="0" fill="hold" nodeType="clickEffect">
+                                <p:cTn id="9" presetID="1" presetClass="entr" presetSubtype="0" fill="hold" nodeType="clickEffect">
                                   <p:stCondLst>
                                     <p:cond delay="0"/>
                                   </p:stCondLst>
                                   <p:childTnLst>
                                     <p:set>
                                       <p:cBhvr>
-                                        <p:cTn id="16" dur="1" fill="hold">
+                                        <p:cTn id="10" dur="1" fill="hold">
                                           <p:stCondLst>
                                             <p:cond delay="0"/>
                                           </p:stCondLst>
@@ -13346,8 +13250,75 @@
                                   </p:childTnLst>
                                 </p:cTn>
                               </p:par>
+                            </p:childTnLst>
+                          </p:cTn>
+                        </p:par>
+                      </p:childTnLst>
+                    </p:cTn>
+                  </p:par>
+                  <p:par>
+                    <p:cTn id="11" fill="hold">
+                      <p:stCondLst>
+                        <p:cond delay="indefinite"/>
+                      </p:stCondLst>
+                      <p:childTnLst>
+                        <p:par>
+                          <p:cTn id="12" fill="hold">
+                            <p:stCondLst>
+                              <p:cond delay="0"/>
+                            </p:stCondLst>
+                            <p:childTnLst>
                               <p:par>
-                                <p:cTn id="17" presetID="1" presetClass="entr" presetSubtype="0" fill="hold" nodeType="withEffect">
+                                <p:cTn id="13" presetID="1" presetClass="entr" presetSubtype="0" fill="hold" nodeType="clickEffect">
+                                  <p:stCondLst>
+                                    <p:cond delay="0"/>
+                                  </p:stCondLst>
+                                  <p:childTnLst>
+                                    <p:set>
+                                      <p:cBhvr>
+                                        <p:cTn id="14" dur="1" fill="hold">
+                                          <p:stCondLst>
+                                            <p:cond delay="0"/>
+                                          </p:stCondLst>
+                                        </p:cTn>
+                                        <p:tgtEl>
+                                          <p:spTgt spid="3">
+                                            <p:txEl>
+                                              <p:pRg st="3" end="3"/>
+                                            </p:txEl>
+                                          </p:spTgt>
+                                        </p:tgtEl>
+                                        <p:attrNameLst>
+                                          <p:attrName>style.visibility</p:attrName>
+                                        </p:attrNameLst>
+                                      </p:cBhvr>
+                                      <p:to>
+                                        <p:strVal val="visible"/>
+                                      </p:to>
+                                    </p:set>
+                                  </p:childTnLst>
+                                </p:cTn>
+                              </p:par>
+                            </p:childTnLst>
+                          </p:cTn>
+                        </p:par>
+                      </p:childTnLst>
+                    </p:cTn>
+                  </p:par>
+                  <p:par>
+                    <p:cTn id="15" fill="hold">
+                      <p:stCondLst>
+                        <p:cond delay="indefinite"/>
+                      </p:stCondLst>
+                      <p:childTnLst>
+                        <p:par>
+                          <p:cTn id="16" fill="hold">
+                            <p:stCondLst>
+                              <p:cond delay="0"/>
+                            </p:stCondLst>
+                            <p:childTnLst>
+                              <p:par>
+                                <p:cTn id="17" presetID="1" presetClass="entr" presetSubtype="0" fill="hold" nodeType="clickEffect">
                                   <p:stCondLst>
                                     <p:cond delay="0"/>
                                   </p:stCondLst>
@@ -13362,7 +13333,7 @@
                                         <p:tgtEl>
                                           <p:spTgt spid="3">
                                             <p:txEl>
-                                              <p:pRg st="3" end="3"/>
+                                              <p:pRg st="4" end="4"/>
                                             </p:txEl>
                                           </p:spTgt>
                                         </p:tgtEl>
@@ -13404,55 +13375,6 @@
                                     <p:set>
                                       <p:cBhvr>
                                         <p:cTn id="22" dur="1" fill="hold">
-                                          <p:stCondLst>
-                                            <p:cond delay="0"/>
-                                          </p:stCondLst>
-                                        </p:cTn>
-                                        <p:tgtEl>
-                                          <p:spTgt spid="3">
-                                            <p:txEl>
-                                              <p:pRg st="4" end="4"/>
-                                            </p:txEl>
-                                          </p:spTgt>
-                                        </p:tgtEl>
-                                        <p:attrNameLst>
-                                          <p:attrName>style.visibility</p:attrName>
-                                        </p:attrNameLst>
-                                      </p:cBhvr>
-                                      <p:to>
-                                        <p:strVal val="visible"/>
-                                      </p:to>
-                                    </p:set>
-                                  </p:childTnLst>
-                                </p:cTn>
-                              </p:par>
-                            </p:childTnLst>
-                          </p:cTn>
-                        </p:par>
-                      </p:childTnLst>
-                    </p:cTn>
-                  </p:par>
-                  <p:par>
-                    <p:cTn id="23" fill="hold">
-                      <p:stCondLst>
-                        <p:cond delay="indefinite"/>
-                      </p:stCondLst>
-                      <p:childTnLst>
-                        <p:par>
-                          <p:cTn id="24" fill="hold">
-                            <p:stCondLst>
-                              <p:cond delay="0"/>
-                            </p:stCondLst>
-                            <p:childTnLst>
-                              <p:par>
-                                <p:cTn id="25" presetID="1" presetClass="entr" presetSubtype="0" fill="hold" nodeType="clickEffect">
-                                  <p:stCondLst>
-                                    <p:cond delay="0"/>
-                                  </p:stCondLst>
-                                  <p:childTnLst>
-                                    <p:set>
-                                      <p:cBhvr>
-                                        <p:cTn id="26" dur="1" fill="hold">
                                           <p:stCondLst>
                                             <p:cond delay="0"/>
                                           </p:stCondLst>
@@ -14281,7 +14203,7 @@
         <p:spPr bwMode="auto">
           <a:xfrm>
             <a:off x="619841" y="2304000"/>
-            <a:ext cx="11125200" cy="4311538"/>
+            <a:ext cx="11125200" cy="4126872"/>
           </a:xfrm>
           <a:prstGeom prst="rect">
             <a:avLst/>
@@ -14323,13 +14245,13 @@
               <a:buNone/>
             </a:pPr>
             <a:r>
-              <a:rPr lang="en-US" sz="1600" b="1" dirty="0">
+              <a:rPr lang="en-US" sz="1400" b="1" dirty="0">
                 <a:latin typeface="Consolas" panose="020B0609020204030204" pitchFamily="49" charset="0"/>
               </a:rPr>
               <a:t> private void </a:t>
             </a:r>
             <a:r>
-              <a:rPr lang="en-US" sz="1600" b="1" dirty="0">
+              <a:rPr lang="en-US" sz="1400" b="1" dirty="0">
                 <a:solidFill>
                   <a:schemeClr val="bg1"/>
                 </a:solidFill>
@@ -14338,7 +14260,7 @@
               <a:t>dataGridViewCountries_SelectionChanged</a:t>
             </a:r>
             <a:r>
-              <a:rPr lang="en-US" sz="1600" b="1" dirty="0">
+              <a:rPr lang="en-US" sz="1400" b="1" dirty="0">
                 <a:latin typeface="Consolas" panose="020B0609020204030204" pitchFamily="49" charset="0"/>
               </a:rPr>
               <a:t>(object sender, EventArgs e)</a:t>
@@ -14360,7 +14282,7 @@
               <a:buNone/>
             </a:pPr>
             <a:r>
-              <a:rPr lang="en-US" sz="1600" b="1" dirty="0">
+              <a:rPr lang="en-US" sz="1400" b="1" dirty="0">
                 <a:latin typeface="Consolas" panose="020B0609020204030204" pitchFamily="49" charset="0"/>
               </a:rPr>
               <a:t> {</a:t>
@@ -14382,59 +14304,163 @@
               <a:buNone/>
             </a:pPr>
             <a:r>
-              <a:rPr lang="en-US" sz="1600" b="1" dirty="0">
+              <a:rPr lang="en-US" sz="1400" b="1" dirty="0">
                 <a:latin typeface="Consolas" panose="020B0609020204030204" pitchFamily="49" charset="0"/>
               </a:rPr>
-              <a:t>     if (this.</a:t>
-            </a:r>
-            <a:r>
-              <a:rPr lang="en-US" sz="1600" b="1" dirty="0">
+              <a:t>     var selectedCountry = </a:t>
+            </a:r>
+            <a:r>
+              <a:rPr lang="en-US" sz="1400" b="1" noProof="1">
+                <a:latin typeface="Consolas" pitchFamily="49" charset="0"/>
+                <a:cs typeface="Consolas" pitchFamily="49" charset="0"/>
+              </a:rPr>
+              <a:t>(Country)this.</a:t>
+            </a:r>
+            <a:r>
+              <a:rPr lang="en-US" sz="1400" b="1" noProof="1">
                 <a:solidFill>
                   <a:schemeClr val="bg1"/>
                 </a:solidFill>
+                <a:latin typeface="Consolas" pitchFamily="49" charset="0"/>
+                <a:cs typeface="Consolas" pitchFamily="49" charset="0"/>
+              </a:rPr>
+              <a:t>countryBindingSource</a:t>
+            </a:r>
+            <a:r>
+              <a:rPr lang="en-US" sz="1400" b="1" noProof="1">
+                <a:latin typeface="Consolas" pitchFamily="49" charset="0"/>
+                <a:cs typeface="Consolas" pitchFamily="49" charset="0"/>
+              </a:rPr>
+              <a:t>.</a:t>
+            </a:r>
+            <a:r>
+              <a:rPr lang="en-US" sz="1400" b="1" noProof="1">
+                <a:solidFill>
+                  <a:schemeClr val="bg1"/>
+                </a:solidFill>
+                <a:latin typeface="Consolas" pitchFamily="49" charset="0"/>
+                <a:cs typeface="Consolas" pitchFamily="49" charset="0"/>
+              </a:rPr>
+              <a:t>Current</a:t>
+            </a:r>
+            <a:r>
+              <a:rPr lang="en-US" sz="1400" b="1" noProof="1">
+                <a:latin typeface="Consolas" pitchFamily="49" charset="0"/>
+                <a:cs typeface="Consolas" pitchFamily="49" charset="0"/>
+              </a:rPr>
+              <a:t>;</a:t>
+            </a:r>
+          </a:p>
+          <a:p>
+            <a:pPr>
+              <a:spcBef>
+                <a:spcPts val="600"/>
+              </a:spcBef>
+              <a:spcAft>
+                <a:spcPts val="600"/>
+              </a:spcAft>
+              <a:buClr>
+                <a:srgbClr val="F2B254"/>
+              </a:buClr>
+              <a:buSzPct val="100000"/>
+            </a:pPr>
+            <a:r>
+              <a:rPr lang="bg-BG" sz="1400" b="1" dirty="0">
                 <a:latin typeface="Consolas" panose="020B0609020204030204" pitchFamily="49" charset="0"/>
               </a:rPr>
-              <a:t>dataGridViewCountries</a:t>
-            </a:r>
-            <a:r>
-              <a:rPr lang="en-US" sz="1600" b="1" dirty="0">
+              <a:t>     </a:t>
+            </a:r>
+            <a:r>
+              <a:rPr lang="en-US" sz="1400" b="1" dirty="0">
                 <a:latin typeface="Consolas" panose="020B0609020204030204" pitchFamily="49" charset="0"/>
               </a:rPr>
-              <a:t>.</a:t>
-            </a:r>
-            <a:r>
-              <a:rPr lang="en-US" sz="1600" b="1" dirty="0">
+              <a:t>if (selectedCountry == null)</a:t>
+            </a:r>
+            <a:r>
+              <a:rPr lang="bg-BG" sz="1400" b="1" dirty="0">
+                <a:latin typeface="Consolas" panose="020B0609020204030204" pitchFamily="49" charset="0"/>
+              </a:rPr>
+              <a:t> </a:t>
+            </a:r>
+            <a:r>
+              <a:rPr lang="en-US" sz="1400" b="1" dirty="0">
+                <a:latin typeface="Consolas" panose="020B0609020204030204" pitchFamily="49" charset="0"/>
+              </a:rPr>
+              <a:t>return;</a:t>
+            </a:r>
+          </a:p>
+          <a:p>
+            <a:pPr>
+              <a:spcBef>
+                <a:spcPts val="600"/>
+              </a:spcBef>
+              <a:spcAft>
+                <a:spcPts val="600"/>
+              </a:spcAft>
+              <a:buClr>
+                <a:srgbClr val="F2B254"/>
+              </a:buClr>
+              <a:buSzPct val="100000"/>
+            </a:pPr>
+            <a:r>
+              <a:rPr lang="en-US" sz="1400" b="1" dirty="0">
+                <a:latin typeface="Consolas" panose="020B0609020204030204" pitchFamily="49" charset="0"/>
+              </a:rPr>
+              <a:t>     </a:t>
+            </a:r>
+            <a:r>
+              <a:rPr lang="en-US" sz="1400" b="1" noProof="1">
+                <a:latin typeface="Consolas" pitchFamily="49" charset="0"/>
+                <a:cs typeface="Consolas" pitchFamily="49" charset="0"/>
+              </a:rPr>
+              <a:t>var countryId = selectedCountry.</a:t>
+            </a:r>
+            <a:r>
+              <a:rPr lang="en-US" sz="1400" b="1" noProof="1">
                 <a:solidFill>
                   <a:schemeClr val="bg1"/>
                 </a:solidFill>
-                <a:latin typeface="Consolas" panose="020B0609020204030204" pitchFamily="49" charset="0"/>
-              </a:rPr>
-              <a:t>CurrentRow</a:t>
-            </a:r>
-            <a:r>
-              <a:rPr lang="en-US" sz="1600" b="1" dirty="0">
-                <a:latin typeface="Consolas" panose="020B0609020204030204" pitchFamily="49" charset="0"/>
-              </a:rPr>
-              <a:t> == null)</a:t>
-            </a:r>
-            <a:r>
-              <a:rPr lang="bg-BG" sz="1600" b="1" dirty="0">
-                <a:latin typeface="Consolas" panose="020B0609020204030204" pitchFamily="49" charset="0"/>
-              </a:rPr>
-              <a:t> </a:t>
-            </a:r>
-            <a:r>
-              <a:rPr lang="en-US" sz="1600" b="1" dirty="0">
-                <a:latin typeface="Consolas" panose="020B0609020204030204" pitchFamily="49" charset="0"/>
-              </a:rPr>
-              <a:t>return;</a:t>
-            </a:r>
-            <a:endParaRPr lang="bg-BG" sz="1600" b="1" dirty="0">
-              <a:solidFill>
-                <a:schemeClr val="accent2"/>
-              </a:solidFill>
+                <a:latin typeface="Consolas" pitchFamily="49" charset="0"/>
+                <a:cs typeface="Consolas" pitchFamily="49" charset="0"/>
+              </a:rPr>
+              <a:t>CountryId</a:t>
+            </a:r>
+            <a:r>
+              <a:rPr lang="en-US" sz="1400" b="1" noProof="1">
+                <a:latin typeface="Consolas" pitchFamily="49" charset="0"/>
+                <a:cs typeface="Consolas" pitchFamily="49" charset="0"/>
+              </a:rPr>
+              <a:t>;</a:t>
+            </a:r>
+            <a:endParaRPr lang="en-US" sz="1400" b="1" dirty="0">
               <a:latin typeface="Consolas" panose="020B0609020204030204" pitchFamily="49" charset="0"/>
             </a:endParaRPr>
+          </a:p>
+          <a:p>
+            <a:pPr>
+              <a:spcBef>
+                <a:spcPts val="600"/>
+              </a:spcBef>
+              <a:spcAft>
+                <a:spcPts val="600"/>
+              </a:spcAft>
+              <a:buClr>
+                <a:srgbClr val="F2B254"/>
+              </a:buClr>
+              <a:buSzPct val="100000"/>
+            </a:pPr>
+            <a:r>
+              <a:rPr lang="bg-BG" sz="1400" b="1" dirty="0">
+                <a:latin typeface="Consolas" panose="020B0609020204030204" pitchFamily="49" charset="0"/>
+              </a:rPr>
+              <a:t> </a:t>
+            </a:r>
+            <a:r>
+              <a:rPr lang="en-US" sz="1400" b="1" dirty="0">
+                <a:latin typeface="Consolas" panose="020B0609020204030204" pitchFamily="49" charset="0"/>
+              </a:rPr>
+              <a:t>    using (var dbContext = new CountriesDbContext())</a:t>
+            </a:r>
           </a:p>
           <a:p>
             <a:pPr>
@@ -14452,55 +14478,10 @@
               <a:buNone/>
             </a:pPr>
             <a:r>
-              <a:rPr lang="en-US" sz="1600" b="1" dirty="0">
+              <a:rPr lang="en-US" sz="1400" b="1" dirty="0">
                 <a:latin typeface="Consolas" panose="020B0609020204030204" pitchFamily="49" charset="0"/>
               </a:rPr>
-              <a:t>     var selectedCountry = (Country)this.</a:t>
-            </a:r>
-            <a:r>
-              <a:rPr lang="en-US" sz="1600" b="1" dirty="0">
-                <a:solidFill>
-                  <a:schemeClr val="bg1"/>
-                </a:solidFill>
-                <a:latin typeface="Consolas" panose="020B0609020204030204" pitchFamily="49" charset="0"/>
-              </a:rPr>
-              <a:t>dataGridViewCountries</a:t>
-            </a:r>
-            <a:r>
-              <a:rPr lang="en-US" sz="1600" b="1" dirty="0">
-                <a:latin typeface="Consolas" panose="020B0609020204030204" pitchFamily="49" charset="0"/>
-              </a:rPr>
-              <a:t>.</a:t>
-            </a:r>
-            <a:r>
-              <a:rPr lang="en-US" sz="1600" b="1" dirty="0">
-                <a:solidFill>
-                  <a:schemeClr val="bg1"/>
-                </a:solidFill>
-                <a:latin typeface="Consolas" panose="020B0609020204030204" pitchFamily="49" charset="0"/>
-              </a:rPr>
-              <a:t>CurrentRow</a:t>
-            </a:r>
-            <a:r>
-              <a:rPr lang="en-US" sz="1600" b="1" dirty="0">
-                <a:latin typeface="Consolas" panose="020B0609020204030204" pitchFamily="49" charset="0"/>
-              </a:rPr>
-              <a:t>.</a:t>
-            </a:r>
-            <a:r>
-              <a:rPr lang="en-US" sz="1600" b="1" dirty="0">
-                <a:solidFill>
-                  <a:schemeClr val="bg1"/>
-                </a:solidFill>
-                <a:latin typeface="Consolas" panose="020B0609020204030204" pitchFamily="49" charset="0"/>
-              </a:rPr>
-              <a:t>DataBoundItem</a:t>
-            </a:r>
-            <a:r>
-              <a:rPr lang="en-US" sz="1600" b="1" dirty="0">
-                <a:latin typeface="Consolas" panose="020B0609020204030204" pitchFamily="49" charset="0"/>
-              </a:rPr>
-              <a:t>;</a:t>
+              <a:t>     {</a:t>
             </a:r>
           </a:p>
           <a:p>
@@ -14519,10 +14500,132 @@
               <a:buNone/>
             </a:pPr>
             <a:r>
-              <a:rPr lang="en-US" sz="1600" b="1" dirty="0">
+              <a:rPr lang="en-US" sz="1400" b="1" dirty="0">
                 <a:latin typeface="Consolas" panose="020B0609020204030204" pitchFamily="49" charset="0"/>
               </a:rPr>
-              <a:t>     using (var dbContext = new CountriesDbContext())</a:t>
+              <a:t>         var towns = dbContext.Towns.</a:t>
+            </a:r>
+            <a:r>
+              <a:rPr lang="en-US" sz="1400" b="1" dirty="0">
+                <a:solidFill>
+                  <a:schemeClr val="bg1"/>
+                </a:solidFill>
+                <a:latin typeface="Consolas" panose="020B0609020204030204" pitchFamily="49" charset="0"/>
+              </a:rPr>
+              <a:t>Where</a:t>
+            </a:r>
+            <a:r>
+              <a:rPr lang="en-US" sz="1400" b="1" dirty="0">
+                <a:latin typeface="Consolas" panose="020B0609020204030204" pitchFamily="49" charset="0"/>
+              </a:rPr>
+              <a:t>(t =&gt; t.</a:t>
+            </a:r>
+            <a:r>
+              <a:rPr lang="en-US" sz="1400" b="1" dirty="0">
+                <a:solidFill>
+                  <a:schemeClr val="bg1"/>
+                </a:solidFill>
+                <a:latin typeface="Consolas" panose="020B0609020204030204" pitchFamily="49" charset="0"/>
+              </a:rPr>
+              <a:t>CountryId</a:t>
+            </a:r>
+            <a:r>
+              <a:rPr lang="en-US" sz="1400" b="1" dirty="0">
+                <a:latin typeface="Consolas" panose="020B0609020204030204" pitchFamily="49" charset="0"/>
+              </a:rPr>
+              <a:t> == </a:t>
+            </a:r>
+            <a:r>
+              <a:rPr lang="en-US" sz="1400" b="1" dirty="0">
+                <a:solidFill>
+                  <a:schemeClr val="bg1"/>
+                </a:solidFill>
+                <a:latin typeface="Consolas" panose="020B0609020204030204" pitchFamily="49" charset="0"/>
+              </a:rPr>
+              <a:t>countryId</a:t>
+            </a:r>
+            <a:r>
+              <a:rPr lang="en-US" sz="1400" b="1" dirty="0">
+                <a:latin typeface="Consolas" panose="020B0609020204030204" pitchFamily="49" charset="0"/>
+              </a:rPr>
+              <a:t>).ToList();</a:t>
+            </a:r>
+          </a:p>
+          <a:p>
+            <a:pPr>
+              <a:spcBef>
+                <a:spcPts val="600"/>
+              </a:spcBef>
+              <a:spcAft>
+                <a:spcPts val="600"/>
+              </a:spcAft>
+              <a:buClr>
+                <a:srgbClr val="F2B254"/>
+              </a:buClr>
+              <a:buSzPct val="100000"/>
+            </a:pPr>
+            <a:r>
+              <a:rPr lang="bg-BG" sz="1400" b="1" dirty="0">
+                <a:latin typeface="Consolas" panose="020B0609020204030204" pitchFamily="49" charset="0"/>
+              </a:rPr>
+              <a:t>         </a:t>
+            </a:r>
+            <a:r>
+              <a:rPr lang="en-US" sz="1400" b="1" noProof="1">
+                <a:latin typeface="Consolas" pitchFamily="49" charset="0"/>
+                <a:cs typeface="Consolas" pitchFamily="49" charset="0"/>
+              </a:rPr>
+              <a:t>if (towns.Count &gt; 0) this.</a:t>
+            </a:r>
+            <a:r>
+              <a:rPr lang="en-US" sz="1400" b="1" noProof="1">
+                <a:solidFill>
+                  <a:schemeClr val="bg1"/>
+                </a:solidFill>
+                <a:latin typeface="Consolas" pitchFamily="49" charset="0"/>
+                <a:cs typeface="Consolas" pitchFamily="49" charset="0"/>
+              </a:rPr>
+              <a:t>townBindingSource</a:t>
+            </a:r>
+            <a:r>
+              <a:rPr lang="en-US" sz="1400" b="1" noProof="1">
+                <a:latin typeface="Consolas" pitchFamily="49" charset="0"/>
+                <a:cs typeface="Consolas" pitchFamily="49" charset="0"/>
+              </a:rPr>
+              <a:t>.</a:t>
+            </a:r>
+            <a:r>
+              <a:rPr lang="en-US" sz="1400" b="1" noProof="1">
+                <a:solidFill>
+                  <a:schemeClr val="bg1"/>
+                </a:solidFill>
+                <a:latin typeface="Consolas" pitchFamily="49" charset="0"/>
+                <a:cs typeface="Consolas" pitchFamily="49" charset="0"/>
+              </a:rPr>
+              <a:t>DataSource</a:t>
+            </a:r>
+            <a:r>
+              <a:rPr lang="en-US" sz="1400" b="1" noProof="1">
+                <a:latin typeface="Consolas" pitchFamily="49" charset="0"/>
+                <a:cs typeface="Consolas" pitchFamily="49" charset="0"/>
+              </a:rPr>
+              <a:t> = </a:t>
+            </a:r>
+            <a:r>
+              <a:rPr lang="en-US" sz="1400" b="1" noProof="1">
+                <a:solidFill>
+                  <a:schemeClr val="bg1"/>
+                </a:solidFill>
+                <a:latin typeface="Consolas" pitchFamily="49" charset="0"/>
+                <a:cs typeface="Consolas" pitchFamily="49" charset="0"/>
+              </a:rPr>
+              <a:t>towns</a:t>
+            </a:r>
+            <a:r>
+              <a:rPr lang="en-US" sz="1400" b="1" dirty="0">
+                <a:latin typeface="Consolas" panose="020B0609020204030204" pitchFamily="49" charset="0"/>
+              </a:rPr>
+              <a:t>;</a:t>
             </a:r>
           </a:p>
           <a:p>
@@ -14541,10 +14644,10 @@
               <a:buNone/>
             </a:pPr>
             <a:r>
-              <a:rPr lang="en-US" sz="1600" b="1" dirty="0">
+              <a:rPr lang="en-US" sz="1400" b="1" dirty="0">
                 <a:latin typeface="Consolas" panose="020B0609020204030204" pitchFamily="49" charset="0"/>
               </a:rPr>
-              <a:t>     {</a:t>
+              <a:t>     }</a:t>
             </a:r>
           </a:p>
           <a:p>
@@ -14563,175 +14666,7 @@
               <a:buNone/>
             </a:pPr>
             <a:r>
-              <a:rPr lang="bg-BG" sz="1600" b="1" dirty="0">
-                <a:latin typeface="Consolas" panose="020B0609020204030204" pitchFamily="49" charset="0"/>
-              </a:rPr>
-              <a:t>         </a:t>
-            </a:r>
-            <a:r>
-              <a:rPr lang="en-US" sz="1600" b="1" dirty="0">
-                <a:latin typeface="Consolas" panose="020B0609020204030204" pitchFamily="49" charset="0"/>
-              </a:rPr>
-              <a:t>var towns = dbContext.Towns.</a:t>
-            </a:r>
-            <a:r>
-              <a:rPr lang="en-US" sz="1600" b="1" dirty="0">
-                <a:solidFill>
-                  <a:schemeClr val="bg1"/>
-                </a:solidFill>
-                <a:latin typeface="Consolas" panose="020B0609020204030204" pitchFamily="49" charset="0"/>
-              </a:rPr>
-              <a:t>Where</a:t>
-            </a:r>
-            <a:r>
-              <a:rPr lang="en-US" sz="1600" b="1" dirty="0">
-                <a:latin typeface="Consolas" panose="020B0609020204030204" pitchFamily="49" charset="0"/>
-              </a:rPr>
-              <a:t>(t =&gt; t.</a:t>
-            </a:r>
-            <a:r>
-              <a:rPr lang="en-US" sz="1600" b="1" dirty="0">
-                <a:solidFill>
-                  <a:schemeClr val="bg1"/>
-                </a:solidFill>
-                <a:latin typeface="Consolas" panose="020B0609020204030204" pitchFamily="49" charset="0"/>
-              </a:rPr>
-              <a:t>CountryId</a:t>
-            </a:r>
-            <a:r>
-              <a:rPr lang="en-US" sz="1600" b="1" dirty="0">
-                <a:latin typeface="Consolas" panose="020B0609020204030204" pitchFamily="49" charset="0"/>
-              </a:rPr>
-              <a:t> == </a:t>
-            </a:r>
-            <a:r>
-              <a:rPr lang="en-US" sz="1600" b="1" dirty="0">
-                <a:solidFill>
-                  <a:schemeClr val="bg1"/>
-                </a:solidFill>
-                <a:latin typeface="Consolas" panose="020B0609020204030204" pitchFamily="49" charset="0"/>
-              </a:rPr>
-              <a:t>selectedCountry</a:t>
-            </a:r>
-            <a:r>
-              <a:rPr lang="en-US" sz="1600" b="1" dirty="0">
-                <a:latin typeface="Consolas" panose="020B0609020204030204" pitchFamily="49" charset="0"/>
-              </a:rPr>
-              <a:t>.</a:t>
-            </a:r>
-            <a:r>
-              <a:rPr lang="en-US" sz="1600" b="1" dirty="0">
-                <a:solidFill>
-                  <a:schemeClr val="bg1"/>
-                </a:solidFill>
-                <a:latin typeface="Consolas" panose="020B0609020204030204" pitchFamily="49" charset="0"/>
-              </a:rPr>
-              <a:t>CountryId</a:t>
-            </a:r>
-            <a:r>
-              <a:rPr lang="en-US" sz="1600" b="1" dirty="0">
-                <a:latin typeface="Consolas" panose="020B0609020204030204" pitchFamily="49" charset="0"/>
-              </a:rPr>
-              <a:t>).ToArray();</a:t>
-            </a:r>
-          </a:p>
-          <a:p>
-            <a:pPr>
-              <a:spcBef>
-                <a:spcPts val="600"/>
-              </a:spcBef>
-              <a:spcAft>
-                <a:spcPts val="600"/>
-              </a:spcAft>
-              <a:buClr>
-                <a:srgbClr val="F2B254"/>
-              </a:buClr>
-              <a:buSzPct val="100000"/>
-              <a:buFont typeface="Wingdings" panose="05000000000000000000" pitchFamily="2" charset="2"/>
-              <a:buNone/>
-            </a:pPr>
-            <a:r>
-              <a:rPr lang="bg-BG" sz="1600" b="1" dirty="0">
-                <a:latin typeface="Consolas" panose="020B0609020204030204" pitchFamily="49" charset="0"/>
-              </a:rPr>
-              <a:t>         </a:t>
-            </a:r>
-            <a:r>
-              <a:rPr lang="en-US" sz="1600" b="1" dirty="0">
-                <a:latin typeface="Consolas" panose="020B0609020204030204" pitchFamily="49" charset="0"/>
-              </a:rPr>
-              <a:t>this.</a:t>
-            </a:r>
-            <a:r>
-              <a:rPr lang="en-US" sz="1600" b="1" dirty="0">
-                <a:solidFill>
-                  <a:schemeClr val="bg1"/>
-                </a:solidFill>
-                <a:latin typeface="Consolas" panose="020B0609020204030204" pitchFamily="49" charset="0"/>
-              </a:rPr>
-              <a:t>dataGridViewTowns</a:t>
-            </a:r>
-            <a:r>
-              <a:rPr lang="en-US" sz="1600" b="1" dirty="0">
-                <a:latin typeface="Consolas" panose="020B0609020204030204" pitchFamily="49" charset="0"/>
-              </a:rPr>
-              <a:t>.</a:t>
-            </a:r>
-            <a:r>
-              <a:rPr lang="en-US" sz="1600" b="1" dirty="0">
-                <a:solidFill>
-                  <a:schemeClr val="bg1"/>
-                </a:solidFill>
-                <a:latin typeface="Consolas" panose="020B0609020204030204" pitchFamily="49" charset="0"/>
-              </a:rPr>
-              <a:t>DataSource</a:t>
-            </a:r>
-            <a:r>
-              <a:rPr lang="en-US" sz="1600" b="1" dirty="0">
-                <a:latin typeface="Consolas" panose="020B0609020204030204" pitchFamily="49" charset="0"/>
-              </a:rPr>
-              <a:t> = towns;</a:t>
-            </a:r>
-          </a:p>
-          <a:p>
-            <a:pPr>
-              <a:spcBef>
-                <a:spcPts val="600"/>
-              </a:spcBef>
-              <a:spcAft>
-                <a:spcPts val="600"/>
-              </a:spcAft>
-              <a:buClr>
-                <a:srgbClr val="F2B254"/>
-              </a:buClr>
-              <a:buSzPct val="100000"/>
-              <a:buFont typeface="Wingdings" panose="05000000000000000000" pitchFamily="2" charset="2"/>
-              <a:buNone/>
-            </a:pPr>
-            <a:r>
-              <a:rPr lang="en-US" sz="1600" b="1" dirty="0">
-                <a:latin typeface="Consolas" panose="020B0609020204030204" pitchFamily="49" charset="0"/>
-              </a:rPr>
-              <a:t>     }</a:t>
-            </a:r>
-          </a:p>
-          <a:p>
-            <a:pPr>
-              <a:spcBef>
-                <a:spcPts val="600"/>
-              </a:spcBef>
-              <a:spcAft>
-                <a:spcPts val="600"/>
-              </a:spcAft>
-              <a:buClr>
-                <a:srgbClr val="F2B254"/>
-              </a:buClr>
-              <a:buSzPct val="100000"/>
-              <a:buFont typeface="Wingdings" panose="05000000000000000000" pitchFamily="2" charset="2"/>
-              <a:buNone/>
-            </a:pPr>
-            <a:r>
-              <a:rPr lang="en-US" sz="1600" b="1" dirty="0">
+              <a:rPr lang="en-US" sz="1400" b="1" dirty="0">
                 <a:latin typeface="Consolas" panose="020B0609020204030204" pitchFamily="49" charset="0"/>
               </a:rPr>
               <a:t> }</a:t>
@@ -14769,9 +14704,6 @@
                     <p:cTn id="3" fill="hold">
                       <p:stCondLst>
                         <p:cond delay="indefinite"/>
-                        <p:cond evt="onBegin" delay="0">
-                          <p:tn val="2"/>
-                        </p:cond>
                       </p:stCondLst>
                       <p:childTnLst>
                         <p:par>
@@ -14781,7 +14713,7 @@
                             </p:stCondLst>
                             <p:childTnLst>
                               <p:par>
-                                <p:cTn id="5" presetID="1" presetClass="entr" presetSubtype="0" fill="hold" grpId="0" nodeType="withEffect">
+                                <p:cTn id="5" presetID="1" presetClass="entr" presetSubtype="0" fill="hold" nodeType="clickEffect">
                                   <p:stCondLst>
                                     <p:cond delay="0"/>
                                   </p:stCondLst>
@@ -14789,82 +14721,6 @@
                                     <p:set>
                                       <p:cBhvr>
                                         <p:cTn id="6" dur="1" fill="hold">
-                                          <p:stCondLst>
-                                            <p:cond delay="0"/>
-                                          </p:stCondLst>
-                                        </p:cTn>
-                                        <p:tgtEl>
-                                          <p:spTgt spid="5"/>
-                                        </p:tgtEl>
-                                        <p:attrNameLst>
-                                          <p:attrName>style.visibility</p:attrName>
-                                        </p:attrNameLst>
-                                      </p:cBhvr>
-                                      <p:to>
-                                        <p:strVal val="visible"/>
-                                      </p:to>
-                                    </p:set>
-                                  </p:childTnLst>
-                                </p:cTn>
-                              </p:par>
-                              <p:par>
-                                <p:cTn id="7" presetID="1" presetClass="entr" presetSubtype="0" fill="hold" nodeType="withEffect">
-                                  <p:stCondLst>
-                                    <p:cond delay="0"/>
-                                  </p:stCondLst>
-                                  <p:childTnLst>
-                                    <p:set>
-                                      <p:cBhvr>
-                                        <p:cTn id="8" dur="1" fill="hold">
-                                          <p:stCondLst>
-                                            <p:cond delay="0"/>
-                                          </p:stCondLst>
-                                        </p:cTn>
-                                        <p:tgtEl>
-                                          <p:spTgt spid="3">
-                                            <p:txEl>
-                                              <p:pRg st="0" end="0"/>
-                                            </p:txEl>
-                                          </p:spTgt>
-                                        </p:tgtEl>
-                                        <p:attrNameLst>
-                                          <p:attrName>style.visibility</p:attrName>
-                                        </p:attrNameLst>
-                                      </p:cBhvr>
-                                      <p:to>
-                                        <p:strVal val="visible"/>
-                                      </p:to>
-                                    </p:set>
-                                  </p:childTnLst>
-                                </p:cTn>
-                              </p:par>
-                            </p:childTnLst>
-                          </p:cTn>
-                        </p:par>
-                      </p:childTnLst>
-                    </p:cTn>
-                  </p:par>
-                  <p:par>
-                    <p:cTn id="9" fill="hold">
-                      <p:stCondLst>
-                        <p:cond delay="indefinite"/>
-                      </p:stCondLst>
-                      <p:childTnLst>
-                        <p:par>
-                          <p:cTn id="10" fill="hold">
-                            <p:stCondLst>
-                              <p:cond delay="0"/>
-                            </p:stCondLst>
-                            <p:childTnLst>
-                              <p:par>
-                                <p:cTn id="11" presetID="1" presetClass="entr" presetSubtype="0" fill="hold" nodeType="clickEffect">
-                                  <p:stCondLst>
-                                    <p:cond delay="0"/>
-                                  </p:stCondLst>
-                                  <p:childTnLst>
-                                    <p:set>
-                                      <p:cBhvr>
-                                        <p:cTn id="12" dur="1" fill="hold">
                                           <p:stCondLst>
                                             <p:cond delay="0"/>
                                           </p:stCondLst>
@@ -14914,9 +14770,6 @@
         </p:cTn>
       </p:par>
     </p:tnLst>
-    <p:bldLst>
-      <p:bldP spid="5" grpId="0" animBg="1"/>
-    </p:bldLst>
   </p:timing>
 </p:sld>
 </file>
@@ -15298,14 +15151,14 @@
               <a:t>    this.</a:t>
             </a:r>
             <a:r>
-              <a:rPr lang="en-US" sz="1700" b="1" noProof="1">
+              <a:rPr lang="en-GB" b="1" dirty="0">
                 <a:solidFill>
                   <a:schemeClr val="bg1"/>
                 </a:solidFill>
-                <a:latin typeface="Consolas" pitchFamily="49" charset="0"/>
-                <a:cs typeface="Consolas" pitchFamily="49" charset="0"/>
-              </a:rPr>
-              <a:t>dataGridViewCountries</a:t>
+                <a:latin typeface="Consolas" panose="020B0609020204030204" pitchFamily="49" charset="0"/>
+                <a:cs typeface="Consolas" panose="020B0609020204030204" pitchFamily="49" charset="0"/>
+              </a:rPr>
+              <a:t>countryBindingSource</a:t>
             </a:r>
             <a:r>
               <a:rPr lang="en-US" sz="1700" b="1" noProof="1">
@@ -16230,7 +16083,7 @@
                 <a:latin typeface="Consolas" panose="020B0609020204030204" pitchFamily="49" charset="0"/>
                 <a:cs typeface="Consolas" panose="020B0609020204030204" pitchFamily="49" charset="0"/>
               </a:rPr>
-              <a:t>dataGridViewCountries</a:t>
+              <a:t>countryBindingSource</a:t>
             </a:r>
             <a:r>
               <a:rPr lang="en-GB" sz="1600" b="1" dirty="0">
@@ -16593,15 +16446,33 @@
                                   </p:childTnLst>
                                 </p:cTn>
                               </p:par>
+                            </p:childTnLst>
+                          </p:cTn>
+                        </p:par>
+                      </p:childTnLst>
+                    </p:cTn>
+                  </p:par>
+                  <p:par>
+                    <p:cTn id="15" fill="hold">
+                      <p:stCondLst>
+                        <p:cond delay="indefinite"/>
+                      </p:stCondLst>
+                      <p:childTnLst>
+                        <p:par>
+                          <p:cTn id="16" fill="hold">
+                            <p:stCondLst>
+                              <p:cond delay="0"/>
+                            </p:stCondLst>
+                            <p:childTnLst>
                               <p:par>
-                                <p:cTn id="15" presetID="1" presetClass="entr" presetSubtype="0" fill="hold" grpId="0" nodeType="withEffect">
+                                <p:cTn id="17" presetID="1" presetClass="entr" presetSubtype="0" fill="hold" grpId="0" nodeType="clickEffect">
                                   <p:stCondLst>
                                     <p:cond delay="0"/>
                                   </p:stCondLst>
                                   <p:childTnLst>
                                     <p:set>
                                       <p:cBhvr>
-                                        <p:cTn id="16" dur="1" fill="hold">
+                                        <p:cTn id="18" dur="1" fill="hold">
                                           <p:stCondLst>
                                             <p:cond delay="0"/>
                                           </p:stCondLst>
@@ -17287,7 +17158,7 @@
         </p:nvSpPr>
         <p:spPr bwMode="auto">
           <a:xfrm>
-            <a:off x="190402" y="1635529"/>
+            <a:off x="627830" y="1615167"/>
             <a:ext cx="11125200" cy="5173312"/>
           </a:xfrm>
           <a:prstGeom prst="rect">
@@ -17727,7 +17598,28 @@
                 <a:latin typeface="Consolas" panose="020B0609020204030204" pitchFamily="49" charset="0"/>
                 <a:cs typeface="Consolas" panose="020B0609020204030204" pitchFamily="49" charset="0"/>
               </a:rPr>
-              <a:t>this.dataGridViewCountries.</a:t>
+              <a:t>this.</a:t>
+            </a:r>
+            <a:r>
+              <a:rPr kumimoji="0" lang="en-GB" sz="1400" b="1" i="0" u="none" strike="noStrike" kern="1200" cap="none" spc="0" normalizeH="0" baseline="0" noProof="0" dirty="0">
+                <a:ln>
+                  <a:noFill/>
+                </a:ln>
+                <a:effectLst/>
+                <a:uLnTx/>
+                <a:uFillTx/>
+                <a:latin typeface="Consolas" panose="020B0609020204030204" pitchFamily="49" charset="0"/>
+                <a:ea typeface="+mn-ea"/>
+                <a:cs typeface="Consolas" panose="020B0609020204030204" pitchFamily="49" charset="0"/>
+              </a:rPr>
+              <a:t>countryBindingSource</a:t>
+            </a:r>
+            <a:r>
+              <a:rPr lang="en-GB" sz="1400" b="1" dirty="0">
+                <a:latin typeface="Consolas" panose="020B0609020204030204" pitchFamily="49" charset="0"/>
+                <a:cs typeface="Consolas" panose="020B0609020204030204" pitchFamily="49" charset="0"/>
+              </a:rPr>
+              <a:t>.</a:t>
             </a:r>
             <a:r>
               <a:rPr lang="en-GB" sz="1400" b="1" dirty="0">
@@ -19876,11 +19768,11 @@
   <p:clrMapOvr>
     <a:masterClrMapping/>
   </p:clrMapOvr>
-  <mc:AlternateContent xmlns:mc="http://schemas.openxmlformats.org/markup-compatibility/2006">
-    <mc:Choice xmlns:p14="http://schemas.microsoft.com/office/powerpoint/2010/main" Requires="p14">
+  <mc:AlternateContent xmlns:mc="http://schemas.openxmlformats.org/markup-compatibility/2006" xmlns:p14="http://schemas.microsoft.com/office/powerpoint/2010/main">
+    <mc:Choice Requires="p14">
       <p:transition spd="slow" p14:dur="2000" advClick="0" advTm="5000"/>
     </mc:Choice>
-    <mc:Fallback>
+    <mc:Fallback xmlns="">
       <p:transition spd="slow" advClick="0" advTm="5000"/>
     </mc:Fallback>
   </mc:AlternateContent>

--- a/Courses/Software-Sciences/Module-4-Information-Systems-New/08-Navigation-between-Tables/08-Navigation-between-Tables.pptx
+++ b/Courses/Software-Sciences/Module-4-Information-Systems-New/08-Navigation-between-Tables/08-Navigation-between-Tables.pptx
@@ -329,7 +329,7 @@
           <a:p>
             <a:fld id="{4E087215-0C8F-4762-A664-737A353EC9A4}" type="datetimeFigureOut">
               <a:rPr lang="bg-BG" smtClean="0"/>
-              <a:t>10.09.24 г.</a:t>
+              <a:t>12.09.24 г.</a:t>
             </a:fld>
             <a:endParaRPr lang="bg-BG"/>
           </a:p>
@@ -525,7 +525,7 @@
           <a:p>
             <a:fld id="{72D84649-876A-46C9-8472-14CB09C070D8}" type="datetimeFigureOut">
               <a:rPr lang="en-US" smtClean="0"/>
-              <a:t>9/10/24</a:t>
+              <a:t>9/12/24</a:t>
             </a:fld>
             <a:endParaRPr lang="en-US"/>
           </a:p>
@@ -20366,14 +20366,13 @@
               </a:ext>
             </a:extLst>
           </a:blip>
-          <a:stretch>
-            <a:fillRect/>
-          </a:stretch>
+          <a:srcRect/>
+          <a:stretch/>
         </p:blipFill>
         <p:spPr>
           <a:xfrm>
-            <a:off x="808500" y="2500151"/>
-            <a:ext cx="10575000" cy="2920713"/>
+            <a:off x="808500" y="2554257"/>
+            <a:ext cx="10575000" cy="2812500"/>
           </a:xfrm>
           <a:prstGeom prst="rect">
             <a:avLst/>

--- a/Courses/Software-Sciences/Module-4-Information-Systems-New/08-Navigation-between-Tables/08-Navigation-between-Tables.pptx
+++ b/Courses/Software-Sciences/Module-4-Information-Systems-New/08-Navigation-between-Tables/08-Navigation-between-Tables.pptx
@@ -5,10 +5,10 @@
     <p:sldMasterId id="2147483675" r:id="rId1"/>
   </p:sldMasterIdLst>
   <p:notesMasterIdLst>
-    <p:notesMasterId r:id="rId32"/>
+    <p:notesMasterId r:id="rId34"/>
   </p:notesMasterIdLst>
   <p:handoutMasterIdLst>
-    <p:handoutMasterId r:id="rId33"/>
+    <p:handoutMasterId r:id="rId35"/>
   </p:handoutMasterIdLst>
   <p:sldIdLst>
     <p:sldId id="503" r:id="rId2"/>
@@ -30,17 +30,19 @@
     <p:sldId id="649" r:id="rId18"/>
     <p:sldId id="753" r:id="rId19"/>
     <p:sldId id="758" r:id="rId20"/>
-    <p:sldId id="757" r:id="rId21"/>
-    <p:sldId id="754" r:id="rId22"/>
-    <p:sldId id="768" r:id="rId23"/>
-    <p:sldId id="755" r:id="rId24"/>
-    <p:sldId id="759" r:id="rId25"/>
-    <p:sldId id="767" r:id="rId26"/>
-    <p:sldId id="756" r:id="rId27"/>
-    <p:sldId id="760" r:id="rId28"/>
-    <p:sldId id="633" r:id="rId29"/>
-    <p:sldId id="504" r:id="rId30"/>
-    <p:sldId id="505" r:id="rId31"/>
+    <p:sldId id="785" r:id="rId21"/>
+    <p:sldId id="786" r:id="rId22"/>
+    <p:sldId id="757" r:id="rId23"/>
+    <p:sldId id="754" r:id="rId24"/>
+    <p:sldId id="768" r:id="rId25"/>
+    <p:sldId id="755" r:id="rId26"/>
+    <p:sldId id="759" r:id="rId27"/>
+    <p:sldId id="767" r:id="rId28"/>
+    <p:sldId id="756" r:id="rId29"/>
+    <p:sldId id="760" r:id="rId30"/>
+    <p:sldId id="633" r:id="rId31"/>
+    <p:sldId id="504" r:id="rId32"/>
+    <p:sldId id="505" r:id="rId33"/>
   </p:sldIdLst>
   <p:sldSz cx="12192000" cy="6858000"/>
   <p:notesSz cx="6858000" cy="9144000"/>
@@ -183,6 +185,8 @@
             <p14:sldId id="649"/>
             <p14:sldId id="753"/>
             <p14:sldId id="758"/>
+            <p14:sldId id="785"/>
+            <p14:sldId id="786"/>
             <p14:sldId id="757"/>
             <p14:sldId id="754"/>
             <p14:sldId id="768"/>
@@ -329,7 +333,7 @@
           <a:p>
             <a:fld id="{4E087215-0C8F-4762-A664-737A353EC9A4}" type="datetimeFigureOut">
               <a:rPr lang="bg-BG" smtClean="0"/>
-              <a:t>12.09.24 г.</a:t>
+              <a:t>17.09.24 г.</a:t>
             </a:fld>
             <a:endParaRPr lang="bg-BG"/>
           </a:p>
@@ -525,7 +529,7 @@
           <a:p>
             <a:fld id="{72D84649-876A-46C9-8472-14CB09C070D8}" type="datetimeFigureOut">
               <a:rPr lang="en-US" smtClean="0"/>
-              <a:t>9/12/24</a:t>
+              <a:t>9/17/24</a:t>
             </a:fld>
             <a:endParaRPr lang="en-US"/>
           </a:p>
@@ -1018,7 +1022,7 @@
           <a:p>
             <a:fld id="{2BF067CD-8E6B-4360-9AA8-C5DF2A48A6D1}" type="slidenum">
               <a:rPr lang="en-US" smtClean="0"/>
-              <a:t>27</a:t>
+              <a:t>29</a:t>
             </a:fld>
             <a:endParaRPr lang="en-US" dirty="0"/>
           </a:p>
@@ -1246,7 +1250,7 @@
             <a:fld id="{3EBA5BD7-F043-4D1B-AA17-CD412FC534DE}" type="slidenum">
               <a:rPr lang="en-US" smtClean="0"/>
               <a:pPr/>
-              <a:t>28</a:t>
+              <a:t>30</a:t>
             </a:fld>
             <a:endParaRPr lang="en-US" dirty="0"/>
           </a:p>
@@ -1492,7 +1496,7 @@
             <a:fld id="{3EBA5BD7-F043-4D1B-AA17-CD412FC534DE}" type="slidenum">
               <a:rPr lang="en-US" smtClean="0"/>
               <a:pPr/>
-              <a:t>29</a:t>
+              <a:t>31</a:t>
             </a:fld>
             <a:endParaRPr lang="en-US" dirty="0"/>
           </a:p>
@@ -1722,7 +1726,7 @@
             <a:fld id="{3EBA5BD7-F043-4D1B-AA17-CD412FC534DE}" type="slidenum">
               <a:rPr lang="en-US" smtClean="0"/>
               <a:pPr/>
-              <a:t>30</a:t>
+              <a:t>32</a:t>
             </a:fld>
             <a:endParaRPr lang="en-US" dirty="0"/>
           </a:p>
@@ -12865,7 +12869,12 @@
             <p:ph type="body" sz="quarter" idx="10"/>
           </p:nvPr>
         </p:nvSpPr>
-        <p:spPr/>
+        <p:spPr>
+          <a:xfrm>
+            <a:off x="190402" y="1196125"/>
+            <a:ext cx="6715598" cy="5528766"/>
+          </a:xfrm>
+        </p:spPr>
         <p:txBody>
           <a:bodyPr>
             <a:normAutofit/>
@@ -12873,43 +12882,43 @@
           <a:lstStyle/>
           <a:p>
             <a:r>
-              <a:rPr lang="bg-BG" sz="3000" dirty="0"/>
+              <a:rPr lang="bg-BG" sz="2800" dirty="0"/>
               <a:t>Свързваме се с дадената </a:t>
             </a:r>
             <a:r>
-              <a:rPr lang="bg-BG" sz="3000" b="1" dirty="0"/>
+              <a:rPr lang="bg-BG" sz="2800" b="1" dirty="0"/>
               <a:t>БД</a:t>
             </a:r>
           </a:p>
           <a:p>
             <a:r>
-              <a:rPr lang="bg-BG" sz="3000" dirty="0"/>
+              <a:rPr lang="bg-BG" sz="2800" dirty="0"/>
               <a:t>Свързваме се с </a:t>
             </a:r>
             <a:r>
-              <a:rPr lang="en-US" sz="3000" b="1" dirty="0"/>
+              <a:rPr lang="en-US" sz="2800" b="1" dirty="0"/>
               <a:t>EF Core</a:t>
             </a:r>
           </a:p>
           <a:p>
             <a:r>
-              <a:rPr lang="bg-BG" sz="3000" dirty="0"/>
+              <a:rPr lang="bg-BG" sz="2800" dirty="0"/>
               <a:t>Добавяме </a:t>
             </a:r>
             <a:r>
-              <a:rPr lang="en-US" sz="3000" b="1" dirty="0"/>
+              <a:rPr lang="en-US" sz="2800" b="1" dirty="0"/>
               <a:t>Data Source</a:t>
             </a:r>
             <a:r>
-              <a:rPr lang="en-US" sz="3000" dirty="0"/>
+              <a:rPr lang="en-US" sz="2800" dirty="0"/>
               <a:t> </a:t>
             </a:r>
             <a:r>
-              <a:rPr lang="bg-BG" sz="3000" dirty="0"/>
+              <a:rPr lang="bg-BG" sz="2800" dirty="0"/>
               <a:t>към </a:t>
             </a:r>
             <a:r>
-              <a:rPr lang="en-US" sz="3000" b="1" dirty="0"/>
+              <a:rPr lang="en-US" sz="2800" b="1" dirty="0"/>
               <a:t>DataGridView</a:t>
             </a:r>
           </a:p>
@@ -13021,27 +13030,63 @@
           </a:p>
           <a:p>
             <a:r>
-              <a:rPr lang="bg-BG" sz="3000" dirty="0">
+              <a:rPr lang="bg-BG" sz="2800" dirty="0">
                 <a:latin typeface="Calibri" panose="020F0502020204030204" pitchFamily="34" charset="0"/>
                 <a:cs typeface="Calibri" panose="020F0502020204030204" pitchFamily="34" charset="0"/>
               </a:rPr>
               <a:t>Променяме </a:t>
             </a:r>
             <a:r>
-              <a:rPr lang="bg-BG" sz="3000" b="1" dirty="0">
+              <a:rPr lang="bg-BG" sz="2800" b="1" dirty="0">
                 <a:latin typeface="Calibri" panose="020F0502020204030204" pitchFamily="34" charset="0"/>
                 <a:cs typeface="Calibri" panose="020F0502020204030204" pitchFamily="34" charset="0"/>
               </a:rPr>
               <a:t>имената</a:t>
             </a:r>
             <a:r>
-              <a:rPr lang="bg-BG" sz="3000" dirty="0">
+              <a:rPr lang="bg-BG" sz="2800" dirty="0">
                 <a:latin typeface="Calibri" panose="020F0502020204030204" pitchFamily="34" charset="0"/>
                 <a:cs typeface="Calibri" panose="020F0502020204030204" pitchFamily="34" charset="0"/>
               </a:rPr>
               <a:t> на колоните</a:t>
             </a:r>
-            <a:endParaRPr lang="en-BG" sz="3000" dirty="0">
+          </a:p>
+          <a:p>
+            <a:r>
+              <a:rPr lang="bg-BG" sz="2800" b="1" dirty="0"/>
+              <a:t>Забраняваме</a:t>
+            </a:r>
+            <a:r>
+              <a:rPr lang="bg-BG" sz="2800" dirty="0"/>
+              <a:t> </a:t>
+            </a:r>
+            <a:r>
+              <a:rPr lang="bg-BG" sz="2800" b="1" dirty="0">
+                <a:solidFill>
+                  <a:schemeClr val="bg1"/>
+                </a:solidFill>
+              </a:rPr>
+              <a:t>редактирането</a:t>
+            </a:r>
+            <a:r>
+              <a:rPr lang="bg-BG" sz="2800" dirty="0"/>
+              <a:t> на колоните</a:t>
+            </a:r>
+            <a:r>
+              <a:rPr lang="en-US" sz="2800" dirty="0"/>
+              <a:t> </a:t>
+            </a:r>
+            <a:r>
+              <a:rPr lang="en-US" sz="2800" b="1" dirty="0">
+                <a:solidFill>
+                  <a:schemeClr val="bg1"/>
+                </a:solidFill>
+                <a:latin typeface="Consolas" panose="020B0609020204030204" pitchFamily="49" charset="0"/>
+                <a:cs typeface="Consolas" panose="020B0609020204030204" pitchFamily="49" charset="0"/>
+              </a:rPr>
+              <a:t>Id</a:t>
+            </a:r>
+            <a:endParaRPr lang="en-BG" sz="2800" dirty="0">
               <a:latin typeface="Calibri" panose="020F0502020204030204" pitchFamily="34" charset="0"/>
               <a:cs typeface="Calibri" panose="020F0502020204030204" pitchFamily="34" charset="0"/>
             </a:endParaRPr>
@@ -13117,8 +13162,8 @@
         </p:blipFill>
         <p:spPr>
           <a:xfrm>
-            <a:off x="7365771" y="1281824"/>
-            <a:ext cx="4408638" cy="3812176"/>
+            <a:off x="6741120" y="1208485"/>
+            <a:ext cx="5195617" cy="4492680"/>
           </a:xfrm>
           <a:prstGeom prst="rect">
             <a:avLst/>
@@ -13130,6 +13175,42 @@
               </a:schemeClr>
             </a:solidFill>
           </a:ln>
+        </p:spPr>
+      </p:pic>
+      <p:pic>
+        <p:nvPicPr>
+          <p:cNvPr id="6" name="Picture 5">
+            <a:extLst>
+              <a:ext uri="{FF2B5EF4-FFF2-40B4-BE49-F238E27FC236}">
+                <a16:creationId xmlns:a16="http://schemas.microsoft.com/office/drawing/2014/main" id="{569E8E92-F56C-4726-E237-A70635E3AC8A}"/>
+              </a:ext>
+            </a:extLst>
+          </p:cNvPr>
+          <p:cNvPicPr>
+            <a:picLocks/>
+          </p:cNvPicPr>
+          <p:nvPr/>
+        </p:nvPicPr>
+        <p:blipFill>
+          <a:blip r:embed="rId4">
+            <a:extLst>
+              <a:ext uri="{28A0092B-C50C-407E-A947-70E740481C1C}">
+                <a14:useLocalDpi xmlns:a14="http://schemas.microsoft.com/office/drawing/2010/main" val="0"/>
+              </a:ext>
+            </a:extLst>
+          </a:blip>
+          <a:stretch>
+            <a:fillRect/>
+          </a:stretch>
+        </p:blipFill>
+        <p:spPr>
+          <a:xfrm>
+            <a:off x="6731707" y="1182997"/>
+            <a:ext cx="5205030" cy="4541577"/>
+          </a:xfrm>
+          <a:prstGeom prst="rect">
+            <a:avLst/>
+          </a:prstGeom>
         </p:spPr>
       </p:pic>
     </p:spTree>
@@ -13403,6 +13484,100 @@
                       </p:childTnLst>
                     </p:cTn>
                   </p:par>
+                  <p:par>
+                    <p:cTn id="23" fill="hold">
+                      <p:stCondLst>
+                        <p:cond delay="indefinite"/>
+                      </p:stCondLst>
+                      <p:childTnLst>
+                        <p:par>
+                          <p:cTn id="24" fill="hold">
+                            <p:stCondLst>
+                              <p:cond delay="0"/>
+                            </p:stCondLst>
+                            <p:childTnLst>
+                              <p:par>
+                                <p:cTn id="25" presetID="1" presetClass="entr" presetSubtype="0" fill="hold" nodeType="clickEffect">
+                                  <p:stCondLst>
+                                    <p:cond delay="0"/>
+                                  </p:stCondLst>
+                                  <p:childTnLst>
+                                    <p:set>
+                                      <p:cBhvr>
+                                        <p:cTn id="26" dur="1" fill="hold">
+                                          <p:stCondLst>
+                                            <p:cond delay="0"/>
+                                          </p:stCondLst>
+                                        </p:cTn>
+                                        <p:tgtEl>
+                                          <p:spTgt spid="3">
+                                            <p:txEl>
+                                              <p:pRg st="6" end="6"/>
+                                            </p:txEl>
+                                          </p:spTgt>
+                                        </p:tgtEl>
+                                        <p:attrNameLst>
+                                          <p:attrName>style.visibility</p:attrName>
+                                        </p:attrNameLst>
+                                      </p:cBhvr>
+                                      <p:to>
+                                        <p:strVal val="visible"/>
+                                      </p:to>
+                                    </p:set>
+                                  </p:childTnLst>
+                                </p:cTn>
+                              </p:par>
+                            </p:childTnLst>
+                          </p:cTn>
+                        </p:par>
+                      </p:childTnLst>
+                    </p:cTn>
+                  </p:par>
+                  <p:par>
+                    <p:cTn id="27" fill="hold">
+                      <p:stCondLst>
+                        <p:cond delay="indefinite"/>
+                      </p:stCondLst>
+                      <p:childTnLst>
+                        <p:par>
+                          <p:cTn id="28" fill="hold">
+                            <p:stCondLst>
+                              <p:cond delay="0"/>
+                            </p:stCondLst>
+                            <p:childTnLst>
+                              <p:par>
+                                <p:cTn id="29" presetID="1" presetClass="entr" presetSubtype="0" fill="hold" nodeType="clickEffect">
+                                  <p:stCondLst>
+                                    <p:cond delay="0"/>
+                                  </p:stCondLst>
+                                  <p:childTnLst>
+                                    <p:set>
+                                      <p:cBhvr>
+                                        <p:cTn id="30" dur="1" fill="hold">
+                                          <p:stCondLst>
+                                            <p:cond delay="0"/>
+                                          </p:stCondLst>
+                                        </p:cTn>
+                                        <p:tgtEl>
+                                          <p:spTgt spid="6"/>
+                                        </p:tgtEl>
+                                        <p:attrNameLst>
+                                          <p:attrName>style.visibility</p:attrName>
+                                        </p:attrNameLst>
+                                      </p:cBhvr>
+                                      <p:to>
+                                        <p:strVal val="visible"/>
+                                      </p:to>
+                                    </p:set>
+                                  </p:childTnLst>
+                                </p:cTn>
+                              </p:par>
+                            </p:childTnLst>
+                          </p:cTn>
+                        </p:par>
+                      </p:childTnLst>
+                    </p:cTn>
+                  </p:par>
                 </p:childTnLst>
               </p:cTn>
               <p:prevCondLst>
@@ -14024,6 +14199,1553 @@
           <p:cNvPr id="2" name="Slide Number Placeholder 1">
             <a:extLst>
               <a:ext uri="{FF2B5EF4-FFF2-40B4-BE49-F238E27FC236}">
+                <a16:creationId xmlns:a16="http://schemas.microsoft.com/office/drawing/2014/main" id="{F3AF87FF-1318-696E-CC00-2C2B6621789F}"/>
+              </a:ext>
+            </a:extLst>
+          </p:cNvPr>
+          <p:cNvSpPr>
+            <a:spLocks noGrp="1"/>
+          </p:cNvSpPr>
+          <p:nvPr>
+            <p:ph type="sldNum" sz="quarter" idx="5"/>
+          </p:nvPr>
+        </p:nvSpPr>
+        <p:spPr/>
+        <p:txBody>
+          <a:bodyPr/>
+          <a:lstStyle/>
+          <a:p>
+            <a:fld id="{2BF067CD-8E6B-4360-9AA8-C5DF2A48A6D1}" type="slidenum">
+              <a:rPr lang="en-US" noProof="0" smtClean="0"/>
+              <a:pPr/>
+              <a:t>20</a:t>
+            </a:fld>
+            <a:endParaRPr lang="en-US" noProof="0" dirty="0"/>
+          </a:p>
+        </p:txBody>
+      </p:sp>
+      <p:sp>
+        <p:nvSpPr>
+          <p:cNvPr id="3" name="Text Placeholder 2">
+            <a:extLst>
+              <a:ext uri="{FF2B5EF4-FFF2-40B4-BE49-F238E27FC236}">
+                <a16:creationId xmlns:a16="http://schemas.microsoft.com/office/drawing/2014/main" id="{70810851-4790-2FC0-3F9D-A1CF7D2C9A2E}"/>
+              </a:ext>
+            </a:extLst>
+          </p:cNvPr>
+          <p:cNvSpPr>
+            <a:spLocks noGrp="1"/>
+          </p:cNvSpPr>
+          <p:nvPr>
+            <p:ph type="body" sz="quarter" idx="10"/>
+          </p:nvPr>
+        </p:nvSpPr>
+        <p:spPr/>
+        <p:txBody>
+          <a:bodyPr/>
+          <a:lstStyle/>
+          <a:p>
+            <a:r>
+              <a:rPr lang="bg-BG" sz="2200" dirty="0"/>
+              <a:t>Добавяме </a:t>
+            </a:r>
+            <a:r>
+              <a:rPr lang="bg-BG" sz="2200" b="1" dirty="0">
+                <a:solidFill>
+                  <a:schemeClr val="bg1"/>
+                </a:solidFill>
+              </a:rPr>
+              <a:t>метод-обработчик</a:t>
+            </a:r>
+            <a:r>
+              <a:rPr lang="bg-BG" sz="2200" dirty="0"/>
+              <a:t> на </a:t>
+            </a:r>
+            <a:r>
+              <a:rPr lang="bg-BG" sz="2200" b="1" dirty="0"/>
+              <a:t>формата</a:t>
+            </a:r>
+            <a:r>
+              <a:rPr lang="bg-BG" sz="2200" dirty="0"/>
+              <a:t> при събитието </a:t>
+            </a:r>
+            <a:r>
+              <a:rPr lang="en-US" sz="2200" b="1" dirty="0">
+                <a:solidFill>
+                  <a:schemeClr val="bg1"/>
+                </a:solidFill>
+                <a:latin typeface="Consolas" panose="020B0609020204030204" pitchFamily="49" charset="0"/>
+                <a:cs typeface="Consolas" panose="020B0609020204030204" pitchFamily="49" charset="0"/>
+              </a:rPr>
+              <a:t>Load</a:t>
+            </a:r>
+          </a:p>
+          <a:p>
+            <a:endParaRPr lang="en-US" dirty="0"/>
+          </a:p>
+          <a:p>
+            <a:pPr marL="0" indent="0">
+              <a:buNone/>
+            </a:pPr>
+            <a:endParaRPr lang="bg-BG" sz="2400" dirty="0"/>
+          </a:p>
+          <a:p>
+            <a:pPr marL="0" indent="0">
+              <a:buNone/>
+            </a:pPr>
+            <a:endParaRPr lang="bg-BG" sz="100" dirty="0"/>
+          </a:p>
+          <a:p>
+            <a:r>
+              <a:rPr lang="bg-BG" sz="2200" dirty="0"/>
+              <a:t>Зареждаме </a:t>
+            </a:r>
+            <a:r>
+              <a:rPr lang="bg-BG" sz="2200" b="1" dirty="0">
+                <a:solidFill>
+                  <a:schemeClr val="bg1"/>
+                </a:solidFill>
+              </a:rPr>
+              <a:t>държавите</a:t>
+            </a:r>
+            <a:r>
+              <a:rPr lang="bg-BG" sz="2200" dirty="0"/>
+              <a:t> и </a:t>
+            </a:r>
+            <a:r>
+              <a:rPr lang="bg-BG" sz="2200" b="1" dirty="0">
+                <a:solidFill>
+                  <a:schemeClr val="bg1"/>
+                </a:solidFill>
+              </a:rPr>
+              <a:t>градовете</a:t>
+            </a:r>
+            <a:r>
+              <a:rPr lang="bg-BG" sz="2200" dirty="0"/>
+              <a:t> от </a:t>
+            </a:r>
+            <a:r>
+              <a:rPr lang="bg-BG" sz="2200" b="1" dirty="0"/>
+              <a:t>БД</a:t>
+            </a:r>
+          </a:p>
+          <a:p>
+            <a:endParaRPr lang="en-BG" dirty="0"/>
+          </a:p>
+        </p:txBody>
+      </p:sp>
+      <p:sp>
+        <p:nvSpPr>
+          <p:cNvPr id="4" name="Title 3">
+            <a:extLst>
+              <a:ext uri="{FF2B5EF4-FFF2-40B4-BE49-F238E27FC236}">
+                <a16:creationId xmlns:a16="http://schemas.microsoft.com/office/drawing/2014/main" id="{A68D83C9-FB5D-2A19-030C-321D25436A47}"/>
+              </a:ext>
+            </a:extLst>
+          </p:cNvPr>
+          <p:cNvSpPr>
+            <a:spLocks noGrp="1"/>
+          </p:cNvSpPr>
+          <p:nvPr>
+            <p:ph type="title"/>
+          </p:nvPr>
+        </p:nvSpPr>
+        <p:spPr/>
+        <p:txBody>
+          <a:bodyPr/>
+          <a:lstStyle/>
+          <a:p>
+            <a:r>
+              <a:rPr lang="bg-BG" dirty="0"/>
+              <a:t>Зареждане на данни от БД </a:t>
+            </a:r>
+            <a:r>
+              <a:rPr lang="en-US" dirty="0"/>
+              <a:t>(1)</a:t>
+            </a:r>
+            <a:endParaRPr lang="en-BG" dirty="0"/>
+          </a:p>
+        </p:txBody>
+      </p:sp>
+      <p:pic>
+        <p:nvPicPr>
+          <p:cNvPr id="6" name="Picture 5">
+            <a:extLst>
+              <a:ext uri="{FF2B5EF4-FFF2-40B4-BE49-F238E27FC236}">
+                <a16:creationId xmlns:a16="http://schemas.microsoft.com/office/drawing/2014/main" id="{A984BF3B-7DF7-9819-B720-E32767DD3263}"/>
+              </a:ext>
+            </a:extLst>
+          </p:cNvPr>
+          <p:cNvPicPr>
+            <a:picLocks noChangeAspect="1"/>
+          </p:cNvPicPr>
+          <p:nvPr/>
+        </p:nvPicPr>
+        <p:blipFill>
+          <a:blip r:embed="rId2">
+            <a:extLst>
+              <a:ext uri="{28A0092B-C50C-407E-A947-70E740481C1C}">
+                <a14:useLocalDpi xmlns:a14="http://schemas.microsoft.com/office/drawing/2010/main" val="0"/>
+              </a:ext>
+            </a:extLst>
+          </a:blip>
+          <a:srcRect/>
+          <a:stretch/>
+        </p:blipFill>
+        <p:spPr>
+          <a:xfrm>
+            <a:off x="606000" y="1629000"/>
+            <a:ext cx="2833704" cy="1498397"/>
+          </a:xfrm>
+          <a:prstGeom prst="rect">
+            <a:avLst/>
+          </a:prstGeom>
+          <a:ln>
+            <a:solidFill>
+              <a:schemeClr val="bg2">
+                <a:lumMod val="75000"/>
+              </a:schemeClr>
+            </a:solidFill>
+          </a:ln>
+        </p:spPr>
+      </p:pic>
+      <p:sp>
+        <p:nvSpPr>
+          <p:cNvPr id="9" name="Text Placeholder 4">
+            <a:extLst>
+              <a:ext uri="{FF2B5EF4-FFF2-40B4-BE49-F238E27FC236}">
+                <a16:creationId xmlns:a16="http://schemas.microsoft.com/office/drawing/2014/main" id="{2433A25A-70EB-0A45-5167-A7069EB06D9D}"/>
+              </a:ext>
+            </a:extLst>
+          </p:cNvPr>
+          <p:cNvSpPr txBox="1">
+            <a:spLocks/>
+          </p:cNvSpPr>
+          <p:nvPr/>
+        </p:nvSpPr>
+        <p:spPr>
+          <a:xfrm>
+            <a:off x="606000" y="3500260"/>
+            <a:ext cx="11147030" cy="3323987"/>
+          </a:xfrm>
+          <a:prstGeom prst="rect">
+            <a:avLst/>
+          </a:prstGeom>
+          <a:solidFill>
+            <a:schemeClr val="accent5">
+              <a:lumMod val="40000"/>
+              <a:lumOff val="60000"/>
+              <a:alpha val="15000"/>
+            </a:schemeClr>
+          </a:solidFill>
+          <a:ln w="12700">
+            <a:solidFill>
+              <a:schemeClr val="accent5">
+                <a:lumMod val="60000"/>
+                <a:lumOff val="40000"/>
+              </a:schemeClr>
+            </a:solidFill>
+          </a:ln>
+        </p:spPr>
+        <p:txBody>
+          <a:bodyPr wrap="square">
+            <a:spAutoFit/>
+          </a:bodyPr>
+          <a:lstStyle/>
+          <a:p>
+            <a:r>
+              <a:rPr lang="en-GB" sz="1400" b="1" dirty="0">
+                <a:latin typeface="Consolas" panose="020B0609020204030204" pitchFamily="49" charset="0"/>
+                <a:cs typeface="Consolas" panose="020B0609020204030204" pitchFamily="49" charset="0"/>
+              </a:rPr>
+              <a:t>private Country[] </a:t>
+            </a:r>
+            <a:r>
+              <a:rPr lang="en-GB" sz="1400" b="1" dirty="0">
+                <a:solidFill>
+                  <a:schemeClr val="bg1"/>
+                </a:solidFill>
+                <a:latin typeface="Consolas" panose="020B0609020204030204" pitchFamily="49" charset="0"/>
+                <a:cs typeface="Consolas" panose="020B0609020204030204" pitchFamily="49" charset="0"/>
+              </a:rPr>
+              <a:t>LoadCountriesFromDb</a:t>
+            </a:r>
+            <a:r>
+              <a:rPr lang="en-GB" sz="1400" b="1" dirty="0">
+                <a:latin typeface="Consolas" panose="020B0609020204030204" pitchFamily="49" charset="0"/>
+                <a:cs typeface="Consolas" panose="020B0609020204030204" pitchFamily="49" charset="0"/>
+              </a:rPr>
+              <a:t>()</a:t>
+            </a:r>
+          </a:p>
+          <a:p>
+            <a:r>
+              <a:rPr lang="en-GB" sz="1400" b="1" dirty="0">
+                <a:latin typeface="Consolas" panose="020B0609020204030204" pitchFamily="49" charset="0"/>
+                <a:cs typeface="Consolas" panose="020B0609020204030204" pitchFamily="49" charset="0"/>
+              </a:rPr>
+              <a:t>{</a:t>
+            </a:r>
+          </a:p>
+          <a:p>
+            <a:r>
+              <a:rPr lang="en-GB" sz="1400" b="1" dirty="0">
+                <a:latin typeface="Consolas" panose="020B0609020204030204" pitchFamily="49" charset="0"/>
+                <a:cs typeface="Consolas" panose="020B0609020204030204" pitchFamily="49" charset="0"/>
+              </a:rPr>
+              <a:t>    using (var db = new </a:t>
+            </a:r>
+            <a:r>
+              <a:rPr lang="en-GB" sz="1400" b="1" dirty="0">
+                <a:solidFill>
+                  <a:schemeClr val="bg1"/>
+                </a:solidFill>
+                <a:latin typeface="Consolas" panose="020B0609020204030204" pitchFamily="49" charset="0"/>
+                <a:cs typeface="Consolas" panose="020B0609020204030204" pitchFamily="49" charset="0"/>
+              </a:rPr>
+              <a:t>CountriesDbContext</a:t>
+            </a:r>
+            <a:r>
+              <a:rPr lang="en-GB" sz="1400" b="1" dirty="0">
+                <a:latin typeface="Consolas" panose="020B0609020204030204" pitchFamily="49" charset="0"/>
+                <a:cs typeface="Consolas" panose="020B0609020204030204" pitchFamily="49" charset="0"/>
+              </a:rPr>
+              <a:t>())</a:t>
+            </a:r>
+          </a:p>
+          <a:p>
+            <a:r>
+              <a:rPr lang="en-GB" sz="1400" b="1" dirty="0">
+                <a:latin typeface="Consolas" panose="020B0609020204030204" pitchFamily="49" charset="0"/>
+                <a:cs typeface="Consolas" panose="020B0609020204030204" pitchFamily="49" charset="0"/>
+              </a:rPr>
+              <a:t>    {</a:t>
+            </a:r>
+          </a:p>
+          <a:p>
+            <a:r>
+              <a:rPr lang="en-GB" sz="1400" b="1" dirty="0">
+                <a:latin typeface="Consolas" panose="020B0609020204030204" pitchFamily="49" charset="0"/>
+                <a:cs typeface="Consolas" panose="020B0609020204030204" pitchFamily="49" charset="0"/>
+              </a:rPr>
+              <a:t>        return db.</a:t>
+            </a:r>
+            <a:r>
+              <a:rPr lang="en-GB" sz="1400" b="1" dirty="0">
+                <a:solidFill>
+                  <a:schemeClr val="bg1"/>
+                </a:solidFill>
+                <a:latin typeface="Consolas" panose="020B0609020204030204" pitchFamily="49" charset="0"/>
+                <a:cs typeface="Consolas" panose="020B0609020204030204" pitchFamily="49" charset="0"/>
+              </a:rPr>
+              <a:t>Countries</a:t>
+            </a:r>
+            <a:r>
+              <a:rPr lang="en-GB" sz="1400" b="1" dirty="0">
+                <a:latin typeface="Consolas" panose="020B0609020204030204" pitchFamily="49" charset="0"/>
+                <a:cs typeface="Consolas" panose="020B0609020204030204" pitchFamily="49" charset="0"/>
+              </a:rPr>
+              <a:t>.ToArray();</a:t>
+            </a:r>
+          </a:p>
+          <a:p>
+            <a:r>
+              <a:rPr lang="en-GB" sz="1400" b="1" dirty="0">
+                <a:latin typeface="Consolas" panose="020B0609020204030204" pitchFamily="49" charset="0"/>
+                <a:cs typeface="Consolas" panose="020B0609020204030204" pitchFamily="49" charset="0"/>
+              </a:rPr>
+              <a:t>    }</a:t>
+            </a:r>
+          </a:p>
+          <a:p>
+            <a:r>
+              <a:rPr lang="en-GB" sz="1400" b="1" dirty="0">
+                <a:latin typeface="Consolas" panose="020B0609020204030204" pitchFamily="49" charset="0"/>
+                <a:cs typeface="Consolas" panose="020B0609020204030204" pitchFamily="49" charset="0"/>
+              </a:rPr>
+              <a:t>}</a:t>
+            </a:r>
+            <a:endParaRPr lang="bg-BG" sz="1400" b="1" dirty="0">
+              <a:latin typeface="Consolas" panose="020B0609020204030204" pitchFamily="49" charset="0"/>
+              <a:cs typeface="Consolas" panose="020B0609020204030204" pitchFamily="49" charset="0"/>
+            </a:endParaRPr>
+          </a:p>
+          <a:p>
+            <a:endParaRPr lang="en-GB" sz="1400" b="1" dirty="0">
+              <a:latin typeface="Consolas" panose="020B0609020204030204" pitchFamily="49" charset="0"/>
+              <a:cs typeface="Consolas" panose="020B0609020204030204" pitchFamily="49" charset="0"/>
+            </a:endParaRPr>
+          </a:p>
+          <a:p>
+            <a:r>
+              <a:rPr lang="en-GB" sz="1400" b="1" dirty="0">
+                <a:latin typeface="Consolas" panose="020B0609020204030204" pitchFamily="49" charset="0"/>
+                <a:cs typeface="Consolas" panose="020B0609020204030204" pitchFamily="49" charset="0"/>
+              </a:rPr>
+              <a:t>private Town[] </a:t>
+            </a:r>
+            <a:r>
+              <a:rPr lang="en-GB" sz="1400" b="1" dirty="0">
+                <a:solidFill>
+                  <a:schemeClr val="bg1"/>
+                </a:solidFill>
+                <a:latin typeface="Consolas" panose="020B0609020204030204" pitchFamily="49" charset="0"/>
+                <a:cs typeface="Consolas" panose="020B0609020204030204" pitchFamily="49" charset="0"/>
+              </a:rPr>
+              <a:t>LoadTownsFromDb</a:t>
+            </a:r>
+            <a:r>
+              <a:rPr lang="en-GB" sz="1400" b="1" dirty="0">
+                <a:latin typeface="Consolas" panose="020B0609020204030204" pitchFamily="49" charset="0"/>
+                <a:cs typeface="Consolas" panose="020B0609020204030204" pitchFamily="49" charset="0"/>
+              </a:rPr>
+              <a:t>()</a:t>
+            </a:r>
+          </a:p>
+          <a:p>
+            <a:r>
+              <a:rPr lang="en-GB" sz="1400" b="1" dirty="0">
+                <a:latin typeface="Consolas" panose="020B0609020204030204" pitchFamily="49" charset="0"/>
+                <a:cs typeface="Consolas" panose="020B0609020204030204" pitchFamily="49" charset="0"/>
+              </a:rPr>
+              <a:t>{</a:t>
+            </a:r>
+          </a:p>
+          <a:p>
+            <a:r>
+              <a:rPr lang="en-GB" sz="1400" b="1" dirty="0">
+                <a:latin typeface="Consolas" panose="020B0609020204030204" pitchFamily="49" charset="0"/>
+                <a:cs typeface="Consolas" panose="020B0609020204030204" pitchFamily="49" charset="0"/>
+              </a:rPr>
+              <a:t>    using (var db = new </a:t>
+            </a:r>
+            <a:r>
+              <a:rPr lang="en-GB" sz="1400" b="1" dirty="0">
+                <a:solidFill>
+                  <a:schemeClr val="bg1"/>
+                </a:solidFill>
+                <a:latin typeface="Consolas" panose="020B0609020204030204" pitchFamily="49" charset="0"/>
+                <a:cs typeface="Consolas" panose="020B0609020204030204" pitchFamily="49" charset="0"/>
+              </a:rPr>
+              <a:t>CountriesDbContext</a:t>
+            </a:r>
+            <a:r>
+              <a:rPr lang="en-GB" sz="1400" b="1" dirty="0">
+                <a:latin typeface="Consolas" panose="020B0609020204030204" pitchFamily="49" charset="0"/>
+                <a:cs typeface="Consolas" panose="020B0609020204030204" pitchFamily="49" charset="0"/>
+              </a:rPr>
+              <a:t>())</a:t>
+            </a:r>
+          </a:p>
+          <a:p>
+            <a:r>
+              <a:rPr lang="en-GB" sz="1400" b="1" dirty="0">
+                <a:latin typeface="Consolas" panose="020B0609020204030204" pitchFamily="49" charset="0"/>
+                <a:cs typeface="Consolas" panose="020B0609020204030204" pitchFamily="49" charset="0"/>
+              </a:rPr>
+              <a:t>    {</a:t>
+            </a:r>
+          </a:p>
+          <a:p>
+            <a:r>
+              <a:rPr lang="en-GB" sz="1400" b="1" dirty="0">
+                <a:latin typeface="Consolas" panose="020B0609020204030204" pitchFamily="49" charset="0"/>
+                <a:cs typeface="Consolas" panose="020B0609020204030204" pitchFamily="49" charset="0"/>
+              </a:rPr>
+              <a:t>        return db.</a:t>
+            </a:r>
+            <a:r>
+              <a:rPr lang="en-GB" sz="1400" b="1" dirty="0">
+                <a:solidFill>
+                  <a:schemeClr val="bg1"/>
+                </a:solidFill>
+                <a:latin typeface="Consolas" panose="020B0609020204030204" pitchFamily="49" charset="0"/>
+                <a:cs typeface="Consolas" panose="020B0609020204030204" pitchFamily="49" charset="0"/>
+              </a:rPr>
+              <a:t>Towns</a:t>
+            </a:r>
+            <a:r>
+              <a:rPr lang="en-GB" sz="1400" b="1" dirty="0">
+                <a:latin typeface="Consolas" panose="020B0609020204030204" pitchFamily="49" charset="0"/>
+                <a:cs typeface="Consolas" panose="020B0609020204030204" pitchFamily="49" charset="0"/>
+              </a:rPr>
+              <a:t>.ToArray();</a:t>
+            </a:r>
+          </a:p>
+          <a:p>
+            <a:r>
+              <a:rPr lang="en-GB" sz="1400" b="1" dirty="0">
+                <a:latin typeface="Consolas" panose="020B0609020204030204" pitchFamily="49" charset="0"/>
+                <a:cs typeface="Consolas" panose="020B0609020204030204" pitchFamily="49" charset="0"/>
+              </a:rPr>
+              <a:t>    }</a:t>
+            </a:r>
+          </a:p>
+          <a:p>
+            <a:r>
+              <a:rPr lang="en-GB" sz="1400" b="1" dirty="0">
+                <a:latin typeface="Consolas" panose="020B0609020204030204" pitchFamily="49" charset="0"/>
+                <a:cs typeface="Consolas" panose="020B0609020204030204" pitchFamily="49" charset="0"/>
+              </a:rPr>
+              <a:t>}</a:t>
+            </a:r>
+          </a:p>
+        </p:txBody>
+      </p:sp>
+    </p:spTree>
+    <p:extLst>
+      <p:ext uri="{BB962C8B-B14F-4D97-AF65-F5344CB8AC3E}">
+        <p14:creationId xmlns:p14="http://schemas.microsoft.com/office/powerpoint/2010/main" val="1123546954"/>
+      </p:ext>
+    </p:extLst>
+  </p:cSld>
+  <p:clrMapOvr>
+    <a:masterClrMapping/>
+  </p:clrMapOvr>
+  <mc:AlternateContent xmlns:mc="http://schemas.openxmlformats.org/markup-compatibility/2006" xmlns:p14="http://schemas.microsoft.com/office/powerpoint/2010/main">
+    <mc:Choice Requires="p14">
+      <p:transition spd="slow" p14:dur="2000" advClick="0" advTm="5000"/>
+    </mc:Choice>
+    <mc:Fallback xmlns="">
+      <p:transition spd="slow" advClick="0" advTm="5000"/>
+    </mc:Fallback>
+  </mc:AlternateContent>
+  <p:timing>
+    <p:tnLst>
+      <p:par>
+        <p:cTn id="1" dur="indefinite" restart="never" nodeType="tmRoot">
+          <p:childTnLst>
+            <p:seq concurrent="1" nextAc="seek">
+              <p:cTn id="2" dur="indefinite" nodeType="mainSeq">
+                <p:childTnLst>
+                  <p:par>
+                    <p:cTn id="3" fill="hold">
+                      <p:stCondLst>
+                        <p:cond delay="indefinite"/>
+                      </p:stCondLst>
+                      <p:childTnLst>
+                        <p:par>
+                          <p:cTn id="4" fill="hold">
+                            <p:stCondLst>
+                              <p:cond delay="0"/>
+                            </p:stCondLst>
+                            <p:childTnLst>
+                              <p:par>
+                                <p:cTn id="5" presetID="1" presetClass="entr" presetSubtype="0" fill="hold" nodeType="clickEffect">
+                                  <p:stCondLst>
+                                    <p:cond delay="0"/>
+                                  </p:stCondLst>
+                                  <p:childTnLst>
+                                    <p:set>
+                                      <p:cBhvr>
+                                        <p:cTn id="6" dur="1" fill="hold">
+                                          <p:stCondLst>
+                                            <p:cond delay="0"/>
+                                          </p:stCondLst>
+                                        </p:cTn>
+                                        <p:tgtEl>
+                                          <p:spTgt spid="6"/>
+                                        </p:tgtEl>
+                                        <p:attrNameLst>
+                                          <p:attrName>style.visibility</p:attrName>
+                                        </p:attrNameLst>
+                                      </p:cBhvr>
+                                      <p:to>
+                                        <p:strVal val="visible"/>
+                                      </p:to>
+                                    </p:set>
+                                  </p:childTnLst>
+                                </p:cTn>
+                              </p:par>
+                            </p:childTnLst>
+                          </p:cTn>
+                        </p:par>
+                      </p:childTnLst>
+                    </p:cTn>
+                  </p:par>
+                  <p:par>
+                    <p:cTn id="7" fill="hold">
+                      <p:stCondLst>
+                        <p:cond delay="indefinite"/>
+                      </p:stCondLst>
+                      <p:childTnLst>
+                        <p:par>
+                          <p:cTn id="8" fill="hold">
+                            <p:stCondLst>
+                              <p:cond delay="0"/>
+                            </p:stCondLst>
+                            <p:childTnLst>
+                              <p:par>
+                                <p:cTn id="9" presetID="1" presetClass="entr" presetSubtype="0" fill="hold" nodeType="clickEffect">
+                                  <p:stCondLst>
+                                    <p:cond delay="0"/>
+                                  </p:stCondLst>
+                                  <p:childTnLst>
+                                    <p:set>
+                                      <p:cBhvr>
+                                        <p:cTn id="10" dur="1" fill="hold">
+                                          <p:stCondLst>
+                                            <p:cond delay="0"/>
+                                          </p:stCondLst>
+                                        </p:cTn>
+                                        <p:tgtEl>
+                                          <p:spTgt spid="3">
+                                            <p:txEl>
+                                              <p:pRg st="4" end="4"/>
+                                            </p:txEl>
+                                          </p:spTgt>
+                                        </p:tgtEl>
+                                        <p:attrNameLst>
+                                          <p:attrName>style.visibility</p:attrName>
+                                        </p:attrNameLst>
+                                      </p:cBhvr>
+                                      <p:to>
+                                        <p:strVal val="visible"/>
+                                      </p:to>
+                                    </p:set>
+                                  </p:childTnLst>
+                                </p:cTn>
+                              </p:par>
+                            </p:childTnLst>
+                          </p:cTn>
+                        </p:par>
+                      </p:childTnLst>
+                    </p:cTn>
+                  </p:par>
+                  <p:par>
+                    <p:cTn id="11" fill="hold">
+                      <p:stCondLst>
+                        <p:cond delay="indefinite"/>
+                      </p:stCondLst>
+                      <p:childTnLst>
+                        <p:par>
+                          <p:cTn id="12" fill="hold">
+                            <p:stCondLst>
+                              <p:cond delay="0"/>
+                            </p:stCondLst>
+                            <p:childTnLst>
+                              <p:par>
+                                <p:cTn id="13" presetID="1" presetClass="entr" presetSubtype="0" fill="hold" grpId="0" nodeType="clickEffect">
+                                  <p:stCondLst>
+                                    <p:cond delay="0"/>
+                                  </p:stCondLst>
+                                  <p:childTnLst>
+                                    <p:set>
+                                      <p:cBhvr>
+                                        <p:cTn id="14" dur="1" fill="hold">
+                                          <p:stCondLst>
+                                            <p:cond delay="0"/>
+                                          </p:stCondLst>
+                                        </p:cTn>
+                                        <p:tgtEl>
+                                          <p:spTgt spid="9"/>
+                                        </p:tgtEl>
+                                        <p:attrNameLst>
+                                          <p:attrName>style.visibility</p:attrName>
+                                        </p:attrNameLst>
+                                      </p:cBhvr>
+                                      <p:to>
+                                        <p:strVal val="visible"/>
+                                      </p:to>
+                                    </p:set>
+                                  </p:childTnLst>
+                                </p:cTn>
+                              </p:par>
+                            </p:childTnLst>
+                          </p:cTn>
+                        </p:par>
+                      </p:childTnLst>
+                    </p:cTn>
+                  </p:par>
+                </p:childTnLst>
+              </p:cTn>
+              <p:prevCondLst>
+                <p:cond evt="onPrev" delay="0">
+                  <p:tgtEl>
+                    <p:sldTgt/>
+                  </p:tgtEl>
+                </p:cond>
+              </p:prevCondLst>
+              <p:nextCondLst>
+                <p:cond evt="onNext" delay="0">
+                  <p:tgtEl>
+                    <p:sldTgt/>
+                  </p:tgtEl>
+                </p:cond>
+              </p:nextCondLst>
+            </p:seq>
+          </p:childTnLst>
+        </p:cTn>
+      </p:par>
+    </p:tnLst>
+    <p:bldLst>
+      <p:bldP spid="9" grpId="0" animBg="1"/>
+    </p:bldLst>
+  </p:timing>
+</p:sld>
+</file>
+
+<file path=ppt/slides/slide21.xml><?xml version="1.0" encoding="utf-8"?>
+<p:sld xmlns:a="http://schemas.openxmlformats.org/drawingml/2006/main" xmlns:r="http://schemas.openxmlformats.org/officeDocument/2006/relationships" xmlns:p="http://schemas.openxmlformats.org/presentationml/2006/main">
+  <p:cSld>
+    <p:spTree>
+      <p:nvGrpSpPr>
+        <p:cNvPr id="1" name=""/>
+        <p:cNvGrpSpPr/>
+        <p:nvPr/>
+      </p:nvGrpSpPr>
+      <p:grpSpPr>
+        <a:xfrm>
+          <a:off x="0" y="0"/>
+          <a:ext cx="0" cy="0"/>
+          <a:chOff x="0" y="0"/>
+          <a:chExt cx="0" cy="0"/>
+        </a:xfrm>
+      </p:grpSpPr>
+      <p:sp>
+        <p:nvSpPr>
+          <p:cNvPr id="2" name="Slide Number Placeholder 1">
+            <a:extLst>
+              <a:ext uri="{FF2B5EF4-FFF2-40B4-BE49-F238E27FC236}">
+                <a16:creationId xmlns:a16="http://schemas.microsoft.com/office/drawing/2014/main" id="{F3AF87FF-1318-696E-CC00-2C2B6621789F}"/>
+              </a:ext>
+            </a:extLst>
+          </p:cNvPr>
+          <p:cNvSpPr>
+            <a:spLocks noGrp="1"/>
+          </p:cNvSpPr>
+          <p:nvPr>
+            <p:ph type="sldNum" sz="quarter" idx="5"/>
+          </p:nvPr>
+        </p:nvSpPr>
+        <p:spPr/>
+        <p:txBody>
+          <a:bodyPr/>
+          <a:lstStyle/>
+          <a:p>
+            <a:fld id="{2BF067CD-8E6B-4360-9AA8-C5DF2A48A6D1}" type="slidenum">
+              <a:rPr lang="en-US" noProof="0" smtClean="0"/>
+              <a:pPr/>
+              <a:t>21</a:t>
+            </a:fld>
+            <a:endParaRPr lang="en-US" noProof="0" dirty="0"/>
+          </a:p>
+        </p:txBody>
+      </p:sp>
+      <p:sp>
+        <p:nvSpPr>
+          <p:cNvPr id="3" name="Text Placeholder 2">
+            <a:extLst>
+              <a:ext uri="{FF2B5EF4-FFF2-40B4-BE49-F238E27FC236}">
+                <a16:creationId xmlns:a16="http://schemas.microsoft.com/office/drawing/2014/main" id="{70810851-4790-2FC0-3F9D-A1CF7D2C9A2E}"/>
+              </a:ext>
+            </a:extLst>
+          </p:cNvPr>
+          <p:cNvSpPr>
+            <a:spLocks noGrp="1"/>
+          </p:cNvSpPr>
+          <p:nvPr>
+            <p:ph type="body" sz="quarter" idx="10"/>
+          </p:nvPr>
+        </p:nvSpPr>
+        <p:spPr/>
+        <p:txBody>
+          <a:bodyPr/>
+          <a:lstStyle/>
+          <a:p>
+            <a:r>
+              <a:rPr lang="bg-BG" sz="2200" dirty="0"/>
+              <a:t>Задаваме </a:t>
+            </a:r>
+            <a:r>
+              <a:rPr lang="bg-BG" sz="2200" b="1" dirty="0"/>
+              <a:t>данните</a:t>
+            </a:r>
+            <a:r>
+              <a:rPr lang="bg-BG" sz="2200" dirty="0"/>
+              <a:t> към </a:t>
+            </a:r>
+            <a:r>
+              <a:rPr lang="en-US" sz="2200" b="1" dirty="0">
+                <a:solidFill>
+                  <a:schemeClr val="bg1"/>
+                </a:solidFill>
+                <a:latin typeface="Consolas" panose="020B0609020204030204" pitchFamily="49" charset="0"/>
+                <a:cs typeface="Consolas" panose="020B0609020204030204" pitchFamily="49" charset="0"/>
+              </a:rPr>
+              <a:t>DataSource</a:t>
+            </a:r>
+            <a:r>
+              <a:rPr lang="en-US" sz="2200" dirty="0"/>
+              <a:t> </a:t>
+            </a:r>
+            <a:r>
+              <a:rPr lang="bg-BG" sz="2200" dirty="0"/>
+              <a:t>на </a:t>
+            </a:r>
+            <a:r>
+              <a:rPr lang="en-US" sz="2200" b="1" dirty="0">
+                <a:solidFill>
+                  <a:schemeClr val="bg1"/>
+                </a:solidFill>
+              </a:rPr>
+              <a:t>DataGridView</a:t>
+            </a:r>
+            <a:r>
+              <a:rPr lang="en-US" sz="2200" dirty="0"/>
+              <a:t> </a:t>
+            </a:r>
+            <a:r>
+              <a:rPr lang="bg-BG" sz="2200" dirty="0"/>
+              <a:t>контролите</a:t>
+            </a:r>
+            <a:endParaRPr lang="en-US" sz="2200" b="1" dirty="0">
+              <a:solidFill>
+                <a:schemeClr val="bg1"/>
+              </a:solidFill>
+              <a:latin typeface="Consolas" panose="020B0609020204030204" pitchFamily="49" charset="0"/>
+              <a:cs typeface="Consolas" panose="020B0609020204030204" pitchFamily="49" charset="0"/>
+            </a:endParaRPr>
+          </a:p>
+          <a:p>
+            <a:endParaRPr lang="en-US" dirty="0"/>
+          </a:p>
+          <a:p>
+            <a:pPr marL="0" indent="0">
+              <a:buNone/>
+            </a:pPr>
+            <a:endParaRPr lang="bg-BG" dirty="0"/>
+          </a:p>
+          <a:p>
+            <a:endParaRPr lang="bg-BG" sz="3000" dirty="0"/>
+          </a:p>
+          <a:p>
+            <a:pPr>
+              <a:spcBef>
+                <a:spcPts val="1200"/>
+              </a:spcBef>
+            </a:pPr>
+            <a:endParaRPr lang="en-US" sz="2200" dirty="0"/>
+          </a:p>
+          <a:p>
+            <a:pPr>
+              <a:spcBef>
+                <a:spcPts val="1200"/>
+              </a:spcBef>
+            </a:pPr>
+            <a:endParaRPr lang="en-US" sz="1050" dirty="0"/>
+          </a:p>
+          <a:p>
+            <a:pPr>
+              <a:spcBef>
+                <a:spcPts val="1200"/>
+              </a:spcBef>
+            </a:pPr>
+            <a:r>
+              <a:rPr lang="bg-BG" sz="2200" dirty="0"/>
+              <a:t>Зареждаме </a:t>
+            </a:r>
+            <a:r>
+              <a:rPr lang="bg-BG" sz="2200" b="1" dirty="0"/>
+              <a:t>данните</a:t>
+            </a:r>
+            <a:r>
+              <a:rPr lang="bg-BG" sz="2200" dirty="0"/>
+              <a:t> при </a:t>
+            </a:r>
+            <a:r>
+              <a:rPr lang="bg-BG" sz="2200" b="1" dirty="0">
+                <a:solidFill>
+                  <a:schemeClr val="bg1"/>
+                </a:solidFill>
+              </a:rPr>
+              <a:t>зареждане</a:t>
+            </a:r>
+            <a:r>
+              <a:rPr lang="bg-BG" sz="2200" dirty="0"/>
+              <a:t> на </a:t>
+            </a:r>
+            <a:r>
+              <a:rPr lang="bg-BG" sz="2200" b="1" dirty="0">
+                <a:solidFill>
+                  <a:schemeClr val="bg1"/>
+                </a:solidFill>
+              </a:rPr>
+              <a:t>формата</a:t>
+            </a:r>
+          </a:p>
+          <a:p>
+            <a:endParaRPr lang="en-BG" sz="3000" dirty="0"/>
+          </a:p>
+        </p:txBody>
+      </p:sp>
+      <p:sp>
+        <p:nvSpPr>
+          <p:cNvPr id="4" name="Title 3">
+            <a:extLst>
+              <a:ext uri="{FF2B5EF4-FFF2-40B4-BE49-F238E27FC236}">
+                <a16:creationId xmlns:a16="http://schemas.microsoft.com/office/drawing/2014/main" id="{A68D83C9-FB5D-2A19-030C-321D25436A47}"/>
+              </a:ext>
+            </a:extLst>
+          </p:cNvPr>
+          <p:cNvSpPr>
+            <a:spLocks noGrp="1"/>
+          </p:cNvSpPr>
+          <p:nvPr>
+            <p:ph type="title"/>
+          </p:nvPr>
+        </p:nvSpPr>
+        <p:spPr/>
+        <p:txBody>
+          <a:bodyPr/>
+          <a:lstStyle/>
+          <a:p>
+            <a:r>
+              <a:rPr lang="bg-BG" dirty="0"/>
+              <a:t>Зареждане на данни от БД </a:t>
+            </a:r>
+            <a:r>
+              <a:rPr lang="en-US" dirty="0"/>
+              <a:t>(2)</a:t>
+            </a:r>
+            <a:endParaRPr lang="en-BG" dirty="0"/>
+          </a:p>
+        </p:txBody>
+      </p:sp>
+      <p:sp>
+        <p:nvSpPr>
+          <p:cNvPr id="9" name="Text Placeholder 4">
+            <a:extLst>
+              <a:ext uri="{FF2B5EF4-FFF2-40B4-BE49-F238E27FC236}">
+                <a16:creationId xmlns:a16="http://schemas.microsoft.com/office/drawing/2014/main" id="{2433A25A-70EB-0A45-5167-A7069EB06D9D}"/>
+              </a:ext>
+            </a:extLst>
+          </p:cNvPr>
+          <p:cNvSpPr txBox="1">
+            <a:spLocks/>
+          </p:cNvSpPr>
+          <p:nvPr/>
+        </p:nvSpPr>
+        <p:spPr>
+          <a:xfrm>
+            <a:off x="606000" y="1597187"/>
+            <a:ext cx="11147030" cy="3139321"/>
+          </a:xfrm>
+          <a:prstGeom prst="rect">
+            <a:avLst/>
+          </a:prstGeom>
+          <a:solidFill>
+            <a:schemeClr val="accent5">
+              <a:lumMod val="40000"/>
+              <a:lumOff val="60000"/>
+              <a:alpha val="15000"/>
+            </a:schemeClr>
+          </a:solidFill>
+          <a:ln w="12700">
+            <a:solidFill>
+              <a:schemeClr val="accent5">
+                <a:lumMod val="60000"/>
+                <a:lumOff val="40000"/>
+              </a:schemeClr>
+            </a:solidFill>
+          </a:ln>
+        </p:spPr>
+        <p:txBody>
+          <a:bodyPr wrap="square">
+            <a:spAutoFit/>
+          </a:bodyPr>
+          <a:lstStyle/>
+          <a:p>
+            <a:r>
+              <a:rPr lang="en-GB" b="1" dirty="0">
+                <a:latin typeface="Consolas" panose="020B0609020204030204" pitchFamily="49" charset="0"/>
+                <a:cs typeface="Consolas" panose="020B0609020204030204" pitchFamily="49" charset="0"/>
+              </a:rPr>
+              <a:t>private void </a:t>
+            </a:r>
+            <a:r>
+              <a:rPr lang="en-GB" b="1" dirty="0">
+                <a:solidFill>
+                  <a:schemeClr val="bg1"/>
+                </a:solidFill>
+                <a:latin typeface="Consolas" panose="020B0609020204030204" pitchFamily="49" charset="0"/>
+                <a:cs typeface="Consolas" panose="020B0609020204030204" pitchFamily="49" charset="0"/>
+              </a:rPr>
+              <a:t>ReloadCountries</a:t>
+            </a:r>
+            <a:r>
+              <a:rPr lang="en-GB" b="1" dirty="0">
+                <a:latin typeface="Consolas" panose="020B0609020204030204" pitchFamily="49" charset="0"/>
+                <a:cs typeface="Consolas" panose="020B0609020204030204" pitchFamily="49" charset="0"/>
+              </a:rPr>
+              <a:t>()</a:t>
+            </a:r>
+          </a:p>
+          <a:p>
+            <a:r>
+              <a:rPr lang="en-GB" b="1" dirty="0">
+                <a:latin typeface="Consolas" panose="020B0609020204030204" pitchFamily="49" charset="0"/>
+                <a:cs typeface="Consolas" panose="020B0609020204030204" pitchFamily="49" charset="0"/>
+              </a:rPr>
+              <a:t>{</a:t>
+            </a:r>
+          </a:p>
+          <a:p>
+            <a:r>
+              <a:rPr lang="en-GB" b="1" dirty="0">
+                <a:latin typeface="Consolas" panose="020B0609020204030204" pitchFamily="49" charset="0"/>
+                <a:cs typeface="Consolas" panose="020B0609020204030204" pitchFamily="49" charset="0"/>
+              </a:rPr>
+              <a:t>    var countries = </a:t>
+            </a:r>
+            <a:r>
+              <a:rPr lang="en-GB" b="1" dirty="0">
+                <a:solidFill>
+                  <a:schemeClr val="bg1"/>
+                </a:solidFill>
+                <a:latin typeface="Consolas" panose="020B0609020204030204" pitchFamily="49" charset="0"/>
+                <a:cs typeface="Consolas" panose="020B0609020204030204" pitchFamily="49" charset="0"/>
+              </a:rPr>
+              <a:t>LoadCountriesFromDb</a:t>
+            </a:r>
+            <a:r>
+              <a:rPr lang="en-GB" b="1" dirty="0">
+                <a:latin typeface="Consolas" panose="020B0609020204030204" pitchFamily="49" charset="0"/>
+                <a:cs typeface="Consolas" panose="020B0609020204030204" pitchFamily="49" charset="0"/>
+              </a:rPr>
+              <a:t>();</a:t>
+            </a:r>
+          </a:p>
+          <a:p>
+            <a:r>
+              <a:rPr lang="en-GB" b="1" dirty="0">
+                <a:latin typeface="Consolas" panose="020B0609020204030204" pitchFamily="49" charset="0"/>
+                <a:cs typeface="Consolas" panose="020B0609020204030204" pitchFamily="49" charset="0"/>
+              </a:rPr>
+              <a:t>    this.</a:t>
+            </a:r>
+            <a:r>
+              <a:rPr lang="en-GB" b="1" dirty="0">
+                <a:solidFill>
+                  <a:schemeClr val="bg1"/>
+                </a:solidFill>
+                <a:latin typeface="Consolas" panose="020B0609020204030204" pitchFamily="49" charset="0"/>
+                <a:cs typeface="Consolas" panose="020B0609020204030204" pitchFamily="49" charset="0"/>
+              </a:rPr>
+              <a:t>countryBindingSource</a:t>
+            </a:r>
+            <a:r>
+              <a:rPr lang="en-GB" b="1" dirty="0">
+                <a:latin typeface="Consolas" panose="020B0609020204030204" pitchFamily="49" charset="0"/>
+                <a:cs typeface="Consolas" panose="020B0609020204030204" pitchFamily="49" charset="0"/>
+              </a:rPr>
+              <a:t>.</a:t>
+            </a:r>
+            <a:r>
+              <a:rPr lang="en-GB" b="1" dirty="0">
+                <a:solidFill>
+                  <a:schemeClr val="bg1"/>
+                </a:solidFill>
+                <a:latin typeface="Consolas" panose="020B0609020204030204" pitchFamily="49" charset="0"/>
+                <a:cs typeface="Consolas" panose="020B0609020204030204" pitchFamily="49" charset="0"/>
+              </a:rPr>
+              <a:t>DataSource</a:t>
+            </a:r>
+            <a:r>
+              <a:rPr lang="en-GB" b="1" dirty="0">
+                <a:latin typeface="Consolas" panose="020B0609020204030204" pitchFamily="49" charset="0"/>
+                <a:cs typeface="Consolas" panose="020B0609020204030204" pitchFamily="49" charset="0"/>
+              </a:rPr>
+              <a:t> = countries;</a:t>
+            </a:r>
+          </a:p>
+          <a:p>
+            <a:r>
+              <a:rPr lang="en-GB" b="1" dirty="0">
+                <a:latin typeface="Consolas" panose="020B0609020204030204" pitchFamily="49" charset="0"/>
+                <a:cs typeface="Consolas" panose="020B0609020204030204" pitchFamily="49" charset="0"/>
+              </a:rPr>
+              <a:t>}</a:t>
+            </a:r>
+          </a:p>
+          <a:p>
+            <a:endParaRPr lang="en-GB" b="1" dirty="0">
+              <a:latin typeface="Consolas" panose="020B0609020204030204" pitchFamily="49" charset="0"/>
+              <a:cs typeface="Consolas" panose="020B0609020204030204" pitchFamily="49" charset="0"/>
+            </a:endParaRPr>
+          </a:p>
+          <a:p>
+            <a:r>
+              <a:rPr lang="en-GB" b="1" dirty="0">
+                <a:latin typeface="Consolas" panose="020B0609020204030204" pitchFamily="49" charset="0"/>
+                <a:cs typeface="Consolas" panose="020B0609020204030204" pitchFamily="49" charset="0"/>
+              </a:rPr>
+              <a:t>private void </a:t>
+            </a:r>
+            <a:r>
+              <a:rPr lang="en-GB" b="1" dirty="0">
+                <a:solidFill>
+                  <a:schemeClr val="bg1"/>
+                </a:solidFill>
+                <a:latin typeface="Consolas" panose="020B0609020204030204" pitchFamily="49" charset="0"/>
+                <a:cs typeface="Consolas" panose="020B0609020204030204" pitchFamily="49" charset="0"/>
+              </a:rPr>
+              <a:t>ReloadTowns</a:t>
+            </a:r>
+            <a:r>
+              <a:rPr lang="en-GB" b="1" dirty="0">
+                <a:latin typeface="Consolas" panose="020B0609020204030204" pitchFamily="49" charset="0"/>
+                <a:cs typeface="Consolas" panose="020B0609020204030204" pitchFamily="49" charset="0"/>
+              </a:rPr>
+              <a:t>()</a:t>
+            </a:r>
+          </a:p>
+          <a:p>
+            <a:r>
+              <a:rPr lang="en-GB" b="1" dirty="0">
+                <a:latin typeface="Consolas" panose="020B0609020204030204" pitchFamily="49" charset="0"/>
+                <a:cs typeface="Consolas" panose="020B0609020204030204" pitchFamily="49" charset="0"/>
+              </a:rPr>
+              <a:t>{</a:t>
+            </a:r>
+          </a:p>
+          <a:p>
+            <a:r>
+              <a:rPr lang="en-GB" b="1" dirty="0">
+                <a:latin typeface="Consolas" panose="020B0609020204030204" pitchFamily="49" charset="0"/>
+                <a:cs typeface="Consolas" panose="020B0609020204030204" pitchFamily="49" charset="0"/>
+              </a:rPr>
+              <a:t>    var towns = </a:t>
+            </a:r>
+            <a:r>
+              <a:rPr lang="en-GB" b="1" dirty="0">
+                <a:solidFill>
+                  <a:schemeClr val="bg1"/>
+                </a:solidFill>
+                <a:latin typeface="Consolas" panose="020B0609020204030204" pitchFamily="49" charset="0"/>
+                <a:cs typeface="Consolas" panose="020B0609020204030204" pitchFamily="49" charset="0"/>
+              </a:rPr>
+              <a:t>LoadTownsFromDb</a:t>
+            </a:r>
+            <a:r>
+              <a:rPr lang="en-GB" b="1" dirty="0">
+                <a:latin typeface="Consolas" panose="020B0609020204030204" pitchFamily="49" charset="0"/>
+                <a:cs typeface="Consolas" panose="020B0609020204030204" pitchFamily="49" charset="0"/>
+              </a:rPr>
+              <a:t>();</a:t>
+            </a:r>
+          </a:p>
+          <a:p>
+            <a:r>
+              <a:rPr lang="en-GB" b="1" dirty="0">
+                <a:latin typeface="Consolas" panose="020B0609020204030204" pitchFamily="49" charset="0"/>
+                <a:cs typeface="Consolas" panose="020B0609020204030204" pitchFamily="49" charset="0"/>
+              </a:rPr>
+              <a:t>    this.</a:t>
+            </a:r>
+            <a:r>
+              <a:rPr lang="en-GB" b="1" dirty="0">
+                <a:solidFill>
+                  <a:schemeClr val="bg1"/>
+                </a:solidFill>
+                <a:latin typeface="Consolas" panose="020B0609020204030204" pitchFamily="49" charset="0"/>
+                <a:cs typeface="Consolas" panose="020B0609020204030204" pitchFamily="49" charset="0"/>
+              </a:rPr>
+              <a:t>townBindingSource</a:t>
+            </a:r>
+            <a:r>
+              <a:rPr lang="en-GB" b="1" dirty="0">
+                <a:latin typeface="Consolas" panose="020B0609020204030204" pitchFamily="49" charset="0"/>
+                <a:cs typeface="Consolas" panose="020B0609020204030204" pitchFamily="49" charset="0"/>
+              </a:rPr>
+              <a:t>.</a:t>
+            </a:r>
+            <a:r>
+              <a:rPr lang="en-GB" b="1" dirty="0">
+                <a:solidFill>
+                  <a:schemeClr val="bg1"/>
+                </a:solidFill>
+                <a:latin typeface="Consolas" panose="020B0609020204030204" pitchFamily="49" charset="0"/>
+                <a:cs typeface="Consolas" panose="020B0609020204030204" pitchFamily="49" charset="0"/>
+              </a:rPr>
+              <a:t>DataSource</a:t>
+            </a:r>
+            <a:r>
+              <a:rPr lang="en-GB" b="1" dirty="0">
+                <a:latin typeface="Consolas" panose="020B0609020204030204" pitchFamily="49" charset="0"/>
+                <a:cs typeface="Consolas" panose="020B0609020204030204" pitchFamily="49" charset="0"/>
+              </a:rPr>
+              <a:t> = towns;</a:t>
+            </a:r>
+          </a:p>
+          <a:p>
+            <a:r>
+              <a:rPr lang="en-GB" b="1" dirty="0">
+                <a:latin typeface="Consolas" panose="020B0609020204030204" pitchFamily="49" charset="0"/>
+                <a:cs typeface="Consolas" panose="020B0609020204030204" pitchFamily="49" charset="0"/>
+              </a:rPr>
+              <a:t>}</a:t>
+            </a:r>
+          </a:p>
+        </p:txBody>
+      </p:sp>
+      <p:sp>
+        <p:nvSpPr>
+          <p:cNvPr id="5" name="Text Placeholder 4">
+            <a:extLst>
+              <a:ext uri="{FF2B5EF4-FFF2-40B4-BE49-F238E27FC236}">
+                <a16:creationId xmlns:a16="http://schemas.microsoft.com/office/drawing/2014/main" id="{91F76FD3-1169-72C1-ED18-42512B9EAF4B}"/>
+              </a:ext>
+            </a:extLst>
+          </p:cNvPr>
+          <p:cNvSpPr txBox="1">
+            <a:spLocks/>
+          </p:cNvSpPr>
+          <p:nvPr/>
+        </p:nvSpPr>
+        <p:spPr>
+          <a:xfrm>
+            <a:off x="606000" y="5247083"/>
+            <a:ext cx="11147030" cy="1477328"/>
+          </a:xfrm>
+          <a:prstGeom prst="rect">
+            <a:avLst/>
+          </a:prstGeom>
+          <a:solidFill>
+            <a:schemeClr val="accent5">
+              <a:lumMod val="40000"/>
+              <a:lumOff val="60000"/>
+              <a:alpha val="15000"/>
+            </a:schemeClr>
+          </a:solidFill>
+          <a:ln w="12700">
+            <a:solidFill>
+              <a:schemeClr val="accent5">
+                <a:lumMod val="60000"/>
+                <a:lumOff val="40000"/>
+              </a:schemeClr>
+            </a:solidFill>
+          </a:ln>
+        </p:spPr>
+        <p:txBody>
+          <a:bodyPr wrap="square">
+            <a:spAutoFit/>
+          </a:bodyPr>
+          <a:lstStyle/>
+          <a:p>
+            <a:r>
+              <a:rPr lang="en-GB" b="1" dirty="0">
+                <a:latin typeface="Consolas" panose="020B0609020204030204" pitchFamily="49" charset="0"/>
+                <a:cs typeface="Consolas" panose="020B0609020204030204" pitchFamily="49" charset="0"/>
+              </a:rPr>
+              <a:t>private void </a:t>
+            </a:r>
+            <a:r>
+              <a:rPr lang="en-GB" b="1" dirty="0">
+                <a:solidFill>
+                  <a:schemeClr val="bg1"/>
+                </a:solidFill>
+                <a:latin typeface="Consolas" panose="020B0609020204030204" pitchFamily="49" charset="0"/>
+                <a:cs typeface="Consolas" panose="020B0609020204030204" pitchFamily="49" charset="0"/>
+              </a:rPr>
+              <a:t>FormCountries_Load</a:t>
+            </a:r>
+            <a:r>
+              <a:rPr lang="en-GB" b="1" dirty="0">
+                <a:latin typeface="Consolas" panose="020B0609020204030204" pitchFamily="49" charset="0"/>
+                <a:cs typeface="Consolas" panose="020B0609020204030204" pitchFamily="49" charset="0"/>
+              </a:rPr>
+              <a:t>(object sender, EventArgs e)</a:t>
+            </a:r>
+          </a:p>
+          <a:p>
+            <a:r>
+              <a:rPr lang="en-GB" b="1" dirty="0">
+                <a:latin typeface="Consolas" panose="020B0609020204030204" pitchFamily="49" charset="0"/>
+                <a:cs typeface="Consolas" panose="020B0609020204030204" pitchFamily="49" charset="0"/>
+              </a:rPr>
+              <a:t>{</a:t>
+            </a:r>
+          </a:p>
+          <a:p>
+            <a:r>
+              <a:rPr lang="en-GB" b="1" dirty="0">
+                <a:latin typeface="Consolas" panose="020B0609020204030204" pitchFamily="49" charset="0"/>
+                <a:cs typeface="Consolas" panose="020B0609020204030204" pitchFamily="49" charset="0"/>
+              </a:rPr>
+              <a:t>     </a:t>
+            </a:r>
+            <a:r>
+              <a:rPr lang="en-GB" b="1" dirty="0">
+                <a:solidFill>
+                  <a:schemeClr val="bg1"/>
+                </a:solidFill>
+                <a:latin typeface="Consolas" panose="020B0609020204030204" pitchFamily="49" charset="0"/>
+                <a:cs typeface="Consolas" panose="020B0609020204030204" pitchFamily="49" charset="0"/>
+              </a:rPr>
+              <a:t>ReloadCountries</a:t>
+            </a:r>
+            <a:r>
+              <a:rPr lang="en-GB" b="1" dirty="0">
+                <a:latin typeface="Consolas" panose="020B0609020204030204" pitchFamily="49" charset="0"/>
+                <a:cs typeface="Consolas" panose="020B0609020204030204" pitchFamily="49" charset="0"/>
+              </a:rPr>
+              <a:t>();</a:t>
+            </a:r>
+          </a:p>
+          <a:p>
+            <a:r>
+              <a:rPr lang="en-GB" b="1" dirty="0">
+                <a:latin typeface="Consolas" panose="020B0609020204030204" pitchFamily="49" charset="0"/>
+                <a:cs typeface="Consolas" panose="020B0609020204030204" pitchFamily="49" charset="0"/>
+              </a:rPr>
+              <a:t>     </a:t>
+            </a:r>
+            <a:r>
+              <a:rPr lang="en-GB" b="1" dirty="0">
+                <a:solidFill>
+                  <a:schemeClr val="bg1"/>
+                </a:solidFill>
+                <a:latin typeface="Consolas" panose="020B0609020204030204" pitchFamily="49" charset="0"/>
+                <a:cs typeface="Consolas" panose="020B0609020204030204" pitchFamily="49" charset="0"/>
+              </a:rPr>
+              <a:t>ReloadTowns</a:t>
+            </a:r>
+            <a:r>
+              <a:rPr lang="en-GB" b="1" dirty="0">
+                <a:latin typeface="Consolas" panose="020B0609020204030204" pitchFamily="49" charset="0"/>
+                <a:cs typeface="Consolas" panose="020B0609020204030204" pitchFamily="49" charset="0"/>
+              </a:rPr>
+              <a:t>();</a:t>
+            </a:r>
+          </a:p>
+          <a:p>
+            <a:r>
+              <a:rPr lang="en-GB" b="1" dirty="0">
+                <a:latin typeface="Consolas" panose="020B0609020204030204" pitchFamily="49" charset="0"/>
+                <a:cs typeface="Consolas" panose="020B0609020204030204" pitchFamily="49" charset="0"/>
+              </a:rPr>
+              <a:t>}</a:t>
+            </a:r>
+          </a:p>
+        </p:txBody>
+      </p:sp>
+    </p:spTree>
+    <p:extLst>
+      <p:ext uri="{BB962C8B-B14F-4D97-AF65-F5344CB8AC3E}">
+        <p14:creationId xmlns:p14="http://schemas.microsoft.com/office/powerpoint/2010/main" val="2170395054"/>
+      </p:ext>
+    </p:extLst>
+  </p:cSld>
+  <p:clrMapOvr>
+    <a:masterClrMapping/>
+  </p:clrMapOvr>
+  <mc:AlternateContent xmlns:mc="http://schemas.openxmlformats.org/markup-compatibility/2006" xmlns:p14="http://schemas.microsoft.com/office/powerpoint/2010/main">
+    <mc:Choice Requires="p14">
+      <p:transition spd="slow" p14:dur="2000" advClick="0" advTm="5000"/>
+    </mc:Choice>
+    <mc:Fallback xmlns="">
+      <p:transition spd="slow" advClick="0" advTm="5000"/>
+    </mc:Fallback>
+  </mc:AlternateContent>
+  <p:timing>
+    <p:tnLst>
+      <p:par>
+        <p:cTn id="1" dur="indefinite" restart="never" nodeType="tmRoot">
+          <p:childTnLst>
+            <p:seq concurrent="1" nextAc="seek">
+              <p:cTn id="2" dur="indefinite" nodeType="mainSeq">
+                <p:childTnLst>
+                  <p:par>
+                    <p:cTn id="3" fill="hold">
+                      <p:stCondLst>
+                        <p:cond delay="indefinite"/>
+                      </p:stCondLst>
+                      <p:childTnLst>
+                        <p:par>
+                          <p:cTn id="4" fill="hold">
+                            <p:stCondLst>
+                              <p:cond delay="0"/>
+                            </p:stCondLst>
+                            <p:childTnLst>
+                              <p:par>
+                                <p:cTn id="5" presetID="1" presetClass="entr" presetSubtype="0" fill="hold" grpId="0" nodeType="clickEffect">
+                                  <p:stCondLst>
+                                    <p:cond delay="0"/>
+                                  </p:stCondLst>
+                                  <p:childTnLst>
+                                    <p:set>
+                                      <p:cBhvr>
+                                        <p:cTn id="6" dur="1" fill="hold">
+                                          <p:stCondLst>
+                                            <p:cond delay="0"/>
+                                          </p:stCondLst>
+                                        </p:cTn>
+                                        <p:tgtEl>
+                                          <p:spTgt spid="9"/>
+                                        </p:tgtEl>
+                                        <p:attrNameLst>
+                                          <p:attrName>style.visibility</p:attrName>
+                                        </p:attrNameLst>
+                                      </p:cBhvr>
+                                      <p:to>
+                                        <p:strVal val="visible"/>
+                                      </p:to>
+                                    </p:set>
+                                  </p:childTnLst>
+                                </p:cTn>
+                              </p:par>
+                            </p:childTnLst>
+                          </p:cTn>
+                        </p:par>
+                      </p:childTnLst>
+                    </p:cTn>
+                  </p:par>
+                  <p:par>
+                    <p:cTn id="7" fill="hold">
+                      <p:stCondLst>
+                        <p:cond delay="indefinite"/>
+                      </p:stCondLst>
+                      <p:childTnLst>
+                        <p:par>
+                          <p:cTn id="8" fill="hold">
+                            <p:stCondLst>
+                              <p:cond delay="0"/>
+                            </p:stCondLst>
+                            <p:childTnLst>
+                              <p:par>
+                                <p:cTn id="9" presetID="1" presetClass="entr" presetSubtype="0" fill="hold" nodeType="clickEffect">
+                                  <p:stCondLst>
+                                    <p:cond delay="0"/>
+                                  </p:stCondLst>
+                                  <p:childTnLst>
+                                    <p:set>
+                                      <p:cBhvr>
+                                        <p:cTn id="10" dur="1" fill="hold">
+                                          <p:stCondLst>
+                                            <p:cond delay="0"/>
+                                          </p:stCondLst>
+                                        </p:cTn>
+                                        <p:tgtEl>
+                                          <p:spTgt spid="3">
+                                            <p:txEl>
+                                              <p:pRg st="6" end="6"/>
+                                            </p:txEl>
+                                          </p:spTgt>
+                                        </p:tgtEl>
+                                        <p:attrNameLst>
+                                          <p:attrName>style.visibility</p:attrName>
+                                        </p:attrNameLst>
+                                      </p:cBhvr>
+                                      <p:to>
+                                        <p:strVal val="visible"/>
+                                      </p:to>
+                                    </p:set>
+                                  </p:childTnLst>
+                                </p:cTn>
+                              </p:par>
+                            </p:childTnLst>
+                          </p:cTn>
+                        </p:par>
+                      </p:childTnLst>
+                    </p:cTn>
+                  </p:par>
+                  <p:par>
+                    <p:cTn id="11" fill="hold">
+                      <p:stCondLst>
+                        <p:cond delay="indefinite"/>
+                      </p:stCondLst>
+                      <p:childTnLst>
+                        <p:par>
+                          <p:cTn id="12" fill="hold">
+                            <p:stCondLst>
+                              <p:cond delay="0"/>
+                            </p:stCondLst>
+                            <p:childTnLst>
+                              <p:par>
+                                <p:cTn id="13" presetID="1" presetClass="entr" presetSubtype="0" fill="hold" grpId="0" nodeType="clickEffect">
+                                  <p:stCondLst>
+                                    <p:cond delay="0"/>
+                                  </p:stCondLst>
+                                  <p:childTnLst>
+                                    <p:set>
+                                      <p:cBhvr>
+                                        <p:cTn id="14" dur="1" fill="hold">
+                                          <p:stCondLst>
+                                            <p:cond delay="0"/>
+                                          </p:stCondLst>
+                                        </p:cTn>
+                                        <p:tgtEl>
+                                          <p:spTgt spid="5"/>
+                                        </p:tgtEl>
+                                        <p:attrNameLst>
+                                          <p:attrName>style.visibility</p:attrName>
+                                        </p:attrNameLst>
+                                      </p:cBhvr>
+                                      <p:to>
+                                        <p:strVal val="visible"/>
+                                      </p:to>
+                                    </p:set>
+                                  </p:childTnLst>
+                                </p:cTn>
+                              </p:par>
+                            </p:childTnLst>
+                          </p:cTn>
+                        </p:par>
+                      </p:childTnLst>
+                    </p:cTn>
+                  </p:par>
+                </p:childTnLst>
+              </p:cTn>
+              <p:prevCondLst>
+                <p:cond evt="onPrev" delay="0">
+                  <p:tgtEl>
+                    <p:sldTgt/>
+                  </p:tgtEl>
+                </p:cond>
+              </p:prevCondLst>
+              <p:nextCondLst>
+                <p:cond evt="onNext" delay="0">
+                  <p:tgtEl>
+                    <p:sldTgt/>
+                  </p:tgtEl>
+                </p:cond>
+              </p:nextCondLst>
+            </p:seq>
+          </p:childTnLst>
+        </p:cTn>
+      </p:par>
+    </p:tnLst>
+    <p:bldLst>
+      <p:bldP spid="9" grpId="0" animBg="1"/>
+      <p:bldP spid="5" grpId="0" animBg="1"/>
+    </p:bldLst>
+  </p:timing>
+</p:sld>
+</file>
+
+<file path=ppt/slides/slide22.xml><?xml version="1.0" encoding="utf-8"?>
+<p:sld xmlns:a="http://schemas.openxmlformats.org/drawingml/2006/main" xmlns:r="http://schemas.openxmlformats.org/officeDocument/2006/relationships" xmlns:p="http://schemas.openxmlformats.org/presentationml/2006/main">
+  <p:cSld>
+    <p:spTree>
+      <p:nvGrpSpPr>
+        <p:cNvPr id="1" name=""/>
+        <p:cNvGrpSpPr/>
+        <p:nvPr/>
+      </p:nvGrpSpPr>
+      <p:grpSpPr>
+        <a:xfrm>
+          <a:off x="0" y="0"/>
+          <a:ext cx="0" cy="0"/>
+          <a:chOff x="0" y="0"/>
+          <a:chExt cx="0" cy="0"/>
+        </a:xfrm>
+      </p:grpSpPr>
+      <p:sp>
+        <p:nvSpPr>
+          <p:cNvPr id="2" name="Slide Number Placeholder 1">
+            <a:extLst>
+              <a:ext uri="{FF2B5EF4-FFF2-40B4-BE49-F238E27FC236}">
                 <a16:creationId xmlns:a16="http://schemas.microsoft.com/office/drawing/2014/main" id="{17B9613A-E959-7D44-F55D-E718F1D48461}"/>
               </a:ext>
             </a:extLst>
@@ -14043,7 +15765,7 @@
             <a:fld id="{2BF067CD-8E6B-4360-9AA8-C5DF2A48A6D1}" type="slidenum">
               <a:rPr lang="en-US" noProof="0" smtClean="0"/>
               <a:pPr/>
-              <a:t>20</a:t>
+              <a:t>22</a:t>
             </a:fld>
             <a:endParaRPr lang="en-US" noProof="0" dirty="0"/>
           </a:p>
@@ -14774,7 +16496,7 @@
 </p:sld>
 </file>
 
-<file path=ppt/slides/slide21.xml><?xml version="1.0" encoding="utf-8"?>
+<file path=ppt/slides/slide23.xml><?xml version="1.0" encoding="utf-8"?>
 <p:sld xmlns:a="http://schemas.openxmlformats.org/drawingml/2006/main" xmlns:r="http://schemas.openxmlformats.org/officeDocument/2006/relationships" xmlns:p="http://schemas.openxmlformats.org/presentationml/2006/main">
   <p:cSld>
     <p:spTree>
@@ -14815,7 +16537,7 @@
             <a:fld id="{2BF067CD-8E6B-4360-9AA8-C5DF2A48A6D1}" type="slidenum">
               <a:rPr lang="en-US" noProof="0" smtClean="0"/>
               <a:pPr/>
-              <a:t>21</a:t>
+              <a:t>23</a:t>
             </a:fld>
             <a:endParaRPr lang="en-US" noProof="0" dirty="0"/>
           </a:p>
@@ -15418,7 +17140,7 @@
 </p:sld>
 </file>
 
-<file path=ppt/slides/slide22.xml><?xml version="1.0" encoding="utf-8"?>
+<file path=ppt/slides/slide24.xml><?xml version="1.0" encoding="utf-8"?>
 <p:sld xmlns:a="http://schemas.openxmlformats.org/drawingml/2006/main" xmlns:r="http://schemas.openxmlformats.org/officeDocument/2006/relationships" xmlns:p="http://schemas.openxmlformats.org/presentationml/2006/main">
   <p:cSld>
     <p:spTree>
@@ -15459,7 +17181,7 @@
             <a:fld id="{2BF067CD-8E6B-4360-9AA8-C5DF2A48A6D1}" type="slidenum">
               <a:rPr lang="en-US" noProof="0" smtClean="0"/>
               <a:pPr/>
-              <a:t>22</a:t>
+              <a:t>24</a:t>
             </a:fld>
             <a:endParaRPr lang="en-US" noProof="0" dirty="0"/>
           </a:p>
@@ -15745,7 +17467,7 @@
 </p:sld>
 </file>
 
-<file path=ppt/slides/slide23.xml><?xml version="1.0" encoding="utf-8"?>
+<file path=ppt/slides/slide25.xml><?xml version="1.0" encoding="utf-8"?>
 <p:sld xmlns:a="http://schemas.openxmlformats.org/drawingml/2006/main" xmlns:r="http://schemas.openxmlformats.org/officeDocument/2006/relationships" xmlns:p="http://schemas.openxmlformats.org/presentationml/2006/main">
   <p:cSld>
     <p:spTree>
@@ -15786,7 +17508,7 @@
             <a:fld id="{2BF067CD-8E6B-4360-9AA8-C5DF2A48A6D1}" type="slidenum">
               <a:rPr lang="en-US" noProof="0" smtClean="0"/>
               <a:pPr/>
-              <a:t>23</a:t>
+              <a:t>25</a:t>
             </a:fld>
             <a:endParaRPr lang="en-US" noProof="0" dirty="0"/>
           </a:p>
@@ -16526,7 +18248,7 @@
 </p:sld>
 </file>
 
-<file path=ppt/slides/slide24.xml><?xml version="1.0" encoding="utf-8"?>
+<file path=ppt/slides/slide26.xml><?xml version="1.0" encoding="utf-8"?>
 <p:sld xmlns:a="http://schemas.openxmlformats.org/drawingml/2006/main" xmlns:r="http://schemas.openxmlformats.org/officeDocument/2006/relationships" xmlns:p="http://schemas.openxmlformats.org/presentationml/2006/main">
   <p:cSld>
     <p:spTree>
@@ -16567,7 +18289,7 @@
             <a:fld id="{2BF067CD-8E6B-4360-9AA8-C5DF2A48A6D1}" type="slidenum">
               <a:rPr lang="en-US" noProof="0" smtClean="0"/>
               <a:pPr/>
-              <a:t>24</a:t>
+              <a:t>26</a:t>
             </a:fld>
             <a:endParaRPr lang="en-US" noProof="0" dirty="0"/>
           </a:p>
@@ -16971,7 +18693,7 @@
 </p:sld>
 </file>
 
-<file path=ppt/slides/slide25.xml><?xml version="1.0" encoding="utf-8"?>
+<file path=ppt/slides/slide27.xml><?xml version="1.0" encoding="utf-8"?>
 <p:sld xmlns:a="http://schemas.openxmlformats.org/drawingml/2006/main" xmlns:r="http://schemas.openxmlformats.org/officeDocument/2006/relationships" xmlns:p="http://schemas.openxmlformats.org/presentationml/2006/main">
   <p:cSld>
     <p:spTree>
@@ -17012,7 +18734,7 @@
             <a:fld id="{2BF067CD-8E6B-4360-9AA8-C5DF2A48A6D1}" type="slidenum">
               <a:rPr lang="en-US" noProof="0" smtClean="0"/>
               <a:pPr/>
-              <a:t>25</a:t>
+              <a:t>27</a:t>
             </a:fld>
             <a:endParaRPr lang="en-US" noProof="0" dirty="0"/>
           </a:p>
@@ -17697,7 +19419,7 @@
 </p:sld>
 </file>
 
-<file path=ppt/slides/slide26.xml><?xml version="1.0" encoding="utf-8"?>
+<file path=ppt/slides/slide28.xml><?xml version="1.0" encoding="utf-8"?>
 <p:sld xmlns:a="http://schemas.openxmlformats.org/drawingml/2006/main" xmlns:r="http://schemas.openxmlformats.org/officeDocument/2006/relationships" xmlns:p="http://schemas.openxmlformats.org/presentationml/2006/main">
   <p:cSld>
     <p:spTree>
@@ -17738,7 +19460,7 @@
             <a:fld id="{2BF067CD-8E6B-4360-9AA8-C5DF2A48A6D1}" type="slidenum">
               <a:rPr lang="en-US" noProof="0" smtClean="0"/>
               <a:pPr/>
-              <a:t>26</a:t>
+              <a:t>28</a:t>
             </a:fld>
             <a:endParaRPr lang="en-US" noProof="0" dirty="0"/>
           </a:p>
@@ -18061,7 +19783,7 @@
 </p:sld>
 </file>
 
-<file path=ppt/slides/slide27.xml><?xml version="1.0" encoding="utf-8"?>
+<file path=ppt/slides/slide29.xml><?xml version="1.0" encoding="utf-8"?>
 <p:sld xmlns:a="http://schemas.openxmlformats.org/drawingml/2006/main" xmlns:r="http://schemas.openxmlformats.org/officeDocument/2006/relationships" xmlns:p="http://schemas.openxmlformats.org/presentationml/2006/main">
   <p:cSld>
     <p:spTree>
@@ -18102,7 +19824,7 @@
             <a:fld id="{2BF067CD-8E6B-4360-9AA8-C5DF2A48A6D1}" type="slidenum">
               <a:rPr lang="en-US" noProof="0" smtClean="0"/>
               <a:pPr/>
-              <a:t>27</a:t>
+              <a:t>29</a:t>
             </a:fld>
             <a:endParaRPr lang="en-US" noProof="0" dirty="0"/>
           </a:p>
@@ -18325,7 +20047,150 @@
 </p:sld>
 </file>
 
-<file path=ppt/slides/slide28.xml><?xml version="1.0" encoding="utf-8"?>
+<file path=ppt/slides/slide3.xml><?xml version="1.0" encoding="utf-8"?>
+<p:sld xmlns:a="http://schemas.openxmlformats.org/drawingml/2006/main" xmlns:r="http://schemas.openxmlformats.org/officeDocument/2006/relationships" xmlns:p="http://schemas.openxmlformats.org/presentationml/2006/main">
+  <p:cSld>
+    <p:spTree>
+      <p:nvGrpSpPr>
+        <p:cNvPr id="1" name=""/>
+        <p:cNvGrpSpPr/>
+        <p:nvPr/>
+      </p:nvGrpSpPr>
+      <p:grpSpPr>
+        <a:xfrm>
+          <a:off x="0" y="0"/>
+          <a:ext cx="0" cy="0"/>
+          <a:chOff x="0" y="0"/>
+          <a:chExt cx="0" cy="0"/>
+        </a:xfrm>
+      </p:grpSpPr>
+      <p:sp>
+        <p:nvSpPr>
+          <p:cNvPr id="4" name="Slide Subtitle">
+            <a:extLst>
+              <a:ext uri="{FF2B5EF4-FFF2-40B4-BE49-F238E27FC236}">
+                <a16:creationId xmlns:a16="http://schemas.microsoft.com/office/drawing/2014/main" id="{BEB5BB41-09D4-4E9F-8C80-EE8709171CB3}"/>
+              </a:ext>
+            </a:extLst>
+          </p:cNvPr>
+          <p:cNvSpPr>
+            <a:spLocks noGrp="1"/>
+          </p:cNvSpPr>
+          <p:nvPr>
+            <p:ph type="subTitle" sz="quarter" idx="11"/>
+          </p:nvPr>
+        </p:nvSpPr>
+        <p:spPr/>
+        <p:txBody>
+          <a:bodyPr/>
+          <a:lstStyle/>
+          <a:p>
+            <a:r>
+              <a:rPr lang="bg-BG" dirty="0"/>
+              <a:t>Навигация едно към много (</a:t>
+            </a:r>
+            <a:r>
+              <a:rPr lang="en-US" dirty="0"/>
+              <a:t>one-to-many</a:t>
+            </a:r>
+            <a:r>
+              <a:rPr lang="bg-BG" dirty="0"/>
+              <a:t>)</a:t>
+            </a:r>
+          </a:p>
+        </p:txBody>
+      </p:sp>
+      <p:sp>
+        <p:nvSpPr>
+          <p:cNvPr id="6" name="Slide Title">
+            <a:extLst>
+              <a:ext uri="{FF2B5EF4-FFF2-40B4-BE49-F238E27FC236}">
+                <a16:creationId xmlns:a16="http://schemas.microsoft.com/office/drawing/2014/main" id="{028D9EA3-B5E0-4F17-9467-4BE3C280DA68}"/>
+              </a:ext>
+            </a:extLst>
+          </p:cNvPr>
+          <p:cNvSpPr>
+            <a:spLocks noGrp="1"/>
+          </p:cNvSpPr>
+          <p:nvPr>
+            <p:ph type="title" sz="quarter" idx="10"/>
+          </p:nvPr>
+        </p:nvSpPr>
+        <p:spPr/>
+        <p:txBody>
+          <a:bodyPr/>
+          <a:lstStyle/>
+          <a:p>
+            <a:r>
+              <a:rPr lang="en-US" sz="4400" dirty="0"/>
+              <a:t>Master-Detail </a:t>
+            </a:r>
+            <a:r>
+              <a:rPr lang="bg-BG" sz="4400" dirty="0"/>
+              <a:t>навигация</a:t>
+            </a:r>
+            <a:endParaRPr lang="en-US" sz="4400" dirty="0"/>
+          </a:p>
+        </p:txBody>
+      </p:sp>
+      <p:pic>
+        <p:nvPicPr>
+          <p:cNvPr id="3" name="Picture 2">
+            <a:extLst>
+              <a:ext uri="{FF2B5EF4-FFF2-40B4-BE49-F238E27FC236}">
+                <a16:creationId xmlns:a16="http://schemas.microsoft.com/office/drawing/2014/main" id="{3140AC4E-61A8-4E3D-EA31-230A1A7440DC}"/>
+              </a:ext>
+            </a:extLst>
+          </p:cNvPr>
+          <p:cNvPicPr>
+            <a:picLocks noChangeAspect="1"/>
+          </p:cNvPicPr>
+          <p:nvPr/>
+        </p:nvPicPr>
+        <p:blipFill>
+          <a:blip r:embed="rId3">
+            <a:extLst>
+              <a:ext uri="{28A0092B-C50C-407E-A947-70E740481C1C}">
+                <a14:useLocalDpi xmlns:a14="http://schemas.microsoft.com/office/drawing/2010/main" val="0"/>
+              </a:ext>
+            </a:extLst>
+          </a:blip>
+          <a:stretch>
+            <a:fillRect/>
+          </a:stretch>
+        </p:blipFill>
+        <p:spPr>
+          <a:xfrm>
+            <a:off x="4719685" y="1686661"/>
+            <a:ext cx="2752629" cy="1823616"/>
+          </a:xfrm>
+          <a:prstGeom prst="rect">
+            <a:avLst/>
+          </a:prstGeom>
+        </p:spPr>
+      </p:pic>
+    </p:spTree>
+    <p:extLst>
+      <p:ext uri="{BB962C8B-B14F-4D97-AF65-F5344CB8AC3E}">
+        <p14:creationId xmlns:p14="http://schemas.microsoft.com/office/powerpoint/2010/main" val="882194472"/>
+      </p:ext>
+    </p:extLst>
+  </p:cSld>
+  <p:clrMapOvr>
+    <a:masterClrMapping/>
+  </p:clrMapOvr>
+  <mc:AlternateContent xmlns:mc="http://schemas.openxmlformats.org/markup-compatibility/2006" xmlns:p14="http://schemas.microsoft.com/office/powerpoint/2010/main">
+    <mc:Choice Requires="p14">
+      <p:transition spd="slow" p14:dur="2000" advClick="0" advTm="5000"/>
+    </mc:Choice>
+    <mc:Fallback xmlns="">
+      <p:transition spd="slow" advClick="0" advTm="5000"/>
+    </mc:Fallback>
+  </mc:AlternateContent>
+</p:sld>
+</file>
+
+<file path=ppt/slides/slide30.xml><?xml version="1.0" encoding="utf-8"?>
 <p:sld xmlns:a="http://schemas.openxmlformats.org/drawingml/2006/main" xmlns:r="http://schemas.openxmlformats.org/officeDocument/2006/relationships" xmlns:p="http://schemas.openxmlformats.org/presentationml/2006/main">
   <p:cSld>
     <p:spTree>
@@ -18810,7 +20675,7 @@
             <a:fld id="{2BF067CD-8E6B-4360-9AA8-C5DF2A48A6D1}" type="slidenum">
               <a:rPr lang="en-US" noProof="0" smtClean="0"/>
               <a:pPr/>
-              <a:t>28</a:t>
+              <a:t>30</a:t>
             </a:fld>
             <a:endParaRPr lang="en-US" noProof="0" dirty="0"/>
           </a:p>
@@ -19063,7 +20928,7 @@
 </p:sld>
 </file>
 
-<file path=ppt/slides/slide29.xml><?xml version="1.0" encoding="utf-8"?>
+<file path=ppt/slides/slide31.xml><?xml version="1.0" encoding="utf-8"?>
 <p:sld xmlns:a="http://schemas.openxmlformats.org/drawingml/2006/main" xmlns:r="http://schemas.openxmlformats.org/officeDocument/2006/relationships" xmlns:p="http://schemas.openxmlformats.org/presentationml/2006/main">
   <p:cSld>
     <p:spTree>
@@ -19253,150 +21118,7 @@
 </p:sld>
 </file>
 
-<file path=ppt/slides/slide3.xml><?xml version="1.0" encoding="utf-8"?>
-<p:sld xmlns:a="http://schemas.openxmlformats.org/drawingml/2006/main" xmlns:r="http://schemas.openxmlformats.org/officeDocument/2006/relationships" xmlns:p="http://schemas.openxmlformats.org/presentationml/2006/main">
-  <p:cSld>
-    <p:spTree>
-      <p:nvGrpSpPr>
-        <p:cNvPr id="1" name=""/>
-        <p:cNvGrpSpPr/>
-        <p:nvPr/>
-      </p:nvGrpSpPr>
-      <p:grpSpPr>
-        <a:xfrm>
-          <a:off x="0" y="0"/>
-          <a:ext cx="0" cy="0"/>
-          <a:chOff x="0" y="0"/>
-          <a:chExt cx="0" cy="0"/>
-        </a:xfrm>
-      </p:grpSpPr>
-      <p:sp>
-        <p:nvSpPr>
-          <p:cNvPr id="4" name="Slide Subtitle">
-            <a:extLst>
-              <a:ext uri="{FF2B5EF4-FFF2-40B4-BE49-F238E27FC236}">
-                <a16:creationId xmlns:a16="http://schemas.microsoft.com/office/drawing/2014/main" id="{BEB5BB41-09D4-4E9F-8C80-EE8709171CB3}"/>
-              </a:ext>
-            </a:extLst>
-          </p:cNvPr>
-          <p:cNvSpPr>
-            <a:spLocks noGrp="1"/>
-          </p:cNvSpPr>
-          <p:nvPr>
-            <p:ph type="subTitle" sz="quarter" idx="11"/>
-          </p:nvPr>
-        </p:nvSpPr>
-        <p:spPr/>
-        <p:txBody>
-          <a:bodyPr/>
-          <a:lstStyle/>
-          <a:p>
-            <a:r>
-              <a:rPr lang="bg-BG" dirty="0"/>
-              <a:t>Навигация едно към много (</a:t>
-            </a:r>
-            <a:r>
-              <a:rPr lang="en-US" dirty="0"/>
-              <a:t>one-to-many</a:t>
-            </a:r>
-            <a:r>
-              <a:rPr lang="bg-BG" dirty="0"/>
-              <a:t>)</a:t>
-            </a:r>
-          </a:p>
-        </p:txBody>
-      </p:sp>
-      <p:sp>
-        <p:nvSpPr>
-          <p:cNvPr id="6" name="Slide Title">
-            <a:extLst>
-              <a:ext uri="{FF2B5EF4-FFF2-40B4-BE49-F238E27FC236}">
-                <a16:creationId xmlns:a16="http://schemas.microsoft.com/office/drawing/2014/main" id="{028D9EA3-B5E0-4F17-9467-4BE3C280DA68}"/>
-              </a:ext>
-            </a:extLst>
-          </p:cNvPr>
-          <p:cNvSpPr>
-            <a:spLocks noGrp="1"/>
-          </p:cNvSpPr>
-          <p:nvPr>
-            <p:ph type="title" sz="quarter" idx="10"/>
-          </p:nvPr>
-        </p:nvSpPr>
-        <p:spPr/>
-        <p:txBody>
-          <a:bodyPr/>
-          <a:lstStyle/>
-          <a:p>
-            <a:r>
-              <a:rPr lang="en-US" sz="4400" dirty="0"/>
-              <a:t>Master-Detail </a:t>
-            </a:r>
-            <a:r>
-              <a:rPr lang="bg-BG" sz="4400" dirty="0"/>
-              <a:t>навигация</a:t>
-            </a:r>
-            <a:endParaRPr lang="en-US" sz="4400" dirty="0"/>
-          </a:p>
-        </p:txBody>
-      </p:sp>
-      <p:pic>
-        <p:nvPicPr>
-          <p:cNvPr id="3" name="Picture 2">
-            <a:extLst>
-              <a:ext uri="{FF2B5EF4-FFF2-40B4-BE49-F238E27FC236}">
-                <a16:creationId xmlns:a16="http://schemas.microsoft.com/office/drawing/2014/main" id="{3140AC4E-61A8-4E3D-EA31-230A1A7440DC}"/>
-              </a:ext>
-            </a:extLst>
-          </p:cNvPr>
-          <p:cNvPicPr>
-            <a:picLocks noChangeAspect="1"/>
-          </p:cNvPicPr>
-          <p:nvPr/>
-        </p:nvPicPr>
-        <p:blipFill>
-          <a:blip r:embed="rId3">
-            <a:extLst>
-              <a:ext uri="{28A0092B-C50C-407E-A947-70E740481C1C}">
-                <a14:useLocalDpi xmlns:a14="http://schemas.microsoft.com/office/drawing/2010/main" val="0"/>
-              </a:ext>
-            </a:extLst>
-          </a:blip>
-          <a:stretch>
-            <a:fillRect/>
-          </a:stretch>
-        </p:blipFill>
-        <p:spPr>
-          <a:xfrm>
-            <a:off x="4719685" y="1686661"/>
-            <a:ext cx="2752629" cy="1823616"/>
-          </a:xfrm>
-          <a:prstGeom prst="rect">
-            <a:avLst/>
-          </a:prstGeom>
-        </p:spPr>
-      </p:pic>
-    </p:spTree>
-    <p:extLst>
-      <p:ext uri="{BB962C8B-B14F-4D97-AF65-F5344CB8AC3E}">
-        <p14:creationId xmlns:p14="http://schemas.microsoft.com/office/powerpoint/2010/main" val="882194472"/>
-      </p:ext>
-    </p:extLst>
-  </p:cSld>
-  <p:clrMapOvr>
-    <a:masterClrMapping/>
-  </p:clrMapOvr>
-  <mc:AlternateContent xmlns:mc="http://schemas.openxmlformats.org/markup-compatibility/2006" xmlns:p14="http://schemas.microsoft.com/office/powerpoint/2010/main">
-    <mc:Choice Requires="p14">
-      <p:transition spd="slow" p14:dur="2000" advClick="0" advTm="5000"/>
-    </mc:Choice>
-    <mc:Fallback xmlns="">
-      <p:transition spd="slow" advClick="0" advTm="5000"/>
-    </mc:Fallback>
-  </mc:AlternateContent>
-</p:sld>
-</file>
-
-<file path=ppt/slides/slide30.xml><?xml version="1.0" encoding="utf-8"?>
+<file path=ppt/slides/slide32.xml><?xml version="1.0" encoding="utf-8"?>
 <p:sld xmlns:a="http://schemas.openxmlformats.org/drawingml/2006/main" xmlns:r="http://schemas.openxmlformats.org/officeDocument/2006/relationships" xmlns:p="http://schemas.openxmlformats.org/presentationml/2006/main" show="0">
   <p:cSld>
     <p:spTree>
@@ -19449,7 +21171,7 @@
             <a:fld id="{2BF067CD-8E6B-4360-9AA8-C5DF2A48A6D1}" type="slidenum">
               <a:rPr lang="en-US" smtClean="0"/>
               <a:pPr/>
-              <a:t>30</a:t>
+              <a:t>32</a:t>
             </a:fld>
             <a:endParaRPr lang="en-US" dirty="0"/>
           </a:p>

--- a/Courses/Software-Sciences/Module-4-Information-Systems-New/08-Navigation-between-Tables/08-Navigation-between-Tables.pptx
+++ b/Courses/Software-Sciences/Module-4-Information-Systems-New/08-Navigation-between-Tables/08-Navigation-between-Tables.pptx
@@ -333,7 +333,7 @@
           <a:p>
             <a:fld id="{4E087215-0C8F-4762-A664-737A353EC9A4}" type="datetimeFigureOut">
               <a:rPr lang="bg-BG" smtClean="0"/>
-              <a:t>17.09.24 г.</a:t>
+              <a:t>29.09.24 г.</a:t>
             </a:fld>
             <a:endParaRPr lang="bg-BG"/>
           </a:p>
@@ -529,7 +529,7 @@
           <a:p>
             <a:fld id="{72D84649-876A-46C9-8472-14CB09C070D8}" type="datetimeFigureOut">
               <a:rPr lang="en-US" smtClean="0"/>
-              <a:t>9/17/24</a:t>
+              <a:t>9/29/24</a:t>
             </a:fld>
             <a:endParaRPr lang="en-US"/>
           </a:p>
@@ -8842,20 +8842,24 @@
               <a:t> </a:t>
             </a:r>
             <a:r>
+              <a:rPr lang="en-US" b="1" dirty="0"/>
+              <a:t>(</a:t>
+            </a:r>
+            <a:r>
+              <a:rPr lang="en-US" b="1" dirty="0">
+                <a:solidFill>
+                  <a:schemeClr val="bg1"/>
+                </a:solidFill>
+              </a:rPr>
+              <a:t>Employee</a:t>
+            </a:r>
+            <a:r>
+              <a:rPr lang="en-US" b="1" dirty="0"/>
+              <a:t>)</a:t>
+            </a:r>
+            <a:r>
               <a:rPr lang="en-US" dirty="0"/>
-              <a:t>(</a:t>
-            </a:r>
-            <a:r>
-              <a:rPr lang="en-US" b="1" dirty="0">
-                <a:solidFill>
-                  <a:schemeClr val="bg1"/>
-                </a:solidFill>
-              </a:rPr>
-              <a:t>Employee</a:t>
-            </a:r>
-            <a:r>
-              <a:rPr lang="en-US" dirty="0"/>
-              <a:t>) </a:t>
+              <a:t> </a:t>
             </a:r>
             <a:r>
               <a:rPr lang="bg-BG" dirty="0"/>
@@ -8874,7 +8878,7 @@
               <a:t> </a:t>
             </a:r>
             <a:r>
-              <a:rPr lang="bg-BG" dirty="0"/>
+              <a:rPr lang="bg-BG" b="1" dirty="0"/>
               <a:t>(</a:t>
             </a:r>
             <a:r>
@@ -8886,7 +8890,7 @@
               <a:t>Department</a:t>
             </a:r>
             <a:r>
-              <a:rPr lang="en-US" dirty="0"/>
+              <a:rPr lang="en-US" b="1" dirty="0"/>
               <a:t>)</a:t>
             </a:r>
           </a:p>
@@ -20485,7 +20489,10 @@
             <a:r>
               <a:rPr lang="en-GB" sz="2800" b="1" dirty="0">
                 <a:solidFill>
-                  <a:schemeClr val="accent1"/>
+                  <a:schemeClr val="accent1">
+                    <a:lumMod val="60000"/>
+                    <a:lumOff val="40000"/>
+                  </a:schemeClr>
                 </a:solidFill>
               </a:rPr>
               <a:t>Master-Detail</a:t>
@@ -20509,14 +20516,20 @@
             <a:r>
               <a:rPr lang="bg-BG" sz="2800" b="1" dirty="0">
                 <a:solidFill>
-                  <a:schemeClr val="accent1"/>
+                  <a:schemeClr val="accent1">
+                    <a:lumMod val="60000"/>
+                    <a:lumOff val="40000"/>
+                  </a:schemeClr>
                 </a:solidFill>
               </a:rPr>
               <a:t>едно-към-много</a:t>
             </a:r>
             <a:endParaRPr lang="en-GB" sz="2800" b="1" dirty="0">
               <a:solidFill>
-                <a:schemeClr val="accent1"/>
+                <a:schemeClr val="accent1">
+                  <a:lumMod val="60000"/>
+                  <a:lumOff val="40000"/>
+                </a:schemeClr>
               </a:solidFill>
             </a:endParaRPr>
           </a:p>
@@ -20580,7 +20593,10 @@
             <a:r>
               <a:rPr lang="en-US" sz="2600" b="1" dirty="0">
                 <a:solidFill>
-                  <a:schemeClr val="accent1"/>
+                  <a:schemeClr val="accent1">
+                    <a:lumMod val="60000"/>
+                    <a:lumOff val="40000"/>
+                  </a:schemeClr>
                 </a:solidFill>
                 <a:latin typeface="Consolas" panose="020B0609020204030204" pitchFamily="49" charset="0"/>
                 <a:cs typeface="Consolas" panose="020B0609020204030204" pitchFamily="49" charset="0"/>
@@ -20597,7 +20613,10 @@
             <a:r>
               <a:rPr lang="en-US" sz="2600" b="1" dirty="0">
                 <a:solidFill>
-                  <a:schemeClr val="accent1"/>
+                  <a:schemeClr val="accent1">
+                    <a:lumMod val="60000"/>
+                    <a:lumOff val="40000"/>
+                  </a:schemeClr>
                 </a:solidFill>
                 <a:latin typeface="Consolas" panose="020B0609020204030204" pitchFamily="49" charset="0"/>
                 <a:cs typeface="Consolas" panose="020B0609020204030204" pitchFamily="49" charset="0"/>
@@ -20606,7 +20625,10 @@
             </a:r>
             <a:endParaRPr lang="en-GB" sz="2600" b="1" dirty="0">
               <a:solidFill>
-                <a:schemeClr val="accent1"/>
+                <a:schemeClr val="accent1">
+                  <a:lumMod val="60000"/>
+                  <a:lumOff val="40000"/>
+                </a:schemeClr>
               </a:solidFill>
               <a:latin typeface="Consolas" panose="020B0609020204030204" pitchFamily="49" charset="0"/>
               <a:cs typeface="Consolas" panose="020B0609020204030204" pitchFamily="49" charset="0"/>
@@ -21617,18 +21639,10 @@
               <a:t> </a:t>
             </a:r>
             <a:r>
-              <a:rPr lang="en-US" sz="3200" dirty="0"/>
-              <a:t>(</a:t>
-            </a:r>
-            <a:r>
               <a:rPr lang="en-US" sz="3200" b="1" dirty="0"/>
-              <a:t>one-to-many</a:t>
-            </a:r>
-            <a:r>
-              <a:rPr lang="en-US" sz="3200" dirty="0"/>
-              <a:t>)</a:t>
-            </a:r>
-            <a:endParaRPr lang="bg-BG" sz="3200" dirty="0"/>
+              <a:t>(one-to-many)</a:t>
+            </a:r>
+            <a:endParaRPr lang="bg-BG" sz="3200" b="1" dirty="0"/>
           </a:p>
           <a:p>
             <a:r>
@@ -23105,12 +23119,8 @@
               <a:t>Departments </a:t>
             </a:r>
             <a:r>
-              <a:rPr lang="en-US" dirty="0"/>
-              <a:t>(</a:t>
-            </a:r>
-            <a:r>
               <a:rPr lang="en-US" b="1" dirty="0"/>
-              <a:t>Id,</a:t>
+              <a:t>(Id,</a:t>
             </a:r>
             <a:r>
               <a:rPr lang="en-US" dirty="0"/>
@@ -23118,11 +23128,7 @@
             </a:r>
             <a:r>
               <a:rPr lang="en-US" b="1" dirty="0"/>
-              <a:t>Name</a:t>
-            </a:r>
-            <a:r>
-              <a:rPr lang="en-US" dirty="0"/>
-              <a:t>)</a:t>
+              <a:t>Name)</a:t>
             </a:r>
           </a:p>
           <a:p>
@@ -23136,12 +23142,8 @@
               <a:t>Employees </a:t>
             </a:r>
             <a:r>
-              <a:rPr lang="en-US" dirty="0"/>
-              <a:t>(</a:t>
-            </a:r>
-            <a:r>
               <a:rPr lang="en-US" b="1" dirty="0"/>
-              <a:t>Id</a:t>
+              <a:t>(Id</a:t>
             </a:r>
             <a:r>
               <a:rPr lang="en-US" dirty="0"/>
@@ -23165,11 +23167,7 @@
             </a:r>
             <a:r>
               <a:rPr lang="en-US" b="1" dirty="0"/>
-              <a:t>DepartmentId</a:t>
-            </a:r>
-            <a:r>
-              <a:rPr lang="en-US" dirty="0"/>
-              <a:t>)</a:t>
+              <a:t>DepartmentId)</a:t>
             </a:r>
           </a:p>
           <a:p>
@@ -23549,20 +23547,24 @@
               <a:t>Един отдел </a:t>
             </a:r>
             <a:r>
+              <a:rPr lang="en-US" b="1" dirty="0"/>
+              <a:t>(</a:t>
+            </a:r>
+            <a:r>
+              <a:rPr lang="en-US" b="1" dirty="0">
+                <a:solidFill>
+                  <a:schemeClr val="bg1"/>
+                </a:solidFill>
+              </a:rPr>
+              <a:t>Department</a:t>
+            </a:r>
+            <a:r>
+              <a:rPr lang="en-US" b="1" dirty="0"/>
+              <a:t>)</a:t>
+            </a:r>
+            <a:r>
               <a:rPr lang="en-US" dirty="0"/>
-              <a:t>(</a:t>
-            </a:r>
-            <a:r>
-              <a:rPr lang="en-US" b="1" dirty="0">
-                <a:solidFill>
-                  <a:schemeClr val="bg1"/>
-                </a:solidFill>
-              </a:rPr>
-              <a:t>Department</a:t>
-            </a:r>
-            <a:r>
-              <a:rPr lang="en-US" dirty="0"/>
-              <a:t>) </a:t>
+              <a:t> </a:t>
             </a:r>
             <a:r>
               <a:rPr lang="bg-BG" dirty="0"/>
@@ -23581,7 +23583,7 @@
               <a:t>служители </a:t>
             </a:r>
             <a:r>
-              <a:rPr lang="en-US" dirty="0"/>
+              <a:rPr lang="en-US" b="1" dirty="0"/>
               <a:t>(</a:t>
             </a:r>
             <a:r>
@@ -23593,7 +23595,7 @@
               <a:t>Employees</a:t>
             </a:r>
             <a:r>
-              <a:rPr lang="en-US" dirty="0"/>
+              <a:rPr lang="en-US" b="1" dirty="0"/>
               <a:t>)</a:t>
             </a:r>
           </a:p>

--- a/Courses/Software-Sciences/Module-4-Information-Systems-New/08-Navigation-between-Tables/08-Navigation-between-Tables.pptx
+++ b/Courses/Software-Sciences/Module-4-Information-Systems-New/08-Navigation-between-Tables/08-Navigation-between-Tables.pptx
@@ -17048,11 +17048,7 @@
                                           </p:stCondLst>
                                         </p:cTn>
                                         <p:tgtEl>
-                                          <p:spTgt spid="3">
-                                            <p:txEl>
-                                              <p:pRg st="4" end="4"/>
-                                            </p:txEl>
-                                          </p:spTgt>
+                                          <p:spTgt spid="7"/>
                                         </p:tgtEl>
                                         <p:attrNameLst>
                                           <p:attrName>style.visibility</p:attrName>
@@ -17084,7 +17080,7 @@
                             </p:stCondLst>
                             <p:childTnLst>
                               <p:par>
-                                <p:cTn id="9" presetID="1" presetClass="entr" presetSubtype="0" fill="hold" grpId="0" nodeType="clickEffect">
+                                <p:cTn id="9" presetID="1" presetClass="entr" presetSubtype="0" fill="hold" nodeType="clickEffect">
                                   <p:stCondLst>
                                     <p:cond delay="0"/>
                                   </p:stCondLst>
@@ -17092,6 +17088,55 @@
                                     <p:set>
                                       <p:cBhvr>
                                         <p:cTn id="10" dur="1" fill="hold">
+                                          <p:stCondLst>
+                                            <p:cond delay="0"/>
+                                          </p:stCondLst>
+                                        </p:cTn>
+                                        <p:tgtEl>
+                                          <p:spTgt spid="3">
+                                            <p:txEl>
+                                              <p:pRg st="4" end="4"/>
+                                            </p:txEl>
+                                          </p:spTgt>
+                                        </p:tgtEl>
+                                        <p:attrNameLst>
+                                          <p:attrName>style.visibility</p:attrName>
+                                        </p:attrNameLst>
+                                      </p:cBhvr>
+                                      <p:to>
+                                        <p:strVal val="visible"/>
+                                      </p:to>
+                                    </p:set>
+                                  </p:childTnLst>
+                                </p:cTn>
+                              </p:par>
+                            </p:childTnLst>
+                          </p:cTn>
+                        </p:par>
+                      </p:childTnLst>
+                    </p:cTn>
+                  </p:par>
+                  <p:par>
+                    <p:cTn id="11" fill="hold">
+                      <p:stCondLst>
+                        <p:cond delay="indefinite"/>
+                      </p:stCondLst>
+                      <p:childTnLst>
+                        <p:par>
+                          <p:cTn id="12" fill="hold">
+                            <p:stCondLst>
+                              <p:cond delay="0"/>
+                            </p:stCondLst>
+                            <p:childTnLst>
+                              <p:par>
+                                <p:cTn id="13" presetID="1" presetClass="entr" presetSubtype="0" fill="hold" grpId="0" nodeType="clickEffect">
+                                  <p:stCondLst>
+                                    <p:cond delay="0"/>
+                                  </p:stCondLst>
+                                  <p:childTnLst>
+                                    <p:set>
+                                      <p:cBhvr>
+                                        <p:cTn id="14" dur="1" fill="hold">
                                           <p:stCondLst>
                                             <p:cond delay="0"/>
                                           </p:stCondLst>
@@ -18052,7 +18097,7 @@
                             </p:stCondLst>
                             <p:childTnLst>
                               <p:par>
-                                <p:cTn id="5" presetID="1" presetClass="entr" presetSubtype="0" fill="hold" grpId="0" nodeType="clickEffect">
+                                <p:cTn id="5" presetID="1" presetClass="entr" presetSubtype="0" fill="hold" nodeType="clickEffect">
                                   <p:stCondLst>
                                     <p:cond delay="0"/>
                                   </p:stCondLst>
@@ -18065,7 +18110,7 @@
                                           </p:stCondLst>
                                         </p:cTn>
                                         <p:tgtEl>
-                                          <p:spTgt spid="10"/>
+                                          <p:spTgt spid="7"/>
                                         </p:tgtEl>
                                         <p:attrNameLst>
                                           <p:attrName>style.visibility</p:attrName>
@@ -18097,7 +18142,7 @@
                             </p:stCondLst>
                             <p:childTnLst>
                               <p:par>
-                                <p:cTn id="9" presetID="1" presetClass="entr" presetSubtype="0" fill="hold" nodeType="clickEffect">
+                                <p:cTn id="9" presetID="1" presetClass="entr" presetSubtype="0" fill="hold" grpId="0" nodeType="clickEffect">
                                   <p:stCondLst>
                                     <p:cond delay="0"/>
                                   </p:stCondLst>
@@ -18110,7 +18155,7 @@
                                           </p:stCondLst>
                                         </p:cTn>
                                         <p:tgtEl>
-                                          <p:spTgt spid="9"/>
+                                          <p:spTgt spid="10"/>
                                         </p:tgtEl>
                                         <p:attrNameLst>
                                           <p:attrName>style.visibility</p:attrName>
@@ -18155,11 +18200,7 @@
                                           </p:stCondLst>
                                         </p:cTn>
                                         <p:tgtEl>
-                                          <p:spTgt spid="3">
-                                            <p:txEl>
-                                              <p:pRg st="4" end="4"/>
-                                            </p:txEl>
-                                          </p:spTgt>
+                                          <p:spTgt spid="9"/>
                                         </p:tgtEl>
                                         <p:attrNameLst>
                                           <p:attrName>style.visibility</p:attrName>
@@ -18191,7 +18232,7 @@
                             </p:stCondLst>
                             <p:childTnLst>
                               <p:par>
-                                <p:cTn id="17" presetID="1" presetClass="entr" presetSubtype="0" fill="hold" grpId="0" nodeType="clickEffect">
+                                <p:cTn id="17" presetID="1" presetClass="entr" presetSubtype="0" fill="hold" nodeType="clickEffect">
                                   <p:stCondLst>
                                     <p:cond delay="0"/>
                                   </p:stCondLst>
@@ -18199,6 +18240,55 @@
                                     <p:set>
                                       <p:cBhvr>
                                         <p:cTn id="18" dur="1" fill="hold">
+                                          <p:stCondLst>
+                                            <p:cond delay="0"/>
+                                          </p:stCondLst>
+                                        </p:cTn>
+                                        <p:tgtEl>
+                                          <p:spTgt spid="3">
+                                            <p:txEl>
+                                              <p:pRg st="4" end="4"/>
+                                            </p:txEl>
+                                          </p:spTgt>
+                                        </p:tgtEl>
+                                        <p:attrNameLst>
+                                          <p:attrName>style.visibility</p:attrName>
+                                        </p:attrNameLst>
+                                      </p:cBhvr>
+                                      <p:to>
+                                        <p:strVal val="visible"/>
+                                      </p:to>
+                                    </p:set>
+                                  </p:childTnLst>
+                                </p:cTn>
+                              </p:par>
+                            </p:childTnLst>
+                          </p:cTn>
+                        </p:par>
+                      </p:childTnLst>
+                    </p:cTn>
+                  </p:par>
+                  <p:par>
+                    <p:cTn id="19" fill="hold">
+                      <p:stCondLst>
+                        <p:cond delay="indefinite"/>
+                      </p:stCondLst>
+                      <p:childTnLst>
+                        <p:par>
+                          <p:cTn id="20" fill="hold">
+                            <p:stCondLst>
+                              <p:cond delay="0"/>
+                            </p:stCondLst>
+                            <p:childTnLst>
+                              <p:par>
+                                <p:cTn id="21" presetID="1" presetClass="entr" presetSubtype="0" fill="hold" grpId="0" nodeType="clickEffect">
+                                  <p:stCondLst>
+                                    <p:cond delay="0"/>
+                                  </p:stCondLst>
+                                  <p:childTnLst>
+                                    <p:set>
+                                      <p:cBhvr>
+                                        <p:cTn id="22" dur="1" fill="hold">
                                           <p:stCondLst>
                                             <p:cond delay="0"/>
                                           </p:stCondLst>
@@ -20511,7 +20601,15 @@
             </a:r>
             <a:r>
               <a:rPr lang="bg-BG" sz="2800" dirty="0"/>
-              <a:t>отразява отношенията </a:t>
+              <a:t>отразява </a:t>
+            </a:r>
+            <a:r>
+              <a:rPr lang="bg-BG" sz="2800" b="1" dirty="0"/>
+              <a:t>отношенията</a:t>
+            </a:r>
+            <a:r>
+              <a:rPr lang="bg-BG" sz="2800" dirty="0"/>
+              <a:t> </a:t>
             </a:r>
             <a:r>
               <a:rPr lang="bg-BG" sz="2800" b="1" dirty="0">
@@ -20540,12 +20638,36 @@
               </a:buClr>
             </a:pPr>
             <a:r>
+              <a:rPr lang="bg-BG" sz="2800" b="1" dirty="0">
+                <a:solidFill>
+                  <a:schemeClr val="bg2"/>
+                </a:solidFill>
+              </a:rPr>
+              <a:t>Филтриране</a:t>
+            </a:r>
+            <a:r>
               <a:rPr lang="bg-BG" sz="2800" dirty="0">
                 <a:solidFill>
                   <a:schemeClr val="bg2"/>
                 </a:solidFill>
               </a:rPr>
-              <a:t>Филтриране и сортиране на таблица</a:t>
+              <a:t> и </a:t>
+            </a:r>
+            <a:r>
+              <a:rPr lang="bg-BG" sz="2800" b="1" dirty="0">
+                <a:solidFill>
+                  <a:schemeClr val="bg2"/>
+                </a:solidFill>
+              </a:rPr>
+              <a:t>сортиране</a:t>
+            </a:r>
+            <a:r>
+              <a:rPr lang="bg-BG" sz="2800" dirty="0">
+                <a:solidFill>
+                  <a:schemeClr val="bg2"/>
+                </a:solidFill>
+              </a:rPr>
+              <a:t> на таблица</a:t>
             </a:r>
             <a:endParaRPr lang="en-US" sz="2800" dirty="0">
               <a:solidFill>
@@ -20568,15 +20690,23 @@
               <a:t>Използваме </a:t>
             </a:r>
             <a:r>
+              <a:rPr lang="en-US" sz="2600" b="1" dirty="0">
+                <a:solidFill>
+                  <a:schemeClr val="bg2"/>
+                </a:solidFill>
+              </a:rPr>
+              <a:t>LINQ</a:t>
+            </a:r>
+            <a:r>
               <a:rPr lang="en-US" sz="2600" dirty="0">
                 <a:solidFill>
                   <a:schemeClr val="bg2"/>
                 </a:solidFill>
               </a:rPr>
-              <a:t>LINQ </a:t>
-            </a:r>
-            <a:r>
-              <a:rPr lang="bg-BG" sz="2600" dirty="0">
+              <a:t> </a:t>
+            </a:r>
+            <a:r>
+              <a:rPr lang="bg-BG" sz="2600" b="1" dirty="0">
                 <a:solidFill>
                   <a:schemeClr val="bg2"/>
                 </a:solidFill>

--- a/Courses/Software-Sciences/Module-4-Information-Systems-New/08-Navigation-between-Tables/08-Navigation-between-Tables.pptx
+++ b/Courses/Software-Sciences/Module-4-Information-Systems-New/08-Navigation-between-Tables/08-Navigation-between-Tables.pptx
@@ -333,7 +333,7 @@
           <a:p>
             <a:fld id="{4E087215-0C8F-4762-A664-737A353EC9A4}" type="datetimeFigureOut">
               <a:rPr lang="bg-BG" smtClean="0"/>
-              <a:t>29.09.24 г.</a:t>
+              <a:t>30.09.24 г.</a:t>
             </a:fld>
             <a:endParaRPr lang="bg-BG"/>
           </a:p>
@@ -529,7 +529,7 @@
           <a:p>
             <a:fld id="{72D84649-876A-46C9-8472-14CB09C070D8}" type="datetimeFigureOut">
               <a:rPr lang="en-US" smtClean="0"/>
-              <a:t>9/29/24</a:t>
+              <a:t>9/30/24</a:t>
             </a:fld>
             <a:endParaRPr lang="en-US"/>
           </a:p>
@@ -8707,8 +8707,8 @@
         </p:blipFill>
         <p:spPr>
           <a:xfrm>
-            <a:off x="642407" y="3070787"/>
-            <a:ext cx="1757160" cy="819755"/>
+            <a:off x="642407" y="3086623"/>
+            <a:ext cx="1757160" cy="788082"/>
           </a:xfrm>
           <a:prstGeom prst="rect">
             <a:avLst/>

--- a/Courses/Software-Sciences/Module-4-Information-Systems-New/08-Navigation-between-Tables/08-Navigation-between-Tables.pptx
+++ b/Courses/Software-Sciences/Module-4-Information-Systems-New/08-Navigation-between-Tables/08-Navigation-between-Tables.pptx
@@ -236,7 +236,98 @@
       </p:ext>
     </p:extLst>
   </p:cmAuthor>
+  <p:cmAuthor id="2" name="PC" initials="P" lastIdx="6" clrIdx="1">
+    <p:extLst>
+      <p:ext uri="{19B8F6BF-5375-455C-9EA6-DF929625EA0E}">
+        <p15:presenceInfo xmlns:p15="http://schemas.microsoft.com/office/powerpoint/2012/main" userId="PC" providerId="None"/>
+      </p:ext>
+    </p:extLst>
+  </p:cmAuthor>
 </p:cmAuthorLst>
+</file>
+
+<file path=ppt/comments/comment1.xml><?xml version="1.0" encoding="utf-8"?>
+<p:cmLst xmlns:a="http://schemas.openxmlformats.org/drawingml/2006/main" xmlns:r="http://schemas.openxmlformats.org/officeDocument/2006/relationships" xmlns:p="http://schemas.openxmlformats.org/presentationml/2006/main">
+  <p:cm authorId="2" dt="2024-10-02T19:19:04.206" idx="1">
+    <p:pos x="10" y="10"/>
+    <p:text>Името от слайда със съдържанието не съвпада със заглавния слайд и секцията. По-добре е май в Съдържанието да се промени на Master-Detail навигация</p:text>
+    <p:extLst>
+      <p:ext uri="{C676402C-5697-4E1C-873F-D02D1690AC5C}">
+        <p15:threadingInfo xmlns:p15="http://schemas.microsoft.com/office/powerpoint/2012/main" timeZoneBias="-180"/>
+      </p:ext>
+    </p:extLst>
+  </p:cm>
+</p:cmLst>
+</file>
+
+<file path=ppt/comments/comment2.xml><?xml version="1.0" encoding="utf-8"?>
+<p:cmLst xmlns:a="http://schemas.openxmlformats.org/drawingml/2006/main" xmlns:r="http://schemas.openxmlformats.org/officeDocument/2006/relationships" xmlns:p="http://schemas.openxmlformats.org/presentationml/2006/main">
+  <p:cm authorId="2" dt="2024-10-02T19:23:12.915" idx="2">
+    <p:pos x="10" y="10"/>
+    <p:text>Мисля, че може да се добавят балончета с текст, които да заменят коментарите по кода и да поясняват какво се случва, като се показват с анимации</p:text>
+    <p:extLst>
+      <p:ext uri="{C676402C-5697-4E1C-873F-D02D1690AC5C}">
+        <p15:threadingInfo xmlns:p15="http://schemas.microsoft.com/office/powerpoint/2012/main" timeZoneBias="-180"/>
+      </p:ext>
+    </p:extLst>
+  </p:cm>
+</p:cmLst>
+</file>
+
+<file path=ppt/comments/comment3.xml><?xml version="1.0" encoding="utf-8"?>
+<p:cmLst xmlns:a="http://schemas.openxmlformats.org/drawingml/2006/main" xmlns:r="http://schemas.openxmlformats.org/officeDocument/2006/relationships" xmlns:p="http://schemas.openxmlformats.org/presentationml/2006/main">
+  <p:cm authorId="2" dt="2024-10-02T19:30:43.083" idx="4">
+    <p:pos x="10" y="10"/>
+    <p:text>Може още тук да се покаже и OrderByDescending()</p:text>
+    <p:extLst>
+      <p:ext uri="{C676402C-5697-4E1C-873F-D02D1690AC5C}">
+        <p15:threadingInfo xmlns:p15="http://schemas.microsoft.com/office/powerpoint/2012/main" timeZoneBias="-180"/>
+      </p:ext>
+    </p:extLst>
+  </p:cm>
+</p:cmLst>
+</file>
+
+<file path=ppt/comments/comment4.xml><?xml version="1.0" encoding="utf-8"?>
+<p:cmLst xmlns:a="http://schemas.openxmlformats.org/drawingml/2006/main" xmlns:r="http://schemas.openxmlformats.org/officeDocument/2006/relationships" xmlns:p="http://schemas.openxmlformats.org/presentationml/2006/main">
+  <p:cm authorId="2" dt="2024-10-02T19:27:08.299" idx="3">
+    <p:pos x="10" y="10"/>
+    <p:text>Методите могат да се сплитнат на два отделни text box-a един до друг, за да се запълни мястото и да се оголеми текста</p:text>
+    <p:extLst>
+      <p:ext uri="{C676402C-5697-4E1C-873F-D02D1690AC5C}">
+        <p15:threadingInfo xmlns:p15="http://schemas.microsoft.com/office/powerpoint/2012/main" timeZoneBias="-180"/>
+      </p:ext>
+    </p:extLst>
+  </p:cm>
+</p:cmLst>
+</file>
+
+<file path=ppt/comments/comment5.xml><?xml version="1.0" encoding="utf-8"?>
+<p:cmLst xmlns:a="http://schemas.openxmlformats.org/drawingml/2006/main" xmlns:r="http://schemas.openxmlformats.org/officeDocument/2006/relationships" xmlns:p="http://schemas.openxmlformats.org/presentationml/2006/main">
+  <p:cm authorId="2" dt="2024-10-02T19:32:09.935" idx="5">
+    <p:pos x="10" y="10"/>
+    <p:text>Ако не си планирала нищо за празното място на слайда, оголеми text box-a и текста в него</p:text>
+    <p:extLst>
+      <p:ext uri="{C676402C-5697-4E1C-873F-D02D1690AC5C}">
+        <p15:threadingInfo xmlns:p15="http://schemas.microsoft.com/office/powerpoint/2012/main" timeZoneBias="-180"/>
+      </p:ext>
+    </p:extLst>
+  </p:cm>
+</p:cmLst>
+</file>
+
+<file path=ppt/comments/comment6.xml><?xml version="1.0" encoding="utf-8"?>
+<p:cmLst xmlns:a="http://schemas.openxmlformats.org/drawingml/2006/main" xmlns:r="http://schemas.openxmlformats.org/officeDocument/2006/relationships" xmlns:p="http://schemas.openxmlformats.org/presentationml/2006/main">
+  <p:cm authorId="2" dt="2024-10-02T19:34:08.503" idx="6">
+    <p:pos x="10" y="10"/>
+    <p:text>И тук да се включи OrderByDescending()</p:text>
+    <p:extLst>
+      <p:ext uri="{C676402C-5697-4E1C-873F-D02D1690AC5C}">
+        <p15:threadingInfo xmlns:p15="http://schemas.microsoft.com/office/powerpoint/2012/main" timeZoneBias="-180"/>
+      </p:ext>
+    </p:extLst>
+  </p:cm>
+</p:cmLst>
 </file>
 
 <file path=ppt/handoutMasters/handoutMaster1.xml><?xml version="1.0" encoding="utf-8"?>
@@ -333,7 +424,7 @@
           <a:p>
             <a:fld id="{4E087215-0C8F-4762-A664-737A353EC9A4}" type="datetimeFigureOut">
               <a:rPr lang="bg-BG" smtClean="0"/>
-              <a:t>30.09.24 г.</a:t>
+              <a:t>2.10.2024 г.</a:t>
             </a:fld>
             <a:endParaRPr lang="bg-BG"/>
           </a:p>
@@ -529,7 +620,7 @@
           <a:p>
             <a:fld id="{72D84649-876A-46C9-8472-14CB09C070D8}" type="datetimeFigureOut">
               <a:rPr lang="en-US" smtClean="0"/>
-              <a:t>9/30/24</a:t>
+              <a:t>10/2/2024</a:t>
             </a:fld>
             <a:endParaRPr lang="en-US"/>
           </a:p>
@@ -8779,6 +8870,13 @@
       <p:transition spd="slow" advClick="0" advTm="5000"/>
     </mc:Fallback>
   </mc:AlternateContent>
+  <p:timing>
+    <p:tnLst>
+      <p:par>
+        <p:cTn id="1" dur="indefinite" restart="never" nodeType="tmRoot"/>
+      </p:par>
+    </p:tnLst>
+  </p:timing>
 </p:sld>
 </file>
 
@@ -9276,6 +9374,13 @@
       <p:transition spd="slow" advClick="0" advTm="5000"/>
     </mc:Fallback>
   </mc:AlternateContent>
+  <p:timing>
+    <p:tnLst>
+      <p:par>
+        <p:cTn id="1" dur="indefinite" restart="never" nodeType="tmRoot"/>
+      </p:par>
+    </p:tnLst>
+  </p:timing>
 </p:sld>
 </file>
 
@@ -9883,6 +9988,13 @@
       <p:transition spd="slow" advClick="0" advTm="5000"/>
     </mc:Fallback>
   </mc:AlternateContent>
+  <p:timing>
+    <p:tnLst>
+      <p:par>
+        <p:cTn id="1" dur="indefinite" restart="never" nodeType="tmRoot"/>
+      </p:par>
+    </p:tnLst>
+  </p:timing>
 </p:sld>
 </file>
 
@@ -10002,7 +10114,7 @@
             <p:nvPr/>
           </p:nvPicPr>
           <p:blipFill>
-            <a:blip r:embed="rId3">
+            <a:blip r:embed="rId3" cstate="hqprint">
               <a:extLst>
                 <a:ext uri="{28A0092B-C50C-407E-A947-70E740481C1C}">
                   <a14:useLocalDpi xmlns:a14="http://schemas.microsoft.com/office/drawing/2010/main" val="0"/>
@@ -10038,7 +10150,7 @@
             <p:nvPr/>
           </p:nvPicPr>
           <p:blipFill>
-            <a:blip r:embed="rId4">
+            <a:blip r:embed="rId4" cstate="hqprint">
               <a:extLst>
                 <a:ext uri="{28A0092B-C50C-407E-A947-70E740481C1C}">
                   <a14:useLocalDpi xmlns:a14="http://schemas.microsoft.com/office/drawing/2010/main" val="0"/>
@@ -10078,6 +10190,13 @@
       <p:transition spd="slow" advClick="0" advTm="5000"/>
     </mc:Fallback>
   </mc:AlternateContent>
+  <p:timing>
+    <p:tnLst>
+      <p:par>
+        <p:cTn id="1" dur="indefinite" restart="never" nodeType="tmRoot"/>
+      </p:par>
+    </p:tnLst>
+  </p:timing>
 </p:sld>
 </file>
 
@@ -10822,6 +10941,13 @@
       <p:transition spd="slow" advClick="0" advTm="5000"/>
     </mc:Fallback>
   </mc:AlternateContent>
+  <p:timing>
+    <p:tnLst>
+      <p:par>
+        <p:cTn id="1" dur="indefinite" restart="never" nodeType="tmRoot"/>
+      </p:par>
+    </p:tnLst>
+  </p:timing>
 </p:sld>
 </file>
 
@@ -10956,6 +11082,13 @@
       <p:transition spd="slow" advClick="0" advTm="5000"/>
     </mc:Fallback>
   </mc:AlternateContent>
+  <p:timing>
+    <p:tnLst>
+      <p:par>
+        <p:cTn id="1" dur="indefinite" restart="never" nodeType="tmRoot"/>
+      </p:par>
+    </p:tnLst>
+  </p:timing>
 </p:sld>
 </file>
 
@@ -11312,6 +11445,13 @@
       <p:transition spd="slow" advClick="0" advTm="5000"/>
     </mc:Fallback>
   </mc:AlternateContent>
+  <p:timing>
+    <p:tnLst>
+      <p:par>
+        <p:cTn id="1" dur="indefinite" restart="never" nodeType="tmRoot"/>
+      </p:par>
+    </p:tnLst>
+  </p:timing>
 </p:sld>
 </file>
 
@@ -11689,6 +11829,13 @@
       <p:transition spd="slow" advClick="0" advTm="5000"/>
     </mc:Fallback>
   </mc:AlternateContent>
+  <p:timing>
+    <p:tnLst>
+      <p:par>
+        <p:cTn id="1" dur="indefinite" restart="never" nodeType="tmRoot"/>
+      </p:par>
+    </p:tnLst>
+  </p:timing>
 </p:sld>
 </file>
 
@@ -11839,6 +11986,13 @@
       <p:transition spd="slow" advClick="0" advTm="5000"/>
     </mc:Fallback>
   </mc:AlternateContent>
+  <p:timing>
+    <p:tnLst>
+      <p:par>
+        <p:cTn id="1" dur="indefinite" restart="never" nodeType="tmRoot"/>
+      </p:par>
+    </p:tnLst>
+  </p:timing>
 </p:sld>
 </file>
 
@@ -12950,9 +13104,6 @@
             </a:r>
             <a:r>
               <a:rPr lang="en-US" sz="2400" dirty="0">
-                <a:solidFill>
-                  <a:schemeClr val="bg1"/>
-                </a:solidFill>
                 <a:latin typeface="Consolas" panose="020B0609020204030204" pitchFamily="49" charset="0"/>
                 <a:cs typeface="Consolas" panose="020B0609020204030204" pitchFamily="49" charset="0"/>
                 <a:sym typeface="Wingdings" panose="05000000000000000000" pitchFamily="2" charset="2"/>
@@ -13004,9 +13155,6 @@
             </a:r>
             <a:r>
               <a:rPr lang="en-US" sz="2400" dirty="0">
-                <a:solidFill>
-                  <a:schemeClr val="bg1"/>
-                </a:solidFill>
                 <a:sym typeface="Wingdings" panose="05000000000000000000" pitchFamily="2" charset="2"/>
               </a:rPr>
               <a:t></a:t>
@@ -15928,7 +16076,7 @@
         </p:nvSpPr>
         <p:spPr bwMode="auto">
           <a:xfrm>
-            <a:off x="619841" y="2304000"/>
+            <a:off x="619841" y="2394000"/>
             <a:ext cx="11125200" cy="4126872"/>
           </a:xfrm>
           <a:prstGeom prst="rect">
@@ -17513,6 +17661,13 @@
       <p:transition spd="slow" advClick="0" advTm="5000"/>
     </mc:Fallback>
   </mc:AlternateContent>
+  <p:timing>
+    <p:tnLst>
+      <p:par>
+        <p:cTn id="1" dur="indefinite" restart="never" nodeType="tmRoot"/>
+      </p:par>
+    </p:tnLst>
+  </p:timing>
 </p:sld>
 </file>
 
@@ -18784,6 +18939,13 @@
       <p:transition spd="slow" advClick="0" advTm="5000"/>
     </mc:Fallback>
   </mc:AlternateContent>
+  <p:timing>
+    <p:tnLst>
+      <p:par>
+        <p:cTn id="1" dur="indefinite" restart="never" nodeType="tmRoot"/>
+      </p:par>
+    </p:tnLst>
+  </p:timing>
 </p:sld>
 </file>
 
@@ -19510,6 +19672,13 @@
       <p:transition spd="slow" advClick="0" advTm="5000"/>
     </mc:Fallback>
   </mc:AlternateContent>
+  <p:timing>
+    <p:tnLst>
+      <p:par>
+        <p:cTn id="1" dur="indefinite" restart="never" nodeType="tmRoot"/>
+      </p:par>
+    </p:tnLst>
+  </p:timing>
 </p:sld>
 </file>
 
@@ -20242,7 +20411,7 @@
           <p:nvPr/>
         </p:nvPicPr>
         <p:blipFill>
-          <a:blip r:embed="rId3">
+          <a:blip r:embed="rId3" cstate="hqprint">
             <a:extLst>
               <a:ext uri="{28A0092B-C50C-407E-A947-70E740481C1C}">
                 <a14:useLocalDpi xmlns:a14="http://schemas.microsoft.com/office/drawing/2010/main" val="0"/>
@@ -20281,6 +20450,13 @@
       <p:transition spd="slow" advClick="0" advTm="5000"/>
     </mc:Fallback>
   </mc:AlternateContent>
+  <p:timing>
+    <p:tnLst>
+      <p:par>
+        <p:cTn id="1" dur="indefinite" restart="never" nodeType="tmRoot"/>
+      </p:par>
+    </p:tnLst>
+  </p:timing>
 </p:sld>
 </file>
 
@@ -20706,22 +20882,27 @@
               <a:t> </a:t>
             </a:r>
             <a:r>
-              <a:rPr lang="bg-BG" sz="2600" b="1" dirty="0">
+              <a:rPr lang="bg-BG" sz="2600" b="1" dirty="0" smtClean="0">
                 <a:solidFill>
                   <a:schemeClr val="bg2"/>
                 </a:solidFill>
               </a:rPr>
-              <a:t>заявки</a:t>
-            </a:r>
-          </a:p>
-          <a:p>
-            <a:pPr marL="969948" lvl="1" indent="-360363" fontAlgn="base">
+              <a:t>заявки:</a:t>
+            </a:r>
+            <a:endParaRPr lang="bg-BG" sz="2600" b="1" dirty="0">
+              <a:solidFill>
+                <a:schemeClr val="bg2"/>
+              </a:solidFill>
+            </a:endParaRPr>
+          </a:p>
+          <a:p>
+            <a:pPr marL="1579533" lvl="2" indent="-360363" fontAlgn="base">
               <a:buClr>
                 <a:schemeClr val="bg2"/>
               </a:buClr>
             </a:pPr>
             <a:r>
-              <a:rPr lang="en-US" sz="2600" b="1" dirty="0">
+              <a:rPr lang="en-US" sz="2400" b="1" dirty="0">
                 <a:solidFill>
                   <a:schemeClr val="accent1">
                     <a:lumMod val="60000"/>
@@ -20735,13 +20916,13 @@
             </a:r>
           </a:p>
           <a:p>
-            <a:pPr marL="969948" lvl="1" indent="-360363" fontAlgn="base">
+            <a:pPr marL="1579533" lvl="2" indent="-360363" fontAlgn="base">
               <a:buClr>
                 <a:schemeClr val="bg2"/>
               </a:buClr>
             </a:pPr>
             <a:r>
-              <a:rPr lang="en-US" sz="2600" b="1" dirty="0">
+              <a:rPr lang="en-US" sz="2400" b="1" dirty="0">
                 <a:solidFill>
                   <a:schemeClr val="accent1">
                     <a:lumMod val="60000"/>
@@ -20753,7 +20934,7 @@
               </a:rPr>
               <a:t>OrderBy()</a:t>
             </a:r>
-            <a:endParaRPr lang="en-GB" sz="2600" b="1" dirty="0">
+            <a:endParaRPr lang="en-GB" sz="2400" b="1" dirty="0">
               <a:solidFill>
                 <a:schemeClr val="accent1">
                   <a:lumMod val="60000"/>
@@ -21194,7 +21375,7 @@
                 <a:hlinkClick r:id="rId3">
                   <a:extLst>
                     <a:ext uri="{A12FA001-AC4F-418D-AE19-62706E023703}">
-                      <ahyp:hlinkClr xmlns:ahyp="http://schemas.microsoft.com/office/drawing/2018/hyperlinkcolor" val="tx"/>
+                      <ahyp:hlinkClr xmlns:ahyp="http://schemas.microsoft.com/office/drawing/2018/hyperlinkcolor" xmlns="" val="tx"/>
                     </a:ext>
                   </a:extLst>
                 </a:hlinkClick>
@@ -21267,6 +21448,13 @@
       <p:transition spd="slow" advClick="0" advTm="5000"/>
     </mc:Fallback>
   </mc:AlternateContent>
+  <p:timing>
+    <p:tnLst>
+      <p:par>
+        <p:cTn id="1" dur="indefinite" restart="never" nodeType="tmRoot"/>
+      </p:par>
+    </p:tnLst>
+  </p:timing>
 </p:sld>
 </file>
 
@@ -22273,6 +22461,13 @@
       <p:transition spd="slow" advClick="0" advTm="5000"/>
     </mc:Fallback>
   </mc:AlternateContent>
+  <p:timing>
+    <p:tnLst>
+      <p:par>
+        <p:cTn id="1" dur="indefinite" restart="never" nodeType="tmRoot"/>
+      </p:par>
+    </p:tnLst>
+  </p:timing>
 </p:sld>
 </file>
 
@@ -22377,7 +22572,7 @@
           <p:nvPr/>
         </p:nvPicPr>
         <p:blipFill>
-          <a:blip r:embed="rId3">
+          <a:blip r:embed="rId3" cstate="hqprint">
             <a:extLst>
               <a:ext uri="{28A0092B-C50C-407E-A947-70E740481C1C}">
                 <a14:useLocalDpi xmlns:a14="http://schemas.microsoft.com/office/drawing/2010/main" val="0"/>
@@ -22415,6 +22610,13 @@
       <p:transition spd="slow" advClick="0" advTm="5000"/>
     </mc:Fallback>
   </mc:AlternateContent>
+  <p:timing>
+    <p:tnLst>
+      <p:par>
+        <p:cTn id="1" dur="indefinite" restart="never" nodeType="tmRoot"/>
+      </p:par>
+    </p:tnLst>
+  </p:timing>
 </p:sld>
 </file>
 
@@ -24045,6 +24247,13 @@
       <p:transition spd="slow" advClick="0" advTm="5000"/>
     </mc:Fallback>
   </mc:AlternateContent>
+  <p:timing>
+    <p:tnLst>
+      <p:par>
+        <p:cTn id="1" dur="indefinite" restart="never" nodeType="tmRoot"/>
+      </p:par>
+    </p:tnLst>
+  </p:timing>
 </p:sld>
 </file>
 

--- a/Courses/Software-Sciences/Module-4-Information-Systems-New/08-Navigation-between-Tables/08-Navigation-between-Tables.pptx
+++ b/Courses/Software-Sciences/Module-4-Information-Systems-New/08-Navigation-between-Tables/08-Navigation-between-Tables.pptx
@@ -246,90 +246,6 @@
 </p:cmAuthorLst>
 </file>
 
-<file path=ppt/comments/comment1.xml><?xml version="1.0" encoding="utf-8"?>
-<p:cmLst xmlns:a="http://schemas.openxmlformats.org/drawingml/2006/main" xmlns:r="http://schemas.openxmlformats.org/officeDocument/2006/relationships" xmlns:p="http://schemas.openxmlformats.org/presentationml/2006/main">
-  <p:cm authorId="2" dt="2024-10-02T19:19:04.206" idx="1">
-    <p:pos x="10" y="10"/>
-    <p:text>Името от слайда със съдържанието не съвпада със заглавния слайд и секцията. По-добре е май в Съдържанието да се промени на Master-Detail навигация</p:text>
-    <p:extLst>
-      <p:ext uri="{C676402C-5697-4E1C-873F-D02D1690AC5C}">
-        <p15:threadingInfo xmlns:p15="http://schemas.microsoft.com/office/powerpoint/2012/main" timeZoneBias="-180"/>
-      </p:ext>
-    </p:extLst>
-  </p:cm>
-</p:cmLst>
-</file>
-
-<file path=ppt/comments/comment2.xml><?xml version="1.0" encoding="utf-8"?>
-<p:cmLst xmlns:a="http://schemas.openxmlformats.org/drawingml/2006/main" xmlns:r="http://schemas.openxmlformats.org/officeDocument/2006/relationships" xmlns:p="http://schemas.openxmlformats.org/presentationml/2006/main">
-  <p:cm authorId="2" dt="2024-10-02T19:23:12.915" idx="2">
-    <p:pos x="10" y="10"/>
-    <p:text>Мисля, че може да се добавят балончета с текст, които да заменят коментарите по кода и да поясняват какво се случва, като се показват с анимации</p:text>
-    <p:extLst>
-      <p:ext uri="{C676402C-5697-4E1C-873F-D02D1690AC5C}">
-        <p15:threadingInfo xmlns:p15="http://schemas.microsoft.com/office/powerpoint/2012/main" timeZoneBias="-180"/>
-      </p:ext>
-    </p:extLst>
-  </p:cm>
-</p:cmLst>
-</file>
-
-<file path=ppt/comments/comment3.xml><?xml version="1.0" encoding="utf-8"?>
-<p:cmLst xmlns:a="http://schemas.openxmlformats.org/drawingml/2006/main" xmlns:r="http://schemas.openxmlformats.org/officeDocument/2006/relationships" xmlns:p="http://schemas.openxmlformats.org/presentationml/2006/main">
-  <p:cm authorId="2" dt="2024-10-02T19:30:43.083" idx="4">
-    <p:pos x="10" y="10"/>
-    <p:text>Може още тук да се покаже и OrderByDescending()</p:text>
-    <p:extLst>
-      <p:ext uri="{C676402C-5697-4E1C-873F-D02D1690AC5C}">
-        <p15:threadingInfo xmlns:p15="http://schemas.microsoft.com/office/powerpoint/2012/main" timeZoneBias="-180"/>
-      </p:ext>
-    </p:extLst>
-  </p:cm>
-</p:cmLst>
-</file>
-
-<file path=ppt/comments/comment4.xml><?xml version="1.0" encoding="utf-8"?>
-<p:cmLst xmlns:a="http://schemas.openxmlformats.org/drawingml/2006/main" xmlns:r="http://schemas.openxmlformats.org/officeDocument/2006/relationships" xmlns:p="http://schemas.openxmlformats.org/presentationml/2006/main">
-  <p:cm authorId="2" dt="2024-10-02T19:27:08.299" idx="3">
-    <p:pos x="10" y="10"/>
-    <p:text>Методите могат да се сплитнат на два отделни text box-a един до друг, за да се запълни мястото и да се оголеми текста</p:text>
-    <p:extLst>
-      <p:ext uri="{C676402C-5697-4E1C-873F-D02D1690AC5C}">
-        <p15:threadingInfo xmlns:p15="http://schemas.microsoft.com/office/powerpoint/2012/main" timeZoneBias="-180"/>
-      </p:ext>
-    </p:extLst>
-  </p:cm>
-</p:cmLst>
-</file>
-
-<file path=ppt/comments/comment5.xml><?xml version="1.0" encoding="utf-8"?>
-<p:cmLst xmlns:a="http://schemas.openxmlformats.org/drawingml/2006/main" xmlns:r="http://schemas.openxmlformats.org/officeDocument/2006/relationships" xmlns:p="http://schemas.openxmlformats.org/presentationml/2006/main">
-  <p:cm authorId="2" dt="2024-10-02T19:32:09.935" idx="5">
-    <p:pos x="10" y="10"/>
-    <p:text>Ако не си планирала нищо за празното място на слайда, оголеми text box-a и текста в него</p:text>
-    <p:extLst>
-      <p:ext uri="{C676402C-5697-4E1C-873F-D02D1690AC5C}">
-        <p15:threadingInfo xmlns:p15="http://schemas.microsoft.com/office/powerpoint/2012/main" timeZoneBias="-180"/>
-      </p:ext>
-    </p:extLst>
-  </p:cm>
-</p:cmLst>
-</file>
-
-<file path=ppt/comments/comment6.xml><?xml version="1.0" encoding="utf-8"?>
-<p:cmLst xmlns:a="http://schemas.openxmlformats.org/drawingml/2006/main" xmlns:r="http://schemas.openxmlformats.org/officeDocument/2006/relationships" xmlns:p="http://schemas.openxmlformats.org/presentationml/2006/main">
-  <p:cm authorId="2" dt="2024-10-02T19:34:08.503" idx="6">
-    <p:pos x="10" y="10"/>
-    <p:text>И тук да се включи OrderByDescending()</p:text>
-    <p:extLst>
-      <p:ext uri="{C676402C-5697-4E1C-873F-D02D1690AC5C}">
-        <p15:threadingInfo xmlns:p15="http://schemas.microsoft.com/office/powerpoint/2012/main" timeZoneBias="-180"/>
-      </p:ext>
-    </p:extLst>
-  </p:cm>
-</p:cmLst>
-</file>
-
 <file path=ppt/handoutMasters/handoutMaster1.xml><?xml version="1.0" encoding="utf-8"?>
 <p:handoutMaster xmlns:a="http://schemas.openxmlformats.org/drawingml/2006/main" xmlns:r="http://schemas.openxmlformats.org/officeDocument/2006/relationships" xmlns:p="http://schemas.openxmlformats.org/presentationml/2006/main">
   <p:cSld>
@@ -424,7 +340,7 @@
           <a:p>
             <a:fld id="{4E087215-0C8F-4762-A664-737A353EC9A4}" type="datetimeFigureOut">
               <a:rPr lang="bg-BG" smtClean="0"/>
-              <a:t>2.10.2024 г.</a:t>
+              <a:t>3.10.24 г.</a:t>
             </a:fld>
             <a:endParaRPr lang="bg-BG"/>
           </a:p>
@@ -620,7 +536,7 @@
           <a:p>
             <a:fld id="{72D84649-876A-46C9-8472-14CB09C070D8}" type="datetimeFigureOut">
               <a:rPr lang="en-US" smtClean="0"/>
-              <a:t>10/2/2024</a:t>
+              <a:t>10/3/24</a:t>
             </a:fld>
             <a:endParaRPr lang="en-US"/>
           </a:p>
@@ -8870,13 +8786,6 @@
       <p:transition spd="slow" advClick="0" advTm="5000"/>
     </mc:Fallback>
   </mc:AlternateContent>
-  <p:timing>
-    <p:tnLst>
-      <p:par>
-        <p:cTn id="1" dur="indefinite" restart="never" nodeType="tmRoot"/>
-      </p:par>
-    </p:tnLst>
-  </p:timing>
 </p:sld>
 </file>
 
@@ -9374,13 +9283,6 @@
       <p:transition spd="slow" advClick="0" advTm="5000"/>
     </mc:Fallback>
   </mc:AlternateContent>
-  <p:timing>
-    <p:tnLst>
-      <p:par>
-        <p:cTn id="1" dur="indefinite" restart="never" nodeType="tmRoot"/>
-      </p:par>
-    </p:tnLst>
-  </p:timing>
 </p:sld>
 </file>
 
@@ -9988,13 +9890,6 @@
       <p:transition spd="slow" advClick="0" advTm="5000"/>
     </mc:Fallback>
   </mc:AlternateContent>
-  <p:timing>
-    <p:tnLst>
-      <p:par>
-        <p:cTn id="1" dur="indefinite" restart="never" nodeType="tmRoot"/>
-      </p:par>
-    </p:tnLst>
-  </p:timing>
 </p:sld>
 </file>
 
@@ -10190,13 +10085,6 @@
       <p:transition spd="slow" advClick="0" advTm="5000"/>
     </mc:Fallback>
   </mc:AlternateContent>
-  <p:timing>
-    <p:tnLst>
-      <p:par>
-        <p:cTn id="1" dur="indefinite" restart="never" nodeType="tmRoot"/>
-      </p:par>
-    </p:tnLst>
-  </p:timing>
 </p:sld>
 </file>
 
@@ -10941,13 +10829,6 @@
       <p:transition spd="slow" advClick="0" advTm="5000"/>
     </mc:Fallback>
   </mc:AlternateContent>
-  <p:timing>
-    <p:tnLst>
-      <p:par>
-        <p:cTn id="1" dur="indefinite" restart="never" nodeType="tmRoot"/>
-      </p:par>
-    </p:tnLst>
-  </p:timing>
 </p:sld>
 </file>
 
@@ -11082,13 +10963,6 @@
       <p:transition spd="slow" advClick="0" advTm="5000"/>
     </mc:Fallback>
   </mc:AlternateContent>
-  <p:timing>
-    <p:tnLst>
-      <p:par>
-        <p:cTn id="1" dur="indefinite" restart="never" nodeType="tmRoot"/>
-      </p:par>
-    </p:tnLst>
-  </p:timing>
 </p:sld>
 </file>
 
@@ -11445,13 +11319,6 @@
       <p:transition spd="slow" advClick="0" advTm="5000"/>
     </mc:Fallback>
   </mc:AlternateContent>
-  <p:timing>
-    <p:tnLst>
-      <p:par>
-        <p:cTn id="1" dur="indefinite" restart="never" nodeType="tmRoot"/>
-      </p:par>
-    </p:tnLst>
-  </p:timing>
 </p:sld>
 </file>
 
@@ -11520,15 +11387,17 @@
         </p:nvSpPr>
         <p:spPr/>
         <p:txBody>
-          <a:bodyPr/>
+          <a:bodyPr>
+            <a:normAutofit/>
+          </a:bodyPr>
           <a:lstStyle/>
           <a:p>
             <a:r>
-              <a:rPr lang="bg-BG" dirty="0"/>
+              <a:rPr lang="bg-BG" sz="2400" dirty="0"/>
               <a:t>Използваме </a:t>
             </a:r>
             <a:r>
-              <a:rPr lang="en-GB" b="1" dirty="0">
+              <a:rPr lang="en-GB" sz="2400" b="1" dirty="0">
                 <a:solidFill>
                   <a:schemeClr val="bg1"/>
                 </a:solidFill>
@@ -11538,26 +11407,60 @@
               <a:t>OrderBy()</a:t>
             </a:r>
             <a:r>
-              <a:rPr lang="en-GB" dirty="0"/>
+              <a:rPr lang="en-GB" sz="2400" dirty="0"/>
               <a:t> </a:t>
             </a:r>
             <a:r>
-              <a:rPr lang="bg-BG" dirty="0"/>
-              <a:t>метод за </a:t>
-            </a:r>
-            <a:r>
-              <a:rPr lang="bg-BG" b="1" dirty="0"/>
+              <a:rPr lang="bg-BG" sz="2400" dirty="0"/>
+              <a:t>и </a:t>
+            </a:r>
+            <a:r>
+              <a:rPr lang="en-GB" sz="2400" b="1" dirty="0">
+                <a:solidFill>
+                  <a:schemeClr val="bg1"/>
+                </a:solidFill>
+                <a:latin typeface="Consolas" panose="020B0609020204030204" pitchFamily="49" charset="0"/>
+                <a:cs typeface="Consolas" panose="020B0609020204030204" pitchFamily="49" charset="0"/>
+              </a:rPr>
+              <a:t>OrderByDescending</a:t>
+            </a:r>
+            <a:r>
+              <a:rPr lang="en-US" sz="2400" b="1" dirty="0">
+                <a:solidFill>
+                  <a:schemeClr val="bg1"/>
+                </a:solidFill>
+                <a:latin typeface="Consolas" panose="020B0609020204030204" pitchFamily="49" charset="0"/>
+                <a:cs typeface="Consolas" panose="020B0609020204030204" pitchFamily="49" charset="0"/>
+              </a:rPr>
+              <a:t>()</a:t>
+            </a:r>
+            <a:r>
+              <a:rPr lang="en-US" sz="2400" b="1" dirty="0">
+                <a:solidFill>
+                  <a:schemeClr val="bg1"/>
+                </a:solidFill>
+                <a:latin typeface="Calibri" panose="020F0502020204030204" pitchFamily="34" charset="0"/>
+                <a:cs typeface="Calibri" panose="020F0502020204030204" pitchFamily="34" charset="0"/>
+              </a:rPr>
+              <a:t> </a:t>
+            </a:r>
+            <a:r>
+              <a:rPr lang="bg-BG" sz="2400" dirty="0"/>
+              <a:t>методи за </a:t>
+            </a:r>
+            <a:r>
+              <a:rPr lang="bg-BG" sz="2400" b="1" dirty="0"/>
               <a:t>сортиране</a:t>
             </a:r>
             <a:r>
-              <a:rPr lang="bg-BG" dirty="0"/>
+              <a:rPr lang="bg-BG" sz="2400" dirty="0"/>
               <a:t> на </a:t>
             </a:r>
             <a:r>
-              <a:rPr lang="bg-BG" b="1" dirty="0"/>
+              <a:rPr lang="bg-BG" sz="2400" b="1" dirty="0"/>
               <a:t>данните</a:t>
             </a:r>
-            <a:endParaRPr lang="en-BG" b="1" dirty="0"/>
+            <a:endParaRPr lang="en-BG" sz="2400" b="1" dirty="0"/>
           </a:p>
         </p:txBody>
       </p:sp>
@@ -11606,8 +11509,8 @@
         </p:nvSpPr>
         <p:spPr bwMode="auto">
           <a:xfrm>
-            <a:off x="627830" y="2124000"/>
-            <a:ext cx="11125200" cy="3942206"/>
+            <a:off x="647150" y="1781062"/>
+            <a:ext cx="11125200" cy="2372545"/>
           </a:xfrm>
           <a:prstGeom prst="rect">
             <a:avLst/>
@@ -11649,7 +11552,7 @@
               <a:buNone/>
             </a:pPr>
             <a:r>
-              <a:rPr lang="en-US" sz="2600" b="1" noProof="1">
+              <a:rPr lang="en-US" sz="2000" b="1" noProof="1">
                 <a:latin typeface="Consolas" pitchFamily="49" charset="0"/>
                 <a:cs typeface="Consolas" pitchFamily="49" charset="0"/>
               </a:rPr>
@@ -11672,12 +11575,16 @@
               <a:buNone/>
             </a:pPr>
             <a:r>
-              <a:rPr lang="en-US" sz="2600" b="1" noProof="1">
+              <a:rPr lang="en-US" sz="2000" b="1" noProof="1">
                 <a:latin typeface="Consolas" pitchFamily="49" charset="0"/>
                 <a:cs typeface="Consolas" pitchFamily="49" charset="0"/>
               </a:rPr>
               <a:t>{</a:t>
             </a:r>
+            <a:endParaRPr lang="bg-BG" sz="2000" b="1" noProof="1">
+              <a:latin typeface="Consolas" pitchFamily="49" charset="0"/>
+              <a:cs typeface="Consolas" pitchFamily="49" charset="0"/>
+            </a:endParaRPr>
           </a:p>
           <a:p>
             <a:pPr>
@@ -11695,11 +11602,63 @@
               <a:buNone/>
             </a:pPr>
             <a:r>
-              <a:rPr lang="en-US" sz="2600" b="1" noProof="1">
+              <a:rPr lang="bg-BG" sz="2000" b="1" noProof="1">
                 <a:latin typeface="Consolas" pitchFamily="49" charset="0"/>
                 <a:cs typeface="Consolas" pitchFamily="49" charset="0"/>
               </a:rPr>
-              <a:t>    var towns = this.dbContext.Towns</a:t>
+              <a:t>    </a:t>
+            </a:r>
+            <a:r>
+              <a:rPr lang="en-US" sz="2000" b="1" noProof="1">
+                <a:latin typeface="Consolas" pitchFamily="49" charset="0"/>
+                <a:cs typeface="Consolas" pitchFamily="49" charset="0"/>
+              </a:rPr>
+              <a:t>var towns = this.dbContext.Towns.</a:t>
+            </a:r>
+            <a:r>
+              <a:rPr lang="en-US" sz="2000" b="1" noProof="1">
+                <a:solidFill>
+                  <a:schemeClr val="bg1"/>
+                </a:solidFill>
+                <a:latin typeface="Consolas" pitchFamily="49" charset="0"/>
+                <a:cs typeface="Consolas" pitchFamily="49" charset="0"/>
+              </a:rPr>
+              <a:t>OrderBy</a:t>
+            </a:r>
+            <a:r>
+              <a:rPr lang="en-US" sz="2000" b="1" noProof="1">
+                <a:latin typeface="Consolas" pitchFamily="49" charset="0"/>
+                <a:cs typeface="Consolas" pitchFamily="49" charset="0"/>
+              </a:rPr>
+              <a:t>(t =&gt; t.Name).ToList();</a:t>
+            </a:r>
+          </a:p>
+          <a:p>
+            <a:pPr>
+              <a:spcBef>
+                <a:spcPts val="600"/>
+              </a:spcBef>
+              <a:spcAft>
+                <a:spcPts val="600"/>
+              </a:spcAft>
+              <a:buClr>
+                <a:srgbClr val="F2B254"/>
+              </a:buClr>
+              <a:buSzPct val="100000"/>
+            </a:pPr>
+            <a:r>
+              <a:rPr lang="bg-BG" sz="2000" b="1" noProof="1">
+                <a:latin typeface="Consolas" pitchFamily="49" charset="0"/>
+                <a:cs typeface="Consolas" pitchFamily="49" charset="0"/>
+              </a:rPr>
+              <a:t>    </a:t>
+            </a:r>
+            <a:r>
+              <a:rPr lang="en-US" sz="2000" b="1" noProof="1">
+                <a:latin typeface="Consolas" pitchFamily="49" charset="0"/>
+                <a:cs typeface="Consolas" pitchFamily="49" charset="0"/>
+              </a:rPr>
+              <a:t>this.townBindingSource.DataSource = towns;</a:t>
             </a:r>
           </a:p>
           <a:p>
@@ -11718,28 +11677,91 @@
               <a:buNone/>
             </a:pPr>
             <a:r>
-              <a:rPr lang="en-US" sz="2600" b="1" noProof="1">
+              <a:rPr lang="en-US" sz="2000" b="1" noProof="1">
                 <a:latin typeface="Consolas" pitchFamily="49" charset="0"/>
                 <a:cs typeface="Consolas" pitchFamily="49" charset="0"/>
               </a:rPr>
-              <a:t>          .</a:t>
-            </a:r>
-            <a:r>
-              <a:rPr lang="en-US" sz="2600" b="1" noProof="1">
-                <a:solidFill>
-                  <a:schemeClr val="bg1"/>
-                </a:solidFill>
+              <a:t>}</a:t>
+            </a:r>
+          </a:p>
+        </p:txBody>
+      </p:sp>
+      <p:sp>
+        <p:nvSpPr>
+          <p:cNvPr id="6" name="Rectangle 5">
+            <a:extLst>
+              <a:ext uri="{FF2B5EF4-FFF2-40B4-BE49-F238E27FC236}">
+                <a16:creationId xmlns:a16="http://schemas.microsoft.com/office/drawing/2014/main" id="{51808C35-8D4B-5557-18D6-9F73854BE29F}"/>
+              </a:ext>
+            </a:extLst>
+          </p:cNvPr>
+          <p:cNvSpPr>
+            <a:spLocks noChangeArrowheads="1"/>
+          </p:cNvSpPr>
+          <p:nvPr/>
+        </p:nvSpPr>
+        <p:spPr bwMode="auto">
+          <a:xfrm>
+            <a:off x="647150" y="4282955"/>
+            <a:ext cx="11125200" cy="2372545"/>
+          </a:xfrm>
+          <a:prstGeom prst="rect">
+            <a:avLst/>
+          </a:prstGeom>
+          <a:solidFill>
+            <a:schemeClr val="accent5">
+              <a:lumMod val="40000"/>
+              <a:lumOff val="60000"/>
+              <a:alpha val="20000"/>
+            </a:schemeClr>
+          </a:solidFill>
+          <a:ln w="12700">
+            <a:solidFill>
+              <a:schemeClr val="accent5">
+                <a:lumMod val="60000"/>
+                <a:lumOff val="40000"/>
+              </a:schemeClr>
+            </a:solidFill>
+          </a:ln>
+        </p:spPr>
+        <p:txBody>
+          <a:bodyPr vert="horz" wrap="square" lIns="144000" tIns="108000" rIns="144000" bIns="108000" rtlCol="0">
+            <a:spAutoFit/>
+          </a:bodyPr>
+          <a:lstStyle/>
+          <a:p>
+            <a:pPr>
+              <a:spcBef>
+                <a:spcPts val="600"/>
+              </a:spcBef>
+              <a:spcAft>
+                <a:spcPts val="600"/>
+              </a:spcAft>
+              <a:buClr>
+                <a:srgbClr val="F2B254"/>
+              </a:buClr>
+              <a:buSzPct val="100000"/>
+            </a:pPr>
+            <a:r>
+              <a:rPr lang="en-US" sz="2000" b="1" noProof="1">
                 <a:latin typeface="Consolas" pitchFamily="49" charset="0"/>
                 <a:cs typeface="Consolas" pitchFamily="49" charset="0"/>
               </a:rPr>
-              <a:t>OrderBy</a:t>
-            </a:r>
-            <a:r>
-              <a:rPr lang="en-US" sz="2600" b="1" noProof="1">
+              <a:t>private void SortTownsByName</a:t>
+            </a:r>
+            <a:r>
+              <a:rPr lang="en-GB" sz="2000" b="1" dirty="0">
+                <a:latin typeface="Consolas" panose="020B0609020204030204" pitchFamily="49" charset="0"/>
+                <a:cs typeface="Consolas" panose="020B0609020204030204" pitchFamily="49" charset="0"/>
+              </a:rPr>
+              <a:t>Descending</a:t>
+            </a:r>
+            <a:r>
+              <a:rPr lang="en-US" sz="2000" b="1" noProof="1">
                 <a:latin typeface="Consolas" pitchFamily="49" charset="0"/>
                 <a:cs typeface="Consolas" pitchFamily="49" charset="0"/>
               </a:rPr>
-              <a:t>(t =&gt; t.Name)</a:t>
+              <a:t>()</a:t>
             </a:r>
           </a:p>
           <a:p>
@@ -11758,33 +11780,16 @@
               <a:buNone/>
             </a:pPr>
             <a:r>
-              <a:rPr lang="en-US" sz="2600" b="1" noProof="1">
+              <a:rPr lang="en-US" sz="2000" b="1" noProof="1">
                 <a:latin typeface="Consolas" pitchFamily="49" charset="0"/>
                 <a:cs typeface="Consolas" pitchFamily="49" charset="0"/>
               </a:rPr>
-              <a:t>          .ToList();</a:t>
-            </a:r>
-          </a:p>
-          <a:p>
-            <a:pPr>
-              <a:spcBef>
-                <a:spcPts val="600"/>
-              </a:spcBef>
-              <a:spcAft>
-                <a:spcPts val="600"/>
-              </a:spcAft>
-              <a:buClr>
-                <a:srgbClr val="F2B254"/>
-              </a:buClr>
-              <a:buSzPct val="100000"/>
-            </a:pPr>
-            <a:r>
-              <a:rPr lang="en-US" sz="2600" b="1" noProof="1">
-                <a:latin typeface="Consolas" pitchFamily="49" charset="0"/>
-                <a:cs typeface="Consolas" pitchFamily="49" charset="0"/>
-              </a:rPr>
-              <a:t>   this.townBindingSource.DataSource = towns;</a:t>
-            </a:r>
+              <a:t>{</a:t>
+            </a:r>
+            <a:endParaRPr lang="bg-BG" sz="2000" b="1" noProof="1">
+              <a:latin typeface="Consolas" pitchFamily="49" charset="0"/>
+              <a:cs typeface="Consolas" pitchFamily="49" charset="0"/>
+            </a:endParaRPr>
           </a:p>
           <a:p>
             <a:pPr>
@@ -11802,7 +11807,92 @@
               <a:buNone/>
             </a:pPr>
             <a:r>
-              <a:rPr lang="en-US" sz="2600" b="1" noProof="1">
+              <a:rPr lang="bg-BG" sz="2000" b="1" noProof="1">
+                <a:latin typeface="Consolas" pitchFamily="49" charset="0"/>
+                <a:cs typeface="Consolas" pitchFamily="49" charset="0"/>
+              </a:rPr>
+              <a:t>    </a:t>
+            </a:r>
+            <a:r>
+              <a:rPr lang="en-US" sz="2000" b="1" noProof="1">
+                <a:latin typeface="Consolas" pitchFamily="49" charset="0"/>
+                <a:cs typeface="Consolas" pitchFamily="49" charset="0"/>
+              </a:rPr>
+              <a:t>var towns = this.dbContext.Towns.</a:t>
+            </a:r>
+            <a:r>
+              <a:rPr lang="en-US" sz="2000" b="1" noProof="1">
+                <a:solidFill>
+                  <a:schemeClr val="bg1"/>
+                </a:solidFill>
+                <a:latin typeface="Consolas" pitchFamily="49" charset="0"/>
+                <a:cs typeface="Consolas" pitchFamily="49" charset="0"/>
+              </a:rPr>
+              <a:t>OrderBy</a:t>
+            </a:r>
+            <a:r>
+              <a:rPr lang="en-GB" sz="2000" b="1" dirty="0">
+                <a:solidFill>
+                  <a:schemeClr val="bg1"/>
+                </a:solidFill>
+                <a:latin typeface="Consolas" panose="020B0609020204030204" pitchFamily="49" charset="0"/>
+                <a:cs typeface="Consolas" panose="020B0609020204030204" pitchFamily="49" charset="0"/>
+              </a:rPr>
+              <a:t>Descending</a:t>
+            </a:r>
+            <a:r>
+              <a:rPr lang="en-US" sz="2000" b="1" noProof="1">
+                <a:latin typeface="Consolas" pitchFamily="49" charset="0"/>
+                <a:cs typeface="Consolas" pitchFamily="49" charset="0"/>
+              </a:rPr>
+              <a:t>(t =&gt; t.Name).ToList();</a:t>
+            </a:r>
+          </a:p>
+          <a:p>
+            <a:pPr>
+              <a:spcBef>
+                <a:spcPts val="600"/>
+              </a:spcBef>
+              <a:spcAft>
+                <a:spcPts val="600"/>
+              </a:spcAft>
+              <a:buClr>
+                <a:srgbClr val="F2B254"/>
+              </a:buClr>
+              <a:buSzPct val="100000"/>
+            </a:pPr>
+            <a:r>
+              <a:rPr lang="bg-BG" sz="2000" b="1" noProof="1">
+                <a:latin typeface="Consolas" pitchFamily="49" charset="0"/>
+                <a:cs typeface="Consolas" pitchFamily="49" charset="0"/>
+              </a:rPr>
+              <a:t>    </a:t>
+            </a:r>
+            <a:r>
+              <a:rPr lang="en-US" sz="2000" b="1" noProof="1">
+                <a:latin typeface="Consolas" pitchFamily="49" charset="0"/>
+                <a:cs typeface="Consolas" pitchFamily="49" charset="0"/>
+              </a:rPr>
+              <a:t>this.townBindingSource.DataSource = towns;</a:t>
+            </a:r>
+          </a:p>
+          <a:p>
+            <a:pPr>
+              <a:spcBef>
+                <a:spcPts val="600"/>
+              </a:spcBef>
+              <a:spcAft>
+                <a:spcPts val="600"/>
+              </a:spcAft>
+              <a:buClr>
+                <a:srgbClr val="F2B254"/>
+              </a:buClr>
+              <a:buSzPct val="100000"/>
+              <a:buFont typeface="Wingdings" panose="05000000000000000000" pitchFamily="2" charset="2"/>
+              <a:buNone/>
+            </a:pPr>
+            <a:r>
+              <a:rPr lang="en-US" sz="2000" b="1" noProof="1">
                 <a:latin typeface="Consolas" pitchFamily="49" charset="0"/>
                 <a:cs typeface="Consolas" pitchFamily="49" charset="0"/>
               </a:rPr>
@@ -11832,9 +11922,126 @@
   <p:timing>
     <p:tnLst>
       <p:par>
-        <p:cTn id="1" dur="indefinite" restart="never" nodeType="tmRoot"/>
+        <p:cTn id="1" dur="indefinite" restart="never" nodeType="tmRoot">
+          <p:childTnLst>
+            <p:seq concurrent="1" nextAc="seek">
+              <p:cTn id="2" dur="indefinite" nodeType="mainSeq">
+                <p:childTnLst>
+                  <p:par>
+                    <p:cTn id="3" fill="hold">
+                      <p:stCondLst>
+                        <p:cond delay="indefinite"/>
+                      </p:stCondLst>
+                      <p:childTnLst>
+                        <p:par>
+                          <p:cTn id="4" fill="hold">
+                            <p:stCondLst>
+                              <p:cond delay="0"/>
+                            </p:stCondLst>
+                            <p:childTnLst>
+                              <p:par>
+                                <p:cTn id="5" presetID="1" presetClass="entr" presetSubtype="0" fill="hold" grpId="0" nodeType="clickEffect">
+                                  <p:stCondLst>
+                                    <p:cond delay="0"/>
+                                  </p:stCondLst>
+                                  <p:childTnLst>
+                                    <p:set>
+                                      <p:cBhvr>
+                                        <p:cTn id="6" dur="1" fill="hold">
+                                          <p:stCondLst>
+                                            <p:cond delay="0"/>
+                                          </p:stCondLst>
+                                        </p:cTn>
+                                        <p:tgtEl>
+                                          <p:spTgt spid="5"/>
+                                        </p:tgtEl>
+                                        <p:attrNameLst>
+                                          <p:attrName>style.visibility</p:attrName>
+                                        </p:attrNameLst>
+                                      </p:cBhvr>
+                                      <p:to>
+                                        <p:strVal val="visible"/>
+                                      </p:to>
+                                    </p:set>
+                                  </p:childTnLst>
+                                </p:cTn>
+                              </p:par>
+                            </p:childTnLst>
+                          </p:cTn>
+                        </p:par>
+                      </p:childTnLst>
+                    </p:cTn>
+                  </p:par>
+                  <p:par>
+                    <p:cTn id="7" fill="hold">
+                      <p:stCondLst>
+                        <p:cond delay="indefinite"/>
+                      </p:stCondLst>
+                      <p:childTnLst>
+                        <p:par>
+                          <p:cTn id="8" fill="hold">
+                            <p:stCondLst>
+                              <p:cond delay="0"/>
+                            </p:stCondLst>
+                            <p:childTnLst>
+                              <p:par>
+                                <p:cTn id="9" presetID="1" presetClass="entr" presetSubtype="0" fill="hold" grpId="0" nodeType="clickEffect">
+                                  <p:stCondLst>
+                                    <p:cond delay="0"/>
+                                  </p:stCondLst>
+                                  <p:childTnLst>
+                                    <p:set>
+                                      <p:cBhvr>
+                                        <p:cTn id="10" dur="1" fill="hold">
+                                          <p:stCondLst>
+                                            <p:cond delay="0"/>
+                                          </p:stCondLst>
+                                        </p:cTn>
+                                        <p:tgtEl>
+                                          <p:spTgt spid="6"/>
+                                        </p:tgtEl>
+                                        <p:attrNameLst>
+                                          <p:attrName>style.visibility</p:attrName>
+                                        </p:attrNameLst>
+                                      </p:cBhvr>
+                                      <p:to>
+                                        <p:strVal val="visible"/>
+                                      </p:to>
+                                    </p:set>
+                                  </p:childTnLst>
+                                </p:cTn>
+                              </p:par>
+                            </p:childTnLst>
+                          </p:cTn>
+                        </p:par>
+                      </p:childTnLst>
+                    </p:cTn>
+                  </p:par>
+                </p:childTnLst>
+              </p:cTn>
+              <p:prevCondLst>
+                <p:cond evt="onPrev" delay="0">
+                  <p:tgtEl>
+                    <p:sldTgt/>
+                  </p:tgtEl>
+                </p:cond>
+              </p:prevCondLst>
+              <p:nextCondLst>
+                <p:cond evt="onNext" delay="0">
+                  <p:tgtEl>
+                    <p:sldTgt/>
+                  </p:tgtEl>
+                </p:cond>
+              </p:nextCondLst>
+            </p:seq>
+          </p:childTnLst>
+        </p:cTn>
       </p:par>
     </p:tnLst>
+    <p:bldLst>
+      <p:bldP spid="5" grpId="0" animBg="1"/>
+      <p:bldP spid="6" grpId="0" animBg="1"/>
+    </p:bldLst>
   </p:timing>
 </p:sld>
 </file>
@@ -11986,13 +12193,6 @@
       <p:transition spd="slow" advClick="0" advTm="5000"/>
     </mc:Fallback>
   </mc:AlternateContent>
-  <p:timing>
-    <p:tnLst>
-      <p:par>
-        <p:cTn id="1" dur="indefinite" restart="never" nodeType="tmRoot"/>
-      </p:par>
-    </p:tnLst>
-  </p:timing>
 </p:sld>
 </file>
 
@@ -14048,8 +14248,12 @@
               <a:t>​</a:t>
             </a:r>
             <a:r>
+              <a:rPr lang="bg-BG" b="1" dirty="0"/>
+              <a:t>Примерно приложение</a:t>
+            </a:r>
+            <a:r>
               <a:rPr lang="bg-BG" dirty="0"/>
-              <a:t>Примерно приложение: Държави и градове</a:t>
+              <a:t>: Държави и градове</a:t>
             </a:r>
             <a:endParaRPr lang="bg-BG" sz="3200" dirty="0"/>
           </a:p>
@@ -14577,7 +14781,7 @@
         </p:nvSpPr>
         <p:spPr>
           <a:xfrm>
-            <a:off x="606000" y="3500260"/>
+            <a:off x="606000" y="3495253"/>
             <a:ext cx="11147030" cy="3323987"/>
           </a:xfrm>
           <a:prstGeom prst="rect">
@@ -14606,14 +14810,14 @@
           <a:lstStyle/>
           <a:p>
             <a:r>
-              <a:rPr lang="en-GB" sz="1400" b="1" dirty="0">
+              <a:rPr lang="en-GB" sz="1500" b="1" dirty="0">
                 <a:latin typeface="Consolas" panose="020B0609020204030204" pitchFamily="49" charset="0"/>
                 <a:cs typeface="Consolas" panose="020B0609020204030204" pitchFamily="49" charset="0"/>
               </a:rPr>
               <a:t>private Country[] </a:t>
             </a:r>
             <a:r>
-              <a:rPr lang="en-GB" sz="1400" b="1" dirty="0">
+              <a:rPr lang="en-GB" sz="1500" b="1" dirty="0">
                 <a:solidFill>
                   <a:schemeClr val="bg1"/>
                 </a:solidFill>
@@ -14623,7 +14827,7 @@
               <a:t>LoadCountriesFromDb</a:t>
             </a:r>
             <a:r>
-              <a:rPr lang="en-GB" sz="1400" b="1" dirty="0">
+              <a:rPr lang="en-GB" sz="1500" b="1" dirty="0">
                 <a:latin typeface="Consolas" panose="020B0609020204030204" pitchFamily="49" charset="0"/>
                 <a:cs typeface="Consolas" panose="020B0609020204030204" pitchFamily="49" charset="0"/>
               </a:rPr>
@@ -14632,7 +14836,7 @@
           </a:p>
           <a:p>
             <a:r>
-              <a:rPr lang="en-GB" sz="1400" b="1" dirty="0">
+              <a:rPr lang="en-GB" sz="1500" b="1" dirty="0">
                 <a:latin typeface="Consolas" panose="020B0609020204030204" pitchFamily="49" charset="0"/>
                 <a:cs typeface="Consolas" panose="020B0609020204030204" pitchFamily="49" charset="0"/>
               </a:rPr>
@@ -14641,14 +14845,14 @@
           </a:p>
           <a:p>
             <a:r>
-              <a:rPr lang="en-GB" sz="1400" b="1" dirty="0">
+              <a:rPr lang="en-GB" sz="1500" b="1" dirty="0">
                 <a:latin typeface="Consolas" panose="020B0609020204030204" pitchFamily="49" charset="0"/>
                 <a:cs typeface="Consolas" panose="020B0609020204030204" pitchFamily="49" charset="0"/>
               </a:rPr>
               <a:t>    using (var db = new </a:t>
             </a:r>
             <a:r>
-              <a:rPr lang="en-GB" sz="1400" b="1" dirty="0">
+              <a:rPr lang="en-GB" sz="1500" b="1" dirty="0">
                 <a:solidFill>
                   <a:schemeClr val="bg1"/>
                 </a:solidFill>
@@ -14658,7 +14862,7 @@
               <a:t>CountriesDbContext</a:t>
             </a:r>
             <a:r>
-              <a:rPr lang="en-GB" sz="1400" b="1" dirty="0">
+              <a:rPr lang="en-GB" sz="1500" b="1" dirty="0">
                 <a:latin typeface="Consolas" panose="020B0609020204030204" pitchFamily="49" charset="0"/>
                 <a:cs typeface="Consolas" panose="020B0609020204030204" pitchFamily="49" charset="0"/>
               </a:rPr>
@@ -14667,7 +14871,7 @@
           </a:p>
           <a:p>
             <a:r>
-              <a:rPr lang="en-GB" sz="1400" b="1" dirty="0">
+              <a:rPr lang="en-GB" sz="1500" b="1" dirty="0">
                 <a:latin typeface="Consolas" panose="020B0609020204030204" pitchFamily="49" charset="0"/>
                 <a:cs typeface="Consolas" panose="020B0609020204030204" pitchFamily="49" charset="0"/>
               </a:rPr>
@@ -14676,14 +14880,14 @@
           </a:p>
           <a:p>
             <a:r>
-              <a:rPr lang="en-GB" sz="1400" b="1" dirty="0">
+              <a:rPr lang="en-GB" sz="1500" b="1" dirty="0">
                 <a:latin typeface="Consolas" panose="020B0609020204030204" pitchFamily="49" charset="0"/>
                 <a:cs typeface="Consolas" panose="020B0609020204030204" pitchFamily="49" charset="0"/>
               </a:rPr>
               <a:t>        return db.</a:t>
             </a:r>
             <a:r>
-              <a:rPr lang="en-GB" sz="1400" b="1" dirty="0">
+              <a:rPr lang="en-GB" sz="1500" b="1" dirty="0">
                 <a:solidFill>
                   <a:schemeClr val="bg1"/>
                 </a:solidFill>
@@ -14693,7 +14897,7 @@
               <a:t>Countries</a:t>
             </a:r>
             <a:r>
-              <a:rPr lang="en-GB" sz="1400" b="1" dirty="0">
+              <a:rPr lang="en-GB" sz="1500" b="1" dirty="0">
                 <a:latin typeface="Consolas" panose="020B0609020204030204" pitchFamily="49" charset="0"/>
                 <a:cs typeface="Consolas" panose="020B0609020204030204" pitchFamily="49" charset="0"/>
               </a:rPr>
@@ -14702,7 +14906,7 @@
           </a:p>
           <a:p>
             <a:r>
-              <a:rPr lang="en-GB" sz="1400" b="1" dirty="0">
+              <a:rPr lang="en-GB" sz="1500" b="1" dirty="0">
                 <a:latin typeface="Consolas" panose="020B0609020204030204" pitchFamily="49" charset="0"/>
                 <a:cs typeface="Consolas" panose="020B0609020204030204" pitchFamily="49" charset="0"/>
               </a:rPr>
@@ -14711,33 +14915,23 @@
           </a:p>
           <a:p>
             <a:r>
-              <a:rPr lang="en-GB" sz="1400" b="1" dirty="0">
+              <a:rPr lang="en-GB" sz="1500" b="1" dirty="0">
                 <a:latin typeface="Consolas" panose="020B0609020204030204" pitchFamily="49" charset="0"/>
                 <a:cs typeface="Consolas" panose="020B0609020204030204" pitchFamily="49" charset="0"/>
               </a:rPr>
               <a:t>}</a:t>
             </a:r>
-            <a:endParaRPr lang="bg-BG" sz="1400" b="1" dirty="0">
-              <a:latin typeface="Consolas" panose="020B0609020204030204" pitchFamily="49" charset="0"/>
-              <a:cs typeface="Consolas" panose="020B0609020204030204" pitchFamily="49" charset="0"/>
-            </a:endParaRPr>
-          </a:p>
-          <a:p>
-            <a:endParaRPr lang="en-GB" sz="1400" b="1" dirty="0">
-              <a:latin typeface="Consolas" panose="020B0609020204030204" pitchFamily="49" charset="0"/>
-              <a:cs typeface="Consolas" panose="020B0609020204030204" pitchFamily="49" charset="0"/>
-            </a:endParaRPr>
-          </a:p>
-          <a:p>
-            <a:r>
-              <a:rPr lang="en-GB" sz="1400" b="1" dirty="0">
+          </a:p>
+          <a:p>
+            <a:r>
+              <a:rPr lang="en-GB" sz="1500" b="1" dirty="0">
                 <a:latin typeface="Consolas" panose="020B0609020204030204" pitchFamily="49" charset="0"/>
                 <a:cs typeface="Consolas" panose="020B0609020204030204" pitchFamily="49" charset="0"/>
               </a:rPr>
               <a:t>private Town[] </a:t>
             </a:r>
             <a:r>
-              <a:rPr lang="en-GB" sz="1400" b="1" dirty="0">
+              <a:rPr lang="en-GB" sz="1500" b="1" dirty="0">
                 <a:solidFill>
                   <a:schemeClr val="bg1"/>
                 </a:solidFill>
@@ -14747,7 +14941,7 @@
               <a:t>LoadTownsFromDb</a:t>
             </a:r>
             <a:r>
-              <a:rPr lang="en-GB" sz="1400" b="1" dirty="0">
+              <a:rPr lang="en-GB" sz="1500" b="1" dirty="0">
                 <a:latin typeface="Consolas" panose="020B0609020204030204" pitchFamily="49" charset="0"/>
                 <a:cs typeface="Consolas" panose="020B0609020204030204" pitchFamily="49" charset="0"/>
               </a:rPr>
@@ -14756,7 +14950,7 @@
           </a:p>
           <a:p>
             <a:r>
-              <a:rPr lang="en-GB" sz="1400" b="1" dirty="0">
+              <a:rPr lang="en-GB" sz="1500" b="1" dirty="0">
                 <a:latin typeface="Consolas" panose="020B0609020204030204" pitchFamily="49" charset="0"/>
                 <a:cs typeface="Consolas" panose="020B0609020204030204" pitchFamily="49" charset="0"/>
               </a:rPr>
@@ -14765,14 +14959,14 @@
           </a:p>
           <a:p>
             <a:r>
-              <a:rPr lang="en-GB" sz="1400" b="1" dirty="0">
+              <a:rPr lang="en-GB" sz="1500" b="1" dirty="0">
                 <a:latin typeface="Consolas" panose="020B0609020204030204" pitchFamily="49" charset="0"/>
                 <a:cs typeface="Consolas" panose="020B0609020204030204" pitchFamily="49" charset="0"/>
               </a:rPr>
               <a:t>    using (var db = new </a:t>
             </a:r>
             <a:r>
-              <a:rPr lang="en-GB" sz="1400" b="1" dirty="0">
+              <a:rPr lang="en-GB" sz="1500" b="1" dirty="0">
                 <a:solidFill>
                   <a:schemeClr val="bg1"/>
                 </a:solidFill>
@@ -14782,7 +14976,7 @@
               <a:t>CountriesDbContext</a:t>
             </a:r>
             <a:r>
-              <a:rPr lang="en-GB" sz="1400" b="1" dirty="0">
+              <a:rPr lang="en-GB" sz="1500" b="1" dirty="0">
                 <a:latin typeface="Consolas" panose="020B0609020204030204" pitchFamily="49" charset="0"/>
                 <a:cs typeface="Consolas" panose="020B0609020204030204" pitchFamily="49" charset="0"/>
               </a:rPr>
@@ -14791,7 +14985,7 @@
           </a:p>
           <a:p>
             <a:r>
-              <a:rPr lang="en-GB" sz="1400" b="1" dirty="0">
+              <a:rPr lang="en-GB" sz="1500" b="1" dirty="0">
                 <a:latin typeface="Consolas" panose="020B0609020204030204" pitchFamily="49" charset="0"/>
                 <a:cs typeface="Consolas" panose="020B0609020204030204" pitchFamily="49" charset="0"/>
               </a:rPr>
@@ -14800,14 +14994,14 @@
           </a:p>
           <a:p>
             <a:r>
-              <a:rPr lang="en-GB" sz="1400" b="1" dirty="0">
+              <a:rPr lang="en-GB" sz="1500" b="1" dirty="0">
                 <a:latin typeface="Consolas" panose="020B0609020204030204" pitchFamily="49" charset="0"/>
                 <a:cs typeface="Consolas" panose="020B0609020204030204" pitchFamily="49" charset="0"/>
               </a:rPr>
               <a:t>        return db.</a:t>
             </a:r>
             <a:r>
-              <a:rPr lang="en-GB" sz="1400" b="1" dirty="0">
+              <a:rPr lang="en-GB" sz="1500" b="1" dirty="0">
                 <a:solidFill>
                   <a:schemeClr val="bg1"/>
                 </a:solidFill>
@@ -14817,7 +15011,7 @@
               <a:t>Towns</a:t>
             </a:r>
             <a:r>
-              <a:rPr lang="en-GB" sz="1400" b="1" dirty="0">
+              <a:rPr lang="en-GB" sz="1500" b="1" dirty="0">
                 <a:latin typeface="Consolas" panose="020B0609020204030204" pitchFamily="49" charset="0"/>
                 <a:cs typeface="Consolas" panose="020B0609020204030204" pitchFamily="49" charset="0"/>
               </a:rPr>
@@ -14826,7 +15020,7 @@
           </a:p>
           <a:p>
             <a:r>
-              <a:rPr lang="en-GB" sz="1400" b="1" dirty="0">
+              <a:rPr lang="en-GB" sz="1500" b="1" dirty="0">
                 <a:latin typeface="Consolas" panose="020B0609020204030204" pitchFamily="49" charset="0"/>
                 <a:cs typeface="Consolas" panose="020B0609020204030204" pitchFamily="49" charset="0"/>
               </a:rPr>
@@ -14835,7 +15029,7 @@
           </a:p>
           <a:p>
             <a:r>
-              <a:rPr lang="en-GB" sz="1400" b="1" dirty="0">
+              <a:rPr lang="en-GB" sz="1500" b="1" dirty="0">
                 <a:latin typeface="Consolas" panose="020B0609020204030204" pitchFamily="49" charset="0"/>
                 <a:cs typeface="Consolas" panose="020B0609020204030204" pitchFamily="49" charset="0"/>
               </a:rPr>
@@ -16076,8 +16270,8 @@
         </p:nvSpPr>
         <p:spPr bwMode="auto">
           <a:xfrm>
-            <a:off x="619841" y="2394000"/>
-            <a:ext cx="11125200" cy="4126872"/>
+            <a:off x="627830" y="2339174"/>
+            <a:ext cx="11125200" cy="4465426"/>
           </a:xfrm>
           <a:prstGeom prst="rect">
             <a:avLst/>
@@ -16119,13 +16313,13 @@
               <a:buNone/>
             </a:pPr>
             <a:r>
-              <a:rPr lang="en-US" sz="1400" b="1" dirty="0">
+              <a:rPr lang="en-US" sz="1600" b="1" dirty="0">
                 <a:latin typeface="Consolas" panose="020B0609020204030204" pitchFamily="49" charset="0"/>
               </a:rPr>
               <a:t> private void </a:t>
             </a:r>
             <a:r>
-              <a:rPr lang="en-US" sz="1400" b="1" dirty="0">
+              <a:rPr lang="en-US" sz="1600" b="1" dirty="0">
                 <a:solidFill>
                   <a:schemeClr val="bg1"/>
                 </a:solidFill>
@@ -16134,7 +16328,7 @@
               <a:t>dataGridViewCountries_SelectionChanged</a:t>
             </a:r>
             <a:r>
-              <a:rPr lang="en-US" sz="1400" b="1" dirty="0">
+              <a:rPr lang="en-US" sz="1600" b="1" dirty="0">
                 <a:latin typeface="Consolas" panose="020B0609020204030204" pitchFamily="49" charset="0"/>
               </a:rPr>
               <a:t>(object sender, EventArgs e)</a:t>
@@ -16156,7 +16350,7 @@
               <a:buNone/>
             </a:pPr>
             <a:r>
-              <a:rPr lang="en-US" sz="1400" b="1" dirty="0">
+              <a:rPr lang="en-US" sz="1600" b="1" dirty="0">
                 <a:latin typeface="Consolas" panose="020B0609020204030204" pitchFamily="49" charset="0"/>
               </a:rPr>
               <a:t> {</a:t>
@@ -16178,20 +16372,20 @@
               <a:buNone/>
             </a:pPr>
             <a:r>
-              <a:rPr lang="en-US" sz="1400" b="1" dirty="0">
+              <a:rPr lang="en-US" sz="1600" b="1" dirty="0">
                 <a:latin typeface="Consolas" panose="020B0609020204030204" pitchFamily="49" charset="0"/>
               </a:rPr>
               <a:t>     var selectedCountry = </a:t>
             </a:r>
             <a:r>
-              <a:rPr lang="en-US" sz="1400" b="1" noProof="1">
+              <a:rPr lang="en-US" sz="1600" b="1" noProof="1">
                 <a:latin typeface="Consolas" pitchFamily="49" charset="0"/>
                 <a:cs typeface="Consolas" pitchFamily="49" charset="0"/>
               </a:rPr>
               <a:t>(Country)this.</a:t>
             </a:r>
             <a:r>
-              <a:rPr lang="en-US" sz="1400" b="1" noProof="1">
+              <a:rPr lang="en-US" sz="1600" b="1" noProof="1">
                 <a:solidFill>
                   <a:schemeClr val="bg1"/>
                 </a:solidFill>
@@ -16201,14 +16395,14 @@
               <a:t>countryBindingSource</a:t>
             </a:r>
             <a:r>
-              <a:rPr lang="en-US" sz="1400" b="1" noProof="1">
+              <a:rPr lang="en-US" sz="1600" b="1" noProof="1">
                 <a:latin typeface="Consolas" pitchFamily="49" charset="0"/>
                 <a:cs typeface="Consolas" pitchFamily="49" charset="0"/>
               </a:rPr>
               <a:t>.</a:t>
             </a:r>
             <a:r>
-              <a:rPr lang="en-US" sz="1400" b="1" noProof="1">
+              <a:rPr lang="en-US" sz="1600" b="1" noProof="1">
                 <a:solidFill>
                   <a:schemeClr val="bg1"/>
                 </a:solidFill>
@@ -16218,7 +16412,7 @@
               <a:t>Current</a:t>
             </a:r>
             <a:r>
-              <a:rPr lang="en-US" sz="1400" b="1" noProof="1">
+              <a:rPr lang="en-US" sz="1600" b="1" noProof="1">
                 <a:latin typeface="Consolas" pitchFamily="49" charset="0"/>
                 <a:cs typeface="Consolas" pitchFamily="49" charset="0"/>
               </a:rPr>
@@ -16239,25 +16433,25 @@
               <a:buSzPct val="100000"/>
             </a:pPr>
             <a:r>
-              <a:rPr lang="bg-BG" sz="1400" b="1" dirty="0">
+              <a:rPr lang="bg-BG" sz="1600" b="1" dirty="0">
                 <a:latin typeface="Consolas" panose="020B0609020204030204" pitchFamily="49" charset="0"/>
               </a:rPr>
               <a:t>     </a:t>
             </a:r>
             <a:r>
-              <a:rPr lang="en-US" sz="1400" b="1" dirty="0">
+              <a:rPr lang="en-US" sz="1600" b="1" dirty="0">
                 <a:latin typeface="Consolas" panose="020B0609020204030204" pitchFamily="49" charset="0"/>
               </a:rPr>
               <a:t>if (selectedCountry == null)</a:t>
             </a:r>
             <a:r>
-              <a:rPr lang="bg-BG" sz="1400" b="1" dirty="0">
+              <a:rPr lang="bg-BG" sz="1600" b="1" dirty="0">
                 <a:latin typeface="Consolas" panose="020B0609020204030204" pitchFamily="49" charset="0"/>
               </a:rPr>
               <a:t> </a:t>
             </a:r>
             <a:r>
-              <a:rPr lang="en-US" sz="1400" b="1" dirty="0">
+              <a:rPr lang="en-US" sz="1600" b="1" dirty="0">
                 <a:latin typeface="Consolas" panose="020B0609020204030204" pitchFamily="49" charset="0"/>
               </a:rPr>
               <a:t>return;</a:t>
@@ -16277,20 +16471,20 @@
               <a:buSzPct val="100000"/>
             </a:pPr>
             <a:r>
-              <a:rPr lang="en-US" sz="1400" b="1" dirty="0">
+              <a:rPr lang="en-US" sz="1600" b="1" dirty="0">
                 <a:latin typeface="Consolas" panose="020B0609020204030204" pitchFamily="49" charset="0"/>
               </a:rPr>
               <a:t>     </a:t>
             </a:r>
             <a:r>
-              <a:rPr lang="en-US" sz="1400" b="1" noProof="1">
+              <a:rPr lang="en-US" sz="1600" b="1" noProof="1">
                 <a:latin typeface="Consolas" pitchFamily="49" charset="0"/>
                 <a:cs typeface="Consolas" pitchFamily="49" charset="0"/>
               </a:rPr>
               <a:t>var countryId = selectedCountry.</a:t>
             </a:r>
             <a:r>
-              <a:rPr lang="en-US" sz="1400" b="1" noProof="1">
+              <a:rPr lang="en-US" sz="1600" b="1" noProof="1">
                 <a:solidFill>
                   <a:schemeClr val="bg1"/>
                 </a:solidFill>
@@ -16300,13 +16494,13 @@
               <a:t>CountryId</a:t>
             </a:r>
             <a:r>
-              <a:rPr lang="en-US" sz="1400" b="1" noProof="1">
+              <a:rPr lang="en-US" sz="1600" b="1" noProof="1">
                 <a:latin typeface="Consolas" pitchFamily="49" charset="0"/>
                 <a:cs typeface="Consolas" pitchFamily="49" charset="0"/>
               </a:rPr>
               <a:t>;</a:t>
             </a:r>
-            <a:endParaRPr lang="en-US" sz="1400" b="1" dirty="0">
+            <a:endParaRPr lang="en-US" sz="1600" b="1" dirty="0">
               <a:latin typeface="Consolas" panose="020B0609020204030204" pitchFamily="49" charset="0"/>
             </a:endParaRPr>
           </a:p>
@@ -16324,13 +16518,13 @@
               <a:buSzPct val="100000"/>
             </a:pPr>
             <a:r>
-              <a:rPr lang="bg-BG" sz="1400" b="1" dirty="0">
+              <a:rPr lang="bg-BG" sz="1600" b="1" dirty="0">
                 <a:latin typeface="Consolas" panose="020B0609020204030204" pitchFamily="49" charset="0"/>
               </a:rPr>
               <a:t> </a:t>
             </a:r>
             <a:r>
-              <a:rPr lang="en-US" sz="1400" b="1" dirty="0">
+              <a:rPr lang="en-US" sz="1600" b="1" dirty="0">
                 <a:latin typeface="Consolas" panose="020B0609020204030204" pitchFamily="49" charset="0"/>
               </a:rPr>
               <a:t>    using (var dbContext = new CountriesDbContext())</a:t>
@@ -16352,7 +16546,7 @@
               <a:buNone/>
             </a:pPr>
             <a:r>
-              <a:rPr lang="en-US" sz="1400" b="1" dirty="0">
+              <a:rPr lang="en-US" sz="1600" b="1" dirty="0">
                 <a:latin typeface="Consolas" panose="020B0609020204030204" pitchFamily="49" charset="0"/>
               </a:rPr>
               <a:t>     {</a:t>
@@ -16374,13 +16568,13 @@
               <a:buNone/>
             </a:pPr>
             <a:r>
-              <a:rPr lang="en-US" sz="1400" b="1" dirty="0">
+              <a:rPr lang="en-US" sz="1600" b="1" dirty="0">
                 <a:latin typeface="Consolas" panose="020B0609020204030204" pitchFamily="49" charset="0"/>
               </a:rPr>
               <a:t>         var towns = dbContext.Towns.</a:t>
             </a:r>
             <a:r>
-              <a:rPr lang="en-US" sz="1400" b="1" dirty="0">
+              <a:rPr lang="en-US" sz="1600" b="1" dirty="0">
                 <a:solidFill>
                   <a:schemeClr val="bg1"/>
                 </a:solidFill>
@@ -16389,13 +16583,13 @@
               <a:t>Where</a:t>
             </a:r>
             <a:r>
-              <a:rPr lang="en-US" sz="1400" b="1" dirty="0">
+              <a:rPr lang="en-US" sz="1600" b="1" dirty="0">
                 <a:latin typeface="Consolas" panose="020B0609020204030204" pitchFamily="49" charset="0"/>
               </a:rPr>
               <a:t>(t =&gt; t.</a:t>
             </a:r>
             <a:r>
-              <a:rPr lang="en-US" sz="1400" b="1" dirty="0">
+              <a:rPr lang="en-US" sz="1600" b="1" dirty="0">
                 <a:solidFill>
                   <a:schemeClr val="bg1"/>
                 </a:solidFill>
@@ -16404,13 +16598,13 @@
               <a:t>CountryId</a:t>
             </a:r>
             <a:r>
-              <a:rPr lang="en-US" sz="1400" b="1" dirty="0">
+              <a:rPr lang="en-US" sz="1600" b="1" dirty="0">
                 <a:latin typeface="Consolas" panose="020B0609020204030204" pitchFamily="49" charset="0"/>
               </a:rPr>
               <a:t> == </a:t>
             </a:r>
             <a:r>
-              <a:rPr lang="en-US" sz="1400" b="1" dirty="0">
+              <a:rPr lang="en-US" sz="1600" b="1" dirty="0">
                 <a:solidFill>
                   <a:schemeClr val="bg1"/>
                 </a:solidFill>
@@ -16419,7 +16613,7 @@
               <a:t>countryId</a:t>
             </a:r>
             <a:r>
-              <a:rPr lang="en-US" sz="1400" b="1" dirty="0">
+              <a:rPr lang="en-US" sz="1600" b="1" dirty="0">
                 <a:latin typeface="Consolas" panose="020B0609020204030204" pitchFamily="49" charset="0"/>
               </a:rPr>
               <a:t>).ToList();</a:t>
@@ -16439,20 +16633,20 @@
               <a:buSzPct val="100000"/>
             </a:pPr>
             <a:r>
-              <a:rPr lang="bg-BG" sz="1400" b="1" dirty="0">
+              <a:rPr lang="bg-BG" sz="1600" b="1" dirty="0">
                 <a:latin typeface="Consolas" panose="020B0609020204030204" pitchFamily="49" charset="0"/>
               </a:rPr>
               <a:t>         </a:t>
             </a:r>
             <a:r>
-              <a:rPr lang="en-US" sz="1400" b="1" noProof="1">
+              <a:rPr lang="en-US" sz="1600" b="1" noProof="1">
                 <a:latin typeface="Consolas" pitchFamily="49" charset="0"/>
                 <a:cs typeface="Consolas" pitchFamily="49" charset="0"/>
               </a:rPr>
               <a:t>if (towns.Count &gt; 0) this.</a:t>
             </a:r>
             <a:r>
-              <a:rPr lang="en-US" sz="1400" b="1" noProof="1">
+              <a:rPr lang="en-US" sz="1600" b="1" noProof="1">
                 <a:solidFill>
                   <a:schemeClr val="bg1"/>
                 </a:solidFill>
@@ -16462,14 +16656,14 @@
               <a:t>townBindingSource</a:t>
             </a:r>
             <a:r>
-              <a:rPr lang="en-US" sz="1400" b="1" noProof="1">
+              <a:rPr lang="en-US" sz="1600" b="1" noProof="1">
                 <a:latin typeface="Consolas" pitchFamily="49" charset="0"/>
                 <a:cs typeface="Consolas" pitchFamily="49" charset="0"/>
               </a:rPr>
               <a:t>.</a:t>
             </a:r>
             <a:r>
-              <a:rPr lang="en-US" sz="1400" b="1" noProof="1">
+              <a:rPr lang="en-US" sz="1600" b="1" noProof="1">
                 <a:solidFill>
                   <a:schemeClr val="bg1"/>
                 </a:solidFill>
@@ -16479,14 +16673,14 @@
               <a:t>DataSource</a:t>
             </a:r>
             <a:r>
-              <a:rPr lang="en-US" sz="1400" b="1" noProof="1">
+              <a:rPr lang="en-US" sz="1600" b="1" noProof="1">
                 <a:latin typeface="Consolas" pitchFamily="49" charset="0"/>
                 <a:cs typeface="Consolas" pitchFamily="49" charset="0"/>
               </a:rPr>
               <a:t> = </a:t>
             </a:r>
             <a:r>
-              <a:rPr lang="en-US" sz="1400" b="1" noProof="1">
+              <a:rPr lang="en-US" sz="1600" b="1" noProof="1">
                 <a:solidFill>
                   <a:schemeClr val="bg1"/>
                 </a:solidFill>
@@ -16496,7 +16690,7 @@
               <a:t>towns</a:t>
             </a:r>
             <a:r>
-              <a:rPr lang="en-US" sz="1400" b="1" dirty="0">
+              <a:rPr lang="en-US" sz="1600" b="1" dirty="0">
                 <a:latin typeface="Consolas" panose="020B0609020204030204" pitchFamily="49" charset="0"/>
               </a:rPr>
               <a:t>;</a:t>
@@ -16518,7 +16712,7 @@
               <a:buNone/>
             </a:pPr>
             <a:r>
-              <a:rPr lang="en-US" sz="1400" b="1" dirty="0">
+              <a:rPr lang="en-US" sz="1600" b="1" dirty="0">
                 <a:latin typeface="Consolas" panose="020B0609020204030204" pitchFamily="49" charset="0"/>
               </a:rPr>
               <a:t>     }</a:t>
@@ -16540,7 +16734,7 @@
               <a:buNone/>
             </a:pPr>
             <a:r>
-              <a:rPr lang="en-US" sz="1400" b="1" dirty="0">
+              <a:rPr lang="en-US" sz="1600" b="1" dirty="0">
                 <a:latin typeface="Consolas" panose="020B0609020204030204" pitchFamily="49" charset="0"/>
               </a:rPr>
               <a:t> }</a:t>
@@ -17432,8 +17626,8 @@
         </p:nvSpPr>
         <p:spPr bwMode="auto">
           <a:xfrm>
-            <a:off x="426000" y="1314000"/>
-            <a:ext cx="11125200" cy="2495656"/>
+            <a:off x="358500" y="1314000"/>
+            <a:ext cx="11475000" cy="3603652"/>
           </a:xfrm>
           <a:prstGeom prst="rect">
             <a:avLst/>
@@ -17473,21 +17667,21 @@
               <a:buSzPct val="100000"/>
             </a:pPr>
             <a:r>
-              <a:rPr lang="en-US" b="1" noProof="1">
+              <a:rPr lang="en-US" sz="2000" b="1" noProof="1">
                 <a:latin typeface="Consolas" panose="020B0609020204030204" pitchFamily="49" charset="0"/>
                 <a:cs typeface="Courier New" panose="02070309020205020404" pitchFamily="49" charset="0"/>
               </a:rPr>
               <a:t>private Country[]</a:t>
             </a:r>
             <a:r>
-              <a:rPr lang="bg-BG" b="1" noProof="1">
+              <a:rPr lang="bg-BG" sz="2000" b="1" noProof="1">
                 <a:latin typeface="Consolas" panose="020B0609020204030204" pitchFamily="49" charset="0"/>
                 <a:cs typeface="Courier New" panose="02070309020205020404" pitchFamily="49" charset="0"/>
               </a:rPr>
               <a:t> </a:t>
             </a:r>
             <a:r>
-              <a:rPr lang="en-US" b="1" noProof="1">
+              <a:rPr lang="en-US" sz="2000" b="1" noProof="1">
                 <a:latin typeface="Consolas" panose="020B0609020204030204" pitchFamily="49" charset="0"/>
                 <a:cs typeface="Courier New" panose="02070309020205020404" pitchFamily="49" charset="0"/>
               </a:rPr>
@@ -17510,7 +17704,7 @@
               <a:buNone/>
             </a:pPr>
             <a:r>
-              <a:rPr lang="en-US" b="1" noProof="1">
+              <a:rPr lang="en-US" sz="2000" b="1" noProof="1">
                 <a:latin typeface="Consolas" panose="020B0609020204030204" pitchFamily="49" charset="0"/>
                 <a:cs typeface="Courier New" panose="02070309020205020404" pitchFamily="49" charset="0"/>
               </a:rPr>
@@ -17533,50 +17727,30 @@
               <a:buNone/>
             </a:pPr>
             <a:r>
-              <a:rPr lang="en-US" b="1" noProof="1">
+              <a:rPr lang="en-US" sz="2000" b="1" noProof="1">
                 <a:latin typeface="Consolas" panose="020B0609020204030204" pitchFamily="49" charset="0"/>
                 <a:cs typeface="Courier New" panose="02070309020205020404" pitchFamily="49" charset="0"/>
               </a:rPr>
               <a:t>   </a:t>
             </a:r>
             <a:r>
-              <a:rPr lang="en-US" b="1" dirty="0">
+              <a:rPr lang="en-US" sz="2000" b="1" dirty="0">
                 <a:latin typeface="Consolas" panose="020B0609020204030204" pitchFamily="49" charset="0"/>
                 <a:cs typeface="Courier New" panose="02070309020205020404" pitchFamily="49" charset="0"/>
               </a:rPr>
               <a:t>var filteredCountries = </a:t>
             </a:r>
             <a:r>
-              <a:rPr lang="en-US" b="1" noProof="1">
+              <a:rPr lang="en-US" sz="2000" b="1" noProof="1">
                 <a:latin typeface="Consolas" panose="020B0609020204030204" pitchFamily="49" charset="0"/>
                 <a:cs typeface="Courier New" panose="02070309020205020404" pitchFamily="49" charset="0"/>
               </a:rPr>
               <a:t>countries</a:t>
             </a:r>
-            <a:r>
-              <a:rPr lang="en-US" b="1" dirty="0">
-                <a:latin typeface="Consolas" panose="020B0609020204030204" pitchFamily="49" charset="0"/>
-                <a:cs typeface="Courier New" panose="02070309020205020404" pitchFamily="49" charset="0"/>
-              </a:rPr>
-              <a:t>.</a:t>
-            </a:r>
-            <a:r>
-              <a:rPr lang="en-US" b="1" dirty="0">
-                <a:solidFill>
-                  <a:schemeClr val="bg1"/>
-                </a:solidFill>
-                <a:latin typeface="Consolas" panose="020B0609020204030204" pitchFamily="49" charset="0"/>
-                <a:cs typeface="Courier New" panose="02070309020205020404" pitchFamily="49" charset="0"/>
-              </a:rPr>
-              <a:t>Where</a:t>
-            </a:r>
-            <a:r>
-              <a:rPr lang="en-US" b="1" dirty="0">
-                <a:latin typeface="Consolas" panose="020B0609020204030204" pitchFamily="49" charset="0"/>
-                <a:cs typeface="Courier New" panose="02070309020205020404" pitchFamily="49" charset="0"/>
-              </a:rPr>
-              <a:t>(c =&gt;        	c.CountryName.ToLower().Contains(filterText));</a:t>
-            </a:r>
+            <a:endParaRPr lang="bg-BG" sz="2000" b="1" noProof="1">
+              <a:latin typeface="Consolas" panose="020B0609020204030204" pitchFamily="49" charset="0"/>
+              <a:cs typeface="Courier New" panose="02070309020205020404" pitchFamily="49" charset="0"/>
+            </a:endParaRPr>
           </a:p>
           <a:p>
             <a:pPr>
@@ -17594,29 +17768,40 @@
               <a:buNone/>
             </a:pPr>
             <a:r>
-              <a:rPr lang="en-US" b="1" noProof="1">
+              <a:rPr lang="bg-BG" sz="2000" b="1" dirty="0">
                 <a:latin typeface="Consolas" panose="020B0609020204030204" pitchFamily="49" charset="0"/>
                 <a:cs typeface="Courier New" panose="02070309020205020404" pitchFamily="49" charset="0"/>
               </a:rPr>
-              <a:t>   return </a:t>
-            </a:r>
-            <a:r>
-              <a:rPr lang="en-US" b="1" noProof="1">
+              <a:t>                              </a:t>
+            </a:r>
+            <a:r>
+              <a:rPr lang="en-US" sz="2000" b="1" dirty="0">
+                <a:latin typeface="Consolas" panose="020B0609020204030204" pitchFamily="49" charset="0"/>
+                <a:cs typeface="Courier New" panose="02070309020205020404" pitchFamily="49" charset="0"/>
+              </a:rPr>
+              <a:t>.</a:t>
+            </a:r>
+            <a:r>
+              <a:rPr lang="en-US" sz="2000" b="1" dirty="0">
                 <a:solidFill>
                   <a:schemeClr val="bg1"/>
                 </a:solidFill>
                 <a:latin typeface="Consolas" panose="020B0609020204030204" pitchFamily="49" charset="0"/>
                 <a:cs typeface="Courier New" panose="02070309020205020404" pitchFamily="49" charset="0"/>
               </a:rPr>
-              <a:t>filteredCountries</a:t>
-            </a:r>
-            <a:r>
-              <a:rPr lang="en-US" b="1" noProof="1">
+              <a:t>Where</a:t>
+            </a:r>
+            <a:r>
+              <a:rPr lang="en-US" sz="2000" b="1" dirty="0">
                 <a:latin typeface="Consolas" panose="020B0609020204030204" pitchFamily="49" charset="0"/>
                 <a:cs typeface="Courier New" panose="02070309020205020404" pitchFamily="49" charset="0"/>
               </a:rPr>
-              <a:t>.ToArray();</a:t>
-            </a:r>
+              <a:t>(c =&gt;c.CountryName.ToLower()</a:t>
+            </a:r>
+            <a:endParaRPr lang="bg-BG" sz="2000" b="1" dirty="0">
+              <a:latin typeface="Consolas" panose="020B0609020204030204" pitchFamily="49" charset="0"/>
+              <a:cs typeface="Courier New" panose="02070309020205020404" pitchFamily="49" charset="0"/>
+            </a:endParaRPr>
           </a:p>
           <a:p>
             <a:pPr>
@@ -17634,7 +17819,77 @@
               <a:buNone/>
             </a:pPr>
             <a:r>
-              <a:rPr lang="en-US" b="1" noProof="1">
+              <a:rPr lang="bg-BG" sz="2000" b="1" dirty="0">
+                <a:latin typeface="Consolas" panose="020B0609020204030204" pitchFamily="49" charset="0"/>
+                <a:cs typeface="Courier New" panose="02070309020205020404" pitchFamily="49" charset="0"/>
+              </a:rPr>
+              <a:t>                              </a:t>
+            </a:r>
+            <a:r>
+              <a:rPr lang="en-US" sz="2000" b="1" dirty="0">
+                <a:latin typeface="Consolas" panose="020B0609020204030204" pitchFamily="49" charset="0"/>
+                <a:cs typeface="Courier New" panose="02070309020205020404" pitchFamily="49" charset="0"/>
+              </a:rPr>
+              <a:t>.Contains(filterText));</a:t>
+            </a:r>
+          </a:p>
+          <a:p>
+            <a:pPr>
+              <a:spcBef>
+                <a:spcPts val="600"/>
+              </a:spcBef>
+              <a:spcAft>
+                <a:spcPts val="600"/>
+              </a:spcAft>
+              <a:buClr>
+                <a:srgbClr val="F2B254"/>
+              </a:buClr>
+              <a:buSzPct val="100000"/>
+              <a:buFont typeface="Wingdings" panose="05000000000000000000" pitchFamily="2" charset="2"/>
+              <a:buNone/>
+            </a:pPr>
+            <a:r>
+              <a:rPr lang="en-US" sz="2000" b="1" noProof="1">
+                <a:latin typeface="Consolas" panose="020B0609020204030204" pitchFamily="49" charset="0"/>
+                <a:cs typeface="Courier New" panose="02070309020205020404" pitchFamily="49" charset="0"/>
+              </a:rPr>
+              <a:t>   return </a:t>
+            </a:r>
+            <a:r>
+              <a:rPr lang="en-US" sz="2000" b="1" noProof="1">
+                <a:solidFill>
+                  <a:schemeClr val="bg1"/>
+                </a:solidFill>
+                <a:latin typeface="Consolas" panose="020B0609020204030204" pitchFamily="49" charset="0"/>
+                <a:cs typeface="Courier New" panose="02070309020205020404" pitchFamily="49" charset="0"/>
+              </a:rPr>
+              <a:t>filteredCountries</a:t>
+            </a:r>
+            <a:r>
+              <a:rPr lang="en-US" sz="2000" b="1" noProof="1">
+                <a:latin typeface="Consolas" panose="020B0609020204030204" pitchFamily="49" charset="0"/>
+                <a:cs typeface="Courier New" panose="02070309020205020404" pitchFamily="49" charset="0"/>
+              </a:rPr>
+              <a:t>.ToArray();</a:t>
+            </a:r>
+          </a:p>
+          <a:p>
+            <a:pPr>
+              <a:spcBef>
+                <a:spcPts val="600"/>
+              </a:spcBef>
+              <a:spcAft>
+                <a:spcPts val="600"/>
+              </a:spcAft>
+              <a:buClr>
+                <a:srgbClr val="F2B254"/>
+              </a:buClr>
+              <a:buSzPct val="100000"/>
+              <a:buFont typeface="Wingdings" panose="05000000000000000000" pitchFamily="2" charset="2"/>
+              <a:buNone/>
+            </a:pPr>
+            <a:r>
+              <a:rPr lang="en-US" sz="2000" b="1" noProof="1">
                 <a:latin typeface="Consolas" panose="020B0609020204030204" pitchFamily="49" charset="0"/>
                 <a:cs typeface="Courier New" panose="02070309020205020404" pitchFamily="49" charset="0"/>
               </a:rPr>
@@ -17661,13 +17916,6 @@
       <p:transition spd="slow" advClick="0" advTm="5000"/>
     </mc:Fallback>
   </mc:AlternateContent>
-  <p:timing>
-    <p:tnLst>
-      <p:par>
-        <p:cTn id="1" dur="indefinite" restart="never" nodeType="tmRoot"/>
-      </p:par>
-    </p:tnLst>
-  </p:timing>
 </p:sld>
 </file>
 
@@ -18593,8 +18841,8 @@
         </p:nvSpPr>
         <p:spPr bwMode="auto">
           <a:xfrm>
-            <a:off x="533400" y="1216735"/>
-            <a:ext cx="11125200" cy="3665207"/>
+            <a:off x="336000" y="1364466"/>
+            <a:ext cx="11125200" cy="5142534"/>
           </a:xfrm>
           <a:prstGeom prst="rect">
             <a:avLst/>
@@ -18622,14 +18870,14 @@
           <a:lstStyle/>
           <a:p>
             <a:r>
-              <a:rPr lang="en-GB" sz="1400" b="1" dirty="0">
+              <a:rPr lang="en-GB" sz="2000" b="1" dirty="0">
                 <a:latin typeface="Consolas" panose="020B0609020204030204" pitchFamily="49" charset="0"/>
                 <a:cs typeface="Consolas" panose="020B0609020204030204" pitchFamily="49" charset="0"/>
               </a:rPr>
               <a:t>private Country[] </a:t>
             </a:r>
             <a:r>
-              <a:rPr lang="en-GB" sz="1400" b="1" dirty="0">
+              <a:rPr lang="en-GB" sz="2000" b="1" dirty="0">
                 <a:solidFill>
                   <a:schemeClr val="bg1"/>
                 </a:solidFill>
@@ -18639,21 +18887,21 @@
               <a:t>SortCountries</a:t>
             </a:r>
             <a:r>
-              <a:rPr lang="en-GB" sz="1400" b="1" dirty="0">
+              <a:rPr lang="en-GB" sz="2000" b="1" dirty="0">
                 <a:latin typeface="Consolas" panose="020B0609020204030204" pitchFamily="49" charset="0"/>
                 <a:cs typeface="Consolas" panose="020B0609020204030204" pitchFamily="49" charset="0"/>
               </a:rPr>
               <a:t>(</a:t>
             </a:r>
             <a:r>
-              <a:rPr lang="en-US" sz="1400" b="1" dirty="0">
+              <a:rPr lang="en-US" sz="2000" b="1" dirty="0">
                 <a:latin typeface="Consolas" panose="020B0609020204030204" pitchFamily="49" charset="0"/>
                 <a:cs typeface="Consolas" panose="020B0609020204030204" pitchFamily="49" charset="0"/>
               </a:rPr>
               <a:t>Country[] </a:t>
             </a:r>
             <a:r>
-              <a:rPr lang="en-GB" sz="1400" b="1" dirty="0">
+              <a:rPr lang="en-GB" sz="2000" b="1" dirty="0">
                 <a:latin typeface="Consolas" panose="020B0609020204030204" pitchFamily="49" charset="0"/>
                 <a:cs typeface="Consolas" panose="020B0609020204030204" pitchFamily="49" charset="0"/>
               </a:rPr>
@@ -18662,7 +18910,7 @@
           </a:p>
           <a:p>
             <a:r>
-              <a:rPr lang="en-GB" sz="1400" b="1" dirty="0">
+              <a:rPr lang="en-GB" sz="2000" b="1" dirty="0">
                 <a:latin typeface="Consolas" panose="020B0609020204030204" pitchFamily="49" charset="0"/>
                 <a:cs typeface="Consolas" panose="020B0609020204030204" pitchFamily="49" charset="0"/>
               </a:rPr>
@@ -18671,7 +18919,7 @@
           </a:p>
           <a:p>
             <a:r>
-              <a:rPr lang="en-GB" sz="1400" b="1" dirty="0">
+              <a:rPr lang="en-GB" sz="2000" b="1" dirty="0">
                 <a:latin typeface="Consolas" panose="020B0609020204030204" pitchFamily="49" charset="0"/>
                 <a:cs typeface="Consolas" panose="020B0609020204030204" pitchFamily="49" charset="0"/>
               </a:rPr>
@@ -18680,7 +18928,7 @@
           </a:p>
           <a:p>
             <a:r>
-              <a:rPr lang="en-GB" sz="1400" b="1" dirty="0">
+              <a:rPr lang="en-GB" sz="2000" b="1" dirty="0">
                 <a:latin typeface="Consolas" panose="020B0609020204030204" pitchFamily="49" charset="0"/>
                 <a:cs typeface="Consolas" panose="020B0609020204030204" pitchFamily="49" charset="0"/>
               </a:rPr>
@@ -18689,14 +18937,14 @@
           </a:p>
           <a:p>
             <a:r>
-              <a:rPr lang="en-GB" sz="1400" b="1" dirty="0">
+              <a:rPr lang="en-GB" sz="2000" b="1" dirty="0">
                 <a:latin typeface="Consolas" panose="020B0609020204030204" pitchFamily="49" charset="0"/>
                 <a:cs typeface="Consolas" panose="020B0609020204030204" pitchFamily="49" charset="0"/>
               </a:rPr>
               <a:t>        case "</a:t>
             </a:r>
             <a:r>
-              <a:rPr lang="bg-BG" sz="1400" b="1" dirty="0">
+              <a:rPr lang="bg-BG" sz="2000" b="1" dirty="0">
                 <a:latin typeface="Consolas" panose="020B0609020204030204" pitchFamily="49" charset="0"/>
                 <a:cs typeface="Consolas" panose="020B0609020204030204" pitchFamily="49" charset="0"/>
               </a:rPr>
@@ -18705,21 +18953,21 @@
           </a:p>
           <a:p>
             <a:r>
-              <a:rPr lang="bg-BG" sz="1400" b="1" dirty="0">
+              <a:rPr lang="bg-BG" sz="2000" b="1" dirty="0">
                 <a:latin typeface="Consolas" panose="020B0609020204030204" pitchFamily="49" charset="0"/>
                 <a:cs typeface="Consolas" panose="020B0609020204030204" pitchFamily="49" charset="0"/>
               </a:rPr>
               <a:t>            </a:t>
             </a:r>
             <a:r>
-              <a:rPr lang="en-GB" sz="1400" b="1" dirty="0">
+              <a:rPr lang="en-GB" sz="2000" b="1" dirty="0">
                 <a:latin typeface="Consolas" panose="020B0609020204030204" pitchFamily="49" charset="0"/>
                 <a:cs typeface="Consolas" panose="020B0609020204030204" pitchFamily="49" charset="0"/>
               </a:rPr>
               <a:t>return countries.</a:t>
             </a:r>
             <a:r>
-              <a:rPr lang="en-GB" sz="1400" b="1" dirty="0">
+              <a:rPr lang="en-GB" sz="2000" b="1" dirty="0">
                 <a:solidFill>
                   <a:schemeClr val="bg1"/>
                 </a:solidFill>
@@ -18729,7 +18977,7 @@
               <a:t>OrderBy</a:t>
             </a:r>
             <a:r>
-              <a:rPr lang="en-GB" sz="1400" b="1" dirty="0">
+              <a:rPr lang="en-GB" sz="2000" b="1" dirty="0">
                 <a:latin typeface="Consolas" panose="020B0609020204030204" pitchFamily="49" charset="0"/>
                 <a:cs typeface="Consolas" panose="020B0609020204030204" pitchFamily="49" charset="0"/>
               </a:rPr>
@@ -18738,14 +18986,14 @@
           </a:p>
           <a:p>
             <a:r>
-              <a:rPr lang="en-GB" sz="1400" b="1" dirty="0">
+              <a:rPr lang="en-GB" sz="2000" b="1" dirty="0">
                 <a:latin typeface="Consolas" panose="020B0609020204030204" pitchFamily="49" charset="0"/>
                 <a:cs typeface="Consolas" panose="020B0609020204030204" pitchFamily="49" charset="0"/>
               </a:rPr>
               <a:t>        case "</a:t>
             </a:r>
             <a:r>
-              <a:rPr lang="bg-BG" sz="1400" b="1" dirty="0">
+              <a:rPr lang="bg-BG" sz="2000" b="1" dirty="0">
                 <a:latin typeface="Consolas" panose="020B0609020204030204" pitchFamily="49" charset="0"/>
                 <a:cs typeface="Consolas" panose="020B0609020204030204" pitchFamily="49" charset="0"/>
               </a:rPr>
@@ -18754,21 +19002,21 @@
           </a:p>
           <a:p>
             <a:r>
-              <a:rPr lang="bg-BG" sz="1400" b="1" dirty="0">
+              <a:rPr lang="bg-BG" sz="2000" b="1" dirty="0">
                 <a:latin typeface="Consolas" panose="020B0609020204030204" pitchFamily="49" charset="0"/>
                 <a:cs typeface="Consolas" panose="020B0609020204030204" pitchFamily="49" charset="0"/>
               </a:rPr>
               <a:t>            </a:t>
             </a:r>
             <a:r>
-              <a:rPr lang="en-GB" sz="1400" b="1" dirty="0">
+              <a:rPr lang="en-GB" sz="2000" b="1" dirty="0">
                 <a:latin typeface="Consolas" panose="020B0609020204030204" pitchFamily="49" charset="0"/>
                 <a:cs typeface="Consolas" panose="020B0609020204030204" pitchFamily="49" charset="0"/>
               </a:rPr>
               <a:t>return countries.</a:t>
             </a:r>
             <a:r>
-              <a:rPr lang="en-GB" sz="1400" b="1" dirty="0">
+              <a:rPr lang="en-GB" sz="2000" b="1" dirty="0">
                 <a:solidFill>
                   <a:schemeClr val="bg1"/>
                 </a:solidFill>
@@ -18778,7 +19026,7 @@
               <a:t>OrderByDescending</a:t>
             </a:r>
             <a:r>
-              <a:rPr lang="en-GB" sz="1400" b="1" dirty="0">
+              <a:rPr lang="en-GB" sz="2000" b="1" dirty="0">
                 <a:latin typeface="Consolas" panose="020B0609020204030204" pitchFamily="49" charset="0"/>
                 <a:cs typeface="Consolas" panose="020B0609020204030204" pitchFamily="49" charset="0"/>
               </a:rPr>
@@ -18787,14 +19035,14 @@
           </a:p>
           <a:p>
             <a:r>
-              <a:rPr lang="en-GB" sz="1400" b="1" dirty="0">
+              <a:rPr lang="en-GB" sz="2000" b="1" dirty="0">
                 <a:latin typeface="Consolas" panose="020B0609020204030204" pitchFamily="49" charset="0"/>
                 <a:cs typeface="Consolas" panose="020B0609020204030204" pitchFamily="49" charset="0"/>
               </a:rPr>
               <a:t>        case "Id (</a:t>
             </a:r>
             <a:r>
-              <a:rPr lang="bg-BG" sz="1400" b="1" dirty="0">
+              <a:rPr lang="bg-BG" sz="2000" b="1" dirty="0">
                 <a:latin typeface="Consolas" panose="020B0609020204030204" pitchFamily="49" charset="0"/>
                 <a:cs typeface="Consolas" panose="020B0609020204030204" pitchFamily="49" charset="0"/>
               </a:rPr>
@@ -18803,21 +19051,21 @@
           </a:p>
           <a:p>
             <a:r>
-              <a:rPr lang="bg-BG" sz="1400" b="1" dirty="0">
+              <a:rPr lang="bg-BG" sz="2000" b="1" dirty="0">
                 <a:latin typeface="Consolas" panose="020B0609020204030204" pitchFamily="49" charset="0"/>
                 <a:cs typeface="Consolas" panose="020B0609020204030204" pitchFamily="49" charset="0"/>
               </a:rPr>
               <a:t>            </a:t>
             </a:r>
             <a:r>
-              <a:rPr lang="en-GB" sz="1400" b="1" dirty="0">
+              <a:rPr lang="en-GB" sz="2000" b="1" dirty="0">
                 <a:latin typeface="Consolas" panose="020B0609020204030204" pitchFamily="49" charset="0"/>
                 <a:cs typeface="Consolas" panose="020B0609020204030204" pitchFamily="49" charset="0"/>
               </a:rPr>
               <a:t>return countries.</a:t>
             </a:r>
             <a:r>
-              <a:rPr lang="en-GB" sz="1400" b="1" dirty="0">
+              <a:rPr lang="en-GB" sz="2000" b="1" dirty="0">
                 <a:solidFill>
                   <a:schemeClr val="bg1"/>
                 </a:solidFill>
@@ -18827,7 +19075,7 @@
               <a:t>OrderBy</a:t>
             </a:r>
             <a:r>
-              <a:rPr lang="en-GB" sz="1400" b="1" dirty="0">
+              <a:rPr lang="en-GB" sz="2000" b="1" dirty="0">
                 <a:latin typeface="Consolas" panose="020B0609020204030204" pitchFamily="49" charset="0"/>
                 <a:cs typeface="Consolas" panose="020B0609020204030204" pitchFamily="49" charset="0"/>
               </a:rPr>
@@ -18836,14 +19084,14 @@
           </a:p>
           <a:p>
             <a:r>
-              <a:rPr lang="en-GB" sz="1400" b="1" dirty="0">
+              <a:rPr lang="en-GB" sz="2000" b="1" dirty="0">
                 <a:latin typeface="Consolas" panose="020B0609020204030204" pitchFamily="49" charset="0"/>
                 <a:cs typeface="Consolas" panose="020B0609020204030204" pitchFamily="49" charset="0"/>
               </a:rPr>
               <a:t>        case "Id (</a:t>
             </a:r>
             <a:r>
-              <a:rPr lang="bg-BG" sz="1400" b="1" dirty="0">
+              <a:rPr lang="bg-BG" sz="2000" b="1" dirty="0">
                 <a:latin typeface="Consolas" panose="020B0609020204030204" pitchFamily="49" charset="0"/>
                 <a:cs typeface="Consolas" panose="020B0609020204030204" pitchFamily="49" charset="0"/>
               </a:rPr>
@@ -18852,21 +19100,21 @@
           </a:p>
           <a:p>
             <a:r>
-              <a:rPr lang="bg-BG" sz="1400" b="1" dirty="0">
+              <a:rPr lang="bg-BG" sz="2000" b="1" dirty="0">
                 <a:latin typeface="Consolas" panose="020B0609020204030204" pitchFamily="49" charset="0"/>
                 <a:cs typeface="Consolas" panose="020B0609020204030204" pitchFamily="49" charset="0"/>
               </a:rPr>
               <a:t>            </a:t>
             </a:r>
             <a:r>
-              <a:rPr lang="en-GB" sz="1400" b="1" dirty="0">
+              <a:rPr lang="en-GB" sz="2000" b="1" dirty="0">
                 <a:latin typeface="Consolas" panose="020B0609020204030204" pitchFamily="49" charset="0"/>
                 <a:cs typeface="Consolas" panose="020B0609020204030204" pitchFamily="49" charset="0"/>
               </a:rPr>
               <a:t>return countries.</a:t>
             </a:r>
             <a:r>
-              <a:rPr lang="en-GB" sz="1400" b="1" dirty="0">
+              <a:rPr lang="en-GB" sz="2000" b="1" dirty="0">
                 <a:solidFill>
                   <a:schemeClr val="bg1"/>
                 </a:solidFill>
@@ -18876,7 +19124,7 @@
               <a:t>OrderByDescending</a:t>
             </a:r>
             <a:r>
-              <a:rPr lang="en-GB" sz="1400" b="1" dirty="0">
+              <a:rPr lang="en-GB" sz="2000" b="1" dirty="0">
                 <a:latin typeface="Consolas" panose="020B0609020204030204" pitchFamily="49" charset="0"/>
                 <a:cs typeface="Consolas" panose="020B0609020204030204" pitchFamily="49" charset="0"/>
               </a:rPr>
@@ -18885,7 +19133,7 @@
           </a:p>
           <a:p>
             <a:r>
-              <a:rPr lang="en-GB" sz="1400" b="1" dirty="0">
+              <a:rPr lang="en-GB" sz="2000" b="1" dirty="0">
                 <a:latin typeface="Consolas" panose="020B0609020204030204" pitchFamily="49" charset="0"/>
                 <a:cs typeface="Consolas" panose="020B0609020204030204" pitchFamily="49" charset="0"/>
               </a:rPr>
@@ -18894,7 +19142,7 @@
           </a:p>
           <a:p>
             <a:r>
-              <a:rPr lang="en-GB" sz="1400" b="1" dirty="0">
+              <a:rPr lang="en-GB" sz="2000" b="1" dirty="0">
                 <a:latin typeface="Consolas" panose="020B0609020204030204" pitchFamily="49" charset="0"/>
                 <a:cs typeface="Consolas" panose="020B0609020204030204" pitchFamily="49" charset="0"/>
               </a:rPr>
@@ -18903,7 +19151,7 @@
           </a:p>
           <a:p>
             <a:r>
-              <a:rPr lang="en-GB" sz="1400" b="1" dirty="0">
+              <a:rPr lang="en-GB" sz="2000" b="1" dirty="0">
                 <a:latin typeface="Consolas" panose="020B0609020204030204" pitchFamily="49" charset="0"/>
                 <a:cs typeface="Consolas" panose="020B0609020204030204" pitchFamily="49" charset="0"/>
               </a:rPr>
@@ -18912,7 +19160,7 @@
           </a:p>
           <a:p>
             <a:r>
-              <a:rPr lang="en-GB" sz="1400" b="1" dirty="0">
+              <a:rPr lang="en-GB" sz="2000" b="1" dirty="0">
                 <a:latin typeface="Consolas" panose="020B0609020204030204" pitchFamily="49" charset="0"/>
                 <a:cs typeface="Consolas" panose="020B0609020204030204" pitchFamily="49" charset="0"/>
               </a:rPr>
@@ -18939,13 +19187,6 @@
       <p:transition spd="slow" advClick="0" advTm="5000"/>
     </mc:Fallback>
   </mc:AlternateContent>
-  <p:timing>
-    <p:tnLst>
-      <p:par>
-        <p:cTn id="1" dur="indefinite" restart="never" nodeType="tmRoot"/>
-      </p:par>
-    </p:tnLst>
-  </p:timing>
 </p:sld>
 </file>
 
@@ -19672,13 +19913,6 @@
       <p:transition spd="slow" advClick="0" advTm="5000"/>
     </mc:Fallback>
   </mc:AlternateContent>
-  <p:timing>
-    <p:tnLst>
-      <p:par>
-        <p:cTn id="1" dur="indefinite" restart="never" nodeType="tmRoot"/>
-      </p:par>
-    </p:tnLst>
-  </p:timing>
 </p:sld>
 </file>
 
@@ -20450,13 +20684,6 @@
       <p:transition spd="slow" advClick="0" advTm="5000"/>
     </mc:Fallback>
   </mc:AlternateContent>
-  <p:timing>
-    <p:tnLst>
-      <p:par>
-        <p:cTn id="1" dur="indefinite" restart="never" nodeType="tmRoot"/>
-      </p:par>
-    </p:tnLst>
-  </p:timing>
 </p:sld>
 </file>
 
@@ -20882,18 +21109,13 @@
               <a:t> </a:t>
             </a:r>
             <a:r>
-              <a:rPr lang="bg-BG" sz="2600" b="1" dirty="0" smtClean="0">
+              <a:rPr lang="bg-BG" sz="2600" b="1" dirty="0">
                 <a:solidFill>
                   <a:schemeClr val="bg2"/>
                 </a:solidFill>
               </a:rPr>
               <a:t>заявки:</a:t>
             </a:r>
-            <a:endParaRPr lang="bg-BG" sz="2600" b="1" dirty="0">
-              <a:solidFill>
-                <a:schemeClr val="bg2"/>
-              </a:solidFill>
-            </a:endParaRPr>
           </a:p>
           <a:p>
             <a:pPr marL="1579533" lvl="2" indent="-360363" fontAlgn="base">
@@ -20934,16 +21156,26 @@
               </a:rPr>
               <a:t>OrderBy()</a:t>
             </a:r>
-            <a:endParaRPr lang="en-GB" sz="2400" b="1" dirty="0">
-              <a:solidFill>
-                <a:schemeClr val="accent1">
-                  <a:lumMod val="60000"/>
-                  <a:lumOff val="40000"/>
-                </a:schemeClr>
-              </a:solidFill>
-              <a:latin typeface="Consolas" panose="020B0609020204030204" pitchFamily="49" charset="0"/>
-              <a:cs typeface="Consolas" panose="020B0609020204030204" pitchFamily="49" charset="0"/>
-            </a:endParaRPr>
+          </a:p>
+          <a:p>
+            <a:pPr marL="1579533" lvl="2" indent="-360363" fontAlgn="base">
+              <a:buClr>
+                <a:schemeClr val="bg2"/>
+              </a:buClr>
+            </a:pPr>
+            <a:r>
+              <a:rPr lang="en-GB" sz="2400" b="1" dirty="0">
+                <a:solidFill>
+                  <a:schemeClr val="accent1">
+                    <a:lumMod val="60000"/>
+                    <a:lumOff val="40000"/>
+                  </a:schemeClr>
+                </a:solidFill>
+                <a:latin typeface="Consolas" panose="020B0609020204030204" pitchFamily="49" charset="0"/>
+                <a:cs typeface="Consolas" panose="020B0609020204030204" pitchFamily="49" charset="0"/>
+              </a:rPr>
+              <a:t>OrderByDescending()</a:t>
+            </a:r>
           </a:p>
         </p:txBody>
       </p:sp>
@@ -21236,6 +21468,55 @@
                       </p:childTnLst>
                     </p:cTn>
                   </p:par>
+                  <p:par>
+                    <p:cTn id="19" fill="hold">
+                      <p:stCondLst>
+                        <p:cond delay="indefinite"/>
+                      </p:stCondLst>
+                      <p:childTnLst>
+                        <p:par>
+                          <p:cTn id="20" fill="hold">
+                            <p:stCondLst>
+                              <p:cond delay="0"/>
+                            </p:stCondLst>
+                            <p:childTnLst>
+                              <p:par>
+                                <p:cTn id="21" presetID="1" presetClass="entr" presetSubtype="0" fill="hold" nodeType="clickEffect">
+                                  <p:stCondLst>
+                                    <p:cond delay="0"/>
+                                  </p:stCondLst>
+                                  <p:childTnLst>
+                                    <p:set>
+                                      <p:cBhvr>
+                                        <p:cTn id="22" dur="1" fill="hold">
+                                          <p:stCondLst>
+                                            <p:cond delay="0"/>
+                                          </p:stCondLst>
+                                        </p:cTn>
+                                        <p:tgtEl>
+                                          <p:spTgt spid="14">
+                                            <p:txEl>
+                                              <p:pRg st="5" end="5"/>
+                                            </p:txEl>
+                                          </p:spTgt>
+                                        </p:tgtEl>
+                                        <p:attrNameLst>
+                                          <p:attrName>style.visibility</p:attrName>
+                                        </p:attrNameLst>
+                                      </p:cBhvr>
+                                      <p:to>
+                                        <p:strVal val="visible"/>
+                                      </p:to>
+                                    </p:set>
+                                  </p:childTnLst>
+                                </p:cTn>
+                              </p:par>
+                            </p:childTnLst>
+                          </p:cTn>
+                        </p:par>
+                      </p:childTnLst>
+                    </p:cTn>
+                  </p:par>
                 </p:childTnLst>
               </p:cTn>
               <p:prevCondLst>
@@ -21375,7 +21656,7 @@
                 <a:hlinkClick r:id="rId3">
                   <a:extLst>
                     <a:ext uri="{A12FA001-AC4F-418D-AE19-62706E023703}">
-                      <ahyp:hlinkClr xmlns:ahyp="http://schemas.microsoft.com/office/drawing/2018/hyperlinkcolor" xmlns="" val="tx"/>
+                      <ahyp:hlinkClr xmlns:ahyp="http://schemas.microsoft.com/office/drawing/2018/hyperlinkcolor" val="tx"/>
                     </a:ext>
                   </a:extLst>
                 </a:hlinkClick>
@@ -21448,13 +21729,6 @@
       <p:transition spd="slow" advClick="0" advTm="5000"/>
     </mc:Fallback>
   </mc:AlternateContent>
-  <p:timing>
-    <p:tnLst>
-      <p:par>
-        <p:cTn id="1" dur="indefinite" restart="never" nodeType="tmRoot"/>
-      </p:par>
-    </p:tnLst>
-  </p:timing>
 </p:sld>
 </file>
 
@@ -22461,13 +22735,6 @@
       <p:transition spd="slow" advClick="0" advTm="5000"/>
     </mc:Fallback>
   </mc:AlternateContent>
-  <p:timing>
-    <p:tnLst>
-      <p:par>
-        <p:cTn id="1" dur="indefinite" restart="never" nodeType="tmRoot"/>
-      </p:par>
-    </p:tnLst>
-  </p:timing>
 </p:sld>
 </file>
 
@@ -22610,13 +22877,6 @@
       <p:transition spd="slow" advClick="0" advTm="5000"/>
     </mc:Fallback>
   </mc:AlternateContent>
-  <p:timing>
-    <p:tnLst>
-      <p:par>
-        <p:cTn id="1" dur="indefinite" restart="never" nodeType="tmRoot"/>
-      </p:par>
-    </p:tnLst>
-  </p:timing>
 </p:sld>
 </file>
 
@@ -24247,13 +24507,6 @@
       <p:transition spd="slow" advClick="0" advTm="5000"/>
     </mc:Fallback>
   </mc:AlternateContent>
-  <p:timing>
-    <p:tnLst>
-      <p:par>
-        <p:cTn id="1" dur="indefinite" restart="never" nodeType="tmRoot"/>
-      </p:par>
-    </p:tnLst>
-  </p:timing>
 </p:sld>
 </file>
 

--- a/Courses/Software-Sciences/Module-4-Information-Systems-New/08-Navigation-between-Tables/08-Navigation-between-Tables.pptx
+++ b/Courses/Software-Sciences/Module-4-Information-Systems-New/08-Navigation-between-Tables/08-Navigation-between-Tables.pptx
@@ -10182,8 +10182,8 @@
         </p:nvSpPr>
         <p:spPr bwMode="auto">
           <a:xfrm>
-            <a:off x="188669" y="1138245"/>
-            <a:ext cx="11125200" cy="4865535"/>
+            <a:off x="286863" y="1717770"/>
+            <a:ext cx="11125200" cy="4465426"/>
           </a:xfrm>
           <a:prstGeom prst="rect">
             <a:avLst/>
@@ -10225,13 +10225,13 @@
               <a:buNone/>
             </a:pPr>
             <a:r>
-              <a:rPr lang="en-US" sz="1400" b="1" dirty="0">
+              <a:rPr lang="en-US" sz="1600" b="1" dirty="0">
                 <a:latin typeface="Consolas" panose="020B0609020204030204" pitchFamily="49" charset="0"/>
               </a:rPr>
               <a:t>private void </a:t>
             </a:r>
             <a:r>
-              <a:rPr lang="en-US" sz="1400" b="1" dirty="0">
+              <a:rPr lang="en-US" sz="1600" b="1" dirty="0">
                 <a:solidFill>
                   <a:schemeClr val="bg1"/>
                 </a:solidFill>
@@ -10240,7 +10240,7 @@
               <a:t>dataGridViewCountries_SelectionChanged</a:t>
             </a:r>
             <a:r>
-              <a:rPr lang="en-US" sz="1400" b="1" dirty="0">
+              <a:rPr lang="en-US" sz="1600" b="1" dirty="0">
                 <a:latin typeface="Consolas" panose="020B0609020204030204" pitchFamily="49" charset="0"/>
               </a:rPr>
               <a:t>(object sender, EventArgs e)</a:t>
@@ -10262,7 +10262,7 @@
               <a:buNone/>
             </a:pPr>
             <a:r>
-              <a:rPr lang="en-US" sz="1400" b="1" dirty="0">
+              <a:rPr lang="en-US" sz="1600" b="1" dirty="0">
                 <a:latin typeface="Consolas" panose="020B0609020204030204" pitchFamily="49" charset="0"/>
               </a:rPr>
               <a:t>{</a:t>
@@ -10284,20 +10284,20 @@
               <a:buNone/>
             </a:pPr>
             <a:r>
-              <a:rPr lang="en-US" sz="1400" b="1" dirty="0">
+              <a:rPr lang="en-US" sz="1600" b="1" dirty="0">
                 <a:latin typeface="Consolas" panose="020B0609020204030204" pitchFamily="49" charset="0"/>
               </a:rPr>
               <a:t>    var selectedCountry = </a:t>
             </a:r>
             <a:r>
-              <a:rPr lang="en-US" sz="1400" b="1" noProof="1">
+              <a:rPr lang="en-US" sz="1600" b="1" noProof="1">
                 <a:latin typeface="Consolas" pitchFamily="49" charset="0"/>
                 <a:cs typeface="Consolas" pitchFamily="49" charset="0"/>
               </a:rPr>
               <a:t>(Country)this.</a:t>
             </a:r>
             <a:r>
-              <a:rPr lang="en-US" sz="1400" b="1" noProof="1">
+              <a:rPr lang="en-US" sz="1600" b="1" noProof="1">
                 <a:solidFill>
                   <a:schemeClr val="bg1"/>
                 </a:solidFill>
@@ -10307,14 +10307,14 @@
               <a:t>countryBindingSource</a:t>
             </a:r>
             <a:r>
-              <a:rPr lang="en-US" sz="1400" b="1" noProof="1">
+              <a:rPr lang="en-US" sz="1600" b="1" noProof="1">
                 <a:latin typeface="Consolas" pitchFamily="49" charset="0"/>
                 <a:cs typeface="Consolas" pitchFamily="49" charset="0"/>
               </a:rPr>
               <a:t>.</a:t>
             </a:r>
             <a:r>
-              <a:rPr lang="en-US" sz="1400" b="1" noProof="1">
+              <a:rPr lang="en-US" sz="1600" b="1" noProof="1">
                 <a:solidFill>
                   <a:schemeClr val="bg1"/>
                 </a:solidFill>
@@ -10324,7 +10324,7 @@
               <a:t>Current</a:t>
             </a:r>
             <a:r>
-              <a:rPr lang="en-US" sz="1400" b="1" noProof="1">
+              <a:rPr lang="en-US" sz="1600" b="1" noProof="1">
                 <a:latin typeface="Consolas" pitchFamily="49" charset="0"/>
                 <a:cs typeface="Consolas" pitchFamily="49" charset="0"/>
               </a:rPr>
@@ -10345,48 +10345,24 @@
               <a:buSzPct val="100000"/>
             </a:pPr>
             <a:r>
-              <a:rPr lang="en-US" sz="1400" b="1" dirty="0">
+              <a:rPr lang="en-US" sz="1600" b="1" dirty="0">
                 <a:latin typeface="Consolas" panose="020B0609020204030204" pitchFamily="49" charset="0"/>
               </a:rPr>
               <a:t>    if (selectedCountry == null)</a:t>
             </a:r>
             <a:r>
-              <a:rPr lang="bg-BG" sz="1400" b="1" dirty="0">
+              <a:rPr lang="bg-BG" sz="1600" b="1" dirty="0">
                 <a:latin typeface="Consolas" panose="020B0609020204030204" pitchFamily="49" charset="0"/>
               </a:rPr>
               <a:t> </a:t>
             </a:r>
             <a:r>
-              <a:rPr lang="en-US" sz="1400" b="1" dirty="0">
+              <a:rPr lang="en-US" sz="1600" b="1" dirty="0">
                 <a:latin typeface="Consolas" panose="020B0609020204030204" pitchFamily="49" charset="0"/>
               </a:rPr>
               <a:t>return;</a:t>
             </a:r>
-            <a:r>
-              <a:rPr lang="bg-BG" sz="1400" b="1" dirty="0">
-                <a:latin typeface="Consolas" panose="020B0609020204030204" pitchFamily="49" charset="0"/>
-              </a:rPr>
-              <a:t> </a:t>
-            </a:r>
-            <a:r>
-              <a:rPr lang="en-US" sz="1400" b="1" dirty="0">
-                <a:solidFill>
-                  <a:schemeClr val="accent2"/>
-                </a:solidFill>
-                <a:latin typeface="Consolas" panose="020B0609020204030204" pitchFamily="49" charset="0"/>
-              </a:rPr>
-              <a:t>// </a:t>
-            </a:r>
-            <a:r>
-              <a:rPr lang="bg-BG" sz="1400" b="1" dirty="0">
-                <a:solidFill>
-                  <a:schemeClr val="accent2"/>
-                </a:solidFill>
-                <a:latin typeface="Consolas" panose="020B0609020204030204" pitchFamily="49" charset="0"/>
-              </a:rPr>
-              <a:t>Няма избрана държава</a:t>
-            </a:r>
-            <a:endParaRPr lang="en-US" sz="1400" b="1" dirty="0">
+            <a:endParaRPr lang="en-US" sz="1600" b="1" dirty="0">
               <a:solidFill>
                 <a:schemeClr val="accent2"/>
               </a:solidFill>
@@ -10407,14 +10383,14 @@
               <a:buSzPct val="100000"/>
             </a:pPr>
             <a:r>
-              <a:rPr lang="en-US" sz="1400" b="1" noProof="1">
+              <a:rPr lang="en-US" sz="1600" b="1" noProof="1">
                 <a:latin typeface="Consolas" pitchFamily="49" charset="0"/>
                 <a:cs typeface="Consolas" pitchFamily="49" charset="0"/>
               </a:rPr>
               <a:t>    var countryId = selectedCountry.</a:t>
             </a:r>
             <a:r>
-              <a:rPr lang="en-US" sz="1400" b="1" noProof="1">
+              <a:rPr lang="en-US" sz="1600" b="1" noProof="1">
                 <a:solidFill>
                   <a:schemeClr val="bg1"/>
                 </a:solidFill>
@@ -10424,13 +10400,13 @@
               <a:t>CountryId</a:t>
             </a:r>
             <a:r>
-              <a:rPr lang="en-US" sz="1400" b="1" noProof="1">
+              <a:rPr lang="en-US" sz="1600" b="1" noProof="1">
                 <a:latin typeface="Consolas" pitchFamily="49" charset="0"/>
                 <a:cs typeface="Consolas" pitchFamily="49" charset="0"/>
               </a:rPr>
               <a:t>;</a:t>
             </a:r>
-            <a:endParaRPr lang="en-US" sz="1400" b="1" dirty="0">
+            <a:endParaRPr lang="en-US" sz="1600" b="1" dirty="0">
               <a:latin typeface="Consolas" panose="020B0609020204030204" pitchFamily="49" charset="0"/>
             </a:endParaRPr>
           </a:p>
@@ -10450,7 +10426,7 @@
               <a:buNone/>
             </a:pPr>
             <a:r>
-              <a:rPr lang="en-US" sz="1400" b="1" dirty="0">
+              <a:rPr lang="en-US" sz="1600" b="1" dirty="0">
                 <a:latin typeface="Consolas" panose="020B0609020204030204" pitchFamily="49" charset="0"/>
               </a:rPr>
               <a:t>    using (var dbContext = new CountriesDbContext())</a:t>
@@ -10472,7 +10448,7 @@
               <a:buNone/>
             </a:pPr>
             <a:r>
-              <a:rPr lang="en-US" sz="1400" b="1" dirty="0">
+              <a:rPr lang="en-US" sz="1600" b="1" dirty="0">
                 <a:latin typeface="Consolas" panose="020B0609020204030204" pitchFamily="49" charset="0"/>
               </a:rPr>
               <a:t>    {</a:t>
@@ -10494,28 +10470,144 @@
               <a:buNone/>
             </a:pPr>
             <a:r>
-              <a:rPr lang="en-US" sz="1400" b="1" dirty="0">
+              <a:rPr lang="bg-BG" sz="1600" b="1" dirty="0">
                 <a:latin typeface="Consolas" panose="020B0609020204030204" pitchFamily="49" charset="0"/>
               </a:rPr>
               <a:t>        </a:t>
             </a:r>
             <a:r>
-              <a:rPr lang="en-US" sz="1400" b="1" dirty="0">
-                <a:solidFill>
-                  <a:schemeClr val="accent2"/>
-                </a:solidFill>
-                <a:latin typeface="Consolas" panose="020B0609020204030204" pitchFamily="49" charset="0"/>
-              </a:rPr>
-              <a:t>// </a:t>
-            </a:r>
-            <a:r>
-              <a:rPr lang="bg-BG" sz="1400" b="1" dirty="0">
-                <a:solidFill>
-                  <a:schemeClr val="accent2"/>
-                </a:solidFill>
-                <a:latin typeface="Consolas" panose="020B0609020204030204" pitchFamily="49" charset="0"/>
-              </a:rPr>
-              <a:t>Извличане на градовете, които принадлежат на избраната държава</a:t>
+              <a:rPr lang="en-US" sz="1600" b="1" dirty="0">
+                <a:latin typeface="Consolas" panose="020B0609020204030204" pitchFamily="49" charset="0"/>
+              </a:rPr>
+              <a:t>var towns = dbContext.Towns.</a:t>
+            </a:r>
+            <a:r>
+              <a:rPr lang="en-US" sz="1600" b="1" dirty="0">
+                <a:solidFill>
+                  <a:schemeClr val="bg1"/>
+                </a:solidFill>
+                <a:latin typeface="Consolas" panose="020B0609020204030204" pitchFamily="49" charset="0"/>
+              </a:rPr>
+              <a:t>Where</a:t>
+            </a:r>
+            <a:r>
+              <a:rPr lang="en-US" sz="1600" b="1" dirty="0">
+                <a:latin typeface="Consolas" panose="020B0609020204030204" pitchFamily="49" charset="0"/>
+              </a:rPr>
+              <a:t>(t =&gt; t.</a:t>
+            </a:r>
+            <a:r>
+              <a:rPr lang="en-US" sz="1600" b="1" dirty="0">
+                <a:solidFill>
+                  <a:schemeClr val="bg1"/>
+                </a:solidFill>
+                <a:latin typeface="Consolas" panose="020B0609020204030204" pitchFamily="49" charset="0"/>
+              </a:rPr>
+              <a:t>CountryId</a:t>
+            </a:r>
+            <a:r>
+              <a:rPr lang="en-US" sz="1600" b="1" dirty="0">
+                <a:latin typeface="Consolas" panose="020B0609020204030204" pitchFamily="49" charset="0"/>
+              </a:rPr>
+              <a:t> == </a:t>
+            </a:r>
+            <a:r>
+              <a:rPr lang="en-US" sz="1600" b="1" dirty="0">
+                <a:solidFill>
+                  <a:schemeClr val="bg1"/>
+                </a:solidFill>
+                <a:latin typeface="Consolas" panose="020B0609020204030204" pitchFamily="49" charset="0"/>
+              </a:rPr>
+              <a:t>countryId</a:t>
+            </a:r>
+            <a:r>
+              <a:rPr lang="en-US" sz="1600" b="1" dirty="0">
+                <a:latin typeface="Consolas" panose="020B0609020204030204" pitchFamily="49" charset="0"/>
+              </a:rPr>
+              <a:t>).ToList();</a:t>
+            </a:r>
+            <a:endParaRPr lang="bg-BG" sz="1600" b="1" dirty="0">
+              <a:solidFill>
+                <a:schemeClr val="accent2"/>
+              </a:solidFill>
+              <a:latin typeface="Consolas" panose="020B0609020204030204" pitchFamily="49" charset="0"/>
+            </a:endParaRPr>
+          </a:p>
+          <a:p>
+            <a:pPr>
+              <a:spcBef>
+                <a:spcPts val="600"/>
+              </a:spcBef>
+              <a:spcAft>
+                <a:spcPts val="600"/>
+              </a:spcAft>
+              <a:buClr>
+                <a:srgbClr val="F2B254"/>
+              </a:buClr>
+              <a:buSzPct val="100000"/>
+            </a:pPr>
+            <a:r>
+              <a:rPr lang="en-US" sz="1600" b="1" dirty="0">
+                <a:latin typeface="Consolas" panose="020B0609020204030204" pitchFamily="49" charset="0"/>
+              </a:rPr>
+              <a:t>        </a:t>
+            </a:r>
+            <a:r>
+              <a:rPr lang="en-US" sz="1600" b="1" noProof="1">
+                <a:latin typeface="Consolas" pitchFamily="49" charset="0"/>
+                <a:cs typeface="Consolas" pitchFamily="49" charset="0"/>
+              </a:rPr>
+              <a:t>if (towns.Count &gt; 0) this.</a:t>
+            </a:r>
+            <a:r>
+              <a:rPr lang="en-US" sz="1600" b="1" noProof="1">
+                <a:solidFill>
+                  <a:schemeClr val="bg1"/>
+                </a:solidFill>
+                <a:latin typeface="Consolas" pitchFamily="49" charset="0"/>
+                <a:cs typeface="Consolas" pitchFamily="49" charset="0"/>
+              </a:rPr>
+              <a:t>townBindingSource</a:t>
+            </a:r>
+            <a:r>
+              <a:rPr lang="en-US" sz="1600" b="1" noProof="1">
+                <a:latin typeface="Consolas" pitchFamily="49" charset="0"/>
+                <a:cs typeface="Consolas" pitchFamily="49" charset="0"/>
+              </a:rPr>
+              <a:t>.</a:t>
+            </a:r>
+            <a:r>
+              <a:rPr lang="en-US" sz="1600" b="1" noProof="1">
+                <a:solidFill>
+                  <a:schemeClr val="bg1"/>
+                </a:solidFill>
+                <a:latin typeface="Consolas" pitchFamily="49" charset="0"/>
+                <a:cs typeface="Consolas" pitchFamily="49" charset="0"/>
+              </a:rPr>
+              <a:t>DataSource</a:t>
+            </a:r>
+            <a:r>
+              <a:rPr lang="en-US" sz="1600" b="1" noProof="1">
+                <a:latin typeface="Consolas" pitchFamily="49" charset="0"/>
+                <a:cs typeface="Consolas" pitchFamily="49" charset="0"/>
+              </a:rPr>
+              <a:t> = </a:t>
+            </a:r>
+            <a:r>
+              <a:rPr lang="en-US" sz="1600" b="1" noProof="1">
+                <a:solidFill>
+                  <a:schemeClr val="bg1"/>
+                </a:solidFill>
+                <a:latin typeface="Consolas" pitchFamily="49" charset="0"/>
+                <a:cs typeface="Consolas" pitchFamily="49" charset="0"/>
+              </a:rPr>
+              <a:t>towns</a:t>
+            </a:r>
+            <a:r>
+              <a:rPr lang="en-US" sz="1600" b="1" dirty="0">
+                <a:latin typeface="Consolas" panose="020B0609020204030204" pitchFamily="49" charset="0"/>
+              </a:rPr>
+              <a:t>;</a:t>
             </a:r>
           </a:p>
           <a:p>
@@ -10534,55 +10626,10 @@
               <a:buNone/>
             </a:pPr>
             <a:r>
-              <a:rPr lang="en-US" sz="1400" b="1" dirty="0">
-                <a:latin typeface="Consolas" panose="020B0609020204030204" pitchFamily="49" charset="0"/>
-              </a:rPr>
-              <a:t>        var towns = dbContext.Towns.</a:t>
-            </a:r>
-            <a:r>
-              <a:rPr lang="en-US" sz="1400" b="1" dirty="0">
-                <a:solidFill>
-                  <a:schemeClr val="bg1"/>
-                </a:solidFill>
-                <a:latin typeface="Consolas" panose="020B0609020204030204" pitchFamily="49" charset="0"/>
-              </a:rPr>
-              <a:t>Where</a:t>
-            </a:r>
-            <a:r>
-              <a:rPr lang="en-US" sz="1400" b="1" dirty="0">
-                <a:latin typeface="Consolas" panose="020B0609020204030204" pitchFamily="49" charset="0"/>
-              </a:rPr>
-              <a:t>(t =&gt; t.</a:t>
-            </a:r>
-            <a:r>
-              <a:rPr lang="en-US" sz="1400" b="1" dirty="0">
-                <a:solidFill>
-                  <a:schemeClr val="bg1"/>
-                </a:solidFill>
-                <a:latin typeface="Consolas" panose="020B0609020204030204" pitchFamily="49" charset="0"/>
-              </a:rPr>
-              <a:t>CountryId</a:t>
-            </a:r>
-            <a:r>
-              <a:rPr lang="en-US" sz="1400" b="1" dirty="0">
-                <a:latin typeface="Consolas" panose="020B0609020204030204" pitchFamily="49" charset="0"/>
-              </a:rPr>
-              <a:t> == </a:t>
-            </a:r>
-            <a:r>
-              <a:rPr lang="en-US" sz="1400" b="1" dirty="0">
-                <a:solidFill>
-                  <a:schemeClr val="bg1"/>
-                </a:solidFill>
-                <a:latin typeface="Consolas" panose="020B0609020204030204" pitchFamily="49" charset="0"/>
-              </a:rPr>
-              <a:t>countryId</a:t>
-            </a:r>
-            <a:r>
-              <a:rPr lang="en-US" sz="1400" b="1" dirty="0">
-                <a:latin typeface="Consolas" panose="020B0609020204030204" pitchFamily="49" charset="0"/>
-              </a:rPr>
-              <a:t>).ToList();</a:t>
+              <a:rPr lang="en-US" sz="1600" b="1" dirty="0">
+                <a:latin typeface="Consolas" panose="020B0609020204030204" pitchFamily="49" charset="0"/>
+              </a:rPr>
+              <a:t>    }</a:t>
             </a:r>
           </a:p>
           <a:p>
@@ -10601,164 +10648,7 @@
               <a:buNone/>
             </a:pPr>
             <a:r>
-              <a:rPr lang="en-US" sz="1400" b="1" dirty="0">
-                <a:latin typeface="Consolas" panose="020B0609020204030204" pitchFamily="49" charset="0"/>
-              </a:rPr>
-              <a:t>        </a:t>
-            </a:r>
-            <a:r>
-              <a:rPr lang="en-US" sz="1400" b="1" dirty="0">
-                <a:solidFill>
-                  <a:schemeClr val="accent2"/>
-                </a:solidFill>
-                <a:latin typeface="Consolas" panose="020B0609020204030204" pitchFamily="49" charset="0"/>
-              </a:rPr>
-              <a:t>// </a:t>
-            </a:r>
-            <a:r>
-              <a:rPr lang="bg-BG" sz="1400" b="1" dirty="0">
-                <a:solidFill>
-                  <a:schemeClr val="accent2"/>
-                </a:solidFill>
-                <a:latin typeface="Consolas" panose="020B0609020204030204" pitchFamily="49" charset="0"/>
-              </a:rPr>
-              <a:t>Обновяване на </a:t>
-            </a:r>
-            <a:r>
-              <a:rPr lang="en-US" sz="1400" b="1" dirty="0">
-                <a:solidFill>
-                  <a:schemeClr val="accent2"/>
-                </a:solidFill>
-                <a:latin typeface="Consolas" panose="020B0609020204030204" pitchFamily="49" charset="0"/>
-              </a:rPr>
-              <a:t>DataGridView </a:t>
-            </a:r>
-            <a:r>
-              <a:rPr lang="bg-BG" sz="1400" b="1" dirty="0">
-                <a:solidFill>
-                  <a:schemeClr val="accent2"/>
-                </a:solidFill>
-                <a:latin typeface="Consolas" panose="020B0609020204030204" pitchFamily="49" charset="0"/>
-              </a:rPr>
-              <a:t>за градовете</a:t>
-            </a:r>
-          </a:p>
-          <a:p>
-            <a:pPr>
-              <a:spcBef>
-                <a:spcPts val="600"/>
-              </a:spcBef>
-              <a:spcAft>
-                <a:spcPts val="600"/>
-              </a:spcAft>
-              <a:buClr>
-                <a:srgbClr val="F2B254"/>
-              </a:buClr>
-              <a:buSzPct val="100000"/>
-            </a:pPr>
-            <a:r>
-              <a:rPr lang="en-US" sz="1400" b="1" dirty="0">
-                <a:latin typeface="Consolas" panose="020B0609020204030204" pitchFamily="49" charset="0"/>
-              </a:rPr>
-              <a:t>        </a:t>
-            </a:r>
-            <a:r>
-              <a:rPr lang="en-US" sz="1400" b="1" noProof="1">
-                <a:latin typeface="Consolas" pitchFamily="49" charset="0"/>
-                <a:cs typeface="Consolas" pitchFamily="49" charset="0"/>
-              </a:rPr>
-              <a:t>if (towns.Count &gt; 0) this.</a:t>
-            </a:r>
-            <a:r>
-              <a:rPr lang="en-US" sz="1400" b="1" noProof="1">
-                <a:solidFill>
-                  <a:schemeClr val="bg1"/>
-                </a:solidFill>
-                <a:latin typeface="Consolas" pitchFamily="49" charset="0"/>
-                <a:cs typeface="Consolas" pitchFamily="49" charset="0"/>
-              </a:rPr>
-              <a:t>townBindingSource</a:t>
-            </a:r>
-            <a:r>
-              <a:rPr lang="en-US" sz="1400" b="1" noProof="1">
-                <a:latin typeface="Consolas" pitchFamily="49" charset="0"/>
-                <a:cs typeface="Consolas" pitchFamily="49" charset="0"/>
-              </a:rPr>
-              <a:t>.</a:t>
-            </a:r>
-            <a:r>
-              <a:rPr lang="en-US" sz="1400" b="1" noProof="1">
-                <a:solidFill>
-                  <a:schemeClr val="bg1"/>
-                </a:solidFill>
-                <a:latin typeface="Consolas" pitchFamily="49" charset="0"/>
-                <a:cs typeface="Consolas" pitchFamily="49" charset="0"/>
-              </a:rPr>
-              <a:t>DataSource</a:t>
-            </a:r>
-            <a:r>
-              <a:rPr lang="en-US" sz="1400" b="1" noProof="1">
-                <a:latin typeface="Consolas" pitchFamily="49" charset="0"/>
-                <a:cs typeface="Consolas" pitchFamily="49" charset="0"/>
-              </a:rPr>
-              <a:t> = </a:t>
-            </a:r>
-            <a:r>
-              <a:rPr lang="en-US" sz="1400" b="1" noProof="1">
-                <a:solidFill>
-                  <a:schemeClr val="bg1"/>
-                </a:solidFill>
-                <a:latin typeface="Consolas" pitchFamily="49" charset="0"/>
-                <a:cs typeface="Consolas" pitchFamily="49" charset="0"/>
-              </a:rPr>
-              <a:t>towns</a:t>
-            </a:r>
-            <a:r>
-              <a:rPr lang="en-US" sz="1400" b="1" dirty="0">
-                <a:latin typeface="Consolas" panose="020B0609020204030204" pitchFamily="49" charset="0"/>
-              </a:rPr>
-              <a:t>;</a:t>
-            </a:r>
-          </a:p>
-          <a:p>
-            <a:pPr>
-              <a:spcBef>
-                <a:spcPts val="600"/>
-              </a:spcBef>
-              <a:spcAft>
-                <a:spcPts val="600"/>
-              </a:spcAft>
-              <a:buClr>
-                <a:srgbClr val="F2B254"/>
-              </a:buClr>
-              <a:buSzPct val="100000"/>
-              <a:buFont typeface="Wingdings" panose="05000000000000000000" pitchFamily="2" charset="2"/>
-              <a:buNone/>
-            </a:pPr>
-            <a:r>
-              <a:rPr lang="en-US" sz="1400" b="1" dirty="0">
-                <a:latin typeface="Consolas" panose="020B0609020204030204" pitchFamily="49" charset="0"/>
-              </a:rPr>
-              <a:t>    }</a:t>
-            </a:r>
-          </a:p>
-          <a:p>
-            <a:pPr>
-              <a:spcBef>
-                <a:spcPts val="600"/>
-              </a:spcBef>
-              <a:spcAft>
-                <a:spcPts val="600"/>
-              </a:spcAft>
-              <a:buClr>
-                <a:srgbClr val="F2B254"/>
-              </a:buClr>
-              <a:buSzPct val="100000"/>
-              <a:buFont typeface="Wingdings" panose="05000000000000000000" pitchFamily="2" charset="2"/>
-              <a:buNone/>
-            </a:pPr>
-            <a:r>
-              <a:rPr lang="en-US" sz="1400" b="1" dirty="0">
+              <a:rPr lang="en-US" sz="1600" b="1" dirty="0">
                 <a:latin typeface="Consolas" panose="020B0609020204030204" pitchFamily="49" charset="0"/>
               </a:rPr>
               <a:t>}</a:t>
@@ -10793,8 +10683,8 @@
         </p:blipFill>
         <p:spPr>
           <a:xfrm>
-            <a:off x="7761000" y="1629000"/>
-            <a:ext cx="3864444" cy="2459853"/>
+            <a:off x="8168960" y="2086434"/>
+            <a:ext cx="3788454" cy="2411483"/>
           </a:xfrm>
           <a:prstGeom prst="rect">
             <a:avLst/>
@@ -10811,6 +10701,417 @@
           </a:effectLst>
         </p:spPr>
       </p:pic>
+      <p:sp>
+        <p:nvSpPr>
+          <p:cNvPr id="3" name="Rounded Rectangular Callout 2">
+            <a:extLst>
+              <a:ext uri="{FF2B5EF4-FFF2-40B4-BE49-F238E27FC236}">
+                <a16:creationId xmlns:a16="http://schemas.microsoft.com/office/drawing/2014/main" id="{4B038954-45B2-F653-9C8A-9DDC1C1A3F0D}"/>
+              </a:ext>
+            </a:extLst>
+          </p:cNvPr>
+          <p:cNvSpPr/>
+          <p:nvPr/>
+        </p:nvSpPr>
+        <p:spPr bwMode="auto">
+          <a:xfrm>
+            <a:off x="5146433" y="2214000"/>
+            <a:ext cx="2835000" cy="453541"/>
+          </a:xfrm>
+          <a:prstGeom prst="wedgeRoundRectCallout">
+            <a:avLst>
+              <a:gd name="adj1" fmla="val -58993"/>
+              <a:gd name="adj2" fmla="val 154982"/>
+              <a:gd name="adj3" fmla="val 16667"/>
+            </a:avLst>
+          </a:prstGeom>
+          <a:solidFill>
+            <a:schemeClr val="dk2">
+              <a:alpha val="80000"/>
+            </a:schemeClr>
+          </a:solidFill>
+          <a:ln w="19050">
+            <a:solidFill>
+              <a:schemeClr val="tx1">
+                <a:lumMod val="75000"/>
+                <a:alpha val="80000"/>
+              </a:schemeClr>
+            </a:solidFill>
+          </a:ln>
+          <a:effectLst/>
+        </p:spPr>
+        <p:style>
+          <a:lnRef idx="2">
+            <a:schemeClr val="accent1">
+              <a:shade val="50000"/>
+            </a:schemeClr>
+          </a:lnRef>
+          <a:fillRef idx="1001">
+            <a:schemeClr val="dk2"/>
+          </a:fillRef>
+          <a:effectRef idx="0">
+            <a:schemeClr val="accent1"/>
+          </a:effectRef>
+          <a:fontRef idx="minor">
+            <a:schemeClr val="lt1"/>
+          </a:fontRef>
+        </p:style>
+        <p:txBody>
+          <a:bodyPr rot="0" spcFirstLastPara="0" vertOverflow="overflow" horzOverflow="overflow" vert="horz" wrap="square" lIns="91440" tIns="45720" rIns="91440" bIns="45720" numCol="1" spcCol="0" rtlCol="0" fromWordArt="0" anchor="ctr" anchorCtr="0" forceAA="0" compatLnSpc="1">
+            <a:prstTxWarp prst="textNoShape">
+              <a:avLst/>
+            </a:prstTxWarp>
+            <a:noAutofit/>
+          </a:bodyPr>
+          <a:lstStyle/>
+          <a:p>
+            <a:pPr algn="ctr"/>
+            <a:r>
+              <a:rPr lang="bg-BG" sz="2000" b="1" dirty="0">
+                <a:solidFill>
+                  <a:schemeClr val="bg2"/>
+                </a:solidFill>
+                <a:effectLst>
+                  <a:outerShdw blurRad="38100" dist="38100" dir="2700000" algn="tl">
+                    <a:srgbClr val="000000">
+                      <a:alpha val="43137"/>
+                    </a:srgbClr>
+                  </a:outerShdw>
+                </a:effectLst>
+              </a:rPr>
+              <a:t>Няма избрана </a:t>
+            </a:r>
+            <a:r>
+              <a:rPr lang="bg-BG" sz="2000" b="1" dirty="0">
+                <a:solidFill>
+                  <a:schemeClr val="accent1">
+                    <a:lumMod val="60000"/>
+                    <a:lumOff val="40000"/>
+                  </a:schemeClr>
+                </a:solidFill>
+                <a:effectLst>
+                  <a:outerShdw blurRad="38100" dist="38100" dir="2700000" algn="tl">
+                    <a:srgbClr val="000000">
+                      <a:alpha val="43137"/>
+                    </a:srgbClr>
+                  </a:outerShdw>
+                </a:effectLst>
+              </a:rPr>
+              <a:t>държава</a:t>
+            </a:r>
+            <a:endParaRPr lang="en-BG" sz="2000" b="1" dirty="0">
+              <a:solidFill>
+                <a:schemeClr val="accent1">
+                  <a:lumMod val="60000"/>
+                  <a:lumOff val="40000"/>
+                </a:schemeClr>
+              </a:solidFill>
+              <a:effectLst>
+                <a:outerShdw blurRad="38100" dist="38100" dir="2700000" algn="tl">
+                  <a:srgbClr val="000000">
+                    <a:alpha val="43137"/>
+                  </a:srgbClr>
+                </a:outerShdw>
+              </a:effectLst>
+            </a:endParaRPr>
+          </a:p>
+        </p:txBody>
+      </p:sp>
+      <p:sp>
+        <p:nvSpPr>
+          <p:cNvPr id="5" name="Rounded Rectangular Callout 4">
+            <a:extLst>
+              <a:ext uri="{FF2B5EF4-FFF2-40B4-BE49-F238E27FC236}">
+                <a16:creationId xmlns:a16="http://schemas.microsoft.com/office/drawing/2014/main" id="{261F2B0E-F35C-5926-FD0C-E513D218DDEC}"/>
+              </a:ext>
+            </a:extLst>
+          </p:cNvPr>
+          <p:cNvSpPr/>
+          <p:nvPr/>
+        </p:nvSpPr>
+        <p:spPr bwMode="auto">
+          <a:xfrm>
+            <a:off x="1596000" y="3312281"/>
+            <a:ext cx="3532500" cy="990704"/>
+          </a:xfrm>
+          <a:prstGeom prst="wedgeRoundRectCallout">
+            <a:avLst>
+              <a:gd name="adj1" fmla="val 32167"/>
+              <a:gd name="adj2" fmla="val 77484"/>
+              <a:gd name="adj3" fmla="val 16667"/>
+            </a:avLst>
+          </a:prstGeom>
+          <a:solidFill>
+            <a:schemeClr val="dk2">
+              <a:alpha val="80000"/>
+            </a:schemeClr>
+          </a:solidFill>
+          <a:ln w="19050">
+            <a:solidFill>
+              <a:schemeClr val="tx1">
+                <a:lumMod val="75000"/>
+                <a:alpha val="80000"/>
+              </a:schemeClr>
+            </a:solidFill>
+          </a:ln>
+          <a:effectLst/>
+        </p:spPr>
+        <p:style>
+          <a:lnRef idx="2">
+            <a:schemeClr val="accent1">
+              <a:shade val="50000"/>
+            </a:schemeClr>
+          </a:lnRef>
+          <a:fillRef idx="1001">
+            <a:schemeClr val="dk2"/>
+          </a:fillRef>
+          <a:effectRef idx="0">
+            <a:schemeClr val="accent1"/>
+          </a:effectRef>
+          <a:fontRef idx="minor">
+            <a:schemeClr val="lt1"/>
+          </a:fontRef>
+        </p:style>
+        <p:txBody>
+          <a:bodyPr rot="0" spcFirstLastPara="0" vertOverflow="overflow" horzOverflow="overflow" vert="horz" wrap="square" lIns="91440" tIns="45720" rIns="91440" bIns="45720" numCol="1" spcCol="0" rtlCol="0" fromWordArt="0" anchor="ctr" anchorCtr="0" forceAA="0" compatLnSpc="1">
+            <a:prstTxWarp prst="textNoShape">
+              <a:avLst/>
+            </a:prstTxWarp>
+            <a:noAutofit/>
+          </a:bodyPr>
+          <a:lstStyle/>
+          <a:p>
+            <a:pPr algn="ctr"/>
+            <a:r>
+              <a:rPr lang="bg-BG" sz="2000" b="1" dirty="0">
+                <a:solidFill>
+                  <a:schemeClr val="bg2"/>
+                </a:solidFill>
+                <a:latin typeface="Calibri" panose="020F0502020204030204" pitchFamily="34" charset="0"/>
+                <a:cs typeface="Calibri" panose="020F0502020204030204" pitchFamily="34" charset="0"/>
+              </a:rPr>
+              <a:t>Извличане на </a:t>
+            </a:r>
+            <a:r>
+              <a:rPr lang="bg-BG" sz="2000" b="1" dirty="0">
+                <a:solidFill>
+                  <a:schemeClr val="accent1">
+                    <a:lumMod val="60000"/>
+                    <a:lumOff val="40000"/>
+                  </a:schemeClr>
+                </a:solidFill>
+                <a:latin typeface="Calibri" panose="020F0502020204030204" pitchFamily="34" charset="0"/>
+                <a:cs typeface="Calibri" panose="020F0502020204030204" pitchFamily="34" charset="0"/>
+              </a:rPr>
+              <a:t>градовете</a:t>
+            </a:r>
+            <a:r>
+              <a:rPr lang="bg-BG" sz="2000" b="1" dirty="0">
+                <a:solidFill>
+                  <a:schemeClr val="bg2"/>
+                </a:solidFill>
+                <a:latin typeface="Calibri" panose="020F0502020204030204" pitchFamily="34" charset="0"/>
+                <a:cs typeface="Calibri" panose="020F0502020204030204" pitchFamily="34" charset="0"/>
+              </a:rPr>
+              <a:t>, които принадлежат на </a:t>
+            </a:r>
+            <a:r>
+              <a:rPr lang="bg-BG" sz="2000" b="1" dirty="0">
+                <a:solidFill>
+                  <a:schemeClr val="accent1">
+                    <a:lumMod val="60000"/>
+                    <a:lumOff val="40000"/>
+                  </a:schemeClr>
+                </a:solidFill>
+                <a:latin typeface="Calibri" panose="020F0502020204030204" pitchFamily="34" charset="0"/>
+                <a:cs typeface="Calibri" panose="020F0502020204030204" pitchFamily="34" charset="0"/>
+              </a:rPr>
+              <a:t>избраната</a:t>
+            </a:r>
+            <a:r>
+              <a:rPr lang="bg-BG" sz="2000" b="1" dirty="0">
+                <a:solidFill>
+                  <a:schemeClr val="bg2"/>
+                </a:solidFill>
+                <a:latin typeface="Calibri" panose="020F0502020204030204" pitchFamily="34" charset="0"/>
+                <a:cs typeface="Calibri" panose="020F0502020204030204" pitchFamily="34" charset="0"/>
+              </a:rPr>
+              <a:t> </a:t>
+            </a:r>
+            <a:r>
+              <a:rPr lang="bg-BG" sz="2000" b="1" dirty="0">
+                <a:solidFill>
+                  <a:schemeClr val="accent1">
+                    <a:lumMod val="60000"/>
+                    <a:lumOff val="40000"/>
+                  </a:schemeClr>
+                </a:solidFill>
+                <a:latin typeface="Calibri" panose="020F0502020204030204" pitchFamily="34" charset="0"/>
+                <a:cs typeface="Calibri" panose="020F0502020204030204" pitchFamily="34" charset="0"/>
+              </a:rPr>
+              <a:t>държава</a:t>
+            </a:r>
+            <a:endParaRPr lang="en-BG" sz="2000" b="1" dirty="0">
+              <a:solidFill>
+                <a:schemeClr val="accent1">
+                  <a:lumMod val="60000"/>
+                  <a:lumOff val="40000"/>
+                </a:schemeClr>
+              </a:solidFill>
+              <a:effectLst>
+                <a:outerShdw blurRad="38100" dist="38100" dir="2700000" algn="tl">
+                  <a:srgbClr val="000000">
+                    <a:alpha val="43137"/>
+                  </a:srgbClr>
+                </a:outerShdw>
+              </a:effectLst>
+              <a:latin typeface="Calibri" panose="020F0502020204030204" pitchFamily="34" charset="0"/>
+              <a:cs typeface="Calibri" panose="020F0502020204030204" pitchFamily="34" charset="0"/>
+            </a:endParaRPr>
+          </a:p>
+        </p:txBody>
+      </p:sp>
+      <p:sp>
+        <p:nvSpPr>
+          <p:cNvPr id="7" name="Rounded Rectangular Callout 6">
+            <a:extLst>
+              <a:ext uri="{FF2B5EF4-FFF2-40B4-BE49-F238E27FC236}">
+                <a16:creationId xmlns:a16="http://schemas.microsoft.com/office/drawing/2014/main" id="{3BE97E35-2420-71B0-8CC2-0049176277D2}"/>
+              </a:ext>
+            </a:extLst>
+          </p:cNvPr>
+          <p:cNvSpPr/>
+          <p:nvPr/>
+        </p:nvSpPr>
+        <p:spPr bwMode="auto">
+          <a:xfrm>
+            <a:off x="1793202" y="5541918"/>
+            <a:ext cx="3532501" cy="711156"/>
+          </a:xfrm>
+          <a:prstGeom prst="wedgeRoundRectCallout">
+            <a:avLst>
+              <a:gd name="adj1" fmla="val 28848"/>
+              <a:gd name="adj2" fmla="val -92912"/>
+              <a:gd name="adj3" fmla="val 16667"/>
+            </a:avLst>
+          </a:prstGeom>
+          <a:solidFill>
+            <a:schemeClr val="dk2">
+              <a:alpha val="80000"/>
+            </a:schemeClr>
+          </a:solidFill>
+          <a:ln w="19050">
+            <a:solidFill>
+              <a:schemeClr val="tx1">
+                <a:lumMod val="75000"/>
+                <a:alpha val="80000"/>
+              </a:schemeClr>
+            </a:solidFill>
+          </a:ln>
+          <a:effectLst/>
+        </p:spPr>
+        <p:style>
+          <a:lnRef idx="2">
+            <a:schemeClr val="accent1">
+              <a:shade val="50000"/>
+            </a:schemeClr>
+          </a:lnRef>
+          <a:fillRef idx="1001">
+            <a:schemeClr val="dk2"/>
+          </a:fillRef>
+          <a:effectRef idx="0">
+            <a:schemeClr val="accent1"/>
+          </a:effectRef>
+          <a:fontRef idx="minor">
+            <a:schemeClr val="lt1"/>
+          </a:fontRef>
+        </p:style>
+        <p:txBody>
+          <a:bodyPr rot="0" spcFirstLastPara="0" vertOverflow="overflow" horzOverflow="overflow" vert="horz" wrap="square" lIns="91440" tIns="45720" rIns="91440" bIns="45720" numCol="1" spcCol="0" rtlCol="0" fromWordArt="0" anchor="ctr" anchorCtr="0" forceAA="0" compatLnSpc="1">
+            <a:prstTxWarp prst="textNoShape">
+              <a:avLst/>
+            </a:prstTxWarp>
+            <a:noAutofit/>
+          </a:bodyPr>
+          <a:lstStyle/>
+          <a:p>
+            <a:pPr algn="ctr"/>
+            <a:r>
+              <a:rPr lang="bg-BG" sz="2000" b="1" dirty="0">
+                <a:solidFill>
+                  <a:schemeClr val="bg2"/>
+                </a:solidFill>
+                <a:latin typeface="Calibri" panose="020F0502020204030204" pitchFamily="34" charset="0"/>
+                <a:cs typeface="Calibri" panose="020F0502020204030204" pitchFamily="34" charset="0"/>
+              </a:rPr>
+              <a:t>Обновяване на </a:t>
+            </a:r>
+            <a:r>
+              <a:rPr lang="en-US" sz="2000" b="1" dirty="0">
+                <a:solidFill>
+                  <a:schemeClr val="accent1">
+                    <a:lumMod val="60000"/>
+                    <a:lumOff val="40000"/>
+                  </a:schemeClr>
+                </a:solidFill>
+                <a:latin typeface="Consolas" panose="020B0609020204030204" pitchFamily="49" charset="0"/>
+                <a:cs typeface="Consolas" panose="020B0609020204030204" pitchFamily="49" charset="0"/>
+              </a:rPr>
+              <a:t>DataGridView</a:t>
+            </a:r>
+            <a:r>
+              <a:rPr lang="en-US" sz="2000" b="1" dirty="0">
+                <a:solidFill>
+                  <a:schemeClr val="bg2"/>
+                </a:solidFill>
+                <a:latin typeface="Calibri" panose="020F0502020204030204" pitchFamily="34" charset="0"/>
+                <a:cs typeface="Calibri" panose="020F0502020204030204" pitchFamily="34" charset="0"/>
+              </a:rPr>
+              <a:t> </a:t>
+            </a:r>
+            <a:r>
+              <a:rPr lang="bg-BG" sz="2000" b="1" dirty="0">
+                <a:solidFill>
+                  <a:schemeClr val="bg2"/>
+                </a:solidFill>
+                <a:latin typeface="Calibri" panose="020F0502020204030204" pitchFamily="34" charset="0"/>
+                <a:cs typeface="Calibri" panose="020F0502020204030204" pitchFamily="34" charset="0"/>
+              </a:rPr>
+              <a:t>за </a:t>
+            </a:r>
+            <a:r>
+              <a:rPr lang="bg-BG" sz="2000" b="1" dirty="0">
+                <a:solidFill>
+                  <a:schemeClr val="accent1">
+                    <a:lumMod val="60000"/>
+                    <a:lumOff val="40000"/>
+                  </a:schemeClr>
+                </a:solidFill>
+                <a:latin typeface="Calibri" panose="020F0502020204030204" pitchFamily="34" charset="0"/>
+                <a:cs typeface="Calibri" panose="020F0502020204030204" pitchFamily="34" charset="0"/>
+              </a:rPr>
+              <a:t>градовете</a:t>
+            </a:r>
+            <a:endParaRPr lang="en-BG" sz="2000" b="1" dirty="0">
+              <a:solidFill>
+                <a:schemeClr val="accent1">
+                  <a:lumMod val="60000"/>
+                  <a:lumOff val="40000"/>
+                </a:schemeClr>
+              </a:solidFill>
+              <a:effectLst>
+                <a:outerShdw blurRad="38100" dist="38100" dir="2700000" algn="tl">
+                  <a:srgbClr val="000000">
+                    <a:alpha val="43137"/>
+                  </a:srgbClr>
+                </a:outerShdw>
+              </a:effectLst>
+              <a:latin typeface="Calibri" panose="020F0502020204030204" pitchFamily="34" charset="0"/>
+              <a:cs typeface="Calibri" panose="020F0502020204030204" pitchFamily="34" charset="0"/>
+            </a:endParaRPr>
+          </a:p>
+        </p:txBody>
+      </p:sp>
     </p:spTree>
     <p:extLst>
       <p:ext uri="{BB962C8B-B14F-4D97-AF65-F5344CB8AC3E}">
@@ -10829,6 +11130,176 @@
       <p:transition spd="slow" advClick="0" advTm="5000"/>
     </mc:Fallback>
   </mc:AlternateContent>
+  <p:timing>
+    <p:tnLst>
+      <p:par>
+        <p:cTn id="1" dur="indefinite" restart="never" nodeType="tmRoot">
+          <p:childTnLst>
+            <p:seq concurrent="1" nextAc="seek">
+              <p:cTn id="2" dur="indefinite" nodeType="mainSeq">
+                <p:childTnLst>
+                  <p:par>
+                    <p:cTn id="3" fill="hold">
+                      <p:stCondLst>
+                        <p:cond delay="indefinite"/>
+                      </p:stCondLst>
+                      <p:childTnLst>
+                        <p:par>
+                          <p:cTn id="4" fill="hold">
+                            <p:stCondLst>
+                              <p:cond delay="0"/>
+                            </p:stCondLst>
+                            <p:childTnLst>
+                              <p:par>
+                                <p:cTn id="5" presetID="1" presetClass="entr" presetSubtype="0" fill="hold" grpId="0" nodeType="clickEffect">
+                                  <p:stCondLst>
+                                    <p:cond delay="0"/>
+                                  </p:stCondLst>
+                                  <p:childTnLst>
+                                    <p:set>
+                                      <p:cBhvr>
+                                        <p:cTn id="6" dur="1" fill="hold">
+                                          <p:stCondLst>
+                                            <p:cond delay="0"/>
+                                          </p:stCondLst>
+                                        </p:cTn>
+                                        <p:tgtEl>
+                                          <p:spTgt spid="3"/>
+                                        </p:tgtEl>
+                                        <p:attrNameLst>
+                                          <p:attrName>style.visibility</p:attrName>
+                                        </p:attrNameLst>
+                                      </p:cBhvr>
+                                      <p:to>
+                                        <p:strVal val="visible"/>
+                                      </p:to>
+                                    </p:set>
+                                  </p:childTnLst>
+                                </p:cTn>
+                              </p:par>
+                            </p:childTnLst>
+                          </p:cTn>
+                        </p:par>
+                      </p:childTnLst>
+                    </p:cTn>
+                  </p:par>
+                  <p:par>
+                    <p:cTn id="7" fill="hold">
+                      <p:stCondLst>
+                        <p:cond delay="indefinite"/>
+                      </p:stCondLst>
+                      <p:childTnLst>
+                        <p:par>
+                          <p:cTn id="8" fill="hold">
+                            <p:stCondLst>
+                              <p:cond delay="0"/>
+                            </p:stCondLst>
+                            <p:childTnLst>
+                              <p:par>
+                                <p:cTn id="9" presetID="1" presetClass="entr" presetSubtype="0" fill="hold" grpId="0" nodeType="clickEffect">
+                                  <p:stCondLst>
+                                    <p:cond delay="0"/>
+                                  </p:stCondLst>
+                                  <p:childTnLst>
+                                    <p:set>
+                                      <p:cBhvr>
+                                        <p:cTn id="10" dur="1" fill="hold">
+                                          <p:stCondLst>
+                                            <p:cond delay="0"/>
+                                          </p:stCondLst>
+                                        </p:cTn>
+                                        <p:tgtEl>
+                                          <p:spTgt spid="5"/>
+                                        </p:tgtEl>
+                                        <p:attrNameLst>
+                                          <p:attrName>style.visibility</p:attrName>
+                                        </p:attrNameLst>
+                                      </p:cBhvr>
+                                      <p:to>
+                                        <p:strVal val="visible"/>
+                                      </p:to>
+                                    </p:set>
+                                  </p:childTnLst>
+                                </p:cTn>
+                              </p:par>
+                            </p:childTnLst>
+                          </p:cTn>
+                        </p:par>
+                      </p:childTnLst>
+                    </p:cTn>
+                  </p:par>
+                  <p:par>
+                    <p:cTn id="11" fill="hold">
+                      <p:stCondLst>
+                        <p:cond delay="indefinite"/>
+                      </p:stCondLst>
+                      <p:childTnLst>
+                        <p:par>
+                          <p:cTn id="12" fill="hold">
+                            <p:stCondLst>
+                              <p:cond delay="0"/>
+                            </p:stCondLst>
+                            <p:childTnLst>
+                              <p:par>
+                                <p:cTn id="13" presetID="1" presetClass="entr" presetSubtype="0" fill="hold" grpId="0" nodeType="clickEffect">
+                                  <p:stCondLst>
+                                    <p:cond delay="0"/>
+                                  </p:stCondLst>
+                                  <p:childTnLst>
+                                    <p:set>
+                                      <p:cBhvr>
+                                        <p:cTn id="14" dur="1" fill="hold">
+                                          <p:stCondLst>
+                                            <p:cond delay="0"/>
+                                          </p:stCondLst>
+                                        </p:cTn>
+                                        <p:tgtEl>
+                                          <p:spTgt spid="7"/>
+                                        </p:tgtEl>
+                                        <p:attrNameLst>
+                                          <p:attrName>style.visibility</p:attrName>
+                                        </p:attrNameLst>
+                                      </p:cBhvr>
+                                      <p:to>
+                                        <p:strVal val="visible"/>
+                                      </p:to>
+                                    </p:set>
+                                  </p:childTnLst>
+                                </p:cTn>
+                              </p:par>
+                            </p:childTnLst>
+                          </p:cTn>
+                        </p:par>
+                      </p:childTnLst>
+                    </p:cTn>
+                  </p:par>
+                </p:childTnLst>
+              </p:cTn>
+              <p:prevCondLst>
+                <p:cond evt="onPrev" delay="0">
+                  <p:tgtEl>
+                    <p:sldTgt/>
+                  </p:tgtEl>
+                </p:cond>
+              </p:prevCondLst>
+              <p:nextCondLst>
+                <p:cond evt="onNext" delay="0">
+                  <p:tgtEl>
+                    <p:sldTgt/>
+                  </p:tgtEl>
+                </p:cond>
+              </p:nextCondLst>
+            </p:seq>
+          </p:childTnLst>
+        </p:cTn>
+      </p:par>
+    </p:tnLst>
+    <p:bldLst>
+      <p:bldP spid="3" grpId="0" animBg="1"/>
+      <p:bldP spid="5" grpId="0" animBg="1"/>
+      <p:bldP spid="7" grpId="0" animBg="1"/>
+    </p:bldLst>
+  </p:timing>
 </p:sld>
 </file>
 
@@ -14124,9 +14595,18 @@
           </a:bodyPr>
           <a:lstStyle/>
           <a:p>
-            <a:r>
-              <a:rPr lang="bg-BG" dirty="0"/>
-              <a:t>Какво е </a:t>
+            <a:pPr>
+              <a:buClr>
+                <a:schemeClr val="tx1"/>
+              </a:buClr>
+            </a:pPr>
+            <a:r>
+              <a:rPr lang="bg-BG" dirty="0">
+                <a:solidFill>
+                  <a:schemeClr val="bg1"/>
+                </a:solidFill>
+              </a:rPr>
+              <a:t>​</a:t>
             </a:r>
             <a:r>
               <a:rPr lang="en-US" b="1" dirty="0">
@@ -14140,11 +14620,6 @@
               <a:rPr lang="bg-BG" b="1" dirty="0"/>
               <a:t>навигация</a:t>
             </a:r>
-            <a:r>
-              <a:rPr lang="bg-BG" dirty="0"/>
-              <a:t>?</a:t>
-            </a:r>
-            <a:endParaRPr lang="bg-BG" b="1" dirty="0"/>
           </a:p>
           <a:p>
             <a:r>

--- a/Courses/Software-Sciences/Module-4-Information-Systems-New/08-Navigation-between-Tables/08-Navigation-between-Tables.pptx
+++ b/Courses/Software-Sciences/Module-4-Information-Systems-New/08-Navigation-between-Tables/08-Navigation-between-Tables.pptx
@@ -340,7 +340,7 @@
           <a:p>
             <a:fld id="{4E087215-0C8F-4762-A664-737A353EC9A4}" type="datetimeFigureOut">
               <a:rPr lang="bg-BG" smtClean="0"/>
-              <a:t>3.10.24 г.</a:t>
+              <a:t>6.10.2024 г.</a:t>
             </a:fld>
             <a:endParaRPr lang="bg-BG"/>
           </a:p>
@@ -536,7 +536,7 @@
           <a:p>
             <a:fld id="{72D84649-876A-46C9-8472-14CB09C070D8}" type="datetimeFigureOut">
               <a:rPr lang="en-US" smtClean="0"/>
-              <a:t>10/3/24</a:t>
+              <a:t>10/6/2024</a:t>
             </a:fld>
             <a:endParaRPr lang="en-US"/>
           </a:p>
@@ -10182,8 +10182,8 @@
         </p:nvSpPr>
         <p:spPr bwMode="auto">
           <a:xfrm>
-            <a:off x="286863" y="1717770"/>
-            <a:ext cx="11125200" cy="4465426"/>
+            <a:off x="246000" y="1403355"/>
+            <a:ext cx="11125200" cy="5265645"/>
           </a:xfrm>
           <a:prstGeom prst="rect">
             <a:avLst/>
@@ -10360,7 +10360,31 @@
               <a:rPr lang="en-US" sz="1600" b="1" dirty="0">
                 <a:latin typeface="Consolas" panose="020B0609020204030204" pitchFamily="49" charset="0"/>
               </a:rPr>
-              <a:t>return;</a:t>
+              <a:t>return</a:t>
+            </a:r>
+            <a:r>
+              <a:rPr lang="en-US" sz="1600" b="1" dirty="0" smtClean="0">
+                <a:latin typeface="Consolas" panose="020B0609020204030204" pitchFamily="49" charset="0"/>
+              </a:rPr>
+              <a:t>;  </a:t>
+            </a:r>
+            <a:r>
+              <a:rPr lang="en-US" sz="1600" b="1" dirty="0" smtClean="0">
+                <a:solidFill>
+                  <a:schemeClr val="accent2"/>
+                </a:solidFill>
+                <a:latin typeface="Consolas" panose="020B0609020204030204" pitchFamily="49" charset="0"/>
+              </a:rPr>
+              <a:t>// </a:t>
+            </a:r>
+            <a:r>
+              <a:rPr lang="bg-BG" sz="1600" b="1" dirty="0">
+                <a:solidFill>
+                  <a:schemeClr val="accent2"/>
+                </a:solidFill>
+                <a:latin typeface="Consolas" panose="020B0609020204030204" pitchFamily="49" charset="0"/>
+              </a:rPr>
+              <a:t>Няма избрана държава</a:t>
             </a:r>
             <a:endParaRPr lang="en-US" sz="1600" b="1" dirty="0">
               <a:solidFill>
@@ -10451,8 +10475,64 @@
               <a:rPr lang="en-US" sz="1600" b="1" dirty="0">
                 <a:latin typeface="Consolas" panose="020B0609020204030204" pitchFamily="49" charset="0"/>
               </a:rPr>
-              <a:t>    {</a:t>
-            </a:r>
+              <a:t>    </a:t>
+            </a:r>
+            <a:r>
+              <a:rPr lang="en-US" sz="1600" b="1" dirty="0" smtClean="0">
+                <a:latin typeface="Consolas" panose="020B0609020204030204" pitchFamily="49" charset="0"/>
+              </a:rPr>
+              <a:t>{</a:t>
+            </a:r>
+          </a:p>
+          <a:p>
+            <a:pPr>
+              <a:spcBef>
+                <a:spcPts val="600"/>
+              </a:spcBef>
+              <a:spcAft>
+                <a:spcPts val="600"/>
+              </a:spcAft>
+              <a:buClr>
+                <a:srgbClr val="F2B254"/>
+              </a:buClr>
+              <a:buSzPct val="100000"/>
+            </a:pPr>
+            <a:r>
+              <a:rPr lang="en-US" sz="1600" b="1" dirty="0">
+                <a:latin typeface="Consolas" panose="020B0609020204030204" pitchFamily="49" charset="0"/>
+              </a:rPr>
+              <a:t>	</a:t>
+            </a:r>
+            <a:r>
+              <a:rPr lang="en-US" sz="1600" b="1" dirty="0">
+                <a:solidFill>
+                  <a:schemeClr val="accent2"/>
+                </a:solidFill>
+                <a:latin typeface="Consolas" panose="020B0609020204030204" pitchFamily="49" charset="0"/>
+              </a:rPr>
+              <a:t>// </a:t>
+            </a:r>
+            <a:r>
+              <a:rPr lang="bg-BG" sz="1600" b="1" dirty="0">
+                <a:solidFill>
+                  <a:schemeClr val="accent2"/>
+                </a:solidFill>
+                <a:latin typeface="Consolas" panose="020B0609020204030204" pitchFamily="49" charset="0"/>
+              </a:rPr>
+              <a:t>Извличане на градовете, които принадлежат на избраната </a:t>
+            </a:r>
+            <a:r>
+              <a:rPr lang="bg-BG" sz="1600" b="1" dirty="0" smtClean="0">
+                <a:solidFill>
+                  <a:schemeClr val="accent2"/>
+                </a:solidFill>
+                <a:latin typeface="Consolas" panose="020B0609020204030204" pitchFamily="49" charset="0"/>
+              </a:rPr>
+              <a:t>държава</a:t>
+            </a:r>
+            <a:endParaRPr lang="en-US" sz="1600" b="1" dirty="0">
+              <a:latin typeface="Consolas" panose="020B0609020204030204" pitchFamily="49" charset="0"/>
+            </a:endParaRPr>
           </a:p>
           <a:p>
             <a:pPr>
@@ -10524,7 +10604,83 @@
               <a:rPr lang="en-US" sz="1600" b="1" dirty="0">
                 <a:latin typeface="Consolas" panose="020B0609020204030204" pitchFamily="49" charset="0"/>
               </a:rPr>
-              <a:t>).ToList();</a:t>
+              <a:t>).</a:t>
+            </a:r>
+            <a:r>
+              <a:rPr lang="en-US" sz="1600" b="1" dirty="0" err="1">
+                <a:latin typeface="Consolas" panose="020B0609020204030204" pitchFamily="49" charset="0"/>
+              </a:rPr>
+              <a:t>ToList</a:t>
+            </a:r>
+            <a:r>
+              <a:rPr lang="en-US" sz="1600" b="1" dirty="0" smtClean="0">
+                <a:latin typeface="Consolas" panose="020B0609020204030204" pitchFamily="49" charset="0"/>
+              </a:rPr>
+              <a:t>();</a:t>
+            </a:r>
+          </a:p>
+          <a:p>
+            <a:pPr lvl="1">
+              <a:spcBef>
+                <a:spcPts val="600"/>
+              </a:spcBef>
+              <a:spcAft>
+                <a:spcPts val="600"/>
+              </a:spcAft>
+              <a:buClr>
+                <a:srgbClr val="F2B254"/>
+              </a:buClr>
+              <a:buSzPct val="100000"/>
+              <a:buFont typeface="Wingdings" panose="05000000000000000000" pitchFamily="2" charset="2"/>
+              <a:buNone/>
+            </a:pPr>
+            <a:r>
+              <a:rPr lang="en-US" sz="1600" b="1" dirty="0">
+                <a:latin typeface="Consolas" panose="020B0609020204030204" pitchFamily="49" charset="0"/>
+              </a:rPr>
+              <a:t> </a:t>
+            </a:r>
+            <a:r>
+              <a:rPr lang="en-US" sz="1600" b="1" dirty="0" smtClean="0">
+                <a:latin typeface="Consolas" panose="020B0609020204030204" pitchFamily="49" charset="0"/>
+              </a:rPr>
+              <a:t>	</a:t>
+            </a:r>
+            <a:r>
+              <a:rPr lang="en-US" sz="1600" b="1" dirty="0" smtClean="0">
+                <a:solidFill>
+                  <a:schemeClr val="accent2"/>
+                </a:solidFill>
+                <a:latin typeface="Consolas" panose="020B0609020204030204" pitchFamily="49" charset="0"/>
+              </a:rPr>
+              <a:t>// </a:t>
+            </a:r>
+            <a:r>
+              <a:rPr lang="bg-BG" sz="1600" b="1" dirty="0">
+                <a:solidFill>
+                  <a:schemeClr val="accent2"/>
+                </a:solidFill>
+                <a:latin typeface="Consolas" panose="020B0609020204030204" pitchFamily="49" charset="0"/>
+              </a:rPr>
+              <a:t>Обновяване на </a:t>
+            </a:r>
+            <a:r>
+              <a:rPr lang="en-US" sz="1600" b="1" dirty="0">
+                <a:solidFill>
+                  <a:schemeClr val="accent2"/>
+                </a:solidFill>
+                <a:latin typeface="Consolas" panose="020B0609020204030204" pitchFamily="49" charset="0"/>
+              </a:rPr>
+              <a:t>DataGridView </a:t>
+            </a:r>
+            <a:r>
+              <a:rPr lang="bg-BG" sz="1600" b="1" dirty="0">
+                <a:solidFill>
+                  <a:schemeClr val="accent2"/>
+                </a:solidFill>
+                <a:latin typeface="Consolas" panose="020B0609020204030204" pitchFamily="49" charset="0"/>
+              </a:rPr>
+              <a:t>за градовете</a:t>
             </a:r>
             <a:endParaRPr lang="bg-BG" sz="1600" b="1" dirty="0">
               <a:solidFill>
@@ -10683,8 +10839,8 @@
         </p:blipFill>
         <p:spPr>
           <a:xfrm>
-            <a:off x="8168960" y="2086434"/>
-            <a:ext cx="3788454" cy="2411483"/>
+            <a:off x="8222143" y="1989000"/>
+            <a:ext cx="3532710" cy="2248693"/>
           </a:xfrm>
           <a:prstGeom prst="rect">
             <a:avLst/>
@@ -10701,417 +10857,6 @@
           </a:effectLst>
         </p:spPr>
       </p:pic>
-      <p:sp>
-        <p:nvSpPr>
-          <p:cNvPr id="3" name="Rounded Rectangular Callout 2">
-            <a:extLst>
-              <a:ext uri="{FF2B5EF4-FFF2-40B4-BE49-F238E27FC236}">
-                <a16:creationId xmlns:a16="http://schemas.microsoft.com/office/drawing/2014/main" id="{4B038954-45B2-F653-9C8A-9DDC1C1A3F0D}"/>
-              </a:ext>
-            </a:extLst>
-          </p:cNvPr>
-          <p:cNvSpPr/>
-          <p:nvPr/>
-        </p:nvSpPr>
-        <p:spPr bwMode="auto">
-          <a:xfrm>
-            <a:off x="5146433" y="2214000"/>
-            <a:ext cx="2835000" cy="453541"/>
-          </a:xfrm>
-          <a:prstGeom prst="wedgeRoundRectCallout">
-            <a:avLst>
-              <a:gd name="adj1" fmla="val -58993"/>
-              <a:gd name="adj2" fmla="val 154982"/>
-              <a:gd name="adj3" fmla="val 16667"/>
-            </a:avLst>
-          </a:prstGeom>
-          <a:solidFill>
-            <a:schemeClr val="dk2">
-              <a:alpha val="80000"/>
-            </a:schemeClr>
-          </a:solidFill>
-          <a:ln w="19050">
-            <a:solidFill>
-              <a:schemeClr val="tx1">
-                <a:lumMod val="75000"/>
-                <a:alpha val="80000"/>
-              </a:schemeClr>
-            </a:solidFill>
-          </a:ln>
-          <a:effectLst/>
-        </p:spPr>
-        <p:style>
-          <a:lnRef idx="2">
-            <a:schemeClr val="accent1">
-              <a:shade val="50000"/>
-            </a:schemeClr>
-          </a:lnRef>
-          <a:fillRef idx="1001">
-            <a:schemeClr val="dk2"/>
-          </a:fillRef>
-          <a:effectRef idx="0">
-            <a:schemeClr val="accent1"/>
-          </a:effectRef>
-          <a:fontRef idx="minor">
-            <a:schemeClr val="lt1"/>
-          </a:fontRef>
-        </p:style>
-        <p:txBody>
-          <a:bodyPr rot="0" spcFirstLastPara="0" vertOverflow="overflow" horzOverflow="overflow" vert="horz" wrap="square" lIns="91440" tIns="45720" rIns="91440" bIns="45720" numCol="1" spcCol="0" rtlCol="0" fromWordArt="0" anchor="ctr" anchorCtr="0" forceAA="0" compatLnSpc="1">
-            <a:prstTxWarp prst="textNoShape">
-              <a:avLst/>
-            </a:prstTxWarp>
-            <a:noAutofit/>
-          </a:bodyPr>
-          <a:lstStyle/>
-          <a:p>
-            <a:pPr algn="ctr"/>
-            <a:r>
-              <a:rPr lang="bg-BG" sz="2000" b="1" dirty="0">
-                <a:solidFill>
-                  <a:schemeClr val="bg2"/>
-                </a:solidFill>
-                <a:effectLst>
-                  <a:outerShdw blurRad="38100" dist="38100" dir="2700000" algn="tl">
-                    <a:srgbClr val="000000">
-                      <a:alpha val="43137"/>
-                    </a:srgbClr>
-                  </a:outerShdw>
-                </a:effectLst>
-              </a:rPr>
-              <a:t>Няма избрана </a:t>
-            </a:r>
-            <a:r>
-              <a:rPr lang="bg-BG" sz="2000" b="1" dirty="0">
-                <a:solidFill>
-                  <a:schemeClr val="accent1">
-                    <a:lumMod val="60000"/>
-                    <a:lumOff val="40000"/>
-                  </a:schemeClr>
-                </a:solidFill>
-                <a:effectLst>
-                  <a:outerShdw blurRad="38100" dist="38100" dir="2700000" algn="tl">
-                    <a:srgbClr val="000000">
-                      <a:alpha val="43137"/>
-                    </a:srgbClr>
-                  </a:outerShdw>
-                </a:effectLst>
-              </a:rPr>
-              <a:t>държава</a:t>
-            </a:r>
-            <a:endParaRPr lang="en-BG" sz="2000" b="1" dirty="0">
-              <a:solidFill>
-                <a:schemeClr val="accent1">
-                  <a:lumMod val="60000"/>
-                  <a:lumOff val="40000"/>
-                </a:schemeClr>
-              </a:solidFill>
-              <a:effectLst>
-                <a:outerShdw blurRad="38100" dist="38100" dir="2700000" algn="tl">
-                  <a:srgbClr val="000000">
-                    <a:alpha val="43137"/>
-                  </a:srgbClr>
-                </a:outerShdw>
-              </a:effectLst>
-            </a:endParaRPr>
-          </a:p>
-        </p:txBody>
-      </p:sp>
-      <p:sp>
-        <p:nvSpPr>
-          <p:cNvPr id="5" name="Rounded Rectangular Callout 4">
-            <a:extLst>
-              <a:ext uri="{FF2B5EF4-FFF2-40B4-BE49-F238E27FC236}">
-                <a16:creationId xmlns:a16="http://schemas.microsoft.com/office/drawing/2014/main" id="{261F2B0E-F35C-5926-FD0C-E513D218DDEC}"/>
-              </a:ext>
-            </a:extLst>
-          </p:cNvPr>
-          <p:cNvSpPr/>
-          <p:nvPr/>
-        </p:nvSpPr>
-        <p:spPr bwMode="auto">
-          <a:xfrm>
-            <a:off x="1596000" y="3312281"/>
-            <a:ext cx="3532500" cy="990704"/>
-          </a:xfrm>
-          <a:prstGeom prst="wedgeRoundRectCallout">
-            <a:avLst>
-              <a:gd name="adj1" fmla="val 32167"/>
-              <a:gd name="adj2" fmla="val 77484"/>
-              <a:gd name="adj3" fmla="val 16667"/>
-            </a:avLst>
-          </a:prstGeom>
-          <a:solidFill>
-            <a:schemeClr val="dk2">
-              <a:alpha val="80000"/>
-            </a:schemeClr>
-          </a:solidFill>
-          <a:ln w="19050">
-            <a:solidFill>
-              <a:schemeClr val="tx1">
-                <a:lumMod val="75000"/>
-                <a:alpha val="80000"/>
-              </a:schemeClr>
-            </a:solidFill>
-          </a:ln>
-          <a:effectLst/>
-        </p:spPr>
-        <p:style>
-          <a:lnRef idx="2">
-            <a:schemeClr val="accent1">
-              <a:shade val="50000"/>
-            </a:schemeClr>
-          </a:lnRef>
-          <a:fillRef idx="1001">
-            <a:schemeClr val="dk2"/>
-          </a:fillRef>
-          <a:effectRef idx="0">
-            <a:schemeClr val="accent1"/>
-          </a:effectRef>
-          <a:fontRef idx="minor">
-            <a:schemeClr val="lt1"/>
-          </a:fontRef>
-        </p:style>
-        <p:txBody>
-          <a:bodyPr rot="0" spcFirstLastPara="0" vertOverflow="overflow" horzOverflow="overflow" vert="horz" wrap="square" lIns="91440" tIns="45720" rIns="91440" bIns="45720" numCol="1" spcCol="0" rtlCol="0" fromWordArt="0" anchor="ctr" anchorCtr="0" forceAA="0" compatLnSpc="1">
-            <a:prstTxWarp prst="textNoShape">
-              <a:avLst/>
-            </a:prstTxWarp>
-            <a:noAutofit/>
-          </a:bodyPr>
-          <a:lstStyle/>
-          <a:p>
-            <a:pPr algn="ctr"/>
-            <a:r>
-              <a:rPr lang="bg-BG" sz="2000" b="1" dirty="0">
-                <a:solidFill>
-                  <a:schemeClr val="bg2"/>
-                </a:solidFill>
-                <a:latin typeface="Calibri" panose="020F0502020204030204" pitchFamily="34" charset="0"/>
-                <a:cs typeface="Calibri" panose="020F0502020204030204" pitchFamily="34" charset="0"/>
-              </a:rPr>
-              <a:t>Извличане на </a:t>
-            </a:r>
-            <a:r>
-              <a:rPr lang="bg-BG" sz="2000" b="1" dirty="0">
-                <a:solidFill>
-                  <a:schemeClr val="accent1">
-                    <a:lumMod val="60000"/>
-                    <a:lumOff val="40000"/>
-                  </a:schemeClr>
-                </a:solidFill>
-                <a:latin typeface="Calibri" panose="020F0502020204030204" pitchFamily="34" charset="0"/>
-                <a:cs typeface="Calibri" panose="020F0502020204030204" pitchFamily="34" charset="0"/>
-              </a:rPr>
-              <a:t>градовете</a:t>
-            </a:r>
-            <a:r>
-              <a:rPr lang="bg-BG" sz="2000" b="1" dirty="0">
-                <a:solidFill>
-                  <a:schemeClr val="bg2"/>
-                </a:solidFill>
-                <a:latin typeface="Calibri" panose="020F0502020204030204" pitchFamily="34" charset="0"/>
-                <a:cs typeface="Calibri" panose="020F0502020204030204" pitchFamily="34" charset="0"/>
-              </a:rPr>
-              <a:t>, които принадлежат на </a:t>
-            </a:r>
-            <a:r>
-              <a:rPr lang="bg-BG" sz="2000" b="1" dirty="0">
-                <a:solidFill>
-                  <a:schemeClr val="accent1">
-                    <a:lumMod val="60000"/>
-                    <a:lumOff val="40000"/>
-                  </a:schemeClr>
-                </a:solidFill>
-                <a:latin typeface="Calibri" panose="020F0502020204030204" pitchFamily="34" charset="0"/>
-                <a:cs typeface="Calibri" panose="020F0502020204030204" pitchFamily="34" charset="0"/>
-              </a:rPr>
-              <a:t>избраната</a:t>
-            </a:r>
-            <a:r>
-              <a:rPr lang="bg-BG" sz="2000" b="1" dirty="0">
-                <a:solidFill>
-                  <a:schemeClr val="bg2"/>
-                </a:solidFill>
-                <a:latin typeface="Calibri" panose="020F0502020204030204" pitchFamily="34" charset="0"/>
-                <a:cs typeface="Calibri" panose="020F0502020204030204" pitchFamily="34" charset="0"/>
-              </a:rPr>
-              <a:t> </a:t>
-            </a:r>
-            <a:r>
-              <a:rPr lang="bg-BG" sz="2000" b="1" dirty="0">
-                <a:solidFill>
-                  <a:schemeClr val="accent1">
-                    <a:lumMod val="60000"/>
-                    <a:lumOff val="40000"/>
-                  </a:schemeClr>
-                </a:solidFill>
-                <a:latin typeface="Calibri" panose="020F0502020204030204" pitchFamily="34" charset="0"/>
-                <a:cs typeface="Calibri" panose="020F0502020204030204" pitchFamily="34" charset="0"/>
-              </a:rPr>
-              <a:t>държава</a:t>
-            </a:r>
-            <a:endParaRPr lang="en-BG" sz="2000" b="1" dirty="0">
-              <a:solidFill>
-                <a:schemeClr val="accent1">
-                  <a:lumMod val="60000"/>
-                  <a:lumOff val="40000"/>
-                </a:schemeClr>
-              </a:solidFill>
-              <a:effectLst>
-                <a:outerShdw blurRad="38100" dist="38100" dir="2700000" algn="tl">
-                  <a:srgbClr val="000000">
-                    <a:alpha val="43137"/>
-                  </a:srgbClr>
-                </a:outerShdw>
-              </a:effectLst>
-              <a:latin typeface="Calibri" panose="020F0502020204030204" pitchFamily="34" charset="0"/>
-              <a:cs typeface="Calibri" panose="020F0502020204030204" pitchFamily="34" charset="0"/>
-            </a:endParaRPr>
-          </a:p>
-        </p:txBody>
-      </p:sp>
-      <p:sp>
-        <p:nvSpPr>
-          <p:cNvPr id="7" name="Rounded Rectangular Callout 6">
-            <a:extLst>
-              <a:ext uri="{FF2B5EF4-FFF2-40B4-BE49-F238E27FC236}">
-                <a16:creationId xmlns:a16="http://schemas.microsoft.com/office/drawing/2014/main" id="{3BE97E35-2420-71B0-8CC2-0049176277D2}"/>
-              </a:ext>
-            </a:extLst>
-          </p:cNvPr>
-          <p:cNvSpPr/>
-          <p:nvPr/>
-        </p:nvSpPr>
-        <p:spPr bwMode="auto">
-          <a:xfrm>
-            <a:off x="1793202" y="5541918"/>
-            <a:ext cx="3532501" cy="711156"/>
-          </a:xfrm>
-          <a:prstGeom prst="wedgeRoundRectCallout">
-            <a:avLst>
-              <a:gd name="adj1" fmla="val 28848"/>
-              <a:gd name="adj2" fmla="val -92912"/>
-              <a:gd name="adj3" fmla="val 16667"/>
-            </a:avLst>
-          </a:prstGeom>
-          <a:solidFill>
-            <a:schemeClr val="dk2">
-              <a:alpha val="80000"/>
-            </a:schemeClr>
-          </a:solidFill>
-          <a:ln w="19050">
-            <a:solidFill>
-              <a:schemeClr val="tx1">
-                <a:lumMod val="75000"/>
-                <a:alpha val="80000"/>
-              </a:schemeClr>
-            </a:solidFill>
-          </a:ln>
-          <a:effectLst/>
-        </p:spPr>
-        <p:style>
-          <a:lnRef idx="2">
-            <a:schemeClr val="accent1">
-              <a:shade val="50000"/>
-            </a:schemeClr>
-          </a:lnRef>
-          <a:fillRef idx="1001">
-            <a:schemeClr val="dk2"/>
-          </a:fillRef>
-          <a:effectRef idx="0">
-            <a:schemeClr val="accent1"/>
-          </a:effectRef>
-          <a:fontRef idx="minor">
-            <a:schemeClr val="lt1"/>
-          </a:fontRef>
-        </p:style>
-        <p:txBody>
-          <a:bodyPr rot="0" spcFirstLastPara="0" vertOverflow="overflow" horzOverflow="overflow" vert="horz" wrap="square" lIns="91440" tIns="45720" rIns="91440" bIns="45720" numCol="1" spcCol="0" rtlCol="0" fromWordArt="0" anchor="ctr" anchorCtr="0" forceAA="0" compatLnSpc="1">
-            <a:prstTxWarp prst="textNoShape">
-              <a:avLst/>
-            </a:prstTxWarp>
-            <a:noAutofit/>
-          </a:bodyPr>
-          <a:lstStyle/>
-          <a:p>
-            <a:pPr algn="ctr"/>
-            <a:r>
-              <a:rPr lang="bg-BG" sz="2000" b="1" dirty="0">
-                <a:solidFill>
-                  <a:schemeClr val="bg2"/>
-                </a:solidFill>
-                <a:latin typeface="Calibri" panose="020F0502020204030204" pitchFamily="34" charset="0"/>
-                <a:cs typeface="Calibri" panose="020F0502020204030204" pitchFamily="34" charset="0"/>
-              </a:rPr>
-              <a:t>Обновяване на </a:t>
-            </a:r>
-            <a:r>
-              <a:rPr lang="en-US" sz="2000" b="1" dirty="0">
-                <a:solidFill>
-                  <a:schemeClr val="accent1">
-                    <a:lumMod val="60000"/>
-                    <a:lumOff val="40000"/>
-                  </a:schemeClr>
-                </a:solidFill>
-                <a:latin typeface="Consolas" panose="020B0609020204030204" pitchFamily="49" charset="0"/>
-                <a:cs typeface="Consolas" panose="020B0609020204030204" pitchFamily="49" charset="0"/>
-              </a:rPr>
-              <a:t>DataGridView</a:t>
-            </a:r>
-            <a:r>
-              <a:rPr lang="en-US" sz="2000" b="1" dirty="0">
-                <a:solidFill>
-                  <a:schemeClr val="bg2"/>
-                </a:solidFill>
-                <a:latin typeface="Calibri" panose="020F0502020204030204" pitchFamily="34" charset="0"/>
-                <a:cs typeface="Calibri" panose="020F0502020204030204" pitchFamily="34" charset="0"/>
-              </a:rPr>
-              <a:t> </a:t>
-            </a:r>
-            <a:r>
-              <a:rPr lang="bg-BG" sz="2000" b="1" dirty="0">
-                <a:solidFill>
-                  <a:schemeClr val="bg2"/>
-                </a:solidFill>
-                <a:latin typeface="Calibri" panose="020F0502020204030204" pitchFamily="34" charset="0"/>
-                <a:cs typeface="Calibri" panose="020F0502020204030204" pitchFamily="34" charset="0"/>
-              </a:rPr>
-              <a:t>за </a:t>
-            </a:r>
-            <a:r>
-              <a:rPr lang="bg-BG" sz="2000" b="1" dirty="0">
-                <a:solidFill>
-                  <a:schemeClr val="accent1">
-                    <a:lumMod val="60000"/>
-                    <a:lumOff val="40000"/>
-                  </a:schemeClr>
-                </a:solidFill>
-                <a:latin typeface="Calibri" panose="020F0502020204030204" pitchFamily="34" charset="0"/>
-                <a:cs typeface="Calibri" panose="020F0502020204030204" pitchFamily="34" charset="0"/>
-              </a:rPr>
-              <a:t>градовете</a:t>
-            </a:r>
-            <a:endParaRPr lang="en-BG" sz="2000" b="1" dirty="0">
-              <a:solidFill>
-                <a:schemeClr val="accent1">
-                  <a:lumMod val="60000"/>
-                  <a:lumOff val="40000"/>
-                </a:schemeClr>
-              </a:solidFill>
-              <a:effectLst>
-                <a:outerShdw blurRad="38100" dist="38100" dir="2700000" algn="tl">
-                  <a:srgbClr val="000000">
-                    <a:alpha val="43137"/>
-                  </a:srgbClr>
-                </a:outerShdw>
-              </a:effectLst>
-              <a:latin typeface="Calibri" panose="020F0502020204030204" pitchFamily="34" charset="0"/>
-              <a:cs typeface="Calibri" panose="020F0502020204030204" pitchFamily="34" charset="0"/>
-            </a:endParaRPr>
-          </a:p>
-        </p:txBody>
-      </p:sp>
     </p:spTree>
     <p:extLst>
       <p:ext uri="{BB962C8B-B14F-4D97-AF65-F5344CB8AC3E}">
@@ -11133,172 +10878,9 @@
   <p:timing>
     <p:tnLst>
       <p:par>
-        <p:cTn id="1" dur="indefinite" restart="never" nodeType="tmRoot">
-          <p:childTnLst>
-            <p:seq concurrent="1" nextAc="seek">
-              <p:cTn id="2" dur="indefinite" nodeType="mainSeq">
-                <p:childTnLst>
-                  <p:par>
-                    <p:cTn id="3" fill="hold">
-                      <p:stCondLst>
-                        <p:cond delay="indefinite"/>
-                      </p:stCondLst>
-                      <p:childTnLst>
-                        <p:par>
-                          <p:cTn id="4" fill="hold">
-                            <p:stCondLst>
-                              <p:cond delay="0"/>
-                            </p:stCondLst>
-                            <p:childTnLst>
-                              <p:par>
-                                <p:cTn id="5" presetID="1" presetClass="entr" presetSubtype="0" fill="hold" grpId="0" nodeType="clickEffect">
-                                  <p:stCondLst>
-                                    <p:cond delay="0"/>
-                                  </p:stCondLst>
-                                  <p:childTnLst>
-                                    <p:set>
-                                      <p:cBhvr>
-                                        <p:cTn id="6" dur="1" fill="hold">
-                                          <p:stCondLst>
-                                            <p:cond delay="0"/>
-                                          </p:stCondLst>
-                                        </p:cTn>
-                                        <p:tgtEl>
-                                          <p:spTgt spid="3"/>
-                                        </p:tgtEl>
-                                        <p:attrNameLst>
-                                          <p:attrName>style.visibility</p:attrName>
-                                        </p:attrNameLst>
-                                      </p:cBhvr>
-                                      <p:to>
-                                        <p:strVal val="visible"/>
-                                      </p:to>
-                                    </p:set>
-                                  </p:childTnLst>
-                                </p:cTn>
-                              </p:par>
-                            </p:childTnLst>
-                          </p:cTn>
-                        </p:par>
-                      </p:childTnLst>
-                    </p:cTn>
-                  </p:par>
-                  <p:par>
-                    <p:cTn id="7" fill="hold">
-                      <p:stCondLst>
-                        <p:cond delay="indefinite"/>
-                      </p:stCondLst>
-                      <p:childTnLst>
-                        <p:par>
-                          <p:cTn id="8" fill="hold">
-                            <p:stCondLst>
-                              <p:cond delay="0"/>
-                            </p:stCondLst>
-                            <p:childTnLst>
-                              <p:par>
-                                <p:cTn id="9" presetID="1" presetClass="entr" presetSubtype="0" fill="hold" grpId="0" nodeType="clickEffect">
-                                  <p:stCondLst>
-                                    <p:cond delay="0"/>
-                                  </p:stCondLst>
-                                  <p:childTnLst>
-                                    <p:set>
-                                      <p:cBhvr>
-                                        <p:cTn id="10" dur="1" fill="hold">
-                                          <p:stCondLst>
-                                            <p:cond delay="0"/>
-                                          </p:stCondLst>
-                                        </p:cTn>
-                                        <p:tgtEl>
-                                          <p:spTgt spid="5"/>
-                                        </p:tgtEl>
-                                        <p:attrNameLst>
-                                          <p:attrName>style.visibility</p:attrName>
-                                        </p:attrNameLst>
-                                      </p:cBhvr>
-                                      <p:to>
-                                        <p:strVal val="visible"/>
-                                      </p:to>
-                                    </p:set>
-                                  </p:childTnLst>
-                                </p:cTn>
-                              </p:par>
-                            </p:childTnLst>
-                          </p:cTn>
-                        </p:par>
-                      </p:childTnLst>
-                    </p:cTn>
-                  </p:par>
-                  <p:par>
-                    <p:cTn id="11" fill="hold">
-                      <p:stCondLst>
-                        <p:cond delay="indefinite"/>
-                      </p:stCondLst>
-                      <p:childTnLst>
-                        <p:par>
-                          <p:cTn id="12" fill="hold">
-                            <p:stCondLst>
-                              <p:cond delay="0"/>
-                            </p:stCondLst>
-                            <p:childTnLst>
-                              <p:par>
-                                <p:cTn id="13" presetID="1" presetClass="entr" presetSubtype="0" fill="hold" grpId="0" nodeType="clickEffect">
-                                  <p:stCondLst>
-                                    <p:cond delay="0"/>
-                                  </p:stCondLst>
-                                  <p:childTnLst>
-                                    <p:set>
-                                      <p:cBhvr>
-                                        <p:cTn id="14" dur="1" fill="hold">
-                                          <p:stCondLst>
-                                            <p:cond delay="0"/>
-                                          </p:stCondLst>
-                                        </p:cTn>
-                                        <p:tgtEl>
-                                          <p:spTgt spid="7"/>
-                                        </p:tgtEl>
-                                        <p:attrNameLst>
-                                          <p:attrName>style.visibility</p:attrName>
-                                        </p:attrNameLst>
-                                      </p:cBhvr>
-                                      <p:to>
-                                        <p:strVal val="visible"/>
-                                      </p:to>
-                                    </p:set>
-                                  </p:childTnLst>
-                                </p:cTn>
-                              </p:par>
-                            </p:childTnLst>
-                          </p:cTn>
-                        </p:par>
-                      </p:childTnLst>
-                    </p:cTn>
-                  </p:par>
-                </p:childTnLst>
-              </p:cTn>
-              <p:prevCondLst>
-                <p:cond evt="onPrev" delay="0">
-                  <p:tgtEl>
-                    <p:sldTgt/>
-                  </p:tgtEl>
-                </p:cond>
-              </p:prevCondLst>
-              <p:nextCondLst>
-                <p:cond evt="onNext" delay="0">
-                  <p:tgtEl>
-                    <p:sldTgt/>
-                  </p:tgtEl>
-                </p:cond>
-              </p:nextCondLst>
-            </p:seq>
-          </p:childTnLst>
-        </p:cTn>
+        <p:cTn id="1" dur="indefinite" restart="never" nodeType="tmRoot"/>
       </p:par>
     </p:tnLst>
-    <p:bldLst>
-      <p:bldP spid="3" grpId="0" animBg="1"/>
-      <p:bldP spid="5" grpId="0" animBg="1"/>
-      <p:bldP spid="7" grpId="0" animBg="1"/>
-    </p:bldLst>
   </p:timing>
 </p:sld>
 </file>
@@ -11434,6 +11016,13 @@
       <p:transition spd="slow" advClick="0" advTm="5000"/>
     </mc:Fallback>
   </mc:AlternateContent>
+  <p:timing>
+    <p:tnLst>
+      <p:par>
+        <p:cTn id="1" dur="indefinite" restart="never" nodeType="tmRoot"/>
+      </p:par>
+    </p:tnLst>
+  </p:timing>
 </p:sld>
 </file>
 
@@ -22131,7 +21720,7 @@
                 <a:hlinkClick r:id="rId3">
                   <a:extLst>
                     <a:ext uri="{A12FA001-AC4F-418D-AE19-62706E023703}">
-                      <ahyp:hlinkClr xmlns:ahyp="http://schemas.microsoft.com/office/drawing/2018/hyperlinkcolor" val="tx"/>
+                      <ahyp:hlinkClr xmlns:ahyp="http://schemas.microsoft.com/office/drawing/2018/hyperlinkcolor" xmlns="" val="tx"/>
                     </a:ext>
                   </a:extLst>
                 </a:hlinkClick>

--- a/Courses/Software-Sciences/Module-4-Information-Systems-New/08-Navigation-between-Tables/08-Navigation-between-Tables.pptx
+++ b/Courses/Software-Sciences/Module-4-Information-Systems-New/08-Navigation-between-Tables/08-Navigation-between-Tables.pptx
@@ -340,7 +340,7 @@
           <a:p>
             <a:fld id="{4E087215-0C8F-4762-A664-737A353EC9A4}" type="datetimeFigureOut">
               <a:rPr lang="bg-BG" smtClean="0"/>
-              <a:t>6.10.2024 г.</a:t>
+              <a:t>14.11.24 г.</a:t>
             </a:fld>
             <a:endParaRPr lang="bg-BG"/>
           </a:p>
@@ -536,7 +536,7 @@
           <a:p>
             <a:fld id="{72D84649-876A-46C9-8472-14CB09C070D8}" type="datetimeFigureOut">
               <a:rPr lang="en-US" smtClean="0"/>
-              <a:t>10/6/2024</a:t>
+              <a:t>11/14/24</a:t>
             </a:fld>
             <a:endParaRPr lang="en-US"/>
           </a:p>
@@ -10360,16 +10360,10 @@
               <a:rPr lang="en-US" sz="1600" b="1" dirty="0">
                 <a:latin typeface="Consolas" panose="020B0609020204030204" pitchFamily="49" charset="0"/>
               </a:rPr>
-              <a:t>return</a:t>
-            </a:r>
-            <a:r>
-              <a:rPr lang="en-US" sz="1600" b="1" dirty="0" smtClean="0">
-                <a:latin typeface="Consolas" panose="020B0609020204030204" pitchFamily="49" charset="0"/>
-              </a:rPr>
-              <a:t>;  </a:t>
-            </a:r>
-            <a:r>
-              <a:rPr lang="en-US" sz="1600" b="1" dirty="0" smtClean="0">
+              <a:t>return;  </a:t>
+            </a:r>
+            <a:r>
+              <a:rPr lang="en-US" sz="1600" b="1" dirty="0">
                 <a:solidFill>
                   <a:schemeClr val="accent2"/>
                 </a:solidFill>
@@ -10475,13 +10469,7 @@
               <a:rPr lang="en-US" sz="1600" b="1" dirty="0">
                 <a:latin typeface="Consolas" panose="020B0609020204030204" pitchFamily="49" charset="0"/>
               </a:rPr>
-              <a:t>    </a:t>
-            </a:r>
-            <a:r>
-              <a:rPr lang="en-US" sz="1600" b="1" dirty="0" smtClean="0">
-                <a:latin typeface="Consolas" panose="020B0609020204030204" pitchFamily="49" charset="0"/>
-              </a:rPr>
-              <a:t>{</a:t>
+              <a:t>    {</a:t>
             </a:r>
           </a:p>
           <a:p>
@@ -10519,16 +10507,7 @@
                 </a:solidFill>
                 <a:latin typeface="Consolas" panose="020B0609020204030204" pitchFamily="49" charset="0"/>
               </a:rPr>
-              <a:t>Извличане на градовете, които принадлежат на избраната </a:t>
-            </a:r>
-            <a:r>
-              <a:rPr lang="bg-BG" sz="1600" b="1" dirty="0" smtClean="0">
-                <a:solidFill>
-                  <a:schemeClr val="accent2"/>
-                </a:solidFill>
-                <a:latin typeface="Consolas" panose="020B0609020204030204" pitchFamily="49" charset="0"/>
-              </a:rPr>
-              <a:t>държава</a:t>
+              <a:t>Извличане на градовете, които принадлежат на избраната държава</a:t>
             </a:r>
             <a:endParaRPr lang="en-US" sz="1600" b="1" dirty="0">
               <a:latin typeface="Consolas" panose="020B0609020204030204" pitchFamily="49" charset="0"/>
@@ -10613,7 +10592,7 @@
               <a:t>ToList</a:t>
             </a:r>
             <a:r>
-              <a:rPr lang="en-US" sz="1600" b="1" dirty="0" smtClean="0">
+              <a:rPr lang="en-US" sz="1600" b="1" dirty="0">
                 <a:latin typeface="Consolas" panose="020B0609020204030204" pitchFamily="49" charset="0"/>
               </a:rPr>
               <a:t>();</a:t>
@@ -10638,16 +10617,10 @@
               <a:rPr lang="en-US" sz="1600" b="1" dirty="0">
                 <a:latin typeface="Consolas" panose="020B0609020204030204" pitchFamily="49" charset="0"/>
               </a:rPr>
-              <a:t> </a:t>
-            </a:r>
-            <a:r>
-              <a:rPr lang="en-US" sz="1600" b="1" dirty="0" smtClean="0">
-                <a:latin typeface="Consolas" panose="020B0609020204030204" pitchFamily="49" charset="0"/>
-              </a:rPr>
-              <a:t>	</a:t>
-            </a:r>
-            <a:r>
-              <a:rPr lang="en-US" sz="1600" b="1" dirty="0" smtClean="0">
+              <a:t> 	</a:t>
+            </a:r>
+            <a:r>
+              <a:rPr lang="en-US" sz="1600" b="1" dirty="0">
                 <a:solidFill>
                   <a:schemeClr val="accent2"/>
                 </a:solidFill>
@@ -10682,12 +10655,6 @@
               </a:rPr>
               <a:t>за градовете</a:t>
             </a:r>
-            <a:endParaRPr lang="bg-BG" sz="1600" b="1" dirty="0">
-              <a:solidFill>
-                <a:schemeClr val="accent2"/>
-              </a:solidFill>
-              <a:latin typeface="Consolas" panose="020B0609020204030204" pitchFamily="49" charset="0"/>
-            </a:endParaRPr>
           </a:p>
           <a:p>
             <a:pPr>
@@ -10875,13 +10842,6 @@
       <p:transition spd="slow" advClick="0" advTm="5000"/>
     </mc:Fallback>
   </mc:AlternateContent>
-  <p:timing>
-    <p:tnLst>
-      <p:par>
-        <p:cTn id="1" dur="indefinite" restart="never" nodeType="tmRoot"/>
-      </p:par>
-    </p:tnLst>
-  </p:timing>
 </p:sld>
 </file>
 
@@ -11016,13 +10976,6 @@
       <p:transition spd="slow" advClick="0" advTm="5000"/>
     </mc:Fallback>
   </mc:AlternateContent>
-  <p:timing>
-    <p:tnLst>
-      <p:par>
-        <p:cTn id="1" dur="indefinite" restart="never" nodeType="tmRoot"/>
-      </p:par>
-    </p:tnLst>
-  </p:timing>
 </p:sld>
 </file>
 
@@ -14190,7 +14143,7 @@
               </a:buClr>
             </a:pPr>
             <a:r>
-              <a:rPr lang="bg-BG" dirty="0">
+              <a:rPr lang="bg-BG" sz="3400" dirty="0">
                 <a:solidFill>
                   <a:schemeClr val="bg1"/>
                 </a:solidFill>
@@ -14198,7 +14151,7 @@
               <a:t>​</a:t>
             </a:r>
             <a:r>
-              <a:rPr lang="en-US" b="1" dirty="0">
+              <a:rPr lang="en-US" sz="3400" b="1" dirty="0">
                 <a:solidFill>
                   <a:schemeClr val="bg1"/>
                 </a:solidFill>
@@ -14206,100 +14159,92 @@
               <a:t>Master-Detail </a:t>
             </a:r>
             <a:r>
-              <a:rPr lang="bg-BG" b="1" dirty="0"/>
+              <a:rPr lang="bg-BG" sz="3400" dirty="0"/>
               <a:t>навигация</a:t>
             </a:r>
           </a:p>
           <a:p>
             <a:r>
-              <a:rPr lang="bg-BG" dirty="0"/>
+              <a:rPr lang="bg-BG" sz="3400" dirty="0"/>
               <a:t>Имплементиране на </a:t>
             </a:r>
             <a:r>
-              <a:rPr lang="en-US" b="1" dirty="0"/>
+              <a:rPr lang="en-US" sz="3400" b="1" dirty="0"/>
               <a:t>Master-Detail</a:t>
             </a:r>
             <a:r>
-              <a:rPr lang="en-US" dirty="0"/>
+              <a:rPr lang="en-US" sz="3400" dirty="0"/>
               <a:t> </a:t>
             </a:r>
             <a:r>
-              <a:rPr lang="bg-BG" dirty="0"/>
+              <a:rPr lang="bg-BG" sz="3400" dirty="0"/>
               <a:t>с </a:t>
             </a:r>
             <a:r>
-              <a:rPr lang="bg-BG" b="1" dirty="0">
+              <a:rPr lang="en-US" sz="3400" b="1" dirty="0">
                 <a:solidFill>
                   <a:schemeClr val="bg1"/>
                 </a:solidFill>
               </a:rPr>
-              <a:t>Е</a:t>
-            </a:r>
-            <a:r>
-              <a:rPr lang="en-US" b="1" dirty="0">
+              <a:t>Entity Framework Core</a:t>
+            </a:r>
+          </a:p>
+          <a:p>
+            <a:r>
+              <a:rPr lang="bg-BG" sz="3400" dirty="0"/>
+              <a:t>​</a:t>
+            </a:r>
+            <a:r>
+              <a:rPr lang="en-US" sz="3400" b="1" dirty="0"/>
+              <a:t>Master-Detail</a:t>
+            </a:r>
+            <a:r>
+              <a:rPr lang="bg-BG" sz="3400" dirty="0"/>
+              <a:t> таблици в </a:t>
+            </a:r>
+            <a:r>
+              <a:rPr lang="en-US" sz="3400" b="1" dirty="0">
                 <a:solidFill>
                   <a:schemeClr val="bg1"/>
                 </a:solidFill>
               </a:rPr>
-              <a:t>F Core</a:t>
-            </a:r>
-          </a:p>
-          <a:p>
-            <a:r>
-              <a:rPr lang="bg-BG" dirty="0"/>
+              <a:t>Windows Forms</a:t>
+            </a:r>
+          </a:p>
+          <a:p>
+            <a:r>
+              <a:rPr lang="bg-BG" sz="3400" dirty="0"/>
               <a:t>​</a:t>
             </a:r>
             <a:r>
-              <a:rPr lang="en-US" b="1" dirty="0"/>
-              <a:t>Master-Detail</a:t>
-            </a:r>
-            <a:r>
-              <a:rPr lang="bg-BG" dirty="0"/>
-              <a:t> таблици в </a:t>
-            </a:r>
-            <a:r>
-              <a:rPr lang="en-US" b="1" dirty="0">
+              <a:rPr lang="bg-BG" sz="3400" b="1" dirty="0">
                 <a:solidFill>
                   <a:schemeClr val="bg1"/>
                 </a:solidFill>
               </a:rPr>
-              <a:t>Windows Forms</a:t>
-            </a:r>
-          </a:p>
-          <a:p>
-            <a:r>
-              <a:rPr lang="bg-BG" dirty="0"/>
-              <a:t>​</a:t>
-            </a:r>
-            <a:r>
-              <a:rPr lang="bg-BG" b="1" dirty="0">
+              <a:t>Филтриране</a:t>
+            </a:r>
+            <a:r>
+              <a:rPr lang="bg-BG" sz="3400" dirty="0"/>
+              <a:t> и </a:t>
+            </a:r>
+            <a:r>
+              <a:rPr lang="bg-BG" sz="3400" b="1" dirty="0">
                 <a:solidFill>
                   <a:schemeClr val="bg1"/>
                 </a:solidFill>
               </a:rPr>
-              <a:t>Филтриране</a:t>
-            </a:r>
-            <a:r>
-              <a:rPr lang="bg-BG" dirty="0"/>
-              <a:t> и </a:t>
-            </a:r>
-            <a:r>
-              <a:rPr lang="bg-BG" b="1" dirty="0">
-                <a:solidFill>
-                  <a:schemeClr val="bg1"/>
-                </a:solidFill>
-              </a:rPr>
               <a:t>сортиране</a:t>
             </a:r>
             <a:r>
-              <a:rPr lang="bg-BG" dirty="0"/>
+              <a:rPr lang="bg-BG" sz="3400" dirty="0"/>
               <a:t> на </a:t>
             </a:r>
             <a:r>
-              <a:rPr lang="bg-BG" b="1" dirty="0"/>
+              <a:rPr lang="bg-BG" sz="3400" b="1" dirty="0"/>
               <a:t>таблица</a:t>
             </a:r>
-            <a:endParaRPr lang="en-GB" b="1" dirty="0"/>
+            <a:endParaRPr lang="en-GB" sz="3400" b="1" dirty="0"/>
           </a:p>
           <a:p>
             <a:pPr>
@@ -14308,18 +14253,17 @@
               </a:buClr>
             </a:pPr>
             <a:r>
-              <a:rPr lang="en-GB" dirty="0"/>
+              <a:rPr lang="en-GB" sz="3400" dirty="0"/>
               <a:t>​</a:t>
             </a:r>
             <a:r>
-              <a:rPr lang="bg-BG" b="1" dirty="0"/>
+              <a:rPr lang="bg-BG" sz="3400" b="1" dirty="0"/>
               <a:t>Примерно приложение</a:t>
             </a:r>
             <a:r>
-              <a:rPr lang="bg-BG" dirty="0"/>
+              <a:rPr lang="bg-BG" sz="3400" dirty="0"/>
               <a:t>: Държави и градове</a:t>
             </a:r>
-            <a:endParaRPr lang="bg-BG" sz="3200" dirty="0"/>
           </a:p>
         </p:txBody>
       </p:sp>
@@ -21720,7 +21664,7 @@
                 <a:hlinkClick r:id="rId3">
                   <a:extLst>
                     <a:ext uri="{A12FA001-AC4F-418D-AE19-62706E023703}">
-                      <ahyp:hlinkClr xmlns:ahyp="http://schemas.microsoft.com/office/drawing/2018/hyperlinkcolor" xmlns="" val="tx"/>
+                      <ahyp:hlinkClr xmlns:ahyp="http://schemas.microsoft.com/office/drawing/2018/hyperlinkcolor" val="tx"/>
                     </a:ext>
                   </a:extLst>
                 </a:hlinkClick>

--- a/Courses/Software-Sciences/Module-4-Information-Systems-New/08-Navigation-between-Tables/08-Navigation-between-Tables.pptx
+++ b/Courses/Software-Sciences/Module-4-Information-Systems-New/08-Navigation-between-Tables/08-Navigation-between-Tables.pptx
@@ -340,7 +340,7 @@
           <a:p>
             <a:fld id="{4E087215-0C8F-4762-A664-737A353EC9A4}" type="datetimeFigureOut">
               <a:rPr lang="bg-BG" smtClean="0"/>
-              <a:t>14.11.24 г.</a:t>
+              <a:t>20.11.24 г.</a:t>
             </a:fld>
             <a:endParaRPr lang="bg-BG"/>
           </a:p>
@@ -536,7 +536,7 @@
           <a:p>
             <a:fld id="{72D84649-876A-46C9-8472-14CB09C070D8}" type="datetimeFigureOut">
               <a:rPr lang="en-US" smtClean="0"/>
-              <a:t>11/14/24</a:t>
+              <a:t>11/20/24</a:t>
             </a:fld>
             <a:endParaRPr lang="en-US"/>
           </a:p>
@@ -22189,7 +22189,7 @@
         <p:spPr>
           <a:xfrm>
             <a:off x="190402" y="1196125"/>
-            <a:ext cx="6085598" cy="5528766"/>
+            <a:ext cx="6265598" cy="5528766"/>
           </a:xfrm>
         </p:spPr>
         <p:txBody>
@@ -22381,8 +22381,8 @@
         </p:blipFill>
         <p:spPr>
           <a:xfrm>
-            <a:off x="6681000" y="1539000"/>
-            <a:ext cx="4315234" cy="4216752"/>
+            <a:off x="6640647" y="1462654"/>
+            <a:ext cx="5112383" cy="4995708"/>
           </a:xfrm>
           <a:prstGeom prst="rect">
             <a:avLst/>
@@ -22847,7 +22847,7 @@
           <p:nvPr/>
         </p:nvPicPr>
         <p:blipFill>
-          <a:blip r:embed="rId3" cstate="hqprint">
+          <a:blip r:embed="rId3">
             <a:extLst>
               <a:ext uri="{28A0092B-C50C-407E-A947-70E740481C1C}">
                 <a14:useLocalDpi xmlns:a14="http://schemas.microsoft.com/office/drawing/2010/main" val="0"/>
@@ -22860,7 +22860,7 @@
         <p:spPr>
           <a:xfrm>
             <a:off x="4611000" y="1398259"/>
-            <a:ext cx="2565000" cy="2506463"/>
+            <a:ext cx="2565000" cy="2506462"/>
           </a:xfrm>
           <a:prstGeom prst="rect">
             <a:avLst/>
@@ -22915,21 +22915,26 @@
             <p:ph idx="10"/>
           </p:nvPr>
         </p:nvSpPr>
-        <p:spPr/>
+        <p:spPr>
+          <a:xfrm>
+            <a:off x="190402" y="1196125"/>
+            <a:ext cx="6220598" cy="5528766"/>
+          </a:xfrm>
+        </p:spPr>
         <p:txBody>
           <a:bodyPr/>
           <a:lstStyle/>
           <a:p>
             <a:r>
-              <a:rPr lang="bg-BG" b="1" dirty="0"/>
+              <a:rPr lang="bg-BG" sz="3200" b="1" dirty="0"/>
               <a:t>Най-разпространената</a:t>
             </a:r>
             <a:r>
-              <a:rPr lang="bg-BG" dirty="0"/>
+              <a:rPr lang="bg-BG" sz="3200" dirty="0"/>
               <a:t> </a:t>
             </a:r>
             <a:r>
-              <a:rPr lang="bg-BG" b="1" dirty="0">
+              <a:rPr lang="bg-BG" sz="3200" b="1" dirty="0">
                 <a:solidFill>
                   <a:schemeClr val="bg1"/>
                 </a:solidFill>
@@ -22937,18 +22942,18 @@
               <a:t>връзка</a:t>
             </a:r>
             <a:r>
-              <a:rPr lang="bg-BG" dirty="0"/>
+              <a:rPr lang="bg-BG" sz="3200" dirty="0"/>
               <a:t> между </a:t>
             </a:r>
             <a:r>
-              <a:rPr lang="bg-BG" b="1" dirty="0">
+              <a:rPr lang="bg-BG" sz="3200" b="1" dirty="0">
                 <a:solidFill>
                   <a:schemeClr val="bg1"/>
                 </a:solidFill>
               </a:rPr>
               <a:t>таблици</a:t>
             </a:r>
-            <a:endParaRPr lang="en-US" b="1" dirty="0">
+            <a:endParaRPr lang="en-US" sz="3200" b="1" dirty="0">
               <a:solidFill>
                 <a:schemeClr val="bg1"/>
               </a:solidFill>
@@ -22956,11 +22961,11 @@
           </a:p>
           <a:p>
             <a:r>
-              <a:rPr lang="bg-BG" dirty="0"/>
+              <a:rPr lang="bg-BG" sz="3200" dirty="0"/>
               <a:t>Имплементира се с </a:t>
             </a:r>
             <a:r>
-              <a:rPr lang="bg-BG" b="1" dirty="0">
+              <a:rPr lang="bg-BG" sz="3200" b="1" dirty="0">
                 <a:solidFill>
                   <a:schemeClr val="bg1"/>
                 </a:solidFill>
@@ -22968,31 +22973,31 @@
               <a:t>колекция</a:t>
             </a:r>
             <a:r>
-              <a:rPr lang="bg-BG" dirty="0"/>
+              <a:rPr lang="bg-BG" sz="3200" dirty="0"/>
               <a:t> в </a:t>
             </a:r>
             <a:r>
-              <a:rPr lang="bg-BG" b="1" dirty="0"/>
+              <a:rPr lang="bg-BG" sz="3200" b="1" dirty="0"/>
               <a:t>родителския</a:t>
             </a:r>
             <a:r>
-              <a:rPr lang="bg-BG" dirty="0"/>
+              <a:rPr lang="bg-BG" sz="3200" dirty="0"/>
               <a:t> </a:t>
             </a:r>
             <a:r>
-              <a:rPr lang="bg-BG" b="1" dirty="0"/>
+              <a:rPr lang="bg-BG" sz="3200" b="1" dirty="0"/>
               <a:t>модел</a:t>
             </a:r>
-            <a:endParaRPr lang="en-US" b="1" dirty="0"/>
+            <a:endParaRPr lang="en-US" sz="3200" b="1" dirty="0"/>
           </a:p>
           <a:p>
             <a:pPr lvl="1"/>
             <a:r>
-              <a:rPr lang="bg-BG" dirty="0"/>
+              <a:rPr lang="bg-BG" sz="3200" dirty="0"/>
               <a:t>Колекцията се </a:t>
             </a:r>
             <a:r>
-              <a:rPr lang="bg-BG" b="1" dirty="0">
+              <a:rPr lang="bg-BG" sz="3200" b="1" dirty="0">
                 <a:solidFill>
                   <a:schemeClr val="bg1"/>
                 </a:solidFill>
@@ -23000,18 +23005,18 @@
               <a:t>инициализира</a:t>
             </a:r>
             <a:r>
-              <a:rPr lang="bg-BG" dirty="0"/>
+              <a:rPr lang="bg-BG" sz="3200" dirty="0"/>
               <a:t> в </a:t>
             </a:r>
             <a:r>
-              <a:rPr lang="bg-BG" b="1" dirty="0">
+              <a:rPr lang="bg-BG" sz="3200" b="1" dirty="0">
                 <a:solidFill>
                   <a:schemeClr val="bg1"/>
                 </a:solidFill>
               </a:rPr>
               <a:t>конструктора</a:t>
             </a:r>
-            <a:endParaRPr lang="en-US" b="1" dirty="0">
+            <a:endParaRPr lang="en-US" sz="3200" b="1" dirty="0">
               <a:solidFill>
                 <a:schemeClr val="bg1"/>
               </a:solidFill>
@@ -23045,428 +23050,6 @@
           </a:p>
         </p:txBody>
       </p:sp>
-      <p:sp>
-        <p:nvSpPr>
-          <p:cNvPr id="6" name="Rectangle: Rounded Corners 5"/>
-          <p:cNvSpPr/>
-          <p:nvPr/>
-        </p:nvSpPr>
-        <p:spPr>
-          <a:xfrm>
-            <a:off x="2226000" y="4401135"/>
-            <a:ext cx="2502582" cy="808023"/>
-          </a:xfrm>
-          <a:prstGeom prst="roundRect">
-            <a:avLst>
-              <a:gd name="adj" fmla="val 5385"/>
-            </a:avLst>
-          </a:prstGeom>
-          <a:solidFill>
-            <a:schemeClr val="dk2">
-              <a:alpha val="85000"/>
-            </a:schemeClr>
-          </a:solidFill>
-          <a:ln w="57150">
-            <a:solidFill>
-              <a:schemeClr val="tx1">
-                <a:lumMod val="75000"/>
-              </a:schemeClr>
-            </a:solidFill>
-          </a:ln>
-          <a:effectLst/>
-        </p:spPr>
-        <p:style>
-          <a:lnRef idx="2">
-            <a:schemeClr val="accent1">
-              <a:shade val="50000"/>
-            </a:schemeClr>
-          </a:lnRef>
-          <a:fillRef idx="1001">
-            <a:schemeClr val="dk2"/>
-          </a:fillRef>
-          <a:effectRef idx="0">
-            <a:schemeClr val="accent1"/>
-          </a:effectRef>
-          <a:fontRef idx="minor">
-            <a:schemeClr val="lt1"/>
-          </a:fontRef>
-        </p:style>
-        <p:txBody>
-          <a:bodyPr rot="0" spcFirstLastPara="0" vertOverflow="overflow" horzOverflow="overflow" vert="horz" wrap="square" lIns="91440" tIns="45720" rIns="91440" bIns="45720" numCol="1" spcCol="0" rtlCol="0" fromWordArt="0" anchor="ctr" anchorCtr="0" forceAA="0" compatLnSpc="1">
-            <a:prstTxWarp prst="textNoShape">
-              <a:avLst/>
-            </a:prstTxWarp>
-            <a:noAutofit/>
-          </a:bodyPr>
-          <a:lstStyle/>
-          <a:p>
-            <a:pPr algn="ctr"/>
-            <a:r>
-              <a:rPr lang="en-US" sz="2800" b="1" dirty="0">
-                <a:solidFill>
-                  <a:srgbClr val="FFFFFF"/>
-                </a:solidFill>
-                <a:effectLst>
-                  <a:outerShdw blurRad="38100" dist="38100" dir="2700000" algn="tl">
-                    <a:srgbClr val="000000">
-                      <a:alpha val="43137"/>
-                    </a:srgbClr>
-                  </a:outerShdw>
-                </a:effectLst>
-              </a:rPr>
-              <a:t>Department</a:t>
-            </a:r>
-          </a:p>
-        </p:txBody>
-      </p:sp>
-      <p:sp>
-        <p:nvSpPr>
-          <p:cNvPr id="7" name="Rectangle: Rounded Corners 6"/>
-          <p:cNvSpPr/>
-          <p:nvPr/>
-        </p:nvSpPr>
-        <p:spPr>
-          <a:xfrm>
-            <a:off x="6950400" y="4401134"/>
-            <a:ext cx="2502582" cy="808023"/>
-          </a:xfrm>
-          <a:prstGeom prst="roundRect">
-            <a:avLst>
-              <a:gd name="adj" fmla="val 5385"/>
-            </a:avLst>
-          </a:prstGeom>
-          <a:solidFill>
-            <a:schemeClr val="dk2">
-              <a:alpha val="85000"/>
-            </a:schemeClr>
-          </a:solidFill>
-          <a:ln w="57150">
-            <a:solidFill>
-              <a:schemeClr val="tx1">
-                <a:lumMod val="75000"/>
-              </a:schemeClr>
-            </a:solidFill>
-          </a:ln>
-          <a:effectLst/>
-        </p:spPr>
-        <p:style>
-          <a:lnRef idx="2">
-            <a:schemeClr val="accent1">
-              <a:shade val="50000"/>
-            </a:schemeClr>
-          </a:lnRef>
-          <a:fillRef idx="1001">
-            <a:schemeClr val="dk2"/>
-          </a:fillRef>
-          <a:effectRef idx="0">
-            <a:schemeClr val="accent1"/>
-          </a:effectRef>
-          <a:fontRef idx="minor">
-            <a:schemeClr val="lt1"/>
-          </a:fontRef>
-        </p:style>
-        <p:txBody>
-          <a:bodyPr rot="0" spcFirstLastPara="0" vertOverflow="overflow" horzOverflow="overflow" vert="horz" wrap="square" lIns="91440" tIns="45720" rIns="91440" bIns="45720" numCol="1" spcCol="0" rtlCol="0" fromWordArt="0" anchor="ctr" anchorCtr="0" forceAA="0" compatLnSpc="1">
-            <a:prstTxWarp prst="textNoShape">
-              <a:avLst/>
-            </a:prstTxWarp>
-            <a:noAutofit/>
-          </a:bodyPr>
-          <a:lstStyle/>
-          <a:p>
-            <a:pPr algn="ctr"/>
-            <a:r>
-              <a:rPr lang="en-US" sz="2800" b="1" dirty="0">
-                <a:solidFill>
-                  <a:srgbClr val="FFFFFF"/>
-                </a:solidFill>
-                <a:effectLst>
-                  <a:outerShdw blurRad="38100" dist="38100" dir="2700000" algn="tl">
-                    <a:srgbClr val="000000">
-                      <a:alpha val="43137"/>
-                    </a:srgbClr>
-                  </a:outerShdw>
-                </a:effectLst>
-              </a:rPr>
-              <a:t>Employee</a:t>
-            </a:r>
-          </a:p>
-        </p:txBody>
-      </p:sp>
-      <p:sp>
-        <p:nvSpPr>
-          <p:cNvPr id="11" name="Rectangle: Rounded Corners 10"/>
-          <p:cNvSpPr/>
-          <p:nvPr/>
-        </p:nvSpPr>
-        <p:spPr>
-          <a:xfrm>
-            <a:off x="6950400" y="5373267"/>
-            <a:ext cx="2502582" cy="808023"/>
-          </a:xfrm>
-          <a:prstGeom prst="roundRect">
-            <a:avLst>
-              <a:gd name="adj" fmla="val 5385"/>
-            </a:avLst>
-          </a:prstGeom>
-          <a:solidFill>
-            <a:schemeClr val="dk2">
-              <a:alpha val="85000"/>
-            </a:schemeClr>
-          </a:solidFill>
-          <a:ln w="57150">
-            <a:solidFill>
-              <a:schemeClr val="tx1">
-                <a:lumMod val="75000"/>
-              </a:schemeClr>
-            </a:solidFill>
-          </a:ln>
-          <a:effectLst/>
-        </p:spPr>
-        <p:style>
-          <a:lnRef idx="2">
-            <a:schemeClr val="accent1">
-              <a:shade val="50000"/>
-            </a:schemeClr>
-          </a:lnRef>
-          <a:fillRef idx="1001">
-            <a:schemeClr val="dk2"/>
-          </a:fillRef>
-          <a:effectRef idx="0">
-            <a:schemeClr val="accent1"/>
-          </a:effectRef>
-          <a:fontRef idx="minor">
-            <a:schemeClr val="lt1"/>
-          </a:fontRef>
-        </p:style>
-        <p:txBody>
-          <a:bodyPr rot="0" spcFirstLastPara="0" vertOverflow="overflow" horzOverflow="overflow" vert="horz" wrap="square" lIns="91440" tIns="45720" rIns="91440" bIns="45720" numCol="1" spcCol="0" rtlCol="0" fromWordArt="0" anchor="ctr" anchorCtr="0" forceAA="0" compatLnSpc="1">
-            <a:prstTxWarp prst="textNoShape">
-              <a:avLst/>
-            </a:prstTxWarp>
-            <a:noAutofit/>
-          </a:bodyPr>
-          <a:lstStyle/>
-          <a:p>
-            <a:pPr algn="ctr"/>
-            <a:r>
-              <a:rPr lang="en-US" sz="2800" b="1" dirty="0">
-                <a:solidFill>
-                  <a:srgbClr val="FFFFFF"/>
-                </a:solidFill>
-                <a:effectLst>
-                  <a:outerShdw blurRad="38100" dist="38100" dir="2700000" algn="tl">
-                    <a:srgbClr val="000000">
-                      <a:alpha val="43137"/>
-                    </a:srgbClr>
-                  </a:outerShdw>
-                </a:effectLst>
-              </a:rPr>
-              <a:t>Employee</a:t>
-            </a:r>
-          </a:p>
-        </p:txBody>
-      </p:sp>
-      <p:sp>
-        <p:nvSpPr>
-          <p:cNvPr id="12" name="Rectangle: Rounded Corners 11"/>
-          <p:cNvSpPr/>
-          <p:nvPr/>
-        </p:nvSpPr>
-        <p:spPr>
-          <a:xfrm>
-            <a:off x="6950400" y="3429001"/>
-            <a:ext cx="2502582" cy="808023"/>
-          </a:xfrm>
-          <a:prstGeom prst="roundRect">
-            <a:avLst>
-              <a:gd name="adj" fmla="val 5385"/>
-            </a:avLst>
-          </a:prstGeom>
-          <a:solidFill>
-            <a:schemeClr val="dk2">
-              <a:alpha val="85000"/>
-            </a:schemeClr>
-          </a:solidFill>
-          <a:ln w="57150">
-            <a:solidFill>
-              <a:schemeClr val="tx1">
-                <a:lumMod val="75000"/>
-              </a:schemeClr>
-            </a:solidFill>
-          </a:ln>
-          <a:effectLst/>
-        </p:spPr>
-        <p:style>
-          <a:lnRef idx="2">
-            <a:schemeClr val="accent1">
-              <a:shade val="50000"/>
-            </a:schemeClr>
-          </a:lnRef>
-          <a:fillRef idx="1001">
-            <a:schemeClr val="dk2"/>
-          </a:fillRef>
-          <a:effectRef idx="0">
-            <a:schemeClr val="accent1"/>
-          </a:effectRef>
-          <a:fontRef idx="minor">
-            <a:schemeClr val="lt1"/>
-          </a:fontRef>
-        </p:style>
-        <p:txBody>
-          <a:bodyPr rot="0" spcFirstLastPara="0" vertOverflow="overflow" horzOverflow="overflow" vert="horz" wrap="square" lIns="91440" tIns="45720" rIns="91440" bIns="45720" numCol="1" spcCol="0" rtlCol="0" fromWordArt="0" anchor="ctr" anchorCtr="0" forceAA="0" compatLnSpc="1">
-            <a:prstTxWarp prst="textNoShape">
-              <a:avLst/>
-            </a:prstTxWarp>
-            <a:noAutofit/>
-          </a:bodyPr>
-          <a:lstStyle/>
-          <a:p>
-            <a:pPr algn="ctr"/>
-            <a:r>
-              <a:rPr lang="en-US" sz="2800" b="1" dirty="0">
-                <a:solidFill>
-                  <a:srgbClr val="FFFFFF"/>
-                </a:solidFill>
-                <a:effectLst>
-                  <a:outerShdw blurRad="38100" dist="38100" dir="2700000" algn="tl">
-                    <a:srgbClr val="000000">
-                      <a:alpha val="43137"/>
-                    </a:srgbClr>
-                  </a:outerShdw>
-                </a:effectLst>
-              </a:rPr>
-              <a:t>Employee</a:t>
-            </a:r>
-          </a:p>
-        </p:txBody>
-      </p:sp>
-      <p:cxnSp>
-        <p:nvCxnSpPr>
-          <p:cNvPr id="19" name="Straight Arrow Connector 18"/>
-          <p:cNvCxnSpPr>
-            <a:cxnSpLocks/>
-            <a:stCxn id="6" idx="3"/>
-            <a:endCxn id="12" idx="1"/>
-          </p:cNvCxnSpPr>
-          <p:nvPr/>
-        </p:nvCxnSpPr>
-        <p:spPr>
-          <a:xfrm flipV="1">
-            <a:off x="4728582" y="3833012"/>
-            <a:ext cx="2221818" cy="972134"/>
-          </a:xfrm>
-          <a:prstGeom prst="straightConnector1">
-            <a:avLst/>
-          </a:prstGeom>
-          <a:ln w="57150">
-            <a:solidFill>
-              <a:schemeClr val="tx1">
-                <a:alpha val="85000"/>
-              </a:schemeClr>
-            </a:solidFill>
-            <a:tailEnd type="triangle"/>
-          </a:ln>
-        </p:spPr>
-        <p:style>
-          <a:lnRef idx="1">
-            <a:schemeClr val="accent1"/>
-          </a:lnRef>
-          <a:fillRef idx="0">
-            <a:schemeClr val="accent1"/>
-          </a:fillRef>
-          <a:effectRef idx="0">
-            <a:schemeClr val="accent1"/>
-          </a:effectRef>
-          <a:fontRef idx="minor">
-            <a:schemeClr val="tx1"/>
-          </a:fontRef>
-        </p:style>
-      </p:cxnSp>
-      <p:cxnSp>
-        <p:nvCxnSpPr>
-          <p:cNvPr id="21" name="Straight Arrow Connector 20"/>
-          <p:cNvCxnSpPr>
-            <a:cxnSpLocks/>
-            <a:stCxn id="6" idx="3"/>
-            <a:endCxn id="7" idx="1"/>
-          </p:cNvCxnSpPr>
-          <p:nvPr/>
-        </p:nvCxnSpPr>
-        <p:spPr>
-          <a:xfrm flipV="1">
-            <a:off x="4728582" y="4805146"/>
-            <a:ext cx="2221818" cy="1"/>
-          </a:xfrm>
-          <a:prstGeom prst="straightConnector1">
-            <a:avLst/>
-          </a:prstGeom>
-          <a:ln w="57150">
-            <a:solidFill>
-              <a:schemeClr val="tx1">
-                <a:alpha val="85000"/>
-              </a:schemeClr>
-            </a:solidFill>
-            <a:tailEnd type="triangle"/>
-          </a:ln>
-        </p:spPr>
-        <p:style>
-          <a:lnRef idx="1">
-            <a:schemeClr val="accent1"/>
-          </a:lnRef>
-          <a:fillRef idx="0">
-            <a:schemeClr val="accent1"/>
-          </a:fillRef>
-          <a:effectRef idx="0">
-            <a:schemeClr val="accent1"/>
-          </a:effectRef>
-          <a:fontRef idx="minor">
-            <a:schemeClr val="tx1"/>
-          </a:fontRef>
-        </p:style>
-      </p:cxnSp>
-      <p:cxnSp>
-        <p:nvCxnSpPr>
-          <p:cNvPr id="23" name="Straight Arrow Connector 22"/>
-          <p:cNvCxnSpPr>
-            <a:cxnSpLocks/>
-            <a:stCxn id="6" idx="3"/>
-            <a:endCxn id="11" idx="1"/>
-          </p:cNvCxnSpPr>
-          <p:nvPr/>
-        </p:nvCxnSpPr>
-        <p:spPr>
-          <a:xfrm>
-            <a:off x="4728582" y="4805146"/>
-            <a:ext cx="2221818" cy="972132"/>
-          </a:xfrm>
-          <a:prstGeom prst="straightConnector1">
-            <a:avLst/>
-          </a:prstGeom>
-          <a:ln w="57150">
-            <a:solidFill>
-              <a:schemeClr val="tx1">
-                <a:alpha val="85000"/>
-              </a:schemeClr>
-            </a:solidFill>
-            <a:tailEnd type="triangle"/>
-          </a:ln>
-        </p:spPr>
-        <p:style>
-          <a:lnRef idx="1">
-            <a:schemeClr val="accent1"/>
-          </a:lnRef>
-          <a:fillRef idx="0">
-            <a:schemeClr val="accent1"/>
-          </a:fillRef>
-          <a:effectRef idx="0">
-            <a:schemeClr val="accent1"/>
-          </a:effectRef>
-          <a:fontRef idx="minor">
-            <a:schemeClr val="tx1"/>
-          </a:fontRef>
-        </p:style>
-      </p:cxnSp>
       <p:sp>
         <p:nvSpPr>
           <p:cNvPr id="14" name="Slide Number">
@@ -23509,6 +23092,42 @@
           </a:p>
         </p:txBody>
       </p:sp>
+      <p:pic>
+        <p:nvPicPr>
+          <p:cNvPr id="5" name="Picture 4">
+            <a:extLst>
+              <a:ext uri="{FF2B5EF4-FFF2-40B4-BE49-F238E27FC236}">
+                <a16:creationId xmlns:a16="http://schemas.microsoft.com/office/drawing/2014/main" id="{ECD646C1-AEB7-114A-B605-F2FCACC102AB}"/>
+              </a:ext>
+            </a:extLst>
+          </p:cNvPr>
+          <p:cNvPicPr>
+            <a:picLocks noChangeAspect="1"/>
+          </p:cNvPicPr>
+          <p:nvPr/>
+        </p:nvPicPr>
+        <p:blipFill>
+          <a:blip r:embed="rId2">
+            <a:extLst>
+              <a:ext uri="{28A0092B-C50C-407E-A947-70E740481C1C}">
+                <a14:useLocalDpi xmlns:a14="http://schemas.microsoft.com/office/drawing/2010/main" val="0"/>
+              </a:ext>
+            </a:extLst>
+          </a:blip>
+          <a:stretch>
+            <a:fillRect/>
+          </a:stretch>
+        </p:blipFill>
+        <p:spPr>
+          <a:xfrm>
+            <a:off x="6476051" y="1382232"/>
+            <a:ext cx="5276979" cy="5156551"/>
+          </a:xfrm>
+          <a:prstGeom prst="rect">
+            <a:avLst/>
+          </a:prstGeom>
+        </p:spPr>
+      </p:pic>
     </p:spTree>
     <p:extLst>
       <p:ext uri="{BB962C8B-B14F-4D97-AF65-F5344CB8AC3E}">

--- a/Courses/Software-Sciences/Module-4-Information-Systems-New/08-Navigation-between-Tables/08-Navigation-between-Tables.pptx
+++ b/Courses/Software-Sciences/Module-4-Information-Systems-New/08-Navigation-between-Tables/08-Navigation-between-Tables.pptx
@@ -340,7 +340,7 @@
           <a:p>
             <a:fld id="{4E087215-0C8F-4762-A664-737A353EC9A4}" type="datetimeFigureOut">
               <a:rPr lang="bg-BG" smtClean="0"/>
-              <a:t>20.11.24 г.</a:t>
+              <a:t>10.12.24 г.</a:t>
             </a:fld>
             <a:endParaRPr lang="bg-BG"/>
           </a:p>
@@ -536,7 +536,7 @@
           <a:p>
             <a:fld id="{72D84649-876A-46C9-8472-14CB09C070D8}" type="datetimeFigureOut">
               <a:rPr lang="en-US" smtClean="0"/>
-              <a:t>11/20/24</a:t>
+              <a:t>12/10/24</a:t>
             </a:fld>
             <a:endParaRPr lang="en-US"/>
           </a:p>
@@ -14610,11 +14610,11 @@
           <a:lstStyle/>
           <a:p>
             <a:r>
-              <a:rPr lang="bg-BG" sz="2200" dirty="0"/>
+              <a:rPr lang="bg-BG" sz="2400" dirty="0"/>
               <a:t>Добавяме </a:t>
             </a:r>
             <a:r>
-              <a:rPr lang="bg-BG" sz="2200" b="1" dirty="0">
+              <a:rPr lang="bg-BG" sz="2400" b="1" dirty="0">
                 <a:solidFill>
                   <a:schemeClr val="bg1"/>
                 </a:solidFill>
@@ -14622,19 +14622,19 @@
               <a:t>метод-обработчик</a:t>
             </a:r>
             <a:r>
-              <a:rPr lang="bg-BG" sz="2200" dirty="0"/>
+              <a:rPr lang="bg-BG" sz="2400" dirty="0"/>
               <a:t> на </a:t>
             </a:r>
             <a:r>
-              <a:rPr lang="bg-BG" sz="2200" b="1" dirty="0"/>
+              <a:rPr lang="bg-BG" sz="2400" b="1" dirty="0"/>
               <a:t>формата</a:t>
             </a:r>
             <a:r>
-              <a:rPr lang="bg-BG" sz="2200" dirty="0"/>
+              <a:rPr lang="bg-BG" sz="2400" dirty="0"/>
               <a:t> при събитието </a:t>
             </a:r>
             <a:r>
-              <a:rPr lang="en-US" sz="2200" b="1" dirty="0">
+              <a:rPr lang="en-US" sz="2400" b="1" dirty="0">
                 <a:solidFill>
                   <a:schemeClr val="bg1"/>
                 </a:solidFill>
@@ -14643,29 +14643,15 @@
               </a:rPr>
               <a:t>Load</a:t>
             </a:r>
-          </a:p>
-          <a:p>
-            <a:endParaRPr lang="en-US" dirty="0"/>
-          </a:p>
-          <a:p>
-            <a:pPr marL="0" indent="0">
-              <a:buNone/>
-            </a:pPr>
-            <a:endParaRPr lang="bg-BG" sz="2400" dirty="0"/>
-          </a:p>
-          <a:p>
-            <a:pPr marL="0" indent="0">
-              <a:buNone/>
-            </a:pPr>
-            <a:endParaRPr lang="bg-BG" sz="100" dirty="0"/>
-          </a:p>
-          <a:p>
-            <a:r>
-              <a:rPr lang="bg-BG" sz="2200" dirty="0"/>
+            <a:endParaRPr lang="en-US" sz="2400" dirty="0"/>
+          </a:p>
+          <a:p>
+            <a:r>
+              <a:rPr lang="bg-BG" sz="2400" dirty="0"/>
               <a:t>Зареждаме </a:t>
             </a:r>
             <a:r>
-              <a:rPr lang="bg-BG" sz="2200" b="1" dirty="0">
+              <a:rPr lang="bg-BG" sz="2400" b="1" dirty="0">
                 <a:solidFill>
                   <a:schemeClr val="bg1"/>
                 </a:solidFill>
@@ -14673,11 +14659,11 @@
               <a:t>държавите</a:t>
             </a:r>
             <a:r>
-              <a:rPr lang="bg-BG" sz="2200" dirty="0"/>
+              <a:rPr lang="bg-BG" sz="2400" dirty="0"/>
               <a:t> и </a:t>
             </a:r>
             <a:r>
-              <a:rPr lang="bg-BG" sz="2200" b="1" dirty="0">
+              <a:rPr lang="bg-BG" sz="2400" b="1" dirty="0">
                 <a:solidFill>
                   <a:schemeClr val="bg1"/>
                 </a:solidFill>
@@ -14685,11 +14671,11 @@
               <a:t>градовете</a:t>
             </a:r>
             <a:r>
-              <a:rPr lang="bg-BG" sz="2200" dirty="0"/>
+              <a:rPr lang="bg-BG" sz="2400" dirty="0"/>
               <a:t> от </a:t>
             </a:r>
             <a:r>
-              <a:rPr lang="bg-BG" sz="2200" b="1" dirty="0"/>
+              <a:rPr lang="bg-BG" sz="2400" b="1" dirty="0"/>
               <a:t>БД</a:t>
             </a:r>
           </a:p>
@@ -14728,6 +14714,283 @@
               <a:t>(1)</a:t>
             </a:r>
             <a:endParaRPr lang="en-BG" dirty="0"/>
+          </a:p>
+        </p:txBody>
+      </p:sp>
+      <p:sp>
+        <p:nvSpPr>
+          <p:cNvPr id="9" name="Text Placeholder 4">
+            <a:extLst>
+              <a:ext uri="{FF2B5EF4-FFF2-40B4-BE49-F238E27FC236}">
+                <a16:creationId xmlns:a16="http://schemas.microsoft.com/office/drawing/2014/main" id="{2433A25A-70EB-0A45-5167-A7069EB06D9D}"/>
+              </a:ext>
+            </a:extLst>
+          </p:cNvPr>
+          <p:cNvSpPr txBox="1">
+            <a:spLocks/>
+          </p:cNvSpPr>
+          <p:nvPr/>
+        </p:nvSpPr>
+        <p:spPr>
+          <a:xfrm>
+            <a:off x="384113" y="2304438"/>
+            <a:ext cx="11147030" cy="4401205"/>
+          </a:xfrm>
+          <a:prstGeom prst="rect">
+            <a:avLst/>
+          </a:prstGeom>
+          <a:solidFill>
+            <a:schemeClr val="accent5">
+              <a:lumMod val="40000"/>
+              <a:lumOff val="60000"/>
+              <a:alpha val="15000"/>
+            </a:schemeClr>
+          </a:solidFill>
+          <a:ln w="12700">
+            <a:solidFill>
+              <a:schemeClr val="accent5">
+                <a:lumMod val="60000"/>
+                <a:lumOff val="40000"/>
+              </a:schemeClr>
+            </a:solidFill>
+          </a:ln>
+        </p:spPr>
+        <p:txBody>
+          <a:bodyPr wrap="square">
+            <a:spAutoFit/>
+          </a:bodyPr>
+          <a:lstStyle/>
+          <a:p>
+            <a:r>
+              <a:rPr lang="en-GB" sz="2000" b="1" dirty="0">
+                <a:latin typeface="Consolas" panose="020B0609020204030204" pitchFamily="49" charset="0"/>
+                <a:cs typeface="Consolas" panose="020B0609020204030204" pitchFamily="49" charset="0"/>
+              </a:rPr>
+              <a:t>private Country[] </a:t>
+            </a:r>
+            <a:r>
+              <a:rPr lang="en-GB" sz="2000" b="1" dirty="0">
+                <a:solidFill>
+                  <a:schemeClr val="bg1"/>
+                </a:solidFill>
+                <a:latin typeface="Consolas" panose="020B0609020204030204" pitchFamily="49" charset="0"/>
+                <a:cs typeface="Consolas" panose="020B0609020204030204" pitchFamily="49" charset="0"/>
+              </a:rPr>
+              <a:t>LoadCountriesFromDb</a:t>
+            </a:r>
+            <a:r>
+              <a:rPr lang="en-GB" sz="2000" b="1" dirty="0">
+                <a:latin typeface="Consolas" panose="020B0609020204030204" pitchFamily="49" charset="0"/>
+                <a:cs typeface="Consolas" panose="020B0609020204030204" pitchFamily="49" charset="0"/>
+              </a:rPr>
+              <a:t>()</a:t>
+            </a:r>
+          </a:p>
+          <a:p>
+            <a:r>
+              <a:rPr lang="en-GB" sz="2000" b="1" dirty="0">
+                <a:latin typeface="Consolas" panose="020B0609020204030204" pitchFamily="49" charset="0"/>
+                <a:cs typeface="Consolas" panose="020B0609020204030204" pitchFamily="49" charset="0"/>
+              </a:rPr>
+              <a:t>{</a:t>
+            </a:r>
+          </a:p>
+          <a:p>
+            <a:r>
+              <a:rPr lang="en-GB" sz="2000" b="1" dirty="0">
+                <a:latin typeface="Consolas" panose="020B0609020204030204" pitchFamily="49" charset="0"/>
+                <a:cs typeface="Consolas" panose="020B0609020204030204" pitchFamily="49" charset="0"/>
+              </a:rPr>
+              <a:t>    using (var db = new </a:t>
+            </a:r>
+            <a:r>
+              <a:rPr lang="en-GB" sz="2000" b="1" dirty="0">
+                <a:solidFill>
+                  <a:schemeClr val="bg1"/>
+                </a:solidFill>
+                <a:latin typeface="Consolas" panose="020B0609020204030204" pitchFamily="49" charset="0"/>
+                <a:cs typeface="Consolas" panose="020B0609020204030204" pitchFamily="49" charset="0"/>
+              </a:rPr>
+              <a:t>CountriesDbContext</a:t>
+            </a:r>
+            <a:r>
+              <a:rPr lang="en-GB" sz="2000" b="1" dirty="0">
+                <a:latin typeface="Consolas" panose="020B0609020204030204" pitchFamily="49" charset="0"/>
+                <a:cs typeface="Consolas" panose="020B0609020204030204" pitchFamily="49" charset="0"/>
+              </a:rPr>
+              <a:t>())</a:t>
+            </a:r>
+          </a:p>
+          <a:p>
+            <a:r>
+              <a:rPr lang="en-GB" sz="2000" b="1" dirty="0">
+                <a:latin typeface="Consolas" panose="020B0609020204030204" pitchFamily="49" charset="0"/>
+                <a:cs typeface="Consolas" panose="020B0609020204030204" pitchFamily="49" charset="0"/>
+              </a:rPr>
+              <a:t>    {</a:t>
+            </a:r>
+          </a:p>
+          <a:p>
+            <a:r>
+              <a:rPr lang="en-GB" sz="2000" b="1" dirty="0">
+                <a:latin typeface="Consolas" panose="020B0609020204030204" pitchFamily="49" charset="0"/>
+                <a:cs typeface="Consolas" panose="020B0609020204030204" pitchFamily="49" charset="0"/>
+              </a:rPr>
+              <a:t>        return db.</a:t>
+            </a:r>
+            <a:r>
+              <a:rPr lang="en-GB" sz="2000" b="1" dirty="0">
+                <a:solidFill>
+                  <a:schemeClr val="bg1"/>
+                </a:solidFill>
+                <a:latin typeface="Consolas" panose="020B0609020204030204" pitchFamily="49" charset="0"/>
+                <a:cs typeface="Consolas" panose="020B0609020204030204" pitchFamily="49" charset="0"/>
+              </a:rPr>
+              <a:t>Countries</a:t>
+            </a:r>
+            <a:r>
+              <a:rPr lang="en-GB" sz="2000" b="1" dirty="0">
+                <a:latin typeface="Consolas" panose="020B0609020204030204" pitchFamily="49" charset="0"/>
+                <a:cs typeface="Consolas" panose="020B0609020204030204" pitchFamily="49" charset="0"/>
+              </a:rPr>
+              <a:t>.ToArray();</a:t>
+            </a:r>
+          </a:p>
+          <a:p>
+            <a:r>
+              <a:rPr lang="en-GB" sz="2000" b="1" dirty="0">
+                <a:latin typeface="Consolas" panose="020B0609020204030204" pitchFamily="49" charset="0"/>
+                <a:cs typeface="Consolas" panose="020B0609020204030204" pitchFamily="49" charset="0"/>
+              </a:rPr>
+              <a:t>    }</a:t>
+            </a:r>
+          </a:p>
+          <a:p>
+            <a:r>
+              <a:rPr lang="en-GB" sz="2000" b="1" dirty="0">
+                <a:latin typeface="Consolas" panose="020B0609020204030204" pitchFamily="49" charset="0"/>
+                <a:cs typeface="Consolas" panose="020B0609020204030204" pitchFamily="49" charset="0"/>
+              </a:rPr>
+              <a:t>}</a:t>
+            </a:r>
+          </a:p>
+          <a:p>
+            <a:r>
+              <a:rPr lang="en-GB" sz="2000" b="1" dirty="0">
+                <a:latin typeface="Consolas" panose="020B0609020204030204" pitchFamily="49" charset="0"/>
+                <a:cs typeface="Consolas" panose="020B0609020204030204" pitchFamily="49" charset="0"/>
+              </a:rPr>
+              <a:t>private Town[] </a:t>
+            </a:r>
+            <a:r>
+              <a:rPr lang="en-GB" sz="2000" b="1" dirty="0">
+                <a:solidFill>
+                  <a:schemeClr val="bg1"/>
+                </a:solidFill>
+                <a:latin typeface="Consolas" panose="020B0609020204030204" pitchFamily="49" charset="0"/>
+                <a:cs typeface="Consolas" panose="020B0609020204030204" pitchFamily="49" charset="0"/>
+              </a:rPr>
+              <a:t>LoadTownsFromDb</a:t>
+            </a:r>
+            <a:r>
+              <a:rPr lang="en-GB" sz="2000" b="1" dirty="0">
+                <a:latin typeface="Consolas" panose="020B0609020204030204" pitchFamily="49" charset="0"/>
+                <a:cs typeface="Consolas" panose="020B0609020204030204" pitchFamily="49" charset="0"/>
+              </a:rPr>
+              <a:t>()</a:t>
+            </a:r>
+          </a:p>
+          <a:p>
+            <a:r>
+              <a:rPr lang="en-GB" sz="2000" b="1" dirty="0">
+                <a:latin typeface="Consolas" panose="020B0609020204030204" pitchFamily="49" charset="0"/>
+                <a:cs typeface="Consolas" panose="020B0609020204030204" pitchFamily="49" charset="0"/>
+              </a:rPr>
+              <a:t>{</a:t>
+            </a:r>
+          </a:p>
+          <a:p>
+            <a:r>
+              <a:rPr lang="en-GB" sz="2000" b="1" dirty="0">
+                <a:latin typeface="Consolas" panose="020B0609020204030204" pitchFamily="49" charset="0"/>
+                <a:cs typeface="Consolas" panose="020B0609020204030204" pitchFamily="49" charset="0"/>
+              </a:rPr>
+              <a:t>    using (var db = new </a:t>
+            </a:r>
+            <a:r>
+              <a:rPr lang="en-GB" sz="2000" b="1" dirty="0">
+                <a:solidFill>
+                  <a:schemeClr val="bg1"/>
+                </a:solidFill>
+                <a:latin typeface="Consolas" panose="020B0609020204030204" pitchFamily="49" charset="0"/>
+                <a:cs typeface="Consolas" panose="020B0609020204030204" pitchFamily="49" charset="0"/>
+              </a:rPr>
+              <a:t>CountriesDbContext</a:t>
+            </a:r>
+            <a:r>
+              <a:rPr lang="en-GB" sz="2000" b="1" dirty="0">
+                <a:latin typeface="Consolas" panose="020B0609020204030204" pitchFamily="49" charset="0"/>
+                <a:cs typeface="Consolas" panose="020B0609020204030204" pitchFamily="49" charset="0"/>
+              </a:rPr>
+              <a:t>())</a:t>
+            </a:r>
+          </a:p>
+          <a:p>
+            <a:r>
+              <a:rPr lang="en-GB" sz="2000" b="1" dirty="0">
+                <a:latin typeface="Consolas" panose="020B0609020204030204" pitchFamily="49" charset="0"/>
+                <a:cs typeface="Consolas" panose="020B0609020204030204" pitchFamily="49" charset="0"/>
+              </a:rPr>
+              <a:t>    {</a:t>
+            </a:r>
+          </a:p>
+          <a:p>
+            <a:r>
+              <a:rPr lang="en-GB" sz="2000" b="1" dirty="0">
+                <a:latin typeface="Consolas" panose="020B0609020204030204" pitchFamily="49" charset="0"/>
+                <a:cs typeface="Consolas" panose="020B0609020204030204" pitchFamily="49" charset="0"/>
+              </a:rPr>
+              <a:t>        return db.</a:t>
+            </a:r>
+            <a:r>
+              <a:rPr lang="en-GB" sz="2000" b="1" dirty="0">
+                <a:solidFill>
+                  <a:schemeClr val="bg1"/>
+                </a:solidFill>
+                <a:latin typeface="Consolas" panose="020B0609020204030204" pitchFamily="49" charset="0"/>
+                <a:cs typeface="Consolas" panose="020B0609020204030204" pitchFamily="49" charset="0"/>
+              </a:rPr>
+              <a:t>Towns</a:t>
+            </a:r>
+            <a:r>
+              <a:rPr lang="en-GB" sz="2000" b="1" dirty="0">
+                <a:latin typeface="Consolas" panose="020B0609020204030204" pitchFamily="49" charset="0"/>
+                <a:cs typeface="Consolas" panose="020B0609020204030204" pitchFamily="49" charset="0"/>
+              </a:rPr>
+              <a:t>.ToArray();</a:t>
+            </a:r>
+          </a:p>
+          <a:p>
+            <a:r>
+              <a:rPr lang="en-GB" sz="2000" b="1" dirty="0">
+                <a:latin typeface="Consolas" panose="020B0609020204030204" pitchFamily="49" charset="0"/>
+                <a:cs typeface="Consolas" panose="020B0609020204030204" pitchFamily="49" charset="0"/>
+              </a:rPr>
+              <a:t>    }</a:t>
+            </a:r>
+          </a:p>
+          <a:p>
+            <a:r>
+              <a:rPr lang="en-GB" sz="2000" b="1" dirty="0">
+                <a:latin typeface="Consolas" panose="020B0609020204030204" pitchFamily="49" charset="0"/>
+                <a:cs typeface="Consolas" panose="020B0609020204030204" pitchFamily="49" charset="0"/>
+              </a:rPr>
+              <a:t>}</a:t>
+            </a:r>
+            <a:endParaRPr lang="en-GB" sz="1500" b="1" dirty="0">
+              <a:latin typeface="Consolas" panose="020B0609020204030204" pitchFamily="49" charset="0"/>
+              <a:cs typeface="Consolas" panose="020B0609020204030204" pitchFamily="49" charset="0"/>
+            </a:endParaRPr>
           </a:p>
         </p:txBody>
       </p:sp>
@@ -14758,8 +15021,8 @@
         </p:blipFill>
         <p:spPr>
           <a:xfrm>
-            <a:off x="606000" y="1629000"/>
-            <a:ext cx="2833704" cy="1498397"/>
+            <a:off x="7181871" y="1719000"/>
+            <a:ext cx="4587949" cy="2426001"/>
           </a:xfrm>
           <a:prstGeom prst="rect">
             <a:avLst/>
@@ -14773,279 +15036,6 @@
           </a:ln>
         </p:spPr>
       </p:pic>
-      <p:sp>
-        <p:nvSpPr>
-          <p:cNvPr id="9" name="Text Placeholder 4">
-            <a:extLst>
-              <a:ext uri="{FF2B5EF4-FFF2-40B4-BE49-F238E27FC236}">
-                <a16:creationId xmlns:a16="http://schemas.microsoft.com/office/drawing/2014/main" id="{2433A25A-70EB-0A45-5167-A7069EB06D9D}"/>
-              </a:ext>
-            </a:extLst>
-          </p:cNvPr>
-          <p:cNvSpPr txBox="1">
-            <a:spLocks/>
-          </p:cNvSpPr>
-          <p:nvPr/>
-        </p:nvSpPr>
-        <p:spPr>
-          <a:xfrm>
-            <a:off x="606000" y="3495253"/>
-            <a:ext cx="11147030" cy="3323987"/>
-          </a:xfrm>
-          <a:prstGeom prst="rect">
-            <a:avLst/>
-          </a:prstGeom>
-          <a:solidFill>
-            <a:schemeClr val="accent5">
-              <a:lumMod val="40000"/>
-              <a:lumOff val="60000"/>
-              <a:alpha val="15000"/>
-            </a:schemeClr>
-          </a:solidFill>
-          <a:ln w="12700">
-            <a:solidFill>
-              <a:schemeClr val="accent5">
-                <a:lumMod val="60000"/>
-                <a:lumOff val="40000"/>
-              </a:schemeClr>
-            </a:solidFill>
-          </a:ln>
-        </p:spPr>
-        <p:txBody>
-          <a:bodyPr wrap="square">
-            <a:spAutoFit/>
-          </a:bodyPr>
-          <a:lstStyle/>
-          <a:p>
-            <a:r>
-              <a:rPr lang="en-GB" sz="1500" b="1" dirty="0">
-                <a:latin typeface="Consolas" panose="020B0609020204030204" pitchFamily="49" charset="0"/>
-                <a:cs typeface="Consolas" panose="020B0609020204030204" pitchFamily="49" charset="0"/>
-              </a:rPr>
-              <a:t>private Country[] </a:t>
-            </a:r>
-            <a:r>
-              <a:rPr lang="en-GB" sz="1500" b="1" dirty="0">
-                <a:solidFill>
-                  <a:schemeClr val="bg1"/>
-                </a:solidFill>
-                <a:latin typeface="Consolas" panose="020B0609020204030204" pitchFamily="49" charset="0"/>
-                <a:cs typeface="Consolas" panose="020B0609020204030204" pitchFamily="49" charset="0"/>
-              </a:rPr>
-              <a:t>LoadCountriesFromDb</a:t>
-            </a:r>
-            <a:r>
-              <a:rPr lang="en-GB" sz="1500" b="1" dirty="0">
-                <a:latin typeface="Consolas" panose="020B0609020204030204" pitchFamily="49" charset="0"/>
-                <a:cs typeface="Consolas" panose="020B0609020204030204" pitchFamily="49" charset="0"/>
-              </a:rPr>
-              <a:t>()</a:t>
-            </a:r>
-          </a:p>
-          <a:p>
-            <a:r>
-              <a:rPr lang="en-GB" sz="1500" b="1" dirty="0">
-                <a:latin typeface="Consolas" panose="020B0609020204030204" pitchFamily="49" charset="0"/>
-                <a:cs typeface="Consolas" panose="020B0609020204030204" pitchFamily="49" charset="0"/>
-              </a:rPr>
-              <a:t>{</a:t>
-            </a:r>
-          </a:p>
-          <a:p>
-            <a:r>
-              <a:rPr lang="en-GB" sz="1500" b="1" dirty="0">
-                <a:latin typeface="Consolas" panose="020B0609020204030204" pitchFamily="49" charset="0"/>
-                <a:cs typeface="Consolas" panose="020B0609020204030204" pitchFamily="49" charset="0"/>
-              </a:rPr>
-              <a:t>    using (var db = new </a:t>
-            </a:r>
-            <a:r>
-              <a:rPr lang="en-GB" sz="1500" b="1" dirty="0">
-                <a:solidFill>
-                  <a:schemeClr val="bg1"/>
-                </a:solidFill>
-                <a:latin typeface="Consolas" panose="020B0609020204030204" pitchFamily="49" charset="0"/>
-                <a:cs typeface="Consolas" panose="020B0609020204030204" pitchFamily="49" charset="0"/>
-              </a:rPr>
-              <a:t>CountriesDbContext</a:t>
-            </a:r>
-            <a:r>
-              <a:rPr lang="en-GB" sz="1500" b="1" dirty="0">
-                <a:latin typeface="Consolas" panose="020B0609020204030204" pitchFamily="49" charset="0"/>
-                <a:cs typeface="Consolas" panose="020B0609020204030204" pitchFamily="49" charset="0"/>
-              </a:rPr>
-              <a:t>())</a:t>
-            </a:r>
-          </a:p>
-          <a:p>
-            <a:r>
-              <a:rPr lang="en-GB" sz="1500" b="1" dirty="0">
-                <a:latin typeface="Consolas" panose="020B0609020204030204" pitchFamily="49" charset="0"/>
-                <a:cs typeface="Consolas" panose="020B0609020204030204" pitchFamily="49" charset="0"/>
-              </a:rPr>
-              <a:t>    {</a:t>
-            </a:r>
-          </a:p>
-          <a:p>
-            <a:r>
-              <a:rPr lang="en-GB" sz="1500" b="1" dirty="0">
-                <a:latin typeface="Consolas" panose="020B0609020204030204" pitchFamily="49" charset="0"/>
-                <a:cs typeface="Consolas" panose="020B0609020204030204" pitchFamily="49" charset="0"/>
-              </a:rPr>
-              <a:t>        return db.</a:t>
-            </a:r>
-            <a:r>
-              <a:rPr lang="en-GB" sz="1500" b="1" dirty="0">
-                <a:solidFill>
-                  <a:schemeClr val="bg1"/>
-                </a:solidFill>
-                <a:latin typeface="Consolas" panose="020B0609020204030204" pitchFamily="49" charset="0"/>
-                <a:cs typeface="Consolas" panose="020B0609020204030204" pitchFamily="49" charset="0"/>
-              </a:rPr>
-              <a:t>Countries</a:t>
-            </a:r>
-            <a:r>
-              <a:rPr lang="en-GB" sz="1500" b="1" dirty="0">
-                <a:latin typeface="Consolas" panose="020B0609020204030204" pitchFamily="49" charset="0"/>
-                <a:cs typeface="Consolas" panose="020B0609020204030204" pitchFamily="49" charset="0"/>
-              </a:rPr>
-              <a:t>.ToArray();</a:t>
-            </a:r>
-          </a:p>
-          <a:p>
-            <a:r>
-              <a:rPr lang="en-GB" sz="1500" b="1" dirty="0">
-                <a:latin typeface="Consolas" panose="020B0609020204030204" pitchFamily="49" charset="0"/>
-                <a:cs typeface="Consolas" panose="020B0609020204030204" pitchFamily="49" charset="0"/>
-              </a:rPr>
-              <a:t>    }</a:t>
-            </a:r>
-          </a:p>
-          <a:p>
-            <a:r>
-              <a:rPr lang="en-GB" sz="1500" b="1" dirty="0">
-                <a:latin typeface="Consolas" panose="020B0609020204030204" pitchFamily="49" charset="0"/>
-                <a:cs typeface="Consolas" panose="020B0609020204030204" pitchFamily="49" charset="0"/>
-              </a:rPr>
-              <a:t>}</a:t>
-            </a:r>
-          </a:p>
-          <a:p>
-            <a:r>
-              <a:rPr lang="en-GB" sz="1500" b="1" dirty="0">
-                <a:latin typeface="Consolas" panose="020B0609020204030204" pitchFamily="49" charset="0"/>
-                <a:cs typeface="Consolas" panose="020B0609020204030204" pitchFamily="49" charset="0"/>
-              </a:rPr>
-              <a:t>private Town[] </a:t>
-            </a:r>
-            <a:r>
-              <a:rPr lang="en-GB" sz="1500" b="1" dirty="0">
-                <a:solidFill>
-                  <a:schemeClr val="bg1"/>
-                </a:solidFill>
-                <a:latin typeface="Consolas" panose="020B0609020204030204" pitchFamily="49" charset="0"/>
-                <a:cs typeface="Consolas" panose="020B0609020204030204" pitchFamily="49" charset="0"/>
-              </a:rPr>
-              <a:t>LoadTownsFromDb</a:t>
-            </a:r>
-            <a:r>
-              <a:rPr lang="en-GB" sz="1500" b="1" dirty="0">
-                <a:latin typeface="Consolas" panose="020B0609020204030204" pitchFamily="49" charset="0"/>
-                <a:cs typeface="Consolas" panose="020B0609020204030204" pitchFamily="49" charset="0"/>
-              </a:rPr>
-              <a:t>()</a:t>
-            </a:r>
-          </a:p>
-          <a:p>
-            <a:r>
-              <a:rPr lang="en-GB" sz="1500" b="1" dirty="0">
-                <a:latin typeface="Consolas" panose="020B0609020204030204" pitchFamily="49" charset="0"/>
-                <a:cs typeface="Consolas" panose="020B0609020204030204" pitchFamily="49" charset="0"/>
-              </a:rPr>
-              <a:t>{</a:t>
-            </a:r>
-          </a:p>
-          <a:p>
-            <a:r>
-              <a:rPr lang="en-GB" sz="1500" b="1" dirty="0">
-                <a:latin typeface="Consolas" panose="020B0609020204030204" pitchFamily="49" charset="0"/>
-                <a:cs typeface="Consolas" panose="020B0609020204030204" pitchFamily="49" charset="0"/>
-              </a:rPr>
-              <a:t>    using (var db = new </a:t>
-            </a:r>
-            <a:r>
-              <a:rPr lang="en-GB" sz="1500" b="1" dirty="0">
-                <a:solidFill>
-                  <a:schemeClr val="bg1"/>
-                </a:solidFill>
-                <a:latin typeface="Consolas" panose="020B0609020204030204" pitchFamily="49" charset="0"/>
-                <a:cs typeface="Consolas" panose="020B0609020204030204" pitchFamily="49" charset="0"/>
-              </a:rPr>
-              <a:t>CountriesDbContext</a:t>
-            </a:r>
-            <a:r>
-              <a:rPr lang="en-GB" sz="1500" b="1" dirty="0">
-                <a:latin typeface="Consolas" panose="020B0609020204030204" pitchFamily="49" charset="0"/>
-                <a:cs typeface="Consolas" panose="020B0609020204030204" pitchFamily="49" charset="0"/>
-              </a:rPr>
-              <a:t>())</a:t>
-            </a:r>
-          </a:p>
-          <a:p>
-            <a:r>
-              <a:rPr lang="en-GB" sz="1500" b="1" dirty="0">
-                <a:latin typeface="Consolas" panose="020B0609020204030204" pitchFamily="49" charset="0"/>
-                <a:cs typeface="Consolas" panose="020B0609020204030204" pitchFamily="49" charset="0"/>
-              </a:rPr>
-              <a:t>    {</a:t>
-            </a:r>
-          </a:p>
-          <a:p>
-            <a:r>
-              <a:rPr lang="en-GB" sz="1500" b="1" dirty="0">
-                <a:latin typeface="Consolas" panose="020B0609020204030204" pitchFamily="49" charset="0"/>
-                <a:cs typeface="Consolas" panose="020B0609020204030204" pitchFamily="49" charset="0"/>
-              </a:rPr>
-              <a:t>        return db.</a:t>
-            </a:r>
-            <a:r>
-              <a:rPr lang="en-GB" sz="1500" b="1" dirty="0">
-                <a:solidFill>
-                  <a:schemeClr val="bg1"/>
-                </a:solidFill>
-                <a:latin typeface="Consolas" panose="020B0609020204030204" pitchFamily="49" charset="0"/>
-                <a:cs typeface="Consolas" panose="020B0609020204030204" pitchFamily="49" charset="0"/>
-              </a:rPr>
-              <a:t>Towns</a:t>
-            </a:r>
-            <a:r>
-              <a:rPr lang="en-GB" sz="1500" b="1" dirty="0">
-                <a:latin typeface="Consolas" panose="020B0609020204030204" pitchFamily="49" charset="0"/>
-                <a:cs typeface="Consolas" panose="020B0609020204030204" pitchFamily="49" charset="0"/>
-              </a:rPr>
-              <a:t>.ToArray();</a:t>
-            </a:r>
-          </a:p>
-          <a:p>
-            <a:r>
-              <a:rPr lang="en-GB" sz="1500" b="1" dirty="0">
-                <a:latin typeface="Consolas" panose="020B0609020204030204" pitchFamily="49" charset="0"/>
-                <a:cs typeface="Consolas" panose="020B0609020204030204" pitchFamily="49" charset="0"/>
-              </a:rPr>
-              <a:t>    }</a:t>
-            </a:r>
-          </a:p>
-          <a:p>
-            <a:r>
-              <a:rPr lang="en-GB" sz="1500" b="1" dirty="0">
-                <a:latin typeface="Consolas" panose="020B0609020204030204" pitchFamily="49" charset="0"/>
-                <a:cs typeface="Consolas" panose="020B0609020204030204" pitchFamily="49" charset="0"/>
-              </a:rPr>
-              <a:t>}</a:t>
-            </a:r>
-          </a:p>
-        </p:txBody>
-      </p:sp>
     </p:spTree>
     <p:extLst>
       <p:ext uri="{BB962C8B-B14F-4D97-AF65-F5344CB8AC3E}">
@@ -15130,7 +15120,7 @@
                             </p:stCondLst>
                             <p:childTnLst>
                               <p:par>
-                                <p:cTn id="9" presetID="1" presetClass="entr" presetSubtype="0" fill="hold" nodeType="clickEffect">
+                                <p:cTn id="9" presetID="1" presetClass="entr" presetSubtype="0" fill="hold" grpId="0" nodeType="clickEffect">
                                   <p:stCondLst>
                                     <p:cond delay="0"/>
                                   </p:stCondLst>
@@ -15138,55 +15128,6 @@
                                     <p:set>
                                       <p:cBhvr>
                                         <p:cTn id="10" dur="1" fill="hold">
-                                          <p:stCondLst>
-                                            <p:cond delay="0"/>
-                                          </p:stCondLst>
-                                        </p:cTn>
-                                        <p:tgtEl>
-                                          <p:spTgt spid="3">
-                                            <p:txEl>
-                                              <p:pRg st="4" end="4"/>
-                                            </p:txEl>
-                                          </p:spTgt>
-                                        </p:tgtEl>
-                                        <p:attrNameLst>
-                                          <p:attrName>style.visibility</p:attrName>
-                                        </p:attrNameLst>
-                                      </p:cBhvr>
-                                      <p:to>
-                                        <p:strVal val="visible"/>
-                                      </p:to>
-                                    </p:set>
-                                  </p:childTnLst>
-                                </p:cTn>
-                              </p:par>
-                            </p:childTnLst>
-                          </p:cTn>
-                        </p:par>
-                      </p:childTnLst>
-                    </p:cTn>
-                  </p:par>
-                  <p:par>
-                    <p:cTn id="11" fill="hold">
-                      <p:stCondLst>
-                        <p:cond delay="indefinite"/>
-                      </p:stCondLst>
-                      <p:childTnLst>
-                        <p:par>
-                          <p:cTn id="12" fill="hold">
-                            <p:stCondLst>
-                              <p:cond delay="0"/>
-                            </p:stCondLst>
-                            <p:childTnLst>
-                              <p:par>
-                                <p:cTn id="13" presetID="1" presetClass="entr" presetSubtype="0" fill="hold" grpId="0" nodeType="clickEffect">
-                                  <p:stCondLst>
-                                    <p:cond delay="0"/>
-                                  </p:stCondLst>
-                                  <p:childTnLst>
-                                    <p:set>
-                                      <p:cBhvr>
-                                        <p:cTn id="14" dur="1" fill="hold">
                                           <p:stCondLst>
                                             <p:cond delay="0"/>
                                           </p:stCondLst>

--- a/Courses/Software-Sciences/Module-4-Information-Systems-New/08-Navigation-between-Tables/08-Navigation-between-Tables.pptx
+++ b/Courses/Software-Sciences/Module-4-Information-Systems-New/08-Navigation-between-Tables/08-Navigation-between-Tables.pptx
@@ -340,7 +340,7 @@
           <a:p>
             <a:fld id="{4E087215-0C8F-4762-A664-737A353EC9A4}" type="datetimeFigureOut">
               <a:rPr lang="bg-BG" smtClean="0"/>
-              <a:t>10.12.24 г.</a:t>
+              <a:t>17.12.24 г.</a:t>
             </a:fld>
             <a:endParaRPr lang="bg-BG"/>
           </a:p>
@@ -536,7 +536,7 @@
           <a:p>
             <a:fld id="{72D84649-876A-46C9-8472-14CB09C070D8}" type="datetimeFigureOut">
               <a:rPr lang="en-US" smtClean="0"/>
-              <a:t>12/10/24</a:t>
+              <a:t>12/17/24</a:t>
             </a:fld>
             <a:endParaRPr lang="en-US"/>
           </a:p>
@@ -14766,7 +14766,7 @@
                 <a:latin typeface="Consolas" panose="020B0609020204030204" pitchFamily="49" charset="0"/>
                 <a:cs typeface="Consolas" panose="020B0609020204030204" pitchFamily="49" charset="0"/>
               </a:rPr>
-              <a:t>private Country[] </a:t>
+              <a:t>private List&lt;Country&gt; </a:t>
             </a:r>
             <a:r>
               <a:rPr lang="en-GB" sz="2000" b="1" dirty="0">
@@ -14853,7 +14853,7 @@
                 <a:latin typeface="Consolas" panose="020B0609020204030204" pitchFamily="49" charset="0"/>
                 <a:cs typeface="Consolas" panose="020B0609020204030204" pitchFamily="49" charset="0"/>
               </a:rPr>
-              <a:t>.ToArray();</a:t>
+              <a:t>.ToList();</a:t>
             </a:r>
           </a:p>
           <a:p>
@@ -14880,7 +14880,7 @@
                 <a:latin typeface="Consolas" panose="020B0609020204030204" pitchFamily="49" charset="0"/>
                 <a:cs typeface="Consolas" panose="020B0609020204030204" pitchFamily="49" charset="0"/>
               </a:rPr>
-              <a:t>private Town[] </a:t>
+              <a:t>private List&lt;Town&gt; </a:t>
             </a:r>
             <a:r>
               <a:rPr lang="en-GB" sz="2000" b="1" dirty="0">
@@ -14950,24 +14950,38 @@
                 <a:latin typeface="Consolas" panose="020B0609020204030204" pitchFamily="49" charset="0"/>
                 <a:cs typeface="Consolas" panose="020B0609020204030204" pitchFamily="49" charset="0"/>
               </a:rPr>
-              <a:t>        return db.</a:t>
+              <a:t>        return </a:t>
+            </a:r>
+            <a:r>
+              <a:rPr lang="en-GB" sz="2000" b="1" dirty="0" err="1">
+                <a:latin typeface="Consolas" panose="020B0609020204030204" pitchFamily="49" charset="0"/>
+                <a:cs typeface="Consolas" panose="020B0609020204030204" pitchFamily="49" charset="0"/>
+              </a:rPr>
+              <a:t>db.</a:t>
+            </a:r>
+            <a:r>
+              <a:rPr lang="en-GB" sz="2000" b="1" dirty="0" err="1">
+                <a:solidFill>
+                  <a:schemeClr val="bg1"/>
+                </a:solidFill>
+                <a:latin typeface="Consolas" panose="020B0609020204030204" pitchFamily="49" charset="0"/>
+                <a:cs typeface="Consolas" panose="020B0609020204030204" pitchFamily="49" charset="0"/>
+              </a:rPr>
+              <a:t>Towns</a:t>
+            </a:r>
+            <a:r>
+              <a:rPr lang="en-GB" sz="2000" b="1" dirty="0" err="1">
+                <a:latin typeface="Consolas" panose="020B0609020204030204" pitchFamily="49" charset="0"/>
+                <a:cs typeface="Consolas" panose="020B0609020204030204" pitchFamily="49" charset="0"/>
+              </a:rPr>
+              <a:t>.ToList</a:t>
             </a:r>
             <a:r>
               <a:rPr lang="en-GB" sz="2000" b="1" dirty="0">
-                <a:solidFill>
-                  <a:schemeClr val="bg1"/>
-                </a:solidFill>
                 <a:latin typeface="Consolas" panose="020B0609020204030204" pitchFamily="49" charset="0"/>
                 <a:cs typeface="Consolas" panose="020B0609020204030204" pitchFamily="49" charset="0"/>
               </a:rPr>
-              <a:t>Towns</a:t>
-            </a:r>
-            <a:r>
-              <a:rPr lang="en-GB" sz="2000" b="1" dirty="0">
-                <a:latin typeface="Consolas" panose="020B0609020204030204" pitchFamily="49" charset="0"/>
-                <a:cs typeface="Consolas" panose="020B0609020204030204" pitchFamily="49" charset="0"/>
-              </a:rPr>
-              <a:t>.ToArray();</a:t>
+              <a:t>();</a:t>
             </a:r>
           </a:p>
           <a:p>
@@ -17620,7 +17634,7 @@
                 <a:latin typeface="Consolas" panose="020B0609020204030204" pitchFamily="49" charset="0"/>
                 <a:cs typeface="Courier New" panose="02070309020205020404" pitchFamily="49" charset="0"/>
               </a:rPr>
-              <a:t>private Country[]</a:t>
+              <a:t>private List&lt;Country&gt;</a:t>
             </a:r>
             <a:r>
               <a:rPr lang="bg-BG" sz="2000" b="1" noProof="1">
@@ -17819,7 +17833,21 @@
                 <a:latin typeface="Consolas" panose="020B0609020204030204" pitchFamily="49" charset="0"/>
                 <a:cs typeface="Courier New" panose="02070309020205020404" pitchFamily="49" charset="0"/>
               </a:rPr>
-              <a:t>.ToArray();</a:t>
+              <a:t>.</a:t>
+            </a:r>
+            <a:r>
+              <a:rPr lang="en-GB" sz="2000" b="1" dirty="0">
+                <a:latin typeface="Consolas" panose="020B0609020204030204" pitchFamily="49" charset="0"/>
+                <a:cs typeface="Consolas" panose="020B0609020204030204" pitchFamily="49" charset="0"/>
+              </a:rPr>
+              <a:t>ToList</a:t>
+            </a:r>
+            <a:r>
+              <a:rPr lang="en-US" sz="2000" b="1" noProof="1">
+                <a:latin typeface="Consolas" panose="020B0609020204030204" pitchFamily="49" charset="0"/>
+                <a:cs typeface="Courier New" panose="02070309020205020404" pitchFamily="49" charset="0"/>
+              </a:rPr>
+              <a:t>();</a:t>
             </a:r>
           </a:p>
           <a:p>
@@ -18791,7 +18819,7 @@
         <p:spPr bwMode="auto">
           <a:xfrm>
             <a:off x="336000" y="1364466"/>
-            <a:ext cx="11125200" cy="5142534"/>
+            <a:ext cx="11125200" cy="4896313"/>
           </a:xfrm>
           <a:prstGeom prst="rect">
             <a:avLst/>
@@ -18819,14 +18847,14 @@
           <a:lstStyle/>
           <a:p>
             <a:r>
-              <a:rPr lang="en-GB" sz="2000" b="1" dirty="0">
+              <a:rPr lang="en-GB" sz="1900" b="1" dirty="0">
                 <a:latin typeface="Consolas" panose="020B0609020204030204" pitchFamily="49" charset="0"/>
                 <a:cs typeface="Consolas" panose="020B0609020204030204" pitchFamily="49" charset="0"/>
               </a:rPr>
-              <a:t>private Country[] </a:t>
-            </a:r>
-            <a:r>
-              <a:rPr lang="en-GB" sz="2000" b="1" dirty="0">
+              <a:t>private List&lt;Country&gt; </a:t>
+            </a:r>
+            <a:r>
+              <a:rPr lang="en-GB" sz="1900" b="1" dirty="0">
                 <a:solidFill>
                   <a:schemeClr val="bg1"/>
                 </a:solidFill>
@@ -18836,21 +18864,21 @@
               <a:t>SortCountries</a:t>
             </a:r>
             <a:r>
-              <a:rPr lang="en-GB" sz="2000" b="1" dirty="0">
+              <a:rPr lang="en-GB" sz="1900" b="1" dirty="0">
                 <a:latin typeface="Consolas" panose="020B0609020204030204" pitchFamily="49" charset="0"/>
                 <a:cs typeface="Consolas" panose="020B0609020204030204" pitchFamily="49" charset="0"/>
               </a:rPr>
-              <a:t>(</a:t>
-            </a:r>
-            <a:r>
-              <a:rPr lang="en-US" sz="2000" b="1" dirty="0">
+              <a:t>(List&lt;</a:t>
+            </a:r>
+            <a:r>
+              <a:rPr lang="en-US" sz="1900" b="1" dirty="0">
                 <a:latin typeface="Consolas" panose="020B0609020204030204" pitchFamily="49" charset="0"/>
                 <a:cs typeface="Consolas" panose="020B0609020204030204" pitchFamily="49" charset="0"/>
               </a:rPr>
-              <a:t>Country[] </a:t>
-            </a:r>
-            <a:r>
-              <a:rPr lang="en-GB" sz="2000" b="1" dirty="0">
+              <a:t>Country&gt; </a:t>
+            </a:r>
+            <a:r>
+              <a:rPr lang="en-GB" sz="1900" b="1" dirty="0">
                 <a:latin typeface="Consolas" panose="020B0609020204030204" pitchFamily="49" charset="0"/>
                 <a:cs typeface="Consolas" panose="020B0609020204030204" pitchFamily="49" charset="0"/>
               </a:rPr>
@@ -18859,7 +18887,7 @@
           </a:p>
           <a:p>
             <a:r>
-              <a:rPr lang="en-GB" sz="2000" b="1" dirty="0">
+              <a:rPr lang="en-GB" sz="1900" b="1" dirty="0">
                 <a:latin typeface="Consolas" panose="020B0609020204030204" pitchFamily="49" charset="0"/>
                 <a:cs typeface="Consolas" panose="020B0609020204030204" pitchFamily="49" charset="0"/>
               </a:rPr>
@@ -18868,7 +18896,7 @@
           </a:p>
           <a:p>
             <a:r>
-              <a:rPr lang="en-GB" sz="2000" b="1" dirty="0">
+              <a:rPr lang="en-GB" sz="1900" b="1" dirty="0">
                 <a:latin typeface="Consolas" panose="020B0609020204030204" pitchFamily="49" charset="0"/>
                 <a:cs typeface="Consolas" panose="020B0609020204030204" pitchFamily="49" charset="0"/>
               </a:rPr>
@@ -18877,7 +18905,7 @@
           </a:p>
           <a:p>
             <a:r>
-              <a:rPr lang="en-GB" sz="2000" b="1" dirty="0">
+              <a:rPr lang="en-GB" sz="1900" b="1" dirty="0">
                 <a:latin typeface="Consolas" panose="020B0609020204030204" pitchFamily="49" charset="0"/>
                 <a:cs typeface="Consolas" panose="020B0609020204030204" pitchFamily="49" charset="0"/>
               </a:rPr>
@@ -18886,14 +18914,14 @@
           </a:p>
           <a:p>
             <a:r>
-              <a:rPr lang="en-GB" sz="2000" b="1" dirty="0">
+              <a:rPr lang="en-GB" sz="1900" b="1" dirty="0">
                 <a:latin typeface="Consolas" panose="020B0609020204030204" pitchFamily="49" charset="0"/>
                 <a:cs typeface="Consolas" panose="020B0609020204030204" pitchFamily="49" charset="0"/>
               </a:rPr>
               <a:t>        case "</a:t>
             </a:r>
             <a:r>
-              <a:rPr lang="bg-BG" sz="2000" b="1" dirty="0">
+              <a:rPr lang="bg-BG" sz="1900" b="1" dirty="0">
                 <a:latin typeface="Consolas" panose="020B0609020204030204" pitchFamily="49" charset="0"/>
                 <a:cs typeface="Consolas" panose="020B0609020204030204" pitchFamily="49" charset="0"/>
               </a:rPr>
@@ -18902,21 +18930,21 @@
           </a:p>
           <a:p>
             <a:r>
-              <a:rPr lang="bg-BG" sz="2000" b="1" dirty="0">
+              <a:rPr lang="bg-BG" sz="1900" b="1" dirty="0">
                 <a:latin typeface="Consolas" panose="020B0609020204030204" pitchFamily="49" charset="0"/>
                 <a:cs typeface="Consolas" panose="020B0609020204030204" pitchFamily="49" charset="0"/>
               </a:rPr>
               <a:t>            </a:t>
             </a:r>
             <a:r>
-              <a:rPr lang="en-GB" sz="2000" b="1" dirty="0">
+              <a:rPr lang="en-GB" sz="1900" b="1" dirty="0">
                 <a:latin typeface="Consolas" panose="020B0609020204030204" pitchFamily="49" charset="0"/>
                 <a:cs typeface="Consolas" panose="020B0609020204030204" pitchFamily="49" charset="0"/>
               </a:rPr>
               <a:t>return countries.</a:t>
             </a:r>
             <a:r>
-              <a:rPr lang="en-GB" sz="2000" b="1" dirty="0">
+              <a:rPr lang="en-GB" sz="1900" b="1" dirty="0">
                 <a:solidFill>
                   <a:schemeClr val="bg1"/>
                 </a:solidFill>
@@ -18926,23 +18954,23 @@
               <a:t>OrderBy</a:t>
             </a:r>
             <a:r>
-              <a:rPr lang="en-GB" sz="2000" b="1" dirty="0">
+              <a:rPr lang="en-GB" sz="1900" b="1" dirty="0">
                 <a:latin typeface="Consolas" panose="020B0609020204030204" pitchFamily="49" charset="0"/>
                 <a:cs typeface="Consolas" panose="020B0609020204030204" pitchFamily="49" charset="0"/>
               </a:rPr>
-              <a:t>(c =&gt; c.CountryName).ToArray();</a:t>
-            </a:r>
-          </a:p>
-          <a:p>
-            <a:r>
-              <a:rPr lang="en-GB" sz="2000" b="1" dirty="0">
+              <a:t>(c =&gt; c.CountryName).ToList();</a:t>
+            </a:r>
+          </a:p>
+          <a:p>
+            <a:r>
+              <a:rPr lang="en-GB" sz="1900" b="1" dirty="0">
                 <a:latin typeface="Consolas" panose="020B0609020204030204" pitchFamily="49" charset="0"/>
                 <a:cs typeface="Consolas" panose="020B0609020204030204" pitchFamily="49" charset="0"/>
               </a:rPr>
               <a:t>        case "</a:t>
             </a:r>
             <a:r>
-              <a:rPr lang="bg-BG" sz="2000" b="1" dirty="0">
+              <a:rPr lang="bg-BG" sz="1900" b="1" dirty="0">
                 <a:latin typeface="Consolas" panose="020B0609020204030204" pitchFamily="49" charset="0"/>
                 <a:cs typeface="Consolas" panose="020B0609020204030204" pitchFamily="49" charset="0"/>
               </a:rPr>
@@ -18951,21 +18979,21 @@
           </a:p>
           <a:p>
             <a:r>
-              <a:rPr lang="bg-BG" sz="2000" b="1" dirty="0">
+              <a:rPr lang="bg-BG" sz="1900" b="1" dirty="0">
                 <a:latin typeface="Consolas" panose="020B0609020204030204" pitchFamily="49" charset="0"/>
                 <a:cs typeface="Consolas" panose="020B0609020204030204" pitchFamily="49" charset="0"/>
               </a:rPr>
               <a:t>            </a:t>
             </a:r>
             <a:r>
-              <a:rPr lang="en-GB" sz="2000" b="1" dirty="0">
+              <a:rPr lang="en-GB" sz="1900" b="1" dirty="0">
                 <a:latin typeface="Consolas" panose="020B0609020204030204" pitchFamily="49" charset="0"/>
                 <a:cs typeface="Consolas" panose="020B0609020204030204" pitchFamily="49" charset="0"/>
               </a:rPr>
               <a:t>return countries.</a:t>
             </a:r>
             <a:r>
-              <a:rPr lang="en-GB" sz="2000" b="1" dirty="0">
+              <a:rPr lang="en-GB" sz="1900" b="1" dirty="0">
                 <a:solidFill>
                   <a:schemeClr val="bg1"/>
                 </a:solidFill>
@@ -18975,23 +19003,23 @@
               <a:t>OrderByDescending</a:t>
             </a:r>
             <a:r>
-              <a:rPr lang="en-GB" sz="2000" b="1" dirty="0">
+              <a:rPr lang="en-GB" sz="1900" b="1" dirty="0">
                 <a:latin typeface="Consolas" panose="020B0609020204030204" pitchFamily="49" charset="0"/>
                 <a:cs typeface="Consolas" panose="020B0609020204030204" pitchFamily="49" charset="0"/>
               </a:rPr>
-              <a:t>(c =&gt; c.CountryName).ToArray();</a:t>
-            </a:r>
-          </a:p>
-          <a:p>
-            <a:r>
-              <a:rPr lang="en-GB" sz="2000" b="1" dirty="0">
+              <a:t>(c =&gt; c.CountryName).ToList();</a:t>
+            </a:r>
+          </a:p>
+          <a:p>
+            <a:r>
+              <a:rPr lang="en-GB" sz="1900" b="1" dirty="0">
                 <a:latin typeface="Consolas" panose="020B0609020204030204" pitchFamily="49" charset="0"/>
                 <a:cs typeface="Consolas" panose="020B0609020204030204" pitchFamily="49" charset="0"/>
               </a:rPr>
               <a:t>        case "Id (</a:t>
             </a:r>
             <a:r>
-              <a:rPr lang="bg-BG" sz="2000" b="1" dirty="0">
+              <a:rPr lang="bg-BG" sz="1900" b="1" dirty="0">
                 <a:latin typeface="Consolas" panose="020B0609020204030204" pitchFamily="49" charset="0"/>
                 <a:cs typeface="Consolas" panose="020B0609020204030204" pitchFamily="49" charset="0"/>
               </a:rPr>
@@ -19000,21 +19028,21 @@
           </a:p>
           <a:p>
             <a:r>
-              <a:rPr lang="bg-BG" sz="2000" b="1" dirty="0">
+              <a:rPr lang="bg-BG" sz="1900" b="1" dirty="0">
                 <a:latin typeface="Consolas" panose="020B0609020204030204" pitchFamily="49" charset="0"/>
                 <a:cs typeface="Consolas" panose="020B0609020204030204" pitchFamily="49" charset="0"/>
               </a:rPr>
               <a:t>            </a:t>
             </a:r>
             <a:r>
-              <a:rPr lang="en-GB" sz="2000" b="1" dirty="0">
+              <a:rPr lang="en-GB" sz="1900" b="1" dirty="0">
                 <a:latin typeface="Consolas" panose="020B0609020204030204" pitchFamily="49" charset="0"/>
                 <a:cs typeface="Consolas" panose="020B0609020204030204" pitchFamily="49" charset="0"/>
               </a:rPr>
               <a:t>return countries.</a:t>
             </a:r>
             <a:r>
-              <a:rPr lang="en-GB" sz="2000" b="1" dirty="0">
+              <a:rPr lang="en-GB" sz="1900" b="1" dirty="0">
                 <a:solidFill>
                   <a:schemeClr val="bg1"/>
                 </a:solidFill>
@@ -19024,23 +19052,23 @@
               <a:t>OrderBy</a:t>
             </a:r>
             <a:r>
-              <a:rPr lang="en-GB" sz="2000" b="1" dirty="0">
+              <a:rPr lang="en-GB" sz="1900" b="1" dirty="0">
                 <a:latin typeface="Consolas" panose="020B0609020204030204" pitchFamily="49" charset="0"/>
                 <a:cs typeface="Consolas" panose="020B0609020204030204" pitchFamily="49" charset="0"/>
               </a:rPr>
-              <a:t>(c =&gt; c.CountryId).ToArray();</a:t>
-            </a:r>
-          </a:p>
-          <a:p>
-            <a:r>
-              <a:rPr lang="en-GB" sz="2000" b="1" dirty="0">
+              <a:t>(c =&gt; c.CountryId).ToList();</a:t>
+            </a:r>
+          </a:p>
+          <a:p>
+            <a:r>
+              <a:rPr lang="en-GB" sz="1900" b="1" dirty="0">
                 <a:latin typeface="Consolas" panose="020B0609020204030204" pitchFamily="49" charset="0"/>
                 <a:cs typeface="Consolas" panose="020B0609020204030204" pitchFamily="49" charset="0"/>
               </a:rPr>
               <a:t>        case "Id (</a:t>
             </a:r>
             <a:r>
-              <a:rPr lang="bg-BG" sz="2000" b="1" dirty="0">
+              <a:rPr lang="bg-BG" sz="1900" b="1" dirty="0">
                 <a:latin typeface="Consolas" panose="020B0609020204030204" pitchFamily="49" charset="0"/>
                 <a:cs typeface="Consolas" panose="020B0609020204030204" pitchFamily="49" charset="0"/>
               </a:rPr>
@@ -19049,21 +19077,21 @@
           </a:p>
           <a:p>
             <a:r>
-              <a:rPr lang="bg-BG" sz="2000" b="1" dirty="0">
+              <a:rPr lang="bg-BG" sz="1900" b="1" dirty="0">
                 <a:latin typeface="Consolas" panose="020B0609020204030204" pitchFamily="49" charset="0"/>
                 <a:cs typeface="Consolas" panose="020B0609020204030204" pitchFamily="49" charset="0"/>
               </a:rPr>
               <a:t>            </a:t>
             </a:r>
             <a:r>
-              <a:rPr lang="en-GB" sz="2000" b="1" dirty="0">
+              <a:rPr lang="en-GB" sz="1900" b="1" dirty="0">
                 <a:latin typeface="Consolas" panose="020B0609020204030204" pitchFamily="49" charset="0"/>
                 <a:cs typeface="Consolas" panose="020B0609020204030204" pitchFamily="49" charset="0"/>
               </a:rPr>
               <a:t>return countries.</a:t>
             </a:r>
             <a:r>
-              <a:rPr lang="en-GB" sz="2000" b="1" dirty="0">
+              <a:rPr lang="en-GB" sz="1900" b="1" dirty="0">
                 <a:solidFill>
                   <a:schemeClr val="bg1"/>
                 </a:solidFill>
@@ -19073,16 +19101,16 @@
               <a:t>OrderByDescending</a:t>
             </a:r>
             <a:r>
-              <a:rPr lang="en-GB" sz="2000" b="1" dirty="0">
+              <a:rPr lang="en-GB" sz="1900" b="1" dirty="0">
                 <a:latin typeface="Consolas" panose="020B0609020204030204" pitchFamily="49" charset="0"/>
                 <a:cs typeface="Consolas" panose="020B0609020204030204" pitchFamily="49" charset="0"/>
               </a:rPr>
-              <a:t>(c =&gt; c.CountryId).ToArray();</a:t>
-            </a:r>
-          </a:p>
-          <a:p>
-            <a:r>
-              <a:rPr lang="en-GB" sz="2000" b="1" dirty="0">
+              <a:t>(c =&gt; c.CountryId).ToList();</a:t>
+            </a:r>
+          </a:p>
+          <a:p>
+            <a:r>
+              <a:rPr lang="en-GB" sz="1900" b="1" dirty="0">
                 <a:latin typeface="Consolas" panose="020B0609020204030204" pitchFamily="49" charset="0"/>
                 <a:cs typeface="Consolas" panose="020B0609020204030204" pitchFamily="49" charset="0"/>
               </a:rPr>
@@ -19091,16 +19119,16 @@
           </a:p>
           <a:p>
             <a:r>
-              <a:rPr lang="en-GB" sz="2000" b="1" dirty="0">
+              <a:rPr lang="en-GB" sz="1900" b="1" dirty="0">
                 <a:latin typeface="Consolas" panose="020B0609020204030204" pitchFamily="49" charset="0"/>
                 <a:cs typeface="Consolas" panose="020B0609020204030204" pitchFamily="49" charset="0"/>
               </a:rPr>
-              <a:t>            return countries.ToArray();</a:t>
-            </a:r>
-          </a:p>
-          <a:p>
-            <a:r>
-              <a:rPr lang="en-GB" sz="2000" b="1" dirty="0">
+              <a:t>            return countries.ToList();</a:t>
+            </a:r>
+          </a:p>
+          <a:p>
+            <a:r>
+              <a:rPr lang="en-GB" sz="1900" b="1" dirty="0">
                 <a:latin typeface="Consolas" panose="020B0609020204030204" pitchFamily="49" charset="0"/>
                 <a:cs typeface="Consolas" panose="020B0609020204030204" pitchFamily="49" charset="0"/>
               </a:rPr>
@@ -19109,7 +19137,7 @@
           </a:p>
           <a:p>
             <a:r>
-              <a:rPr lang="en-GB" sz="2000" b="1" dirty="0">
+              <a:rPr lang="en-GB" sz="1900" b="1" dirty="0">
                 <a:latin typeface="Consolas" panose="020B0609020204030204" pitchFamily="49" charset="0"/>
                 <a:cs typeface="Consolas" panose="020B0609020204030204" pitchFamily="49" charset="0"/>
               </a:rPr>
@@ -19465,7 +19493,21 @@
                 <a:latin typeface="Consolas" panose="020B0609020204030204" pitchFamily="49" charset="0"/>
                 <a:cs typeface="Consolas" panose="020B0609020204030204" pitchFamily="49" charset="0"/>
               </a:rPr>
-              <a:t> = dbContext.Countries.ToArray();</a:t>
+              <a:t> = </a:t>
+            </a:r>
+            <a:r>
+              <a:rPr lang="en-GB" sz="1400" b="1" dirty="0" err="1">
+                <a:latin typeface="Consolas" panose="020B0609020204030204" pitchFamily="49" charset="0"/>
+                <a:cs typeface="Consolas" panose="020B0609020204030204" pitchFamily="49" charset="0"/>
+              </a:rPr>
+              <a:t>dbContext.Countries.ToList</a:t>
+            </a:r>
+            <a:r>
+              <a:rPr lang="en-GB" sz="1400" b="1" dirty="0">
+                <a:latin typeface="Consolas" panose="020B0609020204030204" pitchFamily="49" charset="0"/>
+                <a:cs typeface="Consolas" panose="020B0609020204030204" pitchFamily="49" charset="0"/>
+              </a:rPr>
+              <a:t>();</a:t>
             </a:r>
           </a:p>
           <a:p>

--- a/Courses/Software-Sciences/Module-4-Information-Systems-New/08-Navigation-between-Tables/08-Navigation-between-Tables.pptx
+++ b/Courses/Software-Sciences/Module-4-Information-Systems-New/08-Navigation-between-Tables/08-Navigation-between-Tables.pptx
@@ -5,10 +5,10 @@
     <p:sldMasterId id="2147483675" r:id="rId1"/>
   </p:sldMasterIdLst>
   <p:notesMasterIdLst>
-    <p:notesMasterId r:id="rId34"/>
+    <p:notesMasterId r:id="rId35"/>
   </p:notesMasterIdLst>
   <p:handoutMasterIdLst>
-    <p:handoutMasterId r:id="rId35"/>
+    <p:handoutMasterId r:id="rId36"/>
   </p:handoutMasterIdLst>
   <p:sldIdLst>
     <p:sldId id="503" r:id="rId2"/>
@@ -24,25 +24,26 @@
     <p:sldId id="762" r:id="rId12"/>
     <p:sldId id="763" r:id="rId13"/>
     <p:sldId id="765" r:id="rId14"/>
-    <p:sldId id="610" r:id="rId15"/>
-    <p:sldId id="751" r:id="rId16"/>
-    <p:sldId id="752" r:id="rId17"/>
-    <p:sldId id="649" r:id="rId18"/>
-    <p:sldId id="753" r:id="rId19"/>
-    <p:sldId id="758" r:id="rId20"/>
-    <p:sldId id="785" r:id="rId21"/>
-    <p:sldId id="786" r:id="rId22"/>
-    <p:sldId id="757" r:id="rId23"/>
-    <p:sldId id="754" r:id="rId24"/>
-    <p:sldId id="768" r:id="rId25"/>
-    <p:sldId id="755" r:id="rId26"/>
-    <p:sldId id="759" r:id="rId27"/>
-    <p:sldId id="767" r:id="rId28"/>
-    <p:sldId id="756" r:id="rId29"/>
-    <p:sldId id="760" r:id="rId30"/>
-    <p:sldId id="633" r:id="rId31"/>
-    <p:sldId id="504" r:id="rId32"/>
-    <p:sldId id="505" r:id="rId33"/>
+    <p:sldId id="787" r:id="rId15"/>
+    <p:sldId id="610" r:id="rId16"/>
+    <p:sldId id="751" r:id="rId17"/>
+    <p:sldId id="752" r:id="rId18"/>
+    <p:sldId id="649" r:id="rId19"/>
+    <p:sldId id="753" r:id="rId20"/>
+    <p:sldId id="758" r:id="rId21"/>
+    <p:sldId id="785" r:id="rId22"/>
+    <p:sldId id="786" r:id="rId23"/>
+    <p:sldId id="757" r:id="rId24"/>
+    <p:sldId id="754" r:id="rId25"/>
+    <p:sldId id="768" r:id="rId26"/>
+    <p:sldId id="755" r:id="rId27"/>
+    <p:sldId id="759" r:id="rId28"/>
+    <p:sldId id="767" r:id="rId29"/>
+    <p:sldId id="756" r:id="rId30"/>
+    <p:sldId id="760" r:id="rId31"/>
+    <p:sldId id="633" r:id="rId32"/>
+    <p:sldId id="504" r:id="rId33"/>
+    <p:sldId id="505" r:id="rId34"/>
   </p:sldIdLst>
   <p:sldSz cx="12192000" cy="6858000"/>
   <p:notesSz cx="6858000" cy="9144000"/>
@@ -171,6 +172,7 @@
           <p14:sldIdLst>
             <p14:sldId id="763"/>
             <p14:sldId id="765"/>
+            <p14:sldId id="787"/>
           </p14:sldIdLst>
         </p14:section>
         <p14:section name="Филтриране и сортиране на таблица" id="{EB44CA50-B176-0C4C-B0D0-5459023C7783}">
@@ -340,7 +342,7 @@
           <a:p>
             <a:fld id="{4E087215-0C8F-4762-A664-737A353EC9A4}" type="datetimeFigureOut">
               <a:rPr lang="bg-BG" smtClean="0"/>
-              <a:t>17.12.24 г.</a:t>
+              <a:t>20.12.24 г.</a:t>
             </a:fld>
             <a:endParaRPr lang="bg-BG"/>
           </a:p>
@@ -536,7 +538,7 @@
           <a:p>
             <a:fld id="{72D84649-876A-46C9-8472-14CB09C070D8}" type="datetimeFigureOut">
               <a:rPr lang="en-US" smtClean="0"/>
-              <a:t>12/17/24</a:t>
+              <a:t>12/20/24</a:t>
             </a:fld>
             <a:endParaRPr lang="en-US"/>
           </a:p>
@@ -1029,7 +1031,7 @@
           <a:p>
             <a:fld id="{2BF067CD-8E6B-4360-9AA8-C5DF2A48A6D1}" type="slidenum">
               <a:rPr lang="en-US" smtClean="0"/>
-              <a:t>29</a:t>
+              <a:t>20</a:t>
             </a:fld>
             <a:endParaRPr lang="en-US" dirty="0"/>
           </a:p>
@@ -1075,7 +1077,7 @@
     </p:spTree>
     <p:extLst>
       <p:ext uri="{BB962C8B-B14F-4D97-AF65-F5344CB8AC3E}">
-        <p14:creationId xmlns:p14="http://schemas.microsoft.com/office/powerpoint/2010/main" val="296680282"/>
+        <p14:creationId xmlns:p14="http://schemas.microsoft.com/office/powerpoint/2010/main" val="3010897597"/>
       </p:ext>
     </p:extLst>
   </p:cSld>
@@ -1129,134 +1131,27 @@
           <a:bodyPr/>
           <a:lstStyle/>
           <a:p>
-            <a:endParaRPr lang="en-US" dirty="0"/>
+            <a:endParaRPr lang="en-BG" dirty="0"/>
           </a:p>
         </p:txBody>
       </p:sp>
       <p:sp>
         <p:nvSpPr>
-          <p:cNvPr id="7" name="Slide Number Placeholder 5">
-            <a:extLst>
-              <a:ext uri="{FF2B5EF4-FFF2-40B4-BE49-F238E27FC236}">
-                <a16:creationId xmlns:a16="http://schemas.microsoft.com/office/drawing/2014/main" id="{E65F1CA9-65DC-416B-8882-B3A5E415CE67}"/>
-              </a:ext>
-            </a:extLst>
-          </p:cNvPr>
-          <p:cNvSpPr txBox="1">
-            <a:spLocks/>
+          <p:cNvPr id="4" name="Slide Number Placeholder 3"/>
+          <p:cNvSpPr>
+            <a:spLocks noGrp="1"/>
           </p:cNvSpPr>
-          <p:nvPr/>
+          <p:nvPr>
+            <p:ph type="sldNum" sz="quarter" idx="5"/>
+          </p:nvPr>
         </p:nvSpPr>
-        <p:spPr>
-          <a:xfrm>
-            <a:off x="6488999" y="8847000"/>
-            <a:ext cx="367414" cy="297000"/>
-          </a:xfrm>
-          <a:prstGeom prst="rect">
-            <a:avLst/>
-          </a:prstGeom>
-        </p:spPr>
+        <p:spPr/>
         <p:txBody>
-          <a:bodyPr vert="horz" lIns="91440" tIns="45720" rIns="91440" bIns="45720" rtlCol="0" anchor="b"/>
-          <a:lstStyle>
-            <a:defPPr>
-              <a:defRPr lang="en-US"/>
-            </a:defPPr>
-            <a:lvl1pPr marL="0" algn="r" defTabSz="914400" rtl="0" eaLnBrk="1" latinLnBrk="0" hangingPunct="1">
-              <a:defRPr sz="1200" kern="1200">
-                <a:solidFill>
-                  <a:schemeClr val="tx1"/>
-                </a:solidFill>
-                <a:latin typeface="+mn-lt"/>
-                <a:ea typeface="+mn-ea"/>
-                <a:cs typeface="+mn-cs"/>
-              </a:defRPr>
-            </a:lvl1pPr>
-            <a:lvl2pPr marL="457200" algn="l" defTabSz="914400" rtl="0" eaLnBrk="1" latinLnBrk="0" hangingPunct="1">
-              <a:defRPr sz="1800" kern="1200">
-                <a:solidFill>
-                  <a:schemeClr val="tx1"/>
-                </a:solidFill>
-                <a:latin typeface="+mn-lt"/>
-                <a:ea typeface="+mn-ea"/>
-                <a:cs typeface="+mn-cs"/>
-              </a:defRPr>
-            </a:lvl2pPr>
-            <a:lvl3pPr marL="914400" algn="l" defTabSz="914400" rtl="0" eaLnBrk="1" latinLnBrk="0" hangingPunct="1">
-              <a:defRPr sz="1800" kern="1200">
-                <a:solidFill>
-                  <a:schemeClr val="tx1"/>
-                </a:solidFill>
-                <a:latin typeface="+mn-lt"/>
-                <a:ea typeface="+mn-ea"/>
-                <a:cs typeface="+mn-cs"/>
-              </a:defRPr>
-            </a:lvl3pPr>
-            <a:lvl4pPr marL="1371600" algn="l" defTabSz="914400" rtl="0" eaLnBrk="1" latinLnBrk="0" hangingPunct="1">
-              <a:defRPr sz="1800" kern="1200">
-                <a:solidFill>
-                  <a:schemeClr val="tx1"/>
-                </a:solidFill>
-                <a:latin typeface="+mn-lt"/>
-                <a:ea typeface="+mn-ea"/>
-                <a:cs typeface="+mn-cs"/>
-              </a:defRPr>
-            </a:lvl4pPr>
-            <a:lvl5pPr marL="1828800" algn="l" defTabSz="914400" rtl="0" eaLnBrk="1" latinLnBrk="0" hangingPunct="1">
-              <a:defRPr sz="1800" kern="1200">
-                <a:solidFill>
-                  <a:schemeClr val="tx1"/>
-                </a:solidFill>
-                <a:latin typeface="+mn-lt"/>
-                <a:ea typeface="+mn-ea"/>
-                <a:cs typeface="+mn-cs"/>
-              </a:defRPr>
-            </a:lvl5pPr>
-            <a:lvl6pPr marL="2286000" algn="l" defTabSz="914400" rtl="0" eaLnBrk="1" latinLnBrk="0" hangingPunct="1">
-              <a:defRPr sz="1800" kern="1200">
-                <a:solidFill>
-                  <a:schemeClr val="tx1"/>
-                </a:solidFill>
-                <a:latin typeface="+mn-lt"/>
-                <a:ea typeface="+mn-ea"/>
-                <a:cs typeface="+mn-cs"/>
-              </a:defRPr>
-            </a:lvl6pPr>
-            <a:lvl7pPr marL="2743200" algn="l" defTabSz="914400" rtl="0" eaLnBrk="1" latinLnBrk="0" hangingPunct="1">
-              <a:defRPr sz="1800" kern="1200">
-                <a:solidFill>
-                  <a:schemeClr val="tx1"/>
-                </a:solidFill>
-                <a:latin typeface="+mn-lt"/>
-                <a:ea typeface="+mn-ea"/>
-                <a:cs typeface="+mn-cs"/>
-              </a:defRPr>
-            </a:lvl7pPr>
-            <a:lvl8pPr marL="3200400" algn="l" defTabSz="914400" rtl="0" eaLnBrk="1" latinLnBrk="0" hangingPunct="1">
-              <a:defRPr sz="1800" kern="1200">
-                <a:solidFill>
-                  <a:schemeClr val="tx1"/>
-                </a:solidFill>
-                <a:latin typeface="+mn-lt"/>
-                <a:ea typeface="+mn-ea"/>
-                <a:cs typeface="+mn-cs"/>
-              </a:defRPr>
-            </a:lvl8pPr>
-            <a:lvl9pPr marL="3657600" algn="l" defTabSz="914400" rtl="0" eaLnBrk="1" latinLnBrk="0" hangingPunct="1">
-              <a:defRPr sz="1800" kern="1200">
-                <a:solidFill>
-                  <a:schemeClr val="tx1"/>
-                </a:solidFill>
-                <a:latin typeface="+mn-lt"/>
-                <a:ea typeface="+mn-ea"/>
-                <a:cs typeface="+mn-cs"/>
-              </a:defRPr>
-            </a:lvl9pPr>
-          </a:lstStyle>
-          <a:p>
-            <a:fld id="{3EBA5BD7-F043-4D1B-AA17-CD412FC534DE}" type="slidenum">
+          <a:bodyPr/>
+          <a:lstStyle/>
+          <a:p>
+            <a:fld id="{2BF067CD-8E6B-4360-9AA8-C5DF2A48A6D1}" type="slidenum">
               <a:rPr lang="en-US" smtClean="0"/>
-              <a:pPr/>
               <a:t>30</a:t>
             </a:fld>
             <a:endParaRPr lang="en-US" dirty="0"/>
@@ -1265,13 +1160,7 @@
       </p:sp>
       <p:sp>
         <p:nvSpPr>
-          <p:cNvPr id="5" name="Footer Placeholder 7">
-            <a:extLst>
-              <a:ext uri="{FF2B5EF4-FFF2-40B4-BE49-F238E27FC236}">
-                <a16:creationId xmlns:a16="http://schemas.microsoft.com/office/drawing/2014/main" id="{43FAF785-0C8D-730E-8E59-68198DC82CE0}"/>
-              </a:ext>
-            </a:extLst>
-          </p:cNvPr>
+          <p:cNvPr id="5" name="Footer Placeholder 4"/>
           <p:cNvSpPr>
             <a:spLocks noGrp="1"/>
           </p:cNvSpPr>
@@ -1279,37 +1168,25 @@
             <p:ph type="ftr" sz="quarter" idx="4"/>
           </p:nvPr>
         </p:nvSpPr>
-        <p:spPr>
-          <a:xfrm>
-            <a:off x="-1" y="8892000"/>
-            <a:ext cx="6488999" cy="252000"/>
-          </a:xfrm>
-          <a:prstGeom prst="rect">
-            <a:avLst/>
-          </a:prstGeom>
-        </p:spPr>
+        <p:spPr/>
         <p:txBody>
-          <a:bodyPr vert="horz" lIns="91440" tIns="45720" rIns="91440" bIns="45720" rtlCol="0" anchor="b"/>
-          <a:lstStyle>
-            <a:lvl1pPr algn="l">
-              <a:defRPr sz="1100"/>
-            </a:lvl1pPr>
-          </a:lstStyle>
-          <a:p>
-            <a:r>
-              <a:rPr lang="bg-BG" sz="1100" dirty="0"/>
+          <a:bodyPr/>
+          <a:lstStyle/>
+          <a:p>
+            <a:r>
+              <a:rPr lang="bg-BG" sz="1100"/>
               <a:t>Работна група </a:t>
             </a:r>
             <a:r>
-              <a:rPr lang="bg-BG" dirty="0"/>
+              <a:rPr lang="bg-BG"/>
               <a:t>"Образование по програмиране и ИТ"</a:t>
             </a:r>
             <a:r>
-              <a:rPr lang="bg-BG" sz="1100" dirty="0"/>
+              <a:rPr lang="bg-BG" sz="1100"/>
               <a:t>, с подкрепата на </a:t>
             </a:r>
             <a:r>
-              <a:rPr lang="en-US" sz="1100" dirty="0">
+              <a:rPr lang="en-US" sz="1100">
                 <a:hlinkClick r:id="rId3"/>
               </a:rPr>
               <a:t>SoftUni</a:t>
@@ -1321,7 +1198,7 @@
     </p:spTree>
     <p:extLst>
       <p:ext uri="{BB962C8B-B14F-4D97-AF65-F5344CB8AC3E}">
-        <p14:creationId xmlns:p14="http://schemas.microsoft.com/office/powerpoint/2010/main" val="2689344733"/>
+        <p14:creationId xmlns:p14="http://schemas.microsoft.com/office/powerpoint/2010/main" val="296680282"/>
       </p:ext>
     </p:extLst>
   </p:cSld>
@@ -1384,7 +1261,7 @@
           <p:cNvPr id="7" name="Slide Number Placeholder 5">
             <a:extLst>
               <a:ext uri="{FF2B5EF4-FFF2-40B4-BE49-F238E27FC236}">
-                <a16:creationId xmlns:a16="http://schemas.microsoft.com/office/drawing/2014/main" id="{5049B984-F964-47FF-8179-0A3007CE21CD}"/>
+                <a16:creationId xmlns:a16="http://schemas.microsoft.com/office/drawing/2014/main" id="{E65F1CA9-65DC-416B-8882-B3A5E415CE67}"/>
               </a:ext>
             </a:extLst>
           </p:cNvPr>
@@ -1511,10 +1388,10 @@
       </p:sp>
       <p:sp>
         <p:nvSpPr>
-          <p:cNvPr id="4" name="Footer Placeholder 3">
+          <p:cNvPr id="5" name="Footer Placeholder 7">
             <a:extLst>
               <a:ext uri="{FF2B5EF4-FFF2-40B4-BE49-F238E27FC236}">
-                <a16:creationId xmlns:a16="http://schemas.microsoft.com/office/drawing/2014/main" id="{8E059BE0-D868-413B-AAA1-1CC88D1F52C5}"/>
+                <a16:creationId xmlns:a16="http://schemas.microsoft.com/office/drawing/2014/main" id="{43FAF785-0C8D-730E-8E59-68198DC82CE0}"/>
               </a:ext>
             </a:extLst>
           </p:cNvPr>
@@ -1525,33 +1402,49 @@
             <p:ph type="ftr" sz="quarter" idx="4"/>
           </p:nvPr>
         </p:nvSpPr>
-        <p:spPr/>
+        <p:spPr>
+          <a:xfrm>
+            <a:off x="-1" y="8892000"/>
+            <a:ext cx="6488999" cy="252000"/>
+          </a:xfrm>
+          <a:prstGeom prst="rect">
+            <a:avLst/>
+          </a:prstGeom>
+        </p:spPr>
         <p:txBody>
-          <a:bodyPr/>
-          <a:lstStyle/>
-          <a:p>
-            <a:r>
-              <a:rPr lang="en-US"/>
-              <a:t>© SoftUni – </a:t>
-            </a:r>
-            <a:r>
-              <a:rPr lang="en-US" u="sng">
+          <a:bodyPr vert="horz" lIns="91440" tIns="45720" rIns="91440" bIns="45720" rtlCol="0" anchor="b"/>
+          <a:lstStyle>
+            <a:lvl1pPr algn="l">
+              <a:defRPr sz="1100"/>
+            </a:lvl1pPr>
+          </a:lstStyle>
+          <a:p>
+            <a:r>
+              <a:rPr lang="bg-BG" sz="1100" dirty="0"/>
+              <a:t>Работна група </a:t>
+            </a:r>
+            <a:r>
+              <a:rPr lang="bg-BG" dirty="0"/>
+              <a:t>"Образование по програмиране и ИТ"</a:t>
+            </a:r>
+            <a:r>
+              <a:rPr lang="bg-BG" sz="1100" dirty="0"/>
+              <a:t>, с подкрепата на </a:t>
+            </a:r>
+            <a:r>
+              <a:rPr lang="en-US" sz="1100" dirty="0">
                 <a:hlinkClick r:id="rId3"/>
               </a:rPr>
-              <a:t>https://softuni.org</a:t>
-            </a:r>
-            <a:r>
-              <a:rPr lang="en-US"/>
-              <a:t>. Copyrighted document. Unauthorized copy or reproduction is not permitted.</a:t>
-            </a:r>
-            <a:endParaRPr lang="en-US" dirty="0"/>
+              <a:t>SoftUni</a:t>
+            </a:r>
+            <a:endParaRPr lang="en-US" sz="1100" dirty="0"/>
           </a:p>
         </p:txBody>
       </p:sp>
     </p:spTree>
     <p:extLst>
       <p:ext uri="{BB962C8B-B14F-4D97-AF65-F5344CB8AC3E}">
-        <p14:creationId xmlns:p14="http://schemas.microsoft.com/office/powerpoint/2010/main" val="3466590374"/>
+        <p14:creationId xmlns:p14="http://schemas.microsoft.com/office/powerpoint/2010/main" val="2689344733"/>
       </p:ext>
     </p:extLst>
   </p:cSld>
@@ -1605,6 +1498,236 @@
           <a:bodyPr/>
           <a:lstStyle/>
           <a:p>
+            <a:endParaRPr lang="en-US" dirty="0"/>
+          </a:p>
+        </p:txBody>
+      </p:sp>
+      <p:sp>
+        <p:nvSpPr>
+          <p:cNvPr id="7" name="Slide Number Placeholder 5">
+            <a:extLst>
+              <a:ext uri="{FF2B5EF4-FFF2-40B4-BE49-F238E27FC236}">
+                <a16:creationId xmlns:a16="http://schemas.microsoft.com/office/drawing/2014/main" id="{5049B984-F964-47FF-8179-0A3007CE21CD}"/>
+              </a:ext>
+            </a:extLst>
+          </p:cNvPr>
+          <p:cNvSpPr txBox="1">
+            <a:spLocks/>
+          </p:cNvSpPr>
+          <p:nvPr/>
+        </p:nvSpPr>
+        <p:spPr>
+          <a:xfrm>
+            <a:off x="6488999" y="8847000"/>
+            <a:ext cx="367414" cy="297000"/>
+          </a:xfrm>
+          <a:prstGeom prst="rect">
+            <a:avLst/>
+          </a:prstGeom>
+        </p:spPr>
+        <p:txBody>
+          <a:bodyPr vert="horz" lIns="91440" tIns="45720" rIns="91440" bIns="45720" rtlCol="0" anchor="b"/>
+          <a:lstStyle>
+            <a:defPPr>
+              <a:defRPr lang="en-US"/>
+            </a:defPPr>
+            <a:lvl1pPr marL="0" algn="r" defTabSz="914400" rtl="0" eaLnBrk="1" latinLnBrk="0" hangingPunct="1">
+              <a:defRPr sz="1200" kern="1200">
+                <a:solidFill>
+                  <a:schemeClr val="tx1"/>
+                </a:solidFill>
+                <a:latin typeface="+mn-lt"/>
+                <a:ea typeface="+mn-ea"/>
+                <a:cs typeface="+mn-cs"/>
+              </a:defRPr>
+            </a:lvl1pPr>
+            <a:lvl2pPr marL="457200" algn="l" defTabSz="914400" rtl="0" eaLnBrk="1" latinLnBrk="0" hangingPunct="1">
+              <a:defRPr sz="1800" kern="1200">
+                <a:solidFill>
+                  <a:schemeClr val="tx1"/>
+                </a:solidFill>
+                <a:latin typeface="+mn-lt"/>
+                <a:ea typeface="+mn-ea"/>
+                <a:cs typeface="+mn-cs"/>
+              </a:defRPr>
+            </a:lvl2pPr>
+            <a:lvl3pPr marL="914400" algn="l" defTabSz="914400" rtl="0" eaLnBrk="1" latinLnBrk="0" hangingPunct="1">
+              <a:defRPr sz="1800" kern="1200">
+                <a:solidFill>
+                  <a:schemeClr val="tx1"/>
+                </a:solidFill>
+                <a:latin typeface="+mn-lt"/>
+                <a:ea typeface="+mn-ea"/>
+                <a:cs typeface="+mn-cs"/>
+              </a:defRPr>
+            </a:lvl3pPr>
+            <a:lvl4pPr marL="1371600" algn="l" defTabSz="914400" rtl="0" eaLnBrk="1" latinLnBrk="0" hangingPunct="1">
+              <a:defRPr sz="1800" kern="1200">
+                <a:solidFill>
+                  <a:schemeClr val="tx1"/>
+                </a:solidFill>
+                <a:latin typeface="+mn-lt"/>
+                <a:ea typeface="+mn-ea"/>
+                <a:cs typeface="+mn-cs"/>
+              </a:defRPr>
+            </a:lvl4pPr>
+            <a:lvl5pPr marL="1828800" algn="l" defTabSz="914400" rtl="0" eaLnBrk="1" latinLnBrk="0" hangingPunct="1">
+              <a:defRPr sz="1800" kern="1200">
+                <a:solidFill>
+                  <a:schemeClr val="tx1"/>
+                </a:solidFill>
+                <a:latin typeface="+mn-lt"/>
+                <a:ea typeface="+mn-ea"/>
+                <a:cs typeface="+mn-cs"/>
+              </a:defRPr>
+            </a:lvl5pPr>
+            <a:lvl6pPr marL="2286000" algn="l" defTabSz="914400" rtl="0" eaLnBrk="1" latinLnBrk="0" hangingPunct="1">
+              <a:defRPr sz="1800" kern="1200">
+                <a:solidFill>
+                  <a:schemeClr val="tx1"/>
+                </a:solidFill>
+                <a:latin typeface="+mn-lt"/>
+                <a:ea typeface="+mn-ea"/>
+                <a:cs typeface="+mn-cs"/>
+              </a:defRPr>
+            </a:lvl6pPr>
+            <a:lvl7pPr marL="2743200" algn="l" defTabSz="914400" rtl="0" eaLnBrk="1" latinLnBrk="0" hangingPunct="1">
+              <a:defRPr sz="1800" kern="1200">
+                <a:solidFill>
+                  <a:schemeClr val="tx1"/>
+                </a:solidFill>
+                <a:latin typeface="+mn-lt"/>
+                <a:ea typeface="+mn-ea"/>
+                <a:cs typeface="+mn-cs"/>
+              </a:defRPr>
+            </a:lvl7pPr>
+            <a:lvl8pPr marL="3200400" algn="l" defTabSz="914400" rtl="0" eaLnBrk="1" latinLnBrk="0" hangingPunct="1">
+              <a:defRPr sz="1800" kern="1200">
+                <a:solidFill>
+                  <a:schemeClr val="tx1"/>
+                </a:solidFill>
+                <a:latin typeface="+mn-lt"/>
+                <a:ea typeface="+mn-ea"/>
+                <a:cs typeface="+mn-cs"/>
+              </a:defRPr>
+            </a:lvl8pPr>
+            <a:lvl9pPr marL="3657600" algn="l" defTabSz="914400" rtl="0" eaLnBrk="1" latinLnBrk="0" hangingPunct="1">
+              <a:defRPr sz="1800" kern="1200">
+                <a:solidFill>
+                  <a:schemeClr val="tx1"/>
+                </a:solidFill>
+                <a:latin typeface="+mn-lt"/>
+                <a:ea typeface="+mn-ea"/>
+                <a:cs typeface="+mn-cs"/>
+              </a:defRPr>
+            </a:lvl9pPr>
+          </a:lstStyle>
+          <a:p>
+            <a:fld id="{3EBA5BD7-F043-4D1B-AA17-CD412FC534DE}" type="slidenum">
+              <a:rPr lang="en-US" smtClean="0"/>
+              <a:pPr/>
+              <a:t>32</a:t>
+            </a:fld>
+            <a:endParaRPr lang="en-US" dirty="0"/>
+          </a:p>
+        </p:txBody>
+      </p:sp>
+      <p:sp>
+        <p:nvSpPr>
+          <p:cNvPr id="4" name="Footer Placeholder 3">
+            <a:extLst>
+              <a:ext uri="{FF2B5EF4-FFF2-40B4-BE49-F238E27FC236}">
+                <a16:creationId xmlns:a16="http://schemas.microsoft.com/office/drawing/2014/main" id="{8E059BE0-D868-413B-AAA1-1CC88D1F52C5}"/>
+              </a:ext>
+            </a:extLst>
+          </p:cNvPr>
+          <p:cNvSpPr>
+            <a:spLocks noGrp="1"/>
+          </p:cNvSpPr>
+          <p:nvPr>
+            <p:ph type="ftr" sz="quarter" idx="4"/>
+          </p:nvPr>
+        </p:nvSpPr>
+        <p:spPr/>
+        <p:txBody>
+          <a:bodyPr/>
+          <a:lstStyle/>
+          <a:p>
+            <a:r>
+              <a:rPr lang="en-US"/>
+              <a:t>© SoftUni – </a:t>
+            </a:r>
+            <a:r>
+              <a:rPr lang="en-US" u="sng">
+                <a:hlinkClick r:id="rId3"/>
+              </a:rPr>
+              <a:t>https://softuni.org</a:t>
+            </a:r>
+            <a:r>
+              <a:rPr lang="en-US"/>
+              <a:t>. Copyrighted document. Unauthorized copy or reproduction is not permitted.</a:t>
+            </a:r>
+            <a:endParaRPr lang="en-US" dirty="0"/>
+          </a:p>
+        </p:txBody>
+      </p:sp>
+    </p:spTree>
+    <p:extLst>
+      <p:ext uri="{BB962C8B-B14F-4D97-AF65-F5344CB8AC3E}">
+        <p14:creationId xmlns:p14="http://schemas.microsoft.com/office/powerpoint/2010/main" val="3466590374"/>
+      </p:ext>
+    </p:extLst>
+  </p:cSld>
+  <p:clrMapOvr>
+    <a:masterClrMapping/>
+  </p:clrMapOvr>
+</p:notes>
+</file>
+
+<file path=ppt/notesSlides/notesSlide14.xml><?xml version="1.0" encoding="utf-8"?>
+<p:notes xmlns:a="http://schemas.openxmlformats.org/drawingml/2006/main" xmlns:r="http://schemas.openxmlformats.org/officeDocument/2006/relationships" xmlns:p="http://schemas.openxmlformats.org/presentationml/2006/main">
+  <p:cSld>
+    <p:spTree>
+      <p:nvGrpSpPr>
+        <p:cNvPr id="1" name=""/>
+        <p:cNvGrpSpPr/>
+        <p:nvPr/>
+      </p:nvGrpSpPr>
+      <p:grpSpPr>
+        <a:xfrm>
+          <a:off x="0" y="0"/>
+          <a:ext cx="0" cy="0"/>
+          <a:chOff x="0" y="0"/>
+          <a:chExt cx="0" cy="0"/>
+        </a:xfrm>
+      </p:grpSpPr>
+      <p:sp>
+        <p:nvSpPr>
+          <p:cNvPr id="2" name="Slide Image Placeholder 1"/>
+          <p:cNvSpPr>
+            <a:spLocks noGrp="1" noRot="1" noChangeAspect="1"/>
+          </p:cNvSpPr>
+          <p:nvPr>
+            <p:ph type="sldImg"/>
+          </p:nvPr>
+        </p:nvSpPr>
+        <p:spPr/>
+      </p:sp>
+      <p:sp>
+        <p:nvSpPr>
+          <p:cNvPr id="3" name="Notes Placeholder 2"/>
+          <p:cNvSpPr>
+            <a:spLocks noGrp="1"/>
+          </p:cNvSpPr>
+          <p:nvPr>
+            <p:ph type="body" idx="1"/>
+          </p:nvPr>
+        </p:nvSpPr>
+        <p:spPr/>
+        <p:txBody>
+          <a:bodyPr/>
+          <a:lstStyle/>
+          <a:p>
             <a:endParaRPr lang="en-US"/>
           </a:p>
         </p:txBody>
@@ -1733,7 +1856,7 @@
             <a:fld id="{3EBA5BD7-F043-4D1B-AA17-CD412FC534DE}" type="slidenum">
               <a:rPr lang="en-US" smtClean="0"/>
               <a:pPr/>
-              <a:t>32</a:t>
+              <a:t>33</a:t>
             </a:fld>
             <a:endParaRPr lang="en-US" dirty="0"/>
           </a:p>
@@ -2888,134 +3011,27 @@
           <a:bodyPr/>
           <a:lstStyle/>
           <a:p>
-            <a:endParaRPr lang="en-US"/>
+            <a:endParaRPr lang="en-BG" dirty="0"/>
           </a:p>
         </p:txBody>
       </p:sp>
       <p:sp>
         <p:nvSpPr>
-          <p:cNvPr id="7" name="Slide Number Placeholder 5">
-            <a:extLst>
-              <a:ext uri="{FF2B5EF4-FFF2-40B4-BE49-F238E27FC236}">
-                <a16:creationId xmlns:a16="http://schemas.microsoft.com/office/drawing/2014/main" id="{BD88B0D8-949C-482D-990A-2DAB14AD4AD1}"/>
-              </a:ext>
-            </a:extLst>
-          </p:cNvPr>
-          <p:cNvSpPr txBox="1">
-            <a:spLocks/>
+          <p:cNvPr id="4" name="Slide Number Placeholder 3"/>
+          <p:cNvSpPr>
+            <a:spLocks noGrp="1"/>
           </p:cNvSpPr>
-          <p:nvPr/>
+          <p:nvPr>
+            <p:ph type="sldNum" sz="quarter" idx="5"/>
+          </p:nvPr>
         </p:nvSpPr>
-        <p:spPr>
-          <a:xfrm>
-            <a:off x="6488999" y="8847000"/>
-            <a:ext cx="367414" cy="297000"/>
-          </a:xfrm>
-          <a:prstGeom prst="rect">
-            <a:avLst/>
-          </a:prstGeom>
-        </p:spPr>
+        <p:spPr/>
         <p:txBody>
-          <a:bodyPr vert="horz" lIns="91440" tIns="45720" rIns="91440" bIns="45720" rtlCol="0" anchor="b"/>
-          <a:lstStyle>
-            <a:defPPr>
-              <a:defRPr lang="en-US"/>
-            </a:defPPr>
-            <a:lvl1pPr marL="0" algn="r" defTabSz="914400" rtl="0" eaLnBrk="1" latinLnBrk="0" hangingPunct="1">
-              <a:defRPr sz="1200" kern="1200">
-                <a:solidFill>
-                  <a:schemeClr val="tx1"/>
-                </a:solidFill>
-                <a:latin typeface="+mn-lt"/>
-                <a:ea typeface="+mn-ea"/>
-                <a:cs typeface="+mn-cs"/>
-              </a:defRPr>
-            </a:lvl1pPr>
-            <a:lvl2pPr marL="457200" algn="l" defTabSz="914400" rtl="0" eaLnBrk="1" latinLnBrk="0" hangingPunct="1">
-              <a:defRPr sz="1800" kern="1200">
-                <a:solidFill>
-                  <a:schemeClr val="tx1"/>
-                </a:solidFill>
-                <a:latin typeface="+mn-lt"/>
-                <a:ea typeface="+mn-ea"/>
-                <a:cs typeface="+mn-cs"/>
-              </a:defRPr>
-            </a:lvl2pPr>
-            <a:lvl3pPr marL="914400" algn="l" defTabSz="914400" rtl="0" eaLnBrk="1" latinLnBrk="0" hangingPunct="1">
-              <a:defRPr sz="1800" kern="1200">
-                <a:solidFill>
-                  <a:schemeClr val="tx1"/>
-                </a:solidFill>
-                <a:latin typeface="+mn-lt"/>
-                <a:ea typeface="+mn-ea"/>
-                <a:cs typeface="+mn-cs"/>
-              </a:defRPr>
-            </a:lvl3pPr>
-            <a:lvl4pPr marL="1371600" algn="l" defTabSz="914400" rtl="0" eaLnBrk="1" latinLnBrk="0" hangingPunct="1">
-              <a:defRPr sz="1800" kern="1200">
-                <a:solidFill>
-                  <a:schemeClr val="tx1"/>
-                </a:solidFill>
-                <a:latin typeface="+mn-lt"/>
-                <a:ea typeface="+mn-ea"/>
-                <a:cs typeface="+mn-cs"/>
-              </a:defRPr>
-            </a:lvl4pPr>
-            <a:lvl5pPr marL="1828800" algn="l" defTabSz="914400" rtl="0" eaLnBrk="1" latinLnBrk="0" hangingPunct="1">
-              <a:defRPr sz="1800" kern="1200">
-                <a:solidFill>
-                  <a:schemeClr val="tx1"/>
-                </a:solidFill>
-                <a:latin typeface="+mn-lt"/>
-                <a:ea typeface="+mn-ea"/>
-                <a:cs typeface="+mn-cs"/>
-              </a:defRPr>
-            </a:lvl5pPr>
-            <a:lvl6pPr marL="2286000" algn="l" defTabSz="914400" rtl="0" eaLnBrk="1" latinLnBrk="0" hangingPunct="1">
-              <a:defRPr sz="1800" kern="1200">
-                <a:solidFill>
-                  <a:schemeClr val="tx1"/>
-                </a:solidFill>
-                <a:latin typeface="+mn-lt"/>
-                <a:ea typeface="+mn-ea"/>
-                <a:cs typeface="+mn-cs"/>
-              </a:defRPr>
-            </a:lvl6pPr>
-            <a:lvl7pPr marL="2743200" algn="l" defTabSz="914400" rtl="0" eaLnBrk="1" latinLnBrk="0" hangingPunct="1">
-              <a:defRPr sz="1800" kern="1200">
-                <a:solidFill>
-                  <a:schemeClr val="tx1"/>
-                </a:solidFill>
-                <a:latin typeface="+mn-lt"/>
-                <a:ea typeface="+mn-ea"/>
-                <a:cs typeface="+mn-cs"/>
-              </a:defRPr>
-            </a:lvl7pPr>
-            <a:lvl8pPr marL="3200400" algn="l" defTabSz="914400" rtl="0" eaLnBrk="1" latinLnBrk="0" hangingPunct="1">
-              <a:defRPr sz="1800" kern="1200">
-                <a:solidFill>
-                  <a:schemeClr val="tx1"/>
-                </a:solidFill>
-                <a:latin typeface="+mn-lt"/>
-                <a:ea typeface="+mn-ea"/>
-                <a:cs typeface="+mn-cs"/>
-              </a:defRPr>
-            </a:lvl8pPr>
-            <a:lvl9pPr marL="3657600" algn="l" defTabSz="914400" rtl="0" eaLnBrk="1" latinLnBrk="0" hangingPunct="1">
-              <a:defRPr sz="1800" kern="1200">
-                <a:solidFill>
-                  <a:schemeClr val="tx1"/>
-                </a:solidFill>
-                <a:latin typeface="+mn-lt"/>
-                <a:ea typeface="+mn-ea"/>
-                <a:cs typeface="+mn-cs"/>
-              </a:defRPr>
-            </a:lvl9pPr>
-          </a:lstStyle>
-          <a:p>
-            <a:fld id="{3EBA5BD7-F043-4D1B-AA17-CD412FC534DE}" type="slidenum">
+          <a:bodyPr/>
+          <a:lstStyle/>
+          <a:p>
+            <a:fld id="{2BF067CD-8E6B-4360-9AA8-C5DF2A48A6D1}" type="slidenum">
               <a:rPr lang="en-US" smtClean="0"/>
-              <a:pPr/>
               <a:t>14</a:t>
             </a:fld>
             <a:endParaRPr lang="en-US" dirty="0"/>
@@ -3024,13 +3040,7 @@
       </p:sp>
       <p:sp>
         <p:nvSpPr>
-          <p:cNvPr id="4" name="Footer Placeholder 3">
-            <a:extLst>
-              <a:ext uri="{FF2B5EF4-FFF2-40B4-BE49-F238E27FC236}">
-                <a16:creationId xmlns:a16="http://schemas.microsoft.com/office/drawing/2014/main" id="{58474633-D38D-4432-867B-70F325FA7016}"/>
-              </a:ext>
-            </a:extLst>
-          </p:cNvPr>
+          <p:cNvPr id="5" name="Footer Placeholder 4"/>
           <p:cNvSpPr>
             <a:spLocks noGrp="1"/>
           </p:cNvSpPr>
@@ -3044,27 +3054,31 @@
           <a:lstStyle/>
           <a:p>
             <a:r>
-              <a:rPr lang="en-US"/>
-              <a:t>© SoftUni – </a:t>
-            </a:r>
-            <a:r>
-              <a:rPr lang="en-US" u="sng">
+              <a:rPr lang="bg-BG" sz="1100"/>
+              <a:t>Работна група </a:t>
+            </a:r>
+            <a:r>
+              <a:rPr lang="bg-BG"/>
+              <a:t>"Образование по програмиране и ИТ"</a:t>
+            </a:r>
+            <a:r>
+              <a:rPr lang="bg-BG" sz="1100"/>
+              <a:t>, с подкрепата на </a:t>
+            </a:r>
+            <a:r>
+              <a:rPr lang="en-US" sz="1100">
                 <a:hlinkClick r:id="rId3"/>
               </a:rPr>
-              <a:t>https://softuni.org</a:t>
-            </a:r>
-            <a:r>
-              <a:rPr lang="en-US"/>
-              <a:t>. Copyrighted document. Unauthorized copy or reproduction is not permitted.</a:t>
-            </a:r>
-            <a:endParaRPr lang="en-US" dirty="0"/>
+              <a:t>SoftUni</a:t>
+            </a:r>
+            <a:endParaRPr lang="en-US" sz="1100" dirty="0"/>
           </a:p>
         </p:txBody>
       </p:sp>
     </p:spTree>
     <p:extLst>
       <p:ext uri="{BB962C8B-B14F-4D97-AF65-F5344CB8AC3E}">
-        <p14:creationId xmlns:p14="http://schemas.microsoft.com/office/powerpoint/2010/main" val="382771432"/>
+        <p14:creationId xmlns:p14="http://schemas.microsoft.com/office/powerpoint/2010/main" val="690698289"/>
       </p:ext>
     </p:extLst>
   </p:cSld>
@@ -3246,7 +3260,7 @@
             <a:fld id="{3EBA5BD7-F043-4D1B-AA17-CD412FC534DE}" type="slidenum">
               <a:rPr lang="en-US" smtClean="0"/>
               <a:pPr/>
-              <a:t>17</a:t>
+              <a:t>15</a:t>
             </a:fld>
             <a:endParaRPr lang="en-US" dirty="0"/>
           </a:p>
@@ -3294,7 +3308,7 @@
     </p:spTree>
     <p:extLst>
       <p:ext uri="{BB962C8B-B14F-4D97-AF65-F5344CB8AC3E}">
-        <p14:creationId xmlns:p14="http://schemas.microsoft.com/office/powerpoint/2010/main" val="2800762101"/>
+        <p14:creationId xmlns:p14="http://schemas.microsoft.com/office/powerpoint/2010/main" val="382771432"/>
       </p:ext>
     </p:extLst>
   </p:cSld>
@@ -3348,28 +3362,135 @@
           <a:bodyPr/>
           <a:lstStyle/>
           <a:p>
-            <a:endParaRPr lang="en-BG" dirty="0"/>
+            <a:endParaRPr lang="en-US"/>
           </a:p>
         </p:txBody>
       </p:sp>
       <p:sp>
         <p:nvSpPr>
-          <p:cNvPr id="4" name="Slide Number Placeholder 3"/>
-          <p:cNvSpPr>
-            <a:spLocks noGrp="1"/>
+          <p:cNvPr id="7" name="Slide Number Placeholder 5">
+            <a:extLst>
+              <a:ext uri="{FF2B5EF4-FFF2-40B4-BE49-F238E27FC236}">
+                <a16:creationId xmlns:a16="http://schemas.microsoft.com/office/drawing/2014/main" id="{BD88B0D8-949C-482D-990A-2DAB14AD4AD1}"/>
+              </a:ext>
+            </a:extLst>
+          </p:cNvPr>
+          <p:cNvSpPr txBox="1">
+            <a:spLocks/>
           </p:cNvSpPr>
-          <p:nvPr>
-            <p:ph type="sldNum" sz="quarter" idx="5"/>
-          </p:nvPr>
+          <p:nvPr/>
         </p:nvSpPr>
-        <p:spPr/>
+        <p:spPr>
+          <a:xfrm>
+            <a:off x="6488999" y="8847000"/>
+            <a:ext cx="367414" cy="297000"/>
+          </a:xfrm>
+          <a:prstGeom prst="rect">
+            <a:avLst/>
+          </a:prstGeom>
+        </p:spPr>
         <p:txBody>
-          <a:bodyPr/>
-          <a:lstStyle/>
-          <a:p>
-            <a:fld id="{2BF067CD-8E6B-4360-9AA8-C5DF2A48A6D1}" type="slidenum">
+          <a:bodyPr vert="horz" lIns="91440" tIns="45720" rIns="91440" bIns="45720" rtlCol="0" anchor="b"/>
+          <a:lstStyle>
+            <a:defPPr>
+              <a:defRPr lang="en-US"/>
+            </a:defPPr>
+            <a:lvl1pPr marL="0" algn="r" defTabSz="914400" rtl="0" eaLnBrk="1" latinLnBrk="0" hangingPunct="1">
+              <a:defRPr sz="1200" kern="1200">
+                <a:solidFill>
+                  <a:schemeClr val="tx1"/>
+                </a:solidFill>
+                <a:latin typeface="+mn-lt"/>
+                <a:ea typeface="+mn-ea"/>
+                <a:cs typeface="+mn-cs"/>
+              </a:defRPr>
+            </a:lvl1pPr>
+            <a:lvl2pPr marL="457200" algn="l" defTabSz="914400" rtl="0" eaLnBrk="1" latinLnBrk="0" hangingPunct="1">
+              <a:defRPr sz="1800" kern="1200">
+                <a:solidFill>
+                  <a:schemeClr val="tx1"/>
+                </a:solidFill>
+                <a:latin typeface="+mn-lt"/>
+                <a:ea typeface="+mn-ea"/>
+                <a:cs typeface="+mn-cs"/>
+              </a:defRPr>
+            </a:lvl2pPr>
+            <a:lvl3pPr marL="914400" algn="l" defTabSz="914400" rtl="0" eaLnBrk="1" latinLnBrk="0" hangingPunct="1">
+              <a:defRPr sz="1800" kern="1200">
+                <a:solidFill>
+                  <a:schemeClr val="tx1"/>
+                </a:solidFill>
+                <a:latin typeface="+mn-lt"/>
+                <a:ea typeface="+mn-ea"/>
+                <a:cs typeface="+mn-cs"/>
+              </a:defRPr>
+            </a:lvl3pPr>
+            <a:lvl4pPr marL="1371600" algn="l" defTabSz="914400" rtl="0" eaLnBrk="1" latinLnBrk="0" hangingPunct="1">
+              <a:defRPr sz="1800" kern="1200">
+                <a:solidFill>
+                  <a:schemeClr val="tx1"/>
+                </a:solidFill>
+                <a:latin typeface="+mn-lt"/>
+                <a:ea typeface="+mn-ea"/>
+                <a:cs typeface="+mn-cs"/>
+              </a:defRPr>
+            </a:lvl4pPr>
+            <a:lvl5pPr marL="1828800" algn="l" defTabSz="914400" rtl="0" eaLnBrk="1" latinLnBrk="0" hangingPunct="1">
+              <a:defRPr sz="1800" kern="1200">
+                <a:solidFill>
+                  <a:schemeClr val="tx1"/>
+                </a:solidFill>
+                <a:latin typeface="+mn-lt"/>
+                <a:ea typeface="+mn-ea"/>
+                <a:cs typeface="+mn-cs"/>
+              </a:defRPr>
+            </a:lvl5pPr>
+            <a:lvl6pPr marL="2286000" algn="l" defTabSz="914400" rtl="0" eaLnBrk="1" latinLnBrk="0" hangingPunct="1">
+              <a:defRPr sz="1800" kern="1200">
+                <a:solidFill>
+                  <a:schemeClr val="tx1"/>
+                </a:solidFill>
+                <a:latin typeface="+mn-lt"/>
+                <a:ea typeface="+mn-ea"/>
+                <a:cs typeface="+mn-cs"/>
+              </a:defRPr>
+            </a:lvl6pPr>
+            <a:lvl7pPr marL="2743200" algn="l" defTabSz="914400" rtl="0" eaLnBrk="1" latinLnBrk="0" hangingPunct="1">
+              <a:defRPr sz="1800" kern="1200">
+                <a:solidFill>
+                  <a:schemeClr val="tx1"/>
+                </a:solidFill>
+                <a:latin typeface="+mn-lt"/>
+                <a:ea typeface="+mn-ea"/>
+                <a:cs typeface="+mn-cs"/>
+              </a:defRPr>
+            </a:lvl7pPr>
+            <a:lvl8pPr marL="3200400" algn="l" defTabSz="914400" rtl="0" eaLnBrk="1" latinLnBrk="0" hangingPunct="1">
+              <a:defRPr sz="1800" kern="1200">
+                <a:solidFill>
+                  <a:schemeClr val="tx1"/>
+                </a:solidFill>
+                <a:latin typeface="+mn-lt"/>
+                <a:ea typeface="+mn-ea"/>
+                <a:cs typeface="+mn-cs"/>
+              </a:defRPr>
+            </a:lvl8pPr>
+            <a:lvl9pPr marL="3657600" algn="l" defTabSz="914400" rtl="0" eaLnBrk="1" latinLnBrk="0" hangingPunct="1">
+              <a:defRPr sz="1800" kern="1200">
+                <a:solidFill>
+                  <a:schemeClr val="tx1"/>
+                </a:solidFill>
+                <a:latin typeface="+mn-lt"/>
+                <a:ea typeface="+mn-ea"/>
+                <a:cs typeface="+mn-cs"/>
+              </a:defRPr>
+            </a:lvl9pPr>
+          </a:lstStyle>
+          <a:p>
+            <a:fld id="{3EBA5BD7-F043-4D1B-AA17-CD412FC534DE}" type="slidenum">
               <a:rPr lang="en-US" smtClean="0"/>
-              <a:t>19</a:t>
+              <a:pPr/>
+              <a:t>18</a:t>
             </a:fld>
             <a:endParaRPr lang="en-US" dirty="0"/>
           </a:p>
@@ -3377,7 +3498,13 @@
       </p:sp>
       <p:sp>
         <p:nvSpPr>
-          <p:cNvPr id="5" name="Footer Placeholder 4"/>
+          <p:cNvPr id="4" name="Footer Placeholder 3">
+            <a:extLst>
+              <a:ext uri="{FF2B5EF4-FFF2-40B4-BE49-F238E27FC236}">
+                <a16:creationId xmlns:a16="http://schemas.microsoft.com/office/drawing/2014/main" id="{58474633-D38D-4432-867B-70F325FA7016}"/>
+              </a:ext>
+            </a:extLst>
+          </p:cNvPr>
           <p:cNvSpPr>
             <a:spLocks noGrp="1"/>
           </p:cNvSpPr>
@@ -3391,31 +3518,27 @@
           <a:lstStyle/>
           <a:p>
             <a:r>
-              <a:rPr lang="bg-BG" sz="1100"/>
-              <a:t>Работна група </a:t>
-            </a:r>
-            <a:r>
-              <a:rPr lang="bg-BG"/>
-              <a:t>"Образование по програмиране и ИТ"</a:t>
-            </a:r>
-            <a:r>
-              <a:rPr lang="bg-BG" sz="1100"/>
-              <a:t>, с подкрепата на </a:t>
-            </a:r>
-            <a:r>
-              <a:rPr lang="en-US" sz="1100">
+              <a:rPr lang="en-US"/>
+              <a:t>© SoftUni – </a:t>
+            </a:r>
+            <a:r>
+              <a:rPr lang="en-US" u="sng">
                 <a:hlinkClick r:id="rId3"/>
               </a:rPr>
-              <a:t>SoftUni</a:t>
-            </a:r>
-            <a:endParaRPr lang="en-US" sz="1100" dirty="0"/>
+              <a:t>https://softuni.org</a:t>
+            </a:r>
+            <a:r>
+              <a:rPr lang="en-US"/>
+              <a:t>. Copyrighted document. Unauthorized copy or reproduction is not permitted.</a:t>
+            </a:r>
+            <a:endParaRPr lang="en-US" dirty="0"/>
           </a:p>
         </p:txBody>
       </p:sp>
     </p:spTree>
     <p:extLst>
       <p:ext uri="{BB962C8B-B14F-4D97-AF65-F5344CB8AC3E}">
-        <p14:creationId xmlns:p14="http://schemas.microsoft.com/office/powerpoint/2010/main" val="3010897597"/>
+        <p14:creationId xmlns:p14="http://schemas.microsoft.com/office/powerpoint/2010/main" val="2800762101"/>
       </p:ext>
     </p:extLst>
   </p:cSld>
@@ -8949,8 +9072,8 @@
         </p:nvSpPr>
         <p:spPr bwMode="auto">
           <a:xfrm>
-            <a:off x="533400" y="1899000"/>
-            <a:ext cx="11125200" cy="4742425"/>
+            <a:off x="336000" y="1913075"/>
+            <a:ext cx="11417030" cy="4742425"/>
           </a:xfrm>
           <a:prstGeom prst="rect">
             <a:avLst/>
@@ -9420,8 +9543,8 @@
         </p:nvSpPr>
         <p:spPr bwMode="auto">
           <a:xfrm>
-            <a:off x="627830" y="2056090"/>
-            <a:ext cx="11125200" cy="3808836"/>
+            <a:off x="291000" y="1774834"/>
+            <a:ext cx="11462030" cy="4834758"/>
           </a:xfrm>
           <a:prstGeom prst="rect">
             <a:avLst/>
@@ -9463,14 +9586,14 @@
               <a:buNone/>
             </a:pPr>
             <a:r>
-              <a:rPr lang="en-US" sz="2000" b="1" noProof="1">
+              <a:rPr lang="en-US" sz="2400" b="1" noProof="1">
                 <a:latin typeface="Consolas" pitchFamily="49" charset="0"/>
                 <a:cs typeface="Consolas" pitchFamily="49" charset="0"/>
               </a:rPr>
               <a:t>foreach (Department </a:t>
             </a:r>
             <a:r>
-              <a:rPr lang="en-US" sz="2000" b="1" noProof="1">
+              <a:rPr lang="en-US" sz="2400" b="1" noProof="1">
                 <a:solidFill>
                   <a:schemeClr val="bg1"/>
                 </a:solidFill>
@@ -9480,14 +9603,14 @@
               <a:t>department</a:t>
             </a:r>
             <a:r>
-              <a:rPr lang="en-US" sz="2000" b="1" noProof="1">
+              <a:rPr lang="en-US" sz="2400" b="1" noProof="1">
                 <a:latin typeface="Consolas" pitchFamily="49" charset="0"/>
                 <a:cs typeface="Consolas" pitchFamily="49" charset="0"/>
               </a:rPr>
               <a:t> in dbContext.</a:t>
             </a:r>
             <a:r>
-              <a:rPr lang="en-US" sz="2000" b="1" noProof="1">
+              <a:rPr lang="en-US" sz="2400" b="1" noProof="1">
                 <a:solidFill>
                   <a:schemeClr val="bg1"/>
                 </a:solidFill>
@@ -9497,7 +9620,7 @@
               <a:t>Departments</a:t>
             </a:r>
             <a:r>
-              <a:rPr lang="en-US" sz="2000" b="1" noProof="1">
+              <a:rPr lang="en-US" sz="2400" b="1" noProof="1">
                 <a:latin typeface="Consolas" pitchFamily="49" charset="0"/>
                 <a:cs typeface="Consolas" pitchFamily="49" charset="0"/>
               </a:rPr>
@@ -9520,7 +9643,7 @@
               <a:buNone/>
             </a:pPr>
             <a:r>
-              <a:rPr lang="en-US" sz="2000" b="1" noProof="1">
+              <a:rPr lang="en-US" sz="2400" b="1" noProof="1">
                 <a:latin typeface="Consolas" pitchFamily="49" charset="0"/>
                 <a:cs typeface="Consolas" pitchFamily="49" charset="0"/>
               </a:rPr>
@@ -9543,14 +9666,14 @@
               <a:buNone/>
             </a:pPr>
             <a:r>
-              <a:rPr lang="en-US" sz="2000" b="1" noProof="1">
+              <a:rPr lang="en-US" sz="2400" b="1" noProof="1">
                 <a:latin typeface="Consolas" pitchFamily="49" charset="0"/>
                 <a:cs typeface="Consolas" pitchFamily="49" charset="0"/>
               </a:rPr>
               <a:t>    Console.WriteLine($"Department `{</a:t>
             </a:r>
             <a:r>
-              <a:rPr lang="en-US" sz="2000" b="1" noProof="1">
+              <a:rPr lang="en-US" sz="2400" b="1" noProof="1">
                 <a:solidFill>
                   <a:schemeClr val="bg1"/>
                 </a:solidFill>
@@ -9560,7 +9683,7 @@
               <a:t>department</a:t>
             </a:r>
             <a:r>
-              <a:rPr lang="en-US" sz="2000" b="1" noProof="1">
+              <a:rPr lang="en-US" sz="2400" b="1" noProof="1">
                 <a:latin typeface="Consolas" pitchFamily="49" charset="0"/>
                 <a:cs typeface="Consolas" pitchFamily="49" charset="0"/>
               </a:rPr>
@@ -9583,14 +9706,14 @@
               <a:buNone/>
             </a:pPr>
             <a:r>
-              <a:rPr lang="en-US" sz="2000" b="1" noProof="1">
+              <a:rPr lang="en-US" sz="2400" b="1" noProof="1">
                 <a:latin typeface="Consolas" pitchFamily="49" charset="0"/>
                 <a:cs typeface="Consolas" pitchFamily="49" charset="0"/>
               </a:rPr>
               <a:t>    var </a:t>
             </a:r>
             <a:r>
-              <a:rPr lang="en-US" sz="2000" b="1" noProof="1">
+              <a:rPr lang="en-US" sz="2400" b="1" noProof="1">
                 <a:solidFill>
                   <a:schemeClr val="bg1"/>
                 </a:solidFill>
@@ -9600,14 +9723,14 @@
               <a:t>employees</a:t>
             </a:r>
             <a:r>
-              <a:rPr lang="en-US" sz="2000" b="1" noProof="1">
+              <a:rPr lang="en-US" sz="2400" b="1" noProof="1">
                 <a:latin typeface="Consolas" pitchFamily="49" charset="0"/>
                 <a:cs typeface="Consolas" pitchFamily="49" charset="0"/>
               </a:rPr>
               <a:t> = </a:t>
             </a:r>
             <a:r>
-              <a:rPr lang="en-US" sz="2000" b="1" noProof="1">
+              <a:rPr lang="en-US" sz="2400" b="1" noProof="1">
                 <a:solidFill>
                   <a:schemeClr val="bg1"/>
                 </a:solidFill>
@@ -9617,14 +9740,14 @@
               <a:t>department</a:t>
             </a:r>
             <a:r>
-              <a:rPr lang="en-US" sz="2000" b="1" noProof="1">
+              <a:rPr lang="en-US" sz="2400" b="1" noProof="1">
                 <a:latin typeface="Consolas" pitchFamily="49" charset="0"/>
                 <a:cs typeface="Consolas" pitchFamily="49" charset="0"/>
               </a:rPr>
               <a:t>.</a:t>
             </a:r>
             <a:r>
-              <a:rPr lang="en-US" sz="2000" b="1" noProof="1">
+              <a:rPr lang="en-US" sz="2400" b="1" noProof="1">
                 <a:solidFill>
                   <a:schemeClr val="bg1"/>
                 </a:solidFill>
@@ -9634,7 +9757,7 @@
               <a:t>Employees</a:t>
             </a:r>
             <a:r>
-              <a:rPr lang="en-US" sz="2000" b="1" noProof="1">
+              <a:rPr lang="en-US" sz="2400" b="1" noProof="1">
                 <a:latin typeface="Consolas" pitchFamily="49" charset="0"/>
                 <a:cs typeface="Consolas" pitchFamily="49" charset="0"/>
               </a:rPr>
@@ -9657,14 +9780,14 @@
               <a:buNone/>
             </a:pPr>
             <a:r>
-              <a:rPr lang="en-US" sz="2000" b="1" noProof="1">
+              <a:rPr lang="en-US" sz="2400" b="1" noProof="1">
                 <a:latin typeface="Consolas" pitchFamily="49" charset="0"/>
                 <a:cs typeface="Consolas" pitchFamily="49" charset="0"/>
               </a:rPr>
               <a:t>    foreach (Employee </a:t>
             </a:r>
             <a:r>
-              <a:rPr lang="en-US" sz="2000" b="1" noProof="1">
+              <a:rPr lang="en-US" sz="2400" b="1" noProof="1">
                 <a:solidFill>
                   <a:schemeClr val="bg1"/>
                 </a:solidFill>
@@ -9674,14 +9797,14 @@
               <a:t>employee</a:t>
             </a:r>
             <a:r>
-              <a:rPr lang="en-US" sz="2000" b="1" noProof="1">
+              <a:rPr lang="en-US" sz="2400" b="1" noProof="1">
                 <a:latin typeface="Consolas" pitchFamily="49" charset="0"/>
                 <a:cs typeface="Consolas" pitchFamily="49" charset="0"/>
               </a:rPr>
               <a:t> in </a:t>
             </a:r>
             <a:r>
-              <a:rPr lang="en-US" sz="2000" b="1" noProof="1">
+              <a:rPr lang="en-US" sz="2400" b="1" noProof="1">
                 <a:solidFill>
                   <a:schemeClr val="bg1"/>
                 </a:solidFill>
@@ -9691,13 +9814,13 @@
               <a:t>employees</a:t>
             </a:r>
             <a:r>
-              <a:rPr lang="en-US" sz="2000" b="1" noProof="1">
+              <a:rPr lang="en-US" sz="2400" b="1" noProof="1">
                 <a:latin typeface="Consolas" pitchFamily="49" charset="0"/>
                 <a:cs typeface="Consolas" pitchFamily="49" charset="0"/>
               </a:rPr>
               <a:t>)</a:t>
             </a:r>
-            <a:endParaRPr lang="bg-BG" sz="2000" b="1" noProof="1">
+            <a:endParaRPr lang="bg-BG" sz="2400" b="1" noProof="1">
               <a:latin typeface="Consolas" pitchFamily="49" charset="0"/>
               <a:cs typeface="Consolas" pitchFamily="49" charset="0"/>
             </a:endParaRPr>
@@ -9718,7 +9841,7 @@
               <a:buNone/>
             </a:pPr>
             <a:r>
-              <a:rPr lang="en-US" sz="2000" b="1" noProof="1">
+              <a:rPr lang="en-US" sz="2400" b="1" noProof="1">
                 <a:latin typeface="Consolas" pitchFamily="49" charset="0"/>
                 <a:cs typeface="Consolas" pitchFamily="49" charset="0"/>
               </a:rPr>
@@ -9741,46 +9864,16 @@
               <a:buNone/>
             </a:pPr>
             <a:r>
-              <a:rPr lang="en-US" sz="2000" b="1" noProof="1">
+              <a:rPr lang="en-US" sz="2400" b="1" noProof="1">
                 <a:latin typeface="Consolas" pitchFamily="49" charset="0"/>
                 <a:cs typeface="Consolas" pitchFamily="49" charset="0"/>
               </a:rPr>
-              <a:t>        Console.WriteLine($" -&gt; {</a:t>
-            </a:r>
-            <a:r>
-              <a:rPr lang="en-US" sz="2000" b="1" noProof="1">
-                <a:solidFill>
-                  <a:schemeClr val="bg1"/>
-                </a:solidFill>
-                <a:latin typeface="Consolas" pitchFamily="49" charset="0"/>
-                <a:cs typeface="Consolas" pitchFamily="49" charset="0"/>
-              </a:rPr>
-              <a:t>employee</a:t>
-            </a:r>
-            <a:r>
-              <a:rPr lang="en-US" sz="2000" b="1" noProof="1">
-                <a:latin typeface="Consolas" pitchFamily="49" charset="0"/>
-                <a:cs typeface="Consolas" pitchFamily="49" charset="0"/>
-              </a:rPr>
-              <a:t>.FirstName} {</a:t>
-            </a:r>
-            <a:r>
-              <a:rPr lang="en-US" sz="2000" b="1" noProof="1">
-                <a:solidFill>
-                  <a:schemeClr val="bg1"/>
-                </a:solidFill>
-                <a:latin typeface="Consolas" pitchFamily="49" charset="0"/>
-                <a:cs typeface="Consolas" pitchFamily="49" charset="0"/>
-              </a:rPr>
-              <a:t>employee</a:t>
-            </a:r>
-            <a:r>
-              <a:rPr lang="en-US" sz="2000" b="1" noProof="1">
-                <a:latin typeface="Consolas" pitchFamily="49" charset="0"/>
-                <a:cs typeface="Consolas" pitchFamily="49" charset="0"/>
-              </a:rPr>
-              <a:t>.LastName}");</a:t>
-            </a:r>
+              <a:t>        Console.WriteLine($" -&gt; </a:t>
+            </a:r>
+            <a:endParaRPr lang="bg-BG" sz="2400" b="1" noProof="1">
+              <a:latin typeface="Consolas" pitchFamily="49" charset="0"/>
+              <a:cs typeface="Consolas" pitchFamily="49" charset="0"/>
+            </a:endParaRPr>
           </a:p>
           <a:p>
             <a:pPr>
@@ -9798,11 +9891,52 @@
               <a:buNone/>
             </a:pPr>
             <a:r>
-              <a:rPr lang="en-US" sz="2000" b="1" noProof="1">
+              <a:rPr lang="bg-BG" sz="2400" b="1" noProof="1">
                 <a:latin typeface="Consolas" pitchFamily="49" charset="0"/>
                 <a:cs typeface="Consolas" pitchFamily="49" charset="0"/>
               </a:rPr>
-              <a:t>    }</a:t>
+              <a:t>               </a:t>
+            </a:r>
+            <a:r>
+              <a:rPr lang="en-US" sz="2400" b="1" noProof="1">
+                <a:latin typeface="Consolas" pitchFamily="49" charset="0"/>
+                <a:cs typeface="Consolas" pitchFamily="49" charset="0"/>
+              </a:rPr>
+              <a:t>{</a:t>
+            </a:r>
+            <a:r>
+              <a:rPr lang="en-US" sz="2400" b="1" noProof="1">
+                <a:solidFill>
+                  <a:schemeClr val="bg1"/>
+                </a:solidFill>
+                <a:latin typeface="Consolas" pitchFamily="49" charset="0"/>
+                <a:cs typeface="Consolas" pitchFamily="49" charset="0"/>
+              </a:rPr>
+              <a:t>employee</a:t>
+            </a:r>
+            <a:r>
+              <a:rPr lang="en-US" sz="2400" b="1" noProof="1">
+                <a:latin typeface="Consolas" pitchFamily="49" charset="0"/>
+                <a:cs typeface="Consolas" pitchFamily="49" charset="0"/>
+              </a:rPr>
+              <a:t>.FirstName} {</a:t>
+            </a:r>
+            <a:r>
+              <a:rPr lang="en-US" sz="2400" b="1" noProof="1">
+                <a:solidFill>
+                  <a:schemeClr val="bg1"/>
+                </a:solidFill>
+                <a:latin typeface="Consolas" pitchFamily="49" charset="0"/>
+                <a:cs typeface="Consolas" pitchFamily="49" charset="0"/>
+              </a:rPr>
+              <a:t>employee</a:t>
+            </a:r>
+            <a:r>
+              <a:rPr lang="en-US" sz="2400" b="1" noProof="1">
+                <a:latin typeface="Consolas" pitchFamily="49" charset="0"/>
+                <a:cs typeface="Consolas" pitchFamily="49" charset="0"/>
+              </a:rPr>
+              <a:t>.LastName}");</a:t>
             </a:r>
           </a:p>
           <a:p>
@@ -9821,7 +9955,30 @@
               <a:buNone/>
             </a:pPr>
             <a:r>
-              <a:rPr lang="en-US" sz="2000" b="1" noProof="1">
+              <a:rPr lang="en-US" sz="2400" b="1" noProof="1">
+                <a:latin typeface="Consolas" pitchFamily="49" charset="0"/>
+                <a:cs typeface="Consolas" pitchFamily="49" charset="0"/>
+              </a:rPr>
+              <a:t>    }</a:t>
+            </a:r>
+          </a:p>
+          <a:p>
+            <a:pPr>
+              <a:spcBef>
+                <a:spcPts val="400"/>
+              </a:spcBef>
+              <a:spcAft>
+                <a:spcPts val="400"/>
+              </a:spcAft>
+              <a:buClr>
+                <a:srgbClr val="F2B254"/>
+              </a:buClr>
+              <a:buSzPct val="100000"/>
+              <a:buFont typeface="Wingdings" panose="05000000000000000000" pitchFamily="2" charset="2"/>
+              <a:buNone/>
+            </a:pPr>
+            <a:r>
+              <a:rPr lang="en-US" sz="2400" b="1" noProof="1">
                 <a:latin typeface="Consolas" pitchFamily="49" charset="0"/>
                 <a:cs typeface="Consolas" pitchFamily="49" charset="0"/>
               </a:rPr>
@@ -10160,7 +10317,11 @@
           <a:p>
             <a:r>
               <a:rPr lang="bg-BG" sz="4000" dirty="0"/>
-              <a:t>Навигация между свързани таблици – пример</a:t>
+              <a:t>Навигация между свързани таблици – Пример </a:t>
+            </a:r>
+            <a:r>
+              <a:rPr lang="en-US" sz="4000" dirty="0"/>
+              <a:t>(1)</a:t>
             </a:r>
             <a:endParaRPr lang="en-US" dirty="0"/>
           </a:p>
@@ -10182,8 +10343,8 @@
         </p:nvSpPr>
         <p:spPr bwMode="auto">
           <a:xfrm>
-            <a:off x="246000" y="1403355"/>
-            <a:ext cx="11125200" cy="5265645"/>
+            <a:off x="196304" y="1213705"/>
+            <a:ext cx="11556725" cy="5142534"/>
           </a:xfrm>
           <a:prstGeom prst="rect">
             <a:avLst/>
@@ -10225,13 +10386,13 @@
               <a:buNone/>
             </a:pPr>
             <a:r>
-              <a:rPr lang="en-US" sz="1600" b="1" dirty="0">
+              <a:rPr lang="en-US" sz="2000" b="1" dirty="0">
                 <a:latin typeface="Consolas" panose="020B0609020204030204" pitchFamily="49" charset="0"/>
               </a:rPr>
               <a:t>private void </a:t>
             </a:r>
             <a:r>
-              <a:rPr lang="en-US" sz="1600" b="1" dirty="0">
+              <a:rPr lang="en-US" sz="2000" b="1" dirty="0">
                 <a:solidFill>
                   <a:schemeClr val="bg1"/>
                 </a:solidFill>
@@ -10240,7 +10401,7 @@
               <a:t>dataGridViewCountries_SelectionChanged</a:t>
             </a:r>
             <a:r>
-              <a:rPr lang="en-US" sz="1600" b="1" dirty="0">
+              <a:rPr lang="en-US" sz="2000" b="1" dirty="0">
                 <a:latin typeface="Consolas" panose="020B0609020204030204" pitchFamily="49" charset="0"/>
               </a:rPr>
               <a:t>(object sender, EventArgs e)</a:t>
@@ -10262,7 +10423,7 @@
               <a:buNone/>
             </a:pPr>
             <a:r>
-              <a:rPr lang="en-US" sz="1600" b="1" dirty="0">
+              <a:rPr lang="en-US" sz="2000" b="1" dirty="0">
                 <a:latin typeface="Consolas" panose="020B0609020204030204" pitchFamily="49" charset="0"/>
               </a:rPr>
               <a:t>{</a:t>
@@ -10284,20 +10445,20 @@
               <a:buNone/>
             </a:pPr>
             <a:r>
-              <a:rPr lang="en-US" sz="1600" b="1" dirty="0">
+              <a:rPr lang="en-US" sz="2000" b="1" dirty="0">
                 <a:latin typeface="Consolas" panose="020B0609020204030204" pitchFamily="49" charset="0"/>
               </a:rPr>
               <a:t>    var selectedCountry = </a:t>
             </a:r>
             <a:r>
-              <a:rPr lang="en-US" sz="1600" b="1" noProof="1">
+              <a:rPr lang="en-US" sz="2000" b="1" noProof="1">
                 <a:latin typeface="Consolas" pitchFamily="49" charset="0"/>
                 <a:cs typeface="Consolas" pitchFamily="49" charset="0"/>
               </a:rPr>
               <a:t>(Country)this.</a:t>
             </a:r>
             <a:r>
-              <a:rPr lang="en-US" sz="1600" b="1" noProof="1">
+              <a:rPr lang="en-US" sz="2000" b="1" noProof="1">
                 <a:solidFill>
                   <a:schemeClr val="bg1"/>
                 </a:solidFill>
@@ -10307,14 +10468,14 @@
               <a:t>countryBindingSource</a:t>
             </a:r>
             <a:r>
-              <a:rPr lang="en-US" sz="1600" b="1" noProof="1">
+              <a:rPr lang="en-US" sz="2000" b="1" noProof="1">
                 <a:latin typeface="Consolas" pitchFamily="49" charset="0"/>
                 <a:cs typeface="Consolas" pitchFamily="49" charset="0"/>
               </a:rPr>
               <a:t>.</a:t>
             </a:r>
             <a:r>
-              <a:rPr lang="en-US" sz="1600" b="1" noProof="1">
+              <a:rPr lang="en-US" sz="2000" b="1" noProof="1">
                 <a:solidFill>
                   <a:schemeClr val="bg1"/>
                 </a:solidFill>
@@ -10324,7 +10485,7 @@
               <a:t>Current</a:t>
             </a:r>
             <a:r>
-              <a:rPr lang="en-US" sz="1600" b="1" noProof="1">
+              <a:rPr lang="en-US" sz="2000" b="1" noProof="1">
                 <a:latin typeface="Consolas" pitchFamily="49" charset="0"/>
                 <a:cs typeface="Consolas" pitchFamily="49" charset="0"/>
               </a:rPr>
@@ -10345,47 +10506,11 @@
               <a:buSzPct val="100000"/>
             </a:pPr>
             <a:r>
-              <a:rPr lang="en-US" sz="1600" b="1" dirty="0">
+              <a:rPr lang="en-US" sz="2000" b="1" dirty="0">
                 <a:latin typeface="Consolas" panose="020B0609020204030204" pitchFamily="49" charset="0"/>
               </a:rPr>
               <a:t>    if (selectedCountry == null)</a:t>
             </a:r>
-            <a:r>
-              <a:rPr lang="bg-BG" sz="1600" b="1" dirty="0">
-                <a:latin typeface="Consolas" panose="020B0609020204030204" pitchFamily="49" charset="0"/>
-              </a:rPr>
-              <a:t> </a:t>
-            </a:r>
-            <a:r>
-              <a:rPr lang="en-US" sz="1600" b="1" dirty="0">
-                <a:latin typeface="Consolas" panose="020B0609020204030204" pitchFamily="49" charset="0"/>
-              </a:rPr>
-              <a:t>return;  </a:t>
-            </a:r>
-            <a:r>
-              <a:rPr lang="en-US" sz="1600" b="1" dirty="0">
-                <a:solidFill>
-                  <a:schemeClr val="accent2"/>
-                </a:solidFill>
-                <a:latin typeface="Consolas" panose="020B0609020204030204" pitchFamily="49" charset="0"/>
-              </a:rPr>
-              <a:t>// </a:t>
-            </a:r>
-            <a:r>
-              <a:rPr lang="bg-BG" sz="1600" b="1" dirty="0">
-                <a:solidFill>
-                  <a:schemeClr val="accent2"/>
-                </a:solidFill>
-                <a:latin typeface="Consolas" panose="020B0609020204030204" pitchFamily="49" charset="0"/>
-              </a:rPr>
-              <a:t>Няма избрана държава</a:t>
-            </a:r>
-            <a:endParaRPr lang="en-US" sz="1600" b="1" dirty="0">
-              <a:solidFill>
-                <a:schemeClr val="accent2"/>
-              </a:solidFill>
-              <a:latin typeface="Consolas" panose="020B0609020204030204" pitchFamily="49" charset="0"/>
-            </a:endParaRPr>
           </a:p>
           <a:p>
             <a:pPr>
@@ -10401,14 +10526,98 @@
               <a:buSzPct val="100000"/>
             </a:pPr>
             <a:r>
-              <a:rPr lang="en-US" sz="1600" b="1" noProof="1">
+              <a:rPr lang="en-US" sz="2000" b="1" dirty="0">
+                <a:latin typeface="Consolas" panose="020B0609020204030204" pitchFamily="49" charset="0"/>
+              </a:rPr>
+              <a:t>    {</a:t>
+            </a:r>
+          </a:p>
+          <a:p>
+            <a:pPr>
+              <a:spcBef>
+                <a:spcPts val="600"/>
+              </a:spcBef>
+              <a:spcAft>
+                <a:spcPts val="600"/>
+              </a:spcAft>
+              <a:buClr>
+                <a:srgbClr val="F2B254"/>
+              </a:buClr>
+              <a:buSzPct val="100000"/>
+            </a:pPr>
+            <a:r>
+              <a:rPr lang="en-US" sz="2000" b="1" dirty="0">
+                <a:latin typeface="Consolas" panose="020B0609020204030204" pitchFamily="49" charset="0"/>
+              </a:rPr>
+              <a:t>        return;  </a:t>
+            </a:r>
+            <a:r>
+              <a:rPr lang="en-US" sz="2000" b="1" dirty="0">
+                <a:solidFill>
+                  <a:schemeClr val="accent2"/>
+                </a:solidFill>
+                <a:latin typeface="Consolas" panose="020B0609020204030204" pitchFamily="49" charset="0"/>
+              </a:rPr>
+              <a:t>// </a:t>
+            </a:r>
+            <a:r>
+              <a:rPr lang="bg-BG" sz="2000" b="1" dirty="0">
+                <a:solidFill>
+                  <a:schemeClr val="accent2"/>
+                </a:solidFill>
+                <a:latin typeface="Consolas" panose="020B0609020204030204" pitchFamily="49" charset="0"/>
+              </a:rPr>
+              <a:t>Няма избрана държава</a:t>
+            </a:r>
+            <a:endParaRPr lang="en-US" sz="2000" b="1" dirty="0">
+              <a:solidFill>
+                <a:schemeClr val="accent2"/>
+              </a:solidFill>
+              <a:latin typeface="Consolas" panose="020B0609020204030204" pitchFamily="49" charset="0"/>
+            </a:endParaRPr>
+          </a:p>
+          <a:p>
+            <a:pPr>
+              <a:spcBef>
+                <a:spcPts val="600"/>
+              </a:spcBef>
+              <a:spcAft>
+                <a:spcPts val="600"/>
+              </a:spcAft>
+              <a:buClr>
+                <a:srgbClr val="F2B254"/>
+              </a:buClr>
+              <a:buSzPct val="100000"/>
+            </a:pPr>
+            <a:r>
+              <a:rPr lang="en-US" sz="2000" b="1" dirty="0">
+                <a:latin typeface="Consolas" panose="020B0609020204030204" pitchFamily="49" charset="0"/>
+              </a:rPr>
+              <a:t>    }</a:t>
+            </a:r>
+          </a:p>
+          <a:p>
+            <a:pPr>
+              <a:spcBef>
+                <a:spcPts val="600"/>
+              </a:spcBef>
+              <a:spcAft>
+                <a:spcPts val="600"/>
+              </a:spcAft>
+              <a:buClr>
+                <a:srgbClr val="F2B254"/>
+              </a:buClr>
+              <a:buSzPct val="100000"/>
+            </a:pPr>
+            <a:r>
+              <a:rPr lang="en-US" sz="2000" b="1" noProof="1">
                 <a:latin typeface="Consolas" pitchFamily="49" charset="0"/>
                 <a:cs typeface="Consolas" pitchFamily="49" charset="0"/>
               </a:rPr>
               <a:t>    var countryId = selectedCountry.</a:t>
             </a:r>
             <a:r>
-              <a:rPr lang="en-US" sz="1600" b="1" noProof="1">
+              <a:rPr lang="en-US" sz="2000" b="1" noProof="1">
                 <a:solidFill>
                   <a:schemeClr val="bg1"/>
                 </a:solidFill>
@@ -10418,13 +10627,13 @@
               <a:t>CountryId</a:t>
             </a:r>
             <a:r>
-              <a:rPr lang="en-US" sz="1600" b="1" noProof="1">
+              <a:rPr lang="en-US" sz="2000" b="1" noProof="1">
                 <a:latin typeface="Consolas" pitchFamily="49" charset="0"/>
                 <a:cs typeface="Consolas" pitchFamily="49" charset="0"/>
               </a:rPr>
               <a:t>;</a:t>
             </a:r>
-            <a:endParaRPr lang="en-US" sz="1600" b="1" dirty="0">
+            <a:endParaRPr lang="en-US" sz="2000" b="1" dirty="0">
               <a:latin typeface="Consolas" panose="020B0609020204030204" pitchFamily="49" charset="0"/>
             </a:endParaRPr>
           </a:p>
@@ -10444,7 +10653,7 @@
               <a:buNone/>
             </a:pPr>
             <a:r>
-              <a:rPr lang="en-US" sz="1600" b="1" dirty="0">
+              <a:rPr lang="en-US" sz="2000" b="1" dirty="0">
                 <a:latin typeface="Consolas" panose="020B0609020204030204" pitchFamily="49" charset="0"/>
               </a:rPr>
               <a:t>    using (var dbContext = new CountriesDbContext())</a:t>
@@ -10466,7 +10675,7 @@
               <a:buNone/>
             </a:pPr>
             <a:r>
-              <a:rPr lang="en-US" sz="1600" b="1" dirty="0">
+              <a:rPr lang="en-US" sz="2000" b="1" dirty="0">
                 <a:latin typeface="Consolas" panose="020B0609020204030204" pitchFamily="49" charset="0"/>
               </a:rPr>
               <a:t>    {</a:t>
@@ -10486,305 +10695,20 @@
               <a:buSzPct val="100000"/>
             </a:pPr>
             <a:r>
-              <a:rPr lang="en-US" sz="1600" b="1" dirty="0">
-                <a:latin typeface="Consolas" panose="020B0609020204030204" pitchFamily="49" charset="0"/>
-              </a:rPr>
-              <a:t>	</a:t>
-            </a:r>
-            <a:r>
-              <a:rPr lang="en-US" sz="1600" b="1" dirty="0">
-                <a:solidFill>
-                  <a:schemeClr val="accent2"/>
-                </a:solidFill>
-                <a:latin typeface="Consolas" panose="020B0609020204030204" pitchFamily="49" charset="0"/>
-              </a:rPr>
-              <a:t>// </a:t>
-            </a:r>
-            <a:r>
-              <a:rPr lang="bg-BG" sz="1600" b="1" dirty="0">
-                <a:solidFill>
-                  <a:schemeClr val="accent2"/>
-                </a:solidFill>
-                <a:latin typeface="Consolas" panose="020B0609020204030204" pitchFamily="49" charset="0"/>
-              </a:rPr>
-              <a:t>Извличане на градовете, които принадлежат на избраната държава</a:t>
-            </a:r>
-            <a:endParaRPr lang="en-US" sz="1600" b="1" dirty="0">
-              <a:latin typeface="Consolas" panose="020B0609020204030204" pitchFamily="49" charset="0"/>
-            </a:endParaRPr>
-          </a:p>
-          <a:p>
-            <a:pPr>
-              <a:spcBef>
-                <a:spcPts val="600"/>
-              </a:spcBef>
-              <a:spcAft>
-                <a:spcPts val="600"/>
-              </a:spcAft>
-              <a:buClr>
-                <a:srgbClr val="F2B254"/>
-              </a:buClr>
-              <a:buSzPct val="100000"/>
-              <a:buFont typeface="Wingdings" panose="05000000000000000000" pitchFamily="2" charset="2"/>
-              <a:buNone/>
-            </a:pPr>
-            <a:r>
-              <a:rPr lang="bg-BG" sz="1600" b="1" dirty="0">
-                <a:latin typeface="Consolas" panose="020B0609020204030204" pitchFamily="49" charset="0"/>
-              </a:rPr>
-              <a:t>        </a:t>
-            </a:r>
-            <a:r>
-              <a:rPr lang="en-US" sz="1600" b="1" dirty="0">
-                <a:latin typeface="Consolas" panose="020B0609020204030204" pitchFamily="49" charset="0"/>
-              </a:rPr>
-              <a:t>var towns = dbContext.Towns.</a:t>
-            </a:r>
-            <a:r>
-              <a:rPr lang="en-US" sz="1600" b="1" dirty="0">
-                <a:solidFill>
-                  <a:schemeClr val="bg1"/>
-                </a:solidFill>
-                <a:latin typeface="Consolas" panose="020B0609020204030204" pitchFamily="49" charset="0"/>
-              </a:rPr>
-              <a:t>Where</a:t>
-            </a:r>
-            <a:r>
-              <a:rPr lang="en-US" sz="1600" b="1" dirty="0">
-                <a:latin typeface="Consolas" panose="020B0609020204030204" pitchFamily="49" charset="0"/>
-              </a:rPr>
-              <a:t>(t =&gt; t.</a:t>
-            </a:r>
-            <a:r>
-              <a:rPr lang="en-US" sz="1600" b="1" dirty="0">
-                <a:solidFill>
-                  <a:schemeClr val="bg1"/>
-                </a:solidFill>
-                <a:latin typeface="Consolas" panose="020B0609020204030204" pitchFamily="49" charset="0"/>
-              </a:rPr>
-              <a:t>CountryId</a:t>
-            </a:r>
-            <a:r>
-              <a:rPr lang="en-US" sz="1600" b="1" dirty="0">
-                <a:latin typeface="Consolas" panose="020B0609020204030204" pitchFamily="49" charset="0"/>
-              </a:rPr>
-              <a:t> == </a:t>
-            </a:r>
-            <a:r>
-              <a:rPr lang="en-US" sz="1600" b="1" dirty="0">
-                <a:solidFill>
-                  <a:schemeClr val="bg1"/>
-                </a:solidFill>
-                <a:latin typeface="Consolas" panose="020B0609020204030204" pitchFamily="49" charset="0"/>
-              </a:rPr>
-              <a:t>countryId</a:t>
-            </a:r>
-            <a:r>
-              <a:rPr lang="en-US" sz="1600" b="1" dirty="0">
-                <a:latin typeface="Consolas" panose="020B0609020204030204" pitchFamily="49" charset="0"/>
-              </a:rPr>
-              <a:t>).</a:t>
-            </a:r>
-            <a:r>
-              <a:rPr lang="en-US" sz="1600" b="1" dirty="0" err="1">
-                <a:latin typeface="Consolas" panose="020B0609020204030204" pitchFamily="49" charset="0"/>
-              </a:rPr>
-              <a:t>ToList</a:t>
-            </a:r>
-            <a:r>
-              <a:rPr lang="en-US" sz="1600" b="1" dirty="0">
-                <a:latin typeface="Consolas" panose="020B0609020204030204" pitchFamily="49" charset="0"/>
-              </a:rPr>
-              <a:t>();</a:t>
-            </a:r>
-          </a:p>
-          <a:p>
-            <a:pPr lvl="1">
-              <a:spcBef>
-                <a:spcPts val="600"/>
-              </a:spcBef>
-              <a:spcAft>
-                <a:spcPts val="600"/>
-              </a:spcAft>
-              <a:buClr>
-                <a:srgbClr val="F2B254"/>
-              </a:buClr>
-              <a:buSzPct val="100000"/>
-              <a:buFont typeface="Wingdings" panose="05000000000000000000" pitchFamily="2" charset="2"/>
-              <a:buNone/>
-            </a:pPr>
-            <a:r>
-              <a:rPr lang="en-US" sz="1600" b="1" dirty="0">
-                <a:latin typeface="Consolas" panose="020B0609020204030204" pitchFamily="49" charset="0"/>
-              </a:rPr>
-              <a:t> 	</a:t>
-            </a:r>
-            <a:r>
-              <a:rPr lang="en-US" sz="1600" b="1" dirty="0">
-                <a:solidFill>
-                  <a:schemeClr val="accent2"/>
-                </a:solidFill>
-                <a:latin typeface="Consolas" panose="020B0609020204030204" pitchFamily="49" charset="0"/>
-              </a:rPr>
-              <a:t>// </a:t>
-            </a:r>
-            <a:r>
-              <a:rPr lang="bg-BG" sz="1600" b="1" dirty="0">
-                <a:solidFill>
-                  <a:schemeClr val="accent2"/>
-                </a:solidFill>
-                <a:latin typeface="Consolas" panose="020B0609020204030204" pitchFamily="49" charset="0"/>
-              </a:rPr>
-              <a:t>Обновяване на </a:t>
-            </a:r>
-            <a:r>
-              <a:rPr lang="en-US" sz="1600" b="1" dirty="0">
-                <a:solidFill>
-                  <a:schemeClr val="accent2"/>
-                </a:solidFill>
-                <a:latin typeface="Consolas" panose="020B0609020204030204" pitchFamily="49" charset="0"/>
-              </a:rPr>
-              <a:t>DataGridView </a:t>
-            </a:r>
-            <a:r>
-              <a:rPr lang="bg-BG" sz="1600" b="1" dirty="0">
-                <a:solidFill>
-                  <a:schemeClr val="accent2"/>
-                </a:solidFill>
-                <a:latin typeface="Consolas" panose="020B0609020204030204" pitchFamily="49" charset="0"/>
-              </a:rPr>
-              <a:t>за градовете</a:t>
-            </a:r>
-          </a:p>
-          <a:p>
-            <a:pPr>
-              <a:spcBef>
-                <a:spcPts val="600"/>
-              </a:spcBef>
-              <a:spcAft>
-                <a:spcPts val="600"/>
-              </a:spcAft>
-              <a:buClr>
-                <a:srgbClr val="F2B254"/>
-              </a:buClr>
-              <a:buSzPct val="100000"/>
-            </a:pPr>
-            <a:r>
-              <a:rPr lang="en-US" sz="1600" b="1" dirty="0">
-                <a:latin typeface="Consolas" panose="020B0609020204030204" pitchFamily="49" charset="0"/>
-              </a:rPr>
-              <a:t>        </a:t>
-            </a:r>
-            <a:r>
-              <a:rPr lang="en-US" sz="1600" b="1" noProof="1">
-                <a:latin typeface="Consolas" pitchFamily="49" charset="0"/>
-                <a:cs typeface="Consolas" pitchFamily="49" charset="0"/>
-              </a:rPr>
-              <a:t>if (towns.Count &gt; 0) this.</a:t>
-            </a:r>
-            <a:r>
-              <a:rPr lang="en-US" sz="1600" b="1" noProof="1">
-                <a:solidFill>
-                  <a:schemeClr val="bg1"/>
-                </a:solidFill>
-                <a:latin typeface="Consolas" pitchFamily="49" charset="0"/>
-                <a:cs typeface="Consolas" pitchFamily="49" charset="0"/>
-              </a:rPr>
-              <a:t>townBindingSource</a:t>
-            </a:r>
-            <a:r>
-              <a:rPr lang="en-US" sz="1600" b="1" noProof="1">
-                <a:latin typeface="Consolas" pitchFamily="49" charset="0"/>
-                <a:cs typeface="Consolas" pitchFamily="49" charset="0"/>
-              </a:rPr>
-              <a:t>.</a:t>
-            </a:r>
-            <a:r>
-              <a:rPr lang="en-US" sz="1600" b="1" noProof="1">
-                <a:solidFill>
-                  <a:schemeClr val="bg1"/>
-                </a:solidFill>
-                <a:latin typeface="Consolas" pitchFamily="49" charset="0"/>
-                <a:cs typeface="Consolas" pitchFamily="49" charset="0"/>
-              </a:rPr>
-              <a:t>DataSource</a:t>
-            </a:r>
-            <a:r>
-              <a:rPr lang="en-US" sz="1600" b="1" noProof="1">
-                <a:latin typeface="Consolas" pitchFamily="49" charset="0"/>
-                <a:cs typeface="Consolas" pitchFamily="49" charset="0"/>
-              </a:rPr>
-              <a:t> = </a:t>
-            </a:r>
-            <a:r>
-              <a:rPr lang="en-US" sz="1600" b="1" noProof="1">
-                <a:solidFill>
-                  <a:schemeClr val="bg1"/>
-                </a:solidFill>
-                <a:latin typeface="Consolas" pitchFamily="49" charset="0"/>
-                <a:cs typeface="Consolas" pitchFamily="49" charset="0"/>
-              </a:rPr>
-              <a:t>towns</a:t>
-            </a:r>
-            <a:r>
-              <a:rPr lang="en-US" sz="1600" b="1" dirty="0">
-                <a:latin typeface="Consolas" panose="020B0609020204030204" pitchFamily="49" charset="0"/>
-              </a:rPr>
-              <a:t>;</a:t>
-            </a:r>
-          </a:p>
-          <a:p>
-            <a:pPr>
-              <a:spcBef>
-                <a:spcPts val="600"/>
-              </a:spcBef>
-              <a:spcAft>
-                <a:spcPts val="600"/>
-              </a:spcAft>
-              <a:buClr>
-                <a:srgbClr val="F2B254"/>
-              </a:buClr>
-              <a:buSzPct val="100000"/>
-              <a:buFont typeface="Wingdings" panose="05000000000000000000" pitchFamily="2" charset="2"/>
-              <a:buNone/>
-            </a:pPr>
-            <a:r>
-              <a:rPr lang="en-US" sz="1600" b="1" dirty="0">
-                <a:latin typeface="Consolas" panose="020B0609020204030204" pitchFamily="49" charset="0"/>
-              </a:rPr>
-              <a:t>    }</a:t>
-            </a:r>
-          </a:p>
-          <a:p>
-            <a:pPr>
-              <a:spcBef>
-                <a:spcPts val="600"/>
-              </a:spcBef>
-              <a:spcAft>
-                <a:spcPts val="600"/>
-              </a:spcAft>
-              <a:buClr>
-                <a:srgbClr val="F2B254"/>
-              </a:buClr>
-              <a:buSzPct val="100000"/>
-              <a:buFont typeface="Wingdings" panose="05000000000000000000" pitchFamily="2" charset="2"/>
-              <a:buNone/>
-            </a:pPr>
-            <a:r>
-              <a:rPr lang="en-US" sz="1600" b="1" dirty="0">
-                <a:latin typeface="Consolas" panose="020B0609020204030204" pitchFamily="49" charset="0"/>
-              </a:rPr>
-              <a:t>}</a:t>
+              <a:rPr lang="en-US" sz="2000" b="1" dirty="0">
+                <a:latin typeface="Consolas" panose="020B0609020204030204" pitchFamily="49" charset="0"/>
+              </a:rPr>
+              <a:t>	...</a:t>
             </a:r>
           </a:p>
         </p:txBody>
       </p:sp>
       <p:pic>
         <p:nvPicPr>
-          <p:cNvPr id="10" name="Picture 9">
+          <p:cNvPr id="3" name="Picture 2">
             <a:extLst>
               <a:ext uri="{FF2B5EF4-FFF2-40B4-BE49-F238E27FC236}">
-                <a16:creationId xmlns:a16="http://schemas.microsoft.com/office/drawing/2014/main" id="{C00679FE-406E-7A50-A243-E42656B10C46}"/>
+                <a16:creationId xmlns:a16="http://schemas.microsoft.com/office/drawing/2014/main" id="{C1ED2BCB-FD6D-8357-03D3-8F9127F45A62}"/>
               </a:ext>
             </a:extLst>
           </p:cNvPr>
@@ -10806,8 +10730,8 @@
         </p:blipFill>
         <p:spPr>
           <a:xfrm>
-            <a:off x="8222143" y="1989000"/>
-            <a:ext cx="3532710" cy="2248693"/>
+            <a:off x="7874819" y="3519000"/>
+            <a:ext cx="4061918" cy="2585552"/>
           </a:xfrm>
           <a:prstGeom prst="rect">
             <a:avLst/>
@@ -10846,6 +10770,633 @@
 </file>
 
 <file path=ppt/slides/slide14.xml><?xml version="1.0" encoding="utf-8"?>
+<p:sld xmlns:a="http://schemas.openxmlformats.org/drawingml/2006/main" xmlns:r="http://schemas.openxmlformats.org/officeDocument/2006/relationships" xmlns:p="http://schemas.openxmlformats.org/presentationml/2006/main">
+  <p:cSld>
+    <p:spTree>
+      <p:nvGrpSpPr>
+        <p:cNvPr id="1" name=""/>
+        <p:cNvGrpSpPr/>
+        <p:nvPr/>
+      </p:nvGrpSpPr>
+      <p:grpSpPr>
+        <a:xfrm>
+          <a:off x="0" y="0"/>
+          <a:ext cx="0" cy="0"/>
+          <a:chOff x="0" y="0"/>
+          <a:chExt cx="0" cy="0"/>
+        </a:xfrm>
+      </p:grpSpPr>
+      <p:sp>
+        <p:nvSpPr>
+          <p:cNvPr id="2" name="Slide Number Placeholder 1">
+            <a:extLst>
+              <a:ext uri="{FF2B5EF4-FFF2-40B4-BE49-F238E27FC236}">
+                <a16:creationId xmlns:a16="http://schemas.microsoft.com/office/drawing/2014/main" id="{9A078F77-60DC-3C95-03B7-A872970BC6E6}"/>
+              </a:ext>
+            </a:extLst>
+          </p:cNvPr>
+          <p:cNvSpPr>
+            <a:spLocks noGrp="1"/>
+          </p:cNvSpPr>
+          <p:nvPr>
+            <p:ph type="sldNum" sz="quarter" idx="5"/>
+          </p:nvPr>
+        </p:nvSpPr>
+        <p:spPr/>
+        <p:txBody>
+          <a:bodyPr/>
+          <a:lstStyle/>
+          <a:p>
+            <a:fld id="{2BF067CD-8E6B-4360-9AA8-C5DF2A48A6D1}" type="slidenum">
+              <a:rPr lang="en-US" noProof="0" smtClean="0"/>
+              <a:pPr/>
+              <a:t>14</a:t>
+            </a:fld>
+            <a:endParaRPr lang="en-US" noProof="0" dirty="0"/>
+          </a:p>
+        </p:txBody>
+      </p:sp>
+      <p:sp>
+        <p:nvSpPr>
+          <p:cNvPr id="4" name="Title 3">
+            <a:extLst>
+              <a:ext uri="{FF2B5EF4-FFF2-40B4-BE49-F238E27FC236}">
+                <a16:creationId xmlns:a16="http://schemas.microsoft.com/office/drawing/2014/main" id="{B6D27351-261F-C64D-6D8A-0AEFB51B05DF}"/>
+              </a:ext>
+            </a:extLst>
+          </p:cNvPr>
+          <p:cNvSpPr>
+            <a:spLocks noGrp="1"/>
+          </p:cNvSpPr>
+          <p:nvPr>
+            <p:ph type="title"/>
+          </p:nvPr>
+        </p:nvSpPr>
+        <p:spPr/>
+        <p:txBody>
+          <a:bodyPr>
+            <a:normAutofit fontScale="90000"/>
+          </a:bodyPr>
+          <a:lstStyle/>
+          <a:p>
+            <a:r>
+              <a:rPr lang="bg-BG" sz="4000" dirty="0"/>
+              <a:t>Навигация между свързани таблици – Пример </a:t>
+            </a:r>
+            <a:r>
+              <a:rPr lang="en-US" sz="4000" dirty="0"/>
+              <a:t>(2)</a:t>
+            </a:r>
+            <a:endParaRPr lang="en-US" dirty="0"/>
+          </a:p>
+        </p:txBody>
+      </p:sp>
+      <p:sp>
+        <p:nvSpPr>
+          <p:cNvPr id="6" name="Rectangle 5">
+            <a:extLst>
+              <a:ext uri="{FF2B5EF4-FFF2-40B4-BE49-F238E27FC236}">
+                <a16:creationId xmlns:a16="http://schemas.microsoft.com/office/drawing/2014/main" id="{B61CCCFA-D6A1-A4FD-2EA4-4FB6B5D0BFA9}"/>
+              </a:ext>
+            </a:extLst>
+          </p:cNvPr>
+          <p:cNvSpPr>
+            <a:spLocks noChangeArrowheads="1"/>
+          </p:cNvSpPr>
+          <p:nvPr/>
+        </p:nvSpPr>
+        <p:spPr bwMode="auto">
+          <a:xfrm>
+            <a:off x="196304" y="1213705"/>
+            <a:ext cx="11556725" cy="5604199"/>
+          </a:xfrm>
+          <a:prstGeom prst="rect">
+            <a:avLst/>
+          </a:prstGeom>
+          <a:solidFill>
+            <a:schemeClr val="accent5">
+              <a:lumMod val="40000"/>
+              <a:lumOff val="60000"/>
+              <a:alpha val="20000"/>
+            </a:schemeClr>
+          </a:solidFill>
+          <a:ln w="12700">
+            <a:solidFill>
+              <a:schemeClr val="accent5">
+                <a:lumMod val="60000"/>
+                <a:lumOff val="40000"/>
+              </a:schemeClr>
+            </a:solidFill>
+          </a:ln>
+        </p:spPr>
+        <p:txBody>
+          <a:bodyPr vert="horz" wrap="square" lIns="144000" tIns="108000" rIns="144000" bIns="108000" rtlCol="0">
+            <a:spAutoFit/>
+          </a:bodyPr>
+          <a:lstStyle/>
+          <a:p>
+            <a:pPr>
+              <a:spcBef>
+                <a:spcPts val="600"/>
+              </a:spcBef>
+              <a:spcAft>
+                <a:spcPts val="600"/>
+              </a:spcAft>
+              <a:buClr>
+                <a:srgbClr val="F2B254"/>
+              </a:buClr>
+              <a:buSzPct val="100000"/>
+            </a:pPr>
+            <a:r>
+              <a:rPr lang="en-US" sz="2000" b="1" dirty="0">
+                <a:latin typeface="Consolas" panose="020B0609020204030204" pitchFamily="49" charset="0"/>
+              </a:rPr>
+              <a:t>...	</a:t>
+            </a:r>
+            <a:endParaRPr lang="bg-BG" sz="2000" b="1" dirty="0">
+              <a:latin typeface="Consolas" panose="020B0609020204030204" pitchFamily="49" charset="0"/>
+            </a:endParaRPr>
+          </a:p>
+          <a:p>
+            <a:pPr>
+              <a:spcBef>
+                <a:spcPts val="600"/>
+              </a:spcBef>
+              <a:spcAft>
+                <a:spcPts val="600"/>
+              </a:spcAft>
+              <a:buClr>
+                <a:srgbClr val="F2B254"/>
+              </a:buClr>
+              <a:buSzPct val="100000"/>
+            </a:pPr>
+            <a:r>
+              <a:rPr lang="en-US" sz="2000" b="1" dirty="0">
+                <a:solidFill>
+                  <a:schemeClr val="accent2"/>
+                </a:solidFill>
+                <a:latin typeface="Consolas" panose="020B0609020204030204" pitchFamily="49" charset="0"/>
+              </a:rPr>
+              <a:t>        // </a:t>
+            </a:r>
+            <a:r>
+              <a:rPr lang="bg-BG" sz="2000" b="1" dirty="0">
+                <a:solidFill>
+                  <a:schemeClr val="accent2"/>
+                </a:solidFill>
+                <a:latin typeface="Consolas" panose="020B0609020204030204" pitchFamily="49" charset="0"/>
+              </a:rPr>
+              <a:t>Извличане на градовете, които принадлежат на избраната държава</a:t>
+            </a:r>
+            <a:endParaRPr lang="en-US" sz="2000" b="1" dirty="0">
+              <a:latin typeface="Consolas" panose="020B0609020204030204" pitchFamily="49" charset="0"/>
+            </a:endParaRPr>
+          </a:p>
+          <a:p>
+            <a:pPr>
+              <a:spcBef>
+                <a:spcPts val="600"/>
+              </a:spcBef>
+              <a:spcAft>
+                <a:spcPts val="600"/>
+              </a:spcAft>
+              <a:buClr>
+                <a:srgbClr val="F2B254"/>
+              </a:buClr>
+              <a:buSzPct val="100000"/>
+              <a:buFont typeface="Wingdings" panose="05000000000000000000" pitchFamily="2" charset="2"/>
+              <a:buNone/>
+            </a:pPr>
+            <a:r>
+              <a:rPr lang="bg-BG" sz="2000" b="1" dirty="0">
+                <a:latin typeface="Consolas" panose="020B0609020204030204" pitchFamily="49" charset="0"/>
+              </a:rPr>
+              <a:t>        </a:t>
+            </a:r>
+            <a:r>
+              <a:rPr lang="en-US" sz="2000" b="1" dirty="0">
+                <a:latin typeface="Consolas" panose="020B0609020204030204" pitchFamily="49" charset="0"/>
+              </a:rPr>
+              <a:t>var towns = dbContext.Towns</a:t>
+            </a:r>
+            <a:endParaRPr lang="bg-BG" sz="2000" b="1" dirty="0">
+              <a:latin typeface="Consolas" panose="020B0609020204030204" pitchFamily="49" charset="0"/>
+            </a:endParaRPr>
+          </a:p>
+          <a:p>
+            <a:pPr>
+              <a:spcBef>
+                <a:spcPts val="600"/>
+              </a:spcBef>
+              <a:spcAft>
+                <a:spcPts val="600"/>
+              </a:spcAft>
+              <a:buClr>
+                <a:srgbClr val="F2B254"/>
+              </a:buClr>
+              <a:buSzPct val="100000"/>
+              <a:buFont typeface="Wingdings" panose="05000000000000000000" pitchFamily="2" charset="2"/>
+              <a:buNone/>
+            </a:pPr>
+            <a:r>
+              <a:rPr lang="bg-BG" sz="2000" b="1" dirty="0">
+                <a:latin typeface="Consolas" panose="020B0609020204030204" pitchFamily="49" charset="0"/>
+              </a:rPr>
+              <a:t>                             </a:t>
+            </a:r>
+            <a:r>
+              <a:rPr lang="en-US" sz="2000" b="1" dirty="0">
+                <a:latin typeface="Consolas" panose="020B0609020204030204" pitchFamily="49" charset="0"/>
+              </a:rPr>
+              <a:t>.</a:t>
+            </a:r>
+            <a:r>
+              <a:rPr lang="en-US" sz="2000" b="1" dirty="0">
+                <a:solidFill>
+                  <a:schemeClr val="bg1"/>
+                </a:solidFill>
+                <a:latin typeface="Consolas" panose="020B0609020204030204" pitchFamily="49" charset="0"/>
+              </a:rPr>
+              <a:t>Where</a:t>
+            </a:r>
+            <a:r>
+              <a:rPr lang="en-US" sz="2000" b="1" dirty="0">
+                <a:latin typeface="Consolas" panose="020B0609020204030204" pitchFamily="49" charset="0"/>
+              </a:rPr>
+              <a:t>(t =&gt; t.</a:t>
+            </a:r>
+            <a:r>
+              <a:rPr lang="en-US" sz="2000" b="1" dirty="0">
+                <a:solidFill>
+                  <a:schemeClr val="bg1"/>
+                </a:solidFill>
+                <a:latin typeface="Consolas" panose="020B0609020204030204" pitchFamily="49" charset="0"/>
+              </a:rPr>
+              <a:t>CountryId</a:t>
+            </a:r>
+            <a:r>
+              <a:rPr lang="en-US" sz="2000" b="1" dirty="0">
+                <a:latin typeface="Consolas" panose="020B0609020204030204" pitchFamily="49" charset="0"/>
+              </a:rPr>
+              <a:t> == </a:t>
+            </a:r>
+            <a:r>
+              <a:rPr lang="en-US" sz="2000" b="1" dirty="0">
+                <a:solidFill>
+                  <a:schemeClr val="bg1"/>
+                </a:solidFill>
+                <a:latin typeface="Consolas" panose="020B0609020204030204" pitchFamily="49" charset="0"/>
+              </a:rPr>
+              <a:t>countryId</a:t>
+            </a:r>
+            <a:r>
+              <a:rPr lang="en-US" sz="2000" b="1" dirty="0">
+                <a:latin typeface="Consolas" panose="020B0609020204030204" pitchFamily="49" charset="0"/>
+              </a:rPr>
+              <a:t>)</a:t>
+            </a:r>
+            <a:endParaRPr lang="bg-BG" sz="2000" b="1" dirty="0">
+              <a:latin typeface="Consolas" panose="020B0609020204030204" pitchFamily="49" charset="0"/>
+            </a:endParaRPr>
+          </a:p>
+          <a:p>
+            <a:pPr>
+              <a:spcBef>
+                <a:spcPts val="600"/>
+              </a:spcBef>
+              <a:spcAft>
+                <a:spcPts val="600"/>
+              </a:spcAft>
+              <a:buClr>
+                <a:srgbClr val="F2B254"/>
+              </a:buClr>
+              <a:buSzPct val="100000"/>
+              <a:buFont typeface="Wingdings" panose="05000000000000000000" pitchFamily="2" charset="2"/>
+              <a:buNone/>
+            </a:pPr>
+            <a:r>
+              <a:rPr lang="bg-BG" sz="2000" b="1" dirty="0">
+                <a:latin typeface="Consolas" panose="020B0609020204030204" pitchFamily="49" charset="0"/>
+              </a:rPr>
+              <a:t>                             </a:t>
+            </a:r>
+            <a:r>
+              <a:rPr lang="en-US" sz="2000" b="1" dirty="0">
+                <a:latin typeface="Consolas" panose="020B0609020204030204" pitchFamily="49" charset="0"/>
+              </a:rPr>
+              <a:t>.ToList();</a:t>
+            </a:r>
+          </a:p>
+          <a:p>
+            <a:pPr lvl="1">
+              <a:spcBef>
+                <a:spcPts val="600"/>
+              </a:spcBef>
+              <a:spcAft>
+                <a:spcPts val="600"/>
+              </a:spcAft>
+              <a:buClr>
+                <a:srgbClr val="F2B254"/>
+              </a:buClr>
+              <a:buSzPct val="100000"/>
+              <a:buFont typeface="Wingdings" panose="05000000000000000000" pitchFamily="2" charset="2"/>
+              <a:buNone/>
+            </a:pPr>
+            <a:r>
+              <a:rPr lang="en-US" sz="2000" b="1" dirty="0">
+                <a:latin typeface="Consolas" panose="020B0609020204030204" pitchFamily="49" charset="0"/>
+              </a:rPr>
+              <a:t> 	</a:t>
+            </a:r>
+            <a:r>
+              <a:rPr lang="en-US" sz="2000" b="1" dirty="0">
+                <a:solidFill>
+                  <a:schemeClr val="accent2"/>
+                </a:solidFill>
+                <a:latin typeface="Consolas" panose="020B0609020204030204" pitchFamily="49" charset="0"/>
+              </a:rPr>
+              <a:t>// </a:t>
+            </a:r>
+            <a:r>
+              <a:rPr lang="bg-BG" sz="2000" b="1" dirty="0">
+                <a:solidFill>
+                  <a:schemeClr val="accent2"/>
+                </a:solidFill>
+                <a:latin typeface="Consolas" panose="020B0609020204030204" pitchFamily="49" charset="0"/>
+              </a:rPr>
+              <a:t>Обновяване на </a:t>
+            </a:r>
+            <a:r>
+              <a:rPr lang="en-US" sz="2000" b="1" dirty="0">
+                <a:solidFill>
+                  <a:schemeClr val="accent2"/>
+                </a:solidFill>
+                <a:latin typeface="Consolas" panose="020B0609020204030204" pitchFamily="49" charset="0"/>
+              </a:rPr>
+              <a:t>DataGridView </a:t>
+            </a:r>
+            <a:r>
+              <a:rPr lang="bg-BG" sz="2000" b="1" dirty="0">
+                <a:solidFill>
+                  <a:schemeClr val="accent2"/>
+                </a:solidFill>
+                <a:latin typeface="Consolas" panose="020B0609020204030204" pitchFamily="49" charset="0"/>
+              </a:rPr>
+              <a:t>за градовете</a:t>
+            </a:r>
+          </a:p>
+          <a:p>
+            <a:pPr>
+              <a:spcBef>
+                <a:spcPts val="600"/>
+              </a:spcBef>
+              <a:spcAft>
+                <a:spcPts val="600"/>
+              </a:spcAft>
+              <a:buClr>
+                <a:srgbClr val="F2B254"/>
+              </a:buClr>
+              <a:buSzPct val="100000"/>
+            </a:pPr>
+            <a:r>
+              <a:rPr lang="en-US" sz="2000" b="1" dirty="0">
+                <a:latin typeface="Consolas" panose="020B0609020204030204" pitchFamily="49" charset="0"/>
+              </a:rPr>
+              <a:t>        </a:t>
+            </a:r>
+            <a:r>
+              <a:rPr lang="en-US" sz="2000" b="1" noProof="1">
+                <a:latin typeface="Consolas" pitchFamily="49" charset="0"/>
+                <a:cs typeface="Consolas" pitchFamily="49" charset="0"/>
+              </a:rPr>
+              <a:t>if (towns.Count &gt; 0)</a:t>
+            </a:r>
+          </a:p>
+          <a:p>
+            <a:pPr>
+              <a:spcBef>
+                <a:spcPts val="600"/>
+              </a:spcBef>
+              <a:spcAft>
+                <a:spcPts val="600"/>
+              </a:spcAft>
+              <a:buClr>
+                <a:srgbClr val="F2B254"/>
+              </a:buClr>
+              <a:buSzPct val="100000"/>
+            </a:pPr>
+            <a:r>
+              <a:rPr lang="en-US" sz="2000" b="1" noProof="1">
+                <a:latin typeface="Consolas" pitchFamily="49" charset="0"/>
+                <a:cs typeface="Consolas" pitchFamily="49" charset="0"/>
+              </a:rPr>
+              <a:t>        {</a:t>
+            </a:r>
+          </a:p>
+          <a:p>
+            <a:pPr>
+              <a:spcBef>
+                <a:spcPts val="600"/>
+              </a:spcBef>
+              <a:spcAft>
+                <a:spcPts val="600"/>
+              </a:spcAft>
+              <a:buClr>
+                <a:srgbClr val="F2B254"/>
+              </a:buClr>
+              <a:buSzPct val="100000"/>
+            </a:pPr>
+            <a:r>
+              <a:rPr lang="en-US" sz="2000" b="1" noProof="1">
+                <a:latin typeface="Consolas" pitchFamily="49" charset="0"/>
+                <a:cs typeface="Consolas" pitchFamily="49" charset="0"/>
+              </a:rPr>
+              <a:t>            this.</a:t>
+            </a:r>
+            <a:r>
+              <a:rPr lang="en-US" sz="2000" b="1" noProof="1">
+                <a:solidFill>
+                  <a:schemeClr val="bg1"/>
+                </a:solidFill>
+                <a:latin typeface="Consolas" pitchFamily="49" charset="0"/>
+                <a:cs typeface="Consolas" pitchFamily="49" charset="0"/>
+              </a:rPr>
+              <a:t>townBindingSource</a:t>
+            </a:r>
+            <a:r>
+              <a:rPr lang="en-US" sz="2000" b="1" noProof="1">
+                <a:latin typeface="Consolas" pitchFamily="49" charset="0"/>
+                <a:cs typeface="Consolas" pitchFamily="49" charset="0"/>
+              </a:rPr>
+              <a:t>.</a:t>
+            </a:r>
+            <a:r>
+              <a:rPr lang="en-US" sz="2000" b="1" noProof="1">
+                <a:solidFill>
+                  <a:schemeClr val="bg1"/>
+                </a:solidFill>
+                <a:latin typeface="Consolas" pitchFamily="49" charset="0"/>
+                <a:cs typeface="Consolas" pitchFamily="49" charset="0"/>
+              </a:rPr>
+              <a:t>DataSource</a:t>
+            </a:r>
+            <a:r>
+              <a:rPr lang="en-US" sz="2000" b="1" noProof="1">
+                <a:latin typeface="Consolas" pitchFamily="49" charset="0"/>
+                <a:cs typeface="Consolas" pitchFamily="49" charset="0"/>
+              </a:rPr>
+              <a:t> = </a:t>
+            </a:r>
+            <a:r>
+              <a:rPr lang="en-US" sz="2000" b="1" noProof="1">
+                <a:solidFill>
+                  <a:schemeClr val="bg1"/>
+                </a:solidFill>
+                <a:latin typeface="Consolas" pitchFamily="49" charset="0"/>
+                <a:cs typeface="Consolas" pitchFamily="49" charset="0"/>
+              </a:rPr>
+              <a:t>towns</a:t>
+            </a:r>
+            <a:r>
+              <a:rPr lang="en-US" sz="2000" b="1" dirty="0">
+                <a:latin typeface="Consolas" panose="020B0609020204030204" pitchFamily="49" charset="0"/>
+              </a:rPr>
+              <a:t>;</a:t>
+            </a:r>
+          </a:p>
+          <a:p>
+            <a:pPr>
+              <a:spcBef>
+                <a:spcPts val="600"/>
+              </a:spcBef>
+              <a:spcAft>
+                <a:spcPts val="600"/>
+              </a:spcAft>
+              <a:buClr>
+                <a:srgbClr val="F2B254"/>
+              </a:buClr>
+              <a:buSzPct val="100000"/>
+            </a:pPr>
+            <a:r>
+              <a:rPr lang="en-US" sz="2000" b="1" dirty="0">
+                <a:latin typeface="Consolas" panose="020B0609020204030204" pitchFamily="49" charset="0"/>
+              </a:rPr>
+              <a:t>         }</a:t>
+            </a:r>
+          </a:p>
+          <a:p>
+            <a:pPr>
+              <a:spcBef>
+                <a:spcPts val="600"/>
+              </a:spcBef>
+              <a:spcAft>
+                <a:spcPts val="600"/>
+              </a:spcAft>
+              <a:buClr>
+                <a:srgbClr val="F2B254"/>
+              </a:buClr>
+              <a:buSzPct val="100000"/>
+              <a:buFont typeface="Wingdings" panose="05000000000000000000" pitchFamily="2" charset="2"/>
+              <a:buNone/>
+            </a:pPr>
+            <a:r>
+              <a:rPr lang="en-US" sz="2000" b="1" dirty="0">
+                <a:latin typeface="Consolas" panose="020B0609020204030204" pitchFamily="49" charset="0"/>
+              </a:rPr>
+              <a:t>    }</a:t>
+            </a:r>
+          </a:p>
+          <a:p>
+            <a:pPr>
+              <a:spcBef>
+                <a:spcPts val="600"/>
+              </a:spcBef>
+              <a:spcAft>
+                <a:spcPts val="600"/>
+              </a:spcAft>
+              <a:buClr>
+                <a:srgbClr val="F2B254"/>
+              </a:buClr>
+              <a:buSzPct val="100000"/>
+              <a:buFont typeface="Wingdings" panose="05000000000000000000" pitchFamily="2" charset="2"/>
+              <a:buNone/>
+            </a:pPr>
+            <a:r>
+              <a:rPr lang="en-US" sz="2000" b="1" dirty="0">
+                <a:latin typeface="Consolas" panose="020B0609020204030204" pitchFamily="49" charset="0"/>
+              </a:rPr>
+              <a:t>}</a:t>
+            </a:r>
+          </a:p>
+        </p:txBody>
+      </p:sp>
+      <p:pic>
+        <p:nvPicPr>
+          <p:cNvPr id="10" name="Picture 9">
+            <a:extLst>
+              <a:ext uri="{FF2B5EF4-FFF2-40B4-BE49-F238E27FC236}">
+                <a16:creationId xmlns:a16="http://schemas.microsoft.com/office/drawing/2014/main" id="{C00679FE-406E-7A50-A243-E42656B10C46}"/>
+              </a:ext>
+            </a:extLst>
+          </p:cNvPr>
+          <p:cNvPicPr>
+            <a:picLocks noChangeAspect="1"/>
+          </p:cNvPicPr>
+          <p:nvPr/>
+        </p:nvPicPr>
+        <p:blipFill>
+          <a:blip r:embed="rId3">
+            <a:extLst>
+              <a:ext uri="{28A0092B-C50C-407E-A947-70E740481C1C}">
+                <a14:useLocalDpi xmlns:a14="http://schemas.microsoft.com/office/drawing/2010/main" val="0"/>
+              </a:ext>
+            </a:extLst>
+          </a:blip>
+          <a:srcRect/>
+          <a:stretch/>
+        </p:blipFill>
+        <p:spPr>
+          <a:xfrm>
+            <a:off x="7936403" y="3204000"/>
+            <a:ext cx="4061918" cy="2585552"/>
+          </a:xfrm>
+          <a:prstGeom prst="rect">
+            <a:avLst/>
+          </a:prstGeom>
+          <a:ln>
+            <a:noFill/>
+          </a:ln>
+          <a:effectLst>
+            <a:outerShdw blurRad="190500" algn="tl" rotWithShape="0">
+              <a:srgbClr val="000000">
+                <a:alpha val="70000"/>
+              </a:srgbClr>
+            </a:outerShdw>
+          </a:effectLst>
+        </p:spPr>
+      </p:pic>
+    </p:spTree>
+    <p:extLst>
+      <p:ext uri="{BB962C8B-B14F-4D97-AF65-F5344CB8AC3E}">
+        <p14:creationId xmlns:p14="http://schemas.microsoft.com/office/powerpoint/2010/main" val="2554679534"/>
+      </p:ext>
+    </p:extLst>
+  </p:cSld>
+  <p:clrMapOvr>
+    <a:masterClrMapping/>
+  </p:clrMapOvr>
+  <mc:AlternateContent xmlns:mc="http://schemas.openxmlformats.org/markup-compatibility/2006">
+    <mc:Choice xmlns:p14="http://schemas.microsoft.com/office/powerpoint/2010/main" Requires="p14">
+      <p:transition spd="slow" p14:dur="2000" advClick="0" advTm="5000"/>
+    </mc:Choice>
+    <mc:Fallback>
+      <p:transition spd="slow" advClick="0" advTm="5000"/>
+    </mc:Fallback>
+  </mc:AlternateContent>
+</p:sld>
+</file>
+
+<file path=ppt/slides/slide15.xml><?xml version="1.0" encoding="utf-8"?>
 <p:sld xmlns:a="http://schemas.openxmlformats.org/drawingml/2006/main" xmlns:r="http://schemas.openxmlformats.org/officeDocument/2006/relationships" xmlns:p="http://schemas.openxmlformats.org/presentationml/2006/main">
   <p:cSld>
     <p:spTree>
@@ -10979,7 +11530,7 @@
 </p:sld>
 </file>
 
-<file path=ppt/slides/slide15.xml><?xml version="1.0" encoding="utf-8"?>
+<file path=ppt/slides/slide16.xml><?xml version="1.0" encoding="utf-8"?>
 <p:sld xmlns:a="http://schemas.openxmlformats.org/drawingml/2006/main" xmlns:r="http://schemas.openxmlformats.org/officeDocument/2006/relationships" xmlns:p="http://schemas.openxmlformats.org/presentationml/2006/main">
   <p:cSld>
     <p:spTree>
@@ -11020,7 +11571,7 @@
             <a:fld id="{2BF067CD-8E6B-4360-9AA8-C5DF2A48A6D1}" type="slidenum">
               <a:rPr lang="en-US" noProof="0" smtClean="0"/>
               <a:pPr/>
-              <a:t>15</a:t>
+              <a:t>16</a:t>
             </a:fld>
             <a:endParaRPr lang="en-US" noProof="0" dirty="0"/>
           </a:p>
@@ -11132,8 +11683,8 @@
         </p:nvSpPr>
         <p:spPr bwMode="auto">
           <a:xfrm>
-            <a:off x="627830" y="2034000"/>
-            <a:ext cx="11125200" cy="3388208"/>
+            <a:off x="291000" y="2034000"/>
+            <a:ext cx="11462030" cy="3388208"/>
           </a:xfrm>
           <a:prstGeom prst="rect">
             <a:avLst/>
@@ -11335,7 +11886,7 @@
 </p:sld>
 </file>
 
-<file path=ppt/slides/slide16.xml><?xml version="1.0" encoding="utf-8"?>
+<file path=ppt/slides/slide17.xml><?xml version="1.0" encoding="utf-8"?>
 <p:sld xmlns:a="http://schemas.openxmlformats.org/drawingml/2006/main" xmlns:r="http://schemas.openxmlformats.org/officeDocument/2006/relationships" xmlns:p="http://schemas.openxmlformats.org/presentationml/2006/main">
   <p:cSld>
     <p:spTree>
@@ -11376,7 +11927,7 @@
             <a:fld id="{2BF067CD-8E6B-4360-9AA8-C5DF2A48A6D1}" type="slidenum">
               <a:rPr lang="en-US" noProof="0" smtClean="0"/>
               <a:pPr/>
-              <a:t>16</a:t>
+              <a:t>17</a:t>
             </a:fld>
             <a:endParaRPr lang="en-US" noProof="0" dirty="0"/>
           </a:p>
@@ -12059,7 +12610,7 @@
 </p:sld>
 </file>
 
-<file path=ppt/slides/slide17.xml><?xml version="1.0" encoding="utf-8"?>
+<file path=ppt/slides/slide18.xml><?xml version="1.0" encoding="utf-8"?>
 <p:sld xmlns:a="http://schemas.openxmlformats.org/drawingml/2006/main" xmlns:r="http://schemas.openxmlformats.org/officeDocument/2006/relationships" xmlns:p="http://schemas.openxmlformats.org/presentationml/2006/main">
   <p:cSld>
     <p:spTree>
@@ -12209,7 +12760,7 @@
 </p:sld>
 </file>
 
-<file path=ppt/slides/slide18.xml><?xml version="1.0" encoding="utf-8"?>
+<file path=ppt/slides/slide19.xml><?xml version="1.0" encoding="utf-8"?>
 <p:sld xmlns:a="http://schemas.openxmlformats.org/drawingml/2006/main" xmlns:r="http://schemas.openxmlformats.org/officeDocument/2006/relationships" xmlns:p="http://schemas.openxmlformats.org/presentationml/2006/main">
   <p:cSld>
     <p:spTree>
@@ -12250,7 +12801,7 @@
             <a:fld id="{2BF067CD-8E6B-4360-9AA8-C5DF2A48A6D1}" type="slidenum">
               <a:rPr lang="en-US" noProof="0" smtClean="0"/>
               <a:pPr/>
-              <a:t>18</a:t>
+              <a:t>19</a:t>
             </a:fld>
             <a:endParaRPr lang="en-US" noProof="0" dirty="0"/>
           </a:p>
@@ -13177,7 +13728,580 @@
 </p:sld>
 </file>
 
-<file path=ppt/slides/slide19.xml><?xml version="1.0" encoding="utf-8"?>
+<file path=ppt/slides/slide2.xml><?xml version="1.0" encoding="utf-8"?>
+<p:sld xmlns:a="http://schemas.openxmlformats.org/drawingml/2006/main" xmlns:r="http://schemas.openxmlformats.org/officeDocument/2006/relationships" xmlns:p="http://schemas.openxmlformats.org/presentationml/2006/main">
+  <p:cSld>
+    <p:spTree>
+      <p:nvGrpSpPr>
+        <p:cNvPr id="1" name=""/>
+        <p:cNvGrpSpPr/>
+        <p:nvPr/>
+      </p:nvGrpSpPr>
+      <p:grpSpPr>
+        <a:xfrm>
+          <a:off x="0" y="0"/>
+          <a:ext cx="0" cy="0"/>
+          <a:chOff x="0" y="0"/>
+          <a:chExt cx="0" cy="0"/>
+        </a:xfrm>
+      </p:grpSpPr>
+      <p:sp>
+        <p:nvSpPr>
+          <p:cNvPr id="5" name="Slide Number">
+            <a:extLst>
+              <a:ext uri="{FF2B5EF4-FFF2-40B4-BE49-F238E27FC236}">
+                <a16:creationId xmlns:a16="http://schemas.microsoft.com/office/drawing/2014/main" id="{6A760D59-0056-4F39-B077-DBDBE3D2927E}"/>
+              </a:ext>
+            </a:extLst>
+          </p:cNvPr>
+          <p:cNvSpPr txBox="1">
+            <a:spLocks/>
+          </p:cNvSpPr>
+          <p:nvPr/>
+        </p:nvSpPr>
+        <p:spPr>
+          <a:xfrm>
+            <a:off x="11753030" y="6507000"/>
+            <a:ext cx="367414" cy="297000"/>
+          </a:xfrm>
+          <a:prstGeom prst="rect">
+            <a:avLst/>
+          </a:prstGeom>
+        </p:spPr>
+        <p:txBody>
+          <a:bodyPr vert="horz" lIns="91440" tIns="45720" rIns="91440" bIns="45720" rtlCol="0" anchor="b"/>
+          <a:lstStyle>
+            <a:defPPr>
+              <a:defRPr lang="en-US"/>
+            </a:defPPr>
+            <a:lvl1pPr marL="0" algn="r" defTabSz="914400" rtl="0" eaLnBrk="1" latinLnBrk="0" hangingPunct="1">
+              <a:defRPr sz="1000" kern="1200">
+                <a:solidFill>
+                  <a:schemeClr val="tx1"/>
+                </a:solidFill>
+                <a:latin typeface="+mn-lt"/>
+                <a:ea typeface="+mn-ea"/>
+                <a:cs typeface="+mn-cs"/>
+              </a:defRPr>
+            </a:lvl1pPr>
+            <a:lvl2pPr marL="457200" algn="l" defTabSz="914400" rtl="0" eaLnBrk="1" latinLnBrk="0" hangingPunct="1">
+              <a:defRPr sz="1800" kern="1200">
+                <a:solidFill>
+                  <a:schemeClr val="tx1"/>
+                </a:solidFill>
+                <a:latin typeface="+mn-lt"/>
+                <a:ea typeface="+mn-ea"/>
+                <a:cs typeface="+mn-cs"/>
+              </a:defRPr>
+            </a:lvl2pPr>
+            <a:lvl3pPr marL="914400" algn="l" defTabSz="914400" rtl="0" eaLnBrk="1" latinLnBrk="0" hangingPunct="1">
+              <a:defRPr sz="1800" kern="1200">
+                <a:solidFill>
+                  <a:schemeClr val="tx1"/>
+                </a:solidFill>
+                <a:latin typeface="+mn-lt"/>
+                <a:ea typeface="+mn-ea"/>
+                <a:cs typeface="+mn-cs"/>
+              </a:defRPr>
+            </a:lvl3pPr>
+            <a:lvl4pPr marL="1371600" algn="l" defTabSz="914400" rtl="0" eaLnBrk="1" latinLnBrk="0" hangingPunct="1">
+              <a:defRPr sz="1800" kern="1200">
+                <a:solidFill>
+                  <a:schemeClr val="tx1"/>
+                </a:solidFill>
+                <a:latin typeface="+mn-lt"/>
+                <a:ea typeface="+mn-ea"/>
+                <a:cs typeface="+mn-cs"/>
+              </a:defRPr>
+            </a:lvl4pPr>
+            <a:lvl5pPr marL="1828800" algn="l" defTabSz="914400" rtl="0" eaLnBrk="1" latinLnBrk="0" hangingPunct="1">
+              <a:defRPr sz="1800" kern="1200">
+                <a:solidFill>
+                  <a:schemeClr val="tx1"/>
+                </a:solidFill>
+                <a:latin typeface="+mn-lt"/>
+                <a:ea typeface="+mn-ea"/>
+                <a:cs typeface="+mn-cs"/>
+              </a:defRPr>
+            </a:lvl5pPr>
+            <a:lvl6pPr marL="2286000" algn="l" defTabSz="914400" rtl="0" eaLnBrk="1" latinLnBrk="0" hangingPunct="1">
+              <a:defRPr sz="1800" kern="1200">
+                <a:solidFill>
+                  <a:schemeClr val="tx1"/>
+                </a:solidFill>
+                <a:latin typeface="+mn-lt"/>
+                <a:ea typeface="+mn-ea"/>
+                <a:cs typeface="+mn-cs"/>
+              </a:defRPr>
+            </a:lvl6pPr>
+            <a:lvl7pPr marL="2743200" algn="l" defTabSz="914400" rtl="0" eaLnBrk="1" latinLnBrk="0" hangingPunct="1">
+              <a:defRPr sz="1800" kern="1200">
+                <a:solidFill>
+                  <a:schemeClr val="tx1"/>
+                </a:solidFill>
+                <a:latin typeface="+mn-lt"/>
+                <a:ea typeface="+mn-ea"/>
+                <a:cs typeface="+mn-cs"/>
+              </a:defRPr>
+            </a:lvl7pPr>
+            <a:lvl8pPr marL="3200400" algn="l" defTabSz="914400" rtl="0" eaLnBrk="1" latinLnBrk="0" hangingPunct="1">
+              <a:defRPr sz="1800" kern="1200">
+                <a:solidFill>
+                  <a:schemeClr val="tx1"/>
+                </a:solidFill>
+                <a:latin typeface="+mn-lt"/>
+                <a:ea typeface="+mn-ea"/>
+                <a:cs typeface="+mn-cs"/>
+              </a:defRPr>
+            </a:lvl8pPr>
+            <a:lvl9pPr marL="3657600" algn="l" defTabSz="914400" rtl="0" eaLnBrk="1" latinLnBrk="0" hangingPunct="1">
+              <a:defRPr sz="1800" kern="1200">
+                <a:solidFill>
+                  <a:schemeClr val="tx1"/>
+                </a:solidFill>
+                <a:latin typeface="+mn-lt"/>
+                <a:ea typeface="+mn-ea"/>
+                <a:cs typeface="+mn-cs"/>
+              </a:defRPr>
+            </a:lvl9pPr>
+          </a:lstStyle>
+          <a:p>
+            <a:fld id="{2BF067CD-8E6B-4360-9AA8-C5DF2A48A6D1}" type="slidenum">
+              <a:rPr lang="en-US" smtClean="0"/>
+              <a:pPr/>
+              <a:t>2</a:t>
+            </a:fld>
+            <a:endParaRPr lang="en-US" dirty="0"/>
+          </a:p>
+        </p:txBody>
+      </p:sp>
+      <p:sp>
+        <p:nvSpPr>
+          <p:cNvPr id="444419" name="Slide Body"/>
+          <p:cNvSpPr>
+            <a:spLocks noGrp="1" noChangeArrowheads="1"/>
+          </p:cNvSpPr>
+          <p:nvPr>
+            <p:ph type="body" sz="quarter" idx="13"/>
+          </p:nvPr>
+        </p:nvSpPr>
+        <p:spPr>
+          <a:xfrm>
+            <a:off x="196766" y="1371604"/>
+            <a:ext cx="11781606" cy="5207396"/>
+          </a:xfrm>
+        </p:spPr>
+        <p:txBody>
+          <a:bodyPr>
+            <a:normAutofit/>
+          </a:bodyPr>
+          <a:lstStyle/>
+          <a:p>
+            <a:pPr>
+              <a:buClr>
+                <a:schemeClr val="tx1"/>
+              </a:buClr>
+            </a:pPr>
+            <a:r>
+              <a:rPr lang="bg-BG" sz="3400" dirty="0">
+                <a:solidFill>
+                  <a:schemeClr val="bg1"/>
+                </a:solidFill>
+              </a:rPr>
+              <a:t>​</a:t>
+            </a:r>
+            <a:r>
+              <a:rPr lang="en-US" sz="3400" b="1" dirty="0">
+                <a:solidFill>
+                  <a:schemeClr val="bg1"/>
+                </a:solidFill>
+              </a:rPr>
+              <a:t>Master-Detail </a:t>
+            </a:r>
+            <a:r>
+              <a:rPr lang="bg-BG" sz="3400" dirty="0"/>
+              <a:t>навигация</a:t>
+            </a:r>
+          </a:p>
+          <a:p>
+            <a:r>
+              <a:rPr lang="bg-BG" sz="3400" dirty="0"/>
+              <a:t>Имплементиране на </a:t>
+            </a:r>
+            <a:r>
+              <a:rPr lang="en-US" sz="3400" b="1" dirty="0"/>
+              <a:t>Master-Detail</a:t>
+            </a:r>
+            <a:r>
+              <a:rPr lang="en-US" sz="3400" dirty="0"/>
+              <a:t> </a:t>
+            </a:r>
+            <a:r>
+              <a:rPr lang="bg-BG" sz="3400" dirty="0"/>
+              <a:t>с </a:t>
+            </a:r>
+            <a:r>
+              <a:rPr lang="en-US" sz="3400" b="1" dirty="0">
+                <a:solidFill>
+                  <a:schemeClr val="bg1"/>
+                </a:solidFill>
+              </a:rPr>
+              <a:t>Entity Framework Core</a:t>
+            </a:r>
+          </a:p>
+          <a:p>
+            <a:r>
+              <a:rPr lang="bg-BG" sz="3400" dirty="0"/>
+              <a:t>​</a:t>
+            </a:r>
+            <a:r>
+              <a:rPr lang="en-US" sz="3400" b="1" dirty="0"/>
+              <a:t>Master-Detail</a:t>
+            </a:r>
+            <a:r>
+              <a:rPr lang="bg-BG" sz="3400" dirty="0"/>
+              <a:t> таблици в </a:t>
+            </a:r>
+            <a:r>
+              <a:rPr lang="en-US" sz="3400" b="1" dirty="0">
+                <a:solidFill>
+                  <a:schemeClr val="bg1"/>
+                </a:solidFill>
+              </a:rPr>
+              <a:t>Windows Forms</a:t>
+            </a:r>
+          </a:p>
+          <a:p>
+            <a:r>
+              <a:rPr lang="bg-BG" sz="3400" dirty="0"/>
+              <a:t>​</a:t>
+            </a:r>
+            <a:r>
+              <a:rPr lang="bg-BG" sz="3400" b="1" dirty="0">
+                <a:solidFill>
+                  <a:schemeClr val="bg1"/>
+                </a:solidFill>
+              </a:rPr>
+              <a:t>Филтриране</a:t>
+            </a:r>
+            <a:r>
+              <a:rPr lang="bg-BG" sz="3400" dirty="0"/>
+              <a:t> и </a:t>
+            </a:r>
+            <a:r>
+              <a:rPr lang="bg-BG" sz="3400" b="1" dirty="0">
+                <a:solidFill>
+                  <a:schemeClr val="bg1"/>
+                </a:solidFill>
+              </a:rPr>
+              <a:t>сортиране</a:t>
+            </a:r>
+            <a:r>
+              <a:rPr lang="bg-BG" sz="3400" dirty="0"/>
+              <a:t> на </a:t>
+            </a:r>
+            <a:r>
+              <a:rPr lang="bg-BG" sz="3400" b="1" dirty="0"/>
+              <a:t>таблица</a:t>
+            </a:r>
+            <a:endParaRPr lang="en-GB" sz="3400" b="1" dirty="0"/>
+          </a:p>
+          <a:p>
+            <a:pPr>
+              <a:buClr>
+                <a:schemeClr val="tx1"/>
+              </a:buClr>
+            </a:pPr>
+            <a:r>
+              <a:rPr lang="en-GB" sz="3400" dirty="0"/>
+              <a:t>​</a:t>
+            </a:r>
+            <a:r>
+              <a:rPr lang="bg-BG" sz="3400" b="1" dirty="0"/>
+              <a:t>Примерно приложение</a:t>
+            </a:r>
+            <a:r>
+              <a:rPr lang="bg-BG" sz="3400" dirty="0"/>
+              <a:t>: Държави и градове</a:t>
+            </a:r>
+          </a:p>
+        </p:txBody>
+      </p:sp>
+      <p:sp>
+        <p:nvSpPr>
+          <p:cNvPr id="444418" name="Slide Title"/>
+          <p:cNvSpPr>
+            <a:spLocks noGrp="1" noChangeArrowheads="1"/>
+          </p:cNvSpPr>
+          <p:nvPr>
+            <p:ph type="title"/>
+          </p:nvPr>
+        </p:nvSpPr>
+        <p:spPr>
+          <a:xfrm>
+            <a:off x="190406" y="100750"/>
+            <a:ext cx="10270594" cy="882654"/>
+          </a:xfrm>
+        </p:spPr>
+        <p:txBody>
+          <a:bodyPr/>
+          <a:lstStyle/>
+          <a:p>
+            <a:r>
+              <a:rPr lang="bg-BG" dirty="0"/>
+              <a:t>Съдържание</a:t>
+            </a:r>
+          </a:p>
+        </p:txBody>
+      </p:sp>
+    </p:spTree>
+    <p:extLst>
+      <p:ext uri="{BB962C8B-B14F-4D97-AF65-F5344CB8AC3E}">
+        <p14:creationId xmlns:p14="http://schemas.microsoft.com/office/powerpoint/2010/main" val="1646986932"/>
+      </p:ext>
+    </p:extLst>
+  </p:cSld>
+  <p:clrMapOvr>
+    <a:masterClrMapping/>
+  </p:clrMapOvr>
+  <mc:AlternateContent xmlns:mc="http://schemas.openxmlformats.org/markup-compatibility/2006" xmlns:p14="http://schemas.microsoft.com/office/powerpoint/2010/main">
+    <mc:Choice Requires="p14">
+      <p:transition spd="slow" p14:dur="2000" advClick="0" advTm="5000"/>
+    </mc:Choice>
+    <mc:Fallback xmlns="">
+      <p:transition spd="slow" advClick="0" advTm="5000"/>
+    </mc:Fallback>
+  </mc:AlternateContent>
+  <p:timing>
+    <p:tnLst>
+      <p:par>
+        <p:cTn id="1" dur="indefinite" restart="never" nodeType="tmRoot">
+          <p:childTnLst>
+            <p:seq concurrent="1" nextAc="seek">
+              <p:cTn id="2" dur="indefinite" nodeType="mainSeq">
+                <p:childTnLst>
+                  <p:par>
+                    <p:cTn id="3" fill="hold">
+                      <p:stCondLst>
+                        <p:cond delay="indefinite"/>
+                      </p:stCondLst>
+                      <p:childTnLst>
+                        <p:par>
+                          <p:cTn id="4" fill="hold">
+                            <p:stCondLst>
+                              <p:cond delay="0"/>
+                            </p:stCondLst>
+                            <p:childTnLst>
+                              <p:par>
+                                <p:cTn id="5" presetID="1" presetClass="entr" presetSubtype="0" fill="hold" nodeType="clickEffect">
+                                  <p:stCondLst>
+                                    <p:cond delay="0"/>
+                                  </p:stCondLst>
+                                  <p:childTnLst>
+                                    <p:set>
+                                      <p:cBhvr>
+                                        <p:cTn id="6" dur="1" fill="hold">
+                                          <p:stCondLst>
+                                            <p:cond delay="0"/>
+                                          </p:stCondLst>
+                                        </p:cTn>
+                                        <p:tgtEl>
+                                          <p:spTgt spid="444419">
+                                            <p:txEl>
+                                              <p:pRg st="1" end="1"/>
+                                            </p:txEl>
+                                          </p:spTgt>
+                                        </p:tgtEl>
+                                        <p:attrNameLst>
+                                          <p:attrName>style.visibility</p:attrName>
+                                        </p:attrNameLst>
+                                      </p:cBhvr>
+                                      <p:to>
+                                        <p:strVal val="visible"/>
+                                      </p:to>
+                                    </p:set>
+                                  </p:childTnLst>
+                                </p:cTn>
+                              </p:par>
+                            </p:childTnLst>
+                          </p:cTn>
+                        </p:par>
+                      </p:childTnLst>
+                    </p:cTn>
+                  </p:par>
+                  <p:par>
+                    <p:cTn id="7" fill="hold">
+                      <p:stCondLst>
+                        <p:cond delay="indefinite"/>
+                      </p:stCondLst>
+                      <p:childTnLst>
+                        <p:par>
+                          <p:cTn id="8" fill="hold">
+                            <p:stCondLst>
+                              <p:cond delay="0"/>
+                            </p:stCondLst>
+                            <p:childTnLst>
+                              <p:par>
+                                <p:cTn id="9" presetID="1" presetClass="entr" presetSubtype="0" fill="hold" nodeType="clickEffect">
+                                  <p:stCondLst>
+                                    <p:cond delay="0"/>
+                                  </p:stCondLst>
+                                  <p:childTnLst>
+                                    <p:set>
+                                      <p:cBhvr>
+                                        <p:cTn id="10" dur="1" fill="hold">
+                                          <p:stCondLst>
+                                            <p:cond delay="0"/>
+                                          </p:stCondLst>
+                                        </p:cTn>
+                                        <p:tgtEl>
+                                          <p:spTgt spid="444419">
+                                            <p:txEl>
+                                              <p:pRg st="2" end="2"/>
+                                            </p:txEl>
+                                          </p:spTgt>
+                                        </p:tgtEl>
+                                        <p:attrNameLst>
+                                          <p:attrName>style.visibility</p:attrName>
+                                        </p:attrNameLst>
+                                      </p:cBhvr>
+                                      <p:to>
+                                        <p:strVal val="visible"/>
+                                      </p:to>
+                                    </p:set>
+                                  </p:childTnLst>
+                                </p:cTn>
+                              </p:par>
+                            </p:childTnLst>
+                          </p:cTn>
+                        </p:par>
+                      </p:childTnLst>
+                    </p:cTn>
+                  </p:par>
+                  <p:par>
+                    <p:cTn id="11" fill="hold">
+                      <p:stCondLst>
+                        <p:cond delay="indefinite"/>
+                      </p:stCondLst>
+                      <p:childTnLst>
+                        <p:par>
+                          <p:cTn id="12" fill="hold">
+                            <p:stCondLst>
+                              <p:cond delay="0"/>
+                            </p:stCondLst>
+                            <p:childTnLst>
+                              <p:par>
+                                <p:cTn id="13" presetID="1" presetClass="entr" presetSubtype="0" fill="hold" nodeType="clickEffect">
+                                  <p:stCondLst>
+                                    <p:cond delay="0"/>
+                                  </p:stCondLst>
+                                  <p:childTnLst>
+                                    <p:set>
+                                      <p:cBhvr>
+                                        <p:cTn id="14" dur="1" fill="hold">
+                                          <p:stCondLst>
+                                            <p:cond delay="0"/>
+                                          </p:stCondLst>
+                                        </p:cTn>
+                                        <p:tgtEl>
+                                          <p:spTgt spid="444419">
+                                            <p:txEl>
+                                              <p:pRg st="3" end="3"/>
+                                            </p:txEl>
+                                          </p:spTgt>
+                                        </p:tgtEl>
+                                        <p:attrNameLst>
+                                          <p:attrName>style.visibility</p:attrName>
+                                        </p:attrNameLst>
+                                      </p:cBhvr>
+                                      <p:to>
+                                        <p:strVal val="visible"/>
+                                      </p:to>
+                                    </p:set>
+                                  </p:childTnLst>
+                                </p:cTn>
+                              </p:par>
+                            </p:childTnLst>
+                          </p:cTn>
+                        </p:par>
+                      </p:childTnLst>
+                    </p:cTn>
+                  </p:par>
+                  <p:par>
+                    <p:cTn id="15" fill="hold">
+                      <p:stCondLst>
+                        <p:cond delay="indefinite"/>
+                      </p:stCondLst>
+                      <p:childTnLst>
+                        <p:par>
+                          <p:cTn id="16" fill="hold">
+                            <p:stCondLst>
+                              <p:cond delay="0"/>
+                            </p:stCondLst>
+                            <p:childTnLst>
+                              <p:par>
+                                <p:cTn id="17" presetID="1" presetClass="entr" presetSubtype="0" fill="hold" nodeType="clickEffect">
+                                  <p:stCondLst>
+                                    <p:cond delay="0"/>
+                                  </p:stCondLst>
+                                  <p:childTnLst>
+                                    <p:set>
+                                      <p:cBhvr>
+                                        <p:cTn id="18" dur="1" fill="hold">
+                                          <p:stCondLst>
+                                            <p:cond delay="0"/>
+                                          </p:stCondLst>
+                                        </p:cTn>
+                                        <p:tgtEl>
+                                          <p:spTgt spid="444419">
+                                            <p:txEl>
+                                              <p:pRg st="4" end="4"/>
+                                            </p:txEl>
+                                          </p:spTgt>
+                                        </p:tgtEl>
+                                        <p:attrNameLst>
+                                          <p:attrName>style.visibility</p:attrName>
+                                        </p:attrNameLst>
+                                      </p:cBhvr>
+                                      <p:to>
+                                        <p:strVal val="visible"/>
+                                      </p:to>
+                                    </p:set>
+                                  </p:childTnLst>
+                                </p:cTn>
+                              </p:par>
+                            </p:childTnLst>
+                          </p:cTn>
+                        </p:par>
+                      </p:childTnLst>
+                    </p:cTn>
+                  </p:par>
+                </p:childTnLst>
+              </p:cTn>
+              <p:prevCondLst>
+                <p:cond evt="onPrev" delay="0">
+                  <p:tgtEl>
+                    <p:sldTgt/>
+                  </p:tgtEl>
+                </p:cond>
+              </p:prevCondLst>
+              <p:nextCondLst>
+                <p:cond evt="onNext" delay="0">
+                  <p:tgtEl>
+                    <p:sldTgt/>
+                  </p:tgtEl>
+                </p:cond>
+              </p:nextCondLst>
+            </p:seq>
+          </p:childTnLst>
+        </p:cTn>
+      </p:par>
+    </p:tnLst>
+  </p:timing>
+</p:sld>
+</file>
+
+<file path=ppt/slides/slide20.xml><?xml version="1.0" encoding="utf-8"?>
 <p:sld xmlns:a="http://schemas.openxmlformats.org/drawingml/2006/main" xmlns:r="http://schemas.openxmlformats.org/officeDocument/2006/relationships" xmlns:p="http://schemas.openxmlformats.org/presentationml/2006/main">
   <p:cSld>
     <p:spTree>
@@ -13218,7 +14342,7 @@
             <a:fld id="{2BF067CD-8E6B-4360-9AA8-C5DF2A48A6D1}" type="slidenum">
               <a:rPr lang="en-US" noProof="0" smtClean="0"/>
               <a:pPr/>
-              <a:t>19</a:t>
+              <a:t>20</a:t>
             </a:fld>
             <a:endParaRPr lang="en-US" noProof="0" dirty="0"/>
           </a:p>
@@ -13968,580 +15092,7 @@
 </p:sld>
 </file>
 
-<file path=ppt/slides/slide2.xml><?xml version="1.0" encoding="utf-8"?>
-<p:sld xmlns:a="http://schemas.openxmlformats.org/drawingml/2006/main" xmlns:r="http://schemas.openxmlformats.org/officeDocument/2006/relationships" xmlns:p="http://schemas.openxmlformats.org/presentationml/2006/main">
-  <p:cSld>
-    <p:spTree>
-      <p:nvGrpSpPr>
-        <p:cNvPr id="1" name=""/>
-        <p:cNvGrpSpPr/>
-        <p:nvPr/>
-      </p:nvGrpSpPr>
-      <p:grpSpPr>
-        <a:xfrm>
-          <a:off x="0" y="0"/>
-          <a:ext cx="0" cy="0"/>
-          <a:chOff x="0" y="0"/>
-          <a:chExt cx="0" cy="0"/>
-        </a:xfrm>
-      </p:grpSpPr>
-      <p:sp>
-        <p:nvSpPr>
-          <p:cNvPr id="5" name="Slide Number">
-            <a:extLst>
-              <a:ext uri="{FF2B5EF4-FFF2-40B4-BE49-F238E27FC236}">
-                <a16:creationId xmlns:a16="http://schemas.microsoft.com/office/drawing/2014/main" id="{6A760D59-0056-4F39-B077-DBDBE3D2927E}"/>
-              </a:ext>
-            </a:extLst>
-          </p:cNvPr>
-          <p:cNvSpPr txBox="1">
-            <a:spLocks/>
-          </p:cNvSpPr>
-          <p:nvPr/>
-        </p:nvSpPr>
-        <p:spPr>
-          <a:xfrm>
-            <a:off x="11753030" y="6507000"/>
-            <a:ext cx="367414" cy="297000"/>
-          </a:xfrm>
-          <a:prstGeom prst="rect">
-            <a:avLst/>
-          </a:prstGeom>
-        </p:spPr>
-        <p:txBody>
-          <a:bodyPr vert="horz" lIns="91440" tIns="45720" rIns="91440" bIns="45720" rtlCol="0" anchor="b"/>
-          <a:lstStyle>
-            <a:defPPr>
-              <a:defRPr lang="en-US"/>
-            </a:defPPr>
-            <a:lvl1pPr marL="0" algn="r" defTabSz="914400" rtl="0" eaLnBrk="1" latinLnBrk="0" hangingPunct="1">
-              <a:defRPr sz="1000" kern="1200">
-                <a:solidFill>
-                  <a:schemeClr val="tx1"/>
-                </a:solidFill>
-                <a:latin typeface="+mn-lt"/>
-                <a:ea typeface="+mn-ea"/>
-                <a:cs typeface="+mn-cs"/>
-              </a:defRPr>
-            </a:lvl1pPr>
-            <a:lvl2pPr marL="457200" algn="l" defTabSz="914400" rtl="0" eaLnBrk="1" latinLnBrk="0" hangingPunct="1">
-              <a:defRPr sz="1800" kern="1200">
-                <a:solidFill>
-                  <a:schemeClr val="tx1"/>
-                </a:solidFill>
-                <a:latin typeface="+mn-lt"/>
-                <a:ea typeface="+mn-ea"/>
-                <a:cs typeface="+mn-cs"/>
-              </a:defRPr>
-            </a:lvl2pPr>
-            <a:lvl3pPr marL="914400" algn="l" defTabSz="914400" rtl="0" eaLnBrk="1" latinLnBrk="0" hangingPunct="1">
-              <a:defRPr sz="1800" kern="1200">
-                <a:solidFill>
-                  <a:schemeClr val="tx1"/>
-                </a:solidFill>
-                <a:latin typeface="+mn-lt"/>
-                <a:ea typeface="+mn-ea"/>
-                <a:cs typeface="+mn-cs"/>
-              </a:defRPr>
-            </a:lvl3pPr>
-            <a:lvl4pPr marL="1371600" algn="l" defTabSz="914400" rtl="0" eaLnBrk="1" latinLnBrk="0" hangingPunct="1">
-              <a:defRPr sz="1800" kern="1200">
-                <a:solidFill>
-                  <a:schemeClr val="tx1"/>
-                </a:solidFill>
-                <a:latin typeface="+mn-lt"/>
-                <a:ea typeface="+mn-ea"/>
-                <a:cs typeface="+mn-cs"/>
-              </a:defRPr>
-            </a:lvl4pPr>
-            <a:lvl5pPr marL="1828800" algn="l" defTabSz="914400" rtl="0" eaLnBrk="1" latinLnBrk="0" hangingPunct="1">
-              <a:defRPr sz="1800" kern="1200">
-                <a:solidFill>
-                  <a:schemeClr val="tx1"/>
-                </a:solidFill>
-                <a:latin typeface="+mn-lt"/>
-                <a:ea typeface="+mn-ea"/>
-                <a:cs typeface="+mn-cs"/>
-              </a:defRPr>
-            </a:lvl5pPr>
-            <a:lvl6pPr marL="2286000" algn="l" defTabSz="914400" rtl="0" eaLnBrk="1" latinLnBrk="0" hangingPunct="1">
-              <a:defRPr sz="1800" kern="1200">
-                <a:solidFill>
-                  <a:schemeClr val="tx1"/>
-                </a:solidFill>
-                <a:latin typeface="+mn-lt"/>
-                <a:ea typeface="+mn-ea"/>
-                <a:cs typeface="+mn-cs"/>
-              </a:defRPr>
-            </a:lvl6pPr>
-            <a:lvl7pPr marL="2743200" algn="l" defTabSz="914400" rtl="0" eaLnBrk="1" latinLnBrk="0" hangingPunct="1">
-              <a:defRPr sz="1800" kern="1200">
-                <a:solidFill>
-                  <a:schemeClr val="tx1"/>
-                </a:solidFill>
-                <a:latin typeface="+mn-lt"/>
-                <a:ea typeface="+mn-ea"/>
-                <a:cs typeface="+mn-cs"/>
-              </a:defRPr>
-            </a:lvl7pPr>
-            <a:lvl8pPr marL="3200400" algn="l" defTabSz="914400" rtl="0" eaLnBrk="1" latinLnBrk="0" hangingPunct="1">
-              <a:defRPr sz="1800" kern="1200">
-                <a:solidFill>
-                  <a:schemeClr val="tx1"/>
-                </a:solidFill>
-                <a:latin typeface="+mn-lt"/>
-                <a:ea typeface="+mn-ea"/>
-                <a:cs typeface="+mn-cs"/>
-              </a:defRPr>
-            </a:lvl8pPr>
-            <a:lvl9pPr marL="3657600" algn="l" defTabSz="914400" rtl="0" eaLnBrk="1" latinLnBrk="0" hangingPunct="1">
-              <a:defRPr sz="1800" kern="1200">
-                <a:solidFill>
-                  <a:schemeClr val="tx1"/>
-                </a:solidFill>
-                <a:latin typeface="+mn-lt"/>
-                <a:ea typeface="+mn-ea"/>
-                <a:cs typeface="+mn-cs"/>
-              </a:defRPr>
-            </a:lvl9pPr>
-          </a:lstStyle>
-          <a:p>
-            <a:fld id="{2BF067CD-8E6B-4360-9AA8-C5DF2A48A6D1}" type="slidenum">
-              <a:rPr lang="en-US" smtClean="0"/>
-              <a:pPr/>
-              <a:t>2</a:t>
-            </a:fld>
-            <a:endParaRPr lang="en-US" dirty="0"/>
-          </a:p>
-        </p:txBody>
-      </p:sp>
-      <p:sp>
-        <p:nvSpPr>
-          <p:cNvPr id="444419" name="Slide Body"/>
-          <p:cNvSpPr>
-            <a:spLocks noGrp="1" noChangeArrowheads="1"/>
-          </p:cNvSpPr>
-          <p:nvPr>
-            <p:ph type="body" sz="quarter" idx="13"/>
-          </p:nvPr>
-        </p:nvSpPr>
-        <p:spPr>
-          <a:xfrm>
-            <a:off x="196766" y="1371604"/>
-            <a:ext cx="11781606" cy="5207396"/>
-          </a:xfrm>
-        </p:spPr>
-        <p:txBody>
-          <a:bodyPr>
-            <a:normAutofit/>
-          </a:bodyPr>
-          <a:lstStyle/>
-          <a:p>
-            <a:pPr>
-              <a:buClr>
-                <a:schemeClr val="tx1"/>
-              </a:buClr>
-            </a:pPr>
-            <a:r>
-              <a:rPr lang="bg-BG" sz="3400" dirty="0">
-                <a:solidFill>
-                  <a:schemeClr val="bg1"/>
-                </a:solidFill>
-              </a:rPr>
-              <a:t>​</a:t>
-            </a:r>
-            <a:r>
-              <a:rPr lang="en-US" sz="3400" b="1" dirty="0">
-                <a:solidFill>
-                  <a:schemeClr val="bg1"/>
-                </a:solidFill>
-              </a:rPr>
-              <a:t>Master-Detail </a:t>
-            </a:r>
-            <a:r>
-              <a:rPr lang="bg-BG" sz="3400" dirty="0"/>
-              <a:t>навигация</a:t>
-            </a:r>
-          </a:p>
-          <a:p>
-            <a:r>
-              <a:rPr lang="bg-BG" sz="3400" dirty="0"/>
-              <a:t>Имплементиране на </a:t>
-            </a:r>
-            <a:r>
-              <a:rPr lang="en-US" sz="3400" b="1" dirty="0"/>
-              <a:t>Master-Detail</a:t>
-            </a:r>
-            <a:r>
-              <a:rPr lang="en-US" sz="3400" dirty="0"/>
-              <a:t> </a:t>
-            </a:r>
-            <a:r>
-              <a:rPr lang="bg-BG" sz="3400" dirty="0"/>
-              <a:t>с </a:t>
-            </a:r>
-            <a:r>
-              <a:rPr lang="en-US" sz="3400" b="1" dirty="0">
-                <a:solidFill>
-                  <a:schemeClr val="bg1"/>
-                </a:solidFill>
-              </a:rPr>
-              <a:t>Entity Framework Core</a:t>
-            </a:r>
-          </a:p>
-          <a:p>
-            <a:r>
-              <a:rPr lang="bg-BG" sz="3400" dirty="0"/>
-              <a:t>​</a:t>
-            </a:r>
-            <a:r>
-              <a:rPr lang="en-US" sz="3400" b="1" dirty="0"/>
-              <a:t>Master-Detail</a:t>
-            </a:r>
-            <a:r>
-              <a:rPr lang="bg-BG" sz="3400" dirty="0"/>
-              <a:t> таблици в </a:t>
-            </a:r>
-            <a:r>
-              <a:rPr lang="en-US" sz="3400" b="1" dirty="0">
-                <a:solidFill>
-                  <a:schemeClr val="bg1"/>
-                </a:solidFill>
-              </a:rPr>
-              <a:t>Windows Forms</a:t>
-            </a:r>
-          </a:p>
-          <a:p>
-            <a:r>
-              <a:rPr lang="bg-BG" sz="3400" dirty="0"/>
-              <a:t>​</a:t>
-            </a:r>
-            <a:r>
-              <a:rPr lang="bg-BG" sz="3400" b="1" dirty="0">
-                <a:solidFill>
-                  <a:schemeClr val="bg1"/>
-                </a:solidFill>
-              </a:rPr>
-              <a:t>Филтриране</a:t>
-            </a:r>
-            <a:r>
-              <a:rPr lang="bg-BG" sz="3400" dirty="0"/>
-              <a:t> и </a:t>
-            </a:r>
-            <a:r>
-              <a:rPr lang="bg-BG" sz="3400" b="1" dirty="0">
-                <a:solidFill>
-                  <a:schemeClr val="bg1"/>
-                </a:solidFill>
-              </a:rPr>
-              <a:t>сортиране</a:t>
-            </a:r>
-            <a:r>
-              <a:rPr lang="bg-BG" sz="3400" dirty="0"/>
-              <a:t> на </a:t>
-            </a:r>
-            <a:r>
-              <a:rPr lang="bg-BG" sz="3400" b="1" dirty="0"/>
-              <a:t>таблица</a:t>
-            </a:r>
-            <a:endParaRPr lang="en-GB" sz="3400" b="1" dirty="0"/>
-          </a:p>
-          <a:p>
-            <a:pPr>
-              <a:buClr>
-                <a:schemeClr val="tx1"/>
-              </a:buClr>
-            </a:pPr>
-            <a:r>
-              <a:rPr lang="en-GB" sz="3400" dirty="0"/>
-              <a:t>​</a:t>
-            </a:r>
-            <a:r>
-              <a:rPr lang="bg-BG" sz="3400" b="1" dirty="0"/>
-              <a:t>Примерно приложение</a:t>
-            </a:r>
-            <a:r>
-              <a:rPr lang="bg-BG" sz="3400" dirty="0"/>
-              <a:t>: Държави и градове</a:t>
-            </a:r>
-          </a:p>
-        </p:txBody>
-      </p:sp>
-      <p:sp>
-        <p:nvSpPr>
-          <p:cNvPr id="444418" name="Slide Title"/>
-          <p:cNvSpPr>
-            <a:spLocks noGrp="1" noChangeArrowheads="1"/>
-          </p:cNvSpPr>
-          <p:nvPr>
-            <p:ph type="title"/>
-          </p:nvPr>
-        </p:nvSpPr>
-        <p:spPr>
-          <a:xfrm>
-            <a:off x="190406" y="100750"/>
-            <a:ext cx="10270594" cy="882654"/>
-          </a:xfrm>
-        </p:spPr>
-        <p:txBody>
-          <a:bodyPr/>
-          <a:lstStyle/>
-          <a:p>
-            <a:r>
-              <a:rPr lang="bg-BG" dirty="0"/>
-              <a:t>Съдържание</a:t>
-            </a:r>
-          </a:p>
-        </p:txBody>
-      </p:sp>
-    </p:spTree>
-    <p:extLst>
-      <p:ext uri="{BB962C8B-B14F-4D97-AF65-F5344CB8AC3E}">
-        <p14:creationId xmlns:p14="http://schemas.microsoft.com/office/powerpoint/2010/main" val="1646986932"/>
-      </p:ext>
-    </p:extLst>
-  </p:cSld>
-  <p:clrMapOvr>
-    <a:masterClrMapping/>
-  </p:clrMapOvr>
-  <mc:AlternateContent xmlns:mc="http://schemas.openxmlformats.org/markup-compatibility/2006" xmlns:p14="http://schemas.microsoft.com/office/powerpoint/2010/main">
-    <mc:Choice Requires="p14">
-      <p:transition spd="slow" p14:dur="2000" advClick="0" advTm="5000"/>
-    </mc:Choice>
-    <mc:Fallback xmlns="">
-      <p:transition spd="slow" advClick="0" advTm="5000"/>
-    </mc:Fallback>
-  </mc:AlternateContent>
-  <p:timing>
-    <p:tnLst>
-      <p:par>
-        <p:cTn id="1" dur="indefinite" restart="never" nodeType="tmRoot">
-          <p:childTnLst>
-            <p:seq concurrent="1" nextAc="seek">
-              <p:cTn id="2" dur="indefinite" nodeType="mainSeq">
-                <p:childTnLst>
-                  <p:par>
-                    <p:cTn id="3" fill="hold">
-                      <p:stCondLst>
-                        <p:cond delay="indefinite"/>
-                      </p:stCondLst>
-                      <p:childTnLst>
-                        <p:par>
-                          <p:cTn id="4" fill="hold">
-                            <p:stCondLst>
-                              <p:cond delay="0"/>
-                            </p:stCondLst>
-                            <p:childTnLst>
-                              <p:par>
-                                <p:cTn id="5" presetID="1" presetClass="entr" presetSubtype="0" fill="hold" nodeType="clickEffect">
-                                  <p:stCondLst>
-                                    <p:cond delay="0"/>
-                                  </p:stCondLst>
-                                  <p:childTnLst>
-                                    <p:set>
-                                      <p:cBhvr>
-                                        <p:cTn id="6" dur="1" fill="hold">
-                                          <p:stCondLst>
-                                            <p:cond delay="0"/>
-                                          </p:stCondLst>
-                                        </p:cTn>
-                                        <p:tgtEl>
-                                          <p:spTgt spid="444419">
-                                            <p:txEl>
-                                              <p:pRg st="1" end="1"/>
-                                            </p:txEl>
-                                          </p:spTgt>
-                                        </p:tgtEl>
-                                        <p:attrNameLst>
-                                          <p:attrName>style.visibility</p:attrName>
-                                        </p:attrNameLst>
-                                      </p:cBhvr>
-                                      <p:to>
-                                        <p:strVal val="visible"/>
-                                      </p:to>
-                                    </p:set>
-                                  </p:childTnLst>
-                                </p:cTn>
-                              </p:par>
-                            </p:childTnLst>
-                          </p:cTn>
-                        </p:par>
-                      </p:childTnLst>
-                    </p:cTn>
-                  </p:par>
-                  <p:par>
-                    <p:cTn id="7" fill="hold">
-                      <p:stCondLst>
-                        <p:cond delay="indefinite"/>
-                      </p:stCondLst>
-                      <p:childTnLst>
-                        <p:par>
-                          <p:cTn id="8" fill="hold">
-                            <p:stCondLst>
-                              <p:cond delay="0"/>
-                            </p:stCondLst>
-                            <p:childTnLst>
-                              <p:par>
-                                <p:cTn id="9" presetID="1" presetClass="entr" presetSubtype="0" fill="hold" nodeType="clickEffect">
-                                  <p:stCondLst>
-                                    <p:cond delay="0"/>
-                                  </p:stCondLst>
-                                  <p:childTnLst>
-                                    <p:set>
-                                      <p:cBhvr>
-                                        <p:cTn id="10" dur="1" fill="hold">
-                                          <p:stCondLst>
-                                            <p:cond delay="0"/>
-                                          </p:stCondLst>
-                                        </p:cTn>
-                                        <p:tgtEl>
-                                          <p:spTgt spid="444419">
-                                            <p:txEl>
-                                              <p:pRg st="2" end="2"/>
-                                            </p:txEl>
-                                          </p:spTgt>
-                                        </p:tgtEl>
-                                        <p:attrNameLst>
-                                          <p:attrName>style.visibility</p:attrName>
-                                        </p:attrNameLst>
-                                      </p:cBhvr>
-                                      <p:to>
-                                        <p:strVal val="visible"/>
-                                      </p:to>
-                                    </p:set>
-                                  </p:childTnLst>
-                                </p:cTn>
-                              </p:par>
-                            </p:childTnLst>
-                          </p:cTn>
-                        </p:par>
-                      </p:childTnLst>
-                    </p:cTn>
-                  </p:par>
-                  <p:par>
-                    <p:cTn id="11" fill="hold">
-                      <p:stCondLst>
-                        <p:cond delay="indefinite"/>
-                      </p:stCondLst>
-                      <p:childTnLst>
-                        <p:par>
-                          <p:cTn id="12" fill="hold">
-                            <p:stCondLst>
-                              <p:cond delay="0"/>
-                            </p:stCondLst>
-                            <p:childTnLst>
-                              <p:par>
-                                <p:cTn id="13" presetID="1" presetClass="entr" presetSubtype="0" fill="hold" nodeType="clickEffect">
-                                  <p:stCondLst>
-                                    <p:cond delay="0"/>
-                                  </p:stCondLst>
-                                  <p:childTnLst>
-                                    <p:set>
-                                      <p:cBhvr>
-                                        <p:cTn id="14" dur="1" fill="hold">
-                                          <p:stCondLst>
-                                            <p:cond delay="0"/>
-                                          </p:stCondLst>
-                                        </p:cTn>
-                                        <p:tgtEl>
-                                          <p:spTgt spid="444419">
-                                            <p:txEl>
-                                              <p:pRg st="3" end="3"/>
-                                            </p:txEl>
-                                          </p:spTgt>
-                                        </p:tgtEl>
-                                        <p:attrNameLst>
-                                          <p:attrName>style.visibility</p:attrName>
-                                        </p:attrNameLst>
-                                      </p:cBhvr>
-                                      <p:to>
-                                        <p:strVal val="visible"/>
-                                      </p:to>
-                                    </p:set>
-                                  </p:childTnLst>
-                                </p:cTn>
-                              </p:par>
-                            </p:childTnLst>
-                          </p:cTn>
-                        </p:par>
-                      </p:childTnLst>
-                    </p:cTn>
-                  </p:par>
-                  <p:par>
-                    <p:cTn id="15" fill="hold">
-                      <p:stCondLst>
-                        <p:cond delay="indefinite"/>
-                      </p:stCondLst>
-                      <p:childTnLst>
-                        <p:par>
-                          <p:cTn id="16" fill="hold">
-                            <p:stCondLst>
-                              <p:cond delay="0"/>
-                            </p:stCondLst>
-                            <p:childTnLst>
-                              <p:par>
-                                <p:cTn id="17" presetID="1" presetClass="entr" presetSubtype="0" fill="hold" nodeType="clickEffect">
-                                  <p:stCondLst>
-                                    <p:cond delay="0"/>
-                                  </p:stCondLst>
-                                  <p:childTnLst>
-                                    <p:set>
-                                      <p:cBhvr>
-                                        <p:cTn id="18" dur="1" fill="hold">
-                                          <p:stCondLst>
-                                            <p:cond delay="0"/>
-                                          </p:stCondLst>
-                                        </p:cTn>
-                                        <p:tgtEl>
-                                          <p:spTgt spid="444419">
-                                            <p:txEl>
-                                              <p:pRg st="4" end="4"/>
-                                            </p:txEl>
-                                          </p:spTgt>
-                                        </p:tgtEl>
-                                        <p:attrNameLst>
-                                          <p:attrName>style.visibility</p:attrName>
-                                        </p:attrNameLst>
-                                      </p:cBhvr>
-                                      <p:to>
-                                        <p:strVal val="visible"/>
-                                      </p:to>
-                                    </p:set>
-                                  </p:childTnLst>
-                                </p:cTn>
-                              </p:par>
-                            </p:childTnLst>
-                          </p:cTn>
-                        </p:par>
-                      </p:childTnLst>
-                    </p:cTn>
-                  </p:par>
-                </p:childTnLst>
-              </p:cTn>
-              <p:prevCondLst>
-                <p:cond evt="onPrev" delay="0">
-                  <p:tgtEl>
-                    <p:sldTgt/>
-                  </p:tgtEl>
-                </p:cond>
-              </p:prevCondLst>
-              <p:nextCondLst>
-                <p:cond evt="onNext" delay="0">
-                  <p:tgtEl>
-                    <p:sldTgt/>
-                  </p:tgtEl>
-                </p:cond>
-              </p:nextCondLst>
-            </p:seq>
-          </p:childTnLst>
-        </p:cTn>
-      </p:par>
-    </p:tnLst>
-  </p:timing>
-</p:sld>
-</file>
-
-<file path=ppt/slides/slide20.xml><?xml version="1.0" encoding="utf-8"?>
+<file path=ppt/slides/slide21.xml><?xml version="1.0" encoding="utf-8"?>
 <p:sld xmlns:a="http://schemas.openxmlformats.org/drawingml/2006/main" xmlns:r="http://schemas.openxmlformats.org/officeDocument/2006/relationships" xmlns:p="http://schemas.openxmlformats.org/presentationml/2006/main">
   <p:cSld>
     <p:spTree>
@@ -14582,7 +15133,7 @@
             <a:fld id="{2BF067CD-8E6B-4360-9AA8-C5DF2A48A6D1}" type="slidenum">
               <a:rPr lang="en-US" noProof="0" smtClean="0"/>
               <a:pPr/>
-              <a:t>20</a:t>
+              <a:t>21</a:t>
             </a:fld>
             <a:endParaRPr lang="en-US" noProof="0" dirty="0"/>
           </a:p>
@@ -14610,11 +15161,11 @@
           <a:lstStyle/>
           <a:p>
             <a:r>
-              <a:rPr lang="bg-BG" sz="2400" dirty="0"/>
+              <a:rPr lang="bg-BG" sz="2800" dirty="0"/>
               <a:t>Добавяме </a:t>
             </a:r>
             <a:r>
-              <a:rPr lang="bg-BG" sz="2400" b="1" dirty="0">
+              <a:rPr lang="bg-BG" sz="2800" b="1" dirty="0">
                 <a:solidFill>
                   <a:schemeClr val="bg1"/>
                 </a:solidFill>
@@ -14622,19 +15173,19 @@
               <a:t>метод-обработчик</a:t>
             </a:r>
             <a:r>
-              <a:rPr lang="bg-BG" sz="2400" dirty="0"/>
+              <a:rPr lang="bg-BG" sz="2800" dirty="0"/>
               <a:t> на </a:t>
             </a:r>
             <a:r>
-              <a:rPr lang="bg-BG" sz="2400" b="1" dirty="0"/>
+              <a:rPr lang="bg-BG" sz="2800" b="1" dirty="0"/>
               <a:t>формата</a:t>
             </a:r>
             <a:r>
-              <a:rPr lang="bg-BG" sz="2400" dirty="0"/>
+              <a:rPr lang="bg-BG" sz="2800" dirty="0"/>
               <a:t> при събитието </a:t>
             </a:r>
             <a:r>
-              <a:rPr lang="en-US" sz="2400" b="1" dirty="0">
+              <a:rPr lang="en-US" sz="2800" b="1" dirty="0">
                 <a:solidFill>
                   <a:schemeClr val="bg1"/>
                 </a:solidFill>
@@ -14643,15 +15194,15 @@
               </a:rPr>
               <a:t>Load</a:t>
             </a:r>
-            <a:endParaRPr lang="en-US" sz="2400" dirty="0"/>
-          </a:p>
-          <a:p>
-            <a:r>
-              <a:rPr lang="bg-BG" sz="2400" dirty="0"/>
+            <a:endParaRPr lang="en-US" sz="2800" dirty="0"/>
+          </a:p>
+          <a:p>
+            <a:r>
+              <a:rPr lang="bg-BG" sz="2800" dirty="0"/>
               <a:t>Зареждаме </a:t>
             </a:r>
             <a:r>
-              <a:rPr lang="bg-BG" sz="2400" b="1" dirty="0">
+              <a:rPr lang="bg-BG" sz="2800" b="1" dirty="0">
                 <a:solidFill>
                   <a:schemeClr val="bg1"/>
                 </a:solidFill>
@@ -14659,11 +15210,11 @@
               <a:t>държавите</a:t>
             </a:r>
             <a:r>
-              <a:rPr lang="bg-BG" sz="2400" dirty="0"/>
+              <a:rPr lang="bg-BG" sz="2800" dirty="0"/>
               <a:t> и </a:t>
             </a:r>
             <a:r>
-              <a:rPr lang="bg-BG" sz="2400" b="1" dirty="0">
+              <a:rPr lang="bg-BG" sz="2800" b="1" dirty="0">
                 <a:solidFill>
                   <a:schemeClr val="bg1"/>
                 </a:solidFill>
@@ -14671,11 +15222,11 @@
               <a:t>градовете</a:t>
             </a:r>
             <a:r>
-              <a:rPr lang="bg-BG" sz="2400" dirty="0"/>
+              <a:rPr lang="bg-BG" sz="2800" dirty="0"/>
               <a:t> от </a:t>
             </a:r>
             <a:r>
-              <a:rPr lang="bg-BG" sz="2400" b="1" dirty="0"/>
+              <a:rPr lang="bg-BG" sz="2800" b="1" dirty="0"/>
               <a:t>БД</a:t>
             </a:r>
           </a:p>
@@ -14950,38 +15501,24 @@
                 <a:latin typeface="Consolas" panose="020B0609020204030204" pitchFamily="49" charset="0"/>
                 <a:cs typeface="Consolas" panose="020B0609020204030204" pitchFamily="49" charset="0"/>
               </a:rPr>
-              <a:t>        return </a:t>
-            </a:r>
-            <a:r>
-              <a:rPr lang="en-GB" sz="2000" b="1" dirty="0" err="1">
+              <a:t>        return db.</a:t>
+            </a:r>
+            <a:r>
+              <a:rPr lang="en-GB" sz="2000" b="1" dirty="0">
+                <a:solidFill>
+                  <a:schemeClr val="bg1"/>
+                </a:solidFill>
                 <a:latin typeface="Consolas" panose="020B0609020204030204" pitchFamily="49" charset="0"/>
                 <a:cs typeface="Consolas" panose="020B0609020204030204" pitchFamily="49" charset="0"/>
               </a:rPr>
-              <a:t>db.</a:t>
-            </a:r>
-            <a:r>
-              <a:rPr lang="en-GB" sz="2000" b="1" dirty="0" err="1">
-                <a:solidFill>
-                  <a:schemeClr val="bg1"/>
-                </a:solidFill>
+              <a:t>Towns</a:t>
+            </a:r>
+            <a:r>
+              <a:rPr lang="en-GB" sz="2000" b="1" dirty="0">
                 <a:latin typeface="Consolas" panose="020B0609020204030204" pitchFamily="49" charset="0"/>
                 <a:cs typeface="Consolas" panose="020B0609020204030204" pitchFamily="49" charset="0"/>
               </a:rPr>
-              <a:t>Towns</a:t>
-            </a:r>
-            <a:r>
-              <a:rPr lang="en-GB" sz="2000" b="1" dirty="0" err="1">
-                <a:latin typeface="Consolas" panose="020B0609020204030204" pitchFamily="49" charset="0"/>
-                <a:cs typeface="Consolas" panose="020B0609020204030204" pitchFamily="49" charset="0"/>
-              </a:rPr>
-              <a:t>.ToList</a:t>
-            </a:r>
-            <a:r>
-              <a:rPr lang="en-GB" sz="2000" b="1" dirty="0">
-                <a:latin typeface="Consolas" panose="020B0609020204030204" pitchFamily="49" charset="0"/>
-                <a:cs typeface="Consolas" panose="020B0609020204030204" pitchFamily="49" charset="0"/>
-              </a:rPr>
-              <a:t>();</a:t>
+              <a:t>.ToList();</a:t>
             </a:r>
           </a:p>
           <a:p>
@@ -15194,7 +15731,7 @@
 </p:sld>
 </file>
 
-<file path=ppt/slides/slide21.xml><?xml version="1.0" encoding="utf-8"?>
+<file path=ppt/slides/slide22.xml><?xml version="1.0" encoding="utf-8"?>
 <p:sld xmlns:a="http://schemas.openxmlformats.org/drawingml/2006/main" xmlns:r="http://schemas.openxmlformats.org/officeDocument/2006/relationships" xmlns:p="http://schemas.openxmlformats.org/presentationml/2006/main">
   <p:cSld>
     <p:spTree>
@@ -15235,7 +15772,7 @@
             <a:fld id="{2BF067CD-8E6B-4360-9AA8-C5DF2A48A6D1}" type="slidenum">
               <a:rPr lang="en-US" noProof="0" smtClean="0"/>
               <a:pPr/>
-              <a:t>21</a:t>
+              <a:t>22</a:t>
             </a:fld>
             <a:endParaRPr lang="en-US" noProof="0" dirty="0"/>
           </a:p>
@@ -16033,7 +16570,7 @@
 </p:sld>
 </file>
 
-<file path=ppt/slides/slide22.xml><?xml version="1.0" encoding="utf-8"?>
+<file path=ppt/slides/slide23.xml><?xml version="1.0" encoding="utf-8"?>
 <p:sld xmlns:a="http://schemas.openxmlformats.org/drawingml/2006/main" xmlns:r="http://schemas.openxmlformats.org/officeDocument/2006/relationships" xmlns:p="http://schemas.openxmlformats.org/presentationml/2006/main">
   <p:cSld>
     <p:spTree>
@@ -16074,7 +16611,7 @@
             <a:fld id="{2BF067CD-8E6B-4360-9AA8-C5DF2A48A6D1}" type="slidenum">
               <a:rPr lang="en-US" noProof="0" smtClean="0"/>
               <a:pPr/>
-              <a:t>22</a:t>
+              <a:t>23</a:t>
             </a:fld>
             <a:endParaRPr lang="en-US" noProof="0" dirty="0"/>
           </a:p>
@@ -16805,7 +17342,7 @@
 </p:sld>
 </file>
 
-<file path=ppt/slides/slide23.xml><?xml version="1.0" encoding="utf-8"?>
+<file path=ppt/slides/slide24.xml><?xml version="1.0" encoding="utf-8"?>
 <p:sld xmlns:a="http://schemas.openxmlformats.org/drawingml/2006/main" xmlns:r="http://schemas.openxmlformats.org/officeDocument/2006/relationships" xmlns:p="http://schemas.openxmlformats.org/presentationml/2006/main">
   <p:cSld>
     <p:spTree>
@@ -16846,7 +17383,7 @@
             <a:fld id="{2BF067CD-8E6B-4360-9AA8-C5DF2A48A6D1}" type="slidenum">
               <a:rPr lang="en-US" noProof="0" smtClean="0"/>
               <a:pPr/>
-              <a:t>23</a:t>
+              <a:t>24</a:t>
             </a:fld>
             <a:endParaRPr lang="en-US" noProof="0" dirty="0"/>
           </a:p>
@@ -16876,19 +17413,19 @@
           <a:lstStyle/>
           <a:p>
             <a:r>
-              <a:rPr lang="bg-BG" sz="2400" dirty="0"/>
+              <a:rPr lang="bg-BG" sz="2800" dirty="0"/>
               <a:t>Добавяме </a:t>
             </a:r>
             <a:r>
-              <a:rPr lang="bg-BG" sz="2400" b="1" dirty="0"/>
+              <a:rPr lang="bg-BG" sz="2800" b="1" dirty="0"/>
               <a:t>метод-обработчик</a:t>
             </a:r>
             <a:r>
-              <a:rPr lang="bg-BG" sz="2400" dirty="0"/>
+              <a:rPr lang="bg-BG" sz="2800" dirty="0"/>
               <a:t> при </a:t>
             </a:r>
             <a:r>
-              <a:rPr lang="en-US" sz="2400" b="1" dirty="0">
+              <a:rPr lang="en-US" sz="2800" b="1" dirty="0">
                 <a:solidFill>
                   <a:schemeClr val="bg1"/>
                 </a:solidFill>
@@ -16898,7 +17435,7 @@
               <a:t>TextChanged</a:t>
             </a:r>
             <a:r>
-              <a:rPr lang="en-US" sz="2400" b="1" dirty="0">
+              <a:rPr lang="en-US" sz="2800" b="1" dirty="0">
                 <a:solidFill>
                   <a:schemeClr val="bg1"/>
                 </a:solidFill>
@@ -16908,43 +17445,22 @@
               <a:t> </a:t>
             </a:r>
             <a:r>
-              <a:rPr lang="bg-BG" sz="2400" dirty="0"/>
+              <a:rPr lang="bg-BG" sz="2800" dirty="0"/>
               <a:t>на </a:t>
             </a:r>
             <a:r>
-              <a:rPr lang="en-US" sz="2400" b="1" dirty="0"/>
+              <a:rPr lang="en-US" sz="2800" b="1" dirty="0"/>
               <a:t>textBoxFilter</a:t>
             </a:r>
-            <a:endParaRPr lang="bg-BG" sz="2400" b="1" dirty="0"/>
-          </a:p>
-          <a:p>
-            <a:endParaRPr lang="bg-BG" sz="2800" b="1" dirty="0">
-              <a:solidFill>
-                <a:schemeClr val="bg1"/>
-              </a:solidFill>
-              <a:latin typeface="Consolas" panose="020B0609020204030204" pitchFamily="49" charset="0"/>
-              <a:cs typeface="Consolas" panose="020B0609020204030204" pitchFamily="49" charset="0"/>
-            </a:endParaRPr>
-          </a:p>
-          <a:p>
-            <a:pPr marL="0" indent="0">
-              <a:buNone/>
-            </a:pPr>
-            <a:endParaRPr lang="en-US" sz="2600" dirty="0"/>
-          </a:p>
-          <a:p>
-            <a:pPr marL="0" indent="0">
-              <a:buNone/>
-            </a:pPr>
-            <a:endParaRPr lang="bg-BG" sz="900" dirty="0"/>
-          </a:p>
-          <a:p>
-            <a:r>
-              <a:rPr lang="bg-BG" sz="2400" dirty="0"/>
+            <a:endParaRPr lang="bg-BG" sz="2800" dirty="0"/>
+          </a:p>
+          <a:p>
+            <a:r>
+              <a:rPr lang="bg-BG" sz="2800" dirty="0"/>
               <a:t>Имплементираме </a:t>
             </a:r>
             <a:r>
-              <a:rPr lang="bg-BG" sz="2400" b="1" dirty="0">
+              <a:rPr lang="bg-BG" sz="2800" b="1" dirty="0">
                 <a:solidFill>
                   <a:schemeClr val="bg1"/>
                 </a:solidFill>
@@ -16952,14 +17468,14 @@
               <a:t>живо търсене </a:t>
             </a:r>
             <a:r>
-              <a:rPr lang="bg-BG" sz="2400" dirty="0"/>
+              <a:rPr lang="bg-BG" sz="2800" dirty="0"/>
               <a:t>по </a:t>
             </a:r>
             <a:r>
-              <a:rPr lang="bg-BG" sz="2400" b="1" dirty="0"/>
+              <a:rPr lang="bg-BG" sz="2800" b="1" dirty="0"/>
               <a:t>име</a:t>
             </a:r>
-            <a:endParaRPr lang="en-BG" sz="2400" b="1" dirty="0"/>
+            <a:endParaRPr lang="en-BG" sz="2800" b="1" dirty="0"/>
           </a:p>
         </p:txBody>
       </p:sp>
@@ -17008,8 +17524,8 @@
         </p:nvSpPr>
         <p:spPr bwMode="auto">
           <a:xfrm>
-            <a:off x="614003" y="3672745"/>
-            <a:ext cx="11125200" cy="2972710"/>
+            <a:off x="199488" y="2305381"/>
+            <a:ext cx="11553542" cy="3295875"/>
           </a:xfrm>
           <a:prstGeom prst="rect">
             <a:avLst/>
@@ -17051,7 +17567,7 @@
               <a:buNone/>
             </a:pPr>
             <a:r>
-              <a:rPr lang="en-US" sz="1700" b="1" noProof="1">
+              <a:rPr lang="en-US" sz="2000" b="1" noProof="1">
                 <a:latin typeface="Consolas" pitchFamily="49" charset="0"/>
                 <a:cs typeface="Consolas" pitchFamily="49" charset="0"/>
               </a:rPr>
@@ -17074,7 +17590,7 @@
               <a:buNone/>
             </a:pPr>
             <a:r>
-              <a:rPr lang="en-US" sz="1700" b="1" noProof="1">
+              <a:rPr lang="en-US" sz="2000" b="1" noProof="1">
                 <a:latin typeface="Consolas" pitchFamily="49" charset="0"/>
                 <a:cs typeface="Consolas" pitchFamily="49" charset="0"/>
               </a:rPr>
@@ -17097,7 +17613,7 @@
               <a:buNone/>
             </a:pPr>
             <a:r>
-              <a:rPr lang="en-US" sz="1700" b="1" noProof="1">
+              <a:rPr lang="en-US" sz="2000" b="1" noProof="1">
                 <a:latin typeface="Consolas" pitchFamily="49" charset="0"/>
                 <a:cs typeface="Consolas" pitchFamily="49" charset="0"/>
               </a:rPr>
@@ -17120,13 +17636,13 @@
               <a:buNone/>
             </a:pPr>
             <a:r>
-              <a:rPr lang="en-US" sz="1700" b="1" noProof="1">
+              <a:rPr lang="en-US" sz="2000" b="1" noProof="1">
                 <a:latin typeface="Consolas" pitchFamily="49" charset="0"/>
                 <a:cs typeface="Consolas" pitchFamily="49" charset="0"/>
               </a:rPr>
               <a:t>    var countries = dbContext.Countries;</a:t>
             </a:r>
-            <a:endParaRPr lang="bg-BG" sz="1700" b="1" noProof="1">
+            <a:endParaRPr lang="bg-BG" sz="2000" b="1" noProof="1">
               <a:latin typeface="Consolas" pitchFamily="49" charset="0"/>
               <a:cs typeface="Consolas" pitchFamily="49" charset="0"/>
             </a:endParaRPr>
@@ -17147,14 +17663,14 @@
               <a:buNone/>
             </a:pPr>
             <a:r>
-              <a:rPr lang="bg-BG" sz="1700" b="1" noProof="1">
+              <a:rPr lang="bg-BG" sz="2000" b="1" noProof="1">
                 <a:latin typeface="Consolas" pitchFamily="49" charset="0"/>
                 <a:cs typeface="Consolas" pitchFamily="49" charset="0"/>
               </a:rPr>
               <a:t>    </a:t>
             </a:r>
             <a:r>
-              <a:rPr lang="en-US" sz="1700" b="1" noProof="1">
+              <a:rPr lang="en-US" sz="2000" b="1" noProof="1">
                 <a:latin typeface="Consolas" pitchFamily="49" charset="0"/>
                 <a:cs typeface="Consolas" pitchFamily="49" charset="0"/>
               </a:rPr>
@@ -17175,14 +17691,14 @@
               <a:buSzPct val="100000"/>
             </a:pPr>
             <a:r>
-              <a:rPr lang="en-US" sz="1700" b="1" noProof="1">
+              <a:rPr lang="en-US" sz="2000" b="1" noProof="1">
                 <a:latin typeface="Consolas" pitchFamily="49" charset="0"/>
                 <a:cs typeface="Consolas" pitchFamily="49" charset="0"/>
               </a:rPr>
               <a:t>    this.</a:t>
             </a:r>
             <a:r>
-              <a:rPr lang="en-GB" b="1" dirty="0">
+              <a:rPr lang="en-GB" sz="2000" b="1" dirty="0">
                 <a:solidFill>
                   <a:schemeClr val="bg1"/>
                 </a:solidFill>
@@ -17192,14 +17708,14 @@
               <a:t>countryBindingSource</a:t>
             </a:r>
             <a:r>
-              <a:rPr lang="en-US" sz="1700" b="1" noProof="1">
+              <a:rPr lang="en-US" sz="2000" b="1" noProof="1">
                 <a:latin typeface="Consolas" pitchFamily="49" charset="0"/>
                 <a:cs typeface="Consolas" pitchFamily="49" charset="0"/>
               </a:rPr>
               <a:t>.</a:t>
             </a:r>
             <a:r>
-              <a:rPr lang="en-US" sz="1700" b="1" noProof="1">
+              <a:rPr lang="en-US" sz="2000" b="1" noProof="1">
                 <a:solidFill>
                   <a:schemeClr val="bg1"/>
                 </a:solidFill>
@@ -17209,14 +17725,14 @@
               <a:t>DataSource</a:t>
             </a:r>
             <a:r>
-              <a:rPr lang="en-US" sz="1700" b="1" noProof="1">
+              <a:rPr lang="en-US" sz="2000" b="1" noProof="1">
                 <a:latin typeface="Consolas" pitchFamily="49" charset="0"/>
                 <a:cs typeface="Consolas" pitchFamily="49" charset="0"/>
               </a:rPr>
               <a:t> = </a:t>
             </a:r>
             <a:r>
-              <a:rPr lang="en-US" sz="1700" b="1" noProof="1">
+              <a:rPr lang="en-US" sz="2000" b="1" noProof="1">
                 <a:solidFill>
                   <a:schemeClr val="bg1"/>
                 </a:solidFill>
@@ -17226,7 +17742,7 @@
               <a:t>filteredCountries</a:t>
             </a:r>
             <a:r>
-              <a:rPr lang="en-US" sz="1700" b="1" noProof="1">
+              <a:rPr lang="en-US" sz="2000" b="1" noProof="1">
                 <a:latin typeface="Consolas" pitchFamily="49" charset="0"/>
                 <a:cs typeface="Consolas" pitchFamily="49" charset="0"/>
               </a:rPr>
@@ -17249,7 +17765,7 @@
               <a:buNone/>
             </a:pPr>
             <a:r>
-              <a:rPr lang="en-US" sz="1700" b="1" noProof="1">
+              <a:rPr lang="en-US" sz="2000" b="1" noProof="1">
                 <a:latin typeface="Consolas" pitchFamily="49" charset="0"/>
                 <a:cs typeface="Consolas" pitchFamily="49" charset="0"/>
               </a:rPr>
@@ -17286,8 +17802,8 @@
         </p:blipFill>
         <p:spPr>
           <a:xfrm>
-            <a:off x="614003" y="1697075"/>
-            <a:ext cx="3608666" cy="1449303"/>
+            <a:off x="8006005" y="1824300"/>
+            <a:ext cx="3995593" cy="1604700"/>
           </a:xfrm>
           <a:prstGeom prst="rect">
             <a:avLst/>
@@ -17400,7 +17916,7 @@
                                         <p:tgtEl>
                                           <p:spTgt spid="3">
                                             <p:txEl>
-                                              <p:pRg st="4" end="4"/>
+                                              <p:pRg st="1" end="1"/>
                                             </p:txEl>
                                           </p:spTgt>
                                         </p:tgtEl>
@@ -17494,7 +18010,7 @@
 </p:sld>
 </file>
 
-<file path=ppt/slides/slide24.xml><?xml version="1.0" encoding="utf-8"?>
+<file path=ppt/slides/slide25.xml><?xml version="1.0" encoding="utf-8"?>
 <p:sld xmlns:a="http://schemas.openxmlformats.org/drawingml/2006/main" xmlns:r="http://schemas.openxmlformats.org/officeDocument/2006/relationships" xmlns:p="http://schemas.openxmlformats.org/presentationml/2006/main">
   <p:cSld>
     <p:spTree>
@@ -17535,7 +18051,7 @@
             <a:fld id="{2BF067CD-8E6B-4360-9AA8-C5DF2A48A6D1}" type="slidenum">
               <a:rPr lang="en-US" noProof="0" smtClean="0"/>
               <a:pPr/>
-              <a:t>24</a:t>
+              <a:t>25</a:t>
             </a:fld>
             <a:endParaRPr lang="en-US" noProof="0" dirty="0"/>
           </a:p>
@@ -17589,7 +18105,7 @@
         </p:nvSpPr>
         <p:spPr bwMode="auto">
           <a:xfrm>
-            <a:off x="358500" y="1314000"/>
+            <a:off x="278030" y="1314000"/>
             <a:ext cx="11475000" cy="3603652"/>
           </a:xfrm>
           <a:prstGeom prst="rect">
@@ -17896,7 +18412,7 @@
 </p:sld>
 </file>
 
-<file path=ppt/slides/slide25.xml><?xml version="1.0" encoding="utf-8"?>
+<file path=ppt/slides/slide26.xml><?xml version="1.0" encoding="utf-8"?>
 <p:sld xmlns:a="http://schemas.openxmlformats.org/drawingml/2006/main" xmlns:r="http://schemas.openxmlformats.org/officeDocument/2006/relationships" xmlns:p="http://schemas.openxmlformats.org/presentationml/2006/main">
   <p:cSld>
     <p:spTree>
@@ -17937,7 +18453,7 @@
             <a:fld id="{2BF067CD-8E6B-4360-9AA8-C5DF2A48A6D1}" type="slidenum">
               <a:rPr lang="en-US" noProof="0" smtClean="0"/>
               <a:pPr/>
-              <a:t>25</a:t>
+              <a:t>26</a:t>
             </a:fld>
             <a:endParaRPr lang="en-US" noProof="0" dirty="0"/>
           </a:p>
@@ -18722,7 +19238,7 @@
 </p:sld>
 </file>
 
-<file path=ppt/slides/slide26.xml><?xml version="1.0" encoding="utf-8"?>
+<file path=ppt/slides/slide27.xml><?xml version="1.0" encoding="utf-8"?>
 <p:sld xmlns:a="http://schemas.openxmlformats.org/drawingml/2006/main" xmlns:r="http://schemas.openxmlformats.org/officeDocument/2006/relationships" xmlns:p="http://schemas.openxmlformats.org/presentationml/2006/main">
   <p:cSld>
     <p:spTree>
@@ -18763,7 +19279,7 @@
             <a:fld id="{2BF067CD-8E6B-4360-9AA8-C5DF2A48A6D1}" type="slidenum">
               <a:rPr lang="en-US" noProof="0" smtClean="0"/>
               <a:pPr/>
-              <a:t>26</a:t>
+              <a:t>27</a:t>
             </a:fld>
             <a:endParaRPr lang="en-US" noProof="0" dirty="0"/>
           </a:p>
@@ -19167,7 +19683,7 @@
 </p:sld>
 </file>
 
-<file path=ppt/slides/slide27.xml><?xml version="1.0" encoding="utf-8"?>
+<file path=ppt/slides/slide28.xml><?xml version="1.0" encoding="utf-8"?>
 <p:sld xmlns:a="http://schemas.openxmlformats.org/drawingml/2006/main" xmlns:r="http://schemas.openxmlformats.org/officeDocument/2006/relationships" xmlns:p="http://schemas.openxmlformats.org/presentationml/2006/main">
   <p:cSld>
     <p:spTree>
@@ -19208,7 +19724,7 @@
             <a:fld id="{2BF067CD-8E6B-4360-9AA8-C5DF2A48A6D1}" type="slidenum">
               <a:rPr lang="en-US" noProof="0" smtClean="0"/>
               <a:pPr/>
-              <a:t>27</a:t>
+              <a:t>28</a:t>
             </a:fld>
             <a:endParaRPr lang="en-US" noProof="0" dirty="0"/>
           </a:p>
@@ -19493,21 +20009,7 @@
                 <a:latin typeface="Consolas" panose="020B0609020204030204" pitchFamily="49" charset="0"/>
                 <a:cs typeface="Consolas" panose="020B0609020204030204" pitchFamily="49" charset="0"/>
               </a:rPr>
-              <a:t> = </a:t>
-            </a:r>
-            <a:r>
-              <a:rPr lang="en-GB" sz="1400" b="1" dirty="0" err="1">
-                <a:latin typeface="Consolas" panose="020B0609020204030204" pitchFamily="49" charset="0"/>
-                <a:cs typeface="Consolas" panose="020B0609020204030204" pitchFamily="49" charset="0"/>
-              </a:rPr>
-              <a:t>dbContext.Countries.ToList</a:t>
-            </a:r>
-            <a:r>
-              <a:rPr lang="en-GB" sz="1400" b="1" dirty="0">
-                <a:latin typeface="Consolas" panose="020B0609020204030204" pitchFamily="49" charset="0"/>
-                <a:cs typeface="Consolas" panose="020B0609020204030204" pitchFamily="49" charset="0"/>
-              </a:rPr>
-              <a:t>();</a:t>
+              <a:t> = dbContext.Countries.ToList();</a:t>
             </a:r>
           </a:p>
           <a:p>
@@ -19907,7 +20409,7 @@
 </p:sld>
 </file>
 
-<file path=ppt/slides/slide28.xml><?xml version="1.0" encoding="utf-8"?>
+<file path=ppt/slides/slide29.xml><?xml version="1.0" encoding="utf-8"?>
 <p:sld xmlns:a="http://schemas.openxmlformats.org/drawingml/2006/main" xmlns:r="http://schemas.openxmlformats.org/officeDocument/2006/relationships" xmlns:p="http://schemas.openxmlformats.org/presentationml/2006/main">
   <p:cSld>
     <p:spTree>
@@ -19948,7 +20450,7 @@
             <a:fld id="{2BF067CD-8E6B-4360-9AA8-C5DF2A48A6D1}" type="slidenum">
               <a:rPr lang="en-US" noProof="0" smtClean="0"/>
               <a:pPr/>
-              <a:t>28</a:t>
+              <a:t>29</a:t>
             </a:fld>
             <a:endParaRPr lang="en-US" noProof="0" dirty="0"/>
           </a:p>
@@ -20271,7 +20773,150 @@
 </p:sld>
 </file>
 
-<file path=ppt/slides/slide29.xml><?xml version="1.0" encoding="utf-8"?>
+<file path=ppt/slides/slide3.xml><?xml version="1.0" encoding="utf-8"?>
+<p:sld xmlns:a="http://schemas.openxmlformats.org/drawingml/2006/main" xmlns:r="http://schemas.openxmlformats.org/officeDocument/2006/relationships" xmlns:p="http://schemas.openxmlformats.org/presentationml/2006/main">
+  <p:cSld>
+    <p:spTree>
+      <p:nvGrpSpPr>
+        <p:cNvPr id="1" name=""/>
+        <p:cNvGrpSpPr/>
+        <p:nvPr/>
+      </p:nvGrpSpPr>
+      <p:grpSpPr>
+        <a:xfrm>
+          <a:off x="0" y="0"/>
+          <a:ext cx="0" cy="0"/>
+          <a:chOff x="0" y="0"/>
+          <a:chExt cx="0" cy="0"/>
+        </a:xfrm>
+      </p:grpSpPr>
+      <p:sp>
+        <p:nvSpPr>
+          <p:cNvPr id="4" name="Slide Subtitle">
+            <a:extLst>
+              <a:ext uri="{FF2B5EF4-FFF2-40B4-BE49-F238E27FC236}">
+                <a16:creationId xmlns:a16="http://schemas.microsoft.com/office/drawing/2014/main" id="{BEB5BB41-09D4-4E9F-8C80-EE8709171CB3}"/>
+              </a:ext>
+            </a:extLst>
+          </p:cNvPr>
+          <p:cNvSpPr>
+            <a:spLocks noGrp="1"/>
+          </p:cNvSpPr>
+          <p:nvPr>
+            <p:ph type="subTitle" sz="quarter" idx="11"/>
+          </p:nvPr>
+        </p:nvSpPr>
+        <p:spPr/>
+        <p:txBody>
+          <a:bodyPr/>
+          <a:lstStyle/>
+          <a:p>
+            <a:r>
+              <a:rPr lang="bg-BG" dirty="0"/>
+              <a:t>Навигация едно към много (</a:t>
+            </a:r>
+            <a:r>
+              <a:rPr lang="en-US" dirty="0"/>
+              <a:t>one-to-many</a:t>
+            </a:r>
+            <a:r>
+              <a:rPr lang="bg-BG" dirty="0"/>
+              <a:t>)</a:t>
+            </a:r>
+          </a:p>
+        </p:txBody>
+      </p:sp>
+      <p:sp>
+        <p:nvSpPr>
+          <p:cNvPr id="6" name="Slide Title">
+            <a:extLst>
+              <a:ext uri="{FF2B5EF4-FFF2-40B4-BE49-F238E27FC236}">
+                <a16:creationId xmlns:a16="http://schemas.microsoft.com/office/drawing/2014/main" id="{028D9EA3-B5E0-4F17-9467-4BE3C280DA68}"/>
+              </a:ext>
+            </a:extLst>
+          </p:cNvPr>
+          <p:cNvSpPr>
+            <a:spLocks noGrp="1"/>
+          </p:cNvSpPr>
+          <p:nvPr>
+            <p:ph type="title" sz="quarter" idx="10"/>
+          </p:nvPr>
+        </p:nvSpPr>
+        <p:spPr/>
+        <p:txBody>
+          <a:bodyPr/>
+          <a:lstStyle/>
+          <a:p>
+            <a:r>
+              <a:rPr lang="en-US" sz="4400" dirty="0"/>
+              <a:t>Master-Detail </a:t>
+            </a:r>
+            <a:r>
+              <a:rPr lang="bg-BG" sz="4400" dirty="0"/>
+              <a:t>навигация</a:t>
+            </a:r>
+            <a:endParaRPr lang="en-US" sz="4400" dirty="0"/>
+          </a:p>
+        </p:txBody>
+      </p:sp>
+      <p:pic>
+        <p:nvPicPr>
+          <p:cNvPr id="3" name="Picture 2">
+            <a:extLst>
+              <a:ext uri="{FF2B5EF4-FFF2-40B4-BE49-F238E27FC236}">
+                <a16:creationId xmlns:a16="http://schemas.microsoft.com/office/drawing/2014/main" id="{3140AC4E-61A8-4E3D-EA31-230A1A7440DC}"/>
+              </a:ext>
+            </a:extLst>
+          </p:cNvPr>
+          <p:cNvPicPr>
+            <a:picLocks noChangeAspect="1"/>
+          </p:cNvPicPr>
+          <p:nvPr/>
+        </p:nvPicPr>
+        <p:blipFill>
+          <a:blip r:embed="rId3" cstate="hqprint">
+            <a:extLst>
+              <a:ext uri="{28A0092B-C50C-407E-A947-70E740481C1C}">
+                <a14:useLocalDpi xmlns:a14="http://schemas.microsoft.com/office/drawing/2010/main" val="0"/>
+              </a:ext>
+            </a:extLst>
+          </a:blip>
+          <a:stretch>
+            <a:fillRect/>
+          </a:stretch>
+        </p:blipFill>
+        <p:spPr>
+          <a:xfrm>
+            <a:off x="4719685" y="1686661"/>
+            <a:ext cx="2752629" cy="1823616"/>
+          </a:xfrm>
+          <a:prstGeom prst="rect">
+            <a:avLst/>
+          </a:prstGeom>
+        </p:spPr>
+      </p:pic>
+    </p:spTree>
+    <p:extLst>
+      <p:ext uri="{BB962C8B-B14F-4D97-AF65-F5344CB8AC3E}">
+        <p14:creationId xmlns:p14="http://schemas.microsoft.com/office/powerpoint/2010/main" val="882194472"/>
+      </p:ext>
+    </p:extLst>
+  </p:cSld>
+  <p:clrMapOvr>
+    <a:masterClrMapping/>
+  </p:clrMapOvr>
+  <mc:AlternateContent xmlns:mc="http://schemas.openxmlformats.org/markup-compatibility/2006" xmlns:p14="http://schemas.microsoft.com/office/powerpoint/2010/main">
+    <mc:Choice Requires="p14">
+      <p:transition spd="slow" p14:dur="2000" advClick="0" advTm="5000"/>
+    </mc:Choice>
+    <mc:Fallback xmlns="">
+      <p:transition spd="slow" advClick="0" advTm="5000"/>
+    </mc:Fallback>
+  </mc:AlternateContent>
+</p:sld>
+</file>
+
+<file path=ppt/slides/slide30.xml><?xml version="1.0" encoding="utf-8"?>
 <p:sld xmlns:a="http://schemas.openxmlformats.org/drawingml/2006/main" xmlns:r="http://schemas.openxmlformats.org/officeDocument/2006/relationships" xmlns:p="http://schemas.openxmlformats.org/presentationml/2006/main">
   <p:cSld>
     <p:spTree>
@@ -20312,7 +20957,7 @@
             <a:fld id="{2BF067CD-8E6B-4360-9AA8-C5DF2A48A6D1}" type="slidenum">
               <a:rPr lang="en-US" noProof="0" smtClean="0"/>
               <a:pPr/>
-              <a:t>29</a:t>
+              <a:t>30</a:t>
             </a:fld>
             <a:endParaRPr lang="en-US" noProof="0" dirty="0"/>
           </a:p>
@@ -20535,150 +21180,7 @@
 </p:sld>
 </file>
 
-<file path=ppt/slides/slide3.xml><?xml version="1.0" encoding="utf-8"?>
-<p:sld xmlns:a="http://schemas.openxmlformats.org/drawingml/2006/main" xmlns:r="http://schemas.openxmlformats.org/officeDocument/2006/relationships" xmlns:p="http://schemas.openxmlformats.org/presentationml/2006/main">
-  <p:cSld>
-    <p:spTree>
-      <p:nvGrpSpPr>
-        <p:cNvPr id="1" name=""/>
-        <p:cNvGrpSpPr/>
-        <p:nvPr/>
-      </p:nvGrpSpPr>
-      <p:grpSpPr>
-        <a:xfrm>
-          <a:off x="0" y="0"/>
-          <a:ext cx="0" cy="0"/>
-          <a:chOff x="0" y="0"/>
-          <a:chExt cx="0" cy="0"/>
-        </a:xfrm>
-      </p:grpSpPr>
-      <p:sp>
-        <p:nvSpPr>
-          <p:cNvPr id="4" name="Slide Subtitle">
-            <a:extLst>
-              <a:ext uri="{FF2B5EF4-FFF2-40B4-BE49-F238E27FC236}">
-                <a16:creationId xmlns:a16="http://schemas.microsoft.com/office/drawing/2014/main" id="{BEB5BB41-09D4-4E9F-8C80-EE8709171CB3}"/>
-              </a:ext>
-            </a:extLst>
-          </p:cNvPr>
-          <p:cNvSpPr>
-            <a:spLocks noGrp="1"/>
-          </p:cNvSpPr>
-          <p:nvPr>
-            <p:ph type="subTitle" sz="quarter" idx="11"/>
-          </p:nvPr>
-        </p:nvSpPr>
-        <p:spPr/>
-        <p:txBody>
-          <a:bodyPr/>
-          <a:lstStyle/>
-          <a:p>
-            <a:r>
-              <a:rPr lang="bg-BG" dirty="0"/>
-              <a:t>Навигация едно към много (</a:t>
-            </a:r>
-            <a:r>
-              <a:rPr lang="en-US" dirty="0"/>
-              <a:t>one-to-many</a:t>
-            </a:r>
-            <a:r>
-              <a:rPr lang="bg-BG" dirty="0"/>
-              <a:t>)</a:t>
-            </a:r>
-          </a:p>
-        </p:txBody>
-      </p:sp>
-      <p:sp>
-        <p:nvSpPr>
-          <p:cNvPr id="6" name="Slide Title">
-            <a:extLst>
-              <a:ext uri="{FF2B5EF4-FFF2-40B4-BE49-F238E27FC236}">
-                <a16:creationId xmlns:a16="http://schemas.microsoft.com/office/drawing/2014/main" id="{028D9EA3-B5E0-4F17-9467-4BE3C280DA68}"/>
-              </a:ext>
-            </a:extLst>
-          </p:cNvPr>
-          <p:cNvSpPr>
-            <a:spLocks noGrp="1"/>
-          </p:cNvSpPr>
-          <p:nvPr>
-            <p:ph type="title" sz="quarter" idx="10"/>
-          </p:nvPr>
-        </p:nvSpPr>
-        <p:spPr/>
-        <p:txBody>
-          <a:bodyPr/>
-          <a:lstStyle/>
-          <a:p>
-            <a:r>
-              <a:rPr lang="en-US" sz="4400" dirty="0"/>
-              <a:t>Master-Detail </a:t>
-            </a:r>
-            <a:r>
-              <a:rPr lang="bg-BG" sz="4400" dirty="0"/>
-              <a:t>навигация</a:t>
-            </a:r>
-            <a:endParaRPr lang="en-US" sz="4400" dirty="0"/>
-          </a:p>
-        </p:txBody>
-      </p:sp>
-      <p:pic>
-        <p:nvPicPr>
-          <p:cNvPr id="3" name="Picture 2">
-            <a:extLst>
-              <a:ext uri="{FF2B5EF4-FFF2-40B4-BE49-F238E27FC236}">
-                <a16:creationId xmlns:a16="http://schemas.microsoft.com/office/drawing/2014/main" id="{3140AC4E-61A8-4E3D-EA31-230A1A7440DC}"/>
-              </a:ext>
-            </a:extLst>
-          </p:cNvPr>
-          <p:cNvPicPr>
-            <a:picLocks noChangeAspect="1"/>
-          </p:cNvPicPr>
-          <p:nvPr/>
-        </p:nvPicPr>
-        <p:blipFill>
-          <a:blip r:embed="rId3" cstate="hqprint">
-            <a:extLst>
-              <a:ext uri="{28A0092B-C50C-407E-A947-70E740481C1C}">
-                <a14:useLocalDpi xmlns:a14="http://schemas.microsoft.com/office/drawing/2010/main" val="0"/>
-              </a:ext>
-            </a:extLst>
-          </a:blip>
-          <a:stretch>
-            <a:fillRect/>
-          </a:stretch>
-        </p:blipFill>
-        <p:spPr>
-          <a:xfrm>
-            <a:off x="4719685" y="1686661"/>
-            <a:ext cx="2752629" cy="1823616"/>
-          </a:xfrm>
-          <a:prstGeom prst="rect">
-            <a:avLst/>
-          </a:prstGeom>
-        </p:spPr>
-      </p:pic>
-    </p:spTree>
-    <p:extLst>
-      <p:ext uri="{BB962C8B-B14F-4D97-AF65-F5344CB8AC3E}">
-        <p14:creationId xmlns:p14="http://schemas.microsoft.com/office/powerpoint/2010/main" val="882194472"/>
-      </p:ext>
-    </p:extLst>
-  </p:cSld>
-  <p:clrMapOvr>
-    <a:masterClrMapping/>
-  </p:clrMapOvr>
-  <mc:AlternateContent xmlns:mc="http://schemas.openxmlformats.org/markup-compatibility/2006" xmlns:p14="http://schemas.microsoft.com/office/powerpoint/2010/main">
-    <mc:Choice Requires="p14">
-      <p:transition spd="slow" p14:dur="2000" advClick="0" advTm="5000"/>
-    </mc:Choice>
-    <mc:Fallback xmlns="">
-      <p:transition spd="slow" advClick="0" advTm="5000"/>
-    </mc:Fallback>
-  </mc:AlternateContent>
-</p:sld>
-</file>
-
-<file path=ppt/slides/slide30.xml><?xml version="1.0" encoding="utf-8"?>
+<file path=ppt/slides/slide31.xml><?xml version="1.0" encoding="utf-8"?>
 <p:sld xmlns:a="http://schemas.openxmlformats.org/drawingml/2006/main" xmlns:r="http://schemas.openxmlformats.org/officeDocument/2006/relationships" xmlns:p="http://schemas.openxmlformats.org/presentationml/2006/main">
   <p:cSld>
     <p:spTree>
@@ -21231,7 +21733,7 @@
             <a:fld id="{2BF067CD-8E6B-4360-9AA8-C5DF2A48A6D1}" type="slidenum">
               <a:rPr lang="en-US" noProof="0" smtClean="0"/>
               <a:pPr/>
-              <a:t>30</a:t>
+              <a:t>31</a:t>
             </a:fld>
             <a:endParaRPr lang="en-US" noProof="0" dirty="0"/>
           </a:p>
@@ -21533,7 +22035,7 @@
 </p:sld>
 </file>
 
-<file path=ppt/slides/slide31.xml><?xml version="1.0" encoding="utf-8"?>
+<file path=ppt/slides/slide32.xml><?xml version="1.0" encoding="utf-8"?>
 <p:sld xmlns:a="http://schemas.openxmlformats.org/drawingml/2006/main" xmlns:r="http://schemas.openxmlformats.org/officeDocument/2006/relationships" xmlns:p="http://schemas.openxmlformats.org/presentationml/2006/main">
   <p:cSld>
     <p:spTree>
@@ -21723,7 +22225,7 @@
 </p:sld>
 </file>
 
-<file path=ppt/slides/slide32.xml><?xml version="1.0" encoding="utf-8"?>
+<file path=ppt/slides/slide33.xml><?xml version="1.0" encoding="utf-8"?>
 <p:sld xmlns:a="http://schemas.openxmlformats.org/drawingml/2006/main" xmlns:r="http://schemas.openxmlformats.org/officeDocument/2006/relationships" xmlns:p="http://schemas.openxmlformats.org/presentationml/2006/main" show="0">
   <p:cSld>
     <p:spTree>
@@ -21776,7 +22278,7 @@
             <a:fld id="{2BF067CD-8E6B-4360-9AA8-C5DF2A48A6D1}" type="slidenum">
               <a:rPr lang="en-US" smtClean="0"/>
               <a:pPr/>
-              <a:t>32</a:t>
+              <a:t>33</a:t>
             </a:fld>
             <a:endParaRPr lang="en-US" dirty="0"/>
           </a:p>
@@ -22172,7 +22674,7 @@
         <p:spPr>
           <a:xfrm>
             <a:off x="190402" y="1196125"/>
-            <a:ext cx="6265598" cy="5528766"/>
+            <a:ext cx="6580598" cy="5528766"/>
           </a:xfrm>
         </p:spPr>
         <p:txBody>
@@ -22182,31 +22684,31 @@
           <a:lstStyle/>
           <a:p>
             <a:r>
-              <a:rPr lang="bg-BG" sz="3200" dirty="0"/>
+              <a:rPr lang="bg-BG" sz="3400" dirty="0"/>
               <a:t>Метод за </a:t>
             </a:r>
             <a:r>
-              <a:rPr lang="bg-BG" sz="3200" b="1" dirty="0"/>
+              <a:rPr lang="bg-BG" sz="3400" b="1" dirty="0"/>
               <a:t>визуализиране</a:t>
             </a:r>
             <a:r>
-              <a:rPr lang="bg-BG" sz="3200" dirty="0"/>
+              <a:rPr lang="bg-BG" sz="3400" dirty="0"/>
               <a:t> на </a:t>
             </a:r>
             <a:r>
-              <a:rPr lang="bg-BG" sz="3200" b="1" dirty="0"/>
+              <a:rPr lang="bg-BG" sz="3400" b="1" dirty="0"/>
               <a:t>взаимоотношения</a:t>
             </a:r>
             <a:r>
-              <a:rPr lang="bg-BG" sz="3200" dirty="0"/>
+              <a:rPr lang="bg-BG" sz="3400" dirty="0"/>
               <a:t> от тип </a:t>
             </a:r>
             <a:r>
-              <a:rPr lang="en-US" sz="3200" dirty="0"/>
+              <a:rPr lang="en-US" sz="3400" dirty="0"/>
               <a:t>"</a:t>
             </a:r>
             <a:r>
-              <a:rPr lang="bg-BG" sz="3200" b="1" dirty="0">
+              <a:rPr lang="bg-BG" sz="3400" b="1" dirty="0">
                 <a:solidFill>
                   <a:schemeClr val="bg1"/>
                 </a:solidFill>
@@ -22214,34 +22716,34 @@
               <a:t>едно към много</a:t>
             </a:r>
             <a:r>
-              <a:rPr lang="en-US" sz="3200" dirty="0"/>
+              <a:rPr lang="en-US" sz="3400" dirty="0"/>
               <a:t>"</a:t>
             </a:r>
             <a:r>
-              <a:rPr lang="bg-BG" sz="3200" dirty="0"/>
+              <a:rPr lang="bg-BG" sz="3400" dirty="0"/>
               <a:t> </a:t>
             </a:r>
             <a:r>
-              <a:rPr lang="en-US" sz="3200" b="1" dirty="0"/>
+              <a:rPr lang="en-US" sz="3400" b="1" dirty="0"/>
               <a:t>(one-to-many)</a:t>
             </a:r>
-            <a:endParaRPr lang="bg-BG" sz="3200" b="1" dirty="0"/>
-          </a:p>
-          <a:p>
-            <a:r>
-              <a:rPr lang="en-US" sz="3200" b="1" dirty="0"/>
+            <a:endParaRPr lang="bg-BG" sz="3400" b="1" dirty="0"/>
+          </a:p>
+          <a:p>
+            <a:r>
+              <a:rPr lang="en-US" sz="3400" b="1" dirty="0"/>
               <a:t>Master</a:t>
             </a:r>
             <a:r>
-              <a:rPr lang="en-US" sz="3200" dirty="0"/>
+              <a:rPr lang="en-US" sz="3400" dirty="0"/>
               <a:t> </a:t>
             </a:r>
             <a:r>
-              <a:rPr lang="bg-BG" sz="3200" dirty="0"/>
+              <a:rPr lang="bg-BG" sz="3400" dirty="0"/>
               <a:t>съдържа </a:t>
             </a:r>
             <a:r>
-              <a:rPr lang="bg-BG" sz="3200" b="1" dirty="0">
+              <a:rPr lang="bg-BG" sz="3400" b="1" dirty="0">
                 <a:solidFill>
                   <a:schemeClr val="bg1"/>
                 </a:solidFill>
@@ -22251,19 +22753,19 @@
           </a:p>
           <a:p>
             <a:r>
-              <a:rPr lang="en-US" sz="3200" b="1" dirty="0"/>
+              <a:rPr lang="en-US" sz="3400" b="1" dirty="0"/>
               <a:t>Detail</a:t>
             </a:r>
             <a:r>
-              <a:rPr lang="en-US" sz="3200" dirty="0"/>
+              <a:rPr lang="en-US" sz="3400" dirty="0"/>
               <a:t> </a:t>
             </a:r>
             <a:r>
-              <a:rPr lang="bg-BG" sz="3200" dirty="0"/>
+              <a:rPr lang="bg-BG" sz="3400" dirty="0"/>
               <a:t>съдържа </a:t>
             </a:r>
             <a:r>
-              <a:rPr lang="bg-BG" sz="3200" b="1" dirty="0">
+              <a:rPr lang="bg-BG" sz="3400" b="1" dirty="0">
                 <a:solidFill>
                   <a:schemeClr val="bg1"/>
                 </a:solidFill>
@@ -22271,26 +22773,26 @@
               <a:t>свързани</a:t>
             </a:r>
             <a:r>
-              <a:rPr lang="bg-BG" sz="3200" dirty="0"/>
+              <a:rPr lang="bg-BG" sz="3400" dirty="0"/>
               <a:t> с </a:t>
             </a:r>
             <a:r>
-              <a:rPr lang="en-US" sz="3200" b="1" dirty="0"/>
+              <a:rPr lang="en-US" sz="3400" b="1" dirty="0"/>
               <a:t>Master</a:t>
             </a:r>
             <a:r>
-              <a:rPr lang="en-US" sz="3200" dirty="0"/>
+              <a:rPr lang="en-US" sz="3400" dirty="0"/>
               <a:t> </a:t>
             </a:r>
             <a:r>
-              <a:rPr lang="bg-BG" sz="3200" b="1" dirty="0">
+              <a:rPr lang="bg-BG" sz="3400" b="1" dirty="0">
                 <a:solidFill>
                   <a:schemeClr val="bg1"/>
                 </a:solidFill>
               </a:rPr>
               <a:t>данни</a:t>
             </a:r>
-            <a:endParaRPr lang="en-BG" sz="3200" b="1" dirty="0">
+            <a:endParaRPr lang="en-BG" sz="3400" b="1" dirty="0">
               <a:solidFill>
                 <a:schemeClr val="bg1"/>
               </a:solidFill>
@@ -22900,8 +23402,8 @@
         </p:nvSpPr>
         <p:spPr>
           <a:xfrm>
-            <a:off x="190402" y="1196125"/>
-            <a:ext cx="6220598" cy="5528766"/>
+            <a:off x="190401" y="1196125"/>
+            <a:ext cx="6285649" cy="5528766"/>
           </a:xfrm>
         </p:spPr>
         <p:txBody>
@@ -22909,15 +23411,15 @@
           <a:lstStyle/>
           <a:p>
             <a:r>
-              <a:rPr lang="bg-BG" sz="3200" b="1" dirty="0"/>
+              <a:rPr lang="bg-BG" sz="3400" b="1" dirty="0"/>
               <a:t>Най-разпространената</a:t>
             </a:r>
             <a:r>
-              <a:rPr lang="bg-BG" sz="3200" dirty="0"/>
+              <a:rPr lang="bg-BG" sz="3400" dirty="0"/>
               <a:t> </a:t>
             </a:r>
             <a:r>
-              <a:rPr lang="bg-BG" sz="3200" b="1" dirty="0">
+              <a:rPr lang="bg-BG" sz="3400" b="1" dirty="0">
                 <a:solidFill>
                   <a:schemeClr val="bg1"/>
                 </a:solidFill>
@@ -22925,18 +23427,18 @@
               <a:t>връзка</a:t>
             </a:r>
             <a:r>
-              <a:rPr lang="bg-BG" sz="3200" dirty="0"/>
+              <a:rPr lang="bg-BG" sz="3400" dirty="0"/>
               <a:t> между </a:t>
             </a:r>
             <a:r>
-              <a:rPr lang="bg-BG" sz="3200" b="1" dirty="0">
+              <a:rPr lang="bg-BG" sz="3400" b="1" dirty="0">
                 <a:solidFill>
                   <a:schemeClr val="bg1"/>
                 </a:solidFill>
               </a:rPr>
               <a:t>таблици</a:t>
             </a:r>
-            <a:endParaRPr lang="en-US" sz="3200" b="1" dirty="0">
+            <a:endParaRPr lang="en-US" sz="3400" b="1" dirty="0">
               <a:solidFill>
                 <a:schemeClr val="bg1"/>
               </a:solidFill>
@@ -22944,11 +23446,11 @@
           </a:p>
           <a:p>
             <a:r>
-              <a:rPr lang="bg-BG" sz="3200" dirty="0"/>
+              <a:rPr lang="bg-BG" sz="3400" dirty="0"/>
               <a:t>Имплементира се с </a:t>
             </a:r>
             <a:r>
-              <a:rPr lang="bg-BG" sz="3200" b="1" dirty="0">
+              <a:rPr lang="bg-BG" sz="3400" b="1" dirty="0">
                 <a:solidFill>
                   <a:schemeClr val="bg1"/>
                 </a:solidFill>
@@ -22956,22 +23458,22 @@
               <a:t>колекция</a:t>
             </a:r>
             <a:r>
-              <a:rPr lang="bg-BG" sz="3200" dirty="0"/>
+              <a:rPr lang="bg-BG" sz="3400" dirty="0"/>
               <a:t> в </a:t>
             </a:r>
             <a:r>
-              <a:rPr lang="bg-BG" sz="3200" b="1" dirty="0"/>
+              <a:rPr lang="bg-BG" sz="3400" b="1" dirty="0"/>
               <a:t>родителския</a:t>
             </a:r>
             <a:r>
-              <a:rPr lang="bg-BG" sz="3200" dirty="0"/>
+              <a:rPr lang="bg-BG" sz="3400" dirty="0"/>
               <a:t> </a:t>
             </a:r>
             <a:r>
-              <a:rPr lang="bg-BG" sz="3200" b="1" dirty="0"/>
+              <a:rPr lang="bg-BG" sz="3400" b="1" dirty="0"/>
               <a:t>модел</a:t>
             </a:r>
-            <a:endParaRPr lang="en-US" sz="3200" b="1" dirty="0"/>
+            <a:endParaRPr lang="en-US" sz="3400" b="1" dirty="0"/>
           </a:p>
           <a:p>
             <a:pPr lvl="1"/>

--- a/Courses/Software-Sciences/Module-4-Information-Systems-New/08-Navigation-between-Tables/08-Navigation-between-Tables.pptx
+++ b/Courses/Software-Sciences/Module-4-Information-Systems-New/08-Navigation-between-Tables/08-Navigation-between-Tables.pptx
@@ -5,10 +5,10 @@
     <p:sldMasterId id="2147483675" r:id="rId1"/>
   </p:sldMasterIdLst>
   <p:notesMasterIdLst>
-    <p:notesMasterId r:id="rId35"/>
+    <p:notesMasterId r:id="rId36"/>
   </p:notesMasterIdLst>
   <p:handoutMasterIdLst>
-    <p:handoutMasterId r:id="rId36"/>
+    <p:handoutMasterId r:id="rId37"/>
   </p:handoutMasterIdLst>
   <p:sldIdLst>
     <p:sldId id="503" r:id="rId2"/>
@@ -33,17 +33,18 @@
     <p:sldId id="758" r:id="rId21"/>
     <p:sldId id="785" r:id="rId22"/>
     <p:sldId id="786" r:id="rId23"/>
-    <p:sldId id="757" r:id="rId24"/>
-    <p:sldId id="754" r:id="rId25"/>
-    <p:sldId id="768" r:id="rId26"/>
-    <p:sldId id="755" r:id="rId27"/>
-    <p:sldId id="759" r:id="rId28"/>
-    <p:sldId id="767" r:id="rId29"/>
-    <p:sldId id="756" r:id="rId30"/>
-    <p:sldId id="760" r:id="rId31"/>
-    <p:sldId id="633" r:id="rId32"/>
-    <p:sldId id="504" r:id="rId33"/>
-    <p:sldId id="505" r:id="rId34"/>
+    <p:sldId id="788" r:id="rId24"/>
+    <p:sldId id="757" r:id="rId25"/>
+    <p:sldId id="754" r:id="rId26"/>
+    <p:sldId id="768" r:id="rId27"/>
+    <p:sldId id="755" r:id="rId28"/>
+    <p:sldId id="759" r:id="rId29"/>
+    <p:sldId id="767" r:id="rId30"/>
+    <p:sldId id="756" r:id="rId31"/>
+    <p:sldId id="760" r:id="rId32"/>
+    <p:sldId id="633" r:id="rId33"/>
+    <p:sldId id="504" r:id="rId34"/>
+    <p:sldId id="505" r:id="rId35"/>
   </p:sldIdLst>
   <p:sldSz cx="12192000" cy="6858000"/>
   <p:notesSz cx="6858000" cy="9144000"/>
@@ -189,6 +190,7 @@
             <p14:sldId id="758"/>
             <p14:sldId id="785"/>
             <p14:sldId id="786"/>
+            <p14:sldId id="788"/>
             <p14:sldId id="757"/>
             <p14:sldId id="754"/>
             <p14:sldId id="768"/>
@@ -342,7 +344,7 @@
           <a:p>
             <a:fld id="{4E087215-0C8F-4762-A664-737A353EC9A4}" type="datetimeFigureOut">
               <a:rPr lang="bg-BG" smtClean="0"/>
-              <a:t>20.12.24 г.</a:t>
+              <a:t>23.12.2024 г.</a:t>
             </a:fld>
             <a:endParaRPr lang="bg-BG"/>
           </a:p>
@@ -538,7 +540,7 @@
           <a:p>
             <a:fld id="{72D84649-876A-46C9-8472-14CB09C070D8}" type="datetimeFigureOut">
               <a:rPr lang="en-US" smtClean="0"/>
-              <a:t>12/20/24</a:t>
+              <a:t>12/23/2024</a:t>
             </a:fld>
             <a:endParaRPr lang="en-US"/>
           </a:p>
@@ -1152,7 +1154,7 @@
           <a:p>
             <a:fld id="{2BF067CD-8E6B-4360-9AA8-C5DF2A48A6D1}" type="slidenum">
               <a:rPr lang="en-US" smtClean="0"/>
-              <a:t>30</a:t>
+              <a:t>31</a:t>
             </a:fld>
             <a:endParaRPr lang="en-US" dirty="0"/>
           </a:p>
@@ -1380,7 +1382,7 @@
             <a:fld id="{3EBA5BD7-F043-4D1B-AA17-CD412FC534DE}" type="slidenum">
               <a:rPr lang="en-US" smtClean="0"/>
               <a:pPr/>
-              <a:t>31</a:t>
+              <a:t>32</a:t>
             </a:fld>
             <a:endParaRPr lang="en-US" dirty="0"/>
           </a:p>
@@ -1626,7 +1628,7 @@
             <a:fld id="{3EBA5BD7-F043-4D1B-AA17-CD412FC534DE}" type="slidenum">
               <a:rPr lang="en-US" smtClean="0"/>
               <a:pPr/>
-              <a:t>32</a:t>
+              <a:t>33</a:t>
             </a:fld>
             <a:endParaRPr lang="en-US" dirty="0"/>
           </a:p>
@@ -1856,7 +1858,7 @@
             <a:fld id="{3EBA5BD7-F043-4D1B-AA17-CD412FC534DE}" type="slidenum">
               <a:rPr lang="en-US" smtClean="0"/>
               <a:pPr/>
-              <a:t>33</a:t>
+              <a:t>34</a:t>
             </a:fld>
             <a:endParaRPr lang="en-US" dirty="0"/>
           </a:p>
@@ -11385,11 +11387,11 @@
   <p:clrMapOvr>
     <a:masterClrMapping/>
   </p:clrMapOvr>
-  <mc:AlternateContent xmlns:mc="http://schemas.openxmlformats.org/markup-compatibility/2006">
-    <mc:Choice xmlns:p14="http://schemas.microsoft.com/office/powerpoint/2010/main" Requires="p14">
+  <mc:AlternateContent xmlns:mc="http://schemas.openxmlformats.org/markup-compatibility/2006" xmlns:p14="http://schemas.microsoft.com/office/powerpoint/2010/main">
+    <mc:Choice Requires="p14">
       <p:transition spd="slow" p14:dur="2000" advClick="0" advTm="5000"/>
     </mc:Choice>
-    <mc:Fallback>
+    <mc:Fallback xmlns="">
       <p:transition spd="slow" advClick="0" advTm="5000"/>
     </mc:Fallback>
   </mc:AlternateContent>
@@ -15796,23 +15798,25 @@
         </p:nvSpPr>
         <p:spPr/>
         <p:txBody>
-          <a:bodyPr/>
+          <a:bodyPr>
+            <a:normAutofit/>
+          </a:bodyPr>
           <a:lstStyle/>
           <a:p>
             <a:r>
-              <a:rPr lang="bg-BG" sz="2200" dirty="0"/>
+              <a:rPr lang="bg-BG" sz="3400" dirty="0"/>
               <a:t>Задаваме </a:t>
             </a:r>
             <a:r>
-              <a:rPr lang="bg-BG" sz="2200" b="1" dirty="0"/>
+              <a:rPr lang="bg-BG" sz="3400" b="1" dirty="0"/>
               <a:t>данните</a:t>
             </a:r>
             <a:r>
-              <a:rPr lang="bg-BG" sz="2200" dirty="0"/>
+              <a:rPr lang="bg-BG" sz="3400" dirty="0"/>
               <a:t> към </a:t>
             </a:r>
             <a:r>
-              <a:rPr lang="en-US" sz="2200" b="1" dirty="0">
+              <a:rPr lang="en-US" sz="3400" b="1" dirty="0">
                 <a:solidFill>
                   <a:schemeClr val="bg1"/>
                 </a:solidFill>
@@ -15822,15 +15826,15 @@
               <a:t>DataSource</a:t>
             </a:r>
             <a:r>
-              <a:rPr lang="en-US" sz="2200" dirty="0"/>
+              <a:rPr lang="en-US" sz="3400" dirty="0"/>
               <a:t> </a:t>
             </a:r>
             <a:r>
-              <a:rPr lang="bg-BG" sz="2200" dirty="0"/>
+              <a:rPr lang="bg-BG" sz="3400" dirty="0"/>
               <a:t>на </a:t>
             </a:r>
             <a:r>
-              <a:rPr lang="en-US" sz="2200" b="1" dirty="0">
+              <a:rPr lang="en-US" sz="3400" b="1" dirty="0" err="1">
                 <a:solidFill>
                   <a:schemeClr val="bg1"/>
                 </a:solidFill>
@@ -15838,90 +15842,20 @@
               <a:t>DataGridView</a:t>
             </a:r>
             <a:r>
-              <a:rPr lang="en-US" sz="2200" dirty="0"/>
+              <a:rPr lang="en-US" sz="3400" dirty="0"/>
               <a:t> </a:t>
             </a:r>
             <a:r>
-              <a:rPr lang="bg-BG" sz="2200" dirty="0"/>
+              <a:rPr lang="bg-BG" sz="3400" dirty="0"/>
               <a:t>контролите</a:t>
             </a:r>
-            <a:endParaRPr lang="en-US" sz="2200" b="1" dirty="0">
+            <a:endParaRPr lang="en-US" sz="3400" b="1" dirty="0">
               <a:solidFill>
                 <a:schemeClr val="bg1"/>
               </a:solidFill>
               <a:latin typeface="Consolas" panose="020B0609020204030204" pitchFamily="49" charset="0"/>
               <a:cs typeface="Consolas" panose="020B0609020204030204" pitchFamily="49" charset="0"/>
             </a:endParaRPr>
-          </a:p>
-          <a:p>
-            <a:endParaRPr lang="en-US" dirty="0"/>
-          </a:p>
-          <a:p>
-            <a:pPr marL="0" indent="0">
-              <a:buNone/>
-            </a:pPr>
-            <a:endParaRPr lang="bg-BG" dirty="0"/>
-          </a:p>
-          <a:p>
-            <a:endParaRPr lang="bg-BG" sz="3000" dirty="0"/>
-          </a:p>
-          <a:p>
-            <a:pPr>
-              <a:spcBef>
-                <a:spcPts val="1200"/>
-              </a:spcBef>
-            </a:pPr>
-            <a:endParaRPr lang="en-US" sz="2200" dirty="0"/>
-          </a:p>
-          <a:p>
-            <a:pPr>
-              <a:spcBef>
-                <a:spcPts val="1200"/>
-              </a:spcBef>
-            </a:pPr>
-            <a:endParaRPr lang="en-US" sz="1050" dirty="0"/>
-          </a:p>
-          <a:p>
-            <a:pPr>
-              <a:spcBef>
-                <a:spcPts val="1200"/>
-              </a:spcBef>
-            </a:pPr>
-            <a:r>
-              <a:rPr lang="bg-BG" sz="2200" dirty="0"/>
-              <a:t>Зареждаме </a:t>
-            </a:r>
-            <a:r>
-              <a:rPr lang="bg-BG" sz="2200" b="1" dirty="0"/>
-              <a:t>данните</a:t>
-            </a:r>
-            <a:r>
-              <a:rPr lang="bg-BG" sz="2200" dirty="0"/>
-              <a:t> при </a:t>
-            </a:r>
-            <a:r>
-              <a:rPr lang="bg-BG" sz="2200" b="1" dirty="0">
-                <a:solidFill>
-                  <a:schemeClr val="bg1"/>
-                </a:solidFill>
-              </a:rPr>
-              <a:t>зареждане</a:t>
-            </a:r>
-            <a:r>
-              <a:rPr lang="bg-BG" sz="2200" dirty="0"/>
-              <a:t> на </a:t>
-            </a:r>
-            <a:r>
-              <a:rPr lang="bg-BG" sz="2200" b="1" dirty="0">
-                <a:solidFill>
-                  <a:schemeClr val="bg1"/>
-                </a:solidFill>
-              </a:rPr>
-              <a:t>формата</a:t>
-            </a:r>
-          </a:p>
-          <a:p>
-            <a:endParaRPr lang="en-BG" sz="3000" dirty="0"/>
           </a:p>
         </p:txBody>
       </p:sp>
@@ -15974,8 +15908,8 @@
         </p:nvSpPr>
         <p:spPr>
           <a:xfrm>
-            <a:off x="606000" y="1597187"/>
-            <a:ext cx="11147030" cy="3139321"/>
+            <a:off x="522485" y="2496847"/>
+            <a:ext cx="11147030" cy="4154984"/>
           </a:xfrm>
           <a:prstGeom prst="rect">
             <a:avLst/>
@@ -16003,14 +15937,14 @@
           <a:lstStyle/>
           <a:p>
             <a:r>
-              <a:rPr lang="en-GB" b="1" dirty="0">
+              <a:rPr lang="en-GB" sz="2400" b="1" dirty="0">
                 <a:latin typeface="Consolas" panose="020B0609020204030204" pitchFamily="49" charset="0"/>
                 <a:cs typeface="Consolas" panose="020B0609020204030204" pitchFamily="49" charset="0"/>
               </a:rPr>
               <a:t>private void </a:t>
             </a:r>
             <a:r>
-              <a:rPr lang="en-GB" b="1" dirty="0">
+              <a:rPr lang="en-GB" sz="2400" b="1" dirty="0">
                 <a:solidFill>
                   <a:schemeClr val="bg1"/>
                 </a:solidFill>
@@ -16020,7 +15954,7 @@
               <a:t>ReloadCountries</a:t>
             </a:r>
             <a:r>
-              <a:rPr lang="en-GB" b="1" dirty="0">
+              <a:rPr lang="en-GB" sz="2400" b="1" dirty="0">
                 <a:latin typeface="Consolas" panose="020B0609020204030204" pitchFamily="49" charset="0"/>
                 <a:cs typeface="Consolas" panose="020B0609020204030204" pitchFamily="49" charset="0"/>
               </a:rPr>
@@ -16029,7 +15963,7 @@
           </a:p>
           <a:p>
             <a:r>
-              <a:rPr lang="en-GB" b="1" dirty="0">
+              <a:rPr lang="en-GB" sz="2400" b="1" dirty="0">
                 <a:latin typeface="Consolas" panose="020B0609020204030204" pitchFamily="49" charset="0"/>
                 <a:cs typeface="Consolas" panose="020B0609020204030204" pitchFamily="49" charset="0"/>
               </a:rPr>
@@ -16038,14 +15972,14 @@
           </a:p>
           <a:p>
             <a:r>
-              <a:rPr lang="en-GB" b="1" dirty="0">
+              <a:rPr lang="en-GB" sz="2400" b="1" dirty="0">
                 <a:latin typeface="Consolas" panose="020B0609020204030204" pitchFamily="49" charset="0"/>
                 <a:cs typeface="Consolas" panose="020B0609020204030204" pitchFamily="49" charset="0"/>
               </a:rPr>
               <a:t>    var countries = </a:t>
             </a:r>
             <a:r>
-              <a:rPr lang="en-GB" b="1" dirty="0">
+              <a:rPr lang="en-GB" sz="2400" b="1" dirty="0">
                 <a:solidFill>
                   <a:schemeClr val="bg1"/>
                 </a:solidFill>
@@ -16055,7 +15989,7 @@
               <a:t>LoadCountriesFromDb</a:t>
             </a:r>
             <a:r>
-              <a:rPr lang="en-GB" b="1" dirty="0">
+              <a:rPr lang="en-GB" sz="2400" b="1" dirty="0">
                 <a:latin typeface="Consolas" panose="020B0609020204030204" pitchFamily="49" charset="0"/>
                 <a:cs typeface="Consolas" panose="020B0609020204030204" pitchFamily="49" charset="0"/>
               </a:rPr>
@@ -16064,14 +15998,14 @@
           </a:p>
           <a:p>
             <a:r>
-              <a:rPr lang="en-GB" b="1" dirty="0">
+              <a:rPr lang="en-GB" sz="2400" b="1" dirty="0">
                 <a:latin typeface="Consolas" panose="020B0609020204030204" pitchFamily="49" charset="0"/>
                 <a:cs typeface="Consolas" panose="020B0609020204030204" pitchFamily="49" charset="0"/>
               </a:rPr>
               <a:t>    this.</a:t>
             </a:r>
             <a:r>
-              <a:rPr lang="en-GB" b="1" dirty="0">
+              <a:rPr lang="en-GB" sz="2400" b="1" dirty="0">
                 <a:solidFill>
                   <a:schemeClr val="bg1"/>
                 </a:solidFill>
@@ -16081,14 +16015,14 @@
               <a:t>countryBindingSource</a:t>
             </a:r>
             <a:r>
-              <a:rPr lang="en-GB" b="1" dirty="0">
+              <a:rPr lang="en-GB" sz="2400" b="1" dirty="0">
                 <a:latin typeface="Consolas" panose="020B0609020204030204" pitchFamily="49" charset="0"/>
                 <a:cs typeface="Consolas" panose="020B0609020204030204" pitchFamily="49" charset="0"/>
               </a:rPr>
               <a:t>.</a:t>
             </a:r>
             <a:r>
-              <a:rPr lang="en-GB" b="1" dirty="0">
+              <a:rPr lang="en-GB" sz="2400" b="1" dirty="0">
                 <a:solidFill>
                   <a:schemeClr val="bg1"/>
                 </a:solidFill>
@@ -16098,7 +16032,7 @@
               <a:t>DataSource</a:t>
             </a:r>
             <a:r>
-              <a:rPr lang="en-GB" b="1" dirty="0">
+              <a:rPr lang="en-GB" sz="2400" b="1" dirty="0">
                 <a:latin typeface="Consolas" panose="020B0609020204030204" pitchFamily="49" charset="0"/>
                 <a:cs typeface="Consolas" panose="020B0609020204030204" pitchFamily="49" charset="0"/>
               </a:rPr>
@@ -16107,7 +16041,7 @@
           </a:p>
           <a:p>
             <a:r>
-              <a:rPr lang="en-GB" b="1" dirty="0">
+              <a:rPr lang="en-GB" sz="2400" b="1" dirty="0">
                 <a:latin typeface="Consolas" panose="020B0609020204030204" pitchFamily="49" charset="0"/>
                 <a:cs typeface="Consolas" panose="020B0609020204030204" pitchFamily="49" charset="0"/>
               </a:rPr>
@@ -16115,21 +16049,21 @@
             </a:r>
           </a:p>
           <a:p>
-            <a:endParaRPr lang="en-GB" b="1" dirty="0">
+            <a:endParaRPr lang="en-GB" sz="2400" b="1" dirty="0">
               <a:latin typeface="Consolas" panose="020B0609020204030204" pitchFamily="49" charset="0"/>
               <a:cs typeface="Consolas" panose="020B0609020204030204" pitchFamily="49" charset="0"/>
             </a:endParaRPr>
           </a:p>
           <a:p>
             <a:r>
-              <a:rPr lang="en-GB" b="1" dirty="0">
+              <a:rPr lang="en-GB" sz="2400" b="1" dirty="0">
                 <a:latin typeface="Consolas" panose="020B0609020204030204" pitchFamily="49" charset="0"/>
                 <a:cs typeface="Consolas" panose="020B0609020204030204" pitchFamily="49" charset="0"/>
               </a:rPr>
               <a:t>private void </a:t>
             </a:r>
             <a:r>
-              <a:rPr lang="en-GB" b="1" dirty="0">
+              <a:rPr lang="en-GB" sz="2400" b="1" dirty="0">
                 <a:solidFill>
                   <a:schemeClr val="bg1"/>
                 </a:solidFill>
@@ -16139,7 +16073,7 @@
               <a:t>ReloadTowns</a:t>
             </a:r>
             <a:r>
-              <a:rPr lang="en-GB" b="1" dirty="0">
+              <a:rPr lang="en-GB" sz="2400" b="1" dirty="0">
                 <a:latin typeface="Consolas" panose="020B0609020204030204" pitchFamily="49" charset="0"/>
                 <a:cs typeface="Consolas" panose="020B0609020204030204" pitchFamily="49" charset="0"/>
               </a:rPr>
@@ -16148,7 +16082,7 @@
           </a:p>
           <a:p>
             <a:r>
-              <a:rPr lang="en-GB" b="1" dirty="0">
+              <a:rPr lang="en-GB" sz="2400" b="1" dirty="0">
                 <a:latin typeface="Consolas" panose="020B0609020204030204" pitchFamily="49" charset="0"/>
                 <a:cs typeface="Consolas" panose="020B0609020204030204" pitchFamily="49" charset="0"/>
               </a:rPr>
@@ -16157,14 +16091,14 @@
           </a:p>
           <a:p>
             <a:r>
-              <a:rPr lang="en-GB" b="1" dirty="0">
+              <a:rPr lang="en-GB" sz="2400" b="1" dirty="0">
                 <a:latin typeface="Consolas" panose="020B0609020204030204" pitchFamily="49" charset="0"/>
                 <a:cs typeface="Consolas" panose="020B0609020204030204" pitchFamily="49" charset="0"/>
               </a:rPr>
               <a:t>    var towns = </a:t>
             </a:r>
             <a:r>
-              <a:rPr lang="en-GB" b="1" dirty="0">
+              <a:rPr lang="en-GB" sz="2400" b="1" dirty="0">
                 <a:solidFill>
                   <a:schemeClr val="bg1"/>
                 </a:solidFill>
@@ -16174,7 +16108,7 @@
               <a:t>LoadTownsFromDb</a:t>
             </a:r>
             <a:r>
-              <a:rPr lang="en-GB" b="1" dirty="0">
+              <a:rPr lang="en-GB" sz="2400" b="1" dirty="0">
                 <a:latin typeface="Consolas" panose="020B0609020204030204" pitchFamily="49" charset="0"/>
                 <a:cs typeface="Consolas" panose="020B0609020204030204" pitchFamily="49" charset="0"/>
               </a:rPr>
@@ -16183,14 +16117,14 @@
           </a:p>
           <a:p>
             <a:r>
-              <a:rPr lang="en-GB" b="1" dirty="0">
+              <a:rPr lang="en-GB" sz="2400" b="1" dirty="0">
                 <a:latin typeface="Consolas" panose="020B0609020204030204" pitchFamily="49" charset="0"/>
                 <a:cs typeface="Consolas" panose="020B0609020204030204" pitchFamily="49" charset="0"/>
               </a:rPr>
               <a:t>    this.</a:t>
             </a:r>
             <a:r>
-              <a:rPr lang="en-GB" b="1" dirty="0">
+              <a:rPr lang="en-GB" sz="2400" b="1" dirty="0">
                 <a:solidFill>
                   <a:schemeClr val="bg1"/>
                 </a:solidFill>
@@ -16200,14 +16134,14 @@
               <a:t>townBindingSource</a:t>
             </a:r>
             <a:r>
-              <a:rPr lang="en-GB" b="1" dirty="0">
+              <a:rPr lang="en-GB" sz="2400" b="1" dirty="0">
                 <a:latin typeface="Consolas" panose="020B0609020204030204" pitchFamily="49" charset="0"/>
                 <a:cs typeface="Consolas" panose="020B0609020204030204" pitchFamily="49" charset="0"/>
               </a:rPr>
               <a:t>.</a:t>
             </a:r>
             <a:r>
-              <a:rPr lang="en-GB" b="1" dirty="0">
+              <a:rPr lang="en-GB" sz="2400" b="1" dirty="0">
                 <a:solidFill>
                   <a:schemeClr val="bg1"/>
                 </a:solidFill>
@@ -16217,7 +16151,7 @@
               <a:t>DataSource</a:t>
             </a:r>
             <a:r>
-              <a:rPr lang="en-GB" b="1" dirty="0">
+              <a:rPr lang="en-GB" sz="2400" b="1" dirty="0">
                 <a:latin typeface="Consolas" panose="020B0609020204030204" pitchFamily="49" charset="0"/>
                 <a:cs typeface="Consolas" panose="020B0609020204030204" pitchFamily="49" charset="0"/>
               </a:rPr>
@@ -16226,148 +16160,7 @@
           </a:p>
           <a:p>
             <a:r>
-              <a:rPr lang="en-GB" b="1" dirty="0">
-                <a:latin typeface="Consolas" panose="020B0609020204030204" pitchFamily="49" charset="0"/>
-                <a:cs typeface="Consolas" panose="020B0609020204030204" pitchFamily="49" charset="0"/>
-              </a:rPr>
-              <a:t>}</a:t>
-            </a:r>
-          </a:p>
-        </p:txBody>
-      </p:sp>
-      <p:sp>
-        <p:nvSpPr>
-          <p:cNvPr id="5" name="Text Placeholder 4">
-            <a:extLst>
-              <a:ext uri="{FF2B5EF4-FFF2-40B4-BE49-F238E27FC236}">
-                <a16:creationId xmlns:a16="http://schemas.microsoft.com/office/drawing/2014/main" id="{91F76FD3-1169-72C1-ED18-42512B9EAF4B}"/>
-              </a:ext>
-            </a:extLst>
-          </p:cNvPr>
-          <p:cNvSpPr txBox="1">
-            <a:spLocks/>
-          </p:cNvSpPr>
-          <p:nvPr/>
-        </p:nvSpPr>
-        <p:spPr>
-          <a:xfrm>
-            <a:off x="606000" y="5247083"/>
-            <a:ext cx="11147030" cy="1477328"/>
-          </a:xfrm>
-          <a:prstGeom prst="rect">
-            <a:avLst/>
-          </a:prstGeom>
-          <a:solidFill>
-            <a:schemeClr val="accent5">
-              <a:lumMod val="40000"/>
-              <a:lumOff val="60000"/>
-              <a:alpha val="15000"/>
-            </a:schemeClr>
-          </a:solidFill>
-          <a:ln w="12700">
-            <a:solidFill>
-              <a:schemeClr val="accent5">
-                <a:lumMod val="60000"/>
-                <a:lumOff val="40000"/>
-              </a:schemeClr>
-            </a:solidFill>
-          </a:ln>
-        </p:spPr>
-        <p:txBody>
-          <a:bodyPr wrap="square">
-            <a:spAutoFit/>
-          </a:bodyPr>
-          <a:lstStyle/>
-          <a:p>
-            <a:r>
-              <a:rPr lang="en-GB" b="1" dirty="0">
-                <a:latin typeface="Consolas" panose="020B0609020204030204" pitchFamily="49" charset="0"/>
-                <a:cs typeface="Consolas" panose="020B0609020204030204" pitchFamily="49" charset="0"/>
-              </a:rPr>
-              <a:t>private void </a:t>
-            </a:r>
-            <a:r>
-              <a:rPr lang="en-GB" b="1" dirty="0">
-                <a:solidFill>
-                  <a:schemeClr val="bg1"/>
-                </a:solidFill>
-                <a:latin typeface="Consolas" panose="020B0609020204030204" pitchFamily="49" charset="0"/>
-                <a:cs typeface="Consolas" panose="020B0609020204030204" pitchFamily="49" charset="0"/>
-              </a:rPr>
-              <a:t>FormCountries_Load</a:t>
-            </a:r>
-            <a:r>
-              <a:rPr lang="en-GB" b="1" dirty="0">
-                <a:latin typeface="Consolas" panose="020B0609020204030204" pitchFamily="49" charset="0"/>
-                <a:cs typeface="Consolas" panose="020B0609020204030204" pitchFamily="49" charset="0"/>
-              </a:rPr>
-              <a:t>(object sender, EventArgs e)</a:t>
-            </a:r>
-          </a:p>
-          <a:p>
-            <a:r>
-              <a:rPr lang="en-GB" b="1" dirty="0">
-                <a:latin typeface="Consolas" panose="020B0609020204030204" pitchFamily="49" charset="0"/>
-                <a:cs typeface="Consolas" panose="020B0609020204030204" pitchFamily="49" charset="0"/>
-              </a:rPr>
-              <a:t>{</a:t>
-            </a:r>
-          </a:p>
-          <a:p>
-            <a:r>
-              <a:rPr lang="en-GB" b="1" dirty="0">
-                <a:latin typeface="Consolas" panose="020B0609020204030204" pitchFamily="49" charset="0"/>
-                <a:cs typeface="Consolas" panose="020B0609020204030204" pitchFamily="49" charset="0"/>
-              </a:rPr>
-              <a:t>     </a:t>
-            </a:r>
-            <a:r>
-              <a:rPr lang="en-GB" b="1" dirty="0">
-                <a:solidFill>
-                  <a:schemeClr val="bg1"/>
-                </a:solidFill>
-                <a:latin typeface="Consolas" panose="020B0609020204030204" pitchFamily="49" charset="0"/>
-                <a:cs typeface="Consolas" panose="020B0609020204030204" pitchFamily="49" charset="0"/>
-              </a:rPr>
-              <a:t>ReloadCountries</a:t>
-            </a:r>
-            <a:r>
-              <a:rPr lang="en-GB" b="1" dirty="0">
-                <a:latin typeface="Consolas" panose="020B0609020204030204" pitchFamily="49" charset="0"/>
-                <a:cs typeface="Consolas" panose="020B0609020204030204" pitchFamily="49" charset="0"/>
-              </a:rPr>
-              <a:t>();</a:t>
-            </a:r>
-          </a:p>
-          <a:p>
-            <a:r>
-              <a:rPr lang="en-GB" b="1" dirty="0">
-                <a:latin typeface="Consolas" panose="020B0609020204030204" pitchFamily="49" charset="0"/>
-                <a:cs typeface="Consolas" panose="020B0609020204030204" pitchFamily="49" charset="0"/>
-              </a:rPr>
-              <a:t>     </a:t>
-            </a:r>
-            <a:r>
-              <a:rPr lang="en-GB" b="1" dirty="0">
-                <a:solidFill>
-                  <a:schemeClr val="bg1"/>
-                </a:solidFill>
-                <a:latin typeface="Consolas" panose="020B0609020204030204" pitchFamily="49" charset="0"/>
-                <a:cs typeface="Consolas" panose="020B0609020204030204" pitchFamily="49" charset="0"/>
-              </a:rPr>
-              <a:t>ReloadTowns</a:t>
-            </a:r>
-            <a:r>
-              <a:rPr lang="en-GB" b="1" dirty="0">
-                <a:latin typeface="Consolas" panose="020B0609020204030204" pitchFamily="49" charset="0"/>
-                <a:cs typeface="Consolas" panose="020B0609020204030204" pitchFamily="49" charset="0"/>
-              </a:rPr>
-              <a:t>();</a:t>
-            </a:r>
-          </a:p>
-          <a:p>
-            <a:r>
-              <a:rPr lang="en-GB" b="1" dirty="0">
+              <a:rPr lang="en-GB" sz="2400" b="1" dirty="0">
                 <a:latin typeface="Consolas" panose="020B0609020204030204" pitchFamily="49" charset="0"/>
                 <a:cs typeface="Consolas" panose="020B0609020204030204" pitchFamily="49" charset="0"/>
               </a:rPr>
@@ -16447,76 +16240,371 @@
                       </p:childTnLst>
                     </p:cTn>
                   </p:par>
+                </p:childTnLst>
+              </p:cTn>
+              <p:prevCondLst>
+                <p:cond evt="onPrev" delay="0">
+                  <p:tgtEl>
+                    <p:sldTgt/>
+                  </p:tgtEl>
+                </p:cond>
+              </p:prevCondLst>
+              <p:nextCondLst>
+                <p:cond evt="onNext" delay="0">
+                  <p:tgtEl>
+                    <p:sldTgt/>
+                  </p:tgtEl>
+                </p:cond>
+              </p:nextCondLst>
+            </p:seq>
+          </p:childTnLst>
+        </p:cTn>
+      </p:par>
+    </p:tnLst>
+    <p:bldLst>
+      <p:bldP spid="9" grpId="0" animBg="1"/>
+    </p:bldLst>
+  </p:timing>
+</p:sld>
+</file>
+
+<file path=ppt/slides/slide23.xml><?xml version="1.0" encoding="utf-8"?>
+<p:sld xmlns:a="http://schemas.openxmlformats.org/drawingml/2006/main" xmlns:r="http://schemas.openxmlformats.org/officeDocument/2006/relationships" xmlns:p="http://schemas.openxmlformats.org/presentationml/2006/main">
+  <p:cSld>
+    <p:spTree>
+      <p:nvGrpSpPr>
+        <p:cNvPr id="1" name="">
+          <a:extLst>
+            <a:ext uri="{FF2B5EF4-FFF2-40B4-BE49-F238E27FC236}">
+              <a16:creationId xmlns:a16="http://schemas.microsoft.com/office/drawing/2014/main" id="{0E1F0E41-00DC-2C97-2BFA-622EB8FBEEC0}"/>
+            </a:ext>
+          </a:extLst>
+        </p:cNvPr>
+        <p:cNvGrpSpPr/>
+        <p:nvPr/>
+      </p:nvGrpSpPr>
+      <p:grpSpPr>
+        <a:xfrm>
+          <a:off x="0" y="0"/>
+          <a:ext cx="0" cy="0"/>
+          <a:chOff x="0" y="0"/>
+          <a:chExt cx="0" cy="0"/>
+        </a:xfrm>
+      </p:grpSpPr>
+      <p:sp>
+        <p:nvSpPr>
+          <p:cNvPr id="2" name="Slide Number Placeholder 1">
+            <a:extLst>
+              <a:ext uri="{FF2B5EF4-FFF2-40B4-BE49-F238E27FC236}">
+                <a16:creationId xmlns:a16="http://schemas.microsoft.com/office/drawing/2014/main" id="{3AB33FCE-0F91-49AC-37B1-2EEDBA3D5EB2}"/>
+              </a:ext>
+            </a:extLst>
+          </p:cNvPr>
+          <p:cNvSpPr>
+            <a:spLocks noGrp="1"/>
+          </p:cNvSpPr>
+          <p:nvPr>
+            <p:ph type="sldNum" sz="quarter" idx="5"/>
+          </p:nvPr>
+        </p:nvSpPr>
+        <p:spPr/>
+        <p:txBody>
+          <a:bodyPr/>
+          <a:lstStyle/>
+          <a:p>
+            <a:fld id="{2BF067CD-8E6B-4360-9AA8-C5DF2A48A6D1}" type="slidenum">
+              <a:rPr lang="en-US" noProof="0" smtClean="0"/>
+              <a:pPr/>
+              <a:t>23</a:t>
+            </a:fld>
+            <a:endParaRPr lang="en-US" noProof="0" dirty="0"/>
+          </a:p>
+        </p:txBody>
+      </p:sp>
+      <p:sp>
+        <p:nvSpPr>
+          <p:cNvPr id="3" name="Text Placeholder 2">
+            <a:extLst>
+              <a:ext uri="{FF2B5EF4-FFF2-40B4-BE49-F238E27FC236}">
+                <a16:creationId xmlns:a16="http://schemas.microsoft.com/office/drawing/2014/main" id="{EC4591F2-9C9A-B21D-5340-746EB5657E44}"/>
+              </a:ext>
+            </a:extLst>
+          </p:cNvPr>
+          <p:cNvSpPr>
+            <a:spLocks noGrp="1"/>
+          </p:cNvSpPr>
+          <p:nvPr>
+            <p:ph type="body" sz="quarter" idx="10"/>
+          </p:nvPr>
+        </p:nvSpPr>
+        <p:spPr/>
+        <p:txBody>
+          <a:bodyPr>
+            <a:normAutofit/>
+          </a:bodyPr>
+          <a:lstStyle/>
+          <a:p>
+            <a:pPr>
+              <a:spcBef>
+                <a:spcPts val="1200"/>
+              </a:spcBef>
+            </a:pPr>
+            <a:r>
+              <a:rPr lang="bg-BG" sz="3400" dirty="0"/>
+              <a:t>Зареждаме </a:t>
+            </a:r>
+            <a:r>
+              <a:rPr lang="bg-BG" sz="3400" b="1" dirty="0"/>
+              <a:t>данните</a:t>
+            </a:r>
+            <a:r>
+              <a:rPr lang="bg-BG" sz="3400" dirty="0"/>
+              <a:t> при </a:t>
+            </a:r>
+            <a:r>
+              <a:rPr lang="bg-BG" sz="3400" b="1" dirty="0">
+                <a:solidFill>
+                  <a:schemeClr val="bg1"/>
+                </a:solidFill>
+              </a:rPr>
+              <a:t>зареждане</a:t>
+            </a:r>
+            <a:r>
+              <a:rPr lang="bg-BG" sz="3400" dirty="0"/>
+              <a:t> на </a:t>
+            </a:r>
+            <a:r>
+              <a:rPr lang="bg-BG" sz="3400" b="1" dirty="0">
+                <a:solidFill>
+                  <a:schemeClr val="bg1"/>
+                </a:solidFill>
+              </a:rPr>
+              <a:t>формата</a:t>
+            </a:r>
+          </a:p>
+        </p:txBody>
+      </p:sp>
+      <p:sp>
+        <p:nvSpPr>
+          <p:cNvPr id="4" name="Title 3">
+            <a:extLst>
+              <a:ext uri="{FF2B5EF4-FFF2-40B4-BE49-F238E27FC236}">
+                <a16:creationId xmlns:a16="http://schemas.microsoft.com/office/drawing/2014/main" id="{194E1EA8-0E54-808C-3408-E3F9744E496D}"/>
+              </a:ext>
+            </a:extLst>
+          </p:cNvPr>
+          <p:cNvSpPr>
+            <a:spLocks noGrp="1"/>
+          </p:cNvSpPr>
+          <p:nvPr>
+            <p:ph type="title"/>
+          </p:nvPr>
+        </p:nvSpPr>
+        <p:spPr/>
+        <p:txBody>
+          <a:bodyPr/>
+          <a:lstStyle/>
+          <a:p>
+            <a:r>
+              <a:rPr lang="bg-BG" dirty="0"/>
+              <a:t>Зареждане на данни от БД </a:t>
+            </a:r>
+            <a:r>
+              <a:rPr lang="en-US" dirty="0"/>
+              <a:t>(3)</a:t>
+            </a:r>
+            <a:endParaRPr lang="en-BG" dirty="0"/>
+          </a:p>
+        </p:txBody>
+      </p:sp>
+      <p:sp>
+        <p:nvSpPr>
+          <p:cNvPr id="5" name="Text Placeholder 4">
+            <a:extLst>
+              <a:ext uri="{FF2B5EF4-FFF2-40B4-BE49-F238E27FC236}">
+                <a16:creationId xmlns:a16="http://schemas.microsoft.com/office/drawing/2014/main" id="{45CE3362-C064-038F-D4A9-C0FB18BC1324}"/>
+              </a:ext>
+            </a:extLst>
+          </p:cNvPr>
+          <p:cNvSpPr txBox="1">
+            <a:spLocks/>
+          </p:cNvSpPr>
+          <p:nvPr/>
+        </p:nvSpPr>
+        <p:spPr>
+          <a:xfrm>
+            <a:off x="522485" y="2754000"/>
+            <a:ext cx="11147030" cy="1938992"/>
+          </a:xfrm>
+          <a:prstGeom prst="rect">
+            <a:avLst/>
+          </a:prstGeom>
+          <a:solidFill>
+            <a:schemeClr val="accent5">
+              <a:lumMod val="40000"/>
+              <a:lumOff val="60000"/>
+              <a:alpha val="15000"/>
+            </a:schemeClr>
+          </a:solidFill>
+          <a:ln w="12700">
+            <a:solidFill>
+              <a:schemeClr val="accent5">
+                <a:lumMod val="60000"/>
+                <a:lumOff val="40000"/>
+              </a:schemeClr>
+            </a:solidFill>
+          </a:ln>
+        </p:spPr>
+        <p:txBody>
+          <a:bodyPr wrap="square">
+            <a:spAutoFit/>
+          </a:bodyPr>
+          <a:lstStyle/>
+          <a:p>
+            <a:r>
+              <a:rPr lang="en-GB" sz="2400" b="1" dirty="0">
+                <a:latin typeface="Consolas" panose="020B0609020204030204" pitchFamily="49" charset="0"/>
+                <a:cs typeface="Consolas" panose="020B0609020204030204" pitchFamily="49" charset="0"/>
+              </a:rPr>
+              <a:t>private void </a:t>
+            </a:r>
+            <a:r>
+              <a:rPr lang="en-GB" sz="2400" b="1" dirty="0">
+                <a:solidFill>
+                  <a:schemeClr val="bg1"/>
+                </a:solidFill>
+                <a:latin typeface="Consolas" panose="020B0609020204030204" pitchFamily="49" charset="0"/>
+                <a:cs typeface="Consolas" panose="020B0609020204030204" pitchFamily="49" charset="0"/>
+              </a:rPr>
+              <a:t>FormCountries_Load</a:t>
+            </a:r>
+            <a:r>
+              <a:rPr lang="en-GB" sz="2400" b="1" dirty="0">
+                <a:latin typeface="Consolas" panose="020B0609020204030204" pitchFamily="49" charset="0"/>
+                <a:cs typeface="Consolas" panose="020B0609020204030204" pitchFamily="49" charset="0"/>
+              </a:rPr>
+              <a:t>(object sender, EventArgs e)</a:t>
+            </a:r>
+          </a:p>
+          <a:p>
+            <a:r>
+              <a:rPr lang="en-GB" sz="2400" b="1" dirty="0">
+                <a:latin typeface="Consolas" panose="020B0609020204030204" pitchFamily="49" charset="0"/>
+                <a:cs typeface="Consolas" panose="020B0609020204030204" pitchFamily="49" charset="0"/>
+              </a:rPr>
+              <a:t>{</a:t>
+            </a:r>
+          </a:p>
+          <a:p>
+            <a:r>
+              <a:rPr lang="en-GB" sz="2400" b="1" dirty="0">
+                <a:latin typeface="Consolas" panose="020B0609020204030204" pitchFamily="49" charset="0"/>
+                <a:cs typeface="Consolas" panose="020B0609020204030204" pitchFamily="49" charset="0"/>
+              </a:rPr>
+              <a:t>     </a:t>
+            </a:r>
+            <a:r>
+              <a:rPr lang="en-GB" sz="2400" b="1" dirty="0">
+                <a:solidFill>
+                  <a:schemeClr val="bg1"/>
+                </a:solidFill>
+                <a:latin typeface="Consolas" panose="020B0609020204030204" pitchFamily="49" charset="0"/>
+                <a:cs typeface="Consolas" panose="020B0609020204030204" pitchFamily="49" charset="0"/>
+              </a:rPr>
+              <a:t>ReloadCountries</a:t>
+            </a:r>
+            <a:r>
+              <a:rPr lang="en-GB" sz="2400" b="1" dirty="0">
+                <a:latin typeface="Consolas" panose="020B0609020204030204" pitchFamily="49" charset="0"/>
+                <a:cs typeface="Consolas" panose="020B0609020204030204" pitchFamily="49" charset="0"/>
+              </a:rPr>
+              <a:t>();</a:t>
+            </a:r>
+          </a:p>
+          <a:p>
+            <a:r>
+              <a:rPr lang="en-GB" sz="2400" b="1" dirty="0">
+                <a:latin typeface="Consolas" panose="020B0609020204030204" pitchFamily="49" charset="0"/>
+                <a:cs typeface="Consolas" panose="020B0609020204030204" pitchFamily="49" charset="0"/>
+              </a:rPr>
+              <a:t>     </a:t>
+            </a:r>
+            <a:r>
+              <a:rPr lang="en-GB" sz="2400" b="1" dirty="0">
+                <a:solidFill>
+                  <a:schemeClr val="bg1"/>
+                </a:solidFill>
+                <a:latin typeface="Consolas" panose="020B0609020204030204" pitchFamily="49" charset="0"/>
+                <a:cs typeface="Consolas" panose="020B0609020204030204" pitchFamily="49" charset="0"/>
+              </a:rPr>
+              <a:t>ReloadTowns</a:t>
+            </a:r>
+            <a:r>
+              <a:rPr lang="en-GB" sz="2400" b="1" dirty="0">
+                <a:latin typeface="Consolas" panose="020B0609020204030204" pitchFamily="49" charset="0"/>
+                <a:cs typeface="Consolas" panose="020B0609020204030204" pitchFamily="49" charset="0"/>
+              </a:rPr>
+              <a:t>();</a:t>
+            </a:r>
+          </a:p>
+          <a:p>
+            <a:r>
+              <a:rPr lang="en-GB" sz="2400" b="1" dirty="0">
+                <a:latin typeface="Consolas" panose="020B0609020204030204" pitchFamily="49" charset="0"/>
+                <a:cs typeface="Consolas" panose="020B0609020204030204" pitchFamily="49" charset="0"/>
+              </a:rPr>
+              <a:t>}</a:t>
+            </a:r>
+          </a:p>
+        </p:txBody>
+      </p:sp>
+    </p:spTree>
+    <p:extLst>
+      <p:ext uri="{BB962C8B-B14F-4D97-AF65-F5344CB8AC3E}">
+        <p14:creationId xmlns:p14="http://schemas.microsoft.com/office/powerpoint/2010/main" val="4241143987"/>
+      </p:ext>
+    </p:extLst>
+  </p:cSld>
+  <p:clrMapOvr>
+    <a:masterClrMapping/>
+  </p:clrMapOvr>
+  <mc:AlternateContent xmlns:mc="http://schemas.openxmlformats.org/markup-compatibility/2006">
+    <mc:Choice xmlns:p14="http://schemas.microsoft.com/office/powerpoint/2010/main" Requires="p14">
+      <p:transition spd="slow" p14:dur="2000" advClick="0" advTm="5000"/>
+    </mc:Choice>
+    <mc:Fallback>
+      <p:transition spd="slow" advClick="0" advTm="5000"/>
+    </mc:Fallback>
+  </mc:AlternateContent>
+  <p:timing>
+    <p:tnLst>
+      <p:par>
+        <p:cTn id="1" dur="indefinite" restart="never" nodeType="tmRoot">
+          <p:childTnLst>
+            <p:seq concurrent="1" nextAc="seek">
+              <p:cTn id="2" dur="indefinite" nodeType="mainSeq">
+                <p:childTnLst>
                   <p:par>
-                    <p:cTn id="7" fill="hold">
+                    <p:cTn id="3" fill="hold">
                       <p:stCondLst>
                         <p:cond delay="indefinite"/>
                       </p:stCondLst>
                       <p:childTnLst>
                         <p:par>
-                          <p:cTn id="8" fill="hold">
+                          <p:cTn id="4" fill="hold">
                             <p:stCondLst>
                               <p:cond delay="0"/>
                             </p:stCondLst>
                             <p:childTnLst>
                               <p:par>
-                                <p:cTn id="9" presetID="1" presetClass="entr" presetSubtype="0" fill="hold" nodeType="clickEffect">
+                                <p:cTn id="5" presetID="1" presetClass="entr" presetSubtype="0" fill="hold" grpId="0" nodeType="clickEffect">
                                   <p:stCondLst>
                                     <p:cond delay="0"/>
                                   </p:stCondLst>
                                   <p:childTnLst>
                                     <p:set>
                                       <p:cBhvr>
-                                        <p:cTn id="10" dur="1" fill="hold">
-                                          <p:stCondLst>
-                                            <p:cond delay="0"/>
-                                          </p:stCondLst>
-                                        </p:cTn>
-                                        <p:tgtEl>
-                                          <p:spTgt spid="3">
-                                            <p:txEl>
-                                              <p:pRg st="6" end="6"/>
-                                            </p:txEl>
-                                          </p:spTgt>
-                                        </p:tgtEl>
-                                        <p:attrNameLst>
-                                          <p:attrName>style.visibility</p:attrName>
-                                        </p:attrNameLst>
-                                      </p:cBhvr>
-                                      <p:to>
-                                        <p:strVal val="visible"/>
-                                      </p:to>
-                                    </p:set>
-                                  </p:childTnLst>
-                                </p:cTn>
-                              </p:par>
-                            </p:childTnLst>
-                          </p:cTn>
-                        </p:par>
-                      </p:childTnLst>
-                    </p:cTn>
-                  </p:par>
-                  <p:par>
-                    <p:cTn id="11" fill="hold">
-                      <p:stCondLst>
-                        <p:cond delay="indefinite"/>
-                      </p:stCondLst>
-                      <p:childTnLst>
-                        <p:par>
-                          <p:cTn id="12" fill="hold">
-                            <p:stCondLst>
-                              <p:cond delay="0"/>
-                            </p:stCondLst>
-                            <p:childTnLst>
-                              <p:par>
-                                <p:cTn id="13" presetID="1" presetClass="entr" presetSubtype="0" fill="hold" grpId="0" nodeType="clickEffect">
-                                  <p:stCondLst>
-                                    <p:cond delay="0"/>
-                                  </p:stCondLst>
-                                  <p:childTnLst>
-                                    <p:set>
-                                      <p:cBhvr>
-                                        <p:cTn id="14" dur="1" fill="hold">
+                                        <p:cTn id="6" dur="1" fill="hold">
                                           <p:stCondLst>
                                             <p:cond delay="0"/>
                                           </p:stCondLst>
@@ -16563,14 +16651,13 @@
       </p:par>
     </p:tnLst>
     <p:bldLst>
-      <p:bldP spid="9" grpId="0" animBg="1"/>
       <p:bldP spid="5" grpId="0" animBg="1"/>
     </p:bldLst>
   </p:timing>
 </p:sld>
 </file>
 
-<file path=ppt/slides/slide23.xml><?xml version="1.0" encoding="utf-8"?>
+<file path=ppt/slides/slide24.xml><?xml version="1.0" encoding="utf-8"?>
 <p:sld xmlns:a="http://schemas.openxmlformats.org/drawingml/2006/main" xmlns:r="http://schemas.openxmlformats.org/officeDocument/2006/relationships" xmlns:p="http://schemas.openxmlformats.org/presentationml/2006/main">
   <p:cSld>
     <p:spTree>
@@ -16611,7 +16698,7 @@
             <a:fld id="{2BF067CD-8E6B-4360-9AA8-C5DF2A48A6D1}" type="slidenum">
               <a:rPr lang="en-US" noProof="0" smtClean="0"/>
               <a:pPr/>
-              <a:t>23</a:t>
+              <a:t>24</a:t>
             </a:fld>
             <a:endParaRPr lang="en-US" noProof="0" dirty="0"/>
           </a:p>
@@ -16770,8 +16857,8 @@
         </p:nvSpPr>
         <p:spPr bwMode="auto">
           <a:xfrm>
-            <a:off x="627830" y="2339174"/>
-            <a:ext cx="11125200" cy="4465426"/>
+            <a:off x="533400" y="2472461"/>
+            <a:ext cx="11125200" cy="4034539"/>
           </a:xfrm>
           <a:prstGeom prst="rect">
             <a:avLst/>
@@ -16799,9 +16886,6 @@
           <a:lstStyle/>
           <a:p>
             <a:pPr>
-              <a:spcBef>
-                <a:spcPts val="600"/>
-              </a:spcBef>
               <a:spcAft>
                 <a:spcPts val="600"/>
               </a:spcAft>
@@ -16813,13 +16897,13 @@
               <a:buNone/>
             </a:pPr>
             <a:r>
-              <a:rPr lang="en-US" sz="1600" b="1" dirty="0">
+              <a:rPr lang="en-US" b="1" dirty="0">
                 <a:latin typeface="Consolas" panose="020B0609020204030204" pitchFamily="49" charset="0"/>
               </a:rPr>
               <a:t> private void </a:t>
             </a:r>
             <a:r>
-              <a:rPr lang="en-US" sz="1600" b="1" dirty="0">
+              <a:rPr lang="en-US" b="1" dirty="0">
                 <a:solidFill>
                   <a:schemeClr val="bg1"/>
                 </a:solidFill>
@@ -16828,7 +16912,7 @@
               <a:t>dataGridViewCountries_SelectionChanged</a:t>
             </a:r>
             <a:r>
-              <a:rPr lang="en-US" sz="1600" b="1" dirty="0">
+              <a:rPr lang="en-US" b="1" dirty="0">
                 <a:latin typeface="Consolas" panose="020B0609020204030204" pitchFamily="49" charset="0"/>
               </a:rPr>
               <a:t>(object sender, EventArgs e)</a:t>
@@ -16836,9 +16920,6 @@
           </a:p>
           <a:p>
             <a:pPr>
-              <a:spcBef>
-                <a:spcPts val="600"/>
-              </a:spcBef>
               <a:spcAft>
                 <a:spcPts val="600"/>
               </a:spcAft>
@@ -16850,7 +16931,7 @@
               <a:buNone/>
             </a:pPr>
             <a:r>
-              <a:rPr lang="en-US" sz="1600" b="1" dirty="0">
+              <a:rPr lang="en-US" b="1" dirty="0">
                 <a:latin typeface="Consolas" panose="020B0609020204030204" pitchFamily="49" charset="0"/>
               </a:rPr>
               <a:t> {</a:t>
@@ -16858,9 +16939,6 @@
           </a:p>
           <a:p>
             <a:pPr>
-              <a:spcBef>
-                <a:spcPts val="600"/>
-              </a:spcBef>
               <a:spcAft>
                 <a:spcPts val="600"/>
               </a:spcAft>
@@ -16872,20 +16950,20 @@
               <a:buNone/>
             </a:pPr>
             <a:r>
-              <a:rPr lang="en-US" sz="1600" b="1" dirty="0">
+              <a:rPr lang="en-US" b="1" dirty="0">
                 <a:latin typeface="Consolas" panose="020B0609020204030204" pitchFamily="49" charset="0"/>
               </a:rPr>
               <a:t>     var selectedCountry = </a:t>
             </a:r>
             <a:r>
-              <a:rPr lang="en-US" sz="1600" b="1" noProof="1">
+              <a:rPr lang="en-US" b="1" noProof="1">
                 <a:latin typeface="Consolas" pitchFamily="49" charset="0"/>
                 <a:cs typeface="Consolas" pitchFamily="49" charset="0"/>
               </a:rPr>
               <a:t>(Country)this.</a:t>
             </a:r>
             <a:r>
-              <a:rPr lang="en-US" sz="1600" b="1" noProof="1">
+              <a:rPr lang="en-US" b="1" noProof="1">
                 <a:solidFill>
                   <a:schemeClr val="bg1"/>
                 </a:solidFill>
@@ -16895,14 +16973,14 @@
               <a:t>countryBindingSource</a:t>
             </a:r>
             <a:r>
-              <a:rPr lang="en-US" sz="1600" b="1" noProof="1">
+              <a:rPr lang="en-US" b="1" noProof="1">
                 <a:latin typeface="Consolas" pitchFamily="49" charset="0"/>
                 <a:cs typeface="Consolas" pitchFamily="49" charset="0"/>
               </a:rPr>
               <a:t>.</a:t>
             </a:r>
             <a:r>
-              <a:rPr lang="en-US" sz="1600" b="1" noProof="1">
+              <a:rPr lang="en-US" b="1" noProof="1">
                 <a:solidFill>
                   <a:schemeClr val="bg1"/>
                 </a:solidFill>
@@ -16912,7 +16990,7 @@
               <a:t>Current</a:t>
             </a:r>
             <a:r>
-              <a:rPr lang="en-US" sz="1600" b="1" noProof="1">
+              <a:rPr lang="en-US" b="1" noProof="1">
                 <a:latin typeface="Consolas" pitchFamily="49" charset="0"/>
                 <a:cs typeface="Consolas" pitchFamily="49" charset="0"/>
               </a:rPr>
@@ -16921,9 +16999,6 @@
           </a:p>
           <a:p>
             <a:pPr>
-              <a:spcBef>
-                <a:spcPts val="600"/>
-              </a:spcBef>
               <a:spcAft>
                 <a:spcPts val="600"/>
               </a:spcAft>
@@ -16933,25 +17008,25 @@
               <a:buSzPct val="100000"/>
             </a:pPr>
             <a:r>
-              <a:rPr lang="bg-BG" sz="1600" b="1" dirty="0">
+              <a:rPr lang="bg-BG" b="1" dirty="0">
                 <a:latin typeface="Consolas" panose="020B0609020204030204" pitchFamily="49" charset="0"/>
               </a:rPr>
               <a:t>     </a:t>
             </a:r>
             <a:r>
-              <a:rPr lang="en-US" sz="1600" b="1" dirty="0">
+              <a:rPr lang="en-US" b="1" dirty="0">
                 <a:latin typeface="Consolas" panose="020B0609020204030204" pitchFamily="49" charset="0"/>
               </a:rPr>
               <a:t>if (selectedCountry == null)</a:t>
             </a:r>
             <a:r>
-              <a:rPr lang="bg-BG" sz="1600" b="1" dirty="0">
+              <a:rPr lang="bg-BG" b="1" dirty="0">
                 <a:latin typeface="Consolas" panose="020B0609020204030204" pitchFamily="49" charset="0"/>
               </a:rPr>
               <a:t> </a:t>
             </a:r>
             <a:r>
-              <a:rPr lang="en-US" sz="1600" b="1" dirty="0">
+              <a:rPr lang="en-US" b="1" dirty="0">
                 <a:latin typeface="Consolas" panose="020B0609020204030204" pitchFamily="49" charset="0"/>
               </a:rPr>
               <a:t>return;</a:t>
@@ -16959,9 +17034,6 @@
           </a:p>
           <a:p>
             <a:pPr>
-              <a:spcBef>
-                <a:spcPts val="600"/>
-              </a:spcBef>
               <a:spcAft>
                 <a:spcPts val="600"/>
               </a:spcAft>
@@ -16971,20 +17043,20 @@
               <a:buSzPct val="100000"/>
             </a:pPr>
             <a:r>
-              <a:rPr lang="en-US" sz="1600" b="1" dirty="0">
+              <a:rPr lang="en-US" b="1" dirty="0">
                 <a:latin typeface="Consolas" panose="020B0609020204030204" pitchFamily="49" charset="0"/>
               </a:rPr>
               <a:t>     </a:t>
             </a:r>
             <a:r>
-              <a:rPr lang="en-US" sz="1600" b="1" noProof="1">
+              <a:rPr lang="en-US" b="1" noProof="1">
                 <a:latin typeface="Consolas" pitchFamily="49" charset="0"/>
                 <a:cs typeface="Consolas" pitchFamily="49" charset="0"/>
               </a:rPr>
               <a:t>var countryId = selectedCountry.</a:t>
             </a:r>
             <a:r>
-              <a:rPr lang="en-US" sz="1600" b="1" noProof="1">
+              <a:rPr lang="en-US" b="1" noProof="1">
                 <a:solidFill>
                   <a:schemeClr val="bg1"/>
                 </a:solidFill>
@@ -16994,21 +17066,18 @@
               <a:t>CountryId</a:t>
             </a:r>
             <a:r>
-              <a:rPr lang="en-US" sz="1600" b="1" noProof="1">
+              <a:rPr lang="en-US" b="1" noProof="1">
                 <a:latin typeface="Consolas" pitchFamily="49" charset="0"/>
                 <a:cs typeface="Consolas" pitchFamily="49" charset="0"/>
               </a:rPr>
               <a:t>;</a:t>
             </a:r>
-            <a:endParaRPr lang="en-US" sz="1600" b="1" dirty="0">
+            <a:endParaRPr lang="en-US" b="1" dirty="0">
               <a:latin typeface="Consolas" panose="020B0609020204030204" pitchFamily="49" charset="0"/>
             </a:endParaRPr>
           </a:p>
           <a:p>
             <a:pPr>
-              <a:spcBef>
-                <a:spcPts val="600"/>
-              </a:spcBef>
               <a:spcAft>
                 <a:spcPts val="600"/>
               </a:spcAft>
@@ -17018,13 +17087,13 @@
               <a:buSzPct val="100000"/>
             </a:pPr>
             <a:r>
-              <a:rPr lang="bg-BG" sz="1600" b="1" dirty="0">
+              <a:rPr lang="bg-BG" b="1" dirty="0">
                 <a:latin typeface="Consolas" panose="020B0609020204030204" pitchFamily="49" charset="0"/>
               </a:rPr>
               <a:t> </a:t>
             </a:r>
             <a:r>
-              <a:rPr lang="en-US" sz="1600" b="1" dirty="0">
+              <a:rPr lang="en-US" b="1" dirty="0">
                 <a:latin typeface="Consolas" panose="020B0609020204030204" pitchFamily="49" charset="0"/>
               </a:rPr>
               <a:t>    using (var dbContext = new CountriesDbContext())</a:t>
@@ -17032,9 +17101,6 @@
           </a:p>
           <a:p>
             <a:pPr>
-              <a:spcBef>
-                <a:spcPts val="600"/>
-              </a:spcBef>
               <a:spcAft>
                 <a:spcPts val="600"/>
               </a:spcAft>
@@ -17046,7 +17112,7 @@
               <a:buNone/>
             </a:pPr>
             <a:r>
-              <a:rPr lang="en-US" sz="1600" b="1" dirty="0">
+              <a:rPr lang="en-US" b="1" dirty="0">
                 <a:latin typeface="Consolas" panose="020B0609020204030204" pitchFamily="49" charset="0"/>
               </a:rPr>
               <a:t>     {</a:t>
@@ -17054,9 +17120,6 @@
           </a:p>
           <a:p>
             <a:pPr>
-              <a:spcBef>
-                <a:spcPts val="600"/>
-              </a:spcBef>
               <a:spcAft>
                 <a:spcPts val="600"/>
               </a:spcAft>
@@ -17068,13 +17131,13 @@
               <a:buNone/>
             </a:pPr>
             <a:r>
-              <a:rPr lang="en-US" sz="1600" b="1" dirty="0">
+              <a:rPr lang="en-US" b="1" dirty="0">
                 <a:latin typeface="Consolas" panose="020B0609020204030204" pitchFamily="49" charset="0"/>
               </a:rPr>
               <a:t>         var towns = dbContext.Towns.</a:t>
             </a:r>
             <a:r>
-              <a:rPr lang="en-US" sz="1600" b="1" dirty="0">
+              <a:rPr lang="en-US" b="1" dirty="0">
                 <a:solidFill>
                   <a:schemeClr val="bg1"/>
                 </a:solidFill>
@@ -17083,13 +17146,13 @@
               <a:t>Where</a:t>
             </a:r>
             <a:r>
-              <a:rPr lang="en-US" sz="1600" b="1" dirty="0">
+              <a:rPr lang="en-US" b="1" dirty="0">
                 <a:latin typeface="Consolas" panose="020B0609020204030204" pitchFamily="49" charset="0"/>
               </a:rPr>
               <a:t>(t =&gt; t.</a:t>
             </a:r>
             <a:r>
-              <a:rPr lang="en-US" sz="1600" b="1" dirty="0">
+              <a:rPr lang="en-US" b="1" dirty="0">
                 <a:solidFill>
                   <a:schemeClr val="bg1"/>
                 </a:solidFill>
@@ -17098,13 +17161,13 @@
               <a:t>CountryId</a:t>
             </a:r>
             <a:r>
-              <a:rPr lang="en-US" sz="1600" b="1" dirty="0">
+              <a:rPr lang="en-US" b="1" dirty="0">
                 <a:latin typeface="Consolas" panose="020B0609020204030204" pitchFamily="49" charset="0"/>
               </a:rPr>
               <a:t> == </a:t>
             </a:r>
             <a:r>
-              <a:rPr lang="en-US" sz="1600" b="1" dirty="0">
+              <a:rPr lang="en-US" b="1" dirty="0">
                 <a:solidFill>
                   <a:schemeClr val="bg1"/>
                 </a:solidFill>
@@ -17113,7 +17176,7 @@
               <a:t>countryId</a:t>
             </a:r>
             <a:r>
-              <a:rPr lang="en-US" sz="1600" b="1" dirty="0">
+              <a:rPr lang="en-US" b="1" dirty="0">
                 <a:latin typeface="Consolas" panose="020B0609020204030204" pitchFamily="49" charset="0"/>
               </a:rPr>
               <a:t>).ToList();</a:t>
@@ -17121,9 +17184,6 @@
           </a:p>
           <a:p>
             <a:pPr>
-              <a:spcBef>
-                <a:spcPts val="600"/>
-              </a:spcBef>
               <a:spcAft>
                 <a:spcPts val="600"/>
               </a:spcAft>
@@ -17133,20 +17193,20 @@
               <a:buSzPct val="100000"/>
             </a:pPr>
             <a:r>
-              <a:rPr lang="bg-BG" sz="1600" b="1" dirty="0">
+              <a:rPr lang="bg-BG" b="1" dirty="0">
                 <a:latin typeface="Consolas" panose="020B0609020204030204" pitchFamily="49" charset="0"/>
               </a:rPr>
               <a:t>         </a:t>
             </a:r>
             <a:r>
-              <a:rPr lang="en-US" sz="1600" b="1" noProof="1">
+              <a:rPr lang="en-US" b="1" noProof="1">
                 <a:latin typeface="Consolas" pitchFamily="49" charset="0"/>
                 <a:cs typeface="Consolas" pitchFamily="49" charset="0"/>
               </a:rPr>
               <a:t>if (towns.Count &gt; 0) this.</a:t>
             </a:r>
             <a:r>
-              <a:rPr lang="en-US" sz="1600" b="1" noProof="1">
+              <a:rPr lang="en-US" b="1" noProof="1">
                 <a:solidFill>
                   <a:schemeClr val="bg1"/>
                 </a:solidFill>
@@ -17156,14 +17216,14 @@
               <a:t>townBindingSource</a:t>
             </a:r>
             <a:r>
-              <a:rPr lang="en-US" sz="1600" b="1" noProof="1">
+              <a:rPr lang="en-US" b="1" noProof="1">
                 <a:latin typeface="Consolas" pitchFamily="49" charset="0"/>
                 <a:cs typeface="Consolas" pitchFamily="49" charset="0"/>
               </a:rPr>
               <a:t>.</a:t>
             </a:r>
             <a:r>
-              <a:rPr lang="en-US" sz="1600" b="1" noProof="1">
+              <a:rPr lang="en-US" b="1" noProof="1">
                 <a:solidFill>
                   <a:schemeClr val="bg1"/>
                 </a:solidFill>
@@ -17173,14 +17233,14 @@
               <a:t>DataSource</a:t>
             </a:r>
             <a:r>
-              <a:rPr lang="en-US" sz="1600" b="1" noProof="1">
+              <a:rPr lang="en-US" b="1" noProof="1">
                 <a:latin typeface="Consolas" pitchFamily="49" charset="0"/>
                 <a:cs typeface="Consolas" pitchFamily="49" charset="0"/>
               </a:rPr>
               <a:t> = </a:t>
             </a:r>
             <a:r>
-              <a:rPr lang="en-US" sz="1600" b="1" noProof="1">
+              <a:rPr lang="en-US" b="1" noProof="1">
                 <a:solidFill>
                   <a:schemeClr val="bg1"/>
                 </a:solidFill>
@@ -17190,7 +17250,7 @@
               <a:t>towns</a:t>
             </a:r>
             <a:r>
-              <a:rPr lang="en-US" sz="1600" b="1" dirty="0">
+              <a:rPr lang="en-US" b="1" dirty="0">
                 <a:latin typeface="Consolas" panose="020B0609020204030204" pitchFamily="49" charset="0"/>
               </a:rPr>
               <a:t>;</a:t>
@@ -17198,9 +17258,6 @@
           </a:p>
           <a:p>
             <a:pPr>
-              <a:spcBef>
-                <a:spcPts val="600"/>
-              </a:spcBef>
               <a:spcAft>
                 <a:spcPts val="600"/>
               </a:spcAft>
@@ -17212,7 +17269,7 @@
               <a:buNone/>
             </a:pPr>
             <a:r>
-              <a:rPr lang="en-US" sz="1600" b="1" dirty="0">
+              <a:rPr lang="en-US" b="1" dirty="0">
                 <a:latin typeface="Consolas" panose="020B0609020204030204" pitchFamily="49" charset="0"/>
               </a:rPr>
               <a:t>     }</a:t>
@@ -17220,9 +17277,6 @@
           </a:p>
           <a:p>
             <a:pPr>
-              <a:spcBef>
-                <a:spcPts val="600"/>
-              </a:spcBef>
               <a:spcAft>
                 <a:spcPts val="600"/>
               </a:spcAft>
@@ -17234,7 +17288,7 @@
               <a:buNone/>
             </a:pPr>
             <a:r>
-              <a:rPr lang="en-US" sz="1600" b="1" dirty="0">
+              <a:rPr lang="en-US" b="1" dirty="0">
                 <a:latin typeface="Consolas" panose="020B0609020204030204" pitchFamily="49" charset="0"/>
               </a:rPr>
               <a:t> }</a:t>
@@ -17342,7 +17396,7 @@
 </p:sld>
 </file>
 
-<file path=ppt/slides/slide24.xml><?xml version="1.0" encoding="utf-8"?>
+<file path=ppt/slides/slide25.xml><?xml version="1.0" encoding="utf-8"?>
 <p:sld xmlns:a="http://schemas.openxmlformats.org/drawingml/2006/main" xmlns:r="http://schemas.openxmlformats.org/officeDocument/2006/relationships" xmlns:p="http://schemas.openxmlformats.org/presentationml/2006/main">
   <p:cSld>
     <p:spTree>
@@ -17383,7 +17437,7 @@
             <a:fld id="{2BF067CD-8E6B-4360-9AA8-C5DF2A48A6D1}" type="slidenum">
               <a:rPr lang="en-US" noProof="0" smtClean="0"/>
               <a:pPr/>
-              <a:t>24</a:t>
+              <a:t>25</a:t>
             </a:fld>
             <a:endParaRPr lang="en-US" noProof="0" dirty="0"/>
           </a:p>
@@ -18010,7 +18064,7 @@
 </p:sld>
 </file>
 
-<file path=ppt/slides/slide25.xml><?xml version="1.0" encoding="utf-8"?>
+<file path=ppt/slides/slide26.xml><?xml version="1.0" encoding="utf-8"?>
 <p:sld xmlns:a="http://schemas.openxmlformats.org/drawingml/2006/main" xmlns:r="http://schemas.openxmlformats.org/officeDocument/2006/relationships" xmlns:p="http://schemas.openxmlformats.org/presentationml/2006/main">
   <p:cSld>
     <p:spTree>
@@ -18051,7 +18105,7 @@
             <a:fld id="{2BF067CD-8E6B-4360-9AA8-C5DF2A48A6D1}" type="slidenum">
               <a:rPr lang="en-US" noProof="0" smtClean="0"/>
               <a:pPr/>
-              <a:t>25</a:t>
+              <a:t>26</a:t>
             </a:fld>
             <a:endParaRPr lang="en-US" noProof="0" dirty="0"/>
           </a:p>
@@ -18412,7 +18466,7 @@
 </p:sld>
 </file>
 
-<file path=ppt/slides/slide26.xml><?xml version="1.0" encoding="utf-8"?>
+<file path=ppt/slides/slide27.xml><?xml version="1.0" encoding="utf-8"?>
 <p:sld xmlns:a="http://schemas.openxmlformats.org/drawingml/2006/main" xmlns:r="http://schemas.openxmlformats.org/officeDocument/2006/relationships" xmlns:p="http://schemas.openxmlformats.org/presentationml/2006/main">
   <p:cSld>
     <p:spTree>
@@ -18453,7 +18507,7 @@
             <a:fld id="{2BF067CD-8E6B-4360-9AA8-C5DF2A48A6D1}" type="slidenum">
               <a:rPr lang="en-US" noProof="0" smtClean="0"/>
               <a:pPr/>
-              <a:t>26</a:t>
+              <a:t>27</a:t>
             </a:fld>
             <a:endParaRPr lang="en-US" noProof="0" dirty="0"/>
           </a:p>
@@ -19238,7 +19292,7 @@
 </p:sld>
 </file>
 
-<file path=ppt/slides/slide27.xml><?xml version="1.0" encoding="utf-8"?>
+<file path=ppt/slides/slide28.xml><?xml version="1.0" encoding="utf-8"?>
 <p:sld xmlns:a="http://schemas.openxmlformats.org/drawingml/2006/main" xmlns:r="http://schemas.openxmlformats.org/officeDocument/2006/relationships" xmlns:p="http://schemas.openxmlformats.org/presentationml/2006/main">
   <p:cSld>
     <p:spTree>
@@ -19279,7 +19333,7 @@
             <a:fld id="{2BF067CD-8E6B-4360-9AA8-C5DF2A48A6D1}" type="slidenum">
               <a:rPr lang="en-US" noProof="0" smtClean="0"/>
               <a:pPr/>
-              <a:t>27</a:t>
+              <a:t>28</a:t>
             </a:fld>
             <a:endParaRPr lang="en-US" noProof="0" dirty="0"/>
           </a:p>
@@ -19334,8 +19388,8 @@
         </p:nvSpPr>
         <p:spPr bwMode="auto">
           <a:xfrm>
-            <a:off x="336000" y="1364466"/>
-            <a:ext cx="11125200" cy="4896313"/>
+            <a:off x="533400" y="1282220"/>
+            <a:ext cx="11125200" cy="5450311"/>
           </a:xfrm>
           <a:prstGeom prst="rect">
             <a:avLst/>
@@ -19363,14 +19417,14 @@
           <a:lstStyle/>
           <a:p>
             <a:r>
-              <a:rPr lang="en-GB" sz="1900" b="1" dirty="0">
+              <a:rPr lang="en-GB" sz="2000" b="1" dirty="0">
                 <a:latin typeface="Consolas" panose="020B0609020204030204" pitchFamily="49" charset="0"/>
                 <a:cs typeface="Consolas" panose="020B0609020204030204" pitchFamily="49" charset="0"/>
               </a:rPr>
               <a:t>private List&lt;Country&gt; </a:t>
             </a:r>
             <a:r>
-              <a:rPr lang="en-GB" sz="1900" b="1" dirty="0">
+              <a:rPr lang="en-GB" sz="2000" b="1" dirty="0">
                 <a:solidFill>
                   <a:schemeClr val="bg1"/>
                 </a:solidFill>
@@ -19380,21 +19434,21 @@
               <a:t>SortCountries</a:t>
             </a:r>
             <a:r>
-              <a:rPr lang="en-GB" sz="1900" b="1" dirty="0">
+              <a:rPr lang="en-GB" sz="2000" b="1" dirty="0">
                 <a:latin typeface="Consolas" panose="020B0609020204030204" pitchFamily="49" charset="0"/>
                 <a:cs typeface="Consolas" panose="020B0609020204030204" pitchFamily="49" charset="0"/>
               </a:rPr>
               <a:t>(List&lt;</a:t>
             </a:r>
             <a:r>
-              <a:rPr lang="en-US" sz="1900" b="1" dirty="0">
+              <a:rPr lang="en-US" sz="2000" b="1" dirty="0">
                 <a:latin typeface="Consolas" panose="020B0609020204030204" pitchFamily="49" charset="0"/>
                 <a:cs typeface="Consolas" panose="020B0609020204030204" pitchFamily="49" charset="0"/>
               </a:rPr>
               <a:t>Country&gt; </a:t>
             </a:r>
             <a:r>
-              <a:rPr lang="en-GB" sz="1900" b="1" dirty="0">
+              <a:rPr lang="en-GB" sz="2000" b="1" dirty="0">
                 <a:latin typeface="Consolas" panose="020B0609020204030204" pitchFamily="49" charset="0"/>
                 <a:cs typeface="Consolas" panose="020B0609020204030204" pitchFamily="49" charset="0"/>
               </a:rPr>
@@ -19403,7 +19457,7 @@
           </a:p>
           <a:p>
             <a:r>
-              <a:rPr lang="en-GB" sz="1900" b="1" dirty="0">
+              <a:rPr lang="en-GB" sz="2000" b="1" dirty="0">
                 <a:latin typeface="Consolas" panose="020B0609020204030204" pitchFamily="49" charset="0"/>
                 <a:cs typeface="Consolas" panose="020B0609020204030204" pitchFamily="49" charset="0"/>
               </a:rPr>
@@ -19412,7 +19466,7 @@
           </a:p>
           <a:p>
             <a:r>
-              <a:rPr lang="en-GB" sz="1900" b="1" dirty="0">
+              <a:rPr lang="en-GB" sz="2000" b="1" dirty="0">
                 <a:latin typeface="Consolas" panose="020B0609020204030204" pitchFamily="49" charset="0"/>
                 <a:cs typeface="Consolas" panose="020B0609020204030204" pitchFamily="49" charset="0"/>
               </a:rPr>
@@ -19421,7 +19475,7 @@
           </a:p>
           <a:p>
             <a:r>
-              <a:rPr lang="en-GB" sz="1900" b="1" dirty="0">
+              <a:rPr lang="en-GB" sz="2000" b="1" dirty="0">
                 <a:latin typeface="Consolas" panose="020B0609020204030204" pitchFamily="49" charset="0"/>
                 <a:cs typeface="Consolas" panose="020B0609020204030204" pitchFamily="49" charset="0"/>
               </a:rPr>
@@ -19430,14 +19484,14 @@
           </a:p>
           <a:p>
             <a:r>
-              <a:rPr lang="en-GB" sz="1900" b="1" dirty="0">
+              <a:rPr lang="en-GB" sz="2000" b="1" dirty="0">
                 <a:latin typeface="Consolas" panose="020B0609020204030204" pitchFamily="49" charset="0"/>
                 <a:cs typeface="Consolas" panose="020B0609020204030204" pitchFamily="49" charset="0"/>
               </a:rPr>
               <a:t>        case "</a:t>
             </a:r>
             <a:r>
-              <a:rPr lang="bg-BG" sz="1900" b="1" dirty="0">
+              <a:rPr lang="bg-BG" sz="2000" b="1" dirty="0">
                 <a:latin typeface="Consolas" panose="020B0609020204030204" pitchFamily="49" charset="0"/>
                 <a:cs typeface="Consolas" panose="020B0609020204030204" pitchFamily="49" charset="0"/>
               </a:rPr>
@@ -19446,21 +19500,21 @@
           </a:p>
           <a:p>
             <a:r>
-              <a:rPr lang="bg-BG" sz="1900" b="1" dirty="0">
+              <a:rPr lang="bg-BG" sz="2000" b="1" dirty="0">
                 <a:latin typeface="Consolas" panose="020B0609020204030204" pitchFamily="49" charset="0"/>
                 <a:cs typeface="Consolas" panose="020B0609020204030204" pitchFamily="49" charset="0"/>
               </a:rPr>
               <a:t>            </a:t>
             </a:r>
             <a:r>
-              <a:rPr lang="en-GB" sz="1900" b="1" dirty="0">
+              <a:rPr lang="en-GB" sz="2000" b="1" dirty="0">
                 <a:latin typeface="Consolas" panose="020B0609020204030204" pitchFamily="49" charset="0"/>
                 <a:cs typeface="Consolas" panose="020B0609020204030204" pitchFamily="49" charset="0"/>
               </a:rPr>
               <a:t>return countries.</a:t>
             </a:r>
             <a:r>
-              <a:rPr lang="en-GB" sz="1900" b="1" dirty="0">
+              <a:rPr lang="en-GB" sz="2000" b="1" dirty="0">
                 <a:solidFill>
                   <a:schemeClr val="bg1"/>
                 </a:solidFill>
@@ -19470,7 +19524,7 @@
               <a:t>OrderBy</a:t>
             </a:r>
             <a:r>
-              <a:rPr lang="en-GB" sz="1900" b="1" dirty="0">
+              <a:rPr lang="en-GB" sz="2000" b="1" dirty="0">
                 <a:latin typeface="Consolas" panose="020B0609020204030204" pitchFamily="49" charset="0"/>
                 <a:cs typeface="Consolas" panose="020B0609020204030204" pitchFamily="49" charset="0"/>
               </a:rPr>
@@ -19479,14 +19533,14 @@
           </a:p>
           <a:p>
             <a:r>
-              <a:rPr lang="en-GB" sz="1900" b="1" dirty="0">
+              <a:rPr lang="en-GB" sz="2000" b="1" dirty="0">
                 <a:latin typeface="Consolas" panose="020B0609020204030204" pitchFamily="49" charset="0"/>
                 <a:cs typeface="Consolas" panose="020B0609020204030204" pitchFamily="49" charset="0"/>
               </a:rPr>
               <a:t>        case "</a:t>
             </a:r>
             <a:r>
-              <a:rPr lang="bg-BG" sz="1900" b="1" dirty="0">
+              <a:rPr lang="bg-BG" sz="2000" b="1" dirty="0">
                 <a:latin typeface="Consolas" panose="020B0609020204030204" pitchFamily="49" charset="0"/>
                 <a:cs typeface="Consolas" panose="020B0609020204030204" pitchFamily="49" charset="0"/>
               </a:rPr>
@@ -19495,21 +19549,21 @@
           </a:p>
           <a:p>
             <a:r>
-              <a:rPr lang="bg-BG" sz="1900" b="1" dirty="0">
+              <a:rPr lang="bg-BG" sz="2000" b="1" dirty="0">
                 <a:latin typeface="Consolas" panose="020B0609020204030204" pitchFamily="49" charset="0"/>
                 <a:cs typeface="Consolas" panose="020B0609020204030204" pitchFamily="49" charset="0"/>
               </a:rPr>
               <a:t>            </a:t>
             </a:r>
             <a:r>
-              <a:rPr lang="en-GB" sz="1900" b="1" dirty="0">
+              <a:rPr lang="en-GB" sz="2000" b="1" dirty="0">
                 <a:latin typeface="Consolas" panose="020B0609020204030204" pitchFamily="49" charset="0"/>
                 <a:cs typeface="Consolas" panose="020B0609020204030204" pitchFamily="49" charset="0"/>
               </a:rPr>
               <a:t>return countries.</a:t>
             </a:r>
             <a:r>
-              <a:rPr lang="en-GB" sz="1900" b="1" dirty="0">
+              <a:rPr lang="en-GB" sz="2000" b="1" dirty="0">
                 <a:solidFill>
                   <a:schemeClr val="bg1"/>
                 </a:solidFill>
@@ -19519,7 +19573,7 @@
               <a:t>OrderByDescending</a:t>
             </a:r>
             <a:r>
-              <a:rPr lang="en-GB" sz="1900" b="1" dirty="0">
+              <a:rPr lang="en-GB" sz="2000" b="1" dirty="0">
                 <a:latin typeface="Consolas" panose="020B0609020204030204" pitchFamily="49" charset="0"/>
                 <a:cs typeface="Consolas" panose="020B0609020204030204" pitchFamily="49" charset="0"/>
               </a:rPr>
@@ -19528,14 +19582,14 @@
           </a:p>
           <a:p>
             <a:r>
-              <a:rPr lang="en-GB" sz="1900" b="1" dirty="0">
+              <a:rPr lang="en-GB" sz="2000" b="1" dirty="0">
                 <a:latin typeface="Consolas" panose="020B0609020204030204" pitchFamily="49" charset="0"/>
                 <a:cs typeface="Consolas" panose="020B0609020204030204" pitchFamily="49" charset="0"/>
               </a:rPr>
               <a:t>        case "Id (</a:t>
             </a:r>
             <a:r>
-              <a:rPr lang="bg-BG" sz="1900" b="1" dirty="0">
+              <a:rPr lang="bg-BG" sz="2000" b="1" dirty="0">
                 <a:latin typeface="Consolas" panose="020B0609020204030204" pitchFamily="49" charset="0"/>
                 <a:cs typeface="Consolas" panose="020B0609020204030204" pitchFamily="49" charset="0"/>
               </a:rPr>
@@ -19544,21 +19598,21 @@
           </a:p>
           <a:p>
             <a:r>
-              <a:rPr lang="bg-BG" sz="1900" b="1" dirty="0">
+              <a:rPr lang="bg-BG" sz="2000" b="1" dirty="0">
                 <a:latin typeface="Consolas" panose="020B0609020204030204" pitchFamily="49" charset="0"/>
                 <a:cs typeface="Consolas" panose="020B0609020204030204" pitchFamily="49" charset="0"/>
               </a:rPr>
               <a:t>            </a:t>
             </a:r>
             <a:r>
-              <a:rPr lang="en-GB" sz="1900" b="1" dirty="0">
+              <a:rPr lang="en-GB" sz="2000" b="1" dirty="0">
                 <a:latin typeface="Consolas" panose="020B0609020204030204" pitchFamily="49" charset="0"/>
                 <a:cs typeface="Consolas" panose="020B0609020204030204" pitchFamily="49" charset="0"/>
               </a:rPr>
               <a:t>return countries.</a:t>
             </a:r>
             <a:r>
-              <a:rPr lang="en-GB" sz="1900" b="1" dirty="0">
+              <a:rPr lang="en-GB" sz="2000" b="1" dirty="0">
                 <a:solidFill>
                   <a:schemeClr val="bg1"/>
                 </a:solidFill>
@@ -19568,7 +19622,7 @@
               <a:t>OrderBy</a:t>
             </a:r>
             <a:r>
-              <a:rPr lang="en-GB" sz="1900" b="1" dirty="0">
+              <a:rPr lang="en-GB" sz="2000" b="1" dirty="0">
                 <a:latin typeface="Consolas" panose="020B0609020204030204" pitchFamily="49" charset="0"/>
                 <a:cs typeface="Consolas" panose="020B0609020204030204" pitchFamily="49" charset="0"/>
               </a:rPr>
@@ -19577,14 +19631,14 @@
           </a:p>
           <a:p>
             <a:r>
-              <a:rPr lang="en-GB" sz="1900" b="1" dirty="0">
+              <a:rPr lang="en-GB" sz="2000" b="1" dirty="0">
                 <a:latin typeface="Consolas" panose="020B0609020204030204" pitchFamily="49" charset="0"/>
                 <a:cs typeface="Consolas" panose="020B0609020204030204" pitchFamily="49" charset="0"/>
               </a:rPr>
               <a:t>        case "Id (</a:t>
             </a:r>
             <a:r>
-              <a:rPr lang="bg-BG" sz="1900" b="1" dirty="0">
+              <a:rPr lang="bg-BG" sz="2000" b="1" dirty="0">
                 <a:latin typeface="Consolas" panose="020B0609020204030204" pitchFamily="49" charset="0"/>
                 <a:cs typeface="Consolas" panose="020B0609020204030204" pitchFamily="49" charset="0"/>
               </a:rPr>
@@ -19593,21 +19647,21 @@
           </a:p>
           <a:p>
             <a:r>
-              <a:rPr lang="bg-BG" sz="1900" b="1" dirty="0">
+              <a:rPr lang="bg-BG" sz="2000" b="1" dirty="0">
                 <a:latin typeface="Consolas" panose="020B0609020204030204" pitchFamily="49" charset="0"/>
                 <a:cs typeface="Consolas" panose="020B0609020204030204" pitchFamily="49" charset="0"/>
               </a:rPr>
               <a:t>            </a:t>
             </a:r>
             <a:r>
-              <a:rPr lang="en-GB" sz="1900" b="1" dirty="0">
+              <a:rPr lang="en-GB" sz="2000" b="1" dirty="0">
                 <a:latin typeface="Consolas" panose="020B0609020204030204" pitchFamily="49" charset="0"/>
                 <a:cs typeface="Consolas" panose="020B0609020204030204" pitchFamily="49" charset="0"/>
               </a:rPr>
               <a:t>return countries.</a:t>
             </a:r>
             <a:r>
-              <a:rPr lang="en-GB" sz="1900" b="1" dirty="0">
+              <a:rPr lang="en-GB" sz="2000" b="1" dirty="0">
                 <a:solidFill>
                   <a:schemeClr val="bg1"/>
                 </a:solidFill>
@@ -19617,7 +19671,7 @@
               <a:t>OrderByDescending</a:t>
             </a:r>
             <a:r>
-              <a:rPr lang="en-GB" sz="1900" b="1" dirty="0">
+              <a:rPr lang="en-GB" sz="2000" b="1" dirty="0">
                 <a:latin typeface="Consolas" panose="020B0609020204030204" pitchFamily="49" charset="0"/>
                 <a:cs typeface="Consolas" panose="020B0609020204030204" pitchFamily="49" charset="0"/>
               </a:rPr>
@@ -19626,7 +19680,7 @@
           </a:p>
           <a:p>
             <a:r>
-              <a:rPr lang="en-GB" sz="1900" b="1" dirty="0">
+              <a:rPr lang="en-GB" sz="2000" b="1" dirty="0">
                 <a:latin typeface="Consolas" panose="020B0609020204030204" pitchFamily="49" charset="0"/>
                 <a:cs typeface="Consolas" panose="020B0609020204030204" pitchFamily="49" charset="0"/>
               </a:rPr>
@@ -19635,7 +19689,7 @@
           </a:p>
           <a:p>
             <a:r>
-              <a:rPr lang="en-GB" sz="1900" b="1" dirty="0">
+              <a:rPr lang="en-GB" sz="2000" b="1" dirty="0">
                 <a:latin typeface="Consolas" panose="020B0609020204030204" pitchFamily="49" charset="0"/>
                 <a:cs typeface="Consolas" panose="020B0609020204030204" pitchFamily="49" charset="0"/>
               </a:rPr>
@@ -19644,7 +19698,7 @@
           </a:p>
           <a:p>
             <a:r>
-              <a:rPr lang="en-GB" sz="1900" b="1" dirty="0">
+              <a:rPr lang="en-GB" sz="2000" b="1" dirty="0">
                 <a:latin typeface="Consolas" panose="020B0609020204030204" pitchFamily="49" charset="0"/>
                 <a:cs typeface="Consolas" panose="020B0609020204030204" pitchFamily="49" charset="0"/>
               </a:rPr>
@@ -19653,7 +19707,7 @@
           </a:p>
           <a:p>
             <a:r>
-              <a:rPr lang="en-GB" sz="1900" b="1" dirty="0">
+              <a:rPr lang="en-GB" sz="2000" b="1" dirty="0">
                 <a:latin typeface="Consolas" panose="020B0609020204030204" pitchFamily="49" charset="0"/>
                 <a:cs typeface="Consolas" panose="020B0609020204030204" pitchFamily="49" charset="0"/>
               </a:rPr>
@@ -19683,7 +19737,7 @@
 </p:sld>
 </file>
 
-<file path=ppt/slides/slide28.xml><?xml version="1.0" encoding="utf-8"?>
+<file path=ppt/slides/slide29.xml><?xml version="1.0" encoding="utf-8"?>
 <p:sld xmlns:a="http://schemas.openxmlformats.org/drawingml/2006/main" xmlns:r="http://schemas.openxmlformats.org/officeDocument/2006/relationships" xmlns:p="http://schemas.openxmlformats.org/presentationml/2006/main">
   <p:cSld>
     <p:spTree>
@@ -19724,7 +19778,7 @@
             <a:fld id="{2BF067CD-8E6B-4360-9AA8-C5DF2A48A6D1}" type="slidenum">
               <a:rPr lang="en-US" noProof="0" smtClean="0"/>
               <a:pPr/>
-              <a:t>28</a:t>
+              <a:t>29</a:t>
             </a:fld>
             <a:endParaRPr lang="en-US" noProof="0" dirty="0"/>
           </a:p>
@@ -20409,7 +20463,150 @@
 </p:sld>
 </file>
 
-<file path=ppt/slides/slide29.xml><?xml version="1.0" encoding="utf-8"?>
+<file path=ppt/slides/slide3.xml><?xml version="1.0" encoding="utf-8"?>
+<p:sld xmlns:a="http://schemas.openxmlformats.org/drawingml/2006/main" xmlns:r="http://schemas.openxmlformats.org/officeDocument/2006/relationships" xmlns:p="http://schemas.openxmlformats.org/presentationml/2006/main">
+  <p:cSld>
+    <p:spTree>
+      <p:nvGrpSpPr>
+        <p:cNvPr id="1" name=""/>
+        <p:cNvGrpSpPr/>
+        <p:nvPr/>
+      </p:nvGrpSpPr>
+      <p:grpSpPr>
+        <a:xfrm>
+          <a:off x="0" y="0"/>
+          <a:ext cx="0" cy="0"/>
+          <a:chOff x="0" y="0"/>
+          <a:chExt cx="0" cy="0"/>
+        </a:xfrm>
+      </p:grpSpPr>
+      <p:sp>
+        <p:nvSpPr>
+          <p:cNvPr id="4" name="Slide Subtitle">
+            <a:extLst>
+              <a:ext uri="{FF2B5EF4-FFF2-40B4-BE49-F238E27FC236}">
+                <a16:creationId xmlns:a16="http://schemas.microsoft.com/office/drawing/2014/main" id="{BEB5BB41-09D4-4E9F-8C80-EE8709171CB3}"/>
+              </a:ext>
+            </a:extLst>
+          </p:cNvPr>
+          <p:cNvSpPr>
+            <a:spLocks noGrp="1"/>
+          </p:cNvSpPr>
+          <p:nvPr>
+            <p:ph type="subTitle" sz="quarter" idx="11"/>
+          </p:nvPr>
+        </p:nvSpPr>
+        <p:spPr/>
+        <p:txBody>
+          <a:bodyPr/>
+          <a:lstStyle/>
+          <a:p>
+            <a:r>
+              <a:rPr lang="bg-BG" dirty="0"/>
+              <a:t>Навигация едно към много (</a:t>
+            </a:r>
+            <a:r>
+              <a:rPr lang="en-US" dirty="0"/>
+              <a:t>one-to-many</a:t>
+            </a:r>
+            <a:r>
+              <a:rPr lang="bg-BG" dirty="0"/>
+              <a:t>)</a:t>
+            </a:r>
+          </a:p>
+        </p:txBody>
+      </p:sp>
+      <p:sp>
+        <p:nvSpPr>
+          <p:cNvPr id="6" name="Slide Title">
+            <a:extLst>
+              <a:ext uri="{FF2B5EF4-FFF2-40B4-BE49-F238E27FC236}">
+                <a16:creationId xmlns:a16="http://schemas.microsoft.com/office/drawing/2014/main" id="{028D9EA3-B5E0-4F17-9467-4BE3C280DA68}"/>
+              </a:ext>
+            </a:extLst>
+          </p:cNvPr>
+          <p:cNvSpPr>
+            <a:spLocks noGrp="1"/>
+          </p:cNvSpPr>
+          <p:nvPr>
+            <p:ph type="title" sz="quarter" idx="10"/>
+          </p:nvPr>
+        </p:nvSpPr>
+        <p:spPr/>
+        <p:txBody>
+          <a:bodyPr/>
+          <a:lstStyle/>
+          <a:p>
+            <a:r>
+              <a:rPr lang="en-US" sz="4400" dirty="0"/>
+              <a:t>Master-Detail </a:t>
+            </a:r>
+            <a:r>
+              <a:rPr lang="bg-BG" sz="4400" dirty="0"/>
+              <a:t>навигация</a:t>
+            </a:r>
+            <a:endParaRPr lang="en-US" sz="4400" dirty="0"/>
+          </a:p>
+        </p:txBody>
+      </p:sp>
+      <p:pic>
+        <p:nvPicPr>
+          <p:cNvPr id="3" name="Picture 2">
+            <a:extLst>
+              <a:ext uri="{FF2B5EF4-FFF2-40B4-BE49-F238E27FC236}">
+                <a16:creationId xmlns:a16="http://schemas.microsoft.com/office/drawing/2014/main" id="{3140AC4E-61A8-4E3D-EA31-230A1A7440DC}"/>
+              </a:ext>
+            </a:extLst>
+          </p:cNvPr>
+          <p:cNvPicPr>
+            <a:picLocks noChangeAspect="1"/>
+          </p:cNvPicPr>
+          <p:nvPr/>
+        </p:nvPicPr>
+        <p:blipFill>
+          <a:blip r:embed="rId3" cstate="hqprint">
+            <a:extLst>
+              <a:ext uri="{28A0092B-C50C-407E-A947-70E740481C1C}">
+                <a14:useLocalDpi xmlns:a14="http://schemas.microsoft.com/office/drawing/2010/main" val="0"/>
+              </a:ext>
+            </a:extLst>
+          </a:blip>
+          <a:stretch>
+            <a:fillRect/>
+          </a:stretch>
+        </p:blipFill>
+        <p:spPr>
+          <a:xfrm>
+            <a:off x="4719685" y="1686661"/>
+            <a:ext cx="2752629" cy="1823616"/>
+          </a:xfrm>
+          <a:prstGeom prst="rect">
+            <a:avLst/>
+          </a:prstGeom>
+        </p:spPr>
+      </p:pic>
+    </p:spTree>
+    <p:extLst>
+      <p:ext uri="{BB962C8B-B14F-4D97-AF65-F5344CB8AC3E}">
+        <p14:creationId xmlns:p14="http://schemas.microsoft.com/office/powerpoint/2010/main" val="882194472"/>
+      </p:ext>
+    </p:extLst>
+  </p:cSld>
+  <p:clrMapOvr>
+    <a:masterClrMapping/>
+  </p:clrMapOvr>
+  <mc:AlternateContent xmlns:mc="http://schemas.openxmlformats.org/markup-compatibility/2006" xmlns:p14="http://schemas.microsoft.com/office/powerpoint/2010/main">
+    <mc:Choice Requires="p14">
+      <p:transition spd="slow" p14:dur="2000" advClick="0" advTm="5000"/>
+    </mc:Choice>
+    <mc:Fallback xmlns="">
+      <p:transition spd="slow" advClick="0" advTm="5000"/>
+    </mc:Fallback>
+  </mc:AlternateContent>
+</p:sld>
+</file>
+
+<file path=ppt/slides/slide30.xml><?xml version="1.0" encoding="utf-8"?>
 <p:sld xmlns:a="http://schemas.openxmlformats.org/drawingml/2006/main" xmlns:r="http://schemas.openxmlformats.org/officeDocument/2006/relationships" xmlns:p="http://schemas.openxmlformats.org/presentationml/2006/main">
   <p:cSld>
     <p:spTree>
@@ -20450,7 +20647,7 @@
             <a:fld id="{2BF067CD-8E6B-4360-9AA8-C5DF2A48A6D1}" type="slidenum">
               <a:rPr lang="en-US" noProof="0" smtClean="0"/>
               <a:pPr/>
-              <a:t>29</a:t>
+              <a:t>30</a:t>
             </a:fld>
             <a:endParaRPr lang="en-US" noProof="0" dirty="0"/>
           </a:p>
@@ -20773,150 +20970,7 @@
 </p:sld>
 </file>
 
-<file path=ppt/slides/slide3.xml><?xml version="1.0" encoding="utf-8"?>
-<p:sld xmlns:a="http://schemas.openxmlformats.org/drawingml/2006/main" xmlns:r="http://schemas.openxmlformats.org/officeDocument/2006/relationships" xmlns:p="http://schemas.openxmlformats.org/presentationml/2006/main">
-  <p:cSld>
-    <p:spTree>
-      <p:nvGrpSpPr>
-        <p:cNvPr id="1" name=""/>
-        <p:cNvGrpSpPr/>
-        <p:nvPr/>
-      </p:nvGrpSpPr>
-      <p:grpSpPr>
-        <a:xfrm>
-          <a:off x="0" y="0"/>
-          <a:ext cx="0" cy="0"/>
-          <a:chOff x="0" y="0"/>
-          <a:chExt cx="0" cy="0"/>
-        </a:xfrm>
-      </p:grpSpPr>
-      <p:sp>
-        <p:nvSpPr>
-          <p:cNvPr id="4" name="Slide Subtitle">
-            <a:extLst>
-              <a:ext uri="{FF2B5EF4-FFF2-40B4-BE49-F238E27FC236}">
-                <a16:creationId xmlns:a16="http://schemas.microsoft.com/office/drawing/2014/main" id="{BEB5BB41-09D4-4E9F-8C80-EE8709171CB3}"/>
-              </a:ext>
-            </a:extLst>
-          </p:cNvPr>
-          <p:cNvSpPr>
-            <a:spLocks noGrp="1"/>
-          </p:cNvSpPr>
-          <p:nvPr>
-            <p:ph type="subTitle" sz="quarter" idx="11"/>
-          </p:nvPr>
-        </p:nvSpPr>
-        <p:spPr/>
-        <p:txBody>
-          <a:bodyPr/>
-          <a:lstStyle/>
-          <a:p>
-            <a:r>
-              <a:rPr lang="bg-BG" dirty="0"/>
-              <a:t>Навигация едно към много (</a:t>
-            </a:r>
-            <a:r>
-              <a:rPr lang="en-US" dirty="0"/>
-              <a:t>one-to-many</a:t>
-            </a:r>
-            <a:r>
-              <a:rPr lang="bg-BG" dirty="0"/>
-              <a:t>)</a:t>
-            </a:r>
-          </a:p>
-        </p:txBody>
-      </p:sp>
-      <p:sp>
-        <p:nvSpPr>
-          <p:cNvPr id="6" name="Slide Title">
-            <a:extLst>
-              <a:ext uri="{FF2B5EF4-FFF2-40B4-BE49-F238E27FC236}">
-                <a16:creationId xmlns:a16="http://schemas.microsoft.com/office/drawing/2014/main" id="{028D9EA3-B5E0-4F17-9467-4BE3C280DA68}"/>
-              </a:ext>
-            </a:extLst>
-          </p:cNvPr>
-          <p:cNvSpPr>
-            <a:spLocks noGrp="1"/>
-          </p:cNvSpPr>
-          <p:nvPr>
-            <p:ph type="title" sz="quarter" idx="10"/>
-          </p:nvPr>
-        </p:nvSpPr>
-        <p:spPr/>
-        <p:txBody>
-          <a:bodyPr/>
-          <a:lstStyle/>
-          <a:p>
-            <a:r>
-              <a:rPr lang="en-US" sz="4400" dirty="0"/>
-              <a:t>Master-Detail </a:t>
-            </a:r>
-            <a:r>
-              <a:rPr lang="bg-BG" sz="4400" dirty="0"/>
-              <a:t>навигация</a:t>
-            </a:r>
-            <a:endParaRPr lang="en-US" sz="4400" dirty="0"/>
-          </a:p>
-        </p:txBody>
-      </p:sp>
-      <p:pic>
-        <p:nvPicPr>
-          <p:cNvPr id="3" name="Picture 2">
-            <a:extLst>
-              <a:ext uri="{FF2B5EF4-FFF2-40B4-BE49-F238E27FC236}">
-                <a16:creationId xmlns:a16="http://schemas.microsoft.com/office/drawing/2014/main" id="{3140AC4E-61A8-4E3D-EA31-230A1A7440DC}"/>
-              </a:ext>
-            </a:extLst>
-          </p:cNvPr>
-          <p:cNvPicPr>
-            <a:picLocks noChangeAspect="1"/>
-          </p:cNvPicPr>
-          <p:nvPr/>
-        </p:nvPicPr>
-        <p:blipFill>
-          <a:blip r:embed="rId3" cstate="hqprint">
-            <a:extLst>
-              <a:ext uri="{28A0092B-C50C-407E-A947-70E740481C1C}">
-                <a14:useLocalDpi xmlns:a14="http://schemas.microsoft.com/office/drawing/2010/main" val="0"/>
-              </a:ext>
-            </a:extLst>
-          </a:blip>
-          <a:stretch>
-            <a:fillRect/>
-          </a:stretch>
-        </p:blipFill>
-        <p:spPr>
-          <a:xfrm>
-            <a:off x="4719685" y="1686661"/>
-            <a:ext cx="2752629" cy="1823616"/>
-          </a:xfrm>
-          <a:prstGeom prst="rect">
-            <a:avLst/>
-          </a:prstGeom>
-        </p:spPr>
-      </p:pic>
-    </p:spTree>
-    <p:extLst>
-      <p:ext uri="{BB962C8B-B14F-4D97-AF65-F5344CB8AC3E}">
-        <p14:creationId xmlns:p14="http://schemas.microsoft.com/office/powerpoint/2010/main" val="882194472"/>
-      </p:ext>
-    </p:extLst>
-  </p:cSld>
-  <p:clrMapOvr>
-    <a:masterClrMapping/>
-  </p:clrMapOvr>
-  <mc:AlternateContent xmlns:mc="http://schemas.openxmlformats.org/markup-compatibility/2006" xmlns:p14="http://schemas.microsoft.com/office/powerpoint/2010/main">
-    <mc:Choice Requires="p14">
-      <p:transition spd="slow" p14:dur="2000" advClick="0" advTm="5000"/>
-    </mc:Choice>
-    <mc:Fallback xmlns="">
-      <p:transition spd="slow" advClick="0" advTm="5000"/>
-    </mc:Fallback>
-  </mc:AlternateContent>
-</p:sld>
-</file>
-
-<file path=ppt/slides/slide30.xml><?xml version="1.0" encoding="utf-8"?>
+<file path=ppt/slides/slide31.xml><?xml version="1.0" encoding="utf-8"?>
 <p:sld xmlns:a="http://schemas.openxmlformats.org/drawingml/2006/main" xmlns:r="http://schemas.openxmlformats.org/officeDocument/2006/relationships" xmlns:p="http://schemas.openxmlformats.org/presentationml/2006/main">
   <p:cSld>
     <p:spTree>
@@ -20957,7 +21011,7 @@
             <a:fld id="{2BF067CD-8E6B-4360-9AA8-C5DF2A48A6D1}" type="slidenum">
               <a:rPr lang="en-US" noProof="0" smtClean="0"/>
               <a:pPr/>
-              <a:t>30</a:t>
+              <a:t>31</a:t>
             </a:fld>
             <a:endParaRPr lang="en-US" noProof="0" dirty="0"/>
           </a:p>
@@ -21180,7 +21234,7 @@
 </p:sld>
 </file>
 
-<file path=ppt/slides/slide31.xml><?xml version="1.0" encoding="utf-8"?>
+<file path=ppt/slides/slide32.xml><?xml version="1.0" encoding="utf-8"?>
 <p:sld xmlns:a="http://schemas.openxmlformats.org/drawingml/2006/main" xmlns:r="http://schemas.openxmlformats.org/officeDocument/2006/relationships" xmlns:p="http://schemas.openxmlformats.org/presentationml/2006/main">
   <p:cSld>
     <p:spTree>
@@ -21733,7 +21787,7 @@
             <a:fld id="{2BF067CD-8E6B-4360-9AA8-C5DF2A48A6D1}" type="slidenum">
               <a:rPr lang="en-US" noProof="0" smtClean="0"/>
               <a:pPr/>
-              <a:t>31</a:t>
+              <a:t>32</a:t>
             </a:fld>
             <a:endParaRPr lang="en-US" noProof="0" dirty="0"/>
           </a:p>
@@ -22035,7 +22089,7 @@
 </p:sld>
 </file>
 
-<file path=ppt/slides/slide32.xml><?xml version="1.0" encoding="utf-8"?>
+<file path=ppt/slides/slide33.xml><?xml version="1.0" encoding="utf-8"?>
 <p:sld xmlns:a="http://schemas.openxmlformats.org/drawingml/2006/main" xmlns:r="http://schemas.openxmlformats.org/officeDocument/2006/relationships" xmlns:p="http://schemas.openxmlformats.org/presentationml/2006/main">
   <p:cSld>
     <p:spTree>
@@ -22225,7 +22279,7 @@
 </p:sld>
 </file>
 
-<file path=ppt/slides/slide33.xml><?xml version="1.0" encoding="utf-8"?>
+<file path=ppt/slides/slide34.xml><?xml version="1.0" encoding="utf-8"?>
 <p:sld xmlns:a="http://schemas.openxmlformats.org/drawingml/2006/main" xmlns:r="http://schemas.openxmlformats.org/officeDocument/2006/relationships" xmlns:p="http://schemas.openxmlformats.org/presentationml/2006/main" show="0">
   <p:cSld>
     <p:spTree>
@@ -22278,7 +22332,7 @@
             <a:fld id="{2BF067CD-8E6B-4360-9AA8-C5DF2A48A6D1}" type="slidenum">
               <a:rPr lang="en-US" smtClean="0"/>
               <a:pPr/>
-              <a:t>33</a:t>
+              <a:t>34</a:t>
             </a:fld>
             <a:endParaRPr lang="en-US" dirty="0"/>
           </a:p>

--- a/Courses/Software-Sciences/Module-4-Information-Systems-New/08-Navigation-between-Tables/08-Navigation-between-Tables.pptx
+++ b/Courses/Software-Sciences/Module-4-Information-Systems-New/08-Navigation-between-Tables/08-Navigation-between-Tables.pptx
@@ -5,10 +5,10 @@
     <p:sldMasterId id="2147483675" r:id="rId1"/>
   </p:sldMasterIdLst>
   <p:notesMasterIdLst>
-    <p:notesMasterId r:id="rId36"/>
+    <p:notesMasterId r:id="rId37"/>
   </p:notesMasterIdLst>
   <p:handoutMasterIdLst>
-    <p:handoutMasterId r:id="rId37"/>
+    <p:handoutMasterId r:id="rId38"/>
   </p:handoutMasterIdLst>
   <p:sldIdLst>
     <p:sldId id="503" r:id="rId2"/>
@@ -40,11 +40,12 @@
     <p:sldId id="755" r:id="rId28"/>
     <p:sldId id="759" r:id="rId29"/>
     <p:sldId id="767" r:id="rId30"/>
-    <p:sldId id="756" r:id="rId31"/>
-    <p:sldId id="760" r:id="rId32"/>
-    <p:sldId id="633" r:id="rId33"/>
-    <p:sldId id="504" r:id="rId34"/>
-    <p:sldId id="505" r:id="rId35"/>
+    <p:sldId id="789" r:id="rId31"/>
+    <p:sldId id="756" r:id="rId32"/>
+    <p:sldId id="760" r:id="rId33"/>
+    <p:sldId id="633" r:id="rId34"/>
+    <p:sldId id="504" r:id="rId35"/>
+    <p:sldId id="505" r:id="rId36"/>
   </p:sldIdLst>
   <p:sldSz cx="12192000" cy="6858000"/>
   <p:notesSz cx="6858000" cy="9144000"/>
@@ -197,6 +198,7 @@
             <p14:sldId id="755"/>
             <p14:sldId id="759"/>
             <p14:sldId id="767"/>
+            <p14:sldId id="789"/>
             <p14:sldId id="756"/>
             <p14:sldId id="760"/>
           </p14:sldIdLst>
@@ -344,7 +346,7 @@
           <a:p>
             <a:fld id="{4E087215-0C8F-4762-A664-737A353EC9A4}" type="datetimeFigureOut">
               <a:rPr lang="bg-BG" smtClean="0"/>
-              <a:t>23.12.2024 г.</a:t>
+              <a:t>27.12.24 г.</a:t>
             </a:fld>
             <a:endParaRPr lang="bg-BG"/>
           </a:p>
@@ -540,7 +542,7 @@
           <a:p>
             <a:fld id="{72D84649-876A-46C9-8472-14CB09C070D8}" type="datetimeFigureOut">
               <a:rPr lang="en-US" smtClean="0"/>
-              <a:t>12/23/2024</a:t>
+              <a:t>12/27/24</a:t>
             </a:fld>
             <a:endParaRPr lang="en-US"/>
           </a:p>
@@ -1154,7 +1156,7 @@
           <a:p>
             <a:fld id="{2BF067CD-8E6B-4360-9AA8-C5DF2A48A6D1}" type="slidenum">
               <a:rPr lang="en-US" smtClean="0"/>
-              <a:t>31</a:t>
+              <a:t>32</a:t>
             </a:fld>
             <a:endParaRPr lang="en-US" dirty="0"/>
           </a:p>
@@ -1382,7 +1384,7 @@
             <a:fld id="{3EBA5BD7-F043-4D1B-AA17-CD412FC534DE}" type="slidenum">
               <a:rPr lang="en-US" smtClean="0"/>
               <a:pPr/>
-              <a:t>32</a:t>
+              <a:t>33</a:t>
             </a:fld>
             <a:endParaRPr lang="en-US" dirty="0"/>
           </a:p>
@@ -1628,7 +1630,7 @@
             <a:fld id="{3EBA5BD7-F043-4D1B-AA17-CD412FC534DE}" type="slidenum">
               <a:rPr lang="en-US" smtClean="0"/>
               <a:pPr/>
-              <a:t>33</a:t>
+              <a:t>34</a:t>
             </a:fld>
             <a:endParaRPr lang="en-US" dirty="0"/>
           </a:p>
@@ -1858,7 +1860,7 @@
             <a:fld id="{3EBA5BD7-F043-4D1B-AA17-CD412FC534DE}" type="slidenum">
               <a:rPr lang="en-US" smtClean="0"/>
               <a:pPr/>
-              <a:t>34</a:t>
+              <a:t>35</a:t>
             </a:fld>
             <a:endParaRPr lang="en-US" dirty="0"/>
           </a:p>
@@ -11283,7 +11285,7 @@
               <a:rPr lang="en-US" sz="2000" b="1" dirty="0">
                 <a:latin typeface="Consolas" panose="020B0609020204030204" pitchFamily="49" charset="0"/>
               </a:rPr>
-              <a:t>         }</a:t>
+              <a:t>        }</a:t>
             </a:r>
           </a:p>
           <a:p>
@@ -16433,7 +16435,7 @@
         </p:nvSpPr>
         <p:spPr>
           <a:xfrm>
-            <a:off x="522485" y="2754000"/>
+            <a:off x="190402" y="2021516"/>
             <a:ext cx="11147030" cy="1938992"/>
           </a:xfrm>
           <a:prstGeom prst="rect">
@@ -16568,11 +16570,11 @@
   <p:clrMapOvr>
     <a:masterClrMapping/>
   </p:clrMapOvr>
-  <mc:AlternateContent xmlns:mc="http://schemas.openxmlformats.org/markup-compatibility/2006">
-    <mc:Choice xmlns:p14="http://schemas.microsoft.com/office/powerpoint/2010/main" Requires="p14">
+  <mc:AlternateContent xmlns:mc="http://schemas.openxmlformats.org/markup-compatibility/2006" xmlns:p14="http://schemas.microsoft.com/office/powerpoint/2010/main">
+    <mc:Choice Requires="p14">
       <p:transition spd="slow" p14:dur="2000" advClick="0" advTm="5000"/>
     </mc:Choice>
-    <mc:Fallback>
+    <mc:Fallback xmlns="">
       <p:transition spd="slow" advClick="0" advTm="5000"/>
     </mc:Fallback>
   </mc:AlternateContent>
@@ -19388,8 +19390,8 @@
         </p:nvSpPr>
         <p:spPr bwMode="auto">
           <a:xfrm>
-            <a:off x="533400" y="1282220"/>
-            <a:ext cx="11125200" cy="5450311"/>
+            <a:off x="190406" y="1282220"/>
+            <a:ext cx="11562624" cy="5142534"/>
           </a:xfrm>
           <a:prstGeom prst="rect">
             <a:avLst/>
@@ -19808,14 +19810,14 @@
           <a:lstStyle/>
           <a:p>
             <a:r>
-              <a:rPr lang="bg-BG" sz="2000" dirty="0">
+              <a:rPr lang="bg-BG" sz="2800" dirty="0">
                 <a:latin typeface="Calibri" panose="020F0502020204030204" pitchFamily="34" charset="0"/>
                 <a:cs typeface="Calibri" panose="020F0502020204030204" pitchFamily="34" charset="0"/>
               </a:rPr>
               <a:t>Създаваме метод </a:t>
             </a:r>
             <a:r>
-              <a:rPr lang="en-US" sz="2000" b="1" dirty="0">
+              <a:rPr lang="en-US" sz="2800" b="1" dirty="0">
                 <a:solidFill>
                   <a:schemeClr val="bg1"/>
                 </a:solidFill>
@@ -19826,7 +19828,7 @@
               <a:t>filterAndSortCountries()</a:t>
             </a:r>
             <a:r>
-              <a:rPr lang="bg-BG" sz="2000" dirty="0">
+              <a:rPr lang="bg-BG" sz="2800" dirty="0">
                 <a:latin typeface="Calibri" panose="020F0502020204030204" pitchFamily="34" charset="0"/>
                 <a:cs typeface="Calibri" panose="020F0502020204030204" pitchFamily="34" charset="0"/>
                 <a:sym typeface="Wingdings" panose="05000000000000000000" pitchFamily="2" charset="2"/>
@@ -19834,7 +19836,7 @@
               <a:t>,</a:t>
             </a:r>
             <a:r>
-              <a:rPr lang="bg-BG" sz="2000" dirty="0">
+              <a:rPr lang="bg-BG" sz="2800" dirty="0">
                 <a:solidFill>
                   <a:schemeClr val="bg1"/>
                 </a:solidFill>
@@ -19845,34 +19847,34 @@
               <a:t> </a:t>
             </a:r>
             <a:r>
-              <a:rPr lang="bg-BG" sz="2000" dirty="0">
+              <a:rPr lang="bg-BG" sz="2800" dirty="0">
                 <a:latin typeface="Calibri" panose="020F0502020204030204" pitchFamily="34" charset="0"/>
                 <a:cs typeface="Calibri" panose="020F0502020204030204" pitchFamily="34" charset="0"/>
               </a:rPr>
               <a:t>който извикваме при </a:t>
             </a:r>
             <a:r>
-              <a:rPr lang="bg-BG" sz="2000" b="1" dirty="0">
+              <a:rPr lang="bg-BG" sz="2800" b="1" dirty="0">
                 <a:latin typeface="Calibri" panose="020F0502020204030204" pitchFamily="34" charset="0"/>
                 <a:cs typeface="Calibri" panose="020F0502020204030204" pitchFamily="34" charset="0"/>
               </a:rPr>
               <a:t>филтрирането</a:t>
             </a:r>
             <a:r>
-              <a:rPr lang="bg-BG" sz="2000" dirty="0">
+              <a:rPr lang="bg-BG" sz="2800" dirty="0">
                 <a:latin typeface="Calibri" panose="020F0502020204030204" pitchFamily="34" charset="0"/>
                 <a:cs typeface="Calibri" panose="020F0502020204030204" pitchFamily="34" charset="0"/>
               </a:rPr>
               <a:t> и </a:t>
             </a:r>
             <a:r>
-              <a:rPr lang="bg-BG" sz="2000" b="1" dirty="0">
+              <a:rPr lang="bg-BG" sz="2800" b="1" dirty="0">
                 <a:latin typeface="Calibri" panose="020F0502020204030204" pitchFamily="34" charset="0"/>
                 <a:cs typeface="Calibri" panose="020F0502020204030204" pitchFamily="34" charset="0"/>
               </a:rPr>
               <a:t>сортирането</a:t>
             </a:r>
-            <a:endParaRPr lang="bg-BG" sz="2000" b="1" dirty="0"/>
+            <a:endParaRPr lang="bg-BG" sz="2800" b="1" dirty="0"/>
           </a:p>
           <a:p>
             <a:endParaRPr lang="en-US" dirty="0"/>
@@ -19904,7 +19906,10 @@
               <a:rPr lang="bg-BG" dirty="0"/>
               <a:t>Обединяване на сортиране и филтриране</a:t>
             </a:r>
-            <a:endParaRPr lang="en-US" dirty="0"/>
+            <a:r>
+              <a:rPr lang="en-US" dirty="0"/>
+              <a:t> (1)</a:t>
+            </a:r>
           </a:p>
         </p:txBody>
       </p:sp>
@@ -19924,8 +19929,8 @@
         </p:nvSpPr>
         <p:spPr bwMode="auto">
           <a:xfrm>
-            <a:off x="627830" y="1615167"/>
-            <a:ext cx="11125200" cy="5173312"/>
+            <a:off x="183502" y="2197910"/>
+            <a:ext cx="11557314" cy="4526981"/>
           </a:xfrm>
           <a:prstGeom prst="rect">
             <a:avLst/>
@@ -19953,14 +19958,14 @@
           <a:lstStyle/>
           <a:p>
             <a:r>
-              <a:rPr lang="en-GB" sz="1400" b="1" dirty="0">
+              <a:rPr lang="en-GB" sz="2000" b="1" dirty="0">
                 <a:latin typeface="Consolas" panose="020B0609020204030204" pitchFamily="49" charset="0"/>
                 <a:cs typeface="Consolas" panose="020B0609020204030204" pitchFamily="49" charset="0"/>
               </a:rPr>
               <a:t>private void </a:t>
             </a:r>
             <a:r>
-              <a:rPr lang="en-GB" sz="1400" b="1" dirty="0">
+              <a:rPr lang="en-GB" sz="2000" b="1" dirty="0">
                 <a:solidFill>
                   <a:schemeClr val="bg1"/>
                 </a:solidFill>
@@ -19970,7 +19975,7 @@
               <a:t>filterAndSortCountries</a:t>
             </a:r>
             <a:r>
-              <a:rPr lang="en-GB" sz="1400" b="1" dirty="0">
+              <a:rPr lang="en-GB" sz="2000" b="1" dirty="0">
                 <a:latin typeface="Consolas" panose="020B0609020204030204" pitchFamily="49" charset="0"/>
                 <a:cs typeface="Consolas" panose="020B0609020204030204" pitchFamily="49" charset="0"/>
               </a:rPr>
@@ -19979,7 +19984,7 @@
           </a:p>
           <a:p>
             <a:r>
-              <a:rPr lang="en-GB" sz="1400" b="1" dirty="0">
+              <a:rPr lang="en-GB" sz="2000" b="1" dirty="0">
                 <a:latin typeface="Consolas" panose="020B0609020204030204" pitchFamily="49" charset="0"/>
                 <a:cs typeface="Consolas" panose="020B0609020204030204" pitchFamily="49" charset="0"/>
               </a:rPr>
@@ -19988,7 +19993,7 @@
           </a:p>
           <a:p>
             <a:r>
-              <a:rPr lang="en-GB" sz="1400" b="1" dirty="0">
+              <a:rPr lang="en-GB" sz="2000" b="1" dirty="0">
                 <a:latin typeface="Consolas" panose="020B0609020204030204" pitchFamily="49" charset="0"/>
                 <a:cs typeface="Consolas" panose="020B0609020204030204" pitchFamily="49" charset="0"/>
               </a:rPr>
@@ -19997,7 +20002,7 @@
           </a:p>
           <a:p>
             <a:r>
-              <a:rPr lang="en-GB" sz="1400" b="1" dirty="0">
+              <a:rPr lang="en-GB" sz="2000" b="1" dirty="0">
                 <a:latin typeface="Consolas" panose="020B0609020204030204" pitchFamily="49" charset="0"/>
                 <a:cs typeface="Consolas" panose="020B0609020204030204" pitchFamily="49" charset="0"/>
               </a:rPr>
@@ -20006,14 +20011,14 @@
           </a:p>
           <a:p>
             <a:r>
-              <a:rPr lang="en-GB" sz="1400" b="1" dirty="0">
+              <a:rPr lang="en-GB" sz="2000" b="1" dirty="0">
                 <a:latin typeface="Consolas" panose="020B0609020204030204" pitchFamily="49" charset="0"/>
                 <a:cs typeface="Consolas" panose="020B0609020204030204" pitchFamily="49" charset="0"/>
               </a:rPr>
               <a:t>        </a:t>
             </a:r>
             <a:r>
-              <a:rPr lang="en-GB" sz="1400" b="1" dirty="0">
+              <a:rPr lang="en-GB" sz="2000" b="1" dirty="0">
                 <a:solidFill>
                   <a:schemeClr val="accent2"/>
                 </a:solidFill>
@@ -20023,7 +20028,7 @@
               <a:t>// </a:t>
             </a:r>
             <a:r>
-              <a:rPr lang="bg-BG" sz="1400" b="1" dirty="0">
+              <a:rPr lang="bg-BG" sz="2000" b="1" dirty="0">
                 <a:solidFill>
                   <a:schemeClr val="accent2"/>
                 </a:solidFill>
@@ -20035,21 +20040,21 @@
           </a:p>
           <a:p>
             <a:r>
-              <a:rPr lang="bg-BG" sz="1400" b="1" dirty="0">
+              <a:rPr lang="bg-BG" sz="2000" b="1" dirty="0">
                 <a:latin typeface="Consolas" panose="020B0609020204030204" pitchFamily="49" charset="0"/>
                 <a:cs typeface="Consolas" panose="020B0609020204030204" pitchFamily="49" charset="0"/>
               </a:rPr>
               <a:t>        </a:t>
             </a:r>
             <a:r>
-              <a:rPr lang="en-GB" sz="1400" b="1" dirty="0">
+              <a:rPr lang="en-GB" sz="2000" b="1" dirty="0">
                 <a:latin typeface="Consolas" panose="020B0609020204030204" pitchFamily="49" charset="0"/>
                 <a:cs typeface="Consolas" panose="020B0609020204030204" pitchFamily="49" charset="0"/>
               </a:rPr>
               <a:t>var </a:t>
             </a:r>
             <a:r>
-              <a:rPr lang="en-GB" sz="1400" b="1" dirty="0">
+              <a:rPr lang="en-GB" sz="2000" b="1" dirty="0">
                 <a:solidFill>
                   <a:schemeClr val="bg1"/>
                 </a:solidFill>
@@ -20059,7 +20064,7 @@
               <a:t>countries</a:t>
             </a:r>
             <a:r>
-              <a:rPr lang="en-GB" sz="1400" b="1" dirty="0">
+              <a:rPr lang="en-GB" sz="2000" b="1" dirty="0">
                 <a:latin typeface="Consolas" panose="020B0609020204030204" pitchFamily="49" charset="0"/>
                 <a:cs typeface="Consolas" panose="020B0609020204030204" pitchFamily="49" charset="0"/>
               </a:rPr>
@@ -20068,14 +20073,14 @@
           </a:p>
           <a:p>
             <a:r>
-              <a:rPr lang="en-GB" sz="1400" b="1" dirty="0">
+              <a:rPr lang="en-GB" sz="2000" b="1" dirty="0">
                 <a:latin typeface="Consolas" panose="020B0609020204030204" pitchFamily="49" charset="0"/>
                 <a:cs typeface="Consolas" panose="020B0609020204030204" pitchFamily="49" charset="0"/>
               </a:rPr>
               <a:t>        var </a:t>
             </a:r>
             <a:r>
-              <a:rPr lang="en-GB" sz="1400" b="1" dirty="0">
+              <a:rPr lang="en-GB" sz="2000" b="1" dirty="0">
                 <a:solidFill>
                   <a:schemeClr val="bg1"/>
                 </a:solidFill>
@@ -20085,7 +20090,7 @@
               <a:t>result</a:t>
             </a:r>
             <a:r>
-              <a:rPr lang="en-GB" sz="1400" b="1" dirty="0">
+              <a:rPr lang="en-GB" sz="2000" b="1" dirty="0">
                 <a:latin typeface="Consolas" panose="020B0609020204030204" pitchFamily="49" charset="0"/>
                 <a:cs typeface="Consolas" panose="020B0609020204030204" pitchFamily="49" charset="0"/>
               </a:rPr>
@@ -20094,14 +20099,14 @@
           </a:p>
           <a:p>
             <a:r>
-              <a:rPr lang="en-GB" sz="1400" b="1" dirty="0">
+              <a:rPr lang="en-GB" sz="2000" b="1" dirty="0">
                 <a:latin typeface="Consolas" panose="020B0609020204030204" pitchFamily="49" charset="0"/>
                 <a:cs typeface="Consolas" panose="020B0609020204030204" pitchFamily="49" charset="0"/>
               </a:rPr>
               <a:t>        </a:t>
             </a:r>
             <a:r>
-              <a:rPr lang="en-GB" sz="1400" b="1" dirty="0">
+              <a:rPr lang="en-GB" sz="2000" b="1" dirty="0">
                 <a:solidFill>
                   <a:schemeClr val="accent2"/>
                 </a:solidFill>
@@ -20111,7 +20116,7 @@
               <a:t>// </a:t>
             </a:r>
             <a:r>
-              <a:rPr lang="bg-BG" sz="1400" b="1" dirty="0">
+              <a:rPr lang="bg-BG" sz="2000" b="1" dirty="0">
                 <a:solidFill>
                   <a:schemeClr val="accent2"/>
                 </a:solidFill>
@@ -20123,21 +20128,21 @@
           </a:p>
           <a:p>
             <a:r>
-              <a:rPr lang="bg-BG" sz="1400" b="1" dirty="0">
+              <a:rPr lang="bg-BG" sz="2000" b="1" dirty="0">
                 <a:latin typeface="Consolas" panose="020B0609020204030204" pitchFamily="49" charset="0"/>
                 <a:cs typeface="Consolas" panose="020B0609020204030204" pitchFamily="49" charset="0"/>
               </a:rPr>
               <a:t>        </a:t>
             </a:r>
             <a:r>
-              <a:rPr lang="en-GB" sz="1400" b="1" dirty="0">
+              <a:rPr lang="en-GB" sz="2000" b="1" dirty="0">
                 <a:latin typeface="Consolas" panose="020B0609020204030204" pitchFamily="49" charset="0"/>
                 <a:cs typeface="Consolas" panose="020B0609020204030204" pitchFamily="49" charset="0"/>
               </a:rPr>
               <a:t>if (this.</a:t>
             </a:r>
             <a:r>
-              <a:rPr lang="en-GB" sz="1400" b="1" dirty="0">
+              <a:rPr lang="en-GB" sz="2000" b="1" dirty="0">
                 <a:solidFill>
                   <a:schemeClr val="bg1"/>
                 </a:solidFill>
@@ -20147,7 +20152,7 @@
               <a:t>textBoxFilter</a:t>
             </a:r>
             <a:r>
-              <a:rPr lang="en-GB" sz="1400" b="1" dirty="0">
+              <a:rPr lang="en-GB" sz="2000" b="1" dirty="0">
                 <a:latin typeface="Consolas" panose="020B0609020204030204" pitchFamily="49" charset="0"/>
                 <a:cs typeface="Consolas" panose="020B0609020204030204" pitchFamily="49" charset="0"/>
               </a:rPr>
@@ -20156,7 +20161,7 @@
           </a:p>
           <a:p>
             <a:r>
-              <a:rPr lang="en-GB" sz="1400" b="1" dirty="0">
+              <a:rPr lang="en-GB" sz="2000" b="1" dirty="0">
                 <a:latin typeface="Consolas" panose="020B0609020204030204" pitchFamily="49" charset="0"/>
                 <a:cs typeface="Consolas" panose="020B0609020204030204" pitchFamily="49" charset="0"/>
               </a:rPr>
@@ -20165,7 +20170,7 @@
           </a:p>
           <a:p>
             <a:r>
-              <a:rPr lang="en-GB" sz="1400" b="1" dirty="0">
+              <a:rPr lang="en-GB" sz="2000" b="1" dirty="0">
                 <a:latin typeface="Consolas" panose="020B0609020204030204" pitchFamily="49" charset="0"/>
                 <a:cs typeface="Consolas" panose="020B0609020204030204" pitchFamily="49" charset="0"/>
               </a:rPr>
@@ -20174,14 +20179,14 @@
           </a:p>
           <a:p>
             <a:r>
-              <a:rPr lang="en-GB" sz="1400" b="1" dirty="0">
+              <a:rPr lang="en-GB" sz="2000" b="1" dirty="0">
                 <a:latin typeface="Consolas" panose="020B0609020204030204" pitchFamily="49" charset="0"/>
                 <a:cs typeface="Consolas" panose="020B0609020204030204" pitchFamily="49" charset="0"/>
               </a:rPr>
               <a:t>            result = this.</a:t>
             </a:r>
             <a:r>
-              <a:rPr lang="en-GB" sz="1400" b="1" dirty="0">
+              <a:rPr lang="en-GB" sz="2000" b="1" dirty="0">
                 <a:solidFill>
                   <a:schemeClr val="bg1"/>
                 </a:solidFill>
@@ -20191,7 +20196,7 @@
               <a:t>FilterCountries</a:t>
             </a:r>
             <a:r>
-              <a:rPr lang="en-GB" sz="1400" b="1" dirty="0">
+              <a:rPr lang="en-GB" sz="2000" b="1" dirty="0">
                 <a:latin typeface="Consolas" panose="020B0609020204030204" pitchFamily="49" charset="0"/>
                 <a:cs typeface="Consolas" panose="020B0609020204030204" pitchFamily="49" charset="0"/>
               </a:rPr>
@@ -20200,7 +20205,7 @@
           </a:p>
           <a:p>
             <a:r>
-              <a:rPr lang="en-GB" sz="1400" b="1" dirty="0">
+              <a:rPr lang="en-GB" sz="2000" b="1" dirty="0">
                 <a:latin typeface="Consolas" panose="020B0609020204030204" pitchFamily="49" charset="0"/>
                 <a:cs typeface="Consolas" panose="020B0609020204030204" pitchFamily="49" charset="0"/>
               </a:rPr>
@@ -20209,236 +20214,16 @@
           </a:p>
           <a:p>
             <a:r>
-              <a:rPr lang="en-GB" sz="1400" b="1" dirty="0">
+              <a:rPr lang="en-US" sz="2000" b="1" dirty="0">
                 <a:latin typeface="Consolas" panose="020B0609020204030204" pitchFamily="49" charset="0"/>
                 <a:cs typeface="Consolas" panose="020B0609020204030204" pitchFamily="49" charset="0"/>
               </a:rPr>
-              <a:t>        </a:t>
-            </a:r>
-            <a:r>
-              <a:rPr lang="en-GB" sz="1400" b="1" dirty="0">
-                <a:solidFill>
-                  <a:schemeClr val="accent2"/>
-                </a:solidFill>
-                <a:latin typeface="Consolas" panose="020B0609020204030204" pitchFamily="49" charset="0"/>
-                <a:cs typeface="Consolas" panose="020B0609020204030204" pitchFamily="49" charset="0"/>
-              </a:rPr>
-              <a:t>// </a:t>
-            </a:r>
-            <a:r>
-              <a:rPr lang="bg-BG" sz="1400" b="1" dirty="0">
-                <a:solidFill>
-                  <a:schemeClr val="accent2"/>
-                </a:solidFill>
-                <a:latin typeface="Consolas" panose="020B0609020204030204" pitchFamily="49" charset="0"/>
-                <a:cs typeface="Consolas" panose="020B0609020204030204" pitchFamily="49" charset="0"/>
-              </a:rPr>
-              <a:t>Прилагаме критерия за сортиране</a:t>
-            </a:r>
-          </a:p>
-          <a:p>
-            <a:r>
-              <a:rPr lang="bg-BG" sz="1400" b="1" dirty="0">
-                <a:latin typeface="Consolas" panose="020B0609020204030204" pitchFamily="49" charset="0"/>
-                <a:cs typeface="Consolas" panose="020B0609020204030204" pitchFamily="49" charset="0"/>
-              </a:rPr>
-              <a:t>        </a:t>
-            </a:r>
-            <a:r>
-              <a:rPr lang="en-GB" sz="1400" b="1" dirty="0">
-                <a:latin typeface="Consolas" panose="020B0609020204030204" pitchFamily="49" charset="0"/>
-                <a:cs typeface="Consolas" panose="020B0609020204030204" pitchFamily="49" charset="0"/>
-              </a:rPr>
-              <a:t>if (this.</a:t>
-            </a:r>
-            <a:r>
-              <a:rPr lang="en-GB" sz="1400" b="1" dirty="0">
-                <a:solidFill>
-                  <a:schemeClr val="bg1"/>
-                </a:solidFill>
-                <a:latin typeface="Consolas" panose="020B0609020204030204" pitchFamily="49" charset="0"/>
-                <a:cs typeface="Consolas" panose="020B0609020204030204" pitchFamily="49" charset="0"/>
-              </a:rPr>
-              <a:t>comboBoxSort</a:t>
-            </a:r>
-            <a:r>
-              <a:rPr lang="en-GB" sz="1400" b="1" dirty="0">
-                <a:latin typeface="Consolas" panose="020B0609020204030204" pitchFamily="49" charset="0"/>
-                <a:cs typeface="Consolas" panose="020B0609020204030204" pitchFamily="49" charset="0"/>
-              </a:rPr>
-              <a:t>.SelectedItem != null)</a:t>
-            </a:r>
-          </a:p>
-          <a:p>
-            <a:r>
-              <a:rPr lang="en-GB" sz="1400" b="1" dirty="0">
-                <a:latin typeface="Consolas" panose="020B0609020204030204" pitchFamily="49" charset="0"/>
-                <a:cs typeface="Consolas" panose="020B0609020204030204" pitchFamily="49" charset="0"/>
-              </a:rPr>
-              <a:t>        {</a:t>
-            </a:r>
-          </a:p>
-          <a:p>
-            <a:r>
-              <a:rPr lang="en-GB" sz="1400" b="1" dirty="0">
-                <a:latin typeface="Consolas" panose="020B0609020204030204" pitchFamily="49" charset="0"/>
-                <a:cs typeface="Consolas" panose="020B0609020204030204" pitchFamily="49" charset="0"/>
-              </a:rPr>
-              <a:t>            var selectedSort = this.comboBoxSort.SelectedItem.ToString();</a:t>
-            </a:r>
-          </a:p>
-          <a:p>
-            <a:r>
-              <a:rPr lang="en-GB" sz="1400" b="1" dirty="0">
-                <a:latin typeface="Consolas" panose="020B0609020204030204" pitchFamily="49" charset="0"/>
-                <a:cs typeface="Consolas" panose="020B0609020204030204" pitchFamily="49" charset="0"/>
-              </a:rPr>
-              <a:t>            result = this.</a:t>
-            </a:r>
-            <a:r>
-              <a:rPr lang="en-GB" sz="1400" b="1" dirty="0">
-                <a:solidFill>
-                  <a:schemeClr val="bg1"/>
-                </a:solidFill>
-                <a:latin typeface="Consolas" panose="020B0609020204030204" pitchFamily="49" charset="0"/>
-                <a:cs typeface="Consolas" panose="020B0609020204030204" pitchFamily="49" charset="0"/>
-              </a:rPr>
-              <a:t>SortCountries</a:t>
-            </a:r>
-            <a:r>
-              <a:rPr lang="en-GB" sz="1400" b="1" dirty="0">
-                <a:latin typeface="Consolas" panose="020B0609020204030204" pitchFamily="49" charset="0"/>
-                <a:cs typeface="Consolas" panose="020B0609020204030204" pitchFamily="49" charset="0"/>
-              </a:rPr>
-              <a:t>(result, selectedSort);</a:t>
-            </a:r>
-          </a:p>
-          <a:p>
-            <a:r>
-              <a:rPr lang="en-GB" sz="1400" b="1" dirty="0">
-                <a:latin typeface="Consolas" panose="020B0609020204030204" pitchFamily="49" charset="0"/>
-                <a:cs typeface="Consolas" panose="020B0609020204030204" pitchFamily="49" charset="0"/>
-              </a:rPr>
-              <a:t>        }               </a:t>
-            </a:r>
-          </a:p>
-          <a:p>
-            <a:r>
-              <a:rPr lang="en-GB" sz="1400" b="1" dirty="0">
-                <a:latin typeface="Consolas" panose="020B0609020204030204" pitchFamily="49" charset="0"/>
-                <a:cs typeface="Consolas" panose="020B0609020204030204" pitchFamily="49" charset="0"/>
-              </a:rPr>
-              <a:t>        </a:t>
-            </a:r>
-            <a:r>
-              <a:rPr lang="en-GB" sz="1400" b="1" dirty="0">
-                <a:solidFill>
-                  <a:schemeClr val="accent2"/>
-                </a:solidFill>
-                <a:latin typeface="Consolas" panose="020B0609020204030204" pitchFamily="49" charset="0"/>
-                <a:cs typeface="Consolas" panose="020B0609020204030204" pitchFamily="49" charset="0"/>
-              </a:rPr>
-              <a:t>// </a:t>
-            </a:r>
-            <a:r>
-              <a:rPr lang="bg-BG" sz="1400" b="1" dirty="0">
-                <a:solidFill>
-                  <a:schemeClr val="accent2"/>
-                </a:solidFill>
-                <a:latin typeface="Consolas" panose="020B0609020204030204" pitchFamily="49" charset="0"/>
-                <a:cs typeface="Consolas" panose="020B0609020204030204" pitchFamily="49" charset="0"/>
-              </a:rPr>
-              <a:t>Обновяваме таблицата</a:t>
-            </a:r>
-          </a:p>
-          <a:p>
-            <a:r>
-              <a:rPr lang="bg-BG" sz="1400" b="1" dirty="0">
-                <a:latin typeface="Consolas" panose="020B0609020204030204" pitchFamily="49" charset="0"/>
-                <a:cs typeface="Consolas" panose="020B0609020204030204" pitchFamily="49" charset="0"/>
-              </a:rPr>
-              <a:t>        </a:t>
-            </a:r>
-            <a:r>
-              <a:rPr lang="en-GB" sz="1400" b="1" dirty="0">
-                <a:latin typeface="Consolas" panose="020B0609020204030204" pitchFamily="49" charset="0"/>
-                <a:cs typeface="Consolas" panose="020B0609020204030204" pitchFamily="49" charset="0"/>
-              </a:rPr>
-              <a:t>this.</a:t>
-            </a:r>
-            <a:r>
-              <a:rPr kumimoji="0" lang="en-GB" sz="1400" b="1" i="0" u="none" strike="noStrike" kern="1200" cap="none" spc="0" normalizeH="0" baseline="0" noProof="0" dirty="0">
-                <a:ln>
-                  <a:noFill/>
-                </a:ln>
-                <a:effectLst/>
-                <a:uLnTx/>
-                <a:uFillTx/>
-                <a:latin typeface="Consolas" panose="020B0609020204030204" pitchFamily="49" charset="0"/>
-                <a:ea typeface="+mn-ea"/>
-                <a:cs typeface="Consolas" panose="020B0609020204030204" pitchFamily="49" charset="0"/>
-              </a:rPr>
-              <a:t>countryBindingSource</a:t>
-            </a:r>
-            <a:r>
-              <a:rPr lang="en-GB" sz="1400" b="1" dirty="0">
-                <a:latin typeface="Consolas" panose="020B0609020204030204" pitchFamily="49" charset="0"/>
-                <a:cs typeface="Consolas" panose="020B0609020204030204" pitchFamily="49" charset="0"/>
-              </a:rPr>
-              <a:t>.</a:t>
-            </a:r>
-            <a:r>
-              <a:rPr lang="en-GB" sz="1400" b="1" dirty="0">
-                <a:solidFill>
-                  <a:schemeClr val="bg1"/>
-                </a:solidFill>
-                <a:latin typeface="Consolas" panose="020B0609020204030204" pitchFamily="49" charset="0"/>
-                <a:cs typeface="Consolas" panose="020B0609020204030204" pitchFamily="49" charset="0"/>
-              </a:rPr>
-              <a:t>DataSource</a:t>
-            </a:r>
-            <a:r>
-              <a:rPr lang="en-GB" sz="1400" b="1" dirty="0">
-                <a:latin typeface="Consolas" panose="020B0609020204030204" pitchFamily="49" charset="0"/>
-                <a:cs typeface="Consolas" panose="020B0609020204030204" pitchFamily="49" charset="0"/>
-              </a:rPr>
-              <a:t> = </a:t>
-            </a:r>
-            <a:r>
-              <a:rPr lang="en-GB" sz="1400" b="1" dirty="0">
-                <a:solidFill>
-                  <a:schemeClr val="bg1"/>
-                </a:solidFill>
-                <a:latin typeface="Consolas" panose="020B0609020204030204" pitchFamily="49" charset="0"/>
-                <a:cs typeface="Consolas" panose="020B0609020204030204" pitchFamily="49" charset="0"/>
-              </a:rPr>
-              <a:t>result</a:t>
-            </a:r>
-            <a:r>
-              <a:rPr lang="en-GB" sz="1400" b="1" dirty="0">
-                <a:latin typeface="Consolas" panose="020B0609020204030204" pitchFamily="49" charset="0"/>
-                <a:cs typeface="Consolas" panose="020B0609020204030204" pitchFamily="49" charset="0"/>
-              </a:rPr>
-              <a:t>;</a:t>
-            </a:r>
-          </a:p>
-          <a:p>
-            <a:r>
-              <a:rPr lang="en-GB" sz="1400" b="1" dirty="0">
-                <a:latin typeface="Consolas" panose="020B0609020204030204" pitchFamily="49" charset="0"/>
-                <a:cs typeface="Consolas" panose="020B0609020204030204" pitchFamily="49" charset="0"/>
-              </a:rPr>
-              <a:t>    }</a:t>
-            </a:r>
-          </a:p>
-          <a:p>
-            <a:r>
-              <a:rPr lang="en-GB" sz="1400" b="1" dirty="0">
-                <a:latin typeface="Consolas" panose="020B0609020204030204" pitchFamily="49" charset="0"/>
-                <a:cs typeface="Consolas" panose="020B0609020204030204" pitchFamily="49" charset="0"/>
-              </a:rPr>
-              <a:t>}</a:t>
-            </a:r>
+              <a:t>...</a:t>
+            </a:r>
+            <a:endParaRPr lang="en-GB" sz="2000" b="1" dirty="0">
+              <a:latin typeface="Consolas" panose="020B0609020204030204" pitchFamily="49" charset="0"/>
+              <a:cs typeface="Consolas" panose="020B0609020204030204" pitchFamily="49" charset="0"/>
+            </a:endParaRPr>
           </a:p>
         </p:txBody>
       </p:sp>
@@ -20628,6 +20413,408 @@
           <p:cNvPr id="2" name="Slide Number Placeholder 1">
             <a:extLst>
               <a:ext uri="{FF2B5EF4-FFF2-40B4-BE49-F238E27FC236}">
+                <a16:creationId xmlns:a16="http://schemas.microsoft.com/office/drawing/2014/main" id="{19F4C4F9-F53D-7EEC-5982-91B898AF1E6C}"/>
+              </a:ext>
+            </a:extLst>
+          </p:cNvPr>
+          <p:cNvSpPr>
+            <a:spLocks noGrp="1"/>
+          </p:cNvSpPr>
+          <p:nvPr>
+            <p:ph type="sldNum" sz="quarter" idx="5"/>
+          </p:nvPr>
+        </p:nvSpPr>
+        <p:spPr/>
+        <p:txBody>
+          <a:bodyPr/>
+          <a:lstStyle/>
+          <a:p>
+            <a:fld id="{2BF067CD-8E6B-4360-9AA8-C5DF2A48A6D1}" type="slidenum">
+              <a:rPr lang="en-US" noProof="0" smtClean="0"/>
+              <a:pPr/>
+              <a:t>30</a:t>
+            </a:fld>
+            <a:endParaRPr lang="en-US" noProof="0" dirty="0"/>
+          </a:p>
+        </p:txBody>
+      </p:sp>
+      <p:sp>
+        <p:nvSpPr>
+          <p:cNvPr id="4" name="Title 3">
+            <a:extLst>
+              <a:ext uri="{FF2B5EF4-FFF2-40B4-BE49-F238E27FC236}">
+                <a16:creationId xmlns:a16="http://schemas.microsoft.com/office/drawing/2014/main" id="{B6A97C9D-5CE3-A2C8-5F4B-D652EEE4A21A}"/>
+              </a:ext>
+            </a:extLst>
+          </p:cNvPr>
+          <p:cNvSpPr>
+            <a:spLocks noGrp="1"/>
+          </p:cNvSpPr>
+          <p:nvPr>
+            <p:ph type="title"/>
+          </p:nvPr>
+        </p:nvSpPr>
+        <p:spPr/>
+        <p:txBody>
+          <a:bodyPr>
+            <a:normAutofit/>
+          </a:bodyPr>
+          <a:lstStyle/>
+          <a:p>
+            <a:r>
+              <a:rPr lang="bg-BG" dirty="0"/>
+              <a:t>Обединяване на сортиране и филтриране</a:t>
+            </a:r>
+            <a:r>
+              <a:rPr lang="en-US" dirty="0"/>
+              <a:t> (2)</a:t>
+            </a:r>
+          </a:p>
+        </p:txBody>
+      </p:sp>
+      <p:sp>
+        <p:nvSpPr>
+          <p:cNvPr id="5" name="Rectangle 4">
+            <a:extLst>
+              <a:ext uri="{FF2B5EF4-FFF2-40B4-BE49-F238E27FC236}">
+                <a16:creationId xmlns:a16="http://schemas.microsoft.com/office/drawing/2014/main" id="{42FF9AC9-A111-15E3-5A5D-22BC36ECE886}"/>
+              </a:ext>
+            </a:extLst>
+          </p:cNvPr>
+          <p:cNvSpPr>
+            <a:spLocks noChangeArrowheads="1"/>
+          </p:cNvSpPr>
+          <p:nvPr/>
+        </p:nvSpPr>
+        <p:spPr bwMode="auto">
+          <a:xfrm>
+            <a:off x="205748" y="1179000"/>
+            <a:ext cx="11547281" cy="4650092"/>
+          </a:xfrm>
+          <a:prstGeom prst="rect">
+            <a:avLst/>
+          </a:prstGeom>
+          <a:solidFill>
+            <a:schemeClr val="accent5">
+              <a:lumMod val="40000"/>
+              <a:lumOff val="60000"/>
+              <a:alpha val="20000"/>
+            </a:schemeClr>
+          </a:solidFill>
+          <a:ln w="12700">
+            <a:solidFill>
+              <a:schemeClr val="accent5">
+                <a:lumMod val="60000"/>
+                <a:lumOff val="40000"/>
+              </a:schemeClr>
+            </a:solidFill>
+          </a:ln>
+        </p:spPr>
+        <p:txBody>
+          <a:bodyPr vert="horz" wrap="square" lIns="144000" tIns="108000" rIns="144000" bIns="108000" rtlCol="0">
+            <a:spAutoFit/>
+          </a:bodyPr>
+          <a:lstStyle/>
+          <a:p>
+            <a:r>
+              <a:rPr lang="en-US" sz="2400" b="1" dirty="0">
+                <a:latin typeface="Consolas" panose="020B0609020204030204" pitchFamily="49" charset="0"/>
+                <a:cs typeface="Consolas" panose="020B0609020204030204" pitchFamily="49" charset="0"/>
+              </a:rPr>
+              <a:t>...</a:t>
+            </a:r>
+            <a:endParaRPr lang="en-GB" sz="2400" b="1" dirty="0">
+              <a:latin typeface="Consolas" panose="020B0609020204030204" pitchFamily="49" charset="0"/>
+              <a:cs typeface="Consolas" panose="020B0609020204030204" pitchFamily="49" charset="0"/>
+            </a:endParaRPr>
+          </a:p>
+          <a:p>
+            <a:r>
+              <a:rPr lang="en-GB" sz="2400" b="1" dirty="0">
+                <a:latin typeface="Consolas" panose="020B0609020204030204" pitchFamily="49" charset="0"/>
+                <a:cs typeface="Consolas" panose="020B0609020204030204" pitchFamily="49" charset="0"/>
+              </a:rPr>
+              <a:t>        </a:t>
+            </a:r>
+            <a:r>
+              <a:rPr lang="en-GB" sz="2400" b="1" dirty="0">
+                <a:solidFill>
+                  <a:schemeClr val="accent2"/>
+                </a:solidFill>
+                <a:latin typeface="Consolas" panose="020B0609020204030204" pitchFamily="49" charset="0"/>
+                <a:cs typeface="Consolas" panose="020B0609020204030204" pitchFamily="49" charset="0"/>
+              </a:rPr>
+              <a:t>// </a:t>
+            </a:r>
+            <a:r>
+              <a:rPr lang="bg-BG" sz="2400" b="1" dirty="0">
+                <a:solidFill>
+                  <a:schemeClr val="accent2"/>
+                </a:solidFill>
+                <a:latin typeface="Consolas" panose="020B0609020204030204" pitchFamily="49" charset="0"/>
+                <a:cs typeface="Consolas" panose="020B0609020204030204" pitchFamily="49" charset="0"/>
+              </a:rPr>
+              <a:t>Прилагаме критерия за сортиране</a:t>
+            </a:r>
+          </a:p>
+          <a:p>
+            <a:r>
+              <a:rPr lang="bg-BG" sz="2400" b="1" dirty="0">
+                <a:latin typeface="Consolas" panose="020B0609020204030204" pitchFamily="49" charset="0"/>
+                <a:cs typeface="Consolas" panose="020B0609020204030204" pitchFamily="49" charset="0"/>
+              </a:rPr>
+              <a:t>        </a:t>
+            </a:r>
+            <a:r>
+              <a:rPr lang="en-GB" sz="2400" b="1" dirty="0">
+                <a:latin typeface="Consolas" panose="020B0609020204030204" pitchFamily="49" charset="0"/>
+                <a:cs typeface="Consolas" panose="020B0609020204030204" pitchFamily="49" charset="0"/>
+              </a:rPr>
+              <a:t>if (this.</a:t>
+            </a:r>
+            <a:r>
+              <a:rPr lang="en-GB" sz="2400" b="1" dirty="0">
+                <a:solidFill>
+                  <a:schemeClr val="bg1"/>
+                </a:solidFill>
+                <a:latin typeface="Consolas" panose="020B0609020204030204" pitchFamily="49" charset="0"/>
+                <a:cs typeface="Consolas" panose="020B0609020204030204" pitchFamily="49" charset="0"/>
+              </a:rPr>
+              <a:t>comboBoxSort</a:t>
+            </a:r>
+            <a:r>
+              <a:rPr lang="en-GB" sz="2400" b="1" dirty="0">
+                <a:latin typeface="Consolas" panose="020B0609020204030204" pitchFamily="49" charset="0"/>
+                <a:cs typeface="Consolas" panose="020B0609020204030204" pitchFamily="49" charset="0"/>
+              </a:rPr>
+              <a:t>.SelectedItem != null)</a:t>
+            </a:r>
+          </a:p>
+          <a:p>
+            <a:r>
+              <a:rPr lang="en-GB" sz="2400" b="1" dirty="0">
+                <a:latin typeface="Consolas" panose="020B0609020204030204" pitchFamily="49" charset="0"/>
+                <a:cs typeface="Consolas" panose="020B0609020204030204" pitchFamily="49" charset="0"/>
+              </a:rPr>
+              <a:t>        {</a:t>
+            </a:r>
+          </a:p>
+          <a:p>
+            <a:r>
+              <a:rPr lang="en-GB" sz="2400" b="1" dirty="0">
+                <a:latin typeface="Consolas" panose="020B0609020204030204" pitchFamily="49" charset="0"/>
+                <a:cs typeface="Consolas" panose="020B0609020204030204" pitchFamily="49" charset="0"/>
+              </a:rPr>
+              <a:t>            var selectedSort = this.comboBoxSort</a:t>
+            </a:r>
+          </a:p>
+          <a:p>
+            <a:r>
+              <a:rPr lang="en-GB" sz="2400" b="1" dirty="0">
+                <a:latin typeface="Consolas" panose="020B0609020204030204" pitchFamily="49" charset="0"/>
+                <a:cs typeface="Consolas" panose="020B0609020204030204" pitchFamily="49" charset="0"/>
+              </a:rPr>
+              <a:t>                                     .SelectedItem.ToString();</a:t>
+            </a:r>
+          </a:p>
+          <a:p>
+            <a:r>
+              <a:rPr lang="en-GB" sz="2400" b="1" dirty="0">
+                <a:latin typeface="Consolas" panose="020B0609020204030204" pitchFamily="49" charset="0"/>
+                <a:cs typeface="Consolas" panose="020B0609020204030204" pitchFamily="49" charset="0"/>
+              </a:rPr>
+              <a:t>            result = this.</a:t>
+            </a:r>
+            <a:r>
+              <a:rPr lang="en-GB" sz="2400" b="1" dirty="0">
+                <a:solidFill>
+                  <a:schemeClr val="bg1"/>
+                </a:solidFill>
+                <a:latin typeface="Consolas" panose="020B0609020204030204" pitchFamily="49" charset="0"/>
+                <a:cs typeface="Consolas" panose="020B0609020204030204" pitchFamily="49" charset="0"/>
+              </a:rPr>
+              <a:t>SortCountries</a:t>
+            </a:r>
+            <a:r>
+              <a:rPr lang="en-GB" sz="2400" b="1" dirty="0">
+                <a:latin typeface="Consolas" panose="020B0609020204030204" pitchFamily="49" charset="0"/>
+                <a:cs typeface="Consolas" panose="020B0609020204030204" pitchFamily="49" charset="0"/>
+              </a:rPr>
+              <a:t>(result, selectedSort);</a:t>
+            </a:r>
+          </a:p>
+          <a:p>
+            <a:r>
+              <a:rPr lang="en-GB" sz="2400" b="1" dirty="0">
+                <a:latin typeface="Consolas" panose="020B0609020204030204" pitchFamily="49" charset="0"/>
+                <a:cs typeface="Consolas" panose="020B0609020204030204" pitchFamily="49" charset="0"/>
+              </a:rPr>
+              <a:t>        }               </a:t>
+            </a:r>
+          </a:p>
+          <a:p>
+            <a:r>
+              <a:rPr lang="en-GB" sz="2400" b="1" dirty="0">
+                <a:latin typeface="Consolas" panose="020B0609020204030204" pitchFamily="49" charset="0"/>
+                <a:cs typeface="Consolas" panose="020B0609020204030204" pitchFamily="49" charset="0"/>
+              </a:rPr>
+              <a:t>        </a:t>
+            </a:r>
+            <a:r>
+              <a:rPr lang="en-GB" sz="2400" b="1" dirty="0">
+                <a:solidFill>
+                  <a:schemeClr val="accent2"/>
+                </a:solidFill>
+                <a:latin typeface="Consolas" panose="020B0609020204030204" pitchFamily="49" charset="0"/>
+                <a:cs typeface="Consolas" panose="020B0609020204030204" pitchFamily="49" charset="0"/>
+              </a:rPr>
+              <a:t>// </a:t>
+            </a:r>
+            <a:r>
+              <a:rPr lang="bg-BG" sz="2400" b="1" dirty="0">
+                <a:solidFill>
+                  <a:schemeClr val="accent2"/>
+                </a:solidFill>
+                <a:latin typeface="Consolas" panose="020B0609020204030204" pitchFamily="49" charset="0"/>
+                <a:cs typeface="Consolas" panose="020B0609020204030204" pitchFamily="49" charset="0"/>
+              </a:rPr>
+              <a:t>Обновяваме таблицата</a:t>
+            </a:r>
+          </a:p>
+          <a:p>
+            <a:r>
+              <a:rPr lang="bg-BG" sz="2400" b="1" dirty="0">
+                <a:latin typeface="Consolas" panose="020B0609020204030204" pitchFamily="49" charset="0"/>
+                <a:cs typeface="Consolas" panose="020B0609020204030204" pitchFamily="49" charset="0"/>
+              </a:rPr>
+              <a:t>        </a:t>
+            </a:r>
+            <a:r>
+              <a:rPr lang="en-GB" sz="2400" b="1" dirty="0">
+                <a:latin typeface="Consolas" panose="020B0609020204030204" pitchFamily="49" charset="0"/>
+                <a:cs typeface="Consolas" panose="020B0609020204030204" pitchFamily="49" charset="0"/>
+              </a:rPr>
+              <a:t>this.</a:t>
+            </a:r>
+            <a:r>
+              <a:rPr kumimoji="0" lang="en-GB" sz="2400" b="1" i="0" u="none" strike="noStrike" kern="1200" cap="none" spc="0" normalizeH="0" baseline="0" noProof="0" dirty="0">
+                <a:ln>
+                  <a:noFill/>
+                </a:ln>
+                <a:effectLst/>
+                <a:uLnTx/>
+                <a:uFillTx/>
+                <a:latin typeface="Consolas" panose="020B0609020204030204" pitchFamily="49" charset="0"/>
+                <a:ea typeface="+mn-ea"/>
+                <a:cs typeface="Consolas" panose="020B0609020204030204" pitchFamily="49" charset="0"/>
+              </a:rPr>
+              <a:t>countryBindingSource</a:t>
+            </a:r>
+            <a:r>
+              <a:rPr lang="en-GB" sz="2400" b="1" dirty="0">
+                <a:latin typeface="Consolas" panose="020B0609020204030204" pitchFamily="49" charset="0"/>
+                <a:cs typeface="Consolas" panose="020B0609020204030204" pitchFamily="49" charset="0"/>
+              </a:rPr>
+              <a:t>.</a:t>
+            </a:r>
+            <a:r>
+              <a:rPr lang="en-GB" sz="2400" b="1" dirty="0">
+                <a:solidFill>
+                  <a:schemeClr val="bg1"/>
+                </a:solidFill>
+                <a:latin typeface="Consolas" panose="020B0609020204030204" pitchFamily="49" charset="0"/>
+                <a:cs typeface="Consolas" panose="020B0609020204030204" pitchFamily="49" charset="0"/>
+              </a:rPr>
+              <a:t>DataSource</a:t>
+            </a:r>
+            <a:r>
+              <a:rPr lang="en-GB" sz="2400" b="1" dirty="0">
+                <a:latin typeface="Consolas" panose="020B0609020204030204" pitchFamily="49" charset="0"/>
+                <a:cs typeface="Consolas" panose="020B0609020204030204" pitchFamily="49" charset="0"/>
+              </a:rPr>
+              <a:t> = </a:t>
+            </a:r>
+            <a:r>
+              <a:rPr lang="en-GB" sz="2400" b="1" dirty="0">
+                <a:solidFill>
+                  <a:schemeClr val="bg1"/>
+                </a:solidFill>
+                <a:latin typeface="Consolas" panose="020B0609020204030204" pitchFamily="49" charset="0"/>
+                <a:cs typeface="Consolas" panose="020B0609020204030204" pitchFamily="49" charset="0"/>
+              </a:rPr>
+              <a:t>result</a:t>
+            </a:r>
+            <a:r>
+              <a:rPr lang="en-GB" sz="2400" b="1" dirty="0">
+                <a:latin typeface="Consolas" panose="020B0609020204030204" pitchFamily="49" charset="0"/>
+                <a:cs typeface="Consolas" panose="020B0609020204030204" pitchFamily="49" charset="0"/>
+              </a:rPr>
+              <a:t>;</a:t>
+            </a:r>
+          </a:p>
+          <a:p>
+            <a:r>
+              <a:rPr lang="en-GB" sz="2400" b="1" dirty="0">
+                <a:latin typeface="Consolas" panose="020B0609020204030204" pitchFamily="49" charset="0"/>
+                <a:cs typeface="Consolas" panose="020B0609020204030204" pitchFamily="49" charset="0"/>
+              </a:rPr>
+              <a:t>    }</a:t>
+            </a:r>
+          </a:p>
+          <a:p>
+            <a:r>
+              <a:rPr lang="en-GB" sz="2400" b="1" dirty="0">
+                <a:latin typeface="Consolas" panose="020B0609020204030204" pitchFamily="49" charset="0"/>
+                <a:cs typeface="Consolas" panose="020B0609020204030204" pitchFamily="49" charset="0"/>
+              </a:rPr>
+              <a:t>}</a:t>
+            </a:r>
+          </a:p>
+        </p:txBody>
+      </p:sp>
+    </p:spTree>
+    <p:extLst>
+      <p:ext uri="{BB962C8B-B14F-4D97-AF65-F5344CB8AC3E}">
+        <p14:creationId xmlns:p14="http://schemas.microsoft.com/office/powerpoint/2010/main" val="3917696206"/>
+      </p:ext>
+    </p:extLst>
+  </p:cSld>
+  <p:clrMapOvr>
+    <a:masterClrMapping/>
+  </p:clrMapOvr>
+  <mc:AlternateContent xmlns:mc="http://schemas.openxmlformats.org/markup-compatibility/2006">
+    <mc:Choice xmlns:p14="http://schemas.microsoft.com/office/powerpoint/2010/main" Requires="p14">
+      <p:transition spd="slow" p14:dur="2000" advClick="0" advTm="5000"/>
+    </mc:Choice>
+    <mc:Fallback>
+      <p:transition spd="slow" advClick="0" advTm="5000"/>
+    </mc:Fallback>
+  </mc:AlternateContent>
+</p:sld>
+</file>
+
+<file path=ppt/slides/slide31.xml><?xml version="1.0" encoding="utf-8"?>
+<p:sld xmlns:a="http://schemas.openxmlformats.org/drawingml/2006/main" xmlns:r="http://schemas.openxmlformats.org/officeDocument/2006/relationships" xmlns:p="http://schemas.openxmlformats.org/presentationml/2006/main">
+  <p:cSld>
+    <p:spTree>
+      <p:nvGrpSpPr>
+        <p:cNvPr id="1" name=""/>
+        <p:cNvGrpSpPr/>
+        <p:nvPr/>
+      </p:nvGrpSpPr>
+      <p:grpSpPr>
+        <a:xfrm>
+          <a:off x="0" y="0"/>
+          <a:ext cx="0" cy="0"/>
+          <a:chOff x="0" y="0"/>
+          <a:chExt cx="0" cy="0"/>
+        </a:xfrm>
+      </p:grpSpPr>
+      <p:sp>
+        <p:nvSpPr>
+          <p:cNvPr id="2" name="Slide Number Placeholder 1">
+            <a:extLst>
+              <a:ext uri="{FF2B5EF4-FFF2-40B4-BE49-F238E27FC236}">
                 <a16:creationId xmlns:a16="http://schemas.microsoft.com/office/drawing/2014/main" id="{17B9613A-E959-7D44-F55D-E718F1D48461}"/>
               </a:ext>
             </a:extLst>
@@ -20647,7 +20834,7 @@
             <a:fld id="{2BF067CD-8E6B-4360-9AA8-C5DF2A48A6D1}" type="slidenum">
               <a:rPr lang="en-US" noProof="0" smtClean="0"/>
               <a:pPr/>
-              <a:t>30</a:t>
+              <a:t>31</a:t>
             </a:fld>
             <a:endParaRPr lang="en-US" noProof="0" dirty="0"/>
           </a:p>
@@ -20970,7 +21157,7 @@
 </p:sld>
 </file>
 
-<file path=ppt/slides/slide31.xml><?xml version="1.0" encoding="utf-8"?>
+<file path=ppt/slides/slide32.xml><?xml version="1.0" encoding="utf-8"?>
 <p:sld xmlns:a="http://schemas.openxmlformats.org/drawingml/2006/main" xmlns:r="http://schemas.openxmlformats.org/officeDocument/2006/relationships" xmlns:p="http://schemas.openxmlformats.org/presentationml/2006/main">
   <p:cSld>
     <p:spTree>
@@ -21011,7 +21198,7 @@
             <a:fld id="{2BF067CD-8E6B-4360-9AA8-C5DF2A48A6D1}" type="slidenum">
               <a:rPr lang="en-US" noProof="0" smtClean="0"/>
               <a:pPr/>
-              <a:t>31</a:t>
+              <a:t>32</a:t>
             </a:fld>
             <a:endParaRPr lang="en-US" noProof="0" dirty="0"/>
           </a:p>
@@ -21234,7 +21421,7 @@
 </p:sld>
 </file>
 
-<file path=ppt/slides/slide32.xml><?xml version="1.0" encoding="utf-8"?>
+<file path=ppt/slides/slide33.xml><?xml version="1.0" encoding="utf-8"?>
 <p:sld xmlns:a="http://schemas.openxmlformats.org/drawingml/2006/main" xmlns:r="http://schemas.openxmlformats.org/officeDocument/2006/relationships" xmlns:p="http://schemas.openxmlformats.org/presentationml/2006/main">
   <p:cSld>
     <p:spTree>
@@ -21527,7 +21714,7 @@
               </a:buClr>
             </a:pPr>
             <a:r>
-              <a:rPr lang="en-GB" sz="2800" b="1" dirty="0">
+              <a:rPr lang="en-GB" sz="3400" b="1" dirty="0">
                 <a:solidFill>
                   <a:schemeClr val="accent1">
                     <a:lumMod val="60000"/>
@@ -21538,31 +21725,31 @@
               <a:t>Master-Detail</a:t>
             </a:r>
             <a:r>
-              <a:rPr lang="en-GB" sz="2800" b="1" dirty="0"/>
+              <a:rPr lang="en-GB" sz="3400" b="1" dirty="0"/>
               <a:t> </a:t>
             </a:r>
             <a:r>
-              <a:rPr lang="bg-BG" sz="2800" dirty="0"/>
+              <a:rPr lang="bg-BG" sz="3400" dirty="0"/>
               <a:t>навигацията</a:t>
             </a:r>
             <a:r>
-              <a:rPr lang="en-US" sz="2800" dirty="0"/>
+              <a:rPr lang="en-US" sz="3400" dirty="0"/>
               <a:t> </a:t>
             </a:r>
             <a:r>
-              <a:rPr lang="bg-BG" sz="2800" dirty="0"/>
+              <a:rPr lang="bg-BG" sz="3400" dirty="0"/>
               <a:t>отразява </a:t>
             </a:r>
             <a:r>
-              <a:rPr lang="bg-BG" sz="2800" b="1" dirty="0"/>
+              <a:rPr lang="bg-BG" sz="3400" b="1" dirty="0"/>
               <a:t>отношенията</a:t>
             </a:r>
             <a:r>
-              <a:rPr lang="bg-BG" sz="2800" dirty="0"/>
+              <a:rPr lang="bg-BG" sz="3400" dirty="0"/>
               <a:t> </a:t>
             </a:r>
             <a:r>
-              <a:rPr lang="bg-BG" sz="2800" b="1" dirty="0">
+              <a:rPr lang="bg-BG" sz="3400" b="1" dirty="0">
                 <a:solidFill>
                   <a:schemeClr val="accent1">
                     <a:lumMod val="60000"/>
@@ -21572,7 +21759,7 @@
               </a:rPr>
               <a:t>едно-към-много</a:t>
             </a:r>
-            <a:endParaRPr lang="en-GB" sz="2800" b="1" dirty="0">
+            <a:endParaRPr lang="en-GB" sz="3400" b="1" dirty="0">
               <a:solidFill>
                 <a:schemeClr val="accent1">
                   <a:lumMod val="60000"/>
@@ -21588,7 +21775,7 @@
               </a:buClr>
             </a:pPr>
             <a:r>
-              <a:rPr lang="bg-BG" sz="2800" b="1" dirty="0">
+              <a:rPr lang="bg-BG" sz="3400" b="1" dirty="0">
                 <a:solidFill>
                   <a:schemeClr val="bg2"/>
                 </a:solidFill>
@@ -21596,7 +21783,7 @@
               <a:t>Филтриране</a:t>
             </a:r>
             <a:r>
-              <a:rPr lang="bg-BG" sz="2800" dirty="0">
+              <a:rPr lang="bg-BG" sz="3400" dirty="0">
                 <a:solidFill>
                   <a:schemeClr val="bg2"/>
                 </a:solidFill>
@@ -21604,7 +21791,7 @@
               <a:t> и </a:t>
             </a:r>
             <a:r>
-              <a:rPr lang="bg-BG" sz="2800" b="1" dirty="0">
+              <a:rPr lang="bg-BG" sz="3400" b="1" dirty="0">
                 <a:solidFill>
                   <a:schemeClr val="bg2"/>
                 </a:solidFill>
@@ -21612,14 +21799,14 @@
               <a:t>сортиране</a:t>
             </a:r>
             <a:r>
-              <a:rPr lang="bg-BG" sz="2800" dirty="0">
+              <a:rPr lang="bg-BG" sz="3400" dirty="0">
                 <a:solidFill>
                   <a:schemeClr val="bg2"/>
                 </a:solidFill>
               </a:rPr>
               <a:t> на таблица</a:t>
             </a:r>
-            <a:endParaRPr lang="en-US" sz="2800" dirty="0">
+            <a:endParaRPr lang="en-US" sz="3400" dirty="0">
               <a:solidFill>
                 <a:schemeClr val="bg2"/>
               </a:solidFill>
@@ -21632,7 +21819,7 @@
               </a:buClr>
             </a:pPr>
             <a:r>
-              <a:rPr lang="bg-BG" sz="2600" dirty="0">
+              <a:rPr lang="bg-BG" sz="3200" dirty="0">
                 <a:solidFill>
                   <a:schemeClr val="bg2"/>
                 </a:solidFill>
@@ -21640,7 +21827,7 @@
               <a:t>Използваме </a:t>
             </a:r>
             <a:r>
-              <a:rPr lang="en-US" sz="2600" b="1" dirty="0">
+              <a:rPr lang="en-US" sz="3200" b="1" dirty="0">
                 <a:solidFill>
                   <a:schemeClr val="bg2"/>
                 </a:solidFill>
@@ -21648,7 +21835,7 @@
               <a:t>LINQ</a:t>
             </a:r>
             <a:r>
-              <a:rPr lang="en-US" sz="2600" dirty="0">
+              <a:rPr lang="en-US" sz="3200" dirty="0">
                 <a:solidFill>
                   <a:schemeClr val="bg2"/>
                 </a:solidFill>
@@ -21656,7 +21843,7 @@
               <a:t> </a:t>
             </a:r>
             <a:r>
-              <a:rPr lang="bg-BG" sz="2600" b="1" dirty="0">
+              <a:rPr lang="bg-BG" sz="3200" b="1" dirty="0">
                 <a:solidFill>
                   <a:schemeClr val="bg2"/>
                 </a:solidFill>
@@ -21671,7 +21858,7 @@
               </a:buClr>
             </a:pPr>
             <a:r>
-              <a:rPr lang="en-US" sz="2400" b="1" dirty="0">
+              <a:rPr lang="en-US" sz="3000" b="1" dirty="0">
                 <a:solidFill>
                   <a:schemeClr val="accent1">
                     <a:lumMod val="60000"/>
@@ -21691,7 +21878,7 @@
               </a:buClr>
             </a:pPr>
             <a:r>
-              <a:rPr lang="en-US" sz="2400" b="1" dirty="0">
+              <a:rPr lang="en-US" sz="3000" b="1" dirty="0">
                 <a:solidFill>
                   <a:schemeClr val="accent1">
                     <a:lumMod val="60000"/>
@@ -21711,7 +21898,7 @@
               </a:buClr>
             </a:pPr>
             <a:r>
-              <a:rPr lang="en-GB" sz="2400" b="1" dirty="0">
+              <a:rPr lang="en-GB" sz="3000" b="1" dirty="0">
                 <a:solidFill>
                   <a:schemeClr val="accent1">
                     <a:lumMod val="60000"/>
@@ -21787,7 +21974,7 @@
             <a:fld id="{2BF067CD-8E6B-4360-9AA8-C5DF2A48A6D1}" type="slidenum">
               <a:rPr lang="en-US" noProof="0" smtClean="0"/>
               <a:pPr/>
-              <a:t>32</a:t>
+              <a:t>33</a:t>
             </a:fld>
             <a:endParaRPr lang="en-US" noProof="0" dirty="0"/>
           </a:p>
@@ -22089,7 +22276,7 @@
 </p:sld>
 </file>
 
-<file path=ppt/slides/slide33.xml><?xml version="1.0" encoding="utf-8"?>
+<file path=ppt/slides/slide34.xml><?xml version="1.0" encoding="utf-8"?>
 <p:sld xmlns:a="http://schemas.openxmlformats.org/drawingml/2006/main" xmlns:r="http://schemas.openxmlformats.org/officeDocument/2006/relationships" xmlns:p="http://schemas.openxmlformats.org/presentationml/2006/main">
   <p:cSld>
     <p:spTree>
@@ -22279,7 +22466,7 @@
 </p:sld>
 </file>
 
-<file path=ppt/slides/slide34.xml><?xml version="1.0" encoding="utf-8"?>
+<file path=ppt/slides/slide35.xml><?xml version="1.0" encoding="utf-8"?>
 <p:sld xmlns:a="http://schemas.openxmlformats.org/drawingml/2006/main" xmlns:r="http://schemas.openxmlformats.org/officeDocument/2006/relationships" xmlns:p="http://schemas.openxmlformats.org/presentationml/2006/main" show="0">
   <p:cSld>
     <p:spTree>
@@ -22332,7 +22519,7 @@
             <a:fld id="{2BF067CD-8E6B-4360-9AA8-C5DF2A48A6D1}" type="slidenum">
               <a:rPr lang="en-US" smtClean="0"/>
               <a:pPr/>
-              <a:t>34</a:t>
+              <a:t>35</a:t>
             </a:fld>
             <a:endParaRPr lang="en-US" dirty="0"/>
           </a:p>

--- a/Courses/Software-Sciences/Module-4-Information-Systems-New/08-Navigation-between-Tables/08-Navigation-between-Tables.pptx
+++ b/Courses/Software-Sciences/Module-4-Information-Systems-New/08-Navigation-between-Tables/08-Navigation-between-Tables.pptx
@@ -5,10 +5,10 @@
     <p:sldMasterId id="2147483675" r:id="rId1"/>
   </p:sldMasterIdLst>
   <p:notesMasterIdLst>
-    <p:notesMasterId r:id="rId37"/>
+    <p:notesMasterId r:id="rId38"/>
   </p:notesMasterIdLst>
   <p:handoutMasterIdLst>
-    <p:handoutMasterId r:id="rId38"/>
+    <p:handoutMasterId r:id="rId39"/>
   </p:handoutMasterIdLst>
   <p:sldIdLst>
     <p:sldId id="503" r:id="rId2"/>
@@ -28,24 +28,25 @@
     <p:sldId id="610" r:id="rId16"/>
     <p:sldId id="751" r:id="rId17"/>
     <p:sldId id="752" r:id="rId18"/>
-    <p:sldId id="649" r:id="rId19"/>
-    <p:sldId id="753" r:id="rId20"/>
-    <p:sldId id="758" r:id="rId21"/>
-    <p:sldId id="785" r:id="rId22"/>
-    <p:sldId id="786" r:id="rId23"/>
-    <p:sldId id="788" r:id="rId24"/>
-    <p:sldId id="757" r:id="rId25"/>
-    <p:sldId id="754" r:id="rId26"/>
-    <p:sldId id="768" r:id="rId27"/>
-    <p:sldId id="755" r:id="rId28"/>
-    <p:sldId id="759" r:id="rId29"/>
-    <p:sldId id="767" r:id="rId30"/>
-    <p:sldId id="789" r:id="rId31"/>
-    <p:sldId id="756" r:id="rId32"/>
-    <p:sldId id="760" r:id="rId33"/>
-    <p:sldId id="633" r:id="rId34"/>
-    <p:sldId id="504" r:id="rId35"/>
-    <p:sldId id="505" r:id="rId36"/>
+    <p:sldId id="790" r:id="rId19"/>
+    <p:sldId id="649" r:id="rId20"/>
+    <p:sldId id="753" r:id="rId21"/>
+    <p:sldId id="758" r:id="rId22"/>
+    <p:sldId id="785" r:id="rId23"/>
+    <p:sldId id="786" r:id="rId24"/>
+    <p:sldId id="788" r:id="rId25"/>
+    <p:sldId id="757" r:id="rId26"/>
+    <p:sldId id="754" r:id="rId27"/>
+    <p:sldId id="768" r:id="rId28"/>
+    <p:sldId id="755" r:id="rId29"/>
+    <p:sldId id="759" r:id="rId30"/>
+    <p:sldId id="767" r:id="rId31"/>
+    <p:sldId id="789" r:id="rId32"/>
+    <p:sldId id="756" r:id="rId33"/>
+    <p:sldId id="760" r:id="rId34"/>
+    <p:sldId id="633" r:id="rId35"/>
+    <p:sldId id="504" r:id="rId36"/>
+    <p:sldId id="505" r:id="rId37"/>
   </p:sldIdLst>
   <p:sldSz cx="12192000" cy="6858000"/>
   <p:notesSz cx="6858000" cy="9144000"/>
@@ -182,6 +183,7 @@
             <p14:sldId id="610"/>
             <p14:sldId id="751"/>
             <p14:sldId id="752"/>
+            <p14:sldId id="790"/>
           </p14:sldIdLst>
         </p14:section>
         <p14:section name="Примерно приложение" id="{A764BDC4-FBCF-8642-9DA0-2A050F6690EB}">
@@ -346,7 +348,7 @@
           <a:p>
             <a:fld id="{4E087215-0C8F-4762-A664-737A353EC9A4}" type="datetimeFigureOut">
               <a:rPr lang="bg-BG" smtClean="0"/>
-              <a:t>27.12.24 г.</a:t>
+              <a:t>31.12.2024 г.</a:t>
             </a:fld>
             <a:endParaRPr lang="bg-BG"/>
           </a:p>
@@ -542,7 +544,7 @@
           <a:p>
             <a:fld id="{72D84649-876A-46C9-8472-14CB09C070D8}" type="datetimeFigureOut">
               <a:rPr lang="en-US" smtClean="0"/>
-              <a:t>12/27/24</a:t>
+              <a:t>12/31/2024</a:t>
             </a:fld>
             <a:endParaRPr lang="en-US"/>
           </a:p>
@@ -1035,7 +1037,7 @@
           <a:p>
             <a:fld id="{2BF067CD-8E6B-4360-9AA8-C5DF2A48A6D1}" type="slidenum">
               <a:rPr lang="en-US" smtClean="0"/>
-              <a:t>20</a:t>
+              <a:t>21</a:t>
             </a:fld>
             <a:endParaRPr lang="en-US" dirty="0"/>
           </a:p>
@@ -1135,7 +1137,7 @@
           <a:bodyPr/>
           <a:lstStyle/>
           <a:p>
-            <a:endParaRPr lang="en-BG" dirty="0"/>
+            <a:endParaRPr lang="en-GB" dirty="0"/>
           </a:p>
         </p:txBody>
       </p:sp>
@@ -1156,7 +1158,7 @@
           <a:p>
             <a:fld id="{2BF067CD-8E6B-4360-9AA8-C5DF2A48A6D1}" type="slidenum">
               <a:rPr lang="en-US" smtClean="0"/>
-              <a:t>32</a:t>
+              <a:t>25</a:t>
             </a:fld>
             <a:endParaRPr lang="en-US" dirty="0"/>
           </a:p>
@@ -1202,7 +1204,7 @@
     </p:spTree>
     <p:extLst>
       <p:ext uri="{BB962C8B-B14F-4D97-AF65-F5344CB8AC3E}">
-        <p14:creationId xmlns:p14="http://schemas.microsoft.com/office/powerpoint/2010/main" val="296680282"/>
+        <p14:creationId xmlns:p14="http://schemas.microsoft.com/office/powerpoint/2010/main" val="1526805865"/>
       </p:ext>
     </p:extLst>
   </p:cSld>
@@ -1256,134 +1258,27 @@
           <a:bodyPr/>
           <a:lstStyle/>
           <a:p>
-            <a:endParaRPr lang="en-US" dirty="0"/>
+            <a:endParaRPr lang="en-BG" dirty="0"/>
           </a:p>
         </p:txBody>
       </p:sp>
       <p:sp>
         <p:nvSpPr>
-          <p:cNvPr id="7" name="Slide Number Placeholder 5">
-            <a:extLst>
-              <a:ext uri="{FF2B5EF4-FFF2-40B4-BE49-F238E27FC236}">
-                <a16:creationId xmlns:a16="http://schemas.microsoft.com/office/drawing/2014/main" id="{E65F1CA9-65DC-416B-8882-B3A5E415CE67}"/>
-              </a:ext>
-            </a:extLst>
-          </p:cNvPr>
-          <p:cNvSpPr txBox="1">
-            <a:spLocks/>
+          <p:cNvPr id="4" name="Slide Number Placeholder 3"/>
+          <p:cNvSpPr>
+            <a:spLocks noGrp="1"/>
           </p:cNvSpPr>
-          <p:nvPr/>
+          <p:nvPr>
+            <p:ph type="sldNum" sz="quarter" idx="5"/>
+          </p:nvPr>
         </p:nvSpPr>
-        <p:spPr>
-          <a:xfrm>
-            <a:off x="6488999" y="8847000"/>
-            <a:ext cx="367414" cy="297000"/>
-          </a:xfrm>
-          <a:prstGeom prst="rect">
-            <a:avLst/>
-          </a:prstGeom>
-        </p:spPr>
+        <p:spPr/>
         <p:txBody>
-          <a:bodyPr vert="horz" lIns="91440" tIns="45720" rIns="91440" bIns="45720" rtlCol="0" anchor="b"/>
-          <a:lstStyle>
-            <a:defPPr>
-              <a:defRPr lang="en-US"/>
-            </a:defPPr>
-            <a:lvl1pPr marL="0" algn="r" defTabSz="914400" rtl="0" eaLnBrk="1" latinLnBrk="0" hangingPunct="1">
-              <a:defRPr sz="1200" kern="1200">
-                <a:solidFill>
-                  <a:schemeClr val="tx1"/>
-                </a:solidFill>
-                <a:latin typeface="+mn-lt"/>
-                <a:ea typeface="+mn-ea"/>
-                <a:cs typeface="+mn-cs"/>
-              </a:defRPr>
-            </a:lvl1pPr>
-            <a:lvl2pPr marL="457200" algn="l" defTabSz="914400" rtl="0" eaLnBrk="1" latinLnBrk="0" hangingPunct="1">
-              <a:defRPr sz="1800" kern="1200">
-                <a:solidFill>
-                  <a:schemeClr val="tx1"/>
-                </a:solidFill>
-                <a:latin typeface="+mn-lt"/>
-                <a:ea typeface="+mn-ea"/>
-                <a:cs typeface="+mn-cs"/>
-              </a:defRPr>
-            </a:lvl2pPr>
-            <a:lvl3pPr marL="914400" algn="l" defTabSz="914400" rtl="0" eaLnBrk="1" latinLnBrk="0" hangingPunct="1">
-              <a:defRPr sz="1800" kern="1200">
-                <a:solidFill>
-                  <a:schemeClr val="tx1"/>
-                </a:solidFill>
-                <a:latin typeface="+mn-lt"/>
-                <a:ea typeface="+mn-ea"/>
-                <a:cs typeface="+mn-cs"/>
-              </a:defRPr>
-            </a:lvl3pPr>
-            <a:lvl4pPr marL="1371600" algn="l" defTabSz="914400" rtl="0" eaLnBrk="1" latinLnBrk="0" hangingPunct="1">
-              <a:defRPr sz="1800" kern="1200">
-                <a:solidFill>
-                  <a:schemeClr val="tx1"/>
-                </a:solidFill>
-                <a:latin typeface="+mn-lt"/>
-                <a:ea typeface="+mn-ea"/>
-                <a:cs typeface="+mn-cs"/>
-              </a:defRPr>
-            </a:lvl4pPr>
-            <a:lvl5pPr marL="1828800" algn="l" defTabSz="914400" rtl="0" eaLnBrk="1" latinLnBrk="0" hangingPunct="1">
-              <a:defRPr sz="1800" kern="1200">
-                <a:solidFill>
-                  <a:schemeClr val="tx1"/>
-                </a:solidFill>
-                <a:latin typeface="+mn-lt"/>
-                <a:ea typeface="+mn-ea"/>
-                <a:cs typeface="+mn-cs"/>
-              </a:defRPr>
-            </a:lvl5pPr>
-            <a:lvl6pPr marL="2286000" algn="l" defTabSz="914400" rtl="0" eaLnBrk="1" latinLnBrk="0" hangingPunct="1">
-              <a:defRPr sz="1800" kern="1200">
-                <a:solidFill>
-                  <a:schemeClr val="tx1"/>
-                </a:solidFill>
-                <a:latin typeface="+mn-lt"/>
-                <a:ea typeface="+mn-ea"/>
-                <a:cs typeface="+mn-cs"/>
-              </a:defRPr>
-            </a:lvl6pPr>
-            <a:lvl7pPr marL="2743200" algn="l" defTabSz="914400" rtl="0" eaLnBrk="1" latinLnBrk="0" hangingPunct="1">
-              <a:defRPr sz="1800" kern="1200">
-                <a:solidFill>
-                  <a:schemeClr val="tx1"/>
-                </a:solidFill>
-                <a:latin typeface="+mn-lt"/>
-                <a:ea typeface="+mn-ea"/>
-                <a:cs typeface="+mn-cs"/>
-              </a:defRPr>
-            </a:lvl7pPr>
-            <a:lvl8pPr marL="3200400" algn="l" defTabSz="914400" rtl="0" eaLnBrk="1" latinLnBrk="0" hangingPunct="1">
-              <a:defRPr sz="1800" kern="1200">
-                <a:solidFill>
-                  <a:schemeClr val="tx1"/>
-                </a:solidFill>
-                <a:latin typeface="+mn-lt"/>
-                <a:ea typeface="+mn-ea"/>
-                <a:cs typeface="+mn-cs"/>
-              </a:defRPr>
-            </a:lvl8pPr>
-            <a:lvl9pPr marL="3657600" algn="l" defTabSz="914400" rtl="0" eaLnBrk="1" latinLnBrk="0" hangingPunct="1">
-              <a:defRPr sz="1800" kern="1200">
-                <a:solidFill>
-                  <a:schemeClr val="tx1"/>
-                </a:solidFill>
-                <a:latin typeface="+mn-lt"/>
-                <a:ea typeface="+mn-ea"/>
-                <a:cs typeface="+mn-cs"/>
-              </a:defRPr>
-            </a:lvl9pPr>
-          </a:lstStyle>
-          <a:p>
-            <a:fld id="{3EBA5BD7-F043-4D1B-AA17-CD412FC534DE}" type="slidenum">
+          <a:bodyPr/>
+          <a:lstStyle/>
+          <a:p>
+            <a:fld id="{2BF067CD-8E6B-4360-9AA8-C5DF2A48A6D1}" type="slidenum">
               <a:rPr lang="en-US" smtClean="0"/>
-              <a:pPr/>
               <a:t>33</a:t>
             </a:fld>
             <a:endParaRPr lang="en-US" dirty="0"/>
@@ -1392,13 +1287,7 @@
       </p:sp>
       <p:sp>
         <p:nvSpPr>
-          <p:cNvPr id="5" name="Footer Placeholder 7">
-            <a:extLst>
-              <a:ext uri="{FF2B5EF4-FFF2-40B4-BE49-F238E27FC236}">
-                <a16:creationId xmlns:a16="http://schemas.microsoft.com/office/drawing/2014/main" id="{43FAF785-0C8D-730E-8E59-68198DC82CE0}"/>
-              </a:ext>
-            </a:extLst>
-          </p:cNvPr>
+          <p:cNvPr id="5" name="Footer Placeholder 4"/>
           <p:cNvSpPr>
             <a:spLocks noGrp="1"/>
           </p:cNvSpPr>
@@ -1406,37 +1295,25 @@
             <p:ph type="ftr" sz="quarter" idx="4"/>
           </p:nvPr>
         </p:nvSpPr>
-        <p:spPr>
-          <a:xfrm>
-            <a:off x="-1" y="8892000"/>
-            <a:ext cx="6488999" cy="252000"/>
-          </a:xfrm>
-          <a:prstGeom prst="rect">
-            <a:avLst/>
-          </a:prstGeom>
-        </p:spPr>
+        <p:spPr/>
         <p:txBody>
-          <a:bodyPr vert="horz" lIns="91440" tIns="45720" rIns="91440" bIns="45720" rtlCol="0" anchor="b"/>
-          <a:lstStyle>
-            <a:lvl1pPr algn="l">
-              <a:defRPr sz="1100"/>
-            </a:lvl1pPr>
-          </a:lstStyle>
-          <a:p>
-            <a:r>
-              <a:rPr lang="bg-BG" sz="1100" dirty="0"/>
+          <a:bodyPr/>
+          <a:lstStyle/>
+          <a:p>
+            <a:r>
+              <a:rPr lang="bg-BG" sz="1100"/>
               <a:t>Работна група </a:t>
             </a:r>
             <a:r>
-              <a:rPr lang="bg-BG" dirty="0"/>
+              <a:rPr lang="bg-BG"/>
               <a:t>"Образование по програмиране и ИТ"</a:t>
             </a:r>
             <a:r>
-              <a:rPr lang="bg-BG" sz="1100" dirty="0"/>
+              <a:rPr lang="bg-BG" sz="1100"/>
               <a:t>, с подкрепата на </a:t>
             </a:r>
             <a:r>
-              <a:rPr lang="en-US" sz="1100" dirty="0">
+              <a:rPr lang="en-US" sz="1100">
                 <a:hlinkClick r:id="rId3"/>
               </a:rPr>
               <a:t>SoftUni</a:t>
@@ -1448,7 +1325,7 @@
     </p:spTree>
     <p:extLst>
       <p:ext uri="{BB962C8B-B14F-4D97-AF65-F5344CB8AC3E}">
-        <p14:creationId xmlns:p14="http://schemas.microsoft.com/office/powerpoint/2010/main" val="2689344733"/>
+        <p14:creationId xmlns:p14="http://schemas.microsoft.com/office/powerpoint/2010/main" val="296680282"/>
       </p:ext>
     </p:extLst>
   </p:cSld>
@@ -1511,7 +1388,7 @@
           <p:cNvPr id="7" name="Slide Number Placeholder 5">
             <a:extLst>
               <a:ext uri="{FF2B5EF4-FFF2-40B4-BE49-F238E27FC236}">
-                <a16:creationId xmlns:a16="http://schemas.microsoft.com/office/drawing/2014/main" id="{5049B984-F964-47FF-8179-0A3007CE21CD}"/>
+                <a16:creationId xmlns:a16="http://schemas.microsoft.com/office/drawing/2014/main" id="{E65F1CA9-65DC-416B-8882-B3A5E415CE67}"/>
               </a:ext>
             </a:extLst>
           </p:cNvPr>
@@ -1638,10 +1515,10 @@
       </p:sp>
       <p:sp>
         <p:nvSpPr>
-          <p:cNvPr id="4" name="Footer Placeholder 3">
+          <p:cNvPr id="5" name="Footer Placeholder 7">
             <a:extLst>
               <a:ext uri="{FF2B5EF4-FFF2-40B4-BE49-F238E27FC236}">
-                <a16:creationId xmlns:a16="http://schemas.microsoft.com/office/drawing/2014/main" id="{8E059BE0-D868-413B-AAA1-1CC88D1F52C5}"/>
+                <a16:creationId xmlns:a16="http://schemas.microsoft.com/office/drawing/2014/main" id="{43FAF785-0C8D-730E-8E59-68198DC82CE0}"/>
               </a:ext>
             </a:extLst>
           </p:cNvPr>
@@ -1652,33 +1529,49 @@
             <p:ph type="ftr" sz="quarter" idx="4"/>
           </p:nvPr>
         </p:nvSpPr>
-        <p:spPr/>
+        <p:spPr>
+          <a:xfrm>
+            <a:off x="-1" y="8892000"/>
+            <a:ext cx="6488999" cy="252000"/>
+          </a:xfrm>
+          <a:prstGeom prst="rect">
+            <a:avLst/>
+          </a:prstGeom>
+        </p:spPr>
         <p:txBody>
-          <a:bodyPr/>
-          <a:lstStyle/>
-          <a:p>
-            <a:r>
-              <a:rPr lang="en-US"/>
-              <a:t>© SoftUni – </a:t>
-            </a:r>
-            <a:r>
-              <a:rPr lang="en-US" u="sng">
+          <a:bodyPr vert="horz" lIns="91440" tIns="45720" rIns="91440" bIns="45720" rtlCol="0" anchor="b"/>
+          <a:lstStyle>
+            <a:lvl1pPr algn="l">
+              <a:defRPr sz="1100"/>
+            </a:lvl1pPr>
+          </a:lstStyle>
+          <a:p>
+            <a:r>
+              <a:rPr lang="bg-BG" sz="1100" dirty="0"/>
+              <a:t>Работна група </a:t>
+            </a:r>
+            <a:r>
+              <a:rPr lang="bg-BG" dirty="0"/>
+              <a:t>"Образование по програмиране и ИТ"</a:t>
+            </a:r>
+            <a:r>
+              <a:rPr lang="bg-BG" sz="1100" dirty="0"/>
+              <a:t>, с подкрепата на </a:t>
+            </a:r>
+            <a:r>
+              <a:rPr lang="en-US" sz="1100" dirty="0">
                 <a:hlinkClick r:id="rId3"/>
               </a:rPr>
-              <a:t>https://softuni.org</a:t>
-            </a:r>
-            <a:r>
-              <a:rPr lang="en-US"/>
-              <a:t>. Copyrighted document. Unauthorized copy or reproduction is not permitted.</a:t>
-            </a:r>
-            <a:endParaRPr lang="en-US" dirty="0"/>
+              <a:t>SoftUni</a:t>
+            </a:r>
+            <a:endParaRPr lang="en-US" sz="1100" dirty="0"/>
           </a:p>
         </p:txBody>
       </p:sp>
     </p:spTree>
     <p:extLst>
       <p:ext uri="{BB962C8B-B14F-4D97-AF65-F5344CB8AC3E}">
-        <p14:creationId xmlns:p14="http://schemas.microsoft.com/office/powerpoint/2010/main" val="3466590374"/>
+        <p14:creationId xmlns:p14="http://schemas.microsoft.com/office/powerpoint/2010/main" val="2689344733"/>
       </p:ext>
     </p:extLst>
   </p:cSld>
@@ -1732,6 +1625,236 @@
           <a:bodyPr/>
           <a:lstStyle/>
           <a:p>
+            <a:endParaRPr lang="en-US" dirty="0"/>
+          </a:p>
+        </p:txBody>
+      </p:sp>
+      <p:sp>
+        <p:nvSpPr>
+          <p:cNvPr id="7" name="Slide Number Placeholder 5">
+            <a:extLst>
+              <a:ext uri="{FF2B5EF4-FFF2-40B4-BE49-F238E27FC236}">
+                <a16:creationId xmlns:a16="http://schemas.microsoft.com/office/drawing/2014/main" id="{5049B984-F964-47FF-8179-0A3007CE21CD}"/>
+              </a:ext>
+            </a:extLst>
+          </p:cNvPr>
+          <p:cNvSpPr txBox="1">
+            <a:spLocks/>
+          </p:cNvSpPr>
+          <p:nvPr/>
+        </p:nvSpPr>
+        <p:spPr>
+          <a:xfrm>
+            <a:off x="6488999" y="8847000"/>
+            <a:ext cx="367414" cy="297000"/>
+          </a:xfrm>
+          <a:prstGeom prst="rect">
+            <a:avLst/>
+          </a:prstGeom>
+        </p:spPr>
+        <p:txBody>
+          <a:bodyPr vert="horz" lIns="91440" tIns="45720" rIns="91440" bIns="45720" rtlCol="0" anchor="b"/>
+          <a:lstStyle>
+            <a:defPPr>
+              <a:defRPr lang="en-US"/>
+            </a:defPPr>
+            <a:lvl1pPr marL="0" algn="r" defTabSz="914400" rtl="0" eaLnBrk="1" latinLnBrk="0" hangingPunct="1">
+              <a:defRPr sz="1200" kern="1200">
+                <a:solidFill>
+                  <a:schemeClr val="tx1"/>
+                </a:solidFill>
+                <a:latin typeface="+mn-lt"/>
+                <a:ea typeface="+mn-ea"/>
+                <a:cs typeface="+mn-cs"/>
+              </a:defRPr>
+            </a:lvl1pPr>
+            <a:lvl2pPr marL="457200" algn="l" defTabSz="914400" rtl="0" eaLnBrk="1" latinLnBrk="0" hangingPunct="1">
+              <a:defRPr sz="1800" kern="1200">
+                <a:solidFill>
+                  <a:schemeClr val="tx1"/>
+                </a:solidFill>
+                <a:latin typeface="+mn-lt"/>
+                <a:ea typeface="+mn-ea"/>
+                <a:cs typeface="+mn-cs"/>
+              </a:defRPr>
+            </a:lvl2pPr>
+            <a:lvl3pPr marL="914400" algn="l" defTabSz="914400" rtl="0" eaLnBrk="1" latinLnBrk="0" hangingPunct="1">
+              <a:defRPr sz="1800" kern="1200">
+                <a:solidFill>
+                  <a:schemeClr val="tx1"/>
+                </a:solidFill>
+                <a:latin typeface="+mn-lt"/>
+                <a:ea typeface="+mn-ea"/>
+                <a:cs typeface="+mn-cs"/>
+              </a:defRPr>
+            </a:lvl3pPr>
+            <a:lvl4pPr marL="1371600" algn="l" defTabSz="914400" rtl="0" eaLnBrk="1" latinLnBrk="0" hangingPunct="1">
+              <a:defRPr sz="1800" kern="1200">
+                <a:solidFill>
+                  <a:schemeClr val="tx1"/>
+                </a:solidFill>
+                <a:latin typeface="+mn-lt"/>
+                <a:ea typeface="+mn-ea"/>
+                <a:cs typeface="+mn-cs"/>
+              </a:defRPr>
+            </a:lvl4pPr>
+            <a:lvl5pPr marL="1828800" algn="l" defTabSz="914400" rtl="0" eaLnBrk="1" latinLnBrk="0" hangingPunct="1">
+              <a:defRPr sz="1800" kern="1200">
+                <a:solidFill>
+                  <a:schemeClr val="tx1"/>
+                </a:solidFill>
+                <a:latin typeface="+mn-lt"/>
+                <a:ea typeface="+mn-ea"/>
+                <a:cs typeface="+mn-cs"/>
+              </a:defRPr>
+            </a:lvl5pPr>
+            <a:lvl6pPr marL="2286000" algn="l" defTabSz="914400" rtl="0" eaLnBrk="1" latinLnBrk="0" hangingPunct="1">
+              <a:defRPr sz="1800" kern="1200">
+                <a:solidFill>
+                  <a:schemeClr val="tx1"/>
+                </a:solidFill>
+                <a:latin typeface="+mn-lt"/>
+                <a:ea typeface="+mn-ea"/>
+                <a:cs typeface="+mn-cs"/>
+              </a:defRPr>
+            </a:lvl6pPr>
+            <a:lvl7pPr marL="2743200" algn="l" defTabSz="914400" rtl="0" eaLnBrk="1" latinLnBrk="0" hangingPunct="1">
+              <a:defRPr sz="1800" kern="1200">
+                <a:solidFill>
+                  <a:schemeClr val="tx1"/>
+                </a:solidFill>
+                <a:latin typeface="+mn-lt"/>
+                <a:ea typeface="+mn-ea"/>
+                <a:cs typeface="+mn-cs"/>
+              </a:defRPr>
+            </a:lvl7pPr>
+            <a:lvl8pPr marL="3200400" algn="l" defTabSz="914400" rtl="0" eaLnBrk="1" latinLnBrk="0" hangingPunct="1">
+              <a:defRPr sz="1800" kern="1200">
+                <a:solidFill>
+                  <a:schemeClr val="tx1"/>
+                </a:solidFill>
+                <a:latin typeface="+mn-lt"/>
+                <a:ea typeface="+mn-ea"/>
+                <a:cs typeface="+mn-cs"/>
+              </a:defRPr>
+            </a:lvl8pPr>
+            <a:lvl9pPr marL="3657600" algn="l" defTabSz="914400" rtl="0" eaLnBrk="1" latinLnBrk="0" hangingPunct="1">
+              <a:defRPr sz="1800" kern="1200">
+                <a:solidFill>
+                  <a:schemeClr val="tx1"/>
+                </a:solidFill>
+                <a:latin typeface="+mn-lt"/>
+                <a:ea typeface="+mn-ea"/>
+                <a:cs typeface="+mn-cs"/>
+              </a:defRPr>
+            </a:lvl9pPr>
+          </a:lstStyle>
+          <a:p>
+            <a:fld id="{3EBA5BD7-F043-4D1B-AA17-CD412FC534DE}" type="slidenum">
+              <a:rPr lang="en-US" smtClean="0"/>
+              <a:pPr/>
+              <a:t>35</a:t>
+            </a:fld>
+            <a:endParaRPr lang="en-US" dirty="0"/>
+          </a:p>
+        </p:txBody>
+      </p:sp>
+      <p:sp>
+        <p:nvSpPr>
+          <p:cNvPr id="4" name="Footer Placeholder 3">
+            <a:extLst>
+              <a:ext uri="{FF2B5EF4-FFF2-40B4-BE49-F238E27FC236}">
+                <a16:creationId xmlns:a16="http://schemas.microsoft.com/office/drawing/2014/main" id="{8E059BE0-D868-413B-AAA1-1CC88D1F52C5}"/>
+              </a:ext>
+            </a:extLst>
+          </p:cNvPr>
+          <p:cNvSpPr>
+            <a:spLocks noGrp="1"/>
+          </p:cNvSpPr>
+          <p:nvPr>
+            <p:ph type="ftr" sz="quarter" idx="4"/>
+          </p:nvPr>
+        </p:nvSpPr>
+        <p:spPr/>
+        <p:txBody>
+          <a:bodyPr/>
+          <a:lstStyle/>
+          <a:p>
+            <a:r>
+              <a:rPr lang="en-US"/>
+              <a:t>© SoftUni – </a:t>
+            </a:r>
+            <a:r>
+              <a:rPr lang="en-US" u="sng">
+                <a:hlinkClick r:id="rId3"/>
+              </a:rPr>
+              <a:t>https://softuni.org</a:t>
+            </a:r>
+            <a:r>
+              <a:rPr lang="en-US"/>
+              <a:t>. Copyrighted document. Unauthorized copy or reproduction is not permitted.</a:t>
+            </a:r>
+            <a:endParaRPr lang="en-US" dirty="0"/>
+          </a:p>
+        </p:txBody>
+      </p:sp>
+    </p:spTree>
+    <p:extLst>
+      <p:ext uri="{BB962C8B-B14F-4D97-AF65-F5344CB8AC3E}">
+        <p14:creationId xmlns:p14="http://schemas.microsoft.com/office/powerpoint/2010/main" val="3466590374"/>
+      </p:ext>
+    </p:extLst>
+  </p:cSld>
+  <p:clrMapOvr>
+    <a:masterClrMapping/>
+  </p:clrMapOvr>
+</p:notes>
+</file>
+
+<file path=ppt/notesSlides/notesSlide15.xml><?xml version="1.0" encoding="utf-8"?>
+<p:notes xmlns:a="http://schemas.openxmlformats.org/drawingml/2006/main" xmlns:r="http://schemas.openxmlformats.org/officeDocument/2006/relationships" xmlns:p="http://schemas.openxmlformats.org/presentationml/2006/main">
+  <p:cSld>
+    <p:spTree>
+      <p:nvGrpSpPr>
+        <p:cNvPr id="1" name=""/>
+        <p:cNvGrpSpPr/>
+        <p:nvPr/>
+      </p:nvGrpSpPr>
+      <p:grpSpPr>
+        <a:xfrm>
+          <a:off x="0" y="0"/>
+          <a:ext cx="0" cy="0"/>
+          <a:chOff x="0" y="0"/>
+          <a:chExt cx="0" cy="0"/>
+        </a:xfrm>
+      </p:grpSpPr>
+      <p:sp>
+        <p:nvSpPr>
+          <p:cNvPr id="2" name="Slide Image Placeholder 1"/>
+          <p:cNvSpPr>
+            <a:spLocks noGrp="1" noRot="1" noChangeAspect="1"/>
+          </p:cNvSpPr>
+          <p:nvPr>
+            <p:ph type="sldImg"/>
+          </p:nvPr>
+        </p:nvSpPr>
+        <p:spPr/>
+      </p:sp>
+      <p:sp>
+        <p:nvSpPr>
+          <p:cNvPr id="3" name="Notes Placeholder 2"/>
+          <p:cNvSpPr>
+            <a:spLocks noGrp="1"/>
+          </p:cNvSpPr>
+          <p:nvPr>
+            <p:ph type="body" idx="1"/>
+          </p:nvPr>
+        </p:nvSpPr>
+        <p:spPr/>
+        <p:txBody>
+          <a:bodyPr/>
+          <a:lstStyle/>
+          <a:p>
             <a:endParaRPr lang="en-US"/>
           </a:p>
         </p:txBody>
@@ -1860,7 +1983,7 @@
             <a:fld id="{3EBA5BD7-F043-4D1B-AA17-CD412FC534DE}" type="slidenum">
               <a:rPr lang="en-US" smtClean="0"/>
               <a:pPr/>
-              <a:t>35</a:t>
+              <a:t>36</a:t>
             </a:fld>
             <a:endParaRPr lang="en-US" dirty="0"/>
           </a:p>
@@ -3494,7 +3617,7 @@
             <a:fld id="{3EBA5BD7-F043-4D1B-AA17-CD412FC534DE}" type="slidenum">
               <a:rPr lang="en-US" smtClean="0"/>
               <a:pPr/>
-              <a:t>18</a:t>
+              <a:t>19</a:t>
             </a:fld>
             <a:endParaRPr lang="en-US" dirty="0"/>
           </a:p>
@@ -11887,6 +12010,84 @@
       <p:transition spd="slow" advClick="0" advTm="5000"/>
     </mc:Fallback>
   </mc:AlternateContent>
+  <p:timing>
+    <p:tnLst>
+      <p:par>
+        <p:cTn id="1" dur="indefinite" restart="never" nodeType="tmRoot">
+          <p:childTnLst>
+            <p:seq concurrent="1" nextAc="seek">
+              <p:cTn id="2" dur="indefinite" nodeType="mainSeq">
+                <p:childTnLst>
+                  <p:par>
+                    <p:cTn id="3" fill="hold">
+                      <p:stCondLst>
+                        <p:cond delay="indefinite"/>
+                      </p:stCondLst>
+                      <p:childTnLst>
+                        <p:par>
+                          <p:cTn id="4" fill="hold">
+                            <p:stCondLst>
+                              <p:cond delay="0"/>
+                            </p:stCondLst>
+                            <p:childTnLst>
+                              <p:par>
+                                <p:cTn id="5" presetID="1" presetClass="entr" presetSubtype="0" fill="hold" grpId="0" nodeType="clickEffect">
+                                  <p:stCondLst>
+                                    <p:cond delay="0"/>
+                                  </p:stCondLst>
+                                  <p:childTnLst>
+                                    <p:set>
+                                      <p:cBhvr>
+                                        <p:cTn id="6" dur="1" fill="hold">
+                                          <p:stCondLst>
+                                            <p:cond delay="0"/>
+                                          </p:stCondLst>
+                                        </p:cTn>
+                                        <p:tgtEl>
+                                          <p:spTgt spid="5"/>
+                                        </p:tgtEl>
+                                        <p:attrNameLst>
+                                          <p:attrName>style.visibility</p:attrName>
+                                        </p:attrNameLst>
+                                      </p:cBhvr>
+                                      <p:to>
+                                        <p:strVal val="visible"/>
+                                      </p:to>
+                                    </p:set>
+                                  </p:childTnLst>
+                                </p:cTn>
+                              </p:par>
+                            </p:childTnLst>
+                          </p:cTn>
+                        </p:par>
+                      </p:childTnLst>
+                    </p:cTn>
+                  </p:par>
+                </p:childTnLst>
+              </p:cTn>
+              <p:prevCondLst>
+                <p:cond evt="onPrev" delay="0">
+                  <p:tgtEl>
+                    <p:sldTgt/>
+                  </p:tgtEl>
+                </p:cond>
+              </p:prevCondLst>
+              <p:nextCondLst>
+                <p:cond evt="onNext" delay="0">
+                  <p:tgtEl>
+                    <p:sldTgt/>
+                  </p:tgtEl>
+                </p:cond>
+              </p:nextCondLst>
+            </p:seq>
+          </p:childTnLst>
+        </p:cTn>
+      </p:par>
+    </p:tnLst>
+    <p:bldLst>
+      <p:bldP spid="5" grpId="0" animBg="1"/>
+    </p:bldLst>
+  </p:timing>
 </p:sld>
 </file>
 
@@ -11961,11 +12162,11 @@
           <a:lstStyle/>
           <a:p>
             <a:r>
-              <a:rPr lang="bg-BG" sz="2400" dirty="0"/>
+              <a:rPr lang="bg-BG" sz="3400" dirty="0"/>
               <a:t>Използваме </a:t>
             </a:r>
             <a:r>
-              <a:rPr lang="en-GB" sz="2400" b="1" dirty="0">
+              <a:rPr lang="en-GB" sz="3400" b="1" dirty="0">
                 <a:solidFill>
                   <a:schemeClr val="bg1"/>
                 </a:solidFill>
@@ -11975,60 +12176,34 @@
               <a:t>OrderBy()</a:t>
             </a:r>
             <a:r>
-              <a:rPr lang="en-GB" sz="2400" dirty="0"/>
+              <a:rPr lang="en-GB" sz="3400" dirty="0"/>
               <a:t> </a:t>
             </a:r>
             <a:r>
-              <a:rPr lang="bg-BG" sz="2400" dirty="0"/>
-              <a:t>и </a:t>
-            </a:r>
-            <a:r>
-              <a:rPr lang="en-GB" sz="2400" b="1" dirty="0">
-                <a:solidFill>
-                  <a:schemeClr val="bg1"/>
-                </a:solidFill>
-                <a:latin typeface="Consolas" panose="020B0609020204030204" pitchFamily="49" charset="0"/>
-                <a:cs typeface="Consolas" panose="020B0609020204030204" pitchFamily="49" charset="0"/>
-              </a:rPr>
-              <a:t>OrderByDescending</a:t>
-            </a:r>
-            <a:r>
-              <a:rPr lang="en-US" sz="2400" b="1" dirty="0">
-                <a:solidFill>
-                  <a:schemeClr val="bg1"/>
-                </a:solidFill>
-                <a:latin typeface="Consolas" panose="020B0609020204030204" pitchFamily="49" charset="0"/>
-                <a:cs typeface="Consolas" panose="020B0609020204030204" pitchFamily="49" charset="0"/>
-              </a:rPr>
-              <a:t>()</a:t>
-            </a:r>
-            <a:r>
-              <a:rPr lang="en-US" sz="2400" b="1" dirty="0">
-                <a:solidFill>
-                  <a:schemeClr val="bg1"/>
-                </a:solidFill>
-                <a:latin typeface="Calibri" panose="020F0502020204030204" pitchFamily="34" charset="0"/>
-                <a:cs typeface="Calibri" panose="020F0502020204030204" pitchFamily="34" charset="0"/>
-              </a:rPr>
-              <a:t> </a:t>
-            </a:r>
-            <a:r>
-              <a:rPr lang="bg-BG" sz="2400" dirty="0"/>
-              <a:t>методи за </a:t>
-            </a:r>
-            <a:r>
-              <a:rPr lang="bg-BG" sz="2400" b="1" dirty="0"/>
+              <a:rPr lang="bg-BG" sz="3400" dirty="0"/>
+              <a:t>метода за </a:t>
+            </a:r>
+            <a:r>
+              <a:rPr lang="bg-BG" sz="3400" b="1" dirty="0"/>
               <a:t>сортиране</a:t>
             </a:r>
             <a:r>
-              <a:rPr lang="bg-BG" sz="2400" dirty="0"/>
+              <a:rPr lang="bg-BG" sz="3400" dirty="0"/>
               <a:t> на </a:t>
             </a:r>
             <a:r>
-              <a:rPr lang="bg-BG" sz="2400" b="1" dirty="0"/>
-              <a:t>данните</a:t>
-            </a:r>
-            <a:endParaRPr lang="en-BG" sz="2400" b="1" dirty="0"/>
+              <a:rPr lang="bg-BG" sz="3400" b="1" dirty="0"/>
+              <a:t>данните </a:t>
+            </a:r>
+            <a:r>
+              <a:rPr lang="bg-BG" sz="3400" dirty="0"/>
+              <a:t>във</a:t>
+            </a:r>
+            <a:r>
+              <a:rPr lang="bg-BG" sz="3400" b="1" dirty="0"/>
+              <a:t> възходящ ред</a:t>
+            </a:r>
+            <a:endParaRPr lang="en-BG" sz="3400" b="1" dirty="0"/>
           </a:p>
         </p:txBody>
       </p:sp>
@@ -12055,7 +12230,7 @@
           <a:p>
             <a:r>
               <a:rPr lang="bg-BG" dirty="0"/>
-              <a:t>Сортиране на таблица</a:t>
+              <a:t>Сортиране на таблица (1)</a:t>
             </a:r>
             <a:endParaRPr lang="en-BG" dirty="0"/>
           </a:p>
@@ -12077,8 +12252,8 @@
         </p:nvSpPr>
         <p:spPr bwMode="auto">
           <a:xfrm>
-            <a:off x="647150" y="1781062"/>
-            <a:ext cx="11125200" cy="2372545"/>
+            <a:off x="313500" y="2773678"/>
+            <a:ext cx="11565000" cy="2680322"/>
           </a:xfrm>
           <a:prstGeom prst="rect">
             <a:avLst/>
@@ -12120,7 +12295,7 @@
               <a:buNone/>
             </a:pPr>
             <a:r>
-              <a:rPr lang="en-US" sz="2000" b="1" noProof="1">
+              <a:rPr lang="en-US" sz="2400" b="1" noProof="1">
                 <a:latin typeface="Consolas" pitchFamily="49" charset="0"/>
                 <a:cs typeface="Consolas" pitchFamily="49" charset="0"/>
               </a:rPr>
@@ -12143,13 +12318,13 @@
               <a:buNone/>
             </a:pPr>
             <a:r>
-              <a:rPr lang="en-US" sz="2000" b="1" noProof="1">
+              <a:rPr lang="en-US" sz="2400" b="1" noProof="1">
                 <a:latin typeface="Consolas" pitchFamily="49" charset="0"/>
                 <a:cs typeface="Consolas" pitchFamily="49" charset="0"/>
               </a:rPr>
               <a:t>{</a:t>
             </a:r>
-            <a:endParaRPr lang="bg-BG" sz="2000" b="1" noProof="1">
+            <a:endParaRPr lang="bg-BG" sz="2400" b="1" noProof="1">
               <a:latin typeface="Consolas" pitchFamily="49" charset="0"/>
               <a:cs typeface="Consolas" pitchFamily="49" charset="0"/>
             </a:endParaRPr>
@@ -12170,21 +12345,21 @@
               <a:buNone/>
             </a:pPr>
             <a:r>
-              <a:rPr lang="bg-BG" sz="2000" b="1" noProof="1">
+              <a:rPr lang="bg-BG" sz="2400" b="1" noProof="1">
                 <a:latin typeface="Consolas" pitchFamily="49" charset="0"/>
                 <a:cs typeface="Consolas" pitchFamily="49" charset="0"/>
               </a:rPr>
               <a:t>    </a:t>
             </a:r>
             <a:r>
-              <a:rPr lang="en-US" sz="2000" b="1" noProof="1">
+              <a:rPr lang="en-US" sz="2400" b="1" noProof="1">
                 <a:latin typeface="Consolas" pitchFamily="49" charset="0"/>
                 <a:cs typeface="Consolas" pitchFamily="49" charset="0"/>
               </a:rPr>
               <a:t>var towns = this.dbContext.Towns.</a:t>
             </a:r>
             <a:r>
-              <a:rPr lang="en-US" sz="2000" b="1" noProof="1">
+              <a:rPr lang="en-US" sz="2400" b="1" noProof="1">
                 <a:solidFill>
                   <a:schemeClr val="bg1"/>
                 </a:solidFill>
@@ -12194,7 +12369,7 @@
               <a:t>OrderBy</a:t>
             </a:r>
             <a:r>
-              <a:rPr lang="en-US" sz="2000" b="1" noProof="1">
+              <a:rPr lang="en-US" sz="2400" b="1" noProof="1">
                 <a:latin typeface="Consolas" pitchFamily="49" charset="0"/>
                 <a:cs typeface="Consolas" pitchFamily="49" charset="0"/>
               </a:rPr>
@@ -12215,14 +12390,14 @@
               <a:buSzPct val="100000"/>
             </a:pPr>
             <a:r>
-              <a:rPr lang="bg-BG" sz="2000" b="1" noProof="1">
+              <a:rPr lang="bg-BG" sz="2400" b="1" noProof="1">
                 <a:latin typeface="Consolas" pitchFamily="49" charset="0"/>
                 <a:cs typeface="Consolas" pitchFamily="49" charset="0"/>
               </a:rPr>
               <a:t>    </a:t>
             </a:r>
             <a:r>
-              <a:rPr lang="en-US" sz="2000" b="1" noProof="1">
+              <a:rPr lang="en-US" sz="2400" b="1" noProof="1">
                 <a:latin typeface="Consolas" pitchFamily="49" charset="0"/>
                 <a:cs typeface="Consolas" pitchFamily="49" charset="0"/>
               </a:rPr>
@@ -12245,222 +12420,7 @@
               <a:buNone/>
             </a:pPr>
             <a:r>
-              <a:rPr lang="en-US" sz="2000" b="1" noProof="1">
-                <a:latin typeface="Consolas" pitchFamily="49" charset="0"/>
-                <a:cs typeface="Consolas" pitchFamily="49" charset="0"/>
-              </a:rPr>
-              <a:t>}</a:t>
-            </a:r>
-          </a:p>
-        </p:txBody>
-      </p:sp>
-      <p:sp>
-        <p:nvSpPr>
-          <p:cNvPr id="6" name="Rectangle 5">
-            <a:extLst>
-              <a:ext uri="{FF2B5EF4-FFF2-40B4-BE49-F238E27FC236}">
-                <a16:creationId xmlns:a16="http://schemas.microsoft.com/office/drawing/2014/main" id="{51808C35-8D4B-5557-18D6-9F73854BE29F}"/>
-              </a:ext>
-            </a:extLst>
-          </p:cNvPr>
-          <p:cNvSpPr>
-            <a:spLocks noChangeArrowheads="1"/>
-          </p:cNvSpPr>
-          <p:nvPr/>
-        </p:nvSpPr>
-        <p:spPr bwMode="auto">
-          <a:xfrm>
-            <a:off x="647150" y="4282955"/>
-            <a:ext cx="11125200" cy="2372545"/>
-          </a:xfrm>
-          <a:prstGeom prst="rect">
-            <a:avLst/>
-          </a:prstGeom>
-          <a:solidFill>
-            <a:schemeClr val="accent5">
-              <a:lumMod val="40000"/>
-              <a:lumOff val="60000"/>
-              <a:alpha val="20000"/>
-            </a:schemeClr>
-          </a:solidFill>
-          <a:ln w="12700">
-            <a:solidFill>
-              <a:schemeClr val="accent5">
-                <a:lumMod val="60000"/>
-                <a:lumOff val="40000"/>
-              </a:schemeClr>
-            </a:solidFill>
-          </a:ln>
-        </p:spPr>
-        <p:txBody>
-          <a:bodyPr vert="horz" wrap="square" lIns="144000" tIns="108000" rIns="144000" bIns="108000" rtlCol="0">
-            <a:spAutoFit/>
-          </a:bodyPr>
-          <a:lstStyle/>
-          <a:p>
-            <a:pPr>
-              <a:spcBef>
-                <a:spcPts val="600"/>
-              </a:spcBef>
-              <a:spcAft>
-                <a:spcPts val="600"/>
-              </a:spcAft>
-              <a:buClr>
-                <a:srgbClr val="F2B254"/>
-              </a:buClr>
-              <a:buSzPct val="100000"/>
-            </a:pPr>
-            <a:r>
-              <a:rPr lang="en-US" sz="2000" b="1" noProof="1">
-                <a:latin typeface="Consolas" pitchFamily="49" charset="0"/>
-                <a:cs typeface="Consolas" pitchFamily="49" charset="0"/>
-              </a:rPr>
-              <a:t>private void SortTownsByName</a:t>
-            </a:r>
-            <a:r>
-              <a:rPr lang="en-GB" sz="2000" b="1" dirty="0">
-                <a:latin typeface="Consolas" panose="020B0609020204030204" pitchFamily="49" charset="0"/>
-                <a:cs typeface="Consolas" panose="020B0609020204030204" pitchFamily="49" charset="0"/>
-              </a:rPr>
-              <a:t>Descending</a:t>
-            </a:r>
-            <a:r>
-              <a:rPr lang="en-US" sz="2000" b="1" noProof="1">
-                <a:latin typeface="Consolas" pitchFamily="49" charset="0"/>
-                <a:cs typeface="Consolas" pitchFamily="49" charset="0"/>
-              </a:rPr>
-              <a:t>()</a:t>
-            </a:r>
-          </a:p>
-          <a:p>
-            <a:pPr>
-              <a:spcBef>
-                <a:spcPts val="600"/>
-              </a:spcBef>
-              <a:spcAft>
-                <a:spcPts val="600"/>
-              </a:spcAft>
-              <a:buClr>
-                <a:srgbClr val="F2B254"/>
-              </a:buClr>
-              <a:buSzPct val="100000"/>
-              <a:buFont typeface="Wingdings" panose="05000000000000000000" pitchFamily="2" charset="2"/>
-              <a:buNone/>
-            </a:pPr>
-            <a:r>
-              <a:rPr lang="en-US" sz="2000" b="1" noProof="1">
-                <a:latin typeface="Consolas" pitchFamily="49" charset="0"/>
-                <a:cs typeface="Consolas" pitchFamily="49" charset="0"/>
-              </a:rPr>
-              <a:t>{</a:t>
-            </a:r>
-            <a:endParaRPr lang="bg-BG" sz="2000" b="1" noProof="1">
-              <a:latin typeface="Consolas" pitchFamily="49" charset="0"/>
-              <a:cs typeface="Consolas" pitchFamily="49" charset="0"/>
-            </a:endParaRPr>
-          </a:p>
-          <a:p>
-            <a:pPr>
-              <a:spcBef>
-                <a:spcPts val="600"/>
-              </a:spcBef>
-              <a:spcAft>
-                <a:spcPts val="600"/>
-              </a:spcAft>
-              <a:buClr>
-                <a:srgbClr val="F2B254"/>
-              </a:buClr>
-              <a:buSzPct val="100000"/>
-              <a:buFont typeface="Wingdings" panose="05000000000000000000" pitchFamily="2" charset="2"/>
-              <a:buNone/>
-            </a:pPr>
-            <a:r>
-              <a:rPr lang="bg-BG" sz="2000" b="1" noProof="1">
-                <a:latin typeface="Consolas" pitchFamily="49" charset="0"/>
-                <a:cs typeface="Consolas" pitchFamily="49" charset="0"/>
-              </a:rPr>
-              <a:t>    </a:t>
-            </a:r>
-            <a:r>
-              <a:rPr lang="en-US" sz="2000" b="1" noProof="1">
-                <a:latin typeface="Consolas" pitchFamily="49" charset="0"/>
-                <a:cs typeface="Consolas" pitchFamily="49" charset="0"/>
-              </a:rPr>
-              <a:t>var towns = this.dbContext.Towns.</a:t>
-            </a:r>
-            <a:r>
-              <a:rPr lang="en-US" sz="2000" b="1" noProof="1">
-                <a:solidFill>
-                  <a:schemeClr val="bg1"/>
-                </a:solidFill>
-                <a:latin typeface="Consolas" pitchFamily="49" charset="0"/>
-                <a:cs typeface="Consolas" pitchFamily="49" charset="0"/>
-              </a:rPr>
-              <a:t>OrderBy</a:t>
-            </a:r>
-            <a:r>
-              <a:rPr lang="en-GB" sz="2000" b="1" dirty="0">
-                <a:solidFill>
-                  <a:schemeClr val="bg1"/>
-                </a:solidFill>
-                <a:latin typeface="Consolas" panose="020B0609020204030204" pitchFamily="49" charset="0"/>
-                <a:cs typeface="Consolas" panose="020B0609020204030204" pitchFamily="49" charset="0"/>
-              </a:rPr>
-              <a:t>Descending</a:t>
-            </a:r>
-            <a:r>
-              <a:rPr lang="en-US" sz="2000" b="1" noProof="1">
-                <a:latin typeface="Consolas" pitchFamily="49" charset="0"/>
-                <a:cs typeface="Consolas" pitchFamily="49" charset="0"/>
-              </a:rPr>
-              <a:t>(t =&gt; t.Name).ToList();</a:t>
-            </a:r>
-          </a:p>
-          <a:p>
-            <a:pPr>
-              <a:spcBef>
-                <a:spcPts val="600"/>
-              </a:spcBef>
-              <a:spcAft>
-                <a:spcPts val="600"/>
-              </a:spcAft>
-              <a:buClr>
-                <a:srgbClr val="F2B254"/>
-              </a:buClr>
-              <a:buSzPct val="100000"/>
-            </a:pPr>
-            <a:r>
-              <a:rPr lang="bg-BG" sz="2000" b="1" noProof="1">
-                <a:latin typeface="Consolas" pitchFamily="49" charset="0"/>
-                <a:cs typeface="Consolas" pitchFamily="49" charset="0"/>
-              </a:rPr>
-              <a:t>    </a:t>
-            </a:r>
-            <a:r>
-              <a:rPr lang="en-US" sz="2000" b="1" noProof="1">
-                <a:latin typeface="Consolas" pitchFamily="49" charset="0"/>
-                <a:cs typeface="Consolas" pitchFamily="49" charset="0"/>
-              </a:rPr>
-              <a:t>this.townBindingSource.DataSource = towns;</a:t>
-            </a:r>
-          </a:p>
-          <a:p>
-            <a:pPr>
-              <a:spcBef>
-                <a:spcPts val="600"/>
-              </a:spcBef>
-              <a:spcAft>
-                <a:spcPts val="600"/>
-              </a:spcAft>
-              <a:buClr>
-                <a:srgbClr val="F2B254"/>
-              </a:buClr>
-              <a:buSzPct val="100000"/>
-              <a:buFont typeface="Wingdings" panose="05000000000000000000" pitchFamily="2" charset="2"/>
-              <a:buNone/>
-            </a:pPr>
-            <a:r>
-              <a:rPr lang="en-US" sz="2000" b="1" noProof="1">
+              <a:rPr lang="en-US" sz="2400" b="1" noProof="1">
                 <a:latin typeface="Consolas" pitchFamily="49" charset="0"/>
                 <a:cs typeface="Consolas" pitchFamily="49" charset="0"/>
               </a:rPr>
@@ -12540,27 +12500,511 @@
                       </p:childTnLst>
                     </p:cTn>
                   </p:par>
+                </p:childTnLst>
+              </p:cTn>
+              <p:prevCondLst>
+                <p:cond evt="onPrev" delay="0">
+                  <p:tgtEl>
+                    <p:sldTgt/>
+                  </p:tgtEl>
+                </p:cond>
+              </p:prevCondLst>
+              <p:nextCondLst>
+                <p:cond evt="onNext" delay="0">
+                  <p:tgtEl>
+                    <p:sldTgt/>
+                  </p:tgtEl>
+                </p:cond>
+              </p:nextCondLst>
+            </p:seq>
+          </p:childTnLst>
+        </p:cTn>
+      </p:par>
+    </p:tnLst>
+    <p:bldLst>
+      <p:bldP spid="5" grpId="0" animBg="1"/>
+    </p:bldLst>
+  </p:timing>
+</p:sld>
+</file>
+
+<file path=ppt/slides/slide18.xml><?xml version="1.0" encoding="utf-8"?>
+<p:sld xmlns:a="http://schemas.openxmlformats.org/drawingml/2006/main" xmlns:r="http://schemas.openxmlformats.org/officeDocument/2006/relationships" xmlns:p="http://schemas.openxmlformats.org/presentationml/2006/main">
+  <p:cSld>
+    <p:spTree>
+      <p:nvGrpSpPr>
+        <p:cNvPr id="1" name="">
+          <a:extLst>
+            <a:ext uri="{FF2B5EF4-FFF2-40B4-BE49-F238E27FC236}">
+              <a16:creationId xmlns:a16="http://schemas.microsoft.com/office/drawing/2014/main" id="{4D2A725B-95B4-F245-E4FE-602A2E3DCB98}"/>
+            </a:ext>
+          </a:extLst>
+        </p:cNvPr>
+        <p:cNvGrpSpPr/>
+        <p:nvPr/>
+      </p:nvGrpSpPr>
+      <p:grpSpPr>
+        <a:xfrm>
+          <a:off x="0" y="0"/>
+          <a:ext cx="0" cy="0"/>
+          <a:chOff x="0" y="0"/>
+          <a:chExt cx="0" cy="0"/>
+        </a:xfrm>
+      </p:grpSpPr>
+      <p:sp>
+        <p:nvSpPr>
+          <p:cNvPr id="2" name="Slide Number Placeholder 1">
+            <a:extLst>
+              <a:ext uri="{FF2B5EF4-FFF2-40B4-BE49-F238E27FC236}">
+                <a16:creationId xmlns:a16="http://schemas.microsoft.com/office/drawing/2014/main" id="{74A2CEE9-7CF7-2CFE-F7E0-20ADEDAA9CA9}"/>
+              </a:ext>
+            </a:extLst>
+          </p:cNvPr>
+          <p:cNvSpPr>
+            <a:spLocks noGrp="1"/>
+          </p:cNvSpPr>
+          <p:nvPr>
+            <p:ph type="sldNum" sz="quarter" idx="5"/>
+          </p:nvPr>
+        </p:nvSpPr>
+        <p:spPr/>
+        <p:txBody>
+          <a:bodyPr/>
+          <a:lstStyle/>
+          <a:p>
+            <a:fld id="{2BF067CD-8E6B-4360-9AA8-C5DF2A48A6D1}" type="slidenum">
+              <a:rPr lang="en-US" noProof="0" smtClean="0"/>
+              <a:pPr/>
+              <a:t>18</a:t>
+            </a:fld>
+            <a:endParaRPr lang="en-US" noProof="0" dirty="0"/>
+          </a:p>
+        </p:txBody>
+      </p:sp>
+      <p:sp>
+        <p:nvSpPr>
+          <p:cNvPr id="3" name="Text Placeholder 2">
+            <a:extLst>
+              <a:ext uri="{FF2B5EF4-FFF2-40B4-BE49-F238E27FC236}">
+                <a16:creationId xmlns:a16="http://schemas.microsoft.com/office/drawing/2014/main" id="{5C6F2B31-95CF-3CCE-C8A8-B37BD4CE4B3F}"/>
+              </a:ext>
+            </a:extLst>
+          </p:cNvPr>
+          <p:cNvSpPr>
+            <a:spLocks noGrp="1"/>
+          </p:cNvSpPr>
+          <p:nvPr>
+            <p:ph type="body" sz="quarter" idx="10"/>
+          </p:nvPr>
+        </p:nvSpPr>
+        <p:spPr/>
+        <p:txBody>
+          <a:bodyPr>
+            <a:normAutofit/>
+          </a:bodyPr>
+          <a:lstStyle/>
+          <a:p>
+            <a:r>
+              <a:rPr lang="bg-BG" sz="3400" dirty="0"/>
+              <a:t>Използваме </a:t>
+            </a:r>
+            <a:r>
+              <a:rPr lang="en-GB" sz="3400" b="1" dirty="0">
+                <a:solidFill>
+                  <a:schemeClr val="bg1"/>
+                </a:solidFill>
+                <a:latin typeface="Consolas" panose="020B0609020204030204" pitchFamily="49" charset="0"/>
+                <a:cs typeface="Consolas" panose="020B0609020204030204" pitchFamily="49" charset="0"/>
+              </a:rPr>
+              <a:t>OrderByDescending</a:t>
+            </a:r>
+            <a:r>
+              <a:rPr lang="en-US" sz="3400" b="1" dirty="0">
+                <a:solidFill>
+                  <a:schemeClr val="bg1"/>
+                </a:solidFill>
+                <a:latin typeface="Consolas" panose="020B0609020204030204" pitchFamily="49" charset="0"/>
+                <a:cs typeface="Consolas" panose="020B0609020204030204" pitchFamily="49" charset="0"/>
+              </a:rPr>
+              <a:t>()</a:t>
+            </a:r>
+            <a:r>
+              <a:rPr lang="en-US" sz="3400" b="1" dirty="0">
+                <a:solidFill>
+                  <a:schemeClr val="bg1"/>
+                </a:solidFill>
+                <a:latin typeface="Calibri" panose="020F0502020204030204" pitchFamily="34" charset="0"/>
+                <a:cs typeface="Calibri" panose="020F0502020204030204" pitchFamily="34" charset="0"/>
+              </a:rPr>
+              <a:t> </a:t>
+            </a:r>
+            <a:r>
+              <a:rPr lang="bg-BG" sz="3400" dirty="0"/>
+              <a:t>метода за </a:t>
+            </a:r>
+            <a:r>
+              <a:rPr lang="bg-BG" sz="3400" b="1" dirty="0"/>
+              <a:t>сортиране</a:t>
+            </a:r>
+            <a:r>
+              <a:rPr lang="bg-BG" sz="3400" dirty="0"/>
+              <a:t> на </a:t>
+            </a:r>
+            <a:r>
+              <a:rPr lang="bg-BG" sz="3400" b="1" dirty="0"/>
+              <a:t>данните </a:t>
+            </a:r>
+            <a:r>
+              <a:rPr lang="bg-BG" sz="3400" dirty="0"/>
+              <a:t>в</a:t>
+            </a:r>
+            <a:r>
+              <a:rPr lang="bg-BG" sz="3400" b="1" dirty="0"/>
+              <a:t> низходящ ред</a:t>
+            </a:r>
+            <a:endParaRPr lang="en-BG" sz="3400" b="1" dirty="0"/>
+          </a:p>
+        </p:txBody>
+      </p:sp>
+      <p:sp>
+        <p:nvSpPr>
+          <p:cNvPr id="4" name="Title 3">
+            <a:extLst>
+              <a:ext uri="{FF2B5EF4-FFF2-40B4-BE49-F238E27FC236}">
+                <a16:creationId xmlns:a16="http://schemas.microsoft.com/office/drawing/2014/main" id="{790957E4-772E-DFD5-BF08-AC8511ACD496}"/>
+              </a:ext>
+            </a:extLst>
+          </p:cNvPr>
+          <p:cNvSpPr>
+            <a:spLocks noGrp="1"/>
+          </p:cNvSpPr>
+          <p:nvPr>
+            <p:ph type="title"/>
+          </p:nvPr>
+        </p:nvSpPr>
+        <p:spPr/>
+        <p:txBody>
+          <a:bodyPr/>
+          <a:lstStyle/>
+          <a:p>
+            <a:r>
+              <a:rPr lang="bg-BG" dirty="0"/>
+              <a:t>Сортиране на таблица (2)</a:t>
+            </a:r>
+            <a:endParaRPr lang="en-BG" dirty="0"/>
+          </a:p>
+        </p:txBody>
+      </p:sp>
+      <p:sp>
+        <p:nvSpPr>
+          <p:cNvPr id="6" name="Rectangle 5">
+            <a:extLst>
+              <a:ext uri="{FF2B5EF4-FFF2-40B4-BE49-F238E27FC236}">
+                <a16:creationId xmlns:a16="http://schemas.microsoft.com/office/drawing/2014/main" id="{91B4138D-1132-29D5-0B7A-5908549D18EF}"/>
+              </a:ext>
+            </a:extLst>
+          </p:cNvPr>
+          <p:cNvSpPr>
+            <a:spLocks noChangeArrowheads="1"/>
+          </p:cNvSpPr>
+          <p:nvPr/>
+        </p:nvSpPr>
+        <p:spPr bwMode="auto">
+          <a:xfrm>
+            <a:off x="515965" y="2799000"/>
+            <a:ext cx="11160071" cy="3203542"/>
+          </a:xfrm>
+          <a:prstGeom prst="rect">
+            <a:avLst/>
+          </a:prstGeom>
+          <a:solidFill>
+            <a:schemeClr val="accent5">
+              <a:lumMod val="40000"/>
+              <a:lumOff val="60000"/>
+              <a:alpha val="20000"/>
+            </a:schemeClr>
+          </a:solidFill>
+          <a:ln w="12700">
+            <a:solidFill>
+              <a:schemeClr val="accent5">
+                <a:lumMod val="60000"/>
+                <a:lumOff val="40000"/>
+              </a:schemeClr>
+            </a:solidFill>
+          </a:ln>
+        </p:spPr>
+        <p:txBody>
+          <a:bodyPr vert="horz" wrap="square" lIns="144000" tIns="108000" rIns="144000" bIns="108000" rtlCol="0">
+            <a:spAutoFit/>
+          </a:bodyPr>
+          <a:lstStyle/>
+          <a:p>
+            <a:pPr>
+              <a:spcBef>
+                <a:spcPts val="600"/>
+              </a:spcBef>
+              <a:spcAft>
+                <a:spcPts val="600"/>
+              </a:spcAft>
+              <a:buClr>
+                <a:srgbClr val="F2B254"/>
+              </a:buClr>
+              <a:buSzPct val="100000"/>
+            </a:pPr>
+            <a:r>
+              <a:rPr lang="en-US" sz="2400" b="1" noProof="1">
+                <a:latin typeface="Consolas" pitchFamily="49" charset="0"/>
+                <a:cs typeface="Consolas" pitchFamily="49" charset="0"/>
+              </a:rPr>
+              <a:t>private void SortTownsByName</a:t>
+            </a:r>
+            <a:r>
+              <a:rPr lang="en-GB" sz="2400" b="1" dirty="0">
+                <a:latin typeface="Consolas" panose="020B0609020204030204" pitchFamily="49" charset="0"/>
+                <a:cs typeface="Consolas" panose="020B0609020204030204" pitchFamily="49" charset="0"/>
+              </a:rPr>
+              <a:t>Descending</a:t>
+            </a:r>
+            <a:r>
+              <a:rPr lang="en-US" sz="2400" b="1" noProof="1">
+                <a:latin typeface="Consolas" pitchFamily="49" charset="0"/>
+                <a:cs typeface="Consolas" pitchFamily="49" charset="0"/>
+              </a:rPr>
+              <a:t>()</a:t>
+            </a:r>
+          </a:p>
+          <a:p>
+            <a:pPr>
+              <a:spcBef>
+                <a:spcPts val="600"/>
+              </a:spcBef>
+              <a:spcAft>
+                <a:spcPts val="600"/>
+              </a:spcAft>
+              <a:buClr>
+                <a:srgbClr val="F2B254"/>
+              </a:buClr>
+              <a:buSzPct val="100000"/>
+              <a:buFont typeface="Wingdings" panose="05000000000000000000" pitchFamily="2" charset="2"/>
+              <a:buNone/>
+            </a:pPr>
+            <a:r>
+              <a:rPr lang="en-US" sz="2400" b="1" noProof="1">
+                <a:latin typeface="Consolas" pitchFamily="49" charset="0"/>
+                <a:cs typeface="Consolas" pitchFamily="49" charset="0"/>
+              </a:rPr>
+              <a:t>{</a:t>
+            </a:r>
+            <a:endParaRPr lang="bg-BG" sz="2400" b="1" noProof="1">
+              <a:latin typeface="Consolas" pitchFamily="49" charset="0"/>
+              <a:cs typeface="Consolas" pitchFamily="49" charset="0"/>
+            </a:endParaRPr>
+          </a:p>
+          <a:p>
+            <a:pPr>
+              <a:spcBef>
+                <a:spcPts val="600"/>
+              </a:spcBef>
+              <a:spcAft>
+                <a:spcPts val="600"/>
+              </a:spcAft>
+              <a:buClr>
+                <a:srgbClr val="F2B254"/>
+              </a:buClr>
+              <a:buSzPct val="100000"/>
+              <a:buFont typeface="Wingdings" panose="05000000000000000000" pitchFamily="2" charset="2"/>
+              <a:buNone/>
+            </a:pPr>
+            <a:r>
+              <a:rPr lang="bg-BG" sz="2400" b="1" noProof="1">
+                <a:latin typeface="Consolas" pitchFamily="49" charset="0"/>
+                <a:cs typeface="Consolas" pitchFamily="49" charset="0"/>
+              </a:rPr>
+              <a:t>    </a:t>
+            </a:r>
+            <a:r>
+              <a:rPr lang="en-US" sz="2400" b="1" noProof="1">
+                <a:latin typeface="Consolas" pitchFamily="49" charset="0"/>
+                <a:cs typeface="Consolas" pitchFamily="49" charset="0"/>
+              </a:rPr>
+              <a:t>var towns = this.dbContext.Towns</a:t>
+            </a:r>
+            <a:endParaRPr lang="bg-BG" sz="2400" b="1" noProof="1">
+              <a:latin typeface="Consolas" pitchFamily="49" charset="0"/>
+              <a:cs typeface="Consolas" pitchFamily="49" charset="0"/>
+            </a:endParaRPr>
+          </a:p>
+          <a:p>
+            <a:pPr>
+              <a:spcBef>
+                <a:spcPts val="600"/>
+              </a:spcBef>
+              <a:spcAft>
+                <a:spcPts val="600"/>
+              </a:spcAft>
+              <a:buClr>
+                <a:srgbClr val="F2B254"/>
+              </a:buClr>
+              <a:buSzPct val="100000"/>
+              <a:buFont typeface="Wingdings" panose="05000000000000000000" pitchFamily="2" charset="2"/>
+              <a:buNone/>
+            </a:pPr>
+            <a:r>
+              <a:rPr lang="bg-BG" sz="2400" b="1" noProof="1">
+                <a:latin typeface="Consolas" pitchFamily="49" charset="0"/>
+                <a:cs typeface="Consolas" pitchFamily="49" charset="0"/>
+              </a:rPr>
+              <a:t>			    </a:t>
+            </a:r>
+            <a:r>
+              <a:rPr lang="en-US" sz="2400" b="1" noProof="1">
+                <a:latin typeface="Consolas" pitchFamily="49" charset="0"/>
+                <a:cs typeface="Consolas" pitchFamily="49" charset="0"/>
+              </a:rPr>
+              <a:t>.</a:t>
+            </a:r>
+            <a:r>
+              <a:rPr lang="en-US" sz="2400" b="1" noProof="1">
+                <a:solidFill>
+                  <a:schemeClr val="bg1"/>
+                </a:solidFill>
+                <a:latin typeface="Consolas" pitchFamily="49" charset="0"/>
+                <a:cs typeface="Consolas" pitchFamily="49" charset="0"/>
+              </a:rPr>
+              <a:t>OrderBy</a:t>
+            </a:r>
+            <a:r>
+              <a:rPr lang="en-GB" sz="2400" b="1" dirty="0">
+                <a:solidFill>
+                  <a:schemeClr val="bg1"/>
+                </a:solidFill>
+                <a:latin typeface="Consolas" panose="020B0609020204030204" pitchFamily="49" charset="0"/>
+                <a:cs typeface="Consolas" panose="020B0609020204030204" pitchFamily="49" charset="0"/>
+              </a:rPr>
+              <a:t>Descending</a:t>
+            </a:r>
+            <a:r>
+              <a:rPr lang="en-US" sz="2400" b="1" noProof="1">
+                <a:latin typeface="Consolas" pitchFamily="49" charset="0"/>
+                <a:cs typeface="Consolas" pitchFamily="49" charset="0"/>
+              </a:rPr>
+              <a:t>(t =&gt;</a:t>
+            </a:r>
+            <a:r>
+              <a:rPr lang="bg-BG" sz="2400" b="1" noProof="1">
+                <a:latin typeface="Consolas" pitchFamily="49" charset="0"/>
+                <a:cs typeface="Consolas" pitchFamily="49" charset="0"/>
+              </a:rPr>
+              <a:t> </a:t>
+            </a:r>
+            <a:r>
+              <a:rPr lang="en-US" sz="2400" b="1" noProof="1">
+                <a:latin typeface="Consolas" pitchFamily="49" charset="0"/>
+                <a:cs typeface="Consolas" pitchFamily="49" charset="0"/>
+              </a:rPr>
+              <a:t>t.Name).ToList();</a:t>
+            </a:r>
+          </a:p>
+          <a:p>
+            <a:pPr>
+              <a:spcBef>
+                <a:spcPts val="600"/>
+              </a:spcBef>
+              <a:spcAft>
+                <a:spcPts val="600"/>
+              </a:spcAft>
+              <a:buClr>
+                <a:srgbClr val="F2B254"/>
+              </a:buClr>
+              <a:buSzPct val="100000"/>
+            </a:pPr>
+            <a:r>
+              <a:rPr lang="bg-BG" sz="2400" b="1" noProof="1">
+                <a:latin typeface="Consolas" pitchFamily="49" charset="0"/>
+                <a:cs typeface="Consolas" pitchFamily="49" charset="0"/>
+              </a:rPr>
+              <a:t>    </a:t>
+            </a:r>
+            <a:r>
+              <a:rPr lang="en-US" sz="2400" b="1" noProof="1">
+                <a:latin typeface="Consolas" pitchFamily="49" charset="0"/>
+                <a:cs typeface="Consolas" pitchFamily="49" charset="0"/>
+              </a:rPr>
+              <a:t>this.townBindingSource.DataSource = towns;</a:t>
+            </a:r>
+          </a:p>
+          <a:p>
+            <a:pPr>
+              <a:spcBef>
+                <a:spcPts val="600"/>
+              </a:spcBef>
+              <a:spcAft>
+                <a:spcPts val="600"/>
+              </a:spcAft>
+              <a:buClr>
+                <a:srgbClr val="F2B254"/>
+              </a:buClr>
+              <a:buSzPct val="100000"/>
+              <a:buFont typeface="Wingdings" panose="05000000000000000000" pitchFamily="2" charset="2"/>
+              <a:buNone/>
+            </a:pPr>
+            <a:r>
+              <a:rPr lang="en-US" sz="2400" b="1" noProof="1">
+                <a:latin typeface="Consolas" pitchFamily="49" charset="0"/>
+                <a:cs typeface="Consolas" pitchFamily="49" charset="0"/>
+              </a:rPr>
+              <a:t>}</a:t>
+            </a:r>
+          </a:p>
+        </p:txBody>
+      </p:sp>
+    </p:spTree>
+    <p:extLst>
+      <p:ext uri="{BB962C8B-B14F-4D97-AF65-F5344CB8AC3E}">
+        <p14:creationId xmlns:p14="http://schemas.microsoft.com/office/powerpoint/2010/main" val="1043291144"/>
+      </p:ext>
+    </p:extLst>
+  </p:cSld>
+  <p:clrMapOvr>
+    <a:masterClrMapping/>
+  </p:clrMapOvr>
+  <mc:AlternateContent xmlns:mc="http://schemas.openxmlformats.org/markup-compatibility/2006">
+    <mc:Choice xmlns:p14="http://schemas.microsoft.com/office/powerpoint/2010/main" Requires="p14">
+      <p:transition spd="slow" p14:dur="2000" advClick="0" advTm="5000"/>
+    </mc:Choice>
+    <mc:Fallback>
+      <p:transition spd="slow" advClick="0" advTm="5000"/>
+    </mc:Fallback>
+  </mc:AlternateContent>
+  <p:timing>
+    <p:tnLst>
+      <p:par>
+        <p:cTn id="1" dur="indefinite" restart="never" nodeType="tmRoot">
+          <p:childTnLst>
+            <p:seq concurrent="1" nextAc="seek">
+              <p:cTn id="2" dur="indefinite" nodeType="mainSeq">
+                <p:childTnLst>
                   <p:par>
-                    <p:cTn id="7" fill="hold">
+                    <p:cTn id="3" fill="hold">
                       <p:stCondLst>
                         <p:cond delay="indefinite"/>
                       </p:stCondLst>
                       <p:childTnLst>
                         <p:par>
-                          <p:cTn id="8" fill="hold">
+                          <p:cTn id="4" fill="hold">
                             <p:stCondLst>
                               <p:cond delay="0"/>
                             </p:stCondLst>
                             <p:childTnLst>
                               <p:par>
-                                <p:cTn id="9" presetID="1" presetClass="entr" presetSubtype="0" fill="hold" grpId="0" nodeType="clickEffect">
+                                <p:cTn id="5" presetID="1" presetClass="entr" presetSubtype="0" fill="hold" grpId="0" nodeType="clickEffect">
                                   <p:stCondLst>
                                     <p:cond delay="0"/>
                                   </p:stCondLst>
                                   <p:childTnLst>
                                     <p:set>
                                       <p:cBhvr>
-                                        <p:cTn id="10" dur="1" fill="hold">
+                                        <p:cTn id="6" dur="1" fill="hold">
                                           <p:stCondLst>
                                             <p:cond delay="0"/>
                                           </p:stCondLst>
@@ -12607,14 +13051,13 @@
       </p:par>
     </p:tnLst>
     <p:bldLst>
-      <p:bldP spid="5" grpId="0" animBg="1"/>
       <p:bldP spid="6" grpId="0" animBg="1"/>
     </p:bldLst>
   </p:timing>
 </p:sld>
 </file>
 
-<file path=ppt/slides/slide18.xml><?xml version="1.0" encoding="utf-8"?>
+<file path=ppt/slides/slide19.xml><?xml version="1.0" encoding="utf-8"?>
 <p:sld xmlns:a="http://schemas.openxmlformats.org/drawingml/2006/main" xmlns:r="http://schemas.openxmlformats.org/officeDocument/2006/relationships" xmlns:p="http://schemas.openxmlformats.org/presentationml/2006/main">
   <p:cSld>
     <p:spTree>
@@ -12764,7 +13207,580 @@
 </p:sld>
 </file>
 
-<file path=ppt/slides/slide19.xml><?xml version="1.0" encoding="utf-8"?>
+<file path=ppt/slides/slide2.xml><?xml version="1.0" encoding="utf-8"?>
+<p:sld xmlns:a="http://schemas.openxmlformats.org/drawingml/2006/main" xmlns:r="http://schemas.openxmlformats.org/officeDocument/2006/relationships" xmlns:p="http://schemas.openxmlformats.org/presentationml/2006/main">
+  <p:cSld>
+    <p:spTree>
+      <p:nvGrpSpPr>
+        <p:cNvPr id="1" name=""/>
+        <p:cNvGrpSpPr/>
+        <p:nvPr/>
+      </p:nvGrpSpPr>
+      <p:grpSpPr>
+        <a:xfrm>
+          <a:off x="0" y="0"/>
+          <a:ext cx="0" cy="0"/>
+          <a:chOff x="0" y="0"/>
+          <a:chExt cx="0" cy="0"/>
+        </a:xfrm>
+      </p:grpSpPr>
+      <p:sp>
+        <p:nvSpPr>
+          <p:cNvPr id="5" name="Slide Number">
+            <a:extLst>
+              <a:ext uri="{FF2B5EF4-FFF2-40B4-BE49-F238E27FC236}">
+                <a16:creationId xmlns:a16="http://schemas.microsoft.com/office/drawing/2014/main" id="{6A760D59-0056-4F39-B077-DBDBE3D2927E}"/>
+              </a:ext>
+            </a:extLst>
+          </p:cNvPr>
+          <p:cNvSpPr txBox="1">
+            <a:spLocks/>
+          </p:cNvSpPr>
+          <p:nvPr/>
+        </p:nvSpPr>
+        <p:spPr>
+          <a:xfrm>
+            <a:off x="11753030" y="6507000"/>
+            <a:ext cx="367414" cy="297000"/>
+          </a:xfrm>
+          <a:prstGeom prst="rect">
+            <a:avLst/>
+          </a:prstGeom>
+        </p:spPr>
+        <p:txBody>
+          <a:bodyPr vert="horz" lIns="91440" tIns="45720" rIns="91440" bIns="45720" rtlCol="0" anchor="b"/>
+          <a:lstStyle>
+            <a:defPPr>
+              <a:defRPr lang="en-US"/>
+            </a:defPPr>
+            <a:lvl1pPr marL="0" algn="r" defTabSz="914400" rtl="0" eaLnBrk="1" latinLnBrk="0" hangingPunct="1">
+              <a:defRPr sz="1000" kern="1200">
+                <a:solidFill>
+                  <a:schemeClr val="tx1"/>
+                </a:solidFill>
+                <a:latin typeface="+mn-lt"/>
+                <a:ea typeface="+mn-ea"/>
+                <a:cs typeface="+mn-cs"/>
+              </a:defRPr>
+            </a:lvl1pPr>
+            <a:lvl2pPr marL="457200" algn="l" defTabSz="914400" rtl="0" eaLnBrk="1" latinLnBrk="0" hangingPunct="1">
+              <a:defRPr sz="1800" kern="1200">
+                <a:solidFill>
+                  <a:schemeClr val="tx1"/>
+                </a:solidFill>
+                <a:latin typeface="+mn-lt"/>
+                <a:ea typeface="+mn-ea"/>
+                <a:cs typeface="+mn-cs"/>
+              </a:defRPr>
+            </a:lvl2pPr>
+            <a:lvl3pPr marL="914400" algn="l" defTabSz="914400" rtl="0" eaLnBrk="1" latinLnBrk="0" hangingPunct="1">
+              <a:defRPr sz="1800" kern="1200">
+                <a:solidFill>
+                  <a:schemeClr val="tx1"/>
+                </a:solidFill>
+                <a:latin typeface="+mn-lt"/>
+                <a:ea typeface="+mn-ea"/>
+                <a:cs typeface="+mn-cs"/>
+              </a:defRPr>
+            </a:lvl3pPr>
+            <a:lvl4pPr marL="1371600" algn="l" defTabSz="914400" rtl="0" eaLnBrk="1" latinLnBrk="0" hangingPunct="1">
+              <a:defRPr sz="1800" kern="1200">
+                <a:solidFill>
+                  <a:schemeClr val="tx1"/>
+                </a:solidFill>
+                <a:latin typeface="+mn-lt"/>
+                <a:ea typeface="+mn-ea"/>
+                <a:cs typeface="+mn-cs"/>
+              </a:defRPr>
+            </a:lvl4pPr>
+            <a:lvl5pPr marL="1828800" algn="l" defTabSz="914400" rtl="0" eaLnBrk="1" latinLnBrk="0" hangingPunct="1">
+              <a:defRPr sz="1800" kern="1200">
+                <a:solidFill>
+                  <a:schemeClr val="tx1"/>
+                </a:solidFill>
+                <a:latin typeface="+mn-lt"/>
+                <a:ea typeface="+mn-ea"/>
+                <a:cs typeface="+mn-cs"/>
+              </a:defRPr>
+            </a:lvl5pPr>
+            <a:lvl6pPr marL="2286000" algn="l" defTabSz="914400" rtl="0" eaLnBrk="1" latinLnBrk="0" hangingPunct="1">
+              <a:defRPr sz="1800" kern="1200">
+                <a:solidFill>
+                  <a:schemeClr val="tx1"/>
+                </a:solidFill>
+                <a:latin typeface="+mn-lt"/>
+                <a:ea typeface="+mn-ea"/>
+                <a:cs typeface="+mn-cs"/>
+              </a:defRPr>
+            </a:lvl6pPr>
+            <a:lvl7pPr marL="2743200" algn="l" defTabSz="914400" rtl="0" eaLnBrk="1" latinLnBrk="0" hangingPunct="1">
+              <a:defRPr sz="1800" kern="1200">
+                <a:solidFill>
+                  <a:schemeClr val="tx1"/>
+                </a:solidFill>
+                <a:latin typeface="+mn-lt"/>
+                <a:ea typeface="+mn-ea"/>
+                <a:cs typeface="+mn-cs"/>
+              </a:defRPr>
+            </a:lvl7pPr>
+            <a:lvl8pPr marL="3200400" algn="l" defTabSz="914400" rtl="0" eaLnBrk="1" latinLnBrk="0" hangingPunct="1">
+              <a:defRPr sz="1800" kern="1200">
+                <a:solidFill>
+                  <a:schemeClr val="tx1"/>
+                </a:solidFill>
+                <a:latin typeface="+mn-lt"/>
+                <a:ea typeface="+mn-ea"/>
+                <a:cs typeface="+mn-cs"/>
+              </a:defRPr>
+            </a:lvl8pPr>
+            <a:lvl9pPr marL="3657600" algn="l" defTabSz="914400" rtl="0" eaLnBrk="1" latinLnBrk="0" hangingPunct="1">
+              <a:defRPr sz="1800" kern="1200">
+                <a:solidFill>
+                  <a:schemeClr val="tx1"/>
+                </a:solidFill>
+                <a:latin typeface="+mn-lt"/>
+                <a:ea typeface="+mn-ea"/>
+                <a:cs typeface="+mn-cs"/>
+              </a:defRPr>
+            </a:lvl9pPr>
+          </a:lstStyle>
+          <a:p>
+            <a:fld id="{2BF067CD-8E6B-4360-9AA8-C5DF2A48A6D1}" type="slidenum">
+              <a:rPr lang="en-US" smtClean="0"/>
+              <a:pPr/>
+              <a:t>2</a:t>
+            </a:fld>
+            <a:endParaRPr lang="en-US" dirty="0"/>
+          </a:p>
+        </p:txBody>
+      </p:sp>
+      <p:sp>
+        <p:nvSpPr>
+          <p:cNvPr id="444419" name="Slide Body"/>
+          <p:cNvSpPr>
+            <a:spLocks noGrp="1" noChangeArrowheads="1"/>
+          </p:cNvSpPr>
+          <p:nvPr>
+            <p:ph type="body" sz="quarter" idx="13"/>
+          </p:nvPr>
+        </p:nvSpPr>
+        <p:spPr>
+          <a:xfrm>
+            <a:off x="196766" y="1371604"/>
+            <a:ext cx="11781606" cy="5207396"/>
+          </a:xfrm>
+        </p:spPr>
+        <p:txBody>
+          <a:bodyPr>
+            <a:normAutofit/>
+          </a:bodyPr>
+          <a:lstStyle/>
+          <a:p>
+            <a:pPr>
+              <a:buClr>
+                <a:schemeClr val="tx1"/>
+              </a:buClr>
+            </a:pPr>
+            <a:r>
+              <a:rPr lang="bg-BG" sz="3400" dirty="0">
+                <a:solidFill>
+                  <a:schemeClr val="bg1"/>
+                </a:solidFill>
+              </a:rPr>
+              <a:t>​</a:t>
+            </a:r>
+            <a:r>
+              <a:rPr lang="en-US" sz="3400" b="1" dirty="0">
+                <a:solidFill>
+                  <a:schemeClr val="bg1"/>
+                </a:solidFill>
+              </a:rPr>
+              <a:t>Master-Detail </a:t>
+            </a:r>
+            <a:r>
+              <a:rPr lang="bg-BG" sz="3400" dirty="0"/>
+              <a:t>навигация</a:t>
+            </a:r>
+          </a:p>
+          <a:p>
+            <a:r>
+              <a:rPr lang="bg-BG" sz="3400" dirty="0"/>
+              <a:t>Имплементиране на </a:t>
+            </a:r>
+            <a:r>
+              <a:rPr lang="en-US" sz="3400" b="1" dirty="0"/>
+              <a:t>Master-Detail</a:t>
+            </a:r>
+            <a:r>
+              <a:rPr lang="en-US" sz="3400" dirty="0"/>
+              <a:t> </a:t>
+            </a:r>
+            <a:r>
+              <a:rPr lang="bg-BG" sz="3400" dirty="0"/>
+              <a:t>с </a:t>
+            </a:r>
+            <a:r>
+              <a:rPr lang="en-US" sz="3400" b="1" dirty="0">
+                <a:solidFill>
+                  <a:schemeClr val="bg1"/>
+                </a:solidFill>
+              </a:rPr>
+              <a:t>Entity Framework Core</a:t>
+            </a:r>
+          </a:p>
+          <a:p>
+            <a:r>
+              <a:rPr lang="bg-BG" sz="3400" dirty="0"/>
+              <a:t>​</a:t>
+            </a:r>
+            <a:r>
+              <a:rPr lang="en-US" sz="3400" b="1" dirty="0"/>
+              <a:t>Master-Detail</a:t>
+            </a:r>
+            <a:r>
+              <a:rPr lang="bg-BG" sz="3400" dirty="0"/>
+              <a:t> таблици в </a:t>
+            </a:r>
+            <a:r>
+              <a:rPr lang="en-US" sz="3400" b="1" dirty="0">
+                <a:solidFill>
+                  <a:schemeClr val="bg1"/>
+                </a:solidFill>
+              </a:rPr>
+              <a:t>Windows Forms</a:t>
+            </a:r>
+          </a:p>
+          <a:p>
+            <a:r>
+              <a:rPr lang="bg-BG" sz="3400" dirty="0"/>
+              <a:t>​</a:t>
+            </a:r>
+            <a:r>
+              <a:rPr lang="bg-BG" sz="3400" b="1" dirty="0">
+                <a:solidFill>
+                  <a:schemeClr val="bg1"/>
+                </a:solidFill>
+              </a:rPr>
+              <a:t>Филтриране</a:t>
+            </a:r>
+            <a:r>
+              <a:rPr lang="bg-BG" sz="3400" dirty="0"/>
+              <a:t> и </a:t>
+            </a:r>
+            <a:r>
+              <a:rPr lang="bg-BG" sz="3400" b="1" dirty="0">
+                <a:solidFill>
+                  <a:schemeClr val="bg1"/>
+                </a:solidFill>
+              </a:rPr>
+              <a:t>сортиране</a:t>
+            </a:r>
+            <a:r>
+              <a:rPr lang="bg-BG" sz="3400" dirty="0"/>
+              <a:t> на </a:t>
+            </a:r>
+            <a:r>
+              <a:rPr lang="bg-BG" sz="3400" b="1" dirty="0"/>
+              <a:t>таблица</a:t>
+            </a:r>
+            <a:endParaRPr lang="en-GB" sz="3400" b="1" dirty="0"/>
+          </a:p>
+          <a:p>
+            <a:pPr>
+              <a:buClr>
+                <a:schemeClr val="tx1"/>
+              </a:buClr>
+            </a:pPr>
+            <a:r>
+              <a:rPr lang="en-GB" sz="3400" dirty="0"/>
+              <a:t>​</a:t>
+            </a:r>
+            <a:r>
+              <a:rPr lang="bg-BG" sz="3400" b="1" dirty="0"/>
+              <a:t>Примерно приложение</a:t>
+            </a:r>
+            <a:r>
+              <a:rPr lang="bg-BG" sz="3400" dirty="0"/>
+              <a:t>: Държави и градове</a:t>
+            </a:r>
+          </a:p>
+        </p:txBody>
+      </p:sp>
+      <p:sp>
+        <p:nvSpPr>
+          <p:cNvPr id="444418" name="Slide Title"/>
+          <p:cNvSpPr>
+            <a:spLocks noGrp="1" noChangeArrowheads="1"/>
+          </p:cNvSpPr>
+          <p:nvPr>
+            <p:ph type="title"/>
+          </p:nvPr>
+        </p:nvSpPr>
+        <p:spPr>
+          <a:xfrm>
+            <a:off x="190406" y="100750"/>
+            <a:ext cx="10270594" cy="882654"/>
+          </a:xfrm>
+        </p:spPr>
+        <p:txBody>
+          <a:bodyPr/>
+          <a:lstStyle/>
+          <a:p>
+            <a:r>
+              <a:rPr lang="bg-BG" dirty="0"/>
+              <a:t>Съдържание</a:t>
+            </a:r>
+          </a:p>
+        </p:txBody>
+      </p:sp>
+    </p:spTree>
+    <p:extLst>
+      <p:ext uri="{BB962C8B-B14F-4D97-AF65-F5344CB8AC3E}">
+        <p14:creationId xmlns:p14="http://schemas.microsoft.com/office/powerpoint/2010/main" val="1646986932"/>
+      </p:ext>
+    </p:extLst>
+  </p:cSld>
+  <p:clrMapOvr>
+    <a:masterClrMapping/>
+  </p:clrMapOvr>
+  <mc:AlternateContent xmlns:mc="http://schemas.openxmlformats.org/markup-compatibility/2006" xmlns:p14="http://schemas.microsoft.com/office/powerpoint/2010/main">
+    <mc:Choice Requires="p14">
+      <p:transition spd="slow" p14:dur="2000" advClick="0" advTm="5000"/>
+    </mc:Choice>
+    <mc:Fallback xmlns="">
+      <p:transition spd="slow" advClick="0" advTm="5000"/>
+    </mc:Fallback>
+  </mc:AlternateContent>
+  <p:timing>
+    <p:tnLst>
+      <p:par>
+        <p:cTn id="1" dur="indefinite" restart="never" nodeType="tmRoot">
+          <p:childTnLst>
+            <p:seq concurrent="1" nextAc="seek">
+              <p:cTn id="2" dur="indefinite" nodeType="mainSeq">
+                <p:childTnLst>
+                  <p:par>
+                    <p:cTn id="3" fill="hold">
+                      <p:stCondLst>
+                        <p:cond delay="indefinite"/>
+                      </p:stCondLst>
+                      <p:childTnLst>
+                        <p:par>
+                          <p:cTn id="4" fill="hold">
+                            <p:stCondLst>
+                              <p:cond delay="0"/>
+                            </p:stCondLst>
+                            <p:childTnLst>
+                              <p:par>
+                                <p:cTn id="5" presetID="1" presetClass="entr" presetSubtype="0" fill="hold" nodeType="clickEffect">
+                                  <p:stCondLst>
+                                    <p:cond delay="0"/>
+                                  </p:stCondLst>
+                                  <p:childTnLst>
+                                    <p:set>
+                                      <p:cBhvr>
+                                        <p:cTn id="6" dur="1" fill="hold">
+                                          <p:stCondLst>
+                                            <p:cond delay="0"/>
+                                          </p:stCondLst>
+                                        </p:cTn>
+                                        <p:tgtEl>
+                                          <p:spTgt spid="444419">
+                                            <p:txEl>
+                                              <p:pRg st="1" end="1"/>
+                                            </p:txEl>
+                                          </p:spTgt>
+                                        </p:tgtEl>
+                                        <p:attrNameLst>
+                                          <p:attrName>style.visibility</p:attrName>
+                                        </p:attrNameLst>
+                                      </p:cBhvr>
+                                      <p:to>
+                                        <p:strVal val="visible"/>
+                                      </p:to>
+                                    </p:set>
+                                  </p:childTnLst>
+                                </p:cTn>
+                              </p:par>
+                            </p:childTnLst>
+                          </p:cTn>
+                        </p:par>
+                      </p:childTnLst>
+                    </p:cTn>
+                  </p:par>
+                  <p:par>
+                    <p:cTn id="7" fill="hold">
+                      <p:stCondLst>
+                        <p:cond delay="indefinite"/>
+                      </p:stCondLst>
+                      <p:childTnLst>
+                        <p:par>
+                          <p:cTn id="8" fill="hold">
+                            <p:stCondLst>
+                              <p:cond delay="0"/>
+                            </p:stCondLst>
+                            <p:childTnLst>
+                              <p:par>
+                                <p:cTn id="9" presetID="1" presetClass="entr" presetSubtype="0" fill="hold" nodeType="clickEffect">
+                                  <p:stCondLst>
+                                    <p:cond delay="0"/>
+                                  </p:stCondLst>
+                                  <p:childTnLst>
+                                    <p:set>
+                                      <p:cBhvr>
+                                        <p:cTn id="10" dur="1" fill="hold">
+                                          <p:stCondLst>
+                                            <p:cond delay="0"/>
+                                          </p:stCondLst>
+                                        </p:cTn>
+                                        <p:tgtEl>
+                                          <p:spTgt spid="444419">
+                                            <p:txEl>
+                                              <p:pRg st="2" end="2"/>
+                                            </p:txEl>
+                                          </p:spTgt>
+                                        </p:tgtEl>
+                                        <p:attrNameLst>
+                                          <p:attrName>style.visibility</p:attrName>
+                                        </p:attrNameLst>
+                                      </p:cBhvr>
+                                      <p:to>
+                                        <p:strVal val="visible"/>
+                                      </p:to>
+                                    </p:set>
+                                  </p:childTnLst>
+                                </p:cTn>
+                              </p:par>
+                            </p:childTnLst>
+                          </p:cTn>
+                        </p:par>
+                      </p:childTnLst>
+                    </p:cTn>
+                  </p:par>
+                  <p:par>
+                    <p:cTn id="11" fill="hold">
+                      <p:stCondLst>
+                        <p:cond delay="indefinite"/>
+                      </p:stCondLst>
+                      <p:childTnLst>
+                        <p:par>
+                          <p:cTn id="12" fill="hold">
+                            <p:stCondLst>
+                              <p:cond delay="0"/>
+                            </p:stCondLst>
+                            <p:childTnLst>
+                              <p:par>
+                                <p:cTn id="13" presetID="1" presetClass="entr" presetSubtype="0" fill="hold" nodeType="clickEffect">
+                                  <p:stCondLst>
+                                    <p:cond delay="0"/>
+                                  </p:stCondLst>
+                                  <p:childTnLst>
+                                    <p:set>
+                                      <p:cBhvr>
+                                        <p:cTn id="14" dur="1" fill="hold">
+                                          <p:stCondLst>
+                                            <p:cond delay="0"/>
+                                          </p:stCondLst>
+                                        </p:cTn>
+                                        <p:tgtEl>
+                                          <p:spTgt spid="444419">
+                                            <p:txEl>
+                                              <p:pRg st="3" end="3"/>
+                                            </p:txEl>
+                                          </p:spTgt>
+                                        </p:tgtEl>
+                                        <p:attrNameLst>
+                                          <p:attrName>style.visibility</p:attrName>
+                                        </p:attrNameLst>
+                                      </p:cBhvr>
+                                      <p:to>
+                                        <p:strVal val="visible"/>
+                                      </p:to>
+                                    </p:set>
+                                  </p:childTnLst>
+                                </p:cTn>
+                              </p:par>
+                            </p:childTnLst>
+                          </p:cTn>
+                        </p:par>
+                      </p:childTnLst>
+                    </p:cTn>
+                  </p:par>
+                  <p:par>
+                    <p:cTn id="15" fill="hold">
+                      <p:stCondLst>
+                        <p:cond delay="indefinite"/>
+                      </p:stCondLst>
+                      <p:childTnLst>
+                        <p:par>
+                          <p:cTn id="16" fill="hold">
+                            <p:stCondLst>
+                              <p:cond delay="0"/>
+                            </p:stCondLst>
+                            <p:childTnLst>
+                              <p:par>
+                                <p:cTn id="17" presetID="1" presetClass="entr" presetSubtype="0" fill="hold" nodeType="clickEffect">
+                                  <p:stCondLst>
+                                    <p:cond delay="0"/>
+                                  </p:stCondLst>
+                                  <p:childTnLst>
+                                    <p:set>
+                                      <p:cBhvr>
+                                        <p:cTn id="18" dur="1" fill="hold">
+                                          <p:stCondLst>
+                                            <p:cond delay="0"/>
+                                          </p:stCondLst>
+                                        </p:cTn>
+                                        <p:tgtEl>
+                                          <p:spTgt spid="444419">
+                                            <p:txEl>
+                                              <p:pRg st="4" end="4"/>
+                                            </p:txEl>
+                                          </p:spTgt>
+                                        </p:tgtEl>
+                                        <p:attrNameLst>
+                                          <p:attrName>style.visibility</p:attrName>
+                                        </p:attrNameLst>
+                                      </p:cBhvr>
+                                      <p:to>
+                                        <p:strVal val="visible"/>
+                                      </p:to>
+                                    </p:set>
+                                  </p:childTnLst>
+                                </p:cTn>
+                              </p:par>
+                            </p:childTnLst>
+                          </p:cTn>
+                        </p:par>
+                      </p:childTnLst>
+                    </p:cTn>
+                  </p:par>
+                </p:childTnLst>
+              </p:cTn>
+              <p:prevCondLst>
+                <p:cond evt="onPrev" delay="0">
+                  <p:tgtEl>
+                    <p:sldTgt/>
+                  </p:tgtEl>
+                </p:cond>
+              </p:prevCondLst>
+              <p:nextCondLst>
+                <p:cond evt="onNext" delay="0">
+                  <p:tgtEl>
+                    <p:sldTgt/>
+                  </p:tgtEl>
+                </p:cond>
+              </p:nextCondLst>
+            </p:seq>
+          </p:childTnLst>
+        </p:cTn>
+      </p:par>
+    </p:tnLst>
+  </p:timing>
+</p:sld>
+</file>
+
+<file path=ppt/slides/slide20.xml><?xml version="1.0" encoding="utf-8"?>
 <p:sld xmlns:a="http://schemas.openxmlformats.org/drawingml/2006/main" xmlns:r="http://schemas.openxmlformats.org/officeDocument/2006/relationships" xmlns:p="http://schemas.openxmlformats.org/presentationml/2006/main">
   <p:cSld>
     <p:spTree>
@@ -12805,7 +13821,7 @@
             <a:fld id="{2BF067CD-8E6B-4360-9AA8-C5DF2A48A6D1}" type="slidenum">
               <a:rPr lang="en-US" noProof="0" smtClean="0"/>
               <a:pPr/>
-              <a:t>19</a:t>
+              <a:t>20</a:t>
             </a:fld>
             <a:endParaRPr lang="en-US" noProof="0" dirty="0"/>
           </a:p>
@@ -13732,580 +14748,7 @@
 </p:sld>
 </file>
 
-<file path=ppt/slides/slide2.xml><?xml version="1.0" encoding="utf-8"?>
-<p:sld xmlns:a="http://schemas.openxmlformats.org/drawingml/2006/main" xmlns:r="http://schemas.openxmlformats.org/officeDocument/2006/relationships" xmlns:p="http://schemas.openxmlformats.org/presentationml/2006/main">
-  <p:cSld>
-    <p:spTree>
-      <p:nvGrpSpPr>
-        <p:cNvPr id="1" name=""/>
-        <p:cNvGrpSpPr/>
-        <p:nvPr/>
-      </p:nvGrpSpPr>
-      <p:grpSpPr>
-        <a:xfrm>
-          <a:off x="0" y="0"/>
-          <a:ext cx="0" cy="0"/>
-          <a:chOff x="0" y="0"/>
-          <a:chExt cx="0" cy="0"/>
-        </a:xfrm>
-      </p:grpSpPr>
-      <p:sp>
-        <p:nvSpPr>
-          <p:cNvPr id="5" name="Slide Number">
-            <a:extLst>
-              <a:ext uri="{FF2B5EF4-FFF2-40B4-BE49-F238E27FC236}">
-                <a16:creationId xmlns:a16="http://schemas.microsoft.com/office/drawing/2014/main" id="{6A760D59-0056-4F39-B077-DBDBE3D2927E}"/>
-              </a:ext>
-            </a:extLst>
-          </p:cNvPr>
-          <p:cNvSpPr txBox="1">
-            <a:spLocks/>
-          </p:cNvSpPr>
-          <p:nvPr/>
-        </p:nvSpPr>
-        <p:spPr>
-          <a:xfrm>
-            <a:off x="11753030" y="6507000"/>
-            <a:ext cx="367414" cy="297000"/>
-          </a:xfrm>
-          <a:prstGeom prst="rect">
-            <a:avLst/>
-          </a:prstGeom>
-        </p:spPr>
-        <p:txBody>
-          <a:bodyPr vert="horz" lIns="91440" tIns="45720" rIns="91440" bIns="45720" rtlCol="0" anchor="b"/>
-          <a:lstStyle>
-            <a:defPPr>
-              <a:defRPr lang="en-US"/>
-            </a:defPPr>
-            <a:lvl1pPr marL="0" algn="r" defTabSz="914400" rtl="0" eaLnBrk="1" latinLnBrk="0" hangingPunct="1">
-              <a:defRPr sz="1000" kern="1200">
-                <a:solidFill>
-                  <a:schemeClr val="tx1"/>
-                </a:solidFill>
-                <a:latin typeface="+mn-lt"/>
-                <a:ea typeface="+mn-ea"/>
-                <a:cs typeface="+mn-cs"/>
-              </a:defRPr>
-            </a:lvl1pPr>
-            <a:lvl2pPr marL="457200" algn="l" defTabSz="914400" rtl="0" eaLnBrk="1" latinLnBrk="0" hangingPunct="1">
-              <a:defRPr sz="1800" kern="1200">
-                <a:solidFill>
-                  <a:schemeClr val="tx1"/>
-                </a:solidFill>
-                <a:latin typeface="+mn-lt"/>
-                <a:ea typeface="+mn-ea"/>
-                <a:cs typeface="+mn-cs"/>
-              </a:defRPr>
-            </a:lvl2pPr>
-            <a:lvl3pPr marL="914400" algn="l" defTabSz="914400" rtl="0" eaLnBrk="1" latinLnBrk="0" hangingPunct="1">
-              <a:defRPr sz="1800" kern="1200">
-                <a:solidFill>
-                  <a:schemeClr val="tx1"/>
-                </a:solidFill>
-                <a:latin typeface="+mn-lt"/>
-                <a:ea typeface="+mn-ea"/>
-                <a:cs typeface="+mn-cs"/>
-              </a:defRPr>
-            </a:lvl3pPr>
-            <a:lvl4pPr marL="1371600" algn="l" defTabSz="914400" rtl="0" eaLnBrk="1" latinLnBrk="0" hangingPunct="1">
-              <a:defRPr sz="1800" kern="1200">
-                <a:solidFill>
-                  <a:schemeClr val="tx1"/>
-                </a:solidFill>
-                <a:latin typeface="+mn-lt"/>
-                <a:ea typeface="+mn-ea"/>
-                <a:cs typeface="+mn-cs"/>
-              </a:defRPr>
-            </a:lvl4pPr>
-            <a:lvl5pPr marL="1828800" algn="l" defTabSz="914400" rtl="0" eaLnBrk="1" latinLnBrk="0" hangingPunct="1">
-              <a:defRPr sz="1800" kern="1200">
-                <a:solidFill>
-                  <a:schemeClr val="tx1"/>
-                </a:solidFill>
-                <a:latin typeface="+mn-lt"/>
-                <a:ea typeface="+mn-ea"/>
-                <a:cs typeface="+mn-cs"/>
-              </a:defRPr>
-            </a:lvl5pPr>
-            <a:lvl6pPr marL="2286000" algn="l" defTabSz="914400" rtl="0" eaLnBrk="1" latinLnBrk="0" hangingPunct="1">
-              <a:defRPr sz="1800" kern="1200">
-                <a:solidFill>
-                  <a:schemeClr val="tx1"/>
-                </a:solidFill>
-                <a:latin typeface="+mn-lt"/>
-                <a:ea typeface="+mn-ea"/>
-                <a:cs typeface="+mn-cs"/>
-              </a:defRPr>
-            </a:lvl6pPr>
-            <a:lvl7pPr marL="2743200" algn="l" defTabSz="914400" rtl="0" eaLnBrk="1" latinLnBrk="0" hangingPunct="1">
-              <a:defRPr sz="1800" kern="1200">
-                <a:solidFill>
-                  <a:schemeClr val="tx1"/>
-                </a:solidFill>
-                <a:latin typeface="+mn-lt"/>
-                <a:ea typeface="+mn-ea"/>
-                <a:cs typeface="+mn-cs"/>
-              </a:defRPr>
-            </a:lvl7pPr>
-            <a:lvl8pPr marL="3200400" algn="l" defTabSz="914400" rtl="0" eaLnBrk="1" latinLnBrk="0" hangingPunct="1">
-              <a:defRPr sz="1800" kern="1200">
-                <a:solidFill>
-                  <a:schemeClr val="tx1"/>
-                </a:solidFill>
-                <a:latin typeface="+mn-lt"/>
-                <a:ea typeface="+mn-ea"/>
-                <a:cs typeface="+mn-cs"/>
-              </a:defRPr>
-            </a:lvl8pPr>
-            <a:lvl9pPr marL="3657600" algn="l" defTabSz="914400" rtl="0" eaLnBrk="1" latinLnBrk="0" hangingPunct="1">
-              <a:defRPr sz="1800" kern="1200">
-                <a:solidFill>
-                  <a:schemeClr val="tx1"/>
-                </a:solidFill>
-                <a:latin typeface="+mn-lt"/>
-                <a:ea typeface="+mn-ea"/>
-                <a:cs typeface="+mn-cs"/>
-              </a:defRPr>
-            </a:lvl9pPr>
-          </a:lstStyle>
-          <a:p>
-            <a:fld id="{2BF067CD-8E6B-4360-9AA8-C5DF2A48A6D1}" type="slidenum">
-              <a:rPr lang="en-US" smtClean="0"/>
-              <a:pPr/>
-              <a:t>2</a:t>
-            </a:fld>
-            <a:endParaRPr lang="en-US" dirty="0"/>
-          </a:p>
-        </p:txBody>
-      </p:sp>
-      <p:sp>
-        <p:nvSpPr>
-          <p:cNvPr id="444419" name="Slide Body"/>
-          <p:cNvSpPr>
-            <a:spLocks noGrp="1" noChangeArrowheads="1"/>
-          </p:cNvSpPr>
-          <p:nvPr>
-            <p:ph type="body" sz="quarter" idx="13"/>
-          </p:nvPr>
-        </p:nvSpPr>
-        <p:spPr>
-          <a:xfrm>
-            <a:off x="196766" y="1371604"/>
-            <a:ext cx="11781606" cy="5207396"/>
-          </a:xfrm>
-        </p:spPr>
-        <p:txBody>
-          <a:bodyPr>
-            <a:normAutofit/>
-          </a:bodyPr>
-          <a:lstStyle/>
-          <a:p>
-            <a:pPr>
-              <a:buClr>
-                <a:schemeClr val="tx1"/>
-              </a:buClr>
-            </a:pPr>
-            <a:r>
-              <a:rPr lang="bg-BG" sz="3400" dirty="0">
-                <a:solidFill>
-                  <a:schemeClr val="bg1"/>
-                </a:solidFill>
-              </a:rPr>
-              <a:t>​</a:t>
-            </a:r>
-            <a:r>
-              <a:rPr lang="en-US" sz="3400" b="1" dirty="0">
-                <a:solidFill>
-                  <a:schemeClr val="bg1"/>
-                </a:solidFill>
-              </a:rPr>
-              <a:t>Master-Detail </a:t>
-            </a:r>
-            <a:r>
-              <a:rPr lang="bg-BG" sz="3400" dirty="0"/>
-              <a:t>навигация</a:t>
-            </a:r>
-          </a:p>
-          <a:p>
-            <a:r>
-              <a:rPr lang="bg-BG" sz="3400" dirty="0"/>
-              <a:t>Имплементиране на </a:t>
-            </a:r>
-            <a:r>
-              <a:rPr lang="en-US" sz="3400" b="1" dirty="0"/>
-              <a:t>Master-Detail</a:t>
-            </a:r>
-            <a:r>
-              <a:rPr lang="en-US" sz="3400" dirty="0"/>
-              <a:t> </a:t>
-            </a:r>
-            <a:r>
-              <a:rPr lang="bg-BG" sz="3400" dirty="0"/>
-              <a:t>с </a:t>
-            </a:r>
-            <a:r>
-              <a:rPr lang="en-US" sz="3400" b="1" dirty="0">
-                <a:solidFill>
-                  <a:schemeClr val="bg1"/>
-                </a:solidFill>
-              </a:rPr>
-              <a:t>Entity Framework Core</a:t>
-            </a:r>
-          </a:p>
-          <a:p>
-            <a:r>
-              <a:rPr lang="bg-BG" sz="3400" dirty="0"/>
-              <a:t>​</a:t>
-            </a:r>
-            <a:r>
-              <a:rPr lang="en-US" sz="3400" b="1" dirty="0"/>
-              <a:t>Master-Detail</a:t>
-            </a:r>
-            <a:r>
-              <a:rPr lang="bg-BG" sz="3400" dirty="0"/>
-              <a:t> таблици в </a:t>
-            </a:r>
-            <a:r>
-              <a:rPr lang="en-US" sz="3400" b="1" dirty="0">
-                <a:solidFill>
-                  <a:schemeClr val="bg1"/>
-                </a:solidFill>
-              </a:rPr>
-              <a:t>Windows Forms</a:t>
-            </a:r>
-          </a:p>
-          <a:p>
-            <a:r>
-              <a:rPr lang="bg-BG" sz="3400" dirty="0"/>
-              <a:t>​</a:t>
-            </a:r>
-            <a:r>
-              <a:rPr lang="bg-BG" sz="3400" b="1" dirty="0">
-                <a:solidFill>
-                  <a:schemeClr val="bg1"/>
-                </a:solidFill>
-              </a:rPr>
-              <a:t>Филтриране</a:t>
-            </a:r>
-            <a:r>
-              <a:rPr lang="bg-BG" sz="3400" dirty="0"/>
-              <a:t> и </a:t>
-            </a:r>
-            <a:r>
-              <a:rPr lang="bg-BG" sz="3400" b="1" dirty="0">
-                <a:solidFill>
-                  <a:schemeClr val="bg1"/>
-                </a:solidFill>
-              </a:rPr>
-              <a:t>сортиране</a:t>
-            </a:r>
-            <a:r>
-              <a:rPr lang="bg-BG" sz="3400" dirty="0"/>
-              <a:t> на </a:t>
-            </a:r>
-            <a:r>
-              <a:rPr lang="bg-BG" sz="3400" b="1" dirty="0"/>
-              <a:t>таблица</a:t>
-            </a:r>
-            <a:endParaRPr lang="en-GB" sz="3400" b="1" dirty="0"/>
-          </a:p>
-          <a:p>
-            <a:pPr>
-              <a:buClr>
-                <a:schemeClr val="tx1"/>
-              </a:buClr>
-            </a:pPr>
-            <a:r>
-              <a:rPr lang="en-GB" sz="3400" dirty="0"/>
-              <a:t>​</a:t>
-            </a:r>
-            <a:r>
-              <a:rPr lang="bg-BG" sz="3400" b="1" dirty="0"/>
-              <a:t>Примерно приложение</a:t>
-            </a:r>
-            <a:r>
-              <a:rPr lang="bg-BG" sz="3400" dirty="0"/>
-              <a:t>: Държави и градове</a:t>
-            </a:r>
-          </a:p>
-        </p:txBody>
-      </p:sp>
-      <p:sp>
-        <p:nvSpPr>
-          <p:cNvPr id="444418" name="Slide Title"/>
-          <p:cNvSpPr>
-            <a:spLocks noGrp="1" noChangeArrowheads="1"/>
-          </p:cNvSpPr>
-          <p:nvPr>
-            <p:ph type="title"/>
-          </p:nvPr>
-        </p:nvSpPr>
-        <p:spPr>
-          <a:xfrm>
-            <a:off x="190406" y="100750"/>
-            <a:ext cx="10270594" cy="882654"/>
-          </a:xfrm>
-        </p:spPr>
-        <p:txBody>
-          <a:bodyPr/>
-          <a:lstStyle/>
-          <a:p>
-            <a:r>
-              <a:rPr lang="bg-BG" dirty="0"/>
-              <a:t>Съдържание</a:t>
-            </a:r>
-          </a:p>
-        </p:txBody>
-      </p:sp>
-    </p:spTree>
-    <p:extLst>
-      <p:ext uri="{BB962C8B-B14F-4D97-AF65-F5344CB8AC3E}">
-        <p14:creationId xmlns:p14="http://schemas.microsoft.com/office/powerpoint/2010/main" val="1646986932"/>
-      </p:ext>
-    </p:extLst>
-  </p:cSld>
-  <p:clrMapOvr>
-    <a:masterClrMapping/>
-  </p:clrMapOvr>
-  <mc:AlternateContent xmlns:mc="http://schemas.openxmlformats.org/markup-compatibility/2006" xmlns:p14="http://schemas.microsoft.com/office/powerpoint/2010/main">
-    <mc:Choice Requires="p14">
-      <p:transition spd="slow" p14:dur="2000" advClick="0" advTm="5000"/>
-    </mc:Choice>
-    <mc:Fallback xmlns="">
-      <p:transition spd="slow" advClick="0" advTm="5000"/>
-    </mc:Fallback>
-  </mc:AlternateContent>
-  <p:timing>
-    <p:tnLst>
-      <p:par>
-        <p:cTn id="1" dur="indefinite" restart="never" nodeType="tmRoot">
-          <p:childTnLst>
-            <p:seq concurrent="1" nextAc="seek">
-              <p:cTn id="2" dur="indefinite" nodeType="mainSeq">
-                <p:childTnLst>
-                  <p:par>
-                    <p:cTn id="3" fill="hold">
-                      <p:stCondLst>
-                        <p:cond delay="indefinite"/>
-                      </p:stCondLst>
-                      <p:childTnLst>
-                        <p:par>
-                          <p:cTn id="4" fill="hold">
-                            <p:stCondLst>
-                              <p:cond delay="0"/>
-                            </p:stCondLst>
-                            <p:childTnLst>
-                              <p:par>
-                                <p:cTn id="5" presetID="1" presetClass="entr" presetSubtype="0" fill="hold" nodeType="clickEffect">
-                                  <p:stCondLst>
-                                    <p:cond delay="0"/>
-                                  </p:stCondLst>
-                                  <p:childTnLst>
-                                    <p:set>
-                                      <p:cBhvr>
-                                        <p:cTn id="6" dur="1" fill="hold">
-                                          <p:stCondLst>
-                                            <p:cond delay="0"/>
-                                          </p:stCondLst>
-                                        </p:cTn>
-                                        <p:tgtEl>
-                                          <p:spTgt spid="444419">
-                                            <p:txEl>
-                                              <p:pRg st="1" end="1"/>
-                                            </p:txEl>
-                                          </p:spTgt>
-                                        </p:tgtEl>
-                                        <p:attrNameLst>
-                                          <p:attrName>style.visibility</p:attrName>
-                                        </p:attrNameLst>
-                                      </p:cBhvr>
-                                      <p:to>
-                                        <p:strVal val="visible"/>
-                                      </p:to>
-                                    </p:set>
-                                  </p:childTnLst>
-                                </p:cTn>
-                              </p:par>
-                            </p:childTnLst>
-                          </p:cTn>
-                        </p:par>
-                      </p:childTnLst>
-                    </p:cTn>
-                  </p:par>
-                  <p:par>
-                    <p:cTn id="7" fill="hold">
-                      <p:stCondLst>
-                        <p:cond delay="indefinite"/>
-                      </p:stCondLst>
-                      <p:childTnLst>
-                        <p:par>
-                          <p:cTn id="8" fill="hold">
-                            <p:stCondLst>
-                              <p:cond delay="0"/>
-                            </p:stCondLst>
-                            <p:childTnLst>
-                              <p:par>
-                                <p:cTn id="9" presetID="1" presetClass="entr" presetSubtype="0" fill="hold" nodeType="clickEffect">
-                                  <p:stCondLst>
-                                    <p:cond delay="0"/>
-                                  </p:stCondLst>
-                                  <p:childTnLst>
-                                    <p:set>
-                                      <p:cBhvr>
-                                        <p:cTn id="10" dur="1" fill="hold">
-                                          <p:stCondLst>
-                                            <p:cond delay="0"/>
-                                          </p:stCondLst>
-                                        </p:cTn>
-                                        <p:tgtEl>
-                                          <p:spTgt spid="444419">
-                                            <p:txEl>
-                                              <p:pRg st="2" end="2"/>
-                                            </p:txEl>
-                                          </p:spTgt>
-                                        </p:tgtEl>
-                                        <p:attrNameLst>
-                                          <p:attrName>style.visibility</p:attrName>
-                                        </p:attrNameLst>
-                                      </p:cBhvr>
-                                      <p:to>
-                                        <p:strVal val="visible"/>
-                                      </p:to>
-                                    </p:set>
-                                  </p:childTnLst>
-                                </p:cTn>
-                              </p:par>
-                            </p:childTnLst>
-                          </p:cTn>
-                        </p:par>
-                      </p:childTnLst>
-                    </p:cTn>
-                  </p:par>
-                  <p:par>
-                    <p:cTn id="11" fill="hold">
-                      <p:stCondLst>
-                        <p:cond delay="indefinite"/>
-                      </p:stCondLst>
-                      <p:childTnLst>
-                        <p:par>
-                          <p:cTn id="12" fill="hold">
-                            <p:stCondLst>
-                              <p:cond delay="0"/>
-                            </p:stCondLst>
-                            <p:childTnLst>
-                              <p:par>
-                                <p:cTn id="13" presetID="1" presetClass="entr" presetSubtype="0" fill="hold" nodeType="clickEffect">
-                                  <p:stCondLst>
-                                    <p:cond delay="0"/>
-                                  </p:stCondLst>
-                                  <p:childTnLst>
-                                    <p:set>
-                                      <p:cBhvr>
-                                        <p:cTn id="14" dur="1" fill="hold">
-                                          <p:stCondLst>
-                                            <p:cond delay="0"/>
-                                          </p:stCondLst>
-                                        </p:cTn>
-                                        <p:tgtEl>
-                                          <p:spTgt spid="444419">
-                                            <p:txEl>
-                                              <p:pRg st="3" end="3"/>
-                                            </p:txEl>
-                                          </p:spTgt>
-                                        </p:tgtEl>
-                                        <p:attrNameLst>
-                                          <p:attrName>style.visibility</p:attrName>
-                                        </p:attrNameLst>
-                                      </p:cBhvr>
-                                      <p:to>
-                                        <p:strVal val="visible"/>
-                                      </p:to>
-                                    </p:set>
-                                  </p:childTnLst>
-                                </p:cTn>
-                              </p:par>
-                            </p:childTnLst>
-                          </p:cTn>
-                        </p:par>
-                      </p:childTnLst>
-                    </p:cTn>
-                  </p:par>
-                  <p:par>
-                    <p:cTn id="15" fill="hold">
-                      <p:stCondLst>
-                        <p:cond delay="indefinite"/>
-                      </p:stCondLst>
-                      <p:childTnLst>
-                        <p:par>
-                          <p:cTn id="16" fill="hold">
-                            <p:stCondLst>
-                              <p:cond delay="0"/>
-                            </p:stCondLst>
-                            <p:childTnLst>
-                              <p:par>
-                                <p:cTn id="17" presetID="1" presetClass="entr" presetSubtype="0" fill="hold" nodeType="clickEffect">
-                                  <p:stCondLst>
-                                    <p:cond delay="0"/>
-                                  </p:stCondLst>
-                                  <p:childTnLst>
-                                    <p:set>
-                                      <p:cBhvr>
-                                        <p:cTn id="18" dur="1" fill="hold">
-                                          <p:stCondLst>
-                                            <p:cond delay="0"/>
-                                          </p:stCondLst>
-                                        </p:cTn>
-                                        <p:tgtEl>
-                                          <p:spTgt spid="444419">
-                                            <p:txEl>
-                                              <p:pRg st="4" end="4"/>
-                                            </p:txEl>
-                                          </p:spTgt>
-                                        </p:tgtEl>
-                                        <p:attrNameLst>
-                                          <p:attrName>style.visibility</p:attrName>
-                                        </p:attrNameLst>
-                                      </p:cBhvr>
-                                      <p:to>
-                                        <p:strVal val="visible"/>
-                                      </p:to>
-                                    </p:set>
-                                  </p:childTnLst>
-                                </p:cTn>
-                              </p:par>
-                            </p:childTnLst>
-                          </p:cTn>
-                        </p:par>
-                      </p:childTnLst>
-                    </p:cTn>
-                  </p:par>
-                </p:childTnLst>
-              </p:cTn>
-              <p:prevCondLst>
-                <p:cond evt="onPrev" delay="0">
-                  <p:tgtEl>
-                    <p:sldTgt/>
-                  </p:tgtEl>
-                </p:cond>
-              </p:prevCondLst>
-              <p:nextCondLst>
-                <p:cond evt="onNext" delay="0">
-                  <p:tgtEl>
-                    <p:sldTgt/>
-                  </p:tgtEl>
-                </p:cond>
-              </p:nextCondLst>
-            </p:seq>
-          </p:childTnLst>
-        </p:cTn>
-      </p:par>
-    </p:tnLst>
-  </p:timing>
-</p:sld>
-</file>
-
-<file path=ppt/slides/slide20.xml><?xml version="1.0" encoding="utf-8"?>
+<file path=ppt/slides/slide21.xml><?xml version="1.0" encoding="utf-8"?>
 <p:sld xmlns:a="http://schemas.openxmlformats.org/drawingml/2006/main" xmlns:r="http://schemas.openxmlformats.org/officeDocument/2006/relationships" xmlns:p="http://schemas.openxmlformats.org/presentationml/2006/main">
   <p:cSld>
     <p:spTree>
@@ -14346,7 +14789,7 @@
             <a:fld id="{2BF067CD-8E6B-4360-9AA8-C5DF2A48A6D1}" type="slidenum">
               <a:rPr lang="en-US" noProof="0" smtClean="0"/>
               <a:pPr/>
-              <a:t>20</a:t>
+              <a:t>21</a:t>
             </a:fld>
             <a:endParaRPr lang="en-US" noProof="0" dirty="0"/>
           </a:p>
@@ -15096,7 +15539,7 @@
 </p:sld>
 </file>
 
-<file path=ppt/slides/slide21.xml><?xml version="1.0" encoding="utf-8"?>
+<file path=ppt/slides/slide22.xml><?xml version="1.0" encoding="utf-8"?>
 <p:sld xmlns:a="http://schemas.openxmlformats.org/drawingml/2006/main" xmlns:r="http://schemas.openxmlformats.org/officeDocument/2006/relationships" xmlns:p="http://schemas.openxmlformats.org/presentationml/2006/main">
   <p:cSld>
     <p:spTree>
@@ -15137,7 +15580,7 @@
             <a:fld id="{2BF067CD-8E6B-4360-9AA8-C5DF2A48A6D1}" type="slidenum">
               <a:rPr lang="en-US" noProof="0" smtClean="0"/>
               <a:pPr/>
-              <a:t>21</a:t>
+              <a:t>22</a:t>
             </a:fld>
             <a:endParaRPr lang="en-US" noProof="0" dirty="0"/>
           </a:p>
@@ -15735,7 +16178,7 @@
 </p:sld>
 </file>
 
-<file path=ppt/slides/slide22.xml><?xml version="1.0" encoding="utf-8"?>
+<file path=ppt/slides/slide23.xml><?xml version="1.0" encoding="utf-8"?>
 <p:sld xmlns:a="http://schemas.openxmlformats.org/drawingml/2006/main" xmlns:r="http://schemas.openxmlformats.org/officeDocument/2006/relationships" xmlns:p="http://schemas.openxmlformats.org/presentationml/2006/main">
   <p:cSld>
     <p:spTree>
@@ -15776,7 +16219,7 @@
             <a:fld id="{2BF067CD-8E6B-4360-9AA8-C5DF2A48A6D1}" type="slidenum">
               <a:rPr lang="en-US" noProof="0" smtClean="0"/>
               <a:pPr/>
-              <a:t>22</a:t>
+              <a:t>23</a:t>
             </a:fld>
             <a:endParaRPr lang="en-US" noProof="0" dirty="0"/>
           </a:p>
@@ -16270,7 +16713,7 @@
 </p:sld>
 </file>
 
-<file path=ppt/slides/slide23.xml><?xml version="1.0" encoding="utf-8"?>
+<file path=ppt/slides/slide24.xml><?xml version="1.0" encoding="utf-8"?>
 <p:sld xmlns:a="http://schemas.openxmlformats.org/drawingml/2006/main" xmlns:r="http://schemas.openxmlformats.org/officeDocument/2006/relationships" xmlns:p="http://schemas.openxmlformats.org/presentationml/2006/main">
   <p:cSld>
     <p:spTree>
@@ -16317,7 +16760,7 @@
             <a:fld id="{2BF067CD-8E6B-4360-9AA8-C5DF2A48A6D1}" type="slidenum">
               <a:rPr lang="en-US" noProof="0" smtClean="0"/>
               <a:pPr/>
-              <a:t>23</a:t>
+              <a:t>24</a:t>
             </a:fld>
             <a:endParaRPr lang="en-US" noProof="0" dirty="0"/>
           </a:p>
@@ -16659,7 +17102,7 @@
 </p:sld>
 </file>
 
-<file path=ppt/slides/slide24.xml><?xml version="1.0" encoding="utf-8"?>
+<file path=ppt/slides/slide25.xml><?xml version="1.0" encoding="utf-8"?>
 <p:sld xmlns:a="http://schemas.openxmlformats.org/drawingml/2006/main" xmlns:r="http://schemas.openxmlformats.org/officeDocument/2006/relationships" xmlns:p="http://schemas.openxmlformats.org/presentationml/2006/main">
   <p:cSld>
     <p:spTree>
@@ -16700,7 +17143,7 @@
             <a:fld id="{2BF067CD-8E6B-4360-9AA8-C5DF2A48A6D1}" type="slidenum">
               <a:rPr lang="en-US" noProof="0" smtClean="0"/>
               <a:pPr/>
-              <a:t>24</a:t>
+              <a:t>25</a:t>
             </a:fld>
             <a:endParaRPr lang="en-US" noProof="0" dirty="0"/>
           </a:p>
@@ -17398,7 +17841,7 @@
 </p:sld>
 </file>
 
-<file path=ppt/slides/slide25.xml><?xml version="1.0" encoding="utf-8"?>
+<file path=ppt/slides/slide26.xml><?xml version="1.0" encoding="utf-8"?>
 <p:sld xmlns:a="http://schemas.openxmlformats.org/drawingml/2006/main" xmlns:r="http://schemas.openxmlformats.org/officeDocument/2006/relationships" xmlns:p="http://schemas.openxmlformats.org/presentationml/2006/main">
   <p:cSld>
     <p:spTree>
@@ -17439,7 +17882,7 @@
             <a:fld id="{2BF067CD-8E6B-4360-9AA8-C5DF2A48A6D1}" type="slidenum">
               <a:rPr lang="en-US" noProof="0" smtClean="0"/>
               <a:pPr/>
-              <a:t>25</a:t>
+              <a:t>26</a:t>
             </a:fld>
             <a:endParaRPr lang="en-US" noProof="0" dirty="0"/>
           </a:p>
@@ -17580,8 +18023,8 @@
         </p:nvSpPr>
         <p:spPr bwMode="auto">
           <a:xfrm>
-            <a:off x="199488" y="2305381"/>
-            <a:ext cx="11553542" cy="3295875"/>
+            <a:off x="199488" y="2482906"/>
+            <a:ext cx="11553542" cy="4096094"/>
           </a:xfrm>
           <a:prstGeom prst="rect">
             <a:avLst/>
@@ -17623,7 +18066,7 @@
               <a:buNone/>
             </a:pPr>
             <a:r>
-              <a:rPr lang="en-US" sz="2000" b="1" noProof="1">
+              <a:rPr lang="en-US" sz="2400" b="1" noProof="1">
                 <a:latin typeface="Consolas" pitchFamily="49" charset="0"/>
                 <a:cs typeface="Consolas" pitchFamily="49" charset="0"/>
               </a:rPr>
@@ -17646,7 +18089,7 @@
               <a:buNone/>
             </a:pPr>
             <a:r>
-              <a:rPr lang="en-US" sz="2000" b="1" noProof="1">
+              <a:rPr lang="en-US" sz="2400" b="1" noProof="1">
                 <a:latin typeface="Consolas" pitchFamily="49" charset="0"/>
                 <a:cs typeface="Consolas" pitchFamily="49" charset="0"/>
               </a:rPr>
@@ -17669,7 +18112,7 @@
               <a:buNone/>
             </a:pPr>
             <a:r>
-              <a:rPr lang="en-US" sz="2000" b="1" noProof="1">
+              <a:rPr lang="en-US" sz="2400" b="1" noProof="1">
                 <a:latin typeface="Consolas" pitchFamily="49" charset="0"/>
                 <a:cs typeface="Consolas" pitchFamily="49" charset="0"/>
               </a:rPr>
@@ -17692,13 +18135,13 @@
               <a:buNone/>
             </a:pPr>
             <a:r>
-              <a:rPr lang="en-US" sz="2000" b="1" noProof="1">
+              <a:rPr lang="en-US" sz="2400" b="1" noProof="1">
                 <a:latin typeface="Consolas" pitchFamily="49" charset="0"/>
                 <a:cs typeface="Consolas" pitchFamily="49" charset="0"/>
               </a:rPr>
               <a:t>    var countries = dbContext.Countries;</a:t>
             </a:r>
-            <a:endParaRPr lang="bg-BG" sz="2000" b="1" noProof="1">
+            <a:endParaRPr lang="bg-BG" sz="2400" b="1" noProof="1">
               <a:latin typeface="Consolas" pitchFamily="49" charset="0"/>
               <a:cs typeface="Consolas" pitchFamily="49" charset="0"/>
             </a:endParaRPr>
@@ -17719,14 +18162,14 @@
               <a:buNone/>
             </a:pPr>
             <a:r>
-              <a:rPr lang="bg-BG" sz="2000" b="1" noProof="1">
+              <a:rPr lang="bg-BG" sz="2400" b="1" noProof="1">
                 <a:latin typeface="Consolas" pitchFamily="49" charset="0"/>
                 <a:cs typeface="Consolas" pitchFamily="49" charset="0"/>
               </a:rPr>
               <a:t>    </a:t>
             </a:r>
             <a:r>
-              <a:rPr lang="en-US" sz="2000" b="1" noProof="1">
+              <a:rPr lang="en-US" sz="2400" b="1" noProof="1">
                 <a:latin typeface="Consolas" pitchFamily="49" charset="0"/>
                 <a:cs typeface="Consolas" pitchFamily="49" charset="0"/>
               </a:rPr>
@@ -17747,14 +18190,14 @@
               <a:buSzPct val="100000"/>
             </a:pPr>
             <a:r>
-              <a:rPr lang="en-US" sz="2000" b="1" noProof="1">
+              <a:rPr lang="en-US" sz="2400" b="1" noProof="1">
                 <a:latin typeface="Consolas" pitchFamily="49" charset="0"/>
                 <a:cs typeface="Consolas" pitchFamily="49" charset="0"/>
               </a:rPr>
               <a:t>    this.</a:t>
             </a:r>
             <a:r>
-              <a:rPr lang="en-GB" sz="2000" b="1" dirty="0">
+              <a:rPr lang="en-GB" sz="2400" b="1" dirty="0">
                 <a:solidFill>
                   <a:schemeClr val="bg1"/>
                 </a:solidFill>
@@ -17764,14 +18207,14 @@
               <a:t>countryBindingSource</a:t>
             </a:r>
             <a:r>
-              <a:rPr lang="en-US" sz="2000" b="1" noProof="1">
+              <a:rPr lang="en-US" sz="2400" b="1" noProof="1">
                 <a:latin typeface="Consolas" pitchFamily="49" charset="0"/>
                 <a:cs typeface="Consolas" pitchFamily="49" charset="0"/>
               </a:rPr>
               <a:t>.</a:t>
             </a:r>
             <a:r>
-              <a:rPr lang="en-US" sz="2000" b="1" noProof="1">
+              <a:rPr lang="en-US" sz="2400" b="1" noProof="1">
                 <a:solidFill>
                   <a:schemeClr val="bg1"/>
                 </a:solidFill>
@@ -17781,14 +18224,14 @@
               <a:t>DataSource</a:t>
             </a:r>
             <a:r>
-              <a:rPr lang="en-US" sz="2000" b="1" noProof="1">
+              <a:rPr lang="en-US" sz="2400" b="1" noProof="1">
                 <a:latin typeface="Consolas" pitchFamily="49" charset="0"/>
                 <a:cs typeface="Consolas" pitchFamily="49" charset="0"/>
               </a:rPr>
               <a:t> = </a:t>
             </a:r>
             <a:r>
-              <a:rPr lang="en-US" sz="2000" b="1" noProof="1">
+              <a:rPr lang="en-US" sz="2400" b="1" noProof="1">
                 <a:solidFill>
                   <a:schemeClr val="bg1"/>
                 </a:solidFill>
@@ -17798,7 +18241,7 @@
               <a:t>filteredCountries</a:t>
             </a:r>
             <a:r>
-              <a:rPr lang="en-US" sz="2000" b="1" noProof="1">
+              <a:rPr lang="en-US" sz="2400" b="1" noProof="1">
                 <a:latin typeface="Consolas" pitchFamily="49" charset="0"/>
                 <a:cs typeface="Consolas" pitchFamily="49" charset="0"/>
               </a:rPr>
@@ -17821,7 +18264,7 @@
               <a:buNone/>
             </a:pPr>
             <a:r>
-              <a:rPr lang="en-US" sz="2000" b="1" noProof="1">
+              <a:rPr lang="en-US" sz="2400" b="1" noProof="1">
                 <a:latin typeface="Consolas" pitchFamily="49" charset="0"/>
                 <a:cs typeface="Consolas" pitchFamily="49" charset="0"/>
               </a:rPr>
@@ -17858,8 +18301,8 @@
         </p:blipFill>
         <p:spPr>
           <a:xfrm>
-            <a:off x="8006005" y="1824300"/>
-            <a:ext cx="3995593" cy="1604700"/>
+            <a:off x="8472515" y="1751806"/>
+            <a:ext cx="3640777" cy="1462200"/>
           </a:xfrm>
           <a:prstGeom prst="rect">
             <a:avLst/>
@@ -18066,7 +18509,7 @@
 </p:sld>
 </file>
 
-<file path=ppt/slides/slide26.xml><?xml version="1.0" encoding="utf-8"?>
+<file path=ppt/slides/slide27.xml><?xml version="1.0" encoding="utf-8"?>
 <p:sld xmlns:a="http://schemas.openxmlformats.org/drawingml/2006/main" xmlns:r="http://schemas.openxmlformats.org/officeDocument/2006/relationships" xmlns:p="http://schemas.openxmlformats.org/presentationml/2006/main">
   <p:cSld>
     <p:spTree>
@@ -18107,7 +18550,7 @@
             <a:fld id="{2BF067CD-8E6B-4360-9AA8-C5DF2A48A6D1}" type="slidenum">
               <a:rPr lang="en-US" noProof="0" smtClean="0"/>
               <a:pPr/>
-              <a:t>26</a:t>
+              <a:t>27</a:t>
             </a:fld>
             <a:endParaRPr lang="en-US" noProof="0" dirty="0"/>
           </a:p>
@@ -18161,8 +18604,8 @@
         </p:nvSpPr>
         <p:spPr bwMode="auto">
           <a:xfrm>
-            <a:off x="278030" y="1314000"/>
-            <a:ext cx="11475000" cy="3603652"/>
+            <a:off x="217015" y="1582906"/>
+            <a:ext cx="11757970" cy="4096094"/>
           </a:xfrm>
           <a:prstGeom prst="rect">
             <a:avLst/>
@@ -18202,21 +18645,21 @@
               <a:buSzPct val="100000"/>
             </a:pPr>
             <a:r>
-              <a:rPr lang="en-US" sz="2000" b="1" noProof="1">
+              <a:rPr lang="en-US" sz="2400" b="1" noProof="1">
                 <a:latin typeface="Consolas" panose="020B0609020204030204" pitchFamily="49" charset="0"/>
                 <a:cs typeface="Courier New" panose="02070309020205020404" pitchFamily="49" charset="0"/>
               </a:rPr>
               <a:t>private List&lt;Country&gt;</a:t>
             </a:r>
             <a:r>
-              <a:rPr lang="bg-BG" sz="2000" b="1" noProof="1">
+              <a:rPr lang="bg-BG" sz="2400" b="1" noProof="1">
                 <a:latin typeface="Consolas" panose="020B0609020204030204" pitchFamily="49" charset="0"/>
                 <a:cs typeface="Courier New" panose="02070309020205020404" pitchFamily="49" charset="0"/>
               </a:rPr>
               <a:t> </a:t>
             </a:r>
             <a:r>
-              <a:rPr lang="en-US" sz="2000" b="1" noProof="1">
+              <a:rPr lang="en-US" sz="2400" b="1" noProof="1">
                 <a:latin typeface="Consolas" panose="020B0609020204030204" pitchFamily="49" charset="0"/>
                 <a:cs typeface="Courier New" panose="02070309020205020404" pitchFamily="49" charset="0"/>
               </a:rPr>
@@ -18239,7 +18682,7 @@
               <a:buNone/>
             </a:pPr>
             <a:r>
-              <a:rPr lang="en-US" sz="2000" b="1" noProof="1">
+              <a:rPr lang="en-US" sz="2400" b="1" noProof="1">
                 <a:latin typeface="Consolas" panose="020B0609020204030204" pitchFamily="49" charset="0"/>
                 <a:cs typeface="Courier New" panose="02070309020205020404" pitchFamily="49" charset="0"/>
               </a:rPr>
@@ -18262,27 +18705,27 @@
               <a:buNone/>
             </a:pPr>
             <a:r>
-              <a:rPr lang="en-US" sz="2000" b="1" noProof="1">
+              <a:rPr lang="en-US" sz="2400" b="1" noProof="1">
                 <a:latin typeface="Consolas" panose="020B0609020204030204" pitchFamily="49" charset="0"/>
                 <a:cs typeface="Courier New" panose="02070309020205020404" pitchFamily="49" charset="0"/>
               </a:rPr>
               <a:t>   </a:t>
             </a:r>
             <a:r>
-              <a:rPr lang="en-US" sz="2000" b="1" dirty="0">
+              <a:rPr lang="en-US" sz="2400" b="1" dirty="0">
                 <a:latin typeface="Consolas" panose="020B0609020204030204" pitchFamily="49" charset="0"/>
                 <a:cs typeface="Courier New" panose="02070309020205020404" pitchFamily="49" charset="0"/>
               </a:rPr>
               <a:t>var filteredCountries = </a:t>
             </a:r>
             <a:r>
-              <a:rPr lang="en-US" sz="2000" b="1" noProof="1">
+              <a:rPr lang="en-US" sz="2400" b="1" noProof="1">
                 <a:latin typeface="Consolas" panose="020B0609020204030204" pitchFamily="49" charset="0"/>
                 <a:cs typeface="Courier New" panose="02070309020205020404" pitchFamily="49" charset="0"/>
               </a:rPr>
               <a:t>countries</a:t>
             </a:r>
-            <a:endParaRPr lang="bg-BG" sz="2000" b="1" noProof="1">
+            <a:endParaRPr lang="bg-BG" sz="2400" b="1" noProof="1">
               <a:latin typeface="Consolas" panose="020B0609020204030204" pitchFamily="49" charset="0"/>
               <a:cs typeface="Courier New" panose="02070309020205020404" pitchFamily="49" charset="0"/>
             </a:endParaRPr>
@@ -18303,21 +18746,21 @@
               <a:buNone/>
             </a:pPr>
             <a:r>
-              <a:rPr lang="bg-BG" sz="2000" b="1" dirty="0">
+              <a:rPr lang="bg-BG" sz="2400" b="1" dirty="0">
                 <a:latin typeface="Consolas" panose="020B0609020204030204" pitchFamily="49" charset="0"/>
                 <a:cs typeface="Courier New" panose="02070309020205020404" pitchFamily="49" charset="0"/>
               </a:rPr>
               <a:t>                              </a:t>
             </a:r>
             <a:r>
-              <a:rPr lang="en-US" sz="2000" b="1" dirty="0">
+              <a:rPr lang="en-US" sz="2400" b="1" dirty="0">
                 <a:latin typeface="Consolas" panose="020B0609020204030204" pitchFamily="49" charset="0"/>
                 <a:cs typeface="Courier New" panose="02070309020205020404" pitchFamily="49" charset="0"/>
               </a:rPr>
               <a:t>.</a:t>
             </a:r>
             <a:r>
-              <a:rPr lang="en-US" sz="2000" b="1" dirty="0">
+              <a:rPr lang="en-US" sz="2400" b="1" dirty="0">
                 <a:solidFill>
                   <a:schemeClr val="bg1"/>
                 </a:solidFill>
@@ -18327,13 +18770,13 @@
               <a:t>Where</a:t>
             </a:r>
             <a:r>
-              <a:rPr lang="en-US" sz="2000" b="1" dirty="0">
+              <a:rPr lang="en-US" sz="2400" b="1" dirty="0">
                 <a:latin typeface="Consolas" panose="020B0609020204030204" pitchFamily="49" charset="0"/>
                 <a:cs typeface="Courier New" panose="02070309020205020404" pitchFamily="49" charset="0"/>
               </a:rPr>
               <a:t>(c =&gt;c.CountryName.ToLower()</a:t>
             </a:r>
-            <a:endParaRPr lang="bg-BG" sz="2000" b="1" dirty="0">
+            <a:endParaRPr lang="bg-BG" sz="2400" b="1" dirty="0">
               <a:latin typeface="Consolas" panose="020B0609020204030204" pitchFamily="49" charset="0"/>
               <a:cs typeface="Courier New" panose="02070309020205020404" pitchFamily="49" charset="0"/>
             </a:endParaRPr>
@@ -18354,14 +18797,14 @@
               <a:buNone/>
             </a:pPr>
             <a:r>
-              <a:rPr lang="bg-BG" sz="2000" b="1" dirty="0">
+              <a:rPr lang="bg-BG" sz="2400" b="1" dirty="0">
                 <a:latin typeface="Consolas" panose="020B0609020204030204" pitchFamily="49" charset="0"/>
                 <a:cs typeface="Courier New" panose="02070309020205020404" pitchFamily="49" charset="0"/>
               </a:rPr>
               <a:t>                              </a:t>
             </a:r>
             <a:r>
-              <a:rPr lang="en-US" sz="2000" b="1" dirty="0">
+              <a:rPr lang="en-US" sz="2400" b="1" dirty="0">
                 <a:latin typeface="Consolas" panose="020B0609020204030204" pitchFamily="49" charset="0"/>
                 <a:cs typeface="Courier New" panose="02070309020205020404" pitchFamily="49" charset="0"/>
               </a:rPr>
@@ -18384,14 +18827,14 @@
               <a:buNone/>
             </a:pPr>
             <a:r>
-              <a:rPr lang="en-US" sz="2000" b="1" noProof="1">
+              <a:rPr lang="en-US" sz="2400" b="1" noProof="1">
                 <a:latin typeface="Consolas" panose="020B0609020204030204" pitchFamily="49" charset="0"/>
                 <a:cs typeface="Courier New" panose="02070309020205020404" pitchFamily="49" charset="0"/>
               </a:rPr>
               <a:t>   return </a:t>
             </a:r>
             <a:r>
-              <a:rPr lang="en-US" sz="2000" b="1" noProof="1">
+              <a:rPr lang="en-US" sz="2400" b="1" noProof="1">
                 <a:solidFill>
                   <a:schemeClr val="bg1"/>
                 </a:solidFill>
@@ -18401,21 +18844,21 @@
               <a:t>filteredCountries</a:t>
             </a:r>
             <a:r>
-              <a:rPr lang="en-US" sz="2000" b="1" noProof="1">
+              <a:rPr lang="en-US" sz="2400" b="1" noProof="1">
                 <a:latin typeface="Consolas" panose="020B0609020204030204" pitchFamily="49" charset="0"/>
                 <a:cs typeface="Courier New" panose="02070309020205020404" pitchFamily="49" charset="0"/>
               </a:rPr>
               <a:t>.</a:t>
             </a:r>
             <a:r>
-              <a:rPr lang="en-GB" sz="2000" b="1" dirty="0">
+              <a:rPr lang="en-GB" sz="2400" b="1" dirty="0">
                 <a:latin typeface="Consolas" panose="020B0609020204030204" pitchFamily="49" charset="0"/>
                 <a:cs typeface="Consolas" panose="020B0609020204030204" pitchFamily="49" charset="0"/>
               </a:rPr>
               <a:t>ToList</a:t>
             </a:r>
             <a:r>
-              <a:rPr lang="en-US" sz="2000" b="1" noProof="1">
+              <a:rPr lang="en-US" sz="2400" b="1" noProof="1">
                 <a:latin typeface="Consolas" panose="020B0609020204030204" pitchFamily="49" charset="0"/>
                 <a:cs typeface="Courier New" panose="02070309020205020404" pitchFamily="49" charset="0"/>
               </a:rPr>
@@ -18438,7 +18881,7 @@
               <a:buNone/>
             </a:pPr>
             <a:r>
-              <a:rPr lang="en-US" sz="2000" b="1" noProof="1">
+              <a:rPr lang="en-US" sz="2400" b="1" noProof="1">
                 <a:latin typeface="Consolas" panose="020B0609020204030204" pitchFamily="49" charset="0"/>
                 <a:cs typeface="Courier New" panose="02070309020205020404" pitchFamily="49" charset="0"/>
               </a:rPr>
@@ -18468,7 +18911,7 @@
 </p:sld>
 </file>
 
-<file path=ppt/slides/slide27.xml><?xml version="1.0" encoding="utf-8"?>
+<file path=ppt/slides/slide28.xml><?xml version="1.0" encoding="utf-8"?>
 <p:sld xmlns:a="http://schemas.openxmlformats.org/drawingml/2006/main" xmlns:r="http://schemas.openxmlformats.org/officeDocument/2006/relationships" xmlns:p="http://schemas.openxmlformats.org/presentationml/2006/main">
   <p:cSld>
     <p:spTree>
@@ -18509,7 +18952,7 @@
             <a:fld id="{2BF067CD-8E6B-4360-9AA8-C5DF2A48A6D1}" type="slidenum">
               <a:rPr lang="en-US" noProof="0" smtClean="0"/>
               <a:pPr/>
-              <a:t>27</a:t>
+              <a:t>28</a:t>
             </a:fld>
             <a:endParaRPr lang="en-US" noProof="0" dirty="0"/>
           </a:p>
@@ -19294,7 +19737,7 @@
 </p:sld>
 </file>
 
-<file path=ppt/slides/slide28.xml><?xml version="1.0" encoding="utf-8"?>
+<file path=ppt/slides/slide29.xml><?xml version="1.0" encoding="utf-8"?>
 <p:sld xmlns:a="http://schemas.openxmlformats.org/drawingml/2006/main" xmlns:r="http://schemas.openxmlformats.org/officeDocument/2006/relationships" xmlns:p="http://schemas.openxmlformats.org/presentationml/2006/main">
   <p:cSld>
     <p:spTree>
@@ -19335,7 +19778,7 @@
             <a:fld id="{2BF067CD-8E6B-4360-9AA8-C5DF2A48A6D1}" type="slidenum">
               <a:rPr lang="en-US" noProof="0" smtClean="0"/>
               <a:pPr/>
-              <a:t>28</a:t>
+              <a:t>29</a:t>
             </a:fld>
             <a:endParaRPr lang="en-US" noProof="0" dirty="0"/>
           </a:p>
@@ -19562,6 +20005,62 @@
                 <a:latin typeface="Consolas" panose="020B0609020204030204" pitchFamily="49" charset="0"/>
                 <a:cs typeface="Consolas" panose="020B0609020204030204" pitchFamily="49" charset="0"/>
               </a:rPr>
+              <a:t>return </a:t>
+            </a:r>
+            <a:r>
+              <a:rPr lang="en-GB" sz="2000" b="1" dirty="0" err="1">
+                <a:latin typeface="Consolas" panose="020B0609020204030204" pitchFamily="49" charset="0"/>
+                <a:cs typeface="Consolas" panose="020B0609020204030204" pitchFamily="49" charset="0"/>
+              </a:rPr>
+              <a:t>countries.</a:t>
+            </a:r>
+            <a:r>
+              <a:rPr lang="en-GB" sz="2000" b="1" dirty="0" err="1">
+                <a:solidFill>
+                  <a:schemeClr val="bg1"/>
+                </a:solidFill>
+                <a:latin typeface="Consolas" panose="020B0609020204030204" pitchFamily="49" charset="0"/>
+                <a:cs typeface="Consolas" panose="020B0609020204030204" pitchFamily="49" charset="0"/>
+              </a:rPr>
+              <a:t>OrderByDescending</a:t>
+            </a:r>
+            <a:r>
+              <a:rPr lang="en-GB" sz="2000" b="1" dirty="0">
+                <a:latin typeface="Consolas" panose="020B0609020204030204" pitchFamily="49" charset="0"/>
+                <a:cs typeface="Consolas" panose="020B0609020204030204" pitchFamily="49" charset="0"/>
+              </a:rPr>
+              <a:t>(c =&gt; c.CountryName).ToList();</a:t>
+            </a:r>
+          </a:p>
+          <a:p>
+            <a:r>
+              <a:rPr lang="en-GB" sz="2000" b="1" dirty="0">
+                <a:latin typeface="Consolas" panose="020B0609020204030204" pitchFamily="49" charset="0"/>
+                <a:cs typeface="Consolas" panose="020B0609020204030204" pitchFamily="49" charset="0"/>
+              </a:rPr>
+              <a:t>        case "Id (</a:t>
+            </a:r>
+            <a:r>
+              <a:rPr lang="bg-BG" sz="2000" b="1" dirty="0">
+                <a:latin typeface="Consolas" panose="020B0609020204030204" pitchFamily="49" charset="0"/>
+                <a:cs typeface="Consolas" panose="020B0609020204030204" pitchFamily="49" charset="0"/>
+              </a:rPr>
+              <a:t>възходящо)":</a:t>
+            </a:r>
+          </a:p>
+          <a:p>
+            <a:r>
+              <a:rPr lang="bg-BG" sz="2000" b="1" dirty="0">
+                <a:latin typeface="Consolas" panose="020B0609020204030204" pitchFamily="49" charset="0"/>
+                <a:cs typeface="Consolas" panose="020B0609020204030204" pitchFamily="49" charset="0"/>
+              </a:rPr>
+              <a:t>            </a:t>
+            </a:r>
+            <a:r>
+              <a:rPr lang="en-GB" sz="2000" b="1" dirty="0">
+                <a:latin typeface="Consolas" panose="020B0609020204030204" pitchFamily="49" charset="0"/>
+                <a:cs typeface="Consolas" panose="020B0609020204030204" pitchFamily="49" charset="0"/>
+              </a:rPr>
               <a:t>return countries.</a:t>
             </a:r>
             <a:r>
@@ -19572,14 +20071,14 @@
                 <a:latin typeface="Consolas" panose="020B0609020204030204" pitchFamily="49" charset="0"/>
                 <a:cs typeface="Consolas" panose="020B0609020204030204" pitchFamily="49" charset="0"/>
               </a:rPr>
-              <a:t>OrderByDescending</a:t>
+              <a:t>OrderBy</a:t>
             </a:r>
             <a:r>
               <a:rPr lang="en-GB" sz="2000" b="1" dirty="0">
                 <a:latin typeface="Consolas" panose="020B0609020204030204" pitchFamily="49" charset="0"/>
                 <a:cs typeface="Consolas" panose="020B0609020204030204" pitchFamily="49" charset="0"/>
               </a:rPr>
-              <a:t>(c =&gt; c.CountryName).ToList();</a:t>
+              <a:t>(c =&gt; c.CountryId).ToList();</a:t>
             </a:r>
           </a:p>
           <a:p>
@@ -19595,7 +20094,7 @@
                 <a:latin typeface="Consolas" panose="020B0609020204030204" pitchFamily="49" charset="0"/>
                 <a:cs typeface="Consolas" panose="020B0609020204030204" pitchFamily="49" charset="0"/>
               </a:rPr>
-              <a:t>възходящо)":</a:t>
+              <a:t>низходящо)":</a:t>
             </a:r>
           </a:p>
           <a:p>
@@ -19611,59 +20110,17 @@
                 <a:latin typeface="Consolas" panose="020B0609020204030204" pitchFamily="49" charset="0"/>
                 <a:cs typeface="Consolas" panose="020B0609020204030204" pitchFamily="49" charset="0"/>
               </a:rPr>
-              <a:t>return countries.</a:t>
-            </a:r>
-            <a:r>
-              <a:rPr lang="en-GB" sz="2000" b="1" dirty="0">
-                <a:solidFill>
-                  <a:schemeClr val="bg1"/>
-                </a:solidFill>
+              <a:t>return </a:t>
+            </a:r>
+            <a:r>
+              <a:rPr lang="en-GB" sz="2000" b="1" dirty="0" err="1">
                 <a:latin typeface="Consolas" panose="020B0609020204030204" pitchFamily="49" charset="0"/>
                 <a:cs typeface="Consolas" panose="020B0609020204030204" pitchFamily="49" charset="0"/>
               </a:rPr>
-              <a:t>OrderBy</a:t>
-            </a:r>
-            <a:r>
-              <a:rPr lang="en-GB" sz="2000" b="1" dirty="0">
-                <a:latin typeface="Consolas" panose="020B0609020204030204" pitchFamily="49" charset="0"/>
-                <a:cs typeface="Consolas" panose="020B0609020204030204" pitchFamily="49" charset="0"/>
-              </a:rPr>
-              <a:t>(c =&gt; c.CountryId).ToList();</a:t>
-            </a:r>
-          </a:p>
-          <a:p>
-            <a:r>
-              <a:rPr lang="en-GB" sz="2000" b="1" dirty="0">
-                <a:latin typeface="Consolas" panose="020B0609020204030204" pitchFamily="49" charset="0"/>
-                <a:cs typeface="Consolas" panose="020B0609020204030204" pitchFamily="49" charset="0"/>
-              </a:rPr>
-              <a:t>        case "Id (</a:t>
-            </a:r>
-            <a:r>
-              <a:rPr lang="bg-BG" sz="2000" b="1" dirty="0">
-                <a:latin typeface="Consolas" panose="020B0609020204030204" pitchFamily="49" charset="0"/>
-                <a:cs typeface="Consolas" panose="020B0609020204030204" pitchFamily="49" charset="0"/>
-              </a:rPr>
-              <a:t>низходящо)":</a:t>
-            </a:r>
-          </a:p>
-          <a:p>
-            <a:r>
-              <a:rPr lang="bg-BG" sz="2000" b="1" dirty="0">
-                <a:latin typeface="Consolas" panose="020B0609020204030204" pitchFamily="49" charset="0"/>
-                <a:cs typeface="Consolas" panose="020B0609020204030204" pitchFamily="49" charset="0"/>
-              </a:rPr>
-              <a:t>            </a:t>
-            </a:r>
-            <a:r>
-              <a:rPr lang="en-GB" sz="2000" b="1" dirty="0">
-                <a:latin typeface="Consolas" panose="020B0609020204030204" pitchFamily="49" charset="0"/>
-                <a:cs typeface="Consolas" panose="020B0609020204030204" pitchFamily="49" charset="0"/>
-              </a:rPr>
-              <a:t>return countries.</a:t>
-            </a:r>
-            <a:r>
-              <a:rPr lang="en-GB" sz="2000" b="1" dirty="0">
+              <a:t>countries.</a:t>
+            </a:r>
+            <a:r>
+              <a:rPr lang="en-GB" sz="2000" b="1" dirty="0" err="1">
                 <a:solidFill>
                   <a:schemeClr val="bg1"/>
                 </a:solidFill>
@@ -19722,515 +20179,6 @@
     <p:extLst>
       <p:ext uri="{BB962C8B-B14F-4D97-AF65-F5344CB8AC3E}">
         <p14:creationId xmlns:p14="http://schemas.microsoft.com/office/powerpoint/2010/main" val="1857775489"/>
-      </p:ext>
-    </p:extLst>
-  </p:cSld>
-  <p:clrMapOvr>
-    <a:masterClrMapping/>
-  </p:clrMapOvr>
-  <mc:AlternateContent xmlns:mc="http://schemas.openxmlformats.org/markup-compatibility/2006" xmlns:p14="http://schemas.microsoft.com/office/powerpoint/2010/main">
-    <mc:Choice Requires="p14">
-      <p:transition spd="slow" p14:dur="2000" advClick="0" advTm="5000"/>
-    </mc:Choice>
-    <mc:Fallback xmlns="">
-      <p:transition spd="slow" advClick="0" advTm="5000"/>
-    </mc:Fallback>
-  </mc:AlternateContent>
-</p:sld>
-</file>
-
-<file path=ppt/slides/slide29.xml><?xml version="1.0" encoding="utf-8"?>
-<p:sld xmlns:a="http://schemas.openxmlformats.org/drawingml/2006/main" xmlns:r="http://schemas.openxmlformats.org/officeDocument/2006/relationships" xmlns:p="http://schemas.openxmlformats.org/presentationml/2006/main">
-  <p:cSld>
-    <p:spTree>
-      <p:nvGrpSpPr>
-        <p:cNvPr id="1" name=""/>
-        <p:cNvGrpSpPr/>
-        <p:nvPr/>
-      </p:nvGrpSpPr>
-      <p:grpSpPr>
-        <a:xfrm>
-          <a:off x="0" y="0"/>
-          <a:ext cx="0" cy="0"/>
-          <a:chOff x="0" y="0"/>
-          <a:chExt cx="0" cy="0"/>
-        </a:xfrm>
-      </p:grpSpPr>
-      <p:sp>
-        <p:nvSpPr>
-          <p:cNvPr id="2" name="Slide Number Placeholder 1">
-            <a:extLst>
-              <a:ext uri="{FF2B5EF4-FFF2-40B4-BE49-F238E27FC236}">
-                <a16:creationId xmlns:a16="http://schemas.microsoft.com/office/drawing/2014/main" id="{19F4C4F9-F53D-7EEC-5982-91B898AF1E6C}"/>
-              </a:ext>
-            </a:extLst>
-          </p:cNvPr>
-          <p:cNvSpPr>
-            <a:spLocks noGrp="1"/>
-          </p:cNvSpPr>
-          <p:nvPr>
-            <p:ph type="sldNum" sz="quarter" idx="5"/>
-          </p:nvPr>
-        </p:nvSpPr>
-        <p:spPr/>
-        <p:txBody>
-          <a:bodyPr/>
-          <a:lstStyle/>
-          <a:p>
-            <a:fld id="{2BF067CD-8E6B-4360-9AA8-C5DF2A48A6D1}" type="slidenum">
-              <a:rPr lang="en-US" noProof="0" smtClean="0"/>
-              <a:pPr/>
-              <a:t>29</a:t>
-            </a:fld>
-            <a:endParaRPr lang="en-US" noProof="0" dirty="0"/>
-          </a:p>
-        </p:txBody>
-      </p:sp>
-      <p:sp>
-        <p:nvSpPr>
-          <p:cNvPr id="3" name="Text Placeholder 2">
-            <a:extLst>
-              <a:ext uri="{FF2B5EF4-FFF2-40B4-BE49-F238E27FC236}">
-                <a16:creationId xmlns:a16="http://schemas.microsoft.com/office/drawing/2014/main" id="{FED6ED38-FD85-4591-4D7F-4004114D8CA1}"/>
-              </a:ext>
-            </a:extLst>
-          </p:cNvPr>
-          <p:cNvSpPr>
-            <a:spLocks noGrp="1"/>
-          </p:cNvSpPr>
-          <p:nvPr>
-            <p:ph type="body" sz="quarter" idx="10"/>
-          </p:nvPr>
-        </p:nvSpPr>
-        <p:spPr/>
-        <p:txBody>
-          <a:bodyPr>
-            <a:normAutofit/>
-          </a:bodyPr>
-          <a:lstStyle/>
-          <a:p>
-            <a:r>
-              <a:rPr lang="bg-BG" sz="2800" dirty="0">
-                <a:latin typeface="Calibri" panose="020F0502020204030204" pitchFamily="34" charset="0"/>
-                <a:cs typeface="Calibri" panose="020F0502020204030204" pitchFamily="34" charset="0"/>
-              </a:rPr>
-              <a:t>Създаваме метод </a:t>
-            </a:r>
-            <a:r>
-              <a:rPr lang="en-US" sz="2800" b="1" dirty="0">
-                <a:solidFill>
-                  <a:schemeClr val="bg1"/>
-                </a:solidFill>
-                <a:latin typeface="Consolas" panose="020B0609020204030204" pitchFamily="49" charset="0"/>
-                <a:cs typeface="Consolas" panose="020B0609020204030204" pitchFamily="49" charset="0"/>
-                <a:sym typeface="Wingdings" panose="05000000000000000000" pitchFamily="2" charset="2"/>
-              </a:rPr>
-              <a:t>filterAndSortCountries()</a:t>
-            </a:r>
-            <a:r>
-              <a:rPr lang="bg-BG" sz="2800" dirty="0">
-                <a:latin typeface="Calibri" panose="020F0502020204030204" pitchFamily="34" charset="0"/>
-                <a:cs typeface="Calibri" panose="020F0502020204030204" pitchFamily="34" charset="0"/>
-                <a:sym typeface="Wingdings" panose="05000000000000000000" pitchFamily="2" charset="2"/>
-              </a:rPr>
-              <a:t>,</a:t>
-            </a:r>
-            <a:r>
-              <a:rPr lang="bg-BG" sz="2800" dirty="0">
-                <a:solidFill>
-                  <a:schemeClr val="bg1"/>
-                </a:solidFill>
-                <a:latin typeface="Calibri" panose="020F0502020204030204" pitchFamily="34" charset="0"/>
-                <a:cs typeface="Calibri" panose="020F0502020204030204" pitchFamily="34" charset="0"/>
-                <a:sym typeface="Wingdings" panose="05000000000000000000" pitchFamily="2" charset="2"/>
-              </a:rPr>
-              <a:t> </a:t>
-            </a:r>
-            <a:r>
-              <a:rPr lang="bg-BG" sz="2800" dirty="0">
-                <a:latin typeface="Calibri" panose="020F0502020204030204" pitchFamily="34" charset="0"/>
-                <a:cs typeface="Calibri" panose="020F0502020204030204" pitchFamily="34" charset="0"/>
-              </a:rPr>
-              <a:t>който извикваме при </a:t>
-            </a:r>
-            <a:r>
-              <a:rPr lang="bg-BG" sz="2800" b="1" dirty="0">
-                <a:latin typeface="Calibri" panose="020F0502020204030204" pitchFamily="34" charset="0"/>
-                <a:cs typeface="Calibri" panose="020F0502020204030204" pitchFamily="34" charset="0"/>
-              </a:rPr>
-              <a:t>филтрирането</a:t>
-            </a:r>
-            <a:r>
-              <a:rPr lang="bg-BG" sz="2800" dirty="0">
-                <a:latin typeface="Calibri" panose="020F0502020204030204" pitchFamily="34" charset="0"/>
-                <a:cs typeface="Calibri" panose="020F0502020204030204" pitchFamily="34" charset="0"/>
-              </a:rPr>
-              <a:t> и </a:t>
-            </a:r>
-            <a:r>
-              <a:rPr lang="bg-BG" sz="2800" b="1" dirty="0">
-                <a:latin typeface="Calibri" panose="020F0502020204030204" pitchFamily="34" charset="0"/>
-                <a:cs typeface="Calibri" panose="020F0502020204030204" pitchFamily="34" charset="0"/>
-              </a:rPr>
-              <a:t>сортирането</a:t>
-            </a:r>
-            <a:endParaRPr lang="bg-BG" sz="2800" b="1" dirty="0"/>
-          </a:p>
-          <a:p>
-            <a:endParaRPr lang="en-US" dirty="0"/>
-          </a:p>
-        </p:txBody>
-      </p:sp>
-      <p:sp>
-        <p:nvSpPr>
-          <p:cNvPr id="4" name="Title 3">
-            <a:extLst>
-              <a:ext uri="{FF2B5EF4-FFF2-40B4-BE49-F238E27FC236}">
-                <a16:creationId xmlns:a16="http://schemas.microsoft.com/office/drawing/2014/main" id="{B6A97C9D-5CE3-A2C8-5F4B-D652EEE4A21A}"/>
-              </a:ext>
-            </a:extLst>
-          </p:cNvPr>
-          <p:cNvSpPr>
-            <a:spLocks noGrp="1"/>
-          </p:cNvSpPr>
-          <p:nvPr>
-            <p:ph type="title"/>
-          </p:nvPr>
-        </p:nvSpPr>
-        <p:spPr/>
-        <p:txBody>
-          <a:bodyPr/>
-          <a:lstStyle/>
-          <a:p>
-            <a:r>
-              <a:rPr lang="bg-BG" dirty="0"/>
-              <a:t>Обединяване на сортиране и филтриране</a:t>
-            </a:r>
-            <a:r>
-              <a:rPr lang="en-US" dirty="0"/>
-              <a:t> (1)</a:t>
-            </a:r>
-          </a:p>
-        </p:txBody>
-      </p:sp>
-      <p:sp>
-        <p:nvSpPr>
-          <p:cNvPr id="5" name="Rectangle 4">
-            <a:extLst>
-              <a:ext uri="{FF2B5EF4-FFF2-40B4-BE49-F238E27FC236}">
-                <a16:creationId xmlns:a16="http://schemas.microsoft.com/office/drawing/2014/main" id="{42FF9AC9-A111-15E3-5A5D-22BC36ECE886}"/>
-              </a:ext>
-            </a:extLst>
-          </p:cNvPr>
-          <p:cNvSpPr>
-            <a:spLocks noChangeArrowheads="1"/>
-          </p:cNvSpPr>
-          <p:nvPr/>
-        </p:nvSpPr>
-        <p:spPr bwMode="auto">
-          <a:xfrm>
-            <a:off x="183502" y="2197910"/>
-            <a:ext cx="11557314" cy="4526981"/>
-          </a:xfrm>
-          <a:prstGeom prst="rect">
-            <a:avLst/>
-          </a:prstGeom>
-          <a:solidFill>
-            <a:schemeClr val="accent5">
-              <a:lumMod val="40000"/>
-              <a:lumOff val="60000"/>
-              <a:alpha val="20000"/>
-            </a:schemeClr>
-          </a:solidFill>
-          <a:ln w="12700">
-            <a:solidFill>
-              <a:schemeClr val="accent5">
-                <a:lumMod val="60000"/>
-                <a:lumOff val="40000"/>
-              </a:schemeClr>
-            </a:solidFill>
-          </a:ln>
-        </p:spPr>
-        <p:txBody>
-          <a:bodyPr vert="horz" wrap="square" lIns="144000" tIns="108000" rIns="144000" bIns="108000" rtlCol="0">
-            <a:spAutoFit/>
-          </a:bodyPr>
-          <a:lstStyle/>
-          <a:p>
-            <a:r>
-              <a:rPr lang="en-GB" sz="2000" b="1" dirty="0">
-                <a:latin typeface="Consolas" panose="020B0609020204030204" pitchFamily="49" charset="0"/>
-                <a:cs typeface="Consolas" panose="020B0609020204030204" pitchFamily="49" charset="0"/>
-              </a:rPr>
-              <a:t>private void </a:t>
-            </a:r>
-            <a:r>
-              <a:rPr lang="en-GB" sz="2000" b="1" dirty="0">
-                <a:solidFill>
-                  <a:schemeClr val="bg1"/>
-                </a:solidFill>
-                <a:latin typeface="Consolas" panose="020B0609020204030204" pitchFamily="49" charset="0"/>
-                <a:cs typeface="Consolas" panose="020B0609020204030204" pitchFamily="49" charset="0"/>
-              </a:rPr>
-              <a:t>filterAndSortCountries</a:t>
-            </a:r>
-            <a:r>
-              <a:rPr lang="en-GB" sz="2000" b="1" dirty="0">
-                <a:latin typeface="Consolas" panose="020B0609020204030204" pitchFamily="49" charset="0"/>
-                <a:cs typeface="Consolas" panose="020B0609020204030204" pitchFamily="49" charset="0"/>
-              </a:rPr>
-              <a:t>()</a:t>
-            </a:r>
-          </a:p>
-          <a:p>
-            <a:r>
-              <a:rPr lang="en-GB" sz="2000" b="1" dirty="0">
-                <a:latin typeface="Consolas" panose="020B0609020204030204" pitchFamily="49" charset="0"/>
-                <a:cs typeface="Consolas" panose="020B0609020204030204" pitchFamily="49" charset="0"/>
-              </a:rPr>
-              <a:t>{</a:t>
-            </a:r>
-          </a:p>
-          <a:p>
-            <a:r>
-              <a:rPr lang="en-GB" sz="2000" b="1" dirty="0">
-                <a:latin typeface="Consolas" panose="020B0609020204030204" pitchFamily="49" charset="0"/>
-                <a:cs typeface="Consolas" panose="020B0609020204030204" pitchFamily="49" charset="0"/>
-              </a:rPr>
-              <a:t>    using (var dbContext = new CountriesDbContext())</a:t>
-            </a:r>
-          </a:p>
-          <a:p>
-            <a:r>
-              <a:rPr lang="en-GB" sz="2000" b="1" dirty="0">
-                <a:latin typeface="Consolas" panose="020B0609020204030204" pitchFamily="49" charset="0"/>
-                <a:cs typeface="Consolas" panose="020B0609020204030204" pitchFamily="49" charset="0"/>
-              </a:rPr>
-              <a:t>    {</a:t>
-            </a:r>
-          </a:p>
-          <a:p>
-            <a:r>
-              <a:rPr lang="en-GB" sz="2000" b="1" dirty="0">
-                <a:latin typeface="Consolas" panose="020B0609020204030204" pitchFamily="49" charset="0"/>
-                <a:cs typeface="Consolas" panose="020B0609020204030204" pitchFamily="49" charset="0"/>
-              </a:rPr>
-              <a:t>        </a:t>
-            </a:r>
-            <a:r>
-              <a:rPr lang="en-GB" sz="2000" b="1" dirty="0">
-                <a:solidFill>
-                  <a:schemeClr val="accent2"/>
-                </a:solidFill>
-                <a:latin typeface="Consolas" panose="020B0609020204030204" pitchFamily="49" charset="0"/>
-                <a:cs typeface="Consolas" panose="020B0609020204030204" pitchFamily="49" charset="0"/>
-              </a:rPr>
-              <a:t>// </a:t>
-            </a:r>
-            <a:r>
-              <a:rPr lang="bg-BG" sz="2000" b="1" dirty="0">
-                <a:solidFill>
-                  <a:schemeClr val="accent2"/>
-                </a:solidFill>
-                <a:latin typeface="Consolas" panose="020B0609020204030204" pitchFamily="49" charset="0"/>
-                <a:cs typeface="Consolas" panose="020B0609020204030204" pitchFamily="49" charset="0"/>
-              </a:rPr>
-              <a:t>Взимаме всички държави</a:t>
-            </a:r>
-          </a:p>
-          <a:p>
-            <a:r>
-              <a:rPr lang="bg-BG" sz="2000" b="1" dirty="0">
-                <a:latin typeface="Consolas" panose="020B0609020204030204" pitchFamily="49" charset="0"/>
-                <a:cs typeface="Consolas" panose="020B0609020204030204" pitchFamily="49" charset="0"/>
-              </a:rPr>
-              <a:t>        </a:t>
-            </a:r>
-            <a:r>
-              <a:rPr lang="en-GB" sz="2000" b="1" dirty="0">
-                <a:latin typeface="Consolas" panose="020B0609020204030204" pitchFamily="49" charset="0"/>
-                <a:cs typeface="Consolas" panose="020B0609020204030204" pitchFamily="49" charset="0"/>
-              </a:rPr>
-              <a:t>var </a:t>
-            </a:r>
-            <a:r>
-              <a:rPr lang="en-GB" sz="2000" b="1" dirty="0">
-                <a:solidFill>
-                  <a:schemeClr val="bg1"/>
-                </a:solidFill>
-                <a:latin typeface="Consolas" panose="020B0609020204030204" pitchFamily="49" charset="0"/>
-                <a:cs typeface="Consolas" panose="020B0609020204030204" pitchFamily="49" charset="0"/>
-              </a:rPr>
-              <a:t>countries</a:t>
-            </a:r>
-            <a:r>
-              <a:rPr lang="en-GB" sz="2000" b="1" dirty="0">
-                <a:latin typeface="Consolas" panose="020B0609020204030204" pitchFamily="49" charset="0"/>
-                <a:cs typeface="Consolas" panose="020B0609020204030204" pitchFamily="49" charset="0"/>
-              </a:rPr>
-              <a:t> = dbContext.Countries.ToList();</a:t>
-            </a:r>
-          </a:p>
-          <a:p>
-            <a:r>
-              <a:rPr lang="en-GB" sz="2000" b="1" dirty="0">
-                <a:latin typeface="Consolas" panose="020B0609020204030204" pitchFamily="49" charset="0"/>
-                <a:cs typeface="Consolas" panose="020B0609020204030204" pitchFamily="49" charset="0"/>
-              </a:rPr>
-              <a:t>        var </a:t>
-            </a:r>
-            <a:r>
-              <a:rPr lang="en-GB" sz="2000" b="1" dirty="0">
-                <a:solidFill>
-                  <a:schemeClr val="bg1"/>
-                </a:solidFill>
-                <a:latin typeface="Consolas" panose="020B0609020204030204" pitchFamily="49" charset="0"/>
-                <a:cs typeface="Consolas" panose="020B0609020204030204" pitchFamily="49" charset="0"/>
-              </a:rPr>
-              <a:t>result</a:t>
-            </a:r>
-            <a:r>
-              <a:rPr lang="en-GB" sz="2000" b="1" dirty="0">
-                <a:latin typeface="Consolas" panose="020B0609020204030204" pitchFamily="49" charset="0"/>
-                <a:cs typeface="Consolas" panose="020B0609020204030204" pitchFamily="49" charset="0"/>
-              </a:rPr>
-              <a:t> = countries;</a:t>
-            </a:r>
-          </a:p>
-          <a:p>
-            <a:r>
-              <a:rPr lang="en-GB" sz="2000" b="1" dirty="0">
-                <a:latin typeface="Consolas" panose="020B0609020204030204" pitchFamily="49" charset="0"/>
-                <a:cs typeface="Consolas" panose="020B0609020204030204" pitchFamily="49" charset="0"/>
-              </a:rPr>
-              <a:t>        </a:t>
-            </a:r>
-            <a:r>
-              <a:rPr lang="en-GB" sz="2000" b="1" dirty="0">
-                <a:solidFill>
-                  <a:schemeClr val="accent2"/>
-                </a:solidFill>
-                <a:latin typeface="Consolas" panose="020B0609020204030204" pitchFamily="49" charset="0"/>
-                <a:cs typeface="Consolas" panose="020B0609020204030204" pitchFamily="49" charset="0"/>
-              </a:rPr>
-              <a:t>// </a:t>
-            </a:r>
-            <a:r>
-              <a:rPr lang="bg-BG" sz="2000" b="1" dirty="0">
-                <a:solidFill>
-                  <a:schemeClr val="accent2"/>
-                </a:solidFill>
-                <a:latin typeface="Consolas" panose="020B0609020204030204" pitchFamily="49" charset="0"/>
-                <a:cs typeface="Consolas" panose="020B0609020204030204" pitchFamily="49" charset="0"/>
-              </a:rPr>
-              <a:t>Прилагаме филтъра за име на държава</a:t>
-            </a:r>
-          </a:p>
-          <a:p>
-            <a:r>
-              <a:rPr lang="bg-BG" sz="2000" b="1" dirty="0">
-                <a:latin typeface="Consolas" panose="020B0609020204030204" pitchFamily="49" charset="0"/>
-                <a:cs typeface="Consolas" panose="020B0609020204030204" pitchFamily="49" charset="0"/>
-              </a:rPr>
-              <a:t>        </a:t>
-            </a:r>
-            <a:r>
-              <a:rPr lang="en-GB" sz="2000" b="1" dirty="0">
-                <a:latin typeface="Consolas" panose="020B0609020204030204" pitchFamily="49" charset="0"/>
-                <a:cs typeface="Consolas" panose="020B0609020204030204" pitchFamily="49" charset="0"/>
-              </a:rPr>
-              <a:t>if (this.</a:t>
-            </a:r>
-            <a:r>
-              <a:rPr lang="en-GB" sz="2000" b="1" dirty="0">
-                <a:solidFill>
-                  <a:schemeClr val="bg1"/>
-                </a:solidFill>
-                <a:latin typeface="Consolas" panose="020B0609020204030204" pitchFamily="49" charset="0"/>
-                <a:cs typeface="Consolas" panose="020B0609020204030204" pitchFamily="49" charset="0"/>
-              </a:rPr>
-              <a:t>textBoxFilter</a:t>
-            </a:r>
-            <a:r>
-              <a:rPr lang="en-GB" sz="2000" b="1" dirty="0">
-                <a:latin typeface="Consolas" panose="020B0609020204030204" pitchFamily="49" charset="0"/>
-                <a:cs typeface="Consolas" panose="020B0609020204030204" pitchFamily="49" charset="0"/>
-              </a:rPr>
-              <a:t>.Text != null)</a:t>
-            </a:r>
-          </a:p>
-          <a:p>
-            <a:r>
-              <a:rPr lang="en-GB" sz="2000" b="1" dirty="0">
-                <a:latin typeface="Consolas" panose="020B0609020204030204" pitchFamily="49" charset="0"/>
-                <a:cs typeface="Consolas" panose="020B0609020204030204" pitchFamily="49" charset="0"/>
-              </a:rPr>
-              <a:t>        {</a:t>
-            </a:r>
-          </a:p>
-          <a:p>
-            <a:r>
-              <a:rPr lang="en-GB" sz="2000" b="1" dirty="0">
-                <a:latin typeface="Consolas" panose="020B0609020204030204" pitchFamily="49" charset="0"/>
-                <a:cs typeface="Consolas" panose="020B0609020204030204" pitchFamily="49" charset="0"/>
-              </a:rPr>
-              <a:t>            var filterText = this.textBoxFilter.Text.ToLower();</a:t>
-            </a:r>
-          </a:p>
-          <a:p>
-            <a:r>
-              <a:rPr lang="en-GB" sz="2000" b="1" dirty="0">
-                <a:latin typeface="Consolas" panose="020B0609020204030204" pitchFamily="49" charset="0"/>
-                <a:cs typeface="Consolas" panose="020B0609020204030204" pitchFamily="49" charset="0"/>
-              </a:rPr>
-              <a:t>            result = this.</a:t>
-            </a:r>
-            <a:r>
-              <a:rPr lang="en-GB" sz="2000" b="1" dirty="0">
-                <a:solidFill>
-                  <a:schemeClr val="bg1"/>
-                </a:solidFill>
-                <a:latin typeface="Consolas" panose="020B0609020204030204" pitchFamily="49" charset="0"/>
-                <a:cs typeface="Consolas" panose="020B0609020204030204" pitchFamily="49" charset="0"/>
-              </a:rPr>
-              <a:t>FilterCountries</a:t>
-            </a:r>
-            <a:r>
-              <a:rPr lang="en-GB" sz="2000" b="1" dirty="0">
-                <a:latin typeface="Consolas" panose="020B0609020204030204" pitchFamily="49" charset="0"/>
-                <a:cs typeface="Consolas" panose="020B0609020204030204" pitchFamily="49" charset="0"/>
-              </a:rPr>
-              <a:t>(result, filterText);</a:t>
-            </a:r>
-          </a:p>
-          <a:p>
-            <a:r>
-              <a:rPr lang="en-GB" sz="2000" b="1" dirty="0">
-                <a:latin typeface="Consolas" panose="020B0609020204030204" pitchFamily="49" charset="0"/>
-                <a:cs typeface="Consolas" panose="020B0609020204030204" pitchFamily="49" charset="0"/>
-              </a:rPr>
-              <a:t>        }       </a:t>
-            </a:r>
-          </a:p>
-          <a:p>
-            <a:r>
-              <a:rPr lang="en-US" sz="2000" b="1" dirty="0">
-                <a:latin typeface="Consolas" panose="020B0609020204030204" pitchFamily="49" charset="0"/>
-                <a:cs typeface="Consolas" panose="020B0609020204030204" pitchFamily="49" charset="0"/>
-              </a:rPr>
-              <a:t>...</a:t>
-            </a:r>
-            <a:endParaRPr lang="en-GB" sz="2000" b="1" dirty="0">
-              <a:latin typeface="Consolas" panose="020B0609020204030204" pitchFamily="49" charset="0"/>
-              <a:cs typeface="Consolas" panose="020B0609020204030204" pitchFamily="49" charset="0"/>
-            </a:endParaRPr>
-          </a:p>
-        </p:txBody>
-      </p:sp>
-    </p:spTree>
-    <p:extLst>
-      <p:ext uri="{BB962C8B-B14F-4D97-AF65-F5344CB8AC3E}">
-        <p14:creationId xmlns:p14="http://schemas.microsoft.com/office/powerpoint/2010/main" val="391277340"/>
       </p:ext>
     </p:extLst>
   </p:cSld>
@@ -20440,6 +20388,515 @@
       </p:sp>
       <p:sp>
         <p:nvSpPr>
+          <p:cNvPr id="3" name="Text Placeholder 2">
+            <a:extLst>
+              <a:ext uri="{FF2B5EF4-FFF2-40B4-BE49-F238E27FC236}">
+                <a16:creationId xmlns:a16="http://schemas.microsoft.com/office/drawing/2014/main" id="{FED6ED38-FD85-4591-4D7F-4004114D8CA1}"/>
+              </a:ext>
+            </a:extLst>
+          </p:cNvPr>
+          <p:cNvSpPr>
+            <a:spLocks noGrp="1"/>
+          </p:cNvSpPr>
+          <p:nvPr>
+            <p:ph type="body" sz="quarter" idx="10"/>
+          </p:nvPr>
+        </p:nvSpPr>
+        <p:spPr/>
+        <p:txBody>
+          <a:bodyPr>
+            <a:normAutofit/>
+          </a:bodyPr>
+          <a:lstStyle/>
+          <a:p>
+            <a:r>
+              <a:rPr lang="bg-BG" sz="2800" dirty="0">
+                <a:latin typeface="Calibri" panose="020F0502020204030204" pitchFamily="34" charset="0"/>
+                <a:cs typeface="Calibri" panose="020F0502020204030204" pitchFamily="34" charset="0"/>
+              </a:rPr>
+              <a:t>Създаваме метод </a:t>
+            </a:r>
+            <a:r>
+              <a:rPr lang="en-US" sz="2800" b="1" dirty="0">
+                <a:solidFill>
+                  <a:schemeClr val="bg1"/>
+                </a:solidFill>
+                <a:latin typeface="Consolas" panose="020B0609020204030204" pitchFamily="49" charset="0"/>
+                <a:cs typeface="Consolas" panose="020B0609020204030204" pitchFamily="49" charset="0"/>
+                <a:sym typeface="Wingdings" panose="05000000000000000000" pitchFamily="2" charset="2"/>
+              </a:rPr>
+              <a:t>filterAndSortCountries()</a:t>
+            </a:r>
+            <a:r>
+              <a:rPr lang="bg-BG" sz="2800" dirty="0">
+                <a:latin typeface="Calibri" panose="020F0502020204030204" pitchFamily="34" charset="0"/>
+                <a:cs typeface="Calibri" panose="020F0502020204030204" pitchFamily="34" charset="0"/>
+                <a:sym typeface="Wingdings" panose="05000000000000000000" pitchFamily="2" charset="2"/>
+              </a:rPr>
+              <a:t>,</a:t>
+            </a:r>
+            <a:r>
+              <a:rPr lang="bg-BG" sz="2800" dirty="0">
+                <a:solidFill>
+                  <a:schemeClr val="bg1"/>
+                </a:solidFill>
+                <a:latin typeface="Calibri" panose="020F0502020204030204" pitchFamily="34" charset="0"/>
+                <a:cs typeface="Calibri" panose="020F0502020204030204" pitchFamily="34" charset="0"/>
+                <a:sym typeface="Wingdings" panose="05000000000000000000" pitchFamily="2" charset="2"/>
+              </a:rPr>
+              <a:t> </a:t>
+            </a:r>
+            <a:r>
+              <a:rPr lang="bg-BG" sz="2800" dirty="0">
+                <a:latin typeface="Calibri" panose="020F0502020204030204" pitchFamily="34" charset="0"/>
+                <a:cs typeface="Calibri" panose="020F0502020204030204" pitchFamily="34" charset="0"/>
+              </a:rPr>
+              <a:t>който извикваме при </a:t>
+            </a:r>
+            <a:r>
+              <a:rPr lang="bg-BG" sz="2800" b="1" dirty="0">
+                <a:latin typeface="Calibri" panose="020F0502020204030204" pitchFamily="34" charset="0"/>
+                <a:cs typeface="Calibri" panose="020F0502020204030204" pitchFamily="34" charset="0"/>
+              </a:rPr>
+              <a:t>филтрирането</a:t>
+            </a:r>
+            <a:r>
+              <a:rPr lang="bg-BG" sz="2800" dirty="0">
+                <a:latin typeface="Calibri" panose="020F0502020204030204" pitchFamily="34" charset="0"/>
+                <a:cs typeface="Calibri" panose="020F0502020204030204" pitchFamily="34" charset="0"/>
+              </a:rPr>
+              <a:t> и </a:t>
+            </a:r>
+            <a:r>
+              <a:rPr lang="bg-BG" sz="2800" b="1" dirty="0">
+                <a:latin typeface="Calibri" panose="020F0502020204030204" pitchFamily="34" charset="0"/>
+                <a:cs typeface="Calibri" panose="020F0502020204030204" pitchFamily="34" charset="0"/>
+              </a:rPr>
+              <a:t>сортирането</a:t>
+            </a:r>
+            <a:endParaRPr lang="bg-BG" sz="2800" b="1" dirty="0"/>
+          </a:p>
+          <a:p>
+            <a:endParaRPr lang="en-US" dirty="0"/>
+          </a:p>
+        </p:txBody>
+      </p:sp>
+      <p:sp>
+        <p:nvSpPr>
+          <p:cNvPr id="4" name="Title 3">
+            <a:extLst>
+              <a:ext uri="{FF2B5EF4-FFF2-40B4-BE49-F238E27FC236}">
+                <a16:creationId xmlns:a16="http://schemas.microsoft.com/office/drawing/2014/main" id="{B6A97C9D-5CE3-A2C8-5F4B-D652EEE4A21A}"/>
+              </a:ext>
+            </a:extLst>
+          </p:cNvPr>
+          <p:cNvSpPr>
+            <a:spLocks noGrp="1"/>
+          </p:cNvSpPr>
+          <p:nvPr>
+            <p:ph type="title"/>
+          </p:nvPr>
+        </p:nvSpPr>
+        <p:spPr/>
+        <p:txBody>
+          <a:bodyPr/>
+          <a:lstStyle/>
+          <a:p>
+            <a:r>
+              <a:rPr lang="bg-BG" dirty="0"/>
+              <a:t>Обединяване на сортиране и филтриране</a:t>
+            </a:r>
+            <a:r>
+              <a:rPr lang="en-US" dirty="0"/>
+              <a:t> (1)</a:t>
+            </a:r>
+          </a:p>
+        </p:txBody>
+      </p:sp>
+      <p:sp>
+        <p:nvSpPr>
+          <p:cNvPr id="5" name="Rectangle 4">
+            <a:extLst>
+              <a:ext uri="{FF2B5EF4-FFF2-40B4-BE49-F238E27FC236}">
+                <a16:creationId xmlns:a16="http://schemas.microsoft.com/office/drawing/2014/main" id="{42FF9AC9-A111-15E3-5A5D-22BC36ECE886}"/>
+              </a:ext>
+            </a:extLst>
+          </p:cNvPr>
+          <p:cNvSpPr>
+            <a:spLocks noChangeArrowheads="1"/>
+          </p:cNvSpPr>
+          <p:nvPr/>
+        </p:nvSpPr>
+        <p:spPr bwMode="auto">
+          <a:xfrm>
+            <a:off x="183502" y="2197910"/>
+            <a:ext cx="11557314" cy="4526981"/>
+          </a:xfrm>
+          <a:prstGeom prst="rect">
+            <a:avLst/>
+          </a:prstGeom>
+          <a:solidFill>
+            <a:schemeClr val="accent5">
+              <a:lumMod val="40000"/>
+              <a:lumOff val="60000"/>
+              <a:alpha val="20000"/>
+            </a:schemeClr>
+          </a:solidFill>
+          <a:ln w="12700">
+            <a:solidFill>
+              <a:schemeClr val="accent5">
+                <a:lumMod val="60000"/>
+                <a:lumOff val="40000"/>
+              </a:schemeClr>
+            </a:solidFill>
+          </a:ln>
+        </p:spPr>
+        <p:txBody>
+          <a:bodyPr vert="horz" wrap="square" lIns="144000" tIns="108000" rIns="144000" bIns="108000" rtlCol="0">
+            <a:spAutoFit/>
+          </a:bodyPr>
+          <a:lstStyle/>
+          <a:p>
+            <a:r>
+              <a:rPr lang="en-GB" sz="2000" b="1" dirty="0">
+                <a:latin typeface="Consolas" panose="020B0609020204030204" pitchFamily="49" charset="0"/>
+                <a:cs typeface="Consolas" panose="020B0609020204030204" pitchFamily="49" charset="0"/>
+              </a:rPr>
+              <a:t>private void </a:t>
+            </a:r>
+            <a:r>
+              <a:rPr lang="en-GB" sz="2000" b="1" dirty="0">
+                <a:solidFill>
+                  <a:schemeClr val="bg1"/>
+                </a:solidFill>
+                <a:latin typeface="Consolas" panose="020B0609020204030204" pitchFamily="49" charset="0"/>
+                <a:cs typeface="Consolas" panose="020B0609020204030204" pitchFamily="49" charset="0"/>
+              </a:rPr>
+              <a:t>filterAndSortCountries</a:t>
+            </a:r>
+            <a:r>
+              <a:rPr lang="en-GB" sz="2000" b="1" dirty="0">
+                <a:latin typeface="Consolas" panose="020B0609020204030204" pitchFamily="49" charset="0"/>
+                <a:cs typeface="Consolas" panose="020B0609020204030204" pitchFamily="49" charset="0"/>
+              </a:rPr>
+              <a:t>()</a:t>
+            </a:r>
+          </a:p>
+          <a:p>
+            <a:r>
+              <a:rPr lang="en-GB" sz="2000" b="1" dirty="0">
+                <a:latin typeface="Consolas" panose="020B0609020204030204" pitchFamily="49" charset="0"/>
+                <a:cs typeface="Consolas" panose="020B0609020204030204" pitchFamily="49" charset="0"/>
+              </a:rPr>
+              <a:t>{</a:t>
+            </a:r>
+          </a:p>
+          <a:p>
+            <a:r>
+              <a:rPr lang="en-GB" sz="2000" b="1" dirty="0">
+                <a:latin typeface="Consolas" panose="020B0609020204030204" pitchFamily="49" charset="0"/>
+                <a:cs typeface="Consolas" panose="020B0609020204030204" pitchFamily="49" charset="0"/>
+              </a:rPr>
+              <a:t>    using (var dbContext = new CountriesDbContext())</a:t>
+            </a:r>
+          </a:p>
+          <a:p>
+            <a:r>
+              <a:rPr lang="en-GB" sz="2000" b="1" dirty="0">
+                <a:latin typeface="Consolas" panose="020B0609020204030204" pitchFamily="49" charset="0"/>
+                <a:cs typeface="Consolas" panose="020B0609020204030204" pitchFamily="49" charset="0"/>
+              </a:rPr>
+              <a:t>    {</a:t>
+            </a:r>
+          </a:p>
+          <a:p>
+            <a:r>
+              <a:rPr lang="en-GB" sz="2000" b="1" dirty="0">
+                <a:latin typeface="Consolas" panose="020B0609020204030204" pitchFamily="49" charset="0"/>
+                <a:cs typeface="Consolas" panose="020B0609020204030204" pitchFamily="49" charset="0"/>
+              </a:rPr>
+              <a:t>        </a:t>
+            </a:r>
+            <a:r>
+              <a:rPr lang="en-GB" sz="2000" b="1" dirty="0">
+                <a:solidFill>
+                  <a:schemeClr val="accent2"/>
+                </a:solidFill>
+                <a:latin typeface="Consolas" panose="020B0609020204030204" pitchFamily="49" charset="0"/>
+                <a:cs typeface="Consolas" panose="020B0609020204030204" pitchFamily="49" charset="0"/>
+              </a:rPr>
+              <a:t>// </a:t>
+            </a:r>
+            <a:r>
+              <a:rPr lang="bg-BG" sz="2000" b="1" dirty="0">
+                <a:solidFill>
+                  <a:schemeClr val="accent2"/>
+                </a:solidFill>
+                <a:latin typeface="Consolas" panose="020B0609020204030204" pitchFamily="49" charset="0"/>
+                <a:cs typeface="Consolas" panose="020B0609020204030204" pitchFamily="49" charset="0"/>
+              </a:rPr>
+              <a:t>Взимаме всички държави</a:t>
+            </a:r>
+          </a:p>
+          <a:p>
+            <a:r>
+              <a:rPr lang="bg-BG" sz="2000" b="1" dirty="0">
+                <a:latin typeface="Consolas" panose="020B0609020204030204" pitchFamily="49" charset="0"/>
+                <a:cs typeface="Consolas" panose="020B0609020204030204" pitchFamily="49" charset="0"/>
+              </a:rPr>
+              <a:t>        </a:t>
+            </a:r>
+            <a:r>
+              <a:rPr lang="en-GB" sz="2000" b="1" dirty="0">
+                <a:latin typeface="Consolas" panose="020B0609020204030204" pitchFamily="49" charset="0"/>
+                <a:cs typeface="Consolas" panose="020B0609020204030204" pitchFamily="49" charset="0"/>
+              </a:rPr>
+              <a:t>var </a:t>
+            </a:r>
+            <a:r>
+              <a:rPr lang="en-GB" sz="2000" b="1" dirty="0">
+                <a:solidFill>
+                  <a:schemeClr val="bg1"/>
+                </a:solidFill>
+                <a:latin typeface="Consolas" panose="020B0609020204030204" pitchFamily="49" charset="0"/>
+                <a:cs typeface="Consolas" panose="020B0609020204030204" pitchFamily="49" charset="0"/>
+              </a:rPr>
+              <a:t>countries</a:t>
+            </a:r>
+            <a:r>
+              <a:rPr lang="en-GB" sz="2000" b="1" dirty="0">
+                <a:latin typeface="Consolas" panose="020B0609020204030204" pitchFamily="49" charset="0"/>
+                <a:cs typeface="Consolas" panose="020B0609020204030204" pitchFamily="49" charset="0"/>
+              </a:rPr>
+              <a:t> = dbContext.Countries.ToList();</a:t>
+            </a:r>
+          </a:p>
+          <a:p>
+            <a:r>
+              <a:rPr lang="en-GB" sz="2000" b="1" dirty="0">
+                <a:latin typeface="Consolas" panose="020B0609020204030204" pitchFamily="49" charset="0"/>
+                <a:cs typeface="Consolas" panose="020B0609020204030204" pitchFamily="49" charset="0"/>
+              </a:rPr>
+              <a:t>        var </a:t>
+            </a:r>
+            <a:r>
+              <a:rPr lang="en-GB" sz="2000" b="1" dirty="0">
+                <a:solidFill>
+                  <a:schemeClr val="bg1"/>
+                </a:solidFill>
+                <a:latin typeface="Consolas" panose="020B0609020204030204" pitchFamily="49" charset="0"/>
+                <a:cs typeface="Consolas" panose="020B0609020204030204" pitchFamily="49" charset="0"/>
+              </a:rPr>
+              <a:t>result</a:t>
+            </a:r>
+            <a:r>
+              <a:rPr lang="en-GB" sz="2000" b="1" dirty="0">
+                <a:latin typeface="Consolas" panose="020B0609020204030204" pitchFamily="49" charset="0"/>
+                <a:cs typeface="Consolas" panose="020B0609020204030204" pitchFamily="49" charset="0"/>
+              </a:rPr>
+              <a:t> = countries;</a:t>
+            </a:r>
+          </a:p>
+          <a:p>
+            <a:r>
+              <a:rPr lang="en-GB" sz="2000" b="1" dirty="0">
+                <a:latin typeface="Consolas" panose="020B0609020204030204" pitchFamily="49" charset="0"/>
+                <a:cs typeface="Consolas" panose="020B0609020204030204" pitchFamily="49" charset="0"/>
+              </a:rPr>
+              <a:t>        </a:t>
+            </a:r>
+            <a:r>
+              <a:rPr lang="en-GB" sz="2000" b="1" dirty="0">
+                <a:solidFill>
+                  <a:schemeClr val="accent2"/>
+                </a:solidFill>
+                <a:latin typeface="Consolas" panose="020B0609020204030204" pitchFamily="49" charset="0"/>
+                <a:cs typeface="Consolas" panose="020B0609020204030204" pitchFamily="49" charset="0"/>
+              </a:rPr>
+              <a:t>// </a:t>
+            </a:r>
+            <a:r>
+              <a:rPr lang="bg-BG" sz="2000" b="1" dirty="0">
+                <a:solidFill>
+                  <a:schemeClr val="accent2"/>
+                </a:solidFill>
+                <a:latin typeface="Consolas" panose="020B0609020204030204" pitchFamily="49" charset="0"/>
+                <a:cs typeface="Consolas" panose="020B0609020204030204" pitchFamily="49" charset="0"/>
+              </a:rPr>
+              <a:t>Прилагаме филтъра за име на държава</a:t>
+            </a:r>
+          </a:p>
+          <a:p>
+            <a:r>
+              <a:rPr lang="bg-BG" sz="2000" b="1" dirty="0">
+                <a:latin typeface="Consolas" panose="020B0609020204030204" pitchFamily="49" charset="0"/>
+                <a:cs typeface="Consolas" panose="020B0609020204030204" pitchFamily="49" charset="0"/>
+              </a:rPr>
+              <a:t>        </a:t>
+            </a:r>
+            <a:r>
+              <a:rPr lang="en-GB" sz="2000" b="1" dirty="0">
+                <a:latin typeface="Consolas" panose="020B0609020204030204" pitchFamily="49" charset="0"/>
+                <a:cs typeface="Consolas" panose="020B0609020204030204" pitchFamily="49" charset="0"/>
+              </a:rPr>
+              <a:t>if (this.</a:t>
+            </a:r>
+            <a:r>
+              <a:rPr lang="en-GB" sz="2000" b="1" dirty="0">
+                <a:solidFill>
+                  <a:schemeClr val="bg1"/>
+                </a:solidFill>
+                <a:latin typeface="Consolas" panose="020B0609020204030204" pitchFamily="49" charset="0"/>
+                <a:cs typeface="Consolas" panose="020B0609020204030204" pitchFamily="49" charset="0"/>
+              </a:rPr>
+              <a:t>textBoxFilter</a:t>
+            </a:r>
+            <a:r>
+              <a:rPr lang="en-GB" sz="2000" b="1" dirty="0">
+                <a:latin typeface="Consolas" panose="020B0609020204030204" pitchFamily="49" charset="0"/>
+                <a:cs typeface="Consolas" panose="020B0609020204030204" pitchFamily="49" charset="0"/>
+              </a:rPr>
+              <a:t>.Text != null)</a:t>
+            </a:r>
+          </a:p>
+          <a:p>
+            <a:r>
+              <a:rPr lang="en-GB" sz="2000" b="1" dirty="0">
+                <a:latin typeface="Consolas" panose="020B0609020204030204" pitchFamily="49" charset="0"/>
+                <a:cs typeface="Consolas" panose="020B0609020204030204" pitchFamily="49" charset="0"/>
+              </a:rPr>
+              <a:t>        {</a:t>
+            </a:r>
+          </a:p>
+          <a:p>
+            <a:r>
+              <a:rPr lang="en-GB" sz="2000" b="1" dirty="0">
+                <a:latin typeface="Consolas" panose="020B0609020204030204" pitchFamily="49" charset="0"/>
+                <a:cs typeface="Consolas" panose="020B0609020204030204" pitchFamily="49" charset="0"/>
+              </a:rPr>
+              <a:t>            var filterText = this.textBoxFilter.Text.ToLower();</a:t>
+            </a:r>
+          </a:p>
+          <a:p>
+            <a:r>
+              <a:rPr lang="en-GB" sz="2000" b="1" dirty="0">
+                <a:latin typeface="Consolas" panose="020B0609020204030204" pitchFamily="49" charset="0"/>
+                <a:cs typeface="Consolas" panose="020B0609020204030204" pitchFamily="49" charset="0"/>
+              </a:rPr>
+              <a:t>            result = this.</a:t>
+            </a:r>
+            <a:r>
+              <a:rPr lang="en-GB" sz="2000" b="1" dirty="0">
+                <a:solidFill>
+                  <a:schemeClr val="bg1"/>
+                </a:solidFill>
+                <a:latin typeface="Consolas" panose="020B0609020204030204" pitchFamily="49" charset="0"/>
+                <a:cs typeface="Consolas" panose="020B0609020204030204" pitchFamily="49" charset="0"/>
+              </a:rPr>
+              <a:t>FilterCountries</a:t>
+            </a:r>
+            <a:r>
+              <a:rPr lang="en-GB" sz="2000" b="1" dirty="0">
+                <a:latin typeface="Consolas" panose="020B0609020204030204" pitchFamily="49" charset="0"/>
+                <a:cs typeface="Consolas" panose="020B0609020204030204" pitchFamily="49" charset="0"/>
+              </a:rPr>
+              <a:t>(result, filterText);</a:t>
+            </a:r>
+          </a:p>
+          <a:p>
+            <a:r>
+              <a:rPr lang="en-GB" sz="2000" b="1" dirty="0">
+                <a:latin typeface="Consolas" panose="020B0609020204030204" pitchFamily="49" charset="0"/>
+                <a:cs typeface="Consolas" panose="020B0609020204030204" pitchFamily="49" charset="0"/>
+              </a:rPr>
+              <a:t>        }       </a:t>
+            </a:r>
+          </a:p>
+          <a:p>
+            <a:r>
+              <a:rPr lang="en-US" sz="2000" b="1" dirty="0">
+                <a:latin typeface="Consolas" panose="020B0609020204030204" pitchFamily="49" charset="0"/>
+                <a:cs typeface="Consolas" panose="020B0609020204030204" pitchFamily="49" charset="0"/>
+              </a:rPr>
+              <a:t>...</a:t>
+            </a:r>
+            <a:endParaRPr lang="en-GB" sz="2000" b="1" dirty="0">
+              <a:latin typeface="Consolas" panose="020B0609020204030204" pitchFamily="49" charset="0"/>
+              <a:cs typeface="Consolas" panose="020B0609020204030204" pitchFamily="49" charset="0"/>
+            </a:endParaRPr>
+          </a:p>
+        </p:txBody>
+      </p:sp>
+    </p:spTree>
+    <p:extLst>
+      <p:ext uri="{BB962C8B-B14F-4D97-AF65-F5344CB8AC3E}">
+        <p14:creationId xmlns:p14="http://schemas.microsoft.com/office/powerpoint/2010/main" val="391277340"/>
+      </p:ext>
+    </p:extLst>
+  </p:cSld>
+  <p:clrMapOvr>
+    <a:masterClrMapping/>
+  </p:clrMapOvr>
+  <mc:AlternateContent xmlns:mc="http://schemas.openxmlformats.org/markup-compatibility/2006" xmlns:p14="http://schemas.microsoft.com/office/powerpoint/2010/main">
+    <mc:Choice Requires="p14">
+      <p:transition spd="slow" p14:dur="2000" advClick="0" advTm="5000"/>
+    </mc:Choice>
+    <mc:Fallback xmlns="">
+      <p:transition spd="slow" advClick="0" advTm="5000"/>
+    </mc:Fallback>
+  </mc:AlternateContent>
+</p:sld>
+</file>
+
+<file path=ppt/slides/slide31.xml><?xml version="1.0" encoding="utf-8"?>
+<p:sld xmlns:a="http://schemas.openxmlformats.org/drawingml/2006/main" xmlns:r="http://schemas.openxmlformats.org/officeDocument/2006/relationships" xmlns:p="http://schemas.openxmlformats.org/presentationml/2006/main">
+  <p:cSld>
+    <p:spTree>
+      <p:nvGrpSpPr>
+        <p:cNvPr id="1" name=""/>
+        <p:cNvGrpSpPr/>
+        <p:nvPr/>
+      </p:nvGrpSpPr>
+      <p:grpSpPr>
+        <a:xfrm>
+          <a:off x="0" y="0"/>
+          <a:ext cx="0" cy="0"/>
+          <a:chOff x="0" y="0"/>
+          <a:chExt cx="0" cy="0"/>
+        </a:xfrm>
+      </p:grpSpPr>
+      <p:sp>
+        <p:nvSpPr>
+          <p:cNvPr id="2" name="Slide Number Placeholder 1">
+            <a:extLst>
+              <a:ext uri="{FF2B5EF4-FFF2-40B4-BE49-F238E27FC236}">
+                <a16:creationId xmlns:a16="http://schemas.microsoft.com/office/drawing/2014/main" id="{19F4C4F9-F53D-7EEC-5982-91B898AF1E6C}"/>
+              </a:ext>
+            </a:extLst>
+          </p:cNvPr>
+          <p:cNvSpPr>
+            <a:spLocks noGrp="1"/>
+          </p:cNvSpPr>
+          <p:nvPr>
+            <p:ph type="sldNum" sz="quarter" idx="5"/>
+          </p:nvPr>
+        </p:nvSpPr>
+        <p:spPr/>
+        <p:txBody>
+          <a:bodyPr/>
+          <a:lstStyle/>
+          <a:p>
+            <a:fld id="{2BF067CD-8E6B-4360-9AA8-C5DF2A48A6D1}" type="slidenum">
+              <a:rPr lang="en-US" noProof="0" smtClean="0"/>
+              <a:pPr/>
+              <a:t>31</a:t>
+            </a:fld>
+            <a:endParaRPr lang="en-US" noProof="0" dirty="0"/>
+          </a:p>
+        </p:txBody>
+      </p:sp>
+      <p:sp>
+        <p:nvSpPr>
           <p:cNvPr id="4" name="Title 3">
             <a:extLst>
               <a:ext uri="{FF2B5EF4-FFF2-40B4-BE49-F238E27FC236}">
@@ -20782,18 +21239,18 @@
   <p:clrMapOvr>
     <a:masterClrMapping/>
   </p:clrMapOvr>
-  <mc:AlternateContent xmlns:mc="http://schemas.openxmlformats.org/markup-compatibility/2006">
-    <mc:Choice xmlns:p14="http://schemas.microsoft.com/office/powerpoint/2010/main" Requires="p14">
+  <mc:AlternateContent xmlns:mc="http://schemas.openxmlformats.org/markup-compatibility/2006" xmlns:p14="http://schemas.microsoft.com/office/powerpoint/2010/main">
+    <mc:Choice Requires="p14">
       <p:transition spd="slow" p14:dur="2000" advClick="0" advTm="5000"/>
     </mc:Choice>
-    <mc:Fallback>
+    <mc:Fallback xmlns="">
       <p:transition spd="slow" advClick="0" advTm="5000"/>
     </mc:Fallback>
   </mc:AlternateContent>
 </p:sld>
 </file>
 
-<file path=ppt/slides/slide31.xml><?xml version="1.0" encoding="utf-8"?>
+<file path=ppt/slides/slide32.xml><?xml version="1.0" encoding="utf-8"?>
 <p:sld xmlns:a="http://schemas.openxmlformats.org/drawingml/2006/main" xmlns:r="http://schemas.openxmlformats.org/officeDocument/2006/relationships" xmlns:p="http://schemas.openxmlformats.org/presentationml/2006/main">
   <p:cSld>
     <p:spTree>
@@ -20834,7 +21291,7 @@
             <a:fld id="{2BF067CD-8E6B-4360-9AA8-C5DF2A48A6D1}" type="slidenum">
               <a:rPr lang="en-US" noProof="0" smtClean="0"/>
               <a:pPr/>
-              <a:t>31</a:t>
+              <a:t>32</a:t>
             </a:fld>
             <a:endParaRPr lang="en-US" noProof="0" dirty="0"/>
           </a:p>
@@ -21157,7 +21614,7 @@
 </p:sld>
 </file>
 
-<file path=ppt/slides/slide32.xml><?xml version="1.0" encoding="utf-8"?>
+<file path=ppt/slides/slide33.xml><?xml version="1.0" encoding="utf-8"?>
 <p:sld xmlns:a="http://schemas.openxmlformats.org/drawingml/2006/main" xmlns:r="http://schemas.openxmlformats.org/officeDocument/2006/relationships" xmlns:p="http://schemas.openxmlformats.org/presentationml/2006/main">
   <p:cSld>
     <p:spTree>
@@ -21198,7 +21655,7 @@
             <a:fld id="{2BF067CD-8E6B-4360-9AA8-C5DF2A48A6D1}" type="slidenum">
               <a:rPr lang="en-US" noProof="0" smtClean="0"/>
               <a:pPr/>
-              <a:t>32</a:t>
+              <a:t>33</a:t>
             </a:fld>
             <a:endParaRPr lang="en-US" noProof="0" dirty="0"/>
           </a:p>
@@ -21421,7 +21878,7 @@
 </p:sld>
 </file>
 
-<file path=ppt/slides/slide33.xml><?xml version="1.0" encoding="utf-8"?>
+<file path=ppt/slides/slide34.xml><?xml version="1.0" encoding="utf-8"?>
 <p:sld xmlns:a="http://schemas.openxmlformats.org/drawingml/2006/main" xmlns:r="http://schemas.openxmlformats.org/officeDocument/2006/relationships" xmlns:p="http://schemas.openxmlformats.org/presentationml/2006/main">
   <p:cSld>
     <p:spTree>
@@ -21974,7 +22431,7 @@
             <a:fld id="{2BF067CD-8E6B-4360-9AA8-C5DF2A48A6D1}" type="slidenum">
               <a:rPr lang="en-US" noProof="0" smtClean="0"/>
               <a:pPr/>
-              <a:t>33</a:t>
+              <a:t>34</a:t>
             </a:fld>
             <a:endParaRPr lang="en-US" noProof="0" dirty="0"/>
           </a:p>
@@ -22276,7 +22733,7 @@
 </p:sld>
 </file>
 
-<file path=ppt/slides/slide34.xml><?xml version="1.0" encoding="utf-8"?>
+<file path=ppt/slides/slide35.xml><?xml version="1.0" encoding="utf-8"?>
 <p:sld xmlns:a="http://schemas.openxmlformats.org/drawingml/2006/main" xmlns:r="http://schemas.openxmlformats.org/officeDocument/2006/relationships" xmlns:p="http://schemas.openxmlformats.org/presentationml/2006/main">
   <p:cSld>
     <p:spTree>
@@ -22466,7 +22923,7 @@
 </p:sld>
 </file>
 
-<file path=ppt/slides/slide35.xml><?xml version="1.0" encoding="utf-8"?>
+<file path=ppt/slides/slide36.xml><?xml version="1.0" encoding="utf-8"?>
 <p:sld xmlns:a="http://schemas.openxmlformats.org/drawingml/2006/main" xmlns:r="http://schemas.openxmlformats.org/officeDocument/2006/relationships" xmlns:p="http://schemas.openxmlformats.org/presentationml/2006/main" show="0">
   <p:cSld>
     <p:spTree>
@@ -22519,7 +22976,7 @@
             <a:fld id="{2BF067CD-8E6B-4360-9AA8-C5DF2A48A6D1}" type="slidenum">
               <a:rPr lang="en-US" smtClean="0"/>
               <a:pPr/>
-              <a:t>35</a:t>
+              <a:t>36</a:t>
             </a:fld>
             <a:endParaRPr lang="en-US" dirty="0"/>
           </a:p>

--- a/Courses/Software-Sciences/Module-4-Information-Systems-New/08-Navigation-between-Tables/08-Navigation-between-Tables.pptx
+++ b/Courses/Software-Sciences/Module-4-Information-Systems-New/08-Navigation-between-Tables/08-Navigation-between-Tables.pptx
@@ -5,10 +5,10 @@
     <p:sldMasterId id="2147483675" r:id="rId1"/>
   </p:sldMasterIdLst>
   <p:notesMasterIdLst>
-    <p:notesMasterId r:id="rId38"/>
+    <p:notesMasterId r:id="rId41"/>
   </p:notesMasterIdLst>
   <p:handoutMasterIdLst>
-    <p:handoutMasterId r:id="rId39"/>
+    <p:handoutMasterId r:id="rId42"/>
   </p:handoutMasterIdLst>
   <p:sldIdLst>
     <p:sldId id="503" r:id="rId2"/>
@@ -23,30 +23,33 @@
     <p:sldId id="559" r:id="rId11"/>
     <p:sldId id="762" r:id="rId12"/>
     <p:sldId id="763" r:id="rId13"/>
-    <p:sldId id="765" r:id="rId14"/>
-    <p:sldId id="787" r:id="rId15"/>
-    <p:sldId id="610" r:id="rId16"/>
-    <p:sldId id="751" r:id="rId17"/>
-    <p:sldId id="752" r:id="rId18"/>
-    <p:sldId id="790" r:id="rId19"/>
-    <p:sldId id="649" r:id="rId20"/>
-    <p:sldId id="753" r:id="rId21"/>
-    <p:sldId id="758" r:id="rId22"/>
-    <p:sldId id="785" r:id="rId23"/>
-    <p:sldId id="786" r:id="rId24"/>
-    <p:sldId id="788" r:id="rId25"/>
-    <p:sldId id="757" r:id="rId26"/>
-    <p:sldId id="754" r:id="rId27"/>
-    <p:sldId id="768" r:id="rId28"/>
-    <p:sldId id="755" r:id="rId29"/>
-    <p:sldId id="759" r:id="rId30"/>
-    <p:sldId id="767" r:id="rId31"/>
-    <p:sldId id="789" r:id="rId32"/>
-    <p:sldId id="756" r:id="rId33"/>
-    <p:sldId id="760" r:id="rId34"/>
-    <p:sldId id="633" r:id="rId35"/>
-    <p:sldId id="504" r:id="rId36"/>
-    <p:sldId id="505" r:id="rId37"/>
+    <p:sldId id="791" r:id="rId14"/>
+    <p:sldId id="792" r:id="rId15"/>
+    <p:sldId id="765" r:id="rId16"/>
+    <p:sldId id="787" r:id="rId17"/>
+    <p:sldId id="610" r:id="rId18"/>
+    <p:sldId id="751" r:id="rId19"/>
+    <p:sldId id="752" r:id="rId20"/>
+    <p:sldId id="790" r:id="rId21"/>
+    <p:sldId id="649" r:id="rId22"/>
+    <p:sldId id="753" r:id="rId23"/>
+    <p:sldId id="793" r:id="rId24"/>
+    <p:sldId id="758" r:id="rId25"/>
+    <p:sldId id="785" r:id="rId26"/>
+    <p:sldId id="786" r:id="rId27"/>
+    <p:sldId id="788" r:id="rId28"/>
+    <p:sldId id="757" r:id="rId29"/>
+    <p:sldId id="754" r:id="rId30"/>
+    <p:sldId id="768" r:id="rId31"/>
+    <p:sldId id="755" r:id="rId32"/>
+    <p:sldId id="759" r:id="rId33"/>
+    <p:sldId id="767" r:id="rId34"/>
+    <p:sldId id="789" r:id="rId35"/>
+    <p:sldId id="756" r:id="rId36"/>
+    <p:sldId id="760" r:id="rId37"/>
+    <p:sldId id="633" r:id="rId38"/>
+    <p:sldId id="504" r:id="rId39"/>
+    <p:sldId id="505" r:id="rId40"/>
   </p:sldIdLst>
   <p:sldSz cx="12192000" cy="6858000"/>
   <p:notesSz cx="6858000" cy="9144000"/>
@@ -174,6 +177,8 @@
         <p14:section name="Master-Detail таблици в Windows Forms" id="{CE05E990-244F-4242-AEAC-7E2A28B8BBDF}">
           <p14:sldIdLst>
             <p14:sldId id="763"/>
+            <p14:sldId id="791"/>
+            <p14:sldId id="792"/>
             <p14:sldId id="765"/>
             <p14:sldId id="787"/>
           </p14:sldIdLst>
@@ -190,6 +195,7 @@
           <p14:sldIdLst>
             <p14:sldId id="649"/>
             <p14:sldId id="753"/>
+            <p14:sldId id="793"/>
             <p14:sldId id="758"/>
             <p14:sldId id="785"/>
             <p14:sldId id="786"/>
@@ -348,7 +354,7 @@
           <a:p>
             <a:fld id="{4E087215-0C8F-4762-A664-737A353EC9A4}" type="datetimeFigureOut">
               <a:rPr lang="bg-BG" smtClean="0"/>
-              <a:t>31.12.2024 г.</a:t>
+              <a:t>10.1.2025 г.</a:t>
             </a:fld>
             <a:endParaRPr lang="bg-BG"/>
           </a:p>
@@ -544,7 +550,7 @@
           <a:p>
             <a:fld id="{72D84649-876A-46C9-8472-14CB09C070D8}" type="datetimeFigureOut">
               <a:rPr lang="en-US" smtClean="0"/>
-              <a:t>12/31/2024</a:t>
+              <a:t>10-Jan-25</a:t>
             </a:fld>
             <a:endParaRPr lang="en-US"/>
           </a:p>
@@ -942,20 +948,19 @@
           <a:lstStyle/>
           <a:p>
             <a:r>
-              <a:rPr lang="en-US"/>
+              <a:rPr lang="en-US" dirty="0"/>
               <a:t>© SoftUni – </a:t>
             </a:r>
             <a:r>
-              <a:rPr lang="en-US" u="sng">
+              <a:rPr lang="en-US" u="sng" dirty="0">
                 <a:hlinkClick r:id="rId3"/>
               </a:rPr>
               <a:t>https://softuni.org</a:t>
             </a:r>
             <a:r>
-              <a:rPr lang="en-US"/>
+              <a:rPr lang="en-US" dirty="0"/>
               <a:t>. Copyrighted document. Unauthorized copy or reproduction is not permitted.</a:t>
             </a:r>
-            <a:endParaRPr lang="en-US" dirty="0"/>
           </a:p>
         </p:txBody>
       </p:sp>
@@ -977,7 +982,13 @@
   <p:cSld>
     <p:spTree>
       <p:nvGrpSpPr>
-        <p:cNvPr id="1" name=""/>
+        <p:cNvPr id="1" name="">
+          <a:extLst>
+            <a:ext uri="{FF2B5EF4-FFF2-40B4-BE49-F238E27FC236}">
+              <a16:creationId xmlns:a16="http://schemas.microsoft.com/office/drawing/2014/main" id="{1DEB6C74-2E37-15D4-7884-43CCB47A1A1C}"/>
+            </a:ext>
+          </a:extLst>
+        </p:cNvPr>
         <p:cNvGrpSpPr/>
         <p:nvPr/>
       </p:nvGrpSpPr>
@@ -991,7 +1002,13 @@
       </p:grpSpPr>
       <p:sp>
         <p:nvSpPr>
-          <p:cNvPr id="2" name="Slide Image Placeholder 1"/>
+          <p:cNvPr id="2" name="Slide Image Placeholder 1">
+            <a:extLst>
+              <a:ext uri="{FF2B5EF4-FFF2-40B4-BE49-F238E27FC236}">
+                <a16:creationId xmlns:a16="http://schemas.microsoft.com/office/drawing/2014/main" id="{4BBA69D7-9B30-4087-A628-04CA86C8925F}"/>
+              </a:ext>
+            </a:extLst>
+          </p:cNvPr>
           <p:cNvSpPr>
             <a:spLocks noGrp="1" noRot="1" noChangeAspect="1"/>
           </p:cNvSpPr>
@@ -1003,7 +1020,13 @@
       </p:sp>
       <p:sp>
         <p:nvSpPr>
-          <p:cNvPr id="3" name="Notes Placeholder 2"/>
+          <p:cNvPr id="3" name="Notes Placeholder 2">
+            <a:extLst>
+              <a:ext uri="{FF2B5EF4-FFF2-40B4-BE49-F238E27FC236}">
+                <a16:creationId xmlns:a16="http://schemas.microsoft.com/office/drawing/2014/main" id="{98B9AC31-F56A-B847-FAFA-132F0F33E8F3}"/>
+              </a:ext>
+            </a:extLst>
+          </p:cNvPr>
           <p:cNvSpPr>
             <a:spLocks noGrp="1"/>
           </p:cNvSpPr>
@@ -1022,7 +1045,13 @@
       </p:sp>
       <p:sp>
         <p:nvSpPr>
-          <p:cNvPr id="4" name="Slide Number Placeholder 3"/>
+          <p:cNvPr id="4" name="Slide Number Placeholder 3">
+            <a:extLst>
+              <a:ext uri="{FF2B5EF4-FFF2-40B4-BE49-F238E27FC236}">
+                <a16:creationId xmlns:a16="http://schemas.microsoft.com/office/drawing/2014/main" id="{075D1B0B-BB16-3A66-6555-AA4CDE2E5D29}"/>
+              </a:ext>
+            </a:extLst>
+          </p:cNvPr>
           <p:cNvSpPr>
             <a:spLocks noGrp="1"/>
           </p:cNvSpPr>
@@ -1037,7 +1066,7 @@
           <a:p>
             <a:fld id="{2BF067CD-8E6B-4360-9AA8-C5DF2A48A6D1}" type="slidenum">
               <a:rPr lang="en-US" smtClean="0"/>
-              <a:t>21</a:t>
+              <a:t>23</a:t>
             </a:fld>
             <a:endParaRPr lang="en-US" dirty="0"/>
           </a:p>
@@ -1045,7 +1074,13 @@
       </p:sp>
       <p:sp>
         <p:nvSpPr>
-          <p:cNvPr id="5" name="Footer Placeholder 4"/>
+          <p:cNvPr id="5" name="Footer Placeholder 4">
+            <a:extLst>
+              <a:ext uri="{FF2B5EF4-FFF2-40B4-BE49-F238E27FC236}">
+                <a16:creationId xmlns:a16="http://schemas.microsoft.com/office/drawing/2014/main" id="{87B2DA4F-458F-47D7-6F5E-27652997A548}"/>
+              </a:ext>
+            </a:extLst>
+          </p:cNvPr>
           <p:cNvSpPr>
             <a:spLocks noGrp="1"/>
           </p:cNvSpPr>
@@ -1083,7 +1118,7 @@
     </p:spTree>
     <p:extLst>
       <p:ext uri="{BB962C8B-B14F-4D97-AF65-F5344CB8AC3E}">
-        <p14:creationId xmlns:p14="http://schemas.microsoft.com/office/powerpoint/2010/main" val="3010897597"/>
+        <p14:creationId xmlns:p14="http://schemas.microsoft.com/office/powerpoint/2010/main" val="2184059642"/>
       </p:ext>
     </p:extLst>
   </p:cSld>
@@ -1137,7 +1172,7 @@
           <a:bodyPr/>
           <a:lstStyle/>
           <a:p>
-            <a:endParaRPr lang="en-GB" dirty="0"/>
+            <a:endParaRPr lang="en-BG" dirty="0"/>
           </a:p>
         </p:txBody>
       </p:sp>
@@ -1158,7 +1193,7 @@
           <a:p>
             <a:fld id="{2BF067CD-8E6B-4360-9AA8-C5DF2A48A6D1}" type="slidenum">
               <a:rPr lang="en-US" smtClean="0"/>
-              <a:t>25</a:t>
+              <a:t>24</a:t>
             </a:fld>
             <a:endParaRPr lang="en-US" dirty="0"/>
           </a:p>
@@ -1204,7 +1239,7 @@
     </p:spTree>
     <p:extLst>
       <p:ext uri="{BB962C8B-B14F-4D97-AF65-F5344CB8AC3E}">
-        <p14:creationId xmlns:p14="http://schemas.microsoft.com/office/powerpoint/2010/main" val="1526805865"/>
+        <p14:creationId xmlns:p14="http://schemas.microsoft.com/office/powerpoint/2010/main" val="3010897597"/>
       </p:ext>
     </p:extLst>
   </p:cSld>
@@ -1258,7 +1293,7 @@
           <a:bodyPr/>
           <a:lstStyle/>
           <a:p>
-            <a:endParaRPr lang="en-BG" dirty="0"/>
+            <a:endParaRPr lang="en-GB" dirty="0"/>
           </a:p>
         </p:txBody>
       </p:sp>
@@ -1279,7 +1314,7 @@
           <a:p>
             <a:fld id="{2BF067CD-8E6B-4360-9AA8-C5DF2A48A6D1}" type="slidenum">
               <a:rPr lang="en-US" smtClean="0"/>
-              <a:t>33</a:t>
+              <a:t>28</a:t>
             </a:fld>
             <a:endParaRPr lang="en-US" dirty="0"/>
           </a:p>
@@ -1325,7 +1360,7 @@
     </p:spTree>
     <p:extLst>
       <p:ext uri="{BB962C8B-B14F-4D97-AF65-F5344CB8AC3E}">
-        <p14:creationId xmlns:p14="http://schemas.microsoft.com/office/powerpoint/2010/main" val="296680282"/>
+        <p14:creationId xmlns:p14="http://schemas.microsoft.com/office/powerpoint/2010/main" val="1526805865"/>
       </p:ext>
     </p:extLst>
   </p:cSld>
@@ -1379,135 +1414,28 @@
           <a:bodyPr/>
           <a:lstStyle/>
           <a:p>
-            <a:endParaRPr lang="en-US" dirty="0"/>
+            <a:endParaRPr lang="en-BG" dirty="0"/>
           </a:p>
         </p:txBody>
       </p:sp>
       <p:sp>
         <p:nvSpPr>
-          <p:cNvPr id="7" name="Slide Number Placeholder 5">
-            <a:extLst>
-              <a:ext uri="{FF2B5EF4-FFF2-40B4-BE49-F238E27FC236}">
-                <a16:creationId xmlns:a16="http://schemas.microsoft.com/office/drawing/2014/main" id="{E65F1CA9-65DC-416B-8882-B3A5E415CE67}"/>
-              </a:ext>
-            </a:extLst>
-          </p:cNvPr>
-          <p:cNvSpPr txBox="1">
-            <a:spLocks/>
+          <p:cNvPr id="4" name="Slide Number Placeholder 3"/>
+          <p:cNvSpPr>
+            <a:spLocks noGrp="1"/>
           </p:cNvSpPr>
-          <p:nvPr/>
+          <p:nvPr>
+            <p:ph type="sldNum" sz="quarter" idx="5"/>
+          </p:nvPr>
         </p:nvSpPr>
-        <p:spPr>
-          <a:xfrm>
-            <a:off x="6488999" y="8847000"/>
-            <a:ext cx="367414" cy="297000"/>
-          </a:xfrm>
-          <a:prstGeom prst="rect">
-            <a:avLst/>
-          </a:prstGeom>
-        </p:spPr>
+        <p:spPr/>
         <p:txBody>
-          <a:bodyPr vert="horz" lIns="91440" tIns="45720" rIns="91440" bIns="45720" rtlCol="0" anchor="b"/>
-          <a:lstStyle>
-            <a:defPPr>
-              <a:defRPr lang="en-US"/>
-            </a:defPPr>
-            <a:lvl1pPr marL="0" algn="r" defTabSz="914400" rtl="0" eaLnBrk="1" latinLnBrk="0" hangingPunct="1">
-              <a:defRPr sz="1200" kern="1200">
-                <a:solidFill>
-                  <a:schemeClr val="tx1"/>
-                </a:solidFill>
-                <a:latin typeface="+mn-lt"/>
-                <a:ea typeface="+mn-ea"/>
-                <a:cs typeface="+mn-cs"/>
-              </a:defRPr>
-            </a:lvl1pPr>
-            <a:lvl2pPr marL="457200" algn="l" defTabSz="914400" rtl="0" eaLnBrk="1" latinLnBrk="0" hangingPunct="1">
-              <a:defRPr sz="1800" kern="1200">
-                <a:solidFill>
-                  <a:schemeClr val="tx1"/>
-                </a:solidFill>
-                <a:latin typeface="+mn-lt"/>
-                <a:ea typeface="+mn-ea"/>
-                <a:cs typeface="+mn-cs"/>
-              </a:defRPr>
-            </a:lvl2pPr>
-            <a:lvl3pPr marL="914400" algn="l" defTabSz="914400" rtl="0" eaLnBrk="1" latinLnBrk="0" hangingPunct="1">
-              <a:defRPr sz="1800" kern="1200">
-                <a:solidFill>
-                  <a:schemeClr val="tx1"/>
-                </a:solidFill>
-                <a:latin typeface="+mn-lt"/>
-                <a:ea typeface="+mn-ea"/>
-                <a:cs typeface="+mn-cs"/>
-              </a:defRPr>
-            </a:lvl3pPr>
-            <a:lvl4pPr marL="1371600" algn="l" defTabSz="914400" rtl="0" eaLnBrk="1" latinLnBrk="0" hangingPunct="1">
-              <a:defRPr sz="1800" kern="1200">
-                <a:solidFill>
-                  <a:schemeClr val="tx1"/>
-                </a:solidFill>
-                <a:latin typeface="+mn-lt"/>
-                <a:ea typeface="+mn-ea"/>
-                <a:cs typeface="+mn-cs"/>
-              </a:defRPr>
-            </a:lvl4pPr>
-            <a:lvl5pPr marL="1828800" algn="l" defTabSz="914400" rtl="0" eaLnBrk="1" latinLnBrk="0" hangingPunct="1">
-              <a:defRPr sz="1800" kern="1200">
-                <a:solidFill>
-                  <a:schemeClr val="tx1"/>
-                </a:solidFill>
-                <a:latin typeface="+mn-lt"/>
-                <a:ea typeface="+mn-ea"/>
-                <a:cs typeface="+mn-cs"/>
-              </a:defRPr>
-            </a:lvl5pPr>
-            <a:lvl6pPr marL="2286000" algn="l" defTabSz="914400" rtl="0" eaLnBrk="1" latinLnBrk="0" hangingPunct="1">
-              <a:defRPr sz="1800" kern="1200">
-                <a:solidFill>
-                  <a:schemeClr val="tx1"/>
-                </a:solidFill>
-                <a:latin typeface="+mn-lt"/>
-                <a:ea typeface="+mn-ea"/>
-                <a:cs typeface="+mn-cs"/>
-              </a:defRPr>
-            </a:lvl6pPr>
-            <a:lvl7pPr marL="2743200" algn="l" defTabSz="914400" rtl="0" eaLnBrk="1" latinLnBrk="0" hangingPunct="1">
-              <a:defRPr sz="1800" kern="1200">
-                <a:solidFill>
-                  <a:schemeClr val="tx1"/>
-                </a:solidFill>
-                <a:latin typeface="+mn-lt"/>
-                <a:ea typeface="+mn-ea"/>
-                <a:cs typeface="+mn-cs"/>
-              </a:defRPr>
-            </a:lvl7pPr>
-            <a:lvl8pPr marL="3200400" algn="l" defTabSz="914400" rtl="0" eaLnBrk="1" latinLnBrk="0" hangingPunct="1">
-              <a:defRPr sz="1800" kern="1200">
-                <a:solidFill>
-                  <a:schemeClr val="tx1"/>
-                </a:solidFill>
-                <a:latin typeface="+mn-lt"/>
-                <a:ea typeface="+mn-ea"/>
-                <a:cs typeface="+mn-cs"/>
-              </a:defRPr>
-            </a:lvl8pPr>
-            <a:lvl9pPr marL="3657600" algn="l" defTabSz="914400" rtl="0" eaLnBrk="1" latinLnBrk="0" hangingPunct="1">
-              <a:defRPr sz="1800" kern="1200">
-                <a:solidFill>
-                  <a:schemeClr val="tx1"/>
-                </a:solidFill>
-                <a:latin typeface="+mn-lt"/>
-                <a:ea typeface="+mn-ea"/>
-                <a:cs typeface="+mn-cs"/>
-              </a:defRPr>
-            </a:lvl9pPr>
-          </a:lstStyle>
-          <a:p>
-            <a:fld id="{3EBA5BD7-F043-4D1B-AA17-CD412FC534DE}" type="slidenum">
+          <a:bodyPr/>
+          <a:lstStyle/>
+          <a:p>
+            <a:fld id="{2BF067CD-8E6B-4360-9AA8-C5DF2A48A6D1}" type="slidenum">
               <a:rPr lang="en-US" smtClean="0"/>
-              <a:pPr/>
-              <a:t>34</a:t>
+              <a:t>36</a:t>
             </a:fld>
             <a:endParaRPr lang="en-US" dirty="0"/>
           </a:p>
@@ -1515,13 +1443,7 @@
       </p:sp>
       <p:sp>
         <p:nvSpPr>
-          <p:cNvPr id="5" name="Footer Placeholder 7">
-            <a:extLst>
-              <a:ext uri="{FF2B5EF4-FFF2-40B4-BE49-F238E27FC236}">
-                <a16:creationId xmlns:a16="http://schemas.microsoft.com/office/drawing/2014/main" id="{43FAF785-0C8D-730E-8E59-68198DC82CE0}"/>
-              </a:ext>
-            </a:extLst>
-          </p:cNvPr>
+          <p:cNvPr id="5" name="Footer Placeholder 4"/>
           <p:cNvSpPr>
             <a:spLocks noGrp="1"/>
           </p:cNvSpPr>
@@ -1529,37 +1451,25 @@
             <p:ph type="ftr" sz="quarter" idx="4"/>
           </p:nvPr>
         </p:nvSpPr>
-        <p:spPr>
-          <a:xfrm>
-            <a:off x="-1" y="8892000"/>
-            <a:ext cx="6488999" cy="252000"/>
-          </a:xfrm>
-          <a:prstGeom prst="rect">
-            <a:avLst/>
-          </a:prstGeom>
-        </p:spPr>
+        <p:spPr/>
         <p:txBody>
-          <a:bodyPr vert="horz" lIns="91440" tIns="45720" rIns="91440" bIns="45720" rtlCol="0" anchor="b"/>
-          <a:lstStyle>
-            <a:lvl1pPr algn="l">
-              <a:defRPr sz="1100"/>
-            </a:lvl1pPr>
-          </a:lstStyle>
-          <a:p>
-            <a:r>
-              <a:rPr lang="bg-BG" sz="1100" dirty="0"/>
+          <a:bodyPr/>
+          <a:lstStyle/>
+          <a:p>
+            <a:r>
+              <a:rPr lang="bg-BG" sz="1100"/>
               <a:t>Работна група </a:t>
             </a:r>
             <a:r>
-              <a:rPr lang="bg-BG" dirty="0"/>
+              <a:rPr lang="bg-BG"/>
               <a:t>"Образование по програмиране и ИТ"</a:t>
             </a:r>
             <a:r>
-              <a:rPr lang="bg-BG" sz="1100" dirty="0"/>
+              <a:rPr lang="bg-BG" sz="1100"/>
               <a:t>, с подкрепата на </a:t>
             </a:r>
             <a:r>
-              <a:rPr lang="en-US" sz="1100" dirty="0">
+              <a:rPr lang="en-US" sz="1100">
                 <a:hlinkClick r:id="rId3"/>
               </a:rPr>
               <a:t>SoftUni</a:t>
@@ -1571,7 +1481,7 @@
     </p:spTree>
     <p:extLst>
       <p:ext uri="{BB962C8B-B14F-4D97-AF65-F5344CB8AC3E}">
-        <p14:creationId xmlns:p14="http://schemas.microsoft.com/office/powerpoint/2010/main" val="2689344733"/>
+        <p14:creationId xmlns:p14="http://schemas.microsoft.com/office/powerpoint/2010/main" val="296680282"/>
       </p:ext>
     </p:extLst>
   </p:cSld>
@@ -1634,7 +1544,7 @@
           <p:cNvPr id="7" name="Slide Number Placeholder 5">
             <a:extLst>
               <a:ext uri="{FF2B5EF4-FFF2-40B4-BE49-F238E27FC236}">
-                <a16:creationId xmlns:a16="http://schemas.microsoft.com/office/drawing/2014/main" id="{5049B984-F964-47FF-8179-0A3007CE21CD}"/>
+                <a16:creationId xmlns:a16="http://schemas.microsoft.com/office/drawing/2014/main" id="{E65F1CA9-65DC-416B-8882-B3A5E415CE67}"/>
               </a:ext>
             </a:extLst>
           </p:cNvPr>
@@ -1753,7 +1663,7 @@
             <a:fld id="{3EBA5BD7-F043-4D1B-AA17-CD412FC534DE}" type="slidenum">
               <a:rPr lang="en-US" smtClean="0"/>
               <a:pPr/>
-              <a:t>35</a:t>
+              <a:t>37</a:t>
             </a:fld>
             <a:endParaRPr lang="en-US" dirty="0"/>
           </a:p>
@@ -1761,10 +1671,10 @@
       </p:sp>
       <p:sp>
         <p:nvSpPr>
-          <p:cNvPr id="4" name="Footer Placeholder 3">
+          <p:cNvPr id="5" name="Footer Placeholder 7">
             <a:extLst>
               <a:ext uri="{FF2B5EF4-FFF2-40B4-BE49-F238E27FC236}">
-                <a16:creationId xmlns:a16="http://schemas.microsoft.com/office/drawing/2014/main" id="{8E059BE0-D868-413B-AAA1-1CC88D1F52C5}"/>
+                <a16:creationId xmlns:a16="http://schemas.microsoft.com/office/drawing/2014/main" id="{43FAF785-0C8D-730E-8E59-68198DC82CE0}"/>
               </a:ext>
             </a:extLst>
           </p:cNvPr>
@@ -1775,33 +1685,49 @@
             <p:ph type="ftr" sz="quarter" idx="4"/>
           </p:nvPr>
         </p:nvSpPr>
-        <p:spPr/>
+        <p:spPr>
+          <a:xfrm>
+            <a:off x="-1" y="8892000"/>
+            <a:ext cx="6488999" cy="252000"/>
+          </a:xfrm>
+          <a:prstGeom prst="rect">
+            <a:avLst/>
+          </a:prstGeom>
+        </p:spPr>
         <p:txBody>
-          <a:bodyPr/>
-          <a:lstStyle/>
-          <a:p>
-            <a:r>
-              <a:rPr lang="en-US"/>
-              <a:t>© SoftUni – </a:t>
-            </a:r>
-            <a:r>
-              <a:rPr lang="en-US" u="sng">
+          <a:bodyPr vert="horz" lIns="91440" tIns="45720" rIns="91440" bIns="45720" rtlCol="0" anchor="b"/>
+          <a:lstStyle>
+            <a:lvl1pPr algn="l">
+              <a:defRPr sz="1100"/>
+            </a:lvl1pPr>
+          </a:lstStyle>
+          <a:p>
+            <a:r>
+              <a:rPr lang="bg-BG" sz="1100" dirty="0"/>
+              <a:t>Работна група </a:t>
+            </a:r>
+            <a:r>
+              <a:rPr lang="bg-BG" dirty="0"/>
+              <a:t>"Образование по програмиране и ИТ"</a:t>
+            </a:r>
+            <a:r>
+              <a:rPr lang="bg-BG" sz="1100" dirty="0"/>
+              <a:t>, с подкрепата на </a:t>
+            </a:r>
+            <a:r>
+              <a:rPr lang="en-US" sz="1100" dirty="0">
                 <a:hlinkClick r:id="rId3"/>
               </a:rPr>
-              <a:t>https://softuni.org</a:t>
-            </a:r>
-            <a:r>
-              <a:rPr lang="en-US"/>
-              <a:t>. Copyrighted document. Unauthorized copy or reproduction is not permitted.</a:t>
-            </a:r>
-            <a:endParaRPr lang="en-US" dirty="0"/>
+              <a:t>SoftUni</a:t>
+            </a:r>
+            <a:endParaRPr lang="en-US" sz="1100" dirty="0"/>
           </a:p>
         </p:txBody>
       </p:sp>
     </p:spTree>
     <p:extLst>
       <p:ext uri="{BB962C8B-B14F-4D97-AF65-F5344CB8AC3E}">
-        <p14:creationId xmlns:p14="http://schemas.microsoft.com/office/powerpoint/2010/main" val="3466590374"/>
+        <p14:creationId xmlns:p14="http://schemas.microsoft.com/office/powerpoint/2010/main" val="2689344733"/>
       </p:ext>
     </p:extLst>
   </p:cSld>
@@ -1855,6 +1781,236 @@
           <a:bodyPr/>
           <a:lstStyle/>
           <a:p>
+            <a:endParaRPr lang="en-US" dirty="0"/>
+          </a:p>
+        </p:txBody>
+      </p:sp>
+      <p:sp>
+        <p:nvSpPr>
+          <p:cNvPr id="7" name="Slide Number Placeholder 5">
+            <a:extLst>
+              <a:ext uri="{FF2B5EF4-FFF2-40B4-BE49-F238E27FC236}">
+                <a16:creationId xmlns:a16="http://schemas.microsoft.com/office/drawing/2014/main" id="{5049B984-F964-47FF-8179-0A3007CE21CD}"/>
+              </a:ext>
+            </a:extLst>
+          </p:cNvPr>
+          <p:cNvSpPr txBox="1">
+            <a:spLocks/>
+          </p:cNvSpPr>
+          <p:nvPr/>
+        </p:nvSpPr>
+        <p:spPr>
+          <a:xfrm>
+            <a:off x="6488999" y="8847000"/>
+            <a:ext cx="367414" cy="297000"/>
+          </a:xfrm>
+          <a:prstGeom prst="rect">
+            <a:avLst/>
+          </a:prstGeom>
+        </p:spPr>
+        <p:txBody>
+          <a:bodyPr vert="horz" lIns="91440" tIns="45720" rIns="91440" bIns="45720" rtlCol="0" anchor="b"/>
+          <a:lstStyle>
+            <a:defPPr>
+              <a:defRPr lang="en-US"/>
+            </a:defPPr>
+            <a:lvl1pPr marL="0" algn="r" defTabSz="914400" rtl="0" eaLnBrk="1" latinLnBrk="0" hangingPunct="1">
+              <a:defRPr sz="1200" kern="1200">
+                <a:solidFill>
+                  <a:schemeClr val="tx1"/>
+                </a:solidFill>
+                <a:latin typeface="+mn-lt"/>
+                <a:ea typeface="+mn-ea"/>
+                <a:cs typeface="+mn-cs"/>
+              </a:defRPr>
+            </a:lvl1pPr>
+            <a:lvl2pPr marL="457200" algn="l" defTabSz="914400" rtl="0" eaLnBrk="1" latinLnBrk="0" hangingPunct="1">
+              <a:defRPr sz="1800" kern="1200">
+                <a:solidFill>
+                  <a:schemeClr val="tx1"/>
+                </a:solidFill>
+                <a:latin typeface="+mn-lt"/>
+                <a:ea typeface="+mn-ea"/>
+                <a:cs typeface="+mn-cs"/>
+              </a:defRPr>
+            </a:lvl2pPr>
+            <a:lvl3pPr marL="914400" algn="l" defTabSz="914400" rtl="0" eaLnBrk="1" latinLnBrk="0" hangingPunct="1">
+              <a:defRPr sz="1800" kern="1200">
+                <a:solidFill>
+                  <a:schemeClr val="tx1"/>
+                </a:solidFill>
+                <a:latin typeface="+mn-lt"/>
+                <a:ea typeface="+mn-ea"/>
+                <a:cs typeface="+mn-cs"/>
+              </a:defRPr>
+            </a:lvl3pPr>
+            <a:lvl4pPr marL="1371600" algn="l" defTabSz="914400" rtl="0" eaLnBrk="1" latinLnBrk="0" hangingPunct="1">
+              <a:defRPr sz="1800" kern="1200">
+                <a:solidFill>
+                  <a:schemeClr val="tx1"/>
+                </a:solidFill>
+                <a:latin typeface="+mn-lt"/>
+                <a:ea typeface="+mn-ea"/>
+                <a:cs typeface="+mn-cs"/>
+              </a:defRPr>
+            </a:lvl4pPr>
+            <a:lvl5pPr marL="1828800" algn="l" defTabSz="914400" rtl="0" eaLnBrk="1" latinLnBrk="0" hangingPunct="1">
+              <a:defRPr sz="1800" kern="1200">
+                <a:solidFill>
+                  <a:schemeClr val="tx1"/>
+                </a:solidFill>
+                <a:latin typeface="+mn-lt"/>
+                <a:ea typeface="+mn-ea"/>
+                <a:cs typeface="+mn-cs"/>
+              </a:defRPr>
+            </a:lvl5pPr>
+            <a:lvl6pPr marL="2286000" algn="l" defTabSz="914400" rtl="0" eaLnBrk="1" latinLnBrk="0" hangingPunct="1">
+              <a:defRPr sz="1800" kern="1200">
+                <a:solidFill>
+                  <a:schemeClr val="tx1"/>
+                </a:solidFill>
+                <a:latin typeface="+mn-lt"/>
+                <a:ea typeface="+mn-ea"/>
+                <a:cs typeface="+mn-cs"/>
+              </a:defRPr>
+            </a:lvl6pPr>
+            <a:lvl7pPr marL="2743200" algn="l" defTabSz="914400" rtl="0" eaLnBrk="1" latinLnBrk="0" hangingPunct="1">
+              <a:defRPr sz="1800" kern="1200">
+                <a:solidFill>
+                  <a:schemeClr val="tx1"/>
+                </a:solidFill>
+                <a:latin typeface="+mn-lt"/>
+                <a:ea typeface="+mn-ea"/>
+                <a:cs typeface="+mn-cs"/>
+              </a:defRPr>
+            </a:lvl7pPr>
+            <a:lvl8pPr marL="3200400" algn="l" defTabSz="914400" rtl="0" eaLnBrk="1" latinLnBrk="0" hangingPunct="1">
+              <a:defRPr sz="1800" kern="1200">
+                <a:solidFill>
+                  <a:schemeClr val="tx1"/>
+                </a:solidFill>
+                <a:latin typeface="+mn-lt"/>
+                <a:ea typeface="+mn-ea"/>
+                <a:cs typeface="+mn-cs"/>
+              </a:defRPr>
+            </a:lvl8pPr>
+            <a:lvl9pPr marL="3657600" algn="l" defTabSz="914400" rtl="0" eaLnBrk="1" latinLnBrk="0" hangingPunct="1">
+              <a:defRPr sz="1800" kern="1200">
+                <a:solidFill>
+                  <a:schemeClr val="tx1"/>
+                </a:solidFill>
+                <a:latin typeface="+mn-lt"/>
+                <a:ea typeface="+mn-ea"/>
+                <a:cs typeface="+mn-cs"/>
+              </a:defRPr>
+            </a:lvl9pPr>
+          </a:lstStyle>
+          <a:p>
+            <a:fld id="{3EBA5BD7-F043-4D1B-AA17-CD412FC534DE}" type="slidenum">
+              <a:rPr lang="en-US" smtClean="0"/>
+              <a:pPr/>
+              <a:t>38</a:t>
+            </a:fld>
+            <a:endParaRPr lang="en-US" dirty="0"/>
+          </a:p>
+        </p:txBody>
+      </p:sp>
+      <p:sp>
+        <p:nvSpPr>
+          <p:cNvPr id="4" name="Footer Placeholder 3">
+            <a:extLst>
+              <a:ext uri="{FF2B5EF4-FFF2-40B4-BE49-F238E27FC236}">
+                <a16:creationId xmlns:a16="http://schemas.microsoft.com/office/drawing/2014/main" id="{8E059BE0-D868-413B-AAA1-1CC88D1F52C5}"/>
+              </a:ext>
+            </a:extLst>
+          </p:cNvPr>
+          <p:cNvSpPr>
+            <a:spLocks noGrp="1"/>
+          </p:cNvSpPr>
+          <p:nvPr>
+            <p:ph type="ftr" sz="quarter" idx="4"/>
+          </p:nvPr>
+        </p:nvSpPr>
+        <p:spPr/>
+        <p:txBody>
+          <a:bodyPr/>
+          <a:lstStyle/>
+          <a:p>
+            <a:r>
+              <a:rPr lang="en-US"/>
+              <a:t>© SoftUni – </a:t>
+            </a:r>
+            <a:r>
+              <a:rPr lang="en-US" u="sng">
+                <a:hlinkClick r:id="rId3"/>
+              </a:rPr>
+              <a:t>https://softuni.org</a:t>
+            </a:r>
+            <a:r>
+              <a:rPr lang="en-US"/>
+              <a:t>. Copyrighted document. Unauthorized copy or reproduction is not permitted.</a:t>
+            </a:r>
+            <a:endParaRPr lang="en-US" dirty="0"/>
+          </a:p>
+        </p:txBody>
+      </p:sp>
+    </p:spTree>
+    <p:extLst>
+      <p:ext uri="{BB962C8B-B14F-4D97-AF65-F5344CB8AC3E}">
+        <p14:creationId xmlns:p14="http://schemas.microsoft.com/office/powerpoint/2010/main" val="3466590374"/>
+      </p:ext>
+    </p:extLst>
+  </p:cSld>
+  <p:clrMapOvr>
+    <a:masterClrMapping/>
+  </p:clrMapOvr>
+</p:notes>
+</file>
+
+<file path=ppt/notesSlides/notesSlide16.xml><?xml version="1.0" encoding="utf-8"?>
+<p:notes xmlns:a="http://schemas.openxmlformats.org/drawingml/2006/main" xmlns:r="http://schemas.openxmlformats.org/officeDocument/2006/relationships" xmlns:p="http://schemas.openxmlformats.org/presentationml/2006/main">
+  <p:cSld>
+    <p:spTree>
+      <p:nvGrpSpPr>
+        <p:cNvPr id="1" name=""/>
+        <p:cNvGrpSpPr/>
+        <p:nvPr/>
+      </p:nvGrpSpPr>
+      <p:grpSpPr>
+        <a:xfrm>
+          <a:off x="0" y="0"/>
+          <a:ext cx="0" cy="0"/>
+          <a:chOff x="0" y="0"/>
+          <a:chExt cx="0" cy="0"/>
+        </a:xfrm>
+      </p:grpSpPr>
+      <p:sp>
+        <p:nvSpPr>
+          <p:cNvPr id="2" name="Slide Image Placeholder 1"/>
+          <p:cNvSpPr>
+            <a:spLocks noGrp="1" noRot="1" noChangeAspect="1"/>
+          </p:cNvSpPr>
+          <p:nvPr>
+            <p:ph type="sldImg"/>
+          </p:nvPr>
+        </p:nvSpPr>
+        <p:spPr/>
+      </p:sp>
+      <p:sp>
+        <p:nvSpPr>
+          <p:cNvPr id="3" name="Notes Placeholder 2"/>
+          <p:cNvSpPr>
+            <a:spLocks noGrp="1"/>
+          </p:cNvSpPr>
+          <p:nvPr>
+            <p:ph type="body" idx="1"/>
+          </p:nvPr>
+        </p:nvSpPr>
+        <p:spPr/>
+        <p:txBody>
+          <a:bodyPr/>
+          <a:lstStyle/>
+          <a:p>
             <a:endParaRPr lang="en-US"/>
           </a:p>
         </p:txBody>
@@ -1983,7 +2139,7 @@
             <a:fld id="{3EBA5BD7-F043-4D1B-AA17-CD412FC534DE}" type="slidenum">
               <a:rPr lang="en-US" smtClean="0"/>
               <a:pPr/>
-              <a:t>36</a:t>
+              <a:t>39</a:t>
             </a:fld>
             <a:endParaRPr lang="en-US" dirty="0"/>
           </a:p>
@@ -3038,7 +3194,7 @@
           <a:p>
             <a:fld id="{2BF067CD-8E6B-4360-9AA8-C5DF2A48A6D1}" type="slidenum">
               <a:rPr lang="en-US" smtClean="0"/>
-              <a:t>13</a:t>
+              <a:t>15</a:t>
             </a:fld>
             <a:endParaRPr lang="en-US" dirty="0"/>
           </a:p>
@@ -3159,7 +3315,7 @@
           <a:p>
             <a:fld id="{2BF067CD-8E6B-4360-9AA8-C5DF2A48A6D1}" type="slidenum">
               <a:rPr lang="en-US" smtClean="0"/>
-              <a:t>14</a:t>
+              <a:t>16</a:t>
             </a:fld>
             <a:endParaRPr lang="en-US" dirty="0"/>
           </a:p>
@@ -3387,7 +3543,7 @@
             <a:fld id="{3EBA5BD7-F043-4D1B-AA17-CD412FC534DE}" type="slidenum">
               <a:rPr lang="en-US" smtClean="0"/>
               <a:pPr/>
-              <a:t>15</a:t>
+              <a:t>17</a:t>
             </a:fld>
             <a:endParaRPr lang="en-US" dirty="0"/>
           </a:p>
@@ -3617,7 +3773,7 @@
             <a:fld id="{3EBA5BD7-F043-4D1B-AA17-CD412FC534DE}" type="slidenum">
               <a:rPr lang="en-US" smtClean="0"/>
               <a:pPr/>
-              <a:t>19</a:t>
+              <a:t>21</a:t>
             </a:fld>
             <a:endParaRPr lang="en-US" dirty="0"/>
           </a:p>
@@ -9176,16 +9332,13 @@
           <a:p>
             <a:r>
               <a:rPr lang="en-US" dirty="0"/>
-              <a:t>One-to-Many: </a:t>
+              <a:t>Many-to-One:</a:t>
             </a:r>
             <a:r>
               <a:rPr lang="bg-BG" dirty="0"/>
-              <a:t>Имплементация</a:t>
-            </a:r>
-            <a:r>
-              <a:rPr lang="en-US" dirty="0"/>
-              <a:t> (2)</a:t>
-            </a:r>
+              <a:t> Имплементация</a:t>
+            </a:r>
+            <a:endParaRPr lang="en-US" dirty="0"/>
           </a:p>
         </p:txBody>
       </p:sp>
@@ -10394,6 +10547,1254 @@
           <p:cNvPr id="2" name="Slide Number Placeholder 1">
             <a:extLst>
               <a:ext uri="{FF2B5EF4-FFF2-40B4-BE49-F238E27FC236}">
+                <a16:creationId xmlns:a16="http://schemas.microsoft.com/office/drawing/2014/main" id="{894E4CD8-DA52-BFFE-D728-45B300CA2E6B}"/>
+              </a:ext>
+            </a:extLst>
+          </p:cNvPr>
+          <p:cNvSpPr>
+            <a:spLocks noGrp="1"/>
+          </p:cNvSpPr>
+          <p:nvPr>
+            <p:ph type="sldNum" sz="quarter" idx="5"/>
+          </p:nvPr>
+        </p:nvSpPr>
+        <p:spPr/>
+        <p:txBody>
+          <a:bodyPr/>
+          <a:lstStyle/>
+          <a:p>
+            <a:fld id="{2BF067CD-8E6B-4360-9AA8-C5DF2A48A6D1}" type="slidenum">
+              <a:rPr lang="en-US" noProof="0" smtClean="0"/>
+              <a:pPr/>
+              <a:t>13</a:t>
+            </a:fld>
+            <a:endParaRPr lang="en-US" noProof="0" dirty="0"/>
+          </a:p>
+        </p:txBody>
+      </p:sp>
+      <p:sp>
+        <p:nvSpPr>
+          <p:cNvPr id="3" name="Text Placeholder 2">
+            <a:extLst>
+              <a:ext uri="{FF2B5EF4-FFF2-40B4-BE49-F238E27FC236}">
+                <a16:creationId xmlns:a16="http://schemas.microsoft.com/office/drawing/2014/main" id="{C9856A09-9D7B-0761-97EC-89AB28568EBE}"/>
+              </a:ext>
+            </a:extLst>
+          </p:cNvPr>
+          <p:cNvSpPr>
+            <a:spLocks noGrp="1"/>
+          </p:cNvSpPr>
+          <p:nvPr>
+            <p:ph type="body" sz="quarter" idx="10"/>
+          </p:nvPr>
+        </p:nvSpPr>
+        <p:spPr/>
+        <p:txBody>
+          <a:bodyPr/>
+          <a:lstStyle/>
+          <a:p>
+            <a:r>
+              <a:rPr lang="bg-BG" dirty="0"/>
+              <a:t>Имаме две таблици в БД с </a:t>
+            </a:r>
+            <a:r>
+              <a:rPr lang="en-US" dirty="0"/>
+              <a:t>one-to-many </a:t>
+            </a:r>
+            <a:r>
+              <a:rPr lang="bg-BG" dirty="0"/>
+              <a:t>връзка:</a:t>
+            </a:r>
+          </a:p>
+          <a:p>
+            <a:pPr lvl="1"/>
+            <a:r>
+              <a:rPr lang="en-US" b="1" dirty="0">
+                <a:solidFill>
+                  <a:schemeClr val="bg1"/>
+                </a:solidFill>
+              </a:rPr>
+              <a:t>Countries </a:t>
+            </a:r>
+            <a:r>
+              <a:rPr lang="en-US" b="1" dirty="0"/>
+              <a:t>(Id,</a:t>
+            </a:r>
+            <a:r>
+              <a:rPr lang="en-US" dirty="0"/>
+              <a:t> </a:t>
+            </a:r>
+            <a:r>
+              <a:rPr lang="en-US" b="1" dirty="0"/>
+              <a:t>Name)</a:t>
+            </a:r>
+          </a:p>
+          <a:p>
+            <a:pPr lvl="1"/>
+            <a:r>
+              <a:rPr lang="en-US" b="1" dirty="0">
+                <a:solidFill>
+                  <a:schemeClr val="bg1"/>
+                </a:solidFill>
+              </a:rPr>
+              <a:t>Towns </a:t>
+            </a:r>
+            <a:r>
+              <a:rPr lang="en-US" b="1" dirty="0"/>
+              <a:t>(Id</a:t>
+            </a:r>
+            <a:r>
+              <a:rPr lang="en-US" dirty="0"/>
+              <a:t>, </a:t>
+            </a:r>
+            <a:r>
+              <a:rPr lang="en-US" b="1" dirty="0"/>
+              <a:t>Name</a:t>
+            </a:r>
+            <a:r>
+              <a:rPr lang="en-US" dirty="0"/>
+              <a:t>, </a:t>
+            </a:r>
+            <a:r>
+              <a:rPr lang="en-US" b="1" dirty="0" err="1"/>
+              <a:t>CountryId</a:t>
+            </a:r>
+            <a:r>
+              <a:rPr lang="en-US" b="1" dirty="0"/>
+              <a:t>)</a:t>
+            </a:r>
+            <a:endParaRPr lang="en-US" dirty="0"/>
+          </a:p>
+          <a:p>
+            <a:r>
+              <a:rPr lang="bg-BG" dirty="0"/>
+              <a:t>За тях имаме генерирани два </a:t>
+            </a:r>
+            <a:r>
+              <a:rPr lang="en-US" dirty="0"/>
+              <a:t>C# </a:t>
+            </a:r>
+            <a:r>
+              <a:rPr lang="bg-BG" dirty="0"/>
+              <a:t>клас в приложението:</a:t>
+            </a:r>
+          </a:p>
+          <a:p>
+            <a:pPr lvl="1"/>
+            <a:r>
+              <a:rPr lang="en-US" b="1" noProof="1">
+                <a:solidFill>
+                  <a:schemeClr val="bg1"/>
+                </a:solidFill>
+              </a:rPr>
+              <a:t>Country</a:t>
+            </a:r>
+            <a:r>
+              <a:rPr lang="en-US" b="1" dirty="0">
+                <a:solidFill>
+                  <a:schemeClr val="bg1"/>
+                </a:solidFill>
+              </a:rPr>
+              <a:t>.cs </a:t>
+            </a:r>
+            <a:r>
+              <a:rPr lang="en-US" dirty="0"/>
+              <a:t>(</a:t>
+            </a:r>
+            <a:r>
+              <a:rPr lang="bg-BG" dirty="0"/>
+              <a:t>с </a:t>
+            </a:r>
+            <a:r>
+              <a:rPr lang="en-US" dirty="0"/>
+              <a:t>properties </a:t>
+            </a:r>
+            <a:r>
+              <a:rPr lang="en-US" b="1" dirty="0"/>
+              <a:t>Id</a:t>
+            </a:r>
+            <a:r>
+              <a:rPr lang="en-US" dirty="0"/>
+              <a:t>, </a:t>
+            </a:r>
+            <a:r>
+              <a:rPr lang="en-US" b="1" dirty="0"/>
+              <a:t>Name</a:t>
+            </a:r>
+            <a:r>
+              <a:rPr lang="en-US" dirty="0"/>
+              <a:t>, </a:t>
+            </a:r>
+            <a:r>
+              <a:rPr lang="en-US" b="1" dirty="0"/>
+              <a:t>Towns[]</a:t>
+            </a:r>
+            <a:r>
+              <a:rPr lang="en-US" dirty="0"/>
+              <a:t>)</a:t>
+            </a:r>
+          </a:p>
+          <a:p>
+            <a:pPr lvl="1"/>
+            <a:r>
+              <a:rPr lang="en-US" b="1" noProof="1">
+                <a:solidFill>
+                  <a:schemeClr val="bg1"/>
+                </a:solidFill>
+              </a:rPr>
+              <a:t>Town.cs</a:t>
+            </a:r>
+            <a:r>
+              <a:rPr lang="en-US" b="1" dirty="0">
+                <a:solidFill>
+                  <a:schemeClr val="bg1"/>
+                </a:solidFill>
+              </a:rPr>
+              <a:t> </a:t>
+            </a:r>
+            <a:r>
+              <a:rPr lang="en-US" dirty="0"/>
+              <a:t>(</a:t>
+            </a:r>
+            <a:r>
+              <a:rPr lang="bg-BG" dirty="0"/>
+              <a:t>с </a:t>
+            </a:r>
+            <a:r>
+              <a:rPr lang="en-US" dirty="0"/>
+              <a:t>properties </a:t>
+            </a:r>
+            <a:r>
+              <a:rPr lang="en-US" b="1" dirty="0"/>
+              <a:t>Id</a:t>
+            </a:r>
+            <a:r>
+              <a:rPr lang="en-US" dirty="0"/>
+              <a:t>, </a:t>
+            </a:r>
+            <a:r>
+              <a:rPr lang="en-US" b="1" dirty="0"/>
+              <a:t>Name</a:t>
+            </a:r>
+            <a:r>
+              <a:rPr lang="en-US" dirty="0"/>
+              <a:t>, </a:t>
+            </a:r>
+            <a:r>
+              <a:rPr lang="en-US" b="1" dirty="0"/>
+              <a:t>Country</a:t>
+            </a:r>
+            <a:r>
+              <a:rPr lang="en-US" dirty="0"/>
+              <a:t>)</a:t>
+            </a:r>
+          </a:p>
+          <a:p>
+            <a:r>
+              <a:rPr lang="bg-BG" dirty="0"/>
+              <a:t>Имаме две </a:t>
+            </a:r>
+            <a:r>
+              <a:rPr lang="en-US" b="1" noProof="1">
+                <a:latin typeface="Consolas" panose="020B0609020204030204" pitchFamily="49" charset="0"/>
+              </a:rPr>
+              <a:t>DataGridView</a:t>
+            </a:r>
+            <a:r>
+              <a:rPr lang="en-US" dirty="0"/>
+              <a:t> </a:t>
+            </a:r>
+            <a:r>
+              <a:rPr lang="bg-BG" dirty="0"/>
+              <a:t>контроли в </a:t>
+            </a:r>
+            <a:r>
+              <a:rPr lang="en-US" dirty="0"/>
+              <a:t>Windows</a:t>
+            </a:r>
+          </a:p>
+          <a:p>
+            <a:pPr lvl="1"/>
+            <a:r>
+              <a:rPr lang="en-US" sz="3200" b="1" noProof="1">
+                <a:solidFill>
+                  <a:schemeClr val="bg1"/>
+                </a:solidFill>
+                <a:latin typeface="Consolas" panose="020B0609020204030204" pitchFamily="49" charset="0"/>
+              </a:rPr>
+              <a:t>dataGridViewCountries</a:t>
+            </a:r>
+            <a:r>
+              <a:rPr lang="en-US" dirty="0"/>
+              <a:t>, </a:t>
+            </a:r>
+            <a:r>
+              <a:rPr lang="en-US" sz="3200" b="1" noProof="1">
+                <a:solidFill>
+                  <a:schemeClr val="bg1"/>
+                </a:solidFill>
+                <a:latin typeface="Consolas" panose="020B0609020204030204" pitchFamily="49" charset="0"/>
+              </a:rPr>
+              <a:t>dataGridViewTowns</a:t>
+            </a:r>
+            <a:endParaRPr lang="en-US" noProof="1"/>
+          </a:p>
+        </p:txBody>
+      </p:sp>
+      <p:sp>
+        <p:nvSpPr>
+          <p:cNvPr id="4" name="Title 3">
+            <a:extLst>
+              <a:ext uri="{FF2B5EF4-FFF2-40B4-BE49-F238E27FC236}">
+                <a16:creationId xmlns:a16="http://schemas.microsoft.com/office/drawing/2014/main" id="{3B8C3926-C10C-7920-AA7F-150C6F9CA5AD}"/>
+              </a:ext>
+            </a:extLst>
+          </p:cNvPr>
+          <p:cNvSpPr>
+            <a:spLocks noGrp="1"/>
+          </p:cNvSpPr>
+          <p:nvPr>
+            <p:ph type="title"/>
+          </p:nvPr>
+        </p:nvSpPr>
+        <p:spPr/>
+        <p:txBody>
+          <a:bodyPr/>
+          <a:lstStyle/>
+          <a:p>
+            <a:r>
+              <a:rPr lang="en-US" sz="4000" dirty="0"/>
+              <a:t>Master-Detail</a:t>
+            </a:r>
+            <a:r>
+              <a:rPr lang="bg-BG" sz="4000" dirty="0"/>
+              <a:t> таблици в </a:t>
+            </a:r>
+            <a:r>
+              <a:rPr lang="en-US" sz="4000" dirty="0"/>
+              <a:t>Windows Forms</a:t>
+            </a:r>
+            <a:endParaRPr lang="en-US" dirty="0"/>
+          </a:p>
+        </p:txBody>
+      </p:sp>
+    </p:spTree>
+    <p:extLst>
+      <p:ext uri="{BB962C8B-B14F-4D97-AF65-F5344CB8AC3E}">
+        <p14:creationId xmlns:p14="http://schemas.microsoft.com/office/powerpoint/2010/main" val="3959742623"/>
+      </p:ext>
+    </p:extLst>
+  </p:cSld>
+  <p:clrMapOvr>
+    <a:masterClrMapping/>
+  </p:clrMapOvr>
+  <mc:AlternateContent xmlns:mc="http://schemas.openxmlformats.org/markup-compatibility/2006" xmlns:p14="http://schemas.microsoft.com/office/powerpoint/2010/main">
+    <mc:Choice Requires="p14">
+      <p:transition spd="slow" p14:dur="2000" advClick="0" advTm="5000"/>
+    </mc:Choice>
+    <mc:Fallback xmlns="">
+      <p:transition spd="slow" advClick="0" advTm="5000"/>
+    </mc:Fallback>
+  </mc:AlternateContent>
+  <p:timing>
+    <p:tnLst>
+      <p:par>
+        <p:cTn id="1" dur="indefinite" restart="never" nodeType="tmRoot">
+          <p:childTnLst>
+            <p:seq concurrent="1" nextAc="seek">
+              <p:cTn id="2" dur="indefinite" nodeType="mainSeq">
+                <p:childTnLst>
+                  <p:par>
+                    <p:cTn id="3" fill="hold">
+                      <p:stCondLst>
+                        <p:cond delay="indefinite"/>
+                      </p:stCondLst>
+                      <p:childTnLst>
+                        <p:par>
+                          <p:cTn id="4" fill="hold">
+                            <p:stCondLst>
+                              <p:cond delay="0"/>
+                            </p:stCondLst>
+                            <p:childTnLst>
+                              <p:par>
+                                <p:cTn id="5" presetID="1" presetClass="entr" presetSubtype="0" fill="hold" nodeType="clickEffect">
+                                  <p:stCondLst>
+                                    <p:cond delay="0"/>
+                                  </p:stCondLst>
+                                  <p:childTnLst>
+                                    <p:set>
+                                      <p:cBhvr>
+                                        <p:cTn id="6" dur="1" fill="hold">
+                                          <p:stCondLst>
+                                            <p:cond delay="0"/>
+                                          </p:stCondLst>
+                                        </p:cTn>
+                                        <p:tgtEl>
+                                          <p:spTgt spid="3">
+                                            <p:txEl>
+                                              <p:pRg st="3" end="3"/>
+                                            </p:txEl>
+                                          </p:spTgt>
+                                        </p:tgtEl>
+                                        <p:attrNameLst>
+                                          <p:attrName>style.visibility</p:attrName>
+                                        </p:attrNameLst>
+                                      </p:cBhvr>
+                                      <p:to>
+                                        <p:strVal val="visible"/>
+                                      </p:to>
+                                    </p:set>
+                                  </p:childTnLst>
+                                </p:cTn>
+                              </p:par>
+                              <p:par>
+                                <p:cTn id="7" presetID="1" presetClass="entr" presetSubtype="0" fill="hold" nodeType="withEffect">
+                                  <p:stCondLst>
+                                    <p:cond delay="0"/>
+                                  </p:stCondLst>
+                                  <p:childTnLst>
+                                    <p:set>
+                                      <p:cBhvr>
+                                        <p:cTn id="8" dur="1" fill="hold">
+                                          <p:stCondLst>
+                                            <p:cond delay="0"/>
+                                          </p:stCondLst>
+                                        </p:cTn>
+                                        <p:tgtEl>
+                                          <p:spTgt spid="3">
+                                            <p:txEl>
+                                              <p:pRg st="4" end="4"/>
+                                            </p:txEl>
+                                          </p:spTgt>
+                                        </p:tgtEl>
+                                        <p:attrNameLst>
+                                          <p:attrName>style.visibility</p:attrName>
+                                        </p:attrNameLst>
+                                      </p:cBhvr>
+                                      <p:to>
+                                        <p:strVal val="visible"/>
+                                      </p:to>
+                                    </p:set>
+                                  </p:childTnLst>
+                                </p:cTn>
+                              </p:par>
+                              <p:par>
+                                <p:cTn id="9" presetID="1" presetClass="entr" presetSubtype="0" fill="hold" nodeType="withEffect">
+                                  <p:stCondLst>
+                                    <p:cond delay="0"/>
+                                  </p:stCondLst>
+                                  <p:childTnLst>
+                                    <p:set>
+                                      <p:cBhvr>
+                                        <p:cTn id="10" dur="1" fill="hold">
+                                          <p:stCondLst>
+                                            <p:cond delay="0"/>
+                                          </p:stCondLst>
+                                        </p:cTn>
+                                        <p:tgtEl>
+                                          <p:spTgt spid="3">
+                                            <p:txEl>
+                                              <p:pRg st="5" end="5"/>
+                                            </p:txEl>
+                                          </p:spTgt>
+                                        </p:tgtEl>
+                                        <p:attrNameLst>
+                                          <p:attrName>style.visibility</p:attrName>
+                                        </p:attrNameLst>
+                                      </p:cBhvr>
+                                      <p:to>
+                                        <p:strVal val="visible"/>
+                                      </p:to>
+                                    </p:set>
+                                  </p:childTnLst>
+                                </p:cTn>
+                              </p:par>
+                            </p:childTnLst>
+                          </p:cTn>
+                        </p:par>
+                      </p:childTnLst>
+                    </p:cTn>
+                  </p:par>
+                  <p:par>
+                    <p:cTn id="11" fill="hold">
+                      <p:stCondLst>
+                        <p:cond delay="indefinite"/>
+                      </p:stCondLst>
+                      <p:childTnLst>
+                        <p:par>
+                          <p:cTn id="12" fill="hold">
+                            <p:stCondLst>
+                              <p:cond delay="0"/>
+                            </p:stCondLst>
+                            <p:childTnLst>
+                              <p:par>
+                                <p:cTn id="13" presetID="1" presetClass="entr" presetSubtype="0" fill="hold" nodeType="clickEffect">
+                                  <p:stCondLst>
+                                    <p:cond delay="0"/>
+                                  </p:stCondLst>
+                                  <p:childTnLst>
+                                    <p:set>
+                                      <p:cBhvr>
+                                        <p:cTn id="14" dur="1" fill="hold">
+                                          <p:stCondLst>
+                                            <p:cond delay="0"/>
+                                          </p:stCondLst>
+                                        </p:cTn>
+                                        <p:tgtEl>
+                                          <p:spTgt spid="3">
+                                            <p:txEl>
+                                              <p:pRg st="6" end="6"/>
+                                            </p:txEl>
+                                          </p:spTgt>
+                                        </p:tgtEl>
+                                        <p:attrNameLst>
+                                          <p:attrName>style.visibility</p:attrName>
+                                        </p:attrNameLst>
+                                      </p:cBhvr>
+                                      <p:to>
+                                        <p:strVal val="visible"/>
+                                      </p:to>
+                                    </p:set>
+                                  </p:childTnLst>
+                                </p:cTn>
+                              </p:par>
+                              <p:par>
+                                <p:cTn id="15" presetID="1" presetClass="entr" presetSubtype="0" fill="hold" nodeType="withEffect">
+                                  <p:stCondLst>
+                                    <p:cond delay="0"/>
+                                  </p:stCondLst>
+                                  <p:childTnLst>
+                                    <p:set>
+                                      <p:cBhvr>
+                                        <p:cTn id="16" dur="1" fill="hold">
+                                          <p:stCondLst>
+                                            <p:cond delay="0"/>
+                                          </p:stCondLst>
+                                        </p:cTn>
+                                        <p:tgtEl>
+                                          <p:spTgt spid="3">
+                                            <p:txEl>
+                                              <p:pRg st="7" end="7"/>
+                                            </p:txEl>
+                                          </p:spTgt>
+                                        </p:tgtEl>
+                                        <p:attrNameLst>
+                                          <p:attrName>style.visibility</p:attrName>
+                                        </p:attrNameLst>
+                                      </p:cBhvr>
+                                      <p:to>
+                                        <p:strVal val="visible"/>
+                                      </p:to>
+                                    </p:set>
+                                  </p:childTnLst>
+                                </p:cTn>
+                              </p:par>
+                            </p:childTnLst>
+                          </p:cTn>
+                        </p:par>
+                      </p:childTnLst>
+                    </p:cTn>
+                  </p:par>
+                </p:childTnLst>
+              </p:cTn>
+              <p:prevCondLst>
+                <p:cond evt="onPrev" delay="0">
+                  <p:tgtEl>
+                    <p:sldTgt/>
+                  </p:tgtEl>
+                </p:cond>
+              </p:prevCondLst>
+              <p:nextCondLst>
+                <p:cond evt="onNext" delay="0">
+                  <p:tgtEl>
+                    <p:sldTgt/>
+                  </p:tgtEl>
+                </p:cond>
+              </p:nextCondLst>
+            </p:seq>
+          </p:childTnLst>
+        </p:cTn>
+      </p:par>
+    </p:tnLst>
+  </p:timing>
+</p:sld>
+</file>
+
+<file path=ppt/slides/slide14.xml><?xml version="1.0" encoding="utf-8"?>
+<p:sld xmlns:a="http://schemas.openxmlformats.org/drawingml/2006/main" xmlns:r="http://schemas.openxmlformats.org/officeDocument/2006/relationships" xmlns:p="http://schemas.openxmlformats.org/presentationml/2006/main">
+  <p:cSld>
+    <p:spTree>
+      <p:nvGrpSpPr>
+        <p:cNvPr id="1" name="">
+          <a:extLst>
+            <a:ext uri="{FF2B5EF4-FFF2-40B4-BE49-F238E27FC236}">
+              <a16:creationId xmlns:a16="http://schemas.microsoft.com/office/drawing/2014/main" id="{49498852-3618-6B61-81BD-56CF5C5DADC3}"/>
+            </a:ext>
+          </a:extLst>
+        </p:cNvPr>
+        <p:cNvGrpSpPr/>
+        <p:nvPr/>
+      </p:nvGrpSpPr>
+      <p:grpSpPr>
+        <a:xfrm>
+          <a:off x="0" y="0"/>
+          <a:ext cx="0" cy="0"/>
+          <a:chOff x="0" y="0"/>
+          <a:chExt cx="0" cy="0"/>
+        </a:xfrm>
+      </p:grpSpPr>
+      <p:sp>
+        <p:nvSpPr>
+          <p:cNvPr id="2" name="Slide Number Placeholder 1">
+            <a:extLst>
+              <a:ext uri="{FF2B5EF4-FFF2-40B4-BE49-F238E27FC236}">
+                <a16:creationId xmlns:a16="http://schemas.microsoft.com/office/drawing/2014/main" id="{6952594E-4D84-4677-B5DB-3B81F0EC9FEB}"/>
+              </a:ext>
+            </a:extLst>
+          </p:cNvPr>
+          <p:cNvSpPr>
+            <a:spLocks noGrp="1"/>
+          </p:cNvSpPr>
+          <p:nvPr>
+            <p:ph type="sldNum" sz="quarter" idx="5"/>
+          </p:nvPr>
+        </p:nvSpPr>
+        <p:spPr/>
+        <p:txBody>
+          <a:bodyPr/>
+          <a:lstStyle/>
+          <a:p>
+            <a:fld id="{2BF067CD-8E6B-4360-9AA8-C5DF2A48A6D1}" type="slidenum">
+              <a:rPr lang="en-US" noProof="0" smtClean="0"/>
+              <a:pPr/>
+              <a:t>14</a:t>
+            </a:fld>
+            <a:endParaRPr lang="en-US" noProof="0" dirty="0"/>
+          </a:p>
+        </p:txBody>
+      </p:sp>
+      <p:sp>
+        <p:nvSpPr>
+          <p:cNvPr id="3" name="Text Placeholder 2">
+            <a:extLst>
+              <a:ext uri="{FF2B5EF4-FFF2-40B4-BE49-F238E27FC236}">
+                <a16:creationId xmlns:a16="http://schemas.microsoft.com/office/drawing/2014/main" id="{DEBBDB48-C85E-2065-7431-73BCF5EA48E8}"/>
+              </a:ext>
+            </a:extLst>
+          </p:cNvPr>
+          <p:cNvSpPr>
+            <a:spLocks noGrp="1"/>
+          </p:cNvSpPr>
+          <p:nvPr>
+            <p:ph type="body" sz="quarter" idx="10"/>
+          </p:nvPr>
+        </p:nvSpPr>
+        <p:spPr/>
+        <p:txBody>
+          <a:bodyPr/>
+          <a:lstStyle/>
+          <a:p>
+            <a:r>
+              <a:rPr lang="bg-BG" dirty="0"/>
+              <a:t>Имаме генерирани </a:t>
+            </a:r>
+            <a:r>
+              <a:rPr lang="en-US" b="1" dirty="0"/>
+              <a:t>Binding Source </a:t>
+            </a:r>
+            <a:r>
+              <a:rPr lang="bg-BG" dirty="0"/>
+              <a:t>за двете две </a:t>
+            </a:r>
+            <a:r>
+              <a:rPr lang="en-US" b="1" noProof="1">
+                <a:latin typeface="Consolas" panose="020B0609020204030204" pitchFamily="49" charset="0"/>
+              </a:rPr>
+              <a:t>DataGridView</a:t>
+            </a:r>
+            <a:r>
+              <a:rPr lang="en-US" dirty="0"/>
+              <a:t> </a:t>
+            </a:r>
+            <a:r>
+              <a:rPr lang="bg-BG" dirty="0"/>
+              <a:t>контроли:</a:t>
+            </a:r>
+            <a:endParaRPr lang="en-US" dirty="0"/>
+          </a:p>
+          <a:p>
+            <a:pPr lvl="1"/>
+            <a:r>
+              <a:rPr lang="en-US" sz="3200" b="1" noProof="1">
+                <a:solidFill>
+                  <a:schemeClr val="bg1"/>
+                </a:solidFill>
+                <a:latin typeface="Consolas" pitchFamily="49" charset="0"/>
+                <a:cs typeface="Consolas" pitchFamily="49" charset="0"/>
+              </a:rPr>
+              <a:t>countryBindingSource</a:t>
+            </a:r>
+            <a:endParaRPr lang="bg-BG" sz="3200" b="1" noProof="1">
+              <a:solidFill>
+                <a:schemeClr val="bg1"/>
+              </a:solidFill>
+              <a:latin typeface="Consolas" panose="020B0609020204030204" pitchFamily="49" charset="0"/>
+            </a:endParaRPr>
+          </a:p>
+          <a:p>
+            <a:pPr lvl="1"/>
+            <a:r>
+              <a:rPr lang="en-US" sz="3200" b="1" noProof="1">
+                <a:solidFill>
+                  <a:schemeClr val="bg1"/>
+                </a:solidFill>
+                <a:latin typeface="Consolas" pitchFamily="49" charset="0"/>
+                <a:cs typeface="Consolas" pitchFamily="49" charset="0"/>
+              </a:rPr>
+              <a:t>townBindingSource</a:t>
+            </a:r>
+            <a:endParaRPr lang="en-US" noProof="1"/>
+          </a:p>
+        </p:txBody>
+      </p:sp>
+      <p:sp>
+        <p:nvSpPr>
+          <p:cNvPr id="4" name="Title 3">
+            <a:extLst>
+              <a:ext uri="{FF2B5EF4-FFF2-40B4-BE49-F238E27FC236}">
+                <a16:creationId xmlns:a16="http://schemas.microsoft.com/office/drawing/2014/main" id="{23057C9C-D3E7-CF29-2297-609D37D9026A}"/>
+              </a:ext>
+            </a:extLst>
+          </p:cNvPr>
+          <p:cNvSpPr>
+            <a:spLocks noGrp="1"/>
+          </p:cNvSpPr>
+          <p:nvPr>
+            <p:ph type="title"/>
+          </p:nvPr>
+        </p:nvSpPr>
+        <p:spPr/>
+        <p:txBody>
+          <a:bodyPr/>
+          <a:lstStyle/>
+          <a:p>
+            <a:r>
+              <a:rPr lang="en-US" sz="4000" dirty="0"/>
+              <a:t>Master-Detail</a:t>
+            </a:r>
+            <a:r>
+              <a:rPr lang="bg-BG" sz="4000" dirty="0"/>
+              <a:t> таблици в </a:t>
+            </a:r>
+            <a:r>
+              <a:rPr lang="en-US" sz="4000" dirty="0"/>
+              <a:t>Windows Forms</a:t>
+            </a:r>
+            <a:endParaRPr lang="en-US" dirty="0"/>
+          </a:p>
+        </p:txBody>
+      </p:sp>
+      <p:sp>
+        <p:nvSpPr>
+          <p:cNvPr id="5" name="Rectangle: Rounded Corners 4">
+            <a:extLst>
+              <a:ext uri="{FF2B5EF4-FFF2-40B4-BE49-F238E27FC236}">
+                <a16:creationId xmlns:a16="http://schemas.microsoft.com/office/drawing/2014/main" id="{D6319997-E8BD-9AF5-7DF4-A08D82D91D4E}"/>
+              </a:ext>
+            </a:extLst>
+          </p:cNvPr>
+          <p:cNvSpPr/>
+          <p:nvPr/>
+        </p:nvSpPr>
+        <p:spPr bwMode="auto">
+          <a:xfrm>
+            <a:off x="6726000" y="1989000"/>
+            <a:ext cx="4680000" cy="4518000"/>
+          </a:xfrm>
+          <a:prstGeom prst="roundRect">
+            <a:avLst>
+              <a:gd name="adj" fmla="val 4573"/>
+            </a:avLst>
+          </a:prstGeom>
+          <a:solidFill>
+            <a:schemeClr val="dk2">
+              <a:alpha val="80000"/>
+            </a:schemeClr>
+          </a:solidFill>
+          <a:ln w="19050">
+            <a:solidFill>
+              <a:schemeClr val="tx1">
+                <a:lumMod val="75000"/>
+                <a:alpha val="80000"/>
+              </a:schemeClr>
+            </a:solidFill>
+          </a:ln>
+          <a:effectLst/>
+        </p:spPr>
+        <p:style>
+          <a:lnRef idx="2">
+            <a:schemeClr val="accent1">
+              <a:shade val="50000"/>
+            </a:schemeClr>
+          </a:lnRef>
+          <a:fillRef idx="1001">
+            <a:schemeClr val="dk2"/>
+          </a:fillRef>
+          <a:effectRef idx="0">
+            <a:schemeClr val="accent1"/>
+          </a:effectRef>
+          <a:fontRef idx="minor">
+            <a:schemeClr val="lt1"/>
+          </a:fontRef>
+        </p:style>
+        <p:txBody>
+          <a:bodyPr rot="0" spcFirstLastPara="0" vertOverflow="overflow" horzOverflow="overflow" vert="horz" wrap="square" lIns="91440" tIns="45720" rIns="91440" bIns="45720" numCol="1" spcCol="0" rtlCol="0" fromWordArt="0" anchor="ctr" anchorCtr="0" forceAA="0" compatLnSpc="1">
+            <a:prstTxWarp prst="textNoShape">
+              <a:avLst/>
+            </a:prstTxWarp>
+            <a:noAutofit/>
+          </a:bodyPr>
+          <a:lstStyle/>
+          <a:p>
+            <a:pPr algn="ctr"/>
+            <a:r>
+              <a:rPr lang="en-US" sz="2800" b="1" dirty="0">
+                <a:solidFill>
+                  <a:srgbClr val="FFFFFF"/>
+                </a:solidFill>
+                <a:effectLst>
+                  <a:outerShdw blurRad="38100" dist="38100" dir="2700000" algn="tl">
+                    <a:srgbClr val="000000">
+                      <a:alpha val="43137"/>
+                    </a:srgbClr>
+                  </a:outerShdw>
+                </a:effectLst>
+              </a:rPr>
+              <a:t>TODO: </a:t>
+            </a:r>
+            <a:r>
+              <a:rPr lang="bg-BG" sz="2800" b="1" dirty="0">
+                <a:solidFill>
+                  <a:srgbClr val="FFFFFF"/>
+                </a:solidFill>
+                <a:effectLst>
+                  <a:outerShdw blurRad="38100" dist="38100" dir="2700000" algn="tl">
+                    <a:srgbClr val="000000">
+                      <a:alpha val="43137"/>
+                    </a:srgbClr>
+                  </a:outerShdw>
+                </a:effectLst>
+              </a:rPr>
+              <a:t>подходящ </a:t>
+            </a:r>
+            <a:r>
+              <a:rPr lang="en-US" sz="2800" b="1" dirty="0">
+                <a:solidFill>
+                  <a:srgbClr val="FFFFFF"/>
+                </a:solidFill>
+                <a:effectLst>
+                  <a:outerShdw blurRad="38100" dist="38100" dir="2700000" algn="tl">
+                    <a:srgbClr val="000000">
+                      <a:alpha val="43137"/>
+                    </a:srgbClr>
+                  </a:outerShdw>
+                </a:effectLst>
+              </a:rPr>
+              <a:t>screenshot, </a:t>
+            </a:r>
+            <a:r>
+              <a:rPr lang="bg-BG" sz="2800" b="1" dirty="0">
+                <a:solidFill>
+                  <a:srgbClr val="FFFFFF"/>
+                </a:solidFill>
+                <a:effectLst>
+                  <a:outerShdw blurRad="38100" dist="38100" dir="2700000" algn="tl">
+                    <a:srgbClr val="000000">
+                      <a:alpha val="43137"/>
+                    </a:srgbClr>
+                  </a:outerShdw>
+                </a:effectLst>
+              </a:rPr>
+              <a:t> на който се виждат:</a:t>
+            </a:r>
+            <a:br>
+              <a:rPr lang="bg-BG" sz="2800" b="1" dirty="0">
+                <a:solidFill>
+                  <a:srgbClr val="FFFFFF"/>
+                </a:solidFill>
+                <a:effectLst>
+                  <a:outerShdw blurRad="38100" dist="38100" dir="2700000" algn="tl">
+                    <a:srgbClr val="000000">
+                      <a:alpha val="43137"/>
+                    </a:srgbClr>
+                  </a:outerShdw>
+                </a:effectLst>
+              </a:rPr>
+            </a:br>
+            <a:r>
+              <a:rPr lang="bg-BG" sz="2800" b="1" dirty="0">
+                <a:solidFill>
+                  <a:srgbClr val="FFFFFF"/>
+                </a:solidFill>
+                <a:effectLst>
+                  <a:outerShdw blurRad="38100" dist="38100" dir="2700000" algn="tl">
+                    <a:srgbClr val="000000">
+                      <a:alpha val="43137"/>
+                    </a:srgbClr>
+                  </a:outerShdw>
+                </a:effectLst>
+              </a:rPr>
+              <a:t>1) </a:t>
+            </a:r>
+            <a:r>
+              <a:rPr lang="en-US" sz="2800" b="1" dirty="0" err="1">
+                <a:solidFill>
+                  <a:srgbClr val="FFFFFF"/>
+                </a:solidFill>
+                <a:effectLst>
+                  <a:outerShdw blurRad="38100" dist="38100" dir="2700000" algn="tl">
+                    <a:srgbClr val="000000">
+                      <a:alpha val="43137"/>
+                    </a:srgbClr>
+                  </a:outerShdw>
+                </a:effectLst>
+              </a:rPr>
+              <a:t>Town.cs</a:t>
+            </a:r>
+            <a:endParaRPr lang="en-US" sz="2800" b="1" dirty="0">
+              <a:solidFill>
+                <a:srgbClr val="FFFFFF"/>
+              </a:solidFill>
+              <a:effectLst>
+                <a:outerShdw blurRad="38100" dist="38100" dir="2700000" algn="tl">
+                  <a:srgbClr val="000000">
+                    <a:alpha val="43137"/>
+                  </a:srgbClr>
+                </a:outerShdw>
+              </a:effectLst>
+            </a:endParaRPr>
+          </a:p>
+          <a:p>
+            <a:pPr algn="ctr"/>
+            <a:r>
+              <a:rPr lang="en-US" sz="2800" b="1" dirty="0">
+                <a:solidFill>
+                  <a:srgbClr val="FFFFFF"/>
+                </a:solidFill>
+                <a:effectLst>
+                  <a:outerShdw blurRad="38100" dist="38100" dir="2700000" algn="tl">
+                    <a:srgbClr val="000000">
+                      <a:alpha val="43137"/>
+                    </a:srgbClr>
+                  </a:outerShdw>
+                </a:effectLst>
+              </a:rPr>
+              <a:t>2) </a:t>
+            </a:r>
+            <a:r>
+              <a:rPr lang="en-US" sz="2800" b="1" dirty="0" err="1">
+                <a:solidFill>
+                  <a:srgbClr val="FFFFFF"/>
+                </a:solidFill>
+                <a:effectLst>
+                  <a:outerShdw blurRad="38100" dist="38100" dir="2700000" algn="tl">
+                    <a:srgbClr val="000000">
+                      <a:alpha val="43137"/>
+                    </a:srgbClr>
+                  </a:outerShdw>
+                </a:effectLst>
+              </a:rPr>
+              <a:t>Country.cs</a:t>
+            </a:r>
+            <a:endParaRPr lang="en-US" sz="2800" b="1" dirty="0">
+              <a:solidFill>
+                <a:srgbClr val="FFFFFF"/>
+              </a:solidFill>
+              <a:effectLst>
+                <a:outerShdw blurRad="38100" dist="38100" dir="2700000" algn="tl">
+                  <a:srgbClr val="000000">
+                    <a:alpha val="43137"/>
+                  </a:srgbClr>
+                </a:outerShdw>
+              </a:effectLst>
+            </a:endParaRPr>
+          </a:p>
+          <a:p>
+            <a:pPr algn="ctr"/>
+            <a:r>
+              <a:rPr lang="en-US" sz="2800" b="1" dirty="0">
+                <a:solidFill>
+                  <a:srgbClr val="FFFFFF"/>
+                </a:solidFill>
+                <a:effectLst>
+                  <a:outerShdw blurRad="38100" dist="38100" dir="2700000" algn="tl">
+                    <a:srgbClr val="000000">
+                      <a:alpha val="43137"/>
+                    </a:srgbClr>
+                  </a:outerShdw>
+                </a:effectLst>
+              </a:rPr>
+              <a:t>3) </a:t>
+            </a:r>
+            <a:r>
+              <a:rPr lang="en-US" sz="2800" b="1" dirty="0" err="1">
+                <a:solidFill>
+                  <a:srgbClr val="FFFFFF"/>
+                </a:solidFill>
+                <a:effectLst>
+                  <a:outerShdw blurRad="38100" dist="38100" dir="2700000" algn="tl">
+                    <a:srgbClr val="000000">
+                      <a:alpha val="43137"/>
+                    </a:srgbClr>
+                  </a:outerShdw>
+                </a:effectLst>
+              </a:rPr>
+              <a:t>countryBindingSource</a:t>
+            </a:r>
+            <a:endParaRPr lang="en-US" sz="2800" b="1" dirty="0">
+              <a:solidFill>
+                <a:srgbClr val="FFFFFF"/>
+              </a:solidFill>
+              <a:effectLst>
+                <a:outerShdw blurRad="38100" dist="38100" dir="2700000" algn="tl">
+                  <a:srgbClr val="000000">
+                    <a:alpha val="43137"/>
+                  </a:srgbClr>
+                </a:outerShdw>
+              </a:effectLst>
+            </a:endParaRPr>
+          </a:p>
+          <a:p>
+            <a:pPr algn="ctr"/>
+            <a:r>
+              <a:rPr lang="en-US" sz="2800" b="1" dirty="0">
+                <a:solidFill>
+                  <a:srgbClr val="FFFFFF"/>
+                </a:solidFill>
+                <a:effectLst>
+                  <a:outerShdw blurRad="38100" dist="38100" dir="2700000" algn="tl">
+                    <a:srgbClr val="000000">
+                      <a:alpha val="43137"/>
+                    </a:srgbClr>
+                  </a:outerShdw>
+                </a:effectLst>
+              </a:rPr>
+              <a:t>4) </a:t>
+            </a:r>
+            <a:r>
+              <a:rPr lang="en-US" sz="2800" b="1" dirty="0" err="1">
+                <a:solidFill>
+                  <a:srgbClr val="FFFFFF"/>
+                </a:solidFill>
+                <a:effectLst>
+                  <a:outerShdw blurRad="38100" dist="38100" dir="2700000" algn="tl">
+                    <a:srgbClr val="000000">
+                      <a:alpha val="43137"/>
+                    </a:srgbClr>
+                  </a:outerShdw>
+                </a:effectLst>
+              </a:rPr>
+              <a:t>townBindingSource</a:t>
+            </a:r>
+            <a:endParaRPr lang="en-US" sz="2800" b="1" dirty="0">
+              <a:solidFill>
+                <a:srgbClr val="FFFFFF"/>
+              </a:solidFill>
+              <a:effectLst>
+                <a:outerShdw blurRad="38100" dist="38100" dir="2700000" algn="tl">
+                  <a:srgbClr val="000000">
+                    <a:alpha val="43137"/>
+                  </a:srgbClr>
+                </a:outerShdw>
+              </a:effectLst>
+            </a:endParaRPr>
+          </a:p>
+        </p:txBody>
+      </p:sp>
+    </p:spTree>
+    <p:extLst>
+      <p:ext uri="{BB962C8B-B14F-4D97-AF65-F5344CB8AC3E}">
+        <p14:creationId xmlns:p14="http://schemas.microsoft.com/office/powerpoint/2010/main" val="3960295007"/>
+      </p:ext>
+    </p:extLst>
+  </p:cSld>
+  <p:clrMapOvr>
+    <a:masterClrMapping/>
+  </p:clrMapOvr>
+  <mc:AlternateContent xmlns:mc="http://schemas.openxmlformats.org/markup-compatibility/2006" xmlns:p14="http://schemas.microsoft.com/office/powerpoint/2010/main">
+    <mc:Choice Requires="p14">
+      <p:transition spd="slow" p14:dur="2000" advClick="0" advTm="5000"/>
+    </mc:Choice>
+    <mc:Fallback xmlns="">
+      <p:transition spd="slow" advClick="0" advTm="5000"/>
+    </mc:Fallback>
+  </mc:AlternateContent>
+  <p:timing>
+    <p:tnLst>
+      <p:par>
+        <p:cTn id="1" dur="indefinite" restart="never" nodeType="tmRoot">
+          <p:childTnLst>
+            <p:seq concurrent="1" nextAc="seek">
+              <p:cTn id="2" dur="indefinite" nodeType="mainSeq">
+                <p:childTnLst>
+                  <p:par>
+                    <p:cTn id="3" fill="hold">
+                      <p:stCondLst>
+                        <p:cond delay="indefinite"/>
+                      </p:stCondLst>
+                      <p:childTnLst>
+                        <p:par>
+                          <p:cTn id="4" fill="hold">
+                            <p:stCondLst>
+                              <p:cond delay="0"/>
+                            </p:stCondLst>
+                            <p:childTnLst>
+                              <p:par>
+                                <p:cTn id="5" presetID="1" presetClass="entr" presetSubtype="0" fill="hold" nodeType="clickEffect">
+                                  <p:stCondLst>
+                                    <p:cond delay="0"/>
+                                  </p:stCondLst>
+                                  <p:childTnLst>
+                                    <p:set>
+                                      <p:cBhvr>
+                                        <p:cTn id="6" dur="1" fill="hold">
+                                          <p:stCondLst>
+                                            <p:cond delay="0"/>
+                                          </p:stCondLst>
+                                        </p:cTn>
+                                        <p:tgtEl>
+                                          <p:spTgt spid="3">
+                                            <p:txEl>
+                                              <p:pRg st="0" end="0"/>
+                                            </p:txEl>
+                                          </p:spTgt>
+                                        </p:tgtEl>
+                                        <p:attrNameLst>
+                                          <p:attrName>style.visibility</p:attrName>
+                                        </p:attrNameLst>
+                                      </p:cBhvr>
+                                      <p:to>
+                                        <p:strVal val="visible"/>
+                                      </p:to>
+                                    </p:set>
+                                  </p:childTnLst>
+                                </p:cTn>
+                              </p:par>
+                              <p:par>
+                                <p:cTn id="7" presetID="1" presetClass="entr" presetSubtype="0" fill="hold" nodeType="withEffect">
+                                  <p:stCondLst>
+                                    <p:cond delay="0"/>
+                                  </p:stCondLst>
+                                  <p:childTnLst>
+                                    <p:set>
+                                      <p:cBhvr>
+                                        <p:cTn id="8" dur="1" fill="hold">
+                                          <p:stCondLst>
+                                            <p:cond delay="0"/>
+                                          </p:stCondLst>
+                                        </p:cTn>
+                                        <p:tgtEl>
+                                          <p:spTgt spid="3">
+                                            <p:txEl>
+                                              <p:pRg st="1" end="1"/>
+                                            </p:txEl>
+                                          </p:spTgt>
+                                        </p:tgtEl>
+                                        <p:attrNameLst>
+                                          <p:attrName>style.visibility</p:attrName>
+                                        </p:attrNameLst>
+                                      </p:cBhvr>
+                                      <p:to>
+                                        <p:strVal val="visible"/>
+                                      </p:to>
+                                    </p:set>
+                                  </p:childTnLst>
+                                </p:cTn>
+                              </p:par>
+                              <p:par>
+                                <p:cTn id="9" presetID="1" presetClass="entr" presetSubtype="0" fill="hold" nodeType="withEffect">
+                                  <p:stCondLst>
+                                    <p:cond delay="0"/>
+                                  </p:stCondLst>
+                                  <p:childTnLst>
+                                    <p:set>
+                                      <p:cBhvr>
+                                        <p:cTn id="10" dur="1" fill="hold">
+                                          <p:stCondLst>
+                                            <p:cond delay="0"/>
+                                          </p:stCondLst>
+                                        </p:cTn>
+                                        <p:tgtEl>
+                                          <p:spTgt spid="3">
+                                            <p:txEl>
+                                              <p:pRg st="2" end="2"/>
+                                            </p:txEl>
+                                          </p:spTgt>
+                                        </p:tgtEl>
+                                        <p:attrNameLst>
+                                          <p:attrName>style.visibility</p:attrName>
+                                        </p:attrNameLst>
+                                      </p:cBhvr>
+                                      <p:to>
+                                        <p:strVal val="visible"/>
+                                      </p:to>
+                                    </p:set>
+                                  </p:childTnLst>
+                                </p:cTn>
+                              </p:par>
+                            </p:childTnLst>
+                          </p:cTn>
+                        </p:par>
+                      </p:childTnLst>
+                    </p:cTn>
+                  </p:par>
+                </p:childTnLst>
+              </p:cTn>
+              <p:prevCondLst>
+                <p:cond evt="onPrev" delay="0">
+                  <p:tgtEl>
+                    <p:sldTgt/>
+                  </p:tgtEl>
+                </p:cond>
+              </p:prevCondLst>
+              <p:nextCondLst>
+                <p:cond evt="onNext" delay="0">
+                  <p:tgtEl>
+                    <p:sldTgt/>
+                  </p:tgtEl>
+                </p:cond>
+              </p:nextCondLst>
+            </p:seq>
+          </p:childTnLst>
+        </p:cTn>
+      </p:par>
+    </p:tnLst>
+  </p:timing>
+</p:sld>
+</file>
+
+<file path=ppt/slides/slide15.xml><?xml version="1.0" encoding="utf-8"?>
+<p:sld xmlns:a="http://schemas.openxmlformats.org/drawingml/2006/main" xmlns:r="http://schemas.openxmlformats.org/officeDocument/2006/relationships" xmlns:p="http://schemas.openxmlformats.org/presentationml/2006/main">
+  <p:cSld>
+    <p:spTree>
+      <p:nvGrpSpPr>
+        <p:cNvPr id="1" name=""/>
+        <p:cNvGrpSpPr/>
+        <p:nvPr/>
+      </p:nvGrpSpPr>
+      <p:grpSpPr>
+        <a:xfrm>
+          <a:off x="0" y="0"/>
+          <a:ext cx="0" cy="0"/>
+          <a:chOff x="0" y="0"/>
+          <a:chExt cx="0" cy="0"/>
+        </a:xfrm>
+      </p:grpSpPr>
+      <p:sp>
+        <p:nvSpPr>
+          <p:cNvPr id="2" name="Slide Number Placeholder 1">
+            <a:extLst>
+              <a:ext uri="{FF2B5EF4-FFF2-40B4-BE49-F238E27FC236}">
                 <a16:creationId xmlns:a16="http://schemas.microsoft.com/office/drawing/2014/main" id="{9A078F77-60DC-3C95-03B7-A872970BC6E6}"/>
               </a:ext>
             </a:extLst>
@@ -10413,7 +11814,7 @@
             <a:fld id="{2BF067CD-8E6B-4360-9AA8-C5DF2A48A6D1}" type="slidenum">
               <a:rPr lang="en-US" noProof="0" smtClean="0"/>
               <a:pPr/>
-              <a:t>13</a:t>
+              <a:t>15</a:t>
             </a:fld>
             <a:endParaRPr lang="en-US" noProof="0" dirty="0"/>
           </a:p>
@@ -10470,7 +11871,7 @@
         </p:nvSpPr>
         <p:spPr bwMode="auto">
           <a:xfrm>
-            <a:off x="196304" y="1213705"/>
+            <a:off x="299275" y="1346466"/>
             <a:ext cx="11556725" cy="5142534"/>
           </a:xfrm>
           <a:prstGeom prst="rect">
@@ -10825,7 +12226,7 @@
               <a:rPr lang="en-US" sz="2000" b="1" dirty="0">
                 <a:latin typeface="Consolas" panose="020B0609020204030204" pitchFamily="49" charset="0"/>
               </a:rPr>
-              <a:t>	...</a:t>
+              <a:t>        ...</a:t>
             </a:r>
           </a:p>
         </p:txBody>
@@ -10896,7 +12297,7 @@
 </p:sld>
 </file>
 
-<file path=ppt/slides/slide14.xml><?xml version="1.0" encoding="utf-8"?>
+<file path=ppt/slides/slide16.xml><?xml version="1.0" encoding="utf-8"?>
 <p:sld xmlns:a="http://schemas.openxmlformats.org/drawingml/2006/main" xmlns:r="http://schemas.openxmlformats.org/officeDocument/2006/relationships" xmlns:p="http://schemas.openxmlformats.org/presentationml/2006/main">
   <p:cSld>
     <p:spTree>
@@ -10937,7 +12338,7 @@
             <a:fld id="{2BF067CD-8E6B-4360-9AA8-C5DF2A48A6D1}" type="slidenum">
               <a:rPr lang="en-US" noProof="0" smtClean="0"/>
               <a:pPr/>
-              <a:t>14</a:t>
+              <a:t>16</a:t>
             </a:fld>
             <a:endParaRPr lang="en-US" noProof="0" dirty="0"/>
           </a:p>
@@ -10994,7 +12395,7 @@
         </p:nvSpPr>
         <p:spPr bwMode="auto">
           <a:xfrm>
-            <a:off x="196304" y="1213705"/>
+            <a:off x="344275" y="1244801"/>
             <a:ext cx="11556725" cy="5604199"/>
           </a:xfrm>
           <a:prstGeom prst="rect">
@@ -11038,7 +12439,7 @@
               <a:rPr lang="en-US" sz="2000" b="1" dirty="0">
                 <a:latin typeface="Consolas" panose="020B0609020204030204" pitchFamily="49" charset="0"/>
               </a:rPr>
-              <a:t>...	</a:t>
+              <a:t>        ...	</a:t>
             </a:r>
             <a:endParaRPr lang="bg-BG" sz="2000" b="1" dirty="0">
               <a:latin typeface="Consolas" panose="020B0609020204030204" pitchFamily="49" charset="0"/>
@@ -11129,13 +12530,13 @@
               <a:rPr lang="bg-BG" sz="2000" b="1" dirty="0">
                 <a:latin typeface="Consolas" panose="020B0609020204030204" pitchFamily="49" charset="0"/>
               </a:rPr>
-              <a:t>                             </a:t>
+              <a:t>        </a:t>
             </a:r>
             <a:r>
               <a:rPr lang="en-US" sz="2000" b="1" dirty="0">
                 <a:latin typeface="Consolas" panose="020B0609020204030204" pitchFamily="49" charset="0"/>
               </a:rPr>
-              <a:t>.</a:t>
+              <a:t>    .</a:t>
             </a:r>
             <a:r>
               <a:rPr lang="en-US" sz="2000" b="1" dirty="0">
@@ -11205,7 +12606,7 @@
               <a:rPr lang="bg-BG" sz="2000" b="1" dirty="0">
                 <a:latin typeface="Consolas" panose="020B0609020204030204" pitchFamily="49" charset="0"/>
               </a:rPr>
-              <a:t>                             </a:t>
+              <a:t>            </a:t>
             </a:r>
             <a:r>
               <a:rPr lang="en-US" sz="2000" b="1" dirty="0">
@@ -11233,7 +12634,7 @@
               <a:rPr lang="en-US" sz="2000" b="1" dirty="0">
                 <a:latin typeface="Consolas" panose="020B0609020204030204" pitchFamily="49" charset="0"/>
               </a:rPr>
-              <a:t> 	</a:t>
+              <a:t> 	 </a:t>
             </a:r>
             <a:r>
               <a:rPr lang="en-US" sz="2000" b="1" dirty="0">
@@ -11484,7 +12885,7 @@
         </p:blipFill>
         <p:spPr>
           <a:xfrm>
-            <a:off x="7936403" y="3204000"/>
+            <a:off x="7787929" y="2259000"/>
             <a:ext cx="4061918" cy="2585552"/>
           </a:xfrm>
           <a:prstGeom prst="rect">
@@ -11523,7 +12924,7 @@
 </p:sld>
 </file>
 
-<file path=ppt/slides/slide15.xml><?xml version="1.0" encoding="utf-8"?>
+<file path=ppt/slides/slide17.xml><?xml version="1.0" encoding="utf-8"?>
 <p:sld xmlns:a="http://schemas.openxmlformats.org/drawingml/2006/main" xmlns:r="http://schemas.openxmlformats.org/officeDocument/2006/relationships" xmlns:p="http://schemas.openxmlformats.org/presentationml/2006/main">
   <p:cSld>
     <p:spTree>
@@ -11657,7 +13058,7 @@
 </p:sld>
 </file>
 
-<file path=ppt/slides/slide16.xml><?xml version="1.0" encoding="utf-8"?>
+<file path=ppt/slides/slide18.xml><?xml version="1.0" encoding="utf-8"?>
 <p:sld xmlns:a="http://schemas.openxmlformats.org/drawingml/2006/main" xmlns:r="http://schemas.openxmlformats.org/officeDocument/2006/relationships" xmlns:p="http://schemas.openxmlformats.org/presentationml/2006/main">
   <p:cSld>
     <p:spTree>
@@ -11698,7 +13099,7 @@
             <a:fld id="{2BF067CD-8E6B-4360-9AA8-C5DF2A48A6D1}" type="slidenum">
               <a:rPr lang="en-US" noProof="0" smtClean="0"/>
               <a:pPr/>
-              <a:t>16</a:t>
+              <a:t>18</a:t>
             </a:fld>
             <a:endParaRPr lang="en-US" noProof="0" dirty="0"/>
           </a:p>
@@ -12091,7 +13492,7 @@
 </p:sld>
 </file>
 
-<file path=ppt/slides/slide17.xml><?xml version="1.0" encoding="utf-8"?>
+<file path=ppt/slides/slide19.xml><?xml version="1.0" encoding="utf-8"?>
 <p:sld xmlns:a="http://schemas.openxmlformats.org/drawingml/2006/main" xmlns:r="http://schemas.openxmlformats.org/officeDocument/2006/relationships" xmlns:p="http://schemas.openxmlformats.org/presentationml/2006/main">
   <p:cSld>
     <p:spTree>
@@ -12132,7 +13533,7 @@
             <a:fld id="{2BF067CD-8E6B-4360-9AA8-C5DF2A48A6D1}" type="slidenum">
               <a:rPr lang="en-US" noProof="0" smtClean="0"/>
               <a:pPr/>
-              <a:t>17</a:t>
+              <a:t>19</a:t>
             </a:fld>
             <a:endParaRPr lang="en-US" noProof="0" dirty="0"/>
           </a:p>
@@ -12525,685 +13926,6 @@
       <p:bldP spid="5" grpId="0" animBg="1"/>
     </p:bldLst>
   </p:timing>
-</p:sld>
-</file>
-
-<file path=ppt/slides/slide18.xml><?xml version="1.0" encoding="utf-8"?>
-<p:sld xmlns:a="http://schemas.openxmlformats.org/drawingml/2006/main" xmlns:r="http://schemas.openxmlformats.org/officeDocument/2006/relationships" xmlns:p="http://schemas.openxmlformats.org/presentationml/2006/main">
-  <p:cSld>
-    <p:spTree>
-      <p:nvGrpSpPr>
-        <p:cNvPr id="1" name="">
-          <a:extLst>
-            <a:ext uri="{FF2B5EF4-FFF2-40B4-BE49-F238E27FC236}">
-              <a16:creationId xmlns:a16="http://schemas.microsoft.com/office/drawing/2014/main" id="{4D2A725B-95B4-F245-E4FE-602A2E3DCB98}"/>
-            </a:ext>
-          </a:extLst>
-        </p:cNvPr>
-        <p:cNvGrpSpPr/>
-        <p:nvPr/>
-      </p:nvGrpSpPr>
-      <p:grpSpPr>
-        <a:xfrm>
-          <a:off x="0" y="0"/>
-          <a:ext cx="0" cy="0"/>
-          <a:chOff x="0" y="0"/>
-          <a:chExt cx="0" cy="0"/>
-        </a:xfrm>
-      </p:grpSpPr>
-      <p:sp>
-        <p:nvSpPr>
-          <p:cNvPr id="2" name="Slide Number Placeholder 1">
-            <a:extLst>
-              <a:ext uri="{FF2B5EF4-FFF2-40B4-BE49-F238E27FC236}">
-                <a16:creationId xmlns:a16="http://schemas.microsoft.com/office/drawing/2014/main" id="{74A2CEE9-7CF7-2CFE-F7E0-20ADEDAA9CA9}"/>
-              </a:ext>
-            </a:extLst>
-          </p:cNvPr>
-          <p:cNvSpPr>
-            <a:spLocks noGrp="1"/>
-          </p:cNvSpPr>
-          <p:nvPr>
-            <p:ph type="sldNum" sz="quarter" idx="5"/>
-          </p:nvPr>
-        </p:nvSpPr>
-        <p:spPr/>
-        <p:txBody>
-          <a:bodyPr/>
-          <a:lstStyle/>
-          <a:p>
-            <a:fld id="{2BF067CD-8E6B-4360-9AA8-C5DF2A48A6D1}" type="slidenum">
-              <a:rPr lang="en-US" noProof="0" smtClean="0"/>
-              <a:pPr/>
-              <a:t>18</a:t>
-            </a:fld>
-            <a:endParaRPr lang="en-US" noProof="0" dirty="0"/>
-          </a:p>
-        </p:txBody>
-      </p:sp>
-      <p:sp>
-        <p:nvSpPr>
-          <p:cNvPr id="3" name="Text Placeholder 2">
-            <a:extLst>
-              <a:ext uri="{FF2B5EF4-FFF2-40B4-BE49-F238E27FC236}">
-                <a16:creationId xmlns:a16="http://schemas.microsoft.com/office/drawing/2014/main" id="{5C6F2B31-95CF-3CCE-C8A8-B37BD4CE4B3F}"/>
-              </a:ext>
-            </a:extLst>
-          </p:cNvPr>
-          <p:cNvSpPr>
-            <a:spLocks noGrp="1"/>
-          </p:cNvSpPr>
-          <p:nvPr>
-            <p:ph type="body" sz="quarter" idx="10"/>
-          </p:nvPr>
-        </p:nvSpPr>
-        <p:spPr/>
-        <p:txBody>
-          <a:bodyPr>
-            <a:normAutofit/>
-          </a:bodyPr>
-          <a:lstStyle/>
-          <a:p>
-            <a:r>
-              <a:rPr lang="bg-BG" sz="3400" dirty="0"/>
-              <a:t>Използваме </a:t>
-            </a:r>
-            <a:r>
-              <a:rPr lang="en-GB" sz="3400" b="1" dirty="0">
-                <a:solidFill>
-                  <a:schemeClr val="bg1"/>
-                </a:solidFill>
-                <a:latin typeface="Consolas" panose="020B0609020204030204" pitchFamily="49" charset="0"/>
-                <a:cs typeface="Consolas" panose="020B0609020204030204" pitchFamily="49" charset="0"/>
-              </a:rPr>
-              <a:t>OrderByDescending</a:t>
-            </a:r>
-            <a:r>
-              <a:rPr lang="en-US" sz="3400" b="1" dirty="0">
-                <a:solidFill>
-                  <a:schemeClr val="bg1"/>
-                </a:solidFill>
-                <a:latin typeface="Consolas" panose="020B0609020204030204" pitchFamily="49" charset="0"/>
-                <a:cs typeface="Consolas" panose="020B0609020204030204" pitchFamily="49" charset="0"/>
-              </a:rPr>
-              <a:t>()</a:t>
-            </a:r>
-            <a:r>
-              <a:rPr lang="en-US" sz="3400" b="1" dirty="0">
-                <a:solidFill>
-                  <a:schemeClr val="bg1"/>
-                </a:solidFill>
-                <a:latin typeface="Calibri" panose="020F0502020204030204" pitchFamily="34" charset="0"/>
-                <a:cs typeface="Calibri" panose="020F0502020204030204" pitchFamily="34" charset="0"/>
-              </a:rPr>
-              <a:t> </a:t>
-            </a:r>
-            <a:r>
-              <a:rPr lang="bg-BG" sz="3400" dirty="0"/>
-              <a:t>метода за </a:t>
-            </a:r>
-            <a:r>
-              <a:rPr lang="bg-BG" sz="3400" b="1" dirty="0"/>
-              <a:t>сортиране</a:t>
-            </a:r>
-            <a:r>
-              <a:rPr lang="bg-BG" sz="3400" dirty="0"/>
-              <a:t> на </a:t>
-            </a:r>
-            <a:r>
-              <a:rPr lang="bg-BG" sz="3400" b="1" dirty="0"/>
-              <a:t>данните </a:t>
-            </a:r>
-            <a:r>
-              <a:rPr lang="bg-BG" sz="3400" dirty="0"/>
-              <a:t>в</a:t>
-            </a:r>
-            <a:r>
-              <a:rPr lang="bg-BG" sz="3400" b="1" dirty="0"/>
-              <a:t> низходящ ред</a:t>
-            </a:r>
-            <a:endParaRPr lang="en-BG" sz="3400" b="1" dirty="0"/>
-          </a:p>
-        </p:txBody>
-      </p:sp>
-      <p:sp>
-        <p:nvSpPr>
-          <p:cNvPr id="4" name="Title 3">
-            <a:extLst>
-              <a:ext uri="{FF2B5EF4-FFF2-40B4-BE49-F238E27FC236}">
-                <a16:creationId xmlns:a16="http://schemas.microsoft.com/office/drawing/2014/main" id="{790957E4-772E-DFD5-BF08-AC8511ACD496}"/>
-              </a:ext>
-            </a:extLst>
-          </p:cNvPr>
-          <p:cNvSpPr>
-            <a:spLocks noGrp="1"/>
-          </p:cNvSpPr>
-          <p:nvPr>
-            <p:ph type="title"/>
-          </p:nvPr>
-        </p:nvSpPr>
-        <p:spPr/>
-        <p:txBody>
-          <a:bodyPr/>
-          <a:lstStyle/>
-          <a:p>
-            <a:r>
-              <a:rPr lang="bg-BG" dirty="0"/>
-              <a:t>Сортиране на таблица (2)</a:t>
-            </a:r>
-            <a:endParaRPr lang="en-BG" dirty="0"/>
-          </a:p>
-        </p:txBody>
-      </p:sp>
-      <p:sp>
-        <p:nvSpPr>
-          <p:cNvPr id="6" name="Rectangle 5">
-            <a:extLst>
-              <a:ext uri="{FF2B5EF4-FFF2-40B4-BE49-F238E27FC236}">
-                <a16:creationId xmlns:a16="http://schemas.microsoft.com/office/drawing/2014/main" id="{91B4138D-1132-29D5-0B7A-5908549D18EF}"/>
-              </a:ext>
-            </a:extLst>
-          </p:cNvPr>
-          <p:cNvSpPr>
-            <a:spLocks noChangeArrowheads="1"/>
-          </p:cNvSpPr>
-          <p:nvPr/>
-        </p:nvSpPr>
-        <p:spPr bwMode="auto">
-          <a:xfrm>
-            <a:off x="515965" y="2799000"/>
-            <a:ext cx="11160071" cy="3203542"/>
-          </a:xfrm>
-          <a:prstGeom prst="rect">
-            <a:avLst/>
-          </a:prstGeom>
-          <a:solidFill>
-            <a:schemeClr val="accent5">
-              <a:lumMod val="40000"/>
-              <a:lumOff val="60000"/>
-              <a:alpha val="20000"/>
-            </a:schemeClr>
-          </a:solidFill>
-          <a:ln w="12700">
-            <a:solidFill>
-              <a:schemeClr val="accent5">
-                <a:lumMod val="60000"/>
-                <a:lumOff val="40000"/>
-              </a:schemeClr>
-            </a:solidFill>
-          </a:ln>
-        </p:spPr>
-        <p:txBody>
-          <a:bodyPr vert="horz" wrap="square" lIns="144000" tIns="108000" rIns="144000" bIns="108000" rtlCol="0">
-            <a:spAutoFit/>
-          </a:bodyPr>
-          <a:lstStyle/>
-          <a:p>
-            <a:pPr>
-              <a:spcBef>
-                <a:spcPts val="600"/>
-              </a:spcBef>
-              <a:spcAft>
-                <a:spcPts val="600"/>
-              </a:spcAft>
-              <a:buClr>
-                <a:srgbClr val="F2B254"/>
-              </a:buClr>
-              <a:buSzPct val="100000"/>
-            </a:pPr>
-            <a:r>
-              <a:rPr lang="en-US" sz="2400" b="1" noProof="1">
-                <a:latin typeface="Consolas" pitchFamily="49" charset="0"/>
-                <a:cs typeface="Consolas" pitchFamily="49" charset="0"/>
-              </a:rPr>
-              <a:t>private void SortTownsByName</a:t>
-            </a:r>
-            <a:r>
-              <a:rPr lang="en-GB" sz="2400" b="1" dirty="0">
-                <a:latin typeface="Consolas" panose="020B0609020204030204" pitchFamily="49" charset="0"/>
-                <a:cs typeface="Consolas" panose="020B0609020204030204" pitchFamily="49" charset="0"/>
-              </a:rPr>
-              <a:t>Descending</a:t>
-            </a:r>
-            <a:r>
-              <a:rPr lang="en-US" sz="2400" b="1" noProof="1">
-                <a:latin typeface="Consolas" pitchFamily="49" charset="0"/>
-                <a:cs typeface="Consolas" pitchFamily="49" charset="0"/>
-              </a:rPr>
-              <a:t>()</a:t>
-            </a:r>
-          </a:p>
-          <a:p>
-            <a:pPr>
-              <a:spcBef>
-                <a:spcPts val="600"/>
-              </a:spcBef>
-              <a:spcAft>
-                <a:spcPts val="600"/>
-              </a:spcAft>
-              <a:buClr>
-                <a:srgbClr val="F2B254"/>
-              </a:buClr>
-              <a:buSzPct val="100000"/>
-              <a:buFont typeface="Wingdings" panose="05000000000000000000" pitchFamily="2" charset="2"/>
-              <a:buNone/>
-            </a:pPr>
-            <a:r>
-              <a:rPr lang="en-US" sz="2400" b="1" noProof="1">
-                <a:latin typeface="Consolas" pitchFamily="49" charset="0"/>
-                <a:cs typeface="Consolas" pitchFamily="49" charset="0"/>
-              </a:rPr>
-              <a:t>{</a:t>
-            </a:r>
-            <a:endParaRPr lang="bg-BG" sz="2400" b="1" noProof="1">
-              <a:latin typeface="Consolas" pitchFamily="49" charset="0"/>
-              <a:cs typeface="Consolas" pitchFamily="49" charset="0"/>
-            </a:endParaRPr>
-          </a:p>
-          <a:p>
-            <a:pPr>
-              <a:spcBef>
-                <a:spcPts val="600"/>
-              </a:spcBef>
-              <a:spcAft>
-                <a:spcPts val="600"/>
-              </a:spcAft>
-              <a:buClr>
-                <a:srgbClr val="F2B254"/>
-              </a:buClr>
-              <a:buSzPct val="100000"/>
-              <a:buFont typeface="Wingdings" panose="05000000000000000000" pitchFamily="2" charset="2"/>
-              <a:buNone/>
-            </a:pPr>
-            <a:r>
-              <a:rPr lang="bg-BG" sz="2400" b="1" noProof="1">
-                <a:latin typeface="Consolas" pitchFamily="49" charset="0"/>
-                <a:cs typeface="Consolas" pitchFamily="49" charset="0"/>
-              </a:rPr>
-              <a:t>    </a:t>
-            </a:r>
-            <a:r>
-              <a:rPr lang="en-US" sz="2400" b="1" noProof="1">
-                <a:latin typeface="Consolas" pitchFamily="49" charset="0"/>
-                <a:cs typeface="Consolas" pitchFamily="49" charset="0"/>
-              </a:rPr>
-              <a:t>var towns = this.dbContext.Towns</a:t>
-            </a:r>
-            <a:endParaRPr lang="bg-BG" sz="2400" b="1" noProof="1">
-              <a:latin typeface="Consolas" pitchFamily="49" charset="0"/>
-              <a:cs typeface="Consolas" pitchFamily="49" charset="0"/>
-            </a:endParaRPr>
-          </a:p>
-          <a:p>
-            <a:pPr>
-              <a:spcBef>
-                <a:spcPts val="600"/>
-              </a:spcBef>
-              <a:spcAft>
-                <a:spcPts val="600"/>
-              </a:spcAft>
-              <a:buClr>
-                <a:srgbClr val="F2B254"/>
-              </a:buClr>
-              <a:buSzPct val="100000"/>
-              <a:buFont typeface="Wingdings" panose="05000000000000000000" pitchFamily="2" charset="2"/>
-              <a:buNone/>
-            </a:pPr>
-            <a:r>
-              <a:rPr lang="bg-BG" sz="2400" b="1" noProof="1">
-                <a:latin typeface="Consolas" pitchFamily="49" charset="0"/>
-                <a:cs typeface="Consolas" pitchFamily="49" charset="0"/>
-              </a:rPr>
-              <a:t>			    </a:t>
-            </a:r>
-            <a:r>
-              <a:rPr lang="en-US" sz="2400" b="1" noProof="1">
-                <a:latin typeface="Consolas" pitchFamily="49" charset="0"/>
-                <a:cs typeface="Consolas" pitchFamily="49" charset="0"/>
-              </a:rPr>
-              <a:t>.</a:t>
-            </a:r>
-            <a:r>
-              <a:rPr lang="en-US" sz="2400" b="1" noProof="1">
-                <a:solidFill>
-                  <a:schemeClr val="bg1"/>
-                </a:solidFill>
-                <a:latin typeface="Consolas" pitchFamily="49" charset="0"/>
-                <a:cs typeface="Consolas" pitchFamily="49" charset="0"/>
-              </a:rPr>
-              <a:t>OrderBy</a:t>
-            </a:r>
-            <a:r>
-              <a:rPr lang="en-GB" sz="2400" b="1" dirty="0">
-                <a:solidFill>
-                  <a:schemeClr val="bg1"/>
-                </a:solidFill>
-                <a:latin typeface="Consolas" panose="020B0609020204030204" pitchFamily="49" charset="0"/>
-                <a:cs typeface="Consolas" panose="020B0609020204030204" pitchFamily="49" charset="0"/>
-              </a:rPr>
-              <a:t>Descending</a:t>
-            </a:r>
-            <a:r>
-              <a:rPr lang="en-US" sz="2400" b="1" noProof="1">
-                <a:latin typeface="Consolas" pitchFamily="49" charset="0"/>
-                <a:cs typeface="Consolas" pitchFamily="49" charset="0"/>
-              </a:rPr>
-              <a:t>(t =&gt;</a:t>
-            </a:r>
-            <a:r>
-              <a:rPr lang="bg-BG" sz="2400" b="1" noProof="1">
-                <a:latin typeface="Consolas" pitchFamily="49" charset="0"/>
-                <a:cs typeface="Consolas" pitchFamily="49" charset="0"/>
-              </a:rPr>
-              <a:t> </a:t>
-            </a:r>
-            <a:r>
-              <a:rPr lang="en-US" sz="2400" b="1" noProof="1">
-                <a:latin typeface="Consolas" pitchFamily="49" charset="0"/>
-                <a:cs typeface="Consolas" pitchFamily="49" charset="0"/>
-              </a:rPr>
-              <a:t>t.Name).ToList();</a:t>
-            </a:r>
-          </a:p>
-          <a:p>
-            <a:pPr>
-              <a:spcBef>
-                <a:spcPts val="600"/>
-              </a:spcBef>
-              <a:spcAft>
-                <a:spcPts val="600"/>
-              </a:spcAft>
-              <a:buClr>
-                <a:srgbClr val="F2B254"/>
-              </a:buClr>
-              <a:buSzPct val="100000"/>
-            </a:pPr>
-            <a:r>
-              <a:rPr lang="bg-BG" sz="2400" b="1" noProof="1">
-                <a:latin typeface="Consolas" pitchFamily="49" charset="0"/>
-                <a:cs typeface="Consolas" pitchFamily="49" charset="0"/>
-              </a:rPr>
-              <a:t>    </a:t>
-            </a:r>
-            <a:r>
-              <a:rPr lang="en-US" sz="2400" b="1" noProof="1">
-                <a:latin typeface="Consolas" pitchFamily="49" charset="0"/>
-                <a:cs typeface="Consolas" pitchFamily="49" charset="0"/>
-              </a:rPr>
-              <a:t>this.townBindingSource.DataSource = towns;</a:t>
-            </a:r>
-          </a:p>
-          <a:p>
-            <a:pPr>
-              <a:spcBef>
-                <a:spcPts val="600"/>
-              </a:spcBef>
-              <a:spcAft>
-                <a:spcPts val="600"/>
-              </a:spcAft>
-              <a:buClr>
-                <a:srgbClr val="F2B254"/>
-              </a:buClr>
-              <a:buSzPct val="100000"/>
-              <a:buFont typeface="Wingdings" panose="05000000000000000000" pitchFamily="2" charset="2"/>
-              <a:buNone/>
-            </a:pPr>
-            <a:r>
-              <a:rPr lang="en-US" sz="2400" b="1" noProof="1">
-                <a:latin typeface="Consolas" pitchFamily="49" charset="0"/>
-                <a:cs typeface="Consolas" pitchFamily="49" charset="0"/>
-              </a:rPr>
-              <a:t>}</a:t>
-            </a:r>
-          </a:p>
-        </p:txBody>
-      </p:sp>
-    </p:spTree>
-    <p:extLst>
-      <p:ext uri="{BB962C8B-B14F-4D97-AF65-F5344CB8AC3E}">
-        <p14:creationId xmlns:p14="http://schemas.microsoft.com/office/powerpoint/2010/main" val="1043291144"/>
-      </p:ext>
-    </p:extLst>
-  </p:cSld>
-  <p:clrMapOvr>
-    <a:masterClrMapping/>
-  </p:clrMapOvr>
-  <mc:AlternateContent xmlns:mc="http://schemas.openxmlformats.org/markup-compatibility/2006">
-    <mc:Choice xmlns:p14="http://schemas.microsoft.com/office/powerpoint/2010/main" Requires="p14">
-      <p:transition spd="slow" p14:dur="2000" advClick="0" advTm="5000"/>
-    </mc:Choice>
-    <mc:Fallback>
-      <p:transition spd="slow" advClick="0" advTm="5000"/>
-    </mc:Fallback>
-  </mc:AlternateContent>
-  <p:timing>
-    <p:tnLst>
-      <p:par>
-        <p:cTn id="1" dur="indefinite" restart="never" nodeType="tmRoot">
-          <p:childTnLst>
-            <p:seq concurrent="1" nextAc="seek">
-              <p:cTn id="2" dur="indefinite" nodeType="mainSeq">
-                <p:childTnLst>
-                  <p:par>
-                    <p:cTn id="3" fill="hold">
-                      <p:stCondLst>
-                        <p:cond delay="indefinite"/>
-                      </p:stCondLst>
-                      <p:childTnLst>
-                        <p:par>
-                          <p:cTn id="4" fill="hold">
-                            <p:stCondLst>
-                              <p:cond delay="0"/>
-                            </p:stCondLst>
-                            <p:childTnLst>
-                              <p:par>
-                                <p:cTn id="5" presetID="1" presetClass="entr" presetSubtype="0" fill="hold" grpId="0" nodeType="clickEffect">
-                                  <p:stCondLst>
-                                    <p:cond delay="0"/>
-                                  </p:stCondLst>
-                                  <p:childTnLst>
-                                    <p:set>
-                                      <p:cBhvr>
-                                        <p:cTn id="6" dur="1" fill="hold">
-                                          <p:stCondLst>
-                                            <p:cond delay="0"/>
-                                          </p:stCondLst>
-                                        </p:cTn>
-                                        <p:tgtEl>
-                                          <p:spTgt spid="6"/>
-                                        </p:tgtEl>
-                                        <p:attrNameLst>
-                                          <p:attrName>style.visibility</p:attrName>
-                                        </p:attrNameLst>
-                                      </p:cBhvr>
-                                      <p:to>
-                                        <p:strVal val="visible"/>
-                                      </p:to>
-                                    </p:set>
-                                  </p:childTnLst>
-                                </p:cTn>
-                              </p:par>
-                            </p:childTnLst>
-                          </p:cTn>
-                        </p:par>
-                      </p:childTnLst>
-                    </p:cTn>
-                  </p:par>
-                </p:childTnLst>
-              </p:cTn>
-              <p:prevCondLst>
-                <p:cond evt="onPrev" delay="0">
-                  <p:tgtEl>
-                    <p:sldTgt/>
-                  </p:tgtEl>
-                </p:cond>
-              </p:prevCondLst>
-              <p:nextCondLst>
-                <p:cond evt="onNext" delay="0">
-                  <p:tgtEl>
-                    <p:sldTgt/>
-                  </p:tgtEl>
-                </p:cond>
-              </p:nextCondLst>
-            </p:seq>
-          </p:childTnLst>
-        </p:cTn>
-      </p:par>
-    </p:tnLst>
-    <p:bldLst>
-      <p:bldP spid="6" grpId="0" animBg="1"/>
-    </p:bldLst>
-  </p:timing>
-</p:sld>
-</file>
-
-<file path=ppt/slides/slide19.xml><?xml version="1.0" encoding="utf-8"?>
-<p:sld xmlns:a="http://schemas.openxmlformats.org/drawingml/2006/main" xmlns:r="http://schemas.openxmlformats.org/officeDocument/2006/relationships" xmlns:p="http://schemas.openxmlformats.org/presentationml/2006/main">
-  <p:cSld>
-    <p:spTree>
-      <p:nvGrpSpPr>
-        <p:cNvPr id="1" name=""/>
-        <p:cNvGrpSpPr/>
-        <p:nvPr/>
-      </p:nvGrpSpPr>
-      <p:grpSpPr>
-        <a:xfrm>
-          <a:off x="0" y="0"/>
-          <a:ext cx="0" cy="0"/>
-          <a:chOff x="0" y="0"/>
-          <a:chExt cx="0" cy="0"/>
-        </a:xfrm>
-      </p:grpSpPr>
-      <p:sp>
-        <p:nvSpPr>
-          <p:cNvPr id="4" name="Slide Subtitle">
-            <a:extLst>
-              <a:ext uri="{FF2B5EF4-FFF2-40B4-BE49-F238E27FC236}">
-                <a16:creationId xmlns:a16="http://schemas.microsoft.com/office/drawing/2014/main" id="{BEB5BB41-09D4-4E9F-8C80-EE8709171CB3}"/>
-              </a:ext>
-            </a:extLst>
-          </p:cNvPr>
-          <p:cNvSpPr>
-            <a:spLocks noGrp="1"/>
-          </p:cNvSpPr>
-          <p:nvPr>
-            <p:ph type="subTitle" sz="quarter" idx="11"/>
-          </p:nvPr>
-        </p:nvSpPr>
-        <p:spPr>
-          <a:xfrm>
-            <a:off x="615109" y="5675916"/>
-            <a:ext cx="10961783" cy="768084"/>
-          </a:xfrm>
-        </p:spPr>
-        <p:txBody>
-          <a:bodyPr/>
-          <a:lstStyle/>
-          <a:p>
-            <a:r>
-              <a:rPr lang="bg-BG" dirty="0"/>
-              <a:t>Държави и градове</a:t>
-            </a:r>
-          </a:p>
-        </p:txBody>
-      </p:sp>
-      <p:sp>
-        <p:nvSpPr>
-          <p:cNvPr id="6" name="Slide Title">
-            <a:extLst>
-              <a:ext uri="{FF2B5EF4-FFF2-40B4-BE49-F238E27FC236}">
-                <a16:creationId xmlns:a16="http://schemas.microsoft.com/office/drawing/2014/main" id="{028D9EA3-B5E0-4F17-9467-4BE3C280DA68}"/>
-              </a:ext>
-            </a:extLst>
-          </p:cNvPr>
-          <p:cNvSpPr>
-            <a:spLocks noGrp="1"/>
-          </p:cNvSpPr>
-          <p:nvPr>
-            <p:ph type="title" sz="quarter" idx="10"/>
-          </p:nvPr>
-        </p:nvSpPr>
-        <p:spPr>
-          <a:xfrm>
-            <a:off x="615109" y="4794825"/>
-            <a:ext cx="10961783" cy="768084"/>
-          </a:xfrm>
-        </p:spPr>
-        <p:txBody>
-          <a:bodyPr/>
-          <a:lstStyle/>
-          <a:p>
-            <a:r>
-              <a:rPr lang="bg-BG" dirty="0"/>
-              <a:t>Примерно приложение</a:t>
-            </a:r>
-            <a:endParaRPr lang="en-US" dirty="0"/>
-          </a:p>
-        </p:txBody>
-      </p:sp>
-      <p:pic>
-        <p:nvPicPr>
-          <p:cNvPr id="7" name="Picture 6">
-            <a:extLst>
-              <a:ext uri="{FF2B5EF4-FFF2-40B4-BE49-F238E27FC236}">
-                <a16:creationId xmlns:a16="http://schemas.microsoft.com/office/drawing/2014/main" id="{E984A141-4C2B-06BC-DEE6-8F0D4916E953}"/>
-              </a:ext>
-            </a:extLst>
-          </p:cNvPr>
-          <p:cNvPicPr>
-            <a:picLocks noChangeAspect="1"/>
-          </p:cNvPicPr>
-          <p:nvPr/>
-        </p:nvPicPr>
-        <p:blipFill>
-          <a:blip r:embed="rId3">
-            <a:extLst>
-              <a:ext uri="{28A0092B-C50C-407E-A947-70E740481C1C}">
-                <a14:useLocalDpi xmlns:a14="http://schemas.microsoft.com/office/drawing/2010/main" val="0"/>
-              </a:ext>
-            </a:extLst>
-          </a:blip>
-          <a:srcRect/>
-          <a:stretch/>
-        </p:blipFill>
-        <p:spPr>
-          <a:xfrm>
-            <a:off x="2676000" y="327920"/>
-            <a:ext cx="6840000" cy="4353898"/>
-          </a:xfrm>
-          <a:prstGeom prst="rect">
-            <a:avLst/>
-          </a:prstGeom>
-          <a:ln>
-            <a:noFill/>
-          </a:ln>
-          <a:effectLst>
-            <a:outerShdw blurRad="190500" algn="tl" rotWithShape="0">
-              <a:srgbClr val="000000">
-                <a:alpha val="70000"/>
-              </a:srgbClr>
-            </a:outerShdw>
-          </a:effectLst>
-        </p:spPr>
-      </p:pic>
-    </p:spTree>
-    <p:extLst>
-      <p:ext uri="{BB962C8B-B14F-4D97-AF65-F5344CB8AC3E}">
-        <p14:creationId xmlns:p14="http://schemas.microsoft.com/office/powerpoint/2010/main" val="3027298682"/>
-      </p:ext>
-    </p:extLst>
-  </p:cSld>
-  <p:clrMapOvr>
-    <a:masterClrMapping/>
-  </p:clrMapOvr>
-  <mc:AlternateContent xmlns:mc="http://schemas.openxmlformats.org/markup-compatibility/2006" xmlns:p14="http://schemas.microsoft.com/office/powerpoint/2010/main">
-    <mc:Choice Requires="p14">
-      <p:transition spd="slow" p14:dur="2000" advClick="0" advTm="5000"/>
-    </mc:Choice>
-    <mc:Fallback xmlns="">
-      <p:transition spd="slow" advClick="0" advTm="5000"/>
-    </mc:Fallback>
-  </mc:AlternateContent>
 </p:sld>
 </file>
 
@@ -13785,6 +14507,685 @@
   <p:cSld>
     <p:spTree>
       <p:nvGrpSpPr>
+        <p:cNvPr id="1" name="">
+          <a:extLst>
+            <a:ext uri="{FF2B5EF4-FFF2-40B4-BE49-F238E27FC236}">
+              <a16:creationId xmlns:a16="http://schemas.microsoft.com/office/drawing/2014/main" id="{4D2A725B-95B4-F245-E4FE-602A2E3DCB98}"/>
+            </a:ext>
+          </a:extLst>
+        </p:cNvPr>
+        <p:cNvGrpSpPr/>
+        <p:nvPr/>
+      </p:nvGrpSpPr>
+      <p:grpSpPr>
+        <a:xfrm>
+          <a:off x="0" y="0"/>
+          <a:ext cx="0" cy="0"/>
+          <a:chOff x="0" y="0"/>
+          <a:chExt cx="0" cy="0"/>
+        </a:xfrm>
+      </p:grpSpPr>
+      <p:sp>
+        <p:nvSpPr>
+          <p:cNvPr id="2" name="Slide Number Placeholder 1">
+            <a:extLst>
+              <a:ext uri="{FF2B5EF4-FFF2-40B4-BE49-F238E27FC236}">
+                <a16:creationId xmlns:a16="http://schemas.microsoft.com/office/drawing/2014/main" id="{74A2CEE9-7CF7-2CFE-F7E0-20ADEDAA9CA9}"/>
+              </a:ext>
+            </a:extLst>
+          </p:cNvPr>
+          <p:cNvSpPr>
+            <a:spLocks noGrp="1"/>
+          </p:cNvSpPr>
+          <p:nvPr>
+            <p:ph type="sldNum" sz="quarter" idx="5"/>
+          </p:nvPr>
+        </p:nvSpPr>
+        <p:spPr/>
+        <p:txBody>
+          <a:bodyPr/>
+          <a:lstStyle/>
+          <a:p>
+            <a:fld id="{2BF067CD-8E6B-4360-9AA8-C5DF2A48A6D1}" type="slidenum">
+              <a:rPr lang="en-US" noProof="0" smtClean="0"/>
+              <a:pPr/>
+              <a:t>20</a:t>
+            </a:fld>
+            <a:endParaRPr lang="en-US" noProof="0" dirty="0"/>
+          </a:p>
+        </p:txBody>
+      </p:sp>
+      <p:sp>
+        <p:nvSpPr>
+          <p:cNvPr id="3" name="Text Placeholder 2">
+            <a:extLst>
+              <a:ext uri="{FF2B5EF4-FFF2-40B4-BE49-F238E27FC236}">
+                <a16:creationId xmlns:a16="http://schemas.microsoft.com/office/drawing/2014/main" id="{5C6F2B31-95CF-3CCE-C8A8-B37BD4CE4B3F}"/>
+              </a:ext>
+            </a:extLst>
+          </p:cNvPr>
+          <p:cNvSpPr>
+            <a:spLocks noGrp="1"/>
+          </p:cNvSpPr>
+          <p:nvPr>
+            <p:ph type="body" sz="quarter" idx="10"/>
+          </p:nvPr>
+        </p:nvSpPr>
+        <p:spPr/>
+        <p:txBody>
+          <a:bodyPr>
+            <a:normAutofit/>
+          </a:bodyPr>
+          <a:lstStyle/>
+          <a:p>
+            <a:r>
+              <a:rPr lang="bg-BG" sz="3400" dirty="0"/>
+              <a:t>Използваме </a:t>
+            </a:r>
+            <a:r>
+              <a:rPr lang="en-GB" sz="3400" b="1" dirty="0">
+                <a:solidFill>
+                  <a:schemeClr val="bg1"/>
+                </a:solidFill>
+                <a:latin typeface="Consolas" panose="020B0609020204030204" pitchFamily="49" charset="0"/>
+                <a:cs typeface="Consolas" panose="020B0609020204030204" pitchFamily="49" charset="0"/>
+              </a:rPr>
+              <a:t>OrderByDescending</a:t>
+            </a:r>
+            <a:r>
+              <a:rPr lang="en-US" sz="3400" b="1" dirty="0">
+                <a:solidFill>
+                  <a:schemeClr val="bg1"/>
+                </a:solidFill>
+                <a:latin typeface="Consolas" panose="020B0609020204030204" pitchFamily="49" charset="0"/>
+                <a:cs typeface="Consolas" panose="020B0609020204030204" pitchFamily="49" charset="0"/>
+              </a:rPr>
+              <a:t>()</a:t>
+            </a:r>
+            <a:r>
+              <a:rPr lang="en-US" sz="3400" b="1" dirty="0">
+                <a:solidFill>
+                  <a:schemeClr val="bg1"/>
+                </a:solidFill>
+                <a:latin typeface="Calibri" panose="020F0502020204030204" pitchFamily="34" charset="0"/>
+                <a:cs typeface="Calibri" panose="020F0502020204030204" pitchFamily="34" charset="0"/>
+              </a:rPr>
+              <a:t> </a:t>
+            </a:r>
+            <a:r>
+              <a:rPr lang="bg-BG" sz="3400" dirty="0"/>
+              <a:t>метода за </a:t>
+            </a:r>
+            <a:r>
+              <a:rPr lang="bg-BG" sz="3400" b="1" dirty="0"/>
+              <a:t>сортиране</a:t>
+            </a:r>
+            <a:r>
+              <a:rPr lang="bg-BG" sz="3400" dirty="0"/>
+              <a:t> на </a:t>
+            </a:r>
+            <a:r>
+              <a:rPr lang="bg-BG" sz="3400" b="1" dirty="0"/>
+              <a:t>данните </a:t>
+            </a:r>
+            <a:r>
+              <a:rPr lang="bg-BG" sz="3400" dirty="0"/>
+              <a:t>в</a:t>
+            </a:r>
+            <a:r>
+              <a:rPr lang="bg-BG" sz="3400" b="1" dirty="0"/>
+              <a:t> низходящ ред</a:t>
+            </a:r>
+            <a:endParaRPr lang="en-BG" sz="3400" b="1" dirty="0"/>
+          </a:p>
+        </p:txBody>
+      </p:sp>
+      <p:sp>
+        <p:nvSpPr>
+          <p:cNvPr id="4" name="Title 3">
+            <a:extLst>
+              <a:ext uri="{FF2B5EF4-FFF2-40B4-BE49-F238E27FC236}">
+                <a16:creationId xmlns:a16="http://schemas.microsoft.com/office/drawing/2014/main" id="{790957E4-772E-DFD5-BF08-AC8511ACD496}"/>
+              </a:ext>
+            </a:extLst>
+          </p:cNvPr>
+          <p:cNvSpPr>
+            <a:spLocks noGrp="1"/>
+          </p:cNvSpPr>
+          <p:nvPr>
+            <p:ph type="title"/>
+          </p:nvPr>
+        </p:nvSpPr>
+        <p:spPr/>
+        <p:txBody>
+          <a:bodyPr/>
+          <a:lstStyle/>
+          <a:p>
+            <a:r>
+              <a:rPr lang="bg-BG" dirty="0"/>
+              <a:t>Сортиране на таблица (2)</a:t>
+            </a:r>
+            <a:endParaRPr lang="en-BG" dirty="0"/>
+          </a:p>
+        </p:txBody>
+      </p:sp>
+      <p:sp>
+        <p:nvSpPr>
+          <p:cNvPr id="6" name="Rectangle 5">
+            <a:extLst>
+              <a:ext uri="{FF2B5EF4-FFF2-40B4-BE49-F238E27FC236}">
+                <a16:creationId xmlns:a16="http://schemas.microsoft.com/office/drawing/2014/main" id="{91B4138D-1132-29D5-0B7A-5908549D18EF}"/>
+              </a:ext>
+            </a:extLst>
+          </p:cNvPr>
+          <p:cNvSpPr>
+            <a:spLocks noChangeArrowheads="1"/>
+          </p:cNvSpPr>
+          <p:nvPr/>
+        </p:nvSpPr>
+        <p:spPr bwMode="auto">
+          <a:xfrm>
+            <a:off x="515965" y="2799000"/>
+            <a:ext cx="11160071" cy="3203542"/>
+          </a:xfrm>
+          <a:prstGeom prst="rect">
+            <a:avLst/>
+          </a:prstGeom>
+          <a:solidFill>
+            <a:schemeClr val="accent5">
+              <a:lumMod val="40000"/>
+              <a:lumOff val="60000"/>
+              <a:alpha val="20000"/>
+            </a:schemeClr>
+          </a:solidFill>
+          <a:ln w="12700">
+            <a:solidFill>
+              <a:schemeClr val="accent5">
+                <a:lumMod val="60000"/>
+                <a:lumOff val="40000"/>
+              </a:schemeClr>
+            </a:solidFill>
+          </a:ln>
+        </p:spPr>
+        <p:txBody>
+          <a:bodyPr vert="horz" wrap="square" lIns="144000" tIns="108000" rIns="144000" bIns="108000" rtlCol="0">
+            <a:spAutoFit/>
+          </a:bodyPr>
+          <a:lstStyle/>
+          <a:p>
+            <a:pPr>
+              <a:spcBef>
+                <a:spcPts val="600"/>
+              </a:spcBef>
+              <a:spcAft>
+                <a:spcPts val="600"/>
+              </a:spcAft>
+              <a:buClr>
+                <a:srgbClr val="F2B254"/>
+              </a:buClr>
+              <a:buSzPct val="100000"/>
+            </a:pPr>
+            <a:r>
+              <a:rPr lang="en-US" sz="2400" b="1" noProof="1">
+                <a:latin typeface="Consolas" pitchFamily="49" charset="0"/>
+                <a:cs typeface="Consolas" pitchFamily="49" charset="0"/>
+              </a:rPr>
+              <a:t>private void SortTownsByName</a:t>
+            </a:r>
+            <a:r>
+              <a:rPr lang="en-GB" sz="2400" b="1" dirty="0">
+                <a:latin typeface="Consolas" panose="020B0609020204030204" pitchFamily="49" charset="0"/>
+                <a:cs typeface="Consolas" panose="020B0609020204030204" pitchFamily="49" charset="0"/>
+              </a:rPr>
+              <a:t>Descending</a:t>
+            </a:r>
+            <a:r>
+              <a:rPr lang="en-US" sz="2400" b="1" noProof="1">
+                <a:latin typeface="Consolas" pitchFamily="49" charset="0"/>
+                <a:cs typeface="Consolas" pitchFamily="49" charset="0"/>
+              </a:rPr>
+              <a:t>()</a:t>
+            </a:r>
+          </a:p>
+          <a:p>
+            <a:pPr>
+              <a:spcBef>
+                <a:spcPts val="600"/>
+              </a:spcBef>
+              <a:spcAft>
+                <a:spcPts val="600"/>
+              </a:spcAft>
+              <a:buClr>
+                <a:srgbClr val="F2B254"/>
+              </a:buClr>
+              <a:buSzPct val="100000"/>
+              <a:buFont typeface="Wingdings" panose="05000000000000000000" pitchFamily="2" charset="2"/>
+              <a:buNone/>
+            </a:pPr>
+            <a:r>
+              <a:rPr lang="en-US" sz="2400" b="1" noProof="1">
+                <a:latin typeface="Consolas" pitchFamily="49" charset="0"/>
+                <a:cs typeface="Consolas" pitchFamily="49" charset="0"/>
+              </a:rPr>
+              <a:t>{</a:t>
+            </a:r>
+            <a:endParaRPr lang="bg-BG" sz="2400" b="1" noProof="1">
+              <a:latin typeface="Consolas" pitchFamily="49" charset="0"/>
+              <a:cs typeface="Consolas" pitchFamily="49" charset="0"/>
+            </a:endParaRPr>
+          </a:p>
+          <a:p>
+            <a:pPr>
+              <a:spcBef>
+                <a:spcPts val="600"/>
+              </a:spcBef>
+              <a:spcAft>
+                <a:spcPts val="600"/>
+              </a:spcAft>
+              <a:buClr>
+                <a:srgbClr val="F2B254"/>
+              </a:buClr>
+              <a:buSzPct val="100000"/>
+              <a:buFont typeface="Wingdings" panose="05000000000000000000" pitchFamily="2" charset="2"/>
+              <a:buNone/>
+            </a:pPr>
+            <a:r>
+              <a:rPr lang="bg-BG" sz="2400" b="1" noProof="1">
+                <a:latin typeface="Consolas" pitchFamily="49" charset="0"/>
+                <a:cs typeface="Consolas" pitchFamily="49" charset="0"/>
+              </a:rPr>
+              <a:t>    </a:t>
+            </a:r>
+            <a:r>
+              <a:rPr lang="en-US" sz="2400" b="1" noProof="1">
+                <a:latin typeface="Consolas" pitchFamily="49" charset="0"/>
+                <a:cs typeface="Consolas" pitchFamily="49" charset="0"/>
+              </a:rPr>
+              <a:t>var towns = this.dbContext.Towns</a:t>
+            </a:r>
+            <a:endParaRPr lang="bg-BG" sz="2400" b="1" noProof="1">
+              <a:latin typeface="Consolas" pitchFamily="49" charset="0"/>
+              <a:cs typeface="Consolas" pitchFamily="49" charset="0"/>
+            </a:endParaRPr>
+          </a:p>
+          <a:p>
+            <a:pPr>
+              <a:spcBef>
+                <a:spcPts val="600"/>
+              </a:spcBef>
+              <a:spcAft>
+                <a:spcPts val="600"/>
+              </a:spcAft>
+              <a:buClr>
+                <a:srgbClr val="F2B254"/>
+              </a:buClr>
+              <a:buSzPct val="100000"/>
+              <a:buFont typeface="Wingdings" panose="05000000000000000000" pitchFamily="2" charset="2"/>
+              <a:buNone/>
+            </a:pPr>
+            <a:r>
+              <a:rPr lang="bg-BG" sz="2400" b="1" noProof="1">
+                <a:latin typeface="Consolas" pitchFamily="49" charset="0"/>
+                <a:cs typeface="Consolas" pitchFamily="49" charset="0"/>
+              </a:rPr>
+              <a:t>			    </a:t>
+            </a:r>
+            <a:r>
+              <a:rPr lang="en-US" sz="2400" b="1" noProof="1">
+                <a:latin typeface="Consolas" pitchFamily="49" charset="0"/>
+                <a:cs typeface="Consolas" pitchFamily="49" charset="0"/>
+              </a:rPr>
+              <a:t>.</a:t>
+            </a:r>
+            <a:r>
+              <a:rPr lang="en-US" sz="2400" b="1" noProof="1">
+                <a:solidFill>
+                  <a:schemeClr val="bg1"/>
+                </a:solidFill>
+                <a:latin typeface="Consolas" pitchFamily="49" charset="0"/>
+                <a:cs typeface="Consolas" pitchFamily="49" charset="0"/>
+              </a:rPr>
+              <a:t>OrderBy</a:t>
+            </a:r>
+            <a:r>
+              <a:rPr lang="en-GB" sz="2400" b="1" dirty="0">
+                <a:solidFill>
+                  <a:schemeClr val="bg1"/>
+                </a:solidFill>
+                <a:latin typeface="Consolas" panose="020B0609020204030204" pitchFamily="49" charset="0"/>
+                <a:cs typeface="Consolas" panose="020B0609020204030204" pitchFamily="49" charset="0"/>
+              </a:rPr>
+              <a:t>Descending</a:t>
+            </a:r>
+            <a:r>
+              <a:rPr lang="en-US" sz="2400" b="1" noProof="1">
+                <a:latin typeface="Consolas" pitchFamily="49" charset="0"/>
+                <a:cs typeface="Consolas" pitchFamily="49" charset="0"/>
+              </a:rPr>
+              <a:t>(t =&gt;</a:t>
+            </a:r>
+            <a:r>
+              <a:rPr lang="bg-BG" sz="2400" b="1" noProof="1">
+                <a:latin typeface="Consolas" pitchFamily="49" charset="0"/>
+                <a:cs typeface="Consolas" pitchFamily="49" charset="0"/>
+              </a:rPr>
+              <a:t> </a:t>
+            </a:r>
+            <a:r>
+              <a:rPr lang="en-US" sz="2400" b="1" noProof="1">
+                <a:latin typeface="Consolas" pitchFamily="49" charset="0"/>
+                <a:cs typeface="Consolas" pitchFamily="49" charset="0"/>
+              </a:rPr>
+              <a:t>t.Name).ToList();</a:t>
+            </a:r>
+          </a:p>
+          <a:p>
+            <a:pPr>
+              <a:spcBef>
+                <a:spcPts val="600"/>
+              </a:spcBef>
+              <a:spcAft>
+                <a:spcPts val="600"/>
+              </a:spcAft>
+              <a:buClr>
+                <a:srgbClr val="F2B254"/>
+              </a:buClr>
+              <a:buSzPct val="100000"/>
+            </a:pPr>
+            <a:r>
+              <a:rPr lang="bg-BG" sz="2400" b="1" noProof="1">
+                <a:latin typeface="Consolas" pitchFamily="49" charset="0"/>
+                <a:cs typeface="Consolas" pitchFamily="49" charset="0"/>
+              </a:rPr>
+              <a:t>    </a:t>
+            </a:r>
+            <a:r>
+              <a:rPr lang="en-US" sz="2400" b="1" noProof="1">
+                <a:latin typeface="Consolas" pitchFamily="49" charset="0"/>
+                <a:cs typeface="Consolas" pitchFamily="49" charset="0"/>
+              </a:rPr>
+              <a:t>this.townBindingSource.DataSource = towns;</a:t>
+            </a:r>
+          </a:p>
+          <a:p>
+            <a:pPr>
+              <a:spcBef>
+                <a:spcPts val="600"/>
+              </a:spcBef>
+              <a:spcAft>
+                <a:spcPts val="600"/>
+              </a:spcAft>
+              <a:buClr>
+                <a:srgbClr val="F2B254"/>
+              </a:buClr>
+              <a:buSzPct val="100000"/>
+              <a:buFont typeface="Wingdings" panose="05000000000000000000" pitchFamily="2" charset="2"/>
+              <a:buNone/>
+            </a:pPr>
+            <a:r>
+              <a:rPr lang="en-US" sz="2400" b="1" noProof="1">
+                <a:latin typeface="Consolas" pitchFamily="49" charset="0"/>
+                <a:cs typeface="Consolas" pitchFamily="49" charset="0"/>
+              </a:rPr>
+              <a:t>}</a:t>
+            </a:r>
+          </a:p>
+        </p:txBody>
+      </p:sp>
+    </p:spTree>
+    <p:extLst>
+      <p:ext uri="{BB962C8B-B14F-4D97-AF65-F5344CB8AC3E}">
+        <p14:creationId xmlns:p14="http://schemas.microsoft.com/office/powerpoint/2010/main" val="1043291144"/>
+      </p:ext>
+    </p:extLst>
+  </p:cSld>
+  <p:clrMapOvr>
+    <a:masterClrMapping/>
+  </p:clrMapOvr>
+  <mc:AlternateContent xmlns:mc="http://schemas.openxmlformats.org/markup-compatibility/2006" xmlns:p14="http://schemas.microsoft.com/office/powerpoint/2010/main">
+    <mc:Choice Requires="p14">
+      <p:transition spd="slow" p14:dur="2000" advClick="0" advTm="5000"/>
+    </mc:Choice>
+    <mc:Fallback xmlns="">
+      <p:transition spd="slow" advClick="0" advTm="5000"/>
+    </mc:Fallback>
+  </mc:AlternateContent>
+  <p:timing>
+    <p:tnLst>
+      <p:par>
+        <p:cTn id="1" dur="indefinite" restart="never" nodeType="tmRoot">
+          <p:childTnLst>
+            <p:seq concurrent="1" nextAc="seek">
+              <p:cTn id="2" dur="indefinite" nodeType="mainSeq">
+                <p:childTnLst>
+                  <p:par>
+                    <p:cTn id="3" fill="hold">
+                      <p:stCondLst>
+                        <p:cond delay="indefinite"/>
+                      </p:stCondLst>
+                      <p:childTnLst>
+                        <p:par>
+                          <p:cTn id="4" fill="hold">
+                            <p:stCondLst>
+                              <p:cond delay="0"/>
+                            </p:stCondLst>
+                            <p:childTnLst>
+                              <p:par>
+                                <p:cTn id="5" presetID="1" presetClass="entr" presetSubtype="0" fill="hold" grpId="0" nodeType="clickEffect">
+                                  <p:stCondLst>
+                                    <p:cond delay="0"/>
+                                  </p:stCondLst>
+                                  <p:childTnLst>
+                                    <p:set>
+                                      <p:cBhvr>
+                                        <p:cTn id="6" dur="1" fill="hold">
+                                          <p:stCondLst>
+                                            <p:cond delay="0"/>
+                                          </p:stCondLst>
+                                        </p:cTn>
+                                        <p:tgtEl>
+                                          <p:spTgt spid="6"/>
+                                        </p:tgtEl>
+                                        <p:attrNameLst>
+                                          <p:attrName>style.visibility</p:attrName>
+                                        </p:attrNameLst>
+                                      </p:cBhvr>
+                                      <p:to>
+                                        <p:strVal val="visible"/>
+                                      </p:to>
+                                    </p:set>
+                                  </p:childTnLst>
+                                </p:cTn>
+                              </p:par>
+                            </p:childTnLst>
+                          </p:cTn>
+                        </p:par>
+                      </p:childTnLst>
+                    </p:cTn>
+                  </p:par>
+                </p:childTnLst>
+              </p:cTn>
+              <p:prevCondLst>
+                <p:cond evt="onPrev" delay="0">
+                  <p:tgtEl>
+                    <p:sldTgt/>
+                  </p:tgtEl>
+                </p:cond>
+              </p:prevCondLst>
+              <p:nextCondLst>
+                <p:cond evt="onNext" delay="0">
+                  <p:tgtEl>
+                    <p:sldTgt/>
+                  </p:tgtEl>
+                </p:cond>
+              </p:nextCondLst>
+            </p:seq>
+          </p:childTnLst>
+        </p:cTn>
+      </p:par>
+    </p:tnLst>
+    <p:bldLst>
+      <p:bldP spid="6" grpId="0" animBg="1"/>
+    </p:bldLst>
+  </p:timing>
+</p:sld>
+</file>
+
+<file path=ppt/slides/slide21.xml><?xml version="1.0" encoding="utf-8"?>
+<p:sld xmlns:a="http://schemas.openxmlformats.org/drawingml/2006/main" xmlns:r="http://schemas.openxmlformats.org/officeDocument/2006/relationships" xmlns:p="http://schemas.openxmlformats.org/presentationml/2006/main">
+  <p:cSld>
+    <p:spTree>
+      <p:nvGrpSpPr>
+        <p:cNvPr id="1" name=""/>
+        <p:cNvGrpSpPr/>
+        <p:nvPr/>
+      </p:nvGrpSpPr>
+      <p:grpSpPr>
+        <a:xfrm>
+          <a:off x="0" y="0"/>
+          <a:ext cx="0" cy="0"/>
+          <a:chOff x="0" y="0"/>
+          <a:chExt cx="0" cy="0"/>
+        </a:xfrm>
+      </p:grpSpPr>
+      <p:sp>
+        <p:nvSpPr>
+          <p:cNvPr id="4" name="Slide Subtitle">
+            <a:extLst>
+              <a:ext uri="{FF2B5EF4-FFF2-40B4-BE49-F238E27FC236}">
+                <a16:creationId xmlns:a16="http://schemas.microsoft.com/office/drawing/2014/main" id="{BEB5BB41-09D4-4E9F-8C80-EE8709171CB3}"/>
+              </a:ext>
+            </a:extLst>
+          </p:cNvPr>
+          <p:cNvSpPr>
+            <a:spLocks noGrp="1"/>
+          </p:cNvSpPr>
+          <p:nvPr>
+            <p:ph type="subTitle" sz="quarter" idx="11"/>
+          </p:nvPr>
+        </p:nvSpPr>
+        <p:spPr>
+          <a:xfrm>
+            <a:off x="615109" y="5855916"/>
+            <a:ext cx="10961783" cy="768084"/>
+          </a:xfrm>
+        </p:spPr>
+        <p:txBody>
+          <a:bodyPr/>
+          <a:lstStyle/>
+          <a:p>
+            <a:r>
+              <a:rPr lang="bg-BG" dirty="0"/>
+              <a:t>Държави и градове</a:t>
+            </a:r>
+          </a:p>
+        </p:txBody>
+      </p:sp>
+      <p:sp>
+        <p:nvSpPr>
+          <p:cNvPr id="6" name="Slide Title">
+            <a:extLst>
+              <a:ext uri="{FF2B5EF4-FFF2-40B4-BE49-F238E27FC236}">
+                <a16:creationId xmlns:a16="http://schemas.microsoft.com/office/drawing/2014/main" id="{028D9EA3-B5E0-4F17-9467-4BE3C280DA68}"/>
+              </a:ext>
+            </a:extLst>
+          </p:cNvPr>
+          <p:cNvSpPr>
+            <a:spLocks noGrp="1"/>
+          </p:cNvSpPr>
+          <p:nvPr>
+            <p:ph type="title" sz="quarter" idx="10"/>
+          </p:nvPr>
+        </p:nvSpPr>
+        <p:spPr>
+          <a:xfrm>
+            <a:off x="615109" y="4974825"/>
+            <a:ext cx="10961783" cy="768084"/>
+          </a:xfrm>
+        </p:spPr>
+        <p:txBody>
+          <a:bodyPr/>
+          <a:lstStyle/>
+          <a:p>
+            <a:r>
+              <a:rPr lang="bg-BG" dirty="0"/>
+              <a:t>Примерно приложение</a:t>
+            </a:r>
+            <a:endParaRPr lang="en-US" dirty="0"/>
+          </a:p>
+        </p:txBody>
+      </p:sp>
+      <p:pic>
+        <p:nvPicPr>
+          <p:cNvPr id="7" name="Picture 6">
+            <a:extLst>
+              <a:ext uri="{FF2B5EF4-FFF2-40B4-BE49-F238E27FC236}">
+                <a16:creationId xmlns:a16="http://schemas.microsoft.com/office/drawing/2014/main" id="{E984A141-4C2B-06BC-DEE6-8F0D4916E953}"/>
+              </a:ext>
+            </a:extLst>
+          </p:cNvPr>
+          <p:cNvPicPr>
+            <a:picLocks noChangeAspect="1"/>
+          </p:cNvPicPr>
+          <p:nvPr/>
+        </p:nvPicPr>
+        <p:blipFill>
+          <a:blip r:embed="rId3">
+            <a:extLst>
+              <a:ext uri="{28A0092B-C50C-407E-A947-70E740481C1C}">
+                <a14:useLocalDpi xmlns:a14="http://schemas.microsoft.com/office/drawing/2010/main" val="0"/>
+              </a:ext>
+            </a:extLst>
+          </a:blip>
+          <a:srcRect/>
+          <a:stretch/>
+        </p:blipFill>
+        <p:spPr>
+          <a:xfrm>
+            <a:off x="2676000" y="507920"/>
+            <a:ext cx="6840000" cy="4353898"/>
+          </a:xfrm>
+          <a:prstGeom prst="rect">
+            <a:avLst/>
+          </a:prstGeom>
+          <a:ln>
+            <a:noFill/>
+          </a:ln>
+          <a:effectLst>
+            <a:outerShdw blurRad="190500" algn="tl" rotWithShape="0">
+              <a:srgbClr val="000000">
+                <a:alpha val="70000"/>
+              </a:srgbClr>
+            </a:outerShdw>
+          </a:effectLst>
+        </p:spPr>
+      </p:pic>
+    </p:spTree>
+    <p:extLst>
+      <p:ext uri="{BB962C8B-B14F-4D97-AF65-F5344CB8AC3E}">
+        <p14:creationId xmlns:p14="http://schemas.microsoft.com/office/powerpoint/2010/main" val="3027298682"/>
+      </p:ext>
+    </p:extLst>
+  </p:cSld>
+  <p:clrMapOvr>
+    <a:masterClrMapping/>
+  </p:clrMapOvr>
+  <mc:AlternateContent xmlns:mc="http://schemas.openxmlformats.org/markup-compatibility/2006" xmlns:p14="http://schemas.microsoft.com/office/powerpoint/2010/main">
+    <mc:Choice Requires="p14">
+      <p:transition spd="slow" p14:dur="2000" advClick="0" advTm="5000"/>
+    </mc:Choice>
+    <mc:Fallback xmlns="">
+      <p:transition spd="slow" advClick="0" advTm="5000"/>
+    </mc:Fallback>
+  </mc:AlternateContent>
+</p:sld>
+</file>
+
+<file path=ppt/slides/slide22.xml><?xml version="1.0" encoding="utf-8"?>
+<p:sld xmlns:a="http://schemas.openxmlformats.org/drawingml/2006/main" xmlns:r="http://schemas.openxmlformats.org/officeDocument/2006/relationships" xmlns:p="http://schemas.openxmlformats.org/presentationml/2006/main">
+  <p:cSld>
+    <p:spTree>
+      <p:nvGrpSpPr>
         <p:cNvPr id="1" name=""/>
         <p:cNvGrpSpPr/>
         <p:nvPr/>
@@ -13821,7 +15222,7 @@
             <a:fld id="{2BF067CD-8E6B-4360-9AA8-C5DF2A48A6D1}" type="slidenum">
               <a:rPr lang="en-US" noProof="0" smtClean="0"/>
               <a:pPr/>
-              <a:t>20</a:t>
+              <a:t>22</a:t>
             </a:fld>
             <a:endParaRPr lang="en-US" noProof="0" dirty="0"/>
           </a:p>
@@ -13884,15 +15285,15 @@
           <a:p>
             <a:pPr lvl="1"/>
             <a:r>
-              <a:rPr lang="en-US" dirty="0"/>
+              <a:rPr lang="en-US" b="1" dirty="0"/>
               <a:t>DataGridView</a:t>
             </a:r>
-            <a:endParaRPr lang="bg-BG" dirty="0"/>
+            <a:endParaRPr lang="bg-BG" b="1" dirty="0"/>
           </a:p>
           <a:p>
             <a:pPr lvl="2"/>
             <a:r>
-              <a:rPr lang="en-US" b="1" dirty="0">
+              <a:rPr lang="en-US" b="1" dirty="0" err="1">
                 <a:solidFill>
                   <a:schemeClr val="bg1"/>
                 </a:solidFill>
@@ -13901,11 +15302,18 @@
               </a:rPr>
               <a:t>dataGridViewCountries</a:t>
             </a:r>
+            <a:endParaRPr lang="en-US" b="1" dirty="0">
+              <a:solidFill>
+                <a:schemeClr val="bg1"/>
+              </a:solidFill>
+              <a:latin typeface="Consolas" panose="020B0609020204030204" pitchFamily="49" charset="0"/>
+              <a:cs typeface="Consolas" panose="020B0609020204030204" pitchFamily="49" charset="0"/>
+            </a:endParaRPr>
           </a:p>
           <a:p>
             <a:pPr lvl="2"/>
             <a:r>
-              <a:rPr lang="en-GB" b="1" dirty="0">
+              <a:rPr lang="en-GB" b="1" dirty="0" err="1">
                 <a:solidFill>
                   <a:schemeClr val="bg1"/>
                 </a:solidFill>
@@ -13914,11 +15322,18 @@
               </a:rPr>
               <a:t>dataGridViewTowns</a:t>
             </a:r>
+            <a:endParaRPr lang="en-GB" b="1" dirty="0">
+              <a:solidFill>
+                <a:schemeClr val="bg1"/>
+              </a:solidFill>
+              <a:latin typeface="Consolas" panose="020B0609020204030204" pitchFamily="49" charset="0"/>
+              <a:cs typeface="Consolas" panose="020B0609020204030204" pitchFamily="49" charset="0"/>
+            </a:endParaRPr>
           </a:p>
           <a:p>
             <a:pPr lvl="1"/>
             <a:r>
-              <a:rPr lang="en-GB" dirty="0"/>
+              <a:rPr lang="en-GB" b="1" dirty="0"/>
               <a:t>Label</a:t>
             </a:r>
           </a:p>
@@ -13984,14 +15399,14 @@
           <a:p>
             <a:pPr lvl="1"/>
             <a:r>
-              <a:rPr lang="en-GB" dirty="0"/>
+              <a:rPr lang="en-GB" b="1" dirty="0"/>
               <a:t>TextBox</a:t>
             </a:r>
           </a:p>
           <a:p>
             <a:pPr lvl="2"/>
             <a:r>
-              <a:rPr lang="en-GB" b="1" dirty="0">
+              <a:rPr lang="en-GB" b="1" dirty="0" err="1">
                 <a:solidFill>
                   <a:schemeClr val="bg1"/>
                 </a:solidFill>
@@ -14000,13 +15415,21 @@
               </a:rPr>
               <a:t>textBoxFilter</a:t>
             </a:r>
+            <a:endParaRPr lang="en-GB" b="1" dirty="0">
+              <a:solidFill>
+                <a:schemeClr val="bg1"/>
+              </a:solidFill>
+              <a:latin typeface="Consolas" panose="020B0609020204030204" pitchFamily="49" charset="0"/>
+              <a:cs typeface="Consolas" panose="020B0609020204030204" pitchFamily="49" charset="0"/>
+            </a:endParaRPr>
           </a:p>
           <a:p>
             <a:pPr lvl="1"/>
             <a:r>
-              <a:rPr lang="en-GB" dirty="0"/>
+              <a:rPr lang="en-GB" b="1" dirty="0" err="1"/>
               <a:t>ComboBox</a:t>
             </a:r>
+            <a:endParaRPr lang="en-GB" b="1" dirty="0"/>
           </a:p>
           <a:p>
             <a:pPr lvl="2"/>
@@ -14748,12 +16171,18 @@
 </p:sld>
 </file>
 
-<file path=ppt/slides/slide21.xml><?xml version="1.0" encoding="utf-8"?>
+<file path=ppt/slides/slide23.xml><?xml version="1.0" encoding="utf-8"?>
 <p:sld xmlns:a="http://schemas.openxmlformats.org/drawingml/2006/main" xmlns:r="http://schemas.openxmlformats.org/officeDocument/2006/relationships" xmlns:p="http://schemas.openxmlformats.org/presentationml/2006/main">
   <p:cSld>
     <p:spTree>
       <p:nvGrpSpPr>
-        <p:cNvPr id="1" name=""/>
+        <p:cNvPr id="1" name="">
+          <a:extLst>
+            <a:ext uri="{FF2B5EF4-FFF2-40B4-BE49-F238E27FC236}">
+              <a16:creationId xmlns:a16="http://schemas.microsoft.com/office/drawing/2014/main" id="{BEB3B8C5-40BC-10C0-BE09-BC043D3D7E72}"/>
+            </a:ext>
+          </a:extLst>
+        </p:cNvPr>
         <p:cNvGrpSpPr/>
         <p:nvPr/>
       </p:nvGrpSpPr>
@@ -14770,7 +16199,7 @@
           <p:cNvPr id="2" name="Slide Number Placeholder 1">
             <a:extLst>
               <a:ext uri="{FF2B5EF4-FFF2-40B4-BE49-F238E27FC236}">
-                <a16:creationId xmlns:a16="http://schemas.microsoft.com/office/drawing/2014/main" id="{17B9613A-E959-7D44-F55D-E718F1D48461}"/>
+                <a16:creationId xmlns:a16="http://schemas.microsoft.com/office/drawing/2014/main" id="{97D4AD4F-4BF3-FAA1-75CB-99D88A69A633}"/>
               </a:ext>
             </a:extLst>
           </p:cNvPr>
@@ -14789,7 +16218,7 @@
             <a:fld id="{2BF067CD-8E6B-4360-9AA8-C5DF2A48A6D1}" type="slidenum">
               <a:rPr lang="en-US" noProof="0" smtClean="0"/>
               <a:pPr/>
-              <a:t>21</a:t>
+              <a:t>23</a:t>
             </a:fld>
             <a:endParaRPr lang="en-US" noProof="0" dirty="0"/>
           </a:p>
@@ -14800,7 +16229,7 @@
           <p:cNvPr id="3" name="Text Placeholder 2">
             <a:extLst>
               <a:ext uri="{FF2B5EF4-FFF2-40B4-BE49-F238E27FC236}">
-                <a16:creationId xmlns:a16="http://schemas.microsoft.com/office/drawing/2014/main" id="{403443C2-901D-3B24-0BA9-DA13F773DB20}"/>
+                <a16:creationId xmlns:a16="http://schemas.microsoft.com/office/drawing/2014/main" id="{211F2765-D141-788F-5858-D862AE188AF9}"/>
               </a:ext>
             </a:extLst>
           </p:cNvPr>
@@ -14813,16 +16242,21 @@
         </p:nvSpPr>
         <p:spPr>
           <a:xfrm>
-            <a:off x="190402" y="1196125"/>
-            <a:ext cx="6715598" cy="5528766"/>
+            <a:off x="190402" y="1196124"/>
+            <a:ext cx="6715598" cy="5561125"/>
           </a:xfrm>
         </p:spPr>
         <p:txBody>
           <a:bodyPr>
-            <a:normAutofit/>
+            <a:normAutofit lnSpcReduction="10000"/>
           </a:bodyPr>
           <a:lstStyle/>
           <a:p>
+            <a:pPr>
+              <a:lnSpc>
+                <a:spcPct val="110000"/>
+              </a:lnSpc>
+            </a:pPr>
             <a:r>
               <a:rPr lang="bg-BG" sz="2800" dirty="0"/>
               <a:t>Свързваме се с дадената </a:t>
@@ -14833,16 +16267,96 @@
             </a:r>
           </a:p>
           <a:p>
-            <a:r>
-              <a:rPr lang="bg-BG" sz="2800" dirty="0"/>
-              <a:t>Свързваме се с </a:t>
-            </a:r>
-            <a:r>
-              <a:rPr lang="en-US" sz="2800" b="1" dirty="0"/>
+            <a:pPr lvl="1">
+              <a:lnSpc>
+                <a:spcPct val="110000"/>
+              </a:lnSpc>
+            </a:pPr>
+            <a:r>
+              <a:rPr lang="bg-BG" sz="2600" dirty="0"/>
+              <a:t>Генерираме класове по базата данни с </a:t>
+            </a:r>
+            <a:r>
+              <a:rPr lang="en-US" sz="2600" b="1" dirty="0"/>
               <a:t>EF Core</a:t>
             </a:r>
-          </a:p>
-          <a:p>
+            <a:r>
+              <a:rPr lang="bg-BG" sz="2600" b="1" dirty="0"/>
+              <a:t> </a:t>
+            </a:r>
+            <a:r>
+              <a:rPr lang="bg-BG" sz="2600" dirty="0"/>
+              <a:t>(</a:t>
+            </a:r>
+            <a:r>
+              <a:rPr lang="en-US" sz="2600" dirty="0"/>
+              <a:t>scaffold</a:t>
+            </a:r>
+            <a:r>
+              <a:rPr lang="bg-BG" sz="2600" dirty="0"/>
+              <a:t> </a:t>
+            </a:r>
+            <a:r>
+              <a:rPr lang="en-US" sz="2600" dirty="0"/>
+              <a:t>database)</a:t>
+            </a:r>
+          </a:p>
+          <a:p>
+            <a:pPr lvl="1">
+              <a:lnSpc>
+                <a:spcPct val="110000"/>
+              </a:lnSpc>
+            </a:pPr>
+            <a:r>
+              <a:rPr lang="bg-BG" sz="2600" dirty="0"/>
+              <a:t>Получаваме класовете </a:t>
+            </a:r>
+            <a:r>
+              <a:rPr lang="en-US" sz="2600" b="1" noProof="1">
+                <a:latin typeface="Consolas" panose="020B0609020204030204" pitchFamily="49" charset="0"/>
+              </a:rPr>
+              <a:t>Country.cs</a:t>
+            </a:r>
+            <a:r>
+              <a:rPr lang="en-US" sz="2600" dirty="0"/>
+              <a:t>, </a:t>
+            </a:r>
+            <a:r>
+              <a:rPr lang="en-US" sz="2600" b="1" noProof="1">
+                <a:latin typeface="Consolas" panose="020B0609020204030204" pitchFamily="49" charset="0"/>
+              </a:rPr>
+              <a:t>Town.cs</a:t>
+            </a:r>
+            <a:r>
+              <a:rPr lang="en-US" sz="2600" dirty="0"/>
+              <a:t> </a:t>
+            </a:r>
+            <a:r>
+              <a:rPr lang="bg-BG" sz="2600" dirty="0"/>
+              <a:t>и</a:t>
+            </a:r>
+            <a:r>
+              <a:rPr lang="en-US" sz="2600" dirty="0"/>
+              <a:t> </a:t>
+            </a:r>
+            <a:r>
+              <a:rPr lang="en-US" sz="2600" b="1" noProof="1">
+                <a:latin typeface="Consolas" panose="020B0609020204030204" pitchFamily="49" charset="0"/>
+              </a:rPr>
+              <a:t>CountriesDbContext.cs</a:t>
+            </a:r>
+            <a:r>
+              <a:rPr lang="bg-BG" sz="2600" dirty="0"/>
+              <a:t> </a:t>
+            </a:r>
+            <a:endParaRPr lang="en-US" sz="2600" dirty="0"/>
+          </a:p>
+          <a:p>
+            <a:pPr>
+              <a:lnSpc>
+                <a:spcPct val="110000"/>
+              </a:lnSpc>
+            </a:pPr>
             <a:r>
               <a:rPr lang="bg-BG" sz="2800" dirty="0"/>
               <a:t>Добавяме </a:t>
@@ -14857,15 +16371,32 @@
             </a:r>
             <a:r>
               <a:rPr lang="bg-BG" sz="2800" dirty="0"/>
-              <a:t>към </a:t>
-            </a:r>
-            <a:r>
-              <a:rPr lang="en-US" sz="2800" b="1" dirty="0"/>
+              <a:t>към</a:t>
+            </a:r>
+            <a:r>
+              <a:rPr lang="en-US" sz="2800" dirty="0"/>
+              <a:t> </a:t>
+            </a:r>
+            <a:r>
+              <a:rPr lang="bg-BG" sz="2800" dirty="0"/>
+              <a:t>двете </a:t>
+            </a:r>
+            <a:r>
+              <a:rPr lang="en-US" sz="2800" b="1" noProof="1"/>
               <a:t>DataGridView</a:t>
             </a:r>
-          </a:p>
-          <a:p>
-            <a:pPr lvl="1"/>
+            <a:r>
+              <a:rPr lang="bg-BG" sz="2800" dirty="0"/>
+              <a:t> контроли</a:t>
+            </a:r>
+            <a:endParaRPr lang="en-US" sz="2800" b="1" dirty="0"/>
+          </a:p>
+          <a:p>
+            <a:pPr lvl="1">
+              <a:lnSpc>
+                <a:spcPct val="110000"/>
+              </a:lnSpc>
+            </a:pPr>
             <a:r>
               <a:rPr lang="en-US" sz="2600" b="1" dirty="0">
                 <a:solidFill>
@@ -14914,21 +16445,16 @@
               </a:rPr>
               <a:t>Country</a:t>
             </a:r>
-          </a:p>
-          <a:p>
-            <a:pPr lvl="1"/>
-            <a:r>
-              <a:rPr lang="en-GB" sz="2600" b="1" dirty="0">
-                <a:solidFill>
-                  <a:schemeClr val="bg1"/>
-                </a:solidFill>
+            <a:r>
+              <a:rPr lang="en-US" sz="2800" dirty="0">
                 <a:latin typeface="Consolas" panose="020B0609020204030204" pitchFamily="49" charset="0"/>
                 <a:cs typeface="Consolas" panose="020B0609020204030204" pitchFamily="49" charset="0"/>
-              </a:rPr>
-              <a:t>dataGridViewTowns</a:t>
-            </a:r>
-            <a:r>
-              <a:rPr lang="en-GB" sz="2600" b="1" dirty="0">
+                <a:sym typeface="Wingdings" panose="05000000000000000000" pitchFamily="2" charset="2"/>
+              </a:rPr>
+              <a:t> </a:t>
+            </a:r>
+            <a:r>
+              <a:rPr lang="en-US" sz="3200" b="1" dirty="0">
                 <a:solidFill>
                   <a:schemeClr val="bg1"/>
                 </a:solidFill>
@@ -14938,6 +16464,50 @@
               <a:t> </a:t>
             </a:r>
             <a:r>
+              <a:rPr lang="en-GB" sz="2800" b="1" noProof="1">
+                <a:solidFill>
+                  <a:schemeClr val="bg1"/>
+                </a:solidFill>
+                <a:latin typeface="Consolas" panose="020B0609020204030204" pitchFamily="49" charset="0"/>
+                <a:cs typeface="Consolas" panose="020B0609020204030204" pitchFamily="49" charset="0"/>
+              </a:rPr>
+              <a:t>countryBindingSource</a:t>
+            </a:r>
+            <a:endParaRPr lang="en-GB" sz="2600" b="1" noProof="1">
+              <a:solidFill>
+                <a:schemeClr val="bg1"/>
+              </a:solidFill>
+              <a:latin typeface="Consolas" panose="020B0609020204030204" pitchFamily="49" charset="0"/>
+              <a:cs typeface="Consolas" panose="020B0609020204030204" pitchFamily="49" charset="0"/>
+            </a:endParaRPr>
+          </a:p>
+          <a:p>
+            <a:pPr lvl="1">
+              <a:lnSpc>
+                <a:spcPct val="110000"/>
+              </a:lnSpc>
+            </a:pPr>
+            <a:r>
+              <a:rPr lang="en-GB" sz="2600" b="1" dirty="0" err="1">
+                <a:solidFill>
+                  <a:schemeClr val="bg1"/>
+                </a:solidFill>
+                <a:latin typeface="Consolas" panose="020B0609020204030204" pitchFamily="49" charset="0"/>
+                <a:cs typeface="Consolas" panose="020B0609020204030204" pitchFamily="49" charset="0"/>
+              </a:rPr>
+              <a:t>dataGridViewTowns</a:t>
+            </a:r>
+            <a:r>
+              <a:rPr lang="en-GB" sz="2600" b="1" dirty="0">
+                <a:solidFill>
+                  <a:schemeClr val="bg1"/>
+                </a:solidFill>
+                <a:latin typeface="Calibri" panose="020F0502020204030204" pitchFamily="34" charset="0"/>
+                <a:cs typeface="Calibri" panose="020F0502020204030204" pitchFamily="34" charset="0"/>
+              </a:rPr>
+              <a:t> </a:t>
+            </a:r>
+            <a:r>
               <a:rPr lang="en-US" sz="2400" dirty="0">
                 <a:sym typeface="Wingdings" panose="05000000000000000000" pitchFamily="2" charset="2"/>
               </a:rPr>
@@ -14963,66 +16533,43 @@
               </a:rPr>
               <a:t>Town</a:t>
             </a:r>
-          </a:p>
-          <a:p>
-            <a:r>
-              <a:rPr lang="bg-BG" sz="2800" dirty="0">
-                <a:latin typeface="Calibri" panose="020F0502020204030204" pitchFamily="34" charset="0"/>
-                <a:cs typeface="Calibri" panose="020F0502020204030204" pitchFamily="34" charset="0"/>
-              </a:rPr>
-              <a:t>Променяме </a:t>
-            </a:r>
-            <a:r>
-              <a:rPr lang="bg-BG" sz="2800" b="1" dirty="0">
-                <a:latin typeface="Calibri" panose="020F0502020204030204" pitchFamily="34" charset="0"/>
-                <a:cs typeface="Calibri" panose="020F0502020204030204" pitchFamily="34" charset="0"/>
-              </a:rPr>
-              <a:t>имената</a:t>
-            </a:r>
-            <a:r>
-              <a:rPr lang="bg-BG" sz="2800" dirty="0">
-                <a:latin typeface="Calibri" panose="020F0502020204030204" pitchFamily="34" charset="0"/>
-                <a:cs typeface="Calibri" panose="020F0502020204030204" pitchFamily="34" charset="0"/>
-              </a:rPr>
-              <a:t> на колоните</a:t>
-            </a:r>
-          </a:p>
-          <a:p>
-            <a:r>
-              <a:rPr lang="bg-BG" sz="2800" b="1" dirty="0"/>
-              <a:t>Забраняваме</a:t>
-            </a:r>
-            <a:r>
-              <a:rPr lang="bg-BG" sz="2800" dirty="0"/>
+            <a:r>
+              <a:rPr lang="en-US" sz="2800" dirty="0">
+                <a:sym typeface="Wingdings" panose="05000000000000000000" pitchFamily="2" charset="2"/>
+              </a:rPr>
+              <a:t> </a:t>
+            </a:r>
+            <a:r>
+              <a:rPr lang="en-GB" sz="2800" b="1" dirty="0">
+                <a:solidFill>
+                  <a:schemeClr val="bg1"/>
+                </a:solidFill>
+                <a:latin typeface="Consolas" panose="020B0609020204030204" pitchFamily="49" charset="0"/>
+                <a:cs typeface="Consolas" panose="020B0609020204030204" pitchFamily="49" charset="0"/>
+              </a:rPr>
               <a:t> </a:t>
             </a:r>
             <a:r>
-              <a:rPr lang="bg-BG" sz="2800" b="1" dirty="0">
+              <a:rPr lang="en-US" sz="2800" b="1" dirty="0">
                 <a:solidFill>
                   <a:schemeClr val="bg1"/>
                 </a:solidFill>
-              </a:rPr>
-              <a:t>редактирането</a:t>
-            </a:r>
-            <a:r>
-              <a:rPr lang="bg-BG" sz="2800" dirty="0"/>
-              <a:t> на колоните</a:t>
-            </a:r>
-            <a:r>
-              <a:rPr lang="en-US" sz="2800" dirty="0"/>
-              <a:t> </a:t>
-            </a:r>
-            <a:r>
-              <a:rPr lang="en-US" sz="2800" b="1" dirty="0">
+                <a:latin typeface="Consolas" panose="020B0609020204030204" pitchFamily="49" charset="0"/>
+                <a:cs typeface="Consolas" panose="020B0609020204030204" pitchFamily="49" charset="0"/>
+              </a:rPr>
+              <a:t>town</a:t>
+            </a:r>
+            <a:r>
+              <a:rPr lang="en-GB" sz="2800" b="1" noProof="1">
                 <a:solidFill>
                   <a:schemeClr val="bg1"/>
                 </a:solidFill>
                 <a:latin typeface="Consolas" panose="020B0609020204030204" pitchFamily="49" charset="0"/>
                 <a:cs typeface="Consolas" panose="020B0609020204030204" pitchFamily="49" charset="0"/>
               </a:rPr>
-              <a:t>Id</a:t>
-            </a:r>
-            <a:endParaRPr lang="en-BG" sz="2800" dirty="0">
+              <a:t>BindingSource</a:t>
+            </a:r>
+            <a:endParaRPr lang="en-GB" sz="2800" noProof="1">
               <a:latin typeface="Calibri" panose="020F0502020204030204" pitchFamily="34" charset="0"/>
               <a:cs typeface="Calibri" panose="020F0502020204030204" pitchFamily="34" charset="0"/>
             </a:endParaRPr>
@@ -15034,7 +16581,7 @@
           <p:cNvPr id="4" name="Title 3">
             <a:extLst>
               <a:ext uri="{FF2B5EF4-FFF2-40B4-BE49-F238E27FC236}">
-                <a16:creationId xmlns:a16="http://schemas.microsoft.com/office/drawing/2014/main" id="{086E11B0-7981-D3D5-9F61-B7C5904532DE}"/>
+                <a16:creationId xmlns:a16="http://schemas.microsoft.com/office/drawing/2014/main" id="{6649AF08-6AA0-9526-2999-E3CFC1846E75}"/>
               </a:ext>
             </a:extLst>
           </p:cNvPr>
@@ -15070,89 +16617,89 @@
           </a:p>
         </p:txBody>
       </p:sp>
-      <p:pic>
-        <p:nvPicPr>
-          <p:cNvPr id="8" name="Picture 7">
+      <p:sp>
+        <p:nvSpPr>
+          <p:cNvPr id="5" name="Rectangle 4">
             <a:extLst>
               <a:ext uri="{FF2B5EF4-FFF2-40B4-BE49-F238E27FC236}">
-                <a16:creationId xmlns:a16="http://schemas.microsoft.com/office/drawing/2014/main" id="{B6F9547B-091F-F3BF-E3D4-69ADEAF445EA}"/>
+                <a16:creationId xmlns:a16="http://schemas.microsoft.com/office/drawing/2014/main" id="{2093F8D6-1AAF-47EF-D5F8-63FD250822F5}"/>
               </a:ext>
             </a:extLst>
           </p:cNvPr>
-          <p:cNvPicPr>
-            <a:picLocks noChangeAspect="1"/>
-          </p:cNvPicPr>
+          <p:cNvSpPr/>
           <p:nvPr/>
-        </p:nvPicPr>
-        <p:blipFill>
-          <a:blip r:embed="rId3">
-            <a:extLst>
-              <a:ext uri="{28A0092B-C50C-407E-A947-70E740481C1C}">
-                <a14:useLocalDpi xmlns:a14="http://schemas.microsoft.com/office/drawing/2010/main" val="0"/>
-              </a:ext>
-            </a:extLst>
-          </a:blip>
-          <a:stretch>
-            <a:fillRect/>
-          </a:stretch>
-        </p:blipFill>
-        <p:spPr>
+        </p:nvSpPr>
+        <p:spPr bwMode="auto">
           <a:xfrm>
-            <a:off x="6741120" y="1208485"/>
-            <a:ext cx="5195617" cy="4492680"/>
+            <a:off x="7761000" y="1404000"/>
+            <a:ext cx="3870000" cy="4860000"/>
           </a:xfrm>
           <a:prstGeom prst="rect">
             <a:avLst/>
           </a:prstGeom>
-          <a:ln>
+          <a:solidFill>
+            <a:schemeClr val="dk2">
+              <a:alpha val="80000"/>
+            </a:schemeClr>
+          </a:solidFill>
+          <a:ln w="19050">
             <a:solidFill>
-              <a:schemeClr val="bg2">
+              <a:schemeClr val="tx1">
                 <a:lumMod val="75000"/>
+                <a:alpha val="80000"/>
               </a:schemeClr>
             </a:solidFill>
           </a:ln>
+          <a:effectLst/>
         </p:spPr>
-      </p:pic>
-      <p:pic>
-        <p:nvPicPr>
-          <p:cNvPr id="6" name="Picture 5">
-            <a:extLst>
-              <a:ext uri="{FF2B5EF4-FFF2-40B4-BE49-F238E27FC236}">
-                <a16:creationId xmlns:a16="http://schemas.microsoft.com/office/drawing/2014/main" id="{569E8E92-F56C-4726-E237-A70635E3AC8A}"/>
-              </a:ext>
-            </a:extLst>
-          </p:cNvPr>
-          <p:cNvPicPr>
-            <a:picLocks/>
-          </p:cNvPicPr>
-          <p:nvPr/>
-        </p:nv